--- a/PresentacionTFM.pptx
+++ b/PresentacionTFM.pptx
@@ -5,25 +5,27 @@
     <p:sldMasterId id="2147483648" r:id="rId1"/>
   </p:sldMasterIdLst>
   <p:notesMasterIdLst>
-    <p:notesMasterId r:id="rId18"/>
+    <p:notesMasterId r:id="rId20"/>
   </p:notesMasterIdLst>
   <p:sldIdLst>
     <p:sldId id="256" r:id="rId2"/>
     <p:sldId id="277" r:id="rId3"/>
     <p:sldId id="258" r:id="rId4"/>
-    <p:sldId id="271" r:id="rId5"/>
-    <p:sldId id="272" r:id="rId6"/>
-    <p:sldId id="262" r:id="rId7"/>
-    <p:sldId id="270" r:id="rId8"/>
-    <p:sldId id="269" r:id="rId9"/>
-    <p:sldId id="268" r:id="rId10"/>
-    <p:sldId id="261" r:id="rId11"/>
-    <p:sldId id="263" r:id="rId12"/>
-    <p:sldId id="264" r:id="rId13"/>
-    <p:sldId id="273" r:id="rId14"/>
-    <p:sldId id="274" r:id="rId15"/>
-    <p:sldId id="275" r:id="rId16"/>
-    <p:sldId id="276" r:id="rId17"/>
+    <p:sldId id="278" r:id="rId5"/>
+    <p:sldId id="271" r:id="rId6"/>
+    <p:sldId id="272" r:id="rId7"/>
+    <p:sldId id="262" r:id="rId8"/>
+    <p:sldId id="270" r:id="rId9"/>
+    <p:sldId id="269" r:id="rId10"/>
+    <p:sldId id="268" r:id="rId11"/>
+    <p:sldId id="261" r:id="rId12"/>
+    <p:sldId id="263" r:id="rId13"/>
+    <p:sldId id="264" r:id="rId14"/>
+    <p:sldId id="273" r:id="rId15"/>
+    <p:sldId id="274" r:id="rId16"/>
+    <p:sldId id="275" r:id="rId17"/>
+    <p:sldId id="279" r:id="rId18"/>
+    <p:sldId id="276" r:id="rId19"/>
   </p:sldIdLst>
   <p:sldSz cx="9144000" cy="6858000" type="screen4x3"/>
   <p:notesSz cx="6858000" cy="9144000"/>
@@ -156,7 +158,6 @@
   </mc:AlternateContent>
   <c:chart>
     <c:title>
-      <c:layout/>
       <c:overlay val="0"/>
     </c:title>
     <c:autoTitleDeleted val="0"/>
@@ -390,11 +391,11 @@
           <c:showBubbleSize val="0"/>
         </c:dLbls>
         <c:gapWidth val="150"/>
-        <c:axId val="1641727584"/>
-        <c:axId val="1660776592"/>
+        <c:axId val="1787012048"/>
+        <c:axId val="1787281776"/>
       </c:barChart>
       <c:catAx>
-        <c:axId val="1641727584"/>
+        <c:axId val="1787012048"/>
         <c:scaling>
           <c:orientation val="minMax"/>
         </c:scaling>
@@ -404,7 +405,7 @@
         <c:majorTickMark val="none"/>
         <c:minorTickMark val="none"/>
         <c:tickLblPos val="nextTo"/>
-        <c:crossAx val="1660776592"/>
+        <c:crossAx val="1787281776"/>
         <c:crosses val="autoZero"/>
         <c:auto val="1"/>
         <c:lblAlgn val="ctr"/>
@@ -412,7 +413,7 @@
         <c:noMultiLvlLbl val="0"/>
       </c:catAx>
       <c:valAx>
-        <c:axId val="1660776592"/>
+        <c:axId val="1787281776"/>
         <c:scaling>
           <c:orientation val="minMax"/>
         </c:scaling>
@@ -420,14 +421,13 @@
         <c:axPos val="b"/>
         <c:majorGridlines/>
         <c:title>
-          <c:layout/>
           <c:overlay val="0"/>
         </c:title>
         <c:numFmt formatCode="0%" sourceLinked="1"/>
         <c:majorTickMark val="none"/>
         <c:minorTickMark val="none"/>
         <c:tickLblPos val="nextTo"/>
-        <c:crossAx val="1641727584"/>
+        <c:crossAx val="1787012048"/>
         <c:crosses val="autoZero"/>
         <c:crossBetween val="between"/>
       </c:valAx>
@@ -1204,6 +1204,788 @@
 </file>
 
 <file path=ppt/diagrams/colors2.xml><?xml version="1.0" encoding="utf-8"?>
+<dgm:colorsDef xmlns:dgm="http://schemas.openxmlformats.org/drawingml/2006/diagram" xmlns:a="http://schemas.openxmlformats.org/drawingml/2006/main" uniqueId="urn:microsoft.com/office/officeart/2005/8/colors/colorful2">
+  <dgm:title val=""/>
+  <dgm:desc val=""/>
+  <dgm:catLst>
+    <dgm:cat type="colorful" pri="10200"/>
+  </dgm:catLst>
+  <dgm:styleLbl name="node0">
+    <dgm:fillClrLst meth="repeat">
+      <a:schemeClr val="accent1"/>
+    </dgm:fillClrLst>
+    <dgm:linClrLst meth="repeat">
+      <a:schemeClr val="lt1"/>
+    </dgm:linClrLst>
+    <dgm:effectClrLst/>
+    <dgm:txLinClrLst/>
+    <dgm:txFillClrLst/>
+    <dgm:txEffectClrLst/>
+  </dgm:styleLbl>
+  <dgm:styleLbl name="node1">
+    <dgm:fillClrLst>
+      <a:schemeClr val="accent2"/>
+      <a:schemeClr val="accent3"/>
+    </dgm:fillClrLst>
+    <dgm:linClrLst meth="repeat">
+      <a:schemeClr val="lt1"/>
+    </dgm:linClrLst>
+    <dgm:effectClrLst/>
+    <dgm:txLinClrLst/>
+    <dgm:txFillClrLst/>
+    <dgm:txEffectClrLst/>
+  </dgm:styleLbl>
+  <dgm:styleLbl name="alignNode1">
+    <dgm:fillClrLst>
+      <a:schemeClr val="accent2"/>
+      <a:schemeClr val="accent3"/>
+    </dgm:fillClrLst>
+    <dgm:linClrLst>
+      <a:schemeClr val="accent2"/>
+      <a:schemeClr val="accent3"/>
+    </dgm:linClrLst>
+    <dgm:effectClrLst/>
+    <dgm:txLinClrLst/>
+    <dgm:txFillClrLst/>
+    <dgm:txEffectClrLst/>
+  </dgm:styleLbl>
+  <dgm:styleLbl name="lnNode1">
+    <dgm:fillClrLst>
+      <a:schemeClr val="accent2"/>
+      <a:schemeClr val="accent3"/>
+    </dgm:fillClrLst>
+    <dgm:linClrLst meth="repeat">
+      <a:schemeClr val="lt1"/>
+    </dgm:linClrLst>
+    <dgm:effectClrLst/>
+    <dgm:txLinClrLst/>
+    <dgm:txFillClrLst/>
+    <dgm:txEffectClrLst/>
+  </dgm:styleLbl>
+  <dgm:styleLbl name="vennNode1">
+    <dgm:fillClrLst>
+      <a:schemeClr val="accent2">
+        <a:alpha val="50000"/>
+      </a:schemeClr>
+      <a:schemeClr val="accent3">
+        <a:alpha val="50000"/>
+      </a:schemeClr>
+    </dgm:fillClrLst>
+    <dgm:linClrLst meth="repeat">
+      <a:schemeClr val="lt1"/>
+    </dgm:linClrLst>
+    <dgm:effectClrLst/>
+    <dgm:txLinClrLst/>
+    <dgm:txFillClrLst/>
+    <dgm:txEffectClrLst/>
+  </dgm:styleLbl>
+  <dgm:styleLbl name="node2">
+    <dgm:fillClrLst>
+      <a:schemeClr val="accent3"/>
+    </dgm:fillClrLst>
+    <dgm:linClrLst meth="repeat">
+      <a:schemeClr val="lt1"/>
+    </dgm:linClrLst>
+    <dgm:effectClrLst/>
+    <dgm:txLinClrLst/>
+    <dgm:txFillClrLst/>
+    <dgm:txEffectClrLst/>
+  </dgm:styleLbl>
+  <dgm:styleLbl name="node3">
+    <dgm:fillClrLst>
+      <a:schemeClr val="accent4"/>
+    </dgm:fillClrLst>
+    <dgm:linClrLst meth="repeat">
+      <a:schemeClr val="lt1"/>
+    </dgm:linClrLst>
+    <dgm:effectClrLst/>
+    <dgm:txLinClrLst/>
+    <dgm:txFillClrLst/>
+    <dgm:txEffectClrLst/>
+  </dgm:styleLbl>
+  <dgm:styleLbl name="node4">
+    <dgm:fillClrLst>
+      <a:schemeClr val="accent5"/>
+    </dgm:fillClrLst>
+    <dgm:linClrLst meth="repeat">
+      <a:schemeClr val="lt1"/>
+    </dgm:linClrLst>
+    <dgm:effectClrLst/>
+    <dgm:txLinClrLst/>
+    <dgm:txFillClrLst/>
+    <dgm:txEffectClrLst/>
+  </dgm:styleLbl>
+  <dgm:styleLbl name="fgImgPlace1">
+    <dgm:fillClrLst>
+      <a:schemeClr val="accent2">
+        <a:tint val="50000"/>
+      </a:schemeClr>
+      <a:schemeClr val="accent3">
+        <a:tint val="50000"/>
+      </a:schemeClr>
+    </dgm:fillClrLst>
+    <dgm:linClrLst meth="repeat">
+      <a:schemeClr val="lt1"/>
+    </dgm:linClrLst>
+    <dgm:effectClrLst/>
+    <dgm:txLinClrLst/>
+    <dgm:txFillClrLst meth="repeat">
+      <a:schemeClr val="lt1"/>
+    </dgm:txFillClrLst>
+    <dgm:txEffectClrLst/>
+  </dgm:styleLbl>
+  <dgm:styleLbl name="alignImgPlace1">
+    <dgm:fillClrLst>
+      <a:schemeClr val="accent2">
+        <a:tint val="50000"/>
+      </a:schemeClr>
+      <a:schemeClr val="accent3">
+        <a:tint val="20000"/>
+      </a:schemeClr>
+    </dgm:fillClrLst>
+    <dgm:linClrLst meth="repeat">
+      <a:schemeClr val="lt1"/>
+    </dgm:linClrLst>
+    <dgm:effectClrLst/>
+    <dgm:txLinClrLst/>
+    <dgm:txFillClrLst meth="repeat">
+      <a:schemeClr val="lt1"/>
+    </dgm:txFillClrLst>
+    <dgm:txEffectClrLst/>
+  </dgm:styleLbl>
+  <dgm:styleLbl name="bgImgPlace1">
+    <dgm:fillClrLst>
+      <a:schemeClr val="accent2">
+        <a:tint val="50000"/>
+      </a:schemeClr>
+      <a:schemeClr val="accent3">
+        <a:tint val="20000"/>
+      </a:schemeClr>
+    </dgm:fillClrLst>
+    <dgm:linClrLst meth="repeat">
+      <a:schemeClr val="lt1"/>
+    </dgm:linClrLst>
+    <dgm:effectClrLst/>
+    <dgm:txLinClrLst/>
+    <dgm:txFillClrLst meth="repeat">
+      <a:schemeClr val="lt1"/>
+    </dgm:txFillClrLst>
+    <dgm:txEffectClrLst/>
+  </dgm:styleLbl>
+  <dgm:styleLbl name="sibTrans2D1">
+    <dgm:fillClrLst>
+      <a:schemeClr val="accent2"/>
+      <a:schemeClr val="accent3"/>
+    </dgm:fillClrLst>
+    <dgm:linClrLst meth="repeat">
+      <a:schemeClr val="lt1"/>
+    </dgm:linClrLst>
+    <dgm:effectClrLst/>
+    <dgm:txLinClrLst/>
+    <dgm:txFillClrLst/>
+    <dgm:txEffectClrLst/>
+  </dgm:styleLbl>
+  <dgm:styleLbl name="fgSibTrans2D1">
+    <dgm:fillClrLst>
+      <a:schemeClr val="accent2"/>
+      <a:schemeClr val="accent3"/>
+    </dgm:fillClrLst>
+    <dgm:linClrLst meth="repeat">
+      <a:schemeClr val="lt1"/>
+    </dgm:linClrLst>
+    <dgm:effectClrLst/>
+    <dgm:txLinClrLst/>
+    <dgm:txFillClrLst meth="repeat">
+      <a:schemeClr val="lt1"/>
+    </dgm:txFillClrLst>
+    <dgm:txEffectClrLst/>
+  </dgm:styleLbl>
+  <dgm:styleLbl name="bgSibTrans2D1">
+    <dgm:fillClrLst>
+      <a:schemeClr val="accent2"/>
+      <a:schemeClr val="accent3"/>
+    </dgm:fillClrLst>
+    <dgm:linClrLst meth="repeat">
+      <a:schemeClr val="lt1"/>
+    </dgm:linClrLst>
+    <dgm:effectClrLst/>
+    <dgm:txLinClrLst/>
+    <dgm:txFillClrLst meth="repeat">
+      <a:schemeClr val="lt1"/>
+    </dgm:txFillClrLst>
+    <dgm:txEffectClrLst/>
+  </dgm:styleLbl>
+  <dgm:styleLbl name="sibTrans1D1">
+    <dgm:fillClrLst/>
+    <dgm:linClrLst>
+      <a:schemeClr val="accent2"/>
+      <a:schemeClr val="accent3"/>
+    </dgm:linClrLst>
+    <dgm:effectClrLst/>
+    <dgm:txLinClrLst/>
+    <dgm:txFillClrLst meth="repeat">
+      <a:schemeClr val="tx1"/>
+    </dgm:txFillClrLst>
+    <dgm:txEffectClrLst/>
+  </dgm:styleLbl>
+  <dgm:styleLbl name="callout">
+    <dgm:fillClrLst meth="repeat">
+      <a:schemeClr val="accent2"/>
+    </dgm:fillClrLst>
+    <dgm:linClrLst meth="repeat">
+      <a:schemeClr val="accent2">
+        <a:tint val="50000"/>
+      </a:schemeClr>
+    </dgm:linClrLst>
+    <dgm:effectClrLst/>
+    <dgm:txLinClrLst/>
+    <dgm:txFillClrLst meth="repeat">
+      <a:schemeClr val="tx1"/>
+    </dgm:txFillClrLst>
+    <dgm:txEffectClrLst/>
+  </dgm:styleLbl>
+  <dgm:styleLbl name="asst0">
+    <dgm:fillClrLst meth="repeat">
+      <a:schemeClr val="accent2"/>
+    </dgm:fillClrLst>
+    <dgm:linClrLst meth="repeat">
+      <a:schemeClr val="lt1">
+        <a:shade val="80000"/>
+      </a:schemeClr>
+    </dgm:linClrLst>
+    <dgm:effectClrLst/>
+    <dgm:txLinClrLst/>
+    <dgm:txFillClrLst/>
+    <dgm:txEffectClrLst/>
+  </dgm:styleLbl>
+  <dgm:styleLbl name="asst1">
+    <dgm:fillClrLst meth="repeat">
+      <a:schemeClr val="accent3"/>
+    </dgm:fillClrLst>
+    <dgm:linClrLst meth="repeat">
+      <a:schemeClr val="lt1">
+        <a:shade val="80000"/>
+      </a:schemeClr>
+    </dgm:linClrLst>
+    <dgm:effectClrLst/>
+    <dgm:txLinClrLst/>
+    <dgm:txFillClrLst/>
+    <dgm:txEffectClrLst/>
+  </dgm:styleLbl>
+  <dgm:styleLbl name="asst2">
+    <dgm:fillClrLst>
+      <a:schemeClr val="accent4"/>
+    </dgm:fillClrLst>
+    <dgm:linClrLst meth="repeat">
+      <a:schemeClr val="lt1"/>
+    </dgm:linClrLst>
+    <dgm:effectClrLst/>
+    <dgm:txLinClrLst/>
+    <dgm:txFillClrLst/>
+    <dgm:txEffectClrLst/>
+  </dgm:styleLbl>
+  <dgm:styleLbl name="asst3">
+    <dgm:fillClrLst>
+      <a:schemeClr val="accent5"/>
+    </dgm:fillClrLst>
+    <dgm:linClrLst meth="repeat">
+      <a:schemeClr val="lt1"/>
+    </dgm:linClrLst>
+    <dgm:effectClrLst/>
+    <dgm:txLinClrLst/>
+    <dgm:txFillClrLst/>
+    <dgm:txEffectClrLst/>
+  </dgm:styleLbl>
+  <dgm:styleLbl name="asst4">
+    <dgm:fillClrLst>
+      <a:schemeClr val="accent6"/>
+    </dgm:fillClrLst>
+    <dgm:linClrLst meth="repeat">
+      <a:schemeClr val="lt1"/>
+    </dgm:linClrLst>
+    <dgm:effectClrLst/>
+    <dgm:txLinClrLst/>
+    <dgm:txFillClrLst/>
+    <dgm:txEffectClrLst/>
+  </dgm:styleLbl>
+  <dgm:styleLbl name="parChTrans2D1">
+    <dgm:fillClrLst meth="repeat">
+      <a:schemeClr val="accent2"/>
+    </dgm:fillClrLst>
+    <dgm:linClrLst meth="repeat">
+      <a:schemeClr val="lt1"/>
+    </dgm:linClrLst>
+    <dgm:effectClrLst/>
+    <dgm:txLinClrLst/>
+    <dgm:txFillClrLst meth="repeat">
+      <a:schemeClr val="lt1"/>
+    </dgm:txFillClrLst>
+    <dgm:txEffectClrLst/>
+  </dgm:styleLbl>
+  <dgm:styleLbl name="parChTrans2D2">
+    <dgm:fillClrLst meth="repeat">
+      <a:schemeClr val="accent3"/>
+    </dgm:fillClrLst>
+    <dgm:linClrLst meth="repeat">
+      <a:schemeClr val="lt1"/>
+    </dgm:linClrLst>
+    <dgm:effectClrLst/>
+    <dgm:txLinClrLst/>
+    <dgm:txFillClrLst/>
+    <dgm:txEffectClrLst/>
+  </dgm:styleLbl>
+  <dgm:styleLbl name="parChTrans2D3">
+    <dgm:fillClrLst meth="repeat">
+      <a:schemeClr val="accent4"/>
+    </dgm:fillClrLst>
+    <dgm:linClrLst meth="repeat">
+      <a:schemeClr val="lt1"/>
+    </dgm:linClrLst>
+    <dgm:effectClrLst/>
+    <dgm:txLinClrLst/>
+    <dgm:txFillClrLst/>
+    <dgm:txEffectClrLst/>
+  </dgm:styleLbl>
+  <dgm:styleLbl name="parChTrans2D4">
+    <dgm:fillClrLst meth="repeat">
+      <a:schemeClr val="accent5"/>
+    </dgm:fillClrLst>
+    <dgm:linClrLst meth="repeat">
+      <a:schemeClr val="lt1"/>
+    </dgm:linClrLst>
+    <dgm:effectClrLst/>
+    <dgm:txLinClrLst/>
+    <dgm:txFillClrLst meth="repeat">
+      <a:schemeClr val="lt1"/>
+    </dgm:txFillClrLst>
+    <dgm:txEffectClrLst/>
+  </dgm:styleLbl>
+  <dgm:styleLbl name="parChTrans1D1">
+    <dgm:fillClrLst meth="repeat">
+      <a:schemeClr val="accent2"/>
+    </dgm:fillClrLst>
+    <dgm:linClrLst meth="repeat">
+      <a:schemeClr val="accent2"/>
+    </dgm:linClrLst>
+    <dgm:effectClrLst/>
+    <dgm:txLinClrLst/>
+    <dgm:txFillClrLst meth="repeat">
+      <a:schemeClr val="tx1"/>
+    </dgm:txFillClrLst>
+    <dgm:txEffectClrLst/>
+  </dgm:styleLbl>
+  <dgm:styleLbl name="parChTrans1D2">
+    <dgm:fillClrLst meth="repeat">
+      <a:schemeClr val="accent2">
+        <a:tint val="90000"/>
+      </a:schemeClr>
+    </dgm:fillClrLst>
+    <dgm:linClrLst meth="repeat">
+      <a:schemeClr val="accent3"/>
+    </dgm:linClrLst>
+    <dgm:effectClrLst/>
+    <dgm:txLinClrLst/>
+    <dgm:txFillClrLst meth="repeat">
+      <a:schemeClr val="tx1"/>
+    </dgm:txFillClrLst>
+    <dgm:txEffectClrLst/>
+  </dgm:styleLbl>
+  <dgm:styleLbl name="parChTrans1D3">
+    <dgm:fillClrLst meth="repeat">
+      <a:schemeClr val="accent2">
+        <a:tint val="70000"/>
+      </a:schemeClr>
+    </dgm:fillClrLst>
+    <dgm:linClrLst meth="repeat">
+      <a:schemeClr val="accent4"/>
+    </dgm:linClrLst>
+    <dgm:effectClrLst/>
+    <dgm:txLinClrLst/>
+    <dgm:txFillClrLst meth="repeat">
+      <a:schemeClr val="tx1"/>
+    </dgm:txFillClrLst>
+    <dgm:txEffectClrLst/>
+  </dgm:styleLbl>
+  <dgm:styleLbl name="parChTrans1D4">
+    <dgm:fillClrLst meth="repeat">
+      <a:schemeClr val="accent2">
+        <a:tint val="50000"/>
+      </a:schemeClr>
+    </dgm:fillClrLst>
+    <dgm:linClrLst meth="repeat">
+      <a:schemeClr val="accent5"/>
+    </dgm:linClrLst>
+    <dgm:effectClrLst/>
+    <dgm:txLinClrLst/>
+    <dgm:txFillClrLst meth="repeat">
+      <a:schemeClr val="tx1"/>
+    </dgm:txFillClrLst>
+    <dgm:txEffectClrLst/>
+  </dgm:styleLbl>
+  <dgm:styleLbl name="fgAcc1">
+    <dgm:fillClrLst meth="repeat">
+      <a:schemeClr val="lt1">
+        <a:alpha val="90000"/>
+      </a:schemeClr>
+    </dgm:fillClrLst>
+    <dgm:linClrLst>
+      <a:schemeClr val="accent2"/>
+      <a:schemeClr val="accent3"/>
+    </dgm:linClrLst>
+    <dgm:effectClrLst/>
+    <dgm:txLinClrLst/>
+    <dgm:txFillClrLst meth="repeat">
+      <a:schemeClr val="dk1"/>
+    </dgm:txFillClrLst>
+    <dgm:txEffectClrLst/>
+  </dgm:styleLbl>
+  <dgm:styleLbl name="conFgAcc1">
+    <dgm:fillClrLst meth="repeat">
+      <a:schemeClr val="lt1">
+        <a:alpha val="90000"/>
+      </a:schemeClr>
+    </dgm:fillClrLst>
+    <dgm:linClrLst>
+      <a:schemeClr val="accent2"/>
+      <a:schemeClr val="accent3"/>
+    </dgm:linClrLst>
+    <dgm:effectClrLst/>
+    <dgm:txLinClrLst/>
+    <dgm:txFillClrLst meth="repeat">
+      <a:schemeClr val="dk1"/>
+    </dgm:txFillClrLst>
+    <dgm:txEffectClrLst/>
+  </dgm:styleLbl>
+  <dgm:styleLbl name="alignAcc1">
+    <dgm:fillClrLst meth="repeat">
+      <a:schemeClr val="lt1">
+        <a:alpha val="90000"/>
+      </a:schemeClr>
+    </dgm:fillClrLst>
+    <dgm:linClrLst>
+      <a:schemeClr val="accent2"/>
+      <a:schemeClr val="accent3"/>
+    </dgm:linClrLst>
+    <dgm:effectClrLst/>
+    <dgm:txLinClrLst/>
+    <dgm:txFillClrLst meth="repeat">
+      <a:schemeClr val="dk1"/>
+    </dgm:txFillClrLst>
+    <dgm:txEffectClrLst/>
+  </dgm:styleLbl>
+  <dgm:styleLbl name="trAlignAcc1">
+    <dgm:fillClrLst meth="repeat">
+      <a:schemeClr val="lt1">
+        <a:alpha val="40000"/>
+      </a:schemeClr>
+    </dgm:fillClrLst>
+    <dgm:linClrLst meth="repeat">
+      <a:schemeClr val="accent2"/>
+    </dgm:linClrLst>
+    <dgm:effectClrLst/>
+    <dgm:txLinClrLst/>
+    <dgm:txFillClrLst meth="repeat">
+      <a:schemeClr val="dk1"/>
+    </dgm:txFillClrLst>
+    <dgm:txEffectClrLst/>
+  </dgm:styleLbl>
+  <dgm:styleLbl name="bgAcc1">
+    <dgm:fillClrLst meth="repeat">
+      <a:schemeClr val="lt1">
+        <a:alpha val="90000"/>
+      </a:schemeClr>
+    </dgm:fillClrLst>
+    <dgm:linClrLst>
+      <a:schemeClr val="accent2"/>
+      <a:schemeClr val="accent3"/>
+    </dgm:linClrLst>
+    <dgm:effectClrLst/>
+    <dgm:txLinClrLst/>
+    <dgm:txFillClrLst meth="repeat">
+      <a:schemeClr val="dk1"/>
+    </dgm:txFillClrLst>
+    <dgm:txEffectClrLst/>
+  </dgm:styleLbl>
+  <dgm:styleLbl name="solidFgAcc1">
+    <dgm:fillClrLst meth="repeat">
+      <a:schemeClr val="lt1"/>
+    </dgm:fillClrLst>
+    <dgm:linClrLst>
+      <a:schemeClr val="accent2"/>
+      <a:schemeClr val="accent3"/>
+    </dgm:linClrLst>
+    <dgm:effectClrLst/>
+    <dgm:txLinClrLst/>
+    <dgm:txFillClrLst meth="repeat">
+      <a:schemeClr val="dk1"/>
+    </dgm:txFillClrLst>
+    <dgm:txEffectClrLst/>
+  </dgm:styleLbl>
+  <dgm:styleLbl name="solidAlignAcc1">
+    <dgm:fillClrLst meth="repeat">
+      <a:schemeClr val="lt1"/>
+    </dgm:fillClrLst>
+    <dgm:linClrLst>
+      <a:schemeClr val="accent2"/>
+      <a:schemeClr val="accent3"/>
+    </dgm:linClrLst>
+    <dgm:effectClrLst/>
+    <dgm:txLinClrLst/>
+    <dgm:txFillClrLst meth="repeat">
+      <a:schemeClr val="dk1"/>
+    </dgm:txFillClrLst>
+    <dgm:txEffectClrLst/>
+  </dgm:styleLbl>
+  <dgm:styleLbl name="solidBgAcc1">
+    <dgm:fillClrLst meth="repeat">
+      <a:schemeClr val="lt1"/>
+    </dgm:fillClrLst>
+    <dgm:linClrLst>
+      <a:schemeClr val="accent2"/>
+      <a:schemeClr val="accent3"/>
+    </dgm:linClrLst>
+    <dgm:effectClrLst/>
+    <dgm:txLinClrLst/>
+    <dgm:txFillClrLst meth="repeat">
+      <a:schemeClr val="dk1"/>
+    </dgm:txFillClrLst>
+    <dgm:txEffectClrLst/>
+  </dgm:styleLbl>
+  <dgm:styleLbl name="fgAccFollowNode1">
+    <dgm:fillClrLst>
+      <a:schemeClr val="accent2">
+        <a:tint val="40000"/>
+        <a:alpha val="90000"/>
+      </a:schemeClr>
+      <a:schemeClr val="accent3">
+        <a:tint val="40000"/>
+        <a:alpha val="90000"/>
+      </a:schemeClr>
+    </dgm:fillClrLst>
+    <dgm:linClrLst>
+      <a:schemeClr val="accent2">
+        <a:tint val="40000"/>
+        <a:alpha val="90000"/>
+      </a:schemeClr>
+      <a:schemeClr val="accent3">
+        <a:tint val="40000"/>
+        <a:alpha val="90000"/>
+      </a:schemeClr>
+    </dgm:linClrLst>
+    <dgm:effectClrLst/>
+    <dgm:txLinClrLst/>
+    <dgm:txFillClrLst meth="repeat">
+      <a:schemeClr val="dk1"/>
+    </dgm:txFillClrLst>
+    <dgm:txEffectClrLst/>
+  </dgm:styleLbl>
+  <dgm:styleLbl name="alignAccFollowNode1">
+    <dgm:fillClrLst>
+      <a:schemeClr val="accent2">
+        <a:tint val="40000"/>
+        <a:alpha val="90000"/>
+      </a:schemeClr>
+      <a:schemeClr val="accent3">
+        <a:tint val="40000"/>
+        <a:alpha val="90000"/>
+      </a:schemeClr>
+    </dgm:fillClrLst>
+    <dgm:linClrLst>
+      <a:schemeClr val="accent2">
+        <a:tint val="40000"/>
+        <a:alpha val="90000"/>
+      </a:schemeClr>
+      <a:schemeClr val="accent3">
+        <a:tint val="40000"/>
+        <a:alpha val="90000"/>
+      </a:schemeClr>
+    </dgm:linClrLst>
+    <dgm:effectClrLst/>
+    <dgm:txLinClrLst/>
+    <dgm:txFillClrLst meth="repeat">
+      <a:schemeClr val="dk1"/>
+    </dgm:txFillClrLst>
+    <dgm:txEffectClrLst/>
+  </dgm:styleLbl>
+  <dgm:styleLbl name="bgAccFollowNode1">
+    <dgm:fillClrLst>
+      <a:schemeClr val="accent2">
+        <a:tint val="40000"/>
+        <a:alpha val="90000"/>
+      </a:schemeClr>
+      <a:schemeClr val="accent3">
+        <a:tint val="40000"/>
+        <a:alpha val="90000"/>
+      </a:schemeClr>
+    </dgm:fillClrLst>
+    <dgm:linClrLst>
+      <a:schemeClr val="accent2">
+        <a:tint val="40000"/>
+        <a:alpha val="90000"/>
+      </a:schemeClr>
+      <a:schemeClr val="accent3">
+        <a:tint val="40000"/>
+        <a:alpha val="90000"/>
+      </a:schemeClr>
+    </dgm:linClrLst>
+    <dgm:effectClrLst/>
+    <dgm:txLinClrLst/>
+    <dgm:txFillClrLst meth="repeat">
+      <a:schemeClr val="dk1"/>
+    </dgm:txFillClrLst>
+    <dgm:txEffectClrLst/>
+  </dgm:styleLbl>
+  <dgm:styleLbl name="fgAcc0">
+    <dgm:fillClrLst meth="repeat">
+      <a:schemeClr val="lt1">
+        <a:alpha val="90000"/>
+      </a:schemeClr>
+    </dgm:fillClrLst>
+    <dgm:linClrLst>
+      <a:schemeClr val="accent1"/>
+    </dgm:linClrLst>
+    <dgm:effectClrLst/>
+    <dgm:txLinClrLst/>
+    <dgm:txFillClrLst meth="repeat">
+      <a:schemeClr val="dk1"/>
+    </dgm:txFillClrLst>
+    <dgm:txEffectClrLst/>
+  </dgm:styleLbl>
+  <dgm:styleLbl name="fgAcc2">
+    <dgm:fillClrLst meth="repeat">
+      <a:schemeClr val="lt1">
+        <a:alpha val="90000"/>
+      </a:schemeClr>
+    </dgm:fillClrLst>
+    <dgm:linClrLst>
+      <a:schemeClr val="accent3"/>
+    </dgm:linClrLst>
+    <dgm:effectClrLst/>
+    <dgm:txLinClrLst/>
+    <dgm:txFillClrLst meth="repeat">
+      <a:schemeClr val="dk1"/>
+    </dgm:txFillClrLst>
+    <dgm:txEffectClrLst/>
+  </dgm:styleLbl>
+  <dgm:styleLbl name="fgAcc3">
+    <dgm:fillClrLst meth="repeat">
+      <a:schemeClr val="lt1">
+        <a:alpha val="90000"/>
+      </a:schemeClr>
+    </dgm:fillClrLst>
+    <dgm:linClrLst>
+      <a:schemeClr val="accent4"/>
+    </dgm:linClrLst>
+    <dgm:effectClrLst/>
+    <dgm:txLinClrLst/>
+    <dgm:txFillClrLst meth="repeat">
+      <a:schemeClr val="dk1"/>
+    </dgm:txFillClrLst>
+    <dgm:txEffectClrLst/>
+  </dgm:styleLbl>
+  <dgm:styleLbl name="fgAcc4">
+    <dgm:fillClrLst meth="repeat">
+      <a:schemeClr val="lt1">
+        <a:alpha val="90000"/>
+      </a:schemeClr>
+    </dgm:fillClrLst>
+    <dgm:linClrLst>
+      <a:schemeClr val="accent5"/>
+    </dgm:linClrLst>
+    <dgm:effectClrLst/>
+    <dgm:txLinClrLst/>
+    <dgm:txFillClrLst meth="repeat">
+      <a:schemeClr val="dk1"/>
+    </dgm:txFillClrLst>
+    <dgm:txEffectClrLst/>
+  </dgm:styleLbl>
+  <dgm:styleLbl name="bgShp">
+    <dgm:fillClrLst meth="repeat">
+      <a:schemeClr val="accent2">
+        <a:tint val="40000"/>
+      </a:schemeClr>
+    </dgm:fillClrLst>
+    <dgm:linClrLst meth="repeat">
+      <a:schemeClr val="dk1"/>
+    </dgm:linClrLst>
+    <dgm:effectClrLst/>
+    <dgm:txLinClrLst/>
+    <dgm:txFillClrLst meth="repeat">
+      <a:schemeClr val="dk1"/>
+    </dgm:txFillClrLst>
+    <dgm:txEffectClrLst/>
+  </dgm:styleLbl>
+  <dgm:styleLbl name="dkBgShp">
+    <dgm:fillClrLst meth="repeat">
+      <a:schemeClr val="accent2">
+        <a:shade val="90000"/>
+      </a:schemeClr>
+    </dgm:fillClrLst>
+    <dgm:linClrLst meth="repeat">
+      <a:schemeClr val="dk1"/>
+    </dgm:linClrLst>
+    <dgm:effectClrLst/>
+    <dgm:txLinClrLst/>
+    <dgm:txFillClrLst meth="repeat">
+      <a:schemeClr val="lt1"/>
+    </dgm:txFillClrLst>
+    <dgm:txEffectClrLst/>
+  </dgm:styleLbl>
+  <dgm:styleLbl name="trBgShp">
+    <dgm:fillClrLst meth="repeat">
+      <a:schemeClr val="accent2">
+        <a:tint val="50000"/>
+        <a:alpha val="40000"/>
+      </a:schemeClr>
+    </dgm:fillClrLst>
+    <dgm:linClrLst meth="repeat">
+      <a:schemeClr val="accent2"/>
+    </dgm:linClrLst>
+    <dgm:effectClrLst/>
+    <dgm:txLinClrLst/>
+    <dgm:txFillClrLst meth="repeat">
+      <a:schemeClr val="lt1"/>
+    </dgm:txFillClrLst>
+    <dgm:txEffectClrLst/>
+  </dgm:styleLbl>
+  <dgm:styleLbl name="fgShp">
+    <dgm:fillClrLst meth="repeat">
+      <a:schemeClr val="accent2">
+        <a:tint val="40000"/>
+      </a:schemeClr>
+    </dgm:fillClrLst>
+    <dgm:linClrLst meth="repeat">
+      <a:schemeClr val="lt1"/>
+    </dgm:linClrLst>
+    <dgm:effectClrLst/>
+    <dgm:txLinClrLst/>
+    <dgm:txFillClrLst meth="repeat">
+      <a:schemeClr val="dk1"/>
+    </dgm:txFillClrLst>
+    <dgm:txEffectClrLst/>
+  </dgm:styleLbl>
+  <dgm:styleLbl name="revTx">
+    <dgm:fillClrLst meth="repeat">
+      <a:schemeClr val="lt1">
+        <a:alpha val="0"/>
+      </a:schemeClr>
+    </dgm:fillClrLst>
+    <dgm:linClrLst meth="repeat">
+      <a:schemeClr val="dk1">
+        <a:alpha val="0"/>
+      </a:schemeClr>
+    </dgm:linClrLst>
+    <dgm:effectClrLst/>
+    <dgm:txLinClrLst/>
+    <dgm:txFillClrLst meth="repeat">
+      <a:schemeClr val="tx1"/>
+    </dgm:txFillClrLst>
+    <dgm:txEffectClrLst/>
+  </dgm:styleLbl>
+</dgm:colorsDef>
+</file>
+
+<file path=ppt/diagrams/colors3.xml><?xml version="1.0" encoding="utf-8"?>
 <dgm:colorsDef xmlns:dgm="http://schemas.openxmlformats.org/drawingml/2006/diagram" xmlns:a="http://schemas.openxmlformats.org/drawingml/2006/main" uniqueId="urn:microsoft.com/office/officeart/2005/8/colors/colorful1">
   <dgm:title val=""/>
   <dgm:desc val=""/>
@@ -2122,7 +2904,7 @@
 </dgm:colorsDef>
 </file>
 
-<file path=ppt/diagrams/colors3.xml><?xml version="1.0" encoding="utf-8"?>
+<file path=ppt/diagrams/colors4.xml><?xml version="1.0" encoding="utf-8"?>
 <dgm:colorsDef xmlns:dgm="http://schemas.openxmlformats.org/drawingml/2006/diagram" xmlns:a="http://schemas.openxmlformats.org/drawingml/2006/main" uniqueId="urn:microsoft.com/office/officeart/2005/8/colors/colorful3">
   <dgm:title val=""/>
   <dgm:desc val=""/>
@@ -2904,7 +3686,7 @@
 </dgm:colorsDef>
 </file>
 
-<file path=ppt/diagrams/colors4.xml><?xml version="1.0" encoding="utf-8"?>
+<file path=ppt/diagrams/colors5.xml><?xml version="1.0" encoding="utf-8"?>
 <dgm:colorsDef xmlns:dgm="http://schemas.openxmlformats.org/drawingml/2006/diagram" xmlns:a="http://schemas.openxmlformats.org/drawingml/2006/main" uniqueId="urn:microsoft.com/office/officeart/2005/8/colors/colorful4">
   <dgm:title val=""/>
   <dgm:desc val=""/>
@@ -3865,13 +4647,19 @@
         <a:p>
           <a:r>
             <a:rPr lang="en-US" sz="2400" dirty="0" smtClean="0"/>
-            <a:t>SISTEMA DE INFORMACIÓN PARA</a:t>
+            <a:t>SISTEMA DE INFORMACIÓN </a:t>
           </a:r>
-        </a:p>
-        <a:p>
+          <a:r>
+            <a:rPr lang="en-US" sz="2400" dirty="0" smtClean="0"/>
+            <a:t>PARA </a:t>
+          </a:r>
           <a:r>
             <a:rPr lang="es-ES" sz="2400" dirty="0" smtClean="0"/>
-            <a:t>DETECTAR FRAUDE EN REDES ELÉCTRICAS</a:t>
+            <a:t>DETECTAR </a:t>
+          </a:r>
+          <a:r>
+            <a:rPr lang="es-ES" sz="2400" dirty="0" smtClean="0"/>
+            <a:t>FRAUDE EN REDES ELÉCTRICAS</a:t>
           </a:r>
           <a:endParaRPr lang="es-ES" sz="2400" dirty="0"/>
         </a:p>
@@ -4038,6 +4826,732 @@
 </file>
 
 <file path=ppt/diagrams/data2.xml><?xml version="1.0" encoding="utf-8"?>
+<dgm:dataModel xmlns:dgm="http://schemas.openxmlformats.org/drawingml/2006/diagram" xmlns:a="http://schemas.openxmlformats.org/drawingml/2006/main">
+  <dgm:ptLst>
+    <dgm:pt modelId="{BB8EB9C1-886A-4391-9C84-0FD255C04E1D}" type="doc">
+      <dgm:prSet loTypeId="urn:microsoft.com/office/officeart/2005/8/layout/chevron2" loCatId="list" qsTypeId="urn:microsoft.com/office/officeart/2005/8/quickstyle/simple1" qsCatId="simple" csTypeId="urn:microsoft.com/office/officeart/2005/8/colors/colorful2" csCatId="colorful" phldr="1"/>
+      <dgm:spPr/>
+      <dgm:t>
+        <a:bodyPr/>
+        <a:lstStyle/>
+        <a:p>
+          <a:endParaRPr lang="en-US"/>
+        </a:p>
+      </dgm:t>
+    </dgm:pt>
+    <dgm:pt modelId="{BABD2379-343F-47A5-823B-224360736C39}">
+      <dgm:prSet phldrT="[Text]"/>
+      <dgm:spPr/>
+      <dgm:t>
+        <a:bodyPr/>
+        <a:lstStyle/>
+        <a:p>
+          <a:r>
+            <a:rPr lang="en-US">
+              <a:latin typeface="Abadi MT Condensed Light"/>
+            </a:rPr>
+            <a:t>1.</a:t>
+          </a:r>
+        </a:p>
+      </dgm:t>
+    </dgm:pt>
+    <dgm:pt modelId="{E363EB68-3D26-451D-B0FD-CEDEE8A2FF43}" type="parTrans" cxnId="{6D8A5AA8-0A44-4A65-8C1B-4F82FCC91262}">
+      <dgm:prSet/>
+      <dgm:spPr/>
+      <dgm:t>
+        <a:bodyPr/>
+        <a:lstStyle/>
+        <a:p>
+          <a:endParaRPr lang="en-US">
+            <a:latin typeface="Abadi MT Condensed Light"/>
+          </a:endParaRPr>
+        </a:p>
+      </dgm:t>
+    </dgm:pt>
+    <dgm:pt modelId="{29B29AD5-5EDB-43C2-B3D1-7760A46CA1B2}" type="sibTrans" cxnId="{6D8A5AA8-0A44-4A65-8C1B-4F82FCC91262}">
+      <dgm:prSet/>
+      <dgm:spPr/>
+      <dgm:t>
+        <a:bodyPr/>
+        <a:lstStyle/>
+        <a:p>
+          <a:endParaRPr lang="en-US">
+            <a:latin typeface="Abadi MT Condensed Light"/>
+          </a:endParaRPr>
+        </a:p>
+      </dgm:t>
+    </dgm:pt>
+    <dgm:pt modelId="{56415445-9530-4471-B195-6C52757DD2A7}">
+      <dgm:prSet phldrT="[Text]"/>
+      <dgm:spPr/>
+      <dgm:t>
+        <a:bodyPr/>
+        <a:lstStyle/>
+        <a:p>
+          <a:r>
+            <a:rPr lang="es-ES_tradnl" dirty="0">
+              <a:latin typeface="+mj-lt"/>
+            </a:rPr>
+            <a:t>Diseñar, construir e implementar un </a:t>
+          </a:r>
+          <a:r>
+            <a:rPr lang="es-ES_tradnl" dirty="0" smtClean="0">
+              <a:latin typeface="+mj-lt"/>
+            </a:rPr>
+            <a:t>sistema </a:t>
+          </a:r>
+          <a:r>
+            <a:rPr lang="es-ES_tradnl" dirty="0">
+              <a:latin typeface="+mj-lt"/>
+            </a:rPr>
+            <a:t>de información a la medida para </a:t>
+          </a:r>
+          <a:r>
+            <a:rPr lang="es-ES_tradnl" dirty="0" smtClean="0">
+              <a:latin typeface="+mj-lt"/>
+            </a:rPr>
+            <a:t>el análisis </a:t>
+          </a:r>
+          <a:r>
+            <a:rPr lang="es-ES_tradnl" dirty="0">
+              <a:latin typeface="+mj-lt"/>
+            </a:rPr>
+            <a:t>de datos de las mediciones.  </a:t>
+          </a:r>
+          <a:endParaRPr lang="en-US" dirty="0">
+            <a:latin typeface="+mj-lt"/>
+          </a:endParaRPr>
+        </a:p>
+      </dgm:t>
+    </dgm:pt>
+    <dgm:pt modelId="{CF01BBE5-E724-4F3D-B88F-4CC2A5A37819}" type="parTrans" cxnId="{CB46B1F6-CCFB-4683-9F8B-5C101A37C2AB}">
+      <dgm:prSet/>
+      <dgm:spPr/>
+      <dgm:t>
+        <a:bodyPr/>
+        <a:lstStyle/>
+        <a:p>
+          <a:endParaRPr lang="en-US">
+            <a:latin typeface="Abadi MT Condensed Light"/>
+          </a:endParaRPr>
+        </a:p>
+      </dgm:t>
+    </dgm:pt>
+    <dgm:pt modelId="{3F1E3512-591D-4D92-B1BA-9CF22EA6357D}" type="sibTrans" cxnId="{CB46B1F6-CCFB-4683-9F8B-5C101A37C2AB}">
+      <dgm:prSet/>
+      <dgm:spPr/>
+      <dgm:t>
+        <a:bodyPr/>
+        <a:lstStyle/>
+        <a:p>
+          <a:endParaRPr lang="en-US">
+            <a:latin typeface="Abadi MT Condensed Light"/>
+          </a:endParaRPr>
+        </a:p>
+      </dgm:t>
+    </dgm:pt>
+    <dgm:pt modelId="{202E78E9-7ECE-434E-959B-D55D97C37124}">
+      <dgm:prSet phldrT="[Text]"/>
+      <dgm:spPr/>
+      <dgm:t>
+        <a:bodyPr/>
+        <a:lstStyle/>
+        <a:p>
+          <a:r>
+            <a:rPr lang="en-US">
+              <a:latin typeface="Abadi MT Condensed Light"/>
+            </a:rPr>
+            <a:t>2.</a:t>
+          </a:r>
+        </a:p>
+      </dgm:t>
+    </dgm:pt>
+    <dgm:pt modelId="{4DDAB1BB-9861-4568-8CB8-7C535F0EF8E4}" type="parTrans" cxnId="{E1D2429A-1B50-4E86-9CAF-77ACA1070303}">
+      <dgm:prSet/>
+      <dgm:spPr/>
+      <dgm:t>
+        <a:bodyPr/>
+        <a:lstStyle/>
+        <a:p>
+          <a:endParaRPr lang="en-US">
+            <a:latin typeface="Abadi MT Condensed Light"/>
+          </a:endParaRPr>
+        </a:p>
+      </dgm:t>
+    </dgm:pt>
+    <dgm:pt modelId="{F3624D79-48CE-446F-A7C5-3878C5B3637F}" type="sibTrans" cxnId="{E1D2429A-1B50-4E86-9CAF-77ACA1070303}">
+      <dgm:prSet/>
+      <dgm:spPr/>
+      <dgm:t>
+        <a:bodyPr/>
+        <a:lstStyle/>
+        <a:p>
+          <a:endParaRPr lang="en-US">
+            <a:latin typeface="Abadi MT Condensed Light"/>
+          </a:endParaRPr>
+        </a:p>
+      </dgm:t>
+    </dgm:pt>
+    <dgm:pt modelId="{068B5CC8-57AD-4636-B90A-481C07210CF6}">
+      <dgm:prSet phldrT="[Text]"/>
+      <dgm:spPr/>
+      <dgm:t>
+        <a:bodyPr/>
+        <a:lstStyle/>
+        <a:p>
+          <a:r>
+            <a:rPr lang="en-US" dirty="0" err="1">
+              <a:latin typeface="+mj-lt"/>
+            </a:rPr>
+            <a:t>Mejorar</a:t>
+          </a:r>
+          <a:r>
+            <a:rPr lang="en-US" dirty="0">
+              <a:latin typeface="+mj-lt"/>
+            </a:rPr>
+            <a:t> la </a:t>
+          </a:r>
+          <a:r>
+            <a:rPr lang="en-US" dirty="0" err="1" smtClean="0">
+              <a:latin typeface="+mj-lt"/>
+            </a:rPr>
+            <a:t>tecnología</a:t>
+          </a:r>
+          <a:r>
+            <a:rPr lang="en-US" dirty="0" smtClean="0">
+              <a:latin typeface="+mj-lt"/>
+            </a:rPr>
+            <a:t> </a:t>
+          </a:r>
+          <a:r>
+            <a:rPr lang="en-US" dirty="0">
+              <a:latin typeface="+mj-lt"/>
+            </a:rPr>
+            <a:t>de </a:t>
+          </a:r>
+          <a:r>
+            <a:rPr lang="en-US" dirty="0" err="1" smtClean="0">
+              <a:latin typeface="+mj-lt"/>
+            </a:rPr>
+            <a:t>medición</a:t>
+          </a:r>
+          <a:r>
+            <a:rPr lang="en-US" dirty="0" smtClean="0">
+              <a:latin typeface="+mj-lt"/>
+            </a:rPr>
+            <a:t> </a:t>
+          </a:r>
+          <a:r>
+            <a:rPr lang="en-US" dirty="0" err="1">
+              <a:latin typeface="+mj-lt"/>
+            </a:rPr>
+            <a:t>en</a:t>
+          </a:r>
+          <a:r>
+            <a:rPr lang="en-US" dirty="0">
+              <a:latin typeface="+mj-lt"/>
+            </a:rPr>
+            <a:t> </a:t>
+          </a:r>
+          <a:r>
+            <a:rPr lang="en-US" dirty="0" err="1">
+              <a:latin typeface="+mj-lt"/>
+            </a:rPr>
+            <a:t>trasformadores</a:t>
+          </a:r>
+          <a:r>
+            <a:rPr lang="en-US" dirty="0">
+              <a:latin typeface="+mj-lt"/>
+            </a:rPr>
+            <a:t>. </a:t>
+          </a:r>
+        </a:p>
+      </dgm:t>
+    </dgm:pt>
+    <dgm:pt modelId="{556352DE-7871-4BF7-A88A-1497C98A2600}" type="parTrans" cxnId="{30E8D2B2-216B-4F1F-A2F0-0A64BF071FBC}">
+      <dgm:prSet/>
+      <dgm:spPr/>
+      <dgm:t>
+        <a:bodyPr/>
+        <a:lstStyle/>
+        <a:p>
+          <a:endParaRPr lang="en-US">
+            <a:latin typeface="Abadi MT Condensed Light"/>
+          </a:endParaRPr>
+        </a:p>
+      </dgm:t>
+    </dgm:pt>
+    <dgm:pt modelId="{E1BD9897-33C3-4A8D-89B2-B8EE8E955352}" type="sibTrans" cxnId="{30E8D2B2-216B-4F1F-A2F0-0A64BF071FBC}">
+      <dgm:prSet/>
+      <dgm:spPr/>
+      <dgm:t>
+        <a:bodyPr/>
+        <a:lstStyle/>
+        <a:p>
+          <a:endParaRPr lang="en-US">
+            <a:latin typeface="Abadi MT Condensed Light"/>
+          </a:endParaRPr>
+        </a:p>
+      </dgm:t>
+    </dgm:pt>
+    <dgm:pt modelId="{CD8C32E0-13D4-4235-BAD4-EE0061458B65}">
+      <dgm:prSet phldrT="[Text]"/>
+      <dgm:spPr/>
+      <dgm:t>
+        <a:bodyPr/>
+        <a:lstStyle/>
+        <a:p>
+          <a:r>
+            <a:rPr lang="en-US">
+              <a:latin typeface="Abadi MT Condensed Light"/>
+            </a:rPr>
+            <a:t>3.</a:t>
+          </a:r>
+        </a:p>
+      </dgm:t>
+    </dgm:pt>
+    <dgm:pt modelId="{73F5387E-DA9C-44D5-918C-D998F5B232DD}" type="parTrans" cxnId="{6BA267F5-EC9C-4A52-8617-4846D5326A2C}">
+      <dgm:prSet/>
+      <dgm:spPr/>
+      <dgm:t>
+        <a:bodyPr/>
+        <a:lstStyle/>
+        <a:p>
+          <a:endParaRPr lang="en-US">
+            <a:latin typeface="Abadi MT Condensed Light"/>
+          </a:endParaRPr>
+        </a:p>
+      </dgm:t>
+    </dgm:pt>
+    <dgm:pt modelId="{282E005B-5CB5-4F87-A7A7-5C44397C5666}" type="sibTrans" cxnId="{6BA267F5-EC9C-4A52-8617-4846D5326A2C}">
+      <dgm:prSet/>
+      <dgm:spPr/>
+      <dgm:t>
+        <a:bodyPr/>
+        <a:lstStyle/>
+        <a:p>
+          <a:endParaRPr lang="en-US">
+            <a:latin typeface="Abadi MT Condensed Light"/>
+          </a:endParaRPr>
+        </a:p>
+      </dgm:t>
+    </dgm:pt>
+    <dgm:pt modelId="{22345D8B-874C-4537-BD30-04E980806A75}">
+      <dgm:prSet phldrT="[Text]"/>
+      <dgm:spPr/>
+      <dgm:t>
+        <a:bodyPr/>
+        <a:lstStyle/>
+        <a:p>
+          <a:r>
+            <a:rPr lang="en-US" dirty="0" err="1">
+              <a:latin typeface="+mn-lt"/>
+            </a:rPr>
+            <a:t>Reducir</a:t>
+          </a:r>
+          <a:r>
+            <a:rPr lang="en-US" dirty="0">
+              <a:latin typeface="+mn-lt"/>
+            </a:rPr>
+            <a:t> el </a:t>
+          </a:r>
+          <a:r>
+            <a:rPr lang="en-US" dirty="0" err="1" smtClean="0">
+              <a:latin typeface="+mn-lt"/>
+            </a:rPr>
+            <a:t>índice</a:t>
+          </a:r>
+          <a:r>
+            <a:rPr lang="en-US" dirty="0" smtClean="0">
+              <a:latin typeface="+mn-lt"/>
+            </a:rPr>
+            <a:t> </a:t>
+          </a:r>
+          <a:r>
+            <a:rPr lang="en-US" dirty="0">
+              <a:latin typeface="+mn-lt"/>
+            </a:rPr>
+            <a:t>de </a:t>
+          </a:r>
+          <a:r>
+            <a:rPr lang="en-US" dirty="0" err="1" smtClean="0">
+              <a:latin typeface="+mn-lt"/>
+            </a:rPr>
+            <a:t>pérdidas</a:t>
+          </a:r>
+          <a:r>
+            <a:rPr lang="en-US" dirty="0" smtClean="0">
+              <a:latin typeface="+mn-lt"/>
+            </a:rPr>
+            <a:t> </a:t>
+          </a:r>
+          <a:r>
+            <a:rPr lang="en-US" dirty="0" err="1" smtClean="0">
+              <a:latin typeface="+mn-lt"/>
+            </a:rPr>
+            <a:t>económicas</a:t>
+          </a:r>
+          <a:r>
+            <a:rPr lang="en-US" dirty="0" smtClean="0">
+              <a:latin typeface="+mn-lt"/>
+            </a:rPr>
+            <a:t> </a:t>
+          </a:r>
+          <a:r>
+            <a:rPr lang="en-US" dirty="0" err="1">
+              <a:latin typeface="+mn-lt"/>
+            </a:rPr>
+            <a:t>por</a:t>
+          </a:r>
+          <a:r>
+            <a:rPr lang="en-US" dirty="0">
+              <a:latin typeface="+mn-lt"/>
+            </a:rPr>
+            <a:t> </a:t>
+          </a:r>
+          <a:r>
+            <a:rPr lang="en-US" dirty="0" err="1">
+              <a:latin typeface="+mn-lt"/>
+            </a:rPr>
+            <a:t>fraude</a:t>
+          </a:r>
+          <a:r>
+            <a:rPr lang="en-US" dirty="0">
+              <a:latin typeface="+mn-lt"/>
+            </a:rPr>
+            <a:t>. </a:t>
+          </a:r>
+        </a:p>
+      </dgm:t>
+    </dgm:pt>
+    <dgm:pt modelId="{205D0D9D-A0FD-40C6-BFD7-1D1EC2D89D31}" type="parTrans" cxnId="{55B76DA3-5477-4474-8B35-CCCF4319CE8B}">
+      <dgm:prSet/>
+      <dgm:spPr/>
+      <dgm:t>
+        <a:bodyPr/>
+        <a:lstStyle/>
+        <a:p>
+          <a:endParaRPr lang="en-US">
+            <a:latin typeface="Abadi MT Condensed Light"/>
+          </a:endParaRPr>
+        </a:p>
+      </dgm:t>
+    </dgm:pt>
+    <dgm:pt modelId="{425F65D2-5B74-430B-923A-6DC29DEF7902}" type="sibTrans" cxnId="{55B76DA3-5477-4474-8B35-CCCF4319CE8B}">
+      <dgm:prSet/>
+      <dgm:spPr/>
+      <dgm:t>
+        <a:bodyPr/>
+        <a:lstStyle/>
+        <a:p>
+          <a:endParaRPr lang="en-US">
+            <a:latin typeface="Abadi MT Condensed Light"/>
+          </a:endParaRPr>
+        </a:p>
+      </dgm:t>
+    </dgm:pt>
+    <dgm:pt modelId="{F6524DA8-06A7-4701-99CE-BE77F9F3AD49}">
+      <dgm:prSet/>
+      <dgm:spPr/>
+      <dgm:t>
+        <a:bodyPr/>
+        <a:lstStyle/>
+        <a:p>
+          <a:r>
+            <a:rPr lang="en-US">
+              <a:latin typeface="Abadi MT Condensed Light"/>
+            </a:rPr>
+            <a:t>4.</a:t>
+          </a:r>
+        </a:p>
+      </dgm:t>
+    </dgm:pt>
+    <dgm:pt modelId="{27CDF950-7D94-4F22-B0E2-4C6CC9B16D15}" type="parTrans" cxnId="{C2BEF887-B3EC-41D0-BAB9-E70DDAE1A614}">
+      <dgm:prSet/>
+      <dgm:spPr/>
+      <dgm:t>
+        <a:bodyPr/>
+        <a:lstStyle/>
+        <a:p>
+          <a:endParaRPr lang="en-US">
+            <a:latin typeface="Abadi MT Condensed Light"/>
+          </a:endParaRPr>
+        </a:p>
+      </dgm:t>
+    </dgm:pt>
+    <dgm:pt modelId="{5DE662BE-93BD-4C80-B33D-29CDACE4CC29}" type="sibTrans" cxnId="{C2BEF887-B3EC-41D0-BAB9-E70DDAE1A614}">
+      <dgm:prSet/>
+      <dgm:spPr/>
+      <dgm:t>
+        <a:bodyPr/>
+        <a:lstStyle/>
+        <a:p>
+          <a:endParaRPr lang="en-US">
+            <a:latin typeface="Abadi MT Condensed Light"/>
+          </a:endParaRPr>
+        </a:p>
+      </dgm:t>
+    </dgm:pt>
+    <dgm:pt modelId="{74A985CE-7880-49DB-B5F4-BB574779183D}">
+      <dgm:prSet/>
+      <dgm:spPr/>
+      <dgm:t>
+        <a:bodyPr/>
+        <a:lstStyle/>
+        <a:p>
+          <a:r>
+            <a:rPr lang="es-ES_tradnl" dirty="0">
+              <a:latin typeface="+mj-lt"/>
+            </a:rPr>
+            <a:t>Capacitar a la comunidad en los procesos de control de recursos económicos para el hogar.</a:t>
+          </a:r>
+          <a:endParaRPr lang="en-US" dirty="0">
+            <a:latin typeface="+mj-lt"/>
+          </a:endParaRPr>
+        </a:p>
+      </dgm:t>
+    </dgm:pt>
+    <dgm:pt modelId="{2C1AE2E8-AC39-4D9D-BAEF-932499C31B96}" type="parTrans" cxnId="{306470D0-A5E5-4088-984C-B31579827439}">
+      <dgm:prSet/>
+      <dgm:spPr/>
+      <dgm:t>
+        <a:bodyPr/>
+        <a:lstStyle/>
+        <a:p>
+          <a:endParaRPr lang="en-US">
+            <a:latin typeface="Abadi MT Condensed Light"/>
+          </a:endParaRPr>
+        </a:p>
+      </dgm:t>
+    </dgm:pt>
+    <dgm:pt modelId="{2CC2AC7B-B013-4DF0-A8EC-CDED53E9E30B}" type="sibTrans" cxnId="{306470D0-A5E5-4088-984C-B31579827439}">
+      <dgm:prSet/>
+      <dgm:spPr/>
+      <dgm:t>
+        <a:bodyPr/>
+        <a:lstStyle/>
+        <a:p>
+          <a:endParaRPr lang="en-US">
+            <a:latin typeface="Abadi MT Condensed Light"/>
+          </a:endParaRPr>
+        </a:p>
+      </dgm:t>
+    </dgm:pt>
+    <dgm:pt modelId="{6DB7BD36-A8FA-49F5-AF8F-8761020E2274}" type="pres">
+      <dgm:prSet presAssocID="{BB8EB9C1-886A-4391-9C84-0FD255C04E1D}" presName="linearFlow" presStyleCnt="0">
+        <dgm:presLayoutVars>
+          <dgm:dir/>
+          <dgm:animLvl val="lvl"/>
+          <dgm:resizeHandles val="exact"/>
+        </dgm:presLayoutVars>
+      </dgm:prSet>
+      <dgm:spPr/>
+      <dgm:t>
+        <a:bodyPr/>
+        <a:lstStyle/>
+        <a:p>
+          <a:endParaRPr lang="es-CO"/>
+        </a:p>
+      </dgm:t>
+    </dgm:pt>
+    <dgm:pt modelId="{718AFB7F-EB24-47AB-9237-A7A855453ABE}" type="pres">
+      <dgm:prSet presAssocID="{BABD2379-343F-47A5-823B-224360736C39}" presName="composite" presStyleCnt="0"/>
+      <dgm:spPr/>
+    </dgm:pt>
+    <dgm:pt modelId="{F8C150D7-64A4-4116-92BD-05EEB80B6636}" type="pres">
+      <dgm:prSet presAssocID="{BABD2379-343F-47A5-823B-224360736C39}" presName="parentText" presStyleLbl="alignNode1" presStyleIdx="0" presStyleCnt="4">
+        <dgm:presLayoutVars>
+          <dgm:chMax val="1"/>
+          <dgm:bulletEnabled val="1"/>
+        </dgm:presLayoutVars>
+      </dgm:prSet>
+      <dgm:spPr/>
+      <dgm:t>
+        <a:bodyPr/>
+        <a:lstStyle/>
+        <a:p>
+          <a:endParaRPr lang="es-CO"/>
+        </a:p>
+      </dgm:t>
+    </dgm:pt>
+    <dgm:pt modelId="{0514DF8F-770E-4115-BE0C-CC70F2CFDFE4}" type="pres">
+      <dgm:prSet presAssocID="{BABD2379-343F-47A5-823B-224360736C39}" presName="descendantText" presStyleLbl="alignAcc1" presStyleIdx="0" presStyleCnt="4">
+        <dgm:presLayoutVars>
+          <dgm:bulletEnabled val="1"/>
+        </dgm:presLayoutVars>
+      </dgm:prSet>
+      <dgm:spPr/>
+      <dgm:t>
+        <a:bodyPr/>
+        <a:lstStyle/>
+        <a:p>
+          <a:endParaRPr lang="es-CO"/>
+        </a:p>
+      </dgm:t>
+    </dgm:pt>
+    <dgm:pt modelId="{93CC4C4A-32FD-49C4-A967-7679E4F86B95}" type="pres">
+      <dgm:prSet presAssocID="{29B29AD5-5EDB-43C2-B3D1-7760A46CA1B2}" presName="sp" presStyleCnt="0"/>
+      <dgm:spPr/>
+    </dgm:pt>
+    <dgm:pt modelId="{A63055E5-D2F3-4B07-BFD4-B877BB9DC5B5}" type="pres">
+      <dgm:prSet presAssocID="{202E78E9-7ECE-434E-959B-D55D97C37124}" presName="composite" presStyleCnt="0"/>
+      <dgm:spPr/>
+    </dgm:pt>
+    <dgm:pt modelId="{42FF1629-B21A-4D62-A33A-B2F2A5740F24}" type="pres">
+      <dgm:prSet presAssocID="{202E78E9-7ECE-434E-959B-D55D97C37124}" presName="parentText" presStyleLbl="alignNode1" presStyleIdx="1" presStyleCnt="4">
+        <dgm:presLayoutVars>
+          <dgm:chMax val="1"/>
+          <dgm:bulletEnabled val="1"/>
+        </dgm:presLayoutVars>
+      </dgm:prSet>
+      <dgm:spPr/>
+      <dgm:t>
+        <a:bodyPr/>
+        <a:lstStyle/>
+        <a:p>
+          <a:endParaRPr lang="es-CO"/>
+        </a:p>
+      </dgm:t>
+    </dgm:pt>
+    <dgm:pt modelId="{CCBA1F7B-3D2C-488C-8D77-20353E1B5831}" type="pres">
+      <dgm:prSet presAssocID="{202E78E9-7ECE-434E-959B-D55D97C37124}" presName="descendantText" presStyleLbl="alignAcc1" presStyleIdx="1" presStyleCnt="4">
+        <dgm:presLayoutVars>
+          <dgm:bulletEnabled val="1"/>
+        </dgm:presLayoutVars>
+      </dgm:prSet>
+      <dgm:spPr/>
+      <dgm:t>
+        <a:bodyPr/>
+        <a:lstStyle/>
+        <a:p>
+          <a:endParaRPr lang="es-CO"/>
+        </a:p>
+      </dgm:t>
+    </dgm:pt>
+    <dgm:pt modelId="{90A50E50-E6D1-46C6-886D-05851F955C1D}" type="pres">
+      <dgm:prSet presAssocID="{F3624D79-48CE-446F-A7C5-3878C5B3637F}" presName="sp" presStyleCnt="0"/>
+      <dgm:spPr/>
+    </dgm:pt>
+    <dgm:pt modelId="{95A7A3B9-5C6B-4552-AB69-962403C29006}" type="pres">
+      <dgm:prSet presAssocID="{CD8C32E0-13D4-4235-BAD4-EE0061458B65}" presName="composite" presStyleCnt="0"/>
+      <dgm:spPr/>
+    </dgm:pt>
+    <dgm:pt modelId="{4BC23077-6490-4408-A337-FF3A579D89AF}" type="pres">
+      <dgm:prSet presAssocID="{CD8C32E0-13D4-4235-BAD4-EE0061458B65}" presName="parentText" presStyleLbl="alignNode1" presStyleIdx="2" presStyleCnt="4">
+        <dgm:presLayoutVars>
+          <dgm:chMax val="1"/>
+          <dgm:bulletEnabled val="1"/>
+        </dgm:presLayoutVars>
+      </dgm:prSet>
+      <dgm:spPr/>
+      <dgm:t>
+        <a:bodyPr/>
+        <a:lstStyle/>
+        <a:p>
+          <a:endParaRPr lang="es-CO"/>
+        </a:p>
+      </dgm:t>
+    </dgm:pt>
+    <dgm:pt modelId="{0E096BBC-812D-4B0E-B28B-8AEF3201000E}" type="pres">
+      <dgm:prSet presAssocID="{CD8C32E0-13D4-4235-BAD4-EE0061458B65}" presName="descendantText" presStyleLbl="alignAcc1" presStyleIdx="2" presStyleCnt="4">
+        <dgm:presLayoutVars>
+          <dgm:bulletEnabled val="1"/>
+        </dgm:presLayoutVars>
+      </dgm:prSet>
+      <dgm:spPr/>
+      <dgm:t>
+        <a:bodyPr/>
+        <a:lstStyle/>
+        <a:p>
+          <a:endParaRPr lang="es-CO"/>
+        </a:p>
+      </dgm:t>
+    </dgm:pt>
+    <dgm:pt modelId="{168F85BB-F61C-421E-A70E-12B3E3C6490D}" type="pres">
+      <dgm:prSet presAssocID="{282E005B-5CB5-4F87-A7A7-5C44397C5666}" presName="sp" presStyleCnt="0"/>
+      <dgm:spPr/>
+    </dgm:pt>
+    <dgm:pt modelId="{1225C8B9-74FD-4FC3-A36E-6ED7231CE008}" type="pres">
+      <dgm:prSet presAssocID="{F6524DA8-06A7-4701-99CE-BE77F9F3AD49}" presName="composite" presStyleCnt="0"/>
+      <dgm:spPr/>
+    </dgm:pt>
+    <dgm:pt modelId="{A5FBD47A-6D83-49BB-A933-B470695E830D}" type="pres">
+      <dgm:prSet presAssocID="{F6524DA8-06A7-4701-99CE-BE77F9F3AD49}" presName="parentText" presStyleLbl="alignNode1" presStyleIdx="3" presStyleCnt="4">
+        <dgm:presLayoutVars>
+          <dgm:chMax val="1"/>
+          <dgm:bulletEnabled val="1"/>
+        </dgm:presLayoutVars>
+      </dgm:prSet>
+      <dgm:spPr/>
+      <dgm:t>
+        <a:bodyPr/>
+        <a:lstStyle/>
+        <a:p>
+          <a:endParaRPr lang="es-CO"/>
+        </a:p>
+      </dgm:t>
+    </dgm:pt>
+    <dgm:pt modelId="{F19C4BD5-1B16-4E50-94CC-EB7FE747C815}" type="pres">
+      <dgm:prSet presAssocID="{F6524DA8-06A7-4701-99CE-BE77F9F3AD49}" presName="descendantText" presStyleLbl="alignAcc1" presStyleIdx="3" presStyleCnt="4">
+        <dgm:presLayoutVars>
+          <dgm:bulletEnabled val="1"/>
+        </dgm:presLayoutVars>
+      </dgm:prSet>
+      <dgm:spPr/>
+      <dgm:t>
+        <a:bodyPr/>
+        <a:lstStyle/>
+        <a:p>
+          <a:endParaRPr lang="es-CO"/>
+        </a:p>
+      </dgm:t>
+    </dgm:pt>
+  </dgm:ptLst>
+  <dgm:cxnLst>
+    <dgm:cxn modelId="{306470D0-A5E5-4088-984C-B31579827439}" srcId="{F6524DA8-06A7-4701-99CE-BE77F9F3AD49}" destId="{74A985CE-7880-49DB-B5F4-BB574779183D}" srcOrd="0" destOrd="0" parTransId="{2C1AE2E8-AC39-4D9D-BAEF-932499C31B96}" sibTransId="{2CC2AC7B-B013-4DF0-A8EC-CDED53E9E30B}"/>
+    <dgm:cxn modelId="{30E8D2B2-216B-4F1F-A2F0-0A64BF071FBC}" srcId="{202E78E9-7ECE-434E-959B-D55D97C37124}" destId="{068B5CC8-57AD-4636-B90A-481C07210CF6}" srcOrd="0" destOrd="0" parTransId="{556352DE-7871-4BF7-A88A-1497C98A2600}" sibTransId="{E1BD9897-33C3-4A8D-89B2-B8EE8E955352}"/>
+    <dgm:cxn modelId="{AD89074E-360E-FC4D-910B-FCA1D8EB8E48}" type="presOf" srcId="{74A985CE-7880-49DB-B5F4-BB574779183D}" destId="{F19C4BD5-1B16-4E50-94CC-EB7FE747C815}" srcOrd="0" destOrd="0" presId="urn:microsoft.com/office/officeart/2005/8/layout/chevron2"/>
+    <dgm:cxn modelId="{6BA267F5-EC9C-4A52-8617-4846D5326A2C}" srcId="{BB8EB9C1-886A-4391-9C84-0FD255C04E1D}" destId="{CD8C32E0-13D4-4235-BAD4-EE0061458B65}" srcOrd="2" destOrd="0" parTransId="{73F5387E-DA9C-44D5-918C-D998F5B232DD}" sibTransId="{282E005B-5CB5-4F87-A7A7-5C44397C5666}"/>
+    <dgm:cxn modelId="{E1D2429A-1B50-4E86-9CAF-77ACA1070303}" srcId="{BB8EB9C1-886A-4391-9C84-0FD255C04E1D}" destId="{202E78E9-7ECE-434E-959B-D55D97C37124}" srcOrd="1" destOrd="0" parTransId="{4DDAB1BB-9861-4568-8CB8-7C535F0EF8E4}" sibTransId="{F3624D79-48CE-446F-A7C5-3878C5B3637F}"/>
+    <dgm:cxn modelId="{951A1ACA-79C0-D54A-B6D3-ABEEE7BEEB7B}" type="presOf" srcId="{202E78E9-7ECE-434E-959B-D55D97C37124}" destId="{42FF1629-B21A-4D62-A33A-B2F2A5740F24}" srcOrd="0" destOrd="0" presId="urn:microsoft.com/office/officeart/2005/8/layout/chevron2"/>
+    <dgm:cxn modelId="{C2BEF887-B3EC-41D0-BAB9-E70DDAE1A614}" srcId="{BB8EB9C1-886A-4391-9C84-0FD255C04E1D}" destId="{F6524DA8-06A7-4701-99CE-BE77F9F3AD49}" srcOrd="3" destOrd="0" parTransId="{27CDF950-7D94-4F22-B0E2-4C6CC9B16D15}" sibTransId="{5DE662BE-93BD-4C80-B33D-29CDACE4CC29}"/>
+    <dgm:cxn modelId="{CB46B1F6-CCFB-4683-9F8B-5C101A37C2AB}" srcId="{BABD2379-343F-47A5-823B-224360736C39}" destId="{56415445-9530-4471-B195-6C52757DD2A7}" srcOrd="0" destOrd="0" parTransId="{CF01BBE5-E724-4F3D-B88F-4CC2A5A37819}" sibTransId="{3F1E3512-591D-4D92-B1BA-9CF22EA6357D}"/>
+    <dgm:cxn modelId="{6D8A5AA8-0A44-4A65-8C1B-4F82FCC91262}" srcId="{BB8EB9C1-886A-4391-9C84-0FD255C04E1D}" destId="{BABD2379-343F-47A5-823B-224360736C39}" srcOrd="0" destOrd="0" parTransId="{E363EB68-3D26-451D-B0FD-CEDEE8A2FF43}" sibTransId="{29B29AD5-5EDB-43C2-B3D1-7760A46CA1B2}"/>
+    <dgm:cxn modelId="{3447E077-07C8-8840-A982-6845C21D3502}" type="presOf" srcId="{56415445-9530-4471-B195-6C52757DD2A7}" destId="{0514DF8F-770E-4115-BE0C-CC70F2CFDFE4}" srcOrd="0" destOrd="0" presId="urn:microsoft.com/office/officeart/2005/8/layout/chevron2"/>
+    <dgm:cxn modelId="{3AE31426-B178-DD45-A03A-787B752915EA}" type="presOf" srcId="{CD8C32E0-13D4-4235-BAD4-EE0061458B65}" destId="{4BC23077-6490-4408-A337-FF3A579D89AF}" srcOrd="0" destOrd="0" presId="urn:microsoft.com/office/officeart/2005/8/layout/chevron2"/>
+    <dgm:cxn modelId="{0D06A29F-EF95-B346-B5AA-5F6D64C5F046}" type="presOf" srcId="{F6524DA8-06A7-4701-99CE-BE77F9F3AD49}" destId="{A5FBD47A-6D83-49BB-A933-B470695E830D}" srcOrd="0" destOrd="0" presId="urn:microsoft.com/office/officeart/2005/8/layout/chevron2"/>
+    <dgm:cxn modelId="{529432E1-CED0-C74B-A9DF-17087C9702FA}" type="presOf" srcId="{068B5CC8-57AD-4636-B90A-481C07210CF6}" destId="{CCBA1F7B-3D2C-488C-8D77-20353E1B5831}" srcOrd="0" destOrd="0" presId="urn:microsoft.com/office/officeart/2005/8/layout/chevron2"/>
+    <dgm:cxn modelId="{8D6053F4-0EF3-9A46-BA21-27503DDDB5D7}" type="presOf" srcId="{BB8EB9C1-886A-4391-9C84-0FD255C04E1D}" destId="{6DB7BD36-A8FA-49F5-AF8F-8761020E2274}" srcOrd="0" destOrd="0" presId="urn:microsoft.com/office/officeart/2005/8/layout/chevron2"/>
+    <dgm:cxn modelId="{811A7E5C-2A94-7A4E-B252-4273ED8CAEF7}" type="presOf" srcId="{22345D8B-874C-4537-BD30-04E980806A75}" destId="{0E096BBC-812D-4B0E-B28B-8AEF3201000E}" srcOrd="0" destOrd="0" presId="urn:microsoft.com/office/officeart/2005/8/layout/chevron2"/>
+    <dgm:cxn modelId="{A3018996-E6BC-1940-93EC-A0308B9F6F17}" type="presOf" srcId="{BABD2379-343F-47A5-823B-224360736C39}" destId="{F8C150D7-64A4-4116-92BD-05EEB80B6636}" srcOrd="0" destOrd="0" presId="urn:microsoft.com/office/officeart/2005/8/layout/chevron2"/>
+    <dgm:cxn modelId="{55B76DA3-5477-4474-8B35-CCCF4319CE8B}" srcId="{CD8C32E0-13D4-4235-BAD4-EE0061458B65}" destId="{22345D8B-874C-4537-BD30-04E980806A75}" srcOrd="0" destOrd="0" parTransId="{205D0D9D-A0FD-40C6-BFD7-1D1EC2D89D31}" sibTransId="{425F65D2-5B74-430B-923A-6DC29DEF7902}"/>
+    <dgm:cxn modelId="{C5196912-E572-6D4E-84CC-6718771F9CC2}" type="presParOf" srcId="{6DB7BD36-A8FA-49F5-AF8F-8761020E2274}" destId="{718AFB7F-EB24-47AB-9237-A7A855453ABE}" srcOrd="0" destOrd="0" presId="urn:microsoft.com/office/officeart/2005/8/layout/chevron2"/>
+    <dgm:cxn modelId="{53421BF3-E796-0E41-9F1F-D7E6D7BCAD3B}" type="presParOf" srcId="{718AFB7F-EB24-47AB-9237-A7A855453ABE}" destId="{F8C150D7-64A4-4116-92BD-05EEB80B6636}" srcOrd="0" destOrd="0" presId="urn:microsoft.com/office/officeart/2005/8/layout/chevron2"/>
+    <dgm:cxn modelId="{3CFA18CD-25FA-AB45-BB8B-34D38F2EDE7C}" type="presParOf" srcId="{718AFB7F-EB24-47AB-9237-A7A855453ABE}" destId="{0514DF8F-770E-4115-BE0C-CC70F2CFDFE4}" srcOrd="1" destOrd="0" presId="urn:microsoft.com/office/officeart/2005/8/layout/chevron2"/>
+    <dgm:cxn modelId="{B5DA5FCC-9F8E-A649-8235-0843E138FA11}" type="presParOf" srcId="{6DB7BD36-A8FA-49F5-AF8F-8761020E2274}" destId="{93CC4C4A-32FD-49C4-A967-7679E4F86B95}" srcOrd="1" destOrd="0" presId="urn:microsoft.com/office/officeart/2005/8/layout/chevron2"/>
+    <dgm:cxn modelId="{510BE46F-11C8-024A-99A3-5B66083A4AD6}" type="presParOf" srcId="{6DB7BD36-A8FA-49F5-AF8F-8761020E2274}" destId="{A63055E5-D2F3-4B07-BFD4-B877BB9DC5B5}" srcOrd="2" destOrd="0" presId="urn:microsoft.com/office/officeart/2005/8/layout/chevron2"/>
+    <dgm:cxn modelId="{90F1E135-FFDE-9D49-B7F0-7BDEB22E83DE}" type="presParOf" srcId="{A63055E5-D2F3-4B07-BFD4-B877BB9DC5B5}" destId="{42FF1629-B21A-4D62-A33A-B2F2A5740F24}" srcOrd="0" destOrd="0" presId="urn:microsoft.com/office/officeart/2005/8/layout/chevron2"/>
+    <dgm:cxn modelId="{C8E613DA-B86F-B340-95DC-DA3F9ADAE333}" type="presParOf" srcId="{A63055E5-D2F3-4B07-BFD4-B877BB9DC5B5}" destId="{CCBA1F7B-3D2C-488C-8D77-20353E1B5831}" srcOrd="1" destOrd="0" presId="urn:microsoft.com/office/officeart/2005/8/layout/chevron2"/>
+    <dgm:cxn modelId="{47AE2BB7-C18A-2449-9200-EE4E4BC885F0}" type="presParOf" srcId="{6DB7BD36-A8FA-49F5-AF8F-8761020E2274}" destId="{90A50E50-E6D1-46C6-886D-05851F955C1D}" srcOrd="3" destOrd="0" presId="urn:microsoft.com/office/officeart/2005/8/layout/chevron2"/>
+    <dgm:cxn modelId="{E86D9A4B-1B4B-774B-A0B5-4CF65CE44FEF}" type="presParOf" srcId="{6DB7BD36-A8FA-49F5-AF8F-8761020E2274}" destId="{95A7A3B9-5C6B-4552-AB69-962403C29006}" srcOrd="4" destOrd="0" presId="urn:microsoft.com/office/officeart/2005/8/layout/chevron2"/>
+    <dgm:cxn modelId="{4387C6E4-DF94-CD44-B0E0-E101F8ED645F}" type="presParOf" srcId="{95A7A3B9-5C6B-4552-AB69-962403C29006}" destId="{4BC23077-6490-4408-A337-FF3A579D89AF}" srcOrd="0" destOrd="0" presId="urn:microsoft.com/office/officeart/2005/8/layout/chevron2"/>
+    <dgm:cxn modelId="{F6534E61-FE9E-F04C-9F43-73EF36A2B2B1}" type="presParOf" srcId="{95A7A3B9-5C6B-4552-AB69-962403C29006}" destId="{0E096BBC-812D-4B0E-B28B-8AEF3201000E}" srcOrd="1" destOrd="0" presId="urn:microsoft.com/office/officeart/2005/8/layout/chevron2"/>
+    <dgm:cxn modelId="{F13AA995-DC64-AB49-9693-0A7EF7F42B56}" type="presParOf" srcId="{6DB7BD36-A8FA-49F5-AF8F-8761020E2274}" destId="{168F85BB-F61C-421E-A70E-12B3E3C6490D}" srcOrd="5" destOrd="0" presId="urn:microsoft.com/office/officeart/2005/8/layout/chevron2"/>
+    <dgm:cxn modelId="{AC631144-EB59-3E44-A581-7B25BCD2E9AA}" type="presParOf" srcId="{6DB7BD36-A8FA-49F5-AF8F-8761020E2274}" destId="{1225C8B9-74FD-4FC3-A36E-6ED7231CE008}" srcOrd="6" destOrd="0" presId="urn:microsoft.com/office/officeart/2005/8/layout/chevron2"/>
+    <dgm:cxn modelId="{38726DF5-3F0E-0C4F-A8D6-CF3B874E8F0A}" type="presParOf" srcId="{1225C8B9-74FD-4FC3-A36E-6ED7231CE008}" destId="{A5FBD47A-6D83-49BB-A933-B470695E830D}" srcOrd="0" destOrd="0" presId="urn:microsoft.com/office/officeart/2005/8/layout/chevron2"/>
+    <dgm:cxn modelId="{43920F3B-72E0-E741-B816-2B2A42877945}" type="presParOf" srcId="{1225C8B9-74FD-4FC3-A36E-6ED7231CE008}" destId="{F19C4BD5-1B16-4E50-94CC-EB7FE747C815}" srcOrd="1" destOrd="0" presId="urn:microsoft.com/office/officeart/2005/8/layout/chevron2"/>
+  </dgm:cxnLst>
+  <dgm:bg/>
+  <dgm:whole/>
+  <dgm:extLst>
+    <a:ext uri="http://schemas.microsoft.com/office/drawing/2008/diagram">
+      <dsp:dataModelExt xmlns:dsp="http://schemas.microsoft.com/office/drawing/2008/diagram" relId="rId8" minVer="http://schemas.openxmlformats.org/drawingml/2006/diagram"/>
+    </a:ext>
+  </dgm:extLst>
+</dgm:dataModel>
+</file>
+
+<file path=ppt/diagrams/data3.xml><?xml version="1.0" encoding="utf-8"?>
 <dgm:dataModel xmlns:dgm="http://schemas.openxmlformats.org/drawingml/2006/diagram" xmlns:a="http://schemas.openxmlformats.org/drawingml/2006/main">
   <dgm:ptLst>
     <dgm:pt modelId="{8345C607-79DE-4DC5-A15D-D65AF58B8156}" type="doc">
@@ -4615,11 +6129,7 @@
         <a:p>
           <a:r>
             <a:rPr lang="es-CO" sz="1400" dirty="0" smtClean="0"/>
-            <a:t>País</a:t>
-          </a:r>
-          <a:r>
-            <a:rPr lang="es-CO" sz="1400" dirty="0" smtClean="0"/>
-            <a:t>: Colombia</a:t>
+            <a:t>País: Colombia</a:t>
           </a:r>
           <a:endParaRPr lang="en-US" sz="1400" dirty="0"/>
         </a:p>
@@ -4955,7 +6465,7 @@
 </dgm:dataModel>
 </file>
 
-<file path=ppt/diagrams/data3.xml><?xml version="1.0" encoding="utf-8"?>
+<file path=ppt/diagrams/data4.xml><?xml version="1.0" encoding="utf-8"?>
 <dgm:dataModel xmlns:dgm="http://schemas.openxmlformats.org/drawingml/2006/diagram" xmlns:a="http://schemas.openxmlformats.org/drawingml/2006/main">
   <dgm:ptLst>
     <dgm:pt modelId="{5AED743B-61E9-43F0-B4E6-CD66C7CACB11}" type="doc">
@@ -6097,7 +7607,7 @@
 </dgm:dataModel>
 </file>
 
-<file path=ppt/diagrams/data4.xml><?xml version="1.0" encoding="utf-8"?>
+<file path=ppt/diagrams/data5.xml><?xml version="1.0" encoding="utf-8"?>
 <dgm:dataModel xmlns:dgm="http://schemas.openxmlformats.org/drawingml/2006/diagram" xmlns:a="http://schemas.openxmlformats.org/drawingml/2006/main">
   <dgm:ptLst>
     <dgm:pt modelId="{5744469D-28A9-4C46-B106-1ECC8349545E}" type="doc">
@@ -6749,24 +8259,19 @@
           </a:pPr>
           <a:r>
             <a:rPr lang="en-US" sz="2400" kern="1200" dirty="0" smtClean="0"/>
-            <a:t>SISTEMA DE INFORMACIÓN PARA</a:t>
+            <a:t>SISTEMA DE INFORMACIÓN </a:t>
           </a:r>
-        </a:p>
-        <a:p>
-          <a:pPr lvl="0" algn="ctr" defTabSz="1066800">
-            <a:lnSpc>
-              <a:spcPct val="90000"/>
-            </a:lnSpc>
-            <a:spcBef>
-              <a:spcPct val="0"/>
-            </a:spcBef>
-            <a:spcAft>
-              <a:spcPct val="35000"/>
-            </a:spcAft>
-          </a:pPr>
+          <a:r>
+            <a:rPr lang="en-US" sz="2400" kern="1200" dirty="0" smtClean="0"/>
+            <a:t>PARA </a:t>
+          </a:r>
           <a:r>
             <a:rPr lang="es-ES" sz="2400" kern="1200" dirty="0" smtClean="0"/>
-            <a:t>DETECTAR FRAUDE EN REDES ELÉCTRICAS</a:t>
+            <a:t>DETECTAR </a:t>
+          </a:r>
+          <a:r>
+            <a:rPr lang="es-ES" sz="2400" kern="1200" dirty="0" smtClean="0"/>
+            <a:t>FRAUDE EN REDES ELÉCTRICAS</a:t>
           </a:r>
           <a:endParaRPr lang="es-ES" sz="2400" kern="1200" dirty="0"/>
         </a:p>
@@ -7124,6 +8629,804 @@
       <dsp:cNvGrpSpPr/>
     </dsp:nvGrpSpPr>
     <dsp:grpSpPr/>
+    <dsp:sp modelId="{F8C150D7-64A4-4116-92BD-05EEB80B6636}">
+      <dsp:nvSpPr>
+        <dsp:cNvPr id="0" name=""/>
+        <dsp:cNvSpPr/>
+      </dsp:nvSpPr>
+      <dsp:spPr>
+        <a:xfrm rot="5400000">
+          <a:off x="-137126" y="138494"/>
+          <a:ext cx="914176" cy="639923"/>
+        </a:xfrm>
+        <a:prstGeom prst="chevron">
+          <a:avLst/>
+        </a:prstGeom>
+        <a:solidFill>
+          <a:schemeClr val="accent2">
+            <a:hueOff val="0"/>
+            <a:satOff val="0"/>
+            <a:lumOff val="0"/>
+            <a:alphaOff val="0"/>
+          </a:schemeClr>
+        </a:solidFill>
+        <a:ln w="25400" cap="flat" cmpd="sng" algn="ctr">
+          <a:solidFill>
+            <a:schemeClr val="accent2">
+              <a:hueOff val="0"/>
+              <a:satOff val="0"/>
+              <a:lumOff val="0"/>
+              <a:alphaOff val="0"/>
+            </a:schemeClr>
+          </a:solidFill>
+          <a:prstDash val="solid"/>
+        </a:ln>
+        <a:effectLst/>
+      </dsp:spPr>
+      <dsp:style>
+        <a:lnRef idx="2">
+          <a:scrgbClr r="0" g="0" b="0"/>
+        </a:lnRef>
+        <a:fillRef idx="1">
+          <a:scrgbClr r="0" g="0" b="0"/>
+        </a:fillRef>
+        <a:effectRef idx="0">
+          <a:scrgbClr r="0" g="0" b="0"/>
+        </a:effectRef>
+        <a:fontRef idx="minor">
+          <a:schemeClr val="lt1"/>
+        </a:fontRef>
+      </dsp:style>
+      <dsp:txBody>
+        <a:bodyPr spcFirstLastPara="0" vert="horz" wrap="square" lIns="11430" tIns="11430" rIns="11430" bIns="11430" numCol="1" spcCol="1270" anchor="ctr" anchorCtr="0">
+          <a:noAutofit/>
+        </a:bodyPr>
+        <a:lstStyle/>
+        <a:p>
+          <a:pPr lvl="0" algn="ctr" defTabSz="800100">
+            <a:lnSpc>
+              <a:spcPct val="90000"/>
+            </a:lnSpc>
+            <a:spcBef>
+              <a:spcPct val="0"/>
+            </a:spcBef>
+            <a:spcAft>
+              <a:spcPct val="35000"/>
+            </a:spcAft>
+          </a:pPr>
+          <a:r>
+            <a:rPr lang="en-US" sz="1800" kern="1200">
+              <a:latin typeface="Abadi MT Condensed Light"/>
+            </a:rPr>
+            <a:t>1.</a:t>
+          </a:r>
+        </a:p>
+      </dsp:txBody>
+      <dsp:txXfrm rot="-5400000">
+        <a:off x="1" y="321330"/>
+        <a:ext cx="639923" cy="274253"/>
+      </dsp:txXfrm>
+    </dsp:sp>
+    <dsp:sp modelId="{0514DF8F-770E-4115-BE0C-CC70F2CFDFE4}">
+      <dsp:nvSpPr>
+        <dsp:cNvPr id="0" name=""/>
+        <dsp:cNvSpPr/>
+      </dsp:nvSpPr>
+      <dsp:spPr>
+        <a:xfrm rot="5400000">
+          <a:off x="2766054" y="-2124763"/>
+          <a:ext cx="594214" cy="4846476"/>
+        </a:xfrm>
+        <a:prstGeom prst="round2SameRect">
+          <a:avLst/>
+        </a:prstGeom>
+        <a:solidFill>
+          <a:schemeClr val="lt1">
+            <a:alpha val="90000"/>
+            <a:hueOff val="0"/>
+            <a:satOff val="0"/>
+            <a:lumOff val="0"/>
+            <a:alphaOff val="0"/>
+          </a:schemeClr>
+        </a:solidFill>
+        <a:ln w="25400" cap="flat" cmpd="sng" algn="ctr">
+          <a:solidFill>
+            <a:schemeClr val="accent2">
+              <a:hueOff val="0"/>
+              <a:satOff val="0"/>
+              <a:lumOff val="0"/>
+              <a:alphaOff val="0"/>
+            </a:schemeClr>
+          </a:solidFill>
+          <a:prstDash val="solid"/>
+        </a:ln>
+        <a:effectLst/>
+      </dsp:spPr>
+      <dsp:style>
+        <a:lnRef idx="2">
+          <a:scrgbClr r="0" g="0" b="0"/>
+        </a:lnRef>
+        <a:fillRef idx="1">
+          <a:scrgbClr r="0" g="0" b="0"/>
+        </a:fillRef>
+        <a:effectRef idx="0">
+          <a:scrgbClr r="0" g="0" b="0"/>
+        </a:effectRef>
+        <a:fontRef idx="minor"/>
+      </dsp:style>
+      <dsp:txBody>
+        <a:bodyPr spcFirstLastPara="0" vert="horz" wrap="square" lIns="99568" tIns="8890" rIns="8890" bIns="8890" numCol="1" spcCol="1270" anchor="ctr" anchorCtr="0">
+          <a:noAutofit/>
+        </a:bodyPr>
+        <a:lstStyle/>
+        <a:p>
+          <a:pPr marL="114300" lvl="1" indent="-114300" algn="l" defTabSz="622300">
+            <a:lnSpc>
+              <a:spcPct val="90000"/>
+            </a:lnSpc>
+            <a:spcBef>
+              <a:spcPct val="0"/>
+            </a:spcBef>
+            <a:spcAft>
+              <a:spcPct val="15000"/>
+            </a:spcAft>
+            <a:buChar char="•"/>
+          </a:pPr>
+          <a:r>
+            <a:rPr lang="es-ES_tradnl" sz="1400" kern="1200" dirty="0">
+              <a:latin typeface="+mj-lt"/>
+            </a:rPr>
+            <a:t>Diseñar, construir e implementar un </a:t>
+          </a:r>
+          <a:r>
+            <a:rPr lang="es-ES_tradnl" sz="1400" kern="1200" dirty="0" smtClean="0">
+              <a:latin typeface="+mj-lt"/>
+            </a:rPr>
+            <a:t>sistema </a:t>
+          </a:r>
+          <a:r>
+            <a:rPr lang="es-ES_tradnl" sz="1400" kern="1200" dirty="0">
+              <a:latin typeface="+mj-lt"/>
+            </a:rPr>
+            <a:t>de información a la medida para </a:t>
+          </a:r>
+          <a:r>
+            <a:rPr lang="es-ES_tradnl" sz="1400" kern="1200" dirty="0" smtClean="0">
+              <a:latin typeface="+mj-lt"/>
+            </a:rPr>
+            <a:t>el análisis </a:t>
+          </a:r>
+          <a:r>
+            <a:rPr lang="es-ES_tradnl" sz="1400" kern="1200" dirty="0">
+              <a:latin typeface="+mj-lt"/>
+            </a:rPr>
+            <a:t>de datos de las mediciones.  </a:t>
+          </a:r>
+          <a:endParaRPr lang="en-US" sz="1400" kern="1200" dirty="0">
+            <a:latin typeface="+mj-lt"/>
+          </a:endParaRPr>
+        </a:p>
+      </dsp:txBody>
+      <dsp:txXfrm rot="-5400000">
+        <a:off x="639924" y="30374"/>
+        <a:ext cx="4817469" cy="536200"/>
+      </dsp:txXfrm>
+    </dsp:sp>
+    <dsp:sp modelId="{42FF1629-B21A-4D62-A33A-B2F2A5740F24}">
+      <dsp:nvSpPr>
+        <dsp:cNvPr id="0" name=""/>
+        <dsp:cNvSpPr/>
+      </dsp:nvSpPr>
+      <dsp:spPr>
+        <a:xfrm rot="5400000">
+          <a:off x="-137126" y="899656"/>
+          <a:ext cx="914176" cy="639923"/>
+        </a:xfrm>
+        <a:prstGeom prst="chevron">
+          <a:avLst/>
+        </a:prstGeom>
+        <a:solidFill>
+          <a:schemeClr val="accent2">
+            <a:hueOff val="1560507"/>
+            <a:satOff val="-1946"/>
+            <a:lumOff val="458"/>
+            <a:alphaOff val="0"/>
+          </a:schemeClr>
+        </a:solidFill>
+        <a:ln w="25400" cap="flat" cmpd="sng" algn="ctr">
+          <a:solidFill>
+            <a:schemeClr val="accent2">
+              <a:hueOff val="1560507"/>
+              <a:satOff val="-1946"/>
+              <a:lumOff val="458"/>
+              <a:alphaOff val="0"/>
+            </a:schemeClr>
+          </a:solidFill>
+          <a:prstDash val="solid"/>
+        </a:ln>
+        <a:effectLst/>
+      </dsp:spPr>
+      <dsp:style>
+        <a:lnRef idx="2">
+          <a:scrgbClr r="0" g="0" b="0"/>
+        </a:lnRef>
+        <a:fillRef idx="1">
+          <a:scrgbClr r="0" g="0" b="0"/>
+        </a:fillRef>
+        <a:effectRef idx="0">
+          <a:scrgbClr r="0" g="0" b="0"/>
+        </a:effectRef>
+        <a:fontRef idx="minor">
+          <a:schemeClr val="lt1"/>
+        </a:fontRef>
+      </dsp:style>
+      <dsp:txBody>
+        <a:bodyPr spcFirstLastPara="0" vert="horz" wrap="square" lIns="11430" tIns="11430" rIns="11430" bIns="11430" numCol="1" spcCol="1270" anchor="ctr" anchorCtr="0">
+          <a:noAutofit/>
+        </a:bodyPr>
+        <a:lstStyle/>
+        <a:p>
+          <a:pPr lvl="0" algn="ctr" defTabSz="800100">
+            <a:lnSpc>
+              <a:spcPct val="90000"/>
+            </a:lnSpc>
+            <a:spcBef>
+              <a:spcPct val="0"/>
+            </a:spcBef>
+            <a:spcAft>
+              <a:spcPct val="35000"/>
+            </a:spcAft>
+          </a:pPr>
+          <a:r>
+            <a:rPr lang="en-US" sz="1800" kern="1200">
+              <a:latin typeface="Abadi MT Condensed Light"/>
+            </a:rPr>
+            <a:t>2.</a:t>
+          </a:r>
+        </a:p>
+      </dsp:txBody>
+      <dsp:txXfrm rot="-5400000">
+        <a:off x="1" y="1082492"/>
+        <a:ext cx="639923" cy="274253"/>
+      </dsp:txXfrm>
+    </dsp:sp>
+    <dsp:sp modelId="{CCBA1F7B-3D2C-488C-8D77-20353E1B5831}">
+      <dsp:nvSpPr>
+        <dsp:cNvPr id="0" name=""/>
+        <dsp:cNvSpPr/>
+      </dsp:nvSpPr>
+      <dsp:spPr>
+        <a:xfrm rot="5400000">
+          <a:off x="2766054" y="-1363600"/>
+          <a:ext cx="594214" cy="4846476"/>
+        </a:xfrm>
+        <a:prstGeom prst="round2SameRect">
+          <a:avLst/>
+        </a:prstGeom>
+        <a:solidFill>
+          <a:schemeClr val="lt1">
+            <a:alpha val="90000"/>
+            <a:hueOff val="0"/>
+            <a:satOff val="0"/>
+            <a:lumOff val="0"/>
+            <a:alphaOff val="0"/>
+          </a:schemeClr>
+        </a:solidFill>
+        <a:ln w="25400" cap="flat" cmpd="sng" algn="ctr">
+          <a:solidFill>
+            <a:schemeClr val="accent2">
+              <a:hueOff val="1560507"/>
+              <a:satOff val="-1946"/>
+              <a:lumOff val="458"/>
+              <a:alphaOff val="0"/>
+            </a:schemeClr>
+          </a:solidFill>
+          <a:prstDash val="solid"/>
+        </a:ln>
+        <a:effectLst/>
+      </dsp:spPr>
+      <dsp:style>
+        <a:lnRef idx="2">
+          <a:scrgbClr r="0" g="0" b="0"/>
+        </a:lnRef>
+        <a:fillRef idx="1">
+          <a:scrgbClr r="0" g="0" b="0"/>
+        </a:fillRef>
+        <a:effectRef idx="0">
+          <a:scrgbClr r="0" g="0" b="0"/>
+        </a:effectRef>
+        <a:fontRef idx="minor"/>
+      </dsp:style>
+      <dsp:txBody>
+        <a:bodyPr spcFirstLastPara="0" vert="horz" wrap="square" lIns="99568" tIns="8890" rIns="8890" bIns="8890" numCol="1" spcCol="1270" anchor="ctr" anchorCtr="0">
+          <a:noAutofit/>
+        </a:bodyPr>
+        <a:lstStyle/>
+        <a:p>
+          <a:pPr marL="114300" lvl="1" indent="-114300" algn="l" defTabSz="622300">
+            <a:lnSpc>
+              <a:spcPct val="90000"/>
+            </a:lnSpc>
+            <a:spcBef>
+              <a:spcPct val="0"/>
+            </a:spcBef>
+            <a:spcAft>
+              <a:spcPct val="15000"/>
+            </a:spcAft>
+            <a:buChar char="•"/>
+          </a:pPr>
+          <a:r>
+            <a:rPr lang="en-US" sz="1400" kern="1200" dirty="0" err="1">
+              <a:latin typeface="+mj-lt"/>
+            </a:rPr>
+            <a:t>Mejorar</a:t>
+          </a:r>
+          <a:r>
+            <a:rPr lang="en-US" sz="1400" kern="1200" dirty="0">
+              <a:latin typeface="+mj-lt"/>
+            </a:rPr>
+            <a:t> la </a:t>
+          </a:r>
+          <a:r>
+            <a:rPr lang="en-US" sz="1400" kern="1200" dirty="0" err="1" smtClean="0">
+              <a:latin typeface="+mj-lt"/>
+            </a:rPr>
+            <a:t>tecnología</a:t>
+          </a:r>
+          <a:r>
+            <a:rPr lang="en-US" sz="1400" kern="1200" dirty="0" smtClean="0">
+              <a:latin typeface="+mj-lt"/>
+            </a:rPr>
+            <a:t> </a:t>
+          </a:r>
+          <a:r>
+            <a:rPr lang="en-US" sz="1400" kern="1200" dirty="0">
+              <a:latin typeface="+mj-lt"/>
+            </a:rPr>
+            <a:t>de </a:t>
+          </a:r>
+          <a:r>
+            <a:rPr lang="en-US" sz="1400" kern="1200" dirty="0" err="1" smtClean="0">
+              <a:latin typeface="+mj-lt"/>
+            </a:rPr>
+            <a:t>medición</a:t>
+          </a:r>
+          <a:r>
+            <a:rPr lang="en-US" sz="1400" kern="1200" dirty="0" smtClean="0">
+              <a:latin typeface="+mj-lt"/>
+            </a:rPr>
+            <a:t> </a:t>
+          </a:r>
+          <a:r>
+            <a:rPr lang="en-US" sz="1400" kern="1200" dirty="0" err="1">
+              <a:latin typeface="+mj-lt"/>
+            </a:rPr>
+            <a:t>en</a:t>
+          </a:r>
+          <a:r>
+            <a:rPr lang="en-US" sz="1400" kern="1200" dirty="0">
+              <a:latin typeface="+mj-lt"/>
+            </a:rPr>
+            <a:t> </a:t>
+          </a:r>
+          <a:r>
+            <a:rPr lang="en-US" sz="1400" kern="1200" dirty="0" err="1">
+              <a:latin typeface="+mj-lt"/>
+            </a:rPr>
+            <a:t>trasformadores</a:t>
+          </a:r>
+          <a:r>
+            <a:rPr lang="en-US" sz="1400" kern="1200" dirty="0">
+              <a:latin typeface="+mj-lt"/>
+            </a:rPr>
+            <a:t>. </a:t>
+          </a:r>
+        </a:p>
+      </dsp:txBody>
+      <dsp:txXfrm rot="-5400000">
+        <a:off x="639924" y="791537"/>
+        <a:ext cx="4817469" cy="536200"/>
+      </dsp:txXfrm>
+    </dsp:sp>
+    <dsp:sp modelId="{4BC23077-6490-4408-A337-FF3A579D89AF}">
+      <dsp:nvSpPr>
+        <dsp:cNvPr id="0" name=""/>
+        <dsp:cNvSpPr/>
+      </dsp:nvSpPr>
+      <dsp:spPr>
+        <a:xfrm rot="5400000">
+          <a:off x="-137126" y="1660819"/>
+          <a:ext cx="914176" cy="639923"/>
+        </a:xfrm>
+        <a:prstGeom prst="chevron">
+          <a:avLst/>
+        </a:prstGeom>
+        <a:solidFill>
+          <a:schemeClr val="accent2">
+            <a:hueOff val="3121013"/>
+            <a:satOff val="-3893"/>
+            <a:lumOff val="915"/>
+            <a:alphaOff val="0"/>
+          </a:schemeClr>
+        </a:solidFill>
+        <a:ln w="25400" cap="flat" cmpd="sng" algn="ctr">
+          <a:solidFill>
+            <a:schemeClr val="accent2">
+              <a:hueOff val="3121013"/>
+              <a:satOff val="-3893"/>
+              <a:lumOff val="915"/>
+              <a:alphaOff val="0"/>
+            </a:schemeClr>
+          </a:solidFill>
+          <a:prstDash val="solid"/>
+        </a:ln>
+        <a:effectLst/>
+      </dsp:spPr>
+      <dsp:style>
+        <a:lnRef idx="2">
+          <a:scrgbClr r="0" g="0" b="0"/>
+        </a:lnRef>
+        <a:fillRef idx="1">
+          <a:scrgbClr r="0" g="0" b="0"/>
+        </a:fillRef>
+        <a:effectRef idx="0">
+          <a:scrgbClr r="0" g="0" b="0"/>
+        </a:effectRef>
+        <a:fontRef idx="minor">
+          <a:schemeClr val="lt1"/>
+        </a:fontRef>
+      </dsp:style>
+      <dsp:txBody>
+        <a:bodyPr spcFirstLastPara="0" vert="horz" wrap="square" lIns="11430" tIns="11430" rIns="11430" bIns="11430" numCol="1" spcCol="1270" anchor="ctr" anchorCtr="0">
+          <a:noAutofit/>
+        </a:bodyPr>
+        <a:lstStyle/>
+        <a:p>
+          <a:pPr lvl="0" algn="ctr" defTabSz="800100">
+            <a:lnSpc>
+              <a:spcPct val="90000"/>
+            </a:lnSpc>
+            <a:spcBef>
+              <a:spcPct val="0"/>
+            </a:spcBef>
+            <a:spcAft>
+              <a:spcPct val="35000"/>
+            </a:spcAft>
+          </a:pPr>
+          <a:r>
+            <a:rPr lang="en-US" sz="1800" kern="1200">
+              <a:latin typeface="Abadi MT Condensed Light"/>
+            </a:rPr>
+            <a:t>3.</a:t>
+          </a:r>
+        </a:p>
+      </dsp:txBody>
+      <dsp:txXfrm rot="-5400000">
+        <a:off x="1" y="1843655"/>
+        <a:ext cx="639923" cy="274253"/>
+      </dsp:txXfrm>
+    </dsp:sp>
+    <dsp:sp modelId="{0E096BBC-812D-4B0E-B28B-8AEF3201000E}">
+      <dsp:nvSpPr>
+        <dsp:cNvPr id="0" name=""/>
+        <dsp:cNvSpPr/>
+      </dsp:nvSpPr>
+      <dsp:spPr>
+        <a:xfrm rot="5400000">
+          <a:off x="2766054" y="-602437"/>
+          <a:ext cx="594214" cy="4846476"/>
+        </a:xfrm>
+        <a:prstGeom prst="round2SameRect">
+          <a:avLst/>
+        </a:prstGeom>
+        <a:solidFill>
+          <a:schemeClr val="lt1">
+            <a:alpha val="90000"/>
+            <a:hueOff val="0"/>
+            <a:satOff val="0"/>
+            <a:lumOff val="0"/>
+            <a:alphaOff val="0"/>
+          </a:schemeClr>
+        </a:solidFill>
+        <a:ln w="25400" cap="flat" cmpd="sng" algn="ctr">
+          <a:solidFill>
+            <a:schemeClr val="accent2">
+              <a:hueOff val="3121013"/>
+              <a:satOff val="-3893"/>
+              <a:lumOff val="915"/>
+              <a:alphaOff val="0"/>
+            </a:schemeClr>
+          </a:solidFill>
+          <a:prstDash val="solid"/>
+        </a:ln>
+        <a:effectLst/>
+      </dsp:spPr>
+      <dsp:style>
+        <a:lnRef idx="2">
+          <a:scrgbClr r="0" g="0" b="0"/>
+        </a:lnRef>
+        <a:fillRef idx="1">
+          <a:scrgbClr r="0" g="0" b="0"/>
+        </a:fillRef>
+        <a:effectRef idx="0">
+          <a:scrgbClr r="0" g="0" b="0"/>
+        </a:effectRef>
+        <a:fontRef idx="minor"/>
+      </dsp:style>
+      <dsp:txBody>
+        <a:bodyPr spcFirstLastPara="0" vert="horz" wrap="square" lIns="99568" tIns="8890" rIns="8890" bIns="8890" numCol="1" spcCol="1270" anchor="ctr" anchorCtr="0">
+          <a:noAutofit/>
+        </a:bodyPr>
+        <a:lstStyle/>
+        <a:p>
+          <a:pPr marL="114300" lvl="1" indent="-114300" algn="l" defTabSz="622300">
+            <a:lnSpc>
+              <a:spcPct val="90000"/>
+            </a:lnSpc>
+            <a:spcBef>
+              <a:spcPct val="0"/>
+            </a:spcBef>
+            <a:spcAft>
+              <a:spcPct val="15000"/>
+            </a:spcAft>
+            <a:buChar char="•"/>
+          </a:pPr>
+          <a:r>
+            <a:rPr lang="en-US" sz="1400" kern="1200" dirty="0" err="1">
+              <a:latin typeface="+mn-lt"/>
+            </a:rPr>
+            <a:t>Reducir</a:t>
+          </a:r>
+          <a:r>
+            <a:rPr lang="en-US" sz="1400" kern="1200" dirty="0">
+              <a:latin typeface="+mn-lt"/>
+            </a:rPr>
+            <a:t> el </a:t>
+          </a:r>
+          <a:r>
+            <a:rPr lang="en-US" sz="1400" kern="1200" dirty="0" err="1" smtClean="0">
+              <a:latin typeface="+mn-lt"/>
+            </a:rPr>
+            <a:t>índice</a:t>
+          </a:r>
+          <a:r>
+            <a:rPr lang="en-US" sz="1400" kern="1200" dirty="0" smtClean="0">
+              <a:latin typeface="+mn-lt"/>
+            </a:rPr>
+            <a:t> </a:t>
+          </a:r>
+          <a:r>
+            <a:rPr lang="en-US" sz="1400" kern="1200" dirty="0">
+              <a:latin typeface="+mn-lt"/>
+            </a:rPr>
+            <a:t>de </a:t>
+          </a:r>
+          <a:r>
+            <a:rPr lang="en-US" sz="1400" kern="1200" dirty="0" err="1" smtClean="0">
+              <a:latin typeface="+mn-lt"/>
+            </a:rPr>
+            <a:t>pérdidas</a:t>
+          </a:r>
+          <a:r>
+            <a:rPr lang="en-US" sz="1400" kern="1200" dirty="0" smtClean="0">
+              <a:latin typeface="+mn-lt"/>
+            </a:rPr>
+            <a:t> </a:t>
+          </a:r>
+          <a:r>
+            <a:rPr lang="en-US" sz="1400" kern="1200" dirty="0" err="1" smtClean="0">
+              <a:latin typeface="+mn-lt"/>
+            </a:rPr>
+            <a:t>económicas</a:t>
+          </a:r>
+          <a:r>
+            <a:rPr lang="en-US" sz="1400" kern="1200" dirty="0" smtClean="0">
+              <a:latin typeface="+mn-lt"/>
+            </a:rPr>
+            <a:t> </a:t>
+          </a:r>
+          <a:r>
+            <a:rPr lang="en-US" sz="1400" kern="1200" dirty="0" err="1">
+              <a:latin typeface="+mn-lt"/>
+            </a:rPr>
+            <a:t>por</a:t>
+          </a:r>
+          <a:r>
+            <a:rPr lang="en-US" sz="1400" kern="1200" dirty="0">
+              <a:latin typeface="+mn-lt"/>
+            </a:rPr>
+            <a:t> </a:t>
+          </a:r>
+          <a:r>
+            <a:rPr lang="en-US" sz="1400" kern="1200" dirty="0" err="1">
+              <a:latin typeface="+mn-lt"/>
+            </a:rPr>
+            <a:t>fraude</a:t>
+          </a:r>
+          <a:r>
+            <a:rPr lang="en-US" sz="1400" kern="1200" dirty="0">
+              <a:latin typeface="+mn-lt"/>
+            </a:rPr>
+            <a:t>. </a:t>
+          </a:r>
+        </a:p>
+      </dsp:txBody>
+      <dsp:txXfrm rot="-5400000">
+        <a:off x="639924" y="1552700"/>
+        <a:ext cx="4817469" cy="536200"/>
+      </dsp:txXfrm>
+    </dsp:sp>
+    <dsp:sp modelId="{A5FBD47A-6D83-49BB-A933-B470695E830D}">
+      <dsp:nvSpPr>
+        <dsp:cNvPr id="0" name=""/>
+        <dsp:cNvSpPr/>
+      </dsp:nvSpPr>
+      <dsp:spPr>
+        <a:xfrm rot="5400000">
+          <a:off x="-137126" y="2421982"/>
+          <a:ext cx="914176" cy="639923"/>
+        </a:xfrm>
+        <a:prstGeom prst="chevron">
+          <a:avLst/>
+        </a:prstGeom>
+        <a:solidFill>
+          <a:schemeClr val="accent2">
+            <a:hueOff val="4681520"/>
+            <a:satOff val="-5839"/>
+            <a:lumOff val="1373"/>
+            <a:alphaOff val="0"/>
+          </a:schemeClr>
+        </a:solidFill>
+        <a:ln w="25400" cap="flat" cmpd="sng" algn="ctr">
+          <a:solidFill>
+            <a:schemeClr val="accent2">
+              <a:hueOff val="4681520"/>
+              <a:satOff val="-5839"/>
+              <a:lumOff val="1373"/>
+              <a:alphaOff val="0"/>
+            </a:schemeClr>
+          </a:solidFill>
+          <a:prstDash val="solid"/>
+        </a:ln>
+        <a:effectLst/>
+      </dsp:spPr>
+      <dsp:style>
+        <a:lnRef idx="2">
+          <a:scrgbClr r="0" g="0" b="0"/>
+        </a:lnRef>
+        <a:fillRef idx="1">
+          <a:scrgbClr r="0" g="0" b="0"/>
+        </a:fillRef>
+        <a:effectRef idx="0">
+          <a:scrgbClr r="0" g="0" b="0"/>
+        </a:effectRef>
+        <a:fontRef idx="minor">
+          <a:schemeClr val="lt1"/>
+        </a:fontRef>
+      </dsp:style>
+      <dsp:txBody>
+        <a:bodyPr spcFirstLastPara="0" vert="horz" wrap="square" lIns="11430" tIns="11430" rIns="11430" bIns="11430" numCol="1" spcCol="1270" anchor="ctr" anchorCtr="0">
+          <a:noAutofit/>
+        </a:bodyPr>
+        <a:lstStyle/>
+        <a:p>
+          <a:pPr lvl="0" algn="ctr" defTabSz="800100">
+            <a:lnSpc>
+              <a:spcPct val="90000"/>
+            </a:lnSpc>
+            <a:spcBef>
+              <a:spcPct val="0"/>
+            </a:spcBef>
+            <a:spcAft>
+              <a:spcPct val="35000"/>
+            </a:spcAft>
+          </a:pPr>
+          <a:r>
+            <a:rPr lang="en-US" sz="1800" kern="1200">
+              <a:latin typeface="Abadi MT Condensed Light"/>
+            </a:rPr>
+            <a:t>4.</a:t>
+          </a:r>
+        </a:p>
+      </dsp:txBody>
+      <dsp:txXfrm rot="-5400000">
+        <a:off x="1" y="2604818"/>
+        <a:ext cx="639923" cy="274253"/>
+      </dsp:txXfrm>
+    </dsp:sp>
+    <dsp:sp modelId="{F19C4BD5-1B16-4E50-94CC-EB7FE747C815}">
+      <dsp:nvSpPr>
+        <dsp:cNvPr id="0" name=""/>
+        <dsp:cNvSpPr/>
+      </dsp:nvSpPr>
+      <dsp:spPr>
+        <a:xfrm rot="5400000">
+          <a:off x="2766054" y="158724"/>
+          <a:ext cx="594214" cy="4846476"/>
+        </a:xfrm>
+        <a:prstGeom prst="round2SameRect">
+          <a:avLst/>
+        </a:prstGeom>
+        <a:solidFill>
+          <a:schemeClr val="lt1">
+            <a:alpha val="90000"/>
+            <a:hueOff val="0"/>
+            <a:satOff val="0"/>
+            <a:lumOff val="0"/>
+            <a:alphaOff val="0"/>
+          </a:schemeClr>
+        </a:solidFill>
+        <a:ln w="25400" cap="flat" cmpd="sng" algn="ctr">
+          <a:solidFill>
+            <a:schemeClr val="accent2">
+              <a:hueOff val="4681520"/>
+              <a:satOff val="-5839"/>
+              <a:lumOff val="1373"/>
+              <a:alphaOff val="0"/>
+            </a:schemeClr>
+          </a:solidFill>
+          <a:prstDash val="solid"/>
+        </a:ln>
+        <a:effectLst/>
+      </dsp:spPr>
+      <dsp:style>
+        <a:lnRef idx="2">
+          <a:scrgbClr r="0" g="0" b="0"/>
+        </a:lnRef>
+        <a:fillRef idx="1">
+          <a:scrgbClr r="0" g="0" b="0"/>
+        </a:fillRef>
+        <a:effectRef idx="0">
+          <a:scrgbClr r="0" g="0" b="0"/>
+        </a:effectRef>
+        <a:fontRef idx="minor"/>
+      </dsp:style>
+      <dsp:txBody>
+        <a:bodyPr spcFirstLastPara="0" vert="horz" wrap="square" lIns="99568" tIns="8890" rIns="8890" bIns="8890" numCol="1" spcCol="1270" anchor="ctr" anchorCtr="0">
+          <a:noAutofit/>
+        </a:bodyPr>
+        <a:lstStyle/>
+        <a:p>
+          <a:pPr marL="114300" lvl="1" indent="-114300" algn="l" defTabSz="622300">
+            <a:lnSpc>
+              <a:spcPct val="90000"/>
+            </a:lnSpc>
+            <a:spcBef>
+              <a:spcPct val="0"/>
+            </a:spcBef>
+            <a:spcAft>
+              <a:spcPct val="15000"/>
+            </a:spcAft>
+            <a:buChar char="•"/>
+          </a:pPr>
+          <a:r>
+            <a:rPr lang="es-ES_tradnl" sz="1400" kern="1200" dirty="0">
+              <a:latin typeface="+mj-lt"/>
+            </a:rPr>
+            <a:t>Capacitar a la comunidad en los procesos de control de recursos económicos para el hogar.</a:t>
+          </a:r>
+          <a:endParaRPr lang="en-US" sz="1400" kern="1200" dirty="0">
+            <a:latin typeface="+mj-lt"/>
+          </a:endParaRPr>
+        </a:p>
+      </dsp:txBody>
+      <dsp:txXfrm rot="-5400000">
+        <a:off x="639924" y="2313862"/>
+        <a:ext cx="4817469" cy="536200"/>
+      </dsp:txXfrm>
+    </dsp:sp>
+  </dsp:spTree>
+</dsp:drawing>
+</file>
+
+<file path=ppt/diagrams/drawing3.xml><?xml version="1.0" encoding="utf-8"?>
+<dsp:drawing xmlns:dgm="http://schemas.openxmlformats.org/drawingml/2006/diagram" xmlns:dsp="http://schemas.microsoft.com/office/drawing/2008/diagram" xmlns:a="http://schemas.openxmlformats.org/drawingml/2006/main">
+  <dsp:spTree>
+    <dsp:nvGrpSpPr>
+      <dsp:cNvPr id="0" name=""/>
+      <dsp:cNvGrpSpPr/>
+    </dsp:nvGrpSpPr>
+    <dsp:grpSpPr/>
     <dsp:sp modelId="{498A4E70-9441-4BAA-A25C-9ECD09B7A6AA}">
       <dsp:nvSpPr>
         <dsp:cNvPr id="0" name=""/>
@@ -7271,11 +9574,7 @@
           </a:pPr>
           <a:r>
             <a:rPr lang="es-CO" sz="1400" kern="1200" dirty="0" smtClean="0"/>
-            <a:t>País</a:t>
-          </a:r>
-          <a:r>
-            <a:rPr lang="es-CO" sz="1400" kern="1200" dirty="0" smtClean="0"/>
-            <a:t>: Colombia</a:t>
+            <a:t>País: Colombia</a:t>
           </a:r>
           <a:endParaRPr lang="en-US" sz="1400" kern="1200" dirty="0"/>
         </a:p>
@@ -7946,7 +10245,7 @@
 </dsp:drawing>
 </file>
 
-<file path=ppt/diagrams/drawing3.xml><?xml version="1.0" encoding="utf-8"?>
+<file path=ppt/diagrams/drawing4.xml><?xml version="1.0" encoding="utf-8"?>
 <dsp:drawing xmlns:dgm="http://schemas.openxmlformats.org/drawingml/2006/diagram" xmlns:dsp="http://schemas.microsoft.com/office/drawing/2008/diagram" xmlns:a="http://schemas.openxmlformats.org/drawingml/2006/main">
   <dsp:spTree>
     <dsp:nvGrpSpPr>
@@ -9357,7 +11656,7 @@
 </dsp:drawing>
 </file>
 
-<file path=ppt/diagrams/drawing4.xml><?xml version="1.0" encoding="utf-8"?>
+<file path=ppt/diagrams/drawing5.xml><?xml version="1.0" encoding="utf-8"?>
 <dsp:drawing xmlns:dgm="http://schemas.openxmlformats.org/drawingml/2006/diagram" xmlns:dsp="http://schemas.microsoft.com/office/drawing/2008/diagram" xmlns:a="http://schemas.openxmlformats.org/drawingml/2006/main">
   <dsp:spTree>
     <dsp:nvGrpSpPr>
@@ -10313,223 +12612,6 @@
 </file>
 
 <file path=ppt/diagrams/layout2.xml><?xml version="1.0" encoding="utf-8"?>
-<dgm:layoutDef xmlns:dgm="http://schemas.openxmlformats.org/drawingml/2006/diagram" xmlns:a="http://schemas.openxmlformats.org/drawingml/2006/main" uniqueId="urn:microsoft.com/office/officeart/2005/8/layout/hList1">
-  <dgm:title val=""/>
-  <dgm:desc val=""/>
-  <dgm:catLst>
-    <dgm:cat type="list" pri="5000"/>
-    <dgm:cat type="convert" pri="5000"/>
-  </dgm:catLst>
-  <dgm:sampData>
-    <dgm:dataModel>
-      <dgm:ptLst>
-        <dgm:pt modelId="0" type="doc"/>
-        <dgm:pt modelId="1">
-          <dgm:prSet phldr="1"/>
-        </dgm:pt>
-        <dgm:pt modelId="11">
-          <dgm:prSet phldr="1"/>
-        </dgm:pt>
-        <dgm:pt modelId="12">
-          <dgm:prSet phldr="1"/>
-        </dgm:pt>
-        <dgm:pt modelId="2">
-          <dgm:prSet phldr="1"/>
-        </dgm:pt>
-        <dgm:pt modelId="21">
-          <dgm:prSet phldr="1"/>
-        </dgm:pt>
-        <dgm:pt modelId="22">
-          <dgm:prSet phldr="1"/>
-        </dgm:pt>
-        <dgm:pt modelId="3">
-          <dgm:prSet phldr="1"/>
-        </dgm:pt>
-        <dgm:pt modelId="31">
-          <dgm:prSet phldr="1"/>
-        </dgm:pt>
-        <dgm:pt modelId="32">
-          <dgm:prSet phldr="1"/>
-        </dgm:pt>
-      </dgm:ptLst>
-      <dgm:cxnLst>
-        <dgm:cxn modelId="4" srcId="0" destId="1" srcOrd="0" destOrd="0"/>
-        <dgm:cxn modelId="5" srcId="0" destId="2" srcOrd="1" destOrd="0"/>
-        <dgm:cxn modelId="6" srcId="0" destId="3" srcOrd="2" destOrd="0"/>
-        <dgm:cxn modelId="13" srcId="1" destId="11" srcOrd="0" destOrd="0"/>
-        <dgm:cxn modelId="14" srcId="1" destId="12" srcOrd="1" destOrd="0"/>
-        <dgm:cxn modelId="23" srcId="2" destId="21" srcOrd="0" destOrd="0"/>
-        <dgm:cxn modelId="24" srcId="2" destId="22" srcOrd="1" destOrd="0"/>
-        <dgm:cxn modelId="33" srcId="3" destId="31" srcOrd="0" destOrd="0"/>
-        <dgm:cxn modelId="34" srcId="3" destId="32" srcOrd="1" destOrd="0"/>
-      </dgm:cxnLst>
-      <dgm:bg/>
-      <dgm:whole/>
-    </dgm:dataModel>
-  </dgm:sampData>
-  <dgm:styleData>
-    <dgm:dataModel>
-      <dgm:ptLst>
-        <dgm:pt modelId="0" type="doc"/>
-        <dgm:pt modelId="1">
-          <dgm:prSet phldr="1"/>
-        </dgm:pt>
-        <dgm:pt modelId="2">
-          <dgm:prSet phldr="1"/>
-        </dgm:pt>
-      </dgm:ptLst>
-      <dgm:cxnLst>
-        <dgm:cxn modelId="3" srcId="0" destId="1" srcOrd="0" destOrd="0"/>
-        <dgm:cxn modelId="4" srcId="0" destId="2" srcOrd="1" destOrd="0"/>
-      </dgm:cxnLst>
-      <dgm:bg/>
-      <dgm:whole/>
-    </dgm:dataModel>
-  </dgm:styleData>
-  <dgm:clrData>
-    <dgm:dataModel>
-      <dgm:ptLst>
-        <dgm:pt modelId="0" type="doc"/>
-        <dgm:pt modelId="1">
-          <dgm:prSet phldr="1"/>
-        </dgm:pt>
-        <dgm:pt modelId="2">
-          <dgm:prSet phldr="1"/>
-        </dgm:pt>
-        <dgm:pt modelId="3">
-          <dgm:prSet phldr="1"/>
-        </dgm:pt>
-        <dgm:pt modelId="4">
-          <dgm:prSet phldr="1"/>
-        </dgm:pt>
-      </dgm:ptLst>
-      <dgm:cxnLst>
-        <dgm:cxn modelId="5" srcId="0" destId="1" srcOrd="0" destOrd="0"/>
-        <dgm:cxn modelId="6" srcId="0" destId="2" srcOrd="1" destOrd="0"/>
-        <dgm:cxn modelId="7" srcId="0" destId="3" srcOrd="2" destOrd="0"/>
-        <dgm:cxn modelId="8" srcId="0" destId="4" srcOrd="3" destOrd="0"/>
-      </dgm:cxnLst>
-      <dgm:bg/>
-      <dgm:whole/>
-    </dgm:dataModel>
-  </dgm:clrData>
-  <dgm:layoutNode name="Name0">
-    <dgm:varLst>
-      <dgm:dir/>
-      <dgm:animLvl val="lvl"/>
-      <dgm:resizeHandles val="exact"/>
-    </dgm:varLst>
-    <dgm:choose name="Name1">
-      <dgm:if name="Name2" func="var" arg="dir" op="equ" val="norm">
-        <dgm:alg type="lin"/>
-      </dgm:if>
-      <dgm:else name="Name3">
-        <dgm:alg type="lin">
-          <dgm:param type="linDir" val="fromR"/>
-        </dgm:alg>
-      </dgm:else>
-    </dgm:choose>
-    <dgm:shape xmlns:r="http://schemas.openxmlformats.org/officeDocument/2006/relationships" r:blip="">
-      <dgm:adjLst/>
-    </dgm:shape>
-    <dgm:presOf/>
-    <dgm:constrLst>
-      <dgm:constr type="h" for="ch" forName="composite" refType="h"/>
-      <dgm:constr type="w" for="ch" forName="composite" refType="w"/>
-      <dgm:constr type="w" for="des" forName="parTx"/>
-      <dgm:constr type="h" for="des" forName="parTx" op="equ"/>
-      <dgm:constr type="w" for="des" forName="desTx"/>
-      <dgm:constr type="h" for="des" forName="desTx" op="equ"/>
-      <dgm:constr type="primFontSz" for="des" forName="parTx" val="65"/>
-      <dgm:constr type="secFontSz" for="des" forName="desTx" refType="primFontSz" refFor="des" refForName="parTx" op="equ"/>
-      <dgm:constr type="h" for="des" forName="parTx" refType="primFontSz" refFor="des" refForName="parTx" fact="0.8"/>
-      <dgm:constr type="h" for="des" forName="desTx" refType="primFontSz" refFor="des" refForName="parTx" fact="1.22"/>
-      <dgm:constr type="w" for="ch" forName="space" refType="w" refFor="ch" refForName="composite" op="equ" fact="0.14"/>
-    </dgm:constrLst>
-    <dgm:ruleLst>
-      <dgm:rule type="w" for="ch" forName="composite" val="0" fact="NaN" max="NaN"/>
-      <dgm:rule type="primFontSz" for="des" forName="parTx" val="5" fact="NaN" max="NaN"/>
-    </dgm:ruleLst>
-    <dgm:forEach name="Name4" axis="ch" ptType="node">
-      <dgm:layoutNode name="composite">
-        <dgm:alg type="composite"/>
-        <dgm:shape xmlns:r="http://schemas.openxmlformats.org/officeDocument/2006/relationships" r:blip="">
-          <dgm:adjLst/>
-        </dgm:shape>
-        <dgm:presOf/>
-        <dgm:constrLst>
-          <dgm:constr type="l" for="ch" forName="parTx"/>
-          <dgm:constr type="w" for="ch" forName="parTx" refType="w"/>
-          <dgm:constr type="t" for="ch" forName="parTx"/>
-          <dgm:constr type="l" for="ch" forName="desTx"/>
-          <dgm:constr type="w" for="ch" forName="desTx" refType="w" refFor="ch" refForName="parTx"/>
-          <dgm:constr type="t" for="ch" forName="desTx" refType="h" refFor="ch" refForName="parTx"/>
-        </dgm:constrLst>
-        <dgm:ruleLst>
-          <dgm:rule type="h" val="INF" fact="NaN" max="NaN"/>
-        </dgm:ruleLst>
-        <dgm:layoutNode name="parTx" styleLbl="alignNode1">
-          <dgm:varLst>
-            <dgm:chMax val="0"/>
-            <dgm:chPref val="0"/>
-            <dgm:bulletEnabled val="1"/>
-          </dgm:varLst>
-          <dgm:alg type="tx"/>
-          <dgm:shape xmlns:r="http://schemas.openxmlformats.org/officeDocument/2006/relationships" type="rect" r:blip="">
-            <dgm:adjLst/>
-          </dgm:shape>
-          <dgm:presOf axis="self" ptType="node"/>
-          <dgm:constrLst>
-            <dgm:constr type="h" refType="w" op="lte" fact="0.4"/>
-            <dgm:constr type="h"/>
-            <dgm:constr type="tMarg" refType="primFontSz" fact="0.32"/>
-            <dgm:constr type="bMarg" refType="primFontSz" fact="0.32"/>
-          </dgm:constrLst>
-          <dgm:ruleLst>
-            <dgm:rule type="h" val="INF" fact="NaN" max="NaN"/>
-          </dgm:ruleLst>
-        </dgm:layoutNode>
-        <dgm:layoutNode name="desTx" styleLbl="alignAccFollowNode1">
-          <dgm:varLst>
-            <dgm:bulletEnabled val="1"/>
-          </dgm:varLst>
-          <dgm:alg type="tx">
-            <dgm:param type="stBulletLvl" val="1"/>
-          </dgm:alg>
-          <dgm:shape xmlns:r="http://schemas.openxmlformats.org/officeDocument/2006/relationships" type="rect" r:blip="">
-            <dgm:adjLst/>
-          </dgm:shape>
-          <dgm:presOf axis="des" ptType="node"/>
-          <dgm:constrLst>
-            <dgm:constr type="secFontSz" val="65"/>
-            <dgm:constr type="primFontSz" refType="secFontSz"/>
-            <dgm:constr type="h"/>
-            <dgm:constr type="lMarg" refType="primFontSz" fact="0.42"/>
-            <dgm:constr type="tMarg" refType="primFontSz" fact="0.42"/>
-            <dgm:constr type="bMarg" refType="primFontSz" fact="0.63"/>
-          </dgm:constrLst>
-          <dgm:ruleLst>
-            <dgm:rule type="h" val="INF" fact="NaN" max="NaN"/>
-          </dgm:ruleLst>
-        </dgm:layoutNode>
-      </dgm:layoutNode>
-      <dgm:forEach name="Name5" axis="followSib" ptType="sibTrans" cnt="1">
-        <dgm:layoutNode name="space">
-          <dgm:alg type="sp"/>
-          <dgm:shape xmlns:r="http://schemas.openxmlformats.org/officeDocument/2006/relationships" r:blip="">
-            <dgm:adjLst/>
-          </dgm:shape>
-          <dgm:presOf/>
-          <dgm:constrLst/>
-          <dgm:ruleLst/>
-        </dgm:layoutNode>
-      </dgm:forEach>
-    </dgm:forEach>
-  </dgm:layoutNode>
-</dgm:layoutDef>
-</file>
-
-<file path=ppt/diagrams/layout3.xml><?xml version="1.0" encoding="utf-8"?>
 <dgm:layoutDef xmlns:dgm="http://schemas.openxmlformats.org/drawingml/2006/diagram" xmlns:a="http://schemas.openxmlformats.org/drawingml/2006/main" uniqueId="urn:microsoft.com/office/officeart/2005/8/layout/chevron2">
   <dgm:title val=""/>
   <dgm:desc val=""/>
@@ -10785,7 +12867,480 @@
 </dgm:layoutDef>
 </file>
 
+<file path=ppt/diagrams/layout3.xml><?xml version="1.0" encoding="utf-8"?>
+<dgm:layoutDef xmlns:dgm="http://schemas.openxmlformats.org/drawingml/2006/diagram" xmlns:a="http://schemas.openxmlformats.org/drawingml/2006/main" uniqueId="urn:microsoft.com/office/officeart/2005/8/layout/hList1">
+  <dgm:title val=""/>
+  <dgm:desc val=""/>
+  <dgm:catLst>
+    <dgm:cat type="list" pri="5000"/>
+    <dgm:cat type="convert" pri="5000"/>
+  </dgm:catLst>
+  <dgm:sampData>
+    <dgm:dataModel>
+      <dgm:ptLst>
+        <dgm:pt modelId="0" type="doc"/>
+        <dgm:pt modelId="1">
+          <dgm:prSet phldr="1"/>
+        </dgm:pt>
+        <dgm:pt modelId="11">
+          <dgm:prSet phldr="1"/>
+        </dgm:pt>
+        <dgm:pt modelId="12">
+          <dgm:prSet phldr="1"/>
+        </dgm:pt>
+        <dgm:pt modelId="2">
+          <dgm:prSet phldr="1"/>
+        </dgm:pt>
+        <dgm:pt modelId="21">
+          <dgm:prSet phldr="1"/>
+        </dgm:pt>
+        <dgm:pt modelId="22">
+          <dgm:prSet phldr="1"/>
+        </dgm:pt>
+        <dgm:pt modelId="3">
+          <dgm:prSet phldr="1"/>
+        </dgm:pt>
+        <dgm:pt modelId="31">
+          <dgm:prSet phldr="1"/>
+        </dgm:pt>
+        <dgm:pt modelId="32">
+          <dgm:prSet phldr="1"/>
+        </dgm:pt>
+      </dgm:ptLst>
+      <dgm:cxnLst>
+        <dgm:cxn modelId="4" srcId="0" destId="1" srcOrd="0" destOrd="0"/>
+        <dgm:cxn modelId="5" srcId="0" destId="2" srcOrd="1" destOrd="0"/>
+        <dgm:cxn modelId="6" srcId="0" destId="3" srcOrd="2" destOrd="0"/>
+        <dgm:cxn modelId="13" srcId="1" destId="11" srcOrd="0" destOrd="0"/>
+        <dgm:cxn modelId="14" srcId="1" destId="12" srcOrd="1" destOrd="0"/>
+        <dgm:cxn modelId="23" srcId="2" destId="21" srcOrd="0" destOrd="0"/>
+        <dgm:cxn modelId="24" srcId="2" destId="22" srcOrd="1" destOrd="0"/>
+        <dgm:cxn modelId="33" srcId="3" destId="31" srcOrd="0" destOrd="0"/>
+        <dgm:cxn modelId="34" srcId="3" destId="32" srcOrd="1" destOrd="0"/>
+      </dgm:cxnLst>
+      <dgm:bg/>
+      <dgm:whole/>
+    </dgm:dataModel>
+  </dgm:sampData>
+  <dgm:styleData>
+    <dgm:dataModel>
+      <dgm:ptLst>
+        <dgm:pt modelId="0" type="doc"/>
+        <dgm:pt modelId="1">
+          <dgm:prSet phldr="1"/>
+        </dgm:pt>
+        <dgm:pt modelId="2">
+          <dgm:prSet phldr="1"/>
+        </dgm:pt>
+      </dgm:ptLst>
+      <dgm:cxnLst>
+        <dgm:cxn modelId="3" srcId="0" destId="1" srcOrd="0" destOrd="0"/>
+        <dgm:cxn modelId="4" srcId="0" destId="2" srcOrd="1" destOrd="0"/>
+      </dgm:cxnLst>
+      <dgm:bg/>
+      <dgm:whole/>
+    </dgm:dataModel>
+  </dgm:styleData>
+  <dgm:clrData>
+    <dgm:dataModel>
+      <dgm:ptLst>
+        <dgm:pt modelId="0" type="doc"/>
+        <dgm:pt modelId="1">
+          <dgm:prSet phldr="1"/>
+        </dgm:pt>
+        <dgm:pt modelId="2">
+          <dgm:prSet phldr="1"/>
+        </dgm:pt>
+        <dgm:pt modelId="3">
+          <dgm:prSet phldr="1"/>
+        </dgm:pt>
+        <dgm:pt modelId="4">
+          <dgm:prSet phldr="1"/>
+        </dgm:pt>
+      </dgm:ptLst>
+      <dgm:cxnLst>
+        <dgm:cxn modelId="5" srcId="0" destId="1" srcOrd="0" destOrd="0"/>
+        <dgm:cxn modelId="6" srcId="0" destId="2" srcOrd="1" destOrd="0"/>
+        <dgm:cxn modelId="7" srcId="0" destId="3" srcOrd="2" destOrd="0"/>
+        <dgm:cxn modelId="8" srcId="0" destId="4" srcOrd="3" destOrd="0"/>
+      </dgm:cxnLst>
+      <dgm:bg/>
+      <dgm:whole/>
+    </dgm:dataModel>
+  </dgm:clrData>
+  <dgm:layoutNode name="Name0">
+    <dgm:varLst>
+      <dgm:dir/>
+      <dgm:animLvl val="lvl"/>
+      <dgm:resizeHandles val="exact"/>
+    </dgm:varLst>
+    <dgm:choose name="Name1">
+      <dgm:if name="Name2" func="var" arg="dir" op="equ" val="norm">
+        <dgm:alg type="lin"/>
+      </dgm:if>
+      <dgm:else name="Name3">
+        <dgm:alg type="lin">
+          <dgm:param type="linDir" val="fromR"/>
+        </dgm:alg>
+      </dgm:else>
+    </dgm:choose>
+    <dgm:shape xmlns:r="http://schemas.openxmlformats.org/officeDocument/2006/relationships" r:blip="">
+      <dgm:adjLst/>
+    </dgm:shape>
+    <dgm:presOf/>
+    <dgm:constrLst>
+      <dgm:constr type="h" for="ch" forName="composite" refType="h"/>
+      <dgm:constr type="w" for="ch" forName="composite" refType="w"/>
+      <dgm:constr type="w" for="des" forName="parTx"/>
+      <dgm:constr type="h" for="des" forName="parTx" op="equ"/>
+      <dgm:constr type="w" for="des" forName="desTx"/>
+      <dgm:constr type="h" for="des" forName="desTx" op="equ"/>
+      <dgm:constr type="primFontSz" for="des" forName="parTx" val="65"/>
+      <dgm:constr type="secFontSz" for="des" forName="desTx" refType="primFontSz" refFor="des" refForName="parTx" op="equ"/>
+      <dgm:constr type="h" for="des" forName="parTx" refType="primFontSz" refFor="des" refForName="parTx" fact="0.8"/>
+      <dgm:constr type="h" for="des" forName="desTx" refType="primFontSz" refFor="des" refForName="parTx" fact="1.22"/>
+      <dgm:constr type="w" for="ch" forName="space" refType="w" refFor="ch" refForName="composite" op="equ" fact="0.14"/>
+    </dgm:constrLst>
+    <dgm:ruleLst>
+      <dgm:rule type="w" for="ch" forName="composite" val="0" fact="NaN" max="NaN"/>
+      <dgm:rule type="primFontSz" for="des" forName="parTx" val="5" fact="NaN" max="NaN"/>
+    </dgm:ruleLst>
+    <dgm:forEach name="Name4" axis="ch" ptType="node">
+      <dgm:layoutNode name="composite">
+        <dgm:alg type="composite"/>
+        <dgm:shape xmlns:r="http://schemas.openxmlformats.org/officeDocument/2006/relationships" r:blip="">
+          <dgm:adjLst/>
+        </dgm:shape>
+        <dgm:presOf/>
+        <dgm:constrLst>
+          <dgm:constr type="l" for="ch" forName="parTx"/>
+          <dgm:constr type="w" for="ch" forName="parTx" refType="w"/>
+          <dgm:constr type="t" for="ch" forName="parTx"/>
+          <dgm:constr type="l" for="ch" forName="desTx"/>
+          <dgm:constr type="w" for="ch" forName="desTx" refType="w" refFor="ch" refForName="parTx"/>
+          <dgm:constr type="t" for="ch" forName="desTx" refType="h" refFor="ch" refForName="parTx"/>
+        </dgm:constrLst>
+        <dgm:ruleLst>
+          <dgm:rule type="h" val="INF" fact="NaN" max="NaN"/>
+        </dgm:ruleLst>
+        <dgm:layoutNode name="parTx" styleLbl="alignNode1">
+          <dgm:varLst>
+            <dgm:chMax val="0"/>
+            <dgm:chPref val="0"/>
+            <dgm:bulletEnabled val="1"/>
+          </dgm:varLst>
+          <dgm:alg type="tx"/>
+          <dgm:shape xmlns:r="http://schemas.openxmlformats.org/officeDocument/2006/relationships" type="rect" r:blip="">
+            <dgm:adjLst/>
+          </dgm:shape>
+          <dgm:presOf axis="self" ptType="node"/>
+          <dgm:constrLst>
+            <dgm:constr type="h" refType="w" op="lte" fact="0.4"/>
+            <dgm:constr type="h"/>
+            <dgm:constr type="tMarg" refType="primFontSz" fact="0.32"/>
+            <dgm:constr type="bMarg" refType="primFontSz" fact="0.32"/>
+          </dgm:constrLst>
+          <dgm:ruleLst>
+            <dgm:rule type="h" val="INF" fact="NaN" max="NaN"/>
+          </dgm:ruleLst>
+        </dgm:layoutNode>
+        <dgm:layoutNode name="desTx" styleLbl="alignAccFollowNode1">
+          <dgm:varLst>
+            <dgm:bulletEnabled val="1"/>
+          </dgm:varLst>
+          <dgm:alg type="tx">
+            <dgm:param type="stBulletLvl" val="1"/>
+          </dgm:alg>
+          <dgm:shape xmlns:r="http://schemas.openxmlformats.org/officeDocument/2006/relationships" type="rect" r:blip="">
+            <dgm:adjLst/>
+          </dgm:shape>
+          <dgm:presOf axis="des" ptType="node"/>
+          <dgm:constrLst>
+            <dgm:constr type="secFontSz" val="65"/>
+            <dgm:constr type="primFontSz" refType="secFontSz"/>
+            <dgm:constr type="h"/>
+            <dgm:constr type="lMarg" refType="primFontSz" fact="0.42"/>
+            <dgm:constr type="tMarg" refType="primFontSz" fact="0.42"/>
+            <dgm:constr type="bMarg" refType="primFontSz" fact="0.63"/>
+          </dgm:constrLst>
+          <dgm:ruleLst>
+            <dgm:rule type="h" val="INF" fact="NaN" max="NaN"/>
+          </dgm:ruleLst>
+        </dgm:layoutNode>
+      </dgm:layoutNode>
+      <dgm:forEach name="Name5" axis="followSib" ptType="sibTrans" cnt="1">
+        <dgm:layoutNode name="space">
+          <dgm:alg type="sp"/>
+          <dgm:shape xmlns:r="http://schemas.openxmlformats.org/officeDocument/2006/relationships" r:blip="">
+            <dgm:adjLst/>
+          </dgm:shape>
+          <dgm:presOf/>
+          <dgm:constrLst/>
+          <dgm:ruleLst/>
+        </dgm:layoutNode>
+      </dgm:forEach>
+    </dgm:forEach>
+  </dgm:layoutNode>
+</dgm:layoutDef>
+</file>
+
 <file path=ppt/diagrams/layout4.xml><?xml version="1.0" encoding="utf-8"?>
+<dgm:layoutDef xmlns:dgm="http://schemas.openxmlformats.org/drawingml/2006/diagram" xmlns:a="http://schemas.openxmlformats.org/drawingml/2006/main" uniqueId="urn:microsoft.com/office/officeart/2005/8/layout/chevron2">
+  <dgm:title val=""/>
+  <dgm:desc val=""/>
+  <dgm:catLst>
+    <dgm:cat type="process" pri="12000"/>
+    <dgm:cat type="list" pri="16000"/>
+    <dgm:cat type="convert" pri="11000"/>
+  </dgm:catLst>
+  <dgm:sampData>
+    <dgm:dataModel>
+      <dgm:ptLst>
+        <dgm:pt modelId="0" type="doc"/>
+        <dgm:pt modelId="1">
+          <dgm:prSet phldr="1"/>
+        </dgm:pt>
+        <dgm:pt modelId="11">
+          <dgm:prSet phldr="1"/>
+        </dgm:pt>
+        <dgm:pt modelId="12">
+          <dgm:prSet phldr="1"/>
+        </dgm:pt>
+        <dgm:pt modelId="2">
+          <dgm:prSet phldr="1"/>
+        </dgm:pt>
+        <dgm:pt modelId="21">
+          <dgm:prSet phldr="1"/>
+        </dgm:pt>
+        <dgm:pt modelId="22">
+          <dgm:prSet phldr="1"/>
+        </dgm:pt>
+        <dgm:pt modelId="3">
+          <dgm:prSet phldr="1"/>
+        </dgm:pt>
+        <dgm:pt modelId="31">
+          <dgm:prSet phldr="1"/>
+        </dgm:pt>
+        <dgm:pt modelId="32">
+          <dgm:prSet phldr="1"/>
+        </dgm:pt>
+      </dgm:ptLst>
+      <dgm:cxnLst>
+        <dgm:cxn modelId="4" srcId="0" destId="1" srcOrd="0" destOrd="0"/>
+        <dgm:cxn modelId="5" srcId="0" destId="2" srcOrd="1" destOrd="0"/>
+        <dgm:cxn modelId="6" srcId="0" destId="3" srcOrd="2" destOrd="0"/>
+        <dgm:cxn modelId="13" srcId="1" destId="11" srcOrd="0" destOrd="0"/>
+        <dgm:cxn modelId="14" srcId="1" destId="12" srcOrd="1" destOrd="0"/>
+        <dgm:cxn modelId="23" srcId="2" destId="21" srcOrd="0" destOrd="0"/>
+        <dgm:cxn modelId="24" srcId="2" destId="22" srcOrd="1" destOrd="0"/>
+        <dgm:cxn modelId="33" srcId="3" destId="31" srcOrd="0" destOrd="0"/>
+        <dgm:cxn modelId="34" srcId="3" destId="32" srcOrd="1" destOrd="0"/>
+      </dgm:cxnLst>
+      <dgm:bg/>
+      <dgm:whole/>
+    </dgm:dataModel>
+  </dgm:sampData>
+  <dgm:styleData>
+    <dgm:dataModel>
+      <dgm:ptLst>
+        <dgm:pt modelId="0" type="doc"/>
+        <dgm:pt modelId="1"/>
+      </dgm:ptLst>
+      <dgm:cxnLst>
+        <dgm:cxn modelId="4" srcId="0" destId="1" srcOrd="0" destOrd="0"/>
+      </dgm:cxnLst>
+      <dgm:bg/>
+      <dgm:whole/>
+    </dgm:dataModel>
+  </dgm:styleData>
+  <dgm:clrData>
+    <dgm:dataModel>
+      <dgm:ptLst>
+        <dgm:pt modelId="0" type="doc"/>
+        <dgm:pt modelId="1"/>
+        <dgm:pt modelId="11"/>
+        <dgm:pt modelId="2"/>
+        <dgm:pt modelId="21"/>
+        <dgm:pt modelId="3"/>
+        <dgm:pt modelId="31"/>
+        <dgm:pt modelId="4"/>
+        <dgm:pt modelId="41"/>
+      </dgm:ptLst>
+      <dgm:cxnLst>
+        <dgm:cxn modelId="5" srcId="0" destId="1" srcOrd="0" destOrd="0"/>
+        <dgm:cxn modelId="6" srcId="0" destId="2" srcOrd="1" destOrd="0"/>
+        <dgm:cxn modelId="7" srcId="0" destId="3" srcOrd="2" destOrd="0"/>
+        <dgm:cxn modelId="8" srcId="0" destId="4" srcOrd="3" destOrd="0"/>
+        <dgm:cxn modelId="13" srcId="1" destId="11" srcOrd="0" destOrd="0"/>
+        <dgm:cxn modelId="23" srcId="2" destId="21" srcOrd="0" destOrd="0"/>
+        <dgm:cxn modelId="33" srcId="3" destId="31" srcOrd="0" destOrd="0"/>
+        <dgm:cxn modelId="43" srcId="4" destId="41" srcOrd="0" destOrd="0"/>
+      </dgm:cxnLst>
+      <dgm:bg/>
+      <dgm:whole/>
+    </dgm:dataModel>
+  </dgm:clrData>
+  <dgm:layoutNode name="linearFlow">
+    <dgm:varLst>
+      <dgm:dir/>
+      <dgm:animLvl val="lvl"/>
+      <dgm:resizeHandles val="exact"/>
+    </dgm:varLst>
+    <dgm:alg type="lin">
+      <dgm:param type="linDir" val="fromT"/>
+      <dgm:param type="nodeHorzAlign" val="l"/>
+    </dgm:alg>
+    <dgm:shape xmlns:r="http://schemas.openxmlformats.org/officeDocument/2006/relationships" r:blip="">
+      <dgm:adjLst/>
+    </dgm:shape>
+    <dgm:presOf/>
+    <dgm:constrLst>
+      <dgm:constr type="h" for="ch" forName="composite" refType="h"/>
+      <dgm:constr type="w" for="ch" forName="composite" refType="w"/>
+      <dgm:constr type="h" for="des" forName="parentText" op="equ"/>
+      <dgm:constr type="h" for="ch" forName="sp" val="-14.88"/>
+      <dgm:constr type="h" for="ch" forName="sp" refType="w" refFor="des" refForName="parentText" op="gte" fact="-0.3"/>
+      <dgm:constr type="primFontSz" for="des" forName="parentText" op="equ" val="65"/>
+      <dgm:constr type="primFontSz" for="des" forName="descendantText" op="equ" val="65"/>
+    </dgm:constrLst>
+    <dgm:ruleLst/>
+    <dgm:forEach name="Name0" axis="ch" ptType="node">
+      <dgm:layoutNode name="composite">
+        <dgm:alg type="composite"/>
+        <dgm:shape xmlns:r="http://schemas.openxmlformats.org/officeDocument/2006/relationships" r:blip="">
+          <dgm:adjLst/>
+        </dgm:shape>
+        <dgm:presOf/>
+        <dgm:choose name="Name1">
+          <dgm:if name="Name2" func="var" arg="dir" op="equ" val="norm">
+            <dgm:constrLst>
+              <dgm:constr type="t" for="ch" forName="parentText"/>
+              <dgm:constr type="l" for="ch" forName="parentText"/>
+              <dgm:constr type="w" for="ch" forName="parentText" refType="w" fact="0.4"/>
+              <dgm:constr type="h" for="ch" forName="parentText" refType="h"/>
+              <dgm:constr type="w" for="ch" forName="parentText" refType="w" op="lte" fact="0.5"/>
+              <dgm:constr type="w" for="ch" forName="parentText" refType="h" refFor="ch" refForName="parentText" op="lte" fact="0.7"/>
+              <dgm:constr type="h" for="ch" forName="parentText" refType="w" refFor="ch" refForName="parentText" op="lte" fact="3"/>
+              <dgm:constr type="l" for="ch" forName="descendantText" refType="w" refFor="ch" refForName="parentText"/>
+              <dgm:constr type="w" for="ch" forName="descendantText" refType="w"/>
+              <dgm:constr type="wOff" for="ch" forName="descendantText" refType="w" refFor="ch" refForName="parentText" fact="-1"/>
+              <dgm:constr type="t" for="ch" forName="descendantText"/>
+              <dgm:constr type="b" for="ch" forName="descendantText" refType="h" refFor="ch" refForName="parentText"/>
+              <dgm:constr type="bOff" for="ch" forName="descendantText" refType="w" refFor="ch" refForName="parentText" fact="-0.5"/>
+            </dgm:constrLst>
+          </dgm:if>
+          <dgm:else name="Name3">
+            <dgm:constrLst>
+              <dgm:constr type="t" for="ch" forName="parentText"/>
+              <dgm:constr type="r" for="ch" forName="parentText" refType="w"/>
+              <dgm:constr type="w" for="ch" forName="parentText" refType="w" fact="0.4"/>
+              <dgm:constr type="h" for="ch" forName="parentText" refType="h"/>
+              <dgm:constr type="w" for="ch" forName="parentText" refType="w" op="lte" fact="0.5"/>
+              <dgm:constr type="w" for="ch" forName="parentText" refType="h" refFor="ch" refForName="parentText" op="lte" fact="0.7"/>
+              <dgm:constr type="h" for="ch" forName="parentText" refType="w" refFor="ch" refForName="parentText" op="lte" fact="3"/>
+              <dgm:constr type="l" for="ch" forName="descendantText"/>
+              <dgm:constr type="w" for="ch" forName="descendantText" refType="w"/>
+              <dgm:constr type="wOff" for="ch" forName="descendantText" refType="w" refFor="ch" refForName="parentText" fact="-1"/>
+              <dgm:constr type="t" for="ch" forName="descendantText"/>
+              <dgm:constr type="b" for="ch" forName="descendantText" refType="h" refFor="ch" refForName="parentText"/>
+              <dgm:constr type="bOff" for="ch" forName="descendantText" refType="w" refFor="ch" refForName="parentText" fact="-0.5"/>
+            </dgm:constrLst>
+          </dgm:else>
+        </dgm:choose>
+        <dgm:ruleLst/>
+        <dgm:layoutNode name="parentText" styleLbl="alignNode1">
+          <dgm:varLst>
+            <dgm:chMax val="1"/>
+            <dgm:bulletEnabled val="1"/>
+          </dgm:varLst>
+          <dgm:alg type="tx"/>
+          <dgm:shape xmlns:r="http://schemas.openxmlformats.org/officeDocument/2006/relationships" rot="90" type="chevron" r:blip="">
+            <dgm:adjLst/>
+          </dgm:shape>
+          <dgm:presOf axis="self" ptType="node"/>
+          <dgm:constrLst>
+            <dgm:constr type="lMarg" refType="primFontSz" fact="0.05"/>
+            <dgm:constr type="rMarg" refType="primFontSz" fact="0.05"/>
+            <dgm:constr type="tMarg" refType="primFontSz" fact="0.05"/>
+            <dgm:constr type="bMarg" refType="primFontSz" fact="0.05"/>
+          </dgm:constrLst>
+          <dgm:ruleLst>
+            <dgm:rule type="h" val="100" fact="NaN" max="NaN"/>
+            <dgm:rule type="primFontSz" val="24" fact="NaN" max="NaN"/>
+            <dgm:rule type="h" val="110" fact="NaN" max="NaN"/>
+            <dgm:rule type="primFontSz" val="18" fact="NaN" max="NaN"/>
+            <dgm:rule type="h" val="INF" fact="NaN" max="NaN"/>
+            <dgm:rule type="primFontSz" val="5" fact="NaN" max="NaN"/>
+          </dgm:ruleLst>
+        </dgm:layoutNode>
+        <dgm:layoutNode name="descendantText" styleLbl="alignAcc1">
+          <dgm:varLst>
+            <dgm:bulletEnabled val="1"/>
+          </dgm:varLst>
+          <dgm:choose name="Name4">
+            <dgm:if name="Name5" func="var" arg="dir" op="equ" val="norm">
+              <dgm:alg type="tx">
+                <dgm:param type="stBulletLvl" val="1"/>
+                <dgm:param type="txAnchorVertCh" val="mid"/>
+              </dgm:alg>
+              <dgm:shape xmlns:r="http://schemas.openxmlformats.org/officeDocument/2006/relationships" rot="90" type="round2SameRect" r:blip="">
+                <dgm:adjLst/>
+              </dgm:shape>
+            </dgm:if>
+            <dgm:else name="Name6">
+              <dgm:alg type="tx">
+                <dgm:param type="stBulletLvl" val="1"/>
+                <dgm:param type="txAnchorVertCh" val="mid"/>
+              </dgm:alg>
+              <dgm:shape xmlns:r="http://schemas.openxmlformats.org/officeDocument/2006/relationships" rot="-90" type="round2SameRect" r:blip="">
+                <dgm:adjLst/>
+              </dgm:shape>
+            </dgm:else>
+          </dgm:choose>
+          <dgm:presOf axis="des" ptType="node"/>
+          <dgm:choose name="Name7">
+            <dgm:if name="Name8" func="var" arg="dir" op="equ" val="norm">
+              <dgm:constrLst>
+                <dgm:constr type="secFontSz" refType="primFontSz"/>
+                <dgm:constr type="tMarg" refType="primFontSz" fact="0.05"/>
+                <dgm:constr type="bMarg" refType="primFontSz" fact="0.05"/>
+                <dgm:constr type="rMarg" refType="primFontSz" fact="0.05"/>
+              </dgm:constrLst>
+            </dgm:if>
+            <dgm:else name="Name9">
+              <dgm:constrLst>
+                <dgm:constr type="secFontSz" refType="primFontSz"/>
+                <dgm:constr type="tMarg" refType="primFontSz" fact="0.05"/>
+                <dgm:constr type="bMarg" refType="primFontSz" fact="0.05"/>
+                <dgm:constr type="lMarg" refType="primFontSz" fact="0.05"/>
+              </dgm:constrLst>
+            </dgm:else>
+          </dgm:choose>
+          <dgm:ruleLst>
+            <dgm:rule type="primFontSz" val="5" fact="NaN" max="NaN"/>
+          </dgm:ruleLst>
+        </dgm:layoutNode>
+      </dgm:layoutNode>
+      <dgm:forEach name="Name10" axis="followSib" ptType="sibTrans" cnt="1">
+        <dgm:layoutNode name="sp">
+          <dgm:alg type="sp"/>
+          <dgm:shape xmlns:r="http://schemas.openxmlformats.org/officeDocument/2006/relationships" r:blip="">
+            <dgm:adjLst/>
+          </dgm:shape>
+          <dgm:presOf axis="self"/>
+          <dgm:constrLst>
+            <dgm:constr type="w" val="1"/>
+            <dgm:constr type="h" val="37.5"/>
+          </dgm:constrLst>
+          <dgm:ruleLst/>
+        </dgm:layoutNode>
+      </dgm:forEach>
+    </dgm:forEach>
+  </dgm:layoutNode>
+</dgm:layoutDef>
+</file>
+
+<file path=ppt/diagrams/layout5.xml><?xml version="1.0" encoding="utf-8"?>
 <dgm:layoutDef xmlns:dgm="http://schemas.openxmlformats.org/drawingml/2006/diagram" xmlns:a="http://schemas.openxmlformats.org/drawingml/2006/main" uniqueId="urn:microsoft.com/office/officeart/2005/8/layout/list1">
   <dgm:title val=""/>
   <dgm:desc val=""/>
@@ -14113,6 +16668,1040 @@
 </file>
 
 <file path=ppt/diagrams/quickStyle4.xml><?xml version="1.0" encoding="utf-8"?>
+<dgm:styleDef xmlns:dgm="http://schemas.openxmlformats.org/drawingml/2006/diagram" xmlns:a="http://schemas.openxmlformats.org/drawingml/2006/main" uniqueId="urn:microsoft.com/office/officeart/2005/8/quickstyle/simple1">
+  <dgm:title val=""/>
+  <dgm:desc val=""/>
+  <dgm:catLst>
+    <dgm:cat type="simple" pri="10100"/>
+  </dgm:catLst>
+  <dgm:scene3d>
+    <a:camera prst="orthographicFront"/>
+    <a:lightRig rig="threePt" dir="t"/>
+  </dgm:scene3d>
+  <dgm:styleLbl name="node0">
+    <dgm:scene3d>
+      <a:camera prst="orthographicFront"/>
+      <a:lightRig rig="threePt" dir="t"/>
+    </dgm:scene3d>
+    <dgm:sp3d/>
+    <dgm:txPr/>
+    <dgm:style>
+      <a:lnRef idx="2">
+        <a:scrgbClr r="0" g="0" b="0"/>
+      </a:lnRef>
+      <a:fillRef idx="1">
+        <a:scrgbClr r="0" g="0" b="0"/>
+      </a:fillRef>
+      <a:effectRef idx="0">
+        <a:scrgbClr r="0" g="0" b="0"/>
+      </a:effectRef>
+      <a:fontRef idx="minor">
+        <a:schemeClr val="lt1"/>
+      </a:fontRef>
+    </dgm:style>
+  </dgm:styleLbl>
+  <dgm:styleLbl name="lnNode1">
+    <dgm:scene3d>
+      <a:camera prst="orthographicFront"/>
+      <a:lightRig rig="threePt" dir="t"/>
+    </dgm:scene3d>
+    <dgm:sp3d/>
+    <dgm:txPr/>
+    <dgm:style>
+      <a:lnRef idx="2">
+        <a:scrgbClr r="0" g="0" b="0"/>
+      </a:lnRef>
+      <a:fillRef idx="1">
+        <a:scrgbClr r="0" g="0" b="0"/>
+      </a:fillRef>
+      <a:effectRef idx="0">
+        <a:scrgbClr r="0" g="0" b="0"/>
+      </a:effectRef>
+      <a:fontRef idx="minor">
+        <a:schemeClr val="lt1"/>
+      </a:fontRef>
+    </dgm:style>
+  </dgm:styleLbl>
+  <dgm:styleLbl name="vennNode1">
+    <dgm:scene3d>
+      <a:camera prst="orthographicFront"/>
+      <a:lightRig rig="threePt" dir="t"/>
+    </dgm:scene3d>
+    <dgm:sp3d/>
+    <dgm:txPr/>
+    <dgm:style>
+      <a:lnRef idx="2">
+        <a:scrgbClr r="0" g="0" b="0"/>
+      </a:lnRef>
+      <a:fillRef idx="1">
+        <a:scrgbClr r="0" g="0" b="0"/>
+      </a:fillRef>
+      <a:effectRef idx="0">
+        <a:scrgbClr r="0" g="0" b="0"/>
+      </a:effectRef>
+      <a:fontRef idx="minor">
+        <a:schemeClr val="tx1"/>
+      </a:fontRef>
+    </dgm:style>
+  </dgm:styleLbl>
+  <dgm:styleLbl name="alignNode1">
+    <dgm:scene3d>
+      <a:camera prst="orthographicFront"/>
+      <a:lightRig rig="threePt" dir="t"/>
+    </dgm:scene3d>
+    <dgm:sp3d/>
+    <dgm:txPr/>
+    <dgm:style>
+      <a:lnRef idx="2">
+        <a:scrgbClr r="0" g="0" b="0"/>
+      </a:lnRef>
+      <a:fillRef idx="1">
+        <a:scrgbClr r="0" g="0" b="0"/>
+      </a:fillRef>
+      <a:effectRef idx="0">
+        <a:scrgbClr r="0" g="0" b="0"/>
+      </a:effectRef>
+      <a:fontRef idx="minor">
+        <a:schemeClr val="lt1"/>
+      </a:fontRef>
+    </dgm:style>
+  </dgm:styleLbl>
+  <dgm:styleLbl name="node1">
+    <dgm:scene3d>
+      <a:camera prst="orthographicFront"/>
+      <a:lightRig rig="threePt" dir="t"/>
+    </dgm:scene3d>
+    <dgm:sp3d/>
+    <dgm:txPr/>
+    <dgm:style>
+      <a:lnRef idx="2">
+        <a:scrgbClr r="0" g="0" b="0"/>
+      </a:lnRef>
+      <a:fillRef idx="1">
+        <a:scrgbClr r="0" g="0" b="0"/>
+      </a:fillRef>
+      <a:effectRef idx="0">
+        <a:scrgbClr r="0" g="0" b="0"/>
+      </a:effectRef>
+      <a:fontRef idx="minor">
+        <a:schemeClr val="lt1"/>
+      </a:fontRef>
+    </dgm:style>
+  </dgm:styleLbl>
+  <dgm:styleLbl name="node2">
+    <dgm:scene3d>
+      <a:camera prst="orthographicFront"/>
+      <a:lightRig rig="threePt" dir="t"/>
+    </dgm:scene3d>
+    <dgm:sp3d/>
+    <dgm:txPr/>
+    <dgm:style>
+      <a:lnRef idx="2">
+        <a:scrgbClr r="0" g="0" b="0"/>
+      </a:lnRef>
+      <a:fillRef idx="1">
+        <a:scrgbClr r="0" g="0" b="0"/>
+      </a:fillRef>
+      <a:effectRef idx="0">
+        <a:scrgbClr r="0" g="0" b="0"/>
+      </a:effectRef>
+      <a:fontRef idx="minor">
+        <a:schemeClr val="lt1"/>
+      </a:fontRef>
+    </dgm:style>
+  </dgm:styleLbl>
+  <dgm:styleLbl name="node3">
+    <dgm:scene3d>
+      <a:camera prst="orthographicFront"/>
+      <a:lightRig rig="threePt" dir="t"/>
+    </dgm:scene3d>
+    <dgm:sp3d/>
+    <dgm:txPr/>
+    <dgm:style>
+      <a:lnRef idx="2">
+        <a:scrgbClr r="0" g="0" b="0"/>
+      </a:lnRef>
+      <a:fillRef idx="1">
+        <a:scrgbClr r="0" g="0" b="0"/>
+      </a:fillRef>
+      <a:effectRef idx="0">
+        <a:scrgbClr r="0" g="0" b="0"/>
+      </a:effectRef>
+      <a:fontRef idx="minor">
+        <a:schemeClr val="lt1"/>
+      </a:fontRef>
+    </dgm:style>
+  </dgm:styleLbl>
+  <dgm:styleLbl name="node4">
+    <dgm:scene3d>
+      <a:camera prst="orthographicFront"/>
+      <a:lightRig rig="threePt" dir="t"/>
+    </dgm:scene3d>
+    <dgm:sp3d/>
+    <dgm:txPr/>
+    <dgm:style>
+      <a:lnRef idx="2">
+        <a:scrgbClr r="0" g="0" b="0"/>
+      </a:lnRef>
+      <a:fillRef idx="1">
+        <a:scrgbClr r="0" g="0" b="0"/>
+      </a:fillRef>
+      <a:effectRef idx="0">
+        <a:scrgbClr r="0" g="0" b="0"/>
+      </a:effectRef>
+      <a:fontRef idx="minor">
+        <a:schemeClr val="lt1"/>
+      </a:fontRef>
+    </dgm:style>
+  </dgm:styleLbl>
+  <dgm:styleLbl name="fgImgPlace1">
+    <dgm:scene3d>
+      <a:camera prst="orthographicFront"/>
+      <a:lightRig rig="threePt" dir="t"/>
+    </dgm:scene3d>
+    <dgm:sp3d/>
+    <dgm:txPr/>
+    <dgm:style>
+      <a:lnRef idx="2">
+        <a:scrgbClr r="0" g="0" b="0"/>
+      </a:lnRef>
+      <a:fillRef idx="1">
+        <a:scrgbClr r="0" g="0" b="0"/>
+      </a:fillRef>
+      <a:effectRef idx="0">
+        <a:scrgbClr r="0" g="0" b="0"/>
+      </a:effectRef>
+      <a:fontRef idx="minor"/>
+    </dgm:style>
+  </dgm:styleLbl>
+  <dgm:styleLbl name="alignImgPlace1">
+    <dgm:scene3d>
+      <a:camera prst="orthographicFront"/>
+      <a:lightRig rig="threePt" dir="t"/>
+    </dgm:scene3d>
+    <dgm:sp3d/>
+    <dgm:txPr/>
+    <dgm:style>
+      <a:lnRef idx="2">
+        <a:scrgbClr r="0" g="0" b="0"/>
+      </a:lnRef>
+      <a:fillRef idx="1">
+        <a:scrgbClr r="0" g="0" b="0"/>
+      </a:fillRef>
+      <a:effectRef idx="0">
+        <a:scrgbClr r="0" g="0" b="0"/>
+      </a:effectRef>
+      <a:fontRef idx="minor"/>
+    </dgm:style>
+  </dgm:styleLbl>
+  <dgm:styleLbl name="bgImgPlace1">
+    <dgm:scene3d>
+      <a:camera prst="orthographicFront"/>
+      <a:lightRig rig="threePt" dir="t"/>
+    </dgm:scene3d>
+    <dgm:sp3d/>
+    <dgm:txPr/>
+    <dgm:style>
+      <a:lnRef idx="2">
+        <a:scrgbClr r="0" g="0" b="0"/>
+      </a:lnRef>
+      <a:fillRef idx="1">
+        <a:scrgbClr r="0" g="0" b="0"/>
+      </a:fillRef>
+      <a:effectRef idx="0">
+        <a:scrgbClr r="0" g="0" b="0"/>
+      </a:effectRef>
+      <a:fontRef idx="minor"/>
+    </dgm:style>
+  </dgm:styleLbl>
+  <dgm:styleLbl name="sibTrans2D1">
+    <dgm:scene3d>
+      <a:camera prst="orthographicFront"/>
+      <a:lightRig rig="threePt" dir="t"/>
+    </dgm:scene3d>
+    <dgm:sp3d/>
+    <dgm:txPr/>
+    <dgm:style>
+      <a:lnRef idx="0">
+        <a:scrgbClr r="0" g="0" b="0"/>
+      </a:lnRef>
+      <a:fillRef idx="1">
+        <a:scrgbClr r="0" g="0" b="0"/>
+      </a:fillRef>
+      <a:effectRef idx="0">
+        <a:scrgbClr r="0" g="0" b="0"/>
+      </a:effectRef>
+      <a:fontRef idx="minor">
+        <a:schemeClr val="lt1"/>
+      </a:fontRef>
+    </dgm:style>
+  </dgm:styleLbl>
+  <dgm:styleLbl name="fgSibTrans2D1">
+    <dgm:scene3d>
+      <a:camera prst="orthographicFront"/>
+      <a:lightRig rig="threePt" dir="t"/>
+    </dgm:scene3d>
+    <dgm:sp3d/>
+    <dgm:txPr/>
+    <dgm:style>
+      <a:lnRef idx="0">
+        <a:scrgbClr r="0" g="0" b="0"/>
+      </a:lnRef>
+      <a:fillRef idx="1">
+        <a:scrgbClr r="0" g="0" b="0"/>
+      </a:fillRef>
+      <a:effectRef idx="0">
+        <a:scrgbClr r="0" g="0" b="0"/>
+      </a:effectRef>
+      <a:fontRef idx="minor">
+        <a:schemeClr val="lt1"/>
+      </a:fontRef>
+    </dgm:style>
+  </dgm:styleLbl>
+  <dgm:styleLbl name="bgSibTrans2D1">
+    <dgm:scene3d>
+      <a:camera prst="orthographicFront"/>
+      <a:lightRig rig="threePt" dir="t"/>
+    </dgm:scene3d>
+    <dgm:sp3d/>
+    <dgm:txPr/>
+    <dgm:style>
+      <a:lnRef idx="0">
+        <a:scrgbClr r="0" g="0" b="0"/>
+      </a:lnRef>
+      <a:fillRef idx="1">
+        <a:scrgbClr r="0" g="0" b="0"/>
+      </a:fillRef>
+      <a:effectRef idx="0">
+        <a:scrgbClr r="0" g="0" b="0"/>
+      </a:effectRef>
+      <a:fontRef idx="minor">
+        <a:schemeClr val="lt1"/>
+      </a:fontRef>
+    </dgm:style>
+  </dgm:styleLbl>
+  <dgm:styleLbl name="sibTrans1D1">
+    <dgm:scene3d>
+      <a:camera prst="orthographicFront"/>
+      <a:lightRig rig="threePt" dir="t"/>
+    </dgm:scene3d>
+    <dgm:sp3d/>
+    <dgm:txPr/>
+    <dgm:style>
+      <a:lnRef idx="1">
+        <a:scrgbClr r="0" g="0" b="0"/>
+      </a:lnRef>
+      <a:fillRef idx="0">
+        <a:scrgbClr r="0" g="0" b="0"/>
+      </a:fillRef>
+      <a:effectRef idx="0">
+        <a:scrgbClr r="0" g="0" b="0"/>
+      </a:effectRef>
+      <a:fontRef idx="minor"/>
+    </dgm:style>
+  </dgm:styleLbl>
+  <dgm:styleLbl name="callout">
+    <dgm:scene3d>
+      <a:camera prst="orthographicFront"/>
+      <a:lightRig rig="threePt" dir="t"/>
+    </dgm:scene3d>
+    <dgm:sp3d/>
+    <dgm:txPr/>
+    <dgm:style>
+      <a:lnRef idx="2">
+        <a:scrgbClr r="0" g="0" b="0"/>
+      </a:lnRef>
+      <a:fillRef idx="1">
+        <a:scrgbClr r="0" g="0" b="0"/>
+      </a:fillRef>
+      <a:effectRef idx="0">
+        <a:scrgbClr r="0" g="0" b="0"/>
+      </a:effectRef>
+      <a:fontRef idx="minor"/>
+    </dgm:style>
+  </dgm:styleLbl>
+  <dgm:styleLbl name="asst0">
+    <dgm:scene3d>
+      <a:camera prst="orthographicFront"/>
+      <a:lightRig rig="threePt" dir="t"/>
+    </dgm:scene3d>
+    <dgm:sp3d/>
+    <dgm:txPr/>
+    <dgm:style>
+      <a:lnRef idx="2">
+        <a:scrgbClr r="0" g="0" b="0"/>
+      </a:lnRef>
+      <a:fillRef idx="1">
+        <a:scrgbClr r="0" g="0" b="0"/>
+      </a:fillRef>
+      <a:effectRef idx="0">
+        <a:scrgbClr r="0" g="0" b="0"/>
+      </a:effectRef>
+      <a:fontRef idx="minor">
+        <a:schemeClr val="lt1"/>
+      </a:fontRef>
+    </dgm:style>
+  </dgm:styleLbl>
+  <dgm:styleLbl name="asst1">
+    <dgm:scene3d>
+      <a:camera prst="orthographicFront"/>
+      <a:lightRig rig="threePt" dir="t"/>
+    </dgm:scene3d>
+    <dgm:sp3d/>
+    <dgm:txPr/>
+    <dgm:style>
+      <a:lnRef idx="2">
+        <a:scrgbClr r="0" g="0" b="0"/>
+      </a:lnRef>
+      <a:fillRef idx="1">
+        <a:scrgbClr r="0" g="0" b="0"/>
+      </a:fillRef>
+      <a:effectRef idx="0">
+        <a:scrgbClr r="0" g="0" b="0"/>
+      </a:effectRef>
+      <a:fontRef idx="minor">
+        <a:schemeClr val="lt1"/>
+      </a:fontRef>
+    </dgm:style>
+  </dgm:styleLbl>
+  <dgm:styleLbl name="asst2">
+    <dgm:scene3d>
+      <a:camera prst="orthographicFront"/>
+      <a:lightRig rig="threePt" dir="t"/>
+    </dgm:scene3d>
+    <dgm:sp3d/>
+    <dgm:txPr/>
+    <dgm:style>
+      <a:lnRef idx="2">
+        <a:scrgbClr r="0" g="0" b="0"/>
+      </a:lnRef>
+      <a:fillRef idx="1">
+        <a:scrgbClr r="0" g="0" b="0"/>
+      </a:fillRef>
+      <a:effectRef idx="0">
+        <a:scrgbClr r="0" g="0" b="0"/>
+      </a:effectRef>
+      <a:fontRef idx="minor">
+        <a:schemeClr val="lt1"/>
+      </a:fontRef>
+    </dgm:style>
+  </dgm:styleLbl>
+  <dgm:styleLbl name="asst3">
+    <dgm:scene3d>
+      <a:camera prst="orthographicFront"/>
+      <a:lightRig rig="threePt" dir="t"/>
+    </dgm:scene3d>
+    <dgm:sp3d/>
+    <dgm:txPr/>
+    <dgm:style>
+      <a:lnRef idx="2">
+        <a:scrgbClr r="0" g="0" b="0"/>
+      </a:lnRef>
+      <a:fillRef idx="1">
+        <a:scrgbClr r="0" g="0" b="0"/>
+      </a:fillRef>
+      <a:effectRef idx="0">
+        <a:scrgbClr r="0" g="0" b="0"/>
+      </a:effectRef>
+      <a:fontRef idx="minor">
+        <a:schemeClr val="lt1"/>
+      </a:fontRef>
+    </dgm:style>
+  </dgm:styleLbl>
+  <dgm:styleLbl name="asst4">
+    <dgm:scene3d>
+      <a:camera prst="orthographicFront"/>
+      <a:lightRig rig="threePt" dir="t"/>
+    </dgm:scene3d>
+    <dgm:sp3d/>
+    <dgm:txPr/>
+    <dgm:style>
+      <a:lnRef idx="2">
+        <a:scrgbClr r="0" g="0" b="0"/>
+      </a:lnRef>
+      <a:fillRef idx="1">
+        <a:scrgbClr r="0" g="0" b="0"/>
+      </a:fillRef>
+      <a:effectRef idx="0">
+        <a:scrgbClr r="0" g="0" b="0"/>
+      </a:effectRef>
+      <a:fontRef idx="minor">
+        <a:schemeClr val="lt1"/>
+      </a:fontRef>
+    </dgm:style>
+  </dgm:styleLbl>
+  <dgm:styleLbl name="parChTrans2D1">
+    <dgm:scene3d>
+      <a:camera prst="orthographicFront"/>
+      <a:lightRig rig="threePt" dir="t"/>
+    </dgm:scene3d>
+    <dgm:sp3d/>
+    <dgm:txPr/>
+    <dgm:style>
+      <a:lnRef idx="2">
+        <a:scrgbClr r="0" g="0" b="0"/>
+      </a:lnRef>
+      <a:fillRef idx="1">
+        <a:scrgbClr r="0" g="0" b="0"/>
+      </a:fillRef>
+      <a:effectRef idx="0">
+        <a:scrgbClr r="0" g="0" b="0"/>
+      </a:effectRef>
+      <a:fontRef idx="minor">
+        <a:schemeClr val="lt1"/>
+      </a:fontRef>
+    </dgm:style>
+  </dgm:styleLbl>
+  <dgm:styleLbl name="parChTrans2D2">
+    <dgm:scene3d>
+      <a:camera prst="orthographicFront"/>
+      <a:lightRig rig="threePt" dir="t"/>
+    </dgm:scene3d>
+    <dgm:sp3d/>
+    <dgm:txPr/>
+    <dgm:style>
+      <a:lnRef idx="2">
+        <a:scrgbClr r="0" g="0" b="0"/>
+      </a:lnRef>
+      <a:fillRef idx="1">
+        <a:scrgbClr r="0" g="0" b="0"/>
+      </a:fillRef>
+      <a:effectRef idx="0">
+        <a:scrgbClr r="0" g="0" b="0"/>
+      </a:effectRef>
+      <a:fontRef idx="minor">
+        <a:schemeClr val="lt1"/>
+      </a:fontRef>
+    </dgm:style>
+  </dgm:styleLbl>
+  <dgm:styleLbl name="parChTrans2D3">
+    <dgm:scene3d>
+      <a:camera prst="orthographicFront"/>
+      <a:lightRig rig="threePt" dir="t"/>
+    </dgm:scene3d>
+    <dgm:sp3d/>
+    <dgm:txPr/>
+    <dgm:style>
+      <a:lnRef idx="2">
+        <a:scrgbClr r="0" g="0" b="0"/>
+      </a:lnRef>
+      <a:fillRef idx="1">
+        <a:scrgbClr r="0" g="0" b="0"/>
+      </a:fillRef>
+      <a:effectRef idx="0">
+        <a:scrgbClr r="0" g="0" b="0"/>
+      </a:effectRef>
+      <a:fontRef idx="minor">
+        <a:schemeClr val="lt1"/>
+      </a:fontRef>
+    </dgm:style>
+  </dgm:styleLbl>
+  <dgm:styleLbl name="parChTrans2D4">
+    <dgm:scene3d>
+      <a:camera prst="orthographicFront"/>
+      <a:lightRig rig="threePt" dir="t"/>
+    </dgm:scene3d>
+    <dgm:sp3d/>
+    <dgm:txPr/>
+    <dgm:style>
+      <a:lnRef idx="2">
+        <a:scrgbClr r="0" g="0" b="0"/>
+      </a:lnRef>
+      <a:fillRef idx="1">
+        <a:scrgbClr r="0" g="0" b="0"/>
+      </a:fillRef>
+      <a:effectRef idx="0">
+        <a:scrgbClr r="0" g="0" b="0"/>
+      </a:effectRef>
+      <a:fontRef idx="minor">
+        <a:schemeClr val="lt1"/>
+      </a:fontRef>
+    </dgm:style>
+  </dgm:styleLbl>
+  <dgm:styleLbl name="parChTrans1D1">
+    <dgm:scene3d>
+      <a:camera prst="orthographicFront"/>
+      <a:lightRig rig="threePt" dir="t"/>
+    </dgm:scene3d>
+    <dgm:sp3d/>
+    <dgm:txPr/>
+    <dgm:style>
+      <a:lnRef idx="2">
+        <a:scrgbClr r="0" g="0" b="0"/>
+      </a:lnRef>
+      <a:fillRef idx="0">
+        <a:scrgbClr r="0" g="0" b="0"/>
+      </a:fillRef>
+      <a:effectRef idx="0">
+        <a:scrgbClr r="0" g="0" b="0"/>
+      </a:effectRef>
+      <a:fontRef idx="minor"/>
+    </dgm:style>
+  </dgm:styleLbl>
+  <dgm:styleLbl name="parChTrans1D2">
+    <dgm:scene3d>
+      <a:camera prst="orthographicFront"/>
+      <a:lightRig rig="threePt" dir="t"/>
+    </dgm:scene3d>
+    <dgm:sp3d/>
+    <dgm:txPr/>
+    <dgm:style>
+      <a:lnRef idx="2">
+        <a:scrgbClr r="0" g="0" b="0"/>
+      </a:lnRef>
+      <a:fillRef idx="0">
+        <a:scrgbClr r="0" g="0" b="0"/>
+      </a:fillRef>
+      <a:effectRef idx="0">
+        <a:scrgbClr r="0" g="0" b="0"/>
+      </a:effectRef>
+      <a:fontRef idx="minor"/>
+    </dgm:style>
+  </dgm:styleLbl>
+  <dgm:styleLbl name="parChTrans1D3">
+    <dgm:scene3d>
+      <a:camera prst="orthographicFront"/>
+      <a:lightRig rig="threePt" dir="t"/>
+    </dgm:scene3d>
+    <dgm:sp3d/>
+    <dgm:txPr/>
+    <dgm:style>
+      <a:lnRef idx="2">
+        <a:scrgbClr r="0" g="0" b="0"/>
+      </a:lnRef>
+      <a:fillRef idx="0">
+        <a:scrgbClr r="0" g="0" b="0"/>
+      </a:fillRef>
+      <a:effectRef idx="0">
+        <a:scrgbClr r="0" g="0" b="0"/>
+      </a:effectRef>
+      <a:fontRef idx="minor"/>
+    </dgm:style>
+  </dgm:styleLbl>
+  <dgm:styleLbl name="parChTrans1D4">
+    <dgm:scene3d>
+      <a:camera prst="orthographicFront"/>
+      <a:lightRig rig="threePt" dir="t"/>
+    </dgm:scene3d>
+    <dgm:sp3d/>
+    <dgm:txPr/>
+    <dgm:style>
+      <a:lnRef idx="2">
+        <a:scrgbClr r="0" g="0" b="0"/>
+      </a:lnRef>
+      <a:fillRef idx="0">
+        <a:scrgbClr r="0" g="0" b="0"/>
+      </a:fillRef>
+      <a:effectRef idx="0">
+        <a:scrgbClr r="0" g="0" b="0"/>
+      </a:effectRef>
+      <a:fontRef idx="minor"/>
+    </dgm:style>
+  </dgm:styleLbl>
+  <dgm:styleLbl name="fgAcc1">
+    <dgm:scene3d>
+      <a:camera prst="orthographicFront"/>
+      <a:lightRig rig="threePt" dir="t"/>
+    </dgm:scene3d>
+    <dgm:sp3d/>
+    <dgm:txPr/>
+    <dgm:style>
+      <a:lnRef idx="2">
+        <a:scrgbClr r="0" g="0" b="0"/>
+      </a:lnRef>
+      <a:fillRef idx="1">
+        <a:scrgbClr r="0" g="0" b="0"/>
+      </a:fillRef>
+      <a:effectRef idx="0">
+        <a:scrgbClr r="0" g="0" b="0"/>
+      </a:effectRef>
+      <a:fontRef idx="minor"/>
+    </dgm:style>
+  </dgm:styleLbl>
+  <dgm:styleLbl name="conFgAcc1">
+    <dgm:scene3d>
+      <a:camera prst="orthographicFront"/>
+      <a:lightRig rig="threePt" dir="t"/>
+    </dgm:scene3d>
+    <dgm:sp3d/>
+    <dgm:txPr/>
+    <dgm:style>
+      <a:lnRef idx="2">
+        <a:scrgbClr r="0" g="0" b="0"/>
+      </a:lnRef>
+      <a:fillRef idx="1">
+        <a:scrgbClr r="0" g="0" b="0"/>
+      </a:fillRef>
+      <a:effectRef idx="0">
+        <a:scrgbClr r="0" g="0" b="0"/>
+      </a:effectRef>
+      <a:fontRef idx="minor"/>
+    </dgm:style>
+  </dgm:styleLbl>
+  <dgm:styleLbl name="alignAcc1">
+    <dgm:scene3d>
+      <a:camera prst="orthographicFront"/>
+      <a:lightRig rig="threePt" dir="t"/>
+    </dgm:scene3d>
+    <dgm:sp3d/>
+    <dgm:txPr/>
+    <dgm:style>
+      <a:lnRef idx="2">
+        <a:scrgbClr r="0" g="0" b="0"/>
+      </a:lnRef>
+      <a:fillRef idx="1">
+        <a:scrgbClr r="0" g="0" b="0"/>
+      </a:fillRef>
+      <a:effectRef idx="0">
+        <a:scrgbClr r="0" g="0" b="0"/>
+      </a:effectRef>
+      <a:fontRef idx="minor"/>
+    </dgm:style>
+  </dgm:styleLbl>
+  <dgm:styleLbl name="trAlignAcc1">
+    <dgm:scene3d>
+      <a:camera prst="orthographicFront"/>
+      <a:lightRig rig="threePt" dir="t"/>
+    </dgm:scene3d>
+    <dgm:sp3d/>
+    <dgm:txPr/>
+    <dgm:style>
+      <a:lnRef idx="1">
+        <a:scrgbClr r="0" g="0" b="0"/>
+      </a:lnRef>
+      <a:fillRef idx="1">
+        <a:scrgbClr r="0" g="0" b="0"/>
+      </a:fillRef>
+      <a:effectRef idx="0">
+        <a:scrgbClr r="0" g="0" b="0"/>
+      </a:effectRef>
+      <a:fontRef idx="minor"/>
+    </dgm:style>
+  </dgm:styleLbl>
+  <dgm:styleLbl name="bgAcc1">
+    <dgm:scene3d>
+      <a:camera prst="orthographicFront"/>
+      <a:lightRig rig="threePt" dir="t"/>
+    </dgm:scene3d>
+    <dgm:sp3d/>
+    <dgm:txPr/>
+    <dgm:style>
+      <a:lnRef idx="2">
+        <a:scrgbClr r="0" g="0" b="0"/>
+      </a:lnRef>
+      <a:fillRef idx="1">
+        <a:scrgbClr r="0" g="0" b="0"/>
+      </a:fillRef>
+      <a:effectRef idx="0">
+        <a:scrgbClr r="0" g="0" b="0"/>
+      </a:effectRef>
+      <a:fontRef idx="minor"/>
+    </dgm:style>
+  </dgm:styleLbl>
+  <dgm:styleLbl name="solidFgAcc1">
+    <dgm:scene3d>
+      <a:camera prst="orthographicFront"/>
+      <a:lightRig rig="threePt" dir="t"/>
+    </dgm:scene3d>
+    <dgm:sp3d/>
+    <dgm:txPr/>
+    <dgm:style>
+      <a:lnRef idx="2">
+        <a:scrgbClr r="0" g="0" b="0"/>
+      </a:lnRef>
+      <a:fillRef idx="1">
+        <a:scrgbClr r="0" g="0" b="0"/>
+      </a:fillRef>
+      <a:effectRef idx="0">
+        <a:scrgbClr r="0" g="0" b="0"/>
+      </a:effectRef>
+      <a:fontRef idx="minor"/>
+    </dgm:style>
+  </dgm:styleLbl>
+  <dgm:styleLbl name="solidAlignAcc1">
+    <dgm:scene3d>
+      <a:camera prst="orthographicFront"/>
+      <a:lightRig rig="threePt" dir="t"/>
+    </dgm:scene3d>
+    <dgm:sp3d/>
+    <dgm:txPr/>
+    <dgm:style>
+      <a:lnRef idx="2">
+        <a:scrgbClr r="0" g="0" b="0"/>
+      </a:lnRef>
+      <a:fillRef idx="1">
+        <a:scrgbClr r="0" g="0" b="0"/>
+      </a:fillRef>
+      <a:effectRef idx="0">
+        <a:scrgbClr r="0" g="0" b="0"/>
+      </a:effectRef>
+      <a:fontRef idx="minor"/>
+    </dgm:style>
+  </dgm:styleLbl>
+  <dgm:styleLbl name="solidBgAcc1">
+    <dgm:scene3d>
+      <a:camera prst="orthographicFront"/>
+      <a:lightRig rig="threePt" dir="t"/>
+    </dgm:scene3d>
+    <dgm:sp3d/>
+    <dgm:txPr/>
+    <dgm:style>
+      <a:lnRef idx="2">
+        <a:scrgbClr r="0" g="0" b="0"/>
+      </a:lnRef>
+      <a:fillRef idx="1">
+        <a:scrgbClr r="0" g="0" b="0"/>
+      </a:fillRef>
+      <a:effectRef idx="0">
+        <a:scrgbClr r="0" g="0" b="0"/>
+      </a:effectRef>
+      <a:fontRef idx="minor"/>
+    </dgm:style>
+  </dgm:styleLbl>
+  <dgm:styleLbl name="fgAccFollowNode1">
+    <dgm:scene3d>
+      <a:camera prst="orthographicFront"/>
+      <a:lightRig rig="threePt" dir="t"/>
+    </dgm:scene3d>
+    <dgm:sp3d/>
+    <dgm:txPr/>
+    <dgm:style>
+      <a:lnRef idx="2">
+        <a:scrgbClr r="0" g="0" b="0"/>
+      </a:lnRef>
+      <a:fillRef idx="1">
+        <a:scrgbClr r="0" g="0" b="0"/>
+      </a:fillRef>
+      <a:effectRef idx="0">
+        <a:scrgbClr r="0" g="0" b="0"/>
+      </a:effectRef>
+      <a:fontRef idx="minor"/>
+    </dgm:style>
+  </dgm:styleLbl>
+  <dgm:styleLbl name="alignAccFollowNode1">
+    <dgm:scene3d>
+      <a:camera prst="orthographicFront"/>
+      <a:lightRig rig="threePt" dir="t"/>
+    </dgm:scene3d>
+    <dgm:sp3d/>
+    <dgm:txPr/>
+    <dgm:style>
+      <a:lnRef idx="2">
+        <a:scrgbClr r="0" g="0" b="0"/>
+      </a:lnRef>
+      <a:fillRef idx="1">
+        <a:scrgbClr r="0" g="0" b="0"/>
+      </a:fillRef>
+      <a:effectRef idx="0">
+        <a:scrgbClr r="0" g="0" b="0"/>
+      </a:effectRef>
+      <a:fontRef idx="minor"/>
+    </dgm:style>
+  </dgm:styleLbl>
+  <dgm:styleLbl name="bgAccFollowNode1">
+    <dgm:scene3d>
+      <a:camera prst="orthographicFront"/>
+      <a:lightRig rig="threePt" dir="t"/>
+    </dgm:scene3d>
+    <dgm:sp3d/>
+    <dgm:txPr/>
+    <dgm:style>
+      <a:lnRef idx="2">
+        <a:scrgbClr r="0" g="0" b="0"/>
+      </a:lnRef>
+      <a:fillRef idx="1">
+        <a:scrgbClr r="0" g="0" b="0"/>
+      </a:fillRef>
+      <a:effectRef idx="0">
+        <a:scrgbClr r="0" g="0" b="0"/>
+      </a:effectRef>
+      <a:fontRef idx="minor"/>
+    </dgm:style>
+  </dgm:styleLbl>
+  <dgm:styleLbl name="fgAcc0">
+    <dgm:scene3d>
+      <a:camera prst="orthographicFront"/>
+      <a:lightRig rig="threePt" dir="t"/>
+    </dgm:scene3d>
+    <dgm:sp3d/>
+    <dgm:txPr/>
+    <dgm:style>
+      <a:lnRef idx="2">
+        <a:scrgbClr r="0" g="0" b="0"/>
+      </a:lnRef>
+      <a:fillRef idx="1">
+        <a:scrgbClr r="0" g="0" b="0"/>
+      </a:fillRef>
+      <a:effectRef idx="0">
+        <a:scrgbClr r="0" g="0" b="0"/>
+      </a:effectRef>
+      <a:fontRef idx="minor"/>
+    </dgm:style>
+  </dgm:styleLbl>
+  <dgm:styleLbl name="fgAcc2">
+    <dgm:scene3d>
+      <a:camera prst="orthographicFront"/>
+      <a:lightRig rig="threePt" dir="t"/>
+    </dgm:scene3d>
+    <dgm:sp3d/>
+    <dgm:txPr/>
+    <dgm:style>
+      <a:lnRef idx="2">
+        <a:scrgbClr r="0" g="0" b="0"/>
+      </a:lnRef>
+      <a:fillRef idx="1">
+        <a:scrgbClr r="0" g="0" b="0"/>
+      </a:fillRef>
+      <a:effectRef idx="0">
+        <a:scrgbClr r="0" g="0" b="0"/>
+      </a:effectRef>
+      <a:fontRef idx="minor"/>
+    </dgm:style>
+  </dgm:styleLbl>
+  <dgm:styleLbl name="fgAcc3">
+    <dgm:scene3d>
+      <a:camera prst="orthographicFront"/>
+      <a:lightRig rig="threePt" dir="t"/>
+    </dgm:scene3d>
+    <dgm:sp3d/>
+    <dgm:txPr/>
+    <dgm:style>
+      <a:lnRef idx="2">
+        <a:scrgbClr r="0" g="0" b="0"/>
+      </a:lnRef>
+      <a:fillRef idx="1">
+        <a:scrgbClr r="0" g="0" b="0"/>
+      </a:fillRef>
+      <a:effectRef idx="0">
+        <a:scrgbClr r="0" g="0" b="0"/>
+      </a:effectRef>
+      <a:fontRef idx="minor"/>
+    </dgm:style>
+  </dgm:styleLbl>
+  <dgm:styleLbl name="fgAcc4">
+    <dgm:scene3d>
+      <a:camera prst="orthographicFront"/>
+      <a:lightRig rig="threePt" dir="t"/>
+    </dgm:scene3d>
+    <dgm:sp3d/>
+    <dgm:txPr/>
+    <dgm:style>
+      <a:lnRef idx="2">
+        <a:scrgbClr r="0" g="0" b="0"/>
+      </a:lnRef>
+      <a:fillRef idx="1">
+        <a:scrgbClr r="0" g="0" b="0"/>
+      </a:fillRef>
+      <a:effectRef idx="0">
+        <a:scrgbClr r="0" g="0" b="0"/>
+      </a:effectRef>
+      <a:fontRef idx="minor"/>
+    </dgm:style>
+  </dgm:styleLbl>
+  <dgm:styleLbl name="bgShp">
+    <dgm:scene3d>
+      <a:camera prst="orthographicFront"/>
+      <a:lightRig rig="threePt" dir="t"/>
+    </dgm:scene3d>
+    <dgm:sp3d/>
+    <dgm:txPr/>
+    <dgm:style>
+      <a:lnRef idx="0">
+        <a:scrgbClr r="0" g="0" b="0"/>
+      </a:lnRef>
+      <a:fillRef idx="1">
+        <a:scrgbClr r="0" g="0" b="0"/>
+      </a:fillRef>
+      <a:effectRef idx="0">
+        <a:scrgbClr r="0" g="0" b="0"/>
+      </a:effectRef>
+      <a:fontRef idx="minor"/>
+    </dgm:style>
+  </dgm:styleLbl>
+  <dgm:styleLbl name="dkBgShp">
+    <dgm:scene3d>
+      <a:camera prst="orthographicFront"/>
+      <a:lightRig rig="threePt" dir="t"/>
+    </dgm:scene3d>
+    <dgm:sp3d/>
+    <dgm:txPr/>
+    <dgm:style>
+      <a:lnRef idx="0">
+        <a:scrgbClr r="0" g="0" b="0"/>
+      </a:lnRef>
+      <a:fillRef idx="1">
+        <a:scrgbClr r="0" g="0" b="0"/>
+      </a:fillRef>
+      <a:effectRef idx="0">
+        <a:scrgbClr r="0" g="0" b="0"/>
+      </a:effectRef>
+      <a:fontRef idx="minor"/>
+    </dgm:style>
+  </dgm:styleLbl>
+  <dgm:styleLbl name="trBgShp">
+    <dgm:scene3d>
+      <a:camera prst="orthographicFront"/>
+      <a:lightRig rig="threePt" dir="t"/>
+    </dgm:scene3d>
+    <dgm:sp3d/>
+    <dgm:txPr/>
+    <dgm:style>
+      <a:lnRef idx="0">
+        <a:scrgbClr r="0" g="0" b="0"/>
+      </a:lnRef>
+      <a:fillRef idx="1">
+        <a:scrgbClr r="0" g="0" b="0"/>
+      </a:fillRef>
+      <a:effectRef idx="0">
+        <a:scrgbClr r="0" g="0" b="0"/>
+      </a:effectRef>
+      <a:fontRef idx="minor"/>
+    </dgm:style>
+  </dgm:styleLbl>
+  <dgm:styleLbl name="fgShp">
+    <dgm:scene3d>
+      <a:camera prst="orthographicFront"/>
+      <a:lightRig rig="threePt" dir="t"/>
+    </dgm:scene3d>
+    <dgm:sp3d/>
+    <dgm:txPr/>
+    <dgm:style>
+      <a:lnRef idx="2">
+        <a:scrgbClr r="0" g="0" b="0"/>
+      </a:lnRef>
+      <a:fillRef idx="1">
+        <a:scrgbClr r="0" g="0" b="0"/>
+      </a:fillRef>
+      <a:effectRef idx="0">
+        <a:scrgbClr r="0" g="0" b="0"/>
+      </a:effectRef>
+      <a:fontRef idx="minor"/>
+    </dgm:style>
+  </dgm:styleLbl>
+  <dgm:styleLbl name="revTx">
+    <dgm:scene3d>
+      <a:camera prst="orthographicFront"/>
+      <a:lightRig rig="threePt" dir="t"/>
+    </dgm:scene3d>
+    <dgm:sp3d/>
+    <dgm:txPr/>
+    <dgm:style>
+      <a:lnRef idx="0">
+        <a:scrgbClr r="0" g="0" b="0"/>
+      </a:lnRef>
+      <a:fillRef idx="0">
+        <a:scrgbClr r="0" g="0" b="0"/>
+      </a:fillRef>
+      <a:effectRef idx="0">
+        <a:scrgbClr r="0" g="0" b="0"/>
+      </a:effectRef>
+      <a:fontRef idx="minor"/>
+    </dgm:style>
+  </dgm:styleLbl>
+</dgm:styleDef>
+</file>
+
+<file path=ppt/diagrams/quickStyle5.xml><?xml version="1.0" encoding="utf-8"?>
 <dgm:styleDef xmlns:dgm="http://schemas.openxmlformats.org/drawingml/2006/diagram" xmlns:a="http://schemas.openxmlformats.org/drawingml/2006/main" uniqueId="urn:microsoft.com/office/officeart/2005/8/quickstyle/simple1">
   <dgm:title val=""/>
   <dgm:desc val=""/>
@@ -18544,17 +22133,7 @@
                 <a:latin typeface="Tahoma" pitchFamily="34" charset="0"/>
                 <a:cs typeface="Tahoma" pitchFamily="34" charset="0"/>
               </a:rPr>
-              <a:t>ELABORADO POR</a:t>
-            </a:r>
-            <a:r>
-              <a:rPr lang="es-CO" sz="1200" dirty="0" smtClean="0">
-                <a:solidFill>
-                  <a:schemeClr val="tx1"/>
-                </a:solidFill>
-                <a:latin typeface="Tahoma" pitchFamily="34" charset="0"/>
-                <a:cs typeface="Tahoma" pitchFamily="34" charset="0"/>
-              </a:rPr>
-              <a:t>:</a:t>
+              <a:t>ELABORADO POR:</a:t>
             </a:r>
           </a:p>
           <a:p>
@@ -18648,11 +22227,6 @@
               </a:rPr>
               <a:t>Grupo 2</a:t>
             </a:r>
-            <a:endParaRPr lang="en-US" sz="1200" dirty="0" smtClean="0">
-              <a:solidFill>
-                <a:schemeClr val="tx1"/>
-              </a:solidFill>
-            </a:endParaRPr>
           </a:p>
           <a:p>
             <a:r>
@@ -18784,6 +22358,245 @@
 </file>
 
 <file path=ppt/slides/slide10.xml><?xml version="1.0" encoding="utf-8"?>
+<p:sld xmlns:a="http://schemas.openxmlformats.org/drawingml/2006/main" xmlns:r="http://schemas.openxmlformats.org/officeDocument/2006/relationships" xmlns:p="http://schemas.openxmlformats.org/presentationml/2006/main">
+  <p:cSld>
+    <p:spTree>
+      <p:nvGrpSpPr>
+        <p:cNvPr id="1" name=""/>
+        <p:cNvGrpSpPr/>
+        <p:nvPr/>
+      </p:nvGrpSpPr>
+      <p:grpSpPr>
+        <a:xfrm>
+          <a:off x="0" y="0"/>
+          <a:ext cx="0" cy="0"/>
+          <a:chOff x="0" y="0"/>
+          <a:chExt cx="0" cy="0"/>
+        </a:xfrm>
+      </p:grpSpPr>
+      <p:pic>
+        <p:nvPicPr>
+          <p:cNvPr id="4" name="Picture 2"/>
+          <p:cNvPicPr>
+            <a:picLocks noChangeAspect="1" noChangeArrowheads="1"/>
+          </p:cNvPicPr>
+          <p:nvPr/>
+        </p:nvPicPr>
+        <p:blipFill rotWithShape="1">
+          <a:blip r:embed="rId2">
+            <a:extLst>
+              <a:ext uri="{28A0092B-C50C-407E-A947-70E740481C1C}">
+                <a14:useLocalDpi xmlns:a14="http://schemas.microsoft.com/office/drawing/2010/main" val="0"/>
+              </a:ext>
+            </a:extLst>
+          </a:blip>
+          <a:srcRect l="30088" t="40385" r="31186" b="9479"/>
+          <a:stretch/>
+        </p:blipFill>
+        <p:spPr bwMode="auto">
+          <a:xfrm>
+            <a:off x="1259632" y="1196752"/>
+            <a:ext cx="6624736" cy="4584984"/>
+          </a:xfrm>
+          <a:prstGeom prst="rect">
+            <a:avLst/>
+          </a:prstGeom>
+          <a:noFill/>
+          <a:ln>
+            <a:noFill/>
+          </a:ln>
+          <a:extLst>
+            <a:ext uri="{909E8E84-426E-40DD-AFC4-6F175D3DCCD1}">
+              <a14:hiddenFill xmlns:a14="http://schemas.microsoft.com/office/drawing/2010/main">
+                <a:solidFill>
+                  <a:schemeClr val="accent1"/>
+                </a:solidFill>
+              </a14:hiddenFill>
+            </a:ext>
+            <a:ext uri="{91240B29-F687-4F45-9708-019B960494DF}">
+              <a14:hiddenLine xmlns:a14="http://schemas.microsoft.com/office/drawing/2010/main" w="9525">
+                <a:solidFill>
+                  <a:schemeClr val="tx1"/>
+                </a:solidFill>
+                <a:miter lim="800000"/>
+                <a:headEnd/>
+                <a:tailEnd/>
+              </a14:hiddenLine>
+            </a:ext>
+          </a:extLst>
+        </p:spPr>
+      </p:pic>
+      <p:pic>
+        <p:nvPicPr>
+          <p:cNvPr id="7" name="Picture 2" descr="Resultado de imagen de online business school"/>
+          <p:cNvPicPr>
+            <a:picLocks noChangeAspect="1" noChangeArrowheads="1"/>
+          </p:cNvPicPr>
+          <p:nvPr/>
+        </p:nvPicPr>
+        <p:blipFill>
+          <a:blip r:embed="rId3" cstate="print">
+            <a:extLst>
+              <a:ext uri="{28A0092B-C50C-407E-A947-70E740481C1C}">
+                <a14:useLocalDpi xmlns:a14="http://schemas.microsoft.com/office/drawing/2010/main" val="0"/>
+              </a:ext>
+            </a:extLst>
+          </a:blip>
+          <a:srcRect/>
+          <a:stretch>
+            <a:fillRect/>
+          </a:stretch>
+        </p:blipFill>
+        <p:spPr bwMode="auto">
+          <a:xfrm>
+            <a:off x="251520" y="188640"/>
+            <a:ext cx="1340768" cy="243776"/>
+          </a:xfrm>
+          <a:prstGeom prst="rect">
+            <a:avLst/>
+          </a:prstGeom>
+          <a:noFill/>
+          <a:extLst>
+            <a:ext uri="{909E8E84-426E-40DD-AFC4-6F175D3DCCD1}">
+              <a14:hiddenFill xmlns:a14="http://schemas.microsoft.com/office/drawing/2010/main">
+                <a:solidFill>
+                  <a:srgbClr val="FFFFFF"/>
+                </a:solidFill>
+              </a14:hiddenFill>
+            </a:ext>
+          </a:extLst>
+        </p:spPr>
+      </p:pic>
+      <p:pic>
+        <p:nvPicPr>
+          <p:cNvPr id="8" name="Picture 4" descr="Resultado de imagen de universitat barcelona"/>
+          <p:cNvPicPr>
+            <a:picLocks noChangeAspect="1" noChangeArrowheads="1"/>
+          </p:cNvPicPr>
+          <p:nvPr/>
+        </p:nvPicPr>
+        <p:blipFill>
+          <a:blip r:embed="rId4" cstate="print">
+            <a:extLst>
+              <a:ext uri="{28A0092B-C50C-407E-A947-70E740481C1C}">
+                <a14:useLocalDpi xmlns:a14="http://schemas.microsoft.com/office/drawing/2010/main" val="0"/>
+              </a:ext>
+            </a:extLst>
+          </a:blip>
+          <a:srcRect/>
+          <a:stretch>
+            <a:fillRect/>
+          </a:stretch>
+        </p:blipFill>
+        <p:spPr bwMode="auto">
+          <a:xfrm>
+            <a:off x="7596336" y="135234"/>
+            <a:ext cx="1196871" cy="350587"/>
+          </a:xfrm>
+          <a:prstGeom prst="rect">
+            <a:avLst/>
+          </a:prstGeom>
+          <a:noFill/>
+          <a:extLst>
+            <a:ext uri="{909E8E84-426E-40DD-AFC4-6F175D3DCCD1}">
+              <a14:hiddenFill xmlns:a14="http://schemas.microsoft.com/office/drawing/2010/main">
+                <a:solidFill>
+                  <a:srgbClr val="FFFFFF"/>
+                </a:solidFill>
+              </a14:hiddenFill>
+            </a:ext>
+          </a:extLst>
+        </p:spPr>
+      </p:pic>
+      <p:sp>
+        <p:nvSpPr>
+          <p:cNvPr id="6" name="Title 1"/>
+          <p:cNvSpPr>
+            <a:spLocks noGrp="1"/>
+          </p:cNvSpPr>
+          <p:nvPr>
+            <p:ph type="title"/>
+          </p:nvPr>
+        </p:nvSpPr>
+        <p:spPr>
+          <a:xfrm>
+            <a:off x="32716" y="476672"/>
+            <a:ext cx="8229600" cy="341437"/>
+          </a:xfrm>
+        </p:spPr>
+        <p:txBody>
+          <a:bodyPr>
+            <a:normAutofit fontScale="90000"/>
+          </a:bodyPr>
+          <a:lstStyle/>
+          <a:p>
+            <a:pPr algn="l"/>
+            <a:r>
+              <a:rPr lang="es-CO" sz="2000" b="1" i="1" dirty="0" smtClean="0">
+                <a:solidFill>
+                  <a:schemeClr val="tx2"/>
+                </a:solidFill>
+                <a:effectLst>
+                  <a:outerShdw blurRad="38100" dist="38100" dir="2700000" algn="tl">
+                    <a:srgbClr val="000000">
+                      <a:alpha val="43137"/>
+                    </a:srgbClr>
+                  </a:outerShdw>
+                </a:effectLst>
+              </a:rPr>
+              <a:t>8. </a:t>
+            </a:r>
+            <a:r>
+              <a:rPr lang="es-CO" sz="2200" b="1" i="1" dirty="0" smtClean="0">
+                <a:solidFill>
+                  <a:schemeClr val="tx2"/>
+                </a:solidFill>
+                <a:effectLst>
+                  <a:outerShdw blurRad="38100" dist="38100" dir="2700000" algn="tl">
+                    <a:srgbClr val="000000">
+                      <a:alpha val="43137"/>
+                    </a:srgbClr>
+                  </a:outerShdw>
+                </a:effectLst>
+              </a:rPr>
+              <a:t>FASES DE IMPLEMENTACIÓN</a:t>
+            </a:r>
+            <a:endParaRPr lang="es-ES" sz="2000" b="1" i="1" dirty="0">
+              <a:solidFill>
+                <a:schemeClr val="tx2"/>
+              </a:solidFill>
+              <a:effectLst>
+                <a:outerShdw blurRad="38100" dist="38100" dir="2700000" algn="tl">
+                  <a:srgbClr val="000000">
+                    <a:alpha val="43137"/>
+                  </a:srgbClr>
+                </a:outerShdw>
+              </a:effectLst>
+            </a:endParaRPr>
+          </a:p>
+        </p:txBody>
+      </p:sp>
+    </p:spTree>
+    <p:extLst>
+      <p:ext uri="{BB962C8B-B14F-4D97-AF65-F5344CB8AC3E}">
+        <p14:creationId xmlns:p14="http://schemas.microsoft.com/office/powerpoint/2010/main" val="1705386744"/>
+      </p:ext>
+    </p:extLst>
+  </p:cSld>
+  <p:clrMapOvr>
+    <a:masterClrMapping/>
+  </p:clrMapOvr>
+  <p:timing>
+    <p:tnLst>
+      <p:par>
+        <p:cTn id="1" dur="indefinite" restart="never" nodeType="tmRoot"/>
+      </p:par>
+    </p:tnLst>
+  </p:timing>
+</p:sld>
+</file>
+
+<file path=ppt/slides/slide11.xml><?xml version="1.0" encoding="utf-8"?>
 <p:sld xmlns:a="http://schemas.openxmlformats.org/drawingml/2006/main" xmlns:r="http://schemas.openxmlformats.org/officeDocument/2006/relationships" xmlns:p="http://schemas.openxmlformats.org/presentationml/2006/main">
   <p:cSld>
     <p:spTree>
@@ -19034,7 +22847,7 @@
 </p:sld>
 </file>
 
-<file path=ppt/slides/slide11.xml><?xml version="1.0" encoding="utf-8"?>
+<file path=ppt/slides/slide12.xml><?xml version="1.0" encoding="utf-8"?>
 <p:sld xmlns:a="http://schemas.openxmlformats.org/drawingml/2006/main" xmlns:r="http://schemas.openxmlformats.org/officeDocument/2006/relationships" xmlns:p="http://schemas.openxmlformats.org/presentationml/2006/main">
   <p:cSld>
     <p:bg>
@@ -21263,7 +25076,7 @@
 </p:sld>
 </file>
 
-<file path=ppt/slides/slide12.xml><?xml version="1.0" encoding="utf-8"?>
+<file path=ppt/slides/slide13.xml><?xml version="1.0" encoding="utf-8"?>
 <p:sld xmlns:a="http://schemas.openxmlformats.org/drawingml/2006/main" xmlns:r="http://schemas.openxmlformats.org/officeDocument/2006/relationships" xmlns:p="http://schemas.openxmlformats.org/presentationml/2006/main">
   <p:cSld>
     <p:spTree>
@@ -21492,7 +25305,7 @@
 </p:sld>
 </file>
 
-<file path=ppt/slides/slide13.xml><?xml version="1.0" encoding="utf-8"?>
+<file path=ppt/slides/slide14.xml><?xml version="1.0" encoding="utf-8"?>
 <p:sld xmlns:a="http://schemas.openxmlformats.org/drawingml/2006/main" xmlns:r="http://schemas.openxmlformats.org/officeDocument/2006/relationships" xmlns:p="http://schemas.openxmlformats.org/presentationml/2006/main">
   <p:cSld>
     <p:spTree>
@@ -22562,7 +26375,7 @@
 </p:sld>
 </file>
 
-<file path=ppt/slides/slide14.xml><?xml version="1.0" encoding="utf-8"?>
+<file path=ppt/slides/slide15.xml><?xml version="1.0" encoding="utf-8"?>
 <p:sld xmlns:a="http://schemas.openxmlformats.org/drawingml/2006/main" xmlns:r="http://schemas.openxmlformats.org/officeDocument/2006/relationships" xmlns:p="http://schemas.openxmlformats.org/presentationml/2006/main">
   <p:cSld>
     <p:spTree>
@@ -25475,7 +29288,7 @@
 </p:sld>
 </file>
 
-<file path=ppt/slides/slide15.xml><?xml version="1.0" encoding="utf-8"?>
+<file path=ppt/slides/slide16.xml><?xml version="1.0" encoding="utf-8"?>
 <p:sld xmlns:a="http://schemas.openxmlformats.org/drawingml/2006/main" xmlns:r="http://schemas.openxmlformats.org/officeDocument/2006/relationships" xmlns:p="http://schemas.openxmlformats.org/presentationml/2006/main">
   <p:cSld>
     <p:spTree>
@@ -25648,7 +29461,7 @@
                   </a:outerShdw>
                 </a:effectLst>
               </a:rPr>
-              <a:t>10. </a:t>
+              <a:t>13. </a:t>
             </a:r>
             <a:r>
               <a:rPr lang="es-CO" sz="2200" b="1" i="1" dirty="0" smtClean="0">
@@ -25700,7 +29513,240 @@
 </p:sld>
 </file>
 
-<file path=ppt/slides/slide16.xml><?xml version="1.0" encoding="utf-8"?>
+<file path=ppt/slides/slide17.xml><?xml version="1.0" encoding="utf-8"?>
+<p:sld xmlns:a="http://schemas.openxmlformats.org/drawingml/2006/main" xmlns:r="http://schemas.openxmlformats.org/officeDocument/2006/relationships" xmlns:p="http://schemas.openxmlformats.org/presentationml/2006/main">
+  <p:cSld>
+    <p:spTree>
+      <p:nvGrpSpPr>
+        <p:cNvPr id="1" name=""/>
+        <p:cNvGrpSpPr/>
+        <p:nvPr/>
+      </p:nvGrpSpPr>
+      <p:grpSpPr>
+        <a:xfrm>
+          <a:off x="0" y="0"/>
+          <a:ext cx="0" cy="0"/>
+          <a:chOff x="0" y="0"/>
+          <a:chExt cx="0" cy="0"/>
+        </a:xfrm>
+      </p:grpSpPr>
+      <p:pic>
+        <p:nvPicPr>
+          <p:cNvPr id="5" name="Picture 2" descr="Resultado de imagen de online business school"/>
+          <p:cNvPicPr>
+            <a:picLocks noChangeAspect="1" noChangeArrowheads="1"/>
+          </p:cNvPicPr>
+          <p:nvPr/>
+        </p:nvPicPr>
+        <p:blipFill>
+          <a:blip r:embed="rId2" cstate="print">
+            <a:extLst>
+              <a:ext uri="{28A0092B-C50C-407E-A947-70E740481C1C}">
+                <a14:useLocalDpi xmlns:a14="http://schemas.microsoft.com/office/drawing/2010/main" val="0"/>
+              </a:ext>
+            </a:extLst>
+          </a:blip>
+          <a:srcRect/>
+          <a:stretch>
+            <a:fillRect/>
+          </a:stretch>
+        </p:blipFill>
+        <p:spPr bwMode="auto">
+          <a:xfrm>
+            <a:off x="251520" y="188640"/>
+            <a:ext cx="1340768" cy="243776"/>
+          </a:xfrm>
+          <a:prstGeom prst="rect">
+            <a:avLst/>
+          </a:prstGeom>
+          <a:noFill/>
+          <a:extLst>
+            <a:ext uri="{909E8E84-426E-40DD-AFC4-6F175D3DCCD1}">
+              <a14:hiddenFill xmlns:a14="http://schemas.microsoft.com/office/drawing/2010/main">
+                <a:solidFill>
+                  <a:srgbClr val="FFFFFF"/>
+                </a:solidFill>
+              </a14:hiddenFill>
+            </a:ext>
+          </a:extLst>
+        </p:spPr>
+      </p:pic>
+      <p:pic>
+        <p:nvPicPr>
+          <p:cNvPr id="6" name="Picture 4" descr="Resultado de imagen de universitat barcelona"/>
+          <p:cNvPicPr>
+            <a:picLocks noChangeAspect="1" noChangeArrowheads="1"/>
+          </p:cNvPicPr>
+          <p:nvPr/>
+        </p:nvPicPr>
+        <p:blipFill>
+          <a:blip r:embed="rId3" cstate="print">
+            <a:extLst>
+              <a:ext uri="{28A0092B-C50C-407E-A947-70E740481C1C}">
+                <a14:useLocalDpi xmlns:a14="http://schemas.microsoft.com/office/drawing/2010/main" val="0"/>
+              </a:ext>
+            </a:extLst>
+          </a:blip>
+          <a:srcRect/>
+          <a:stretch>
+            <a:fillRect/>
+          </a:stretch>
+        </p:blipFill>
+        <p:spPr bwMode="auto">
+          <a:xfrm>
+            <a:off x="7596336" y="135234"/>
+            <a:ext cx="1196871" cy="350587"/>
+          </a:xfrm>
+          <a:prstGeom prst="rect">
+            <a:avLst/>
+          </a:prstGeom>
+          <a:noFill/>
+          <a:extLst>
+            <a:ext uri="{909E8E84-426E-40DD-AFC4-6F175D3DCCD1}">
+              <a14:hiddenFill xmlns:a14="http://schemas.microsoft.com/office/drawing/2010/main">
+                <a:solidFill>
+                  <a:srgbClr val="FFFFFF"/>
+                </a:solidFill>
+              </a14:hiddenFill>
+            </a:ext>
+          </a:extLst>
+        </p:spPr>
+      </p:pic>
+      <p:sp>
+        <p:nvSpPr>
+          <p:cNvPr id="7" name="Title 1"/>
+          <p:cNvSpPr txBox="1">
+            <a:spLocks/>
+          </p:cNvSpPr>
+          <p:nvPr/>
+        </p:nvSpPr>
+        <p:spPr>
+          <a:xfrm>
+            <a:off x="32716" y="476672"/>
+            <a:ext cx="8229600" cy="341437"/>
+          </a:xfrm>
+          <a:prstGeom prst="rect">
+            <a:avLst/>
+          </a:prstGeom>
+        </p:spPr>
+        <p:txBody>
+          <a:bodyPr vert="horz" lIns="91440" tIns="45720" rIns="91440" bIns="45720" rtlCol="0" anchor="ctr">
+            <a:normAutofit fontScale="90000" lnSpcReduction="20000"/>
+          </a:bodyPr>
+          <a:lstStyle>
+            <a:lvl1pPr algn="ctr" defTabSz="914400" rtl="0" eaLnBrk="1" latinLnBrk="0" hangingPunct="1">
+              <a:spcBef>
+                <a:spcPct val="0"/>
+              </a:spcBef>
+              <a:buNone/>
+              <a:defRPr sz="4400" kern="1200">
+                <a:solidFill>
+                  <a:schemeClr val="tx1"/>
+                </a:solidFill>
+                <a:latin typeface="+mj-lt"/>
+                <a:ea typeface="+mj-ea"/>
+                <a:cs typeface="+mj-cs"/>
+              </a:defRPr>
+            </a:lvl1pPr>
+          </a:lstStyle>
+          <a:p>
+            <a:pPr algn="l"/>
+            <a:r>
+              <a:rPr lang="es-CO" sz="2000" b="1" i="1" dirty="0" smtClean="0">
+                <a:solidFill>
+                  <a:schemeClr val="tx2"/>
+                </a:solidFill>
+                <a:effectLst>
+                  <a:outerShdw blurRad="38100" dist="38100" dir="2700000" algn="tl">
+                    <a:srgbClr val="000000">
+                      <a:alpha val="43137"/>
+                    </a:srgbClr>
+                  </a:outerShdw>
+                </a:effectLst>
+              </a:rPr>
+              <a:t>14. </a:t>
+            </a:r>
+            <a:r>
+              <a:rPr lang="es-CO" sz="2200" b="1" i="1" dirty="0" smtClean="0">
+                <a:solidFill>
+                  <a:schemeClr val="tx2"/>
+                </a:solidFill>
+                <a:effectLst>
+                  <a:outerShdw blurRad="38100" dist="38100" dir="2700000" algn="tl">
+                    <a:srgbClr val="000000">
+                      <a:alpha val="43137"/>
+                    </a:srgbClr>
+                  </a:outerShdw>
+                </a:effectLst>
+              </a:rPr>
+              <a:t>MARCO DE VIGILANCIA Y LEGAL</a:t>
+            </a:r>
+            <a:endParaRPr lang="es-ES" sz="2000" b="1" i="1" dirty="0">
+              <a:solidFill>
+                <a:schemeClr val="tx2"/>
+              </a:solidFill>
+              <a:effectLst>
+                <a:outerShdw blurRad="38100" dist="38100" dir="2700000" algn="tl">
+                  <a:srgbClr val="000000">
+                    <a:alpha val="43137"/>
+                  </a:srgbClr>
+                </a:outerShdw>
+              </a:effectLst>
+            </a:endParaRPr>
+          </a:p>
+        </p:txBody>
+      </p:sp>
+      <p:pic>
+        <p:nvPicPr>
+          <p:cNvPr id="8" name="Imagen 7"/>
+          <p:cNvPicPr/>
+          <p:nvPr/>
+        </p:nvPicPr>
+        <p:blipFill>
+          <a:blip r:embed="rId4" cstate="print"/>
+          <a:srcRect/>
+          <a:stretch>
+            <a:fillRect/>
+          </a:stretch>
+        </p:blipFill>
+        <p:spPr bwMode="auto">
+          <a:xfrm>
+            <a:off x="1765935" y="2201545"/>
+            <a:ext cx="5612130" cy="2454910"/>
+          </a:xfrm>
+          <a:prstGeom prst="rect">
+            <a:avLst/>
+          </a:prstGeom>
+          <a:noFill/>
+          <a:ln w="9525">
+            <a:noFill/>
+            <a:miter lim="800000"/>
+            <a:headEnd/>
+            <a:tailEnd/>
+          </a:ln>
+        </p:spPr>
+      </p:pic>
+    </p:spTree>
+    <p:extLst>
+      <p:ext uri="{BB962C8B-B14F-4D97-AF65-F5344CB8AC3E}">
+        <p14:creationId xmlns:p14="http://schemas.microsoft.com/office/powerpoint/2010/main" val="1101465350"/>
+      </p:ext>
+    </p:extLst>
+  </p:cSld>
+  <p:clrMapOvr>
+    <a:masterClrMapping/>
+  </p:clrMapOvr>
+  <p:timing>
+    <p:tnLst>
+      <p:par>
+        <p:cTn id="1" dur="indefinite" restart="never" nodeType="tmRoot"/>
+      </p:par>
+    </p:tnLst>
+  </p:timing>
+</p:sld>
+</file>
+
+<file path=ppt/slides/slide18.xml><?xml version="1.0" encoding="utf-8"?>
 <p:sld xmlns:a="http://schemas.openxmlformats.org/drawingml/2006/main" xmlns:r="http://schemas.openxmlformats.org/officeDocument/2006/relationships" xmlns:p="http://schemas.openxmlformats.org/presentationml/2006/main">
   <p:cSld>
     <p:spTree>
@@ -26256,7 +30302,7 @@
           <p:nvPr>
             <p:extLst>
               <p:ext uri="{D42A27DB-BD31-4B8C-83A1-F6EECF244321}">
-                <p14:modId xmlns:p14="http://schemas.microsoft.com/office/powerpoint/2010/main" val="1658341884"/>
+                <p14:modId xmlns:p14="http://schemas.microsoft.com/office/powerpoint/2010/main" val="1547908357"/>
               </p:ext>
             </p:extLst>
           </p:nvPr>
@@ -26416,6 +30462,245 @@
 </file>
 
 <file path=ppt/slides/slide4.xml><?xml version="1.0" encoding="utf-8"?>
+<p:sld xmlns:a="http://schemas.openxmlformats.org/drawingml/2006/main" xmlns:r="http://schemas.openxmlformats.org/officeDocument/2006/relationships" xmlns:p="http://schemas.openxmlformats.org/presentationml/2006/main">
+  <p:cSld>
+    <p:spTree>
+      <p:nvGrpSpPr>
+        <p:cNvPr id="1" name=""/>
+        <p:cNvGrpSpPr/>
+        <p:nvPr/>
+      </p:nvGrpSpPr>
+      <p:grpSpPr>
+        <a:xfrm>
+          <a:off x="0" y="0"/>
+          <a:ext cx="0" cy="0"/>
+          <a:chOff x="0" y="0"/>
+          <a:chExt cx="0" cy="0"/>
+        </a:xfrm>
+      </p:grpSpPr>
+      <p:sp>
+        <p:nvSpPr>
+          <p:cNvPr id="2" name="Title 1"/>
+          <p:cNvSpPr>
+            <a:spLocks noGrp="1"/>
+          </p:cNvSpPr>
+          <p:nvPr>
+            <p:ph type="title"/>
+          </p:nvPr>
+        </p:nvSpPr>
+        <p:spPr>
+          <a:xfrm>
+            <a:off x="32716" y="476672"/>
+            <a:ext cx="8229600" cy="341437"/>
+          </a:xfrm>
+        </p:spPr>
+        <p:txBody>
+          <a:bodyPr>
+            <a:normAutofit fontScale="90000"/>
+          </a:bodyPr>
+          <a:lstStyle/>
+          <a:p>
+            <a:pPr algn="l"/>
+            <a:r>
+              <a:rPr lang="es-CO" sz="2000" b="1" i="1" dirty="0" smtClean="0">
+                <a:solidFill>
+                  <a:schemeClr val="tx2"/>
+                </a:solidFill>
+                <a:effectLst>
+                  <a:outerShdw blurRad="38100" dist="38100" dir="2700000" algn="tl">
+                    <a:srgbClr val="000000">
+                      <a:alpha val="43137"/>
+                    </a:srgbClr>
+                  </a:outerShdw>
+                </a:effectLst>
+              </a:rPr>
+              <a:t>2. </a:t>
+            </a:r>
+            <a:r>
+              <a:rPr lang="es-CO" sz="2200" b="1" i="1" dirty="0" smtClean="0">
+                <a:solidFill>
+                  <a:schemeClr val="tx2"/>
+                </a:solidFill>
+                <a:effectLst>
+                  <a:outerShdw blurRad="38100" dist="38100" dir="2700000" algn="tl">
+                    <a:srgbClr val="000000">
+                      <a:alpha val="43137"/>
+                    </a:srgbClr>
+                  </a:outerShdw>
+                </a:effectLst>
+              </a:rPr>
+              <a:t>OBJETIVOS </a:t>
+            </a:r>
+            <a:r>
+              <a:rPr lang="es-CO" sz="2200" b="1" i="1" dirty="0" smtClean="0">
+                <a:solidFill>
+                  <a:schemeClr val="tx2"/>
+                </a:solidFill>
+                <a:effectLst>
+                  <a:outerShdw blurRad="38100" dist="38100" dir="2700000" algn="tl">
+                    <a:srgbClr val="000000">
+                      <a:alpha val="43137"/>
+                    </a:srgbClr>
+                  </a:outerShdw>
+                </a:effectLst>
+              </a:rPr>
+              <a:t>ESPECÍFICOS DEL </a:t>
+            </a:r>
+            <a:r>
+              <a:rPr lang="es-CO" sz="2200" b="1" i="1" dirty="0" smtClean="0">
+                <a:solidFill>
+                  <a:schemeClr val="tx2"/>
+                </a:solidFill>
+                <a:effectLst>
+                  <a:outerShdw blurRad="38100" dist="38100" dir="2700000" algn="tl">
+                    <a:srgbClr val="000000">
+                      <a:alpha val="43137"/>
+                    </a:srgbClr>
+                  </a:outerShdw>
+                </a:effectLst>
+              </a:rPr>
+              <a:t>PROYECTO</a:t>
+            </a:r>
+            <a:endParaRPr lang="es-ES" sz="2000" b="1" i="1" dirty="0">
+              <a:solidFill>
+                <a:schemeClr val="tx2"/>
+              </a:solidFill>
+              <a:effectLst>
+                <a:outerShdw blurRad="38100" dist="38100" dir="2700000" algn="tl">
+                  <a:srgbClr val="000000">
+                    <a:alpha val="43137"/>
+                  </a:srgbClr>
+                </a:outerShdw>
+              </a:effectLst>
+            </a:endParaRPr>
+          </a:p>
+        </p:txBody>
+      </p:sp>
+      <p:pic>
+        <p:nvPicPr>
+          <p:cNvPr id="6" name="Picture 2" descr="Resultado de imagen de online business school"/>
+          <p:cNvPicPr>
+            <a:picLocks noChangeAspect="1" noChangeArrowheads="1"/>
+          </p:cNvPicPr>
+          <p:nvPr/>
+        </p:nvPicPr>
+        <p:blipFill>
+          <a:blip r:embed="rId2" cstate="print">
+            <a:extLst>
+              <a:ext uri="{28A0092B-C50C-407E-A947-70E740481C1C}">
+                <a14:useLocalDpi xmlns:a14="http://schemas.microsoft.com/office/drawing/2010/main" val="0"/>
+              </a:ext>
+            </a:extLst>
+          </a:blip>
+          <a:srcRect/>
+          <a:stretch>
+            <a:fillRect/>
+          </a:stretch>
+        </p:blipFill>
+        <p:spPr bwMode="auto">
+          <a:xfrm>
+            <a:off x="251520" y="188640"/>
+            <a:ext cx="1340768" cy="243776"/>
+          </a:xfrm>
+          <a:prstGeom prst="rect">
+            <a:avLst/>
+          </a:prstGeom>
+          <a:noFill/>
+          <a:extLst>
+            <a:ext uri="{909E8E84-426E-40DD-AFC4-6F175D3DCCD1}">
+              <a14:hiddenFill xmlns:a14="http://schemas.microsoft.com/office/drawing/2010/main">
+                <a:solidFill>
+                  <a:srgbClr val="FFFFFF"/>
+                </a:solidFill>
+              </a14:hiddenFill>
+            </a:ext>
+          </a:extLst>
+        </p:spPr>
+      </p:pic>
+      <p:pic>
+        <p:nvPicPr>
+          <p:cNvPr id="7" name="Picture 4" descr="Resultado de imagen de universitat barcelona"/>
+          <p:cNvPicPr>
+            <a:picLocks noChangeAspect="1" noChangeArrowheads="1"/>
+          </p:cNvPicPr>
+          <p:nvPr/>
+        </p:nvPicPr>
+        <p:blipFill>
+          <a:blip r:embed="rId3" cstate="print">
+            <a:extLst>
+              <a:ext uri="{28A0092B-C50C-407E-A947-70E740481C1C}">
+                <a14:useLocalDpi xmlns:a14="http://schemas.microsoft.com/office/drawing/2010/main" val="0"/>
+              </a:ext>
+            </a:extLst>
+          </a:blip>
+          <a:srcRect/>
+          <a:stretch>
+            <a:fillRect/>
+          </a:stretch>
+        </p:blipFill>
+        <p:spPr bwMode="auto">
+          <a:xfrm>
+            <a:off x="7596336" y="135234"/>
+            <a:ext cx="1196871" cy="350587"/>
+          </a:xfrm>
+          <a:prstGeom prst="rect">
+            <a:avLst/>
+          </a:prstGeom>
+          <a:noFill/>
+          <a:extLst>
+            <a:ext uri="{909E8E84-426E-40DD-AFC4-6F175D3DCCD1}">
+              <a14:hiddenFill xmlns:a14="http://schemas.microsoft.com/office/drawing/2010/main">
+                <a:solidFill>
+                  <a:srgbClr val="FFFFFF"/>
+                </a:solidFill>
+              </a14:hiddenFill>
+            </a:ext>
+          </a:extLst>
+        </p:spPr>
+      </p:pic>
+      <p:graphicFrame>
+        <p:nvGraphicFramePr>
+          <p:cNvPr id="9" name="Diagram 3"/>
+          <p:cNvGraphicFramePr/>
+          <p:nvPr>
+            <p:extLst>
+              <p:ext uri="{D42A27DB-BD31-4B8C-83A1-F6EECF244321}">
+                <p14:modId xmlns:p14="http://schemas.microsoft.com/office/powerpoint/2010/main" val="308077222"/>
+              </p:ext>
+            </p:extLst>
+          </p:nvPr>
+        </p:nvGraphicFramePr>
+        <p:xfrm>
+          <a:off x="1828800" y="1828800"/>
+          <a:ext cx="5486400" cy="3200400"/>
+        </p:xfrm>
+        <a:graphic>
+          <a:graphicData uri="http://schemas.openxmlformats.org/drawingml/2006/diagram">
+            <dgm:relIds xmlns:dgm="http://schemas.openxmlformats.org/drawingml/2006/diagram" xmlns:r="http://schemas.openxmlformats.org/officeDocument/2006/relationships" r:dm="rId4" r:lo="rId5" r:qs="rId6" r:cs="rId7"/>
+          </a:graphicData>
+        </a:graphic>
+      </p:graphicFrame>
+    </p:spTree>
+    <p:extLst>
+      <p:ext uri="{BB962C8B-B14F-4D97-AF65-F5344CB8AC3E}">
+        <p14:creationId xmlns:p14="http://schemas.microsoft.com/office/powerpoint/2010/main" val="585139114"/>
+      </p:ext>
+    </p:extLst>
+  </p:cSld>
+  <p:clrMapOvr>
+    <a:masterClrMapping/>
+  </p:clrMapOvr>
+  <p:timing>
+    <p:tnLst>
+      <p:par>
+        <p:cTn id="1" dur="indefinite" restart="never" nodeType="tmRoot"/>
+      </p:par>
+    </p:tnLst>
+  </p:timing>
+</p:sld>
+</file>
+
+<file path=ppt/slides/slide5.xml><?xml version="1.0" encoding="utf-8"?>
 <p:sld xmlns:a="http://schemas.openxmlformats.org/drawingml/2006/main" xmlns:r="http://schemas.openxmlformats.org/officeDocument/2006/relationships" xmlns:p="http://schemas.openxmlformats.org/presentationml/2006/main">
   <p:cSld>
     <p:spTree>
@@ -26639,7 +30924,7 @@
 </p:sld>
 </file>
 
-<file path=ppt/slides/slide5.xml><?xml version="1.0" encoding="utf-8"?>
+<file path=ppt/slides/slide6.xml><?xml version="1.0" encoding="utf-8"?>
 <p:sld xmlns:a="http://schemas.openxmlformats.org/drawingml/2006/main" xmlns:r="http://schemas.openxmlformats.org/officeDocument/2006/relationships" xmlns:p="http://schemas.openxmlformats.org/presentationml/2006/main">
   <p:cSld>
     <p:spTree>
@@ -26946,7 +31231,7 @@
 </p:sld>
 </file>
 
-<file path=ppt/slides/slide6.xml><?xml version="1.0" encoding="utf-8"?>
+<file path=ppt/slides/slide7.xml><?xml version="1.0" encoding="utf-8"?>
 <p:sld xmlns:a="http://schemas.openxmlformats.org/drawingml/2006/main" xmlns:r="http://schemas.openxmlformats.org/officeDocument/2006/relationships" xmlns:p="http://schemas.openxmlformats.org/presentationml/2006/main">
   <p:cSld>
     <p:spTree>
@@ -27201,7 +31486,7 @@
 </p:sld>
 </file>
 
-<file path=ppt/slides/slide7.xml><?xml version="1.0" encoding="utf-8"?>
+<file path=ppt/slides/slide8.xml><?xml version="1.0" encoding="utf-8"?>
 <p:sld xmlns:a="http://schemas.openxmlformats.org/drawingml/2006/main" xmlns:r="http://schemas.openxmlformats.org/officeDocument/2006/relationships" xmlns:p="http://schemas.openxmlformats.org/presentationml/2006/main">
   <p:cSld>
     <p:spTree>
@@ -29564,7 +33849,7 @@
 </p:sld>
 </file>
 
-<file path=ppt/slides/slide8.xml><?xml version="1.0" encoding="utf-8"?>
+<file path=ppt/slides/slide9.xml><?xml version="1.0" encoding="utf-8"?>
 <p:sld xmlns:a="http://schemas.openxmlformats.org/drawingml/2006/main" xmlns:r="http://schemas.openxmlformats.org/officeDocument/2006/relationships" xmlns:p="http://schemas.openxmlformats.org/presentationml/2006/main">
   <p:cSld>
     <p:spTree>
@@ -29721,22 +34006,7 @@
                   </a:outerShdw>
                 </a:effectLst>
               </a:rPr>
-              <a:t>7</a:t>
-            </a:r>
-            <a:r>
-              <a:rPr lang="es-CO" sz="2000" b="1" i="1" dirty="0" smtClean="0">
-                <a:solidFill>
-                  <a:schemeClr val="tx2"/>
-                </a:solidFill>
-                <a:effectLst>
-                  <a:outerShdw blurRad="38100" dist="38100" dir="2700000" algn="tl">
-                    <a:srgbClr val="000000">
-                      <a:alpha val="43137"/>
-                    </a:srgbClr>
-                  </a:outerShdw>
-                </a:effectLst>
-              </a:rPr>
-              <a:t>. </a:t>
+              <a:t>7. </a:t>
             </a:r>
             <a:r>
               <a:rPr lang="es-CO" sz="2200" b="1" i="1" dirty="0" smtClean="0">
@@ -29772,260 +34042,6 @@
     <p:extLst>
       <p:ext uri="{BB962C8B-B14F-4D97-AF65-F5344CB8AC3E}">
         <p14:creationId xmlns:p14="http://schemas.microsoft.com/office/powerpoint/2010/main" val="3834244802"/>
-      </p:ext>
-    </p:extLst>
-  </p:cSld>
-  <p:clrMapOvr>
-    <a:masterClrMapping/>
-  </p:clrMapOvr>
-  <p:timing>
-    <p:tnLst>
-      <p:par>
-        <p:cTn id="1" dur="indefinite" restart="never" nodeType="tmRoot"/>
-      </p:par>
-    </p:tnLst>
-  </p:timing>
-</p:sld>
-</file>
-
-<file path=ppt/slides/slide9.xml><?xml version="1.0" encoding="utf-8"?>
-<p:sld xmlns:a="http://schemas.openxmlformats.org/drawingml/2006/main" xmlns:r="http://schemas.openxmlformats.org/officeDocument/2006/relationships" xmlns:p="http://schemas.openxmlformats.org/presentationml/2006/main">
-  <p:cSld>
-    <p:spTree>
-      <p:nvGrpSpPr>
-        <p:cNvPr id="1" name=""/>
-        <p:cNvGrpSpPr/>
-        <p:nvPr/>
-      </p:nvGrpSpPr>
-      <p:grpSpPr>
-        <a:xfrm>
-          <a:off x="0" y="0"/>
-          <a:ext cx="0" cy="0"/>
-          <a:chOff x="0" y="0"/>
-          <a:chExt cx="0" cy="0"/>
-        </a:xfrm>
-      </p:grpSpPr>
-      <p:pic>
-        <p:nvPicPr>
-          <p:cNvPr id="4" name="Picture 2"/>
-          <p:cNvPicPr>
-            <a:picLocks noChangeAspect="1" noChangeArrowheads="1"/>
-          </p:cNvPicPr>
-          <p:nvPr/>
-        </p:nvPicPr>
-        <p:blipFill rotWithShape="1">
-          <a:blip r:embed="rId2">
-            <a:extLst>
-              <a:ext uri="{28A0092B-C50C-407E-A947-70E740481C1C}">
-                <a14:useLocalDpi xmlns:a14="http://schemas.microsoft.com/office/drawing/2010/main" val="0"/>
-              </a:ext>
-            </a:extLst>
-          </a:blip>
-          <a:srcRect l="30088" t="40385" r="31186" b="9479"/>
-          <a:stretch/>
-        </p:blipFill>
-        <p:spPr bwMode="auto">
-          <a:xfrm>
-            <a:off x="1259632" y="1196752"/>
-            <a:ext cx="6624736" cy="4584984"/>
-          </a:xfrm>
-          <a:prstGeom prst="rect">
-            <a:avLst/>
-          </a:prstGeom>
-          <a:noFill/>
-          <a:ln>
-            <a:noFill/>
-          </a:ln>
-          <a:extLst>
-            <a:ext uri="{909E8E84-426E-40DD-AFC4-6F175D3DCCD1}">
-              <a14:hiddenFill xmlns:a14="http://schemas.microsoft.com/office/drawing/2010/main">
-                <a:solidFill>
-                  <a:schemeClr val="accent1"/>
-                </a:solidFill>
-              </a14:hiddenFill>
-            </a:ext>
-            <a:ext uri="{91240B29-F687-4F45-9708-019B960494DF}">
-              <a14:hiddenLine xmlns:a14="http://schemas.microsoft.com/office/drawing/2010/main" w="9525">
-                <a:solidFill>
-                  <a:schemeClr val="tx1"/>
-                </a:solidFill>
-                <a:miter lim="800000"/>
-                <a:headEnd/>
-                <a:tailEnd/>
-              </a14:hiddenLine>
-            </a:ext>
-          </a:extLst>
-        </p:spPr>
-      </p:pic>
-      <p:pic>
-        <p:nvPicPr>
-          <p:cNvPr id="7" name="Picture 2" descr="Resultado de imagen de online business school"/>
-          <p:cNvPicPr>
-            <a:picLocks noChangeAspect="1" noChangeArrowheads="1"/>
-          </p:cNvPicPr>
-          <p:nvPr/>
-        </p:nvPicPr>
-        <p:blipFill>
-          <a:blip r:embed="rId3" cstate="print">
-            <a:extLst>
-              <a:ext uri="{28A0092B-C50C-407E-A947-70E740481C1C}">
-                <a14:useLocalDpi xmlns:a14="http://schemas.microsoft.com/office/drawing/2010/main" val="0"/>
-              </a:ext>
-            </a:extLst>
-          </a:blip>
-          <a:srcRect/>
-          <a:stretch>
-            <a:fillRect/>
-          </a:stretch>
-        </p:blipFill>
-        <p:spPr bwMode="auto">
-          <a:xfrm>
-            <a:off x="251520" y="188640"/>
-            <a:ext cx="1340768" cy="243776"/>
-          </a:xfrm>
-          <a:prstGeom prst="rect">
-            <a:avLst/>
-          </a:prstGeom>
-          <a:noFill/>
-          <a:extLst>
-            <a:ext uri="{909E8E84-426E-40DD-AFC4-6F175D3DCCD1}">
-              <a14:hiddenFill xmlns:a14="http://schemas.microsoft.com/office/drawing/2010/main">
-                <a:solidFill>
-                  <a:srgbClr val="FFFFFF"/>
-                </a:solidFill>
-              </a14:hiddenFill>
-            </a:ext>
-          </a:extLst>
-        </p:spPr>
-      </p:pic>
-      <p:pic>
-        <p:nvPicPr>
-          <p:cNvPr id="8" name="Picture 4" descr="Resultado de imagen de universitat barcelona"/>
-          <p:cNvPicPr>
-            <a:picLocks noChangeAspect="1" noChangeArrowheads="1"/>
-          </p:cNvPicPr>
-          <p:nvPr/>
-        </p:nvPicPr>
-        <p:blipFill>
-          <a:blip r:embed="rId4" cstate="print">
-            <a:extLst>
-              <a:ext uri="{28A0092B-C50C-407E-A947-70E740481C1C}">
-                <a14:useLocalDpi xmlns:a14="http://schemas.microsoft.com/office/drawing/2010/main" val="0"/>
-              </a:ext>
-            </a:extLst>
-          </a:blip>
-          <a:srcRect/>
-          <a:stretch>
-            <a:fillRect/>
-          </a:stretch>
-        </p:blipFill>
-        <p:spPr bwMode="auto">
-          <a:xfrm>
-            <a:off x="7596336" y="135234"/>
-            <a:ext cx="1196871" cy="350587"/>
-          </a:xfrm>
-          <a:prstGeom prst="rect">
-            <a:avLst/>
-          </a:prstGeom>
-          <a:noFill/>
-          <a:extLst>
-            <a:ext uri="{909E8E84-426E-40DD-AFC4-6F175D3DCCD1}">
-              <a14:hiddenFill xmlns:a14="http://schemas.microsoft.com/office/drawing/2010/main">
-                <a:solidFill>
-                  <a:srgbClr val="FFFFFF"/>
-                </a:solidFill>
-              </a14:hiddenFill>
-            </a:ext>
-          </a:extLst>
-        </p:spPr>
-      </p:pic>
-      <p:sp>
-        <p:nvSpPr>
-          <p:cNvPr id="6" name="Title 1"/>
-          <p:cNvSpPr>
-            <a:spLocks noGrp="1"/>
-          </p:cNvSpPr>
-          <p:nvPr>
-            <p:ph type="title"/>
-          </p:nvPr>
-        </p:nvSpPr>
-        <p:spPr>
-          <a:xfrm>
-            <a:off x="32716" y="476672"/>
-            <a:ext cx="8229600" cy="341437"/>
-          </a:xfrm>
-        </p:spPr>
-        <p:txBody>
-          <a:bodyPr>
-            <a:normAutofit fontScale="90000"/>
-          </a:bodyPr>
-          <a:lstStyle/>
-          <a:p>
-            <a:pPr algn="l"/>
-            <a:r>
-              <a:rPr lang="es-CO" sz="2000" b="1" i="1" dirty="0" smtClean="0">
-                <a:solidFill>
-                  <a:schemeClr val="tx2"/>
-                </a:solidFill>
-                <a:effectLst>
-                  <a:outerShdw blurRad="38100" dist="38100" dir="2700000" algn="tl">
-                    <a:srgbClr val="000000">
-                      <a:alpha val="43137"/>
-                    </a:srgbClr>
-                  </a:outerShdw>
-                </a:effectLst>
-              </a:rPr>
-              <a:t>8</a:t>
-            </a:r>
-            <a:r>
-              <a:rPr lang="es-CO" sz="2000" b="1" i="1" dirty="0" smtClean="0">
-                <a:solidFill>
-                  <a:schemeClr val="tx2"/>
-                </a:solidFill>
-                <a:effectLst>
-                  <a:outerShdw blurRad="38100" dist="38100" dir="2700000" algn="tl">
-                    <a:srgbClr val="000000">
-                      <a:alpha val="43137"/>
-                    </a:srgbClr>
-                  </a:outerShdw>
-                </a:effectLst>
-              </a:rPr>
-              <a:t>. </a:t>
-            </a:r>
-            <a:r>
-              <a:rPr lang="es-CO" sz="2200" b="1" i="1" dirty="0" smtClean="0">
-                <a:solidFill>
-                  <a:schemeClr val="tx2"/>
-                </a:solidFill>
-                <a:effectLst>
-                  <a:outerShdw blurRad="38100" dist="38100" dir="2700000" algn="tl">
-                    <a:srgbClr val="000000">
-                      <a:alpha val="43137"/>
-                    </a:srgbClr>
-                  </a:outerShdw>
-                </a:effectLst>
-              </a:rPr>
-              <a:t>FASES DE IMPLEMENTACIÓN</a:t>
-            </a:r>
-            <a:endParaRPr lang="es-ES" sz="2000" b="1" i="1" dirty="0">
-              <a:solidFill>
-                <a:schemeClr val="tx2"/>
-              </a:solidFill>
-              <a:effectLst>
-                <a:outerShdw blurRad="38100" dist="38100" dir="2700000" algn="tl">
-                  <a:srgbClr val="000000">
-                    <a:alpha val="43137"/>
-                  </a:srgbClr>
-                </a:outerShdw>
-              </a:effectLst>
-            </a:endParaRPr>
-          </a:p>
-        </p:txBody>
-      </p:sp>
-    </p:spTree>
-    <p:extLst>
-      <p:ext uri="{BB962C8B-B14F-4D97-AF65-F5344CB8AC3E}">
-        <p14:creationId xmlns:p14="http://schemas.microsoft.com/office/powerpoint/2010/main" val="1705386744"/>
       </p:ext>
     </p:extLst>
   </p:cSld>

--- a/PresentacionTFM.pptx
+++ b/PresentacionTFM.pptx
@@ -5,7 +5,7 @@
     <p:sldMasterId id="2147483648" r:id="rId1"/>
   </p:sldMasterIdLst>
   <p:notesMasterIdLst>
-    <p:notesMasterId r:id="rId21"/>
+    <p:notesMasterId r:id="rId22"/>
   </p:notesMasterIdLst>
   <p:sldIdLst>
     <p:sldId id="256" r:id="rId2"/>
@@ -17,16 +17,17 @@
     <p:sldId id="280" r:id="rId8"/>
     <p:sldId id="262" r:id="rId9"/>
     <p:sldId id="270" r:id="rId10"/>
-    <p:sldId id="269" r:id="rId11"/>
-    <p:sldId id="268" r:id="rId12"/>
-    <p:sldId id="261" r:id="rId13"/>
-    <p:sldId id="263" r:id="rId14"/>
-    <p:sldId id="264" r:id="rId15"/>
-    <p:sldId id="273" r:id="rId16"/>
-    <p:sldId id="274" r:id="rId17"/>
-    <p:sldId id="275" r:id="rId18"/>
-    <p:sldId id="279" r:id="rId19"/>
-    <p:sldId id="276" r:id="rId20"/>
+    <p:sldId id="282" r:id="rId11"/>
+    <p:sldId id="283" r:id="rId12"/>
+    <p:sldId id="269" r:id="rId13"/>
+    <p:sldId id="261" r:id="rId14"/>
+    <p:sldId id="263" r:id="rId15"/>
+    <p:sldId id="264" r:id="rId16"/>
+    <p:sldId id="273" r:id="rId17"/>
+    <p:sldId id="274" r:id="rId18"/>
+    <p:sldId id="275" r:id="rId19"/>
+    <p:sldId id="279" r:id="rId20"/>
+    <p:sldId id="276" r:id="rId21"/>
   </p:sldIdLst>
   <p:sldSz cx="9144000" cy="6858000" type="screen4x3"/>
   <p:notesSz cx="6858000" cy="9144000"/>
@@ -159,6 +160,7 @@
   </mc:AlternateContent>
   <c:chart>
     <c:title>
+      <c:layout/>
       <c:overlay val="0"/>
     </c:title>
     <c:autoTitleDeleted val="0"/>
@@ -392,11 +394,11 @@
           <c:showBubbleSize val="0"/>
         </c:dLbls>
         <c:gapWidth val="150"/>
-        <c:axId val="287134848"/>
-        <c:axId val="287135240"/>
+        <c:axId val="339368416"/>
+        <c:axId val="340989544"/>
       </c:barChart>
       <c:catAx>
-        <c:axId val="287134848"/>
+        <c:axId val="339368416"/>
         <c:scaling>
           <c:orientation val="minMax"/>
         </c:scaling>
@@ -406,7 +408,7 @@
         <c:majorTickMark val="none"/>
         <c:minorTickMark val="none"/>
         <c:tickLblPos val="nextTo"/>
-        <c:crossAx val="287135240"/>
+        <c:crossAx val="340989544"/>
         <c:crosses val="autoZero"/>
         <c:auto val="1"/>
         <c:lblAlgn val="ctr"/>
@@ -414,7 +416,7 @@
         <c:noMultiLvlLbl val="0"/>
       </c:catAx>
       <c:valAx>
-        <c:axId val="287135240"/>
+        <c:axId val="340989544"/>
         <c:scaling>
           <c:orientation val="minMax"/>
         </c:scaling>
@@ -422,13 +424,14 @@
         <c:axPos val="b"/>
         <c:majorGridlines/>
         <c:title>
+          <c:layout/>
           <c:overlay val="0"/>
         </c:title>
         <c:numFmt formatCode="0%" sourceLinked="1"/>
         <c:majorTickMark val="none"/>
         <c:minorTickMark val="none"/>
         <c:tickLblPos val="nextTo"/>
-        <c:crossAx val="287134848"/>
+        <c:crossAx val="339368416"/>
         <c:crosses val="autoZero"/>
         <c:crossBetween val="between"/>
       </c:valAx>
@@ -444,7 +447,7 @@
       <a:pPr>
         <a:defRPr sz="800"/>
       </a:pPr>
-      <a:endParaRPr lang="es-CO"/>
+      <a:endParaRPr lang="es-PE"/>
     </a:p>
   </c:txPr>
   <c:externalData r:id="rId1">
@@ -3728,12 +3731,12 @@
             <a:t>Diseñar una herramienta </a:t>
           </a:r>
           <a:r>
-            <a:rPr lang="es-ES" sz="1400" b="1" dirty="0" err="1" smtClean="0"/>
-            <a:t>tecnologíca</a:t>
+            <a:rPr lang="es-ES" sz="1400" b="1" dirty="0" smtClean="0"/>
+            <a:t>tecnológica </a:t>
           </a:r>
           <a:r>
             <a:rPr lang="es-ES" sz="1400" b="1" dirty="0" smtClean="0"/>
-            <a:t> que analice todos los datos de consumo</a:t>
+            <a:t>que analice todos los datos de consumo</a:t>
           </a:r>
           <a:endParaRPr lang="es-ES" sz="1400" b="1" dirty="0"/>
         </a:p>
@@ -3836,10 +3839,10 @@
         <a:lstStyle/>
         <a:p>
           <a:r>
-            <a:rPr lang="es-ES" sz="1100" b="1" dirty="0" smtClean="0"/>
+            <a:rPr lang="es-ES" sz="1200" b="1" dirty="0" smtClean="0"/>
             <a:t>Detectar los puntos de perdida de energía para reducir los índices de perdidas.</a:t>
           </a:r>
-          <a:endParaRPr lang="es-ES" sz="1100" b="1" dirty="0"/>
+          <a:endParaRPr lang="es-ES" sz="1200" b="1" dirty="0"/>
         </a:p>
       </dgm:t>
     </dgm:pt>
@@ -4371,7 +4374,23 @@
         <a:p>
           <a:r>
             <a:rPr lang="es-ES_tradnl" sz="1400" b="0" dirty="0" smtClean="0"/>
-            <a:t>CREG “Comisión de regulación de energía y gas”</a:t>
+            <a:t>CREG “Comisión de </a:t>
+          </a:r>
+          <a:r>
+            <a:rPr lang="es-ES_tradnl" sz="1400" b="0" dirty="0" smtClean="0"/>
+            <a:t>Regulación de Energía </a:t>
+          </a:r>
+          <a:r>
+            <a:rPr lang="es-ES_tradnl" sz="1400" b="0" dirty="0" smtClean="0"/>
+            <a:t>y </a:t>
+          </a:r>
+          <a:r>
+            <a:rPr lang="es-ES_tradnl" sz="1400" b="0" dirty="0" smtClean="0"/>
+            <a:t>Gas</a:t>
+          </a:r>
+          <a:r>
+            <a:rPr lang="es-ES_tradnl" sz="1400" b="0" dirty="0" smtClean="0"/>
+            <a:t>”</a:t>
           </a:r>
           <a:endParaRPr lang="en-US" sz="1400" b="0" dirty="0"/>
         </a:p>
@@ -4700,7 +4719,11 @@
         <a:p>
           <a:r>
             <a:rPr lang="es-CO" sz="1400" dirty="0" smtClean="0"/>
-            <a:t>Zona: Costa Atlántica</a:t>
+            <a:t>Zona: Costa </a:t>
+          </a:r>
+          <a:r>
+            <a:rPr lang="es-CO" sz="1400" dirty="0" smtClean="0"/>
+            <a:t>Atlántica (*)</a:t>
           </a:r>
           <a:endParaRPr lang="en-US" sz="1400" dirty="0"/>
         </a:p>
@@ -5123,15 +5146,47 @@
         <a:lstStyle/>
         <a:p>
           <a:r>
-            <a:rPr lang="en-US" sz="2000"/>
-            <a:t>Pruebas de conectividad entre el warehouse - servidor (</a:t>
+            <a:rPr lang="en-US" sz="2000" dirty="0" err="1"/>
+            <a:t>Pruebas</a:t>
           </a:r>
           <a:r>
-            <a:rPr lang="es-CO" sz="2000"/>
+            <a:rPr lang="en-US" sz="2000" dirty="0"/>
+            <a:t> de </a:t>
+          </a:r>
+          <a:r>
+            <a:rPr lang="en-US" sz="2000" dirty="0" err="1"/>
+            <a:t>conectividad</a:t>
+          </a:r>
+          <a:r>
+            <a:rPr lang="en-US" sz="2000" dirty="0"/>
+            <a:t> entre el </a:t>
+          </a:r>
+          <a:r>
+            <a:rPr lang="en-US" sz="2000" dirty="0" smtClean="0"/>
+            <a:t>Warehouse </a:t>
+          </a:r>
+          <a:r>
+            <a:rPr lang="en-US" sz="2000" dirty="0"/>
+            <a:t>- </a:t>
+          </a:r>
+          <a:r>
+            <a:rPr lang="en-US" sz="2000" dirty="0" err="1" smtClean="0"/>
+            <a:t>Servidor</a:t>
+          </a:r>
+          <a:r>
+            <a:rPr lang="en-US" sz="2000" dirty="0" smtClean="0"/>
+            <a:t> </a:t>
+          </a:r>
+          <a:r>
+            <a:rPr lang="en-US" sz="2000" dirty="0"/>
+            <a:t>(</a:t>
+          </a:r>
+          <a:r>
+            <a:rPr lang="es-CO" sz="2000" dirty="0" err="1"/>
             <a:t>Ludus</a:t>
           </a:r>
           <a:r>
-            <a:rPr lang="en-US" sz="2000"/>
+            <a:rPr lang="en-US" sz="2000" dirty="0"/>
             <a:t>)</a:t>
           </a:r>
         </a:p>
@@ -5269,8 +5324,28 @@
         <a:lstStyle/>
         <a:p>
           <a:r>
-            <a:rPr lang="en-US" sz="2000"/>
-            <a:t>Instalacion de la solucion BA</a:t>
+            <a:rPr lang="en-US" sz="2000" dirty="0" err="1" smtClean="0"/>
+            <a:t>Instalación</a:t>
+          </a:r>
+          <a:r>
+            <a:rPr lang="en-US" sz="2000" dirty="0" smtClean="0"/>
+            <a:t> </a:t>
+          </a:r>
+          <a:r>
+            <a:rPr lang="en-US" sz="2000" dirty="0"/>
+            <a:t>de la </a:t>
+          </a:r>
+          <a:r>
+            <a:rPr lang="en-US" sz="2000" dirty="0" err="1" smtClean="0"/>
+            <a:t>solución</a:t>
+          </a:r>
+          <a:r>
+            <a:rPr lang="en-US" sz="2000" dirty="0" smtClean="0"/>
+            <a:t> </a:t>
+          </a:r>
+          <a:r>
+            <a:rPr lang="en-US" sz="2000" dirty="0"/>
+            <a:t>BA</a:t>
           </a:r>
         </a:p>
       </dgm:t>
@@ -5437,9 +5512,30 @@
         <a:lstStyle/>
         <a:p>
           <a:r>
-            <a:rPr lang="en-US" sz="2000"/>
-            <a:t>Pruebas de analisis de datos</a:t>
+            <a:rPr lang="en-US" sz="2000" dirty="0" err="1"/>
+            <a:t>Pruebas</a:t>
           </a:r>
+          <a:r>
+            <a:rPr lang="en-US" sz="2000" dirty="0"/>
+            <a:t> de </a:t>
+          </a:r>
+          <a:r>
+            <a:rPr lang="en-US" sz="2000" dirty="0" err="1" smtClean="0"/>
+            <a:t>análisis</a:t>
+          </a:r>
+          <a:r>
+            <a:rPr lang="en-US" sz="2000" dirty="0" smtClean="0"/>
+            <a:t> </a:t>
+          </a:r>
+          <a:r>
+            <a:rPr lang="en-US" sz="2000" dirty="0"/>
+            <a:t>de </a:t>
+          </a:r>
+          <a:r>
+            <a:rPr lang="en-US" sz="2000" dirty="0" err="1"/>
+            <a:t>datos</a:t>
+          </a:r>
+          <a:endParaRPr lang="en-US" sz="2000" dirty="0"/>
         </a:p>
       </dgm:t>
     </dgm:pt>
@@ -5473,9 +5569,22 @@
         <a:lstStyle/>
         <a:p>
           <a:r>
-            <a:rPr lang="en-US" sz="2000"/>
-            <a:t>Creacion de reportes</a:t>
+            <a:rPr lang="en-US" sz="2000" dirty="0" err="1" smtClean="0"/>
+            <a:t>Creación</a:t>
           </a:r>
+          <a:r>
+            <a:rPr lang="en-US" sz="2000" dirty="0" smtClean="0"/>
+            <a:t> </a:t>
+          </a:r>
+          <a:r>
+            <a:rPr lang="en-US" sz="2000" dirty="0"/>
+            <a:t>de </a:t>
+          </a:r>
+          <a:r>
+            <a:rPr lang="en-US" sz="2000" dirty="0" err="1"/>
+            <a:t>reportes</a:t>
+          </a:r>
+          <a:endParaRPr lang="en-US" sz="2000" dirty="0"/>
         </a:p>
       </dgm:t>
     </dgm:pt>
@@ -5509,9 +5618,30 @@
         <a:lstStyle/>
         <a:p>
           <a:r>
-            <a:rPr lang="en-US" sz="2000"/>
-            <a:t>Creacion de diagramas y mapas</a:t>
+            <a:rPr lang="en-US" sz="2000" dirty="0" err="1" smtClean="0"/>
+            <a:t>Creación</a:t>
           </a:r>
+          <a:r>
+            <a:rPr lang="en-US" sz="2000" dirty="0" smtClean="0"/>
+            <a:t> </a:t>
+          </a:r>
+          <a:r>
+            <a:rPr lang="en-US" sz="2000" dirty="0"/>
+            <a:t>de </a:t>
+          </a:r>
+          <a:r>
+            <a:rPr lang="en-US" sz="2000" dirty="0" err="1"/>
+            <a:t>diagramas</a:t>
+          </a:r>
+          <a:r>
+            <a:rPr lang="en-US" sz="2000" dirty="0"/>
+            <a:t> y </a:t>
+          </a:r>
+          <a:r>
+            <a:rPr lang="en-US" sz="2000" dirty="0" err="1"/>
+            <a:t>mapas</a:t>
+          </a:r>
+          <a:endParaRPr lang="en-US" sz="2000" dirty="0"/>
         </a:p>
       </dgm:t>
     </dgm:pt>
@@ -5545,8 +5675,16 @@
         <a:lstStyle/>
         <a:p>
           <a:r>
-            <a:rPr lang="en-US" sz="2000"/>
-            <a:t>Presentacion del Dashboard </a:t>
+            <a:rPr lang="en-US" sz="2000" dirty="0" err="1" smtClean="0"/>
+            <a:t>Presentación</a:t>
+          </a:r>
+          <a:r>
+            <a:rPr lang="en-US" sz="2000" dirty="0" smtClean="0"/>
+            <a:t> </a:t>
+          </a:r>
+          <a:r>
+            <a:rPr lang="en-US" sz="2000" dirty="0"/>
+            <a:t>del Dashboard </a:t>
           </a:r>
         </a:p>
       </dgm:t>
@@ -5614,12 +5752,16 @@
         <a:lstStyle/>
         <a:p>
           <a:r>
-            <a:rPr lang="en-US" sz="2000" dirty="0" err="1"/>
-            <a:t>Instalacion</a:t>
+            <a:rPr lang="en-US" sz="2000" dirty="0" err="1" smtClean="0"/>
+            <a:t>Instalación</a:t>
+          </a:r>
+          <a:r>
+            <a:rPr lang="en-US" sz="2000" dirty="0" smtClean="0"/>
+            <a:t> </a:t>
           </a:r>
           <a:r>
             <a:rPr lang="en-US" sz="2000" dirty="0"/>
-            <a:t> del </a:t>
+            <a:t>del </a:t>
           </a:r>
           <a:r>
             <a:rPr lang="en-US" sz="2000" dirty="0" err="1"/>
@@ -6621,6 +6763,503 @@
       <dsp:cNvGrpSpPr/>
     </dsp:nvGrpSpPr>
     <dsp:grpSpPr/>
+    <dsp:sp modelId="{58606CD1-2FAF-4221-8B46-E52A39B1C659}">
+      <dsp:nvSpPr>
+        <dsp:cNvPr id="0" name=""/>
+        <dsp:cNvSpPr/>
+      </dsp:nvSpPr>
+      <dsp:spPr>
+        <a:xfrm>
+          <a:off x="2357447" y="214316"/>
+          <a:ext cx="4072698" cy="1906811"/>
+        </a:xfrm>
+        <a:prstGeom prst="ellipse">
+          <a:avLst/>
+        </a:prstGeom>
+        <a:solidFill>
+          <a:schemeClr val="dk2">
+            <a:tint val="50000"/>
+            <a:alpha val="40000"/>
+            <a:hueOff val="0"/>
+            <a:satOff val="0"/>
+            <a:lumOff val="0"/>
+            <a:alphaOff val="0"/>
+          </a:schemeClr>
+        </a:solidFill>
+        <a:ln>
+          <a:noFill/>
+        </a:ln>
+        <a:effectLst/>
+      </dsp:spPr>
+      <dsp:style>
+        <a:lnRef idx="0">
+          <a:scrgbClr r="0" g="0" b="0"/>
+        </a:lnRef>
+        <a:fillRef idx="1">
+          <a:scrgbClr r="0" g="0" b="0"/>
+        </a:fillRef>
+        <a:effectRef idx="0">
+          <a:scrgbClr r="0" g="0" b="0"/>
+        </a:effectRef>
+        <a:fontRef idx="minor"/>
+      </dsp:style>
+    </dsp:sp>
+    <dsp:sp modelId="{193AA5AF-3265-4384-963E-341EA8CC2434}">
+      <dsp:nvSpPr>
+        <dsp:cNvPr id="0" name=""/>
+        <dsp:cNvSpPr/>
+      </dsp:nvSpPr>
+      <dsp:spPr>
+        <a:xfrm>
+          <a:off x="3782224" y="2858091"/>
+          <a:ext cx="1117701" cy="1450025"/>
+        </a:xfrm>
+        <a:prstGeom prst="downArrow">
+          <a:avLst/>
+        </a:prstGeom>
+        <a:solidFill>
+          <a:schemeClr val="dk2">
+            <a:tint val="60000"/>
+            <a:hueOff val="0"/>
+            <a:satOff val="0"/>
+            <a:lumOff val="0"/>
+            <a:alphaOff val="0"/>
+          </a:schemeClr>
+        </a:solidFill>
+        <a:ln w="25400" cap="flat" cmpd="sng" algn="ctr">
+          <a:solidFill>
+            <a:schemeClr val="lt2">
+              <a:hueOff val="0"/>
+              <a:satOff val="0"/>
+              <a:lumOff val="0"/>
+              <a:alphaOff val="0"/>
+            </a:schemeClr>
+          </a:solidFill>
+          <a:prstDash val="solid"/>
+        </a:ln>
+        <a:effectLst/>
+      </dsp:spPr>
+      <dsp:style>
+        <a:lnRef idx="2">
+          <a:scrgbClr r="0" g="0" b="0"/>
+        </a:lnRef>
+        <a:fillRef idx="1">
+          <a:scrgbClr r="0" g="0" b="0"/>
+        </a:fillRef>
+        <a:effectRef idx="0">
+          <a:scrgbClr r="0" g="0" b="0"/>
+        </a:effectRef>
+        <a:fontRef idx="minor"/>
+      </dsp:style>
+    </dsp:sp>
+    <dsp:sp modelId="{FDFD540A-D152-4509-99EE-8288730A10B3}">
+      <dsp:nvSpPr>
+        <dsp:cNvPr id="0" name=""/>
+        <dsp:cNvSpPr/>
+      </dsp:nvSpPr>
+      <dsp:spPr>
+        <a:xfrm>
+          <a:off x="1837998" y="3820542"/>
+          <a:ext cx="5182283" cy="2092411"/>
+        </a:xfrm>
+        <a:prstGeom prst="rect">
+          <a:avLst/>
+        </a:prstGeom>
+        <a:noFill/>
+        <a:ln>
+          <a:noFill/>
+        </a:ln>
+        <a:effectLst/>
+      </dsp:spPr>
+      <dsp:style>
+        <a:lnRef idx="0">
+          <a:scrgbClr r="0" g="0" b="0"/>
+        </a:lnRef>
+        <a:fillRef idx="0">
+          <a:scrgbClr r="0" g="0" b="0"/>
+        </a:fillRef>
+        <a:effectRef idx="0">
+          <a:scrgbClr r="0" g="0" b="0"/>
+        </a:effectRef>
+        <a:fontRef idx="minor"/>
+      </dsp:style>
+      <dsp:txBody>
+        <a:bodyPr spcFirstLastPara="0" vert="horz" wrap="square" lIns="170688" tIns="170688" rIns="170688" bIns="170688" numCol="1" spcCol="1270" anchor="ctr" anchorCtr="0">
+          <a:noAutofit/>
+        </a:bodyPr>
+        <a:lstStyle/>
+        <a:p>
+          <a:pPr lvl="0" algn="ctr" defTabSz="1066800">
+            <a:lnSpc>
+              <a:spcPct val="90000"/>
+            </a:lnSpc>
+            <a:spcBef>
+              <a:spcPct val="0"/>
+            </a:spcBef>
+            <a:spcAft>
+              <a:spcPct val="35000"/>
+            </a:spcAft>
+          </a:pPr>
+          <a:r>
+            <a:rPr lang="en-US" sz="2400" kern="1200" dirty="0" smtClean="0"/>
+            <a:t>SISTEMA DE INFORMACIÓN PARA </a:t>
+          </a:r>
+          <a:r>
+            <a:rPr lang="es-ES" sz="2400" kern="1200" dirty="0" smtClean="0"/>
+            <a:t>DETECTAR FRAUDE EN REDES ELÉCTRICAS</a:t>
+          </a:r>
+          <a:endParaRPr lang="es-ES" sz="2400" kern="1200" dirty="0"/>
+        </a:p>
+      </dsp:txBody>
+      <dsp:txXfrm>
+        <a:off x="1837998" y="3820542"/>
+        <a:ext cx="5182283" cy="2092411"/>
+      </dsp:txXfrm>
+    </dsp:sp>
+    <dsp:sp modelId="{C15CDCEA-7379-45FA-8B57-94F5A3DD8BCD}">
+      <dsp:nvSpPr>
+        <dsp:cNvPr id="0" name=""/>
+        <dsp:cNvSpPr/>
+      </dsp:nvSpPr>
+      <dsp:spPr>
+        <a:xfrm>
+          <a:off x="4464492" y="5"/>
+          <a:ext cx="1732246" cy="1637460"/>
+        </a:xfrm>
+        <a:prstGeom prst="ellipse">
+          <a:avLst/>
+        </a:prstGeom>
+        <a:gradFill rotWithShape="1">
+          <a:gsLst>
+            <a:gs pos="0">
+              <a:schemeClr val="accent6">
+                <a:tint val="50000"/>
+                <a:satMod val="300000"/>
+              </a:schemeClr>
+            </a:gs>
+            <a:gs pos="35000">
+              <a:schemeClr val="accent6">
+                <a:tint val="37000"/>
+                <a:satMod val="300000"/>
+              </a:schemeClr>
+            </a:gs>
+            <a:gs pos="100000">
+              <a:schemeClr val="accent6">
+                <a:tint val="15000"/>
+                <a:satMod val="350000"/>
+              </a:schemeClr>
+            </a:gs>
+          </a:gsLst>
+          <a:lin ang="16200000" scaled="1"/>
+        </a:gradFill>
+        <a:ln w="9525" cap="flat" cmpd="sng" algn="ctr">
+          <a:solidFill>
+            <a:schemeClr val="accent6">
+              <a:shade val="95000"/>
+              <a:satMod val="105000"/>
+            </a:schemeClr>
+          </a:solidFill>
+          <a:prstDash val="solid"/>
+        </a:ln>
+        <a:effectLst>
+          <a:outerShdw blurRad="40000" dist="20000" dir="5400000" rotWithShape="0">
+            <a:srgbClr val="000000">
+              <a:alpha val="38000"/>
+            </a:srgbClr>
+          </a:outerShdw>
+        </a:effectLst>
+      </dsp:spPr>
+      <dsp:style>
+        <a:lnRef idx="1">
+          <a:schemeClr val="accent6"/>
+        </a:lnRef>
+        <a:fillRef idx="2">
+          <a:schemeClr val="accent6"/>
+        </a:fillRef>
+        <a:effectRef idx="1">
+          <a:schemeClr val="accent6"/>
+        </a:effectRef>
+        <a:fontRef idx="minor">
+          <a:schemeClr val="dk1"/>
+        </a:fontRef>
+      </dsp:style>
+      <dsp:txBody>
+        <a:bodyPr spcFirstLastPara="0" vert="horz" wrap="square" lIns="15240" tIns="15240" rIns="15240" bIns="15240" numCol="1" spcCol="1270" anchor="ctr" anchorCtr="0">
+          <a:noAutofit/>
+        </a:bodyPr>
+        <a:lstStyle/>
+        <a:p>
+          <a:pPr lvl="0" algn="ctr" defTabSz="533400">
+            <a:lnSpc>
+              <a:spcPct val="90000"/>
+            </a:lnSpc>
+            <a:spcBef>
+              <a:spcPct val="0"/>
+            </a:spcBef>
+            <a:spcAft>
+              <a:spcPct val="35000"/>
+            </a:spcAft>
+          </a:pPr>
+          <a:r>
+            <a:rPr lang="es-ES" sz="1200" b="1" kern="1200" dirty="0" smtClean="0"/>
+            <a:t>Detectar los puntos de perdida de energía para reducir los índices de perdidas.</a:t>
+          </a:r>
+          <a:endParaRPr lang="es-ES" sz="1200" b="1" kern="1200" dirty="0"/>
+        </a:p>
+      </dsp:txBody>
+      <dsp:txXfrm>
+        <a:off x="4718174" y="239805"/>
+        <a:ext cx="1224882" cy="1157860"/>
+      </dsp:txXfrm>
+    </dsp:sp>
+    <dsp:sp modelId="{00820C10-2A8A-4A4F-B811-28F0DDBB82C7}">
+      <dsp:nvSpPr>
+        <dsp:cNvPr id="0" name=""/>
+        <dsp:cNvSpPr/>
+      </dsp:nvSpPr>
+      <dsp:spPr>
+        <a:xfrm>
+          <a:off x="2448266" y="360041"/>
+          <a:ext cx="1676503" cy="1545825"/>
+        </a:xfrm>
+        <a:prstGeom prst="ellipse">
+          <a:avLst/>
+        </a:prstGeom>
+        <a:gradFill rotWithShape="1">
+          <a:gsLst>
+            <a:gs pos="0">
+              <a:schemeClr val="dk1">
+                <a:tint val="50000"/>
+                <a:satMod val="300000"/>
+              </a:schemeClr>
+            </a:gs>
+            <a:gs pos="35000">
+              <a:schemeClr val="dk1">
+                <a:tint val="37000"/>
+                <a:satMod val="300000"/>
+              </a:schemeClr>
+            </a:gs>
+            <a:gs pos="100000">
+              <a:schemeClr val="dk1">
+                <a:tint val="15000"/>
+                <a:satMod val="350000"/>
+              </a:schemeClr>
+            </a:gs>
+          </a:gsLst>
+          <a:lin ang="16200000" scaled="1"/>
+        </a:gradFill>
+        <a:ln w="9525" cap="flat" cmpd="sng" algn="ctr">
+          <a:solidFill>
+            <a:schemeClr val="dk1">
+              <a:shade val="95000"/>
+              <a:satMod val="105000"/>
+            </a:schemeClr>
+          </a:solidFill>
+          <a:prstDash val="solid"/>
+        </a:ln>
+        <a:effectLst>
+          <a:outerShdw blurRad="40000" dist="20000" dir="5400000" rotWithShape="0">
+            <a:srgbClr val="000000">
+              <a:alpha val="38000"/>
+            </a:srgbClr>
+          </a:outerShdw>
+        </a:effectLst>
+      </dsp:spPr>
+      <dsp:style>
+        <a:lnRef idx="1">
+          <a:schemeClr val="dk1"/>
+        </a:lnRef>
+        <a:fillRef idx="2">
+          <a:schemeClr val="dk1"/>
+        </a:fillRef>
+        <a:effectRef idx="1">
+          <a:schemeClr val="dk1"/>
+        </a:effectRef>
+        <a:fontRef idx="minor">
+          <a:schemeClr val="dk1"/>
+        </a:fontRef>
+      </dsp:style>
+      <dsp:txBody>
+        <a:bodyPr spcFirstLastPara="0" vert="horz" wrap="square" lIns="15240" tIns="15240" rIns="15240" bIns="15240" numCol="1" spcCol="1270" anchor="ctr" anchorCtr="0">
+          <a:noAutofit/>
+        </a:bodyPr>
+        <a:lstStyle/>
+        <a:p>
+          <a:pPr lvl="0" algn="ctr" defTabSz="533400">
+            <a:lnSpc>
+              <a:spcPct val="90000"/>
+            </a:lnSpc>
+            <a:spcBef>
+              <a:spcPct val="0"/>
+            </a:spcBef>
+            <a:spcAft>
+              <a:spcPct val="35000"/>
+            </a:spcAft>
+          </a:pPr>
+          <a:r>
+            <a:rPr lang="es-CO" sz="1200" b="1" kern="1200" dirty="0" smtClean="0"/>
+            <a:t>Utilizar la infraestructura actual y la proyecta para mejorar la medición </a:t>
+          </a:r>
+          <a:endParaRPr lang="es-ES" sz="1200" b="1" kern="1200" dirty="0"/>
+        </a:p>
+      </dsp:txBody>
+      <dsp:txXfrm>
+        <a:off x="2693784" y="586422"/>
+        <a:ext cx="1185467" cy="1093063"/>
+      </dsp:txXfrm>
+    </dsp:sp>
+    <dsp:sp modelId="{4830C1AE-3A07-4776-80B0-46C7307DB5B0}">
+      <dsp:nvSpPr>
+        <dsp:cNvPr id="0" name=""/>
+        <dsp:cNvSpPr/>
+      </dsp:nvSpPr>
+      <dsp:spPr>
+        <a:xfrm>
+          <a:off x="3643338" y="1143011"/>
+          <a:ext cx="1669045" cy="1543559"/>
+        </a:xfrm>
+        <a:prstGeom prst="ellipse">
+          <a:avLst/>
+        </a:prstGeom>
+        <a:gradFill rotWithShape="1">
+          <a:gsLst>
+            <a:gs pos="0">
+              <a:schemeClr val="accent3">
+                <a:shade val="51000"/>
+                <a:satMod val="130000"/>
+              </a:schemeClr>
+            </a:gs>
+            <a:gs pos="80000">
+              <a:schemeClr val="accent3">
+                <a:shade val="93000"/>
+                <a:satMod val="130000"/>
+              </a:schemeClr>
+            </a:gs>
+            <a:gs pos="100000">
+              <a:schemeClr val="accent3">
+                <a:shade val="94000"/>
+                <a:satMod val="135000"/>
+              </a:schemeClr>
+            </a:gs>
+          </a:gsLst>
+          <a:lin ang="16200000" scaled="0"/>
+        </a:gradFill>
+        <a:ln w="9525" cap="flat" cmpd="sng" algn="ctr">
+          <a:solidFill>
+            <a:schemeClr val="accent3">
+              <a:shade val="95000"/>
+              <a:satMod val="105000"/>
+            </a:schemeClr>
+          </a:solidFill>
+          <a:prstDash val="solid"/>
+        </a:ln>
+        <a:effectLst>
+          <a:outerShdw blurRad="40000" dist="23000" dir="5400000" rotWithShape="0">
+            <a:srgbClr val="000000">
+              <a:alpha val="35000"/>
+            </a:srgbClr>
+          </a:outerShdw>
+        </a:effectLst>
+      </dsp:spPr>
+      <dsp:style>
+        <a:lnRef idx="1">
+          <a:schemeClr val="accent3"/>
+        </a:lnRef>
+        <a:fillRef idx="3">
+          <a:schemeClr val="accent3"/>
+        </a:fillRef>
+        <a:effectRef idx="2">
+          <a:schemeClr val="accent3"/>
+        </a:effectRef>
+        <a:fontRef idx="minor">
+          <a:schemeClr val="lt1"/>
+        </a:fontRef>
+      </dsp:style>
+      <dsp:txBody>
+        <a:bodyPr spcFirstLastPara="0" vert="horz" wrap="square" lIns="17780" tIns="17780" rIns="17780" bIns="17780" numCol="1" spcCol="1270" anchor="ctr" anchorCtr="0">
+          <a:noAutofit/>
+        </a:bodyPr>
+        <a:lstStyle/>
+        <a:p>
+          <a:pPr lvl="0" algn="ctr" defTabSz="622300">
+            <a:lnSpc>
+              <a:spcPct val="90000"/>
+            </a:lnSpc>
+            <a:spcBef>
+              <a:spcPct val="0"/>
+            </a:spcBef>
+            <a:spcAft>
+              <a:spcPct val="35000"/>
+            </a:spcAft>
+          </a:pPr>
+          <a:r>
+            <a:rPr lang="es-ES" sz="1400" b="1" kern="1200" dirty="0" smtClean="0"/>
+            <a:t>Diseñar una herramienta </a:t>
+          </a:r>
+          <a:r>
+            <a:rPr lang="es-ES" sz="1400" b="1" kern="1200" dirty="0" smtClean="0"/>
+            <a:t>tecnológica </a:t>
+          </a:r>
+          <a:r>
+            <a:rPr lang="es-ES" sz="1400" b="1" kern="1200" dirty="0" smtClean="0"/>
+            <a:t>que analice todos los datos de consumo</a:t>
+          </a:r>
+          <a:endParaRPr lang="es-ES" sz="1400" b="1" kern="1200" dirty="0"/>
+        </a:p>
+      </dsp:txBody>
+      <dsp:txXfrm>
+        <a:off x="3887764" y="1369060"/>
+        <a:ext cx="1180193" cy="1091461"/>
+      </dsp:txXfrm>
+    </dsp:sp>
+    <dsp:sp modelId="{AE805AB0-CDD8-4ABC-8775-6545029849DF}">
+      <dsp:nvSpPr>
+        <dsp:cNvPr id="0" name=""/>
+        <dsp:cNvSpPr/>
+      </dsp:nvSpPr>
+      <dsp:spPr>
+        <a:xfrm>
+          <a:off x="2232225" y="864077"/>
+          <a:ext cx="4209105" cy="2648029"/>
+        </a:xfrm>
+        <a:prstGeom prst="funnel">
+          <a:avLst/>
+        </a:prstGeom>
+        <a:solidFill>
+          <a:schemeClr val="lt2">
+            <a:alpha val="40000"/>
+            <a:hueOff val="0"/>
+            <a:satOff val="0"/>
+            <a:lumOff val="0"/>
+            <a:alphaOff val="0"/>
+          </a:schemeClr>
+        </a:solidFill>
+        <a:ln w="9525" cap="flat" cmpd="sng" algn="ctr">
+          <a:solidFill>
+            <a:schemeClr val="dk2">
+              <a:hueOff val="0"/>
+              <a:satOff val="0"/>
+              <a:lumOff val="0"/>
+              <a:alphaOff val="0"/>
+            </a:schemeClr>
+          </a:solidFill>
+          <a:prstDash val="solid"/>
+        </a:ln>
+        <a:effectLst/>
+      </dsp:spPr>
+      <dsp:style>
+        <a:lnRef idx="1">
+          <a:scrgbClr r="0" g="0" b="0"/>
+        </a:lnRef>
+        <a:fillRef idx="1">
+          <a:scrgbClr r="0" g="0" b="0"/>
+        </a:fillRef>
+        <a:effectRef idx="0">
+          <a:scrgbClr r="0" g="0" b="0"/>
+        </a:effectRef>
+        <a:fontRef idx="minor"/>
+      </dsp:style>
+    </dsp:sp>
   </dsp:spTree>
 </dsp:drawing>
 </file>
@@ -6633,6 +7272,848 @@
       <dsp:cNvGrpSpPr/>
     </dsp:nvGrpSpPr>
     <dsp:grpSpPr/>
+    <dsp:sp modelId="{498A4E70-9441-4BAA-A25C-9ECD09B7A6AA}">
+      <dsp:nvSpPr>
+        <dsp:cNvPr id="0" name=""/>
+        <dsp:cNvSpPr/>
+      </dsp:nvSpPr>
+      <dsp:spPr>
+        <a:xfrm>
+          <a:off x="3755" y="93076"/>
+          <a:ext cx="1713803" cy="608411"/>
+        </a:xfrm>
+        <a:prstGeom prst="rect">
+          <a:avLst/>
+        </a:prstGeom>
+        <a:solidFill>
+          <a:schemeClr val="accent2">
+            <a:hueOff val="0"/>
+            <a:satOff val="0"/>
+            <a:lumOff val="0"/>
+            <a:alphaOff val="0"/>
+          </a:schemeClr>
+        </a:solidFill>
+        <a:ln w="25400" cap="flat" cmpd="sng" algn="ctr">
+          <a:solidFill>
+            <a:schemeClr val="accent2">
+              <a:hueOff val="0"/>
+              <a:satOff val="0"/>
+              <a:lumOff val="0"/>
+              <a:alphaOff val="0"/>
+            </a:schemeClr>
+          </a:solidFill>
+          <a:prstDash val="solid"/>
+        </a:ln>
+        <a:effectLst/>
+      </dsp:spPr>
+      <dsp:style>
+        <a:lnRef idx="2">
+          <a:scrgbClr r="0" g="0" b="0"/>
+        </a:lnRef>
+        <a:fillRef idx="1">
+          <a:scrgbClr r="0" g="0" b="0"/>
+        </a:fillRef>
+        <a:effectRef idx="0">
+          <a:scrgbClr r="0" g="0" b="0"/>
+        </a:effectRef>
+        <a:fontRef idx="minor">
+          <a:schemeClr val="lt1"/>
+        </a:fontRef>
+      </dsp:style>
+      <dsp:txBody>
+        <a:bodyPr spcFirstLastPara="0" vert="horz" wrap="square" lIns="99568" tIns="56896" rIns="99568" bIns="56896" numCol="1" spcCol="1270" anchor="ctr" anchorCtr="0">
+          <a:noAutofit/>
+        </a:bodyPr>
+        <a:lstStyle/>
+        <a:p>
+          <a:pPr lvl="0" algn="ctr" defTabSz="622300">
+            <a:lnSpc>
+              <a:spcPct val="90000"/>
+            </a:lnSpc>
+            <a:spcBef>
+              <a:spcPct val="0"/>
+            </a:spcBef>
+            <a:spcAft>
+              <a:spcPct val="35000"/>
+            </a:spcAft>
+          </a:pPr>
+          <a:r>
+            <a:rPr lang="es-CO" sz="1400" b="1" kern="1200" dirty="0" smtClean="0"/>
+            <a:t>Ubicación</a:t>
+          </a:r>
+          <a:endParaRPr lang="en-US" sz="1400" b="1" kern="1200" dirty="0"/>
+        </a:p>
+      </dsp:txBody>
+      <dsp:txXfrm>
+        <a:off x="3755" y="93076"/>
+        <a:ext cx="1713803" cy="608411"/>
+      </dsp:txXfrm>
+    </dsp:sp>
+    <dsp:sp modelId="{F98E0026-7677-418C-B219-B2163DF01B96}">
+      <dsp:nvSpPr>
+        <dsp:cNvPr id="0" name=""/>
+        <dsp:cNvSpPr/>
+      </dsp:nvSpPr>
+      <dsp:spPr>
+        <a:xfrm>
+          <a:off x="3755" y="701487"/>
+          <a:ext cx="1713803" cy="2949852"/>
+        </a:xfrm>
+        <a:prstGeom prst="rect">
+          <a:avLst/>
+        </a:prstGeom>
+        <a:solidFill>
+          <a:schemeClr val="accent2">
+            <a:tint val="40000"/>
+            <a:alpha val="90000"/>
+            <a:hueOff val="0"/>
+            <a:satOff val="0"/>
+            <a:lumOff val="0"/>
+            <a:alphaOff val="0"/>
+          </a:schemeClr>
+        </a:solidFill>
+        <a:ln w="25400" cap="flat" cmpd="sng" algn="ctr">
+          <a:solidFill>
+            <a:schemeClr val="accent2">
+              <a:tint val="40000"/>
+              <a:alpha val="90000"/>
+              <a:hueOff val="0"/>
+              <a:satOff val="0"/>
+              <a:lumOff val="0"/>
+              <a:alphaOff val="0"/>
+            </a:schemeClr>
+          </a:solidFill>
+          <a:prstDash val="solid"/>
+        </a:ln>
+        <a:effectLst/>
+      </dsp:spPr>
+      <dsp:style>
+        <a:lnRef idx="2">
+          <a:scrgbClr r="0" g="0" b="0"/>
+        </a:lnRef>
+        <a:fillRef idx="1">
+          <a:scrgbClr r="0" g="0" b="0"/>
+        </a:fillRef>
+        <a:effectRef idx="0">
+          <a:scrgbClr r="0" g="0" b="0"/>
+        </a:effectRef>
+        <a:fontRef idx="minor"/>
+      </dsp:style>
+      <dsp:txBody>
+        <a:bodyPr spcFirstLastPara="0" vert="horz" wrap="square" lIns="74676" tIns="74676" rIns="99568" bIns="112014" numCol="1" spcCol="1270" anchor="t" anchorCtr="0">
+          <a:noAutofit/>
+        </a:bodyPr>
+        <a:lstStyle/>
+        <a:p>
+          <a:pPr marL="114300" lvl="1" indent="-114300" algn="l" defTabSz="622300">
+            <a:lnSpc>
+              <a:spcPct val="90000"/>
+            </a:lnSpc>
+            <a:spcBef>
+              <a:spcPct val="0"/>
+            </a:spcBef>
+            <a:spcAft>
+              <a:spcPct val="15000"/>
+            </a:spcAft>
+            <a:buChar char="••"/>
+          </a:pPr>
+          <a:r>
+            <a:rPr lang="es-CO" sz="1400" kern="1200" dirty="0" smtClean="0"/>
+            <a:t>País: Colombia</a:t>
+          </a:r>
+          <a:endParaRPr lang="en-US" sz="1400" kern="1200" dirty="0"/>
+        </a:p>
+        <a:p>
+          <a:pPr marL="114300" lvl="1" indent="-114300" algn="l" defTabSz="622300">
+            <a:lnSpc>
+              <a:spcPct val="90000"/>
+            </a:lnSpc>
+            <a:spcBef>
+              <a:spcPct val="0"/>
+            </a:spcBef>
+            <a:spcAft>
+              <a:spcPct val="15000"/>
+            </a:spcAft>
+            <a:buChar char="••"/>
+          </a:pPr>
+          <a:r>
+            <a:rPr lang="es-CO" sz="1400" kern="1200" dirty="0" smtClean="0"/>
+            <a:t>Zona: Costa </a:t>
+          </a:r>
+          <a:r>
+            <a:rPr lang="es-CO" sz="1400" kern="1200" dirty="0" smtClean="0"/>
+            <a:t>Atlántica (*)</a:t>
+          </a:r>
+          <a:endParaRPr lang="en-US" sz="1400" kern="1200" dirty="0"/>
+        </a:p>
+        <a:p>
+          <a:pPr marL="114300" lvl="1" indent="-114300" algn="l" defTabSz="622300">
+            <a:lnSpc>
+              <a:spcPct val="90000"/>
+            </a:lnSpc>
+            <a:spcBef>
+              <a:spcPct val="0"/>
+            </a:spcBef>
+            <a:spcAft>
+              <a:spcPct val="15000"/>
+            </a:spcAft>
+            <a:buChar char="••"/>
+          </a:pPr>
+          <a:endParaRPr lang="en-US" sz="1400" kern="1200" dirty="0"/>
+        </a:p>
+      </dsp:txBody>
+      <dsp:txXfrm>
+        <a:off x="3755" y="701487"/>
+        <a:ext cx="1713803" cy="2949852"/>
+      </dsp:txXfrm>
+    </dsp:sp>
+    <dsp:sp modelId="{BE868AFE-25EF-4497-8FDB-BF6C4F99E2C9}">
+      <dsp:nvSpPr>
+        <dsp:cNvPr id="0" name=""/>
+        <dsp:cNvSpPr/>
+      </dsp:nvSpPr>
+      <dsp:spPr>
+        <a:xfrm>
+          <a:off x="1930503" y="90247"/>
+          <a:ext cx="2137060" cy="608411"/>
+        </a:xfrm>
+        <a:prstGeom prst="rect">
+          <a:avLst/>
+        </a:prstGeom>
+        <a:solidFill>
+          <a:schemeClr val="accent3">
+            <a:hueOff val="0"/>
+            <a:satOff val="0"/>
+            <a:lumOff val="0"/>
+            <a:alphaOff val="0"/>
+          </a:schemeClr>
+        </a:solidFill>
+        <a:ln w="25400" cap="flat" cmpd="sng" algn="ctr">
+          <a:solidFill>
+            <a:schemeClr val="accent3">
+              <a:hueOff val="0"/>
+              <a:satOff val="0"/>
+              <a:lumOff val="0"/>
+              <a:alphaOff val="0"/>
+            </a:schemeClr>
+          </a:solidFill>
+          <a:prstDash val="solid"/>
+        </a:ln>
+        <a:effectLst/>
+      </dsp:spPr>
+      <dsp:style>
+        <a:lnRef idx="2">
+          <a:scrgbClr r="0" g="0" b="0"/>
+        </a:lnRef>
+        <a:fillRef idx="1">
+          <a:scrgbClr r="0" g="0" b="0"/>
+        </a:fillRef>
+        <a:effectRef idx="0">
+          <a:scrgbClr r="0" g="0" b="0"/>
+        </a:effectRef>
+        <a:fontRef idx="minor">
+          <a:schemeClr val="lt1"/>
+        </a:fontRef>
+      </dsp:style>
+      <dsp:txBody>
+        <a:bodyPr spcFirstLastPara="0" vert="horz" wrap="square" lIns="99568" tIns="56896" rIns="99568" bIns="56896" numCol="1" spcCol="1270" anchor="ctr" anchorCtr="0">
+          <a:noAutofit/>
+        </a:bodyPr>
+        <a:lstStyle/>
+        <a:p>
+          <a:pPr lvl="0" algn="ctr" defTabSz="622300">
+            <a:lnSpc>
+              <a:spcPct val="90000"/>
+            </a:lnSpc>
+            <a:spcBef>
+              <a:spcPct val="0"/>
+            </a:spcBef>
+            <a:spcAft>
+              <a:spcPct val="35000"/>
+            </a:spcAft>
+          </a:pPr>
+          <a:r>
+            <a:rPr lang="es-CO" sz="1400" b="1" kern="1200" dirty="0" smtClean="0"/>
+            <a:t>Alternativa</a:t>
+          </a:r>
+          <a:endParaRPr lang="en-US" sz="1400" b="1" kern="1200" dirty="0"/>
+        </a:p>
+      </dsp:txBody>
+      <dsp:txXfrm>
+        <a:off x="1930503" y="90247"/>
+        <a:ext cx="2137060" cy="608411"/>
+      </dsp:txXfrm>
+    </dsp:sp>
+    <dsp:sp modelId="{11790E1A-CE4C-4357-B48F-48AC30A2F3AB}">
+      <dsp:nvSpPr>
+        <dsp:cNvPr id="0" name=""/>
+        <dsp:cNvSpPr/>
+      </dsp:nvSpPr>
+      <dsp:spPr>
+        <a:xfrm>
+          <a:off x="1934830" y="698658"/>
+          <a:ext cx="2128405" cy="2955509"/>
+        </a:xfrm>
+        <a:prstGeom prst="rect">
+          <a:avLst/>
+        </a:prstGeom>
+        <a:solidFill>
+          <a:schemeClr val="accent3">
+            <a:tint val="40000"/>
+            <a:alpha val="90000"/>
+            <a:hueOff val="0"/>
+            <a:satOff val="0"/>
+            <a:lumOff val="0"/>
+            <a:alphaOff val="0"/>
+          </a:schemeClr>
+        </a:solidFill>
+        <a:ln w="25400" cap="flat" cmpd="sng" algn="ctr">
+          <a:solidFill>
+            <a:schemeClr val="accent3">
+              <a:tint val="40000"/>
+              <a:alpha val="90000"/>
+              <a:hueOff val="0"/>
+              <a:satOff val="0"/>
+              <a:lumOff val="0"/>
+              <a:alphaOff val="0"/>
+            </a:schemeClr>
+          </a:solidFill>
+          <a:prstDash val="solid"/>
+        </a:ln>
+        <a:effectLst/>
+      </dsp:spPr>
+      <dsp:style>
+        <a:lnRef idx="2">
+          <a:scrgbClr r="0" g="0" b="0"/>
+        </a:lnRef>
+        <a:fillRef idx="1">
+          <a:scrgbClr r="0" g="0" b="0"/>
+        </a:fillRef>
+        <a:effectRef idx="0">
+          <a:scrgbClr r="0" g="0" b="0"/>
+        </a:effectRef>
+        <a:fontRef idx="minor"/>
+      </dsp:style>
+      <dsp:txBody>
+        <a:bodyPr spcFirstLastPara="0" vert="horz" wrap="square" lIns="74676" tIns="74676" rIns="99568" bIns="112014" numCol="1" spcCol="1270" anchor="t" anchorCtr="0">
+          <a:noAutofit/>
+        </a:bodyPr>
+        <a:lstStyle/>
+        <a:p>
+          <a:pPr marL="114300" lvl="1" indent="-114300" algn="l" defTabSz="622300">
+            <a:lnSpc>
+              <a:spcPct val="90000"/>
+            </a:lnSpc>
+            <a:spcBef>
+              <a:spcPct val="0"/>
+            </a:spcBef>
+            <a:spcAft>
+              <a:spcPct val="15000"/>
+            </a:spcAft>
+            <a:buChar char="••"/>
+          </a:pPr>
+          <a:r>
+            <a:rPr lang="es-ES_tradnl" sz="1400" kern="1200" dirty="0" smtClean="0"/>
+            <a:t>Contratar una empresa de tecnología para diseñar, construir e implementar sistemas de información a la medida para el control comercial y técnico a nivel de análisis de datos </a:t>
+          </a:r>
+          <a:r>
+            <a:rPr lang="es-ES_tradnl" sz="1400" kern="1200" smtClean="0"/>
+            <a:t>de medida y </a:t>
+          </a:r>
+          <a:r>
+            <a:rPr lang="es-ES_tradnl" sz="1400" kern="1200" dirty="0" smtClean="0"/>
+            <a:t>comprar maquinaria mejorada para realizar mediciones a nivel de transformadores de medición y distribución</a:t>
+          </a:r>
+          <a:endParaRPr lang="en-US" sz="1400" kern="1200" dirty="0"/>
+        </a:p>
+      </dsp:txBody>
+      <dsp:txXfrm>
+        <a:off x="1934830" y="698658"/>
+        <a:ext cx="2128405" cy="2955509"/>
+      </dsp:txXfrm>
+    </dsp:sp>
+    <dsp:sp modelId="{B86AE41E-58AD-4CAE-9003-9669551B25B4}">
+      <dsp:nvSpPr>
+        <dsp:cNvPr id="0" name=""/>
+        <dsp:cNvSpPr/>
+      </dsp:nvSpPr>
+      <dsp:spPr>
+        <a:xfrm>
+          <a:off x="4286697" y="87507"/>
+          <a:ext cx="2130732" cy="608411"/>
+        </a:xfrm>
+        <a:prstGeom prst="rect">
+          <a:avLst/>
+        </a:prstGeom>
+        <a:solidFill>
+          <a:schemeClr val="accent4">
+            <a:hueOff val="0"/>
+            <a:satOff val="0"/>
+            <a:lumOff val="0"/>
+            <a:alphaOff val="0"/>
+          </a:schemeClr>
+        </a:solidFill>
+        <a:ln w="25400" cap="flat" cmpd="sng" algn="ctr">
+          <a:solidFill>
+            <a:schemeClr val="accent4">
+              <a:hueOff val="0"/>
+              <a:satOff val="0"/>
+              <a:lumOff val="0"/>
+              <a:alphaOff val="0"/>
+            </a:schemeClr>
+          </a:solidFill>
+          <a:prstDash val="solid"/>
+        </a:ln>
+        <a:effectLst/>
+      </dsp:spPr>
+      <dsp:style>
+        <a:lnRef idx="2">
+          <a:scrgbClr r="0" g="0" b="0"/>
+        </a:lnRef>
+        <a:fillRef idx="1">
+          <a:scrgbClr r="0" g="0" b="0"/>
+        </a:fillRef>
+        <a:effectRef idx="0">
+          <a:scrgbClr r="0" g="0" b="0"/>
+        </a:effectRef>
+        <a:fontRef idx="minor">
+          <a:schemeClr val="lt1"/>
+        </a:fontRef>
+      </dsp:style>
+      <dsp:txBody>
+        <a:bodyPr spcFirstLastPara="0" vert="horz" wrap="square" lIns="99568" tIns="56896" rIns="99568" bIns="56896" numCol="1" spcCol="1270" anchor="ctr" anchorCtr="0">
+          <a:noAutofit/>
+        </a:bodyPr>
+        <a:lstStyle/>
+        <a:p>
+          <a:pPr lvl="0" algn="ctr" defTabSz="622300">
+            <a:lnSpc>
+              <a:spcPct val="90000"/>
+            </a:lnSpc>
+            <a:spcBef>
+              <a:spcPct val="0"/>
+            </a:spcBef>
+            <a:spcAft>
+              <a:spcPct val="35000"/>
+            </a:spcAft>
+          </a:pPr>
+          <a:r>
+            <a:rPr lang="es-CO" sz="1400" b="1" kern="1200" dirty="0" smtClean="0"/>
+            <a:t>Involucrados</a:t>
+          </a:r>
+          <a:endParaRPr lang="en-US" sz="1400" b="1" kern="1200" dirty="0"/>
+        </a:p>
+      </dsp:txBody>
+      <dsp:txXfrm>
+        <a:off x="4286697" y="87507"/>
+        <a:ext cx="2130732" cy="608411"/>
+      </dsp:txXfrm>
+    </dsp:sp>
+    <dsp:sp modelId="{2612D1CA-8455-4B2E-B566-31F386062C39}">
+      <dsp:nvSpPr>
+        <dsp:cNvPr id="0" name=""/>
+        <dsp:cNvSpPr/>
+      </dsp:nvSpPr>
+      <dsp:spPr>
+        <a:xfrm>
+          <a:off x="4280507" y="695918"/>
+          <a:ext cx="2143113" cy="2960990"/>
+        </a:xfrm>
+        <a:prstGeom prst="rect">
+          <a:avLst/>
+        </a:prstGeom>
+        <a:solidFill>
+          <a:schemeClr val="accent4">
+            <a:tint val="40000"/>
+            <a:alpha val="90000"/>
+            <a:hueOff val="0"/>
+            <a:satOff val="0"/>
+            <a:lumOff val="0"/>
+            <a:alphaOff val="0"/>
+          </a:schemeClr>
+        </a:solidFill>
+        <a:ln w="25400" cap="flat" cmpd="sng" algn="ctr">
+          <a:solidFill>
+            <a:schemeClr val="accent4">
+              <a:tint val="40000"/>
+              <a:alpha val="90000"/>
+              <a:hueOff val="0"/>
+              <a:satOff val="0"/>
+              <a:lumOff val="0"/>
+              <a:alphaOff val="0"/>
+            </a:schemeClr>
+          </a:solidFill>
+          <a:prstDash val="solid"/>
+        </a:ln>
+        <a:effectLst/>
+      </dsp:spPr>
+      <dsp:style>
+        <a:lnRef idx="2">
+          <a:scrgbClr r="0" g="0" b="0"/>
+        </a:lnRef>
+        <a:fillRef idx="1">
+          <a:scrgbClr r="0" g="0" b="0"/>
+        </a:fillRef>
+        <a:effectRef idx="0">
+          <a:scrgbClr r="0" g="0" b="0"/>
+        </a:effectRef>
+        <a:fontRef idx="minor"/>
+      </dsp:style>
+      <dsp:txBody>
+        <a:bodyPr spcFirstLastPara="0" vert="horz" wrap="square" lIns="74676" tIns="74676" rIns="99568" bIns="112014" numCol="1" spcCol="1270" anchor="t" anchorCtr="0">
+          <a:noAutofit/>
+        </a:bodyPr>
+        <a:lstStyle/>
+        <a:p>
+          <a:pPr marL="114300" lvl="1" indent="-114300" algn="l" defTabSz="622300">
+            <a:lnSpc>
+              <a:spcPct val="90000"/>
+            </a:lnSpc>
+            <a:spcBef>
+              <a:spcPct val="0"/>
+            </a:spcBef>
+            <a:spcAft>
+              <a:spcPct val="15000"/>
+            </a:spcAft>
+            <a:buChar char="••"/>
+          </a:pPr>
+          <a:r>
+            <a:rPr lang="es-ES_tradnl" sz="1400" b="0" kern="1200" dirty="0" smtClean="0"/>
+            <a:t>Empresas de Energía Colombianas</a:t>
+          </a:r>
+          <a:endParaRPr lang="en-US" sz="1400" b="0" kern="1200" dirty="0"/>
+        </a:p>
+        <a:p>
+          <a:pPr marL="114300" lvl="1" indent="-114300" algn="l" defTabSz="622300">
+            <a:lnSpc>
+              <a:spcPct val="90000"/>
+            </a:lnSpc>
+            <a:spcBef>
+              <a:spcPct val="0"/>
+            </a:spcBef>
+            <a:spcAft>
+              <a:spcPct val="15000"/>
+            </a:spcAft>
+            <a:buChar char="••"/>
+          </a:pPr>
+          <a:r>
+            <a:rPr lang="es-ES_tradnl" sz="1400" b="0" kern="1200" dirty="0" smtClean="0"/>
+            <a:t>Empresa de consultoría Ludus SAS (Patrocinador)</a:t>
+          </a:r>
+          <a:endParaRPr lang="en-US" sz="1400" b="0" kern="1200" dirty="0"/>
+        </a:p>
+        <a:p>
+          <a:pPr marL="114300" lvl="1" indent="-114300" algn="l" defTabSz="622300">
+            <a:lnSpc>
+              <a:spcPct val="90000"/>
+            </a:lnSpc>
+            <a:spcBef>
+              <a:spcPct val="0"/>
+            </a:spcBef>
+            <a:spcAft>
+              <a:spcPct val="15000"/>
+            </a:spcAft>
+            <a:buChar char="••"/>
+          </a:pPr>
+          <a:r>
+            <a:rPr lang="es-ES_tradnl" sz="1400" b="0" kern="1200" dirty="0" smtClean="0"/>
+            <a:t>CREG “Comisión de </a:t>
+          </a:r>
+          <a:r>
+            <a:rPr lang="es-ES_tradnl" sz="1400" b="0" kern="1200" dirty="0" smtClean="0"/>
+            <a:t>Regulación de Energía </a:t>
+          </a:r>
+          <a:r>
+            <a:rPr lang="es-ES_tradnl" sz="1400" b="0" kern="1200" dirty="0" smtClean="0"/>
+            <a:t>y </a:t>
+          </a:r>
+          <a:r>
+            <a:rPr lang="es-ES_tradnl" sz="1400" b="0" kern="1200" dirty="0" smtClean="0"/>
+            <a:t>Gas</a:t>
+          </a:r>
+          <a:r>
+            <a:rPr lang="es-ES_tradnl" sz="1400" b="0" kern="1200" dirty="0" smtClean="0"/>
+            <a:t>”</a:t>
+          </a:r>
+          <a:endParaRPr lang="en-US" sz="1400" b="0" kern="1200" dirty="0"/>
+        </a:p>
+        <a:p>
+          <a:pPr marL="114300" lvl="1" indent="-114300" algn="l" defTabSz="622300">
+            <a:lnSpc>
+              <a:spcPct val="90000"/>
+            </a:lnSpc>
+            <a:spcBef>
+              <a:spcPct val="0"/>
+            </a:spcBef>
+            <a:spcAft>
+              <a:spcPct val="15000"/>
+            </a:spcAft>
+            <a:buChar char="••"/>
+          </a:pPr>
+          <a:r>
+            <a:rPr lang="es-ES_tradnl" sz="1400" b="0" kern="1200" dirty="0" smtClean="0"/>
+            <a:t>Sociedad</a:t>
+          </a:r>
+          <a:endParaRPr lang="en-US" sz="1400" b="0" kern="1200" dirty="0"/>
+        </a:p>
+        <a:p>
+          <a:pPr marL="114300" lvl="1" indent="-114300" algn="l" defTabSz="622300">
+            <a:lnSpc>
+              <a:spcPct val="90000"/>
+            </a:lnSpc>
+            <a:spcBef>
+              <a:spcPct val="0"/>
+            </a:spcBef>
+            <a:spcAft>
+              <a:spcPct val="15000"/>
+            </a:spcAft>
+            <a:buChar char="••"/>
+          </a:pPr>
+          <a:r>
+            <a:rPr lang="es-ES_tradnl" sz="1400" b="0" kern="1200" dirty="0" smtClean="0"/>
+            <a:t>Proveedores eléctricos</a:t>
+          </a:r>
+          <a:endParaRPr lang="en-US" sz="1400" b="0" kern="1200" dirty="0"/>
+        </a:p>
+        <a:p>
+          <a:pPr marL="114300" lvl="1" indent="-114300" algn="l" defTabSz="622300">
+            <a:lnSpc>
+              <a:spcPct val="90000"/>
+            </a:lnSpc>
+            <a:spcBef>
+              <a:spcPct val="0"/>
+            </a:spcBef>
+            <a:spcAft>
+              <a:spcPct val="15000"/>
+            </a:spcAft>
+            <a:buChar char="••"/>
+          </a:pPr>
+          <a:r>
+            <a:rPr lang="es-ES_tradnl" sz="1400" b="0" kern="1200" dirty="0" smtClean="0"/>
+            <a:t>ONG</a:t>
+          </a:r>
+          <a:endParaRPr lang="en-US" sz="1400" b="0" kern="1200" dirty="0"/>
+        </a:p>
+      </dsp:txBody>
+      <dsp:txXfrm>
+        <a:off x="4280507" y="695918"/>
+        <a:ext cx="2143113" cy="2960990"/>
+      </dsp:txXfrm>
+    </dsp:sp>
+    <dsp:sp modelId="{DFCCC5D2-772A-4CC7-B7A5-BE236F80F4D4}">
+      <dsp:nvSpPr>
+        <dsp:cNvPr id="0" name=""/>
+        <dsp:cNvSpPr/>
+      </dsp:nvSpPr>
+      <dsp:spPr>
+        <a:xfrm>
+          <a:off x="6642839" y="87507"/>
+          <a:ext cx="1988090" cy="608411"/>
+        </a:xfrm>
+        <a:prstGeom prst="rect">
+          <a:avLst/>
+        </a:prstGeom>
+        <a:solidFill>
+          <a:schemeClr val="accent5">
+            <a:hueOff val="0"/>
+            <a:satOff val="0"/>
+            <a:lumOff val="0"/>
+            <a:alphaOff val="0"/>
+          </a:schemeClr>
+        </a:solidFill>
+        <a:ln w="25400" cap="flat" cmpd="sng" algn="ctr">
+          <a:solidFill>
+            <a:schemeClr val="accent5">
+              <a:hueOff val="0"/>
+              <a:satOff val="0"/>
+              <a:lumOff val="0"/>
+              <a:alphaOff val="0"/>
+            </a:schemeClr>
+          </a:solidFill>
+          <a:prstDash val="solid"/>
+        </a:ln>
+        <a:effectLst/>
+      </dsp:spPr>
+      <dsp:style>
+        <a:lnRef idx="2">
+          <a:scrgbClr r="0" g="0" b="0"/>
+        </a:lnRef>
+        <a:fillRef idx="1">
+          <a:scrgbClr r="0" g="0" b="0"/>
+        </a:fillRef>
+        <a:effectRef idx="0">
+          <a:scrgbClr r="0" g="0" b="0"/>
+        </a:effectRef>
+        <a:fontRef idx="minor">
+          <a:schemeClr val="lt1"/>
+        </a:fontRef>
+      </dsp:style>
+      <dsp:txBody>
+        <a:bodyPr spcFirstLastPara="0" vert="horz" wrap="square" lIns="99568" tIns="56896" rIns="99568" bIns="56896" numCol="1" spcCol="1270" anchor="ctr" anchorCtr="0">
+          <a:noAutofit/>
+        </a:bodyPr>
+        <a:lstStyle/>
+        <a:p>
+          <a:pPr lvl="0" algn="ctr" defTabSz="622300">
+            <a:lnSpc>
+              <a:spcPct val="90000"/>
+            </a:lnSpc>
+            <a:spcBef>
+              <a:spcPct val="0"/>
+            </a:spcBef>
+            <a:spcAft>
+              <a:spcPct val="35000"/>
+            </a:spcAft>
+          </a:pPr>
+          <a:r>
+            <a:rPr lang="es-CO" sz="1400" b="1" kern="1200" dirty="0" smtClean="0"/>
+            <a:t>Estudios Aplicados</a:t>
+          </a:r>
+          <a:endParaRPr lang="en-US" sz="1400" b="1" kern="1200" dirty="0"/>
+        </a:p>
+      </dsp:txBody>
+      <dsp:txXfrm>
+        <a:off x="6642839" y="87507"/>
+        <a:ext cx="1988090" cy="608411"/>
+      </dsp:txXfrm>
+    </dsp:sp>
+    <dsp:sp modelId="{4EB6F09F-196C-40CF-8745-F01952ACC4D5}">
+      <dsp:nvSpPr>
+        <dsp:cNvPr id="0" name=""/>
+        <dsp:cNvSpPr/>
+      </dsp:nvSpPr>
+      <dsp:spPr>
+        <a:xfrm>
+          <a:off x="6636565" y="695918"/>
+          <a:ext cx="2000639" cy="2960990"/>
+        </a:xfrm>
+        <a:prstGeom prst="rect">
+          <a:avLst/>
+        </a:prstGeom>
+        <a:solidFill>
+          <a:schemeClr val="accent5">
+            <a:tint val="40000"/>
+            <a:alpha val="90000"/>
+            <a:hueOff val="0"/>
+            <a:satOff val="0"/>
+            <a:lumOff val="0"/>
+            <a:alphaOff val="0"/>
+          </a:schemeClr>
+        </a:solidFill>
+        <a:ln w="25400" cap="flat" cmpd="sng" algn="ctr">
+          <a:solidFill>
+            <a:schemeClr val="accent5">
+              <a:tint val="40000"/>
+              <a:alpha val="90000"/>
+              <a:hueOff val="0"/>
+              <a:satOff val="0"/>
+              <a:lumOff val="0"/>
+              <a:alphaOff val="0"/>
+            </a:schemeClr>
+          </a:solidFill>
+          <a:prstDash val="solid"/>
+        </a:ln>
+        <a:effectLst/>
+      </dsp:spPr>
+      <dsp:style>
+        <a:lnRef idx="2">
+          <a:scrgbClr r="0" g="0" b="0"/>
+        </a:lnRef>
+        <a:fillRef idx="1">
+          <a:scrgbClr r="0" g="0" b="0"/>
+        </a:fillRef>
+        <a:effectRef idx="0">
+          <a:scrgbClr r="0" g="0" b="0"/>
+        </a:effectRef>
+        <a:fontRef idx="minor"/>
+      </dsp:style>
+      <dsp:txBody>
+        <a:bodyPr spcFirstLastPara="0" vert="horz" wrap="square" lIns="74676" tIns="74676" rIns="99568" bIns="112014" numCol="1" spcCol="1270" anchor="t" anchorCtr="0">
+          <a:noAutofit/>
+        </a:bodyPr>
+        <a:lstStyle/>
+        <a:p>
+          <a:pPr marL="114300" lvl="1" indent="-114300" algn="l" defTabSz="622300">
+            <a:lnSpc>
+              <a:spcPct val="90000"/>
+            </a:lnSpc>
+            <a:spcBef>
+              <a:spcPct val="0"/>
+            </a:spcBef>
+            <a:spcAft>
+              <a:spcPct val="15000"/>
+            </a:spcAft>
+            <a:buChar char="••"/>
+          </a:pPr>
+          <a:r>
+            <a:rPr lang="es-ES_tradnl" sz="1400" b="0" kern="1200" dirty="0" smtClean="0"/>
+            <a:t>Estudio Legal</a:t>
+          </a:r>
+          <a:endParaRPr lang="en-US" sz="1400" b="0" kern="1200" dirty="0"/>
+        </a:p>
+        <a:p>
+          <a:pPr marL="114300" lvl="1" indent="-114300" algn="l" defTabSz="622300">
+            <a:lnSpc>
+              <a:spcPct val="90000"/>
+            </a:lnSpc>
+            <a:spcBef>
+              <a:spcPct val="0"/>
+            </a:spcBef>
+            <a:spcAft>
+              <a:spcPct val="15000"/>
+            </a:spcAft>
+            <a:buChar char="••"/>
+          </a:pPr>
+          <a:r>
+            <a:rPr lang="es-ES_tradnl" sz="1400" b="0" kern="1200" dirty="0" smtClean="0"/>
+            <a:t>Estudio de Mercado</a:t>
+          </a:r>
+          <a:endParaRPr lang="en-US" sz="1400" b="0" kern="1200" dirty="0"/>
+        </a:p>
+        <a:p>
+          <a:pPr marL="114300" lvl="1" indent="-114300" algn="l" defTabSz="622300">
+            <a:lnSpc>
+              <a:spcPct val="90000"/>
+            </a:lnSpc>
+            <a:spcBef>
+              <a:spcPct val="0"/>
+            </a:spcBef>
+            <a:spcAft>
+              <a:spcPct val="15000"/>
+            </a:spcAft>
+            <a:buChar char="••"/>
+          </a:pPr>
+          <a:r>
+            <a:rPr lang="es-ES_tradnl" sz="1400" b="0" kern="1200" dirty="0" smtClean="0"/>
+            <a:t>Estudio Financiero</a:t>
+          </a:r>
+          <a:endParaRPr lang="en-US" sz="1400" b="0" kern="1200" dirty="0"/>
+        </a:p>
+        <a:p>
+          <a:pPr marL="114300" lvl="1" indent="-114300" algn="l" defTabSz="622300">
+            <a:lnSpc>
+              <a:spcPct val="90000"/>
+            </a:lnSpc>
+            <a:spcBef>
+              <a:spcPct val="0"/>
+            </a:spcBef>
+            <a:spcAft>
+              <a:spcPct val="15000"/>
+            </a:spcAft>
+            <a:buChar char="••"/>
+          </a:pPr>
+          <a:r>
+            <a:rPr lang="es-ES_tradnl" sz="1400" b="0" kern="1200" dirty="0" smtClean="0"/>
+            <a:t>Estudio Ambiental</a:t>
+          </a:r>
+          <a:endParaRPr lang="en-US" sz="1400" b="0" kern="1200" dirty="0"/>
+        </a:p>
+      </dsp:txBody>
+      <dsp:txXfrm>
+        <a:off x="6636565" y="695918"/>
+        <a:ext cx="2000639" cy="2960990"/>
+      </dsp:txXfrm>
+    </dsp:sp>
   </dsp:spTree>
 </dsp:drawing>
 </file>
@@ -6645,6 +8126,1524 @@
       <dsp:cNvGrpSpPr/>
     </dsp:nvGrpSpPr>
     <dsp:grpSpPr/>
+    <dsp:sp modelId="{7B9C61D3-E734-4A24-A944-215CF7A1B5A3}">
+      <dsp:nvSpPr>
+        <dsp:cNvPr id="0" name=""/>
+        <dsp:cNvSpPr/>
+      </dsp:nvSpPr>
+      <dsp:spPr>
+        <a:xfrm rot="5400000">
+          <a:off x="-90375" y="91032"/>
+          <a:ext cx="602504" cy="421753"/>
+        </a:xfrm>
+        <a:prstGeom prst="chevron">
+          <a:avLst/>
+        </a:prstGeom>
+        <a:solidFill>
+          <a:schemeClr val="accent3">
+            <a:hueOff val="0"/>
+            <a:satOff val="0"/>
+            <a:lumOff val="0"/>
+            <a:alphaOff val="0"/>
+          </a:schemeClr>
+        </a:solidFill>
+        <a:ln w="25400" cap="flat" cmpd="sng" algn="ctr">
+          <a:solidFill>
+            <a:schemeClr val="accent3">
+              <a:hueOff val="0"/>
+              <a:satOff val="0"/>
+              <a:lumOff val="0"/>
+              <a:alphaOff val="0"/>
+            </a:schemeClr>
+          </a:solidFill>
+          <a:prstDash val="solid"/>
+        </a:ln>
+        <a:effectLst/>
+      </dsp:spPr>
+      <dsp:style>
+        <a:lnRef idx="2">
+          <a:scrgbClr r="0" g="0" b="0"/>
+        </a:lnRef>
+        <a:fillRef idx="1">
+          <a:scrgbClr r="0" g="0" b="0"/>
+        </a:fillRef>
+        <a:effectRef idx="0">
+          <a:scrgbClr r="0" g="0" b="0"/>
+        </a:effectRef>
+        <a:fontRef idx="minor">
+          <a:schemeClr val="lt1"/>
+        </a:fontRef>
+      </dsp:style>
+      <dsp:txBody>
+        <a:bodyPr spcFirstLastPara="0" vert="horz" wrap="square" lIns="6985" tIns="6985" rIns="6985" bIns="6985" numCol="1" spcCol="1270" anchor="ctr" anchorCtr="0">
+          <a:noAutofit/>
+        </a:bodyPr>
+        <a:lstStyle/>
+        <a:p>
+          <a:pPr lvl="0" algn="ctr" defTabSz="466725">
+            <a:lnSpc>
+              <a:spcPct val="90000"/>
+            </a:lnSpc>
+            <a:spcBef>
+              <a:spcPct val="0"/>
+            </a:spcBef>
+            <a:spcAft>
+              <a:spcPct val="35000"/>
+            </a:spcAft>
+          </a:pPr>
+          <a:endParaRPr lang="en-US" sz="1050" kern="1200"/>
+        </a:p>
+      </dsp:txBody>
+      <dsp:txXfrm rot="-5400000">
+        <a:off x="1" y="211534"/>
+        <a:ext cx="421753" cy="180751"/>
+      </dsp:txXfrm>
+    </dsp:sp>
+    <dsp:sp modelId="{7D924C14-A286-407C-A494-2605EF842E87}">
+      <dsp:nvSpPr>
+        <dsp:cNvPr id="0" name=""/>
+        <dsp:cNvSpPr/>
+      </dsp:nvSpPr>
+      <dsp:spPr>
+        <a:xfrm rot="5400000">
+          <a:off x="3759478" y="-3337068"/>
+          <a:ext cx="391627" cy="7067078"/>
+        </a:xfrm>
+        <a:prstGeom prst="round2SameRect">
+          <a:avLst/>
+        </a:prstGeom>
+        <a:solidFill>
+          <a:schemeClr val="lt1">
+            <a:alpha val="90000"/>
+            <a:hueOff val="0"/>
+            <a:satOff val="0"/>
+            <a:lumOff val="0"/>
+            <a:alphaOff val="0"/>
+          </a:schemeClr>
+        </a:solidFill>
+        <a:ln w="25400" cap="flat" cmpd="sng" algn="ctr">
+          <a:solidFill>
+            <a:schemeClr val="accent3">
+              <a:hueOff val="0"/>
+              <a:satOff val="0"/>
+              <a:lumOff val="0"/>
+              <a:alphaOff val="0"/>
+            </a:schemeClr>
+          </a:solidFill>
+          <a:prstDash val="solid"/>
+        </a:ln>
+        <a:effectLst/>
+      </dsp:spPr>
+      <dsp:style>
+        <a:lnRef idx="2">
+          <a:scrgbClr r="0" g="0" b="0"/>
+        </a:lnRef>
+        <a:fillRef idx="1">
+          <a:scrgbClr r="0" g="0" b="0"/>
+        </a:fillRef>
+        <a:effectRef idx="0">
+          <a:scrgbClr r="0" g="0" b="0"/>
+        </a:effectRef>
+        <a:fontRef idx="minor"/>
+      </dsp:style>
+      <dsp:txBody>
+        <a:bodyPr spcFirstLastPara="0" vert="horz" wrap="square" lIns="142240" tIns="12700" rIns="12700" bIns="12700" numCol="1" spcCol="1270" anchor="ctr" anchorCtr="0">
+          <a:noAutofit/>
+        </a:bodyPr>
+        <a:lstStyle/>
+        <a:p>
+          <a:pPr marL="228600" lvl="1" indent="-228600" algn="l" defTabSz="889000">
+            <a:lnSpc>
+              <a:spcPct val="90000"/>
+            </a:lnSpc>
+            <a:spcBef>
+              <a:spcPct val="0"/>
+            </a:spcBef>
+            <a:spcAft>
+              <a:spcPct val="15000"/>
+            </a:spcAft>
+            <a:buChar char="••"/>
+          </a:pPr>
+          <a:r>
+            <a:rPr lang="en-US" sz="2000" kern="1200" dirty="0" err="1"/>
+            <a:t>Pruebas</a:t>
+          </a:r>
+          <a:r>
+            <a:rPr lang="en-US" sz="2000" kern="1200" dirty="0"/>
+            <a:t> de </a:t>
+          </a:r>
+          <a:r>
+            <a:rPr lang="en-US" sz="2000" kern="1200" dirty="0" err="1"/>
+            <a:t>calidad</a:t>
+          </a:r>
+          <a:r>
+            <a:rPr lang="en-US" sz="2000" kern="1200" dirty="0"/>
+            <a:t> de </a:t>
+          </a:r>
+          <a:r>
+            <a:rPr lang="en-US" sz="2000" kern="1200" dirty="0" err="1"/>
+            <a:t>datos</a:t>
+          </a:r>
+          <a:r>
+            <a:rPr lang="en-US" sz="2000" kern="1200" dirty="0"/>
+            <a:t> del </a:t>
+          </a:r>
+          <a:r>
+            <a:rPr lang="es-CO" sz="2000" kern="1200" dirty="0"/>
+            <a:t>Data </a:t>
+          </a:r>
+          <a:r>
+            <a:rPr lang="es-CO" sz="2000" kern="1200" dirty="0" err="1"/>
+            <a:t>Warehouse</a:t>
+          </a:r>
+          <a:r>
+            <a:rPr lang="es-CO" sz="2000" kern="1200" dirty="0"/>
+            <a:t> del cliente </a:t>
+          </a:r>
+          <a:endParaRPr lang="en-US" sz="2000" kern="1200" dirty="0"/>
+        </a:p>
+      </dsp:txBody>
+      <dsp:txXfrm rot="-5400000">
+        <a:off x="421753" y="19775"/>
+        <a:ext cx="7047960" cy="353391"/>
+      </dsp:txXfrm>
+    </dsp:sp>
+    <dsp:sp modelId="{46DE062B-D172-4BF5-88A3-6686B42B8829}">
+      <dsp:nvSpPr>
+        <dsp:cNvPr id="0" name=""/>
+        <dsp:cNvSpPr/>
+      </dsp:nvSpPr>
+      <dsp:spPr>
+        <a:xfrm rot="5400000">
+          <a:off x="-90375" y="627623"/>
+          <a:ext cx="602504" cy="421753"/>
+        </a:xfrm>
+        <a:prstGeom prst="chevron">
+          <a:avLst/>
+        </a:prstGeom>
+        <a:solidFill>
+          <a:schemeClr val="accent3">
+            <a:hueOff val="1406283"/>
+            <a:satOff val="-2110"/>
+            <a:lumOff val="-343"/>
+            <a:alphaOff val="0"/>
+          </a:schemeClr>
+        </a:solidFill>
+        <a:ln w="25400" cap="flat" cmpd="sng" algn="ctr">
+          <a:solidFill>
+            <a:schemeClr val="accent3">
+              <a:hueOff val="1406283"/>
+              <a:satOff val="-2110"/>
+              <a:lumOff val="-343"/>
+              <a:alphaOff val="0"/>
+            </a:schemeClr>
+          </a:solidFill>
+          <a:prstDash val="solid"/>
+        </a:ln>
+        <a:effectLst/>
+      </dsp:spPr>
+      <dsp:style>
+        <a:lnRef idx="2">
+          <a:scrgbClr r="0" g="0" b="0"/>
+        </a:lnRef>
+        <a:fillRef idx="1">
+          <a:scrgbClr r="0" g="0" b="0"/>
+        </a:fillRef>
+        <a:effectRef idx="0">
+          <a:scrgbClr r="0" g="0" b="0"/>
+        </a:effectRef>
+        <a:fontRef idx="minor">
+          <a:schemeClr val="lt1"/>
+        </a:fontRef>
+      </dsp:style>
+      <dsp:txBody>
+        <a:bodyPr spcFirstLastPara="0" vert="horz" wrap="square" lIns="6985" tIns="6985" rIns="6985" bIns="6985" numCol="1" spcCol="1270" anchor="ctr" anchorCtr="0">
+          <a:noAutofit/>
+        </a:bodyPr>
+        <a:lstStyle/>
+        <a:p>
+          <a:pPr lvl="0" algn="ctr" defTabSz="466725">
+            <a:lnSpc>
+              <a:spcPct val="90000"/>
+            </a:lnSpc>
+            <a:spcBef>
+              <a:spcPct val="0"/>
+            </a:spcBef>
+            <a:spcAft>
+              <a:spcPct val="35000"/>
+            </a:spcAft>
+          </a:pPr>
+          <a:endParaRPr lang="en-US" sz="1050" kern="1200"/>
+        </a:p>
+      </dsp:txBody>
+      <dsp:txXfrm rot="-5400000">
+        <a:off x="1" y="748125"/>
+        <a:ext cx="421753" cy="180751"/>
+      </dsp:txXfrm>
+    </dsp:sp>
+    <dsp:sp modelId="{DD550D31-3E2A-4526-8E6B-FBCB4DC60A3D}">
+      <dsp:nvSpPr>
+        <dsp:cNvPr id="0" name=""/>
+        <dsp:cNvSpPr/>
+      </dsp:nvSpPr>
+      <dsp:spPr>
+        <a:xfrm rot="5400000">
+          <a:off x="3759478" y="-2800477"/>
+          <a:ext cx="391627" cy="7067078"/>
+        </a:xfrm>
+        <a:prstGeom prst="round2SameRect">
+          <a:avLst/>
+        </a:prstGeom>
+        <a:solidFill>
+          <a:schemeClr val="lt1">
+            <a:alpha val="90000"/>
+            <a:hueOff val="0"/>
+            <a:satOff val="0"/>
+            <a:lumOff val="0"/>
+            <a:alphaOff val="0"/>
+          </a:schemeClr>
+        </a:solidFill>
+        <a:ln w="25400" cap="flat" cmpd="sng" algn="ctr">
+          <a:solidFill>
+            <a:schemeClr val="accent3">
+              <a:hueOff val="1406283"/>
+              <a:satOff val="-2110"/>
+              <a:lumOff val="-343"/>
+              <a:alphaOff val="0"/>
+            </a:schemeClr>
+          </a:solidFill>
+          <a:prstDash val="solid"/>
+        </a:ln>
+        <a:effectLst/>
+      </dsp:spPr>
+      <dsp:style>
+        <a:lnRef idx="2">
+          <a:scrgbClr r="0" g="0" b="0"/>
+        </a:lnRef>
+        <a:fillRef idx="1">
+          <a:scrgbClr r="0" g="0" b="0"/>
+        </a:fillRef>
+        <a:effectRef idx="0">
+          <a:scrgbClr r="0" g="0" b="0"/>
+        </a:effectRef>
+        <a:fontRef idx="minor"/>
+      </dsp:style>
+      <dsp:txBody>
+        <a:bodyPr spcFirstLastPara="0" vert="horz" wrap="square" lIns="142240" tIns="12700" rIns="12700" bIns="12700" numCol="1" spcCol="1270" anchor="ctr" anchorCtr="0">
+          <a:noAutofit/>
+        </a:bodyPr>
+        <a:lstStyle/>
+        <a:p>
+          <a:pPr marL="228600" lvl="1" indent="-228600" algn="l" defTabSz="889000">
+            <a:lnSpc>
+              <a:spcPct val="90000"/>
+            </a:lnSpc>
+            <a:spcBef>
+              <a:spcPct val="0"/>
+            </a:spcBef>
+            <a:spcAft>
+              <a:spcPct val="15000"/>
+            </a:spcAft>
+            <a:buChar char="••"/>
+          </a:pPr>
+          <a:r>
+            <a:rPr lang="en-US" sz="2000" kern="1200" dirty="0" err="1" smtClean="0"/>
+            <a:t>Instalación</a:t>
+          </a:r>
+          <a:r>
+            <a:rPr lang="en-US" sz="2000" kern="1200" dirty="0" smtClean="0"/>
+            <a:t> </a:t>
+          </a:r>
+          <a:r>
+            <a:rPr lang="en-US" sz="2000" kern="1200" dirty="0"/>
+            <a:t>del </a:t>
+          </a:r>
+          <a:r>
+            <a:rPr lang="en-US" sz="2000" kern="1200" dirty="0" err="1"/>
+            <a:t>servidor</a:t>
+          </a:r>
+          <a:r>
+            <a:rPr lang="en-US" sz="2000" kern="1200" dirty="0"/>
+            <a:t> </a:t>
+          </a:r>
+          <a:r>
+            <a:rPr lang="en-US" sz="2000" kern="1200" dirty="0" err="1"/>
+            <a:t>Ludus</a:t>
+          </a:r>
+          <a:endParaRPr lang="en-US" sz="2000" kern="1200" dirty="0"/>
+        </a:p>
+      </dsp:txBody>
+      <dsp:txXfrm rot="-5400000">
+        <a:off x="421753" y="556366"/>
+        <a:ext cx="7047960" cy="353391"/>
+      </dsp:txXfrm>
+    </dsp:sp>
+    <dsp:sp modelId="{06937BDD-E20F-46E1-A338-115FDE4E0538}">
+      <dsp:nvSpPr>
+        <dsp:cNvPr id="0" name=""/>
+        <dsp:cNvSpPr/>
+      </dsp:nvSpPr>
+      <dsp:spPr>
+        <a:xfrm rot="5400000">
+          <a:off x="-90375" y="1164214"/>
+          <a:ext cx="602504" cy="421753"/>
+        </a:xfrm>
+        <a:prstGeom prst="chevron">
+          <a:avLst/>
+        </a:prstGeom>
+        <a:solidFill>
+          <a:schemeClr val="accent3">
+            <a:hueOff val="2812566"/>
+            <a:satOff val="-4220"/>
+            <a:lumOff val="-686"/>
+            <a:alphaOff val="0"/>
+          </a:schemeClr>
+        </a:solidFill>
+        <a:ln w="25400" cap="flat" cmpd="sng" algn="ctr">
+          <a:solidFill>
+            <a:schemeClr val="accent3">
+              <a:hueOff val="2812566"/>
+              <a:satOff val="-4220"/>
+              <a:lumOff val="-686"/>
+              <a:alphaOff val="0"/>
+            </a:schemeClr>
+          </a:solidFill>
+          <a:prstDash val="solid"/>
+        </a:ln>
+        <a:effectLst/>
+      </dsp:spPr>
+      <dsp:style>
+        <a:lnRef idx="2">
+          <a:scrgbClr r="0" g="0" b="0"/>
+        </a:lnRef>
+        <a:fillRef idx="1">
+          <a:scrgbClr r="0" g="0" b="0"/>
+        </a:fillRef>
+        <a:effectRef idx="0">
+          <a:scrgbClr r="0" g="0" b="0"/>
+        </a:effectRef>
+        <a:fontRef idx="minor">
+          <a:schemeClr val="lt1"/>
+        </a:fontRef>
+      </dsp:style>
+      <dsp:txBody>
+        <a:bodyPr spcFirstLastPara="0" vert="horz" wrap="square" lIns="6985" tIns="6985" rIns="6985" bIns="6985" numCol="1" spcCol="1270" anchor="ctr" anchorCtr="0">
+          <a:noAutofit/>
+        </a:bodyPr>
+        <a:lstStyle/>
+        <a:p>
+          <a:pPr lvl="0" algn="ctr" defTabSz="466725">
+            <a:lnSpc>
+              <a:spcPct val="90000"/>
+            </a:lnSpc>
+            <a:spcBef>
+              <a:spcPct val="0"/>
+            </a:spcBef>
+            <a:spcAft>
+              <a:spcPct val="35000"/>
+            </a:spcAft>
+          </a:pPr>
+          <a:endParaRPr lang="en-US" sz="1050" kern="1200"/>
+        </a:p>
+      </dsp:txBody>
+      <dsp:txXfrm rot="-5400000">
+        <a:off x="1" y="1284716"/>
+        <a:ext cx="421753" cy="180751"/>
+      </dsp:txXfrm>
+    </dsp:sp>
+    <dsp:sp modelId="{B3D561DC-B92F-4A16-9FF7-B07A6C428DAA}">
+      <dsp:nvSpPr>
+        <dsp:cNvPr id="0" name=""/>
+        <dsp:cNvSpPr/>
+      </dsp:nvSpPr>
+      <dsp:spPr>
+        <a:xfrm rot="5400000">
+          <a:off x="3759478" y="-2263887"/>
+          <a:ext cx="391627" cy="7067078"/>
+        </a:xfrm>
+        <a:prstGeom prst="round2SameRect">
+          <a:avLst/>
+        </a:prstGeom>
+        <a:solidFill>
+          <a:schemeClr val="lt1">
+            <a:alpha val="90000"/>
+            <a:hueOff val="0"/>
+            <a:satOff val="0"/>
+            <a:lumOff val="0"/>
+            <a:alphaOff val="0"/>
+          </a:schemeClr>
+        </a:solidFill>
+        <a:ln w="25400" cap="flat" cmpd="sng" algn="ctr">
+          <a:solidFill>
+            <a:schemeClr val="accent3">
+              <a:hueOff val="2812566"/>
+              <a:satOff val="-4220"/>
+              <a:lumOff val="-686"/>
+              <a:alphaOff val="0"/>
+            </a:schemeClr>
+          </a:solidFill>
+          <a:prstDash val="solid"/>
+        </a:ln>
+        <a:effectLst/>
+      </dsp:spPr>
+      <dsp:style>
+        <a:lnRef idx="2">
+          <a:scrgbClr r="0" g="0" b="0"/>
+        </a:lnRef>
+        <a:fillRef idx="1">
+          <a:scrgbClr r="0" g="0" b="0"/>
+        </a:fillRef>
+        <a:effectRef idx="0">
+          <a:scrgbClr r="0" g="0" b="0"/>
+        </a:effectRef>
+        <a:fontRef idx="minor"/>
+      </dsp:style>
+      <dsp:txBody>
+        <a:bodyPr spcFirstLastPara="0" vert="horz" wrap="square" lIns="142240" tIns="12700" rIns="12700" bIns="12700" numCol="1" spcCol="1270" anchor="ctr" anchorCtr="0">
+          <a:noAutofit/>
+        </a:bodyPr>
+        <a:lstStyle/>
+        <a:p>
+          <a:pPr marL="228600" lvl="1" indent="-228600" algn="l" defTabSz="889000">
+            <a:lnSpc>
+              <a:spcPct val="90000"/>
+            </a:lnSpc>
+            <a:spcBef>
+              <a:spcPct val="0"/>
+            </a:spcBef>
+            <a:spcAft>
+              <a:spcPct val="15000"/>
+            </a:spcAft>
+            <a:buChar char="••"/>
+          </a:pPr>
+          <a:r>
+            <a:rPr lang="en-US" sz="2000" kern="1200" dirty="0" err="1"/>
+            <a:t>Pruebas</a:t>
+          </a:r>
+          <a:r>
+            <a:rPr lang="en-US" sz="2000" kern="1200" dirty="0"/>
+            <a:t> de </a:t>
+          </a:r>
+          <a:r>
+            <a:rPr lang="en-US" sz="2000" kern="1200" dirty="0" err="1"/>
+            <a:t>conectividad</a:t>
+          </a:r>
+          <a:r>
+            <a:rPr lang="en-US" sz="2000" kern="1200" dirty="0"/>
+            <a:t> entre el </a:t>
+          </a:r>
+          <a:r>
+            <a:rPr lang="en-US" sz="2000" kern="1200" dirty="0" smtClean="0"/>
+            <a:t>Warehouse </a:t>
+          </a:r>
+          <a:r>
+            <a:rPr lang="en-US" sz="2000" kern="1200" dirty="0"/>
+            <a:t>- </a:t>
+          </a:r>
+          <a:r>
+            <a:rPr lang="en-US" sz="2000" kern="1200" dirty="0" err="1" smtClean="0"/>
+            <a:t>Servidor</a:t>
+          </a:r>
+          <a:r>
+            <a:rPr lang="en-US" sz="2000" kern="1200" dirty="0" smtClean="0"/>
+            <a:t> </a:t>
+          </a:r>
+          <a:r>
+            <a:rPr lang="en-US" sz="2000" kern="1200" dirty="0"/>
+            <a:t>(</a:t>
+          </a:r>
+          <a:r>
+            <a:rPr lang="es-CO" sz="2000" kern="1200" dirty="0" err="1"/>
+            <a:t>Ludus</a:t>
+          </a:r>
+          <a:r>
+            <a:rPr lang="en-US" sz="2000" kern="1200" dirty="0"/>
+            <a:t>)</a:t>
+          </a:r>
+        </a:p>
+      </dsp:txBody>
+      <dsp:txXfrm rot="-5400000">
+        <a:off x="421753" y="1092956"/>
+        <a:ext cx="7047960" cy="353391"/>
+      </dsp:txXfrm>
+    </dsp:sp>
+    <dsp:sp modelId="{55DE034D-D8F4-4EE6-BC85-FD58D04C7D7C}">
+      <dsp:nvSpPr>
+        <dsp:cNvPr id="0" name=""/>
+        <dsp:cNvSpPr/>
+      </dsp:nvSpPr>
+      <dsp:spPr>
+        <a:xfrm rot="5400000">
+          <a:off x="-90375" y="1700804"/>
+          <a:ext cx="602504" cy="421753"/>
+        </a:xfrm>
+        <a:prstGeom prst="chevron">
+          <a:avLst/>
+        </a:prstGeom>
+        <a:solidFill>
+          <a:schemeClr val="accent3">
+            <a:hueOff val="4218849"/>
+            <a:satOff val="-6330"/>
+            <a:lumOff val="-1029"/>
+            <a:alphaOff val="0"/>
+          </a:schemeClr>
+        </a:solidFill>
+        <a:ln w="25400" cap="flat" cmpd="sng" algn="ctr">
+          <a:solidFill>
+            <a:schemeClr val="accent3">
+              <a:hueOff val="4218849"/>
+              <a:satOff val="-6330"/>
+              <a:lumOff val="-1029"/>
+              <a:alphaOff val="0"/>
+            </a:schemeClr>
+          </a:solidFill>
+          <a:prstDash val="solid"/>
+        </a:ln>
+        <a:effectLst/>
+      </dsp:spPr>
+      <dsp:style>
+        <a:lnRef idx="2">
+          <a:scrgbClr r="0" g="0" b="0"/>
+        </a:lnRef>
+        <a:fillRef idx="1">
+          <a:scrgbClr r="0" g="0" b="0"/>
+        </a:fillRef>
+        <a:effectRef idx="0">
+          <a:scrgbClr r="0" g="0" b="0"/>
+        </a:effectRef>
+        <a:fontRef idx="minor">
+          <a:schemeClr val="lt1"/>
+        </a:fontRef>
+      </dsp:style>
+      <dsp:txBody>
+        <a:bodyPr spcFirstLastPara="0" vert="horz" wrap="square" lIns="6985" tIns="6985" rIns="6985" bIns="6985" numCol="1" spcCol="1270" anchor="ctr" anchorCtr="0">
+          <a:noAutofit/>
+        </a:bodyPr>
+        <a:lstStyle/>
+        <a:p>
+          <a:pPr lvl="0" algn="ctr" defTabSz="466725">
+            <a:lnSpc>
+              <a:spcPct val="90000"/>
+            </a:lnSpc>
+            <a:spcBef>
+              <a:spcPct val="0"/>
+            </a:spcBef>
+            <a:spcAft>
+              <a:spcPct val="35000"/>
+            </a:spcAft>
+          </a:pPr>
+          <a:endParaRPr lang="en-US" sz="1050" kern="1200"/>
+        </a:p>
+      </dsp:txBody>
+      <dsp:txXfrm rot="-5400000">
+        <a:off x="1" y="1821306"/>
+        <a:ext cx="421753" cy="180751"/>
+      </dsp:txXfrm>
+    </dsp:sp>
+    <dsp:sp modelId="{2D9B2A39-300B-4D1B-8EA0-BC4E32FB2A60}">
+      <dsp:nvSpPr>
+        <dsp:cNvPr id="0" name=""/>
+        <dsp:cNvSpPr/>
+      </dsp:nvSpPr>
+      <dsp:spPr>
+        <a:xfrm rot="5400000">
+          <a:off x="3759478" y="-1727296"/>
+          <a:ext cx="391627" cy="7067078"/>
+        </a:xfrm>
+        <a:prstGeom prst="round2SameRect">
+          <a:avLst/>
+        </a:prstGeom>
+        <a:solidFill>
+          <a:schemeClr val="lt1">
+            <a:alpha val="90000"/>
+            <a:hueOff val="0"/>
+            <a:satOff val="0"/>
+            <a:lumOff val="0"/>
+            <a:alphaOff val="0"/>
+          </a:schemeClr>
+        </a:solidFill>
+        <a:ln w="25400" cap="flat" cmpd="sng" algn="ctr">
+          <a:solidFill>
+            <a:schemeClr val="accent3">
+              <a:hueOff val="4218849"/>
+              <a:satOff val="-6330"/>
+              <a:lumOff val="-1029"/>
+              <a:alphaOff val="0"/>
+            </a:schemeClr>
+          </a:solidFill>
+          <a:prstDash val="solid"/>
+        </a:ln>
+        <a:effectLst/>
+      </dsp:spPr>
+      <dsp:style>
+        <a:lnRef idx="2">
+          <a:scrgbClr r="0" g="0" b="0"/>
+        </a:lnRef>
+        <a:fillRef idx="1">
+          <a:scrgbClr r="0" g="0" b="0"/>
+        </a:fillRef>
+        <a:effectRef idx="0">
+          <a:scrgbClr r="0" g="0" b="0"/>
+        </a:effectRef>
+        <a:fontRef idx="minor"/>
+      </dsp:style>
+      <dsp:txBody>
+        <a:bodyPr spcFirstLastPara="0" vert="horz" wrap="square" lIns="142240" tIns="12700" rIns="12700" bIns="12700" numCol="1" spcCol="1270" anchor="ctr" anchorCtr="0">
+          <a:noAutofit/>
+        </a:bodyPr>
+        <a:lstStyle/>
+        <a:p>
+          <a:pPr marL="228600" lvl="1" indent="-228600" algn="l" defTabSz="889000">
+            <a:lnSpc>
+              <a:spcPct val="90000"/>
+            </a:lnSpc>
+            <a:spcBef>
+              <a:spcPct val="0"/>
+            </a:spcBef>
+            <a:spcAft>
+              <a:spcPct val="15000"/>
+            </a:spcAft>
+            <a:buChar char="••"/>
+          </a:pPr>
+          <a:r>
+            <a:rPr lang="en-US" sz="2000" kern="1200"/>
+            <a:t>Pruebas de acceso a datos</a:t>
+          </a:r>
+        </a:p>
+      </dsp:txBody>
+      <dsp:txXfrm rot="-5400000">
+        <a:off x="421753" y="1629547"/>
+        <a:ext cx="7047960" cy="353391"/>
+      </dsp:txXfrm>
+    </dsp:sp>
+    <dsp:sp modelId="{74CD68D7-6486-45EC-94E0-B1980F2F8544}">
+      <dsp:nvSpPr>
+        <dsp:cNvPr id="0" name=""/>
+        <dsp:cNvSpPr/>
+      </dsp:nvSpPr>
+      <dsp:spPr>
+        <a:xfrm rot="5400000">
+          <a:off x="-90375" y="2237395"/>
+          <a:ext cx="602504" cy="421753"/>
+        </a:xfrm>
+        <a:prstGeom prst="chevron">
+          <a:avLst/>
+        </a:prstGeom>
+        <a:solidFill>
+          <a:schemeClr val="accent3">
+            <a:hueOff val="5625132"/>
+            <a:satOff val="-8440"/>
+            <a:lumOff val="-1373"/>
+            <a:alphaOff val="0"/>
+          </a:schemeClr>
+        </a:solidFill>
+        <a:ln w="25400" cap="flat" cmpd="sng" algn="ctr">
+          <a:solidFill>
+            <a:schemeClr val="accent3">
+              <a:hueOff val="5625132"/>
+              <a:satOff val="-8440"/>
+              <a:lumOff val="-1373"/>
+              <a:alphaOff val="0"/>
+            </a:schemeClr>
+          </a:solidFill>
+          <a:prstDash val="solid"/>
+        </a:ln>
+        <a:effectLst/>
+      </dsp:spPr>
+      <dsp:style>
+        <a:lnRef idx="2">
+          <a:scrgbClr r="0" g="0" b="0"/>
+        </a:lnRef>
+        <a:fillRef idx="1">
+          <a:scrgbClr r="0" g="0" b="0"/>
+        </a:fillRef>
+        <a:effectRef idx="0">
+          <a:scrgbClr r="0" g="0" b="0"/>
+        </a:effectRef>
+        <a:fontRef idx="minor">
+          <a:schemeClr val="lt1"/>
+        </a:fontRef>
+      </dsp:style>
+      <dsp:txBody>
+        <a:bodyPr spcFirstLastPara="0" vert="horz" wrap="square" lIns="6985" tIns="6985" rIns="6985" bIns="6985" numCol="1" spcCol="1270" anchor="ctr" anchorCtr="0">
+          <a:noAutofit/>
+        </a:bodyPr>
+        <a:lstStyle/>
+        <a:p>
+          <a:pPr lvl="0" algn="ctr" defTabSz="466725">
+            <a:lnSpc>
+              <a:spcPct val="90000"/>
+            </a:lnSpc>
+            <a:spcBef>
+              <a:spcPct val="0"/>
+            </a:spcBef>
+            <a:spcAft>
+              <a:spcPct val="35000"/>
+            </a:spcAft>
+          </a:pPr>
+          <a:endParaRPr lang="en-US" sz="1050" kern="1200"/>
+        </a:p>
+      </dsp:txBody>
+      <dsp:txXfrm rot="-5400000">
+        <a:off x="1" y="2357897"/>
+        <a:ext cx="421753" cy="180751"/>
+      </dsp:txXfrm>
+    </dsp:sp>
+    <dsp:sp modelId="{5555DAA1-BFD7-47D4-A657-49CC0D39556F}">
+      <dsp:nvSpPr>
+        <dsp:cNvPr id="0" name=""/>
+        <dsp:cNvSpPr/>
+      </dsp:nvSpPr>
+      <dsp:spPr>
+        <a:xfrm rot="5400000">
+          <a:off x="3759478" y="-1190705"/>
+          <a:ext cx="391627" cy="7067078"/>
+        </a:xfrm>
+        <a:prstGeom prst="round2SameRect">
+          <a:avLst/>
+        </a:prstGeom>
+        <a:solidFill>
+          <a:schemeClr val="lt1">
+            <a:alpha val="90000"/>
+            <a:hueOff val="0"/>
+            <a:satOff val="0"/>
+            <a:lumOff val="0"/>
+            <a:alphaOff val="0"/>
+          </a:schemeClr>
+        </a:solidFill>
+        <a:ln w="25400" cap="flat" cmpd="sng" algn="ctr">
+          <a:solidFill>
+            <a:schemeClr val="accent3">
+              <a:hueOff val="5625132"/>
+              <a:satOff val="-8440"/>
+              <a:lumOff val="-1373"/>
+              <a:alphaOff val="0"/>
+            </a:schemeClr>
+          </a:solidFill>
+          <a:prstDash val="solid"/>
+        </a:ln>
+        <a:effectLst/>
+      </dsp:spPr>
+      <dsp:style>
+        <a:lnRef idx="2">
+          <a:scrgbClr r="0" g="0" b="0"/>
+        </a:lnRef>
+        <a:fillRef idx="1">
+          <a:scrgbClr r="0" g="0" b="0"/>
+        </a:fillRef>
+        <a:effectRef idx="0">
+          <a:scrgbClr r="0" g="0" b="0"/>
+        </a:effectRef>
+        <a:fontRef idx="minor"/>
+      </dsp:style>
+      <dsp:txBody>
+        <a:bodyPr spcFirstLastPara="0" vert="horz" wrap="square" lIns="142240" tIns="12700" rIns="12700" bIns="12700" numCol="1" spcCol="1270" anchor="ctr" anchorCtr="0">
+          <a:noAutofit/>
+        </a:bodyPr>
+        <a:lstStyle/>
+        <a:p>
+          <a:pPr marL="228600" lvl="1" indent="-228600" algn="l" defTabSz="889000">
+            <a:lnSpc>
+              <a:spcPct val="90000"/>
+            </a:lnSpc>
+            <a:spcBef>
+              <a:spcPct val="0"/>
+            </a:spcBef>
+            <a:spcAft>
+              <a:spcPct val="15000"/>
+            </a:spcAft>
+            <a:buChar char="••"/>
+          </a:pPr>
+          <a:r>
+            <a:rPr lang="en-US" sz="2000" kern="1200" dirty="0" err="1" smtClean="0"/>
+            <a:t>Instalación</a:t>
+          </a:r>
+          <a:r>
+            <a:rPr lang="en-US" sz="2000" kern="1200" dirty="0" smtClean="0"/>
+            <a:t> </a:t>
+          </a:r>
+          <a:r>
+            <a:rPr lang="en-US" sz="2000" kern="1200" dirty="0"/>
+            <a:t>de la </a:t>
+          </a:r>
+          <a:r>
+            <a:rPr lang="en-US" sz="2000" kern="1200" dirty="0" err="1" smtClean="0"/>
+            <a:t>solución</a:t>
+          </a:r>
+          <a:r>
+            <a:rPr lang="en-US" sz="2000" kern="1200" dirty="0" smtClean="0"/>
+            <a:t> </a:t>
+          </a:r>
+          <a:r>
+            <a:rPr lang="en-US" sz="2000" kern="1200" dirty="0"/>
+            <a:t>BA</a:t>
+          </a:r>
+        </a:p>
+      </dsp:txBody>
+      <dsp:txXfrm rot="-5400000">
+        <a:off x="421753" y="2166138"/>
+        <a:ext cx="7047960" cy="353391"/>
+      </dsp:txXfrm>
+    </dsp:sp>
+    <dsp:sp modelId="{8BA6A785-927D-4DE7-BA50-6A042BD6179A}">
+      <dsp:nvSpPr>
+        <dsp:cNvPr id="0" name=""/>
+        <dsp:cNvSpPr/>
+      </dsp:nvSpPr>
+      <dsp:spPr>
+        <a:xfrm rot="5400000">
+          <a:off x="-90375" y="2773986"/>
+          <a:ext cx="602504" cy="421753"/>
+        </a:xfrm>
+        <a:prstGeom prst="chevron">
+          <a:avLst/>
+        </a:prstGeom>
+        <a:solidFill>
+          <a:schemeClr val="accent3">
+            <a:hueOff val="7031415"/>
+            <a:satOff val="-10550"/>
+            <a:lumOff val="-1716"/>
+            <a:alphaOff val="0"/>
+          </a:schemeClr>
+        </a:solidFill>
+        <a:ln w="25400" cap="flat" cmpd="sng" algn="ctr">
+          <a:solidFill>
+            <a:schemeClr val="accent3">
+              <a:hueOff val="7031415"/>
+              <a:satOff val="-10550"/>
+              <a:lumOff val="-1716"/>
+              <a:alphaOff val="0"/>
+            </a:schemeClr>
+          </a:solidFill>
+          <a:prstDash val="solid"/>
+        </a:ln>
+        <a:effectLst/>
+      </dsp:spPr>
+      <dsp:style>
+        <a:lnRef idx="2">
+          <a:scrgbClr r="0" g="0" b="0"/>
+        </a:lnRef>
+        <a:fillRef idx="1">
+          <a:scrgbClr r="0" g="0" b="0"/>
+        </a:fillRef>
+        <a:effectRef idx="0">
+          <a:scrgbClr r="0" g="0" b="0"/>
+        </a:effectRef>
+        <a:fontRef idx="minor">
+          <a:schemeClr val="lt1"/>
+        </a:fontRef>
+      </dsp:style>
+      <dsp:txBody>
+        <a:bodyPr spcFirstLastPara="0" vert="horz" wrap="square" lIns="6985" tIns="6985" rIns="6985" bIns="6985" numCol="1" spcCol="1270" anchor="ctr" anchorCtr="0">
+          <a:noAutofit/>
+        </a:bodyPr>
+        <a:lstStyle/>
+        <a:p>
+          <a:pPr lvl="0" algn="ctr" defTabSz="466725">
+            <a:lnSpc>
+              <a:spcPct val="90000"/>
+            </a:lnSpc>
+            <a:spcBef>
+              <a:spcPct val="0"/>
+            </a:spcBef>
+            <a:spcAft>
+              <a:spcPct val="35000"/>
+            </a:spcAft>
+          </a:pPr>
+          <a:endParaRPr lang="en-US" sz="1050" kern="1200"/>
+        </a:p>
+      </dsp:txBody>
+      <dsp:txXfrm rot="-5400000">
+        <a:off x="1" y="2894488"/>
+        <a:ext cx="421753" cy="180751"/>
+      </dsp:txXfrm>
+    </dsp:sp>
+    <dsp:sp modelId="{9CF3735A-CCD7-4F50-9021-657BDACFD415}">
+      <dsp:nvSpPr>
+        <dsp:cNvPr id="0" name=""/>
+        <dsp:cNvSpPr/>
+      </dsp:nvSpPr>
+      <dsp:spPr>
+        <a:xfrm rot="5400000">
+          <a:off x="3759478" y="-654115"/>
+          <a:ext cx="391627" cy="7067078"/>
+        </a:xfrm>
+        <a:prstGeom prst="round2SameRect">
+          <a:avLst/>
+        </a:prstGeom>
+        <a:solidFill>
+          <a:schemeClr val="lt1">
+            <a:alpha val="90000"/>
+            <a:hueOff val="0"/>
+            <a:satOff val="0"/>
+            <a:lumOff val="0"/>
+            <a:alphaOff val="0"/>
+          </a:schemeClr>
+        </a:solidFill>
+        <a:ln w="25400" cap="flat" cmpd="sng" algn="ctr">
+          <a:solidFill>
+            <a:schemeClr val="accent3">
+              <a:hueOff val="7031415"/>
+              <a:satOff val="-10550"/>
+              <a:lumOff val="-1716"/>
+              <a:alphaOff val="0"/>
+            </a:schemeClr>
+          </a:solidFill>
+          <a:prstDash val="solid"/>
+        </a:ln>
+        <a:effectLst/>
+      </dsp:spPr>
+      <dsp:style>
+        <a:lnRef idx="2">
+          <a:scrgbClr r="0" g="0" b="0"/>
+        </a:lnRef>
+        <a:fillRef idx="1">
+          <a:scrgbClr r="0" g="0" b="0"/>
+        </a:fillRef>
+        <a:effectRef idx="0">
+          <a:scrgbClr r="0" g="0" b="0"/>
+        </a:effectRef>
+        <a:fontRef idx="minor"/>
+      </dsp:style>
+      <dsp:txBody>
+        <a:bodyPr spcFirstLastPara="0" vert="horz" wrap="square" lIns="142240" tIns="12700" rIns="12700" bIns="12700" numCol="1" spcCol="1270" anchor="ctr" anchorCtr="0">
+          <a:noAutofit/>
+        </a:bodyPr>
+        <a:lstStyle/>
+        <a:p>
+          <a:pPr marL="228600" lvl="1" indent="-228600" algn="l" defTabSz="889000">
+            <a:lnSpc>
+              <a:spcPct val="90000"/>
+            </a:lnSpc>
+            <a:spcBef>
+              <a:spcPct val="0"/>
+            </a:spcBef>
+            <a:spcAft>
+              <a:spcPct val="15000"/>
+            </a:spcAft>
+            <a:buChar char="••"/>
+          </a:pPr>
+          <a:r>
+            <a:rPr lang="en-US" sz="2000" kern="1200" dirty="0" err="1"/>
+            <a:t>Pruebas</a:t>
+          </a:r>
+          <a:r>
+            <a:rPr lang="en-US" sz="2000" kern="1200" dirty="0"/>
+            <a:t> de </a:t>
+          </a:r>
+          <a:r>
+            <a:rPr lang="en-US" sz="2000" kern="1200" dirty="0" err="1" smtClean="0"/>
+            <a:t>análisis</a:t>
+          </a:r>
+          <a:r>
+            <a:rPr lang="en-US" sz="2000" kern="1200" dirty="0" smtClean="0"/>
+            <a:t> </a:t>
+          </a:r>
+          <a:r>
+            <a:rPr lang="en-US" sz="2000" kern="1200" dirty="0"/>
+            <a:t>de </a:t>
+          </a:r>
+          <a:r>
+            <a:rPr lang="en-US" sz="2000" kern="1200" dirty="0" err="1"/>
+            <a:t>datos</a:t>
+          </a:r>
+          <a:endParaRPr lang="en-US" sz="2000" kern="1200" dirty="0"/>
+        </a:p>
+      </dsp:txBody>
+      <dsp:txXfrm rot="-5400000">
+        <a:off x="421753" y="2702728"/>
+        <a:ext cx="7047960" cy="353391"/>
+      </dsp:txXfrm>
+    </dsp:sp>
+    <dsp:sp modelId="{CBE227D2-8DD8-40B8-868A-F1F854EF4D92}">
+      <dsp:nvSpPr>
+        <dsp:cNvPr id="0" name=""/>
+        <dsp:cNvSpPr/>
+      </dsp:nvSpPr>
+      <dsp:spPr>
+        <a:xfrm rot="5400000">
+          <a:off x="-90375" y="3310576"/>
+          <a:ext cx="602504" cy="421753"/>
+        </a:xfrm>
+        <a:prstGeom prst="chevron">
+          <a:avLst/>
+        </a:prstGeom>
+        <a:solidFill>
+          <a:schemeClr val="accent3">
+            <a:hueOff val="8437698"/>
+            <a:satOff val="-12660"/>
+            <a:lumOff val="-2059"/>
+            <a:alphaOff val="0"/>
+          </a:schemeClr>
+        </a:solidFill>
+        <a:ln w="25400" cap="flat" cmpd="sng" algn="ctr">
+          <a:solidFill>
+            <a:schemeClr val="accent3">
+              <a:hueOff val="8437698"/>
+              <a:satOff val="-12660"/>
+              <a:lumOff val="-2059"/>
+              <a:alphaOff val="0"/>
+            </a:schemeClr>
+          </a:solidFill>
+          <a:prstDash val="solid"/>
+        </a:ln>
+        <a:effectLst/>
+      </dsp:spPr>
+      <dsp:style>
+        <a:lnRef idx="2">
+          <a:scrgbClr r="0" g="0" b="0"/>
+        </a:lnRef>
+        <a:fillRef idx="1">
+          <a:scrgbClr r="0" g="0" b="0"/>
+        </a:fillRef>
+        <a:effectRef idx="0">
+          <a:scrgbClr r="0" g="0" b="0"/>
+        </a:effectRef>
+        <a:fontRef idx="minor">
+          <a:schemeClr val="lt1"/>
+        </a:fontRef>
+      </dsp:style>
+      <dsp:txBody>
+        <a:bodyPr spcFirstLastPara="0" vert="horz" wrap="square" lIns="6985" tIns="6985" rIns="6985" bIns="6985" numCol="1" spcCol="1270" anchor="ctr" anchorCtr="0">
+          <a:noAutofit/>
+        </a:bodyPr>
+        <a:lstStyle/>
+        <a:p>
+          <a:pPr lvl="0" algn="ctr" defTabSz="466725">
+            <a:lnSpc>
+              <a:spcPct val="90000"/>
+            </a:lnSpc>
+            <a:spcBef>
+              <a:spcPct val="0"/>
+            </a:spcBef>
+            <a:spcAft>
+              <a:spcPct val="35000"/>
+            </a:spcAft>
+          </a:pPr>
+          <a:endParaRPr lang="en-US" sz="1050" kern="1200"/>
+        </a:p>
+      </dsp:txBody>
+      <dsp:txXfrm rot="-5400000">
+        <a:off x="1" y="3431078"/>
+        <a:ext cx="421753" cy="180751"/>
+      </dsp:txXfrm>
+    </dsp:sp>
+    <dsp:sp modelId="{1D11BA6A-8B5A-492E-9D05-2C356020F385}">
+      <dsp:nvSpPr>
+        <dsp:cNvPr id="0" name=""/>
+        <dsp:cNvSpPr/>
+      </dsp:nvSpPr>
+      <dsp:spPr>
+        <a:xfrm rot="5400000">
+          <a:off x="3759478" y="-117524"/>
+          <a:ext cx="391627" cy="7067078"/>
+        </a:xfrm>
+        <a:prstGeom prst="round2SameRect">
+          <a:avLst/>
+        </a:prstGeom>
+        <a:solidFill>
+          <a:schemeClr val="lt1">
+            <a:alpha val="90000"/>
+            <a:hueOff val="0"/>
+            <a:satOff val="0"/>
+            <a:lumOff val="0"/>
+            <a:alphaOff val="0"/>
+          </a:schemeClr>
+        </a:solidFill>
+        <a:ln w="25400" cap="flat" cmpd="sng" algn="ctr">
+          <a:solidFill>
+            <a:schemeClr val="accent3">
+              <a:hueOff val="8437698"/>
+              <a:satOff val="-12660"/>
+              <a:lumOff val="-2059"/>
+              <a:alphaOff val="0"/>
+            </a:schemeClr>
+          </a:solidFill>
+          <a:prstDash val="solid"/>
+        </a:ln>
+        <a:effectLst/>
+      </dsp:spPr>
+      <dsp:style>
+        <a:lnRef idx="2">
+          <a:scrgbClr r="0" g="0" b="0"/>
+        </a:lnRef>
+        <a:fillRef idx="1">
+          <a:scrgbClr r="0" g="0" b="0"/>
+        </a:fillRef>
+        <a:effectRef idx="0">
+          <a:scrgbClr r="0" g="0" b="0"/>
+        </a:effectRef>
+        <a:fontRef idx="minor"/>
+      </dsp:style>
+      <dsp:txBody>
+        <a:bodyPr spcFirstLastPara="0" vert="horz" wrap="square" lIns="142240" tIns="12700" rIns="12700" bIns="12700" numCol="1" spcCol="1270" anchor="ctr" anchorCtr="0">
+          <a:noAutofit/>
+        </a:bodyPr>
+        <a:lstStyle/>
+        <a:p>
+          <a:pPr marL="228600" lvl="1" indent="-228600" algn="l" defTabSz="889000">
+            <a:lnSpc>
+              <a:spcPct val="90000"/>
+            </a:lnSpc>
+            <a:spcBef>
+              <a:spcPct val="0"/>
+            </a:spcBef>
+            <a:spcAft>
+              <a:spcPct val="15000"/>
+            </a:spcAft>
+            <a:buChar char="••"/>
+          </a:pPr>
+          <a:r>
+            <a:rPr lang="en-US" sz="2000" kern="1200" dirty="0" err="1" smtClean="0"/>
+            <a:t>Creación</a:t>
+          </a:r>
+          <a:r>
+            <a:rPr lang="en-US" sz="2000" kern="1200" dirty="0" smtClean="0"/>
+            <a:t> </a:t>
+          </a:r>
+          <a:r>
+            <a:rPr lang="en-US" sz="2000" kern="1200" dirty="0"/>
+            <a:t>de </a:t>
+          </a:r>
+          <a:r>
+            <a:rPr lang="en-US" sz="2000" kern="1200" dirty="0" err="1"/>
+            <a:t>reportes</a:t>
+          </a:r>
+          <a:endParaRPr lang="en-US" sz="2000" kern="1200" dirty="0"/>
+        </a:p>
+      </dsp:txBody>
+      <dsp:txXfrm rot="-5400000">
+        <a:off x="421753" y="3239319"/>
+        <a:ext cx="7047960" cy="353391"/>
+      </dsp:txXfrm>
+    </dsp:sp>
+    <dsp:sp modelId="{934E52F8-1F31-421D-98B1-AF190D4E2E54}">
+      <dsp:nvSpPr>
+        <dsp:cNvPr id="0" name=""/>
+        <dsp:cNvSpPr/>
+      </dsp:nvSpPr>
+      <dsp:spPr>
+        <a:xfrm rot="5400000">
+          <a:off x="-90375" y="3847167"/>
+          <a:ext cx="602504" cy="421753"/>
+        </a:xfrm>
+        <a:prstGeom prst="chevron">
+          <a:avLst/>
+        </a:prstGeom>
+        <a:solidFill>
+          <a:schemeClr val="accent3">
+            <a:hueOff val="9843981"/>
+            <a:satOff val="-14770"/>
+            <a:lumOff val="-2402"/>
+            <a:alphaOff val="0"/>
+          </a:schemeClr>
+        </a:solidFill>
+        <a:ln w="25400" cap="flat" cmpd="sng" algn="ctr">
+          <a:solidFill>
+            <a:schemeClr val="accent3">
+              <a:hueOff val="9843981"/>
+              <a:satOff val="-14770"/>
+              <a:lumOff val="-2402"/>
+              <a:alphaOff val="0"/>
+            </a:schemeClr>
+          </a:solidFill>
+          <a:prstDash val="solid"/>
+        </a:ln>
+        <a:effectLst/>
+      </dsp:spPr>
+      <dsp:style>
+        <a:lnRef idx="2">
+          <a:scrgbClr r="0" g="0" b="0"/>
+        </a:lnRef>
+        <a:fillRef idx="1">
+          <a:scrgbClr r="0" g="0" b="0"/>
+        </a:fillRef>
+        <a:effectRef idx="0">
+          <a:scrgbClr r="0" g="0" b="0"/>
+        </a:effectRef>
+        <a:fontRef idx="minor">
+          <a:schemeClr val="lt1"/>
+        </a:fontRef>
+      </dsp:style>
+      <dsp:txBody>
+        <a:bodyPr spcFirstLastPara="0" vert="horz" wrap="square" lIns="6985" tIns="6985" rIns="6985" bIns="6985" numCol="1" spcCol="1270" anchor="ctr" anchorCtr="0">
+          <a:noAutofit/>
+        </a:bodyPr>
+        <a:lstStyle/>
+        <a:p>
+          <a:pPr lvl="0" algn="ctr" defTabSz="466725">
+            <a:lnSpc>
+              <a:spcPct val="90000"/>
+            </a:lnSpc>
+            <a:spcBef>
+              <a:spcPct val="0"/>
+            </a:spcBef>
+            <a:spcAft>
+              <a:spcPct val="35000"/>
+            </a:spcAft>
+          </a:pPr>
+          <a:endParaRPr lang="en-US" sz="1050" kern="1200"/>
+        </a:p>
+      </dsp:txBody>
+      <dsp:txXfrm rot="-5400000">
+        <a:off x="1" y="3967669"/>
+        <a:ext cx="421753" cy="180751"/>
+      </dsp:txXfrm>
+    </dsp:sp>
+    <dsp:sp modelId="{3A70B292-ED2A-479B-9C73-0AF5B65FCDA0}">
+      <dsp:nvSpPr>
+        <dsp:cNvPr id="0" name=""/>
+        <dsp:cNvSpPr/>
+      </dsp:nvSpPr>
+      <dsp:spPr>
+        <a:xfrm rot="5400000">
+          <a:off x="3759478" y="419066"/>
+          <a:ext cx="391627" cy="7067078"/>
+        </a:xfrm>
+        <a:prstGeom prst="round2SameRect">
+          <a:avLst/>
+        </a:prstGeom>
+        <a:solidFill>
+          <a:schemeClr val="lt1">
+            <a:alpha val="90000"/>
+            <a:hueOff val="0"/>
+            <a:satOff val="0"/>
+            <a:lumOff val="0"/>
+            <a:alphaOff val="0"/>
+          </a:schemeClr>
+        </a:solidFill>
+        <a:ln w="25400" cap="flat" cmpd="sng" algn="ctr">
+          <a:solidFill>
+            <a:schemeClr val="accent3">
+              <a:hueOff val="9843981"/>
+              <a:satOff val="-14770"/>
+              <a:lumOff val="-2402"/>
+              <a:alphaOff val="0"/>
+            </a:schemeClr>
+          </a:solidFill>
+          <a:prstDash val="solid"/>
+        </a:ln>
+        <a:effectLst/>
+      </dsp:spPr>
+      <dsp:style>
+        <a:lnRef idx="2">
+          <a:scrgbClr r="0" g="0" b="0"/>
+        </a:lnRef>
+        <a:fillRef idx="1">
+          <a:scrgbClr r="0" g="0" b="0"/>
+        </a:fillRef>
+        <a:effectRef idx="0">
+          <a:scrgbClr r="0" g="0" b="0"/>
+        </a:effectRef>
+        <a:fontRef idx="minor"/>
+      </dsp:style>
+      <dsp:txBody>
+        <a:bodyPr spcFirstLastPara="0" vert="horz" wrap="square" lIns="142240" tIns="12700" rIns="12700" bIns="12700" numCol="1" spcCol="1270" anchor="ctr" anchorCtr="0">
+          <a:noAutofit/>
+        </a:bodyPr>
+        <a:lstStyle/>
+        <a:p>
+          <a:pPr marL="228600" lvl="1" indent="-228600" algn="l" defTabSz="889000">
+            <a:lnSpc>
+              <a:spcPct val="90000"/>
+            </a:lnSpc>
+            <a:spcBef>
+              <a:spcPct val="0"/>
+            </a:spcBef>
+            <a:spcAft>
+              <a:spcPct val="15000"/>
+            </a:spcAft>
+            <a:buChar char="••"/>
+          </a:pPr>
+          <a:r>
+            <a:rPr lang="en-US" sz="2000" kern="1200" dirty="0" err="1" smtClean="0"/>
+            <a:t>Creación</a:t>
+          </a:r>
+          <a:r>
+            <a:rPr lang="en-US" sz="2000" kern="1200" dirty="0" smtClean="0"/>
+            <a:t> </a:t>
+          </a:r>
+          <a:r>
+            <a:rPr lang="en-US" sz="2000" kern="1200" dirty="0"/>
+            <a:t>de </a:t>
+          </a:r>
+          <a:r>
+            <a:rPr lang="en-US" sz="2000" kern="1200" dirty="0" err="1"/>
+            <a:t>diagramas</a:t>
+          </a:r>
+          <a:r>
+            <a:rPr lang="en-US" sz="2000" kern="1200" dirty="0"/>
+            <a:t> y </a:t>
+          </a:r>
+          <a:r>
+            <a:rPr lang="en-US" sz="2000" kern="1200" dirty="0" err="1"/>
+            <a:t>mapas</a:t>
+          </a:r>
+          <a:endParaRPr lang="en-US" sz="2000" kern="1200" dirty="0"/>
+        </a:p>
+      </dsp:txBody>
+      <dsp:txXfrm rot="-5400000">
+        <a:off x="421753" y="3775909"/>
+        <a:ext cx="7047960" cy="353391"/>
+      </dsp:txXfrm>
+    </dsp:sp>
+    <dsp:sp modelId="{BEE86D47-DEB0-47FE-BA07-F46E88E4EA5B}">
+      <dsp:nvSpPr>
+        <dsp:cNvPr id="0" name=""/>
+        <dsp:cNvSpPr/>
+      </dsp:nvSpPr>
+      <dsp:spPr>
+        <a:xfrm rot="5400000">
+          <a:off x="-90375" y="4383758"/>
+          <a:ext cx="602504" cy="421753"/>
+        </a:xfrm>
+        <a:prstGeom prst="chevron">
+          <a:avLst/>
+        </a:prstGeom>
+        <a:solidFill>
+          <a:schemeClr val="accent3">
+            <a:hueOff val="11250264"/>
+            <a:satOff val="-16880"/>
+            <a:lumOff val="-2745"/>
+            <a:alphaOff val="0"/>
+          </a:schemeClr>
+        </a:solidFill>
+        <a:ln w="25400" cap="flat" cmpd="sng" algn="ctr">
+          <a:solidFill>
+            <a:schemeClr val="accent3">
+              <a:hueOff val="11250264"/>
+              <a:satOff val="-16880"/>
+              <a:lumOff val="-2745"/>
+              <a:alphaOff val="0"/>
+            </a:schemeClr>
+          </a:solidFill>
+          <a:prstDash val="solid"/>
+        </a:ln>
+        <a:effectLst/>
+      </dsp:spPr>
+      <dsp:style>
+        <a:lnRef idx="2">
+          <a:scrgbClr r="0" g="0" b="0"/>
+        </a:lnRef>
+        <a:fillRef idx="1">
+          <a:scrgbClr r="0" g="0" b="0"/>
+        </a:fillRef>
+        <a:effectRef idx="0">
+          <a:scrgbClr r="0" g="0" b="0"/>
+        </a:effectRef>
+        <a:fontRef idx="minor">
+          <a:schemeClr val="lt1"/>
+        </a:fontRef>
+      </dsp:style>
+      <dsp:txBody>
+        <a:bodyPr spcFirstLastPara="0" vert="horz" wrap="square" lIns="6985" tIns="6985" rIns="6985" bIns="6985" numCol="1" spcCol="1270" anchor="ctr" anchorCtr="0">
+          <a:noAutofit/>
+        </a:bodyPr>
+        <a:lstStyle/>
+        <a:p>
+          <a:pPr lvl="0" algn="ctr" defTabSz="466725">
+            <a:lnSpc>
+              <a:spcPct val="90000"/>
+            </a:lnSpc>
+            <a:spcBef>
+              <a:spcPct val="0"/>
+            </a:spcBef>
+            <a:spcAft>
+              <a:spcPct val="35000"/>
+            </a:spcAft>
+          </a:pPr>
+          <a:endParaRPr lang="en-US" sz="1050" kern="1200"/>
+        </a:p>
+      </dsp:txBody>
+      <dsp:txXfrm rot="-5400000">
+        <a:off x="1" y="4504260"/>
+        <a:ext cx="421753" cy="180751"/>
+      </dsp:txXfrm>
+    </dsp:sp>
+    <dsp:sp modelId="{B23AAA86-8260-4C63-858F-545D418AA6FE}">
+      <dsp:nvSpPr>
+        <dsp:cNvPr id="0" name=""/>
+        <dsp:cNvSpPr/>
+      </dsp:nvSpPr>
+      <dsp:spPr>
+        <a:xfrm rot="5400000">
+          <a:off x="3759478" y="955657"/>
+          <a:ext cx="391627" cy="7067078"/>
+        </a:xfrm>
+        <a:prstGeom prst="round2SameRect">
+          <a:avLst/>
+        </a:prstGeom>
+        <a:solidFill>
+          <a:schemeClr val="lt1">
+            <a:alpha val="90000"/>
+            <a:hueOff val="0"/>
+            <a:satOff val="0"/>
+            <a:lumOff val="0"/>
+            <a:alphaOff val="0"/>
+          </a:schemeClr>
+        </a:solidFill>
+        <a:ln w="25400" cap="flat" cmpd="sng" algn="ctr">
+          <a:solidFill>
+            <a:schemeClr val="accent3">
+              <a:hueOff val="11250264"/>
+              <a:satOff val="-16880"/>
+              <a:lumOff val="-2745"/>
+              <a:alphaOff val="0"/>
+            </a:schemeClr>
+          </a:solidFill>
+          <a:prstDash val="solid"/>
+        </a:ln>
+        <a:effectLst/>
+      </dsp:spPr>
+      <dsp:style>
+        <a:lnRef idx="2">
+          <a:scrgbClr r="0" g="0" b="0"/>
+        </a:lnRef>
+        <a:fillRef idx="1">
+          <a:scrgbClr r="0" g="0" b="0"/>
+        </a:fillRef>
+        <a:effectRef idx="0">
+          <a:scrgbClr r="0" g="0" b="0"/>
+        </a:effectRef>
+        <a:fontRef idx="minor"/>
+      </dsp:style>
+      <dsp:txBody>
+        <a:bodyPr spcFirstLastPara="0" vert="horz" wrap="square" lIns="142240" tIns="12700" rIns="12700" bIns="12700" numCol="1" spcCol="1270" anchor="ctr" anchorCtr="0">
+          <a:noAutofit/>
+        </a:bodyPr>
+        <a:lstStyle/>
+        <a:p>
+          <a:pPr marL="228600" lvl="1" indent="-228600" algn="l" defTabSz="889000">
+            <a:lnSpc>
+              <a:spcPct val="90000"/>
+            </a:lnSpc>
+            <a:spcBef>
+              <a:spcPct val="0"/>
+            </a:spcBef>
+            <a:spcAft>
+              <a:spcPct val="15000"/>
+            </a:spcAft>
+            <a:buChar char="••"/>
+          </a:pPr>
+          <a:r>
+            <a:rPr lang="en-US" sz="2000" kern="1200" dirty="0" err="1" smtClean="0"/>
+            <a:t>Presentación</a:t>
+          </a:r>
+          <a:r>
+            <a:rPr lang="en-US" sz="2000" kern="1200" dirty="0" smtClean="0"/>
+            <a:t> </a:t>
+          </a:r>
+          <a:r>
+            <a:rPr lang="en-US" sz="2000" kern="1200" dirty="0"/>
+            <a:t>del Dashboard </a:t>
+          </a:r>
+        </a:p>
+      </dsp:txBody>
+      <dsp:txXfrm rot="-5400000">
+        <a:off x="421753" y="4312500"/>
+        <a:ext cx="7047960" cy="353391"/>
+      </dsp:txXfrm>
+    </dsp:sp>
   </dsp:spTree>
 </dsp:drawing>
 </file>
@@ -6657,6 +9656,631 @@
       <dsp:cNvGrpSpPr/>
     </dsp:nvGrpSpPr>
     <dsp:grpSpPr/>
+    <dsp:sp modelId="{793C8ADD-3FD1-4639-AF77-6A208996CD53}">
+      <dsp:nvSpPr>
+        <dsp:cNvPr id="0" name=""/>
+        <dsp:cNvSpPr/>
+      </dsp:nvSpPr>
+      <dsp:spPr>
+        <a:xfrm>
+          <a:off x="0" y="369411"/>
+          <a:ext cx="7583211" cy="529200"/>
+        </a:xfrm>
+        <a:prstGeom prst="rect">
+          <a:avLst/>
+        </a:prstGeom>
+        <a:solidFill>
+          <a:schemeClr val="lt1">
+            <a:alpha val="90000"/>
+            <a:hueOff val="0"/>
+            <a:satOff val="0"/>
+            <a:lumOff val="0"/>
+            <a:alphaOff val="0"/>
+          </a:schemeClr>
+        </a:solidFill>
+        <a:ln w="25400" cap="flat" cmpd="sng" algn="ctr">
+          <a:solidFill>
+            <a:schemeClr val="accent4">
+              <a:hueOff val="0"/>
+              <a:satOff val="0"/>
+              <a:lumOff val="0"/>
+              <a:alphaOff val="0"/>
+            </a:schemeClr>
+          </a:solidFill>
+          <a:prstDash val="solid"/>
+        </a:ln>
+        <a:effectLst/>
+      </dsp:spPr>
+      <dsp:style>
+        <a:lnRef idx="2">
+          <a:scrgbClr r="0" g="0" b="0"/>
+        </a:lnRef>
+        <a:fillRef idx="1">
+          <a:scrgbClr r="0" g="0" b="0"/>
+        </a:fillRef>
+        <a:effectRef idx="0">
+          <a:scrgbClr r="0" g="0" b="0"/>
+        </a:effectRef>
+        <a:fontRef idx="minor"/>
+      </dsp:style>
+    </dsp:sp>
+    <dsp:sp modelId="{92742DCE-3D34-455E-BF95-EE9F0707F0A0}">
+      <dsp:nvSpPr>
+        <dsp:cNvPr id="0" name=""/>
+        <dsp:cNvSpPr/>
+      </dsp:nvSpPr>
+      <dsp:spPr>
+        <a:xfrm>
+          <a:off x="379160" y="59451"/>
+          <a:ext cx="5308247" cy="619920"/>
+        </a:xfrm>
+        <a:prstGeom prst="roundRect">
+          <a:avLst/>
+        </a:prstGeom>
+        <a:solidFill>
+          <a:schemeClr val="accent4">
+            <a:hueOff val="0"/>
+            <a:satOff val="0"/>
+            <a:lumOff val="0"/>
+            <a:alphaOff val="0"/>
+          </a:schemeClr>
+        </a:solidFill>
+        <a:ln w="25400" cap="flat" cmpd="sng" algn="ctr">
+          <a:solidFill>
+            <a:schemeClr val="lt1">
+              <a:hueOff val="0"/>
+              <a:satOff val="0"/>
+              <a:lumOff val="0"/>
+              <a:alphaOff val="0"/>
+            </a:schemeClr>
+          </a:solidFill>
+          <a:prstDash val="solid"/>
+        </a:ln>
+        <a:effectLst/>
+      </dsp:spPr>
+      <dsp:style>
+        <a:lnRef idx="2">
+          <a:scrgbClr r="0" g="0" b="0"/>
+        </a:lnRef>
+        <a:fillRef idx="1">
+          <a:scrgbClr r="0" g="0" b="0"/>
+        </a:fillRef>
+        <a:effectRef idx="0">
+          <a:scrgbClr r="0" g="0" b="0"/>
+        </a:effectRef>
+        <a:fontRef idx="minor">
+          <a:schemeClr val="lt1"/>
+        </a:fontRef>
+      </dsp:style>
+      <dsp:txBody>
+        <a:bodyPr spcFirstLastPara="0" vert="horz" wrap="square" lIns="200639" tIns="0" rIns="200639" bIns="0" numCol="1" spcCol="1270" anchor="ctr" anchorCtr="0">
+          <a:noAutofit/>
+        </a:bodyPr>
+        <a:lstStyle/>
+        <a:p>
+          <a:pPr lvl="0" algn="l" defTabSz="1066800">
+            <a:lnSpc>
+              <a:spcPct val="90000"/>
+            </a:lnSpc>
+            <a:spcBef>
+              <a:spcPct val="0"/>
+            </a:spcBef>
+            <a:spcAft>
+              <a:spcPct val="35000"/>
+            </a:spcAft>
+          </a:pPr>
+          <a:r>
+            <a:rPr lang="es-CO" sz="2400" b="1" kern="1200" dirty="0" smtClean="0"/>
+            <a:t>Capacitación Especializada</a:t>
+          </a:r>
+          <a:endParaRPr lang="en-US" sz="2400" kern="1200" dirty="0"/>
+        </a:p>
+      </dsp:txBody>
+      <dsp:txXfrm>
+        <a:off x="409422" y="89713"/>
+        <a:ext cx="5247723" cy="559396"/>
+      </dsp:txXfrm>
+    </dsp:sp>
+    <dsp:sp modelId="{6E9FEB2B-9A88-44E5-83F0-39ECFC6BA07C}">
+      <dsp:nvSpPr>
+        <dsp:cNvPr id="0" name=""/>
+        <dsp:cNvSpPr/>
+      </dsp:nvSpPr>
+      <dsp:spPr>
+        <a:xfrm>
+          <a:off x="0" y="1321971"/>
+          <a:ext cx="7583211" cy="529200"/>
+        </a:xfrm>
+        <a:prstGeom prst="rect">
+          <a:avLst/>
+        </a:prstGeom>
+        <a:solidFill>
+          <a:schemeClr val="lt1">
+            <a:alpha val="90000"/>
+            <a:hueOff val="0"/>
+            <a:satOff val="0"/>
+            <a:lumOff val="0"/>
+            <a:alphaOff val="0"/>
+          </a:schemeClr>
+        </a:solidFill>
+        <a:ln w="25400" cap="flat" cmpd="sng" algn="ctr">
+          <a:solidFill>
+            <a:schemeClr val="accent4">
+              <a:hueOff val="-1116192"/>
+              <a:satOff val="6725"/>
+              <a:lumOff val="539"/>
+              <a:alphaOff val="0"/>
+            </a:schemeClr>
+          </a:solidFill>
+          <a:prstDash val="solid"/>
+        </a:ln>
+        <a:effectLst/>
+      </dsp:spPr>
+      <dsp:style>
+        <a:lnRef idx="2">
+          <a:scrgbClr r="0" g="0" b="0"/>
+        </a:lnRef>
+        <a:fillRef idx="1">
+          <a:scrgbClr r="0" g="0" b="0"/>
+        </a:fillRef>
+        <a:effectRef idx="0">
+          <a:scrgbClr r="0" g="0" b="0"/>
+        </a:effectRef>
+        <a:fontRef idx="minor"/>
+      </dsp:style>
+    </dsp:sp>
+    <dsp:sp modelId="{1A3C3166-884D-4BCD-A480-75B8848B1F5E}">
+      <dsp:nvSpPr>
+        <dsp:cNvPr id="0" name=""/>
+        <dsp:cNvSpPr/>
+      </dsp:nvSpPr>
+      <dsp:spPr>
+        <a:xfrm>
+          <a:off x="379160" y="1012011"/>
+          <a:ext cx="5308247" cy="619920"/>
+        </a:xfrm>
+        <a:prstGeom prst="roundRect">
+          <a:avLst/>
+        </a:prstGeom>
+        <a:solidFill>
+          <a:schemeClr val="accent4">
+            <a:hueOff val="-1116192"/>
+            <a:satOff val="6725"/>
+            <a:lumOff val="539"/>
+            <a:alphaOff val="0"/>
+          </a:schemeClr>
+        </a:solidFill>
+        <a:ln w="25400" cap="flat" cmpd="sng" algn="ctr">
+          <a:solidFill>
+            <a:schemeClr val="lt1">
+              <a:hueOff val="0"/>
+              <a:satOff val="0"/>
+              <a:lumOff val="0"/>
+              <a:alphaOff val="0"/>
+            </a:schemeClr>
+          </a:solidFill>
+          <a:prstDash val="solid"/>
+        </a:ln>
+        <a:effectLst/>
+      </dsp:spPr>
+      <dsp:style>
+        <a:lnRef idx="2">
+          <a:scrgbClr r="0" g="0" b="0"/>
+        </a:lnRef>
+        <a:fillRef idx="1">
+          <a:scrgbClr r="0" g="0" b="0"/>
+        </a:fillRef>
+        <a:effectRef idx="0">
+          <a:scrgbClr r="0" g="0" b="0"/>
+        </a:effectRef>
+        <a:fontRef idx="minor">
+          <a:schemeClr val="lt1"/>
+        </a:fontRef>
+      </dsp:style>
+      <dsp:txBody>
+        <a:bodyPr spcFirstLastPara="0" vert="horz" wrap="square" lIns="200639" tIns="0" rIns="200639" bIns="0" numCol="1" spcCol="1270" anchor="ctr" anchorCtr="0">
+          <a:noAutofit/>
+        </a:bodyPr>
+        <a:lstStyle/>
+        <a:p>
+          <a:pPr lvl="0" algn="l" defTabSz="1066800">
+            <a:lnSpc>
+              <a:spcPct val="90000"/>
+            </a:lnSpc>
+            <a:spcBef>
+              <a:spcPct val="0"/>
+            </a:spcBef>
+            <a:spcAft>
+              <a:spcPct val="35000"/>
+            </a:spcAft>
+          </a:pPr>
+          <a:r>
+            <a:rPr lang="es-CO" sz="2400" b="1" kern="1200" dirty="0" smtClean="0"/>
+            <a:t>Soporte Técnico</a:t>
+          </a:r>
+          <a:endParaRPr lang="en-US" sz="2400" kern="1200" dirty="0"/>
+        </a:p>
+      </dsp:txBody>
+      <dsp:txXfrm>
+        <a:off x="409422" y="1042273"/>
+        <a:ext cx="5247723" cy="559396"/>
+      </dsp:txXfrm>
+    </dsp:sp>
+    <dsp:sp modelId="{56F8E793-C0E9-4431-9BFD-9E7CEF0C5902}">
+      <dsp:nvSpPr>
+        <dsp:cNvPr id="0" name=""/>
+        <dsp:cNvSpPr/>
+      </dsp:nvSpPr>
+      <dsp:spPr>
+        <a:xfrm>
+          <a:off x="0" y="2274531"/>
+          <a:ext cx="7583211" cy="529200"/>
+        </a:xfrm>
+        <a:prstGeom prst="rect">
+          <a:avLst/>
+        </a:prstGeom>
+        <a:solidFill>
+          <a:schemeClr val="lt1">
+            <a:alpha val="90000"/>
+            <a:hueOff val="0"/>
+            <a:satOff val="0"/>
+            <a:lumOff val="0"/>
+            <a:alphaOff val="0"/>
+          </a:schemeClr>
+        </a:solidFill>
+        <a:ln w="25400" cap="flat" cmpd="sng" algn="ctr">
+          <a:solidFill>
+            <a:schemeClr val="accent4">
+              <a:hueOff val="-2232385"/>
+              <a:satOff val="13449"/>
+              <a:lumOff val="1078"/>
+              <a:alphaOff val="0"/>
+            </a:schemeClr>
+          </a:solidFill>
+          <a:prstDash val="solid"/>
+        </a:ln>
+        <a:effectLst/>
+      </dsp:spPr>
+      <dsp:style>
+        <a:lnRef idx="2">
+          <a:scrgbClr r="0" g="0" b="0"/>
+        </a:lnRef>
+        <a:fillRef idx="1">
+          <a:scrgbClr r="0" g="0" b="0"/>
+        </a:fillRef>
+        <a:effectRef idx="0">
+          <a:scrgbClr r="0" g="0" b="0"/>
+        </a:effectRef>
+        <a:fontRef idx="minor"/>
+      </dsp:style>
+    </dsp:sp>
+    <dsp:sp modelId="{25B1983F-25BA-4293-AA96-88EA2B55D481}">
+      <dsp:nvSpPr>
+        <dsp:cNvPr id="0" name=""/>
+        <dsp:cNvSpPr/>
+      </dsp:nvSpPr>
+      <dsp:spPr>
+        <a:xfrm>
+          <a:off x="379160" y="1964571"/>
+          <a:ext cx="5308247" cy="619920"/>
+        </a:xfrm>
+        <a:prstGeom prst="roundRect">
+          <a:avLst/>
+        </a:prstGeom>
+        <a:solidFill>
+          <a:schemeClr val="accent4">
+            <a:hueOff val="-2232385"/>
+            <a:satOff val="13449"/>
+            <a:lumOff val="1078"/>
+            <a:alphaOff val="0"/>
+          </a:schemeClr>
+        </a:solidFill>
+        <a:ln w="25400" cap="flat" cmpd="sng" algn="ctr">
+          <a:solidFill>
+            <a:schemeClr val="lt1">
+              <a:hueOff val="0"/>
+              <a:satOff val="0"/>
+              <a:lumOff val="0"/>
+              <a:alphaOff val="0"/>
+            </a:schemeClr>
+          </a:solidFill>
+          <a:prstDash val="solid"/>
+        </a:ln>
+        <a:effectLst/>
+      </dsp:spPr>
+      <dsp:style>
+        <a:lnRef idx="2">
+          <a:scrgbClr r="0" g="0" b="0"/>
+        </a:lnRef>
+        <a:fillRef idx="1">
+          <a:scrgbClr r="0" g="0" b="0"/>
+        </a:fillRef>
+        <a:effectRef idx="0">
+          <a:scrgbClr r="0" g="0" b="0"/>
+        </a:effectRef>
+        <a:fontRef idx="minor">
+          <a:schemeClr val="lt1"/>
+        </a:fontRef>
+      </dsp:style>
+      <dsp:txBody>
+        <a:bodyPr spcFirstLastPara="0" vert="horz" wrap="square" lIns="200639" tIns="0" rIns="200639" bIns="0" numCol="1" spcCol="1270" anchor="ctr" anchorCtr="0">
+          <a:noAutofit/>
+        </a:bodyPr>
+        <a:lstStyle/>
+        <a:p>
+          <a:pPr lvl="0" algn="l" defTabSz="1066800">
+            <a:lnSpc>
+              <a:spcPct val="90000"/>
+            </a:lnSpc>
+            <a:spcBef>
+              <a:spcPct val="0"/>
+            </a:spcBef>
+            <a:spcAft>
+              <a:spcPct val="35000"/>
+            </a:spcAft>
+          </a:pPr>
+          <a:r>
+            <a:rPr lang="es-CO" sz="2400" b="1" kern="1200" dirty="0" smtClean="0"/>
+            <a:t>Pólizas de Soporte</a:t>
+          </a:r>
+          <a:endParaRPr lang="en-US" sz="2400" kern="1200" dirty="0"/>
+        </a:p>
+      </dsp:txBody>
+      <dsp:txXfrm>
+        <a:off x="409422" y="1994833"/>
+        <a:ext cx="5247723" cy="559396"/>
+      </dsp:txXfrm>
+    </dsp:sp>
+    <dsp:sp modelId="{942072AA-ECDF-4706-B9F4-C0B56FAF26BB}">
+      <dsp:nvSpPr>
+        <dsp:cNvPr id="0" name=""/>
+        <dsp:cNvSpPr/>
+      </dsp:nvSpPr>
+      <dsp:spPr>
+        <a:xfrm>
+          <a:off x="0" y="3227092"/>
+          <a:ext cx="7583211" cy="529200"/>
+        </a:xfrm>
+        <a:prstGeom prst="rect">
+          <a:avLst/>
+        </a:prstGeom>
+        <a:solidFill>
+          <a:schemeClr val="lt1">
+            <a:alpha val="90000"/>
+            <a:hueOff val="0"/>
+            <a:satOff val="0"/>
+            <a:lumOff val="0"/>
+            <a:alphaOff val="0"/>
+          </a:schemeClr>
+        </a:solidFill>
+        <a:ln w="25400" cap="flat" cmpd="sng" algn="ctr">
+          <a:solidFill>
+            <a:schemeClr val="accent4">
+              <a:hueOff val="-3348577"/>
+              <a:satOff val="20174"/>
+              <a:lumOff val="1617"/>
+              <a:alphaOff val="0"/>
+            </a:schemeClr>
+          </a:solidFill>
+          <a:prstDash val="solid"/>
+        </a:ln>
+        <a:effectLst/>
+      </dsp:spPr>
+      <dsp:style>
+        <a:lnRef idx="2">
+          <a:scrgbClr r="0" g="0" b="0"/>
+        </a:lnRef>
+        <a:fillRef idx="1">
+          <a:scrgbClr r="0" g="0" b="0"/>
+        </a:fillRef>
+        <a:effectRef idx="0">
+          <a:scrgbClr r="0" g="0" b="0"/>
+        </a:effectRef>
+        <a:fontRef idx="minor"/>
+      </dsp:style>
+    </dsp:sp>
+    <dsp:sp modelId="{1A98280E-76C5-4230-AC9C-E91A99CB258E}">
+      <dsp:nvSpPr>
+        <dsp:cNvPr id="0" name=""/>
+        <dsp:cNvSpPr/>
+      </dsp:nvSpPr>
+      <dsp:spPr>
+        <a:xfrm>
+          <a:off x="379160" y="2917132"/>
+          <a:ext cx="5308247" cy="619920"/>
+        </a:xfrm>
+        <a:prstGeom prst="roundRect">
+          <a:avLst/>
+        </a:prstGeom>
+        <a:solidFill>
+          <a:schemeClr val="accent4">
+            <a:hueOff val="-3348577"/>
+            <a:satOff val="20174"/>
+            <a:lumOff val="1617"/>
+            <a:alphaOff val="0"/>
+          </a:schemeClr>
+        </a:solidFill>
+        <a:ln w="25400" cap="flat" cmpd="sng" algn="ctr">
+          <a:solidFill>
+            <a:schemeClr val="lt1">
+              <a:hueOff val="0"/>
+              <a:satOff val="0"/>
+              <a:lumOff val="0"/>
+              <a:alphaOff val="0"/>
+            </a:schemeClr>
+          </a:solidFill>
+          <a:prstDash val="solid"/>
+        </a:ln>
+        <a:effectLst/>
+      </dsp:spPr>
+      <dsp:style>
+        <a:lnRef idx="2">
+          <a:scrgbClr r="0" g="0" b="0"/>
+        </a:lnRef>
+        <a:fillRef idx="1">
+          <a:scrgbClr r="0" g="0" b="0"/>
+        </a:fillRef>
+        <a:effectRef idx="0">
+          <a:scrgbClr r="0" g="0" b="0"/>
+        </a:effectRef>
+        <a:fontRef idx="minor">
+          <a:schemeClr val="lt1"/>
+        </a:fontRef>
+      </dsp:style>
+      <dsp:txBody>
+        <a:bodyPr spcFirstLastPara="0" vert="horz" wrap="square" lIns="200639" tIns="0" rIns="200639" bIns="0" numCol="1" spcCol="1270" anchor="ctr" anchorCtr="0">
+          <a:noAutofit/>
+        </a:bodyPr>
+        <a:lstStyle/>
+        <a:p>
+          <a:pPr lvl="0" algn="l" defTabSz="1066800">
+            <a:lnSpc>
+              <a:spcPct val="90000"/>
+            </a:lnSpc>
+            <a:spcBef>
+              <a:spcPct val="0"/>
+            </a:spcBef>
+            <a:spcAft>
+              <a:spcPct val="35000"/>
+            </a:spcAft>
+          </a:pPr>
+          <a:r>
+            <a:rPr lang="es-CO" sz="2400" b="1" kern="1200" smtClean="0"/>
+            <a:t>Programas de Mantenimiento Preventivo de Software</a:t>
+          </a:r>
+          <a:endParaRPr lang="en-US" sz="2400" kern="1200"/>
+        </a:p>
+      </dsp:txBody>
+      <dsp:txXfrm>
+        <a:off x="409422" y="2947394"/>
+        <a:ext cx="5247723" cy="559396"/>
+      </dsp:txXfrm>
+    </dsp:sp>
+    <dsp:sp modelId="{C97C8D2A-EFBD-459E-9F74-5F00F316A48F}">
+      <dsp:nvSpPr>
+        <dsp:cNvPr id="0" name=""/>
+        <dsp:cNvSpPr/>
+      </dsp:nvSpPr>
+      <dsp:spPr>
+        <a:xfrm>
+          <a:off x="0" y="4179652"/>
+          <a:ext cx="7583211" cy="529200"/>
+        </a:xfrm>
+        <a:prstGeom prst="rect">
+          <a:avLst/>
+        </a:prstGeom>
+        <a:solidFill>
+          <a:schemeClr val="lt1">
+            <a:alpha val="90000"/>
+            <a:hueOff val="0"/>
+            <a:satOff val="0"/>
+            <a:lumOff val="0"/>
+            <a:alphaOff val="0"/>
+          </a:schemeClr>
+        </a:solidFill>
+        <a:ln w="25400" cap="flat" cmpd="sng" algn="ctr">
+          <a:solidFill>
+            <a:schemeClr val="accent4">
+              <a:hueOff val="-4464770"/>
+              <a:satOff val="26899"/>
+              <a:lumOff val="2156"/>
+              <a:alphaOff val="0"/>
+            </a:schemeClr>
+          </a:solidFill>
+          <a:prstDash val="solid"/>
+        </a:ln>
+        <a:effectLst/>
+      </dsp:spPr>
+      <dsp:style>
+        <a:lnRef idx="2">
+          <a:scrgbClr r="0" g="0" b="0"/>
+        </a:lnRef>
+        <a:fillRef idx="1">
+          <a:scrgbClr r="0" g="0" b="0"/>
+        </a:fillRef>
+        <a:effectRef idx="0">
+          <a:scrgbClr r="0" g="0" b="0"/>
+        </a:effectRef>
+        <a:fontRef idx="minor"/>
+      </dsp:style>
+    </dsp:sp>
+    <dsp:sp modelId="{18718973-D6EB-48FC-B3DB-4836AE3209FC}">
+      <dsp:nvSpPr>
+        <dsp:cNvPr id="0" name=""/>
+        <dsp:cNvSpPr/>
+      </dsp:nvSpPr>
+      <dsp:spPr>
+        <a:xfrm>
+          <a:off x="379160" y="3869692"/>
+          <a:ext cx="5308247" cy="619920"/>
+        </a:xfrm>
+        <a:prstGeom prst="roundRect">
+          <a:avLst/>
+        </a:prstGeom>
+        <a:solidFill>
+          <a:schemeClr val="accent4">
+            <a:hueOff val="-4464770"/>
+            <a:satOff val="26899"/>
+            <a:lumOff val="2156"/>
+            <a:alphaOff val="0"/>
+          </a:schemeClr>
+        </a:solidFill>
+        <a:ln w="25400" cap="flat" cmpd="sng" algn="ctr">
+          <a:solidFill>
+            <a:schemeClr val="lt1">
+              <a:hueOff val="0"/>
+              <a:satOff val="0"/>
+              <a:lumOff val="0"/>
+              <a:alphaOff val="0"/>
+            </a:schemeClr>
+          </a:solidFill>
+          <a:prstDash val="solid"/>
+        </a:ln>
+        <a:effectLst/>
+      </dsp:spPr>
+      <dsp:style>
+        <a:lnRef idx="2">
+          <a:scrgbClr r="0" g="0" b="0"/>
+        </a:lnRef>
+        <a:fillRef idx="1">
+          <a:scrgbClr r="0" g="0" b="0"/>
+        </a:fillRef>
+        <a:effectRef idx="0">
+          <a:scrgbClr r="0" g="0" b="0"/>
+        </a:effectRef>
+        <a:fontRef idx="minor">
+          <a:schemeClr val="lt1"/>
+        </a:fontRef>
+      </dsp:style>
+      <dsp:txBody>
+        <a:bodyPr spcFirstLastPara="0" vert="horz" wrap="square" lIns="200639" tIns="0" rIns="200639" bIns="0" numCol="1" spcCol="1270" anchor="ctr" anchorCtr="0">
+          <a:noAutofit/>
+        </a:bodyPr>
+        <a:lstStyle/>
+        <a:p>
+          <a:pPr lvl="0" algn="l" defTabSz="1066800">
+            <a:lnSpc>
+              <a:spcPct val="90000"/>
+            </a:lnSpc>
+            <a:spcBef>
+              <a:spcPct val="0"/>
+            </a:spcBef>
+            <a:spcAft>
+              <a:spcPct val="35000"/>
+            </a:spcAft>
+          </a:pPr>
+          <a:r>
+            <a:rPr lang="es-CO" sz="2400" b="1" kern="1200" smtClean="0"/>
+            <a:t>Escritorio de Ayuda (Help Desk)</a:t>
+          </a:r>
+          <a:endParaRPr lang="en-US" sz="2400" kern="1200"/>
+        </a:p>
+      </dsp:txBody>
+      <dsp:txXfrm>
+        <a:off x="409422" y="3899954"/>
+        <a:ext cx="5247723" cy="559396"/>
+      </dsp:txXfrm>
+    </dsp:sp>
   </dsp:spTree>
 </dsp:drawing>
 </file>
@@ -11895,7 +15519,7 @@
           <a:p>
             <a:fld id="{366CF7EB-1E53-6E49-820E-FB2085D3B8B2}" type="datetimeFigureOut">
               <a:rPr lang="es-ES_tradnl" smtClean="0"/>
-              <a:t>18/04/2017</a:t>
+              <a:t>17/04/2017</a:t>
             </a:fld>
             <a:endParaRPr lang="es-ES_tradnl"/>
           </a:p>
@@ -12344,7 +15968,7 @@
           <a:p>
             <a:fld id="{2675365B-A26E-4577-B15C-2CF88CE88180}" type="datetimeFigureOut">
               <a:rPr lang="en-US" smtClean="0"/>
-              <a:t>4/18/2017</a:t>
+              <a:t>4/17/2017</a:t>
             </a:fld>
             <a:endParaRPr lang="en-US"/>
           </a:p>
@@ -12514,7 +16138,7 @@
           <a:p>
             <a:fld id="{2675365B-A26E-4577-B15C-2CF88CE88180}" type="datetimeFigureOut">
               <a:rPr lang="en-US" smtClean="0"/>
-              <a:t>4/18/2017</a:t>
+              <a:t>4/17/2017</a:t>
             </a:fld>
             <a:endParaRPr lang="en-US"/>
           </a:p>
@@ -12694,7 +16318,7 @@
           <a:p>
             <a:fld id="{2675365B-A26E-4577-B15C-2CF88CE88180}" type="datetimeFigureOut">
               <a:rPr lang="en-US" smtClean="0"/>
-              <a:t>4/18/2017</a:t>
+              <a:t>4/17/2017</a:t>
             </a:fld>
             <a:endParaRPr lang="en-US"/>
           </a:p>
@@ -12864,7 +16488,7 @@
           <a:p>
             <a:fld id="{2675365B-A26E-4577-B15C-2CF88CE88180}" type="datetimeFigureOut">
               <a:rPr lang="en-US" smtClean="0"/>
-              <a:t>4/18/2017</a:t>
+              <a:t>4/17/2017</a:t>
             </a:fld>
             <a:endParaRPr lang="en-US"/>
           </a:p>
@@ -13110,7 +16734,7 @@
           <a:p>
             <a:fld id="{2675365B-A26E-4577-B15C-2CF88CE88180}" type="datetimeFigureOut">
               <a:rPr lang="en-US" smtClean="0"/>
-              <a:t>4/18/2017</a:t>
+              <a:t>4/17/2017</a:t>
             </a:fld>
             <a:endParaRPr lang="en-US"/>
           </a:p>
@@ -13398,7 +17022,7 @@
           <a:p>
             <a:fld id="{2675365B-A26E-4577-B15C-2CF88CE88180}" type="datetimeFigureOut">
               <a:rPr lang="en-US" smtClean="0"/>
-              <a:t>4/18/2017</a:t>
+              <a:t>4/17/2017</a:t>
             </a:fld>
             <a:endParaRPr lang="en-US"/>
           </a:p>
@@ -13820,7 +17444,7 @@
           <a:p>
             <a:fld id="{2675365B-A26E-4577-B15C-2CF88CE88180}" type="datetimeFigureOut">
               <a:rPr lang="en-US" smtClean="0"/>
-              <a:t>4/18/2017</a:t>
+              <a:t>4/17/2017</a:t>
             </a:fld>
             <a:endParaRPr lang="en-US"/>
           </a:p>
@@ -13938,7 +17562,7 @@
           <a:p>
             <a:fld id="{2675365B-A26E-4577-B15C-2CF88CE88180}" type="datetimeFigureOut">
               <a:rPr lang="en-US" smtClean="0"/>
-              <a:t>4/18/2017</a:t>
+              <a:t>4/17/2017</a:t>
             </a:fld>
             <a:endParaRPr lang="en-US"/>
           </a:p>
@@ -14033,7 +17657,7 @@
           <a:p>
             <a:fld id="{2675365B-A26E-4577-B15C-2CF88CE88180}" type="datetimeFigureOut">
               <a:rPr lang="en-US" smtClean="0"/>
-              <a:t>4/18/2017</a:t>
+              <a:t>4/17/2017</a:t>
             </a:fld>
             <a:endParaRPr lang="en-US"/>
           </a:p>
@@ -14310,7 +17934,7 @@
           <a:p>
             <a:fld id="{2675365B-A26E-4577-B15C-2CF88CE88180}" type="datetimeFigureOut">
               <a:rPr lang="en-US" smtClean="0"/>
-              <a:t>4/18/2017</a:t>
+              <a:t>4/17/2017</a:t>
             </a:fld>
             <a:endParaRPr lang="en-US"/>
           </a:p>
@@ -14563,7 +18187,7 @@
           <a:p>
             <a:fld id="{2675365B-A26E-4577-B15C-2CF88CE88180}" type="datetimeFigureOut">
               <a:rPr lang="en-US" smtClean="0"/>
-              <a:t>4/18/2017</a:t>
+              <a:t>4/17/2017</a:t>
             </a:fld>
             <a:endParaRPr lang="en-US"/>
           </a:p>
@@ -14776,7 +18400,7 @@
           <a:p>
             <a:fld id="{2675365B-A26E-4577-B15C-2CF88CE88180}" type="datetimeFigureOut">
               <a:rPr lang="en-US" smtClean="0"/>
-              <a:t>4/18/2017</a:t>
+              <a:t>4/17/2017</a:t>
             </a:fld>
             <a:endParaRPr lang="en-US"/>
           </a:p>
@@ -15452,28 +19076,6 @@
           <a:chExt cx="0" cy="0"/>
         </a:xfrm>
       </p:grpSpPr>
-      <p:graphicFrame>
-        <p:nvGraphicFramePr>
-          <p:cNvPr id="7" name="Diagram 6"/>
-          <p:cNvGraphicFramePr/>
-          <p:nvPr>
-            <p:extLst>
-              <p:ext uri="{D42A27DB-BD31-4B8C-83A1-F6EECF244321}">
-                <p14:modId xmlns:p14="http://schemas.microsoft.com/office/powerpoint/2010/main" val="2829674859"/>
-              </p:ext>
-            </p:extLst>
-          </p:nvPr>
-        </p:nvGraphicFramePr>
-        <p:xfrm>
-          <a:off x="899592" y="1268760"/>
-          <a:ext cx="7488832" cy="4896544"/>
-        </p:xfrm>
-        <a:graphic>
-          <a:graphicData uri="http://schemas.openxmlformats.org/drawingml/2006/diagram">
-            <dgm:relIds xmlns:dgm="http://schemas.openxmlformats.org/drawingml/2006/diagram" xmlns:r="http://schemas.openxmlformats.org/officeDocument/2006/relationships" r:dm="rId2" r:lo="rId3" r:qs="rId4" r:cs="rId5"/>
-          </a:graphicData>
-        </a:graphic>
-      </p:graphicFrame>
       <p:pic>
         <p:nvPicPr>
           <p:cNvPr id="8" name="Picture 2" descr="Resultado de imagen de online business school"/>
@@ -15483,7 +19085,7 @@
           <p:nvPr/>
         </p:nvPicPr>
         <p:blipFill>
-          <a:blip r:embed="rId7" cstate="print">
+          <a:blip r:embed="rId2" cstate="print">
             <a:extLst>
               <a:ext uri="{28A0092B-C50C-407E-A947-70E740481C1C}">
                 <a14:useLocalDpi xmlns:a14="http://schemas.microsoft.com/office/drawing/2010/main" val="0"/>
@@ -15524,7 +19126,7 @@
           <p:nvPr/>
         </p:nvPicPr>
         <p:blipFill>
-          <a:blip r:embed="rId8" cstate="print">
+          <a:blip r:embed="rId3" cstate="print">
             <a:extLst>
               <a:ext uri="{28A0092B-C50C-407E-A947-70E740481C1C}">
                 <a14:useLocalDpi xmlns:a14="http://schemas.microsoft.com/office/drawing/2010/main" val="0"/>
@@ -15624,10 +19226,168 @@
           </a:p>
         </p:txBody>
       </p:sp>
+      <p:sp>
+        <p:nvSpPr>
+          <p:cNvPr id="6" name="Content Placeholder 2"/>
+          <p:cNvSpPr>
+            <a:spLocks noGrp="1"/>
+          </p:cNvSpPr>
+          <p:nvPr>
+            <p:ph idx="1"/>
+          </p:nvPr>
+        </p:nvSpPr>
+        <p:spPr>
+          <a:xfrm>
+            <a:off x="303766" y="1412776"/>
+            <a:ext cx="8229600" cy="4525963"/>
+          </a:xfrm>
+        </p:spPr>
+        <p:txBody>
+          <a:bodyPr>
+            <a:noAutofit/>
+          </a:bodyPr>
+          <a:lstStyle/>
+          <a:p>
+            <a:pPr marL="0" indent="0" algn="just">
+              <a:buNone/>
+            </a:pPr>
+            <a:r>
+              <a:rPr lang="es-PE" sz="2400" dirty="0"/>
+              <a:t>El proyecto se regirá por los procesos de administración establecidos por el cliente, y la administración y gerencia del mismo se ejecutará mediante las mejores prácticas del PMI y la Metodología PMP,  junto con los estándares y modelos para dicho proceso </a:t>
+            </a:r>
+            <a:r>
+              <a:rPr lang="es-PE" sz="2400" dirty="0" smtClean="0"/>
+              <a:t>establecidos </a:t>
+            </a:r>
+            <a:r>
+              <a:rPr lang="es-PE" sz="2400" dirty="0"/>
+              <a:t>por </a:t>
+            </a:r>
+            <a:r>
+              <a:rPr lang="es-PE" sz="2400" dirty="0" err="1"/>
+              <a:t>Ludus</a:t>
+            </a:r>
+            <a:r>
+              <a:rPr lang="es-PE" sz="2400" dirty="0"/>
+              <a:t>. </a:t>
+            </a:r>
+            <a:endParaRPr lang="es-PE" sz="2400" dirty="0" smtClean="0"/>
+          </a:p>
+          <a:p>
+            <a:pPr marL="0" indent="0" algn="just">
+              <a:buNone/>
+            </a:pPr>
+            <a:endParaRPr lang="es-PE" sz="2400" dirty="0"/>
+          </a:p>
+          <a:p>
+            <a:pPr marL="0" indent="0" algn="just">
+              <a:buNone/>
+            </a:pPr>
+            <a:r>
+              <a:rPr lang="es-PE" sz="2400" dirty="0"/>
+              <a:t>El proyecto </a:t>
+            </a:r>
+            <a:r>
+              <a:rPr lang="es-PE" sz="2400" dirty="0" smtClean="0"/>
+              <a:t>contará </a:t>
+            </a:r>
+            <a:r>
+              <a:rPr lang="es-PE" sz="2400" dirty="0"/>
+              <a:t>con 4 fases generales en las cuales se </a:t>
+            </a:r>
+            <a:r>
+              <a:rPr lang="es-PE" sz="2400" dirty="0" smtClean="0"/>
+              <a:t>desarrollará </a:t>
+            </a:r>
+            <a:r>
+              <a:rPr lang="es-PE" sz="2400" dirty="0"/>
+              <a:t>la </a:t>
+            </a:r>
+            <a:r>
+              <a:rPr lang="es-PE" sz="2400" dirty="0" smtClean="0"/>
+              <a:t>solución a nuestro cliente:</a:t>
+            </a:r>
+          </a:p>
+          <a:p>
+            <a:pPr marL="0" indent="0" algn="just">
+              <a:buNone/>
+            </a:pPr>
+            <a:endParaRPr lang="es-PE" sz="1200" dirty="0" smtClean="0"/>
+          </a:p>
+          <a:p>
+            <a:pPr algn="just"/>
+            <a:r>
+              <a:rPr lang="en-US" sz="2400" dirty="0" err="1"/>
+              <a:t>Fase</a:t>
+            </a:r>
+            <a:r>
+              <a:rPr lang="en-US" sz="2400" dirty="0"/>
+              <a:t> 1 </a:t>
+            </a:r>
+            <a:r>
+              <a:rPr lang="en-US" sz="2400" dirty="0" err="1" smtClean="0"/>
+              <a:t>Planeación</a:t>
+            </a:r>
+            <a:endParaRPr lang="en-US" sz="2400" dirty="0" smtClean="0"/>
+          </a:p>
+          <a:p>
+            <a:pPr algn="just"/>
+            <a:r>
+              <a:rPr lang="en-US" sz="2400" dirty="0" err="1"/>
+              <a:t>Fase</a:t>
+            </a:r>
+            <a:r>
+              <a:rPr lang="en-US" sz="2400" dirty="0"/>
+              <a:t> 2 </a:t>
+            </a:r>
+            <a:r>
+              <a:rPr lang="en-US" sz="2400" dirty="0" err="1" smtClean="0"/>
+              <a:t>Diagnóstico</a:t>
+            </a:r>
+            <a:endParaRPr lang="en-US" sz="2400" dirty="0" smtClean="0"/>
+          </a:p>
+          <a:p>
+            <a:pPr algn="just"/>
+            <a:r>
+              <a:rPr lang="en-US" sz="2400" dirty="0" err="1"/>
+              <a:t>Fase</a:t>
+            </a:r>
+            <a:r>
+              <a:rPr lang="en-US" sz="2400" dirty="0"/>
+              <a:t> 3 </a:t>
+            </a:r>
+            <a:r>
+              <a:rPr lang="en-US" sz="2400" dirty="0" err="1"/>
+              <a:t>Diseño</a:t>
+            </a:r>
+            <a:r>
+              <a:rPr lang="en-US" sz="2400" dirty="0"/>
+              <a:t> &amp; </a:t>
+            </a:r>
+            <a:r>
+              <a:rPr lang="en-US" sz="2400" dirty="0" err="1" smtClean="0"/>
+              <a:t>Implementación</a:t>
+            </a:r>
+            <a:endParaRPr lang="en-US" sz="2400" dirty="0" smtClean="0"/>
+          </a:p>
+          <a:p>
+            <a:pPr algn="just"/>
+            <a:r>
+              <a:rPr lang="es-PE" sz="2400" dirty="0"/>
+              <a:t>Fase 4 Puesta en </a:t>
+            </a:r>
+            <a:r>
+              <a:rPr lang="es-PE" sz="2400" dirty="0" smtClean="0"/>
+              <a:t>Marcha</a:t>
+            </a:r>
+            <a:endParaRPr lang="en-US" sz="2400" dirty="0"/>
+          </a:p>
+        </p:txBody>
+      </p:sp>
     </p:spTree>
     <p:extLst>
       <p:ext uri="{BB962C8B-B14F-4D97-AF65-F5344CB8AC3E}">
-        <p14:creationId xmlns:p14="http://schemas.microsoft.com/office/powerpoint/2010/main" val="3834244802"/>
+        <p14:creationId xmlns:p14="http://schemas.microsoft.com/office/powerpoint/2010/main" val="1028715604"/>
       </p:ext>
     </p:extLst>
   </p:cSld>
@@ -15866,7 +19626,7 @@
     </p:spTree>
     <p:extLst>
       <p:ext uri="{BB962C8B-B14F-4D97-AF65-F5344CB8AC3E}">
-        <p14:creationId xmlns:p14="http://schemas.microsoft.com/office/powerpoint/2010/main" val="1705386744"/>
+        <p14:creationId xmlns:p14="http://schemas.microsoft.com/office/powerpoint/2010/main" val="4040687061"/>
       </p:ext>
     </p:extLst>
   </p:cSld>
@@ -15884,6 +19644,245 @@
 </file>
 
 <file path=ppt/slides/slide12.xml><?xml version="1.0" encoding="utf-8"?>
+<p:sld xmlns:a="http://schemas.openxmlformats.org/drawingml/2006/main" xmlns:r="http://schemas.openxmlformats.org/officeDocument/2006/relationships" xmlns:p="http://schemas.openxmlformats.org/presentationml/2006/main">
+  <p:cSld>
+    <p:spTree>
+      <p:nvGrpSpPr>
+        <p:cNvPr id="1" name=""/>
+        <p:cNvGrpSpPr/>
+        <p:nvPr/>
+      </p:nvGrpSpPr>
+      <p:grpSpPr>
+        <a:xfrm>
+          <a:off x="0" y="0"/>
+          <a:ext cx="0" cy="0"/>
+          <a:chOff x="0" y="0"/>
+          <a:chExt cx="0" cy="0"/>
+        </a:xfrm>
+      </p:grpSpPr>
+      <p:graphicFrame>
+        <p:nvGraphicFramePr>
+          <p:cNvPr id="7" name="Diagram 6"/>
+          <p:cNvGraphicFramePr/>
+          <p:nvPr>
+            <p:extLst>
+              <p:ext uri="{D42A27DB-BD31-4B8C-83A1-F6EECF244321}">
+                <p14:modId xmlns:p14="http://schemas.microsoft.com/office/powerpoint/2010/main" val="2538312586"/>
+              </p:ext>
+            </p:extLst>
+          </p:nvPr>
+        </p:nvGraphicFramePr>
+        <p:xfrm>
+          <a:off x="899592" y="1268760"/>
+          <a:ext cx="7488832" cy="4896544"/>
+        </p:xfrm>
+        <a:graphic>
+          <a:graphicData uri="http://schemas.openxmlformats.org/drawingml/2006/diagram">
+            <dgm:relIds xmlns:dgm="http://schemas.openxmlformats.org/drawingml/2006/diagram" xmlns:r="http://schemas.openxmlformats.org/officeDocument/2006/relationships" r:dm="rId2" r:lo="rId3" r:qs="rId4" r:cs="rId5"/>
+          </a:graphicData>
+        </a:graphic>
+      </p:graphicFrame>
+      <p:pic>
+        <p:nvPicPr>
+          <p:cNvPr id="8" name="Picture 2" descr="Resultado de imagen de online business school"/>
+          <p:cNvPicPr>
+            <a:picLocks noChangeAspect="1" noChangeArrowheads="1"/>
+          </p:cNvPicPr>
+          <p:nvPr/>
+        </p:nvPicPr>
+        <p:blipFill>
+          <a:blip r:embed="rId7" cstate="print">
+            <a:extLst>
+              <a:ext uri="{28A0092B-C50C-407E-A947-70E740481C1C}">
+                <a14:useLocalDpi xmlns:a14="http://schemas.microsoft.com/office/drawing/2010/main" val="0"/>
+              </a:ext>
+            </a:extLst>
+          </a:blip>
+          <a:srcRect/>
+          <a:stretch>
+            <a:fillRect/>
+          </a:stretch>
+        </p:blipFill>
+        <p:spPr bwMode="auto">
+          <a:xfrm>
+            <a:off x="251520" y="188640"/>
+            <a:ext cx="1340768" cy="243776"/>
+          </a:xfrm>
+          <a:prstGeom prst="rect">
+            <a:avLst/>
+          </a:prstGeom>
+          <a:noFill/>
+          <a:extLst>
+            <a:ext uri="{909E8E84-426E-40DD-AFC4-6F175D3DCCD1}">
+              <a14:hiddenFill xmlns:a14="http://schemas.microsoft.com/office/drawing/2010/main">
+                <a:solidFill>
+                  <a:srgbClr val="FFFFFF"/>
+                </a:solidFill>
+              </a14:hiddenFill>
+            </a:ext>
+          </a:extLst>
+        </p:spPr>
+      </p:pic>
+      <p:pic>
+        <p:nvPicPr>
+          <p:cNvPr id="9" name="Picture 4" descr="Resultado de imagen de universitat barcelona"/>
+          <p:cNvPicPr>
+            <a:picLocks noChangeAspect="1" noChangeArrowheads="1"/>
+          </p:cNvPicPr>
+          <p:nvPr/>
+        </p:nvPicPr>
+        <p:blipFill>
+          <a:blip r:embed="rId8" cstate="print">
+            <a:extLst>
+              <a:ext uri="{28A0092B-C50C-407E-A947-70E740481C1C}">
+                <a14:useLocalDpi xmlns:a14="http://schemas.microsoft.com/office/drawing/2010/main" val="0"/>
+              </a:ext>
+            </a:extLst>
+          </a:blip>
+          <a:srcRect/>
+          <a:stretch>
+            <a:fillRect/>
+          </a:stretch>
+        </p:blipFill>
+        <p:spPr bwMode="auto">
+          <a:xfrm>
+            <a:off x="7596336" y="135234"/>
+            <a:ext cx="1196871" cy="350587"/>
+          </a:xfrm>
+          <a:prstGeom prst="rect">
+            <a:avLst/>
+          </a:prstGeom>
+          <a:noFill/>
+          <a:extLst>
+            <a:ext uri="{909E8E84-426E-40DD-AFC4-6F175D3DCCD1}">
+              <a14:hiddenFill xmlns:a14="http://schemas.microsoft.com/office/drawing/2010/main">
+                <a:solidFill>
+                  <a:srgbClr val="FFFFFF"/>
+                </a:solidFill>
+              </a14:hiddenFill>
+            </a:ext>
+          </a:extLst>
+        </p:spPr>
+      </p:pic>
+      <p:sp>
+        <p:nvSpPr>
+          <p:cNvPr id="10" name="Title 1"/>
+          <p:cNvSpPr>
+            <a:spLocks noGrp="1"/>
+          </p:cNvSpPr>
+          <p:nvPr>
+            <p:ph type="title"/>
+          </p:nvPr>
+        </p:nvSpPr>
+        <p:spPr>
+          <a:xfrm>
+            <a:off x="32716" y="476672"/>
+            <a:ext cx="8229600" cy="341437"/>
+          </a:xfrm>
+        </p:spPr>
+        <p:txBody>
+          <a:bodyPr>
+            <a:normAutofit fontScale="90000"/>
+          </a:bodyPr>
+          <a:lstStyle/>
+          <a:p>
+            <a:pPr algn="l"/>
+            <a:r>
+              <a:rPr lang="es-CO" sz="2000" b="1" i="1" dirty="0" smtClean="0">
+                <a:solidFill>
+                  <a:schemeClr val="tx2"/>
+                </a:solidFill>
+                <a:effectLst>
+                  <a:outerShdw blurRad="38100" dist="38100" dir="2700000" algn="tl">
+                    <a:srgbClr val="000000">
+                      <a:alpha val="43137"/>
+                    </a:srgbClr>
+                  </a:outerShdw>
+                </a:effectLst>
+              </a:rPr>
+              <a:t>7. </a:t>
+            </a:r>
+            <a:r>
+              <a:rPr lang="es-CO" sz="2200" b="1" i="1" dirty="0" smtClean="0">
+                <a:solidFill>
+                  <a:schemeClr val="tx2"/>
+                </a:solidFill>
+                <a:effectLst>
+                  <a:outerShdw blurRad="38100" dist="38100" dir="2700000" algn="tl">
+                    <a:srgbClr val="000000">
+                      <a:alpha val="43137"/>
+                    </a:srgbClr>
+                  </a:outerShdw>
+                </a:effectLst>
+              </a:rPr>
+              <a:t>ESTRATEGIA </a:t>
+            </a:r>
+            <a:r>
+              <a:rPr lang="es-CO" sz="2200" b="1" i="1" dirty="0" smtClean="0">
+                <a:solidFill>
+                  <a:schemeClr val="tx2"/>
+                </a:solidFill>
+                <a:effectLst>
+                  <a:outerShdw blurRad="38100" dist="38100" dir="2700000" algn="tl">
+                    <a:srgbClr val="000000">
+                      <a:alpha val="43137"/>
+                    </a:srgbClr>
+                  </a:outerShdw>
+                </a:effectLst>
+              </a:rPr>
+              <a:t>DE </a:t>
+            </a:r>
+            <a:r>
+              <a:rPr lang="es-CO" sz="2200" b="1" i="1" dirty="0" smtClean="0">
+                <a:solidFill>
+                  <a:schemeClr val="tx2"/>
+                </a:solidFill>
+                <a:effectLst>
+                  <a:outerShdw blurRad="38100" dist="38100" dir="2700000" algn="tl">
+                    <a:srgbClr val="000000">
+                      <a:alpha val="43137"/>
+                    </a:srgbClr>
+                  </a:outerShdw>
+                </a:effectLst>
+              </a:rPr>
+              <a:t>IMPLEMENTACIÓN (cambiar por ACTIVIDADES PRINCIPALES DE IMPLEMENTACIÓN)</a:t>
+            </a:r>
+            <a:endParaRPr lang="es-ES" sz="2000" b="1" i="1" dirty="0">
+              <a:solidFill>
+                <a:schemeClr val="tx2"/>
+              </a:solidFill>
+              <a:effectLst>
+                <a:outerShdw blurRad="38100" dist="38100" dir="2700000" algn="tl">
+                  <a:srgbClr val="000000">
+                    <a:alpha val="43137"/>
+                  </a:srgbClr>
+                </a:outerShdw>
+              </a:effectLst>
+            </a:endParaRPr>
+          </a:p>
+        </p:txBody>
+      </p:sp>
+    </p:spTree>
+    <p:extLst>
+      <p:ext uri="{BB962C8B-B14F-4D97-AF65-F5344CB8AC3E}">
+        <p14:creationId xmlns:p14="http://schemas.microsoft.com/office/powerpoint/2010/main" val="3834244802"/>
+      </p:ext>
+    </p:extLst>
+  </p:cSld>
+  <p:clrMapOvr>
+    <a:masterClrMapping/>
+  </p:clrMapOvr>
+  <p:timing>
+    <p:tnLst>
+      <p:par>
+        <p:cTn id="1" dur="indefinite" restart="never" nodeType="tmRoot"/>
+      </p:par>
+    </p:tnLst>
+  </p:timing>
+</p:sld>
+</file>
+
+<file path=ppt/slides/slide13.xml><?xml version="1.0" encoding="utf-8"?>
 <p:sld xmlns:a="http://schemas.openxmlformats.org/drawingml/2006/main" xmlns:r="http://schemas.openxmlformats.org/officeDocument/2006/relationships" xmlns:p="http://schemas.openxmlformats.org/presentationml/2006/main">
   <p:cSld>
     <p:spTree>
@@ -16134,7 +20133,7 @@
 </p:sld>
 </file>
 
-<file path=ppt/slides/slide13.xml><?xml version="1.0" encoding="utf-8"?>
+<file path=ppt/slides/slide14.xml><?xml version="1.0" encoding="utf-8"?>
 <p:sld xmlns:a="http://schemas.openxmlformats.org/drawingml/2006/main" xmlns:r="http://schemas.openxmlformats.org/officeDocument/2006/relationships" xmlns:p="http://schemas.openxmlformats.org/presentationml/2006/main">
   <p:cSld>
     <p:bg>
@@ -18363,7 +22362,7 @@
 </p:sld>
 </file>
 
-<file path=ppt/slides/slide14.xml><?xml version="1.0" encoding="utf-8"?>
+<file path=ppt/slides/slide15.xml><?xml version="1.0" encoding="utf-8"?>
 <p:sld xmlns:a="http://schemas.openxmlformats.org/drawingml/2006/main" xmlns:r="http://schemas.openxmlformats.org/officeDocument/2006/relationships" xmlns:p="http://schemas.openxmlformats.org/presentationml/2006/main">
   <p:cSld>
     <p:spTree>
@@ -18592,7 +22591,7 @@
 </p:sld>
 </file>
 
-<file path=ppt/slides/slide15.xml><?xml version="1.0" encoding="utf-8"?>
+<file path=ppt/slides/slide16.xml><?xml version="1.0" encoding="utf-8"?>
 <p:sld xmlns:a="http://schemas.openxmlformats.org/drawingml/2006/main" xmlns:r="http://schemas.openxmlformats.org/officeDocument/2006/relationships" xmlns:p="http://schemas.openxmlformats.org/presentationml/2006/main">
   <p:cSld>
     <p:spTree>
@@ -19662,7 +23661,7 @@
 </p:sld>
 </file>
 
-<file path=ppt/slides/slide16.xml><?xml version="1.0" encoding="utf-8"?>
+<file path=ppt/slides/slide17.xml><?xml version="1.0" encoding="utf-8"?>
 <p:sld xmlns:a="http://schemas.openxmlformats.org/drawingml/2006/main" xmlns:r="http://schemas.openxmlformats.org/officeDocument/2006/relationships" xmlns:p="http://schemas.openxmlformats.org/presentationml/2006/main">
   <p:cSld>
     <p:spTree>
@@ -22575,7 +26574,7 @@
 </p:sld>
 </file>
 
-<file path=ppt/slides/slide17.xml><?xml version="1.0" encoding="utf-8"?>
+<file path=ppt/slides/slide18.xml><?xml version="1.0" encoding="utf-8"?>
 <p:sld xmlns:a="http://schemas.openxmlformats.org/drawingml/2006/main" xmlns:r="http://schemas.openxmlformats.org/officeDocument/2006/relationships" xmlns:p="http://schemas.openxmlformats.org/presentationml/2006/main">
   <p:cSld>
     <p:spTree>
@@ -22800,7 +26799,7 @@
 </p:sld>
 </file>
 
-<file path=ppt/slides/slide18.xml><?xml version="1.0" encoding="utf-8"?>
+<file path=ppt/slides/slide19.xml><?xml version="1.0" encoding="utf-8"?>
 <p:sld xmlns:a="http://schemas.openxmlformats.org/drawingml/2006/main" xmlns:r="http://schemas.openxmlformats.org/officeDocument/2006/relationships" xmlns:p="http://schemas.openxmlformats.org/presentationml/2006/main">
   <p:cSld>
     <p:spTree>
@@ -23017,234 +27016,6 @@
     <p:extLst>
       <p:ext uri="{BB962C8B-B14F-4D97-AF65-F5344CB8AC3E}">
         <p14:creationId xmlns:p14="http://schemas.microsoft.com/office/powerpoint/2010/main" val="1101465350"/>
-      </p:ext>
-    </p:extLst>
-  </p:cSld>
-  <p:clrMapOvr>
-    <a:masterClrMapping/>
-  </p:clrMapOvr>
-  <p:timing>
-    <p:tnLst>
-      <p:par>
-        <p:cTn id="1" dur="indefinite" restart="never" nodeType="tmRoot"/>
-      </p:par>
-    </p:tnLst>
-  </p:timing>
-</p:sld>
-</file>
-
-<file path=ppt/slides/slide19.xml><?xml version="1.0" encoding="utf-8"?>
-<p:sld xmlns:a="http://schemas.openxmlformats.org/drawingml/2006/main" xmlns:r="http://schemas.openxmlformats.org/officeDocument/2006/relationships" xmlns:p="http://schemas.openxmlformats.org/presentationml/2006/main">
-  <p:cSld>
-    <p:spTree>
-      <p:nvGrpSpPr>
-        <p:cNvPr id="1" name=""/>
-        <p:cNvGrpSpPr/>
-        <p:nvPr/>
-      </p:nvGrpSpPr>
-      <p:grpSpPr>
-        <a:xfrm>
-          <a:off x="0" y="0"/>
-          <a:ext cx="0" cy="0"/>
-          <a:chOff x="0" y="0"/>
-          <a:chExt cx="0" cy="0"/>
-        </a:xfrm>
-      </p:grpSpPr>
-      <p:pic>
-        <p:nvPicPr>
-          <p:cNvPr id="5" name="Picture 2" descr="Resultado de imagen de online business school"/>
-          <p:cNvPicPr>
-            <a:picLocks noChangeAspect="1" noChangeArrowheads="1"/>
-          </p:cNvPicPr>
-          <p:nvPr/>
-        </p:nvPicPr>
-        <p:blipFill>
-          <a:blip r:embed="rId2" cstate="print">
-            <a:extLst>
-              <a:ext uri="{28A0092B-C50C-407E-A947-70E740481C1C}">
-                <a14:useLocalDpi xmlns:a14="http://schemas.microsoft.com/office/drawing/2010/main" val="0"/>
-              </a:ext>
-            </a:extLst>
-          </a:blip>
-          <a:srcRect/>
-          <a:stretch>
-            <a:fillRect/>
-          </a:stretch>
-        </p:blipFill>
-        <p:spPr bwMode="auto">
-          <a:xfrm>
-            <a:off x="251520" y="188640"/>
-            <a:ext cx="1340768" cy="243776"/>
-          </a:xfrm>
-          <a:prstGeom prst="rect">
-            <a:avLst/>
-          </a:prstGeom>
-          <a:noFill/>
-          <a:extLst>
-            <a:ext uri="{909E8E84-426E-40DD-AFC4-6F175D3DCCD1}">
-              <a14:hiddenFill xmlns:a14="http://schemas.microsoft.com/office/drawing/2010/main">
-                <a:solidFill>
-                  <a:srgbClr val="FFFFFF"/>
-                </a:solidFill>
-              </a14:hiddenFill>
-            </a:ext>
-          </a:extLst>
-        </p:spPr>
-      </p:pic>
-      <p:pic>
-        <p:nvPicPr>
-          <p:cNvPr id="6" name="Picture 4" descr="Resultado de imagen de universitat barcelona"/>
-          <p:cNvPicPr>
-            <a:picLocks noChangeAspect="1" noChangeArrowheads="1"/>
-          </p:cNvPicPr>
-          <p:nvPr/>
-        </p:nvPicPr>
-        <p:blipFill>
-          <a:blip r:embed="rId3" cstate="print">
-            <a:extLst>
-              <a:ext uri="{28A0092B-C50C-407E-A947-70E740481C1C}">
-                <a14:useLocalDpi xmlns:a14="http://schemas.microsoft.com/office/drawing/2010/main" val="0"/>
-              </a:ext>
-            </a:extLst>
-          </a:blip>
-          <a:srcRect/>
-          <a:stretch>
-            <a:fillRect/>
-          </a:stretch>
-        </p:blipFill>
-        <p:spPr bwMode="auto">
-          <a:xfrm>
-            <a:off x="7596336" y="135234"/>
-            <a:ext cx="1196871" cy="350587"/>
-          </a:xfrm>
-          <a:prstGeom prst="rect">
-            <a:avLst/>
-          </a:prstGeom>
-          <a:noFill/>
-          <a:extLst>
-            <a:ext uri="{909E8E84-426E-40DD-AFC4-6F175D3DCCD1}">
-              <a14:hiddenFill xmlns:a14="http://schemas.microsoft.com/office/drawing/2010/main">
-                <a:solidFill>
-                  <a:srgbClr val="FFFFFF"/>
-                </a:solidFill>
-              </a14:hiddenFill>
-            </a:ext>
-          </a:extLst>
-        </p:spPr>
-      </p:pic>
-      <mc:AlternateContent xmlns:mc="http://schemas.openxmlformats.org/markup-compatibility/2006" xmlns:a14="http://schemas.microsoft.com/office/drawing/2010/main">
-        <mc:Choice Requires="a14">
-          <p:sp>
-            <p:nvSpPr>
-              <p:cNvPr id="2" name="Rectángulo 1"/>
-              <p:cNvSpPr/>
-              <p:nvPr/>
-            </p:nvSpPr>
-            <p:spPr>
-              <a:xfrm>
-                <a:off x="2843808" y="2924944"/>
-                <a:ext cx="3498073" cy="830997"/>
-              </a:xfrm>
-              <a:prstGeom prst="rect">
-                <a:avLst/>
-              </a:prstGeom>
-            </p:spPr>
-            <p:txBody>
-              <a:bodyPr wrap="none">
-                <a:spAutoFit/>
-              </a:bodyPr>
-              <a:lstStyle/>
-              <a:p>
-                <a14:m>
-                  <m:oMath xmlns:m="http://schemas.openxmlformats.org/officeDocument/2006/math">
-                    <m:r>
-                      <a:rPr lang="es-CO" sz="4800" b="0" i="0" smtClean="0">
-                        <a:solidFill>
-                          <a:schemeClr val="tx2"/>
-                        </a:solidFill>
-                        <a:effectLst/>
-                        <a:latin typeface="Cambria Math" panose="02040503050406030204" pitchFamily="18" charset="0"/>
-                        <a:ea typeface="+mj-ea"/>
-                        <a:cs typeface="+mj-cs"/>
-                      </a:rPr>
-                      <m:t>¿</m:t>
-                    </m:r>
-                    <m:r>
-                      <m:rPr>
-                        <m:sty m:val="p"/>
-                      </m:rPr>
-                      <a:rPr lang="es-CO" sz="4800" b="0" i="0" smtClean="0">
-                        <a:solidFill>
-                          <a:schemeClr val="tx2"/>
-                        </a:solidFill>
-                        <a:effectLst/>
-                        <a:latin typeface="Cambria Math" panose="02040503050406030204" pitchFamily="18" charset="0"/>
-                        <a:ea typeface="+mj-ea"/>
-                        <a:cs typeface="+mj-cs"/>
-                      </a:rPr>
-                      <m:t>Preguntas</m:t>
-                    </m:r>
-                  </m:oMath>
-                </a14:m>
-                <a:r>
-                  <a:rPr lang="es-CO" sz="4800" dirty="0">
-                    <a:solidFill>
-                      <a:schemeClr val="tx2"/>
-                    </a:solidFill>
-                    <a:effectLst/>
-                    <a:latin typeface="+mj-lt"/>
-                    <a:ea typeface="+mj-ea"/>
-                    <a:cs typeface="+mj-cs"/>
-                  </a:rPr>
-                  <a:t>?</a:t>
-                </a:r>
-              </a:p>
-            </p:txBody>
-          </p:sp>
-        </mc:Choice>
-        <mc:Fallback xmlns="">
-          <p:sp>
-            <p:nvSpPr>
-              <p:cNvPr id="2" name="Rectángulo 1"/>
-              <p:cNvSpPr>
-                <a:spLocks noRot="1" noChangeAspect="1" noMove="1" noResize="1" noEditPoints="1" noAdjustHandles="1" noChangeArrowheads="1" noChangeShapeType="1" noTextEdit="1"/>
-              </p:cNvSpPr>
-              <p:nvPr/>
-            </p:nvSpPr>
-            <p:spPr>
-              <a:xfrm>
-                <a:off x="2843808" y="2924944"/>
-                <a:ext cx="3498073" cy="830997"/>
-              </a:xfrm>
-              <a:prstGeom prst="rect">
-                <a:avLst/>
-              </a:prstGeom>
-              <a:blipFill rotWithShape="0">
-                <a:blip r:embed="rId4"/>
-                <a:stretch>
-                  <a:fillRect t="-16176" r="-6981" b="-38971"/>
-                </a:stretch>
-              </a:blipFill>
-            </p:spPr>
-            <p:txBody>
-              <a:bodyPr/>
-              <a:lstStyle/>
-              <a:p>
-                <a:r>
-                  <a:rPr lang="es-CO">
-                    <a:noFill/>
-                  </a:rPr>
-                  <a:t> </a:t>
-                </a:r>
-              </a:p>
-            </p:txBody>
-          </p:sp>
-        </mc:Fallback>
-      </mc:AlternateContent>
-    </p:spTree>
-    <p:extLst>
-      <p:ext uri="{BB962C8B-B14F-4D97-AF65-F5344CB8AC3E}">
-        <p14:creationId xmlns:p14="http://schemas.microsoft.com/office/powerpoint/2010/main" val="1334582550"/>
       </p:ext>
     </p:extLst>
   </p:cSld>
@@ -23653,6 +27424,234 @@
 </p:sld>
 </file>
 
+<file path=ppt/slides/slide20.xml><?xml version="1.0" encoding="utf-8"?>
+<p:sld xmlns:a="http://schemas.openxmlformats.org/drawingml/2006/main" xmlns:r="http://schemas.openxmlformats.org/officeDocument/2006/relationships" xmlns:p="http://schemas.openxmlformats.org/presentationml/2006/main">
+  <p:cSld>
+    <p:spTree>
+      <p:nvGrpSpPr>
+        <p:cNvPr id="1" name=""/>
+        <p:cNvGrpSpPr/>
+        <p:nvPr/>
+      </p:nvGrpSpPr>
+      <p:grpSpPr>
+        <a:xfrm>
+          <a:off x="0" y="0"/>
+          <a:ext cx="0" cy="0"/>
+          <a:chOff x="0" y="0"/>
+          <a:chExt cx="0" cy="0"/>
+        </a:xfrm>
+      </p:grpSpPr>
+      <p:pic>
+        <p:nvPicPr>
+          <p:cNvPr id="5" name="Picture 2" descr="Resultado de imagen de online business school"/>
+          <p:cNvPicPr>
+            <a:picLocks noChangeAspect="1" noChangeArrowheads="1"/>
+          </p:cNvPicPr>
+          <p:nvPr/>
+        </p:nvPicPr>
+        <p:blipFill>
+          <a:blip r:embed="rId2" cstate="print">
+            <a:extLst>
+              <a:ext uri="{28A0092B-C50C-407E-A947-70E740481C1C}">
+                <a14:useLocalDpi xmlns:a14="http://schemas.microsoft.com/office/drawing/2010/main" val="0"/>
+              </a:ext>
+            </a:extLst>
+          </a:blip>
+          <a:srcRect/>
+          <a:stretch>
+            <a:fillRect/>
+          </a:stretch>
+        </p:blipFill>
+        <p:spPr bwMode="auto">
+          <a:xfrm>
+            <a:off x="251520" y="188640"/>
+            <a:ext cx="1340768" cy="243776"/>
+          </a:xfrm>
+          <a:prstGeom prst="rect">
+            <a:avLst/>
+          </a:prstGeom>
+          <a:noFill/>
+          <a:extLst>
+            <a:ext uri="{909E8E84-426E-40DD-AFC4-6F175D3DCCD1}">
+              <a14:hiddenFill xmlns:a14="http://schemas.microsoft.com/office/drawing/2010/main">
+                <a:solidFill>
+                  <a:srgbClr val="FFFFFF"/>
+                </a:solidFill>
+              </a14:hiddenFill>
+            </a:ext>
+          </a:extLst>
+        </p:spPr>
+      </p:pic>
+      <p:pic>
+        <p:nvPicPr>
+          <p:cNvPr id="6" name="Picture 4" descr="Resultado de imagen de universitat barcelona"/>
+          <p:cNvPicPr>
+            <a:picLocks noChangeAspect="1" noChangeArrowheads="1"/>
+          </p:cNvPicPr>
+          <p:nvPr/>
+        </p:nvPicPr>
+        <p:blipFill>
+          <a:blip r:embed="rId3" cstate="print">
+            <a:extLst>
+              <a:ext uri="{28A0092B-C50C-407E-A947-70E740481C1C}">
+                <a14:useLocalDpi xmlns:a14="http://schemas.microsoft.com/office/drawing/2010/main" val="0"/>
+              </a:ext>
+            </a:extLst>
+          </a:blip>
+          <a:srcRect/>
+          <a:stretch>
+            <a:fillRect/>
+          </a:stretch>
+        </p:blipFill>
+        <p:spPr bwMode="auto">
+          <a:xfrm>
+            <a:off x="7596336" y="135234"/>
+            <a:ext cx="1196871" cy="350587"/>
+          </a:xfrm>
+          <a:prstGeom prst="rect">
+            <a:avLst/>
+          </a:prstGeom>
+          <a:noFill/>
+          <a:extLst>
+            <a:ext uri="{909E8E84-426E-40DD-AFC4-6F175D3DCCD1}">
+              <a14:hiddenFill xmlns:a14="http://schemas.microsoft.com/office/drawing/2010/main">
+                <a:solidFill>
+                  <a:srgbClr val="FFFFFF"/>
+                </a:solidFill>
+              </a14:hiddenFill>
+            </a:ext>
+          </a:extLst>
+        </p:spPr>
+      </p:pic>
+      <mc:AlternateContent xmlns:mc="http://schemas.openxmlformats.org/markup-compatibility/2006" xmlns:a14="http://schemas.microsoft.com/office/drawing/2010/main">
+        <mc:Choice Requires="a14">
+          <p:sp>
+            <p:nvSpPr>
+              <p:cNvPr id="2" name="Rectángulo 1"/>
+              <p:cNvSpPr/>
+              <p:nvPr/>
+            </p:nvSpPr>
+            <p:spPr>
+              <a:xfrm>
+                <a:off x="2843808" y="2924944"/>
+                <a:ext cx="3498073" cy="830997"/>
+              </a:xfrm>
+              <a:prstGeom prst="rect">
+                <a:avLst/>
+              </a:prstGeom>
+            </p:spPr>
+            <p:txBody>
+              <a:bodyPr wrap="none">
+                <a:spAutoFit/>
+              </a:bodyPr>
+              <a:lstStyle/>
+              <a:p>
+                <a14:m>
+                  <m:oMath xmlns:m="http://schemas.openxmlformats.org/officeDocument/2006/math">
+                    <m:r>
+                      <a:rPr lang="es-CO" sz="4800" b="0" i="0" smtClean="0">
+                        <a:solidFill>
+                          <a:schemeClr val="tx2"/>
+                        </a:solidFill>
+                        <a:effectLst/>
+                        <a:latin typeface="Cambria Math" panose="02040503050406030204" pitchFamily="18" charset="0"/>
+                        <a:ea typeface="+mj-ea"/>
+                        <a:cs typeface="+mj-cs"/>
+                      </a:rPr>
+                      <m:t>¿</m:t>
+                    </m:r>
+                    <m:r>
+                      <m:rPr>
+                        <m:sty m:val="p"/>
+                      </m:rPr>
+                      <a:rPr lang="es-CO" sz="4800" b="0" i="0" smtClean="0">
+                        <a:solidFill>
+                          <a:schemeClr val="tx2"/>
+                        </a:solidFill>
+                        <a:effectLst/>
+                        <a:latin typeface="Cambria Math" panose="02040503050406030204" pitchFamily="18" charset="0"/>
+                        <a:ea typeface="+mj-ea"/>
+                        <a:cs typeface="+mj-cs"/>
+                      </a:rPr>
+                      <m:t>Preguntas</m:t>
+                    </m:r>
+                  </m:oMath>
+                </a14:m>
+                <a:r>
+                  <a:rPr lang="es-CO" sz="4800" dirty="0">
+                    <a:solidFill>
+                      <a:schemeClr val="tx2"/>
+                    </a:solidFill>
+                    <a:effectLst/>
+                    <a:latin typeface="+mj-lt"/>
+                    <a:ea typeface="+mj-ea"/>
+                    <a:cs typeface="+mj-cs"/>
+                  </a:rPr>
+                  <a:t>?</a:t>
+                </a:r>
+              </a:p>
+            </p:txBody>
+          </p:sp>
+        </mc:Choice>
+        <mc:Fallback xmlns="">
+          <p:sp>
+            <p:nvSpPr>
+              <p:cNvPr id="2" name="Rectángulo 1"/>
+              <p:cNvSpPr>
+                <a:spLocks noRot="1" noChangeAspect="1" noMove="1" noResize="1" noEditPoints="1" noAdjustHandles="1" noChangeArrowheads="1" noChangeShapeType="1" noTextEdit="1"/>
+              </p:cNvSpPr>
+              <p:nvPr/>
+            </p:nvSpPr>
+            <p:spPr>
+              <a:xfrm>
+                <a:off x="2843808" y="2924944"/>
+                <a:ext cx="3498073" cy="830997"/>
+              </a:xfrm>
+              <a:prstGeom prst="rect">
+                <a:avLst/>
+              </a:prstGeom>
+              <a:blipFill rotWithShape="0">
+                <a:blip r:embed="rId4"/>
+                <a:stretch>
+                  <a:fillRect t="-16176" r="-6981" b="-38971"/>
+                </a:stretch>
+              </a:blipFill>
+            </p:spPr>
+            <p:txBody>
+              <a:bodyPr/>
+              <a:lstStyle/>
+              <a:p>
+                <a:r>
+                  <a:rPr lang="es-CO">
+                    <a:noFill/>
+                  </a:rPr>
+                  <a:t> </a:t>
+                </a:r>
+              </a:p>
+            </p:txBody>
+          </p:sp>
+        </mc:Fallback>
+      </mc:AlternateContent>
+    </p:spTree>
+    <p:extLst>
+      <p:ext uri="{BB962C8B-B14F-4D97-AF65-F5344CB8AC3E}">
+        <p14:creationId xmlns:p14="http://schemas.microsoft.com/office/powerpoint/2010/main" val="1334582550"/>
+      </p:ext>
+    </p:extLst>
+  </p:cSld>
+  <p:clrMapOvr>
+    <a:masterClrMapping/>
+  </p:clrMapOvr>
+  <p:timing>
+    <p:tnLst>
+      <p:par>
+        <p:cTn id="1" dur="indefinite" restart="never" nodeType="tmRoot"/>
+      </p:par>
+    </p:tnLst>
+  </p:timing>
+</p:sld>
+</file>
+
 <file path=ppt/slides/slide3.xml><?xml version="1.0" encoding="utf-8"?>
 <p:sld xmlns:a="http://schemas.openxmlformats.org/drawingml/2006/main" xmlns:r="http://schemas.openxmlformats.org/officeDocument/2006/relationships" xmlns:p="http://schemas.openxmlformats.org/presentationml/2006/main">
   <p:cSld>
@@ -23854,7 +27853,19 @@
             <a:pPr algn="just"/>
             <a:r>
               <a:rPr lang="es-ES" sz="1200" dirty="0"/>
-              <a:t>Las empresas de energía eléctrica del país, enfrentan innumerables inconvenientes en cuanto al cobro de la prestación o venta del servicio de energía eléctrica, tanto del alumbrado público como de las acometidas de tipo residencial, industrial, oficial y otras. Estos inconvenientes se presentan tanto en acometidas rurales como en acometidas urbanas.</a:t>
+              <a:t>Las empresas de energía eléctrica del país, enfrentan innumerables inconvenientes en cuanto al cobro de la prestación o venta del servicio de energía eléctrica, tanto del alumbrado público como de las acometidas de tipo residencial, industrial, oficial y otras. Estos inconvenientes se presentan tanto en acometidas rurales como en </a:t>
+            </a:r>
+            <a:r>
+              <a:rPr lang="es-ES" sz="1200" dirty="0" smtClean="0"/>
+              <a:t>las</a:t>
+            </a:r>
+            <a:r>
+              <a:rPr lang="es-ES" sz="1200" dirty="0" smtClean="0"/>
+              <a:t> </a:t>
+            </a:r>
+            <a:r>
+              <a:rPr lang="es-ES" sz="1200" dirty="0"/>
+              <a:t>urbanas.</a:t>
             </a:r>
             <a:endParaRPr lang="es-ES_tradnl" sz="1200" dirty="0"/>
           </a:p>
@@ -23870,7 +27881,23 @@
             <a:pPr algn="just"/>
             <a:r>
               <a:rPr lang="es-ES" sz="1200" dirty="0"/>
-              <a:t>La violencia, lo agreste del terreno y otros factores sociales, obligan al país y algunas entidades a brindar apoyo a estas empresas en cuanto a la compensación de pérdidas de las mismas; siempre y cuando la empresa tenga sistemas de información y/o mecanismos implementados en su infraestructura o procedimientos que permitan la detección de pérdidas por fraude más conocido como robo de energía eléctrica.</a:t>
+              <a:t>La violencia, lo agreste del terreno y otros factores </a:t>
+            </a:r>
+            <a:r>
+              <a:rPr lang="es-ES" sz="1200" dirty="0" smtClean="0"/>
+              <a:t>sociales </a:t>
+            </a:r>
+            <a:r>
+              <a:rPr lang="es-ES" sz="1200" dirty="0"/>
+              <a:t>obligan al país y algunas entidades a brindar apoyo a estas empresas en cuanto a la compensación de pérdidas de las mismas; siempre y cuando la empresa tenga sistemas de información y/o mecanismos implementados en su infraestructura o procedimientos que permitan la detección de pérdidas por </a:t>
+            </a:r>
+            <a:r>
+              <a:rPr lang="es-ES" sz="1200" dirty="0" smtClean="0"/>
+              <a:t>fraude, más </a:t>
+            </a:r>
+            <a:r>
+              <a:rPr lang="es-ES" sz="1200" dirty="0"/>
+              <a:t>conocido como robo de energía eléctrica.</a:t>
             </a:r>
             <a:endParaRPr lang="es-ES_tradnl" sz="1200" dirty="0"/>
           </a:p>
@@ -23886,7 +27913,43 @@
             <a:pPr algn="just"/>
             <a:r>
               <a:rPr lang="es-ES" sz="1200" dirty="0"/>
-              <a:t>Colombia cuenta con una entidad llamada la CREG “Comisión de regulación de energía y gas”, ente encargado de la verificación de las normas y leyes que rigen la prestación del servicio en el país, pero también la CREG se encarga de la verificación de procedimientos y sistemas encargados de la detección del robo de energía. La ley de regulación para la compensación de pérdidas en la prestación y venta del servicio de energía fue aprobada y puesta en marcha desde hace alrededor de 9 años, pero la verificación de sistemas y procedimientos que soporten las cifras recién se está comenzando a certificar.</a:t>
+              <a:t>Colombia cuenta con </a:t>
+            </a:r>
+            <a:r>
+              <a:rPr lang="es-ES" sz="1200" dirty="0" smtClean="0"/>
+              <a:t>la</a:t>
+            </a:r>
+            <a:r>
+              <a:rPr lang="es-ES" sz="1200" dirty="0" smtClean="0"/>
+              <a:t> </a:t>
+            </a:r>
+            <a:r>
+              <a:rPr lang="es-ES" sz="1200" dirty="0"/>
+              <a:t>entidad llamada la CREG “Comisión de </a:t>
+            </a:r>
+            <a:r>
+              <a:rPr lang="es-ES" sz="1200" dirty="0" smtClean="0"/>
+              <a:t>Regulación </a:t>
+            </a:r>
+            <a:r>
+              <a:rPr lang="es-ES" sz="1200" dirty="0"/>
+              <a:t>de </a:t>
+            </a:r>
+            <a:r>
+              <a:rPr lang="es-ES" sz="1200" dirty="0" smtClean="0"/>
+              <a:t>Energía </a:t>
+            </a:r>
+            <a:r>
+              <a:rPr lang="es-ES" sz="1200" dirty="0"/>
+              <a:t>y </a:t>
+            </a:r>
+            <a:r>
+              <a:rPr lang="es-ES" sz="1200" dirty="0" smtClean="0"/>
+              <a:t>Gas</a:t>
+            </a:r>
+            <a:r>
+              <a:rPr lang="es-ES" sz="1200" dirty="0"/>
+              <a:t>”, ente encargado de la verificación de las normas y leyes que rigen la prestación del servicio en el país, pero también la CREG se encarga de la verificación de procedimientos y sistemas encargados de la detección del robo de energía. La ley de regulación para la compensación de pérdidas en la prestación y venta del servicio de energía fue aprobada y puesta en marcha desde hace alrededor de 9 años, pero la verificación de sistemas y procedimientos que soporten las cifras recién se está comenzando a certificar.</a:t>
             </a:r>
             <a:r>
               <a:rPr lang="es-ES_tradnl" sz="1200" dirty="0"/>
@@ -24090,7 +28153,7 @@
           <p:nvPr>
             <p:extLst>
               <p:ext uri="{D42A27DB-BD31-4B8C-83A1-F6EECF244321}">
-                <p14:modId xmlns:p14="http://schemas.microsoft.com/office/powerpoint/2010/main" val="368348162"/>
+                <p14:modId xmlns:p14="http://schemas.microsoft.com/office/powerpoint/2010/main" val="2213405966"/>
               </p:ext>
             </p:extLst>
           </p:nvPr>
@@ -24273,7 +28336,7 @@
           <p:nvPr>
             <p:extLst>
               <p:ext uri="{D42A27DB-BD31-4B8C-83A1-F6EECF244321}">
-                <p14:modId xmlns:p14="http://schemas.microsoft.com/office/powerpoint/2010/main" val="3342421383"/>
+                <p14:modId xmlns:p14="http://schemas.microsoft.com/office/powerpoint/2010/main" val="3421165617"/>
               </p:ext>
             </p:extLst>
           </p:nvPr>
@@ -24453,6 +28516,35 @@
           </a:p>
         </p:txBody>
       </p:sp>
+      <p:sp>
+        <p:nvSpPr>
+          <p:cNvPr id="2" name="CuadroTexto 1"/>
+          <p:cNvSpPr txBox="1"/>
+          <p:nvPr/>
+        </p:nvSpPr>
+        <p:spPr>
+          <a:xfrm>
+            <a:off x="251520" y="6165304"/>
+            <a:ext cx="6901248" cy="246221"/>
+          </a:xfrm>
+          <a:prstGeom prst="rect">
+            <a:avLst/>
+          </a:prstGeom>
+          <a:noFill/>
+        </p:spPr>
+        <p:txBody>
+          <a:bodyPr wrap="none" rtlCol="0">
+            <a:spAutoFit/>
+          </a:bodyPr>
+          <a:lstStyle/>
+          <a:p>
+            <a:r>
+              <a:rPr lang="es-PE" sz="1000" b="1" dirty="0"/>
+              <a:t>(*) Principales centros urbanos son Barranquilla, Cartagena de Indias, Santa Marta, Valledupar, Montería, Sincelejo y Riohacha</a:t>
+            </a:r>
+          </a:p>
+        </p:txBody>
+      </p:sp>
     </p:spTree>
     <p:extLst>
       <p:ext uri="{BB962C8B-B14F-4D97-AF65-F5344CB8AC3E}">
@@ -24512,38 +28604,70 @@
           </a:bodyPr>
           <a:lstStyle/>
           <a:p>
+            <a:pPr algn="just"/>
             <a:r>
               <a:rPr lang="es-ES_tradnl" dirty="0"/>
               <a:t>El costo total del proyecto es de USD 330,967</a:t>
             </a:r>
           </a:p>
           <a:p>
-            <a:pPr marL="0" indent="0">
+            <a:pPr marL="0" indent="0" algn="just">
               <a:buNone/>
             </a:pPr>
             <a:endParaRPr lang="es-ES_tradnl" dirty="0"/>
           </a:p>
           <a:p>
+            <a:pPr algn="just"/>
             <a:r>
               <a:rPr lang="es-ES_tradnl" dirty="0"/>
-              <a:t>Con una proyección para su implementación de 12 meses contados a partir del momento de la firma del contrato por los servicios de consultoría completos. </a:t>
+              <a:t>Con una proyección para su implementación de </a:t>
+            </a:r>
+            <a:r>
+              <a:rPr lang="es-ES_tradnl" dirty="0" smtClean="0"/>
+              <a:t>doce (12) </a:t>
+            </a:r>
+            <a:r>
+              <a:rPr lang="es-ES_tradnl" dirty="0"/>
+              <a:t>meses contados a partir del momento de la firma del contrato por los servicios de consultoría completos. </a:t>
             </a:r>
           </a:p>
           <a:p>
+            <a:pPr algn="just"/>
             <a:endParaRPr lang="es-ES_tradnl" dirty="0"/>
           </a:p>
           <a:p>
+            <a:pPr algn="just"/>
             <a:r>
               <a:rPr lang="es-ES_tradnl" dirty="0"/>
-              <a:t>Dicho costo abarcara la implementación del sistema de gestión de información propiedad de </a:t>
+              <a:t>Dicho costo </a:t>
             </a:r>
             <a:r>
-              <a:rPr lang="es-ES_tradnl" dirty="0" err="1"/>
+              <a:rPr lang="es-ES_tradnl" dirty="0" smtClean="0"/>
+              <a:t>abarcará </a:t>
+            </a:r>
+            <a:r>
+              <a:rPr lang="es-ES_tradnl" dirty="0"/>
+              <a:t>la implementación del sistema de gestión de información </a:t>
+            </a:r>
+            <a:r>
+              <a:rPr lang="es-ES_tradnl" dirty="0" smtClean="0"/>
+              <a:t>(Propiedad </a:t>
+            </a:r>
+            <a:r>
+              <a:rPr lang="es-ES_tradnl" dirty="0"/>
+              <a:t>de </a:t>
+            </a:r>
+            <a:r>
+              <a:rPr lang="es-ES_tradnl" dirty="0" err="1" smtClean="0"/>
               <a:t>Ludus</a:t>
             </a:r>
             <a:r>
+              <a:rPr lang="es-ES_tradnl" dirty="0" smtClean="0"/>
+              <a:t>), </a:t>
+            </a:r>
+            <a:r>
               <a:rPr lang="es-ES_tradnl" dirty="0"/>
-              <a:t>, el estudio y mejoramiento de los procesos actuales y demás actividades necesarias para la ejecución del proyecto.</a:t>
+              <a:t>el estudio y mejoramiento de los procesos actuales y demás actividades necesarias para la ejecución del proyecto.</a:t>
             </a:r>
             <a:endParaRPr lang="en-US" dirty="0"/>
           </a:p>

--- a/PresentacionTFM.pptx
+++ b/PresentacionTFM.pptx
@@ -5,7 +5,7 @@
     <p:sldMasterId id="2147483648" r:id="rId1"/>
   </p:sldMasterIdLst>
   <p:notesMasterIdLst>
-    <p:notesMasterId r:id="rId21"/>
+    <p:notesMasterId r:id="rId22"/>
   </p:notesMasterIdLst>
   <p:sldIdLst>
     <p:sldId id="256" r:id="rId2"/>
@@ -15,18 +15,19 @@
     <p:sldId id="271" r:id="rId6"/>
     <p:sldId id="272" r:id="rId7"/>
     <p:sldId id="280" r:id="rId8"/>
-    <p:sldId id="262" r:id="rId9"/>
+    <p:sldId id="283" r:id="rId9"/>
     <p:sldId id="270" r:id="rId10"/>
     <p:sldId id="269" r:id="rId11"/>
-    <p:sldId id="268" r:id="rId12"/>
-    <p:sldId id="261" r:id="rId13"/>
-    <p:sldId id="263" r:id="rId14"/>
-    <p:sldId id="264" r:id="rId15"/>
-    <p:sldId id="273" r:id="rId16"/>
-    <p:sldId id="274" r:id="rId17"/>
-    <p:sldId id="275" r:id="rId18"/>
-    <p:sldId id="279" r:id="rId19"/>
-    <p:sldId id="276" r:id="rId20"/>
+    <p:sldId id="282" r:id="rId12"/>
+    <p:sldId id="268" r:id="rId13"/>
+    <p:sldId id="261" r:id="rId14"/>
+    <p:sldId id="263" r:id="rId15"/>
+    <p:sldId id="264" r:id="rId16"/>
+    <p:sldId id="273" r:id="rId17"/>
+    <p:sldId id="274" r:id="rId18"/>
+    <p:sldId id="275" r:id="rId19"/>
+    <p:sldId id="279" r:id="rId20"/>
+    <p:sldId id="276" r:id="rId21"/>
   </p:sldIdLst>
   <p:sldSz cx="9144000" cy="6858000" type="screen4x3"/>
   <p:notesSz cx="6858000" cy="9144000"/>
@@ -159,6 +160,7 @@
   </mc:AlternateContent>
   <c:chart>
     <c:title>
+      <c:layout/>
       <c:overlay val="0"/>
     </c:title>
     <c:autoTitleDeleted val="0"/>
@@ -392,11 +394,11 @@
           <c:showBubbleSize val="0"/>
         </c:dLbls>
         <c:gapWidth val="150"/>
-        <c:axId val="287134848"/>
-        <c:axId val="287135240"/>
+        <c:axId val="144410248"/>
+        <c:axId val="144412208"/>
       </c:barChart>
       <c:catAx>
-        <c:axId val="287134848"/>
+        <c:axId val="144410248"/>
         <c:scaling>
           <c:orientation val="minMax"/>
         </c:scaling>
@@ -406,7 +408,7 @@
         <c:majorTickMark val="none"/>
         <c:minorTickMark val="none"/>
         <c:tickLblPos val="nextTo"/>
-        <c:crossAx val="287135240"/>
+        <c:crossAx val="144412208"/>
         <c:crosses val="autoZero"/>
         <c:auto val="1"/>
         <c:lblAlgn val="ctr"/>
@@ -414,7 +416,7 @@
         <c:noMultiLvlLbl val="0"/>
       </c:catAx>
       <c:valAx>
-        <c:axId val="287135240"/>
+        <c:axId val="144412208"/>
         <c:scaling>
           <c:orientation val="minMax"/>
         </c:scaling>
@@ -422,13 +424,14 @@
         <c:axPos val="b"/>
         <c:majorGridlines/>
         <c:title>
+          <c:layout/>
           <c:overlay val="0"/>
         </c:title>
         <c:numFmt formatCode="0%" sourceLinked="1"/>
         <c:majorTickMark val="none"/>
         <c:minorTickMark val="none"/>
         <c:tickLblPos val="nextTo"/>
-        <c:crossAx val="287134848"/>
+        <c:crossAx val="144410248"/>
         <c:crosses val="autoZero"/>
         <c:crossBetween val="between"/>
       </c:valAx>
@@ -3725,15 +3728,7 @@
         <a:p>
           <a:r>
             <a:rPr lang="es-ES" sz="1400" b="1" dirty="0" smtClean="0"/>
-            <a:t>Diseñar una herramienta </a:t>
-          </a:r>
-          <a:r>
-            <a:rPr lang="es-ES" sz="1400" b="1" dirty="0" err="1" smtClean="0"/>
-            <a:t>tecnologíca</a:t>
-          </a:r>
-          <a:r>
-            <a:rPr lang="es-ES" sz="1400" b="1" dirty="0" smtClean="0"/>
-            <a:t> que analice todos los datos de consumo</a:t>
+            <a:t>Diseñar una herramienta tecnológica que analice todos los datos de consumo</a:t>
           </a:r>
           <a:endParaRPr lang="es-ES" sz="1400" b="1" dirty="0"/>
         </a:p>
@@ -3785,7 +3780,7 @@
         <a:p>
           <a:r>
             <a:rPr lang="es-CO" sz="1200" b="1" dirty="0" smtClean="0"/>
-            <a:t>Utilizar la infraestructura actual y la proyecta para mejorar la medición </a:t>
+            <a:t>Utilizar la infraestructura actual y la proyectada para mejorar la medición </a:t>
           </a:r>
           <a:endParaRPr lang="es-ES" sz="1200" b="1" dirty="0"/>
         </a:p>
@@ -5021,40 +5016,12 @@
         <a:lstStyle/>
         <a:p>
           <a:r>
-            <a:rPr lang="en-US" sz="2000" dirty="0" err="1"/>
-            <a:t>Pruebas</a:t>
-          </a:r>
-          <a:r>
             <a:rPr lang="en-US" sz="2000" dirty="0"/>
-            <a:t> de </a:t>
-          </a:r>
-          <a:r>
-            <a:rPr lang="en-US" sz="2000" dirty="0" err="1"/>
-            <a:t>calidad</a:t>
-          </a:r>
-          <a:r>
-            <a:rPr lang="en-US" sz="2000" dirty="0"/>
-            <a:t> de </a:t>
-          </a:r>
-          <a:r>
-            <a:rPr lang="en-US" sz="2000" dirty="0" err="1"/>
-            <a:t>datos</a:t>
-          </a:r>
-          <a:r>
-            <a:rPr lang="en-US" sz="2000" dirty="0"/>
-            <a:t> del </a:t>
+            <a:t>Pruebas de calidad de datos del </a:t>
           </a:r>
           <a:r>
             <a:rPr lang="es-CO" sz="2000" dirty="0"/>
-            <a:t>Data </a:t>
-          </a:r>
-          <a:r>
-            <a:rPr lang="es-CO" sz="2000" dirty="0" err="1"/>
-            <a:t>Warehouse</a:t>
-          </a:r>
-          <a:r>
-            <a:rPr lang="es-CO" sz="2000" dirty="0"/>
-            <a:t> del cliente </a:t>
+            <a:t>Data Warehouse del cliente </a:t>
           </a:r>
           <a:endParaRPr lang="en-US" sz="2000" dirty="0"/>
         </a:p>
@@ -5123,15 +5090,23 @@
         <a:lstStyle/>
         <a:p>
           <a:r>
-            <a:rPr lang="en-US" sz="2000"/>
-            <a:t>Pruebas de conectividad entre el warehouse - servidor (</a:t>
+            <a:rPr lang="en-US" sz="2000" dirty="0"/>
+            <a:t>Pruebas de conectividad entre el </a:t>
           </a:r>
           <a:r>
-            <a:rPr lang="es-CO" sz="2000"/>
+            <a:rPr lang="en-US" sz="2000" dirty="0" smtClean="0"/>
+            <a:t>Data Warehouse - servidor </a:t>
+          </a:r>
+          <a:r>
+            <a:rPr lang="en-US" sz="2000" dirty="0"/>
+            <a:t>(</a:t>
+          </a:r>
+          <a:r>
+            <a:rPr lang="es-CO" sz="2000" dirty="0"/>
             <a:t>Ludus</a:t>
           </a:r>
           <a:r>
-            <a:rPr lang="en-US" sz="2000"/>
+            <a:rPr lang="en-US" sz="2000" dirty="0"/>
             <a:t>)</a:t>
           </a:r>
         </a:p>
@@ -5200,7 +5175,7 @@
         <a:lstStyle/>
         <a:p>
           <a:r>
-            <a:rPr lang="en-US" sz="2000"/>
+            <a:rPr lang="en-US" sz="2000" dirty="0"/>
             <a:t>Pruebas de acceso a datos</a:t>
           </a:r>
         </a:p>
@@ -5269,8 +5244,20 @@
         <a:lstStyle/>
         <a:p>
           <a:r>
-            <a:rPr lang="en-US" sz="2000"/>
-            <a:t>Instalacion de la solucion BA</a:t>
+            <a:rPr lang="en-US" sz="2000" dirty="0" smtClean="0"/>
+            <a:t>Instalación </a:t>
+          </a:r>
+          <a:r>
+            <a:rPr lang="en-US" sz="2000" dirty="0"/>
+            <a:t>de la </a:t>
+          </a:r>
+          <a:r>
+            <a:rPr lang="en-US" sz="2000" dirty="0" smtClean="0"/>
+            <a:t>solución </a:t>
+          </a:r>
+          <a:r>
+            <a:rPr lang="en-US" sz="2000" dirty="0"/>
+            <a:t>BA</a:t>
           </a:r>
         </a:p>
       </dgm:t>
@@ -5437,8 +5424,16 @@
         <a:lstStyle/>
         <a:p>
           <a:r>
-            <a:rPr lang="en-US" sz="2000"/>
-            <a:t>Pruebas de analisis de datos</a:t>
+            <a:rPr lang="en-US" sz="2000" dirty="0"/>
+            <a:t>Pruebas de </a:t>
+          </a:r>
+          <a:r>
+            <a:rPr lang="en-US" sz="2000" dirty="0" smtClean="0"/>
+            <a:t>análisis </a:t>
+          </a:r>
+          <a:r>
+            <a:rPr lang="en-US" sz="2000" dirty="0"/>
+            <a:t>de datos</a:t>
           </a:r>
         </a:p>
       </dgm:t>
@@ -5473,8 +5468,12 @@
         <a:lstStyle/>
         <a:p>
           <a:r>
-            <a:rPr lang="en-US" sz="2000"/>
-            <a:t>Creacion de reportes</a:t>
+            <a:rPr lang="en-US" sz="2000" dirty="0" smtClean="0"/>
+            <a:t>Creación </a:t>
+          </a:r>
+          <a:r>
+            <a:rPr lang="en-US" sz="2000" dirty="0"/>
+            <a:t>de reportes</a:t>
           </a:r>
         </a:p>
       </dgm:t>
@@ -5509,8 +5508,12 @@
         <a:lstStyle/>
         <a:p>
           <a:r>
-            <a:rPr lang="en-US" sz="2000"/>
-            <a:t>Creacion de diagramas y mapas</a:t>
+            <a:rPr lang="en-US" sz="2000" dirty="0" smtClean="0"/>
+            <a:t>Creación </a:t>
+          </a:r>
+          <a:r>
+            <a:rPr lang="en-US" sz="2000" dirty="0"/>
+            <a:t>de diagramas y mapas</a:t>
           </a:r>
         </a:p>
       </dgm:t>
@@ -5545,8 +5548,12 @@
         <a:lstStyle/>
         <a:p>
           <a:r>
-            <a:rPr lang="en-US" sz="2000"/>
-            <a:t>Presentacion del Dashboard </a:t>
+            <a:rPr lang="en-US" sz="2000" dirty="0" smtClean="0"/>
+            <a:t>Presentación </a:t>
+          </a:r>
+          <a:r>
+            <a:rPr lang="en-US" sz="2000" dirty="0"/>
+            <a:t>del Dashboard </a:t>
           </a:r>
         </a:p>
       </dgm:t>
@@ -5614,26 +5621,17 @@
         <a:lstStyle/>
         <a:p>
           <a:r>
-            <a:rPr lang="en-US" sz="2000" dirty="0" err="1"/>
-            <a:t>Instalacion</a:t>
+            <a:rPr lang="es-CO" sz="2000" noProof="0" dirty="0" smtClean="0"/>
+            <a:t>Instalación</a:t>
+          </a:r>
+          <a:r>
+            <a:rPr lang="en-US" sz="2000" dirty="0" smtClean="0"/>
+            <a:t> </a:t>
           </a:r>
           <a:r>
             <a:rPr lang="en-US" sz="2000" dirty="0"/>
-            <a:t> del </a:t>
+            <a:t>del servidor Ludus</a:t>
           </a:r>
-          <a:r>
-            <a:rPr lang="en-US" sz="2000" dirty="0" err="1"/>
-            <a:t>servidor</a:t>
-          </a:r>
-          <a:r>
-            <a:rPr lang="en-US" sz="2000" dirty="0"/>
-            <a:t> </a:t>
-          </a:r>
-          <a:r>
-            <a:rPr lang="en-US" sz="2000" dirty="0" err="1"/>
-            <a:t>Ludus</a:t>
-          </a:r>
-          <a:endParaRPr lang="en-US" sz="2000" dirty="0"/>
         </a:p>
       </dgm:t>
     </dgm:pt>
@@ -5697,7 +5695,7 @@
       </dgm:t>
     </dgm:pt>
     <dgm:pt modelId="{7D924C14-A286-407C-A494-2605EF842E87}" type="pres">
-      <dgm:prSet presAssocID="{2AB47238-3801-40FA-8976-C4E343ADE7EF}" presName="descendantText" presStyleLbl="alignAcc1" presStyleIdx="0" presStyleCnt="9">
+      <dgm:prSet presAssocID="{2AB47238-3801-40FA-8976-C4E343ADE7EF}" presName="descendantText" presStyleLbl="alignAcc1" presStyleIdx="0" presStyleCnt="9" custLinFactNeighborY="-259">
         <dgm:presLayoutVars>
           <dgm:bulletEnabled val="1"/>
         </dgm:presLayoutVars>
@@ -5814,7 +5812,7 @@
       </dgm:t>
     </dgm:pt>
     <dgm:pt modelId="{2D9B2A39-300B-4D1B-8EA0-BC4E32FB2A60}" type="pres">
-      <dgm:prSet presAssocID="{114D2900-FC50-4787-8C61-DECB2CE00816}" presName="descendantText" presStyleLbl="alignAcc1" presStyleIdx="3" presStyleCnt="9">
+      <dgm:prSet presAssocID="{114D2900-FC50-4787-8C61-DECB2CE00816}" presName="descendantText" presStyleLbl="alignAcc1" presStyleIdx="3" presStyleCnt="9" custLinFactNeighborY="1349">
         <dgm:presLayoutVars>
           <dgm:bulletEnabled val="1"/>
         </dgm:presLayoutVars>
@@ -6025,78 +6023,78 @@
     </dgm:pt>
   </dgm:ptLst>
   <dgm:cxnLst>
-    <dgm:cxn modelId="{6AB66F97-7AC3-4FB2-98F2-A9734BC25EB8}" type="presOf" srcId="{D6BCDEFA-529B-4012-B5F4-E404B38846BB}" destId="{5555DAA1-BFD7-47D4-A657-49CC0D39556F}" srcOrd="0" destOrd="0" presId="urn:microsoft.com/office/officeart/2005/8/layout/chevron2"/>
-    <dgm:cxn modelId="{D4B2A53D-8450-48DE-8FCA-A3423541AA11}" type="presOf" srcId="{F5E93582-D4CF-493F-8AEA-CB61291F53F2}" destId="{CBE227D2-8DD8-40B8-868A-F1F854EF4D92}" srcOrd="0" destOrd="0" presId="urn:microsoft.com/office/officeart/2005/8/layout/chevron2"/>
-    <dgm:cxn modelId="{BE201B52-468E-43C4-8C96-53E90E8F8940}" type="presOf" srcId="{3783210F-2D22-48A3-9DEF-634F34D23F5E}" destId="{934E52F8-1F31-421D-98B1-AF190D4E2E54}" srcOrd="0" destOrd="0" presId="urn:microsoft.com/office/officeart/2005/8/layout/chevron2"/>
+    <dgm:cxn modelId="{2321B037-0FB5-4D15-A2EA-EC0A39D6892D}" type="presOf" srcId="{B1FF64AE-C09C-4226-95B7-E1D9337A0C5F}" destId="{B3D561DC-B92F-4A16-9FF7-B07A6C428DAA}" srcOrd="0" destOrd="0" presId="urn:microsoft.com/office/officeart/2005/8/layout/chevron2"/>
+    <dgm:cxn modelId="{E3C260BA-06DD-424A-B1D4-9A828E5190F9}" type="presOf" srcId="{2D743B1B-8FC7-4F4E-B56D-A09F4510C750}" destId="{BEE86D47-DEB0-47FE-BA07-F46E88E4EA5B}" srcOrd="0" destOrd="0" presId="urn:microsoft.com/office/officeart/2005/8/layout/chevron2"/>
     <dgm:cxn modelId="{B7DB396A-EE44-4B02-BC81-362A830CAF2E}" srcId="{51A29980-B70B-4667-8CB8-DF518D8C070E}" destId="{D6BCDEFA-529B-4012-B5F4-E404B38846BB}" srcOrd="0" destOrd="0" parTransId="{85947926-462B-4DCA-85E1-76BDF7F38DBA}" sibTransId="{4E1B3A19-D53A-47AB-A5D6-FAA73467DC17}"/>
+    <dgm:cxn modelId="{95FE7EC9-8291-470D-A463-511A543256DE}" type="presOf" srcId="{C7EA4583-CA5B-4BE2-92D6-09EF84FBFF76}" destId="{8BA6A785-927D-4DE7-BA50-6A042BD6179A}" srcOrd="0" destOrd="0" presId="urn:microsoft.com/office/officeart/2005/8/layout/chevron2"/>
+    <dgm:cxn modelId="{A61E55C6-A6ED-487F-AB2B-354A4F8F9E21}" type="presOf" srcId="{114D2900-FC50-4787-8C61-DECB2CE00816}" destId="{55DE034D-D8F4-4EE6-BC85-FD58D04C7D7C}" srcOrd="0" destOrd="0" presId="urn:microsoft.com/office/officeart/2005/8/layout/chevron2"/>
     <dgm:cxn modelId="{D917D42F-BDE5-433E-8388-A91A2F15AC77}" srcId="{114D2900-FC50-4787-8C61-DECB2CE00816}" destId="{38DE0993-9D0E-44EB-BA92-7987A09ED9B9}" srcOrd="0" destOrd="0" parTransId="{BA146428-54E3-4517-A563-2F6F179BD4F0}" sibTransId="{4C7BDF9E-47CF-4A15-A8BF-AF8350C1BD46}"/>
-    <dgm:cxn modelId="{85B1DBA1-AE73-477A-8AB4-F799A7AB8A3F}" type="presOf" srcId="{2D743B1B-8FC7-4F4E-B56D-A09F4510C750}" destId="{BEE86D47-DEB0-47FE-BA07-F46E88E4EA5B}" srcOrd="0" destOrd="0" presId="urn:microsoft.com/office/officeart/2005/8/layout/chevron2"/>
+    <dgm:cxn modelId="{EADEFE87-1F7D-4208-BEE3-3994957AE94D}" type="presOf" srcId="{3783210F-2D22-48A3-9DEF-634F34D23F5E}" destId="{934E52F8-1F31-421D-98B1-AF190D4E2E54}" srcOrd="0" destOrd="0" presId="urn:microsoft.com/office/officeart/2005/8/layout/chevron2"/>
+    <dgm:cxn modelId="{0DC6AEF0-300B-4139-BAFF-38D147864376}" type="presOf" srcId="{F41E29C7-3EE4-4764-AF21-CA42D9301D2B}" destId="{3A70B292-ED2A-479B-9C73-0AF5B65FCDA0}" srcOrd="0" destOrd="0" presId="urn:microsoft.com/office/officeart/2005/8/layout/chevron2"/>
+    <dgm:cxn modelId="{77C0C392-1936-404E-B5AC-3EA9706E0CDF}" type="presOf" srcId="{9FC8ECDD-A586-4FF1-8C8D-8EA1C24966AA}" destId="{1D11BA6A-8B5A-492E-9D05-2C356020F385}" srcOrd="0" destOrd="0" presId="urn:microsoft.com/office/officeart/2005/8/layout/chevron2"/>
     <dgm:cxn modelId="{D4AB0DC2-A09C-478A-9C4F-F1094E47C750}" srcId="{F5E93582-D4CF-493F-8AEA-CB61291F53F2}" destId="{9FC8ECDD-A586-4FF1-8C8D-8EA1C24966AA}" srcOrd="0" destOrd="0" parTransId="{8FC03BF6-5927-484E-99C7-6CCDD92F171D}" sibTransId="{FAEF433B-B297-4507-A5C9-630552C61BE6}"/>
     <dgm:cxn modelId="{BC807411-9CF8-4D8C-8347-37517088CFAB}" srcId="{5AED743B-61E9-43F0-B4E6-CD66C7CACB11}" destId="{51A29980-B70B-4667-8CB8-DF518D8C070E}" srcOrd="4" destOrd="0" parTransId="{D3BC21F3-1A90-462C-8C6E-83E8A3DE3BB7}" sibTransId="{DCA19B06-2974-4000-A516-9BCBD2E07C6F}"/>
     <dgm:cxn modelId="{878E2F86-B426-464A-9074-EB04F40BD0EC}" srcId="{BE52352C-80A7-475E-91A0-4B0CEE0CDF23}" destId="{D84E9FCD-AF1C-4F83-8C79-A17DD99A9BCE}" srcOrd="0" destOrd="0" parTransId="{4B135258-BA52-4204-A936-B9104120981B}" sibTransId="{BEFA0B19-F36F-4981-91B3-37D8E354A598}"/>
-    <dgm:cxn modelId="{7EDFE942-3294-4210-8970-F079F94A0289}" type="presOf" srcId="{2AB47238-3801-40FA-8976-C4E343ADE7EF}" destId="{7B9C61D3-E734-4A24-A944-215CF7A1B5A3}" srcOrd="0" destOrd="0" presId="urn:microsoft.com/office/officeart/2005/8/layout/chevron2"/>
-    <dgm:cxn modelId="{E1C853D4-2763-4C3B-9A82-4FC17DADD527}" type="presOf" srcId="{38DE0993-9D0E-44EB-BA92-7987A09ED9B9}" destId="{2D9B2A39-300B-4D1B-8EA0-BC4E32FB2A60}" srcOrd="0" destOrd="0" presId="urn:microsoft.com/office/officeart/2005/8/layout/chevron2"/>
+    <dgm:cxn modelId="{3CB9AF67-4974-4F0F-8CA2-2691AA73A03C}" type="presOf" srcId="{D6BCDEFA-529B-4012-B5F4-E404B38846BB}" destId="{5555DAA1-BFD7-47D4-A657-49CC0D39556F}" srcOrd="0" destOrd="0" presId="urn:microsoft.com/office/officeart/2005/8/layout/chevron2"/>
+    <dgm:cxn modelId="{D2FEFD7A-EABD-4D32-B2E2-1AA5710AE3D0}" type="presOf" srcId="{BE52352C-80A7-475E-91A0-4B0CEE0CDF23}" destId="{46DE062B-D172-4BF5-88A3-6686B42B8829}" srcOrd="0" destOrd="0" presId="urn:microsoft.com/office/officeart/2005/8/layout/chevron2"/>
     <dgm:cxn modelId="{035F3A77-F1B8-4C22-9C1E-D31F3A935442}" srcId="{5AED743B-61E9-43F0-B4E6-CD66C7CACB11}" destId="{C7EA4583-CA5B-4BE2-92D6-09EF84FBFF76}" srcOrd="5" destOrd="0" parTransId="{E59DB4E4-9C8C-4550-86C6-49469E772FFE}" sibTransId="{5BA0C863-B235-4345-9E16-4914C5FCA5EB}"/>
-    <dgm:cxn modelId="{30318AA7-BE48-4124-8AEF-A383BBA8D39E}" type="presOf" srcId="{C7EA4583-CA5B-4BE2-92D6-09EF84FBFF76}" destId="{8BA6A785-927D-4DE7-BA50-6A042BD6179A}" srcOrd="0" destOrd="0" presId="urn:microsoft.com/office/officeart/2005/8/layout/chevron2"/>
-    <dgm:cxn modelId="{1EA9D014-6F6E-4944-852A-852078F25DF4}" type="presOf" srcId="{D84E9FCD-AF1C-4F83-8C79-A17DD99A9BCE}" destId="{DD550D31-3E2A-4526-8E6B-FBCB4DC60A3D}" srcOrd="0" destOrd="0" presId="urn:microsoft.com/office/officeart/2005/8/layout/chevron2"/>
-    <dgm:cxn modelId="{13E5D118-FF78-4F10-9298-F454B6559DEF}" type="presOf" srcId="{098F6204-0E83-4C3B-BFDF-1D2E29E4C9D9}" destId="{7D924C14-A286-407C-A494-2605EF842E87}" srcOrd="0" destOrd="0" presId="urn:microsoft.com/office/officeart/2005/8/layout/chevron2"/>
-    <dgm:cxn modelId="{7C86F21C-83CD-41FD-87C8-FE99891F9A74}" type="presOf" srcId="{F41E29C7-3EE4-4764-AF21-CA42D9301D2B}" destId="{3A70B292-ED2A-479B-9C73-0AF5B65FCDA0}" srcOrd="0" destOrd="0" presId="urn:microsoft.com/office/officeart/2005/8/layout/chevron2"/>
+    <dgm:cxn modelId="{4C23E0E4-FE20-4E06-A4AE-9A7A0A14BB5A}" type="presOf" srcId="{2AB47238-3801-40FA-8976-C4E343ADE7EF}" destId="{7B9C61D3-E734-4A24-A944-215CF7A1B5A3}" srcOrd="0" destOrd="0" presId="urn:microsoft.com/office/officeart/2005/8/layout/chevron2"/>
+    <dgm:cxn modelId="{22C77E80-3500-4FC2-AB0B-C8F5A2819BF2}" type="presOf" srcId="{099A66E6-222C-4B30-87F7-4490B4108453}" destId="{B23AAA86-8260-4C63-858F-545D418AA6FE}" srcOrd="0" destOrd="0" presId="urn:microsoft.com/office/officeart/2005/8/layout/chevron2"/>
     <dgm:cxn modelId="{0C884370-3F78-4C35-882D-EFC4C83B85F1}" srcId="{2D743B1B-8FC7-4F4E-B56D-A09F4510C750}" destId="{099A66E6-222C-4B30-87F7-4490B4108453}" srcOrd="0" destOrd="0" parTransId="{46922462-D20D-47FB-A086-F615AD7BBAAC}" sibTransId="{FC66B7E3-67A1-43C1-B40D-564C00544688}"/>
     <dgm:cxn modelId="{FF0C6219-673B-4FD9-BAC1-DA59AE3C83FC}" srcId="{5AED743B-61E9-43F0-B4E6-CD66C7CACB11}" destId="{2D743B1B-8FC7-4F4E-B56D-A09F4510C750}" srcOrd="8" destOrd="0" parTransId="{DB48DFF8-E679-44DF-BB64-D34A9BE256B5}" sibTransId="{BEF66982-0195-4613-9D6B-6A96CADF5678}"/>
-    <dgm:cxn modelId="{1C08DCB3-450B-4058-B3A5-355B113E0F10}" type="presOf" srcId="{51A29980-B70B-4667-8CB8-DF518D8C070E}" destId="{74CD68D7-6486-45EC-94E0-B1980F2F8544}" srcOrd="0" destOrd="0" presId="urn:microsoft.com/office/officeart/2005/8/layout/chevron2"/>
+    <dgm:cxn modelId="{FB5C612D-0AA3-43C7-9502-6352BAE9517F}" type="presOf" srcId="{38DE0993-9D0E-44EB-BA92-7987A09ED9B9}" destId="{2D9B2A39-300B-4D1B-8EA0-BC4E32FB2A60}" srcOrd="0" destOrd="0" presId="urn:microsoft.com/office/officeart/2005/8/layout/chevron2"/>
+    <dgm:cxn modelId="{8BE42A01-6B74-4666-8D3B-5BD93BDCB4BE}" type="presOf" srcId="{51A29980-B70B-4667-8CB8-DF518D8C070E}" destId="{74CD68D7-6486-45EC-94E0-B1980F2F8544}" srcOrd="0" destOrd="0" presId="urn:microsoft.com/office/officeart/2005/8/layout/chevron2"/>
     <dgm:cxn modelId="{ED2C28D2-1D21-4ACC-9615-05B7C315FB71}" srcId="{5AED743B-61E9-43F0-B4E6-CD66C7CACB11}" destId="{BE52352C-80A7-475E-91A0-4B0CEE0CDF23}" srcOrd="1" destOrd="0" parTransId="{0602027C-38FA-4ADB-A052-417ED3C3D478}" sibTransId="{55BF2543-A05A-41D6-A03B-4C1DED0CB237}"/>
     <dgm:cxn modelId="{2E02816A-F96C-4E95-A6CB-4B2F7405B118}" srcId="{5AED743B-61E9-43F0-B4E6-CD66C7CACB11}" destId="{ECDFAC5A-D544-48DA-BF62-DC3353AC7261}" srcOrd="2" destOrd="0" parTransId="{4711F111-FA7E-4043-9394-27597F37E6F0}" sibTransId="{BB9D707F-2FD6-4763-8325-803F031CE4BE}"/>
     <dgm:cxn modelId="{3DBC46AB-29CD-4053-987E-221DB9D4EE32}" srcId="{5AED743B-61E9-43F0-B4E6-CD66C7CACB11}" destId="{114D2900-FC50-4787-8C61-DECB2CE00816}" srcOrd="3" destOrd="0" parTransId="{8860A4AD-82B8-48FF-A791-0C4CD1091151}" sibTransId="{019F6359-4067-4CF9-BEE4-307C2F73DA33}"/>
-    <dgm:cxn modelId="{DE1142E2-A565-461C-91F5-CF0AFC8A056C}" type="presOf" srcId="{A6FC42F1-8649-433D-9B13-8FC48773CD49}" destId="{9CF3735A-CCD7-4F50-9021-657BDACFD415}" srcOrd="0" destOrd="0" presId="urn:microsoft.com/office/officeart/2005/8/layout/chevron2"/>
+    <dgm:cxn modelId="{29DBE6D3-474A-4F55-8BB0-E479E6642DA9}" type="presOf" srcId="{A6FC42F1-8649-433D-9B13-8FC48773CD49}" destId="{9CF3735A-CCD7-4F50-9021-657BDACFD415}" srcOrd="0" destOrd="0" presId="urn:microsoft.com/office/officeart/2005/8/layout/chevron2"/>
     <dgm:cxn modelId="{6EDBDA24-93C6-46C5-B010-74FF3E20D067}" srcId="{C7EA4583-CA5B-4BE2-92D6-09EF84FBFF76}" destId="{A6FC42F1-8649-433D-9B13-8FC48773CD49}" srcOrd="0" destOrd="0" parTransId="{CF404E4D-17C7-4E8B-AE93-E687F4C24E16}" sibTransId="{3A7DE174-0F19-4201-ABB3-5CCA0BFF92FB}"/>
+    <dgm:cxn modelId="{46E12C17-7EA2-4F90-B116-D0381152200D}" type="presOf" srcId="{F5E93582-D4CF-493F-8AEA-CB61291F53F2}" destId="{CBE227D2-8DD8-40B8-868A-F1F854EF4D92}" srcOrd="0" destOrd="0" presId="urn:microsoft.com/office/officeart/2005/8/layout/chevron2"/>
     <dgm:cxn modelId="{6675784E-C62F-4ADF-B64A-876D52A40E55}" srcId="{5AED743B-61E9-43F0-B4E6-CD66C7CACB11}" destId="{3783210F-2D22-48A3-9DEF-634F34D23F5E}" srcOrd="7" destOrd="0" parTransId="{BD8176A8-30CB-4707-BD0A-6C4B21C6B83D}" sibTransId="{75A3CEF8-48B0-46DB-BEEA-AE635FE6EE92}"/>
-    <dgm:cxn modelId="{EBCB44B3-4016-497C-AED8-4823894807BA}" type="presOf" srcId="{ECDFAC5A-D544-48DA-BF62-DC3353AC7261}" destId="{06937BDD-E20F-46E1-A338-115FDE4E0538}" srcOrd="0" destOrd="0" presId="urn:microsoft.com/office/officeart/2005/8/layout/chevron2"/>
     <dgm:cxn modelId="{1B4CDA78-2C34-43E2-AA55-190DA0273741}" srcId="{5AED743B-61E9-43F0-B4E6-CD66C7CACB11}" destId="{2AB47238-3801-40FA-8976-C4E343ADE7EF}" srcOrd="0" destOrd="0" parTransId="{C05944CC-497C-4FDE-B623-B47932F95FF1}" sibTransId="{444EF23E-8F95-442A-8E5A-3ACB6AE84EDC}"/>
-    <dgm:cxn modelId="{D9A97106-39CC-4622-8706-DD07924C1822}" type="presOf" srcId="{BE52352C-80A7-475E-91A0-4B0CEE0CDF23}" destId="{46DE062B-D172-4BF5-88A3-6686B42B8829}" srcOrd="0" destOrd="0" presId="urn:microsoft.com/office/officeart/2005/8/layout/chevron2"/>
-    <dgm:cxn modelId="{4C1A2DF3-B3AC-4183-B00B-D74F1726D523}" type="presOf" srcId="{114D2900-FC50-4787-8C61-DECB2CE00816}" destId="{55DE034D-D8F4-4EE6-BC85-FD58D04C7D7C}" srcOrd="0" destOrd="0" presId="urn:microsoft.com/office/officeart/2005/8/layout/chevron2"/>
+    <dgm:cxn modelId="{6C49AA7A-88C5-4F57-800A-31869560C7E7}" type="presOf" srcId="{098F6204-0E83-4C3B-BFDF-1D2E29E4C9D9}" destId="{7D924C14-A286-407C-A494-2605EF842E87}" srcOrd="0" destOrd="0" presId="urn:microsoft.com/office/officeart/2005/8/layout/chevron2"/>
     <dgm:cxn modelId="{D430984B-0736-4BF1-89ED-AE33CF27901C}" srcId="{5AED743B-61E9-43F0-B4E6-CD66C7CACB11}" destId="{F5E93582-D4CF-493F-8AEA-CB61291F53F2}" srcOrd="6" destOrd="0" parTransId="{23B3E744-C34A-4B39-97BC-1C846C5F207A}" sibTransId="{BF8B4164-3BEA-47A0-9C72-60655A9CA336}"/>
     <dgm:cxn modelId="{ED3B1678-A19C-4A3F-B426-8EC5978ECF3D}" srcId="{2AB47238-3801-40FA-8976-C4E343ADE7EF}" destId="{098F6204-0E83-4C3B-BFDF-1D2E29E4C9D9}" srcOrd="0" destOrd="0" parTransId="{5D0C1F5F-4EE8-4238-923E-57049343506B}" sibTransId="{9A1CE265-430D-40BC-88C9-F35702551E59}"/>
-    <dgm:cxn modelId="{609D1C79-57EE-4DC6-B3F8-6C147C34C9F8}" type="presOf" srcId="{B1FF64AE-C09C-4226-95B7-E1D9337A0C5F}" destId="{B3D561DC-B92F-4A16-9FF7-B07A6C428DAA}" srcOrd="0" destOrd="0" presId="urn:microsoft.com/office/officeart/2005/8/layout/chevron2"/>
+    <dgm:cxn modelId="{85DA4653-79A7-43AD-890B-F90CB8F6CD39}" type="presOf" srcId="{5AED743B-61E9-43F0-B4E6-CD66C7CACB11}" destId="{B04888FD-580F-4C89-9024-417C4037B260}" srcOrd="0" destOrd="0" presId="urn:microsoft.com/office/officeart/2005/8/layout/chevron2"/>
     <dgm:cxn modelId="{F77E71BB-07A7-41DB-AC56-6E16D4959DF6}" srcId="{3783210F-2D22-48A3-9DEF-634F34D23F5E}" destId="{F41E29C7-3EE4-4764-AF21-CA42D9301D2B}" srcOrd="0" destOrd="0" parTransId="{06EB117A-2BCC-425A-A573-D3D332BBC7F8}" sibTransId="{59292C46-0AB7-49C3-B8E9-98E03658110D}"/>
-    <dgm:cxn modelId="{3456BE7B-4324-427D-A33C-6130575CB2AD}" type="presOf" srcId="{099A66E6-222C-4B30-87F7-4490B4108453}" destId="{B23AAA86-8260-4C63-858F-545D418AA6FE}" srcOrd="0" destOrd="0" presId="urn:microsoft.com/office/officeart/2005/8/layout/chevron2"/>
-    <dgm:cxn modelId="{AE8F60EB-3A90-4278-92DF-5DE95605C7EE}" type="presOf" srcId="{5AED743B-61E9-43F0-B4E6-CD66C7CACB11}" destId="{B04888FD-580F-4C89-9024-417C4037B260}" srcOrd="0" destOrd="0" presId="urn:microsoft.com/office/officeart/2005/8/layout/chevron2"/>
-    <dgm:cxn modelId="{C7A163D8-344F-4756-B287-9C08F4410F06}" type="presOf" srcId="{9FC8ECDD-A586-4FF1-8C8D-8EA1C24966AA}" destId="{1D11BA6A-8B5A-492E-9D05-2C356020F385}" srcOrd="0" destOrd="0" presId="urn:microsoft.com/office/officeart/2005/8/layout/chevron2"/>
+    <dgm:cxn modelId="{9B1950B3-E964-42A0-9C90-AE07F17C84FF}" type="presOf" srcId="{ECDFAC5A-D544-48DA-BF62-DC3353AC7261}" destId="{06937BDD-E20F-46E1-A338-115FDE4E0538}" srcOrd="0" destOrd="0" presId="urn:microsoft.com/office/officeart/2005/8/layout/chevron2"/>
     <dgm:cxn modelId="{BA20B84C-8C58-40CD-ACCC-C82C99BD665B}" srcId="{ECDFAC5A-D544-48DA-BF62-DC3353AC7261}" destId="{B1FF64AE-C09C-4226-95B7-E1D9337A0C5F}" srcOrd="0" destOrd="0" parTransId="{997D330E-DAEB-4C5D-AB1E-E57359A15080}" sibTransId="{B61DA039-E95C-4144-9ADF-68313B45E866}"/>
-    <dgm:cxn modelId="{D6D2C242-C606-4674-B7A0-51778F67F79B}" type="presParOf" srcId="{B04888FD-580F-4C89-9024-417C4037B260}" destId="{3999A5B1-8852-4ED6-85FA-81154FB873CC}" srcOrd="0" destOrd="0" presId="urn:microsoft.com/office/officeart/2005/8/layout/chevron2"/>
-    <dgm:cxn modelId="{0ADCF394-D774-410D-B26C-1C8E3AC2F51A}" type="presParOf" srcId="{3999A5B1-8852-4ED6-85FA-81154FB873CC}" destId="{7B9C61D3-E734-4A24-A944-215CF7A1B5A3}" srcOrd="0" destOrd="0" presId="urn:microsoft.com/office/officeart/2005/8/layout/chevron2"/>
-    <dgm:cxn modelId="{2BD7E8BF-5CBF-4038-91D2-A4BBD81B673D}" type="presParOf" srcId="{3999A5B1-8852-4ED6-85FA-81154FB873CC}" destId="{7D924C14-A286-407C-A494-2605EF842E87}" srcOrd="1" destOrd="0" presId="urn:microsoft.com/office/officeart/2005/8/layout/chevron2"/>
-    <dgm:cxn modelId="{7F4CA503-9DCA-4A1B-B416-808FBE582F5B}" type="presParOf" srcId="{B04888FD-580F-4C89-9024-417C4037B260}" destId="{CDE4BC90-27AC-4802-A115-52842E9CA2C0}" srcOrd="1" destOrd="0" presId="urn:microsoft.com/office/officeart/2005/8/layout/chevron2"/>
-    <dgm:cxn modelId="{DDD7E1F9-E46E-44AA-BE47-0CD816FBAC62}" type="presParOf" srcId="{B04888FD-580F-4C89-9024-417C4037B260}" destId="{F2E1393B-9E9C-4A57-A009-162251152C23}" srcOrd="2" destOrd="0" presId="urn:microsoft.com/office/officeart/2005/8/layout/chevron2"/>
-    <dgm:cxn modelId="{79968C0C-137D-4787-9A4F-C2AC0C1186F3}" type="presParOf" srcId="{F2E1393B-9E9C-4A57-A009-162251152C23}" destId="{46DE062B-D172-4BF5-88A3-6686B42B8829}" srcOrd="0" destOrd="0" presId="urn:microsoft.com/office/officeart/2005/8/layout/chevron2"/>
-    <dgm:cxn modelId="{756807D0-8F8C-4A65-AF9C-0F60949413C2}" type="presParOf" srcId="{F2E1393B-9E9C-4A57-A009-162251152C23}" destId="{DD550D31-3E2A-4526-8E6B-FBCB4DC60A3D}" srcOrd="1" destOrd="0" presId="urn:microsoft.com/office/officeart/2005/8/layout/chevron2"/>
-    <dgm:cxn modelId="{4DA1AC76-9830-4776-9E5F-E206240C14E8}" type="presParOf" srcId="{B04888FD-580F-4C89-9024-417C4037B260}" destId="{E5027BDB-A1D3-4FF7-B5D8-8FD2BBB796BC}" srcOrd="3" destOrd="0" presId="urn:microsoft.com/office/officeart/2005/8/layout/chevron2"/>
-    <dgm:cxn modelId="{9C071F85-7735-4797-BFAD-71153FCDAA4B}" type="presParOf" srcId="{B04888FD-580F-4C89-9024-417C4037B260}" destId="{F1955A32-5FD1-44A3-960E-B270D856C3CF}" srcOrd="4" destOrd="0" presId="urn:microsoft.com/office/officeart/2005/8/layout/chevron2"/>
-    <dgm:cxn modelId="{8AF97000-043B-4CF6-ADE6-C2F610884FBF}" type="presParOf" srcId="{F1955A32-5FD1-44A3-960E-B270D856C3CF}" destId="{06937BDD-E20F-46E1-A338-115FDE4E0538}" srcOrd="0" destOrd="0" presId="urn:microsoft.com/office/officeart/2005/8/layout/chevron2"/>
-    <dgm:cxn modelId="{0AD492F3-73C3-4E05-91D5-A3764906E993}" type="presParOf" srcId="{F1955A32-5FD1-44A3-960E-B270D856C3CF}" destId="{B3D561DC-B92F-4A16-9FF7-B07A6C428DAA}" srcOrd="1" destOrd="0" presId="urn:microsoft.com/office/officeart/2005/8/layout/chevron2"/>
-    <dgm:cxn modelId="{6D3B1A49-9203-4AF4-B76D-928C07FFC1D9}" type="presParOf" srcId="{B04888FD-580F-4C89-9024-417C4037B260}" destId="{241AFA93-E57F-4354-A16B-3BC0803929D7}" srcOrd="5" destOrd="0" presId="urn:microsoft.com/office/officeart/2005/8/layout/chevron2"/>
-    <dgm:cxn modelId="{8C532FBD-7BBB-4B4C-9419-FD5E12C9477F}" type="presParOf" srcId="{B04888FD-580F-4C89-9024-417C4037B260}" destId="{5D7B48DB-7DC6-470B-B04C-2015FE572249}" srcOrd="6" destOrd="0" presId="urn:microsoft.com/office/officeart/2005/8/layout/chevron2"/>
-    <dgm:cxn modelId="{31A93EFE-1133-448B-8D27-1A87A191999A}" type="presParOf" srcId="{5D7B48DB-7DC6-470B-B04C-2015FE572249}" destId="{55DE034D-D8F4-4EE6-BC85-FD58D04C7D7C}" srcOrd="0" destOrd="0" presId="urn:microsoft.com/office/officeart/2005/8/layout/chevron2"/>
-    <dgm:cxn modelId="{6AB2EE61-1B27-4B82-A7FB-0EBE393AFD0C}" type="presParOf" srcId="{5D7B48DB-7DC6-470B-B04C-2015FE572249}" destId="{2D9B2A39-300B-4D1B-8EA0-BC4E32FB2A60}" srcOrd="1" destOrd="0" presId="urn:microsoft.com/office/officeart/2005/8/layout/chevron2"/>
-    <dgm:cxn modelId="{A985E277-C50D-4DE3-9A56-4E2957D8B3C9}" type="presParOf" srcId="{B04888FD-580F-4C89-9024-417C4037B260}" destId="{07F7AA37-C2B0-46C7-8886-CA20577DD0DB}" srcOrd="7" destOrd="0" presId="urn:microsoft.com/office/officeart/2005/8/layout/chevron2"/>
-    <dgm:cxn modelId="{1FDC68D1-EB6A-4B70-BF7F-EF8C7E549FED}" type="presParOf" srcId="{B04888FD-580F-4C89-9024-417C4037B260}" destId="{357510C5-6B1D-41B2-B2BB-74F6B6F056B4}" srcOrd="8" destOrd="0" presId="urn:microsoft.com/office/officeart/2005/8/layout/chevron2"/>
-    <dgm:cxn modelId="{D131955A-B9F1-436A-83AB-EB96BC4336E0}" type="presParOf" srcId="{357510C5-6B1D-41B2-B2BB-74F6B6F056B4}" destId="{74CD68D7-6486-45EC-94E0-B1980F2F8544}" srcOrd="0" destOrd="0" presId="urn:microsoft.com/office/officeart/2005/8/layout/chevron2"/>
-    <dgm:cxn modelId="{3AA8B0CD-1036-44C8-97B8-726D56010985}" type="presParOf" srcId="{357510C5-6B1D-41B2-B2BB-74F6B6F056B4}" destId="{5555DAA1-BFD7-47D4-A657-49CC0D39556F}" srcOrd="1" destOrd="0" presId="urn:microsoft.com/office/officeart/2005/8/layout/chevron2"/>
-    <dgm:cxn modelId="{236EA574-0D5A-4435-9A15-0C6780FF4803}" type="presParOf" srcId="{B04888FD-580F-4C89-9024-417C4037B260}" destId="{F9494032-577E-4A59-A59F-F476D8E6952A}" srcOrd="9" destOrd="0" presId="urn:microsoft.com/office/officeart/2005/8/layout/chevron2"/>
-    <dgm:cxn modelId="{DB4D506B-C973-41E1-94F1-4894F1858AB6}" type="presParOf" srcId="{B04888FD-580F-4C89-9024-417C4037B260}" destId="{3B47E8D0-02E7-4796-9D5D-EEBD0F19DADF}" srcOrd="10" destOrd="0" presId="urn:microsoft.com/office/officeart/2005/8/layout/chevron2"/>
-    <dgm:cxn modelId="{8AD9EF03-7425-49B1-B2B6-6FC0666082EE}" type="presParOf" srcId="{3B47E8D0-02E7-4796-9D5D-EEBD0F19DADF}" destId="{8BA6A785-927D-4DE7-BA50-6A042BD6179A}" srcOrd="0" destOrd="0" presId="urn:microsoft.com/office/officeart/2005/8/layout/chevron2"/>
-    <dgm:cxn modelId="{650F8999-F4A6-453B-92C2-C0CF46A38270}" type="presParOf" srcId="{3B47E8D0-02E7-4796-9D5D-EEBD0F19DADF}" destId="{9CF3735A-CCD7-4F50-9021-657BDACFD415}" srcOrd="1" destOrd="0" presId="urn:microsoft.com/office/officeart/2005/8/layout/chevron2"/>
-    <dgm:cxn modelId="{840AD863-2551-44F0-BA47-E99C404843FB}" type="presParOf" srcId="{B04888FD-580F-4C89-9024-417C4037B260}" destId="{BC156B28-73A6-48C1-919F-B71C8AD38DFE}" srcOrd="11" destOrd="0" presId="urn:microsoft.com/office/officeart/2005/8/layout/chevron2"/>
-    <dgm:cxn modelId="{147359AA-E0B7-45D4-A4BD-ED1401B0E418}" type="presParOf" srcId="{B04888FD-580F-4C89-9024-417C4037B260}" destId="{D04EE9D2-6972-4ABC-99D2-48987D3FD757}" srcOrd="12" destOrd="0" presId="urn:microsoft.com/office/officeart/2005/8/layout/chevron2"/>
-    <dgm:cxn modelId="{011D555B-2520-4104-939B-FF6EA88FA9D8}" type="presParOf" srcId="{D04EE9D2-6972-4ABC-99D2-48987D3FD757}" destId="{CBE227D2-8DD8-40B8-868A-F1F854EF4D92}" srcOrd="0" destOrd="0" presId="urn:microsoft.com/office/officeart/2005/8/layout/chevron2"/>
-    <dgm:cxn modelId="{2B87A6C4-C3B8-4127-9137-504B00BB6199}" type="presParOf" srcId="{D04EE9D2-6972-4ABC-99D2-48987D3FD757}" destId="{1D11BA6A-8B5A-492E-9D05-2C356020F385}" srcOrd="1" destOrd="0" presId="urn:microsoft.com/office/officeart/2005/8/layout/chevron2"/>
-    <dgm:cxn modelId="{A79A6901-0FFD-4084-8B42-FD124F54C286}" type="presParOf" srcId="{B04888FD-580F-4C89-9024-417C4037B260}" destId="{5396857A-D2FA-478E-93B1-BFB7F032C185}" srcOrd="13" destOrd="0" presId="urn:microsoft.com/office/officeart/2005/8/layout/chevron2"/>
-    <dgm:cxn modelId="{43A6496B-E079-455F-A388-A28D36B6310C}" type="presParOf" srcId="{B04888FD-580F-4C89-9024-417C4037B260}" destId="{A26A3DA9-A53F-4DE5-A347-BD1E1DF6177C}" srcOrd="14" destOrd="0" presId="urn:microsoft.com/office/officeart/2005/8/layout/chevron2"/>
-    <dgm:cxn modelId="{7297E36E-1C38-46F4-97CF-F8D26912CA3A}" type="presParOf" srcId="{A26A3DA9-A53F-4DE5-A347-BD1E1DF6177C}" destId="{934E52F8-1F31-421D-98B1-AF190D4E2E54}" srcOrd="0" destOrd="0" presId="urn:microsoft.com/office/officeart/2005/8/layout/chevron2"/>
-    <dgm:cxn modelId="{DA231CC1-1EE4-42D4-BFD4-CD8E1BDF2C8A}" type="presParOf" srcId="{A26A3DA9-A53F-4DE5-A347-BD1E1DF6177C}" destId="{3A70B292-ED2A-479B-9C73-0AF5B65FCDA0}" srcOrd="1" destOrd="0" presId="urn:microsoft.com/office/officeart/2005/8/layout/chevron2"/>
-    <dgm:cxn modelId="{0A85906D-816D-4486-A14A-4CF5C24DD1D8}" type="presParOf" srcId="{B04888FD-580F-4C89-9024-417C4037B260}" destId="{C18729EF-0C3E-499F-9218-1A35D246066C}" srcOrd="15" destOrd="0" presId="urn:microsoft.com/office/officeart/2005/8/layout/chevron2"/>
-    <dgm:cxn modelId="{35E8D0A6-8D99-4D3E-9A4B-EC660788AE04}" type="presParOf" srcId="{B04888FD-580F-4C89-9024-417C4037B260}" destId="{2E8D425F-21A6-4161-BF9E-2CEACB456F1A}" srcOrd="16" destOrd="0" presId="urn:microsoft.com/office/officeart/2005/8/layout/chevron2"/>
-    <dgm:cxn modelId="{635B0375-E53B-4378-BF75-8534FDF3BA11}" type="presParOf" srcId="{2E8D425F-21A6-4161-BF9E-2CEACB456F1A}" destId="{BEE86D47-DEB0-47FE-BA07-F46E88E4EA5B}" srcOrd="0" destOrd="0" presId="urn:microsoft.com/office/officeart/2005/8/layout/chevron2"/>
-    <dgm:cxn modelId="{6FDB669C-F37C-4072-83DB-59FB376D0488}" type="presParOf" srcId="{2E8D425F-21A6-4161-BF9E-2CEACB456F1A}" destId="{B23AAA86-8260-4C63-858F-545D418AA6FE}" srcOrd="1" destOrd="0" presId="urn:microsoft.com/office/officeart/2005/8/layout/chevron2"/>
+    <dgm:cxn modelId="{8D793F9D-713C-4383-8518-6CC354686E8B}" type="presOf" srcId="{D84E9FCD-AF1C-4F83-8C79-A17DD99A9BCE}" destId="{DD550D31-3E2A-4526-8E6B-FBCB4DC60A3D}" srcOrd="0" destOrd="0" presId="urn:microsoft.com/office/officeart/2005/8/layout/chevron2"/>
+    <dgm:cxn modelId="{FDD7D7E5-41BF-4DA9-960A-0D4C6C8C34DB}" type="presParOf" srcId="{B04888FD-580F-4C89-9024-417C4037B260}" destId="{3999A5B1-8852-4ED6-85FA-81154FB873CC}" srcOrd="0" destOrd="0" presId="urn:microsoft.com/office/officeart/2005/8/layout/chevron2"/>
+    <dgm:cxn modelId="{F49ED93B-6E8C-4251-98F3-97B5557711A0}" type="presParOf" srcId="{3999A5B1-8852-4ED6-85FA-81154FB873CC}" destId="{7B9C61D3-E734-4A24-A944-215CF7A1B5A3}" srcOrd="0" destOrd="0" presId="urn:microsoft.com/office/officeart/2005/8/layout/chevron2"/>
+    <dgm:cxn modelId="{0F02A7E5-3DBF-40D5-8F3D-5497443678A5}" type="presParOf" srcId="{3999A5B1-8852-4ED6-85FA-81154FB873CC}" destId="{7D924C14-A286-407C-A494-2605EF842E87}" srcOrd="1" destOrd="0" presId="urn:microsoft.com/office/officeart/2005/8/layout/chevron2"/>
+    <dgm:cxn modelId="{18073935-36BE-41A6-82FF-E710477F53E6}" type="presParOf" srcId="{B04888FD-580F-4C89-9024-417C4037B260}" destId="{CDE4BC90-27AC-4802-A115-52842E9CA2C0}" srcOrd="1" destOrd="0" presId="urn:microsoft.com/office/officeart/2005/8/layout/chevron2"/>
+    <dgm:cxn modelId="{25C5980B-C8F2-4318-8211-F69C35554BBD}" type="presParOf" srcId="{B04888FD-580F-4C89-9024-417C4037B260}" destId="{F2E1393B-9E9C-4A57-A009-162251152C23}" srcOrd="2" destOrd="0" presId="urn:microsoft.com/office/officeart/2005/8/layout/chevron2"/>
+    <dgm:cxn modelId="{898FFD80-AAEC-4F0F-B2E3-80F9AF889F2F}" type="presParOf" srcId="{F2E1393B-9E9C-4A57-A009-162251152C23}" destId="{46DE062B-D172-4BF5-88A3-6686B42B8829}" srcOrd="0" destOrd="0" presId="urn:microsoft.com/office/officeart/2005/8/layout/chevron2"/>
+    <dgm:cxn modelId="{3561C874-951E-4B8D-B5A0-94DE801508E0}" type="presParOf" srcId="{F2E1393B-9E9C-4A57-A009-162251152C23}" destId="{DD550D31-3E2A-4526-8E6B-FBCB4DC60A3D}" srcOrd="1" destOrd="0" presId="urn:microsoft.com/office/officeart/2005/8/layout/chevron2"/>
+    <dgm:cxn modelId="{F89728BA-7CD6-48E7-8D19-6240B923B9D6}" type="presParOf" srcId="{B04888FD-580F-4C89-9024-417C4037B260}" destId="{E5027BDB-A1D3-4FF7-B5D8-8FD2BBB796BC}" srcOrd="3" destOrd="0" presId="urn:microsoft.com/office/officeart/2005/8/layout/chevron2"/>
+    <dgm:cxn modelId="{54E71BB6-EDD1-4F0A-9F23-72F334A9F76A}" type="presParOf" srcId="{B04888FD-580F-4C89-9024-417C4037B260}" destId="{F1955A32-5FD1-44A3-960E-B270D856C3CF}" srcOrd="4" destOrd="0" presId="urn:microsoft.com/office/officeart/2005/8/layout/chevron2"/>
+    <dgm:cxn modelId="{5C0FD2D5-D379-46DD-8426-DC6C6B6358EB}" type="presParOf" srcId="{F1955A32-5FD1-44A3-960E-B270D856C3CF}" destId="{06937BDD-E20F-46E1-A338-115FDE4E0538}" srcOrd="0" destOrd="0" presId="urn:microsoft.com/office/officeart/2005/8/layout/chevron2"/>
+    <dgm:cxn modelId="{7A511582-1614-4A60-9ABC-2E0D19BEE415}" type="presParOf" srcId="{F1955A32-5FD1-44A3-960E-B270D856C3CF}" destId="{B3D561DC-B92F-4A16-9FF7-B07A6C428DAA}" srcOrd="1" destOrd="0" presId="urn:microsoft.com/office/officeart/2005/8/layout/chevron2"/>
+    <dgm:cxn modelId="{2B47C0A9-9D4C-4308-B753-883C84599DDB}" type="presParOf" srcId="{B04888FD-580F-4C89-9024-417C4037B260}" destId="{241AFA93-E57F-4354-A16B-3BC0803929D7}" srcOrd="5" destOrd="0" presId="urn:microsoft.com/office/officeart/2005/8/layout/chevron2"/>
+    <dgm:cxn modelId="{555EC7C3-F7CF-4BE9-A433-B4F3C021007B}" type="presParOf" srcId="{B04888FD-580F-4C89-9024-417C4037B260}" destId="{5D7B48DB-7DC6-470B-B04C-2015FE572249}" srcOrd="6" destOrd="0" presId="urn:microsoft.com/office/officeart/2005/8/layout/chevron2"/>
+    <dgm:cxn modelId="{72CAB067-0EB1-42A1-8A54-9242E34A62E4}" type="presParOf" srcId="{5D7B48DB-7DC6-470B-B04C-2015FE572249}" destId="{55DE034D-D8F4-4EE6-BC85-FD58D04C7D7C}" srcOrd="0" destOrd="0" presId="urn:microsoft.com/office/officeart/2005/8/layout/chevron2"/>
+    <dgm:cxn modelId="{71F3C577-3856-4EE5-A1BD-38DD77C33471}" type="presParOf" srcId="{5D7B48DB-7DC6-470B-B04C-2015FE572249}" destId="{2D9B2A39-300B-4D1B-8EA0-BC4E32FB2A60}" srcOrd="1" destOrd="0" presId="urn:microsoft.com/office/officeart/2005/8/layout/chevron2"/>
+    <dgm:cxn modelId="{D1E2F58F-9E12-4020-8097-A140D63EA6FE}" type="presParOf" srcId="{B04888FD-580F-4C89-9024-417C4037B260}" destId="{07F7AA37-C2B0-46C7-8886-CA20577DD0DB}" srcOrd="7" destOrd="0" presId="urn:microsoft.com/office/officeart/2005/8/layout/chevron2"/>
+    <dgm:cxn modelId="{8298E4DF-2935-4D21-8CA2-8BA66DD1136D}" type="presParOf" srcId="{B04888FD-580F-4C89-9024-417C4037B260}" destId="{357510C5-6B1D-41B2-B2BB-74F6B6F056B4}" srcOrd="8" destOrd="0" presId="urn:microsoft.com/office/officeart/2005/8/layout/chevron2"/>
+    <dgm:cxn modelId="{9FDA5BC2-CD79-4087-A6C0-420ACE57E9FD}" type="presParOf" srcId="{357510C5-6B1D-41B2-B2BB-74F6B6F056B4}" destId="{74CD68D7-6486-45EC-94E0-B1980F2F8544}" srcOrd="0" destOrd="0" presId="urn:microsoft.com/office/officeart/2005/8/layout/chevron2"/>
+    <dgm:cxn modelId="{A98B449D-B908-415E-AB8F-0BF642490AFD}" type="presParOf" srcId="{357510C5-6B1D-41B2-B2BB-74F6B6F056B4}" destId="{5555DAA1-BFD7-47D4-A657-49CC0D39556F}" srcOrd="1" destOrd="0" presId="urn:microsoft.com/office/officeart/2005/8/layout/chevron2"/>
+    <dgm:cxn modelId="{09C6FAA6-694A-4739-923D-55ACA78A8353}" type="presParOf" srcId="{B04888FD-580F-4C89-9024-417C4037B260}" destId="{F9494032-577E-4A59-A59F-F476D8E6952A}" srcOrd="9" destOrd="0" presId="urn:microsoft.com/office/officeart/2005/8/layout/chevron2"/>
+    <dgm:cxn modelId="{D0211D12-11D5-41C5-8485-8703CCFB8C2B}" type="presParOf" srcId="{B04888FD-580F-4C89-9024-417C4037B260}" destId="{3B47E8D0-02E7-4796-9D5D-EEBD0F19DADF}" srcOrd="10" destOrd="0" presId="urn:microsoft.com/office/officeart/2005/8/layout/chevron2"/>
+    <dgm:cxn modelId="{E24208FB-B0CF-423A-8F7B-28ED5D56FBDB}" type="presParOf" srcId="{3B47E8D0-02E7-4796-9D5D-EEBD0F19DADF}" destId="{8BA6A785-927D-4DE7-BA50-6A042BD6179A}" srcOrd="0" destOrd="0" presId="urn:microsoft.com/office/officeart/2005/8/layout/chevron2"/>
+    <dgm:cxn modelId="{E39EFE57-75C5-4135-8FD6-612297367F6C}" type="presParOf" srcId="{3B47E8D0-02E7-4796-9D5D-EEBD0F19DADF}" destId="{9CF3735A-CCD7-4F50-9021-657BDACFD415}" srcOrd="1" destOrd="0" presId="urn:microsoft.com/office/officeart/2005/8/layout/chevron2"/>
+    <dgm:cxn modelId="{465FF9AE-3A32-4148-82D5-71773E42CCC4}" type="presParOf" srcId="{B04888FD-580F-4C89-9024-417C4037B260}" destId="{BC156B28-73A6-48C1-919F-B71C8AD38DFE}" srcOrd="11" destOrd="0" presId="urn:microsoft.com/office/officeart/2005/8/layout/chevron2"/>
+    <dgm:cxn modelId="{503C3FEC-8984-4972-82FF-C503338F3823}" type="presParOf" srcId="{B04888FD-580F-4C89-9024-417C4037B260}" destId="{D04EE9D2-6972-4ABC-99D2-48987D3FD757}" srcOrd="12" destOrd="0" presId="urn:microsoft.com/office/officeart/2005/8/layout/chevron2"/>
+    <dgm:cxn modelId="{41695BD9-FE7B-4C2B-A2FD-78E584CFF5F8}" type="presParOf" srcId="{D04EE9D2-6972-4ABC-99D2-48987D3FD757}" destId="{CBE227D2-8DD8-40B8-868A-F1F854EF4D92}" srcOrd="0" destOrd="0" presId="urn:microsoft.com/office/officeart/2005/8/layout/chevron2"/>
+    <dgm:cxn modelId="{A2CBE9AD-8549-4026-BA71-BC4E78F46A08}" type="presParOf" srcId="{D04EE9D2-6972-4ABC-99D2-48987D3FD757}" destId="{1D11BA6A-8B5A-492E-9D05-2C356020F385}" srcOrd="1" destOrd="0" presId="urn:microsoft.com/office/officeart/2005/8/layout/chevron2"/>
+    <dgm:cxn modelId="{3AF65BB5-E462-485D-BD84-55B332124105}" type="presParOf" srcId="{B04888FD-580F-4C89-9024-417C4037B260}" destId="{5396857A-D2FA-478E-93B1-BFB7F032C185}" srcOrd="13" destOrd="0" presId="urn:microsoft.com/office/officeart/2005/8/layout/chevron2"/>
+    <dgm:cxn modelId="{0A48A9EC-7138-4CF1-A335-183B45A6CB44}" type="presParOf" srcId="{B04888FD-580F-4C89-9024-417C4037B260}" destId="{A26A3DA9-A53F-4DE5-A347-BD1E1DF6177C}" srcOrd="14" destOrd="0" presId="urn:microsoft.com/office/officeart/2005/8/layout/chevron2"/>
+    <dgm:cxn modelId="{E0104FFA-30A8-4910-BE11-14380DD87550}" type="presParOf" srcId="{A26A3DA9-A53F-4DE5-A347-BD1E1DF6177C}" destId="{934E52F8-1F31-421D-98B1-AF190D4E2E54}" srcOrd="0" destOrd="0" presId="urn:microsoft.com/office/officeart/2005/8/layout/chevron2"/>
+    <dgm:cxn modelId="{4E756C27-11B5-49B0-B3A3-AB116D55C28B}" type="presParOf" srcId="{A26A3DA9-A53F-4DE5-A347-BD1E1DF6177C}" destId="{3A70B292-ED2A-479B-9C73-0AF5B65FCDA0}" srcOrd="1" destOrd="0" presId="urn:microsoft.com/office/officeart/2005/8/layout/chevron2"/>
+    <dgm:cxn modelId="{6271A3C4-A050-4193-A7BB-C62D888DA472}" type="presParOf" srcId="{B04888FD-580F-4C89-9024-417C4037B260}" destId="{C18729EF-0C3E-499F-9218-1A35D246066C}" srcOrd="15" destOrd="0" presId="urn:microsoft.com/office/officeart/2005/8/layout/chevron2"/>
+    <dgm:cxn modelId="{C60EB91E-DAD4-475C-AB3D-371414115802}" type="presParOf" srcId="{B04888FD-580F-4C89-9024-417C4037B260}" destId="{2E8D425F-21A6-4161-BF9E-2CEACB456F1A}" srcOrd="16" destOrd="0" presId="urn:microsoft.com/office/officeart/2005/8/layout/chevron2"/>
+    <dgm:cxn modelId="{B2F36FB8-681C-4DE0-9E3D-0B41D6BAA7D6}" type="presParOf" srcId="{2E8D425F-21A6-4161-BF9E-2CEACB456F1A}" destId="{BEE86D47-DEB0-47FE-BA07-F46E88E4EA5B}" srcOrd="0" destOrd="0" presId="urn:microsoft.com/office/officeart/2005/8/layout/chevron2"/>
+    <dgm:cxn modelId="{AF3048CF-D7F9-4FF3-8869-6F267F7D0BDF}" type="presParOf" srcId="{2E8D425F-21A6-4161-BF9E-2CEACB456F1A}" destId="{B23AAA86-8260-4C63-858F-545D418AA6FE}" srcOrd="1" destOrd="0" presId="urn:microsoft.com/office/officeart/2005/8/layout/chevron2"/>
   </dgm:cxnLst>
   <dgm:bg/>
   <dgm:whole/>
@@ -6621,6 +6619,495 @@
       <dsp:cNvGrpSpPr/>
     </dsp:nvGrpSpPr>
     <dsp:grpSpPr/>
+    <dsp:sp modelId="{58606CD1-2FAF-4221-8B46-E52A39B1C659}">
+      <dsp:nvSpPr>
+        <dsp:cNvPr id="0" name=""/>
+        <dsp:cNvSpPr/>
+      </dsp:nvSpPr>
+      <dsp:spPr>
+        <a:xfrm>
+          <a:off x="2357447" y="214316"/>
+          <a:ext cx="4072698" cy="1906811"/>
+        </a:xfrm>
+        <a:prstGeom prst="ellipse">
+          <a:avLst/>
+        </a:prstGeom>
+        <a:solidFill>
+          <a:schemeClr val="dk2">
+            <a:tint val="50000"/>
+            <a:alpha val="40000"/>
+            <a:hueOff val="0"/>
+            <a:satOff val="0"/>
+            <a:lumOff val="0"/>
+            <a:alphaOff val="0"/>
+          </a:schemeClr>
+        </a:solidFill>
+        <a:ln>
+          <a:noFill/>
+        </a:ln>
+        <a:effectLst/>
+      </dsp:spPr>
+      <dsp:style>
+        <a:lnRef idx="0">
+          <a:scrgbClr r="0" g="0" b="0"/>
+        </a:lnRef>
+        <a:fillRef idx="1">
+          <a:scrgbClr r="0" g="0" b="0"/>
+        </a:fillRef>
+        <a:effectRef idx="0">
+          <a:scrgbClr r="0" g="0" b="0"/>
+        </a:effectRef>
+        <a:fontRef idx="minor"/>
+      </dsp:style>
+    </dsp:sp>
+    <dsp:sp modelId="{193AA5AF-3265-4384-963E-341EA8CC2434}">
+      <dsp:nvSpPr>
+        <dsp:cNvPr id="0" name=""/>
+        <dsp:cNvSpPr/>
+      </dsp:nvSpPr>
+      <dsp:spPr>
+        <a:xfrm>
+          <a:off x="3782224" y="2858091"/>
+          <a:ext cx="1117701" cy="1450025"/>
+        </a:xfrm>
+        <a:prstGeom prst="downArrow">
+          <a:avLst/>
+        </a:prstGeom>
+        <a:solidFill>
+          <a:schemeClr val="dk2">
+            <a:tint val="60000"/>
+            <a:hueOff val="0"/>
+            <a:satOff val="0"/>
+            <a:lumOff val="0"/>
+            <a:alphaOff val="0"/>
+          </a:schemeClr>
+        </a:solidFill>
+        <a:ln w="25400" cap="flat" cmpd="sng" algn="ctr">
+          <a:solidFill>
+            <a:schemeClr val="lt2">
+              <a:hueOff val="0"/>
+              <a:satOff val="0"/>
+              <a:lumOff val="0"/>
+              <a:alphaOff val="0"/>
+            </a:schemeClr>
+          </a:solidFill>
+          <a:prstDash val="solid"/>
+        </a:ln>
+        <a:effectLst/>
+      </dsp:spPr>
+      <dsp:style>
+        <a:lnRef idx="2">
+          <a:scrgbClr r="0" g="0" b="0"/>
+        </a:lnRef>
+        <a:fillRef idx="1">
+          <a:scrgbClr r="0" g="0" b="0"/>
+        </a:fillRef>
+        <a:effectRef idx="0">
+          <a:scrgbClr r="0" g="0" b="0"/>
+        </a:effectRef>
+        <a:fontRef idx="minor"/>
+      </dsp:style>
+    </dsp:sp>
+    <dsp:sp modelId="{FDFD540A-D152-4509-99EE-8288730A10B3}">
+      <dsp:nvSpPr>
+        <dsp:cNvPr id="0" name=""/>
+        <dsp:cNvSpPr/>
+      </dsp:nvSpPr>
+      <dsp:spPr>
+        <a:xfrm>
+          <a:off x="1837998" y="3820542"/>
+          <a:ext cx="5182283" cy="2092411"/>
+        </a:xfrm>
+        <a:prstGeom prst="rect">
+          <a:avLst/>
+        </a:prstGeom>
+        <a:noFill/>
+        <a:ln>
+          <a:noFill/>
+        </a:ln>
+        <a:effectLst/>
+      </dsp:spPr>
+      <dsp:style>
+        <a:lnRef idx="0">
+          <a:scrgbClr r="0" g="0" b="0"/>
+        </a:lnRef>
+        <a:fillRef idx="0">
+          <a:scrgbClr r="0" g="0" b="0"/>
+        </a:fillRef>
+        <a:effectRef idx="0">
+          <a:scrgbClr r="0" g="0" b="0"/>
+        </a:effectRef>
+        <a:fontRef idx="minor"/>
+      </dsp:style>
+      <dsp:txBody>
+        <a:bodyPr spcFirstLastPara="0" vert="horz" wrap="square" lIns="170688" tIns="170688" rIns="170688" bIns="170688" numCol="1" spcCol="1270" anchor="ctr" anchorCtr="0">
+          <a:noAutofit/>
+        </a:bodyPr>
+        <a:lstStyle/>
+        <a:p>
+          <a:pPr lvl="0" algn="ctr" defTabSz="1066800">
+            <a:lnSpc>
+              <a:spcPct val="90000"/>
+            </a:lnSpc>
+            <a:spcBef>
+              <a:spcPct val="0"/>
+            </a:spcBef>
+            <a:spcAft>
+              <a:spcPct val="35000"/>
+            </a:spcAft>
+          </a:pPr>
+          <a:r>
+            <a:rPr lang="en-US" sz="2400" kern="1200" dirty="0" smtClean="0"/>
+            <a:t>SISTEMA DE INFORMACIÓN PARA </a:t>
+          </a:r>
+          <a:r>
+            <a:rPr lang="es-ES" sz="2400" kern="1200" dirty="0" smtClean="0"/>
+            <a:t>DETECTAR FRAUDE EN REDES ELÉCTRICAS</a:t>
+          </a:r>
+          <a:endParaRPr lang="es-ES" sz="2400" kern="1200" dirty="0"/>
+        </a:p>
+      </dsp:txBody>
+      <dsp:txXfrm>
+        <a:off x="1837998" y="3820542"/>
+        <a:ext cx="5182283" cy="2092411"/>
+      </dsp:txXfrm>
+    </dsp:sp>
+    <dsp:sp modelId="{C15CDCEA-7379-45FA-8B57-94F5A3DD8BCD}">
+      <dsp:nvSpPr>
+        <dsp:cNvPr id="0" name=""/>
+        <dsp:cNvSpPr/>
+      </dsp:nvSpPr>
+      <dsp:spPr>
+        <a:xfrm>
+          <a:off x="4464492" y="5"/>
+          <a:ext cx="1732246" cy="1637460"/>
+        </a:xfrm>
+        <a:prstGeom prst="ellipse">
+          <a:avLst/>
+        </a:prstGeom>
+        <a:gradFill rotWithShape="1">
+          <a:gsLst>
+            <a:gs pos="0">
+              <a:schemeClr val="accent6">
+                <a:tint val="50000"/>
+                <a:satMod val="300000"/>
+              </a:schemeClr>
+            </a:gs>
+            <a:gs pos="35000">
+              <a:schemeClr val="accent6">
+                <a:tint val="37000"/>
+                <a:satMod val="300000"/>
+              </a:schemeClr>
+            </a:gs>
+            <a:gs pos="100000">
+              <a:schemeClr val="accent6">
+                <a:tint val="15000"/>
+                <a:satMod val="350000"/>
+              </a:schemeClr>
+            </a:gs>
+          </a:gsLst>
+          <a:lin ang="16200000" scaled="1"/>
+        </a:gradFill>
+        <a:ln w="9525" cap="flat" cmpd="sng" algn="ctr">
+          <a:solidFill>
+            <a:schemeClr val="accent6">
+              <a:shade val="95000"/>
+              <a:satMod val="105000"/>
+            </a:schemeClr>
+          </a:solidFill>
+          <a:prstDash val="solid"/>
+        </a:ln>
+        <a:effectLst>
+          <a:outerShdw blurRad="40000" dist="20000" dir="5400000" rotWithShape="0">
+            <a:srgbClr val="000000">
+              <a:alpha val="38000"/>
+            </a:srgbClr>
+          </a:outerShdw>
+        </a:effectLst>
+      </dsp:spPr>
+      <dsp:style>
+        <a:lnRef idx="1">
+          <a:schemeClr val="accent6"/>
+        </a:lnRef>
+        <a:fillRef idx="2">
+          <a:schemeClr val="accent6"/>
+        </a:fillRef>
+        <a:effectRef idx="1">
+          <a:schemeClr val="accent6"/>
+        </a:effectRef>
+        <a:fontRef idx="minor">
+          <a:schemeClr val="dk1"/>
+        </a:fontRef>
+      </dsp:style>
+      <dsp:txBody>
+        <a:bodyPr spcFirstLastPara="0" vert="horz" wrap="square" lIns="13970" tIns="13970" rIns="13970" bIns="13970" numCol="1" spcCol="1270" anchor="ctr" anchorCtr="0">
+          <a:noAutofit/>
+        </a:bodyPr>
+        <a:lstStyle/>
+        <a:p>
+          <a:pPr lvl="0" algn="ctr" defTabSz="488950">
+            <a:lnSpc>
+              <a:spcPct val="90000"/>
+            </a:lnSpc>
+            <a:spcBef>
+              <a:spcPct val="0"/>
+            </a:spcBef>
+            <a:spcAft>
+              <a:spcPct val="35000"/>
+            </a:spcAft>
+          </a:pPr>
+          <a:r>
+            <a:rPr lang="es-ES" sz="1100" b="1" kern="1200" dirty="0" smtClean="0"/>
+            <a:t>Detectar los puntos de perdida de energía para reducir los índices de perdidas.</a:t>
+          </a:r>
+          <a:endParaRPr lang="es-ES" sz="1100" b="1" kern="1200" dirty="0"/>
+        </a:p>
+      </dsp:txBody>
+      <dsp:txXfrm>
+        <a:off x="4718174" y="239805"/>
+        <a:ext cx="1224882" cy="1157860"/>
+      </dsp:txXfrm>
+    </dsp:sp>
+    <dsp:sp modelId="{00820C10-2A8A-4A4F-B811-28F0DDBB82C7}">
+      <dsp:nvSpPr>
+        <dsp:cNvPr id="0" name=""/>
+        <dsp:cNvSpPr/>
+      </dsp:nvSpPr>
+      <dsp:spPr>
+        <a:xfrm>
+          <a:off x="2448266" y="360041"/>
+          <a:ext cx="1676503" cy="1545825"/>
+        </a:xfrm>
+        <a:prstGeom prst="ellipse">
+          <a:avLst/>
+        </a:prstGeom>
+        <a:gradFill rotWithShape="1">
+          <a:gsLst>
+            <a:gs pos="0">
+              <a:schemeClr val="dk1">
+                <a:tint val="50000"/>
+                <a:satMod val="300000"/>
+              </a:schemeClr>
+            </a:gs>
+            <a:gs pos="35000">
+              <a:schemeClr val="dk1">
+                <a:tint val="37000"/>
+                <a:satMod val="300000"/>
+              </a:schemeClr>
+            </a:gs>
+            <a:gs pos="100000">
+              <a:schemeClr val="dk1">
+                <a:tint val="15000"/>
+                <a:satMod val="350000"/>
+              </a:schemeClr>
+            </a:gs>
+          </a:gsLst>
+          <a:lin ang="16200000" scaled="1"/>
+        </a:gradFill>
+        <a:ln w="9525" cap="flat" cmpd="sng" algn="ctr">
+          <a:solidFill>
+            <a:schemeClr val="dk1">
+              <a:shade val="95000"/>
+              <a:satMod val="105000"/>
+            </a:schemeClr>
+          </a:solidFill>
+          <a:prstDash val="solid"/>
+        </a:ln>
+        <a:effectLst>
+          <a:outerShdw blurRad="40000" dist="20000" dir="5400000" rotWithShape="0">
+            <a:srgbClr val="000000">
+              <a:alpha val="38000"/>
+            </a:srgbClr>
+          </a:outerShdw>
+        </a:effectLst>
+      </dsp:spPr>
+      <dsp:style>
+        <a:lnRef idx="1">
+          <a:schemeClr val="dk1"/>
+        </a:lnRef>
+        <a:fillRef idx="2">
+          <a:schemeClr val="dk1"/>
+        </a:fillRef>
+        <a:effectRef idx="1">
+          <a:schemeClr val="dk1"/>
+        </a:effectRef>
+        <a:fontRef idx="minor">
+          <a:schemeClr val="dk1"/>
+        </a:fontRef>
+      </dsp:style>
+      <dsp:txBody>
+        <a:bodyPr spcFirstLastPara="0" vert="horz" wrap="square" lIns="15240" tIns="15240" rIns="15240" bIns="15240" numCol="1" spcCol="1270" anchor="ctr" anchorCtr="0">
+          <a:noAutofit/>
+        </a:bodyPr>
+        <a:lstStyle/>
+        <a:p>
+          <a:pPr lvl="0" algn="ctr" defTabSz="533400">
+            <a:lnSpc>
+              <a:spcPct val="90000"/>
+            </a:lnSpc>
+            <a:spcBef>
+              <a:spcPct val="0"/>
+            </a:spcBef>
+            <a:spcAft>
+              <a:spcPct val="35000"/>
+            </a:spcAft>
+          </a:pPr>
+          <a:r>
+            <a:rPr lang="es-CO" sz="1200" b="1" kern="1200" dirty="0" smtClean="0"/>
+            <a:t>Utilizar la infraestructura actual y la proyectada para mejorar la medición </a:t>
+          </a:r>
+          <a:endParaRPr lang="es-ES" sz="1200" b="1" kern="1200" dirty="0"/>
+        </a:p>
+      </dsp:txBody>
+      <dsp:txXfrm>
+        <a:off x="2693784" y="586422"/>
+        <a:ext cx="1185467" cy="1093063"/>
+      </dsp:txXfrm>
+    </dsp:sp>
+    <dsp:sp modelId="{4830C1AE-3A07-4776-80B0-46C7307DB5B0}">
+      <dsp:nvSpPr>
+        <dsp:cNvPr id="0" name=""/>
+        <dsp:cNvSpPr/>
+      </dsp:nvSpPr>
+      <dsp:spPr>
+        <a:xfrm>
+          <a:off x="3643338" y="1143011"/>
+          <a:ext cx="1669045" cy="1543559"/>
+        </a:xfrm>
+        <a:prstGeom prst="ellipse">
+          <a:avLst/>
+        </a:prstGeom>
+        <a:gradFill rotWithShape="1">
+          <a:gsLst>
+            <a:gs pos="0">
+              <a:schemeClr val="accent3">
+                <a:shade val="51000"/>
+                <a:satMod val="130000"/>
+              </a:schemeClr>
+            </a:gs>
+            <a:gs pos="80000">
+              <a:schemeClr val="accent3">
+                <a:shade val="93000"/>
+                <a:satMod val="130000"/>
+              </a:schemeClr>
+            </a:gs>
+            <a:gs pos="100000">
+              <a:schemeClr val="accent3">
+                <a:shade val="94000"/>
+                <a:satMod val="135000"/>
+              </a:schemeClr>
+            </a:gs>
+          </a:gsLst>
+          <a:lin ang="16200000" scaled="0"/>
+        </a:gradFill>
+        <a:ln w="9525" cap="flat" cmpd="sng" algn="ctr">
+          <a:solidFill>
+            <a:schemeClr val="accent3">
+              <a:shade val="95000"/>
+              <a:satMod val="105000"/>
+            </a:schemeClr>
+          </a:solidFill>
+          <a:prstDash val="solid"/>
+        </a:ln>
+        <a:effectLst>
+          <a:outerShdw blurRad="40000" dist="23000" dir="5400000" rotWithShape="0">
+            <a:srgbClr val="000000">
+              <a:alpha val="35000"/>
+            </a:srgbClr>
+          </a:outerShdw>
+        </a:effectLst>
+      </dsp:spPr>
+      <dsp:style>
+        <a:lnRef idx="1">
+          <a:schemeClr val="accent3"/>
+        </a:lnRef>
+        <a:fillRef idx="3">
+          <a:schemeClr val="accent3"/>
+        </a:fillRef>
+        <a:effectRef idx="2">
+          <a:schemeClr val="accent3"/>
+        </a:effectRef>
+        <a:fontRef idx="minor">
+          <a:schemeClr val="lt1"/>
+        </a:fontRef>
+      </dsp:style>
+      <dsp:txBody>
+        <a:bodyPr spcFirstLastPara="0" vert="horz" wrap="square" lIns="17780" tIns="17780" rIns="17780" bIns="17780" numCol="1" spcCol="1270" anchor="ctr" anchorCtr="0">
+          <a:noAutofit/>
+        </a:bodyPr>
+        <a:lstStyle/>
+        <a:p>
+          <a:pPr lvl="0" algn="ctr" defTabSz="622300">
+            <a:lnSpc>
+              <a:spcPct val="90000"/>
+            </a:lnSpc>
+            <a:spcBef>
+              <a:spcPct val="0"/>
+            </a:spcBef>
+            <a:spcAft>
+              <a:spcPct val="35000"/>
+            </a:spcAft>
+          </a:pPr>
+          <a:r>
+            <a:rPr lang="es-ES" sz="1400" b="1" kern="1200" dirty="0" smtClean="0"/>
+            <a:t>Diseñar una herramienta tecnológica que analice todos los datos de consumo</a:t>
+          </a:r>
+          <a:endParaRPr lang="es-ES" sz="1400" b="1" kern="1200" dirty="0"/>
+        </a:p>
+      </dsp:txBody>
+      <dsp:txXfrm>
+        <a:off x="3887764" y="1369060"/>
+        <a:ext cx="1180193" cy="1091461"/>
+      </dsp:txXfrm>
+    </dsp:sp>
+    <dsp:sp modelId="{AE805AB0-CDD8-4ABC-8775-6545029849DF}">
+      <dsp:nvSpPr>
+        <dsp:cNvPr id="0" name=""/>
+        <dsp:cNvSpPr/>
+      </dsp:nvSpPr>
+      <dsp:spPr>
+        <a:xfrm>
+          <a:off x="2232225" y="864077"/>
+          <a:ext cx="4209105" cy="2648029"/>
+        </a:xfrm>
+        <a:prstGeom prst="funnel">
+          <a:avLst/>
+        </a:prstGeom>
+        <a:solidFill>
+          <a:schemeClr val="lt2">
+            <a:alpha val="40000"/>
+            <a:hueOff val="0"/>
+            <a:satOff val="0"/>
+            <a:lumOff val="0"/>
+            <a:alphaOff val="0"/>
+          </a:schemeClr>
+        </a:solidFill>
+        <a:ln w="9525" cap="flat" cmpd="sng" algn="ctr">
+          <a:solidFill>
+            <a:schemeClr val="dk2">
+              <a:hueOff val="0"/>
+              <a:satOff val="0"/>
+              <a:lumOff val="0"/>
+              <a:alphaOff val="0"/>
+            </a:schemeClr>
+          </a:solidFill>
+          <a:prstDash val="solid"/>
+        </a:ln>
+        <a:effectLst/>
+      </dsp:spPr>
+      <dsp:style>
+        <a:lnRef idx="1">
+          <a:scrgbClr r="0" g="0" b="0"/>
+        </a:lnRef>
+        <a:fillRef idx="1">
+          <a:scrgbClr r="0" g="0" b="0"/>
+        </a:fillRef>
+        <a:effectRef idx="0">
+          <a:scrgbClr r="0" g="0" b="0"/>
+        </a:effectRef>
+        <a:fontRef idx="minor"/>
+      </dsp:style>
+    </dsp:sp>
   </dsp:spTree>
 </dsp:drawing>
 </file>
@@ -6633,6 +7120,828 @@
       <dsp:cNvGrpSpPr/>
     </dsp:nvGrpSpPr>
     <dsp:grpSpPr/>
+    <dsp:sp modelId="{498A4E70-9441-4BAA-A25C-9ECD09B7A6AA}">
+      <dsp:nvSpPr>
+        <dsp:cNvPr id="0" name=""/>
+        <dsp:cNvSpPr/>
+      </dsp:nvSpPr>
+      <dsp:spPr>
+        <a:xfrm>
+          <a:off x="3755" y="93076"/>
+          <a:ext cx="1713803" cy="608411"/>
+        </a:xfrm>
+        <a:prstGeom prst="rect">
+          <a:avLst/>
+        </a:prstGeom>
+        <a:solidFill>
+          <a:schemeClr val="accent2">
+            <a:hueOff val="0"/>
+            <a:satOff val="0"/>
+            <a:lumOff val="0"/>
+            <a:alphaOff val="0"/>
+          </a:schemeClr>
+        </a:solidFill>
+        <a:ln w="25400" cap="flat" cmpd="sng" algn="ctr">
+          <a:solidFill>
+            <a:schemeClr val="accent2">
+              <a:hueOff val="0"/>
+              <a:satOff val="0"/>
+              <a:lumOff val="0"/>
+              <a:alphaOff val="0"/>
+            </a:schemeClr>
+          </a:solidFill>
+          <a:prstDash val="solid"/>
+        </a:ln>
+        <a:effectLst/>
+      </dsp:spPr>
+      <dsp:style>
+        <a:lnRef idx="2">
+          <a:scrgbClr r="0" g="0" b="0"/>
+        </a:lnRef>
+        <a:fillRef idx="1">
+          <a:scrgbClr r="0" g="0" b="0"/>
+        </a:fillRef>
+        <a:effectRef idx="0">
+          <a:scrgbClr r="0" g="0" b="0"/>
+        </a:effectRef>
+        <a:fontRef idx="minor">
+          <a:schemeClr val="lt1"/>
+        </a:fontRef>
+      </dsp:style>
+      <dsp:txBody>
+        <a:bodyPr spcFirstLastPara="0" vert="horz" wrap="square" lIns="99568" tIns="56896" rIns="99568" bIns="56896" numCol="1" spcCol="1270" anchor="ctr" anchorCtr="0">
+          <a:noAutofit/>
+        </a:bodyPr>
+        <a:lstStyle/>
+        <a:p>
+          <a:pPr lvl="0" algn="ctr" defTabSz="622300">
+            <a:lnSpc>
+              <a:spcPct val="90000"/>
+            </a:lnSpc>
+            <a:spcBef>
+              <a:spcPct val="0"/>
+            </a:spcBef>
+            <a:spcAft>
+              <a:spcPct val="35000"/>
+            </a:spcAft>
+          </a:pPr>
+          <a:r>
+            <a:rPr lang="es-CO" sz="1400" b="1" kern="1200" dirty="0" smtClean="0"/>
+            <a:t>Ubicación</a:t>
+          </a:r>
+          <a:endParaRPr lang="en-US" sz="1400" b="1" kern="1200" dirty="0"/>
+        </a:p>
+      </dsp:txBody>
+      <dsp:txXfrm>
+        <a:off x="3755" y="93076"/>
+        <a:ext cx="1713803" cy="608411"/>
+      </dsp:txXfrm>
+    </dsp:sp>
+    <dsp:sp modelId="{F98E0026-7677-418C-B219-B2163DF01B96}">
+      <dsp:nvSpPr>
+        <dsp:cNvPr id="0" name=""/>
+        <dsp:cNvSpPr/>
+      </dsp:nvSpPr>
+      <dsp:spPr>
+        <a:xfrm>
+          <a:off x="3755" y="701487"/>
+          <a:ext cx="1713803" cy="2949852"/>
+        </a:xfrm>
+        <a:prstGeom prst="rect">
+          <a:avLst/>
+        </a:prstGeom>
+        <a:solidFill>
+          <a:schemeClr val="accent2">
+            <a:tint val="40000"/>
+            <a:alpha val="90000"/>
+            <a:hueOff val="0"/>
+            <a:satOff val="0"/>
+            <a:lumOff val="0"/>
+            <a:alphaOff val="0"/>
+          </a:schemeClr>
+        </a:solidFill>
+        <a:ln w="25400" cap="flat" cmpd="sng" algn="ctr">
+          <a:solidFill>
+            <a:schemeClr val="accent2">
+              <a:tint val="40000"/>
+              <a:alpha val="90000"/>
+              <a:hueOff val="0"/>
+              <a:satOff val="0"/>
+              <a:lumOff val="0"/>
+              <a:alphaOff val="0"/>
+            </a:schemeClr>
+          </a:solidFill>
+          <a:prstDash val="solid"/>
+        </a:ln>
+        <a:effectLst/>
+      </dsp:spPr>
+      <dsp:style>
+        <a:lnRef idx="2">
+          <a:scrgbClr r="0" g="0" b="0"/>
+        </a:lnRef>
+        <a:fillRef idx="1">
+          <a:scrgbClr r="0" g="0" b="0"/>
+        </a:fillRef>
+        <a:effectRef idx="0">
+          <a:scrgbClr r="0" g="0" b="0"/>
+        </a:effectRef>
+        <a:fontRef idx="minor"/>
+      </dsp:style>
+      <dsp:txBody>
+        <a:bodyPr spcFirstLastPara="0" vert="horz" wrap="square" lIns="74676" tIns="74676" rIns="99568" bIns="112014" numCol="1" spcCol="1270" anchor="t" anchorCtr="0">
+          <a:noAutofit/>
+        </a:bodyPr>
+        <a:lstStyle/>
+        <a:p>
+          <a:pPr marL="114300" lvl="1" indent="-114300" algn="l" defTabSz="622300">
+            <a:lnSpc>
+              <a:spcPct val="90000"/>
+            </a:lnSpc>
+            <a:spcBef>
+              <a:spcPct val="0"/>
+            </a:spcBef>
+            <a:spcAft>
+              <a:spcPct val="15000"/>
+            </a:spcAft>
+            <a:buChar char="••"/>
+          </a:pPr>
+          <a:r>
+            <a:rPr lang="es-CO" sz="1400" kern="1200" dirty="0" smtClean="0"/>
+            <a:t>País: Colombia</a:t>
+          </a:r>
+          <a:endParaRPr lang="en-US" sz="1400" kern="1200" dirty="0"/>
+        </a:p>
+        <a:p>
+          <a:pPr marL="114300" lvl="1" indent="-114300" algn="l" defTabSz="622300">
+            <a:lnSpc>
+              <a:spcPct val="90000"/>
+            </a:lnSpc>
+            <a:spcBef>
+              <a:spcPct val="0"/>
+            </a:spcBef>
+            <a:spcAft>
+              <a:spcPct val="15000"/>
+            </a:spcAft>
+            <a:buChar char="••"/>
+          </a:pPr>
+          <a:r>
+            <a:rPr lang="es-CO" sz="1400" kern="1200" dirty="0" smtClean="0"/>
+            <a:t>Zona: Costa Atlántica</a:t>
+          </a:r>
+          <a:endParaRPr lang="en-US" sz="1400" kern="1200" dirty="0"/>
+        </a:p>
+        <a:p>
+          <a:pPr marL="114300" lvl="1" indent="-114300" algn="l" defTabSz="622300">
+            <a:lnSpc>
+              <a:spcPct val="90000"/>
+            </a:lnSpc>
+            <a:spcBef>
+              <a:spcPct val="0"/>
+            </a:spcBef>
+            <a:spcAft>
+              <a:spcPct val="15000"/>
+            </a:spcAft>
+            <a:buChar char="••"/>
+          </a:pPr>
+          <a:endParaRPr lang="en-US" sz="1400" kern="1200" dirty="0"/>
+        </a:p>
+      </dsp:txBody>
+      <dsp:txXfrm>
+        <a:off x="3755" y="701487"/>
+        <a:ext cx="1713803" cy="2949852"/>
+      </dsp:txXfrm>
+    </dsp:sp>
+    <dsp:sp modelId="{BE868AFE-25EF-4497-8FDB-BF6C4F99E2C9}">
+      <dsp:nvSpPr>
+        <dsp:cNvPr id="0" name=""/>
+        <dsp:cNvSpPr/>
+      </dsp:nvSpPr>
+      <dsp:spPr>
+        <a:xfrm>
+          <a:off x="1930503" y="90247"/>
+          <a:ext cx="2137060" cy="608411"/>
+        </a:xfrm>
+        <a:prstGeom prst="rect">
+          <a:avLst/>
+        </a:prstGeom>
+        <a:solidFill>
+          <a:schemeClr val="accent3">
+            <a:hueOff val="0"/>
+            <a:satOff val="0"/>
+            <a:lumOff val="0"/>
+            <a:alphaOff val="0"/>
+          </a:schemeClr>
+        </a:solidFill>
+        <a:ln w="25400" cap="flat" cmpd="sng" algn="ctr">
+          <a:solidFill>
+            <a:schemeClr val="accent3">
+              <a:hueOff val="0"/>
+              <a:satOff val="0"/>
+              <a:lumOff val="0"/>
+              <a:alphaOff val="0"/>
+            </a:schemeClr>
+          </a:solidFill>
+          <a:prstDash val="solid"/>
+        </a:ln>
+        <a:effectLst/>
+      </dsp:spPr>
+      <dsp:style>
+        <a:lnRef idx="2">
+          <a:scrgbClr r="0" g="0" b="0"/>
+        </a:lnRef>
+        <a:fillRef idx="1">
+          <a:scrgbClr r="0" g="0" b="0"/>
+        </a:fillRef>
+        <a:effectRef idx="0">
+          <a:scrgbClr r="0" g="0" b="0"/>
+        </a:effectRef>
+        <a:fontRef idx="minor">
+          <a:schemeClr val="lt1"/>
+        </a:fontRef>
+      </dsp:style>
+      <dsp:txBody>
+        <a:bodyPr spcFirstLastPara="0" vert="horz" wrap="square" lIns="99568" tIns="56896" rIns="99568" bIns="56896" numCol="1" spcCol="1270" anchor="ctr" anchorCtr="0">
+          <a:noAutofit/>
+        </a:bodyPr>
+        <a:lstStyle/>
+        <a:p>
+          <a:pPr lvl="0" algn="ctr" defTabSz="622300">
+            <a:lnSpc>
+              <a:spcPct val="90000"/>
+            </a:lnSpc>
+            <a:spcBef>
+              <a:spcPct val="0"/>
+            </a:spcBef>
+            <a:spcAft>
+              <a:spcPct val="35000"/>
+            </a:spcAft>
+          </a:pPr>
+          <a:r>
+            <a:rPr lang="es-CO" sz="1400" b="1" kern="1200" dirty="0" smtClean="0"/>
+            <a:t>Alternativa</a:t>
+          </a:r>
+          <a:endParaRPr lang="en-US" sz="1400" b="1" kern="1200" dirty="0"/>
+        </a:p>
+      </dsp:txBody>
+      <dsp:txXfrm>
+        <a:off x="1930503" y="90247"/>
+        <a:ext cx="2137060" cy="608411"/>
+      </dsp:txXfrm>
+    </dsp:sp>
+    <dsp:sp modelId="{11790E1A-CE4C-4357-B48F-48AC30A2F3AB}">
+      <dsp:nvSpPr>
+        <dsp:cNvPr id="0" name=""/>
+        <dsp:cNvSpPr/>
+      </dsp:nvSpPr>
+      <dsp:spPr>
+        <a:xfrm>
+          <a:off x="1934830" y="698658"/>
+          <a:ext cx="2128405" cy="2955509"/>
+        </a:xfrm>
+        <a:prstGeom prst="rect">
+          <a:avLst/>
+        </a:prstGeom>
+        <a:solidFill>
+          <a:schemeClr val="accent3">
+            <a:tint val="40000"/>
+            <a:alpha val="90000"/>
+            <a:hueOff val="0"/>
+            <a:satOff val="0"/>
+            <a:lumOff val="0"/>
+            <a:alphaOff val="0"/>
+          </a:schemeClr>
+        </a:solidFill>
+        <a:ln w="25400" cap="flat" cmpd="sng" algn="ctr">
+          <a:solidFill>
+            <a:schemeClr val="accent3">
+              <a:tint val="40000"/>
+              <a:alpha val="90000"/>
+              <a:hueOff val="0"/>
+              <a:satOff val="0"/>
+              <a:lumOff val="0"/>
+              <a:alphaOff val="0"/>
+            </a:schemeClr>
+          </a:solidFill>
+          <a:prstDash val="solid"/>
+        </a:ln>
+        <a:effectLst/>
+      </dsp:spPr>
+      <dsp:style>
+        <a:lnRef idx="2">
+          <a:scrgbClr r="0" g="0" b="0"/>
+        </a:lnRef>
+        <a:fillRef idx="1">
+          <a:scrgbClr r="0" g="0" b="0"/>
+        </a:fillRef>
+        <a:effectRef idx="0">
+          <a:scrgbClr r="0" g="0" b="0"/>
+        </a:effectRef>
+        <a:fontRef idx="minor"/>
+      </dsp:style>
+      <dsp:txBody>
+        <a:bodyPr spcFirstLastPara="0" vert="horz" wrap="square" lIns="74676" tIns="74676" rIns="99568" bIns="112014" numCol="1" spcCol="1270" anchor="t" anchorCtr="0">
+          <a:noAutofit/>
+        </a:bodyPr>
+        <a:lstStyle/>
+        <a:p>
+          <a:pPr marL="114300" lvl="1" indent="-114300" algn="l" defTabSz="622300">
+            <a:lnSpc>
+              <a:spcPct val="90000"/>
+            </a:lnSpc>
+            <a:spcBef>
+              <a:spcPct val="0"/>
+            </a:spcBef>
+            <a:spcAft>
+              <a:spcPct val="15000"/>
+            </a:spcAft>
+            <a:buChar char="••"/>
+          </a:pPr>
+          <a:r>
+            <a:rPr lang="es-ES_tradnl" sz="1400" kern="1200" dirty="0" smtClean="0"/>
+            <a:t>Contratar una empresa de tecnología para diseñar, construir e implementar sistemas de información a la medida para el control comercial y técnico a nivel de análisis de datos </a:t>
+          </a:r>
+          <a:r>
+            <a:rPr lang="es-ES_tradnl" sz="1400" kern="1200" smtClean="0"/>
+            <a:t>de medida y </a:t>
+          </a:r>
+          <a:r>
+            <a:rPr lang="es-ES_tradnl" sz="1400" kern="1200" dirty="0" smtClean="0"/>
+            <a:t>comprar maquinaria mejorada para realizar mediciones a nivel de transformadores de medición y distribución</a:t>
+          </a:r>
+          <a:endParaRPr lang="en-US" sz="1400" kern="1200" dirty="0"/>
+        </a:p>
+      </dsp:txBody>
+      <dsp:txXfrm>
+        <a:off x="1934830" y="698658"/>
+        <a:ext cx="2128405" cy="2955509"/>
+      </dsp:txXfrm>
+    </dsp:sp>
+    <dsp:sp modelId="{B86AE41E-58AD-4CAE-9003-9669551B25B4}">
+      <dsp:nvSpPr>
+        <dsp:cNvPr id="0" name=""/>
+        <dsp:cNvSpPr/>
+      </dsp:nvSpPr>
+      <dsp:spPr>
+        <a:xfrm>
+          <a:off x="4286697" y="87507"/>
+          <a:ext cx="2130732" cy="608411"/>
+        </a:xfrm>
+        <a:prstGeom prst="rect">
+          <a:avLst/>
+        </a:prstGeom>
+        <a:solidFill>
+          <a:schemeClr val="accent4">
+            <a:hueOff val="0"/>
+            <a:satOff val="0"/>
+            <a:lumOff val="0"/>
+            <a:alphaOff val="0"/>
+          </a:schemeClr>
+        </a:solidFill>
+        <a:ln w="25400" cap="flat" cmpd="sng" algn="ctr">
+          <a:solidFill>
+            <a:schemeClr val="accent4">
+              <a:hueOff val="0"/>
+              <a:satOff val="0"/>
+              <a:lumOff val="0"/>
+              <a:alphaOff val="0"/>
+            </a:schemeClr>
+          </a:solidFill>
+          <a:prstDash val="solid"/>
+        </a:ln>
+        <a:effectLst/>
+      </dsp:spPr>
+      <dsp:style>
+        <a:lnRef idx="2">
+          <a:scrgbClr r="0" g="0" b="0"/>
+        </a:lnRef>
+        <a:fillRef idx="1">
+          <a:scrgbClr r="0" g="0" b="0"/>
+        </a:fillRef>
+        <a:effectRef idx="0">
+          <a:scrgbClr r="0" g="0" b="0"/>
+        </a:effectRef>
+        <a:fontRef idx="minor">
+          <a:schemeClr val="lt1"/>
+        </a:fontRef>
+      </dsp:style>
+      <dsp:txBody>
+        <a:bodyPr spcFirstLastPara="0" vert="horz" wrap="square" lIns="99568" tIns="56896" rIns="99568" bIns="56896" numCol="1" spcCol="1270" anchor="ctr" anchorCtr="0">
+          <a:noAutofit/>
+        </a:bodyPr>
+        <a:lstStyle/>
+        <a:p>
+          <a:pPr lvl="0" algn="ctr" defTabSz="622300">
+            <a:lnSpc>
+              <a:spcPct val="90000"/>
+            </a:lnSpc>
+            <a:spcBef>
+              <a:spcPct val="0"/>
+            </a:spcBef>
+            <a:spcAft>
+              <a:spcPct val="35000"/>
+            </a:spcAft>
+          </a:pPr>
+          <a:r>
+            <a:rPr lang="es-CO" sz="1400" b="1" kern="1200" dirty="0" smtClean="0"/>
+            <a:t>Involucrados</a:t>
+          </a:r>
+          <a:endParaRPr lang="en-US" sz="1400" b="1" kern="1200" dirty="0"/>
+        </a:p>
+      </dsp:txBody>
+      <dsp:txXfrm>
+        <a:off x="4286697" y="87507"/>
+        <a:ext cx="2130732" cy="608411"/>
+      </dsp:txXfrm>
+    </dsp:sp>
+    <dsp:sp modelId="{2612D1CA-8455-4B2E-B566-31F386062C39}">
+      <dsp:nvSpPr>
+        <dsp:cNvPr id="0" name=""/>
+        <dsp:cNvSpPr/>
+      </dsp:nvSpPr>
+      <dsp:spPr>
+        <a:xfrm>
+          <a:off x="4280507" y="695918"/>
+          <a:ext cx="2143113" cy="2960990"/>
+        </a:xfrm>
+        <a:prstGeom prst="rect">
+          <a:avLst/>
+        </a:prstGeom>
+        <a:solidFill>
+          <a:schemeClr val="accent4">
+            <a:tint val="40000"/>
+            <a:alpha val="90000"/>
+            <a:hueOff val="0"/>
+            <a:satOff val="0"/>
+            <a:lumOff val="0"/>
+            <a:alphaOff val="0"/>
+          </a:schemeClr>
+        </a:solidFill>
+        <a:ln w="25400" cap="flat" cmpd="sng" algn="ctr">
+          <a:solidFill>
+            <a:schemeClr val="accent4">
+              <a:tint val="40000"/>
+              <a:alpha val="90000"/>
+              <a:hueOff val="0"/>
+              <a:satOff val="0"/>
+              <a:lumOff val="0"/>
+              <a:alphaOff val="0"/>
+            </a:schemeClr>
+          </a:solidFill>
+          <a:prstDash val="solid"/>
+        </a:ln>
+        <a:effectLst/>
+      </dsp:spPr>
+      <dsp:style>
+        <a:lnRef idx="2">
+          <a:scrgbClr r="0" g="0" b="0"/>
+        </a:lnRef>
+        <a:fillRef idx="1">
+          <a:scrgbClr r="0" g="0" b="0"/>
+        </a:fillRef>
+        <a:effectRef idx="0">
+          <a:scrgbClr r="0" g="0" b="0"/>
+        </a:effectRef>
+        <a:fontRef idx="minor"/>
+      </dsp:style>
+      <dsp:txBody>
+        <a:bodyPr spcFirstLastPara="0" vert="horz" wrap="square" lIns="74676" tIns="74676" rIns="99568" bIns="112014" numCol="1" spcCol="1270" anchor="t" anchorCtr="0">
+          <a:noAutofit/>
+        </a:bodyPr>
+        <a:lstStyle/>
+        <a:p>
+          <a:pPr marL="114300" lvl="1" indent="-114300" algn="l" defTabSz="622300">
+            <a:lnSpc>
+              <a:spcPct val="90000"/>
+            </a:lnSpc>
+            <a:spcBef>
+              <a:spcPct val="0"/>
+            </a:spcBef>
+            <a:spcAft>
+              <a:spcPct val="15000"/>
+            </a:spcAft>
+            <a:buChar char="••"/>
+          </a:pPr>
+          <a:r>
+            <a:rPr lang="es-ES_tradnl" sz="1400" b="0" kern="1200" dirty="0" smtClean="0"/>
+            <a:t>Empresas de Energía Colombianas</a:t>
+          </a:r>
+          <a:endParaRPr lang="en-US" sz="1400" b="0" kern="1200" dirty="0"/>
+        </a:p>
+        <a:p>
+          <a:pPr marL="114300" lvl="1" indent="-114300" algn="l" defTabSz="622300">
+            <a:lnSpc>
+              <a:spcPct val="90000"/>
+            </a:lnSpc>
+            <a:spcBef>
+              <a:spcPct val="0"/>
+            </a:spcBef>
+            <a:spcAft>
+              <a:spcPct val="15000"/>
+            </a:spcAft>
+            <a:buChar char="••"/>
+          </a:pPr>
+          <a:r>
+            <a:rPr lang="es-ES_tradnl" sz="1400" b="0" kern="1200" dirty="0" smtClean="0"/>
+            <a:t>Empresa de consultoría Ludus SAS (Patrocinador)</a:t>
+          </a:r>
+          <a:endParaRPr lang="en-US" sz="1400" b="0" kern="1200" dirty="0"/>
+        </a:p>
+        <a:p>
+          <a:pPr marL="114300" lvl="1" indent="-114300" algn="l" defTabSz="622300">
+            <a:lnSpc>
+              <a:spcPct val="90000"/>
+            </a:lnSpc>
+            <a:spcBef>
+              <a:spcPct val="0"/>
+            </a:spcBef>
+            <a:spcAft>
+              <a:spcPct val="15000"/>
+            </a:spcAft>
+            <a:buChar char="••"/>
+          </a:pPr>
+          <a:r>
+            <a:rPr lang="es-ES_tradnl" sz="1400" b="0" kern="1200" dirty="0" smtClean="0"/>
+            <a:t>CREG “Comisión de regulación de energía y gas”</a:t>
+          </a:r>
+          <a:endParaRPr lang="en-US" sz="1400" b="0" kern="1200" dirty="0"/>
+        </a:p>
+        <a:p>
+          <a:pPr marL="114300" lvl="1" indent="-114300" algn="l" defTabSz="622300">
+            <a:lnSpc>
+              <a:spcPct val="90000"/>
+            </a:lnSpc>
+            <a:spcBef>
+              <a:spcPct val="0"/>
+            </a:spcBef>
+            <a:spcAft>
+              <a:spcPct val="15000"/>
+            </a:spcAft>
+            <a:buChar char="••"/>
+          </a:pPr>
+          <a:r>
+            <a:rPr lang="es-ES_tradnl" sz="1400" b="0" kern="1200" dirty="0" smtClean="0"/>
+            <a:t>Sociedad</a:t>
+          </a:r>
+          <a:endParaRPr lang="en-US" sz="1400" b="0" kern="1200" dirty="0"/>
+        </a:p>
+        <a:p>
+          <a:pPr marL="114300" lvl="1" indent="-114300" algn="l" defTabSz="622300">
+            <a:lnSpc>
+              <a:spcPct val="90000"/>
+            </a:lnSpc>
+            <a:spcBef>
+              <a:spcPct val="0"/>
+            </a:spcBef>
+            <a:spcAft>
+              <a:spcPct val="15000"/>
+            </a:spcAft>
+            <a:buChar char="••"/>
+          </a:pPr>
+          <a:r>
+            <a:rPr lang="es-ES_tradnl" sz="1400" b="0" kern="1200" dirty="0" smtClean="0"/>
+            <a:t>Proveedores eléctricos</a:t>
+          </a:r>
+          <a:endParaRPr lang="en-US" sz="1400" b="0" kern="1200" dirty="0"/>
+        </a:p>
+        <a:p>
+          <a:pPr marL="114300" lvl="1" indent="-114300" algn="l" defTabSz="622300">
+            <a:lnSpc>
+              <a:spcPct val="90000"/>
+            </a:lnSpc>
+            <a:spcBef>
+              <a:spcPct val="0"/>
+            </a:spcBef>
+            <a:spcAft>
+              <a:spcPct val="15000"/>
+            </a:spcAft>
+            <a:buChar char="••"/>
+          </a:pPr>
+          <a:r>
+            <a:rPr lang="es-ES_tradnl" sz="1400" b="0" kern="1200" dirty="0" smtClean="0"/>
+            <a:t>ONG</a:t>
+          </a:r>
+          <a:endParaRPr lang="en-US" sz="1400" b="0" kern="1200" dirty="0"/>
+        </a:p>
+      </dsp:txBody>
+      <dsp:txXfrm>
+        <a:off x="4280507" y="695918"/>
+        <a:ext cx="2143113" cy="2960990"/>
+      </dsp:txXfrm>
+    </dsp:sp>
+    <dsp:sp modelId="{DFCCC5D2-772A-4CC7-B7A5-BE236F80F4D4}">
+      <dsp:nvSpPr>
+        <dsp:cNvPr id="0" name=""/>
+        <dsp:cNvSpPr/>
+      </dsp:nvSpPr>
+      <dsp:spPr>
+        <a:xfrm>
+          <a:off x="6642839" y="87507"/>
+          <a:ext cx="1988090" cy="608411"/>
+        </a:xfrm>
+        <a:prstGeom prst="rect">
+          <a:avLst/>
+        </a:prstGeom>
+        <a:solidFill>
+          <a:schemeClr val="accent5">
+            <a:hueOff val="0"/>
+            <a:satOff val="0"/>
+            <a:lumOff val="0"/>
+            <a:alphaOff val="0"/>
+          </a:schemeClr>
+        </a:solidFill>
+        <a:ln w="25400" cap="flat" cmpd="sng" algn="ctr">
+          <a:solidFill>
+            <a:schemeClr val="accent5">
+              <a:hueOff val="0"/>
+              <a:satOff val="0"/>
+              <a:lumOff val="0"/>
+              <a:alphaOff val="0"/>
+            </a:schemeClr>
+          </a:solidFill>
+          <a:prstDash val="solid"/>
+        </a:ln>
+        <a:effectLst/>
+      </dsp:spPr>
+      <dsp:style>
+        <a:lnRef idx="2">
+          <a:scrgbClr r="0" g="0" b="0"/>
+        </a:lnRef>
+        <a:fillRef idx="1">
+          <a:scrgbClr r="0" g="0" b="0"/>
+        </a:fillRef>
+        <a:effectRef idx="0">
+          <a:scrgbClr r="0" g="0" b="0"/>
+        </a:effectRef>
+        <a:fontRef idx="minor">
+          <a:schemeClr val="lt1"/>
+        </a:fontRef>
+      </dsp:style>
+      <dsp:txBody>
+        <a:bodyPr spcFirstLastPara="0" vert="horz" wrap="square" lIns="99568" tIns="56896" rIns="99568" bIns="56896" numCol="1" spcCol="1270" anchor="ctr" anchorCtr="0">
+          <a:noAutofit/>
+        </a:bodyPr>
+        <a:lstStyle/>
+        <a:p>
+          <a:pPr lvl="0" algn="ctr" defTabSz="622300">
+            <a:lnSpc>
+              <a:spcPct val="90000"/>
+            </a:lnSpc>
+            <a:spcBef>
+              <a:spcPct val="0"/>
+            </a:spcBef>
+            <a:spcAft>
+              <a:spcPct val="35000"/>
+            </a:spcAft>
+          </a:pPr>
+          <a:r>
+            <a:rPr lang="es-CO" sz="1400" b="1" kern="1200" dirty="0" smtClean="0"/>
+            <a:t>Estudios Aplicados</a:t>
+          </a:r>
+          <a:endParaRPr lang="en-US" sz="1400" b="1" kern="1200" dirty="0"/>
+        </a:p>
+      </dsp:txBody>
+      <dsp:txXfrm>
+        <a:off x="6642839" y="87507"/>
+        <a:ext cx="1988090" cy="608411"/>
+      </dsp:txXfrm>
+    </dsp:sp>
+    <dsp:sp modelId="{4EB6F09F-196C-40CF-8745-F01952ACC4D5}">
+      <dsp:nvSpPr>
+        <dsp:cNvPr id="0" name=""/>
+        <dsp:cNvSpPr/>
+      </dsp:nvSpPr>
+      <dsp:spPr>
+        <a:xfrm>
+          <a:off x="6636565" y="695918"/>
+          <a:ext cx="2000639" cy="2960990"/>
+        </a:xfrm>
+        <a:prstGeom prst="rect">
+          <a:avLst/>
+        </a:prstGeom>
+        <a:solidFill>
+          <a:schemeClr val="accent5">
+            <a:tint val="40000"/>
+            <a:alpha val="90000"/>
+            <a:hueOff val="0"/>
+            <a:satOff val="0"/>
+            <a:lumOff val="0"/>
+            <a:alphaOff val="0"/>
+          </a:schemeClr>
+        </a:solidFill>
+        <a:ln w="25400" cap="flat" cmpd="sng" algn="ctr">
+          <a:solidFill>
+            <a:schemeClr val="accent5">
+              <a:tint val="40000"/>
+              <a:alpha val="90000"/>
+              <a:hueOff val="0"/>
+              <a:satOff val="0"/>
+              <a:lumOff val="0"/>
+              <a:alphaOff val="0"/>
+            </a:schemeClr>
+          </a:solidFill>
+          <a:prstDash val="solid"/>
+        </a:ln>
+        <a:effectLst/>
+      </dsp:spPr>
+      <dsp:style>
+        <a:lnRef idx="2">
+          <a:scrgbClr r="0" g="0" b="0"/>
+        </a:lnRef>
+        <a:fillRef idx="1">
+          <a:scrgbClr r="0" g="0" b="0"/>
+        </a:fillRef>
+        <a:effectRef idx="0">
+          <a:scrgbClr r="0" g="0" b="0"/>
+        </a:effectRef>
+        <a:fontRef idx="minor"/>
+      </dsp:style>
+      <dsp:txBody>
+        <a:bodyPr spcFirstLastPara="0" vert="horz" wrap="square" lIns="74676" tIns="74676" rIns="99568" bIns="112014" numCol="1" spcCol="1270" anchor="t" anchorCtr="0">
+          <a:noAutofit/>
+        </a:bodyPr>
+        <a:lstStyle/>
+        <a:p>
+          <a:pPr marL="114300" lvl="1" indent="-114300" algn="l" defTabSz="622300">
+            <a:lnSpc>
+              <a:spcPct val="90000"/>
+            </a:lnSpc>
+            <a:spcBef>
+              <a:spcPct val="0"/>
+            </a:spcBef>
+            <a:spcAft>
+              <a:spcPct val="15000"/>
+            </a:spcAft>
+            <a:buChar char="••"/>
+          </a:pPr>
+          <a:r>
+            <a:rPr lang="es-ES_tradnl" sz="1400" b="0" kern="1200" dirty="0" smtClean="0"/>
+            <a:t>Estudio Legal</a:t>
+          </a:r>
+          <a:endParaRPr lang="en-US" sz="1400" b="0" kern="1200" dirty="0"/>
+        </a:p>
+        <a:p>
+          <a:pPr marL="114300" lvl="1" indent="-114300" algn="l" defTabSz="622300">
+            <a:lnSpc>
+              <a:spcPct val="90000"/>
+            </a:lnSpc>
+            <a:spcBef>
+              <a:spcPct val="0"/>
+            </a:spcBef>
+            <a:spcAft>
+              <a:spcPct val="15000"/>
+            </a:spcAft>
+            <a:buChar char="••"/>
+          </a:pPr>
+          <a:r>
+            <a:rPr lang="es-ES_tradnl" sz="1400" b="0" kern="1200" dirty="0" smtClean="0"/>
+            <a:t>Estudio de Mercado</a:t>
+          </a:r>
+          <a:endParaRPr lang="en-US" sz="1400" b="0" kern="1200" dirty="0"/>
+        </a:p>
+        <a:p>
+          <a:pPr marL="114300" lvl="1" indent="-114300" algn="l" defTabSz="622300">
+            <a:lnSpc>
+              <a:spcPct val="90000"/>
+            </a:lnSpc>
+            <a:spcBef>
+              <a:spcPct val="0"/>
+            </a:spcBef>
+            <a:spcAft>
+              <a:spcPct val="15000"/>
+            </a:spcAft>
+            <a:buChar char="••"/>
+          </a:pPr>
+          <a:r>
+            <a:rPr lang="es-ES_tradnl" sz="1400" b="0" kern="1200" dirty="0" smtClean="0"/>
+            <a:t>Estudio Financiero</a:t>
+          </a:r>
+          <a:endParaRPr lang="en-US" sz="1400" b="0" kern="1200" dirty="0"/>
+        </a:p>
+        <a:p>
+          <a:pPr marL="114300" lvl="1" indent="-114300" algn="l" defTabSz="622300">
+            <a:lnSpc>
+              <a:spcPct val="90000"/>
+            </a:lnSpc>
+            <a:spcBef>
+              <a:spcPct val="0"/>
+            </a:spcBef>
+            <a:spcAft>
+              <a:spcPct val="15000"/>
+            </a:spcAft>
+            <a:buChar char="••"/>
+          </a:pPr>
+          <a:r>
+            <a:rPr lang="es-ES_tradnl" sz="1400" b="0" kern="1200" dirty="0" smtClean="0"/>
+            <a:t>Estudio Ambiental</a:t>
+          </a:r>
+          <a:endParaRPr lang="en-US" sz="1400" b="0" kern="1200" dirty="0"/>
+        </a:p>
+      </dsp:txBody>
+      <dsp:txXfrm>
+        <a:off x="6636565" y="695918"/>
+        <a:ext cx="2000639" cy="2960990"/>
+      </dsp:txXfrm>
+    </dsp:sp>
   </dsp:spTree>
 </dsp:drawing>
 </file>
@@ -6645,6 +7954,1408 @@
       <dsp:cNvGrpSpPr/>
     </dsp:nvGrpSpPr>
     <dsp:grpSpPr/>
+    <dsp:sp modelId="{7B9C61D3-E734-4A24-A944-215CF7A1B5A3}">
+      <dsp:nvSpPr>
+        <dsp:cNvPr id="0" name=""/>
+        <dsp:cNvSpPr/>
+      </dsp:nvSpPr>
+      <dsp:spPr>
+        <a:xfrm rot="5400000">
+          <a:off x="-99442" y="100559"/>
+          <a:ext cx="662950" cy="464065"/>
+        </a:xfrm>
+        <a:prstGeom prst="chevron">
+          <a:avLst/>
+        </a:prstGeom>
+        <a:solidFill>
+          <a:schemeClr val="accent3">
+            <a:hueOff val="0"/>
+            <a:satOff val="0"/>
+            <a:lumOff val="0"/>
+            <a:alphaOff val="0"/>
+          </a:schemeClr>
+        </a:solidFill>
+        <a:ln w="25400" cap="flat" cmpd="sng" algn="ctr">
+          <a:solidFill>
+            <a:schemeClr val="accent3">
+              <a:hueOff val="0"/>
+              <a:satOff val="0"/>
+              <a:lumOff val="0"/>
+              <a:alphaOff val="0"/>
+            </a:schemeClr>
+          </a:solidFill>
+          <a:prstDash val="solid"/>
+        </a:ln>
+        <a:effectLst/>
+      </dsp:spPr>
+      <dsp:style>
+        <a:lnRef idx="2">
+          <a:scrgbClr r="0" g="0" b="0"/>
+        </a:lnRef>
+        <a:fillRef idx="1">
+          <a:scrgbClr r="0" g="0" b="0"/>
+        </a:fillRef>
+        <a:effectRef idx="0">
+          <a:scrgbClr r="0" g="0" b="0"/>
+        </a:effectRef>
+        <a:fontRef idx="minor">
+          <a:schemeClr val="lt1"/>
+        </a:fontRef>
+      </dsp:style>
+      <dsp:txBody>
+        <a:bodyPr spcFirstLastPara="0" vert="horz" wrap="square" lIns="6985" tIns="6985" rIns="6985" bIns="6985" numCol="1" spcCol="1270" anchor="ctr" anchorCtr="0">
+          <a:noAutofit/>
+        </a:bodyPr>
+        <a:lstStyle/>
+        <a:p>
+          <a:pPr lvl="0" algn="ctr" defTabSz="466725">
+            <a:lnSpc>
+              <a:spcPct val="90000"/>
+            </a:lnSpc>
+            <a:spcBef>
+              <a:spcPct val="0"/>
+            </a:spcBef>
+            <a:spcAft>
+              <a:spcPct val="35000"/>
+            </a:spcAft>
+          </a:pPr>
+          <a:endParaRPr lang="en-US" sz="1050" kern="1200"/>
+        </a:p>
+      </dsp:txBody>
+      <dsp:txXfrm rot="-5400000">
+        <a:off x="1" y="233150"/>
+        <a:ext cx="464065" cy="198885"/>
+      </dsp:txXfrm>
+    </dsp:sp>
+    <dsp:sp modelId="{7D924C14-A286-407C-A494-2605EF842E87}">
+      <dsp:nvSpPr>
+        <dsp:cNvPr id="0" name=""/>
+        <dsp:cNvSpPr/>
+      </dsp:nvSpPr>
+      <dsp:spPr>
+        <a:xfrm rot="5400000">
+          <a:off x="3977013" y="-3512947"/>
+          <a:ext cx="430918" cy="7456814"/>
+        </a:xfrm>
+        <a:prstGeom prst="round2SameRect">
+          <a:avLst/>
+        </a:prstGeom>
+        <a:solidFill>
+          <a:schemeClr val="lt1">
+            <a:alpha val="90000"/>
+            <a:hueOff val="0"/>
+            <a:satOff val="0"/>
+            <a:lumOff val="0"/>
+            <a:alphaOff val="0"/>
+          </a:schemeClr>
+        </a:solidFill>
+        <a:ln w="25400" cap="flat" cmpd="sng" algn="ctr">
+          <a:solidFill>
+            <a:schemeClr val="accent3">
+              <a:hueOff val="0"/>
+              <a:satOff val="0"/>
+              <a:lumOff val="0"/>
+              <a:alphaOff val="0"/>
+            </a:schemeClr>
+          </a:solidFill>
+          <a:prstDash val="solid"/>
+        </a:ln>
+        <a:effectLst/>
+      </dsp:spPr>
+      <dsp:style>
+        <a:lnRef idx="2">
+          <a:scrgbClr r="0" g="0" b="0"/>
+        </a:lnRef>
+        <a:fillRef idx="1">
+          <a:scrgbClr r="0" g="0" b="0"/>
+        </a:fillRef>
+        <a:effectRef idx="0">
+          <a:scrgbClr r="0" g="0" b="0"/>
+        </a:effectRef>
+        <a:fontRef idx="minor"/>
+      </dsp:style>
+      <dsp:txBody>
+        <a:bodyPr spcFirstLastPara="0" vert="horz" wrap="square" lIns="142240" tIns="12700" rIns="12700" bIns="12700" numCol="1" spcCol="1270" anchor="ctr" anchorCtr="0">
+          <a:noAutofit/>
+        </a:bodyPr>
+        <a:lstStyle/>
+        <a:p>
+          <a:pPr marL="228600" lvl="1" indent="-228600" algn="l" defTabSz="889000">
+            <a:lnSpc>
+              <a:spcPct val="90000"/>
+            </a:lnSpc>
+            <a:spcBef>
+              <a:spcPct val="0"/>
+            </a:spcBef>
+            <a:spcAft>
+              <a:spcPct val="15000"/>
+            </a:spcAft>
+            <a:buChar char="••"/>
+          </a:pPr>
+          <a:r>
+            <a:rPr lang="en-US" sz="2000" kern="1200" dirty="0"/>
+            <a:t>Pruebas de calidad de datos del </a:t>
+          </a:r>
+          <a:r>
+            <a:rPr lang="es-CO" sz="2000" kern="1200" dirty="0"/>
+            <a:t>Data Warehouse del cliente </a:t>
+          </a:r>
+          <a:endParaRPr lang="en-US" sz="2000" kern="1200" dirty="0"/>
+        </a:p>
+      </dsp:txBody>
+      <dsp:txXfrm rot="-5400000">
+        <a:off x="464065" y="21037"/>
+        <a:ext cx="7435778" cy="388846"/>
+      </dsp:txXfrm>
+    </dsp:sp>
+    <dsp:sp modelId="{46DE062B-D172-4BF5-88A3-6686B42B8829}">
+      <dsp:nvSpPr>
+        <dsp:cNvPr id="0" name=""/>
+        <dsp:cNvSpPr/>
+      </dsp:nvSpPr>
+      <dsp:spPr>
+        <a:xfrm rot="5400000">
+          <a:off x="-99442" y="698315"/>
+          <a:ext cx="662950" cy="464065"/>
+        </a:xfrm>
+        <a:prstGeom prst="chevron">
+          <a:avLst/>
+        </a:prstGeom>
+        <a:solidFill>
+          <a:schemeClr val="accent3">
+            <a:hueOff val="1406283"/>
+            <a:satOff val="-2110"/>
+            <a:lumOff val="-343"/>
+            <a:alphaOff val="0"/>
+          </a:schemeClr>
+        </a:solidFill>
+        <a:ln w="25400" cap="flat" cmpd="sng" algn="ctr">
+          <a:solidFill>
+            <a:schemeClr val="accent3">
+              <a:hueOff val="1406283"/>
+              <a:satOff val="-2110"/>
+              <a:lumOff val="-343"/>
+              <a:alphaOff val="0"/>
+            </a:schemeClr>
+          </a:solidFill>
+          <a:prstDash val="solid"/>
+        </a:ln>
+        <a:effectLst/>
+      </dsp:spPr>
+      <dsp:style>
+        <a:lnRef idx="2">
+          <a:scrgbClr r="0" g="0" b="0"/>
+        </a:lnRef>
+        <a:fillRef idx="1">
+          <a:scrgbClr r="0" g="0" b="0"/>
+        </a:fillRef>
+        <a:effectRef idx="0">
+          <a:scrgbClr r="0" g="0" b="0"/>
+        </a:effectRef>
+        <a:fontRef idx="minor">
+          <a:schemeClr val="lt1"/>
+        </a:fontRef>
+      </dsp:style>
+      <dsp:txBody>
+        <a:bodyPr spcFirstLastPara="0" vert="horz" wrap="square" lIns="6985" tIns="6985" rIns="6985" bIns="6985" numCol="1" spcCol="1270" anchor="ctr" anchorCtr="0">
+          <a:noAutofit/>
+        </a:bodyPr>
+        <a:lstStyle/>
+        <a:p>
+          <a:pPr lvl="0" algn="ctr" defTabSz="466725">
+            <a:lnSpc>
+              <a:spcPct val="90000"/>
+            </a:lnSpc>
+            <a:spcBef>
+              <a:spcPct val="0"/>
+            </a:spcBef>
+            <a:spcAft>
+              <a:spcPct val="35000"/>
+            </a:spcAft>
+          </a:pPr>
+          <a:endParaRPr lang="en-US" sz="1050" kern="1200"/>
+        </a:p>
+      </dsp:txBody>
+      <dsp:txXfrm rot="-5400000">
+        <a:off x="1" y="830906"/>
+        <a:ext cx="464065" cy="198885"/>
+      </dsp:txXfrm>
+    </dsp:sp>
+    <dsp:sp modelId="{DD550D31-3E2A-4526-8E6B-FBCB4DC60A3D}">
+      <dsp:nvSpPr>
+        <dsp:cNvPr id="0" name=""/>
+        <dsp:cNvSpPr/>
+      </dsp:nvSpPr>
+      <dsp:spPr>
+        <a:xfrm rot="5400000">
+          <a:off x="3977013" y="-2914075"/>
+          <a:ext cx="430918" cy="7456814"/>
+        </a:xfrm>
+        <a:prstGeom prst="round2SameRect">
+          <a:avLst/>
+        </a:prstGeom>
+        <a:solidFill>
+          <a:schemeClr val="lt1">
+            <a:alpha val="90000"/>
+            <a:hueOff val="0"/>
+            <a:satOff val="0"/>
+            <a:lumOff val="0"/>
+            <a:alphaOff val="0"/>
+          </a:schemeClr>
+        </a:solidFill>
+        <a:ln w="25400" cap="flat" cmpd="sng" algn="ctr">
+          <a:solidFill>
+            <a:schemeClr val="accent3">
+              <a:hueOff val="1406283"/>
+              <a:satOff val="-2110"/>
+              <a:lumOff val="-343"/>
+              <a:alphaOff val="0"/>
+            </a:schemeClr>
+          </a:solidFill>
+          <a:prstDash val="solid"/>
+        </a:ln>
+        <a:effectLst/>
+      </dsp:spPr>
+      <dsp:style>
+        <a:lnRef idx="2">
+          <a:scrgbClr r="0" g="0" b="0"/>
+        </a:lnRef>
+        <a:fillRef idx="1">
+          <a:scrgbClr r="0" g="0" b="0"/>
+        </a:fillRef>
+        <a:effectRef idx="0">
+          <a:scrgbClr r="0" g="0" b="0"/>
+        </a:effectRef>
+        <a:fontRef idx="minor"/>
+      </dsp:style>
+      <dsp:txBody>
+        <a:bodyPr spcFirstLastPara="0" vert="horz" wrap="square" lIns="142240" tIns="12700" rIns="12700" bIns="12700" numCol="1" spcCol="1270" anchor="ctr" anchorCtr="0">
+          <a:noAutofit/>
+        </a:bodyPr>
+        <a:lstStyle/>
+        <a:p>
+          <a:pPr marL="228600" lvl="1" indent="-228600" algn="l" defTabSz="889000">
+            <a:lnSpc>
+              <a:spcPct val="90000"/>
+            </a:lnSpc>
+            <a:spcBef>
+              <a:spcPct val="0"/>
+            </a:spcBef>
+            <a:spcAft>
+              <a:spcPct val="15000"/>
+            </a:spcAft>
+            <a:buChar char="••"/>
+          </a:pPr>
+          <a:r>
+            <a:rPr lang="es-CO" sz="2000" kern="1200" noProof="0" dirty="0" smtClean="0"/>
+            <a:t>Instalación</a:t>
+          </a:r>
+          <a:r>
+            <a:rPr lang="en-US" sz="2000" kern="1200" dirty="0" smtClean="0"/>
+            <a:t> </a:t>
+          </a:r>
+          <a:r>
+            <a:rPr lang="en-US" sz="2000" kern="1200" dirty="0"/>
+            <a:t>del servidor Ludus</a:t>
+          </a:r>
+        </a:p>
+      </dsp:txBody>
+      <dsp:txXfrm rot="-5400000">
+        <a:off x="464065" y="619909"/>
+        <a:ext cx="7435778" cy="388846"/>
+      </dsp:txXfrm>
+    </dsp:sp>
+    <dsp:sp modelId="{06937BDD-E20F-46E1-A338-115FDE4E0538}">
+      <dsp:nvSpPr>
+        <dsp:cNvPr id="0" name=""/>
+        <dsp:cNvSpPr/>
+      </dsp:nvSpPr>
+      <dsp:spPr>
+        <a:xfrm rot="5400000">
+          <a:off x="-99442" y="1296071"/>
+          <a:ext cx="662950" cy="464065"/>
+        </a:xfrm>
+        <a:prstGeom prst="chevron">
+          <a:avLst/>
+        </a:prstGeom>
+        <a:solidFill>
+          <a:schemeClr val="accent3">
+            <a:hueOff val="2812566"/>
+            <a:satOff val="-4220"/>
+            <a:lumOff val="-686"/>
+            <a:alphaOff val="0"/>
+          </a:schemeClr>
+        </a:solidFill>
+        <a:ln w="25400" cap="flat" cmpd="sng" algn="ctr">
+          <a:solidFill>
+            <a:schemeClr val="accent3">
+              <a:hueOff val="2812566"/>
+              <a:satOff val="-4220"/>
+              <a:lumOff val="-686"/>
+              <a:alphaOff val="0"/>
+            </a:schemeClr>
+          </a:solidFill>
+          <a:prstDash val="solid"/>
+        </a:ln>
+        <a:effectLst/>
+      </dsp:spPr>
+      <dsp:style>
+        <a:lnRef idx="2">
+          <a:scrgbClr r="0" g="0" b="0"/>
+        </a:lnRef>
+        <a:fillRef idx="1">
+          <a:scrgbClr r="0" g="0" b="0"/>
+        </a:fillRef>
+        <a:effectRef idx="0">
+          <a:scrgbClr r="0" g="0" b="0"/>
+        </a:effectRef>
+        <a:fontRef idx="minor">
+          <a:schemeClr val="lt1"/>
+        </a:fontRef>
+      </dsp:style>
+      <dsp:txBody>
+        <a:bodyPr spcFirstLastPara="0" vert="horz" wrap="square" lIns="6985" tIns="6985" rIns="6985" bIns="6985" numCol="1" spcCol="1270" anchor="ctr" anchorCtr="0">
+          <a:noAutofit/>
+        </a:bodyPr>
+        <a:lstStyle/>
+        <a:p>
+          <a:pPr lvl="0" algn="ctr" defTabSz="466725">
+            <a:lnSpc>
+              <a:spcPct val="90000"/>
+            </a:lnSpc>
+            <a:spcBef>
+              <a:spcPct val="0"/>
+            </a:spcBef>
+            <a:spcAft>
+              <a:spcPct val="35000"/>
+            </a:spcAft>
+          </a:pPr>
+          <a:endParaRPr lang="en-US" sz="1050" kern="1200"/>
+        </a:p>
+      </dsp:txBody>
+      <dsp:txXfrm rot="-5400000">
+        <a:off x="1" y="1428662"/>
+        <a:ext cx="464065" cy="198885"/>
+      </dsp:txXfrm>
+    </dsp:sp>
+    <dsp:sp modelId="{B3D561DC-B92F-4A16-9FF7-B07A6C428DAA}">
+      <dsp:nvSpPr>
+        <dsp:cNvPr id="0" name=""/>
+        <dsp:cNvSpPr/>
+      </dsp:nvSpPr>
+      <dsp:spPr>
+        <a:xfrm rot="5400000">
+          <a:off x="3977013" y="-2316318"/>
+          <a:ext cx="430918" cy="7456814"/>
+        </a:xfrm>
+        <a:prstGeom prst="round2SameRect">
+          <a:avLst/>
+        </a:prstGeom>
+        <a:solidFill>
+          <a:schemeClr val="lt1">
+            <a:alpha val="90000"/>
+            <a:hueOff val="0"/>
+            <a:satOff val="0"/>
+            <a:lumOff val="0"/>
+            <a:alphaOff val="0"/>
+          </a:schemeClr>
+        </a:solidFill>
+        <a:ln w="25400" cap="flat" cmpd="sng" algn="ctr">
+          <a:solidFill>
+            <a:schemeClr val="accent3">
+              <a:hueOff val="2812566"/>
+              <a:satOff val="-4220"/>
+              <a:lumOff val="-686"/>
+              <a:alphaOff val="0"/>
+            </a:schemeClr>
+          </a:solidFill>
+          <a:prstDash val="solid"/>
+        </a:ln>
+        <a:effectLst/>
+      </dsp:spPr>
+      <dsp:style>
+        <a:lnRef idx="2">
+          <a:scrgbClr r="0" g="0" b="0"/>
+        </a:lnRef>
+        <a:fillRef idx="1">
+          <a:scrgbClr r="0" g="0" b="0"/>
+        </a:fillRef>
+        <a:effectRef idx="0">
+          <a:scrgbClr r="0" g="0" b="0"/>
+        </a:effectRef>
+        <a:fontRef idx="minor"/>
+      </dsp:style>
+      <dsp:txBody>
+        <a:bodyPr spcFirstLastPara="0" vert="horz" wrap="square" lIns="142240" tIns="12700" rIns="12700" bIns="12700" numCol="1" spcCol="1270" anchor="ctr" anchorCtr="0">
+          <a:noAutofit/>
+        </a:bodyPr>
+        <a:lstStyle/>
+        <a:p>
+          <a:pPr marL="228600" lvl="1" indent="-228600" algn="l" defTabSz="889000">
+            <a:lnSpc>
+              <a:spcPct val="90000"/>
+            </a:lnSpc>
+            <a:spcBef>
+              <a:spcPct val="0"/>
+            </a:spcBef>
+            <a:spcAft>
+              <a:spcPct val="15000"/>
+            </a:spcAft>
+            <a:buChar char="••"/>
+          </a:pPr>
+          <a:r>
+            <a:rPr lang="en-US" sz="2000" kern="1200" dirty="0"/>
+            <a:t>Pruebas de conectividad entre el </a:t>
+          </a:r>
+          <a:r>
+            <a:rPr lang="en-US" sz="2000" kern="1200" dirty="0" smtClean="0"/>
+            <a:t>Data Warehouse - servidor </a:t>
+          </a:r>
+          <a:r>
+            <a:rPr lang="en-US" sz="2000" kern="1200" dirty="0"/>
+            <a:t>(</a:t>
+          </a:r>
+          <a:r>
+            <a:rPr lang="es-CO" sz="2000" kern="1200" dirty="0"/>
+            <a:t>Ludus</a:t>
+          </a:r>
+          <a:r>
+            <a:rPr lang="en-US" sz="2000" kern="1200" dirty="0"/>
+            <a:t>)</a:t>
+          </a:r>
+        </a:p>
+      </dsp:txBody>
+      <dsp:txXfrm rot="-5400000">
+        <a:off x="464065" y="1217666"/>
+        <a:ext cx="7435778" cy="388846"/>
+      </dsp:txXfrm>
+    </dsp:sp>
+    <dsp:sp modelId="{55DE034D-D8F4-4EE6-BC85-FD58D04C7D7C}">
+      <dsp:nvSpPr>
+        <dsp:cNvPr id="0" name=""/>
+        <dsp:cNvSpPr/>
+      </dsp:nvSpPr>
+      <dsp:spPr>
+        <a:xfrm rot="5400000">
+          <a:off x="-99442" y="1893828"/>
+          <a:ext cx="662950" cy="464065"/>
+        </a:xfrm>
+        <a:prstGeom prst="chevron">
+          <a:avLst/>
+        </a:prstGeom>
+        <a:solidFill>
+          <a:schemeClr val="accent3">
+            <a:hueOff val="4218849"/>
+            <a:satOff val="-6330"/>
+            <a:lumOff val="-1029"/>
+            <a:alphaOff val="0"/>
+          </a:schemeClr>
+        </a:solidFill>
+        <a:ln w="25400" cap="flat" cmpd="sng" algn="ctr">
+          <a:solidFill>
+            <a:schemeClr val="accent3">
+              <a:hueOff val="4218849"/>
+              <a:satOff val="-6330"/>
+              <a:lumOff val="-1029"/>
+              <a:alphaOff val="0"/>
+            </a:schemeClr>
+          </a:solidFill>
+          <a:prstDash val="solid"/>
+        </a:ln>
+        <a:effectLst/>
+      </dsp:spPr>
+      <dsp:style>
+        <a:lnRef idx="2">
+          <a:scrgbClr r="0" g="0" b="0"/>
+        </a:lnRef>
+        <a:fillRef idx="1">
+          <a:scrgbClr r="0" g="0" b="0"/>
+        </a:fillRef>
+        <a:effectRef idx="0">
+          <a:scrgbClr r="0" g="0" b="0"/>
+        </a:effectRef>
+        <a:fontRef idx="minor">
+          <a:schemeClr val="lt1"/>
+        </a:fontRef>
+      </dsp:style>
+      <dsp:txBody>
+        <a:bodyPr spcFirstLastPara="0" vert="horz" wrap="square" lIns="6985" tIns="6985" rIns="6985" bIns="6985" numCol="1" spcCol="1270" anchor="ctr" anchorCtr="0">
+          <a:noAutofit/>
+        </a:bodyPr>
+        <a:lstStyle/>
+        <a:p>
+          <a:pPr lvl="0" algn="ctr" defTabSz="466725">
+            <a:lnSpc>
+              <a:spcPct val="90000"/>
+            </a:lnSpc>
+            <a:spcBef>
+              <a:spcPct val="0"/>
+            </a:spcBef>
+            <a:spcAft>
+              <a:spcPct val="35000"/>
+            </a:spcAft>
+          </a:pPr>
+          <a:endParaRPr lang="en-US" sz="1050" kern="1200"/>
+        </a:p>
+      </dsp:txBody>
+      <dsp:txXfrm rot="-5400000">
+        <a:off x="1" y="2026419"/>
+        <a:ext cx="464065" cy="198885"/>
+      </dsp:txXfrm>
+    </dsp:sp>
+    <dsp:sp modelId="{2D9B2A39-300B-4D1B-8EA0-BC4E32FB2A60}">
+      <dsp:nvSpPr>
+        <dsp:cNvPr id="0" name=""/>
+        <dsp:cNvSpPr/>
+      </dsp:nvSpPr>
+      <dsp:spPr>
+        <a:xfrm rot="5400000">
+          <a:off x="3977013" y="-1712749"/>
+          <a:ext cx="430918" cy="7456814"/>
+        </a:xfrm>
+        <a:prstGeom prst="round2SameRect">
+          <a:avLst/>
+        </a:prstGeom>
+        <a:solidFill>
+          <a:schemeClr val="lt1">
+            <a:alpha val="90000"/>
+            <a:hueOff val="0"/>
+            <a:satOff val="0"/>
+            <a:lumOff val="0"/>
+            <a:alphaOff val="0"/>
+          </a:schemeClr>
+        </a:solidFill>
+        <a:ln w="25400" cap="flat" cmpd="sng" algn="ctr">
+          <a:solidFill>
+            <a:schemeClr val="accent3">
+              <a:hueOff val="4218849"/>
+              <a:satOff val="-6330"/>
+              <a:lumOff val="-1029"/>
+              <a:alphaOff val="0"/>
+            </a:schemeClr>
+          </a:solidFill>
+          <a:prstDash val="solid"/>
+        </a:ln>
+        <a:effectLst/>
+      </dsp:spPr>
+      <dsp:style>
+        <a:lnRef idx="2">
+          <a:scrgbClr r="0" g="0" b="0"/>
+        </a:lnRef>
+        <a:fillRef idx="1">
+          <a:scrgbClr r="0" g="0" b="0"/>
+        </a:fillRef>
+        <a:effectRef idx="0">
+          <a:scrgbClr r="0" g="0" b="0"/>
+        </a:effectRef>
+        <a:fontRef idx="minor"/>
+      </dsp:style>
+      <dsp:txBody>
+        <a:bodyPr spcFirstLastPara="0" vert="horz" wrap="square" lIns="142240" tIns="12700" rIns="12700" bIns="12700" numCol="1" spcCol="1270" anchor="ctr" anchorCtr="0">
+          <a:noAutofit/>
+        </a:bodyPr>
+        <a:lstStyle/>
+        <a:p>
+          <a:pPr marL="228600" lvl="1" indent="-228600" algn="l" defTabSz="889000">
+            <a:lnSpc>
+              <a:spcPct val="90000"/>
+            </a:lnSpc>
+            <a:spcBef>
+              <a:spcPct val="0"/>
+            </a:spcBef>
+            <a:spcAft>
+              <a:spcPct val="15000"/>
+            </a:spcAft>
+            <a:buChar char="••"/>
+          </a:pPr>
+          <a:r>
+            <a:rPr lang="en-US" sz="2000" kern="1200" dirty="0"/>
+            <a:t>Pruebas de acceso a datos</a:t>
+          </a:r>
+        </a:p>
+      </dsp:txBody>
+      <dsp:txXfrm rot="-5400000">
+        <a:off x="464065" y="1821235"/>
+        <a:ext cx="7435778" cy="388846"/>
+      </dsp:txXfrm>
+    </dsp:sp>
+    <dsp:sp modelId="{74CD68D7-6486-45EC-94E0-B1980F2F8544}">
+      <dsp:nvSpPr>
+        <dsp:cNvPr id="0" name=""/>
+        <dsp:cNvSpPr/>
+      </dsp:nvSpPr>
+      <dsp:spPr>
+        <a:xfrm rot="5400000">
+          <a:off x="-99442" y="2491584"/>
+          <a:ext cx="662950" cy="464065"/>
+        </a:xfrm>
+        <a:prstGeom prst="chevron">
+          <a:avLst/>
+        </a:prstGeom>
+        <a:solidFill>
+          <a:schemeClr val="accent3">
+            <a:hueOff val="5625132"/>
+            <a:satOff val="-8440"/>
+            <a:lumOff val="-1373"/>
+            <a:alphaOff val="0"/>
+          </a:schemeClr>
+        </a:solidFill>
+        <a:ln w="25400" cap="flat" cmpd="sng" algn="ctr">
+          <a:solidFill>
+            <a:schemeClr val="accent3">
+              <a:hueOff val="5625132"/>
+              <a:satOff val="-8440"/>
+              <a:lumOff val="-1373"/>
+              <a:alphaOff val="0"/>
+            </a:schemeClr>
+          </a:solidFill>
+          <a:prstDash val="solid"/>
+        </a:ln>
+        <a:effectLst/>
+      </dsp:spPr>
+      <dsp:style>
+        <a:lnRef idx="2">
+          <a:scrgbClr r="0" g="0" b="0"/>
+        </a:lnRef>
+        <a:fillRef idx="1">
+          <a:scrgbClr r="0" g="0" b="0"/>
+        </a:fillRef>
+        <a:effectRef idx="0">
+          <a:scrgbClr r="0" g="0" b="0"/>
+        </a:effectRef>
+        <a:fontRef idx="minor">
+          <a:schemeClr val="lt1"/>
+        </a:fontRef>
+      </dsp:style>
+      <dsp:txBody>
+        <a:bodyPr spcFirstLastPara="0" vert="horz" wrap="square" lIns="6985" tIns="6985" rIns="6985" bIns="6985" numCol="1" spcCol="1270" anchor="ctr" anchorCtr="0">
+          <a:noAutofit/>
+        </a:bodyPr>
+        <a:lstStyle/>
+        <a:p>
+          <a:pPr lvl="0" algn="ctr" defTabSz="466725">
+            <a:lnSpc>
+              <a:spcPct val="90000"/>
+            </a:lnSpc>
+            <a:spcBef>
+              <a:spcPct val="0"/>
+            </a:spcBef>
+            <a:spcAft>
+              <a:spcPct val="35000"/>
+            </a:spcAft>
+          </a:pPr>
+          <a:endParaRPr lang="en-US" sz="1050" kern="1200"/>
+        </a:p>
+      </dsp:txBody>
+      <dsp:txXfrm rot="-5400000">
+        <a:off x="1" y="2624175"/>
+        <a:ext cx="464065" cy="198885"/>
+      </dsp:txXfrm>
+    </dsp:sp>
+    <dsp:sp modelId="{5555DAA1-BFD7-47D4-A657-49CC0D39556F}">
+      <dsp:nvSpPr>
+        <dsp:cNvPr id="0" name=""/>
+        <dsp:cNvSpPr/>
+      </dsp:nvSpPr>
+      <dsp:spPr>
+        <a:xfrm rot="5400000">
+          <a:off x="3977013" y="-1120806"/>
+          <a:ext cx="430918" cy="7456814"/>
+        </a:xfrm>
+        <a:prstGeom prst="round2SameRect">
+          <a:avLst/>
+        </a:prstGeom>
+        <a:solidFill>
+          <a:schemeClr val="lt1">
+            <a:alpha val="90000"/>
+            <a:hueOff val="0"/>
+            <a:satOff val="0"/>
+            <a:lumOff val="0"/>
+            <a:alphaOff val="0"/>
+          </a:schemeClr>
+        </a:solidFill>
+        <a:ln w="25400" cap="flat" cmpd="sng" algn="ctr">
+          <a:solidFill>
+            <a:schemeClr val="accent3">
+              <a:hueOff val="5625132"/>
+              <a:satOff val="-8440"/>
+              <a:lumOff val="-1373"/>
+              <a:alphaOff val="0"/>
+            </a:schemeClr>
+          </a:solidFill>
+          <a:prstDash val="solid"/>
+        </a:ln>
+        <a:effectLst/>
+      </dsp:spPr>
+      <dsp:style>
+        <a:lnRef idx="2">
+          <a:scrgbClr r="0" g="0" b="0"/>
+        </a:lnRef>
+        <a:fillRef idx="1">
+          <a:scrgbClr r="0" g="0" b="0"/>
+        </a:fillRef>
+        <a:effectRef idx="0">
+          <a:scrgbClr r="0" g="0" b="0"/>
+        </a:effectRef>
+        <a:fontRef idx="minor"/>
+      </dsp:style>
+      <dsp:txBody>
+        <a:bodyPr spcFirstLastPara="0" vert="horz" wrap="square" lIns="142240" tIns="12700" rIns="12700" bIns="12700" numCol="1" spcCol="1270" anchor="ctr" anchorCtr="0">
+          <a:noAutofit/>
+        </a:bodyPr>
+        <a:lstStyle/>
+        <a:p>
+          <a:pPr marL="228600" lvl="1" indent="-228600" algn="l" defTabSz="889000">
+            <a:lnSpc>
+              <a:spcPct val="90000"/>
+            </a:lnSpc>
+            <a:spcBef>
+              <a:spcPct val="0"/>
+            </a:spcBef>
+            <a:spcAft>
+              <a:spcPct val="15000"/>
+            </a:spcAft>
+            <a:buChar char="••"/>
+          </a:pPr>
+          <a:r>
+            <a:rPr lang="en-US" sz="2000" kern="1200" dirty="0" smtClean="0"/>
+            <a:t>Instalación </a:t>
+          </a:r>
+          <a:r>
+            <a:rPr lang="en-US" sz="2000" kern="1200" dirty="0"/>
+            <a:t>de la </a:t>
+          </a:r>
+          <a:r>
+            <a:rPr lang="en-US" sz="2000" kern="1200" dirty="0" smtClean="0"/>
+            <a:t>solución </a:t>
+          </a:r>
+          <a:r>
+            <a:rPr lang="en-US" sz="2000" kern="1200" dirty="0"/>
+            <a:t>BA</a:t>
+          </a:r>
+        </a:p>
+      </dsp:txBody>
+      <dsp:txXfrm rot="-5400000">
+        <a:off x="464065" y="2413178"/>
+        <a:ext cx="7435778" cy="388846"/>
+      </dsp:txXfrm>
+    </dsp:sp>
+    <dsp:sp modelId="{8BA6A785-927D-4DE7-BA50-6A042BD6179A}">
+      <dsp:nvSpPr>
+        <dsp:cNvPr id="0" name=""/>
+        <dsp:cNvSpPr/>
+      </dsp:nvSpPr>
+      <dsp:spPr>
+        <a:xfrm rot="5400000">
+          <a:off x="-99442" y="3089341"/>
+          <a:ext cx="662950" cy="464065"/>
+        </a:xfrm>
+        <a:prstGeom prst="chevron">
+          <a:avLst/>
+        </a:prstGeom>
+        <a:solidFill>
+          <a:schemeClr val="accent3">
+            <a:hueOff val="7031415"/>
+            <a:satOff val="-10550"/>
+            <a:lumOff val="-1716"/>
+            <a:alphaOff val="0"/>
+          </a:schemeClr>
+        </a:solidFill>
+        <a:ln w="25400" cap="flat" cmpd="sng" algn="ctr">
+          <a:solidFill>
+            <a:schemeClr val="accent3">
+              <a:hueOff val="7031415"/>
+              <a:satOff val="-10550"/>
+              <a:lumOff val="-1716"/>
+              <a:alphaOff val="0"/>
+            </a:schemeClr>
+          </a:solidFill>
+          <a:prstDash val="solid"/>
+        </a:ln>
+        <a:effectLst/>
+      </dsp:spPr>
+      <dsp:style>
+        <a:lnRef idx="2">
+          <a:scrgbClr r="0" g="0" b="0"/>
+        </a:lnRef>
+        <a:fillRef idx="1">
+          <a:scrgbClr r="0" g="0" b="0"/>
+        </a:fillRef>
+        <a:effectRef idx="0">
+          <a:scrgbClr r="0" g="0" b="0"/>
+        </a:effectRef>
+        <a:fontRef idx="minor">
+          <a:schemeClr val="lt1"/>
+        </a:fontRef>
+      </dsp:style>
+      <dsp:txBody>
+        <a:bodyPr spcFirstLastPara="0" vert="horz" wrap="square" lIns="6985" tIns="6985" rIns="6985" bIns="6985" numCol="1" spcCol="1270" anchor="ctr" anchorCtr="0">
+          <a:noAutofit/>
+        </a:bodyPr>
+        <a:lstStyle/>
+        <a:p>
+          <a:pPr lvl="0" algn="ctr" defTabSz="466725">
+            <a:lnSpc>
+              <a:spcPct val="90000"/>
+            </a:lnSpc>
+            <a:spcBef>
+              <a:spcPct val="0"/>
+            </a:spcBef>
+            <a:spcAft>
+              <a:spcPct val="35000"/>
+            </a:spcAft>
+          </a:pPr>
+          <a:endParaRPr lang="en-US" sz="1050" kern="1200"/>
+        </a:p>
+      </dsp:txBody>
+      <dsp:txXfrm rot="-5400000">
+        <a:off x="1" y="3221932"/>
+        <a:ext cx="464065" cy="198885"/>
+      </dsp:txXfrm>
+    </dsp:sp>
+    <dsp:sp modelId="{9CF3735A-CCD7-4F50-9021-657BDACFD415}">
+      <dsp:nvSpPr>
+        <dsp:cNvPr id="0" name=""/>
+        <dsp:cNvSpPr/>
+      </dsp:nvSpPr>
+      <dsp:spPr>
+        <a:xfrm rot="5400000">
+          <a:off x="3977013" y="-523049"/>
+          <a:ext cx="430918" cy="7456814"/>
+        </a:xfrm>
+        <a:prstGeom prst="round2SameRect">
+          <a:avLst/>
+        </a:prstGeom>
+        <a:solidFill>
+          <a:schemeClr val="lt1">
+            <a:alpha val="90000"/>
+            <a:hueOff val="0"/>
+            <a:satOff val="0"/>
+            <a:lumOff val="0"/>
+            <a:alphaOff val="0"/>
+          </a:schemeClr>
+        </a:solidFill>
+        <a:ln w="25400" cap="flat" cmpd="sng" algn="ctr">
+          <a:solidFill>
+            <a:schemeClr val="accent3">
+              <a:hueOff val="7031415"/>
+              <a:satOff val="-10550"/>
+              <a:lumOff val="-1716"/>
+              <a:alphaOff val="0"/>
+            </a:schemeClr>
+          </a:solidFill>
+          <a:prstDash val="solid"/>
+        </a:ln>
+        <a:effectLst/>
+      </dsp:spPr>
+      <dsp:style>
+        <a:lnRef idx="2">
+          <a:scrgbClr r="0" g="0" b="0"/>
+        </a:lnRef>
+        <a:fillRef idx="1">
+          <a:scrgbClr r="0" g="0" b="0"/>
+        </a:fillRef>
+        <a:effectRef idx="0">
+          <a:scrgbClr r="0" g="0" b="0"/>
+        </a:effectRef>
+        <a:fontRef idx="minor"/>
+      </dsp:style>
+      <dsp:txBody>
+        <a:bodyPr spcFirstLastPara="0" vert="horz" wrap="square" lIns="142240" tIns="12700" rIns="12700" bIns="12700" numCol="1" spcCol="1270" anchor="ctr" anchorCtr="0">
+          <a:noAutofit/>
+        </a:bodyPr>
+        <a:lstStyle/>
+        <a:p>
+          <a:pPr marL="228600" lvl="1" indent="-228600" algn="l" defTabSz="889000">
+            <a:lnSpc>
+              <a:spcPct val="90000"/>
+            </a:lnSpc>
+            <a:spcBef>
+              <a:spcPct val="0"/>
+            </a:spcBef>
+            <a:spcAft>
+              <a:spcPct val="15000"/>
+            </a:spcAft>
+            <a:buChar char="••"/>
+          </a:pPr>
+          <a:r>
+            <a:rPr lang="en-US" sz="2000" kern="1200" dirty="0"/>
+            <a:t>Pruebas de </a:t>
+          </a:r>
+          <a:r>
+            <a:rPr lang="en-US" sz="2000" kern="1200" dirty="0" smtClean="0"/>
+            <a:t>análisis </a:t>
+          </a:r>
+          <a:r>
+            <a:rPr lang="en-US" sz="2000" kern="1200" dirty="0"/>
+            <a:t>de datos</a:t>
+          </a:r>
+        </a:p>
+      </dsp:txBody>
+      <dsp:txXfrm rot="-5400000">
+        <a:off x="464065" y="3010935"/>
+        <a:ext cx="7435778" cy="388846"/>
+      </dsp:txXfrm>
+    </dsp:sp>
+    <dsp:sp modelId="{CBE227D2-8DD8-40B8-868A-F1F854EF4D92}">
+      <dsp:nvSpPr>
+        <dsp:cNvPr id="0" name=""/>
+        <dsp:cNvSpPr/>
+      </dsp:nvSpPr>
+      <dsp:spPr>
+        <a:xfrm rot="5400000">
+          <a:off x="-99442" y="3687097"/>
+          <a:ext cx="662950" cy="464065"/>
+        </a:xfrm>
+        <a:prstGeom prst="chevron">
+          <a:avLst/>
+        </a:prstGeom>
+        <a:solidFill>
+          <a:schemeClr val="accent3">
+            <a:hueOff val="8437698"/>
+            <a:satOff val="-12660"/>
+            <a:lumOff val="-2059"/>
+            <a:alphaOff val="0"/>
+          </a:schemeClr>
+        </a:solidFill>
+        <a:ln w="25400" cap="flat" cmpd="sng" algn="ctr">
+          <a:solidFill>
+            <a:schemeClr val="accent3">
+              <a:hueOff val="8437698"/>
+              <a:satOff val="-12660"/>
+              <a:lumOff val="-2059"/>
+              <a:alphaOff val="0"/>
+            </a:schemeClr>
+          </a:solidFill>
+          <a:prstDash val="solid"/>
+        </a:ln>
+        <a:effectLst/>
+      </dsp:spPr>
+      <dsp:style>
+        <a:lnRef idx="2">
+          <a:scrgbClr r="0" g="0" b="0"/>
+        </a:lnRef>
+        <a:fillRef idx="1">
+          <a:scrgbClr r="0" g="0" b="0"/>
+        </a:fillRef>
+        <a:effectRef idx="0">
+          <a:scrgbClr r="0" g="0" b="0"/>
+        </a:effectRef>
+        <a:fontRef idx="minor">
+          <a:schemeClr val="lt1"/>
+        </a:fontRef>
+      </dsp:style>
+      <dsp:txBody>
+        <a:bodyPr spcFirstLastPara="0" vert="horz" wrap="square" lIns="6985" tIns="6985" rIns="6985" bIns="6985" numCol="1" spcCol="1270" anchor="ctr" anchorCtr="0">
+          <a:noAutofit/>
+        </a:bodyPr>
+        <a:lstStyle/>
+        <a:p>
+          <a:pPr lvl="0" algn="ctr" defTabSz="466725">
+            <a:lnSpc>
+              <a:spcPct val="90000"/>
+            </a:lnSpc>
+            <a:spcBef>
+              <a:spcPct val="0"/>
+            </a:spcBef>
+            <a:spcAft>
+              <a:spcPct val="35000"/>
+            </a:spcAft>
+          </a:pPr>
+          <a:endParaRPr lang="en-US" sz="1050" kern="1200"/>
+        </a:p>
+      </dsp:txBody>
+      <dsp:txXfrm rot="-5400000">
+        <a:off x="1" y="3819688"/>
+        <a:ext cx="464065" cy="198885"/>
+      </dsp:txXfrm>
+    </dsp:sp>
+    <dsp:sp modelId="{1D11BA6A-8B5A-492E-9D05-2C356020F385}">
+      <dsp:nvSpPr>
+        <dsp:cNvPr id="0" name=""/>
+        <dsp:cNvSpPr/>
+      </dsp:nvSpPr>
+      <dsp:spPr>
+        <a:xfrm rot="5400000">
+          <a:off x="3977013" y="74706"/>
+          <a:ext cx="430918" cy="7456814"/>
+        </a:xfrm>
+        <a:prstGeom prst="round2SameRect">
+          <a:avLst/>
+        </a:prstGeom>
+        <a:solidFill>
+          <a:schemeClr val="lt1">
+            <a:alpha val="90000"/>
+            <a:hueOff val="0"/>
+            <a:satOff val="0"/>
+            <a:lumOff val="0"/>
+            <a:alphaOff val="0"/>
+          </a:schemeClr>
+        </a:solidFill>
+        <a:ln w="25400" cap="flat" cmpd="sng" algn="ctr">
+          <a:solidFill>
+            <a:schemeClr val="accent3">
+              <a:hueOff val="8437698"/>
+              <a:satOff val="-12660"/>
+              <a:lumOff val="-2059"/>
+              <a:alphaOff val="0"/>
+            </a:schemeClr>
+          </a:solidFill>
+          <a:prstDash val="solid"/>
+        </a:ln>
+        <a:effectLst/>
+      </dsp:spPr>
+      <dsp:style>
+        <a:lnRef idx="2">
+          <a:scrgbClr r="0" g="0" b="0"/>
+        </a:lnRef>
+        <a:fillRef idx="1">
+          <a:scrgbClr r="0" g="0" b="0"/>
+        </a:fillRef>
+        <a:effectRef idx="0">
+          <a:scrgbClr r="0" g="0" b="0"/>
+        </a:effectRef>
+        <a:fontRef idx="minor"/>
+      </dsp:style>
+      <dsp:txBody>
+        <a:bodyPr spcFirstLastPara="0" vert="horz" wrap="square" lIns="142240" tIns="12700" rIns="12700" bIns="12700" numCol="1" spcCol="1270" anchor="ctr" anchorCtr="0">
+          <a:noAutofit/>
+        </a:bodyPr>
+        <a:lstStyle/>
+        <a:p>
+          <a:pPr marL="228600" lvl="1" indent="-228600" algn="l" defTabSz="889000">
+            <a:lnSpc>
+              <a:spcPct val="90000"/>
+            </a:lnSpc>
+            <a:spcBef>
+              <a:spcPct val="0"/>
+            </a:spcBef>
+            <a:spcAft>
+              <a:spcPct val="15000"/>
+            </a:spcAft>
+            <a:buChar char="••"/>
+          </a:pPr>
+          <a:r>
+            <a:rPr lang="en-US" sz="2000" kern="1200" dirty="0" smtClean="0"/>
+            <a:t>Creación </a:t>
+          </a:r>
+          <a:r>
+            <a:rPr lang="en-US" sz="2000" kern="1200" dirty="0"/>
+            <a:t>de reportes</a:t>
+          </a:r>
+        </a:p>
+      </dsp:txBody>
+      <dsp:txXfrm rot="-5400000">
+        <a:off x="464065" y="3608690"/>
+        <a:ext cx="7435778" cy="388846"/>
+      </dsp:txXfrm>
+    </dsp:sp>
+    <dsp:sp modelId="{934E52F8-1F31-421D-98B1-AF190D4E2E54}">
+      <dsp:nvSpPr>
+        <dsp:cNvPr id="0" name=""/>
+        <dsp:cNvSpPr/>
+      </dsp:nvSpPr>
+      <dsp:spPr>
+        <a:xfrm rot="5400000">
+          <a:off x="-99442" y="4284853"/>
+          <a:ext cx="662950" cy="464065"/>
+        </a:xfrm>
+        <a:prstGeom prst="chevron">
+          <a:avLst/>
+        </a:prstGeom>
+        <a:solidFill>
+          <a:schemeClr val="accent3">
+            <a:hueOff val="9843981"/>
+            <a:satOff val="-14770"/>
+            <a:lumOff val="-2402"/>
+            <a:alphaOff val="0"/>
+          </a:schemeClr>
+        </a:solidFill>
+        <a:ln w="25400" cap="flat" cmpd="sng" algn="ctr">
+          <a:solidFill>
+            <a:schemeClr val="accent3">
+              <a:hueOff val="9843981"/>
+              <a:satOff val="-14770"/>
+              <a:lumOff val="-2402"/>
+              <a:alphaOff val="0"/>
+            </a:schemeClr>
+          </a:solidFill>
+          <a:prstDash val="solid"/>
+        </a:ln>
+        <a:effectLst/>
+      </dsp:spPr>
+      <dsp:style>
+        <a:lnRef idx="2">
+          <a:scrgbClr r="0" g="0" b="0"/>
+        </a:lnRef>
+        <a:fillRef idx="1">
+          <a:scrgbClr r="0" g="0" b="0"/>
+        </a:fillRef>
+        <a:effectRef idx="0">
+          <a:scrgbClr r="0" g="0" b="0"/>
+        </a:effectRef>
+        <a:fontRef idx="minor">
+          <a:schemeClr val="lt1"/>
+        </a:fontRef>
+      </dsp:style>
+      <dsp:txBody>
+        <a:bodyPr spcFirstLastPara="0" vert="horz" wrap="square" lIns="6985" tIns="6985" rIns="6985" bIns="6985" numCol="1" spcCol="1270" anchor="ctr" anchorCtr="0">
+          <a:noAutofit/>
+        </a:bodyPr>
+        <a:lstStyle/>
+        <a:p>
+          <a:pPr lvl="0" algn="ctr" defTabSz="466725">
+            <a:lnSpc>
+              <a:spcPct val="90000"/>
+            </a:lnSpc>
+            <a:spcBef>
+              <a:spcPct val="0"/>
+            </a:spcBef>
+            <a:spcAft>
+              <a:spcPct val="35000"/>
+            </a:spcAft>
+          </a:pPr>
+          <a:endParaRPr lang="en-US" sz="1050" kern="1200"/>
+        </a:p>
+      </dsp:txBody>
+      <dsp:txXfrm rot="-5400000">
+        <a:off x="1" y="4417444"/>
+        <a:ext cx="464065" cy="198885"/>
+      </dsp:txXfrm>
+    </dsp:sp>
+    <dsp:sp modelId="{3A70B292-ED2A-479B-9C73-0AF5B65FCDA0}">
+      <dsp:nvSpPr>
+        <dsp:cNvPr id="0" name=""/>
+        <dsp:cNvSpPr/>
+      </dsp:nvSpPr>
+      <dsp:spPr>
+        <a:xfrm rot="5400000">
+          <a:off x="3977013" y="672463"/>
+          <a:ext cx="430918" cy="7456814"/>
+        </a:xfrm>
+        <a:prstGeom prst="round2SameRect">
+          <a:avLst/>
+        </a:prstGeom>
+        <a:solidFill>
+          <a:schemeClr val="lt1">
+            <a:alpha val="90000"/>
+            <a:hueOff val="0"/>
+            <a:satOff val="0"/>
+            <a:lumOff val="0"/>
+            <a:alphaOff val="0"/>
+          </a:schemeClr>
+        </a:solidFill>
+        <a:ln w="25400" cap="flat" cmpd="sng" algn="ctr">
+          <a:solidFill>
+            <a:schemeClr val="accent3">
+              <a:hueOff val="9843981"/>
+              <a:satOff val="-14770"/>
+              <a:lumOff val="-2402"/>
+              <a:alphaOff val="0"/>
+            </a:schemeClr>
+          </a:solidFill>
+          <a:prstDash val="solid"/>
+        </a:ln>
+        <a:effectLst/>
+      </dsp:spPr>
+      <dsp:style>
+        <a:lnRef idx="2">
+          <a:scrgbClr r="0" g="0" b="0"/>
+        </a:lnRef>
+        <a:fillRef idx="1">
+          <a:scrgbClr r="0" g="0" b="0"/>
+        </a:fillRef>
+        <a:effectRef idx="0">
+          <a:scrgbClr r="0" g="0" b="0"/>
+        </a:effectRef>
+        <a:fontRef idx="minor"/>
+      </dsp:style>
+      <dsp:txBody>
+        <a:bodyPr spcFirstLastPara="0" vert="horz" wrap="square" lIns="142240" tIns="12700" rIns="12700" bIns="12700" numCol="1" spcCol="1270" anchor="ctr" anchorCtr="0">
+          <a:noAutofit/>
+        </a:bodyPr>
+        <a:lstStyle/>
+        <a:p>
+          <a:pPr marL="228600" lvl="1" indent="-228600" algn="l" defTabSz="889000">
+            <a:lnSpc>
+              <a:spcPct val="90000"/>
+            </a:lnSpc>
+            <a:spcBef>
+              <a:spcPct val="0"/>
+            </a:spcBef>
+            <a:spcAft>
+              <a:spcPct val="15000"/>
+            </a:spcAft>
+            <a:buChar char="••"/>
+          </a:pPr>
+          <a:r>
+            <a:rPr lang="en-US" sz="2000" kern="1200" dirty="0" smtClean="0"/>
+            <a:t>Creación </a:t>
+          </a:r>
+          <a:r>
+            <a:rPr lang="en-US" sz="2000" kern="1200" dirty="0"/>
+            <a:t>de diagramas y mapas</a:t>
+          </a:r>
+        </a:p>
+      </dsp:txBody>
+      <dsp:txXfrm rot="-5400000">
+        <a:off x="464065" y="4206447"/>
+        <a:ext cx="7435778" cy="388846"/>
+      </dsp:txXfrm>
+    </dsp:sp>
+    <dsp:sp modelId="{BEE86D47-DEB0-47FE-BA07-F46E88E4EA5B}">
+      <dsp:nvSpPr>
+        <dsp:cNvPr id="0" name=""/>
+        <dsp:cNvSpPr/>
+      </dsp:nvSpPr>
+      <dsp:spPr>
+        <a:xfrm rot="5400000">
+          <a:off x="-99442" y="4882610"/>
+          <a:ext cx="662950" cy="464065"/>
+        </a:xfrm>
+        <a:prstGeom prst="chevron">
+          <a:avLst/>
+        </a:prstGeom>
+        <a:solidFill>
+          <a:schemeClr val="accent3">
+            <a:hueOff val="11250264"/>
+            <a:satOff val="-16880"/>
+            <a:lumOff val="-2745"/>
+            <a:alphaOff val="0"/>
+          </a:schemeClr>
+        </a:solidFill>
+        <a:ln w="25400" cap="flat" cmpd="sng" algn="ctr">
+          <a:solidFill>
+            <a:schemeClr val="accent3">
+              <a:hueOff val="11250264"/>
+              <a:satOff val="-16880"/>
+              <a:lumOff val="-2745"/>
+              <a:alphaOff val="0"/>
+            </a:schemeClr>
+          </a:solidFill>
+          <a:prstDash val="solid"/>
+        </a:ln>
+        <a:effectLst/>
+      </dsp:spPr>
+      <dsp:style>
+        <a:lnRef idx="2">
+          <a:scrgbClr r="0" g="0" b="0"/>
+        </a:lnRef>
+        <a:fillRef idx="1">
+          <a:scrgbClr r="0" g="0" b="0"/>
+        </a:fillRef>
+        <a:effectRef idx="0">
+          <a:scrgbClr r="0" g="0" b="0"/>
+        </a:effectRef>
+        <a:fontRef idx="minor">
+          <a:schemeClr val="lt1"/>
+        </a:fontRef>
+      </dsp:style>
+      <dsp:txBody>
+        <a:bodyPr spcFirstLastPara="0" vert="horz" wrap="square" lIns="6985" tIns="6985" rIns="6985" bIns="6985" numCol="1" spcCol="1270" anchor="ctr" anchorCtr="0">
+          <a:noAutofit/>
+        </a:bodyPr>
+        <a:lstStyle/>
+        <a:p>
+          <a:pPr lvl="0" algn="ctr" defTabSz="466725">
+            <a:lnSpc>
+              <a:spcPct val="90000"/>
+            </a:lnSpc>
+            <a:spcBef>
+              <a:spcPct val="0"/>
+            </a:spcBef>
+            <a:spcAft>
+              <a:spcPct val="35000"/>
+            </a:spcAft>
+          </a:pPr>
+          <a:endParaRPr lang="en-US" sz="1050" kern="1200"/>
+        </a:p>
+      </dsp:txBody>
+      <dsp:txXfrm rot="-5400000">
+        <a:off x="1" y="5015201"/>
+        <a:ext cx="464065" cy="198885"/>
+      </dsp:txXfrm>
+    </dsp:sp>
+    <dsp:sp modelId="{B23AAA86-8260-4C63-858F-545D418AA6FE}">
+      <dsp:nvSpPr>
+        <dsp:cNvPr id="0" name=""/>
+        <dsp:cNvSpPr/>
+      </dsp:nvSpPr>
+      <dsp:spPr>
+        <a:xfrm rot="5400000">
+          <a:off x="3977013" y="1270219"/>
+          <a:ext cx="430918" cy="7456814"/>
+        </a:xfrm>
+        <a:prstGeom prst="round2SameRect">
+          <a:avLst/>
+        </a:prstGeom>
+        <a:solidFill>
+          <a:schemeClr val="lt1">
+            <a:alpha val="90000"/>
+            <a:hueOff val="0"/>
+            <a:satOff val="0"/>
+            <a:lumOff val="0"/>
+            <a:alphaOff val="0"/>
+          </a:schemeClr>
+        </a:solidFill>
+        <a:ln w="25400" cap="flat" cmpd="sng" algn="ctr">
+          <a:solidFill>
+            <a:schemeClr val="accent3">
+              <a:hueOff val="11250264"/>
+              <a:satOff val="-16880"/>
+              <a:lumOff val="-2745"/>
+              <a:alphaOff val="0"/>
+            </a:schemeClr>
+          </a:solidFill>
+          <a:prstDash val="solid"/>
+        </a:ln>
+        <a:effectLst/>
+      </dsp:spPr>
+      <dsp:style>
+        <a:lnRef idx="2">
+          <a:scrgbClr r="0" g="0" b="0"/>
+        </a:lnRef>
+        <a:fillRef idx="1">
+          <a:scrgbClr r="0" g="0" b="0"/>
+        </a:fillRef>
+        <a:effectRef idx="0">
+          <a:scrgbClr r="0" g="0" b="0"/>
+        </a:effectRef>
+        <a:fontRef idx="minor"/>
+      </dsp:style>
+      <dsp:txBody>
+        <a:bodyPr spcFirstLastPara="0" vert="horz" wrap="square" lIns="142240" tIns="12700" rIns="12700" bIns="12700" numCol="1" spcCol="1270" anchor="ctr" anchorCtr="0">
+          <a:noAutofit/>
+        </a:bodyPr>
+        <a:lstStyle/>
+        <a:p>
+          <a:pPr marL="228600" lvl="1" indent="-228600" algn="l" defTabSz="889000">
+            <a:lnSpc>
+              <a:spcPct val="90000"/>
+            </a:lnSpc>
+            <a:spcBef>
+              <a:spcPct val="0"/>
+            </a:spcBef>
+            <a:spcAft>
+              <a:spcPct val="15000"/>
+            </a:spcAft>
+            <a:buChar char="••"/>
+          </a:pPr>
+          <a:r>
+            <a:rPr lang="en-US" sz="2000" kern="1200" dirty="0" smtClean="0"/>
+            <a:t>Presentación </a:t>
+          </a:r>
+          <a:r>
+            <a:rPr lang="en-US" sz="2000" kern="1200" dirty="0"/>
+            <a:t>del Dashboard </a:t>
+          </a:r>
+        </a:p>
+      </dsp:txBody>
+      <dsp:txXfrm rot="-5400000">
+        <a:off x="464065" y="4804203"/>
+        <a:ext cx="7435778" cy="388846"/>
+      </dsp:txXfrm>
+    </dsp:sp>
   </dsp:spTree>
 </dsp:drawing>
 </file>
@@ -6657,6 +9368,631 @@
       <dsp:cNvGrpSpPr/>
     </dsp:nvGrpSpPr>
     <dsp:grpSpPr/>
+    <dsp:sp modelId="{793C8ADD-3FD1-4639-AF77-6A208996CD53}">
+      <dsp:nvSpPr>
+        <dsp:cNvPr id="0" name=""/>
+        <dsp:cNvSpPr/>
+      </dsp:nvSpPr>
+      <dsp:spPr>
+        <a:xfrm>
+          <a:off x="0" y="369411"/>
+          <a:ext cx="7583211" cy="529200"/>
+        </a:xfrm>
+        <a:prstGeom prst="rect">
+          <a:avLst/>
+        </a:prstGeom>
+        <a:solidFill>
+          <a:schemeClr val="lt1">
+            <a:alpha val="90000"/>
+            <a:hueOff val="0"/>
+            <a:satOff val="0"/>
+            <a:lumOff val="0"/>
+            <a:alphaOff val="0"/>
+          </a:schemeClr>
+        </a:solidFill>
+        <a:ln w="25400" cap="flat" cmpd="sng" algn="ctr">
+          <a:solidFill>
+            <a:schemeClr val="accent4">
+              <a:hueOff val="0"/>
+              <a:satOff val="0"/>
+              <a:lumOff val="0"/>
+              <a:alphaOff val="0"/>
+            </a:schemeClr>
+          </a:solidFill>
+          <a:prstDash val="solid"/>
+        </a:ln>
+        <a:effectLst/>
+      </dsp:spPr>
+      <dsp:style>
+        <a:lnRef idx="2">
+          <a:scrgbClr r="0" g="0" b="0"/>
+        </a:lnRef>
+        <a:fillRef idx="1">
+          <a:scrgbClr r="0" g="0" b="0"/>
+        </a:fillRef>
+        <a:effectRef idx="0">
+          <a:scrgbClr r="0" g="0" b="0"/>
+        </a:effectRef>
+        <a:fontRef idx="minor"/>
+      </dsp:style>
+    </dsp:sp>
+    <dsp:sp modelId="{92742DCE-3D34-455E-BF95-EE9F0707F0A0}">
+      <dsp:nvSpPr>
+        <dsp:cNvPr id="0" name=""/>
+        <dsp:cNvSpPr/>
+      </dsp:nvSpPr>
+      <dsp:spPr>
+        <a:xfrm>
+          <a:off x="379160" y="59451"/>
+          <a:ext cx="5308247" cy="619920"/>
+        </a:xfrm>
+        <a:prstGeom prst="roundRect">
+          <a:avLst/>
+        </a:prstGeom>
+        <a:solidFill>
+          <a:schemeClr val="accent4">
+            <a:hueOff val="0"/>
+            <a:satOff val="0"/>
+            <a:lumOff val="0"/>
+            <a:alphaOff val="0"/>
+          </a:schemeClr>
+        </a:solidFill>
+        <a:ln w="25400" cap="flat" cmpd="sng" algn="ctr">
+          <a:solidFill>
+            <a:schemeClr val="lt1">
+              <a:hueOff val="0"/>
+              <a:satOff val="0"/>
+              <a:lumOff val="0"/>
+              <a:alphaOff val="0"/>
+            </a:schemeClr>
+          </a:solidFill>
+          <a:prstDash val="solid"/>
+        </a:ln>
+        <a:effectLst/>
+      </dsp:spPr>
+      <dsp:style>
+        <a:lnRef idx="2">
+          <a:scrgbClr r="0" g="0" b="0"/>
+        </a:lnRef>
+        <a:fillRef idx="1">
+          <a:scrgbClr r="0" g="0" b="0"/>
+        </a:fillRef>
+        <a:effectRef idx="0">
+          <a:scrgbClr r="0" g="0" b="0"/>
+        </a:effectRef>
+        <a:fontRef idx="minor">
+          <a:schemeClr val="lt1"/>
+        </a:fontRef>
+      </dsp:style>
+      <dsp:txBody>
+        <a:bodyPr spcFirstLastPara="0" vert="horz" wrap="square" lIns="200639" tIns="0" rIns="200639" bIns="0" numCol="1" spcCol="1270" anchor="ctr" anchorCtr="0">
+          <a:noAutofit/>
+        </a:bodyPr>
+        <a:lstStyle/>
+        <a:p>
+          <a:pPr lvl="0" algn="l" defTabSz="1066800">
+            <a:lnSpc>
+              <a:spcPct val="90000"/>
+            </a:lnSpc>
+            <a:spcBef>
+              <a:spcPct val="0"/>
+            </a:spcBef>
+            <a:spcAft>
+              <a:spcPct val="35000"/>
+            </a:spcAft>
+          </a:pPr>
+          <a:r>
+            <a:rPr lang="es-CO" sz="2400" b="1" kern="1200" dirty="0" smtClean="0"/>
+            <a:t>Capacitación Especializada</a:t>
+          </a:r>
+          <a:endParaRPr lang="en-US" sz="2400" kern="1200" dirty="0"/>
+        </a:p>
+      </dsp:txBody>
+      <dsp:txXfrm>
+        <a:off x="409422" y="89713"/>
+        <a:ext cx="5247723" cy="559396"/>
+      </dsp:txXfrm>
+    </dsp:sp>
+    <dsp:sp modelId="{6E9FEB2B-9A88-44E5-83F0-39ECFC6BA07C}">
+      <dsp:nvSpPr>
+        <dsp:cNvPr id="0" name=""/>
+        <dsp:cNvSpPr/>
+      </dsp:nvSpPr>
+      <dsp:spPr>
+        <a:xfrm>
+          <a:off x="0" y="1321971"/>
+          <a:ext cx="7583211" cy="529200"/>
+        </a:xfrm>
+        <a:prstGeom prst="rect">
+          <a:avLst/>
+        </a:prstGeom>
+        <a:solidFill>
+          <a:schemeClr val="lt1">
+            <a:alpha val="90000"/>
+            <a:hueOff val="0"/>
+            <a:satOff val="0"/>
+            <a:lumOff val="0"/>
+            <a:alphaOff val="0"/>
+          </a:schemeClr>
+        </a:solidFill>
+        <a:ln w="25400" cap="flat" cmpd="sng" algn="ctr">
+          <a:solidFill>
+            <a:schemeClr val="accent4">
+              <a:hueOff val="-1116192"/>
+              <a:satOff val="6725"/>
+              <a:lumOff val="539"/>
+              <a:alphaOff val="0"/>
+            </a:schemeClr>
+          </a:solidFill>
+          <a:prstDash val="solid"/>
+        </a:ln>
+        <a:effectLst/>
+      </dsp:spPr>
+      <dsp:style>
+        <a:lnRef idx="2">
+          <a:scrgbClr r="0" g="0" b="0"/>
+        </a:lnRef>
+        <a:fillRef idx="1">
+          <a:scrgbClr r="0" g="0" b="0"/>
+        </a:fillRef>
+        <a:effectRef idx="0">
+          <a:scrgbClr r="0" g="0" b="0"/>
+        </a:effectRef>
+        <a:fontRef idx="minor"/>
+      </dsp:style>
+    </dsp:sp>
+    <dsp:sp modelId="{1A3C3166-884D-4BCD-A480-75B8848B1F5E}">
+      <dsp:nvSpPr>
+        <dsp:cNvPr id="0" name=""/>
+        <dsp:cNvSpPr/>
+      </dsp:nvSpPr>
+      <dsp:spPr>
+        <a:xfrm>
+          <a:off x="379160" y="1012011"/>
+          <a:ext cx="5308247" cy="619920"/>
+        </a:xfrm>
+        <a:prstGeom prst="roundRect">
+          <a:avLst/>
+        </a:prstGeom>
+        <a:solidFill>
+          <a:schemeClr val="accent4">
+            <a:hueOff val="-1116192"/>
+            <a:satOff val="6725"/>
+            <a:lumOff val="539"/>
+            <a:alphaOff val="0"/>
+          </a:schemeClr>
+        </a:solidFill>
+        <a:ln w="25400" cap="flat" cmpd="sng" algn="ctr">
+          <a:solidFill>
+            <a:schemeClr val="lt1">
+              <a:hueOff val="0"/>
+              <a:satOff val="0"/>
+              <a:lumOff val="0"/>
+              <a:alphaOff val="0"/>
+            </a:schemeClr>
+          </a:solidFill>
+          <a:prstDash val="solid"/>
+        </a:ln>
+        <a:effectLst/>
+      </dsp:spPr>
+      <dsp:style>
+        <a:lnRef idx="2">
+          <a:scrgbClr r="0" g="0" b="0"/>
+        </a:lnRef>
+        <a:fillRef idx="1">
+          <a:scrgbClr r="0" g="0" b="0"/>
+        </a:fillRef>
+        <a:effectRef idx="0">
+          <a:scrgbClr r="0" g="0" b="0"/>
+        </a:effectRef>
+        <a:fontRef idx="minor">
+          <a:schemeClr val="lt1"/>
+        </a:fontRef>
+      </dsp:style>
+      <dsp:txBody>
+        <a:bodyPr spcFirstLastPara="0" vert="horz" wrap="square" lIns="200639" tIns="0" rIns="200639" bIns="0" numCol="1" spcCol="1270" anchor="ctr" anchorCtr="0">
+          <a:noAutofit/>
+        </a:bodyPr>
+        <a:lstStyle/>
+        <a:p>
+          <a:pPr lvl="0" algn="l" defTabSz="1066800">
+            <a:lnSpc>
+              <a:spcPct val="90000"/>
+            </a:lnSpc>
+            <a:spcBef>
+              <a:spcPct val="0"/>
+            </a:spcBef>
+            <a:spcAft>
+              <a:spcPct val="35000"/>
+            </a:spcAft>
+          </a:pPr>
+          <a:r>
+            <a:rPr lang="es-CO" sz="2400" b="1" kern="1200" dirty="0" smtClean="0"/>
+            <a:t>Soporte Técnico</a:t>
+          </a:r>
+          <a:endParaRPr lang="en-US" sz="2400" kern="1200" dirty="0"/>
+        </a:p>
+      </dsp:txBody>
+      <dsp:txXfrm>
+        <a:off x="409422" y="1042273"/>
+        <a:ext cx="5247723" cy="559396"/>
+      </dsp:txXfrm>
+    </dsp:sp>
+    <dsp:sp modelId="{56F8E793-C0E9-4431-9BFD-9E7CEF0C5902}">
+      <dsp:nvSpPr>
+        <dsp:cNvPr id="0" name=""/>
+        <dsp:cNvSpPr/>
+      </dsp:nvSpPr>
+      <dsp:spPr>
+        <a:xfrm>
+          <a:off x="0" y="2274531"/>
+          <a:ext cx="7583211" cy="529200"/>
+        </a:xfrm>
+        <a:prstGeom prst="rect">
+          <a:avLst/>
+        </a:prstGeom>
+        <a:solidFill>
+          <a:schemeClr val="lt1">
+            <a:alpha val="90000"/>
+            <a:hueOff val="0"/>
+            <a:satOff val="0"/>
+            <a:lumOff val="0"/>
+            <a:alphaOff val="0"/>
+          </a:schemeClr>
+        </a:solidFill>
+        <a:ln w="25400" cap="flat" cmpd="sng" algn="ctr">
+          <a:solidFill>
+            <a:schemeClr val="accent4">
+              <a:hueOff val="-2232385"/>
+              <a:satOff val="13449"/>
+              <a:lumOff val="1078"/>
+              <a:alphaOff val="0"/>
+            </a:schemeClr>
+          </a:solidFill>
+          <a:prstDash val="solid"/>
+        </a:ln>
+        <a:effectLst/>
+      </dsp:spPr>
+      <dsp:style>
+        <a:lnRef idx="2">
+          <a:scrgbClr r="0" g="0" b="0"/>
+        </a:lnRef>
+        <a:fillRef idx="1">
+          <a:scrgbClr r="0" g="0" b="0"/>
+        </a:fillRef>
+        <a:effectRef idx="0">
+          <a:scrgbClr r="0" g="0" b="0"/>
+        </a:effectRef>
+        <a:fontRef idx="minor"/>
+      </dsp:style>
+    </dsp:sp>
+    <dsp:sp modelId="{25B1983F-25BA-4293-AA96-88EA2B55D481}">
+      <dsp:nvSpPr>
+        <dsp:cNvPr id="0" name=""/>
+        <dsp:cNvSpPr/>
+      </dsp:nvSpPr>
+      <dsp:spPr>
+        <a:xfrm>
+          <a:off x="379160" y="1964571"/>
+          <a:ext cx="5308247" cy="619920"/>
+        </a:xfrm>
+        <a:prstGeom prst="roundRect">
+          <a:avLst/>
+        </a:prstGeom>
+        <a:solidFill>
+          <a:schemeClr val="accent4">
+            <a:hueOff val="-2232385"/>
+            <a:satOff val="13449"/>
+            <a:lumOff val="1078"/>
+            <a:alphaOff val="0"/>
+          </a:schemeClr>
+        </a:solidFill>
+        <a:ln w="25400" cap="flat" cmpd="sng" algn="ctr">
+          <a:solidFill>
+            <a:schemeClr val="lt1">
+              <a:hueOff val="0"/>
+              <a:satOff val="0"/>
+              <a:lumOff val="0"/>
+              <a:alphaOff val="0"/>
+            </a:schemeClr>
+          </a:solidFill>
+          <a:prstDash val="solid"/>
+        </a:ln>
+        <a:effectLst/>
+      </dsp:spPr>
+      <dsp:style>
+        <a:lnRef idx="2">
+          <a:scrgbClr r="0" g="0" b="0"/>
+        </a:lnRef>
+        <a:fillRef idx="1">
+          <a:scrgbClr r="0" g="0" b="0"/>
+        </a:fillRef>
+        <a:effectRef idx="0">
+          <a:scrgbClr r="0" g="0" b="0"/>
+        </a:effectRef>
+        <a:fontRef idx="minor">
+          <a:schemeClr val="lt1"/>
+        </a:fontRef>
+      </dsp:style>
+      <dsp:txBody>
+        <a:bodyPr spcFirstLastPara="0" vert="horz" wrap="square" lIns="200639" tIns="0" rIns="200639" bIns="0" numCol="1" spcCol="1270" anchor="ctr" anchorCtr="0">
+          <a:noAutofit/>
+        </a:bodyPr>
+        <a:lstStyle/>
+        <a:p>
+          <a:pPr lvl="0" algn="l" defTabSz="1066800">
+            <a:lnSpc>
+              <a:spcPct val="90000"/>
+            </a:lnSpc>
+            <a:spcBef>
+              <a:spcPct val="0"/>
+            </a:spcBef>
+            <a:spcAft>
+              <a:spcPct val="35000"/>
+            </a:spcAft>
+          </a:pPr>
+          <a:r>
+            <a:rPr lang="es-CO" sz="2400" b="1" kern="1200" dirty="0" smtClean="0"/>
+            <a:t>Pólizas de Soporte</a:t>
+          </a:r>
+          <a:endParaRPr lang="en-US" sz="2400" kern="1200" dirty="0"/>
+        </a:p>
+      </dsp:txBody>
+      <dsp:txXfrm>
+        <a:off x="409422" y="1994833"/>
+        <a:ext cx="5247723" cy="559396"/>
+      </dsp:txXfrm>
+    </dsp:sp>
+    <dsp:sp modelId="{942072AA-ECDF-4706-B9F4-C0B56FAF26BB}">
+      <dsp:nvSpPr>
+        <dsp:cNvPr id="0" name=""/>
+        <dsp:cNvSpPr/>
+      </dsp:nvSpPr>
+      <dsp:spPr>
+        <a:xfrm>
+          <a:off x="0" y="3227092"/>
+          <a:ext cx="7583211" cy="529200"/>
+        </a:xfrm>
+        <a:prstGeom prst="rect">
+          <a:avLst/>
+        </a:prstGeom>
+        <a:solidFill>
+          <a:schemeClr val="lt1">
+            <a:alpha val="90000"/>
+            <a:hueOff val="0"/>
+            <a:satOff val="0"/>
+            <a:lumOff val="0"/>
+            <a:alphaOff val="0"/>
+          </a:schemeClr>
+        </a:solidFill>
+        <a:ln w="25400" cap="flat" cmpd="sng" algn="ctr">
+          <a:solidFill>
+            <a:schemeClr val="accent4">
+              <a:hueOff val="-3348577"/>
+              <a:satOff val="20174"/>
+              <a:lumOff val="1617"/>
+              <a:alphaOff val="0"/>
+            </a:schemeClr>
+          </a:solidFill>
+          <a:prstDash val="solid"/>
+        </a:ln>
+        <a:effectLst/>
+      </dsp:spPr>
+      <dsp:style>
+        <a:lnRef idx="2">
+          <a:scrgbClr r="0" g="0" b="0"/>
+        </a:lnRef>
+        <a:fillRef idx="1">
+          <a:scrgbClr r="0" g="0" b="0"/>
+        </a:fillRef>
+        <a:effectRef idx="0">
+          <a:scrgbClr r="0" g="0" b="0"/>
+        </a:effectRef>
+        <a:fontRef idx="minor"/>
+      </dsp:style>
+    </dsp:sp>
+    <dsp:sp modelId="{1A98280E-76C5-4230-AC9C-E91A99CB258E}">
+      <dsp:nvSpPr>
+        <dsp:cNvPr id="0" name=""/>
+        <dsp:cNvSpPr/>
+      </dsp:nvSpPr>
+      <dsp:spPr>
+        <a:xfrm>
+          <a:off x="379160" y="2917132"/>
+          <a:ext cx="5308247" cy="619920"/>
+        </a:xfrm>
+        <a:prstGeom prst="roundRect">
+          <a:avLst/>
+        </a:prstGeom>
+        <a:solidFill>
+          <a:schemeClr val="accent4">
+            <a:hueOff val="-3348577"/>
+            <a:satOff val="20174"/>
+            <a:lumOff val="1617"/>
+            <a:alphaOff val="0"/>
+          </a:schemeClr>
+        </a:solidFill>
+        <a:ln w="25400" cap="flat" cmpd="sng" algn="ctr">
+          <a:solidFill>
+            <a:schemeClr val="lt1">
+              <a:hueOff val="0"/>
+              <a:satOff val="0"/>
+              <a:lumOff val="0"/>
+              <a:alphaOff val="0"/>
+            </a:schemeClr>
+          </a:solidFill>
+          <a:prstDash val="solid"/>
+        </a:ln>
+        <a:effectLst/>
+      </dsp:spPr>
+      <dsp:style>
+        <a:lnRef idx="2">
+          <a:scrgbClr r="0" g="0" b="0"/>
+        </a:lnRef>
+        <a:fillRef idx="1">
+          <a:scrgbClr r="0" g="0" b="0"/>
+        </a:fillRef>
+        <a:effectRef idx="0">
+          <a:scrgbClr r="0" g="0" b="0"/>
+        </a:effectRef>
+        <a:fontRef idx="minor">
+          <a:schemeClr val="lt1"/>
+        </a:fontRef>
+      </dsp:style>
+      <dsp:txBody>
+        <a:bodyPr spcFirstLastPara="0" vert="horz" wrap="square" lIns="200639" tIns="0" rIns="200639" bIns="0" numCol="1" spcCol="1270" anchor="ctr" anchorCtr="0">
+          <a:noAutofit/>
+        </a:bodyPr>
+        <a:lstStyle/>
+        <a:p>
+          <a:pPr lvl="0" algn="l" defTabSz="1066800">
+            <a:lnSpc>
+              <a:spcPct val="90000"/>
+            </a:lnSpc>
+            <a:spcBef>
+              <a:spcPct val="0"/>
+            </a:spcBef>
+            <a:spcAft>
+              <a:spcPct val="35000"/>
+            </a:spcAft>
+          </a:pPr>
+          <a:r>
+            <a:rPr lang="es-CO" sz="2400" b="1" kern="1200" smtClean="0"/>
+            <a:t>Programas de Mantenimiento Preventivo de Software</a:t>
+          </a:r>
+          <a:endParaRPr lang="en-US" sz="2400" kern="1200"/>
+        </a:p>
+      </dsp:txBody>
+      <dsp:txXfrm>
+        <a:off x="409422" y="2947394"/>
+        <a:ext cx="5247723" cy="559396"/>
+      </dsp:txXfrm>
+    </dsp:sp>
+    <dsp:sp modelId="{C97C8D2A-EFBD-459E-9F74-5F00F316A48F}">
+      <dsp:nvSpPr>
+        <dsp:cNvPr id="0" name=""/>
+        <dsp:cNvSpPr/>
+      </dsp:nvSpPr>
+      <dsp:spPr>
+        <a:xfrm>
+          <a:off x="0" y="4179652"/>
+          <a:ext cx="7583211" cy="529200"/>
+        </a:xfrm>
+        <a:prstGeom prst="rect">
+          <a:avLst/>
+        </a:prstGeom>
+        <a:solidFill>
+          <a:schemeClr val="lt1">
+            <a:alpha val="90000"/>
+            <a:hueOff val="0"/>
+            <a:satOff val="0"/>
+            <a:lumOff val="0"/>
+            <a:alphaOff val="0"/>
+          </a:schemeClr>
+        </a:solidFill>
+        <a:ln w="25400" cap="flat" cmpd="sng" algn="ctr">
+          <a:solidFill>
+            <a:schemeClr val="accent4">
+              <a:hueOff val="-4464770"/>
+              <a:satOff val="26899"/>
+              <a:lumOff val="2156"/>
+              <a:alphaOff val="0"/>
+            </a:schemeClr>
+          </a:solidFill>
+          <a:prstDash val="solid"/>
+        </a:ln>
+        <a:effectLst/>
+      </dsp:spPr>
+      <dsp:style>
+        <a:lnRef idx="2">
+          <a:scrgbClr r="0" g="0" b="0"/>
+        </a:lnRef>
+        <a:fillRef idx="1">
+          <a:scrgbClr r="0" g="0" b="0"/>
+        </a:fillRef>
+        <a:effectRef idx="0">
+          <a:scrgbClr r="0" g="0" b="0"/>
+        </a:effectRef>
+        <a:fontRef idx="minor"/>
+      </dsp:style>
+    </dsp:sp>
+    <dsp:sp modelId="{18718973-D6EB-48FC-B3DB-4836AE3209FC}">
+      <dsp:nvSpPr>
+        <dsp:cNvPr id="0" name=""/>
+        <dsp:cNvSpPr/>
+      </dsp:nvSpPr>
+      <dsp:spPr>
+        <a:xfrm>
+          <a:off x="379160" y="3869692"/>
+          <a:ext cx="5308247" cy="619920"/>
+        </a:xfrm>
+        <a:prstGeom prst="roundRect">
+          <a:avLst/>
+        </a:prstGeom>
+        <a:solidFill>
+          <a:schemeClr val="accent4">
+            <a:hueOff val="-4464770"/>
+            <a:satOff val="26899"/>
+            <a:lumOff val="2156"/>
+            <a:alphaOff val="0"/>
+          </a:schemeClr>
+        </a:solidFill>
+        <a:ln w="25400" cap="flat" cmpd="sng" algn="ctr">
+          <a:solidFill>
+            <a:schemeClr val="lt1">
+              <a:hueOff val="0"/>
+              <a:satOff val="0"/>
+              <a:lumOff val="0"/>
+              <a:alphaOff val="0"/>
+            </a:schemeClr>
+          </a:solidFill>
+          <a:prstDash val="solid"/>
+        </a:ln>
+        <a:effectLst/>
+      </dsp:spPr>
+      <dsp:style>
+        <a:lnRef idx="2">
+          <a:scrgbClr r="0" g="0" b="0"/>
+        </a:lnRef>
+        <a:fillRef idx="1">
+          <a:scrgbClr r="0" g="0" b="0"/>
+        </a:fillRef>
+        <a:effectRef idx="0">
+          <a:scrgbClr r="0" g="0" b="0"/>
+        </a:effectRef>
+        <a:fontRef idx="minor">
+          <a:schemeClr val="lt1"/>
+        </a:fontRef>
+      </dsp:style>
+      <dsp:txBody>
+        <a:bodyPr spcFirstLastPara="0" vert="horz" wrap="square" lIns="200639" tIns="0" rIns="200639" bIns="0" numCol="1" spcCol="1270" anchor="ctr" anchorCtr="0">
+          <a:noAutofit/>
+        </a:bodyPr>
+        <a:lstStyle/>
+        <a:p>
+          <a:pPr lvl="0" algn="l" defTabSz="1066800">
+            <a:lnSpc>
+              <a:spcPct val="90000"/>
+            </a:lnSpc>
+            <a:spcBef>
+              <a:spcPct val="0"/>
+            </a:spcBef>
+            <a:spcAft>
+              <a:spcPct val="35000"/>
+            </a:spcAft>
+          </a:pPr>
+          <a:r>
+            <a:rPr lang="es-CO" sz="2400" b="1" kern="1200" smtClean="0"/>
+            <a:t>Escritorio de Ayuda (Help Desk)</a:t>
+          </a:r>
+          <a:endParaRPr lang="en-US" sz="2400" kern="1200"/>
+        </a:p>
+      </dsp:txBody>
+      <dsp:txXfrm>
+        <a:off x="409422" y="3899954"/>
+        <a:ext cx="5247723" cy="559396"/>
+      </dsp:txXfrm>
+    </dsp:sp>
   </dsp:spTree>
 </dsp:drawing>
 </file>
@@ -11895,7 +15231,7 @@
           <a:p>
             <a:fld id="{366CF7EB-1E53-6E49-820E-FB2085D3B8B2}" type="datetimeFigureOut">
               <a:rPr lang="es-ES_tradnl" smtClean="0"/>
-              <a:t>18/04/2017</a:t>
+              <a:t>17/04/2017</a:t>
             </a:fld>
             <a:endParaRPr lang="es-ES_tradnl"/>
           </a:p>
@@ -12344,7 +15680,7 @@
           <a:p>
             <a:fld id="{2675365B-A26E-4577-B15C-2CF88CE88180}" type="datetimeFigureOut">
               <a:rPr lang="en-US" smtClean="0"/>
-              <a:t>4/18/2017</a:t>
+              <a:t>4/17/2017</a:t>
             </a:fld>
             <a:endParaRPr lang="en-US"/>
           </a:p>
@@ -12514,7 +15850,7 @@
           <a:p>
             <a:fld id="{2675365B-A26E-4577-B15C-2CF88CE88180}" type="datetimeFigureOut">
               <a:rPr lang="en-US" smtClean="0"/>
-              <a:t>4/18/2017</a:t>
+              <a:t>4/17/2017</a:t>
             </a:fld>
             <a:endParaRPr lang="en-US"/>
           </a:p>
@@ -12694,7 +16030,7 @@
           <a:p>
             <a:fld id="{2675365B-A26E-4577-B15C-2CF88CE88180}" type="datetimeFigureOut">
               <a:rPr lang="en-US" smtClean="0"/>
-              <a:t>4/18/2017</a:t>
+              <a:t>4/17/2017</a:t>
             </a:fld>
             <a:endParaRPr lang="en-US"/>
           </a:p>
@@ -12864,7 +16200,7 @@
           <a:p>
             <a:fld id="{2675365B-A26E-4577-B15C-2CF88CE88180}" type="datetimeFigureOut">
               <a:rPr lang="en-US" smtClean="0"/>
-              <a:t>4/18/2017</a:t>
+              <a:t>4/17/2017</a:t>
             </a:fld>
             <a:endParaRPr lang="en-US"/>
           </a:p>
@@ -13110,7 +16446,7 @@
           <a:p>
             <a:fld id="{2675365B-A26E-4577-B15C-2CF88CE88180}" type="datetimeFigureOut">
               <a:rPr lang="en-US" smtClean="0"/>
-              <a:t>4/18/2017</a:t>
+              <a:t>4/17/2017</a:t>
             </a:fld>
             <a:endParaRPr lang="en-US"/>
           </a:p>
@@ -13398,7 +16734,7 @@
           <a:p>
             <a:fld id="{2675365B-A26E-4577-B15C-2CF88CE88180}" type="datetimeFigureOut">
               <a:rPr lang="en-US" smtClean="0"/>
-              <a:t>4/18/2017</a:t>
+              <a:t>4/17/2017</a:t>
             </a:fld>
             <a:endParaRPr lang="en-US"/>
           </a:p>
@@ -13820,7 +17156,7 @@
           <a:p>
             <a:fld id="{2675365B-A26E-4577-B15C-2CF88CE88180}" type="datetimeFigureOut">
               <a:rPr lang="en-US" smtClean="0"/>
-              <a:t>4/18/2017</a:t>
+              <a:t>4/17/2017</a:t>
             </a:fld>
             <a:endParaRPr lang="en-US"/>
           </a:p>
@@ -13938,7 +17274,7 @@
           <a:p>
             <a:fld id="{2675365B-A26E-4577-B15C-2CF88CE88180}" type="datetimeFigureOut">
               <a:rPr lang="en-US" smtClean="0"/>
-              <a:t>4/18/2017</a:t>
+              <a:t>4/17/2017</a:t>
             </a:fld>
             <a:endParaRPr lang="en-US"/>
           </a:p>
@@ -14033,7 +17369,7 @@
           <a:p>
             <a:fld id="{2675365B-A26E-4577-B15C-2CF88CE88180}" type="datetimeFigureOut">
               <a:rPr lang="en-US" smtClean="0"/>
-              <a:t>4/18/2017</a:t>
+              <a:t>4/17/2017</a:t>
             </a:fld>
             <a:endParaRPr lang="en-US"/>
           </a:p>
@@ -14310,7 +17646,7 @@
           <a:p>
             <a:fld id="{2675365B-A26E-4577-B15C-2CF88CE88180}" type="datetimeFigureOut">
               <a:rPr lang="en-US" smtClean="0"/>
-              <a:t>4/18/2017</a:t>
+              <a:t>4/17/2017</a:t>
             </a:fld>
             <a:endParaRPr lang="en-US"/>
           </a:p>
@@ -14563,7 +17899,7 @@
           <a:p>
             <a:fld id="{2675365B-A26E-4577-B15C-2CF88CE88180}" type="datetimeFigureOut">
               <a:rPr lang="en-US" smtClean="0"/>
-              <a:t>4/18/2017</a:t>
+              <a:t>4/17/2017</a:t>
             </a:fld>
             <a:endParaRPr lang="en-US"/>
           </a:p>
@@ -14776,7 +18112,7 @@
           <a:p>
             <a:fld id="{2675365B-A26E-4577-B15C-2CF88CE88180}" type="datetimeFigureOut">
               <a:rPr lang="en-US" smtClean="0"/>
-              <a:t>4/18/2017</a:t>
+              <a:t>4/17/2017</a:t>
             </a:fld>
             <a:endParaRPr lang="en-US"/>
           </a:p>
@@ -15452,6 +18788,290 @@
           <a:chExt cx="0" cy="0"/>
         </a:xfrm>
       </p:grpSpPr>
+      <p:pic>
+        <p:nvPicPr>
+          <p:cNvPr id="8" name="Picture 2" descr="Resultado de imagen de online business school"/>
+          <p:cNvPicPr>
+            <a:picLocks noChangeAspect="1" noChangeArrowheads="1"/>
+          </p:cNvPicPr>
+          <p:nvPr/>
+        </p:nvPicPr>
+        <p:blipFill>
+          <a:blip r:embed="rId2" cstate="print">
+            <a:extLst>
+              <a:ext uri="{28A0092B-C50C-407E-A947-70E740481C1C}">
+                <a14:useLocalDpi xmlns:a14="http://schemas.microsoft.com/office/drawing/2010/main" val="0"/>
+              </a:ext>
+            </a:extLst>
+          </a:blip>
+          <a:srcRect/>
+          <a:stretch>
+            <a:fillRect/>
+          </a:stretch>
+        </p:blipFill>
+        <p:spPr bwMode="auto">
+          <a:xfrm>
+            <a:off x="251520" y="188640"/>
+            <a:ext cx="1340768" cy="243776"/>
+          </a:xfrm>
+          <a:prstGeom prst="rect">
+            <a:avLst/>
+          </a:prstGeom>
+          <a:noFill/>
+          <a:extLst>
+            <a:ext uri="{909E8E84-426E-40DD-AFC4-6F175D3DCCD1}">
+              <a14:hiddenFill xmlns:a14="http://schemas.microsoft.com/office/drawing/2010/main">
+                <a:solidFill>
+                  <a:srgbClr val="FFFFFF"/>
+                </a:solidFill>
+              </a14:hiddenFill>
+            </a:ext>
+          </a:extLst>
+        </p:spPr>
+      </p:pic>
+      <p:pic>
+        <p:nvPicPr>
+          <p:cNvPr id="9" name="Picture 4" descr="Resultado de imagen de universitat barcelona"/>
+          <p:cNvPicPr>
+            <a:picLocks noChangeAspect="1" noChangeArrowheads="1"/>
+          </p:cNvPicPr>
+          <p:nvPr/>
+        </p:nvPicPr>
+        <p:blipFill>
+          <a:blip r:embed="rId3" cstate="print">
+            <a:extLst>
+              <a:ext uri="{28A0092B-C50C-407E-A947-70E740481C1C}">
+                <a14:useLocalDpi xmlns:a14="http://schemas.microsoft.com/office/drawing/2010/main" val="0"/>
+              </a:ext>
+            </a:extLst>
+          </a:blip>
+          <a:srcRect/>
+          <a:stretch>
+            <a:fillRect/>
+          </a:stretch>
+        </p:blipFill>
+        <p:spPr bwMode="auto">
+          <a:xfrm>
+            <a:off x="7596336" y="135234"/>
+            <a:ext cx="1196871" cy="350587"/>
+          </a:xfrm>
+          <a:prstGeom prst="rect">
+            <a:avLst/>
+          </a:prstGeom>
+          <a:noFill/>
+          <a:extLst>
+            <a:ext uri="{909E8E84-426E-40DD-AFC4-6F175D3DCCD1}">
+              <a14:hiddenFill xmlns:a14="http://schemas.microsoft.com/office/drawing/2010/main">
+                <a:solidFill>
+                  <a:srgbClr val="FFFFFF"/>
+                </a:solidFill>
+              </a14:hiddenFill>
+            </a:ext>
+          </a:extLst>
+        </p:spPr>
+      </p:pic>
+      <p:sp>
+        <p:nvSpPr>
+          <p:cNvPr id="10" name="Title 1"/>
+          <p:cNvSpPr>
+            <a:spLocks noGrp="1"/>
+          </p:cNvSpPr>
+          <p:nvPr>
+            <p:ph type="title"/>
+          </p:nvPr>
+        </p:nvSpPr>
+        <p:spPr>
+          <a:xfrm>
+            <a:off x="32716" y="476672"/>
+            <a:ext cx="8229600" cy="341437"/>
+          </a:xfrm>
+        </p:spPr>
+        <p:txBody>
+          <a:bodyPr>
+            <a:normAutofit fontScale="90000"/>
+          </a:bodyPr>
+          <a:lstStyle/>
+          <a:p>
+            <a:pPr algn="l"/>
+            <a:r>
+              <a:rPr lang="es-CO" sz="2000" b="1" i="1" dirty="0" smtClean="0">
+                <a:solidFill>
+                  <a:schemeClr val="tx2"/>
+                </a:solidFill>
+                <a:effectLst>
+                  <a:outerShdw blurRad="38100" dist="38100" dir="2700000" algn="tl">
+                    <a:srgbClr val="000000">
+                      <a:alpha val="43137"/>
+                    </a:srgbClr>
+                  </a:outerShdw>
+                </a:effectLst>
+              </a:rPr>
+              <a:t>7. </a:t>
+            </a:r>
+            <a:r>
+              <a:rPr lang="es-CO" sz="2200" b="1" i="1" dirty="0" smtClean="0">
+                <a:solidFill>
+                  <a:schemeClr val="tx2"/>
+                </a:solidFill>
+                <a:effectLst>
+                  <a:outerShdw blurRad="38100" dist="38100" dir="2700000" algn="tl">
+                    <a:srgbClr val="000000">
+                      <a:alpha val="43137"/>
+                    </a:srgbClr>
+                  </a:outerShdw>
+                </a:effectLst>
+              </a:rPr>
+              <a:t>ESTRATEGIA DE IMPLEMENTACIÓN</a:t>
+            </a:r>
+            <a:endParaRPr lang="es-ES" sz="2000" b="1" i="1" dirty="0">
+              <a:solidFill>
+                <a:schemeClr val="tx2"/>
+              </a:solidFill>
+              <a:effectLst>
+                <a:outerShdw blurRad="38100" dist="38100" dir="2700000" algn="tl">
+                  <a:srgbClr val="000000">
+                    <a:alpha val="43137"/>
+                  </a:srgbClr>
+                </a:outerShdw>
+              </a:effectLst>
+            </a:endParaRPr>
+          </a:p>
+        </p:txBody>
+      </p:sp>
+      <p:sp>
+        <p:nvSpPr>
+          <p:cNvPr id="2" name="CuadroTexto 1"/>
+          <p:cNvSpPr txBox="1"/>
+          <p:nvPr/>
+        </p:nvSpPr>
+        <p:spPr>
+          <a:xfrm>
+            <a:off x="467544" y="1268760"/>
+            <a:ext cx="7920880" cy="4893647"/>
+          </a:xfrm>
+          <a:prstGeom prst="rect">
+            <a:avLst/>
+          </a:prstGeom>
+          <a:noFill/>
+        </p:spPr>
+        <p:txBody>
+          <a:bodyPr wrap="square" rtlCol="0">
+            <a:spAutoFit/>
+          </a:bodyPr>
+          <a:lstStyle/>
+          <a:p>
+            <a:r>
+              <a:rPr lang="es-CO" sz="2400" dirty="0"/>
+              <a:t>El proyecto se regirá por los procesos de administración establecidos por el cliente, y la administración y gerencia del mismo se ejecutará mediante las mejores prácticas del PMI y la Metodología PMP,  junto con los estándares y modelos para dicho proceso establecidos por Ludus. </a:t>
+            </a:r>
+          </a:p>
+          <a:p>
+            <a:endParaRPr lang="es-CO" sz="2400" dirty="0"/>
+          </a:p>
+          <a:p>
+            <a:r>
+              <a:rPr lang="es-CO" sz="2400" dirty="0"/>
+              <a:t>El proyecto contará con 4 fases generales en las cuales se </a:t>
+            </a:r>
+            <a:r>
+              <a:rPr lang="es-CO" sz="2400" dirty="0" smtClean="0"/>
+              <a:t>desarrollará </a:t>
+            </a:r>
+            <a:r>
+              <a:rPr lang="es-CO" sz="2400" dirty="0"/>
+              <a:t>la </a:t>
+            </a:r>
+            <a:r>
+              <a:rPr lang="es-CO" sz="2400" dirty="0" smtClean="0"/>
+              <a:t>solución para </a:t>
+            </a:r>
+            <a:r>
+              <a:rPr lang="es-CO" sz="2400" dirty="0"/>
+              <a:t>nuestro cliente:</a:t>
+            </a:r>
+          </a:p>
+          <a:p>
+            <a:endParaRPr lang="es-CO" sz="2400" dirty="0"/>
+          </a:p>
+          <a:p>
+            <a:pPr marL="2171700" lvl="4" indent="-342900">
+              <a:buFont typeface="Arial" panose="020B0604020202020204" pitchFamily="34" charset="0"/>
+              <a:buChar char="•"/>
+            </a:pPr>
+            <a:r>
+              <a:rPr lang="es-CO" sz="2400" dirty="0"/>
+              <a:t>Fase 1 Planeación</a:t>
+            </a:r>
+          </a:p>
+          <a:p>
+            <a:pPr marL="2171700" lvl="4" indent="-342900">
+              <a:buFont typeface="Arial" panose="020B0604020202020204" pitchFamily="34" charset="0"/>
+              <a:buChar char="•"/>
+            </a:pPr>
+            <a:r>
+              <a:rPr lang="es-CO" sz="2400" dirty="0"/>
+              <a:t>Fase 2 Diagnóstico</a:t>
+            </a:r>
+          </a:p>
+          <a:p>
+            <a:pPr marL="2171700" lvl="4" indent="-342900">
+              <a:buFont typeface="Arial" panose="020B0604020202020204" pitchFamily="34" charset="0"/>
+              <a:buChar char="•"/>
+            </a:pPr>
+            <a:r>
+              <a:rPr lang="es-CO" sz="2400" dirty="0"/>
+              <a:t>Fase 3 Diseño &amp; Implementación</a:t>
+            </a:r>
+          </a:p>
+          <a:p>
+            <a:pPr marL="2171700" lvl="4" indent="-342900">
+              <a:buFont typeface="Arial" panose="020B0604020202020204" pitchFamily="34" charset="0"/>
+              <a:buChar char="•"/>
+            </a:pPr>
+            <a:r>
+              <a:rPr lang="es-CO" sz="2400" dirty="0"/>
+              <a:t>Fase 4 Puesta en marcha</a:t>
+            </a:r>
+          </a:p>
+        </p:txBody>
+      </p:sp>
+    </p:spTree>
+    <p:extLst>
+      <p:ext uri="{BB962C8B-B14F-4D97-AF65-F5344CB8AC3E}">
+        <p14:creationId xmlns:p14="http://schemas.microsoft.com/office/powerpoint/2010/main" val="3834244802"/>
+      </p:ext>
+    </p:extLst>
+  </p:cSld>
+  <p:clrMapOvr>
+    <a:masterClrMapping/>
+  </p:clrMapOvr>
+  <p:timing>
+    <p:tnLst>
+      <p:par>
+        <p:cTn id="1" dur="indefinite" restart="never" nodeType="tmRoot"/>
+      </p:par>
+    </p:tnLst>
+  </p:timing>
+</p:sld>
+</file>
+
+<file path=ppt/slides/slide11.xml><?xml version="1.0" encoding="utf-8"?>
+<p:sld xmlns:a="http://schemas.openxmlformats.org/drawingml/2006/main" xmlns:r="http://schemas.openxmlformats.org/officeDocument/2006/relationships" xmlns:p="http://schemas.openxmlformats.org/presentationml/2006/main">
+  <p:cSld>
+    <p:spTree>
+      <p:nvGrpSpPr>
+        <p:cNvPr id="1" name=""/>
+        <p:cNvGrpSpPr/>
+        <p:nvPr/>
+      </p:nvGrpSpPr>
+      <p:grpSpPr>
+        <a:xfrm>
+          <a:off x="0" y="0"/>
+          <a:ext cx="0" cy="0"/>
+          <a:chOff x="0" y="0"/>
+          <a:chExt cx="0" cy="0"/>
+        </a:xfrm>
+      </p:grpSpPr>
       <p:graphicFrame>
         <p:nvGraphicFramePr>
           <p:cNvPr id="7" name="Diagram 6"/>
@@ -15459,14 +19079,14 @@
           <p:nvPr>
             <p:extLst>
               <p:ext uri="{D42A27DB-BD31-4B8C-83A1-F6EECF244321}">
-                <p14:modId xmlns:p14="http://schemas.microsoft.com/office/powerpoint/2010/main" val="2829674859"/>
+                <p14:modId xmlns:p14="http://schemas.microsoft.com/office/powerpoint/2010/main" val="3075812388"/>
               </p:ext>
             </p:extLst>
           </p:nvPr>
         </p:nvGraphicFramePr>
         <p:xfrm>
-          <a:off x="899592" y="1268760"/>
-          <a:ext cx="7488832" cy="4896544"/>
+          <a:off x="611560" y="1159547"/>
+          <a:ext cx="7920880" cy="5447235"/>
         </p:xfrm>
         <a:graphic>
           <a:graphicData uri="http://schemas.openxmlformats.org/drawingml/2006/diagram">
@@ -15592,7 +19212,7 @@
                   </a:outerShdw>
                 </a:effectLst>
               </a:rPr>
-              <a:t>7. </a:t>
+              <a:t>   </a:t>
             </a:r>
             <a:r>
               <a:rPr lang="es-CO" sz="2200" b="1" i="1" dirty="0" smtClean="0">
@@ -15607,7 +19227,7 @@
                   </a:outerShdw>
                 </a:effectLst>
               </a:rPr>
-              <a:t>ESTRATEGIA DE IMPLEMENTACIÓN</a:t>
+              <a:t>ACTIVIDADES PRINCIPALES DE IMPLEMENTACIÓN</a:t>
             </a:r>
             <a:endParaRPr lang="es-ES" sz="2000" b="1" i="1" dirty="0">
               <a:solidFill>
@@ -15627,7 +19247,7 @@
     </p:spTree>
     <p:extLst>
       <p:ext uri="{BB962C8B-B14F-4D97-AF65-F5344CB8AC3E}">
-        <p14:creationId xmlns:p14="http://schemas.microsoft.com/office/powerpoint/2010/main" val="3834244802"/>
+        <p14:creationId xmlns:p14="http://schemas.microsoft.com/office/powerpoint/2010/main" val="3582321182"/>
       </p:ext>
     </p:extLst>
   </p:cSld>
@@ -15644,7 +19264,7 @@
 </p:sld>
 </file>
 
-<file path=ppt/slides/slide11.xml><?xml version="1.0" encoding="utf-8"?>
+<file path=ppt/slides/slide12.xml><?xml version="1.0" encoding="utf-8"?>
 <p:sld xmlns:a="http://schemas.openxmlformats.org/drawingml/2006/main" xmlns:r="http://schemas.openxmlformats.org/officeDocument/2006/relationships" xmlns:p="http://schemas.openxmlformats.org/presentationml/2006/main">
   <p:cSld>
     <p:spTree>
@@ -15883,7 +19503,7 @@
 </p:sld>
 </file>
 
-<file path=ppt/slides/slide12.xml><?xml version="1.0" encoding="utf-8"?>
+<file path=ppt/slides/slide13.xml><?xml version="1.0" encoding="utf-8"?>
 <p:sld xmlns:a="http://schemas.openxmlformats.org/drawingml/2006/main" xmlns:r="http://schemas.openxmlformats.org/officeDocument/2006/relationships" xmlns:p="http://schemas.openxmlformats.org/presentationml/2006/main">
   <p:cSld>
     <p:spTree>
@@ -16134,7 +19754,7 @@
 </p:sld>
 </file>
 
-<file path=ppt/slides/slide13.xml><?xml version="1.0" encoding="utf-8"?>
+<file path=ppt/slides/slide14.xml><?xml version="1.0" encoding="utf-8"?>
 <p:sld xmlns:a="http://schemas.openxmlformats.org/drawingml/2006/main" xmlns:r="http://schemas.openxmlformats.org/officeDocument/2006/relationships" xmlns:p="http://schemas.openxmlformats.org/presentationml/2006/main">
   <p:cSld>
     <p:bg>
@@ -17937,12 +21557,12 @@
                         </a:spcAft>
                       </a:pPr>
                       <a:r>
-                        <a:rPr lang="es-ES_tradnl" sz="1000">
+                        <a:rPr lang="es-ES_tradnl" sz="1000" dirty="0">
                           <a:effectLst/>
                         </a:rPr>
                         <a:t>SIN-01-03-2016-521348572</a:t>
                       </a:r>
-                      <a:endParaRPr lang="en-US" sz="1000">
+                      <a:endParaRPr lang="en-US" sz="1000" dirty="0">
                         <a:effectLst/>
                         <a:latin typeface="Abadi MT Condensed Light"/>
                         <a:ea typeface="Calibri"/>
@@ -18363,7 +21983,7 @@
 </p:sld>
 </file>
 
-<file path=ppt/slides/slide14.xml><?xml version="1.0" encoding="utf-8"?>
+<file path=ppt/slides/slide15.xml><?xml version="1.0" encoding="utf-8"?>
 <p:sld xmlns:a="http://schemas.openxmlformats.org/drawingml/2006/main" xmlns:r="http://schemas.openxmlformats.org/officeDocument/2006/relationships" xmlns:p="http://schemas.openxmlformats.org/presentationml/2006/main">
   <p:cSld>
     <p:spTree>
@@ -18592,7 +22212,7 @@
 </p:sld>
 </file>
 
-<file path=ppt/slides/slide15.xml><?xml version="1.0" encoding="utf-8"?>
+<file path=ppt/slides/slide16.xml><?xml version="1.0" encoding="utf-8"?>
 <p:sld xmlns:a="http://schemas.openxmlformats.org/drawingml/2006/main" xmlns:r="http://schemas.openxmlformats.org/officeDocument/2006/relationships" xmlns:p="http://schemas.openxmlformats.org/presentationml/2006/main">
   <p:cSld>
     <p:spTree>
@@ -19662,7 +23282,7 @@
 </p:sld>
 </file>
 
-<file path=ppt/slides/slide16.xml><?xml version="1.0" encoding="utf-8"?>
+<file path=ppt/slides/slide17.xml><?xml version="1.0" encoding="utf-8"?>
 <p:sld xmlns:a="http://schemas.openxmlformats.org/drawingml/2006/main" xmlns:r="http://schemas.openxmlformats.org/officeDocument/2006/relationships" xmlns:p="http://schemas.openxmlformats.org/presentationml/2006/main">
   <p:cSld>
     <p:spTree>
@@ -22575,7 +26195,7 @@
 </p:sld>
 </file>
 
-<file path=ppt/slides/slide17.xml><?xml version="1.0" encoding="utf-8"?>
+<file path=ppt/slides/slide18.xml><?xml version="1.0" encoding="utf-8"?>
 <p:sld xmlns:a="http://schemas.openxmlformats.org/drawingml/2006/main" xmlns:r="http://schemas.openxmlformats.org/officeDocument/2006/relationships" xmlns:p="http://schemas.openxmlformats.org/presentationml/2006/main">
   <p:cSld>
     <p:spTree>
@@ -22800,7 +26420,7 @@
 </p:sld>
 </file>
 
-<file path=ppt/slides/slide18.xml><?xml version="1.0" encoding="utf-8"?>
+<file path=ppt/slides/slide19.xml><?xml version="1.0" encoding="utf-8"?>
 <p:sld xmlns:a="http://schemas.openxmlformats.org/drawingml/2006/main" xmlns:r="http://schemas.openxmlformats.org/officeDocument/2006/relationships" xmlns:p="http://schemas.openxmlformats.org/presentationml/2006/main">
   <p:cSld>
     <p:spTree>
@@ -23017,234 +26637,6 @@
     <p:extLst>
       <p:ext uri="{BB962C8B-B14F-4D97-AF65-F5344CB8AC3E}">
         <p14:creationId xmlns:p14="http://schemas.microsoft.com/office/powerpoint/2010/main" val="1101465350"/>
-      </p:ext>
-    </p:extLst>
-  </p:cSld>
-  <p:clrMapOvr>
-    <a:masterClrMapping/>
-  </p:clrMapOvr>
-  <p:timing>
-    <p:tnLst>
-      <p:par>
-        <p:cTn id="1" dur="indefinite" restart="never" nodeType="tmRoot"/>
-      </p:par>
-    </p:tnLst>
-  </p:timing>
-</p:sld>
-</file>
-
-<file path=ppt/slides/slide19.xml><?xml version="1.0" encoding="utf-8"?>
-<p:sld xmlns:a="http://schemas.openxmlformats.org/drawingml/2006/main" xmlns:r="http://schemas.openxmlformats.org/officeDocument/2006/relationships" xmlns:p="http://schemas.openxmlformats.org/presentationml/2006/main">
-  <p:cSld>
-    <p:spTree>
-      <p:nvGrpSpPr>
-        <p:cNvPr id="1" name=""/>
-        <p:cNvGrpSpPr/>
-        <p:nvPr/>
-      </p:nvGrpSpPr>
-      <p:grpSpPr>
-        <a:xfrm>
-          <a:off x="0" y="0"/>
-          <a:ext cx="0" cy="0"/>
-          <a:chOff x="0" y="0"/>
-          <a:chExt cx="0" cy="0"/>
-        </a:xfrm>
-      </p:grpSpPr>
-      <p:pic>
-        <p:nvPicPr>
-          <p:cNvPr id="5" name="Picture 2" descr="Resultado de imagen de online business school"/>
-          <p:cNvPicPr>
-            <a:picLocks noChangeAspect="1" noChangeArrowheads="1"/>
-          </p:cNvPicPr>
-          <p:nvPr/>
-        </p:nvPicPr>
-        <p:blipFill>
-          <a:blip r:embed="rId2" cstate="print">
-            <a:extLst>
-              <a:ext uri="{28A0092B-C50C-407E-A947-70E740481C1C}">
-                <a14:useLocalDpi xmlns:a14="http://schemas.microsoft.com/office/drawing/2010/main" val="0"/>
-              </a:ext>
-            </a:extLst>
-          </a:blip>
-          <a:srcRect/>
-          <a:stretch>
-            <a:fillRect/>
-          </a:stretch>
-        </p:blipFill>
-        <p:spPr bwMode="auto">
-          <a:xfrm>
-            <a:off x="251520" y="188640"/>
-            <a:ext cx="1340768" cy="243776"/>
-          </a:xfrm>
-          <a:prstGeom prst="rect">
-            <a:avLst/>
-          </a:prstGeom>
-          <a:noFill/>
-          <a:extLst>
-            <a:ext uri="{909E8E84-426E-40DD-AFC4-6F175D3DCCD1}">
-              <a14:hiddenFill xmlns:a14="http://schemas.microsoft.com/office/drawing/2010/main">
-                <a:solidFill>
-                  <a:srgbClr val="FFFFFF"/>
-                </a:solidFill>
-              </a14:hiddenFill>
-            </a:ext>
-          </a:extLst>
-        </p:spPr>
-      </p:pic>
-      <p:pic>
-        <p:nvPicPr>
-          <p:cNvPr id="6" name="Picture 4" descr="Resultado de imagen de universitat barcelona"/>
-          <p:cNvPicPr>
-            <a:picLocks noChangeAspect="1" noChangeArrowheads="1"/>
-          </p:cNvPicPr>
-          <p:nvPr/>
-        </p:nvPicPr>
-        <p:blipFill>
-          <a:blip r:embed="rId3" cstate="print">
-            <a:extLst>
-              <a:ext uri="{28A0092B-C50C-407E-A947-70E740481C1C}">
-                <a14:useLocalDpi xmlns:a14="http://schemas.microsoft.com/office/drawing/2010/main" val="0"/>
-              </a:ext>
-            </a:extLst>
-          </a:blip>
-          <a:srcRect/>
-          <a:stretch>
-            <a:fillRect/>
-          </a:stretch>
-        </p:blipFill>
-        <p:spPr bwMode="auto">
-          <a:xfrm>
-            <a:off x="7596336" y="135234"/>
-            <a:ext cx="1196871" cy="350587"/>
-          </a:xfrm>
-          <a:prstGeom prst="rect">
-            <a:avLst/>
-          </a:prstGeom>
-          <a:noFill/>
-          <a:extLst>
-            <a:ext uri="{909E8E84-426E-40DD-AFC4-6F175D3DCCD1}">
-              <a14:hiddenFill xmlns:a14="http://schemas.microsoft.com/office/drawing/2010/main">
-                <a:solidFill>
-                  <a:srgbClr val="FFFFFF"/>
-                </a:solidFill>
-              </a14:hiddenFill>
-            </a:ext>
-          </a:extLst>
-        </p:spPr>
-      </p:pic>
-      <mc:AlternateContent xmlns:mc="http://schemas.openxmlformats.org/markup-compatibility/2006" xmlns:a14="http://schemas.microsoft.com/office/drawing/2010/main">
-        <mc:Choice Requires="a14">
-          <p:sp>
-            <p:nvSpPr>
-              <p:cNvPr id="2" name="Rectángulo 1"/>
-              <p:cNvSpPr/>
-              <p:nvPr/>
-            </p:nvSpPr>
-            <p:spPr>
-              <a:xfrm>
-                <a:off x="2843808" y="2924944"/>
-                <a:ext cx="3498073" cy="830997"/>
-              </a:xfrm>
-              <a:prstGeom prst="rect">
-                <a:avLst/>
-              </a:prstGeom>
-            </p:spPr>
-            <p:txBody>
-              <a:bodyPr wrap="none">
-                <a:spAutoFit/>
-              </a:bodyPr>
-              <a:lstStyle/>
-              <a:p>
-                <a14:m>
-                  <m:oMath xmlns:m="http://schemas.openxmlformats.org/officeDocument/2006/math">
-                    <m:r>
-                      <a:rPr lang="es-CO" sz="4800" b="0" i="0" smtClean="0">
-                        <a:solidFill>
-                          <a:schemeClr val="tx2"/>
-                        </a:solidFill>
-                        <a:effectLst/>
-                        <a:latin typeface="Cambria Math" panose="02040503050406030204" pitchFamily="18" charset="0"/>
-                        <a:ea typeface="+mj-ea"/>
-                        <a:cs typeface="+mj-cs"/>
-                      </a:rPr>
-                      <m:t>¿</m:t>
-                    </m:r>
-                    <m:r>
-                      <m:rPr>
-                        <m:sty m:val="p"/>
-                      </m:rPr>
-                      <a:rPr lang="es-CO" sz="4800" b="0" i="0" smtClean="0">
-                        <a:solidFill>
-                          <a:schemeClr val="tx2"/>
-                        </a:solidFill>
-                        <a:effectLst/>
-                        <a:latin typeface="Cambria Math" panose="02040503050406030204" pitchFamily="18" charset="0"/>
-                        <a:ea typeface="+mj-ea"/>
-                        <a:cs typeface="+mj-cs"/>
-                      </a:rPr>
-                      <m:t>Preguntas</m:t>
-                    </m:r>
-                  </m:oMath>
-                </a14:m>
-                <a:r>
-                  <a:rPr lang="es-CO" sz="4800" dirty="0">
-                    <a:solidFill>
-                      <a:schemeClr val="tx2"/>
-                    </a:solidFill>
-                    <a:effectLst/>
-                    <a:latin typeface="+mj-lt"/>
-                    <a:ea typeface="+mj-ea"/>
-                    <a:cs typeface="+mj-cs"/>
-                  </a:rPr>
-                  <a:t>?</a:t>
-                </a:r>
-              </a:p>
-            </p:txBody>
-          </p:sp>
-        </mc:Choice>
-        <mc:Fallback xmlns="">
-          <p:sp>
-            <p:nvSpPr>
-              <p:cNvPr id="2" name="Rectángulo 1"/>
-              <p:cNvSpPr>
-                <a:spLocks noRot="1" noChangeAspect="1" noMove="1" noResize="1" noEditPoints="1" noAdjustHandles="1" noChangeArrowheads="1" noChangeShapeType="1" noTextEdit="1"/>
-              </p:cNvSpPr>
-              <p:nvPr/>
-            </p:nvSpPr>
-            <p:spPr>
-              <a:xfrm>
-                <a:off x="2843808" y="2924944"/>
-                <a:ext cx="3498073" cy="830997"/>
-              </a:xfrm>
-              <a:prstGeom prst="rect">
-                <a:avLst/>
-              </a:prstGeom>
-              <a:blipFill rotWithShape="0">
-                <a:blip r:embed="rId4"/>
-                <a:stretch>
-                  <a:fillRect t="-16176" r="-6981" b="-38971"/>
-                </a:stretch>
-              </a:blipFill>
-            </p:spPr>
-            <p:txBody>
-              <a:bodyPr/>
-              <a:lstStyle/>
-              <a:p>
-                <a:r>
-                  <a:rPr lang="es-CO">
-                    <a:noFill/>
-                  </a:rPr>
-                  <a:t> </a:t>
-                </a:r>
-              </a:p>
-            </p:txBody>
-          </p:sp>
-        </mc:Fallback>
-      </mc:AlternateContent>
-    </p:spTree>
-    <p:extLst>
-      <p:ext uri="{BB962C8B-B14F-4D97-AF65-F5344CB8AC3E}">
-        <p14:creationId xmlns:p14="http://schemas.microsoft.com/office/powerpoint/2010/main" val="1334582550"/>
       </p:ext>
     </p:extLst>
   </p:cSld>
@@ -23637,6 +27029,234 @@
     <p:extLst>
       <p:ext uri="{BB962C8B-B14F-4D97-AF65-F5344CB8AC3E}">
         <p14:creationId xmlns:p14="http://schemas.microsoft.com/office/powerpoint/2010/main" val="773428019"/>
+      </p:ext>
+    </p:extLst>
+  </p:cSld>
+  <p:clrMapOvr>
+    <a:masterClrMapping/>
+  </p:clrMapOvr>
+  <p:timing>
+    <p:tnLst>
+      <p:par>
+        <p:cTn id="1" dur="indefinite" restart="never" nodeType="tmRoot"/>
+      </p:par>
+    </p:tnLst>
+  </p:timing>
+</p:sld>
+</file>
+
+<file path=ppt/slides/slide20.xml><?xml version="1.0" encoding="utf-8"?>
+<p:sld xmlns:a="http://schemas.openxmlformats.org/drawingml/2006/main" xmlns:r="http://schemas.openxmlformats.org/officeDocument/2006/relationships" xmlns:p="http://schemas.openxmlformats.org/presentationml/2006/main">
+  <p:cSld>
+    <p:spTree>
+      <p:nvGrpSpPr>
+        <p:cNvPr id="1" name=""/>
+        <p:cNvGrpSpPr/>
+        <p:nvPr/>
+      </p:nvGrpSpPr>
+      <p:grpSpPr>
+        <a:xfrm>
+          <a:off x="0" y="0"/>
+          <a:ext cx="0" cy="0"/>
+          <a:chOff x="0" y="0"/>
+          <a:chExt cx="0" cy="0"/>
+        </a:xfrm>
+      </p:grpSpPr>
+      <p:pic>
+        <p:nvPicPr>
+          <p:cNvPr id="5" name="Picture 2" descr="Resultado de imagen de online business school"/>
+          <p:cNvPicPr>
+            <a:picLocks noChangeAspect="1" noChangeArrowheads="1"/>
+          </p:cNvPicPr>
+          <p:nvPr/>
+        </p:nvPicPr>
+        <p:blipFill>
+          <a:blip r:embed="rId2" cstate="print">
+            <a:extLst>
+              <a:ext uri="{28A0092B-C50C-407E-A947-70E740481C1C}">
+                <a14:useLocalDpi xmlns:a14="http://schemas.microsoft.com/office/drawing/2010/main" val="0"/>
+              </a:ext>
+            </a:extLst>
+          </a:blip>
+          <a:srcRect/>
+          <a:stretch>
+            <a:fillRect/>
+          </a:stretch>
+        </p:blipFill>
+        <p:spPr bwMode="auto">
+          <a:xfrm>
+            <a:off x="251520" y="188640"/>
+            <a:ext cx="1340768" cy="243776"/>
+          </a:xfrm>
+          <a:prstGeom prst="rect">
+            <a:avLst/>
+          </a:prstGeom>
+          <a:noFill/>
+          <a:extLst>
+            <a:ext uri="{909E8E84-426E-40DD-AFC4-6F175D3DCCD1}">
+              <a14:hiddenFill xmlns:a14="http://schemas.microsoft.com/office/drawing/2010/main">
+                <a:solidFill>
+                  <a:srgbClr val="FFFFFF"/>
+                </a:solidFill>
+              </a14:hiddenFill>
+            </a:ext>
+          </a:extLst>
+        </p:spPr>
+      </p:pic>
+      <p:pic>
+        <p:nvPicPr>
+          <p:cNvPr id="6" name="Picture 4" descr="Resultado de imagen de universitat barcelona"/>
+          <p:cNvPicPr>
+            <a:picLocks noChangeAspect="1" noChangeArrowheads="1"/>
+          </p:cNvPicPr>
+          <p:nvPr/>
+        </p:nvPicPr>
+        <p:blipFill>
+          <a:blip r:embed="rId3" cstate="print">
+            <a:extLst>
+              <a:ext uri="{28A0092B-C50C-407E-A947-70E740481C1C}">
+                <a14:useLocalDpi xmlns:a14="http://schemas.microsoft.com/office/drawing/2010/main" val="0"/>
+              </a:ext>
+            </a:extLst>
+          </a:blip>
+          <a:srcRect/>
+          <a:stretch>
+            <a:fillRect/>
+          </a:stretch>
+        </p:blipFill>
+        <p:spPr bwMode="auto">
+          <a:xfrm>
+            <a:off x="7596336" y="135234"/>
+            <a:ext cx="1196871" cy="350587"/>
+          </a:xfrm>
+          <a:prstGeom prst="rect">
+            <a:avLst/>
+          </a:prstGeom>
+          <a:noFill/>
+          <a:extLst>
+            <a:ext uri="{909E8E84-426E-40DD-AFC4-6F175D3DCCD1}">
+              <a14:hiddenFill xmlns:a14="http://schemas.microsoft.com/office/drawing/2010/main">
+                <a:solidFill>
+                  <a:srgbClr val="FFFFFF"/>
+                </a:solidFill>
+              </a14:hiddenFill>
+            </a:ext>
+          </a:extLst>
+        </p:spPr>
+      </p:pic>
+      <mc:AlternateContent xmlns:mc="http://schemas.openxmlformats.org/markup-compatibility/2006" xmlns:a14="http://schemas.microsoft.com/office/drawing/2010/main">
+        <mc:Choice Requires="a14">
+          <p:sp>
+            <p:nvSpPr>
+              <p:cNvPr id="2" name="Rectángulo 1"/>
+              <p:cNvSpPr/>
+              <p:nvPr/>
+            </p:nvSpPr>
+            <p:spPr>
+              <a:xfrm>
+                <a:off x="2843808" y="2924944"/>
+                <a:ext cx="3498073" cy="830997"/>
+              </a:xfrm>
+              <a:prstGeom prst="rect">
+                <a:avLst/>
+              </a:prstGeom>
+            </p:spPr>
+            <p:txBody>
+              <a:bodyPr wrap="none">
+                <a:spAutoFit/>
+              </a:bodyPr>
+              <a:lstStyle/>
+              <a:p>
+                <a14:m>
+                  <m:oMath xmlns:m="http://schemas.openxmlformats.org/officeDocument/2006/math">
+                    <m:r>
+                      <a:rPr lang="es-CO" sz="4800" b="0" i="0" smtClean="0">
+                        <a:solidFill>
+                          <a:schemeClr val="tx2"/>
+                        </a:solidFill>
+                        <a:effectLst/>
+                        <a:latin typeface="Cambria Math" panose="02040503050406030204" pitchFamily="18" charset="0"/>
+                        <a:ea typeface="+mj-ea"/>
+                        <a:cs typeface="+mj-cs"/>
+                      </a:rPr>
+                      <m:t>¿</m:t>
+                    </m:r>
+                    <m:r>
+                      <m:rPr>
+                        <m:sty m:val="p"/>
+                      </m:rPr>
+                      <a:rPr lang="es-CO" sz="4800" b="0" i="0" smtClean="0">
+                        <a:solidFill>
+                          <a:schemeClr val="tx2"/>
+                        </a:solidFill>
+                        <a:effectLst/>
+                        <a:latin typeface="Cambria Math" panose="02040503050406030204" pitchFamily="18" charset="0"/>
+                        <a:ea typeface="+mj-ea"/>
+                        <a:cs typeface="+mj-cs"/>
+                      </a:rPr>
+                      <m:t>Preguntas</m:t>
+                    </m:r>
+                  </m:oMath>
+                </a14:m>
+                <a:r>
+                  <a:rPr lang="es-CO" sz="4800" dirty="0">
+                    <a:solidFill>
+                      <a:schemeClr val="tx2"/>
+                    </a:solidFill>
+                    <a:effectLst/>
+                    <a:latin typeface="+mj-lt"/>
+                    <a:ea typeface="+mj-ea"/>
+                    <a:cs typeface="+mj-cs"/>
+                  </a:rPr>
+                  <a:t>?</a:t>
+                </a:r>
+              </a:p>
+            </p:txBody>
+          </p:sp>
+        </mc:Choice>
+        <mc:Fallback xmlns="">
+          <p:sp>
+            <p:nvSpPr>
+              <p:cNvPr id="2" name="Rectángulo 1"/>
+              <p:cNvSpPr>
+                <a:spLocks noRot="1" noChangeAspect="1" noMove="1" noResize="1" noEditPoints="1" noAdjustHandles="1" noChangeArrowheads="1" noChangeShapeType="1" noTextEdit="1"/>
+              </p:cNvSpPr>
+              <p:nvPr/>
+            </p:nvSpPr>
+            <p:spPr>
+              <a:xfrm>
+                <a:off x="2843808" y="2924944"/>
+                <a:ext cx="3498073" cy="830997"/>
+              </a:xfrm>
+              <a:prstGeom prst="rect">
+                <a:avLst/>
+              </a:prstGeom>
+              <a:blipFill rotWithShape="0">
+                <a:blip r:embed="rId4"/>
+                <a:stretch>
+                  <a:fillRect t="-16176" r="-6981" b="-38971"/>
+                </a:stretch>
+              </a:blipFill>
+            </p:spPr>
+            <p:txBody>
+              <a:bodyPr/>
+              <a:lstStyle/>
+              <a:p>
+                <a:r>
+                  <a:rPr lang="es-CO">
+                    <a:noFill/>
+                  </a:rPr>
+                  <a:t> </a:t>
+                </a:r>
+              </a:p>
+            </p:txBody>
+          </p:sp>
+        </mc:Fallback>
+      </mc:AlternateContent>
+    </p:spTree>
+    <p:extLst>
+      <p:ext uri="{BB962C8B-B14F-4D97-AF65-F5344CB8AC3E}">
+        <p14:creationId xmlns:p14="http://schemas.microsoft.com/office/powerpoint/2010/main" val="1334582550"/>
       </p:ext>
     </p:extLst>
   </p:cSld>
@@ -24090,13 +27710,13 @@
           <p:nvPr>
             <p:extLst>
               <p:ext uri="{D42A27DB-BD31-4B8C-83A1-F6EECF244321}">
-                <p14:modId xmlns:p14="http://schemas.microsoft.com/office/powerpoint/2010/main" val="368348162"/>
+                <p14:modId xmlns:p14="http://schemas.microsoft.com/office/powerpoint/2010/main" val="260767834"/>
               </p:ext>
             </p:extLst>
           </p:nvPr>
         </p:nvGraphicFramePr>
         <p:xfrm>
-          <a:off x="179512" y="980728"/>
+          <a:off x="179512" y="1026328"/>
           <a:ext cx="8858280" cy="5715040"/>
         </p:xfrm>
         <a:graphic>
@@ -26028,6 +29648,13 @@
   <p:clrMapOvr>
     <a:masterClrMapping/>
   </p:clrMapOvr>
+  <p:timing>
+    <p:tnLst>
+      <p:par>
+        <p:cTn id="1" dur="indefinite" restart="never" nodeType="tmRoot"/>
+      </p:par>
+    </p:tnLst>
+  </p:timing>
 </p:sld>
 </file>
 
@@ -26229,30 +29856,6 @@
           </a:p>
         </p:txBody>
       </p:sp>
-      <p:pic>
-        <p:nvPicPr>
-          <p:cNvPr id="3" name="Imagen 2"/>
-          <p:cNvPicPr>
-            <a:picLocks noChangeAspect="1"/>
-          </p:cNvPicPr>
-          <p:nvPr/>
-        </p:nvPicPr>
-        <p:blipFill>
-          <a:blip r:embed="rId4"/>
-          <a:stretch>
-            <a:fillRect/>
-          </a:stretch>
-        </p:blipFill>
-        <p:spPr>
-          <a:xfrm>
-            <a:off x="241696" y="1159547"/>
-            <a:ext cx="8618953" cy="5005757"/>
-          </a:xfrm>
-          <a:prstGeom prst="rect">
-            <a:avLst/>
-          </a:prstGeom>
-        </p:spPr>
-      </p:pic>
       <p:sp>
         <p:nvSpPr>
           <p:cNvPr id="4" name="CuadroTexto 3"/>
@@ -26261,8 +29864,8 @@
         </p:nvSpPr>
         <p:spPr>
           <a:xfrm>
-            <a:off x="263096" y="6261093"/>
-            <a:ext cx="2818785" cy="276999"/>
+            <a:off x="93464" y="6326051"/>
+            <a:ext cx="1355564" cy="276999"/>
           </a:xfrm>
           <a:prstGeom prst="rect">
             <a:avLst/>
@@ -26277,16 +29880,46 @@
           <a:p>
             <a:r>
               <a:rPr lang="es-CO" sz="1200" dirty="0" smtClean="0"/>
-              <a:t>Ver: EDT a detalle y cronograma a detalle  </a:t>
+              <a:t>Ver: EDT a detalle  </a:t>
             </a:r>
             <a:endParaRPr lang="es-CO" sz="1200" dirty="0"/>
           </a:p>
         </p:txBody>
       </p:sp>
+      <p:pic>
+        <p:nvPicPr>
+          <p:cNvPr id="3" name="Imagen 2"/>
+          <p:cNvPicPr>
+            <a:picLocks noChangeAspect="1"/>
+          </p:cNvPicPr>
+          <p:nvPr/>
+        </p:nvPicPr>
+        <p:blipFill>
+          <a:blip r:embed="rId4">
+            <a:extLst>
+              <a:ext uri="{28A0092B-C50C-407E-A947-70E740481C1C}">
+                <a14:useLocalDpi xmlns:a14="http://schemas.microsoft.com/office/drawing/2010/main" val="0"/>
+              </a:ext>
+            </a:extLst>
+          </a:blip>
+          <a:stretch>
+            <a:fillRect/>
+          </a:stretch>
+        </p:blipFill>
+        <p:spPr>
+          <a:xfrm>
+            <a:off x="0" y="1071796"/>
+            <a:ext cx="9144000" cy="5093508"/>
+          </a:xfrm>
+          <a:prstGeom prst="rect">
+            <a:avLst/>
+          </a:prstGeom>
+        </p:spPr>
+      </p:pic>
     </p:spTree>
     <p:extLst>
       <p:ext uri="{BB962C8B-B14F-4D97-AF65-F5344CB8AC3E}">
-        <p14:creationId xmlns:p14="http://schemas.microsoft.com/office/powerpoint/2010/main" val="626424096"/>
+        <p14:creationId xmlns:p14="http://schemas.microsoft.com/office/powerpoint/2010/main" val="318952350"/>
       </p:ext>
     </p:extLst>
   </p:cSld>

--- a/PresentacionTFM.pptx
+++ b/PresentacionTFM.pptx
@@ -5,27 +5,28 @@
     <p:sldMasterId id="2147483648" r:id="rId1"/>
   </p:sldMasterIdLst>
   <p:notesMasterIdLst>
-    <p:notesMasterId r:id="rId20"/>
+    <p:notesMasterId r:id="rId21"/>
   </p:notesMasterIdLst>
   <p:sldIdLst>
     <p:sldId id="256" r:id="rId2"/>
-    <p:sldId id="277" r:id="rId3"/>
-    <p:sldId id="258" r:id="rId4"/>
-    <p:sldId id="278" r:id="rId5"/>
+    <p:sldId id="281" r:id="rId3"/>
+    <p:sldId id="277" r:id="rId4"/>
+    <p:sldId id="258" r:id="rId5"/>
     <p:sldId id="271" r:id="rId6"/>
     <p:sldId id="272" r:id="rId7"/>
-    <p:sldId id="262" r:id="rId8"/>
-    <p:sldId id="270" r:id="rId9"/>
-    <p:sldId id="269" r:id="rId10"/>
-    <p:sldId id="268" r:id="rId11"/>
-    <p:sldId id="261" r:id="rId12"/>
-    <p:sldId id="263" r:id="rId13"/>
-    <p:sldId id="264" r:id="rId14"/>
-    <p:sldId id="273" r:id="rId15"/>
-    <p:sldId id="274" r:id="rId16"/>
-    <p:sldId id="275" r:id="rId17"/>
-    <p:sldId id="279" r:id="rId18"/>
-    <p:sldId id="276" r:id="rId19"/>
+    <p:sldId id="280" r:id="rId8"/>
+    <p:sldId id="262" r:id="rId9"/>
+    <p:sldId id="270" r:id="rId10"/>
+    <p:sldId id="269" r:id="rId11"/>
+    <p:sldId id="268" r:id="rId12"/>
+    <p:sldId id="261" r:id="rId13"/>
+    <p:sldId id="263" r:id="rId14"/>
+    <p:sldId id="264" r:id="rId15"/>
+    <p:sldId id="273" r:id="rId16"/>
+    <p:sldId id="274" r:id="rId17"/>
+    <p:sldId id="275" r:id="rId18"/>
+    <p:sldId id="279" r:id="rId19"/>
+    <p:sldId id="276" r:id="rId20"/>
   </p:sldIdLst>
   <p:sldSz cx="9144000" cy="6858000" type="screen4x3"/>
   <p:notesSz cx="6858000" cy="9144000"/>
@@ -158,6 +159,7 @@
   </mc:AlternateContent>
   <c:chart>
     <c:title>
+      <c:layout/>
       <c:overlay val="0"/>
     </c:title>
     <c:autoTitleDeleted val="0"/>
@@ -353,7 +355,7 @@
                   <c:v>1.2</c:v>
                 </c:pt>
                 <c:pt idx="1">
-                  <c:v>2.0</c:v>
+                  <c:v>2</c:v>
                 </c:pt>
                 <c:pt idx="2">
                   <c:v>1.5</c:v>
@@ -362,7 +364,7 @@
                   <c:v>1.3</c:v>
                 </c:pt>
                 <c:pt idx="4">
-                  <c:v>1.1</c:v>
+                  <c:v>1.1000000000000001</c:v>
                 </c:pt>
                 <c:pt idx="5">
                   <c:v>1.4</c:v>
@@ -371,7 +373,7 @@
                   <c:v>1.05</c:v>
                 </c:pt>
                 <c:pt idx="7">
-                  <c:v>1.15</c:v>
+                  <c:v>1.1499999999999999</c:v>
                 </c:pt>
               </c:numCache>
             </c:numRef>
@@ -391,11 +393,11 @@
           <c:showBubbleSize val="0"/>
         </c:dLbls>
         <c:gapWidth val="150"/>
-        <c:axId val="1787012048"/>
-        <c:axId val="1787281776"/>
+        <c:axId val="388201216"/>
+        <c:axId val="388204352"/>
       </c:barChart>
       <c:catAx>
-        <c:axId val="1787012048"/>
+        <c:axId val="388201216"/>
         <c:scaling>
           <c:orientation val="minMax"/>
         </c:scaling>
@@ -405,7 +407,7 @@
         <c:majorTickMark val="none"/>
         <c:minorTickMark val="none"/>
         <c:tickLblPos val="nextTo"/>
-        <c:crossAx val="1787281776"/>
+        <c:crossAx val="388204352"/>
         <c:crosses val="autoZero"/>
         <c:auto val="1"/>
         <c:lblAlgn val="ctr"/>
@@ -413,7 +415,7 @@
         <c:noMultiLvlLbl val="0"/>
       </c:catAx>
       <c:valAx>
-        <c:axId val="1787281776"/>
+        <c:axId val="388204352"/>
         <c:scaling>
           <c:orientation val="minMax"/>
         </c:scaling>
@@ -421,13 +423,14 @@
         <c:axPos val="b"/>
         <c:majorGridlines/>
         <c:title>
+          <c:layout/>
           <c:overlay val="0"/>
         </c:title>
         <c:numFmt formatCode="0%" sourceLinked="1"/>
         <c:majorTickMark val="none"/>
         <c:minorTickMark val="none"/>
         <c:tickLblPos val="nextTo"/>
-        <c:crossAx val="1787012048"/>
+        <c:crossAx val="388201216"/>
         <c:crosses val="autoZero"/>
         <c:crossBetween val="between"/>
       </c:valAx>
@@ -443,7 +446,7 @@
       <a:pPr>
         <a:defRPr sz="800"/>
       </a:pPr>
-      <a:endParaRPr lang="es-ES_tradnl"/>
+      <a:endParaRPr lang="es-CO"/>
     </a:p>
   </c:txPr>
   <c:externalData r:id="rId1">
@@ -1204,788 +1207,6 @@
 </file>
 
 <file path=ppt/diagrams/colors2.xml><?xml version="1.0" encoding="utf-8"?>
-<dgm:colorsDef xmlns:dgm="http://schemas.openxmlformats.org/drawingml/2006/diagram" xmlns:a="http://schemas.openxmlformats.org/drawingml/2006/main" uniqueId="urn:microsoft.com/office/officeart/2005/8/colors/colorful2">
-  <dgm:title val=""/>
-  <dgm:desc val=""/>
-  <dgm:catLst>
-    <dgm:cat type="colorful" pri="10200"/>
-  </dgm:catLst>
-  <dgm:styleLbl name="node0">
-    <dgm:fillClrLst meth="repeat">
-      <a:schemeClr val="accent1"/>
-    </dgm:fillClrLst>
-    <dgm:linClrLst meth="repeat">
-      <a:schemeClr val="lt1"/>
-    </dgm:linClrLst>
-    <dgm:effectClrLst/>
-    <dgm:txLinClrLst/>
-    <dgm:txFillClrLst/>
-    <dgm:txEffectClrLst/>
-  </dgm:styleLbl>
-  <dgm:styleLbl name="node1">
-    <dgm:fillClrLst>
-      <a:schemeClr val="accent2"/>
-      <a:schemeClr val="accent3"/>
-    </dgm:fillClrLst>
-    <dgm:linClrLst meth="repeat">
-      <a:schemeClr val="lt1"/>
-    </dgm:linClrLst>
-    <dgm:effectClrLst/>
-    <dgm:txLinClrLst/>
-    <dgm:txFillClrLst/>
-    <dgm:txEffectClrLst/>
-  </dgm:styleLbl>
-  <dgm:styleLbl name="alignNode1">
-    <dgm:fillClrLst>
-      <a:schemeClr val="accent2"/>
-      <a:schemeClr val="accent3"/>
-    </dgm:fillClrLst>
-    <dgm:linClrLst>
-      <a:schemeClr val="accent2"/>
-      <a:schemeClr val="accent3"/>
-    </dgm:linClrLst>
-    <dgm:effectClrLst/>
-    <dgm:txLinClrLst/>
-    <dgm:txFillClrLst/>
-    <dgm:txEffectClrLst/>
-  </dgm:styleLbl>
-  <dgm:styleLbl name="lnNode1">
-    <dgm:fillClrLst>
-      <a:schemeClr val="accent2"/>
-      <a:schemeClr val="accent3"/>
-    </dgm:fillClrLst>
-    <dgm:linClrLst meth="repeat">
-      <a:schemeClr val="lt1"/>
-    </dgm:linClrLst>
-    <dgm:effectClrLst/>
-    <dgm:txLinClrLst/>
-    <dgm:txFillClrLst/>
-    <dgm:txEffectClrLst/>
-  </dgm:styleLbl>
-  <dgm:styleLbl name="vennNode1">
-    <dgm:fillClrLst>
-      <a:schemeClr val="accent2">
-        <a:alpha val="50000"/>
-      </a:schemeClr>
-      <a:schemeClr val="accent3">
-        <a:alpha val="50000"/>
-      </a:schemeClr>
-    </dgm:fillClrLst>
-    <dgm:linClrLst meth="repeat">
-      <a:schemeClr val="lt1"/>
-    </dgm:linClrLst>
-    <dgm:effectClrLst/>
-    <dgm:txLinClrLst/>
-    <dgm:txFillClrLst/>
-    <dgm:txEffectClrLst/>
-  </dgm:styleLbl>
-  <dgm:styleLbl name="node2">
-    <dgm:fillClrLst>
-      <a:schemeClr val="accent3"/>
-    </dgm:fillClrLst>
-    <dgm:linClrLst meth="repeat">
-      <a:schemeClr val="lt1"/>
-    </dgm:linClrLst>
-    <dgm:effectClrLst/>
-    <dgm:txLinClrLst/>
-    <dgm:txFillClrLst/>
-    <dgm:txEffectClrLst/>
-  </dgm:styleLbl>
-  <dgm:styleLbl name="node3">
-    <dgm:fillClrLst>
-      <a:schemeClr val="accent4"/>
-    </dgm:fillClrLst>
-    <dgm:linClrLst meth="repeat">
-      <a:schemeClr val="lt1"/>
-    </dgm:linClrLst>
-    <dgm:effectClrLst/>
-    <dgm:txLinClrLst/>
-    <dgm:txFillClrLst/>
-    <dgm:txEffectClrLst/>
-  </dgm:styleLbl>
-  <dgm:styleLbl name="node4">
-    <dgm:fillClrLst>
-      <a:schemeClr val="accent5"/>
-    </dgm:fillClrLst>
-    <dgm:linClrLst meth="repeat">
-      <a:schemeClr val="lt1"/>
-    </dgm:linClrLst>
-    <dgm:effectClrLst/>
-    <dgm:txLinClrLst/>
-    <dgm:txFillClrLst/>
-    <dgm:txEffectClrLst/>
-  </dgm:styleLbl>
-  <dgm:styleLbl name="fgImgPlace1">
-    <dgm:fillClrLst>
-      <a:schemeClr val="accent2">
-        <a:tint val="50000"/>
-      </a:schemeClr>
-      <a:schemeClr val="accent3">
-        <a:tint val="50000"/>
-      </a:schemeClr>
-    </dgm:fillClrLst>
-    <dgm:linClrLst meth="repeat">
-      <a:schemeClr val="lt1"/>
-    </dgm:linClrLst>
-    <dgm:effectClrLst/>
-    <dgm:txLinClrLst/>
-    <dgm:txFillClrLst meth="repeat">
-      <a:schemeClr val="lt1"/>
-    </dgm:txFillClrLst>
-    <dgm:txEffectClrLst/>
-  </dgm:styleLbl>
-  <dgm:styleLbl name="alignImgPlace1">
-    <dgm:fillClrLst>
-      <a:schemeClr val="accent2">
-        <a:tint val="50000"/>
-      </a:schemeClr>
-      <a:schemeClr val="accent3">
-        <a:tint val="20000"/>
-      </a:schemeClr>
-    </dgm:fillClrLst>
-    <dgm:linClrLst meth="repeat">
-      <a:schemeClr val="lt1"/>
-    </dgm:linClrLst>
-    <dgm:effectClrLst/>
-    <dgm:txLinClrLst/>
-    <dgm:txFillClrLst meth="repeat">
-      <a:schemeClr val="lt1"/>
-    </dgm:txFillClrLst>
-    <dgm:txEffectClrLst/>
-  </dgm:styleLbl>
-  <dgm:styleLbl name="bgImgPlace1">
-    <dgm:fillClrLst>
-      <a:schemeClr val="accent2">
-        <a:tint val="50000"/>
-      </a:schemeClr>
-      <a:schemeClr val="accent3">
-        <a:tint val="20000"/>
-      </a:schemeClr>
-    </dgm:fillClrLst>
-    <dgm:linClrLst meth="repeat">
-      <a:schemeClr val="lt1"/>
-    </dgm:linClrLst>
-    <dgm:effectClrLst/>
-    <dgm:txLinClrLst/>
-    <dgm:txFillClrLst meth="repeat">
-      <a:schemeClr val="lt1"/>
-    </dgm:txFillClrLst>
-    <dgm:txEffectClrLst/>
-  </dgm:styleLbl>
-  <dgm:styleLbl name="sibTrans2D1">
-    <dgm:fillClrLst>
-      <a:schemeClr val="accent2"/>
-      <a:schemeClr val="accent3"/>
-    </dgm:fillClrLst>
-    <dgm:linClrLst meth="repeat">
-      <a:schemeClr val="lt1"/>
-    </dgm:linClrLst>
-    <dgm:effectClrLst/>
-    <dgm:txLinClrLst/>
-    <dgm:txFillClrLst/>
-    <dgm:txEffectClrLst/>
-  </dgm:styleLbl>
-  <dgm:styleLbl name="fgSibTrans2D1">
-    <dgm:fillClrLst>
-      <a:schemeClr val="accent2"/>
-      <a:schemeClr val="accent3"/>
-    </dgm:fillClrLst>
-    <dgm:linClrLst meth="repeat">
-      <a:schemeClr val="lt1"/>
-    </dgm:linClrLst>
-    <dgm:effectClrLst/>
-    <dgm:txLinClrLst/>
-    <dgm:txFillClrLst meth="repeat">
-      <a:schemeClr val="lt1"/>
-    </dgm:txFillClrLst>
-    <dgm:txEffectClrLst/>
-  </dgm:styleLbl>
-  <dgm:styleLbl name="bgSibTrans2D1">
-    <dgm:fillClrLst>
-      <a:schemeClr val="accent2"/>
-      <a:schemeClr val="accent3"/>
-    </dgm:fillClrLst>
-    <dgm:linClrLst meth="repeat">
-      <a:schemeClr val="lt1"/>
-    </dgm:linClrLst>
-    <dgm:effectClrLst/>
-    <dgm:txLinClrLst/>
-    <dgm:txFillClrLst meth="repeat">
-      <a:schemeClr val="lt1"/>
-    </dgm:txFillClrLst>
-    <dgm:txEffectClrLst/>
-  </dgm:styleLbl>
-  <dgm:styleLbl name="sibTrans1D1">
-    <dgm:fillClrLst/>
-    <dgm:linClrLst>
-      <a:schemeClr val="accent2"/>
-      <a:schemeClr val="accent3"/>
-    </dgm:linClrLst>
-    <dgm:effectClrLst/>
-    <dgm:txLinClrLst/>
-    <dgm:txFillClrLst meth="repeat">
-      <a:schemeClr val="tx1"/>
-    </dgm:txFillClrLst>
-    <dgm:txEffectClrLst/>
-  </dgm:styleLbl>
-  <dgm:styleLbl name="callout">
-    <dgm:fillClrLst meth="repeat">
-      <a:schemeClr val="accent2"/>
-    </dgm:fillClrLst>
-    <dgm:linClrLst meth="repeat">
-      <a:schemeClr val="accent2">
-        <a:tint val="50000"/>
-      </a:schemeClr>
-    </dgm:linClrLst>
-    <dgm:effectClrLst/>
-    <dgm:txLinClrLst/>
-    <dgm:txFillClrLst meth="repeat">
-      <a:schemeClr val="tx1"/>
-    </dgm:txFillClrLst>
-    <dgm:txEffectClrLst/>
-  </dgm:styleLbl>
-  <dgm:styleLbl name="asst0">
-    <dgm:fillClrLst meth="repeat">
-      <a:schemeClr val="accent2"/>
-    </dgm:fillClrLst>
-    <dgm:linClrLst meth="repeat">
-      <a:schemeClr val="lt1">
-        <a:shade val="80000"/>
-      </a:schemeClr>
-    </dgm:linClrLst>
-    <dgm:effectClrLst/>
-    <dgm:txLinClrLst/>
-    <dgm:txFillClrLst/>
-    <dgm:txEffectClrLst/>
-  </dgm:styleLbl>
-  <dgm:styleLbl name="asst1">
-    <dgm:fillClrLst meth="repeat">
-      <a:schemeClr val="accent3"/>
-    </dgm:fillClrLst>
-    <dgm:linClrLst meth="repeat">
-      <a:schemeClr val="lt1">
-        <a:shade val="80000"/>
-      </a:schemeClr>
-    </dgm:linClrLst>
-    <dgm:effectClrLst/>
-    <dgm:txLinClrLst/>
-    <dgm:txFillClrLst/>
-    <dgm:txEffectClrLst/>
-  </dgm:styleLbl>
-  <dgm:styleLbl name="asst2">
-    <dgm:fillClrLst>
-      <a:schemeClr val="accent4"/>
-    </dgm:fillClrLst>
-    <dgm:linClrLst meth="repeat">
-      <a:schemeClr val="lt1"/>
-    </dgm:linClrLst>
-    <dgm:effectClrLst/>
-    <dgm:txLinClrLst/>
-    <dgm:txFillClrLst/>
-    <dgm:txEffectClrLst/>
-  </dgm:styleLbl>
-  <dgm:styleLbl name="asst3">
-    <dgm:fillClrLst>
-      <a:schemeClr val="accent5"/>
-    </dgm:fillClrLst>
-    <dgm:linClrLst meth="repeat">
-      <a:schemeClr val="lt1"/>
-    </dgm:linClrLst>
-    <dgm:effectClrLst/>
-    <dgm:txLinClrLst/>
-    <dgm:txFillClrLst/>
-    <dgm:txEffectClrLst/>
-  </dgm:styleLbl>
-  <dgm:styleLbl name="asst4">
-    <dgm:fillClrLst>
-      <a:schemeClr val="accent6"/>
-    </dgm:fillClrLst>
-    <dgm:linClrLst meth="repeat">
-      <a:schemeClr val="lt1"/>
-    </dgm:linClrLst>
-    <dgm:effectClrLst/>
-    <dgm:txLinClrLst/>
-    <dgm:txFillClrLst/>
-    <dgm:txEffectClrLst/>
-  </dgm:styleLbl>
-  <dgm:styleLbl name="parChTrans2D1">
-    <dgm:fillClrLst meth="repeat">
-      <a:schemeClr val="accent2"/>
-    </dgm:fillClrLst>
-    <dgm:linClrLst meth="repeat">
-      <a:schemeClr val="lt1"/>
-    </dgm:linClrLst>
-    <dgm:effectClrLst/>
-    <dgm:txLinClrLst/>
-    <dgm:txFillClrLst meth="repeat">
-      <a:schemeClr val="lt1"/>
-    </dgm:txFillClrLst>
-    <dgm:txEffectClrLst/>
-  </dgm:styleLbl>
-  <dgm:styleLbl name="parChTrans2D2">
-    <dgm:fillClrLst meth="repeat">
-      <a:schemeClr val="accent3"/>
-    </dgm:fillClrLst>
-    <dgm:linClrLst meth="repeat">
-      <a:schemeClr val="lt1"/>
-    </dgm:linClrLst>
-    <dgm:effectClrLst/>
-    <dgm:txLinClrLst/>
-    <dgm:txFillClrLst/>
-    <dgm:txEffectClrLst/>
-  </dgm:styleLbl>
-  <dgm:styleLbl name="parChTrans2D3">
-    <dgm:fillClrLst meth="repeat">
-      <a:schemeClr val="accent4"/>
-    </dgm:fillClrLst>
-    <dgm:linClrLst meth="repeat">
-      <a:schemeClr val="lt1"/>
-    </dgm:linClrLst>
-    <dgm:effectClrLst/>
-    <dgm:txLinClrLst/>
-    <dgm:txFillClrLst/>
-    <dgm:txEffectClrLst/>
-  </dgm:styleLbl>
-  <dgm:styleLbl name="parChTrans2D4">
-    <dgm:fillClrLst meth="repeat">
-      <a:schemeClr val="accent5"/>
-    </dgm:fillClrLst>
-    <dgm:linClrLst meth="repeat">
-      <a:schemeClr val="lt1"/>
-    </dgm:linClrLst>
-    <dgm:effectClrLst/>
-    <dgm:txLinClrLst/>
-    <dgm:txFillClrLst meth="repeat">
-      <a:schemeClr val="lt1"/>
-    </dgm:txFillClrLst>
-    <dgm:txEffectClrLst/>
-  </dgm:styleLbl>
-  <dgm:styleLbl name="parChTrans1D1">
-    <dgm:fillClrLst meth="repeat">
-      <a:schemeClr val="accent2"/>
-    </dgm:fillClrLst>
-    <dgm:linClrLst meth="repeat">
-      <a:schemeClr val="accent2"/>
-    </dgm:linClrLst>
-    <dgm:effectClrLst/>
-    <dgm:txLinClrLst/>
-    <dgm:txFillClrLst meth="repeat">
-      <a:schemeClr val="tx1"/>
-    </dgm:txFillClrLst>
-    <dgm:txEffectClrLst/>
-  </dgm:styleLbl>
-  <dgm:styleLbl name="parChTrans1D2">
-    <dgm:fillClrLst meth="repeat">
-      <a:schemeClr val="accent2">
-        <a:tint val="90000"/>
-      </a:schemeClr>
-    </dgm:fillClrLst>
-    <dgm:linClrLst meth="repeat">
-      <a:schemeClr val="accent3"/>
-    </dgm:linClrLst>
-    <dgm:effectClrLst/>
-    <dgm:txLinClrLst/>
-    <dgm:txFillClrLst meth="repeat">
-      <a:schemeClr val="tx1"/>
-    </dgm:txFillClrLst>
-    <dgm:txEffectClrLst/>
-  </dgm:styleLbl>
-  <dgm:styleLbl name="parChTrans1D3">
-    <dgm:fillClrLst meth="repeat">
-      <a:schemeClr val="accent2">
-        <a:tint val="70000"/>
-      </a:schemeClr>
-    </dgm:fillClrLst>
-    <dgm:linClrLst meth="repeat">
-      <a:schemeClr val="accent4"/>
-    </dgm:linClrLst>
-    <dgm:effectClrLst/>
-    <dgm:txLinClrLst/>
-    <dgm:txFillClrLst meth="repeat">
-      <a:schemeClr val="tx1"/>
-    </dgm:txFillClrLst>
-    <dgm:txEffectClrLst/>
-  </dgm:styleLbl>
-  <dgm:styleLbl name="parChTrans1D4">
-    <dgm:fillClrLst meth="repeat">
-      <a:schemeClr val="accent2">
-        <a:tint val="50000"/>
-      </a:schemeClr>
-    </dgm:fillClrLst>
-    <dgm:linClrLst meth="repeat">
-      <a:schemeClr val="accent5"/>
-    </dgm:linClrLst>
-    <dgm:effectClrLst/>
-    <dgm:txLinClrLst/>
-    <dgm:txFillClrLst meth="repeat">
-      <a:schemeClr val="tx1"/>
-    </dgm:txFillClrLst>
-    <dgm:txEffectClrLst/>
-  </dgm:styleLbl>
-  <dgm:styleLbl name="fgAcc1">
-    <dgm:fillClrLst meth="repeat">
-      <a:schemeClr val="lt1">
-        <a:alpha val="90000"/>
-      </a:schemeClr>
-    </dgm:fillClrLst>
-    <dgm:linClrLst>
-      <a:schemeClr val="accent2"/>
-      <a:schemeClr val="accent3"/>
-    </dgm:linClrLst>
-    <dgm:effectClrLst/>
-    <dgm:txLinClrLst/>
-    <dgm:txFillClrLst meth="repeat">
-      <a:schemeClr val="dk1"/>
-    </dgm:txFillClrLst>
-    <dgm:txEffectClrLst/>
-  </dgm:styleLbl>
-  <dgm:styleLbl name="conFgAcc1">
-    <dgm:fillClrLst meth="repeat">
-      <a:schemeClr val="lt1">
-        <a:alpha val="90000"/>
-      </a:schemeClr>
-    </dgm:fillClrLst>
-    <dgm:linClrLst>
-      <a:schemeClr val="accent2"/>
-      <a:schemeClr val="accent3"/>
-    </dgm:linClrLst>
-    <dgm:effectClrLst/>
-    <dgm:txLinClrLst/>
-    <dgm:txFillClrLst meth="repeat">
-      <a:schemeClr val="dk1"/>
-    </dgm:txFillClrLst>
-    <dgm:txEffectClrLst/>
-  </dgm:styleLbl>
-  <dgm:styleLbl name="alignAcc1">
-    <dgm:fillClrLst meth="repeat">
-      <a:schemeClr val="lt1">
-        <a:alpha val="90000"/>
-      </a:schemeClr>
-    </dgm:fillClrLst>
-    <dgm:linClrLst>
-      <a:schemeClr val="accent2"/>
-      <a:schemeClr val="accent3"/>
-    </dgm:linClrLst>
-    <dgm:effectClrLst/>
-    <dgm:txLinClrLst/>
-    <dgm:txFillClrLst meth="repeat">
-      <a:schemeClr val="dk1"/>
-    </dgm:txFillClrLst>
-    <dgm:txEffectClrLst/>
-  </dgm:styleLbl>
-  <dgm:styleLbl name="trAlignAcc1">
-    <dgm:fillClrLst meth="repeat">
-      <a:schemeClr val="lt1">
-        <a:alpha val="40000"/>
-      </a:schemeClr>
-    </dgm:fillClrLst>
-    <dgm:linClrLst meth="repeat">
-      <a:schemeClr val="accent2"/>
-    </dgm:linClrLst>
-    <dgm:effectClrLst/>
-    <dgm:txLinClrLst/>
-    <dgm:txFillClrLst meth="repeat">
-      <a:schemeClr val="dk1"/>
-    </dgm:txFillClrLst>
-    <dgm:txEffectClrLst/>
-  </dgm:styleLbl>
-  <dgm:styleLbl name="bgAcc1">
-    <dgm:fillClrLst meth="repeat">
-      <a:schemeClr val="lt1">
-        <a:alpha val="90000"/>
-      </a:schemeClr>
-    </dgm:fillClrLst>
-    <dgm:linClrLst>
-      <a:schemeClr val="accent2"/>
-      <a:schemeClr val="accent3"/>
-    </dgm:linClrLst>
-    <dgm:effectClrLst/>
-    <dgm:txLinClrLst/>
-    <dgm:txFillClrLst meth="repeat">
-      <a:schemeClr val="dk1"/>
-    </dgm:txFillClrLst>
-    <dgm:txEffectClrLst/>
-  </dgm:styleLbl>
-  <dgm:styleLbl name="solidFgAcc1">
-    <dgm:fillClrLst meth="repeat">
-      <a:schemeClr val="lt1"/>
-    </dgm:fillClrLst>
-    <dgm:linClrLst>
-      <a:schemeClr val="accent2"/>
-      <a:schemeClr val="accent3"/>
-    </dgm:linClrLst>
-    <dgm:effectClrLst/>
-    <dgm:txLinClrLst/>
-    <dgm:txFillClrLst meth="repeat">
-      <a:schemeClr val="dk1"/>
-    </dgm:txFillClrLst>
-    <dgm:txEffectClrLst/>
-  </dgm:styleLbl>
-  <dgm:styleLbl name="solidAlignAcc1">
-    <dgm:fillClrLst meth="repeat">
-      <a:schemeClr val="lt1"/>
-    </dgm:fillClrLst>
-    <dgm:linClrLst>
-      <a:schemeClr val="accent2"/>
-      <a:schemeClr val="accent3"/>
-    </dgm:linClrLst>
-    <dgm:effectClrLst/>
-    <dgm:txLinClrLst/>
-    <dgm:txFillClrLst meth="repeat">
-      <a:schemeClr val="dk1"/>
-    </dgm:txFillClrLst>
-    <dgm:txEffectClrLst/>
-  </dgm:styleLbl>
-  <dgm:styleLbl name="solidBgAcc1">
-    <dgm:fillClrLst meth="repeat">
-      <a:schemeClr val="lt1"/>
-    </dgm:fillClrLst>
-    <dgm:linClrLst>
-      <a:schemeClr val="accent2"/>
-      <a:schemeClr val="accent3"/>
-    </dgm:linClrLst>
-    <dgm:effectClrLst/>
-    <dgm:txLinClrLst/>
-    <dgm:txFillClrLst meth="repeat">
-      <a:schemeClr val="dk1"/>
-    </dgm:txFillClrLst>
-    <dgm:txEffectClrLst/>
-  </dgm:styleLbl>
-  <dgm:styleLbl name="fgAccFollowNode1">
-    <dgm:fillClrLst>
-      <a:schemeClr val="accent2">
-        <a:tint val="40000"/>
-        <a:alpha val="90000"/>
-      </a:schemeClr>
-      <a:schemeClr val="accent3">
-        <a:tint val="40000"/>
-        <a:alpha val="90000"/>
-      </a:schemeClr>
-    </dgm:fillClrLst>
-    <dgm:linClrLst>
-      <a:schemeClr val="accent2">
-        <a:tint val="40000"/>
-        <a:alpha val="90000"/>
-      </a:schemeClr>
-      <a:schemeClr val="accent3">
-        <a:tint val="40000"/>
-        <a:alpha val="90000"/>
-      </a:schemeClr>
-    </dgm:linClrLst>
-    <dgm:effectClrLst/>
-    <dgm:txLinClrLst/>
-    <dgm:txFillClrLst meth="repeat">
-      <a:schemeClr val="dk1"/>
-    </dgm:txFillClrLst>
-    <dgm:txEffectClrLst/>
-  </dgm:styleLbl>
-  <dgm:styleLbl name="alignAccFollowNode1">
-    <dgm:fillClrLst>
-      <a:schemeClr val="accent2">
-        <a:tint val="40000"/>
-        <a:alpha val="90000"/>
-      </a:schemeClr>
-      <a:schemeClr val="accent3">
-        <a:tint val="40000"/>
-        <a:alpha val="90000"/>
-      </a:schemeClr>
-    </dgm:fillClrLst>
-    <dgm:linClrLst>
-      <a:schemeClr val="accent2">
-        <a:tint val="40000"/>
-        <a:alpha val="90000"/>
-      </a:schemeClr>
-      <a:schemeClr val="accent3">
-        <a:tint val="40000"/>
-        <a:alpha val="90000"/>
-      </a:schemeClr>
-    </dgm:linClrLst>
-    <dgm:effectClrLst/>
-    <dgm:txLinClrLst/>
-    <dgm:txFillClrLst meth="repeat">
-      <a:schemeClr val="dk1"/>
-    </dgm:txFillClrLst>
-    <dgm:txEffectClrLst/>
-  </dgm:styleLbl>
-  <dgm:styleLbl name="bgAccFollowNode1">
-    <dgm:fillClrLst>
-      <a:schemeClr val="accent2">
-        <a:tint val="40000"/>
-        <a:alpha val="90000"/>
-      </a:schemeClr>
-      <a:schemeClr val="accent3">
-        <a:tint val="40000"/>
-        <a:alpha val="90000"/>
-      </a:schemeClr>
-    </dgm:fillClrLst>
-    <dgm:linClrLst>
-      <a:schemeClr val="accent2">
-        <a:tint val="40000"/>
-        <a:alpha val="90000"/>
-      </a:schemeClr>
-      <a:schemeClr val="accent3">
-        <a:tint val="40000"/>
-        <a:alpha val="90000"/>
-      </a:schemeClr>
-    </dgm:linClrLst>
-    <dgm:effectClrLst/>
-    <dgm:txLinClrLst/>
-    <dgm:txFillClrLst meth="repeat">
-      <a:schemeClr val="dk1"/>
-    </dgm:txFillClrLst>
-    <dgm:txEffectClrLst/>
-  </dgm:styleLbl>
-  <dgm:styleLbl name="fgAcc0">
-    <dgm:fillClrLst meth="repeat">
-      <a:schemeClr val="lt1">
-        <a:alpha val="90000"/>
-      </a:schemeClr>
-    </dgm:fillClrLst>
-    <dgm:linClrLst>
-      <a:schemeClr val="accent1"/>
-    </dgm:linClrLst>
-    <dgm:effectClrLst/>
-    <dgm:txLinClrLst/>
-    <dgm:txFillClrLst meth="repeat">
-      <a:schemeClr val="dk1"/>
-    </dgm:txFillClrLst>
-    <dgm:txEffectClrLst/>
-  </dgm:styleLbl>
-  <dgm:styleLbl name="fgAcc2">
-    <dgm:fillClrLst meth="repeat">
-      <a:schemeClr val="lt1">
-        <a:alpha val="90000"/>
-      </a:schemeClr>
-    </dgm:fillClrLst>
-    <dgm:linClrLst>
-      <a:schemeClr val="accent3"/>
-    </dgm:linClrLst>
-    <dgm:effectClrLst/>
-    <dgm:txLinClrLst/>
-    <dgm:txFillClrLst meth="repeat">
-      <a:schemeClr val="dk1"/>
-    </dgm:txFillClrLst>
-    <dgm:txEffectClrLst/>
-  </dgm:styleLbl>
-  <dgm:styleLbl name="fgAcc3">
-    <dgm:fillClrLst meth="repeat">
-      <a:schemeClr val="lt1">
-        <a:alpha val="90000"/>
-      </a:schemeClr>
-    </dgm:fillClrLst>
-    <dgm:linClrLst>
-      <a:schemeClr val="accent4"/>
-    </dgm:linClrLst>
-    <dgm:effectClrLst/>
-    <dgm:txLinClrLst/>
-    <dgm:txFillClrLst meth="repeat">
-      <a:schemeClr val="dk1"/>
-    </dgm:txFillClrLst>
-    <dgm:txEffectClrLst/>
-  </dgm:styleLbl>
-  <dgm:styleLbl name="fgAcc4">
-    <dgm:fillClrLst meth="repeat">
-      <a:schemeClr val="lt1">
-        <a:alpha val="90000"/>
-      </a:schemeClr>
-    </dgm:fillClrLst>
-    <dgm:linClrLst>
-      <a:schemeClr val="accent5"/>
-    </dgm:linClrLst>
-    <dgm:effectClrLst/>
-    <dgm:txLinClrLst/>
-    <dgm:txFillClrLst meth="repeat">
-      <a:schemeClr val="dk1"/>
-    </dgm:txFillClrLst>
-    <dgm:txEffectClrLst/>
-  </dgm:styleLbl>
-  <dgm:styleLbl name="bgShp">
-    <dgm:fillClrLst meth="repeat">
-      <a:schemeClr val="accent2">
-        <a:tint val="40000"/>
-      </a:schemeClr>
-    </dgm:fillClrLst>
-    <dgm:linClrLst meth="repeat">
-      <a:schemeClr val="dk1"/>
-    </dgm:linClrLst>
-    <dgm:effectClrLst/>
-    <dgm:txLinClrLst/>
-    <dgm:txFillClrLst meth="repeat">
-      <a:schemeClr val="dk1"/>
-    </dgm:txFillClrLst>
-    <dgm:txEffectClrLst/>
-  </dgm:styleLbl>
-  <dgm:styleLbl name="dkBgShp">
-    <dgm:fillClrLst meth="repeat">
-      <a:schemeClr val="accent2">
-        <a:shade val="90000"/>
-      </a:schemeClr>
-    </dgm:fillClrLst>
-    <dgm:linClrLst meth="repeat">
-      <a:schemeClr val="dk1"/>
-    </dgm:linClrLst>
-    <dgm:effectClrLst/>
-    <dgm:txLinClrLst/>
-    <dgm:txFillClrLst meth="repeat">
-      <a:schemeClr val="lt1"/>
-    </dgm:txFillClrLst>
-    <dgm:txEffectClrLst/>
-  </dgm:styleLbl>
-  <dgm:styleLbl name="trBgShp">
-    <dgm:fillClrLst meth="repeat">
-      <a:schemeClr val="accent2">
-        <a:tint val="50000"/>
-        <a:alpha val="40000"/>
-      </a:schemeClr>
-    </dgm:fillClrLst>
-    <dgm:linClrLst meth="repeat">
-      <a:schemeClr val="accent2"/>
-    </dgm:linClrLst>
-    <dgm:effectClrLst/>
-    <dgm:txLinClrLst/>
-    <dgm:txFillClrLst meth="repeat">
-      <a:schemeClr val="lt1"/>
-    </dgm:txFillClrLst>
-    <dgm:txEffectClrLst/>
-  </dgm:styleLbl>
-  <dgm:styleLbl name="fgShp">
-    <dgm:fillClrLst meth="repeat">
-      <a:schemeClr val="accent2">
-        <a:tint val="40000"/>
-      </a:schemeClr>
-    </dgm:fillClrLst>
-    <dgm:linClrLst meth="repeat">
-      <a:schemeClr val="lt1"/>
-    </dgm:linClrLst>
-    <dgm:effectClrLst/>
-    <dgm:txLinClrLst/>
-    <dgm:txFillClrLst meth="repeat">
-      <a:schemeClr val="dk1"/>
-    </dgm:txFillClrLst>
-    <dgm:txEffectClrLst/>
-  </dgm:styleLbl>
-  <dgm:styleLbl name="revTx">
-    <dgm:fillClrLst meth="repeat">
-      <a:schemeClr val="lt1">
-        <a:alpha val="0"/>
-      </a:schemeClr>
-    </dgm:fillClrLst>
-    <dgm:linClrLst meth="repeat">
-      <a:schemeClr val="dk1">
-        <a:alpha val="0"/>
-      </a:schemeClr>
-    </dgm:linClrLst>
-    <dgm:effectClrLst/>
-    <dgm:txLinClrLst/>
-    <dgm:txFillClrLst meth="repeat">
-      <a:schemeClr val="tx1"/>
-    </dgm:txFillClrLst>
-    <dgm:txEffectClrLst/>
-  </dgm:styleLbl>
-</dgm:colorsDef>
-</file>
-
-<file path=ppt/diagrams/colors3.xml><?xml version="1.0" encoding="utf-8"?>
 <dgm:colorsDef xmlns:dgm="http://schemas.openxmlformats.org/drawingml/2006/diagram" xmlns:a="http://schemas.openxmlformats.org/drawingml/2006/main" uniqueId="urn:microsoft.com/office/officeart/2005/8/colors/colorful1">
   <dgm:title val=""/>
   <dgm:desc val=""/>
@@ -2904,7 +2125,7 @@
 </dgm:colorsDef>
 </file>
 
-<file path=ppt/diagrams/colors4.xml><?xml version="1.0" encoding="utf-8"?>
+<file path=ppt/diagrams/colors3.xml><?xml version="1.0" encoding="utf-8"?>
 <dgm:colorsDef xmlns:dgm="http://schemas.openxmlformats.org/drawingml/2006/diagram" xmlns:a="http://schemas.openxmlformats.org/drawingml/2006/main" uniqueId="urn:microsoft.com/office/officeart/2005/8/colors/colorful3">
   <dgm:title val=""/>
   <dgm:desc val=""/>
@@ -3686,7 +2907,7 @@
 </dgm:colorsDef>
 </file>
 
-<file path=ppt/diagrams/colors5.xml><?xml version="1.0" encoding="utf-8"?>
+<file path=ppt/diagrams/colors4.xml><?xml version="1.0" encoding="utf-8"?>
 <dgm:colorsDef xmlns:dgm="http://schemas.openxmlformats.org/drawingml/2006/diagram" xmlns:a="http://schemas.openxmlformats.org/drawingml/2006/main" uniqueId="urn:microsoft.com/office/officeart/2005/8/colors/colorful4">
   <dgm:title val=""/>
   <dgm:desc val=""/>
@@ -4506,7 +3727,19 @@
         <a:p>
           <a:r>
             <a:rPr lang="es-ES" sz="1400" b="1" dirty="0" smtClean="0"/>
-            <a:t>Diseñar una herramienta tecnología que analice todos los datos de consumo</a:t>
+            <a:t>Diseñar una herramienta </a:t>
+          </a:r>
+          <a:r>
+            <a:rPr lang="es-ES" sz="1400" b="1" dirty="0" err="1" smtClean="0"/>
+            <a:t>tecnologíca</a:t>
+          </a:r>
+          <a:r>
+            <a:rPr lang="es-ES" sz="1400" b="1" dirty="0" smtClean="0"/>
+            <a:t> </a:t>
+          </a:r>
+          <a:r>
+            <a:rPr lang="es-ES" sz="1400" b="1" dirty="0" smtClean="0"/>
+            <a:t>que analice todos los datos de consumo</a:t>
           </a:r>
           <a:endParaRPr lang="es-ES" sz="1400" b="1" dirty="0"/>
         </a:p>
@@ -4647,19 +3880,11 @@
         <a:p>
           <a:r>
             <a:rPr lang="en-US" sz="2400" dirty="0" smtClean="0"/>
-            <a:t>SISTEMA DE INFORMACIÓN </a:t>
-          </a:r>
-          <a:r>
-            <a:rPr lang="en-US" sz="2400" dirty="0" smtClean="0"/>
-            <a:t>PARA </a:t>
+            <a:t>SISTEMA DE INFORMACIÓN PARA </a:t>
           </a:r>
           <a:r>
             <a:rPr lang="es-ES" sz="2400" dirty="0" smtClean="0"/>
-            <a:t>DETECTAR </a:t>
-          </a:r>
-          <a:r>
-            <a:rPr lang="es-ES" sz="2400" dirty="0" smtClean="0"/>
-            <a:t>FRAUDE EN REDES ELÉCTRICAS</a:t>
+            <a:t>DETECTAR FRAUDE EN REDES ELÉCTRICAS</a:t>
           </a:r>
           <a:endParaRPr lang="es-ES" sz="2400" dirty="0"/>
         </a:p>
@@ -4826,732 +4051,6 @@
 </file>
 
 <file path=ppt/diagrams/data2.xml><?xml version="1.0" encoding="utf-8"?>
-<dgm:dataModel xmlns:dgm="http://schemas.openxmlformats.org/drawingml/2006/diagram" xmlns:a="http://schemas.openxmlformats.org/drawingml/2006/main">
-  <dgm:ptLst>
-    <dgm:pt modelId="{BB8EB9C1-886A-4391-9C84-0FD255C04E1D}" type="doc">
-      <dgm:prSet loTypeId="urn:microsoft.com/office/officeart/2005/8/layout/chevron2" loCatId="list" qsTypeId="urn:microsoft.com/office/officeart/2005/8/quickstyle/simple1" qsCatId="simple" csTypeId="urn:microsoft.com/office/officeart/2005/8/colors/colorful2" csCatId="colorful" phldr="1"/>
-      <dgm:spPr/>
-      <dgm:t>
-        <a:bodyPr/>
-        <a:lstStyle/>
-        <a:p>
-          <a:endParaRPr lang="en-US"/>
-        </a:p>
-      </dgm:t>
-    </dgm:pt>
-    <dgm:pt modelId="{BABD2379-343F-47A5-823B-224360736C39}">
-      <dgm:prSet phldrT="[Text]"/>
-      <dgm:spPr/>
-      <dgm:t>
-        <a:bodyPr/>
-        <a:lstStyle/>
-        <a:p>
-          <a:r>
-            <a:rPr lang="en-US">
-              <a:latin typeface="Abadi MT Condensed Light"/>
-            </a:rPr>
-            <a:t>1.</a:t>
-          </a:r>
-        </a:p>
-      </dgm:t>
-    </dgm:pt>
-    <dgm:pt modelId="{E363EB68-3D26-451D-B0FD-CEDEE8A2FF43}" type="parTrans" cxnId="{6D8A5AA8-0A44-4A65-8C1B-4F82FCC91262}">
-      <dgm:prSet/>
-      <dgm:spPr/>
-      <dgm:t>
-        <a:bodyPr/>
-        <a:lstStyle/>
-        <a:p>
-          <a:endParaRPr lang="en-US">
-            <a:latin typeface="Abadi MT Condensed Light"/>
-          </a:endParaRPr>
-        </a:p>
-      </dgm:t>
-    </dgm:pt>
-    <dgm:pt modelId="{29B29AD5-5EDB-43C2-B3D1-7760A46CA1B2}" type="sibTrans" cxnId="{6D8A5AA8-0A44-4A65-8C1B-4F82FCC91262}">
-      <dgm:prSet/>
-      <dgm:spPr/>
-      <dgm:t>
-        <a:bodyPr/>
-        <a:lstStyle/>
-        <a:p>
-          <a:endParaRPr lang="en-US">
-            <a:latin typeface="Abadi MT Condensed Light"/>
-          </a:endParaRPr>
-        </a:p>
-      </dgm:t>
-    </dgm:pt>
-    <dgm:pt modelId="{56415445-9530-4471-B195-6C52757DD2A7}">
-      <dgm:prSet phldrT="[Text]"/>
-      <dgm:spPr/>
-      <dgm:t>
-        <a:bodyPr/>
-        <a:lstStyle/>
-        <a:p>
-          <a:r>
-            <a:rPr lang="es-ES_tradnl" dirty="0">
-              <a:latin typeface="+mj-lt"/>
-            </a:rPr>
-            <a:t>Diseñar, construir e implementar un </a:t>
-          </a:r>
-          <a:r>
-            <a:rPr lang="es-ES_tradnl" dirty="0" smtClean="0">
-              <a:latin typeface="+mj-lt"/>
-            </a:rPr>
-            <a:t>sistema </a:t>
-          </a:r>
-          <a:r>
-            <a:rPr lang="es-ES_tradnl" dirty="0">
-              <a:latin typeface="+mj-lt"/>
-            </a:rPr>
-            <a:t>de información a la medida para </a:t>
-          </a:r>
-          <a:r>
-            <a:rPr lang="es-ES_tradnl" dirty="0" smtClean="0">
-              <a:latin typeface="+mj-lt"/>
-            </a:rPr>
-            <a:t>el análisis </a:t>
-          </a:r>
-          <a:r>
-            <a:rPr lang="es-ES_tradnl" dirty="0">
-              <a:latin typeface="+mj-lt"/>
-            </a:rPr>
-            <a:t>de datos de las mediciones.  </a:t>
-          </a:r>
-          <a:endParaRPr lang="en-US" dirty="0">
-            <a:latin typeface="+mj-lt"/>
-          </a:endParaRPr>
-        </a:p>
-      </dgm:t>
-    </dgm:pt>
-    <dgm:pt modelId="{CF01BBE5-E724-4F3D-B88F-4CC2A5A37819}" type="parTrans" cxnId="{CB46B1F6-CCFB-4683-9F8B-5C101A37C2AB}">
-      <dgm:prSet/>
-      <dgm:spPr/>
-      <dgm:t>
-        <a:bodyPr/>
-        <a:lstStyle/>
-        <a:p>
-          <a:endParaRPr lang="en-US">
-            <a:latin typeface="Abadi MT Condensed Light"/>
-          </a:endParaRPr>
-        </a:p>
-      </dgm:t>
-    </dgm:pt>
-    <dgm:pt modelId="{3F1E3512-591D-4D92-B1BA-9CF22EA6357D}" type="sibTrans" cxnId="{CB46B1F6-CCFB-4683-9F8B-5C101A37C2AB}">
-      <dgm:prSet/>
-      <dgm:spPr/>
-      <dgm:t>
-        <a:bodyPr/>
-        <a:lstStyle/>
-        <a:p>
-          <a:endParaRPr lang="en-US">
-            <a:latin typeface="Abadi MT Condensed Light"/>
-          </a:endParaRPr>
-        </a:p>
-      </dgm:t>
-    </dgm:pt>
-    <dgm:pt modelId="{202E78E9-7ECE-434E-959B-D55D97C37124}">
-      <dgm:prSet phldrT="[Text]"/>
-      <dgm:spPr/>
-      <dgm:t>
-        <a:bodyPr/>
-        <a:lstStyle/>
-        <a:p>
-          <a:r>
-            <a:rPr lang="en-US">
-              <a:latin typeface="Abadi MT Condensed Light"/>
-            </a:rPr>
-            <a:t>2.</a:t>
-          </a:r>
-        </a:p>
-      </dgm:t>
-    </dgm:pt>
-    <dgm:pt modelId="{4DDAB1BB-9861-4568-8CB8-7C535F0EF8E4}" type="parTrans" cxnId="{E1D2429A-1B50-4E86-9CAF-77ACA1070303}">
-      <dgm:prSet/>
-      <dgm:spPr/>
-      <dgm:t>
-        <a:bodyPr/>
-        <a:lstStyle/>
-        <a:p>
-          <a:endParaRPr lang="en-US">
-            <a:latin typeface="Abadi MT Condensed Light"/>
-          </a:endParaRPr>
-        </a:p>
-      </dgm:t>
-    </dgm:pt>
-    <dgm:pt modelId="{F3624D79-48CE-446F-A7C5-3878C5B3637F}" type="sibTrans" cxnId="{E1D2429A-1B50-4E86-9CAF-77ACA1070303}">
-      <dgm:prSet/>
-      <dgm:spPr/>
-      <dgm:t>
-        <a:bodyPr/>
-        <a:lstStyle/>
-        <a:p>
-          <a:endParaRPr lang="en-US">
-            <a:latin typeface="Abadi MT Condensed Light"/>
-          </a:endParaRPr>
-        </a:p>
-      </dgm:t>
-    </dgm:pt>
-    <dgm:pt modelId="{068B5CC8-57AD-4636-B90A-481C07210CF6}">
-      <dgm:prSet phldrT="[Text]"/>
-      <dgm:spPr/>
-      <dgm:t>
-        <a:bodyPr/>
-        <a:lstStyle/>
-        <a:p>
-          <a:r>
-            <a:rPr lang="en-US" dirty="0" err="1">
-              <a:latin typeface="+mj-lt"/>
-            </a:rPr>
-            <a:t>Mejorar</a:t>
-          </a:r>
-          <a:r>
-            <a:rPr lang="en-US" dirty="0">
-              <a:latin typeface="+mj-lt"/>
-            </a:rPr>
-            <a:t> la </a:t>
-          </a:r>
-          <a:r>
-            <a:rPr lang="en-US" dirty="0" err="1" smtClean="0">
-              <a:latin typeface="+mj-lt"/>
-            </a:rPr>
-            <a:t>tecnología</a:t>
-          </a:r>
-          <a:r>
-            <a:rPr lang="en-US" dirty="0" smtClean="0">
-              <a:latin typeface="+mj-lt"/>
-            </a:rPr>
-            <a:t> </a:t>
-          </a:r>
-          <a:r>
-            <a:rPr lang="en-US" dirty="0">
-              <a:latin typeface="+mj-lt"/>
-            </a:rPr>
-            <a:t>de </a:t>
-          </a:r>
-          <a:r>
-            <a:rPr lang="en-US" dirty="0" err="1" smtClean="0">
-              <a:latin typeface="+mj-lt"/>
-            </a:rPr>
-            <a:t>medición</a:t>
-          </a:r>
-          <a:r>
-            <a:rPr lang="en-US" dirty="0" smtClean="0">
-              <a:latin typeface="+mj-lt"/>
-            </a:rPr>
-            <a:t> </a:t>
-          </a:r>
-          <a:r>
-            <a:rPr lang="en-US" dirty="0" err="1">
-              <a:latin typeface="+mj-lt"/>
-            </a:rPr>
-            <a:t>en</a:t>
-          </a:r>
-          <a:r>
-            <a:rPr lang="en-US" dirty="0">
-              <a:latin typeface="+mj-lt"/>
-            </a:rPr>
-            <a:t> </a:t>
-          </a:r>
-          <a:r>
-            <a:rPr lang="en-US" dirty="0" err="1">
-              <a:latin typeface="+mj-lt"/>
-            </a:rPr>
-            <a:t>trasformadores</a:t>
-          </a:r>
-          <a:r>
-            <a:rPr lang="en-US" dirty="0">
-              <a:latin typeface="+mj-lt"/>
-            </a:rPr>
-            <a:t>. </a:t>
-          </a:r>
-        </a:p>
-      </dgm:t>
-    </dgm:pt>
-    <dgm:pt modelId="{556352DE-7871-4BF7-A88A-1497C98A2600}" type="parTrans" cxnId="{30E8D2B2-216B-4F1F-A2F0-0A64BF071FBC}">
-      <dgm:prSet/>
-      <dgm:spPr/>
-      <dgm:t>
-        <a:bodyPr/>
-        <a:lstStyle/>
-        <a:p>
-          <a:endParaRPr lang="en-US">
-            <a:latin typeface="Abadi MT Condensed Light"/>
-          </a:endParaRPr>
-        </a:p>
-      </dgm:t>
-    </dgm:pt>
-    <dgm:pt modelId="{E1BD9897-33C3-4A8D-89B2-B8EE8E955352}" type="sibTrans" cxnId="{30E8D2B2-216B-4F1F-A2F0-0A64BF071FBC}">
-      <dgm:prSet/>
-      <dgm:spPr/>
-      <dgm:t>
-        <a:bodyPr/>
-        <a:lstStyle/>
-        <a:p>
-          <a:endParaRPr lang="en-US">
-            <a:latin typeface="Abadi MT Condensed Light"/>
-          </a:endParaRPr>
-        </a:p>
-      </dgm:t>
-    </dgm:pt>
-    <dgm:pt modelId="{CD8C32E0-13D4-4235-BAD4-EE0061458B65}">
-      <dgm:prSet phldrT="[Text]"/>
-      <dgm:spPr/>
-      <dgm:t>
-        <a:bodyPr/>
-        <a:lstStyle/>
-        <a:p>
-          <a:r>
-            <a:rPr lang="en-US">
-              <a:latin typeface="Abadi MT Condensed Light"/>
-            </a:rPr>
-            <a:t>3.</a:t>
-          </a:r>
-        </a:p>
-      </dgm:t>
-    </dgm:pt>
-    <dgm:pt modelId="{73F5387E-DA9C-44D5-918C-D998F5B232DD}" type="parTrans" cxnId="{6BA267F5-EC9C-4A52-8617-4846D5326A2C}">
-      <dgm:prSet/>
-      <dgm:spPr/>
-      <dgm:t>
-        <a:bodyPr/>
-        <a:lstStyle/>
-        <a:p>
-          <a:endParaRPr lang="en-US">
-            <a:latin typeface="Abadi MT Condensed Light"/>
-          </a:endParaRPr>
-        </a:p>
-      </dgm:t>
-    </dgm:pt>
-    <dgm:pt modelId="{282E005B-5CB5-4F87-A7A7-5C44397C5666}" type="sibTrans" cxnId="{6BA267F5-EC9C-4A52-8617-4846D5326A2C}">
-      <dgm:prSet/>
-      <dgm:spPr/>
-      <dgm:t>
-        <a:bodyPr/>
-        <a:lstStyle/>
-        <a:p>
-          <a:endParaRPr lang="en-US">
-            <a:latin typeface="Abadi MT Condensed Light"/>
-          </a:endParaRPr>
-        </a:p>
-      </dgm:t>
-    </dgm:pt>
-    <dgm:pt modelId="{22345D8B-874C-4537-BD30-04E980806A75}">
-      <dgm:prSet phldrT="[Text]"/>
-      <dgm:spPr/>
-      <dgm:t>
-        <a:bodyPr/>
-        <a:lstStyle/>
-        <a:p>
-          <a:r>
-            <a:rPr lang="en-US" dirty="0" err="1">
-              <a:latin typeface="+mn-lt"/>
-            </a:rPr>
-            <a:t>Reducir</a:t>
-          </a:r>
-          <a:r>
-            <a:rPr lang="en-US" dirty="0">
-              <a:latin typeface="+mn-lt"/>
-            </a:rPr>
-            <a:t> el </a:t>
-          </a:r>
-          <a:r>
-            <a:rPr lang="en-US" dirty="0" err="1" smtClean="0">
-              <a:latin typeface="+mn-lt"/>
-            </a:rPr>
-            <a:t>índice</a:t>
-          </a:r>
-          <a:r>
-            <a:rPr lang="en-US" dirty="0" smtClean="0">
-              <a:latin typeface="+mn-lt"/>
-            </a:rPr>
-            <a:t> </a:t>
-          </a:r>
-          <a:r>
-            <a:rPr lang="en-US" dirty="0">
-              <a:latin typeface="+mn-lt"/>
-            </a:rPr>
-            <a:t>de </a:t>
-          </a:r>
-          <a:r>
-            <a:rPr lang="en-US" dirty="0" err="1" smtClean="0">
-              <a:latin typeface="+mn-lt"/>
-            </a:rPr>
-            <a:t>pérdidas</a:t>
-          </a:r>
-          <a:r>
-            <a:rPr lang="en-US" dirty="0" smtClean="0">
-              <a:latin typeface="+mn-lt"/>
-            </a:rPr>
-            <a:t> </a:t>
-          </a:r>
-          <a:r>
-            <a:rPr lang="en-US" dirty="0" err="1" smtClean="0">
-              <a:latin typeface="+mn-lt"/>
-            </a:rPr>
-            <a:t>económicas</a:t>
-          </a:r>
-          <a:r>
-            <a:rPr lang="en-US" dirty="0" smtClean="0">
-              <a:latin typeface="+mn-lt"/>
-            </a:rPr>
-            <a:t> </a:t>
-          </a:r>
-          <a:r>
-            <a:rPr lang="en-US" dirty="0" err="1">
-              <a:latin typeface="+mn-lt"/>
-            </a:rPr>
-            <a:t>por</a:t>
-          </a:r>
-          <a:r>
-            <a:rPr lang="en-US" dirty="0">
-              <a:latin typeface="+mn-lt"/>
-            </a:rPr>
-            <a:t> </a:t>
-          </a:r>
-          <a:r>
-            <a:rPr lang="en-US" dirty="0" err="1">
-              <a:latin typeface="+mn-lt"/>
-            </a:rPr>
-            <a:t>fraude</a:t>
-          </a:r>
-          <a:r>
-            <a:rPr lang="en-US" dirty="0">
-              <a:latin typeface="+mn-lt"/>
-            </a:rPr>
-            <a:t>. </a:t>
-          </a:r>
-        </a:p>
-      </dgm:t>
-    </dgm:pt>
-    <dgm:pt modelId="{205D0D9D-A0FD-40C6-BFD7-1D1EC2D89D31}" type="parTrans" cxnId="{55B76DA3-5477-4474-8B35-CCCF4319CE8B}">
-      <dgm:prSet/>
-      <dgm:spPr/>
-      <dgm:t>
-        <a:bodyPr/>
-        <a:lstStyle/>
-        <a:p>
-          <a:endParaRPr lang="en-US">
-            <a:latin typeface="Abadi MT Condensed Light"/>
-          </a:endParaRPr>
-        </a:p>
-      </dgm:t>
-    </dgm:pt>
-    <dgm:pt modelId="{425F65D2-5B74-430B-923A-6DC29DEF7902}" type="sibTrans" cxnId="{55B76DA3-5477-4474-8B35-CCCF4319CE8B}">
-      <dgm:prSet/>
-      <dgm:spPr/>
-      <dgm:t>
-        <a:bodyPr/>
-        <a:lstStyle/>
-        <a:p>
-          <a:endParaRPr lang="en-US">
-            <a:latin typeface="Abadi MT Condensed Light"/>
-          </a:endParaRPr>
-        </a:p>
-      </dgm:t>
-    </dgm:pt>
-    <dgm:pt modelId="{F6524DA8-06A7-4701-99CE-BE77F9F3AD49}">
-      <dgm:prSet/>
-      <dgm:spPr/>
-      <dgm:t>
-        <a:bodyPr/>
-        <a:lstStyle/>
-        <a:p>
-          <a:r>
-            <a:rPr lang="en-US">
-              <a:latin typeface="Abadi MT Condensed Light"/>
-            </a:rPr>
-            <a:t>4.</a:t>
-          </a:r>
-        </a:p>
-      </dgm:t>
-    </dgm:pt>
-    <dgm:pt modelId="{27CDF950-7D94-4F22-B0E2-4C6CC9B16D15}" type="parTrans" cxnId="{C2BEF887-B3EC-41D0-BAB9-E70DDAE1A614}">
-      <dgm:prSet/>
-      <dgm:spPr/>
-      <dgm:t>
-        <a:bodyPr/>
-        <a:lstStyle/>
-        <a:p>
-          <a:endParaRPr lang="en-US">
-            <a:latin typeface="Abadi MT Condensed Light"/>
-          </a:endParaRPr>
-        </a:p>
-      </dgm:t>
-    </dgm:pt>
-    <dgm:pt modelId="{5DE662BE-93BD-4C80-B33D-29CDACE4CC29}" type="sibTrans" cxnId="{C2BEF887-B3EC-41D0-BAB9-E70DDAE1A614}">
-      <dgm:prSet/>
-      <dgm:spPr/>
-      <dgm:t>
-        <a:bodyPr/>
-        <a:lstStyle/>
-        <a:p>
-          <a:endParaRPr lang="en-US">
-            <a:latin typeface="Abadi MT Condensed Light"/>
-          </a:endParaRPr>
-        </a:p>
-      </dgm:t>
-    </dgm:pt>
-    <dgm:pt modelId="{74A985CE-7880-49DB-B5F4-BB574779183D}">
-      <dgm:prSet/>
-      <dgm:spPr/>
-      <dgm:t>
-        <a:bodyPr/>
-        <a:lstStyle/>
-        <a:p>
-          <a:r>
-            <a:rPr lang="es-ES_tradnl" dirty="0">
-              <a:latin typeface="+mj-lt"/>
-            </a:rPr>
-            <a:t>Capacitar a la comunidad en los procesos de control de recursos económicos para el hogar.</a:t>
-          </a:r>
-          <a:endParaRPr lang="en-US" dirty="0">
-            <a:latin typeface="+mj-lt"/>
-          </a:endParaRPr>
-        </a:p>
-      </dgm:t>
-    </dgm:pt>
-    <dgm:pt modelId="{2C1AE2E8-AC39-4D9D-BAEF-932499C31B96}" type="parTrans" cxnId="{306470D0-A5E5-4088-984C-B31579827439}">
-      <dgm:prSet/>
-      <dgm:spPr/>
-      <dgm:t>
-        <a:bodyPr/>
-        <a:lstStyle/>
-        <a:p>
-          <a:endParaRPr lang="en-US">
-            <a:latin typeface="Abadi MT Condensed Light"/>
-          </a:endParaRPr>
-        </a:p>
-      </dgm:t>
-    </dgm:pt>
-    <dgm:pt modelId="{2CC2AC7B-B013-4DF0-A8EC-CDED53E9E30B}" type="sibTrans" cxnId="{306470D0-A5E5-4088-984C-B31579827439}">
-      <dgm:prSet/>
-      <dgm:spPr/>
-      <dgm:t>
-        <a:bodyPr/>
-        <a:lstStyle/>
-        <a:p>
-          <a:endParaRPr lang="en-US">
-            <a:latin typeface="Abadi MT Condensed Light"/>
-          </a:endParaRPr>
-        </a:p>
-      </dgm:t>
-    </dgm:pt>
-    <dgm:pt modelId="{6DB7BD36-A8FA-49F5-AF8F-8761020E2274}" type="pres">
-      <dgm:prSet presAssocID="{BB8EB9C1-886A-4391-9C84-0FD255C04E1D}" presName="linearFlow" presStyleCnt="0">
-        <dgm:presLayoutVars>
-          <dgm:dir/>
-          <dgm:animLvl val="lvl"/>
-          <dgm:resizeHandles val="exact"/>
-        </dgm:presLayoutVars>
-      </dgm:prSet>
-      <dgm:spPr/>
-      <dgm:t>
-        <a:bodyPr/>
-        <a:lstStyle/>
-        <a:p>
-          <a:endParaRPr lang="es-CO"/>
-        </a:p>
-      </dgm:t>
-    </dgm:pt>
-    <dgm:pt modelId="{718AFB7F-EB24-47AB-9237-A7A855453ABE}" type="pres">
-      <dgm:prSet presAssocID="{BABD2379-343F-47A5-823B-224360736C39}" presName="composite" presStyleCnt="0"/>
-      <dgm:spPr/>
-    </dgm:pt>
-    <dgm:pt modelId="{F8C150D7-64A4-4116-92BD-05EEB80B6636}" type="pres">
-      <dgm:prSet presAssocID="{BABD2379-343F-47A5-823B-224360736C39}" presName="parentText" presStyleLbl="alignNode1" presStyleIdx="0" presStyleCnt="4">
-        <dgm:presLayoutVars>
-          <dgm:chMax val="1"/>
-          <dgm:bulletEnabled val="1"/>
-        </dgm:presLayoutVars>
-      </dgm:prSet>
-      <dgm:spPr/>
-      <dgm:t>
-        <a:bodyPr/>
-        <a:lstStyle/>
-        <a:p>
-          <a:endParaRPr lang="es-CO"/>
-        </a:p>
-      </dgm:t>
-    </dgm:pt>
-    <dgm:pt modelId="{0514DF8F-770E-4115-BE0C-CC70F2CFDFE4}" type="pres">
-      <dgm:prSet presAssocID="{BABD2379-343F-47A5-823B-224360736C39}" presName="descendantText" presStyleLbl="alignAcc1" presStyleIdx="0" presStyleCnt="4">
-        <dgm:presLayoutVars>
-          <dgm:bulletEnabled val="1"/>
-        </dgm:presLayoutVars>
-      </dgm:prSet>
-      <dgm:spPr/>
-      <dgm:t>
-        <a:bodyPr/>
-        <a:lstStyle/>
-        <a:p>
-          <a:endParaRPr lang="es-CO"/>
-        </a:p>
-      </dgm:t>
-    </dgm:pt>
-    <dgm:pt modelId="{93CC4C4A-32FD-49C4-A967-7679E4F86B95}" type="pres">
-      <dgm:prSet presAssocID="{29B29AD5-5EDB-43C2-B3D1-7760A46CA1B2}" presName="sp" presStyleCnt="0"/>
-      <dgm:spPr/>
-    </dgm:pt>
-    <dgm:pt modelId="{A63055E5-D2F3-4B07-BFD4-B877BB9DC5B5}" type="pres">
-      <dgm:prSet presAssocID="{202E78E9-7ECE-434E-959B-D55D97C37124}" presName="composite" presStyleCnt="0"/>
-      <dgm:spPr/>
-    </dgm:pt>
-    <dgm:pt modelId="{42FF1629-B21A-4D62-A33A-B2F2A5740F24}" type="pres">
-      <dgm:prSet presAssocID="{202E78E9-7ECE-434E-959B-D55D97C37124}" presName="parentText" presStyleLbl="alignNode1" presStyleIdx="1" presStyleCnt="4">
-        <dgm:presLayoutVars>
-          <dgm:chMax val="1"/>
-          <dgm:bulletEnabled val="1"/>
-        </dgm:presLayoutVars>
-      </dgm:prSet>
-      <dgm:spPr/>
-      <dgm:t>
-        <a:bodyPr/>
-        <a:lstStyle/>
-        <a:p>
-          <a:endParaRPr lang="es-CO"/>
-        </a:p>
-      </dgm:t>
-    </dgm:pt>
-    <dgm:pt modelId="{CCBA1F7B-3D2C-488C-8D77-20353E1B5831}" type="pres">
-      <dgm:prSet presAssocID="{202E78E9-7ECE-434E-959B-D55D97C37124}" presName="descendantText" presStyleLbl="alignAcc1" presStyleIdx="1" presStyleCnt="4">
-        <dgm:presLayoutVars>
-          <dgm:bulletEnabled val="1"/>
-        </dgm:presLayoutVars>
-      </dgm:prSet>
-      <dgm:spPr/>
-      <dgm:t>
-        <a:bodyPr/>
-        <a:lstStyle/>
-        <a:p>
-          <a:endParaRPr lang="es-CO"/>
-        </a:p>
-      </dgm:t>
-    </dgm:pt>
-    <dgm:pt modelId="{90A50E50-E6D1-46C6-886D-05851F955C1D}" type="pres">
-      <dgm:prSet presAssocID="{F3624D79-48CE-446F-A7C5-3878C5B3637F}" presName="sp" presStyleCnt="0"/>
-      <dgm:spPr/>
-    </dgm:pt>
-    <dgm:pt modelId="{95A7A3B9-5C6B-4552-AB69-962403C29006}" type="pres">
-      <dgm:prSet presAssocID="{CD8C32E0-13D4-4235-BAD4-EE0061458B65}" presName="composite" presStyleCnt="0"/>
-      <dgm:spPr/>
-    </dgm:pt>
-    <dgm:pt modelId="{4BC23077-6490-4408-A337-FF3A579D89AF}" type="pres">
-      <dgm:prSet presAssocID="{CD8C32E0-13D4-4235-BAD4-EE0061458B65}" presName="parentText" presStyleLbl="alignNode1" presStyleIdx="2" presStyleCnt="4">
-        <dgm:presLayoutVars>
-          <dgm:chMax val="1"/>
-          <dgm:bulletEnabled val="1"/>
-        </dgm:presLayoutVars>
-      </dgm:prSet>
-      <dgm:spPr/>
-      <dgm:t>
-        <a:bodyPr/>
-        <a:lstStyle/>
-        <a:p>
-          <a:endParaRPr lang="es-CO"/>
-        </a:p>
-      </dgm:t>
-    </dgm:pt>
-    <dgm:pt modelId="{0E096BBC-812D-4B0E-B28B-8AEF3201000E}" type="pres">
-      <dgm:prSet presAssocID="{CD8C32E0-13D4-4235-BAD4-EE0061458B65}" presName="descendantText" presStyleLbl="alignAcc1" presStyleIdx="2" presStyleCnt="4">
-        <dgm:presLayoutVars>
-          <dgm:bulletEnabled val="1"/>
-        </dgm:presLayoutVars>
-      </dgm:prSet>
-      <dgm:spPr/>
-      <dgm:t>
-        <a:bodyPr/>
-        <a:lstStyle/>
-        <a:p>
-          <a:endParaRPr lang="es-CO"/>
-        </a:p>
-      </dgm:t>
-    </dgm:pt>
-    <dgm:pt modelId="{168F85BB-F61C-421E-A70E-12B3E3C6490D}" type="pres">
-      <dgm:prSet presAssocID="{282E005B-5CB5-4F87-A7A7-5C44397C5666}" presName="sp" presStyleCnt="0"/>
-      <dgm:spPr/>
-    </dgm:pt>
-    <dgm:pt modelId="{1225C8B9-74FD-4FC3-A36E-6ED7231CE008}" type="pres">
-      <dgm:prSet presAssocID="{F6524DA8-06A7-4701-99CE-BE77F9F3AD49}" presName="composite" presStyleCnt="0"/>
-      <dgm:spPr/>
-    </dgm:pt>
-    <dgm:pt modelId="{A5FBD47A-6D83-49BB-A933-B470695E830D}" type="pres">
-      <dgm:prSet presAssocID="{F6524DA8-06A7-4701-99CE-BE77F9F3AD49}" presName="parentText" presStyleLbl="alignNode1" presStyleIdx="3" presStyleCnt="4">
-        <dgm:presLayoutVars>
-          <dgm:chMax val="1"/>
-          <dgm:bulletEnabled val="1"/>
-        </dgm:presLayoutVars>
-      </dgm:prSet>
-      <dgm:spPr/>
-      <dgm:t>
-        <a:bodyPr/>
-        <a:lstStyle/>
-        <a:p>
-          <a:endParaRPr lang="es-CO"/>
-        </a:p>
-      </dgm:t>
-    </dgm:pt>
-    <dgm:pt modelId="{F19C4BD5-1B16-4E50-94CC-EB7FE747C815}" type="pres">
-      <dgm:prSet presAssocID="{F6524DA8-06A7-4701-99CE-BE77F9F3AD49}" presName="descendantText" presStyleLbl="alignAcc1" presStyleIdx="3" presStyleCnt="4">
-        <dgm:presLayoutVars>
-          <dgm:bulletEnabled val="1"/>
-        </dgm:presLayoutVars>
-      </dgm:prSet>
-      <dgm:spPr/>
-      <dgm:t>
-        <a:bodyPr/>
-        <a:lstStyle/>
-        <a:p>
-          <a:endParaRPr lang="es-CO"/>
-        </a:p>
-      </dgm:t>
-    </dgm:pt>
-  </dgm:ptLst>
-  <dgm:cxnLst>
-    <dgm:cxn modelId="{306470D0-A5E5-4088-984C-B31579827439}" srcId="{F6524DA8-06A7-4701-99CE-BE77F9F3AD49}" destId="{74A985CE-7880-49DB-B5F4-BB574779183D}" srcOrd="0" destOrd="0" parTransId="{2C1AE2E8-AC39-4D9D-BAEF-932499C31B96}" sibTransId="{2CC2AC7B-B013-4DF0-A8EC-CDED53E9E30B}"/>
-    <dgm:cxn modelId="{30E8D2B2-216B-4F1F-A2F0-0A64BF071FBC}" srcId="{202E78E9-7ECE-434E-959B-D55D97C37124}" destId="{068B5CC8-57AD-4636-B90A-481C07210CF6}" srcOrd="0" destOrd="0" parTransId="{556352DE-7871-4BF7-A88A-1497C98A2600}" sibTransId="{E1BD9897-33C3-4A8D-89B2-B8EE8E955352}"/>
-    <dgm:cxn modelId="{AD89074E-360E-FC4D-910B-FCA1D8EB8E48}" type="presOf" srcId="{74A985CE-7880-49DB-B5F4-BB574779183D}" destId="{F19C4BD5-1B16-4E50-94CC-EB7FE747C815}" srcOrd="0" destOrd="0" presId="urn:microsoft.com/office/officeart/2005/8/layout/chevron2"/>
-    <dgm:cxn modelId="{6BA267F5-EC9C-4A52-8617-4846D5326A2C}" srcId="{BB8EB9C1-886A-4391-9C84-0FD255C04E1D}" destId="{CD8C32E0-13D4-4235-BAD4-EE0061458B65}" srcOrd="2" destOrd="0" parTransId="{73F5387E-DA9C-44D5-918C-D998F5B232DD}" sibTransId="{282E005B-5CB5-4F87-A7A7-5C44397C5666}"/>
-    <dgm:cxn modelId="{E1D2429A-1B50-4E86-9CAF-77ACA1070303}" srcId="{BB8EB9C1-886A-4391-9C84-0FD255C04E1D}" destId="{202E78E9-7ECE-434E-959B-D55D97C37124}" srcOrd="1" destOrd="0" parTransId="{4DDAB1BB-9861-4568-8CB8-7C535F0EF8E4}" sibTransId="{F3624D79-48CE-446F-A7C5-3878C5B3637F}"/>
-    <dgm:cxn modelId="{951A1ACA-79C0-D54A-B6D3-ABEEE7BEEB7B}" type="presOf" srcId="{202E78E9-7ECE-434E-959B-D55D97C37124}" destId="{42FF1629-B21A-4D62-A33A-B2F2A5740F24}" srcOrd="0" destOrd="0" presId="urn:microsoft.com/office/officeart/2005/8/layout/chevron2"/>
-    <dgm:cxn modelId="{C2BEF887-B3EC-41D0-BAB9-E70DDAE1A614}" srcId="{BB8EB9C1-886A-4391-9C84-0FD255C04E1D}" destId="{F6524DA8-06A7-4701-99CE-BE77F9F3AD49}" srcOrd="3" destOrd="0" parTransId="{27CDF950-7D94-4F22-B0E2-4C6CC9B16D15}" sibTransId="{5DE662BE-93BD-4C80-B33D-29CDACE4CC29}"/>
-    <dgm:cxn modelId="{CB46B1F6-CCFB-4683-9F8B-5C101A37C2AB}" srcId="{BABD2379-343F-47A5-823B-224360736C39}" destId="{56415445-9530-4471-B195-6C52757DD2A7}" srcOrd="0" destOrd="0" parTransId="{CF01BBE5-E724-4F3D-B88F-4CC2A5A37819}" sibTransId="{3F1E3512-591D-4D92-B1BA-9CF22EA6357D}"/>
-    <dgm:cxn modelId="{6D8A5AA8-0A44-4A65-8C1B-4F82FCC91262}" srcId="{BB8EB9C1-886A-4391-9C84-0FD255C04E1D}" destId="{BABD2379-343F-47A5-823B-224360736C39}" srcOrd="0" destOrd="0" parTransId="{E363EB68-3D26-451D-B0FD-CEDEE8A2FF43}" sibTransId="{29B29AD5-5EDB-43C2-B3D1-7760A46CA1B2}"/>
-    <dgm:cxn modelId="{3447E077-07C8-8840-A982-6845C21D3502}" type="presOf" srcId="{56415445-9530-4471-B195-6C52757DD2A7}" destId="{0514DF8F-770E-4115-BE0C-CC70F2CFDFE4}" srcOrd="0" destOrd="0" presId="urn:microsoft.com/office/officeart/2005/8/layout/chevron2"/>
-    <dgm:cxn modelId="{3AE31426-B178-DD45-A03A-787B752915EA}" type="presOf" srcId="{CD8C32E0-13D4-4235-BAD4-EE0061458B65}" destId="{4BC23077-6490-4408-A337-FF3A579D89AF}" srcOrd="0" destOrd="0" presId="urn:microsoft.com/office/officeart/2005/8/layout/chevron2"/>
-    <dgm:cxn modelId="{0D06A29F-EF95-B346-B5AA-5F6D64C5F046}" type="presOf" srcId="{F6524DA8-06A7-4701-99CE-BE77F9F3AD49}" destId="{A5FBD47A-6D83-49BB-A933-B470695E830D}" srcOrd="0" destOrd="0" presId="urn:microsoft.com/office/officeart/2005/8/layout/chevron2"/>
-    <dgm:cxn modelId="{529432E1-CED0-C74B-A9DF-17087C9702FA}" type="presOf" srcId="{068B5CC8-57AD-4636-B90A-481C07210CF6}" destId="{CCBA1F7B-3D2C-488C-8D77-20353E1B5831}" srcOrd="0" destOrd="0" presId="urn:microsoft.com/office/officeart/2005/8/layout/chevron2"/>
-    <dgm:cxn modelId="{8D6053F4-0EF3-9A46-BA21-27503DDDB5D7}" type="presOf" srcId="{BB8EB9C1-886A-4391-9C84-0FD255C04E1D}" destId="{6DB7BD36-A8FA-49F5-AF8F-8761020E2274}" srcOrd="0" destOrd="0" presId="urn:microsoft.com/office/officeart/2005/8/layout/chevron2"/>
-    <dgm:cxn modelId="{811A7E5C-2A94-7A4E-B252-4273ED8CAEF7}" type="presOf" srcId="{22345D8B-874C-4537-BD30-04E980806A75}" destId="{0E096BBC-812D-4B0E-B28B-8AEF3201000E}" srcOrd="0" destOrd="0" presId="urn:microsoft.com/office/officeart/2005/8/layout/chevron2"/>
-    <dgm:cxn modelId="{A3018996-E6BC-1940-93EC-A0308B9F6F17}" type="presOf" srcId="{BABD2379-343F-47A5-823B-224360736C39}" destId="{F8C150D7-64A4-4116-92BD-05EEB80B6636}" srcOrd="0" destOrd="0" presId="urn:microsoft.com/office/officeart/2005/8/layout/chevron2"/>
-    <dgm:cxn modelId="{55B76DA3-5477-4474-8B35-CCCF4319CE8B}" srcId="{CD8C32E0-13D4-4235-BAD4-EE0061458B65}" destId="{22345D8B-874C-4537-BD30-04E980806A75}" srcOrd="0" destOrd="0" parTransId="{205D0D9D-A0FD-40C6-BFD7-1D1EC2D89D31}" sibTransId="{425F65D2-5B74-430B-923A-6DC29DEF7902}"/>
-    <dgm:cxn modelId="{C5196912-E572-6D4E-84CC-6718771F9CC2}" type="presParOf" srcId="{6DB7BD36-A8FA-49F5-AF8F-8761020E2274}" destId="{718AFB7F-EB24-47AB-9237-A7A855453ABE}" srcOrd="0" destOrd="0" presId="urn:microsoft.com/office/officeart/2005/8/layout/chevron2"/>
-    <dgm:cxn modelId="{53421BF3-E796-0E41-9F1F-D7E6D7BCAD3B}" type="presParOf" srcId="{718AFB7F-EB24-47AB-9237-A7A855453ABE}" destId="{F8C150D7-64A4-4116-92BD-05EEB80B6636}" srcOrd="0" destOrd="0" presId="urn:microsoft.com/office/officeart/2005/8/layout/chevron2"/>
-    <dgm:cxn modelId="{3CFA18CD-25FA-AB45-BB8B-34D38F2EDE7C}" type="presParOf" srcId="{718AFB7F-EB24-47AB-9237-A7A855453ABE}" destId="{0514DF8F-770E-4115-BE0C-CC70F2CFDFE4}" srcOrd="1" destOrd="0" presId="urn:microsoft.com/office/officeart/2005/8/layout/chevron2"/>
-    <dgm:cxn modelId="{B5DA5FCC-9F8E-A649-8235-0843E138FA11}" type="presParOf" srcId="{6DB7BD36-A8FA-49F5-AF8F-8761020E2274}" destId="{93CC4C4A-32FD-49C4-A967-7679E4F86B95}" srcOrd="1" destOrd="0" presId="urn:microsoft.com/office/officeart/2005/8/layout/chevron2"/>
-    <dgm:cxn modelId="{510BE46F-11C8-024A-99A3-5B66083A4AD6}" type="presParOf" srcId="{6DB7BD36-A8FA-49F5-AF8F-8761020E2274}" destId="{A63055E5-D2F3-4B07-BFD4-B877BB9DC5B5}" srcOrd="2" destOrd="0" presId="urn:microsoft.com/office/officeart/2005/8/layout/chevron2"/>
-    <dgm:cxn modelId="{90F1E135-FFDE-9D49-B7F0-7BDEB22E83DE}" type="presParOf" srcId="{A63055E5-D2F3-4B07-BFD4-B877BB9DC5B5}" destId="{42FF1629-B21A-4D62-A33A-B2F2A5740F24}" srcOrd="0" destOrd="0" presId="urn:microsoft.com/office/officeart/2005/8/layout/chevron2"/>
-    <dgm:cxn modelId="{C8E613DA-B86F-B340-95DC-DA3F9ADAE333}" type="presParOf" srcId="{A63055E5-D2F3-4B07-BFD4-B877BB9DC5B5}" destId="{CCBA1F7B-3D2C-488C-8D77-20353E1B5831}" srcOrd="1" destOrd="0" presId="urn:microsoft.com/office/officeart/2005/8/layout/chevron2"/>
-    <dgm:cxn modelId="{47AE2BB7-C18A-2449-9200-EE4E4BC885F0}" type="presParOf" srcId="{6DB7BD36-A8FA-49F5-AF8F-8761020E2274}" destId="{90A50E50-E6D1-46C6-886D-05851F955C1D}" srcOrd="3" destOrd="0" presId="urn:microsoft.com/office/officeart/2005/8/layout/chevron2"/>
-    <dgm:cxn modelId="{E86D9A4B-1B4B-774B-A0B5-4CF65CE44FEF}" type="presParOf" srcId="{6DB7BD36-A8FA-49F5-AF8F-8761020E2274}" destId="{95A7A3B9-5C6B-4552-AB69-962403C29006}" srcOrd="4" destOrd="0" presId="urn:microsoft.com/office/officeart/2005/8/layout/chevron2"/>
-    <dgm:cxn modelId="{4387C6E4-DF94-CD44-B0E0-E101F8ED645F}" type="presParOf" srcId="{95A7A3B9-5C6B-4552-AB69-962403C29006}" destId="{4BC23077-6490-4408-A337-FF3A579D89AF}" srcOrd="0" destOrd="0" presId="urn:microsoft.com/office/officeart/2005/8/layout/chevron2"/>
-    <dgm:cxn modelId="{F6534E61-FE9E-F04C-9F43-73EF36A2B2B1}" type="presParOf" srcId="{95A7A3B9-5C6B-4552-AB69-962403C29006}" destId="{0E096BBC-812D-4B0E-B28B-8AEF3201000E}" srcOrd="1" destOrd="0" presId="urn:microsoft.com/office/officeart/2005/8/layout/chevron2"/>
-    <dgm:cxn modelId="{F13AA995-DC64-AB49-9693-0A7EF7F42B56}" type="presParOf" srcId="{6DB7BD36-A8FA-49F5-AF8F-8761020E2274}" destId="{168F85BB-F61C-421E-A70E-12B3E3C6490D}" srcOrd="5" destOrd="0" presId="urn:microsoft.com/office/officeart/2005/8/layout/chevron2"/>
-    <dgm:cxn modelId="{AC631144-EB59-3E44-A581-7B25BCD2E9AA}" type="presParOf" srcId="{6DB7BD36-A8FA-49F5-AF8F-8761020E2274}" destId="{1225C8B9-74FD-4FC3-A36E-6ED7231CE008}" srcOrd="6" destOrd="0" presId="urn:microsoft.com/office/officeart/2005/8/layout/chevron2"/>
-    <dgm:cxn modelId="{38726DF5-3F0E-0C4F-A8D6-CF3B874E8F0A}" type="presParOf" srcId="{1225C8B9-74FD-4FC3-A36E-6ED7231CE008}" destId="{A5FBD47A-6D83-49BB-A933-B470695E830D}" srcOrd="0" destOrd="0" presId="urn:microsoft.com/office/officeart/2005/8/layout/chevron2"/>
-    <dgm:cxn modelId="{43920F3B-72E0-E741-B816-2B2A42877945}" type="presParOf" srcId="{1225C8B9-74FD-4FC3-A36E-6ED7231CE008}" destId="{F19C4BD5-1B16-4E50-94CC-EB7FE747C815}" srcOrd="1" destOrd="0" presId="urn:microsoft.com/office/officeart/2005/8/layout/chevron2"/>
-  </dgm:cxnLst>
-  <dgm:bg/>
-  <dgm:whole/>
-  <dgm:extLst>
-    <a:ext uri="http://schemas.microsoft.com/office/drawing/2008/diagram">
-      <dsp:dataModelExt xmlns:dsp="http://schemas.microsoft.com/office/drawing/2008/diagram" relId="rId8" minVer="http://schemas.openxmlformats.org/drawingml/2006/diagram"/>
-    </a:ext>
-  </dgm:extLst>
-</dgm:dataModel>
-</file>
-
-<file path=ppt/diagrams/data3.xml><?xml version="1.0" encoding="utf-8"?>
 <dgm:dataModel xmlns:dgm="http://schemas.openxmlformats.org/drawingml/2006/diagram" xmlns:a="http://schemas.openxmlformats.org/drawingml/2006/main">
   <dgm:ptLst>
     <dgm:pt modelId="{8345C607-79DE-4DC5-A15D-D65AF58B8156}" type="doc">
@@ -6465,7 +4964,7 @@
 </dgm:dataModel>
 </file>
 
-<file path=ppt/diagrams/data4.xml><?xml version="1.0" encoding="utf-8"?>
+<file path=ppt/diagrams/data3.xml><?xml version="1.0" encoding="utf-8"?>
 <dgm:dataModel xmlns:dgm="http://schemas.openxmlformats.org/drawingml/2006/diagram" xmlns:a="http://schemas.openxmlformats.org/drawingml/2006/main">
   <dgm:ptLst>
     <dgm:pt modelId="{5AED743B-61E9-43F0-B4E6-CD66C7CACB11}" type="doc">
@@ -7607,7 +6106,7 @@
 </dgm:dataModel>
 </file>
 
-<file path=ppt/diagrams/data5.xml><?xml version="1.0" encoding="utf-8"?>
+<file path=ppt/diagrams/data4.xml><?xml version="1.0" encoding="utf-8"?>
 <dgm:dataModel xmlns:dgm="http://schemas.openxmlformats.org/drawingml/2006/diagram" xmlns:a="http://schemas.openxmlformats.org/drawingml/2006/main">
   <dgm:ptLst>
     <dgm:pt modelId="{5744469D-28A9-4C46-B106-1ECC8349545E}" type="doc">
@@ -8259,19 +6758,11 @@
           </a:pPr>
           <a:r>
             <a:rPr lang="en-US" sz="2400" kern="1200" dirty="0" smtClean="0"/>
-            <a:t>SISTEMA DE INFORMACIÓN </a:t>
-          </a:r>
-          <a:r>
-            <a:rPr lang="en-US" sz="2400" kern="1200" dirty="0" smtClean="0"/>
-            <a:t>PARA </a:t>
+            <a:t>SISTEMA DE INFORMACIÓN PARA </a:t>
           </a:r>
           <a:r>
             <a:rPr lang="es-ES" sz="2400" kern="1200" dirty="0" smtClean="0"/>
-            <a:t>DETECTAR </a:t>
-          </a:r>
-          <a:r>
-            <a:rPr lang="es-ES" sz="2400" kern="1200" dirty="0" smtClean="0"/>
-            <a:t>FRAUDE EN REDES ELÉCTRICAS</a:t>
+            <a:t>DETECTAR FRAUDE EN REDES ELÉCTRICAS</a:t>
           </a:r>
           <a:endParaRPr lang="es-ES" sz="2400" kern="1200" dirty="0"/>
         </a:p>
@@ -8559,7 +7050,19 @@
           </a:pPr>
           <a:r>
             <a:rPr lang="es-ES" sz="1400" b="1" kern="1200" dirty="0" smtClean="0"/>
-            <a:t>Diseñar una herramienta tecnología que analice todos los datos de consumo</a:t>
+            <a:t>Diseñar una herramienta </a:t>
+          </a:r>
+          <a:r>
+            <a:rPr lang="es-ES" sz="1400" b="1" kern="1200" dirty="0" err="1" smtClean="0"/>
+            <a:t>tecnologíca</a:t>
+          </a:r>
+          <a:r>
+            <a:rPr lang="es-ES" sz="1400" b="1" kern="1200" dirty="0" smtClean="0"/>
+            <a:t> </a:t>
+          </a:r>
+          <a:r>
+            <a:rPr lang="es-ES" sz="1400" b="1" kern="1200" dirty="0" smtClean="0"/>
+            <a:t>que analice todos los datos de consumo</a:t>
           </a:r>
           <a:endParaRPr lang="es-ES" sz="1400" b="1" kern="1200" dirty="0"/>
         </a:p>
@@ -8622,804 +7125,6 @@
 </file>
 
 <file path=ppt/diagrams/drawing2.xml><?xml version="1.0" encoding="utf-8"?>
-<dsp:drawing xmlns:dgm="http://schemas.openxmlformats.org/drawingml/2006/diagram" xmlns:dsp="http://schemas.microsoft.com/office/drawing/2008/diagram" xmlns:a="http://schemas.openxmlformats.org/drawingml/2006/main">
-  <dsp:spTree>
-    <dsp:nvGrpSpPr>
-      <dsp:cNvPr id="0" name=""/>
-      <dsp:cNvGrpSpPr/>
-    </dsp:nvGrpSpPr>
-    <dsp:grpSpPr/>
-    <dsp:sp modelId="{F8C150D7-64A4-4116-92BD-05EEB80B6636}">
-      <dsp:nvSpPr>
-        <dsp:cNvPr id="0" name=""/>
-        <dsp:cNvSpPr/>
-      </dsp:nvSpPr>
-      <dsp:spPr>
-        <a:xfrm rot="5400000">
-          <a:off x="-137126" y="138494"/>
-          <a:ext cx="914176" cy="639923"/>
-        </a:xfrm>
-        <a:prstGeom prst="chevron">
-          <a:avLst/>
-        </a:prstGeom>
-        <a:solidFill>
-          <a:schemeClr val="accent2">
-            <a:hueOff val="0"/>
-            <a:satOff val="0"/>
-            <a:lumOff val="0"/>
-            <a:alphaOff val="0"/>
-          </a:schemeClr>
-        </a:solidFill>
-        <a:ln w="25400" cap="flat" cmpd="sng" algn="ctr">
-          <a:solidFill>
-            <a:schemeClr val="accent2">
-              <a:hueOff val="0"/>
-              <a:satOff val="0"/>
-              <a:lumOff val="0"/>
-              <a:alphaOff val="0"/>
-            </a:schemeClr>
-          </a:solidFill>
-          <a:prstDash val="solid"/>
-        </a:ln>
-        <a:effectLst/>
-      </dsp:spPr>
-      <dsp:style>
-        <a:lnRef idx="2">
-          <a:scrgbClr r="0" g="0" b="0"/>
-        </a:lnRef>
-        <a:fillRef idx="1">
-          <a:scrgbClr r="0" g="0" b="0"/>
-        </a:fillRef>
-        <a:effectRef idx="0">
-          <a:scrgbClr r="0" g="0" b="0"/>
-        </a:effectRef>
-        <a:fontRef idx="minor">
-          <a:schemeClr val="lt1"/>
-        </a:fontRef>
-      </dsp:style>
-      <dsp:txBody>
-        <a:bodyPr spcFirstLastPara="0" vert="horz" wrap="square" lIns="11430" tIns="11430" rIns="11430" bIns="11430" numCol="1" spcCol="1270" anchor="ctr" anchorCtr="0">
-          <a:noAutofit/>
-        </a:bodyPr>
-        <a:lstStyle/>
-        <a:p>
-          <a:pPr lvl="0" algn="ctr" defTabSz="800100">
-            <a:lnSpc>
-              <a:spcPct val="90000"/>
-            </a:lnSpc>
-            <a:spcBef>
-              <a:spcPct val="0"/>
-            </a:spcBef>
-            <a:spcAft>
-              <a:spcPct val="35000"/>
-            </a:spcAft>
-          </a:pPr>
-          <a:r>
-            <a:rPr lang="en-US" sz="1800" kern="1200">
-              <a:latin typeface="Abadi MT Condensed Light"/>
-            </a:rPr>
-            <a:t>1.</a:t>
-          </a:r>
-        </a:p>
-      </dsp:txBody>
-      <dsp:txXfrm rot="-5400000">
-        <a:off x="1" y="321330"/>
-        <a:ext cx="639923" cy="274253"/>
-      </dsp:txXfrm>
-    </dsp:sp>
-    <dsp:sp modelId="{0514DF8F-770E-4115-BE0C-CC70F2CFDFE4}">
-      <dsp:nvSpPr>
-        <dsp:cNvPr id="0" name=""/>
-        <dsp:cNvSpPr/>
-      </dsp:nvSpPr>
-      <dsp:spPr>
-        <a:xfrm rot="5400000">
-          <a:off x="2766054" y="-2124763"/>
-          <a:ext cx="594214" cy="4846476"/>
-        </a:xfrm>
-        <a:prstGeom prst="round2SameRect">
-          <a:avLst/>
-        </a:prstGeom>
-        <a:solidFill>
-          <a:schemeClr val="lt1">
-            <a:alpha val="90000"/>
-            <a:hueOff val="0"/>
-            <a:satOff val="0"/>
-            <a:lumOff val="0"/>
-            <a:alphaOff val="0"/>
-          </a:schemeClr>
-        </a:solidFill>
-        <a:ln w="25400" cap="flat" cmpd="sng" algn="ctr">
-          <a:solidFill>
-            <a:schemeClr val="accent2">
-              <a:hueOff val="0"/>
-              <a:satOff val="0"/>
-              <a:lumOff val="0"/>
-              <a:alphaOff val="0"/>
-            </a:schemeClr>
-          </a:solidFill>
-          <a:prstDash val="solid"/>
-        </a:ln>
-        <a:effectLst/>
-      </dsp:spPr>
-      <dsp:style>
-        <a:lnRef idx="2">
-          <a:scrgbClr r="0" g="0" b="0"/>
-        </a:lnRef>
-        <a:fillRef idx="1">
-          <a:scrgbClr r="0" g="0" b="0"/>
-        </a:fillRef>
-        <a:effectRef idx="0">
-          <a:scrgbClr r="0" g="0" b="0"/>
-        </a:effectRef>
-        <a:fontRef idx="minor"/>
-      </dsp:style>
-      <dsp:txBody>
-        <a:bodyPr spcFirstLastPara="0" vert="horz" wrap="square" lIns="99568" tIns="8890" rIns="8890" bIns="8890" numCol="1" spcCol="1270" anchor="ctr" anchorCtr="0">
-          <a:noAutofit/>
-        </a:bodyPr>
-        <a:lstStyle/>
-        <a:p>
-          <a:pPr marL="114300" lvl="1" indent="-114300" algn="l" defTabSz="622300">
-            <a:lnSpc>
-              <a:spcPct val="90000"/>
-            </a:lnSpc>
-            <a:spcBef>
-              <a:spcPct val="0"/>
-            </a:spcBef>
-            <a:spcAft>
-              <a:spcPct val="15000"/>
-            </a:spcAft>
-            <a:buChar char="•"/>
-          </a:pPr>
-          <a:r>
-            <a:rPr lang="es-ES_tradnl" sz="1400" kern="1200" dirty="0">
-              <a:latin typeface="+mj-lt"/>
-            </a:rPr>
-            <a:t>Diseñar, construir e implementar un </a:t>
-          </a:r>
-          <a:r>
-            <a:rPr lang="es-ES_tradnl" sz="1400" kern="1200" dirty="0" smtClean="0">
-              <a:latin typeface="+mj-lt"/>
-            </a:rPr>
-            <a:t>sistema </a:t>
-          </a:r>
-          <a:r>
-            <a:rPr lang="es-ES_tradnl" sz="1400" kern="1200" dirty="0">
-              <a:latin typeface="+mj-lt"/>
-            </a:rPr>
-            <a:t>de información a la medida para </a:t>
-          </a:r>
-          <a:r>
-            <a:rPr lang="es-ES_tradnl" sz="1400" kern="1200" dirty="0" smtClean="0">
-              <a:latin typeface="+mj-lt"/>
-            </a:rPr>
-            <a:t>el análisis </a:t>
-          </a:r>
-          <a:r>
-            <a:rPr lang="es-ES_tradnl" sz="1400" kern="1200" dirty="0">
-              <a:latin typeface="+mj-lt"/>
-            </a:rPr>
-            <a:t>de datos de las mediciones.  </a:t>
-          </a:r>
-          <a:endParaRPr lang="en-US" sz="1400" kern="1200" dirty="0">
-            <a:latin typeface="+mj-lt"/>
-          </a:endParaRPr>
-        </a:p>
-      </dsp:txBody>
-      <dsp:txXfrm rot="-5400000">
-        <a:off x="639924" y="30374"/>
-        <a:ext cx="4817469" cy="536200"/>
-      </dsp:txXfrm>
-    </dsp:sp>
-    <dsp:sp modelId="{42FF1629-B21A-4D62-A33A-B2F2A5740F24}">
-      <dsp:nvSpPr>
-        <dsp:cNvPr id="0" name=""/>
-        <dsp:cNvSpPr/>
-      </dsp:nvSpPr>
-      <dsp:spPr>
-        <a:xfrm rot="5400000">
-          <a:off x="-137126" y="899656"/>
-          <a:ext cx="914176" cy="639923"/>
-        </a:xfrm>
-        <a:prstGeom prst="chevron">
-          <a:avLst/>
-        </a:prstGeom>
-        <a:solidFill>
-          <a:schemeClr val="accent2">
-            <a:hueOff val="1560507"/>
-            <a:satOff val="-1946"/>
-            <a:lumOff val="458"/>
-            <a:alphaOff val="0"/>
-          </a:schemeClr>
-        </a:solidFill>
-        <a:ln w="25400" cap="flat" cmpd="sng" algn="ctr">
-          <a:solidFill>
-            <a:schemeClr val="accent2">
-              <a:hueOff val="1560507"/>
-              <a:satOff val="-1946"/>
-              <a:lumOff val="458"/>
-              <a:alphaOff val="0"/>
-            </a:schemeClr>
-          </a:solidFill>
-          <a:prstDash val="solid"/>
-        </a:ln>
-        <a:effectLst/>
-      </dsp:spPr>
-      <dsp:style>
-        <a:lnRef idx="2">
-          <a:scrgbClr r="0" g="0" b="0"/>
-        </a:lnRef>
-        <a:fillRef idx="1">
-          <a:scrgbClr r="0" g="0" b="0"/>
-        </a:fillRef>
-        <a:effectRef idx="0">
-          <a:scrgbClr r="0" g="0" b="0"/>
-        </a:effectRef>
-        <a:fontRef idx="minor">
-          <a:schemeClr val="lt1"/>
-        </a:fontRef>
-      </dsp:style>
-      <dsp:txBody>
-        <a:bodyPr spcFirstLastPara="0" vert="horz" wrap="square" lIns="11430" tIns="11430" rIns="11430" bIns="11430" numCol="1" spcCol="1270" anchor="ctr" anchorCtr="0">
-          <a:noAutofit/>
-        </a:bodyPr>
-        <a:lstStyle/>
-        <a:p>
-          <a:pPr lvl="0" algn="ctr" defTabSz="800100">
-            <a:lnSpc>
-              <a:spcPct val="90000"/>
-            </a:lnSpc>
-            <a:spcBef>
-              <a:spcPct val="0"/>
-            </a:spcBef>
-            <a:spcAft>
-              <a:spcPct val="35000"/>
-            </a:spcAft>
-          </a:pPr>
-          <a:r>
-            <a:rPr lang="en-US" sz="1800" kern="1200">
-              <a:latin typeface="Abadi MT Condensed Light"/>
-            </a:rPr>
-            <a:t>2.</a:t>
-          </a:r>
-        </a:p>
-      </dsp:txBody>
-      <dsp:txXfrm rot="-5400000">
-        <a:off x="1" y="1082492"/>
-        <a:ext cx="639923" cy="274253"/>
-      </dsp:txXfrm>
-    </dsp:sp>
-    <dsp:sp modelId="{CCBA1F7B-3D2C-488C-8D77-20353E1B5831}">
-      <dsp:nvSpPr>
-        <dsp:cNvPr id="0" name=""/>
-        <dsp:cNvSpPr/>
-      </dsp:nvSpPr>
-      <dsp:spPr>
-        <a:xfrm rot="5400000">
-          <a:off x="2766054" y="-1363600"/>
-          <a:ext cx="594214" cy="4846476"/>
-        </a:xfrm>
-        <a:prstGeom prst="round2SameRect">
-          <a:avLst/>
-        </a:prstGeom>
-        <a:solidFill>
-          <a:schemeClr val="lt1">
-            <a:alpha val="90000"/>
-            <a:hueOff val="0"/>
-            <a:satOff val="0"/>
-            <a:lumOff val="0"/>
-            <a:alphaOff val="0"/>
-          </a:schemeClr>
-        </a:solidFill>
-        <a:ln w="25400" cap="flat" cmpd="sng" algn="ctr">
-          <a:solidFill>
-            <a:schemeClr val="accent2">
-              <a:hueOff val="1560507"/>
-              <a:satOff val="-1946"/>
-              <a:lumOff val="458"/>
-              <a:alphaOff val="0"/>
-            </a:schemeClr>
-          </a:solidFill>
-          <a:prstDash val="solid"/>
-        </a:ln>
-        <a:effectLst/>
-      </dsp:spPr>
-      <dsp:style>
-        <a:lnRef idx="2">
-          <a:scrgbClr r="0" g="0" b="0"/>
-        </a:lnRef>
-        <a:fillRef idx="1">
-          <a:scrgbClr r="0" g="0" b="0"/>
-        </a:fillRef>
-        <a:effectRef idx="0">
-          <a:scrgbClr r="0" g="0" b="0"/>
-        </a:effectRef>
-        <a:fontRef idx="minor"/>
-      </dsp:style>
-      <dsp:txBody>
-        <a:bodyPr spcFirstLastPara="0" vert="horz" wrap="square" lIns="99568" tIns="8890" rIns="8890" bIns="8890" numCol="1" spcCol="1270" anchor="ctr" anchorCtr="0">
-          <a:noAutofit/>
-        </a:bodyPr>
-        <a:lstStyle/>
-        <a:p>
-          <a:pPr marL="114300" lvl="1" indent="-114300" algn="l" defTabSz="622300">
-            <a:lnSpc>
-              <a:spcPct val="90000"/>
-            </a:lnSpc>
-            <a:spcBef>
-              <a:spcPct val="0"/>
-            </a:spcBef>
-            <a:spcAft>
-              <a:spcPct val="15000"/>
-            </a:spcAft>
-            <a:buChar char="•"/>
-          </a:pPr>
-          <a:r>
-            <a:rPr lang="en-US" sz="1400" kern="1200" dirty="0" err="1">
-              <a:latin typeface="+mj-lt"/>
-            </a:rPr>
-            <a:t>Mejorar</a:t>
-          </a:r>
-          <a:r>
-            <a:rPr lang="en-US" sz="1400" kern="1200" dirty="0">
-              <a:latin typeface="+mj-lt"/>
-            </a:rPr>
-            <a:t> la </a:t>
-          </a:r>
-          <a:r>
-            <a:rPr lang="en-US" sz="1400" kern="1200" dirty="0" err="1" smtClean="0">
-              <a:latin typeface="+mj-lt"/>
-            </a:rPr>
-            <a:t>tecnología</a:t>
-          </a:r>
-          <a:r>
-            <a:rPr lang="en-US" sz="1400" kern="1200" dirty="0" smtClean="0">
-              <a:latin typeface="+mj-lt"/>
-            </a:rPr>
-            <a:t> </a:t>
-          </a:r>
-          <a:r>
-            <a:rPr lang="en-US" sz="1400" kern="1200" dirty="0">
-              <a:latin typeface="+mj-lt"/>
-            </a:rPr>
-            <a:t>de </a:t>
-          </a:r>
-          <a:r>
-            <a:rPr lang="en-US" sz="1400" kern="1200" dirty="0" err="1" smtClean="0">
-              <a:latin typeface="+mj-lt"/>
-            </a:rPr>
-            <a:t>medición</a:t>
-          </a:r>
-          <a:r>
-            <a:rPr lang="en-US" sz="1400" kern="1200" dirty="0" smtClean="0">
-              <a:latin typeface="+mj-lt"/>
-            </a:rPr>
-            <a:t> </a:t>
-          </a:r>
-          <a:r>
-            <a:rPr lang="en-US" sz="1400" kern="1200" dirty="0" err="1">
-              <a:latin typeface="+mj-lt"/>
-            </a:rPr>
-            <a:t>en</a:t>
-          </a:r>
-          <a:r>
-            <a:rPr lang="en-US" sz="1400" kern="1200" dirty="0">
-              <a:latin typeface="+mj-lt"/>
-            </a:rPr>
-            <a:t> </a:t>
-          </a:r>
-          <a:r>
-            <a:rPr lang="en-US" sz="1400" kern="1200" dirty="0" err="1">
-              <a:latin typeface="+mj-lt"/>
-            </a:rPr>
-            <a:t>trasformadores</a:t>
-          </a:r>
-          <a:r>
-            <a:rPr lang="en-US" sz="1400" kern="1200" dirty="0">
-              <a:latin typeface="+mj-lt"/>
-            </a:rPr>
-            <a:t>. </a:t>
-          </a:r>
-        </a:p>
-      </dsp:txBody>
-      <dsp:txXfrm rot="-5400000">
-        <a:off x="639924" y="791537"/>
-        <a:ext cx="4817469" cy="536200"/>
-      </dsp:txXfrm>
-    </dsp:sp>
-    <dsp:sp modelId="{4BC23077-6490-4408-A337-FF3A579D89AF}">
-      <dsp:nvSpPr>
-        <dsp:cNvPr id="0" name=""/>
-        <dsp:cNvSpPr/>
-      </dsp:nvSpPr>
-      <dsp:spPr>
-        <a:xfrm rot="5400000">
-          <a:off x="-137126" y="1660819"/>
-          <a:ext cx="914176" cy="639923"/>
-        </a:xfrm>
-        <a:prstGeom prst="chevron">
-          <a:avLst/>
-        </a:prstGeom>
-        <a:solidFill>
-          <a:schemeClr val="accent2">
-            <a:hueOff val="3121013"/>
-            <a:satOff val="-3893"/>
-            <a:lumOff val="915"/>
-            <a:alphaOff val="0"/>
-          </a:schemeClr>
-        </a:solidFill>
-        <a:ln w="25400" cap="flat" cmpd="sng" algn="ctr">
-          <a:solidFill>
-            <a:schemeClr val="accent2">
-              <a:hueOff val="3121013"/>
-              <a:satOff val="-3893"/>
-              <a:lumOff val="915"/>
-              <a:alphaOff val="0"/>
-            </a:schemeClr>
-          </a:solidFill>
-          <a:prstDash val="solid"/>
-        </a:ln>
-        <a:effectLst/>
-      </dsp:spPr>
-      <dsp:style>
-        <a:lnRef idx="2">
-          <a:scrgbClr r="0" g="0" b="0"/>
-        </a:lnRef>
-        <a:fillRef idx="1">
-          <a:scrgbClr r="0" g="0" b="0"/>
-        </a:fillRef>
-        <a:effectRef idx="0">
-          <a:scrgbClr r="0" g="0" b="0"/>
-        </a:effectRef>
-        <a:fontRef idx="minor">
-          <a:schemeClr val="lt1"/>
-        </a:fontRef>
-      </dsp:style>
-      <dsp:txBody>
-        <a:bodyPr spcFirstLastPara="0" vert="horz" wrap="square" lIns="11430" tIns="11430" rIns="11430" bIns="11430" numCol="1" spcCol="1270" anchor="ctr" anchorCtr="0">
-          <a:noAutofit/>
-        </a:bodyPr>
-        <a:lstStyle/>
-        <a:p>
-          <a:pPr lvl="0" algn="ctr" defTabSz="800100">
-            <a:lnSpc>
-              <a:spcPct val="90000"/>
-            </a:lnSpc>
-            <a:spcBef>
-              <a:spcPct val="0"/>
-            </a:spcBef>
-            <a:spcAft>
-              <a:spcPct val="35000"/>
-            </a:spcAft>
-          </a:pPr>
-          <a:r>
-            <a:rPr lang="en-US" sz="1800" kern="1200">
-              <a:latin typeface="Abadi MT Condensed Light"/>
-            </a:rPr>
-            <a:t>3.</a:t>
-          </a:r>
-        </a:p>
-      </dsp:txBody>
-      <dsp:txXfrm rot="-5400000">
-        <a:off x="1" y="1843655"/>
-        <a:ext cx="639923" cy="274253"/>
-      </dsp:txXfrm>
-    </dsp:sp>
-    <dsp:sp modelId="{0E096BBC-812D-4B0E-B28B-8AEF3201000E}">
-      <dsp:nvSpPr>
-        <dsp:cNvPr id="0" name=""/>
-        <dsp:cNvSpPr/>
-      </dsp:nvSpPr>
-      <dsp:spPr>
-        <a:xfrm rot="5400000">
-          <a:off x="2766054" y="-602437"/>
-          <a:ext cx="594214" cy="4846476"/>
-        </a:xfrm>
-        <a:prstGeom prst="round2SameRect">
-          <a:avLst/>
-        </a:prstGeom>
-        <a:solidFill>
-          <a:schemeClr val="lt1">
-            <a:alpha val="90000"/>
-            <a:hueOff val="0"/>
-            <a:satOff val="0"/>
-            <a:lumOff val="0"/>
-            <a:alphaOff val="0"/>
-          </a:schemeClr>
-        </a:solidFill>
-        <a:ln w="25400" cap="flat" cmpd="sng" algn="ctr">
-          <a:solidFill>
-            <a:schemeClr val="accent2">
-              <a:hueOff val="3121013"/>
-              <a:satOff val="-3893"/>
-              <a:lumOff val="915"/>
-              <a:alphaOff val="0"/>
-            </a:schemeClr>
-          </a:solidFill>
-          <a:prstDash val="solid"/>
-        </a:ln>
-        <a:effectLst/>
-      </dsp:spPr>
-      <dsp:style>
-        <a:lnRef idx="2">
-          <a:scrgbClr r="0" g="0" b="0"/>
-        </a:lnRef>
-        <a:fillRef idx="1">
-          <a:scrgbClr r="0" g="0" b="0"/>
-        </a:fillRef>
-        <a:effectRef idx="0">
-          <a:scrgbClr r="0" g="0" b="0"/>
-        </a:effectRef>
-        <a:fontRef idx="minor"/>
-      </dsp:style>
-      <dsp:txBody>
-        <a:bodyPr spcFirstLastPara="0" vert="horz" wrap="square" lIns="99568" tIns="8890" rIns="8890" bIns="8890" numCol="1" spcCol="1270" anchor="ctr" anchorCtr="0">
-          <a:noAutofit/>
-        </a:bodyPr>
-        <a:lstStyle/>
-        <a:p>
-          <a:pPr marL="114300" lvl="1" indent="-114300" algn="l" defTabSz="622300">
-            <a:lnSpc>
-              <a:spcPct val="90000"/>
-            </a:lnSpc>
-            <a:spcBef>
-              <a:spcPct val="0"/>
-            </a:spcBef>
-            <a:spcAft>
-              <a:spcPct val="15000"/>
-            </a:spcAft>
-            <a:buChar char="•"/>
-          </a:pPr>
-          <a:r>
-            <a:rPr lang="en-US" sz="1400" kern="1200" dirty="0" err="1">
-              <a:latin typeface="+mn-lt"/>
-            </a:rPr>
-            <a:t>Reducir</a:t>
-          </a:r>
-          <a:r>
-            <a:rPr lang="en-US" sz="1400" kern="1200" dirty="0">
-              <a:latin typeface="+mn-lt"/>
-            </a:rPr>
-            <a:t> el </a:t>
-          </a:r>
-          <a:r>
-            <a:rPr lang="en-US" sz="1400" kern="1200" dirty="0" err="1" smtClean="0">
-              <a:latin typeface="+mn-lt"/>
-            </a:rPr>
-            <a:t>índice</a:t>
-          </a:r>
-          <a:r>
-            <a:rPr lang="en-US" sz="1400" kern="1200" dirty="0" smtClean="0">
-              <a:latin typeface="+mn-lt"/>
-            </a:rPr>
-            <a:t> </a:t>
-          </a:r>
-          <a:r>
-            <a:rPr lang="en-US" sz="1400" kern="1200" dirty="0">
-              <a:latin typeface="+mn-lt"/>
-            </a:rPr>
-            <a:t>de </a:t>
-          </a:r>
-          <a:r>
-            <a:rPr lang="en-US" sz="1400" kern="1200" dirty="0" err="1" smtClean="0">
-              <a:latin typeface="+mn-lt"/>
-            </a:rPr>
-            <a:t>pérdidas</a:t>
-          </a:r>
-          <a:r>
-            <a:rPr lang="en-US" sz="1400" kern="1200" dirty="0" smtClean="0">
-              <a:latin typeface="+mn-lt"/>
-            </a:rPr>
-            <a:t> </a:t>
-          </a:r>
-          <a:r>
-            <a:rPr lang="en-US" sz="1400" kern="1200" dirty="0" err="1" smtClean="0">
-              <a:latin typeface="+mn-lt"/>
-            </a:rPr>
-            <a:t>económicas</a:t>
-          </a:r>
-          <a:r>
-            <a:rPr lang="en-US" sz="1400" kern="1200" dirty="0" smtClean="0">
-              <a:latin typeface="+mn-lt"/>
-            </a:rPr>
-            <a:t> </a:t>
-          </a:r>
-          <a:r>
-            <a:rPr lang="en-US" sz="1400" kern="1200" dirty="0" err="1">
-              <a:latin typeface="+mn-lt"/>
-            </a:rPr>
-            <a:t>por</a:t>
-          </a:r>
-          <a:r>
-            <a:rPr lang="en-US" sz="1400" kern="1200" dirty="0">
-              <a:latin typeface="+mn-lt"/>
-            </a:rPr>
-            <a:t> </a:t>
-          </a:r>
-          <a:r>
-            <a:rPr lang="en-US" sz="1400" kern="1200" dirty="0" err="1">
-              <a:latin typeface="+mn-lt"/>
-            </a:rPr>
-            <a:t>fraude</a:t>
-          </a:r>
-          <a:r>
-            <a:rPr lang="en-US" sz="1400" kern="1200" dirty="0">
-              <a:latin typeface="+mn-lt"/>
-            </a:rPr>
-            <a:t>. </a:t>
-          </a:r>
-        </a:p>
-      </dsp:txBody>
-      <dsp:txXfrm rot="-5400000">
-        <a:off x="639924" y="1552700"/>
-        <a:ext cx="4817469" cy="536200"/>
-      </dsp:txXfrm>
-    </dsp:sp>
-    <dsp:sp modelId="{A5FBD47A-6D83-49BB-A933-B470695E830D}">
-      <dsp:nvSpPr>
-        <dsp:cNvPr id="0" name=""/>
-        <dsp:cNvSpPr/>
-      </dsp:nvSpPr>
-      <dsp:spPr>
-        <a:xfrm rot="5400000">
-          <a:off x="-137126" y="2421982"/>
-          <a:ext cx="914176" cy="639923"/>
-        </a:xfrm>
-        <a:prstGeom prst="chevron">
-          <a:avLst/>
-        </a:prstGeom>
-        <a:solidFill>
-          <a:schemeClr val="accent2">
-            <a:hueOff val="4681520"/>
-            <a:satOff val="-5839"/>
-            <a:lumOff val="1373"/>
-            <a:alphaOff val="0"/>
-          </a:schemeClr>
-        </a:solidFill>
-        <a:ln w="25400" cap="flat" cmpd="sng" algn="ctr">
-          <a:solidFill>
-            <a:schemeClr val="accent2">
-              <a:hueOff val="4681520"/>
-              <a:satOff val="-5839"/>
-              <a:lumOff val="1373"/>
-              <a:alphaOff val="0"/>
-            </a:schemeClr>
-          </a:solidFill>
-          <a:prstDash val="solid"/>
-        </a:ln>
-        <a:effectLst/>
-      </dsp:spPr>
-      <dsp:style>
-        <a:lnRef idx="2">
-          <a:scrgbClr r="0" g="0" b="0"/>
-        </a:lnRef>
-        <a:fillRef idx="1">
-          <a:scrgbClr r="0" g="0" b="0"/>
-        </a:fillRef>
-        <a:effectRef idx="0">
-          <a:scrgbClr r="0" g="0" b="0"/>
-        </a:effectRef>
-        <a:fontRef idx="minor">
-          <a:schemeClr val="lt1"/>
-        </a:fontRef>
-      </dsp:style>
-      <dsp:txBody>
-        <a:bodyPr spcFirstLastPara="0" vert="horz" wrap="square" lIns="11430" tIns="11430" rIns="11430" bIns="11430" numCol="1" spcCol="1270" anchor="ctr" anchorCtr="0">
-          <a:noAutofit/>
-        </a:bodyPr>
-        <a:lstStyle/>
-        <a:p>
-          <a:pPr lvl="0" algn="ctr" defTabSz="800100">
-            <a:lnSpc>
-              <a:spcPct val="90000"/>
-            </a:lnSpc>
-            <a:spcBef>
-              <a:spcPct val="0"/>
-            </a:spcBef>
-            <a:spcAft>
-              <a:spcPct val="35000"/>
-            </a:spcAft>
-          </a:pPr>
-          <a:r>
-            <a:rPr lang="en-US" sz="1800" kern="1200">
-              <a:latin typeface="Abadi MT Condensed Light"/>
-            </a:rPr>
-            <a:t>4.</a:t>
-          </a:r>
-        </a:p>
-      </dsp:txBody>
-      <dsp:txXfrm rot="-5400000">
-        <a:off x="1" y="2604818"/>
-        <a:ext cx="639923" cy="274253"/>
-      </dsp:txXfrm>
-    </dsp:sp>
-    <dsp:sp modelId="{F19C4BD5-1B16-4E50-94CC-EB7FE747C815}">
-      <dsp:nvSpPr>
-        <dsp:cNvPr id="0" name=""/>
-        <dsp:cNvSpPr/>
-      </dsp:nvSpPr>
-      <dsp:spPr>
-        <a:xfrm rot="5400000">
-          <a:off x="2766054" y="158724"/>
-          <a:ext cx="594214" cy="4846476"/>
-        </a:xfrm>
-        <a:prstGeom prst="round2SameRect">
-          <a:avLst/>
-        </a:prstGeom>
-        <a:solidFill>
-          <a:schemeClr val="lt1">
-            <a:alpha val="90000"/>
-            <a:hueOff val="0"/>
-            <a:satOff val="0"/>
-            <a:lumOff val="0"/>
-            <a:alphaOff val="0"/>
-          </a:schemeClr>
-        </a:solidFill>
-        <a:ln w="25400" cap="flat" cmpd="sng" algn="ctr">
-          <a:solidFill>
-            <a:schemeClr val="accent2">
-              <a:hueOff val="4681520"/>
-              <a:satOff val="-5839"/>
-              <a:lumOff val="1373"/>
-              <a:alphaOff val="0"/>
-            </a:schemeClr>
-          </a:solidFill>
-          <a:prstDash val="solid"/>
-        </a:ln>
-        <a:effectLst/>
-      </dsp:spPr>
-      <dsp:style>
-        <a:lnRef idx="2">
-          <a:scrgbClr r="0" g="0" b="0"/>
-        </a:lnRef>
-        <a:fillRef idx="1">
-          <a:scrgbClr r="0" g="0" b="0"/>
-        </a:fillRef>
-        <a:effectRef idx="0">
-          <a:scrgbClr r="0" g="0" b="0"/>
-        </a:effectRef>
-        <a:fontRef idx="minor"/>
-      </dsp:style>
-      <dsp:txBody>
-        <a:bodyPr spcFirstLastPara="0" vert="horz" wrap="square" lIns="99568" tIns="8890" rIns="8890" bIns="8890" numCol="1" spcCol="1270" anchor="ctr" anchorCtr="0">
-          <a:noAutofit/>
-        </a:bodyPr>
-        <a:lstStyle/>
-        <a:p>
-          <a:pPr marL="114300" lvl="1" indent="-114300" algn="l" defTabSz="622300">
-            <a:lnSpc>
-              <a:spcPct val="90000"/>
-            </a:lnSpc>
-            <a:spcBef>
-              <a:spcPct val="0"/>
-            </a:spcBef>
-            <a:spcAft>
-              <a:spcPct val="15000"/>
-            </a:spcAft>
-            <a:buChar char="•"/>
-          </a:pPr>
-          <a:r>
-            <a:rPr lang="es-ES_tradnl" sz="1400" kern="1200" dirty="0">
-              <a:latin typeface="+mj-lt"/>
-            </a:rPr>
-            <a:t>Capacitar a la comunidad en los procesos de control de recursos económicos para el hogar.</a:t>
-          </a:r>
-          <a:endParaRPr lang="en-US" sz="1400" kern="1200" dirty="0">
-            <a:latin typeface="+mj-lt"/>
-          </a:endParaRPr>
-        </a:p>
-      </dsp:txBody>
-      <dsp:txXfrm rot="-5400000">
-        <a:off x="639924" y="2313862"/>
-        <a:ext cx="4817469" cy="536200"/>
-      </dsp:txXfrm>
-    </dsp:sp>
-  </dsp:spTree>
-</dsp:drawing>
-</file>
-
-<file path=ppt/diagrams/drawing3.xml><?xml version="1.0" encoding="utf-8"?>
 <dsp:drawing xmlns:dgm="http://schemas.openxmlformats.org/drawingml/2006/diagram" xmlns:dsp="http://schemas.microsoft.com/office/drawing/2008/diagram" xmlns:a="http://schemas.openxmlformats.org/drawingml/2006/main">
   <dsp:spTree>
     <dsp:nvGrpSpPr>
@@ -9570,7 +7275,7 @@
             <a:spcAft>
               <a:spcPct val="15000"/>
             </a:spcAft>
-            <a:buChar char="•"/>
+            <a:buChar char="••"/>
           </a:pPr>
           <a:r>
             <a:rPr lang="es-CO" sz="1400" kern="1200" dirty="0" smtClean="0"/>
@@ -9589,7 +7294,7 @@
             <a:spcAft>
               <a:spcPct val="15000"/>
             </a:spcAft>
-            <a:buChar char="•"/>
+            <a:buChar char="••"/>
           </a:pPr>
           <a:r>
             <a:rPr lang="es-CO" sz="1400" kern="1200" dirty="0" smtClean="0"/>
@@ -9608,7 +7313,7 @@
             <a:spcAft>
               <a:spcPct val="15000"/>
             </a:spcAft>
-            <a:buChar char="•"/>
+            <a:buChar char="••"/>
           </a:pPr>
           <a:endParaRPr lang="en-US" sz="1400" kern="1200" dirty="0"/>
         </a:p>
@@ -9761,7 +7466,7 @@
             <a:spcAft>
               <a:spcPct val="15000"/>
             </a:spcAft>
-            <a:buChar char="•"/>
+            <a:buChar char="••"/>
           </a:pPr>
           <a:r>
             <a:rPr lang="es-ES_tradnl" sz="1400" kern="1200" dirty="0" smtClean="0"/>
@@ -9918,7 +7623,7 @@
             <a:spcAft>
               <a:spcPct val="15000"/>
             </a:spcAft>
-            <a:buChar char="•"/>
+            <a:buChar char="••"/>
           </a:pPr>
           <a:r>
             <a:rPr lang="es-ES_tradnl" sz="1400" b="0" kern="1200" dirty="0" smtClean="0"/>
@@ -9937,7 +7642,7 @@
             <a:spcAft>
               <a:spcPct val="15000"/>
             </a:spcAft>
-            <a:buChar char="•"/>
+            <a:buChar char="••"/>
           </a:pPr>
           <a:r>
             <a:rPr lang="es-ES_tradnl" sz="1400" b="0" kern="1200" dirty="0" smtClean="0"/>
@@ -9956,7 +7661,7 @@
             <a:spcAft>
               <a:spcPct val="15000"/>
             </a:spcAft>
-            <a:buChar char="•"/>
+            <a:buChar char="••"/>
           </a:pPr>
           <a:r>
             <a:rPr lang="es-ES_tradnl" sz="1400" b="0" kern="1200" dirty="0" smtClean="0"/>
@@ -9975,7 +7680,7 @@
             <a:spcAft>
               <a:spcPct val="15000"/>
             </a:spcAft>
-            <a:buChar char="•"/>
+            <a:buChar char="••"/>
           </a:pPr>
           <a:r>
             <a:rPr lang="es-ES_tradnl" sz="1400" b="0" kern="1200" dirty="0" smtClean="0"/>
@@ -9994,7 +7699,7 @@
             <a:spcAft>
               <a:spcPct val="15000"/>
             </a:spcAft>
-            <a:buChar char="•"/>
+            <a:buChar char="••"/>
           </a:pPr>
           <a:r>
             <a:rPr lang="es-ES_tradnl" sz="1400" b="0" kern="1200" dirty="0" smtClean="0"/>
@@ -10013,7 +7718,7 @@
             <a:spcAft>
               <a:spcPct val="15000"/>
             </a:spcAft>
-            <a:buChar char="•"/>
+            <a:buChar char="••"/>
           </a:pPr>
           <a:r>
             <a:rPr lang="es-ES_tradnl" sz="1400" b="0" kern="1200" dirty="0" smtClean="0"/>
@@ -10170,7 +7875,7 @@
             <a:spcAft>
               <a:spcPct val="15000"/>
             </a:spcAft>
-            <a:buChar char="•"/>
+            <a:buChar char="••"/>
           </a:pPr>
           <a:r>
             <a:rPr lang="es-ES_tradnl" sz="1400" b="0" kern="1200" dirty="0" smtClean="0"/>
@@ -10189,7 +7894,7 @@
             <a:spcAft>
               <a:spcPct val="15000"/>
             </a:spcAft>
-            <a:buChar char="•"/>
+            <a:buChar char="••"/>
           </a:pPr>
           <a:r>
             <a:rPr lang="es-ES_tradnl" sz="1400" b="0" kern="1200" dirty="0" smtClean="0"/>
@@ -10208,7 +7913,7 @@
             <a:spcAft>
               <a:spcPct val="15000"/>
             </a:spcAft>
-            <a:buChar char="•"/>
+            <a:buChar char="••"/>
           </a:pPr>
           <a:r>
             <a:rPr lang="es-ES_tradnl" sz="1400" b="0" kern="1200" dirty="0" smtClean="0"/>
@@ -10227,7 +7932,7 @@
             <a:spcAft>
               <a:spcPct val="15000"/>
             </a:spcAft>
-            <a:buChar char="•"/>
+            <a:buChar char="••"/>
           </a:pPr>
           <a:r>
             <a:rPr lang="es-ES_tradnl" sz="1400" b="0" kern="1200" dirty="0" smtClean="0"/>
@@ -10245,7 +7950,7 @@
 </dsp:drawing>
 </file>
 
-<file path=ppt/diagrams/drawing4.xml><?xml version="1.0" encoding="utf-8"?>
+<file path=ppt/diagrams/drawing3.xml><?xml version="1.0" encoding="utf-8"?>
 <dsp:drawing xmlns:dgm="http://schemas.openxmlformats.org/drawingml/2006/diagram" xmlns:dsp="http://schemas.microsoft.com/office/drawing/2008/diagram" xmlns:a="http://schemas.openxmlformats.org/drawingml/2006/main">
   <dsp:spTree>
     <dsp:nvGrpSpPr>
@@ -10389,7 +8094,7 @@
             <a:spcAft>
               <a:spcPct val="15000"/>
             </a:spcAft>
-            <a:buChar char="•"/>
+            <a:buChar char="••"/>
           </a:pPr>
           <a:r>
             <a:rPr lang="en-US" sz="2000" kern="1200" dirty="0" err="1"/>
@@ -10571,7 +8276,7 @@
             <a:spcAft>
               <a:spcPct val="15000"/>
             </a:spcAft>
-            <a:buChar char="•"/>
+            <a:buChar char="••"/>
           </a:pPr>
           <a:r>
             <a:rPr lang="en-US" sz="2000" kern="1200" dirty="0" err="1"/>
@@ -10737,7 +8442,7 @@
             <a:spcAft>
               <a:spcPct val="15000"/>
             </a:spcAft>
-            <a:buChar char="•"/>
+            <a:buChar char="••"/>
           </a:pPr>
           <a:r>
             <a:rPr lang="en-US" sz="2000" kern="1200"/>
@@ -10773,7 +8478,7 @@
         </a:prstGeom>
         <a:solidFill>
           <a:schemeClr val="accent3">
-            <a:hueOff val="4218850"/>
+            <a:hueOff val="4218849"/>
             <a:satOff val="-6330"/>
             <a:lumOff val="-1029"/>
             <a:alphaOff val="0"/>
@@ -10782,7 +8487,7 @@
         <a:ln w="25400" cap="flat" cmpd="sng" algn="ctr">
           <a:solidFill>
             <a:schemeClr val="accent3">
-              <a:hueOff val="4218850"/>
+              <a:hueOff val="4218849"/>
               <a:satOff val="-6330"/>
               <a:lumOff val="-1029"/>
               <a:alphaOff val="0"/>
@@ -10856,7 +8561,7 @@
         <a:ln w="25400" cap="flat" cmpd="sng" algn="ctr">
           <a:solidFill>
             <a:schemeClr val="accent3">
-              <a:hueOff val="4218850"/>
+              <a:hueOff val="4218849"/>
               <a:satOff val="-6330"/>
               <a:lumOff val="-1029"/>
               <a:alphaOff val="0"/>
@@ -10894,7 +8599,7 @@
             <a:spcAft>
               <a:spcPct val="15000"/>
             </a:spcAft>
-            <a:buChar char="•"/>
+            <a:buChar char="••"/>
           </a:pPr>
           <a:r>
             <a:rPr lang="en-US" sz="2000" kern="1200"/>
@@ -10922,7 +8627,7 @@
         </a:prstGeom>
         <a:solidFill>
           <a:schemeClr val="accent3">
-            <a:hueOff val="5625133"/>
+            <a:hueOff val="5625132"/>
             <a:satOff val="-8440"/>
             <a:lumOff val="-1373"/>
             <a:alphaOff val="0"/>
@@ -10931,7 +8636,7 @@
         <a:ln w="25400" cap="flat" cmpd="sng" algn="ctr">
           <a:solidFill>
             <a:schemeClr val="accent3">
-              <a:hueOff val="5625133"/>
+              <a:hueOff val="5625132"/>
               <a:satOff val="-8440"/>
               <a:lumOff val="-1373"/>
               <a:alphaOff val="0"/>
@@ -11005,7 +8710,7 @@
         <a:ln w="25400" cap="flat" cmpd="sng" algn="ctr">
           <a:solidFill>
             <a:schemeClr val="accent3">
-              <a:hueOff val="5625133"/>
+              <a:hueOff val="5625132"/>
               <a:satOff val="-8440"/>
               <a:lumOff val="-1373"/>
               <a:alphaOff val="0"/>
@@ -11043,7 +8748,7 @@
             <a:spcAft>
               <a:spcPct val="15000"/>
             </a:spcAft>
-            <a:buChar char="•"/>
+            <a:buChar char="••"/>
           </a:pPr>
           <a:r>
             <a:rPr lang="en-US" sz="2000" kern="1200"/>
@@ -11071,7 +8776,7 @@
         </a:prstGeom>
         <a:solidFill>
           <a:schemeClr val="accent3">
-            <a:hueOff val="7031416"/>
+            <a:hueOff val="7031415"/>
             <a:satOff val="-10550"/>
             <a:lumOff val="-1716"/>
             <a:alphaOff val="0"/>
@@ -11080,7 +8785,7 @@
         <a:ln w="25400" cap="flat" cmpd="sng" algn="ctr">
           <a:solidFill>
             <a:schemeClr val="accent3">
-              <a:hueOff val="7031416"/>
+              <a:hueOff val="7031415"/>
               <a:satOff val="-10550"/>
               <a:lumOff val="-1716"/>
               <a:alphaOff val="0"/>
@@ -11154,7 +8859,7 @@
         <a:ln w="25400" cap="flat" cmpd="sng" algn="ctr">
           <a:solidFill>
             <a:schemeClr val="accent3">
-              <a:hueOff val="7031416"/>
+              <a:hueOff val="7031415"/>
               <a:satOff val="-10550"/>
               <a:lumOff val="-1716"/>
               <a:alphaOff val="0"/>
@@ -11192,7 +8897,7 @@
             <a:spcAft>
               <a:spcPct val="15000"/>
             </a:spcAft>
-            <a:buChar char="•"/>
+            <a:buChar char="••"/>
           </a:pPr>
           <a:r>
             <a:rPr lang="en-US" sz="2000" kern="1200"/>
@@ -11220,7 +8925,7 @@
         </a:prstGeom>
         <a:solidFill>
           <a:schemeClr val="accent3">
-            <a:hueOff val="8437700"/>
+            <a:hueOff val="8437698"/>
             <a:satOff val="-12660"/>
             <a:lumOff val="-2059"/>
             <a:alphaOff val="0"/>
@@ -11229,7 +8934,7 @@
         <a:ln w="25400" cap="flat" cmpd="sng" algn="ctr">
           <a:solidFill>
             <a:schemeClr val="accent3">
-              <a:hueOff val="8437700"/>
+              <a:hueOff val="8437698"/>
               <a:satOff val="-12660"/>
               <a:lumOff val="-2059"/>
               <a:alphaOff val="0"/>
@@ -11303,7 +9008,7 @@
         <a:ln w="25400" cap="flat" cmpd="sng" algn="ctr">
           <a:solidFill>
             <a:schemeClr val="accent3">
-              <a:hueOff val="8437700"/>
+              <a:hueOff val="8437698"/>
               <a:satOff val="-12660"/>
               <a:lumOff val="-2059"/>
               <a:alphaOff val="0"/>
@@ -11341,7 +9046,7 @@
             <a:spcAft>
               <a:spcPct val="15000"/>
             </a:spcAft>
-            <a:buChar char="•"/>
+            <a:buChar char="••"/>
           </a:pPr>
           <a:r>
             <a:rPr lang="en-US" sz="2000" kern="1200"/>
@@ -11369,7 +9074,7 @@
         </a:prstGeom>
         <a:solidFill>
           <a:schemeClr val="accent3">
-            <a:hueOff val="9843983"/>
+            <a:hueOff val="9843981"/>
             <a:satOff val="-14770"/>
             <a:lumOff val="-2402"/>
             <a:alphaOff val="0"/>
@@ -11378,7 +9083,7 @@
         <a:ln w="25400" cap="flat" cmpd="sng" algn="ctr">
           <a:solidFill>
             <a:schemeClr val="accent3">
-              <a:hueOff val="9843983"/>
+              <a:hueOff val="9843981"/>
               <a:satOff val="-14770"/>
               <a:lumOff val="-2402"/>
               <a:alphaOff val="0"/>
@@ -11452,7 +9157,7 @@
         <a:ln w="25400" cap="flat" cmpd="sng" algn="ctr">
           <a:solidFill>
             <a:schemeClr val="accent3">
-              <a:hueOff val="9843983"/>
+              <a:hueOff val="9843981"/>
               <a:satOff val="-14770"/>
               <a:lumOff val="-2402"/>
               <a:alphaOff val="0"/>
@@ -11490,7 +9195,7 @@
             <a:spcAft>
               <a:spcPct val="15000"/>
             </a:spcAft>
-            <a:buChar char="•"/>
+            <a:buChar char="••"/>
           </a:pPr>
           <a:r>
             <a:rPr lang="en-US" sz="2000" kern="1200"/>
@@ -11518,7 +9223,7 @@
         </a:prstGeom>
         <a:solidFill>
           <a:schemeClr val="accent3">
-            <a:hueOff val="11250266"/>
+            <a:hueOff val="11250264"/>
             <a:satOff val="-16880"/>
             <a:lumOff val="-2745"/>
             <a:alphaOff val="0"/>
@@ -11527,7 +9232,7 @@
         <a:ln w="25400" cap="flat" cmpd="sng" algn="ctr">
           <a:solidFill>
             <a:schemeClr val="accent3">
-              <a:hueOff val="11250266"/>
+              <a:hueOff val="11250264"/>
               <a:satOff val="-16880"/>
               <a:lumOff val="-2745"/>
               <a:alphaOff val="0"/>
@@ -11601,7 +9306,7 @@
         <a:ln w="25400" cap="flat" cmpd="sng" algn="ctr">
           <a:solidFill>
             <a:schemeClr val="accent3">
-              <a:hueOff val="11250266"/>
+              <a:hueOff val="11250264"/>
               <a:satOff val="-16880"/>
               <a:lumOff val="-2745"/>
               <a:alphaOff val="0"/>
@@ -11639,7 +9344,7 @@
             <a:spcAft>
               <a:spcPct val="15000"/>
             </a:spcAft>
-            <a:buChar char="•"/>
+            <a:buChar char="••"/>
           </a:pPr>
           <a:r>
             <a:rPr lang="en-US" sz="2000" kern="1200"/>
@@ -11656,7 +9361,7 @@
 </dsp:drawing>
 </file>
 
-<file path=ppt/diagrams/drawing5.xml><?xml version="1.0" encoding="utf-8"?>
+<file path=ppt/diagrams/drawing4.xml><?xml version="1.0" encoding="utf-8"?>
 <dsp:drawing xmlns:dgm="http://schemas.openxmlformats.org/drawingml/2006/diagram" xmlns:dsp="http://schemas.microsoft.com/office/drawing/2008/diagram" xmlns:a="http://schemas.openxmlformats.org/drawingml/2006/main">
   <dsp:spTree>
     <dsp:nvGrpSpPr>
@@ -11814,7 +9519,7 @@
         <a:ln w="25400" cap="flat" cmpd="sng" algn="ctr">
           <a:solidFill>
             <a:schemeClr val="accent4">
-              <a:hueOff val="-1116193"/>
+              <a:hueOff val="-1116192"/>
               <a:satOff val="6725"/>
               <a:lumOff val="539"/>
               <a:alphaOff val="0"/>
@@ -11852,7 +9557,7 @@
         </a:prstGeom>
         <a:solidFill>
           <a:schemeClr val="accent4">
-            <a:hueOff val="-1116193"/>
+            <a:hueOff val="-1116192"/>
             <a:satOff val="6725"/>
             <a:lumOff val="539"/>
             <a:alphaOff val="0"/>
@@ -11939,7 +9644,7 @@
         <a:ln w="25400" cap="flat" cmpd="sng" algn="ctr">
           <a:solidFill>
             <a:schemeClr val="accent4">
-              <a:hueOff val="-2232386"/>
+              <a:hueOff val="-2232385"/>
               <a:satOff val="13449"/>
               <a:lumOff val="1078"/>
               <a:alphaOff val="0"/>
@@ -11977,7 +9682,7 @@
         </a:prstGeom>
         <a:solidFill>
           <a:schemeClr val="accent4">
-            <a:hueOff val="-2232386"/>
+            <a:hueOff val="-2232385"/>
             <a:satOff val="13449"/>
             <a:lumOff val="1078"/>
             <a:alphaOff val="0"/>
@@ -12064,7 +9769,7 @@
         <a:ln w="25400" cap="flat" cmpd="sng" algn="ctr">
           <a:solidFill>
             <a:schemeClr val="accent4">
-              <a:hueOff val="-3348579"/>
+              <a:hueOff val="-3348577"/>
               <a:satOff val="20174"/>
               <a:lumOff val="1617"/>
               <a:alphaOff val="0"/>
@@ -12102,7 +9807,7 @@
         </a:prstGeom>
         <a:solidFill>
           <a:schemeClr val="accent4">
-            <a:hueOff val="-3348579"/>
+            <a:hueOff val="-3348577"/>
             <a:satOff val="20174"/>
             <a:lumOff val="1617"/>
             <a:alphaOff val="0"/>
@@ -12189,7 +9894,7 @@
         <a:ln w="25400" cap="flat" cmpd="sng" algn="ctr">
           <a:solidFill>
             <a:schemeClr val="accent4">
-              <a:hueOff val="-4464771"/>
+              <a:hueOff val="-4464770"/>
               <a:satOff val="26899"/>
               <a:lumOff val="2156"/>
               <a:alphaOff val="0"/>
@@ -12227,7 +9932,7 @@
         </a:prstGeom>
         <a:solidFill>
           <a:schemeClr val="accent4">
-            <a:hueOff val="-4464771"/>
+            <a:hueOff val="-4464770"/>
             <a:satOff val="26899"/>
             <a:lumOff val="2156"/>
             <a:alphaOff val="0"/>
@@ -12612,6 +10317,223 @@
 </file>
 
 <file path=ppt/diagrams/layout2.xml><?xml version="1.0" encoding="utf-8"?>
+<dgm:layoutDef xmlns:dgm="http://schemas.openxmlformats.org/drawingml/2006/diagram" xmlns:a="http://schemas.openxmlformats.org/drawingml/2006/main" uniqueId="urn:microsoft.com/office/officeart/2005/8/layout/hList1">
+  <dgm:title val=""/>
+  <dgm:desc val=""/>
+  <dgm:catLst>
+    <dgm:cat type="list" pri="5000"/>
+    <dgm:cat type="convert" pri="5000"/>
+  </dgm:catLst>
+  <dgm:sampData>
+    <dgm:dataModel>
+      <dgm:ptLst>
+        <dgm:pt modelId="0" type="doc"/>
+        <dgm:pt modelId="1">
+          <dgm:prSet phldr="1"/>
+        </dgm:pt>
+        <dgm:pt modelId="11">
+          <dgm:prSet phldr="1"/>
+        </dgm:pt>
+        <dgm:pt modelId="12">
+          <dgm:prSet phldr="1"/>
+        </dgm:pt>
+        <dgm:pt modelId="2">
+          <dgm:prSet phldr="1"/>
+        </dgm:pt>
+        <dgm:pt modelId="21">
+          <dgm:prSet phldr="1"/>
+        </dgm:pt>
+        <dgm:pt modelId="22">
+          <dgm:prSet phldr="1"/>
+        </dgm:pt>
+        <dgm:pt modelId="3">
+          <dgm:prSet phldr="1"/>
+        </dgm:pt>
+        <dgm:pt modelId="31">
+          <dgm:prSet phldr="1"/>
+        </dgm:pt>
+        <dgm:pt modelId="32">
+          <dgm:prSet phldr="1"/>
+        </dgm:pt>
+      </dgm:ptLst>
+      <dgm:cxnLst>
+        <dgm:cxn modelId="4" srcId="0" destId="1" srcOrd="0" destOrd="0"/>
+        <dgm:cxn modelId="5" srcId="0" destId="2" srcOrd="1" destOrd="0"/>
+        <dgm:cxn modelId="6" srcId="0" destId="3" srcOrd="2" destOrd="0"/>
+        <dgm:cxn modelId="13" srcId="1" destId="11" srcOrd="0" destOrd="0"/>
+        <dgm:cxn modelId="14" srcId="1" destId="12" srcOrd="1" destOrd="0"/>
+        <dgm:cxn modelId="23" srcId="2" destId="21" srcOrd="0" destOrd="0"/>
+        <dgm:cxn modelId="24" srcId="2" destId="22" srcOrd="1" destOrd="0"/>
+        <dgm:cxn modelId="33" srcId="3" destId="31" srcOrd="0" destOrd="0"/>
+        <dgm:cxn modelId="34" srcId="3" destId="32" srcOrd="1" destOrd="0"/>
+      </dgm:cxnLst>
+      <dgm:bg/>
+      <dgm:whole/>
+    </dgm:dataModel>
+  </dgm:sampData>
+  <dgm:styleData>
+    <dgm:dataModel>
+      <dgm:ptLst>
+        <dgm:pt modelId="0" type="doc"/>
+        <dgm:pt modelId="1">
+          <dgm:prSet phldr="1"/>
+        </dgm:pt>
+        <dgm:pt modelId="2">
+          <dgm:prSet phldr="1"/>
+        </dgm:pt>
+      </dgm:ptLst>
+      <dgm:cxnLst>
+        <dgm:cxn modelId="3" srcId="0" destId="1" srcOrd="0" destOrd="0"/>
+        <dgm:cxn modelId="4" srcId="0" destId="2" srcOrd="1" destOrd="0"/>
+      </dgm:cxnLst>
+      <dgm:bg/>
+      <dgm:whole/>
+    </dgm:dataModel>
+  </dgm:styleData>
+  <dgm:clrData>
+    <dgm:dataModel>
+      <dgm:ptLst>
+        <dgm:pt modelId="0" type="doc"/>
+        <dgm:pt modelId="1">
+          <dgm:prSet phldr="1"/>
+        </dgm:pt>
+        <dgm:pt modelId="2">
+          <dgm:prSet phldr="1"/>
+        </dgm:pt>
+        <dgm:pt modelId="3">
+          <dgm:prSet phldr="1"/>
+        </dgm:pt>
+        <dgm:pt modelId="4">
+          <dgm:prSet phldr="1"/>
+        </dgm:pt>
+      </dgm:ptLst>
+      <dgm:cxnLst>
+        <dgm:cxn modelId="5" srcId="0" destId="1" srcOrd="0" destOrd="0"/>
+        <dgm:cxn modelId="6" srcId="0" destId="2" srcOrd="1" destOrd="0"/>
+        <dgm:cxn modelId="7" srcId="0" destId="3" srcOrd="2" destOrd="0"/>
+        <dgm:cxn modelId="8" srcId="0" destId="4" srcOrd="3" destOrd="0"/>
+      </dgm:cxnLst>
+      <dgm:bg/>
+      <dgm:whole/>
+    </dgm:dataModel>
+  </dgm:clrData>
+  <dgm:layoutNode name="Name0">
+    <dgm:varLst>
+      <dgm:dir/>
+      <dgm:animLvl val="lvl"/>
+      <dgm:resizeHandles val="exact"/>
+    </dgm:varLst>
+    <dgm:choose name="Name1">
+      <dgm:if name="Name2" func="var" arg="dir" op="equ" val="norm">
+        <dgm:alg type="lin"/>
+      </dgm:if>
+      <dgm:else name="Name3">
+        <dgm:alg type="lin">
+          <dgm:param type="linDir" val="fromR"/>
+        </dgm:alg>
+      </dgm:else>
+    </dgm:choose>
+    <dgm:shape xmlns:r="http://schemas.openxmlformats.org/officeDocument/2006/relationships" r:blip="">
+      <dgm:adjLst/>
+    </dgm:shape>
+    <dgm:presOf/>
+    <dgm:constrLst>
+      <dgm:constr type="h" for="ch" forName="composite" refType="h"/>
+      <dgm:constr type="w" for="ch" forName="composite" refType="w"/>
+      <dgm:constr type="w" for="des" forName="parTx"/>
+      <dgm:constr type="h" for="des" forName="parTx" op="equ"/>
+      <dgm:constr type="w" for="des" forName="desTx"/>
+      <dgm:constr type="h" for="des" forName="desTx" op="equ"/>
+      <dgm:constr type="primFontSz" for="des" forName="parTx" val="65"/>
+      <dgm:constr type="secFontSz" for="des" forName="desTx" refType="primFontSz" refFor="des" refForName="parTx" op="equ"/>
+      <dgm:constr type="h" for="des" forName="parTx" refType="primFontSz" refFor="des" refForName="parTx" fact="0.8"/>
+      <dgm:constr type="h" for="des" forName="desTx" refType="primFontSz" refFor="des" refForName="parTx" fact="1.22"/>
+      <dgm:constr type="w" for="ch" forName="space" refType="w" refFor="ch" refForName="composite" op="equ" fact="0.14"/>
+    </dgm:constrLst>
+    <dgm:ruleLst>
+      <dgm:rule type="w" for="ch" forName="composite" val="0" fact="NaN" max="NaN"/>
+      <dgm:rule type="primFontSz" for="des" forName="parTx" val="5" fact="NaN" max="NaN"/>
+    </dgm:ruleLst>
+    <dgm:forEach name="Name4" axis="ch" ptType="node">
+      <dgm:layoutNode name="composite">
+        <dgm:alg type="composite"/>
+        <dgm:shape xmlns:r="http://schemas.openxmlformats.org/officeDocument/2006/relationships" r:blip="">
+          <dgm:adjLst/>
+        </dgm:shape>
+        <dgm:presOf/>
+        <dgm:constrLst>
+          <dgm:constr type="l" for="ch" forName="parTx"/>
+          <dgm:constr type="w" for="ch" forName="parTx" refType="w"/>
+          <dgm:constr type="t" for="ch" forName="parTx"/>
+          <dgm:constr type="l" for="ch" forName="desTx"/>
+          <dgm:constr type="w" for="ch" forName="desTx" refType="w" refFor="ch" refForName="parTx"/>
+          <dgm:constr type="t" for="ch" forName="desTx" refType="h" refFor="ch" refForName="parTx"/>
+        </dgm:constrLst>
+        <dgm:ruleLst>
+          <dgm:rule type="h" val="INF" fact="NaN" max="NaN"/>
+        </dgm:ruleLst>
+        <dgm:layoutNode name="parTx" styleLbl="alignNode1">
+          <dgm:varLst>
+            <dgm:chMax val="0"/>
+            <dgm:chPref val="0"/>
+            <dgm:bulletEnabled val="1"/>
+          </dgm:varLst>
+          <dgm:alg type="tx"/>
+          <dgm:shape xmlns:r="http://schemas.openxmlformats.org/officeDocument/2006/relationships" type="rect" r:blip="">
+            <dgm:adjLst/>
+          </dgm:shape>
+          <dgm:presOf axis="self" ptType="node"/>
+          <dgm:constrLst>
+            <dgm:constr type="h" refType="w" op="lte" fact="0.4"/>
+            <dgm:constr type="h"/>
+            <dgm:constr type="tMarg" refType="primFontSz" fact="0.32"/>
+            <dgm:constr type="bMarg" refType="primFontSz" fact="0.32"/>
+          </dgm:constrLst>
+          <dgm:ruleLst>
+            <dgm:rule type="h" val="INF" fact="NaN" max="NaN"/>
+          </dgm:ruleLst>
+        </dgm:layoutNode>
+        <dgm:layoutNode name="desTx" styleLbl="alignAccFollowNode1">
+          <dgm:varLst>
+            <dgm:bulletEnabled val="1"/>
+          </dgm:varLst>
+          <dgm:alg type="tx">
+            <dgm:param type="stBulletLvl" val="1"/>
+          </dgm:alg>
+          <dgm:shape xmlns:r="http://schemas.openxmlformats.org/officeDocument/2006/relationships" type="rect" r:blip="">
+            <dgm:adjLst/>
+          </dgm:shape>
+          <dgm:presOf axis="des" ptType="node"/>
+          <dgm:constrLst>
+            <dgm:constr type="secFontSz" val="65"/>
+            <dgm:constr type="primFontSz" refType="secFontSz"/>
+            <dgm:constr type="h"/>
+            <dgm:constr type="lMarg" refType="primFontSz" fact="0.42"/>
+            <dgm:constr type="tMarg" refType="primFontSz" fact="0.42"/>
+            <dgm:constr type="bMarg" refType="primFontSz" fact="0.63"/>
+          </dgm:constrLst>
+          <dgm:ruleLst>
+            <dgm:rule type="h" val="INF" fact="NaN" max="NaN"/>
+          </dgm:ruleLst>
+        </dgm:layoutNode>
+      </dgm:layoutNode>
+      <dgm:forEach name="Name5" axis="followSib" ptType="sibTrans" cnt="1">
+        <dgm:layoutNode name="space">
+          <dgm:alg type="sp"/>
+          <dgm:shape xmlns:r="http://schemas.openxmlformats.org/officeDocument/2006/relationships" r:blip="">
+            <dgm:adjLst/>
+          </dgm:shape>
+          <dgm:presOf/>
+          <dgm:constrLst/>
+          <dgm:ruleLst/>
+        </dgm:layoutNode>
+      </dgm:forEach>
+    </dgm:forEach>
+  </dgm:layoutNode>
+</dgm:layoutDef>
+</file>
+
+<file path=ppt/diagrams/layout3.xml><?xml version="1.0" encoding="utf-8"?>
 <dgm:layoutDef xmlns:dgm="http://schemas.openxmlformats.org/drawingml/2006/diagram" xmlns:a="http://schemas.openxmlformats.org/drawingml/2006/main" uniqueId="urn:microsoft.com/office/officeart/2005/8/layout/chevron2">
   <dgm:title val=""/>
   <dgm:desc val=""/>
@@ -12867,480 +10789,7 @@
 </dgm:layoutDef>
 </file>
 
-<file path=ppt/diagrams/layout3.xml><?xml version="1.0" encoding="utf-8"?>
-<dgm:layoutDef xmlns:dgm="http://schemas.openxmlformats.org/drawingml/2006/diagram" xmlns:a="http://schemas.openxmlformats.org/drawingml/2006/main" uniqueId="urn:microsoft.com/office/officeart/2005/8/layout/hList1">
-  <dgm:title val=""/>
-  <dgm:desc val=""/>
-  <dgm:catLst>
-    <dgm:cat type="list" pri="5000"/>
-    <dgm:cat type="convert" pri="5000"/>
-  </dgm:catLst>
-  <dgm:sampData>
-    <dgm:dataModel>
-      <dgm:ptLst>
-        <dgm:pt modelId="0" type="doc"/>
-        <dgm:pt modelId="1">
-          <dgm:prSet phldr="1"/>
-        </dgm:pt>
-        <dgm:pt modelId="11">
-          <dgm:prSet phldr="1"/>
-        </dgm:pt>
-        <dgm:pt modelId="12">
-          <dgm:prSet phldr="1"/>
-        </dgm:pt>
-        <dgm:pt modelId="2">
-          <dgm:prSet phldr="1"/>
-        </dgm:pt>
-        <dgm:pt modelId="21">
-          <dgm:prSet phldr="1"/>
-        </dgm:pt>
-        <dgm:pt modelId="22">
-          <dgm:prSet phldr="1"/>
-        </dgm:pt>
-        <dgm:pt modelId="3">
-          <dgm:prSet phldr="1"/>
-        </dgm:pt>
-        <dgm:pt modelId="31">
-          <dgm:prSet phldr="1"/>
-        </dgm:pt>
-        <dgm:pt modelId="32">
-          <dgm:prSet phldr="1"/>
-        </dgm:pt>
-      </dgm:ptLst>
-      <dgm:cxnLst>
-        <dgm:cxn modelId="4" srcId="0" destId="1" srcOrd="0" destOrd="0"/>
-        <dgm:cxn modelId="5" srcId="0" destId="2" srcOrd="1" destOrd="0"/>
-        <dgm:cxn modelId="6" srcId="0" destId="3" srcOrd="2" destOrd="0"/>
-        <dgm:cxn modelId="13" srcId="1" destId="11" srcOrd="0" destOrd="0"/>
-        <dgm:cxn modelId="14" srcId="1" destId="12" srcOrd="1" destOrd="0"/>
-        <dgm:cxn modelId="23" srcId="2" destId="21" srcOrd="0" destOrd="0"/>
-        <dgm:cxn modelId="24" srcId="2" destId="22" srcOrd="1" destOrd="0"/>
-        <dgm:cxn modelId="33" srcId="3" destId="31" srcOrd="0" destOrd="0"/>
-        <dgm:cxn modelId="34" srcId="3" destId="32" srcOrd="1" destOrd="0"/>
-      </dgm:cxnLst>
-      <dgm:bg/>
-      <dgm:whole/>
-    </dgm:dataModel>
-  </dgm:sampData>
-  <dgm:styleData>
-    <dgm:dataModel>
-      <dgm:ptLst>
-        <dgm:pt modelId="0" type="doc"/>
-        <dgm:pt modelId="1">
-          <dgm:prSet phldr="1"/>
-        </dgm:pt>
-        <dgm:pt modelId="2">
-          <dgm:prSet phldr="1"/>
-        </dgm:pt>
-      </dgm:ptLst>
-      <dgm:cxnLst>
-        <dgm:cxn modelId="3" srcId="0" destId="1" srcOrd="0" destOrd="0"/>
-        <dgm:cxn modelId="4" srcId="0" destId="2" srcOrd="1" destOrd="0"/>
-      </dgm:cxnLst>
-      <dgm:bg/>
-      <dgm:whole/>
-    </dgm:dataModel>
-  </dgm:styleData>
-  <dgm:clrData>
-    <dgm:dataModel>
-      <dgm:ptLst>
-        <dgm:pt modelId="0" type="doc"/>
-        <dgm:pt modelId="1">
-          <dgm:prSet phldr="1"/>
-        </dgm:pt>
-        <dgm:pt modelId="2">
-          <dgm:prSet phldr="1"/>
-        </dgm:pt>
-        <dgm:pt modelId="3">
-          <dgm:prSet phldr="1"/>
-        </dgm:pt>
-        <dgm:pt modelId="4">
-          <dgm:prSet phldr="1"/>
-        </dgm:pt>
-      </dgm:ptLst>
-      <dgm:cxnLst>
-        <dgm:cxn modelId="5" srcId="0" destId="1" srcOrd="0" destOrd="0"/>
-        <dgm:cxn modelId="6" srcId="0" destId="2" srcOrd="1" destOrd="0"/>
-        <dgm:cxn modelId="7" srcId="0" destId="3" srcOrd="2" destOrd="0"/>
-        <dgm:cxn modelId="8" srcId="0" destId="4" srcOrd="3" destOrd="0"/>
-      </dgm:cxnLst>
-      <dgm:bg/>
-      <dgm:whole/>
-    </dgm:dataModel>
-  </dgm:clrData>
-  <dgm:layoutNode name="Name0">
-    <dgm:varLst>
-      <dgm:dir/>
-      <dgm:animLvl val="lvl"/>
-      <dgm:resizeHandles val="exact"/>
-    </dgm:varLst>
-    <dgm:choose name="Name1">
-      <dgm:if name="Name2" func="var" arg="dir" op="equ" val="norm">
-        <dgm:alg type="lin"/>
-      </dgm:if>
-      <dgm:else name="Name3">
-        <dgm:alg type="lin">
-          <dgm:param type="linDir" val="fromR"/>
-        </dgm:alg>
-      </dgm:else>
-    </dgm:choose>
-    <dgm:shape xmlns:r="http://schemas.openxmlformats.org/officeDocument/2006/relationships" r:blip="">
-      <dgm:adjLst/>
-    </dgm:shape>
-    <dgm:presOf/>
-    <dgm:constrLst>
-      <dgm:constr type="h" for="ch" forName="composite" refType="h"/>
-      <dgm:constr type="w" for="ch" forName="composite" refType="w"/>
-      <dgm:constr type="w" for="des" forName="parTx"/>
-      <dgm:constr type="h" for="des" forName="parTx" op="equ"/>
-      <dgm:constr type="w" for="des" forName="desTx"/>
-      <dgm:constr type="h" for="des" forName="desTx" op="equ"/>
-      <dgm:constr type="primFontSz" for="des" forName="parTx" val="65"/>
-      <dgm:constr type="secFontSz" for="des" forName="desTx" refType="primFontSz" refFor="des" refForName="parTx" op="equ"/>
-      <dgm:constr type="h" for="des" forName="parTx" refType="primFontSz" refFor="des" refForName="parTx" fact="0.8"/>
-      <dgm:constr type="h" for="des" forName="desTx" refType="primFontSz" refFor="des" refForName="parTx" fact="1.22"/>
-      <dgm:constr type="w" for="ch" forName="space" refType="w" refFor="ch" refForName="composite" op="equ" fact="0.14"/>
-    </dgm:constrLst>
-    <dgm:ruleLst>
-      <dgm:rule type="w" for="ch" forName="composite" val="0" fact="NaN" max="NaN"/>
-      <dgm:rule type="primFontSz" for="des" forName="parTx" val="5" fact="NaN" max="NaN"/>
-    </dgm:ruleLst>
-    <dgm:forEach name="Name4" axis="ch" ptType="node">
-      <dgm:layoutNode name="composite">
-        <dgm:alg type="composite"/>
-        <dgm:shape xmlns:r="http://schemas.openxmlformats.org/officeDocument/2006/relationships" r:blip="">
-          <dgm:adjLst/>
-        </dgm:shape>
-        <dgm:presOf/>
-        <dgm:constrLst>
-          <dgm:constr type="l" for="ch" forName="parTx"/>
-          <dgm:constr type="w" for="ch" forName="parTx" refType="w"/>
-          <dgm:constr type="t" for="ch" forName="parTx"/>
-          <dgm:constr type="l" for="ch" forName="desTx"/>
-          <dgm:constr type="w" for="ch" forName="desTx" refType="w" refFor="ch" refForName="parTx"/>
-          <dgm:constr type="t" for="ch" forName="desTx" refType="h" refFor="ch" refForName="parTx"/>
-        </dgm:constrLst>
-        <dgm:ruleLst>
-          <dgm:rule type="h" val="INF" fact="NaN" max="NaN"/>
-        </dgm:ruleLst>
-        <dgm:layoutNode name="parTx" styleLbl="alignNode1">
-          <dgm:varLst>
-            <dgm:chMax val="0"/>
-            <dgm:chPref val="0"/>
-            <dgm:bulletEnabled val="1"/>
-          </dgm:varLst>
-          <dgm:alg type="tx"/>
-          <dgm:shape xmlns:r="http://schemas.openxmlformats.org/officeDocument/2006/relationships" type="rect" r:blip="">
-            <dgm:adjLst/>
-          </dgm:shape>
-          <dgm:presOf axis="self" ptType="node"/>
-          <dgm:constrLst>
-            <dgm:constr type="h" refType="w" op="lte" fact="0.4"/>
-            <dgm:constr type="h"/>
-            <dgm:constr type="tMarg" refType="primFontSz" fact="0.32"/>
-            <dgm:constr type="bMarg" refType="primFontSz" fact="0.32"/>
-          </dgm:constrLst>
-          <dgm:ruleLst>
-            <dgm:rule type="h" val="INF" fact="NaN" max="NaN"/>
-          </dgm:ruleLst>
-        </dgm:layoutNode>
-        <dgm:layoutNode name="desTx" styleLbl="alignAccFollowNode1">
-          <dgm:varLst>
-            <dgm:bulletEnabled val="1"/>
-          </dgm:varLst>
-          <dgm:alg type="tx">
-            <dgm:param type="stBulletLvl" val="1"/>
-          </dgm:alg>
-          <dgm:shape xmlns:r="http://schemas.openxmlformats.org/officeDocument/2006/relationships" type="rect" r:blip="">
-            <dgm:adjLst/>
-          </dgm:shape>
-          <dgm:presOf axis="des" ptType="node"/>
-          <dgm:constrLst>
-            <dgm:constr type="secFontSz" val="65"/>
-            <dgm:constr type="primFontSz" refType="secFontSz"/>
-            <dgm:constr type="h"/>
-            <dgm:constr type="lMarg" refType="primFontSz" fact="0.42"/>
-            <dgm:constr type="tMarg" refType="primFontSz" fact="0.42"/>
-            <dgm:constr type="bMarg" refType="primFontSz" fact="0.63"/>
-          </dgm:constrLst>
-          <dgm:ruleLst>
-            <dgm:rule type="h" val="INF" fact="NaN" max="NaN"/>
-          </dgm:ruleLst>
-        </dgm:layoutNode>
-      </dgm:layoutNode>
-      <dgm:forEach name="Name5" axis="followSib" ptType="sibTrans" cnt="1">
-        <dgm:layoutNode name="space">
-          <dgm:alg type="sp"/>
-          <dgm:shape xmlns:r="http://schemas.openxmlformats.org/officeDocument/2006/relationships" r:blip="">
-            <dgm:adjLst/>
-          </dgm:shape>
-          <dgm:presOf/>
-          <dgm:constrLst/>
-          <dgm:ruleLst/>
-        </dgm:layoutNode>
-      </dgm:forEach>
-    </dgm:forEach>
-  </dgm:layoutNode>
-</dgm:layoutDef>
-</file>
-
 <file path=ppt/diagrams/layout4.xml><?xml version="1.0" encoding="utf-8"?>
-<dgm:layoutDef xmlns:dgm="http://schemas.openxmlformats.org/drawingml/2006/diagram" xmlns:a="http://schemas.openxmlformats.org/drawingml/2006/main" uniqueId="urn:microsoft.com/office/officeart/2005/8/layout/chevron2">
-  <dgm:title val=""/>
-  <dgm:desc val=""/>
-  <dgm:catLst>
-    <dgm:cat type="process" pri="12000"/>
-    <dgm:cat type="list" pri="16000"/>
-    <dgm:cat type="convert" pri="11000"/>
-  </dgm:catLst>
-  <dgm:sampData>
-    <dgm:dataModel>
-      <dgm:ptLst>
-        <dgm:pt modelId="0" type="doc"/>
-        <dgm:pt modelId="1">
-          <dgm:prSet phldr="1"/>
-        </dgm:pt>
-        <dgm:pt modelId="11">
-          <dgm:prSet phldr="1"/>
-        </dgm:pt>
-        <dgm:pt modelId="12">
-          <dgm:prSet phldr="1"/>
-        </dgm:pt>
-        <dgm:pt modelId="2">
-          <dgm:prSet phldr="1"/>
-        </dgm:pt>
-        <dgm:pt modelId="21">
-          <dgm:prSet phldr="1"/>
-        </dgm:pt>
-        <dgm:pt modelId="22">
-          <dgm:prSet phldr="1"/>
-        </dgm:pt>
-        <dgm:pt modelId="3">
-          <dgm:prSet phldr="1"/>
-        </dgm:pt>
-        <dgm:pt modelId="31">
-          <dgm:prSet phldr="1"/>
-        </dgm:pt>
-        <dgm:pt modelId="32">
-          <dgm:prSet phldr="1"/>
-        </dgm:pt>
-      </dgm:ptLst>
-      <dgm:cxnLst>
-        <dgm:cxn modelId="4" srcId="0" destId="1" srcOrd="0" destOrd="0"/>
-        <dgm:cxn modelId="5" srcId="0" destId="2" srcOrd="1" destOrd="0"/>
-        <dgm:cxn modelId="6" srcId="0" destId="3" srcOrd="2" destOrd="0"/>
-        <dgm:cxn modelId="13" srcId="1" destId="11" srcOrd="0" destOrd="0"/>
-        <dgm:cxn modelId="14" srcId="1" destId="12" srcOrd="1" destOrd="0"/>
-        <dgm:cxn modelId="23" srcId="2" destId="21" srcOrd="0" destOrd="0"/>
-        <dgm:cxn modelId="24" srcId="2" destId="22" srcOrd="1" destOrd="0"/>
-        <dgm:cxn modelId="33" srcId="3" destId="31" srcOrd="0" destOrd="0"/>
-        <dgm:cxn modelId="34" srcId="3" destId="32" srcOrd="1" destOrd="0"/>
-      </dgm:cxnLst>
-      <dgm:bg/>
-      <dgm:whole/>
-    </dgm:dataModel>
-  </dgm:sampData>
-  <dgm:styleData>
-    <dgm:dataModel>
-      <dgm:ptLst>
-        <dgm:pt modelId="0" type="doc"/>
-        <dgm:pt modelId="1"/>
-      </dgm:ptLst>
-      <dgm:cxnLst>
-        <dgm:cxn modelId="4" srcId="0" destId="1" srcOrd="0" destOrd="0"/>
-      </dgm:cxnLst>
-      <dgm:bg/>
-      <dgm:whole/>
-    </dgm:dataModel>
-  </dgm:styleData>
-  <dgm:clrData>
-    <dgm:dataModel>
-      <dgm:ptLst>
-        <dgm:pt modelId="0" type="doc"/>
-        <dgm:pt modelId="1"/>
-        <dgm:pt modelId="11"/>
-        <dgm:pt modelId="2"/>
-        <dgm:pt modelId="21"/>
-        <dgm:pt modelId="3"/>
-        <dgm:pt modelId="31"/>
-        <dgm:pt modelId="4"/>
-        <dgm:pt modelId="41"/>
-      </dgm:ptLst>
-      <dgm:cxnLst>
-        <dgm:cxn modelId="5" srcId="0" destId="1" srcOrd="0" destOrd="0"/>
-        <dgm:cxn modelId="6" srcId="0" destId="2" srcOrd="1" destOrd="0"/>
-        <dgm:cxn modelId="7" srcId="0" destId="3" srcOrd="2" destOrd="0"/>
-        <dgm:cxn modelId="8" srcId="0" destId="4" srcOrd="3" destOrd="0"/>
-        <dgm:cxn modelId="13" srcId="1" destId="11" srcOrd="0" destOrd="0"/>
-        <dgm:cxn modelId="23" srcId="2" destId="21" srcOrd="0" destOrd="0"/>
-        <dgm:cxn modelId="33" srcId="3" destId="31" srcOrd="0" destOrd="0"/>
-        <dgm:cxn modelId="43" srcId="4" destId="41" srcOrd="0" destOrd="0"/>
-      </dgm:cxnLst>
-      <dgm:bg/>
-      <dgm:whole/>
-    </dgm:dataModel>
-  </dgm:clrData>
-  <dgm:layoutNode name="linearFlow">
-    <dgm:varLst>
-      <dgm:dir/>
-      <dgm:animLvl val="lvl"/>
-      <dgm:resizeHandles val="exact"/>
-    </dgm:varLst>
-    <dgm:alg type="lin">
-      <dgm:param type="linDir" val="fromT"/>
-      <dgm:param type="nodeHorzAlign" val="l"/>
-    </dgm:alg>
-    <dgm:shape xmlns:r="http://schemas.openxmlformats.org/officeDocument/2006/relationships" r:blip="">
-      <dgm:adjLst/>
-    </dgm:shape>
-    <dgm:presOf/>
-    <dgm:constrLst>
-      <dgm:constr type="h" for="ch" forName="composite" refType="h"/>
-      <dgm:constr type="w" for="ch" forName="composite" refType="w"/>
-      <dgm:constr type="h" for="des" forName="parentText" op="equ"/>
-      <dgm:constr type="h" for="ch" forName="sp" val="-14.88"/>
-      <dgm:constr type="h" for="ch" forName="sp" refType="w" refFor="des" refForName="parentText" op="gte" fact="-0.3"/>
-      <dgm:constr type="primFontSz" for="des" forName="parentText" op="equ" val="65"/>
-      <dgm:constr type="primFontSz" for="des" forName="descendantText" op="equ" val="65"/>
-    </dgm:constrLst>
-    <dgm:ruleLst/>
-    <dgm:forEach name="Name0" axis="ch" ptType="node">
-      <dgm:layoutNode name="composite">
-        <dgm:alg type="composite"/>
-        <dgm:shape xmlns:r="http://schemas.openxmlformats.org/officeDocument/2006/relationships" r:blip="">
-          <dgm:adjLst/>
-        </dgm:shape>
-        <dgm:presOf/>
-        <dgm:choose name="Name1">
-          <dgm:if name="Name2" func="var" arg="dir" op="equ" val="norm">
-            <dgm:constrLst>
-              <dgm:constr type="t" for="ch" forName="parentText"/>
-              <dgm:constr type="l" for="ch" forName="parentText"/>
-              <dgm:constr type="w" for="ch" forName="parentText" refType="w" fact="0.4"/>
-              <dgm:constr type="h" for="ch" forName="parentText" refType="h"/>
-              <dgm:constr type="w" for="ch" forName="parentText" refType="w" op="lte" fact="0.5"/>
-              <dgm:constr type="w" for="ch" forName="parentText" refType="h" refFor="ch" refForName="parentText" op="lte" fact="0.7"/>
-              <dgm:constr type="h" for="ch" forName="parentText" refType="w" refFor="ch" refForName="parentText" op="lte" fact="3"/>
-              <dgm:constr type="l" for="ch" forName="descendantText" refType="w" refFor="ch" refForName="parentText"/>
-              <dgm:constr type="w" for="ch" forName="descendantText" refType="w"/>
-              <dgm:constr type="wOff" for="ch" forName="descendantText" refType="w" refFor="ch" refForName="parentText" fact="-1"/>
-              <dgm:constr type="t" for="ch" forName="descendantText"/>
-              <dgm:constr type="b" for="ch" forName="descendantText" refType="h" refFor="ch" refForName="parentText"/>
-              <dgm:constr type="bOff" for="ch" forName="descendantText" refType="w" refFor="ch" refForName="parentText" fact="-0.5"/>
-            </dgm:constrLst>
-          </dgm:if>
-          <dgm:else name="Name3">
-            <dgm:constrLst>
-              <dgm:constr type="t" for="ch" forName="parentText"/>
-              <dgm:constr type="r" for="ch" forName="parentText" refType="w"/>
-              <dgm:constr type="w" for="ch" forName="parentText" refType="w" fact="0.4"/>
-              <dgm:constr type="h" for="ch" forName="parentText" refType="h"/>
-              <dgm:constr type="w" for="ch" forName="parentText" refType="w" op="lte" fact="0.5"/>
-              <dgm:constr type="w" for="ch" forName="parentText" refType="h" refFor="ch" refForName="parentText" op="lte" fact="0.7"/>
-              <dgm:constr type="h" for="ch" forName="parentText" refType="w" refFor="ch" refForName="parentText" op="lte" fact="3"/>
-              <dgm:constr type="l" for="ch" forName="descendantText"/>
-              <dgm:constr type="w" for="ch" forName="descendantText" refType="w"/>
-              <dgm:constr type="wOff" for="ch" forName="descendantText" refType="w" refFor="ch" refForName="parentText" fact="-1"/>
-              <dgm:constr type="t" for="ch" forName="descendantText"/>
-              <dgm:constr type="b" for="ch" forName="descendantText" refType="h" refFor="ch" refForName="parentText"/>
-              <dgm:constr type="bOff" for="ch" forName="descendantText" refType="w" refFor="ch" refForName="parentText" fact="-0.5"/>
-            </dgm:constrLst>
-          </dgm:else>
-        </dgm:choose>
-        <dgm:ruleLst/>
-        <dgm:layoutNode name="parentText" styleLbl="alignNode1">
-          <dgm:varLst>
-            <dgm:chMax val="1"/>
-            <dgm:bulletEnabled val="1"/>
-          </dgm:varLst>
-          <dgm:alg type="tx"/>
-          <dgm:shape xmlns:r="http://schemas.openxmlformats.org/officeDocument/2006/relationships" rot="90" type="chevron" r:blip="">
-            <dgm:adjLst/>
-          </dgm:shape>
-          <dgm:presOf axis="self" ptType="node"/>
-          <dgm:constrLst>
-            <dgm:constr type="lMarg" refType="primFontSz" fact="0.05"/>
-            <dgm:constr type="rMarg" refType="primFontSz" fact="0.05"/>
-            <dgm:constr type="tMarg" refType="primFontSz" fact="0.05"/>
-            <dgm:constr type="bMarg" refType="primFontSz" fact="0.05"/>
-          </dgm:constrLst>
-          <dgm:ruleLst>
-            <dgm:rule type="h" val="100" fact="NaN" max="NaN"/>
-            <dgm:rule type="primFontSz" val="24" fact="NaN" max="NaN"/>
-            <dgm:rule type="h" val="110" fact="NaN" max="NaN"/>
-            <dgm:rule type="primFontSz" val="18" fact="NaN" max="NaN"/>
-            <dgm:rule type="h" val="INF" fact="NaN" max="NaN"/>
-            <dgm:rule type="primFontSz" val="5" fact="NaN" max="NaN"/>
-          </dgm:ruleLst>
-        </dgm:layoutNode>
-        <dgm:layoutNode name="descendantText" styleLbl="alignAcc1">
-          <dgm:varLst>
-            <dgm:bulletEnabled val="1"/>
-          </dgm:varLst>
-          <dgm:choose name="Name4">
-            <dgm:if name="Name5" func="var" arg="dir" op="equ" val="norm">
-              <dgm:alg type="tx">
-                <dgm:param type="stBulletLvl" val="1"/>
-                <dgm:param type="txAnchorVertCh" val="mid"/>
-              </dgm:alg>
-              <dgm:shape xmlns:r="http://schemas.openxmlformats.org/officeDocument/2006/relationships" rot="90" type="round2SameRect" r:blip="">
-                <dgm:adjLst/>
-              </dgm:shape>
-            </dgm:if>
-            <dgm:else name="Name6">
-              <dgm:alg type="tx">
-                <dgm:param type="stBulletLvl" val="1"/>
-                <dgm:param type="txAnchorVertCh" val="mid"/>
-              </dgm:alg>
-              <dgm:shape xmlns:r="http://schemas.openxmlformats.org/officeDocument/2006/relationships" rot="-90" type="round2SameRect" r:blip="">
-                <dgm:adjLst/>
-              </dgm:shape>
-            </dgm:else>
-          </dgm:choose>
-          <dgm:presOf axis="des" ptType="node"/>
-          <dgm:choose name="Name7">
-            <dgm:if name="Name8" func="var" arg="dir" op="equ" val="norm">
-              <dgm:constrLst>
-                <dgm:constr type="secFontSz" refType="primFontSz"/>
-                <dgm:constr type="tMarg" refType="primFontSz" fact="0.05"/>
-                <dgm:constr type="bMarg" refType="primFontSz" fact="0.05"/>
-                <dgm:constr type="rMarg" refType="primFontSz" fact="0.05"/>
-              </dgm:constrLst>
-            </dgm:if>
-            <dgm:else name="Name9">
-              <dgm:constrLst>
-                <dgm:constr type="secFontSz" refType="primFontSz"/>
-                <dgm:constr type="tMarg" refType="primFontSz" fact="0.05"/>
-                <dgm:constr type="bMarg" refType="primFontSz" fact="0.05"/>
-                <dgm:constr type="lMarg" refType="primFontSz" fact="0.05"/>
-              </dgm:constrLst>
-            </dgm:else>
-          </dgm:choose>
-          <dgm:ruleLst>
-            <dgm:rule type="primFontSz" val="5" fact="NaN" max="NaN"/>
-          </dgm:ruleLst>
-        </dgm:layoutNode>
-      </dgm:layoutNode>
-      <dgm:forEach name="Name10" axis="followSib" ptType="sibTrans" cnt="1">
-        <dgm:layoutNode name="sp">
-          <dgm:alg type="sp"/>
-          <dgm:shape xmlns:r="http://schemas.openxmlformats.org/officeDocument/2006/relationships" r:blip="">
-            <dgm:adjLst/>
-          </dgm:shape>
-          <dgm:presOf axis="self"/>
-          <dgm:constrLst>
-            <dgm:constr type="w" val="1"/>
-            <dgm:constr type="h" val="37.5"/>
-          </dgm:constrLst>
-          <dgm:ruleLst/>
-        </dgm:layoutNode>
-      </dgm:forEach>
-    </dgm:forEach>
-  </dgm:layoutNode>
-</dgm:layoutDef>
-</file>
-
-<file path=ppt/diagrams/layout5.xml><?xml version="1.0" encoding="utf-8"?>
 <dgm:layoutDef xmlns:dgm="http://schemas.openxmlformats.org/drawingml/2006/diagram" xmlns:a="http://schemas.openxmlformats.org/drawingml/2006/main" uniqueId="urn:microsoft.com/office/officeart/2005/8/layout/list1">
   <dgm:title val=""/>
   <dgm:desc val=""/>
@@ -17701,1040 +15150,6 @@
 </dgm:styleDef>
 </file>
 
-<file path=ppt/diagrams/quickStyle5.xml><?xml version="1.0" encoding="utf-8"?>
-<dgm:styleDef xmlns:dgm="http://schemas.openxmlformats.org/drawingml/2006/diagram" xmlns:a="http://schemas.openxmlformats.org/drawingml/2006/main" uniqueId="urn:microsoft.com/office/officeart/2005/8/quickstyle/simple1">
-  <dgm:title val=""/>
-  <dgm:desc val=""/>
-  <dgm:catLst>
-    <dgm:cat type="simple" pri="10100"/>
-  </dgm:catLst>
-  <dgm:scene3d>
-    <a:camera prst="orthographicFront"/>
-    <a:lightRig rig="threePt" dir="t"/>
-  </dgm:scene3d>
-  <dgm:styleLbl name="node0">
-    <dgm:scene3d>
-      <a:camera prst="orthographicFront"/>
-      <a:lightRig rig="threePt" dir="t"/>
-    </dgm:scene3d>
-    <dgm:sp3d/>
-    <dgm:txPr/>
-    <dgm:style>
-      <a:lnRef idx="2">
-        <a:scrgbClr r="0" g="0" b="0"/>
-      </a:lnRef>
-      <a:fillRef idx="1">
-        <a:scrgbClr r="0" g="0" b="0"/>
-      </a:fillRef>
-      <a:effectRef idx="0">
-        <a:scrgbClr r="0" g="0" b="0"/>
-      </a:effectRef>
-      <a:fontRef idx="minor">
-        <a:schemeClr val="lt1"/>
-      </a:fontRef>
-    </dgm:style>
-  </dgm:styleLbl>
-  <dgm:styleLbl name="lnNode1">
-    <dgm:scene3d>
-      <a:camera prst="orthographicFront"/>
-      <a:lightRig rig="threePt" dir="t"/>
-    </dgm:scene3d>
-    <dgm:sp3d/>
-    <dgm:txPr/>
-    <dgm:style>
-      <a:lnRef idx="2">
-        <a:scrgbClr r="0" g="0" b="0"/>
-      </a:lnRef>
-      <a:fillRef idx="1">
-        <a:scrgbClr r="0" g="0" b="0"/>
-      </a:fillRef>
-      <a:effectRef idx="0">
-        <a:scrgbClr r="0" g="0" b="0"/>
-      </a:effectRef>
-      <a:fontRef idx="minor">
-        <a:schemeClr val="lt1"/>
-      </a:fontRef>
-    </dgm:style>
-  </dgm:styleLbl>
-  <dgm:styleLbl name="vennNode1">
-    <dgm:scene3d>
-      <a:camera prst="orthographicFront"/>
-      <a:lightRig rig="threePt" dir="t"/>
-    </dgm:scene3d>
-    <dgm:sp3d/>
-    <dgm:txPr/>
-    <dgm:style>
-      <a:lnRef idx="2">
-        <a:scrgbClr r="0" g="0" b="0"/>
-      </a:lnRef>
-      <a:fillRef idx="1">
-        <a:scrgbClr r="0" g="0" b="0"/>
-      </a:fillRef>
-      <a:effectRef idx="0">
-        <a:scrgbClr r="0" g="0" b="0"/>
-      </a:effectRef>
-      <a:fontRef idx="minor">
-        <a:schemeClr val="tx1"/>
-      </a:fontRef>
-    </dgm:style>
-  </dgm:styleLbl>
-  <dgm:styleLbl name="alignNode1">
-    <dgm:scene3d>
-      <a:camera prst="orthographicFront"/>
-      <a:lightRig rig="threePt" dir="t"/>
-    </dgm:scene3d>
-    <dgm:sp3d/>
-    <dgm:txPr/>
-    <dgm:style>
-      <a:lnRef idx="2">
-        <a:scrgbClr r="0" g="0" b="0"/>
-      </a:lnRef>
-      <a:fillRef idx="1">
-        <a:scrgbClr r="0" g="0" b="0"/>
-      </a:fillRef>
-      <a:effectRef idx="0">
-        <a:scrgbClr r="0" g="0" b="0"/>
-      </a:effectRef>
-      <a:fontRef idx="minor">
-        <a:schemeClr val="lt1"/>
-      </a:fontRef>
-    </dgm:style>
-  </dgm:styleLbl>
-  <dgm:styleLbl name="node1">
-    <dgm:scene3d>
-      <a:camera prst="orthographicFront"/>
-      <a:lightRig rig="threePt" dir="t"/>
-    </dgm:scene3d>
-    <dgm:sp3d/>
-    <dgm:txPr/>
-    <dgm:style>
-      <a:lnRef idx="2">
-        <a:scrgbClr r="0" g="0" b="0"/>
-      </a:lnRef>
-      <a:fillRef idx="1">
-        <a:scrgbClr r="0" g="0" b="0"/>
-      </a:fillRef>
-      <a:effectRef idx="0">
-        <a:scrgbClr r="0" g="0" b="0"/>
-      </a:effectRef>
-      <a:fontRef idx="minor">
-        <a:schemeClr val="lt1"/>
-      </a:fontRef>
-    </dgm:style>
-  </dgm:styleLbl>
-  <dgm:styleLbl name="node2">
-    <dgm:scene3d>
-      <a:camera prst="orthographicFront"/>
-      <a:lightRig rig="threePt" dir="t"/>
-    </dgm:scene3d>
-    <dgm:sp3d/>
-    <dgm:txPr/>
-    <dgm:style>
-      <a:lnRef idx="2">
-        <a:scrgbClr r="0" g="0" b="0"/>
-      </a:lnRef>
-      <a:fillRef idx="1">
-        <a:scrgbClr r="0" g="0" b="0"/>
-      </a:fillRef>
-      <a:effectRef idx="0">
-        <a:scrgbClr r="0" g="0" b="0"/>
-      </a:effectRef>
-      <a:fontRef idx="minor">
-        <a:schemeClr val="lt1"/>
-      </a:fontRef>
-    </dgm:style>
-  </dgm:styleLbl>
-  <dgm:styleLbl name="node3">
-    <dgm:scene3d>
-      <a:camera prst="orthographicFront"/>
-      <a:lightRig rig="threePt" dir="t"/>
-    </dgm:scene3d>
-    <dgm:sp3d/>
-    <dgm:txPr/>
-    <dgm:style>
-      <a:lnRef idx="2">
-        <a:scrgbClr r="0" g="0" b="0"/>
-      </a:lnRef>
-      <a:fillRef idx="1">
-        <a:scrgbClr r="0" g="0" b="0"/>
-      </a:fillRef>
-      <a:effectRef idx="0">
-        <a:scrgbClr r="0" g="0" b="0"/>
-      </a:effectRef>
-      <a:fontRef idx="minor">
-        <a:schemeClr val="lt1"/>
-      </a:fontRef>
-    </dgm:style>
-  </dgm:styleLbl>
-  <dgm:styleLbl name="node4">
-    <dgm:scene3d>
-      <a:camera prst="orthographicFront"/>
-      <a:lightRig rig="threePt" dir="t"/>
-    </dgm:scene3d>
-    <dgm:sp3d/>
-    <dgm:txPr/>
-    <dgm:style>
-      <a:lnRef idx="2">
-        <a:scrgbClr r="0" g="0" b="0"/>
-      </a:lnRef>
-      <a:fillRef idx="1">
-        <a:scrgbClr r="0" g="0" b="0"/>
-      </a:fillRef>
-      <a:effectRef idx="0">
-        <a:scrgbClr r="0" g="0" b="0"/>
-      </a:effectRef>
-      <a:fontRef idx="minor">
-        <a:schemeClr val="lt1"/>
-      </a:fontRef>
-    </dgm:style>
-  </dgm:styleLbl>
-  <dgm:styleLbl name="fgImgPlace1">
-    <dgm:scene3d>
-      <a:camera prst="orthographicFront"/>
-      <a:lightRig rig="threePt" dir="t"/>
-    </dgm:scene3d>
-    <dgm:sp3d/>
-    <dgm:txPr/>
-    <dgm:style>
-      <a:lnRef idx="2">
-        <a:scrgbClr r="0" g="0" b="0"/>
-      </a:lnRef>
-      <a:fillRef idx="1">
-        <a:scrgbClr r="0" g="0" b="0"/>
-      </a:fillRef>
-      <a:effectRef idx="0">
-        <a:scrgbClr r="0" g="0" b="0"/>
-      </a:effectRef>
-      <a:fontRef idx="minor"/>
-    </dgm:style>
-  </dgm:styleLbl>
-  <dgm:styleLbl name="alignImgPlace1">
-    <dgm:scene3d>
-      <a:camera prst="orthographicFront"/>
-      <a:lightRig rig="threePt" dir="t"/>
-    </dgm:scene3d>
-    <dgm:sp3d/>
-    <dgm:txPr/>
-    <dgm:style>
-      <a:lnRef idx="2">
-        <a:scrgbClr r="0" g="0" b="0"/>
-      </a:lnRef>
-      <a:fillRef idx="1">
-        <a:scrgbClr r="0" g="0" b="0"/>
-      </a:fillRef>
-      <a:effectRef idx="0">
-        <a:scrgbClr r="0" g="0" b="0"/>
-      </a:effectRef>
-      <a:fontRef idx="minor"/>
-    </dgm:style>
-  </dgm:styleLbl>
-  <dgm:styleLbl name="bgImgPlace1">
-    <dgm:scene3d>
-      <a:camera prst="orthographicFront"/>
-      <a:lightRig rig="threePt" dir="t"/>
-    </dgm:scene3d>
-    <dgm:sp3d/>
-    <dgm:txPr/>
-    <dgm:style>
-      <a:lnRef idx="2">
-        <a:scrgbClr r="0" g="0" b="0"/>
-      </a:lnRef>
-      <a:fillRef idx="1">
-        <a:scrgbClr r="0" g="0" b="0"/>
-      </a:fillRef>
-      <a:effectRef idx="0">
-        <a:scrgbClr r="0" g="0" b="0"/>
-      </a:effectRef>
-      <a:fontRef idx="minor"/>
-    </dgm:style>
-  </dgm:styleLbl>
-  <dgm:styleLbl name="sibTrans2D1">
-    <dgm:scene3d>
-      <a:camera prst="orthographicFront"/>
-      <a:lightRig rig="threePt" dir="t"/>
-    </dgm:scene3d>
-    <dgm:sp3d/>
-    <dgm:txPr/>
-    <dgm:style>
-      <a:lnRef idx="0">
-        <a:scrgbClr r="0" g="0" b="0"/>
-      </a:lnRef>
-      <a:fillRef idx="1">
-        <a:scrgbClr r="0" g="0" b="0"/>
-      </a:fillRef>
-      <a:effectRef idx="0">
-        <a:scrgbClr r="0" g="0" b="0"/>
-      </a:effectRef>
-      <a:fontRef idx="minor">
-        <a:schemeClr val="lt1"/>
-      </a:fontRef>
-    </dgm:style>
-  </dgm:styleLbl>
-  <dgm:styleLbl name="fgSibTrans2D1">
-    <dgm:scene3d>
-      <a:camera prst="orthographicFront"/>
-      <a:lightRig rig="threePt" dir="t"/>
-    </dgm:scene3d>
-    <dgm:sp3d/>
-    <dgm:txPr/>
-    <dgm:style>
-      <a:lnRef idx="0">
-        <a:scrgbClr r="0" g="0" b="0"/>
-      </a:lnRef>
-      <a:fillRef idx="1">
-        <a:scrgbClr r="0" g="0" b="0"/>
-      </a:fillRef>
-      <a:effectRef idx="0">
-        <a:scrgbClr r="0" g="0" b="0"/>
-      </a:effectRef>
-      <a:fontRef idx="minor">
-        <a:schemeClr val="lt1"/>
-      </a:fontRef>
-    </dgm:style>
-  </dgm:styleLbl>
-  <dgm:styleLbl name="bgSibTrans2D1">
-    <dgm:scene3d>
-      <a:camera prst="orthographicFront"/>
-      <a:lightRig rig="threePt" dir="t"/>
-    </dgm:scene3d>
-    <dgm:sp3d/>
-    <dgm:txPr/>
-    <dgm:style>
-      <a:lnRef idx="0">
-        <a:scrgbClr r="0" g="0" b="0"/>
-      </a:lnRef>
-      <a:fillRef idx="1">
-        <a:scrgbClr r="0" g="0" b="0"/>
-      </a:fillRef>
-      <a:effectRef idx="0">
-        <a:scrgbClr r="0" g="0" b="0"/>
-      </a:effectRef>
-      <a:fontRef idx="minor">
-        <a:schemeClr val="lt1"/>
-      </a:fontRef>
-    </dgm:style>
-  </dgm:styleLbl>
-  <dgm:styleLbl name="sibTrans1D1">
-    <dgm:scene3d>
-      <a:camera prst="orthographicFront"/>
-      <a:lightRig rig="threePt" dir="t"/>
-    </dgm:scene3d>
-    <dgm:sp3d/>
-    <dgm:txPr/>
-    <dgm:style>
-      <a:lnRef idx="1">
-        <a:scrgbClr r="0" g="0" b="0"/>
-      </a:lnRef>
-      <a:fillRef idx="0">
-        <a:scrgbClr r="0" g="0" b="0"/>
-      </a:fillRef>
-      <a:effectRef idx="0">
-        <a:scrgbClr r="0" g="0" b="0"/>
-      </a:effectRef>
-      <a:fontRef idx="minor"/>
-    </dgm:style>
-  </dgm:styleLbl>
-  <dgm:styleLbl name="callout">
-    <dgm:scene3d>
-      <a:camera prst="orthographicFront"/>
-      <a:lightRig rig="threePt" dir="t"/>
-    </dgm:scene3d>
-    <dgm:sp3d/>
-    <dgm:txPr/>
-    <dgm:style>
-      <a:lnRef idx="2">
-        <a:scrgbClr r="0" g="0" b="0"/>
-      </a:lnRef>
-      <a:fillRef idx="1">
-        <a:scrgbClr r="0" g="0" b="0"/>
-      </a:fillRef>
-      <a:effectRef idx="0">
-        <a:scrgbClr r="0" g="0" b="0"/>
-      </a:effectRef>
-      <a:fontRef idx="minor"/>
-    </dgm:style>
-  </dgm:styleLbl>
-  <dgm:styleLbl name="asst0">
-    <dgm:scene3d>
-      <a:camera prst="orthographicFront"/>
-      <a:lightRig rig="threePt" dir="t"/>
-    </dgm:scene3d>
-    <dgm:sp3d/>
-    <dgm:txPr/>
-    <dgm:style>
-      <a:lnRef idx="2">
-        <a:scrgbClr r="0" g="0" b="0"/>
-      </a:lnRef>
-      <a:fillRef idx="1">
-        <a:scrgbClr r="0" g="0" b="0"/>
-      </a:fillRef>
-      <a:effectRef idx="0">
-        <a:scrgbClr r="0" g="0" b="0"/>
-      </a:effectRef>
-      <a:fontRef idx="minor">
-        <a:schemeClr val="lt1"/>
-      </a:fontRef>
-    </dgm:style>
-  </dgm:styleLbl>
-  <dgm:styleLbl name="asst1">
-    <dgm:scene3d>
-      <a:camera prst="orthographicFront"/>
-      <a:lightRig rig="threePt" dir="t"/>
-    </dgm:scene3d>
-    <dgm:sp3d/>
-    <dgm:txPr/>
-    <dgm:style>
-      <a:lnRef idx="2">
-        <a:scrgbClr r="0" g="0" b="0"/>
-      </a:lnRef>
-      <a:fillRef idx="1">
-        <a:scrgbClr r="0" g="0" b="0"/>
-      </a:fillRef>
-      <a:effectRef idx="0">
-        <a:scrgbClr r="0" g="0" b="0"/>
-      </a:effectRef>
-      <a:fontRef idx="minor">
-        <a:schemeClr val="lt1"/>
-      </a:fontRef>
-    </dgm:style>
-  </dgm:styleLbl>
-  <dgm:styleLbl name="asst2">
-    <dgm:scene3d>
-      <a:camera prst="orthographicFront"/>
-      <a:lightRig rig="threePt" dir="t"/>
-    </dgm:scene3d>
-    <dgm:sp3d/>
-    <dgm:txPr/>
-    <dgm:style>
-      <a:lnRef idx="2">
-        <a:scrgbClr r="0" g="0" b="0"/>
-      </a:lnRef>
-      <a:fillRef idx="1">
-        <a:scrgbClr r="0" g="0" b="0"/>
-      </a:fillRef>
-      <a:effectRef idx="0">
-        <a:scrgbClr r="0" g="0" b="0"/>
-      </a:effectRef>
-      <a:fontRef idx="minor">
-        <a:schemeClr val="lt1"/>
-      </a:fontRef>
-    </dgm:style>
-  </dgm:styleLbl>
-  <dgm:styleLbl name="asst3">
-    <dgm:scene3d>
-      <a:camera prst="orthographicFront"/>
-      <a:lightRig rig="threePt" dir="t"/>
-    </dgm:scene3d>
-    <dgm:sp3d/>
-    <dgm:txPr/>
-    <dgm:style>
-      <a:lnRef idx="2">
-        <a:scrgbClr r="0" g="0" b="0"/>
-      </a:lnRef>
-      <a:fillRef idx="1">
-        <a:scrgbClr r="0" g="0" b="0"/>
-      </a:fillRef>
-      <a:effectRef idx="0">
-        <a:scrgbClr r="0" g="0" b="0"/>
-      </a:effectRef>
-      <a:fontRef idx="minor">
-        <a:schemeClr val="lt1"/>
-      </a:fontRef>
-    </dgm:style>
-  </dgm:styleLbl>
-  <dgm:styleLbl name="asst4">
-    <dgm:scene3d>
-      <a:camera prst="orthographicFront"/>
-      <a:lightRig rig="threePt" dir="t"/>
-    </dgm:scene3d>
-    <dgm:sp3d/>
-    <dgm:txPr/>
-    <dgm:style>
-      <a:lnRef idx="2">
-        <a:scrgbClr r="0" g="0" b="0"/>
-      </a:lnRef>
-      <a:fillRef idx="1">
-        <a:scrgbClr r="0" g="0" b="0"/>
-      </a:fillRef>
-      <a:effectRef idx="0">
-        <a:scrgbClr r="0" g="0" b="0"/>
-      </a:effectRef>
-      <a:fontRef idx="minor">
-        <a:schemeClr val="lt1"/>
-      </a:fontRef>
-    </dgm:style>
-  </dgm:styleLbl>
-  <dgm:styleLbl name="parChTrans2D1">
-    <dgm:scene3d>
-      <a:camera prst="orthographicFront"/>
-      <a:lightRig rig="threePt" dir="t"/>
-    </dgm:scene3d>
-    <dgm:sp3d/>
-    <dgm:txPr/>
-    <dgm:style>
-      <a:lnRef idx="2">
-        <a:scrgbClr r="0" g="0" b="0"/>
-      </a:lnRef>
-      <a:fillRef idx="1">
-        <a:scrgbClr r="0" g="0" b="0"/>
-      </a:fillRef>
-      <a:effectRef idx="0">
-        <a:scrgbClr r="0" g="0" b="0"/>
-      </a:effectRef>
-      <a:fontRef idx="minor">
-        <a:schemeClr val="lt1"/>
-      </a:fontRef>
-    </dgm:style>
-  </dgm:styleLbl>
-  <dgm:styleLbl name="parChTrans2D2">
-    <dgm:scene3d>
-      <a:camera prst="orthographicFront"/>
-      <a:lightRig rig="threePt" dir="t"/>
-    </dgm:scene3d>
-    <dgm:sp3d/>
-    <dgm:txPr/>
-    <dgm:style>
-      <a:lnRef idx="2">
-        <a:scrgbClr r="0" g="0" b="0"/>
-      </a:lnRef>
-      <a:fillRef idx="1">
-        <a:scrgbClr r="0" g="0" b="0"/>
-      </a:fillRef>
-      <a:effectRef idx="0">
-        <a:scrgbClr r="0" g="0" b="0"/>
-      </a:effectRef>
-      <a:fontRef idx="minor">
-        <a:schemeClr val="lt1"/>
-      </a:fontRef>
-    </dgm:style>
-  </dgm:styleLbl>
-  <dgm:styleLbl name="parChTrans2D3">
-    <dgm:scene3d>
-      <a:camera prst="orthographicFront"/>
-      <a:lightRig rig="threePt" dir="t"/>
-    </dgm:scene3d>
-    <dgm:sp3d/>
-    <dgm:txPr/>
-    <dgm:style>
-      <a:lnRef idx="2">
-        <a:scrgbClr r="0" g="0" b="0"/>
-      </a:lnRef>
-      <a:fillRef idx="1">
-        <a:scrgbClr r="0" g="0" b="0"/>
-      </a:fillRef>
-      <a:effectRef idx="0">
-        <a:scrgbClr r="0" g="0" b="0"/>
-      </a:effectRef>
-      <a:fontRef idx="minor">
-        <a:schemeClr val="lt1"/>
-      </a:fontRef>
-    </dgm:style>
-  </dgm:styleLbl>
-  <dgm:styleLbl name="parChTrans2D4">
-    <dgm:scene3d>
-      <a:camera prst="orthographicFront"/>
-      <a:lightRig rig="threePt" dir="t"/>
-    </dgm:scene3d>
-    <dgm:sp3d/>
-    <dgm:txPr/>
-    <dgm:style>
-      <a:lnRef idx="2">
-        <a:scrgbClr r="0" g="0" b="0"/>
-      </a:lnRef>
-      <a:fillRef idx="1">
-        <a:scrgbClr r="0" g="0" b="0"/>
-      </a:fillRef>
-      <a:effectRef idx="0">
-        <a:scrgbClr r="0" g="0" b="0"/>
-      </a:effectRef>
-      <a:fontRef idx="minor">
-        <a:schemeClr val="lt1"/>
-      </a:fontRef>
-    </dgm:style>
-  </dgm:styleLbl>
-  <dgm:styleLbl name="parChTrans1D1">
-    <dgm:scene3d>
-      <a:camera prst="orthographicFront"/>
-      <a:lightRig rig="threePt" dir="t"/>
-    </dgm:scene3d>
-    <dgm:sp3d/>
-    <dgm:txPr/>
-    <dgm:style>
-      <a:lnRef idx="2">
-        <a:scrgbClr r="0" g="0" b="0"/>
-      </a:lnRef>
-      <a:fillRef idx="0">
-        <a:scrgbClr r="0" g="0" b="0"/>
-      </a:fillRef>
-      <a:effectRef idx="0">
-        <a:scrgbClr r="0" g="0" b="0"/>
-      </a:effectRef>
-      <a:fontRef idx="minor"/>
-    </dgm:style>
-  </dgm:styleLbl>
-  <dgm:styleLbl name="parChTrans1D2">
-    <dgm:scene3d>
-      <a:camera prst="orthographicFront"/>
-      <a:lightRig rig="threePt" dir="t"/>
-    </dgm:scene3d>
-    <dgm:sp3d/>
-    <dgm:txPr/>
-    <dgm:style>
-      <a:lnRef idx="2">
-        <a:scrgbClr r="0" g="0" b="0"/>
-      </a:lnRef>
-      <a:fillRef idx="0">
-        <a:scrgbClr r="0" g="0" b="0"/>
-      </a:fillRef>
-      <a:effectRef idx="0">
-        <a:scrgbClr r="0" g="0" b="0"/>
-      </a:effectRef>
-      <a:fontRef idx="minor"/>
-    </dgm:style>
-  </dgm:styleLbl>
-  <dgm:styleLbl name="parChTrans1D3">
-    <dgm:scene3d>
-      <a:camera prst="orthographicFront"/>
-      <a:lightRig rig="threePt" dir="t"/>
-    </dgm:scene3d>
-    <dgm:sp3d/>
-    <dgm:txPr/>
-    <dgm:style>
-      <a:lnRef idx="2">
-        <a:scrgbClr r="0" g="0" b="0"/>
-      </a:lnRef>
-      <a:fillRef idx="0">
-        <a:scrgbClr r="0" g="0" b="0"/>
-      </a:fillRef>
-      <a:effectRef idx="0">
-        <a:scrgbClr r="0" g="0" b="0"/>
-      </a:effectRef>
-      <a:fontRef idx="minor"/>
-    </dgm:style>
-  </dgm:styleLbl>
-  <dgm:styleLbl name="parChTrans1D4">
-    <dgm:scene3d>
-      <a:camera prst="orthographicFront"/>
-      <a:lightRig rig="threePt" dir="t"/>
-    </dgm:scene3d>
-    <dgm:sp3d/>
-    <dgm:txPr/>
-    <dgm:style>
-      <a:lnRef idx="2">
-        <a:scrgbClr r="0" g="0" b="0"/>
-      </a:lnRef>
-      <a:fillRef idx="0">
-        <a:scrgbClr r="0" g="0" b="0"/>
-      </a:fillRef>
-      <a:effectRef idx="0">
-        <a:scrgbClr r="0" g="0" b="0"/>
-      </a:effectRef>
-      <a:fontRef idx="minor"/>
-    </dgm:style>
-  </dgm:styleLbl>
-  <dgm:styleLbl name="fgAcc1">
-    <dgm:scene3d>
-      <a:camera prst="orthographicFront"/>
-      <a:lightRig rig="threePt" dir="t"/>
-    </dgm:scene3d>
-    <dgm:sp3d/>
-    <dgm:txPr/>
-    <dgm:style>
-      <a:lnRef idx="2">
-        <a:scrgbClr r="0" g="0" b="0"/>
-      </a:lnRef>
-      <a:fillRef idx="1">
-        <a:scrgbClr r="0" g="0" b="0"/>
-      </a:fillRef>
-      <a:effectRef idx="0">
-        <a:scrgbClr r="0" g="0" b="0"/>
-      </a:effectRef>
-      <a:fontRef idx="minor"/>
-    </dgm:style>
-  </dgm:styleLbl>
-  <dgm:styleLbl name="conFgAcc1">
-    <dgm:scene3d>
-      <a:camera prst="orthographicFront"/>
-      <a:lightRig rig="threePt" dir="t"/>
-    </dgm:scene3d>
-    <dgm:sp3d/>
-    <dgm:txPr/>
-    <dgm:style>
-      <a:lnRef idx="2">
-        <a:scrgbClr r="0" g="0" b="0"/>
-      </a:lnRef>
-      <a:fillRef idx="1">
-        <a:scrgbClr r="0" g="0" b="0"/>
-      </a:fillRef>
-      <a:effectRef idx="0">
-        <a:scrgbClr r="0" g="0" b="0"/>
-      </a:effectRef>
-      <a:fontRef idx="minor"/>
-    </dgm:style>
-  </dgm:styleLbl>
-  <dgm:styleLbl name="alignAcc1">
-    <dgm:scene3d>
-      <a:camera prst="orthographicFront"/>
-      <a:lightRig rig="threePt" dir="t"/>
-    </dgm:scene3d>
-    <dgm:sp3d/>
-    <dgm:txPr/>
-    <dgm:style>
-      <a:lnRef idx="2">
-        <a:scrgbClr r="0" g="0" b="0"/>
-      </a:lnRef>
-      <a:fillRef idx="1">
-        <a:scrgbClr r="0" g="0" b="0"/>
-      </a:fillRef>
-      <a:effectRef idx="0">
-        <a:scrgbClr r="0" g="0" b="0"/>
-      </a:effectRef>
-      <a:fontRef idx="minor"/>
-    </dgm:style>
-  </dgm:styleLbl>
-  <dgm:styleLbl name="trAlignAcc1">
-    <dgm:scene3d>
-      <a:camera prst="orthographicFront"/>
-      <a:lightRig rig="threePt" dir="t"/>
-    </dgm:scene3d>
-    <dgm:sp3d/>
-    <dgm:txPr/>
-    <dgm:style>
-      <a:lnRef idx="1">
-        <a:scrgbClr r="0" g="0" b="0"/>
-      </a:lnRef>
-      <a:fillRef idx="1">
-        <a:scrgbClr r="0" g="0" b="0"/>
-      </a:fillRef>
-      <a:effectRef idx="0">
-        <a:scrgbClr r="0" g="0" b="0"/>
-      </a:effectRef>
-      <a:fontRef idx="minor"/>
-    </dgm:style>
-  </dgm:styleLbl>
-  <dgm:styleLbl name="bgAcc1">
-    <dgm:scene3d>
-      <a:camera prst="orthographicFront"/>
-      <a:lightRig rig="threePt" dir="t"/>
-    </dgm:scene3d>
-    <dgm:sp3d/>
-    <dgm:txPr/>
-    <dgm:style>
-      <a:lnRef idx="2">
-        <a:scrgbClr r="0" g="0" b="0"/>
-      </a:lnRef>
-      <a:fillRef idx="1">
-        <a:scrgbClr r="0" g="0" b="0"/>
-      </a:fillRef>
-      <a:effectRef idx="0">
-        <a:scrgbClr r="0" g="0" b="0"/>
-      </a:effectRef>
-      <a:fontRef idx="minor"/>
-    </dgm:style>
-  </dgm:styleLbl>
-  <dgm:styleLbl name="solidFgAcc1">
-    <dgm:scene3d>
-      <a:camera prst="orthographicFront"/>
-      <a:lightRig rig="threePt" dir="t"/>
-    </dgm:scene3d>
-    <dgm:sp3d/>
-    <dgm:txPr/>
-    <dgm:style>
-      <a:lnRef idx="2">
-        <a:scrgbClr r="0" g="0" b="0"/>
-      </a:lnRef>
-      <a:fillRef idx="1">
-        <a:scrgbClr r="0" g="0" b="0"/>
-      </a:fillRef>
-      <a:effectRef idx="0">
-        <a:scrgbClr r="0" g="0" b="0"/>
-      </a:effectRef>
-      <a:fontRef idx="minor"/>
-    </dgm:style>
-  </dgm:styleLbl>
-  <dgm:styleLbl name="solidAlignAcc1">
-    <dgm:scene3d>
-      <a:camera prst="orthographicFront"/>
-      <a:lightRig rig="threePt" dir="t"/>
-    </dgm:scene3d>
-    <dgm:sp3d/>
-    <dgm:txPr/>
-    <dgm:style>
-      <a:lnRef idx="2">
-        <a:scrgbClr r="0" g="0" b="0"/>
-      </a:lnRef>
-      <a:fillRef idx="1">
-        <a:scrgbClr r="0" g="0" b="0"/>
-      </a:fillRef>
-      <a:effectRef idx="0">
-        <a:scrgbClr r="0" g="0" b="0"/>
-      </a:effectRef>
-      <a:fontRef idx="minor"/>
-    </dgm:style>
-  </dgm:styleLbl>
-  <dgm:styleLbl name="solidBgAcc1">
-    <dgm:scene3d>
-      <a:camera prst="orthographicFront"/>
-      <a:lightRig rig="threePt" dir="t"/>
-    </dgm:scene3d>
-    <dgm:sp3d/>
-    <dgm:txPr/>
-    <dgm:style>
-      <a:lnRef idx="2">
-        <a:scrgbClr r="0" g="0" b="0"/>
-      </a:lnRef>
-      <a:fillRef idx="1">
-        <a:scrgbClr r="0" g="0" b="0"/>
-      </a:fillRef>
-      <a:effectRef idx="0">
-        <a:scrgbClr r="0" g="0" b="0"/>
-      </a:effectRef>
-      <a:fontRef idx="minor"/>
-    </dgm:style>
-  </dgm:styleLbl>
-  <dgm:styleLbl name="fgAccFollowNode1">
-    <dgm:scene3d>
-      <a:camera prst="orthographicFront"/>
-      <a:lightRig rig="threePt" dir="t"/>
-    </dgm:scene3d>
-    <dgm:sp3d/>
-    <dgm:txPr/>
-    <dgm:style>
-      <a:lnRef idx="2">
-        <a:scrgbClr r="0" g="0" b="0"/>
-      </a:lnRef>
-      <a:fillRef idx="1">
-        <a:scrgbClr r="0" g="0" b="0"/>
-      </a:fillRef>
-      <a:effectRef idx="0">
-        <a:scrgbClr r="0" g="0" b="0"/>
-      </a:effectRef>
-      <a:fontRef idx="minor"/>
-    </dgm:style>
-  </dgm:styleLbl>
-  <dgm:styleLbl name="alignAccFollowNode1">
-    <dgm:scene3d>
-      <a:camera prst="orthographicFront"/>
-      <a:lightRig rig="threePt" dir="t"/>
-    </dgm:scene3d>
-    <dgm:sp3d/>
-    <dgm:txPr/>
-    <dgm:style>
-      <a:lnRef idx="2">
-        <a:scrgbClr r="0" g="0" b="0"/>
-      </a:lnRef>
-      <a:fillRef idx="1">
-        <a:scrgbClr r="0" g="0" b="0"/>
-      </a:fillRef>
-      <a:effectRef idx="0">
-        <a:scrgbClr r="0" g="0" b="0"/>
-      </a:effectRef>
-      <a:fontRef idx="minor"/>
-    </dgm:style>
-  </dgm:styleLbl>
-  <dgm:styleLbl name="bgAccFollowNode1">
-    <dgm:scene3d>
-      <a:camera prst="orthographicFront"/>
-      <a:lightRig rig="threePt" dir="t"/>
-    </dgm:scene3d>
-    <dgm:sp3d/>
-    <dgm:txPr/>
-    <dgm:style>
-      <a:lnRef idx="2">
-        <a:scrgbClr r="0" g="0" b="0"/>
-      </a:lnRef>
-      <a:fillRef idx="1">
-        <a:scrgbClr r="0" g="0" b="0"/>
-      </a:fillRef>
-      <a:effectRef idx="0">
-        <a:scrgbClr r="0" g="0" b="0"/>
-      </a:effectRef>
-      <a:fontRef idx="minor"/>
-    </dgm:style>
-  </dgm:styleLbl>
-  <dgm:styleLbl name="fgAcc0">
-    <dgm:scene3d>
-      <a:camera prst="orthographicFront"/>
-      <a:lightRig rig="threePt" dir="t"/>
-    </dgm:scene3d>
-    <dgm:sp3d/>
-    <dgm:txPr/>
-    <dgm:style>
-      <a:lnRef idx="2">
-        <a:scrgbClr r="0" g="0" b="0"/>
-      </a:lnRef>
-      <a:fillRef idx="1">
-        <a:scrgbClr r="0" g="0" b="0"/>
-      </a:fillRef>
-      <a:effectRef idx="0">
-        <a:scrgbClr r="0" g="0" b="0"/>
-      </a:effectRef>
-      <a:fontRef idx="minor"/>
-    </dgm:style>
-  </dgm:styleLbl>
-  <dgm:styleLbl name="fgAcc2">
-    <dgm:scene3d>
-      <a:camera prst="orthographicFront"/>
-      <a:lightRig rig="threePt" dir="t"/>
-    </dgm:scene3d>
-    <dgm:sp3d/>
-    <dgm:txPr/>
-    <dgm:style>
-      <a:lnRef idx="2">
-        <a:scrgbClr r="0" g="0" b="0"/>
-      </a:lnRef>
-      <a:fillRef idx="1">
-        <a:scrgbClr r="0" g="0" b="0"/>
-      </a:fillRef>
-      <a:effectRef idx="0">
-        <a:scrgbClr r="0" g="0" b="0"/>
-      </a:effectRef>
-      <a:fontRef idx="minor"/>
-    </dgm:style>
-  </dgm:styleLbl>
-  <dgm:styleLbl name="fgAcc3">
-    <dgm:scene3d>
-      <a:camera prst="orthographicFront"/>
-      <a:lightRig rig="threePt" dir="t"/>
-    </dgm:scene3d>
-    <dgm:sp3d/>
-    <dgm:txPr/>
-    <dgm:style>
-      <a:lnRef idx="2">
-        <a:scrgbClr r="0" g="0" b="0"/>
-      </a:lnRef>
-      <a:fillRef idx="1">
-        <a:scrgbClr r="0" g="0" b="0"/>
-      </a:fillRef>
-      <a:effectRef idx="0">
-        <a:scrgbClr r="0" g="0" b="0"/>
-      </a:effectRef>
-      <a:fontRef idx="minor"/>
-    </dgm:style>
-  </dgm:styleLbl>
-  <dgm:styleLbl name="fgAcc4">
-    <dgm:scene3d>
-      <a:camera prst="orthographicFront"/>
-      <a:lightRig rig="threePt" dir="t"/>
-    </dgm:scene3d>
-    <dgm:sp3d/>
-    <dgm:txPr/>
-    <dgm:style>
-      <a:lnRef idx="2">
-        <a:scrgbClr r="0" g="0" b="0"/>
-      </a:lnRef>
-      <a:fillRef idx="1">
-        <a:scrgbClr r="0" g="0" b="0"/>
-      </a:fillRef>
-      <a:effectRef idx="0">
-        <a:scrgbClr r="0" g="0" b="0"/>
-      </a:effectRef>
-      <a:fontRef idx="minor"/>
-    </dgm:style>
-  </dgm:styleLbl>
-  <dgm:styleLbl name="bgShp">
-    <dgm:scene3d>
-      <a:camera prst="orthographicFront"/>
-      <a:lightRig rig="threePt" dir="t"/>
-    </dgm:scene3d>
-    <dgm:sp3d/>
-    <dgm:txPr/>
-    <dgm:style>
-      <a:lnRef idx="0">
-        <a:scrgbClr r="0" g="0" b="0"/>
-      </a:lnRef>
-      <a:fillRef idx="1">
-        <a:scrgbClr r="0" g="0" b="0"/>
-      </a:fillRef>
-      <a:effectRef idx="0">
-        <a:scrgbClr r="0" g="0" b="0"/>
-      </a:effectRef>
-      <a:fontRef idx="minor"/>
-    </dgm:style>
-  </dgm:styleLbl>
-  <dgm:styleLbl name="dkBgShp">
-    <dgm:scene3d>
-      <a:camera prst="orthographicFront"/>
-      <a:lightRig rig="threePt" dir="t"/>
-    </dgm:scene3d>
-    <dgm:sp3d/>
-    <dgm:txPr/>
-    <dgm:style>
-      <a:lnRef idx="0">
-        <a:scrgbClr r="0" g="0" b="0"/>
-      </a:lnRef>
-      <a:fillRef idx="1">
-        <a:scrgbClr r="0" g="0" b="0"/>
-      </a:fillRef>
-      <a:effectRef idx="0">
-        <a:scrgbClr r="0" g="0" b="0"/>
-      </a:effectRef>
-      <a:fontRef idx="minor"/>
-    </dgm:style>
-  </dgm:styleLbl>
-  <dgm:styleLbl name="trBgShp">
-    <dgm:scene3d>
-      <a:camera prst="orthographicFront"/>
-      <a:lightRig rig="threePt" dir="t"/>
-    </dgm:scene3d>
-    <dgm:sp3d/>
-    <dgm:txPr/>
-    <dgm:style>
-      <a:lnRef idx="0">
-        <a:scrgbClr r="0" g="0" b="0"/>
-      </a:lnRef>
-      <a:fillRef idx="1">
-        <a:scrgbClr r="0" g="0" b="0"/>
-      </a:fillRef>
-      <a:effectRef idx="0">
-        <a:scrgbClr r="0" g="0" b="0"/>
-      </a:effectRef>
-      <a:fontRef idx="minor"/>
-    </dgm:style>
-  </dgm:styleLbl>
-  <dgm:styleLbl name="fgShp">
-    <dgm:scene3d>
-      <a:camera prst="orthographicFront"/>
-      <a:lightRig rig="threePt" dir="t"/>
-    </dgm:scene3d>
-    <dgm:sp3d/>
-    <dgm:txPr/>
-    <dgm:style>
-      <a:lnRef idx="2">
-        <a:scrgbClr r="0" g="0" b="0"/>
-      </a:lnRef>
-      <a:fillRef idx="1">
-        <a:scrgbClr r="0" g="0" b="0"/>
-      </a:fillRef>
-      <a:effectRef idx="0">
-        <a:scrgbClr r="0" g="0" b="0"/>
-      </a:effectRef>
-      <a:fontRef idx="minor"/>
-    </dgm:style>
-  </dgm:styleLbl>
-  <dgm:styleLbl name="revTx">
-    <dgm:scene3d>
-      <a:camera prst="orthographicFront"/>
-      <a:lightRig rig="threePt" dir="t"/>
-    </dgm:scene3d>
-    <dgm:sp3d/>
-    <dgm:txPr/>
-    <dgm:style>
-      <a:lnRef idx="0">
-        <a:scrgbClr r="0" g="0" b="0"/>
-      </a:lnRef>
-      <a:fillRef idx="0">
-        <a:scrgbClr r="0" g="0" b="0"/>
-      </a:fillRef>
-      <a:effectRef idx="0">
-        <a:scrgbClr r="0" g="0" b="0"/>
-      </a:effectRef>
-      <a:fontRef idx="minor"/>
-    </dgm:style>
-  </dgm:styleLbl>
-</dgm:styleDef>
-</file>
-
 <file path=ppt/notesMasters/notesMaster1.xml><?xml version="1.0" encoding="utf-8"?>
 <p:notesMaster xmlns:a="http://schemas.openxmlformats.org/drawingml/2006/main" xmlns:r="http://schemas.openxmlformats.org/officeDocument/2006/relationships" xmlns:p="http://schemas.openxmlformats.org/presentationml/2006/main">
   <p:cSld>
@@ -18817,7 +15232,7 @@
           <a:p>
             <a:fld id="{366CF7EB-1E53-6E49-820E-FB2085D3B8B2}" type="datetimeFigureOut">
               <a:rPr lang="es-ES_tradnl" smtClean="0"/>
-              <a:t>17/4/17</a:t>
+              <a:t>18/04/2017</a:t>
             </a:fld>
             <a:endParaRPr lang="es-ES_tradnl"/>
           </a:p>
@@ -18976,7 +15391,7 @@
           <a:p>
             <a:fld id="{54DB6D70-62A6-AA40-9FBC-49C83A68643A}" type="slidenum">
               <a:rPr lang="es-ES_tradnl" smtClean="0"/>
-              <a:t>‹Nr.›</a:t>
+              <a:t>‹Nº›</a:t>
             </a:fld>
             <a:endParaRPr lang="es-ES_tradnl"/>
           </a:p>
@@ -19266,7 +15681,7 @@
           <a:p>
             <a:fld id="{2675365B-A26E-4577-B15C-2CF88CE88180}" type="datetimeFigureOut">
               <a:rPr lang="en-US" smtClean="0"/>
-              <a:t>4/17/17</a:t>
+              <a:t>4/18/2017</a:t>
             </a:fld>
             <a:endParaRPr lang="en-US"/>
           </a:p>
@@ -19308,7 +15723,7 @@
           <a:p>
             <a:fld id="{3FBB7A93-7920-4D64-9823-678DE2412FD5}" type="slidenum">
               <a:rPr lang="en-US" smtClean="0"/>
-              <a:t>‹Nr.›</a:t>
+              <a:t>‹Nº›</a:t>
             </a:fld>
             <a:endParaRPr lang="en-US"/>
           </a:p>
@@ -19436,7 +15851,7 @@
           <a:p>
             <a:fld id="{2675365B-A26E-4577-B15C-2CF88CE88180}" type="datetimeFigureOut">
               <a:rPr lang="en-US" smtClean="0"/>
-              <a:t>4/17/17</a:t>
+              <a:t>4/18/2017</a:t>
             </a:fld>
             <a:endParaRPr lang="en-US"/>
           </a:p>
@@ -19478,7 +15893,7 @@
           <a:p>
             <a:fld id="{3FBB7A93-7920-4D64-9823-678DE2412FD5}" type="slidenum">
               <a:rPr lang="en-US" smtClean="0"/>
-              <a:t>‹Nr.›</a:t>
+              <a:t>‹Nº›</a:t>
             </a:fld>
             <a:endParaRPr lang="en-US"/>
           </a:p>
@@ -19616,7 +16031,7 @@
           <a:p>
             <a:fld id="{2675365B-A26E-4577-B15C-2CF88CE88180}" type="datetimeFigureOut">
               <a:rPr lang="en-US" smtClean="0"/>
-              <a:t>4/17/17</a:t>
+              <a:t>4/18/2017</a:t>
             </a:fld>
             <a:endParaRPr lang="en-US"/>
           </a:p>
@@ -19658,7 +16073,7 @@
           <a:p>
             <a:fld id="{3FBB7A93-7920-4D64-9823-678DE2412FD5}" type="slidenum">
               <a:rPr lang="en-US" smtClean="0"/>
-              <a:t>‹Nr.›</a:t>
+              <a:t>‹Nº›</a:t>
             </a:fld>
             <a:endParaRPr lang="en-US"/>
           </a:p>
@@ -19786,7 +16201,7 @@
           <a:p>
             <a:fld id="{2675365B-A26E-4577-B15C-2CF88CE88180}" type="datetimeFigureOut">
               <a:rPr lang="en-US" smtClean="0"/>
-              <a:t>4/17/17</a:t>
+              <a:t>4/18/2017</a:t>
             </a:fld>
             <a:endParaRPr lang="en-US"/>
           </a:p>
@@ -19828,7 +16243,7 @@
           <a:p>
             <a:fld id="{3FBB7A93-7920-4D64-9823-678DE2412FD5}" type="slidenum">
               <a:rPr lang="en-US" smtClean="0"/>
-              <a:t>‹Nr.›</a:t>
+              <a:t>‹Nº›</a:t>
             </a:fld>
             <a:endParaRPr lang="en-US"/>
           </a:p>
@@ -20032,7 +16447,7 @@
           <a:p>
             <a:fld id="{2675365B-A26E-4577-B15C-2CF88CE88180}" type="datetimeFigureOut">
               <a:rPr lang="en-US" smtClean="0"/>
-              <a:t>4/17/17</a:t>
+              <a:t>4/18/2017</a:t>
             </a:fld>
             <a:endParaRPr lang="en-US"/>
           </a:p>
@@ -20074,7 +16489,7 @@
           <a:p>
             <a:fld id="{3FBB7A93-7920-4D64-9823-678DE2412FD5}" type="slidenum">
               <a:rPr lang="en-US" smtClean="0"/>
-              <a:t>‹Nr.›</a:t>
+              <a:t>‹Nº›</a:t>
             </a:fld>
             <a:endParaRPr lang="en-US"/>
           </a:p>
@@ -20320,7 +16735,7 @@
           <a:p>
             <a:fld id="{2675365B-A26E-4577-B15C-2CF88CE88180}" type="datetimeFigureOut">
               <a:rPr lang="en-US" smtClean="0"/>
-              <a:t>4/17/17</a:t>
+              <a:t>4/18/2017</a:t>
             </a:fld>
             <a:endParaRPr lang="en-US"/>
           </a:p>
@@ -20362,7 +16777,7 @@
           <a:p>
             <a:fld id="{3FBB7A93-7920-4D64-9823-678DE2412FD5}" type="slidenum">
               <a:rPr lang="en-US" smtClean="0"/>
-              <a:t>‹Nr.›</a:t>
+              <a:t>‹Nº›</a:t>
             </a:fld>
             <a:endParaRPr lang="en-US"/>
           </a:p>
@@ -20742,7 +17157,7 @@
           <a:p>
             <a:fld id="{2675365B-A26E-4577-B15C-2CF88CE88180}" type="datetimeFigureOut">
               <a:rPr lang="en-US" smtClean="0"/>
-              <a:t>4/17/17</a:t>
+              <a:t>4/18/2017</a:t>
             </a:fld>
             <a:endParaRPr lang="en-US"/>
           </a:p>
@@ -20784,7 +17199,7 @@
           <a:p>
             <a:fld id="{3FBB7A93-7920-4D64-9823-678DE2412FD5}" type="slidenum">
               <a:rPr lang="en-US" smtClean="0"/>
-              <a:t>‹Nr.›</a:t>
+              <a:t>‹Nº›</a:t>
             </a:fld>
             <a:endParaRPr lang="en-US"/>
           </a:p>
@@ -20860,7 +17275,7 @@
           <a:p>
             <a:fld id="{2675365B-A26E-4577-B15C-2CF88CE88180}" type="datetimeFigureOut">
               <a:rPr lang="en-US" smtClean="0"/>
-              <a:t>4/17/17</a:t>
+              <a:t>4/18/2017</a:t>
             </a:fld>
             <a:endParaRPr lang="en-US"/>
           </a:p>
@@ -20902,7 +17317,7 @@
           <a:p>
             <a:fld id="{3FBB7A93-7920-4D64-9823-678DE2412FD5}" type="slidenum">
               <a:rPr lang="en-US" smtClean="0"/>
-              <a:t>‹Nr.›</a:t>
+              <a:t>‹Nº›</a:t>
             </a:fld>
             <a:endParaRPr lang="en-US"/>
           </a:p>
@@ -20955,7 +17370,7 @@
           <a:p>
             <a:fld id="{2675365B-A26E-4577-B15C-2CF88CE88180}" type="datetimeFigureOut">
               <a:rPr lang="en-US" smtClean="0"/>
-              <a:t>4/17/17</a:t>
+              <a:t>4/18/2017</a:t>
             </a:fld>
             <a:endParaRPr lang="en-US"/>
           </a:p>
@@ -20997,7 +17412,7 @@
           <a:p>
             <a:fld id="{3FBB7A93-7920-4D64-9823-678DE2412FD5}" type="slidenum">
               <a:rPr lang="en-US" smtClean="0"/>
-              <a:t>‹Nr.›</a:t>
+              <a:t>‹Nº›</a:t>
             </a:fld>
             <a:endParaRPr lang="en-US"/>
           </a:p>
@@ -21232,7 +17647,7 @@
           <a:p>
             <a:fld id="{2675365B-A26E-4577-B15C-2CF88CE88180}" type="datetimeFigureOut">
               <a:rPr lang="en-US" smtClean="0"/>
-              <a:t>4/17/17</a:t>
+              <a:t>4/18/2017</a:t>
             </a:fld>
             <a:endParaRPr lang="en-US"/>
           </a:p>
@@ -21274,7 +17689,7 @@
           <a:p>
             <a:fld id="{3FBB7A93-7920-4D64-9823-678DE2412FD5}" type="slidenum">
               <a:rPr lang="en-US" smtClean="0"/>
-              <a:t>‹Nr.›</a:t>
+              <a:t>‹Nº›</a:t>
             </a:fld>
             <a:endParaRPr lang="en-US"/>
           </a:p>
@@ -21485,7 +17900,7 @@
           <a:p>
             <a:fld id="{2675365B-A26E-4577-B15C-2CF88CE88180}" type="datetimeFigureOut">
               <a:rPr lang="en-US" smtClean="0"/>
-              <a:t>4/17/17</a:t>
+              <a:t>4/18/2017</a:t>
             </a:fld>
             <a:endParaRPr lang="en-US"/>
           </a:p>
@@ -21527,7 +17942,7 @@
           <a:p>
             <a:fld id="{3FBB7A93-7920-4D64-9823-678DE2412FD5}" type="slidenum">
               <a:rPr lang="en-US" smtClean="0"/>
-              <a:t>‹Nr.›</a:t>
+              <a:t>‹Nº›</a:t>
             </a:fld>
             <a:endParaRPr lang="en-US"/>
           </a:p>
@@ -21698,7 +18113,7 @@
           <a:p>
             <a:fld id="{2675365B-A26E-4577-B15C-2CF88CE88180}" type="datetimeFigureOut">
               <a:rPr lang="en-US" smtClean="0"/>
-              <a:t>4/17/17</a:t>
+              <a:t>4/18/2017</a:t>
             </a:fld>
             <a:endParaRPr lang="en-US"/>
           </a:p>
@@ -21776,7 +18191,7 @@
           <a:p>
             <a:fld id="{3FBB7A93-7920-4D64-9823-678DE2412FD5}" type="slidenum">
               <a:rPr lang="en-US" smtClean="0"/>
-              <a:t>‹Nr.›</a:t>
+              <a:t>‹Nº›</a:t>
             </a:fld>
             <a:endParaRPr lang="en-US"/>
           </a:p>
@@ -22374,6 +18789,215 @@
           <a:chExt cx="0" cy="0"/>
         </a:xfrm>
       </p:grpSpPr>
+      <p:graphicFrame>
+        <p:nvGraphicFramePr>
+          <p:cNvPr id="7" name="Diagram 6"/>
+          <p:cNvGraphicFramePr/>
+          <p:nvPr>
+            <p:extLst>
+              <p:ext uri="{D42A27DB-BD31-4B8C-83A1-F6EECF244321}">
+                <p14:modId xmlns:p14="http://schemas.microsoft.com/office/powerpoint/2010/main" val="2829674859"/>
+              </p:ext>
+            </p:extLst>
+          </p:nvPr>
+        </p:nvGraphicFramePr>
+        <p:xfrm>
+          <a:off x="899592" y="1268760"/>
+          <a:ext cx="7488832" cy="4896544"/>
+        </p:xfrm>
+        <a:graphic>
+          <a:graphicData uri="http://schemas.openxmlformats.org/drawingml/2006/diagram">
+            <dgm:relIds xmlns:dgm="http://schemas.openxmlformats.org/drawingml/2006/diagram" xmlns:r="http://schemas.openxmlformats.org/officeDocument/2006/relationships" r:dm="rId2" r:lo="rId3" r:qs="rId4" r:cs="rId5"/>
+          </a:graphicData>
+        </a:graphic>
+      </p:graphicFrame>
+      <p:pic>
+        <p:nvPicPr>
+          <p:cNvPr id="8" name="Picture 2" descr="Resultado de imagen de online business school"/>
+          <p:cNvPicPr>
+            <a:picLocks noChangeAspect="1" noChangeArrowheads="1"/>
+          </p:cNvPicPr>
+          <p:nvPr/>
+        </p:nvPicPr>
+        <p:blipFill>
+          <a:blip r:embed="rId7" cstate="print">
+            <a:extLst>
+              <a:ext uri="{28A0092B-C50C-407E-A947-70E740481C1C}">
+                <a14:useLocalDpi xmlns:a14="http://schemas.microsoft.com/office/drawing/2010/main" val="0"/>
+              </a:ext>
+            </a:extLst>
+          </a:blip>
+          <a:srcRect/>
+          <a:stretch>
+            <a:fillRect/>
+          </a:stretch>
+        </p:blipFill>
+        <p:spPr bwMode="auto">
+          <a:xfrm>
+            <a:off x="251520" y="188640"/>
+            <a:ext cx="1340768" cy="243776"/>
+          </a:xfrm>
+          <a:prstGeom prst="rect">
+            <a:avLst/>
+          </a:prstGeom>
+          <a:noFill/>
+          <a:extLst>
+            <a:ext uri="{909E8E84-426E-40DD-AFC4-6F175D3DCCD1}">
+              <a14:hiddenFill xmlns:a14="http://schemas.microsoft.com/office/drawing/2010/main">
+                <a:solidFill>
+                  <a:srgbClr val="FFFFFF"/>
+                </a:solidFill>
+              </a14:hiddenFill>
+            </a:ext>
+          </a:extLst>
+        </p:spPr>
+      </p:pic>
+      <p:pic>
+        <p:nvPicPr>
+          <p:cNvPr id="9" name="Picture 4" descr="Resultado de imagen de universitat barcelona"/>
+          <p:cNvPicPr>
+            <a:picLocks noChangeAspect="1" noChangeArrowheads="1"/>
+          </p:cNvPicPr>
+          <p:nvPr/>
+        </p:nvPicPr>
+        <p:blipFill>
+          <a:blip r:embed="rId8" cstate="print">
+            <a:extLst>
+              <a:ext uri="{28A0092B-C50C-407E-A947-70E740481C1C}">
+                <a14:useLocalDpi xmlns:a14="http://schemas.microsoft.com/office/drawing/2010/main" val="0"/>
+              </a:ext>
+            </a:extLst>
+          </a:blip>
+          <a:srcRect/>
+          <a:stretch>
+            <a:fillRect/>
+          </a:stretch>
+        </p:blipFill>
+        <p:spPr bwMode="auto">
+          <a:xfrm>
+            <a:off x="7596336" y="135234"/>
+            <a:ext cx="1196871" cy="350587"/>
+          </a:xfrm>
+          <a:prstGeom prst="rect">
+            <a:avLst/>
+          </a:prstGeom>
+          <a:noFill/>
+          <a:extLst>
+            <a:ext uri="{909E8E84-426E-40DD-AFC4-6F175D3DCCD1}">
+              <a14:hiddenFill xmlns:a14="http://schemas.microsoft.com/office/drawing/2010/main">
+                <a:solidFill>
+                  <a:srgbClr val="FFFFFF"/>
+                </a:solidFill>
+              </a14:hiddenFill>
+            </a:ext>
+          </a:extLst>
+        </p:spPr>
+      </p:pic>
+      <p:sp>
+        <p:nvSpPr>
+          <p:cNvPr id="10" name="Title 1"/>
+          <p:cNvSpPr>
+            <a:spLocks noGrp="1"/>
+          </p:cNvSpPr>
+          <p:nvPr>
+            <p:ph type="title"/>
+          </p:nvPr>
+        </p:nvSpPr>
+        <p:spPr>
+          <a:xfrm>
+            <a:off x="32716" y="476672"/>
+            <a:ext cx="8229600" cy="341437"/>
+          </a:xfrm>
+        </p:spPr>
+        <p:txBody>
+          <a:bodyPr>
+            <a:normAutofit fontScale="90000"/>
+          </a:bodyPr>
+          <a:lstStyle/>
+          <a:p>
+            <a:pPr algn="l"/>
+            <a:r>
+              <a:rPr lang="es-CO" sz="2000" b="1" i="1" dirty="0" smtClean="0">
+                <a:solidFill>
+                  <a:schemeClr val="tx2"/>
+                </a:solidFill>
+                <a:effectLst>
+                  <a:outerShdw blurRad="38100" dist="38100" dir="2700000" algn="tl">
+                    <a:srgbClr val="000000">
+                      <a:alpha val="43137"/>
+                    </a:srgbClr>
+                  </a:outerShdw>
+                </a:effectLst>
+              </a:rPr>
+              <a:t>7. </a:t>
+            </a:r>
+            <a:r>
+              <a:rPr lang="es-CO" sz="2200" b="1" i="1" dirty="0" smtClean="0">
+                <a:solidFill>
+                  <a:schemeClr val="tx2"/>
+                </a:solidFill>
+                <a:effectLst>
+                  <a:outerShdw blurRad="38100" dist="38100" dir="2700000" algn="tl">
+                    <a:srgbClr val="000000">
+                      <a:alpha val="43137"/>
+                    </a:srgbClr>
+                  </a:outerShdw>
+                </a:effectLst>
+              </a:rPr>
+              <a:t>ESTRATEGIA DE IMPLEMENTACIÓN</a:t>
+            </a:r>
+            <a:endParaRPr lang="es-ES" sz="2000" b="1" i="1" dirty="0">
+              <a:solidFill>
+                <a:schemeClr val="tx2"/>
+              </a:solidFill>
+              <a:effectLst>
+                <a:outerShdw blurRad="38100" dist="38100" dir="2700000" algn="tl">
+                  <a:srgbClr val="000000">
+                    <a:alpha val="43137"/>
+                  </a:srgbClr>
+                </a:outerShdw>
+              </a:effectLst>
+            </a:endParaRPr>
+          </a:p>
+        </p:txBody>
+      </p:sp>
+    </p:spTree>
+    <p:extLst>
+      <p:ext uri="{BB962C8B-B14F-4D97-AF65-F5344CB8AC3E}">
+        <p14:creationId xmlns:p14="http://schemas.microsoft.com/office/powerpoint/2010/main" val="3834244802"/>
+      </p:ext>
+    </p:extLst>
+  </p:cSld>
+  <p:clrMapOvr>
+    <a:masterClrMapping/>
+  </p:clrMapOvr>
+  <p:timing>
+    <p:tnLst>
+      <p:par>
+        <p:cTn id="1" dur="indefinite" restart="never" nodeType="tmRoot"/>
+      </p:par>
+    </p:tnLst>
+  </p:timing>
+</p:sld>
+</file>
+
+<file path=ppt/slides/slide11.xml><?xml version="1.0" encoding="utf-8"?>
+<p:sld xmlns:a="http://schemas.openxmlformats.org/drawingml/2006/main" xmlns:r="http://schemas.openxmlformats.org/officeDocument/2006/relationships" xmlns:p="http://schemas.openxmlformats.org/presentationml/2006/main">
+  <p:cSld>
+    <p:spTree>
+      <p:nvGrpSpPr>
+        <p:cNvPr id="1" name=""/>
+        <p:cNvGrpSpPr/>
+        <p:nvPr/>
+      </p:nvGrpSpPr>
+      <p:grpSpPr>
+        <a:xfrm>
+          <a:off x="0" y="0"/>
+          <a:ext cx="0" cy="0"/>
+          <a:chOff x="0" y="0"/>
+          <a:chExt cx="0" cy="0"/>
+        </a:xfrm>
+      </p:grpSpPr>
       <p:pic>
         <p:nvPicPr>
           <p:cNvPr id="4" name="Picture 2"/>
@@ -22596,7 +19220,7 @@
 </p:sld>
 </file>
 
-<file path=ppt/slides/slide11.xml><?xml version="1.0" encoding="utf-8"?>
+<file path=ppt/slides/slide12.xml><?xml version="1.0" encoding="utf-8"?>
 <p:sld xmlns:a="http://schemas.openxmlformats.org/drawingml/2006/main" xmlns:r="http://schemas.openxmlformats.org/officeDocument/2006/relationships" xmlns:p="http://schemas.openxmlformats.org/presentationml/2006/main">
   <p:cSld>
     <p:spTree>
@@ -22847,7 +19471,7 @@
 </p:sld>
 </file>
 
-<file path=ppt/slides/slide12.xml><?xml version="1.0" encoding="utf-8"?>
+<file path=ppt/slides/slide13.xml><?xml version="1.0" encoding="utf-8"?>
 <p:sld xmlns:a="http://schemas.openxmlformats.org/drawingml/2006/main" xmlns:r="http://schemas.openxmlformats.org/officeDocument/2006/relationships" xmlns:p="http://schemas.openxmlformats.org/presentationml/2006/main">
   <p:cSld>
     <p:bg>
@@ -25076,7 +21700,7 @@
 </p:sld>
 </file>
 
-<file path=ppt/slides/slide13.xml><?xml version="1.0" encoding="utf-8"?>
+<file path=ppt/slides/slide14.xml><?xml version="1.0" encoding="utf-8"?>
 <p:sld xmlns:a="http://schemas.openxmlformats.org/drawingml/2006/main" xmlns:r="http://schemas.openxmlformats.org/officeDocument/2006/relationships" xmlns:p="http://schemas.openxmlformats.org/presentationml/2006/main">
   <p:cSld>
     <p:spTree>
@@ -25305,7 +21929,7 @@
 </p:sld>
 </file>
 
-<file path=ppt/slides/slide14.xml><?xml version="1.0" encoding="utf-8"?>
+<file path=ppt/slides/slide15.xml><?xml version="1.0" encoding="utf-8"?>
 <p:sld xmlns:a="http://schemas.openxmlformats.org/drawingml/2006/main" xmlns:r="http://schemas.openxmlformats.org/officeDocument/2006/relationships" xmlns:p="http://schemas.openxmlformats.org/presentationml/2006/main">
   <p:cSld>
     <p:spTree>
@@ -26375,7 +22999,7 @@
 </p:sld>
 </file>
 
-<file path=ppt/slides/slide15.xml><?xml version="1.0" encoding="utf-8"?>
+<file path=ppt/slides/slide16.xml><?xml version="1.0" encoding="utf-8"?>
 <p:sld xmlns:a="http://schemas.openxmlformats.org/drawingml/2006/main" xmlns:r="http://schemas.openxmlformats.org/officeDocument/2006/relationships" xmlns:p="http://schemas.openxmlformats.org/presentationml/2006/main">
   <p:cSld>
     <p:spTree>
@@ -29288,7 +25912,7 @@
 </p:sld>
 </file>
 
-<file path=ppt/slides/slide16.xml><?xml version="1.0" encoding="utf-8"?>
+<file path=ppt/slides/slide17.xml><?xml version="1.0" encoding="utf-8"?>
 <p:sld xmlns:a="http://schemas.openxmlformats.org/drawingml/2006/main" xmlns:r="http://schemas.openxmlformats.org/officeDocument/2006/relationships" xmlns:p="http://schemas.openxmlformats.org/presentationml/2006/main">
   <p:cSld>
     <p:spTree>
@@ -29513,7 +26137,7 @@
 </p:sld>
 </file>
 
-<file path=ppt/slides/slide17.xml><?xml version="1.0" encoding="utf-8"?>
+<file path=ppt/slides/slide18.xml><?xml version="1.0" encoding="utf-8"?>
 <p:sld xmlns:a="http://schemas.openxmlformats.org/drawingml/2006/main" xmlns:r="http://schemas.openxmlformats.org/officeDocument/2006/relationships" xmlns:p="http://schemas.openxmlformats.org/presentationml/2006/main">
   <p:cSld>
     <p:spTree>
@@ -29746,7 +26370,7 @@
 </p:sld>
 </file>
 
-<file path=ppt/slides/slide18.xml><?xml version="1.0" encoding="utf-8"?>
+<file path=ppt/slides/slide19.xml><?xml version="1.0" encoding="utf-8"?>
 <p:sld xmlns:a="http://schemas.openxmlformats.org/drawingml/2006/main" xmlns:r="http://schemas.openxmlformats.org/officeDocument/2006/relationships" xmlns:p="http://schemas.openxmlformats.org/presentationml/2006/main">
   <p:cSld>
     <p:spTree>
@@ -29845,6 +26469,115 @@
           </a:extLst>
         </p:spPr>
       </p:pic>
+      <mc:AlternateContent xmlns:mc="http://schemas.openxmlformats.org/markup-compatibility/2006">
+        <mc:Choice xmlns:a14="http://schemas.microsoft.com/office/drawing/2010/main" Requires="a14">
+          <p:sp>
+            <p:nvSpPr>
+              <p:cNvPr id="2" name="Rectángulo 1"/>
+              <p:cNvSpPr/>
+              <p:nvPr/>
+            </p:nvSpPr>
+            <p:spPr>
+              <a:xfrm>
+                <a:off x="2843808" y="2924944"/>
+                <a:ext cx="3498073" cy="830997"/>
+              </a:xfrm>
+              <a:prstGeom prst="rect">
+                <a:avLst/>
+              </a:prstGeom>
+            </p:spPr>
+            <p:txBody>
+              <a:bodyPr wrap="none">
+                <a:spAutoFit/>
+              </a:bodyPr>
+              <a:lstStyle/>
+              <a:p>
+                <a14:m>
+                  <m:oMath xmlns:m="http://schemas.openxmlformats.org/officeDocument/2006/math">
+                    <m:r>
+                      <a:rPr lang="es-CO" sz="4800" b="0" i="0" smtClean="0">
+                        <a:solidFill>
+                          <a:schemeClr val="tx2"/>
+                        </a:solidFill>
+                        <a:effectLst/>
+                        <a:latin typeface="+mj-lt"/>
+                        <a:ea typeface="+mj-ea"/>
+                        <a:cs typeface="+mj-cs"/>
+                      </a:rPr>
+                      <m:t>¿</m:t>
+                    </m:r>
+                    <m:r>
+                      <m:rPr>
+                        <m:sty m:val="p"/>
+                      </m:rPr>
+                      <a:rPr lang="es-CO" sz="4800" b="0" i="0" smtClean="0">
+                        <a:solidFill>
+                          <a:schemeClr val="tx2"/>
+                        </a:solidFill>
+                        <a:effectLst/>
+                        <a:latin typeface="+mj-lt"/>
+                        <a:ea typeface="+mj-ea"/>
+                        <a:cs typeface="+mj-cs"/>
+                      </a:rPr>
+                      <m:t>Preguntas</m:t>
+                    </m:r>
+                  </m:oMath>
+                </a14:m>
+                <a:r>
+                  <a:rPr lang="es-CO" sz="4800" dirty="0">
+                    <a:solidFill>
+                      <a:schemeClr val="tx2"/>
+                    </a:solidFill>
+                    <a:effectLst/>
+                    <a:latin typeface="+mj-lt"/>
+                    <a:ea typeface="+mj-ea"/>
+                    <a:cs typeface="+mj-cs"/>
+                  </a:rPr>
+                  <a:t>?</a:t>
+                </a:r>
+              </a:p>
+            </p:txBody>
+          </p:sp>
+        </mc:Choice>
+        <mc:Fallback>
+          <p:sp>
+            <p:nvSpPr>
+              <p:cNvPr id="2" name="Rectángulo 1"/>
+              <p:cNvSpPr>
+                <a:spLocks noRot="1" noChangeAspect="1" noMove="1" noResize="1" noEditPoints="1" noAdjustHandles="1" noChangeArrowheads="1" noChangeShapeType="1" noTextEdit="1"/>
+              </p:cNvSpPr>
+              <p:nvPr/>
+            </p:nvSpPr>
+            <p:spPr>
+              <a:xfrm>
+                <a:off x="2843808" y="2924944"/>
+                <a:ext cx="3498073" cy="830997"/>
+              </a:xfrm>
+              <a:prstGeom prst="rect">
+                <a:avLst/>
+              </a:prstGeom>
+              <a:blipFill rotWithShape="0">
+                <a:blip r:embed="rId4"/>
+                <a:stretch>
+                  <a:fillRect t="-16176" r="-6981" b="-38971"/>
+                </a:stretch>
+              </a:blipFill>
+            </p:spPr>
+            <p:txBody>
+              <a:bodyPr/>
+              <a:lstStyle/>
+              <a:p>
+                <a:r>
+                  <a:rPr lang="es-CO">
+                    <a:noFill/>
+                  </a:rPr>
+                  <a:t> </a:t>
+                </a:r>
+              </a:p>
+            </p:txBody>
+          </p:sp>
+        </mc:Fallback>
+      </mc:AlternateContent>
     </p:spTree>
     <p:extLst>
       <p:ext uri="{BB962C8B-B14F-4D97-AF65-F5344CB8AC3E}">
@@ -29866,6 +26599,590 @@
 </file>
 
 <file path=ppt/slides/slide2.xml><?xml version="1.0" encoding="utf-8"?>
+<p:sld xmlns:a="http://schemas.openxmlformats.org/drawingml/2006/main" xmlns:r="http://schemas.openxmlformats.org/officeDocument/2006/relationships" xmlns:p="http://schemas.openxmlformats.org/presentationml/2006/main">
+  <p:cSld>
+    <p:spTree>
+      <p:nvGrpSpPr>
+        <p:cNvPr id="1" name=""/>
+        <p:cNvGrpSpPr/>
+        <p:nvPr/>
+      </p:nvGrpSpPr>
+      <p:grpSpPr>
+        <a:xfrm>
+          <a:off x="0" y="0"/>
+          <a:ext cx="0" cy="0"/>
+          <a:chOff x="0" y="0"/>
+          <a:chExt cx="0" cy="0"/>
+        </a:xfrm>
+      </p:grpSpPr>
+      <p:sp>
+        <p:nvSpPr>
+          <p:cNvPr id="2" name="Title 1"/>
+          <p:cNvSpPr>
+            <a:spLocks noGrp="1"/>
+          </p:cNvSpPr>
+          <p:nvPr>
+            <p:ph type="title"/>
+          </p:nvPr>
+        </p:nvSpPr>
+        <p:spPr>
+          <a:xfrm>
+            <a:off x="467544" y="260648"/>
+            <a:ext cx="8229600" cy="1143000"/>
+          </a:xfrm>
+        </p:spPr>
+        <p:txBody>
+          <a:bodyPr/>
+          <a:lstStyle/>
+          <a:p>
+            <a:pPr algn="l"/>
+            <a:r>
+              <a:rPr lang="es-CO" dirty="0" smtClean="0"/>
+              <a:t>Agenda</a:t>
+            </a:r>
+            <a:endParaRPr lang="en-US" dirty="0"/>
+          </a:p>
+        </p:txBody>
+      </p:sp>
+      <p:pic>
+        <p:nvPicPr>
+          <p:cNvPr id="5" name="Picture 2" descr="Resultado de imagen de online business school"/>
+          <p:cNvPicPr>
+            <a:picLocks noChangeAspect="1" noChangeArrowheads="1"/>
+          </p:cNvPicPr>
+          <p:nvPr/>
+        </p:nvPicPr>
+        <p:blipFill>
+          <a:blip r:embed="rId2" cstate="print">
+            <a:extLst>
+              <a:ext uri="{28A0092B-C50C-407E-A947-70E740481C1C}">
+                <a14:useLocalDpi xmlns:a14="http://schemas.microsoft.com/office/drawing/2010/main" val="0"/>
+              </a:ext>
+            </a:extLst>
+          </a:blip>
+          <a:srcRect/>
+          <a:stretch>
+            <a:fillRect/>
+          </a:stretch>
+        </p:blipFill>
+        <p:spPr bwMode="auto">
+          <a:xfrm>
+            <a:off x="251520" y="188640"/>
+            <a:ext cx="1340768" cy="243776"/>
+          </a:xfrm>
+          <a:prstGeom prst="rect">
+            <a:avLst/>
+          </a:prstGeom>
+          <a:noFill/>
+          <a:extLst>
+            <a:ext uri="{909E8E84-426E-40DD-AFC4-6F175D3DCCD1}">
+              <a14:hiddenFill xmlns:a14="http://schemas.microsoft.com/office/drawing/2010/main">
+                <a:solidFill>
+                  <a:srgbClr val="FFFFFF"/>
+                </a:solidFill>
+              </a14:hiddenFill>
+            </a:ext>
+          </a:extLst>
+        </p:spPr>
+      </p:pic>
+      <p:pic>
+        <p:nvPicPr>
+          <p:cNvPr id="6" name="Picture 4" descr="Resultado de imagen de universitat barcelona"/>
+          <p:cNvPicPr>
+            <a:picLocks noChangeAspect="1" noChangeArrowheads="1"/>
+          </p:cNvPicPr>
+          <p:nvPr/>
+        </p:nvPicPr>
+        <p:blipFill>
+          <a:blip r:embed="rId3" cstate="print">
+            <a:extLst>
+              <a:ext uri="{28A0092B-C50C-407E-A947-70E740481C1C}">
+                <a14:useLocalDpi xmlns:a14="http://schemas.microsoft.com/office/drawing/2010/main" val="0"/>
+              </a:ext>
+            </a:extLst>
+          </a:blip>
+          <a:srcRect/>
+          <a:stretch>
+            <a:fillRect/>
+          </a:stretch>
+        </p:blipFill>
+        <p:spPr bwMode="auto">
+          <a:xfrm>
+            <a:off x="7596336" y="135234"/>
+            <a:ext cx="1196871" cy="350587"/>
+          </a:xfrm>
+          <a:prstGeom prst="rect">
+            <a:avLst/>
+          </a:prstGeom>
+          <a:noFill/>
+          <a:extLst>
+            <a:ext uri="{909E8E84-426E-40DD-AFC4-6F175D3DCCD1}">
+              <a14:hiddenFill xmlns:a14="http://schemas.microsoft.com/office/drawing/2010/main">
+                <a:solidFill>
+                  <a:srgbClr val="FFFFFF"/>
+                </a:solidFill>
+              </a14:hiddenFill>
+            </a:ext>
+          </a:extLst>
+        </p:spPr>
+      </p:pic>
+      <p:sp>
+        <p:nvSpPr>
+          <p:cNvPr id="3" name="Marcador de contenido 2"/>
+          <p:cNvSpPr>
+            <a:spLocks noGrp="1"/>
+          </p:cNvSpPr>
+          <p:nvPr>
+            <p:ph idx="1"/>
+          </p:nvPr>
+        </p:nvSpPr>
+        <p:spPr/>
+        <p:txBody>
+          <a:bodyPr>
+            <a:normAutofit fontScale="77500" lnSpcReduction="20000"/>
+          </a:bodyPr>
+          <a:lstStyle/>
+          <a:p>
+            <a:pPr marL="0" indent="0">
+              <a:buNone/>
+            </a:pPr>
+            <a:r>
+              <a:rPr lang="es-CO" sz="2400" dirty="0">
+                <a:solidFill>
+                  <a:schemeClr val="tx2"/>
+                </a:solidFill>
+              </a:rPr>
+              <a:t>1. INTRODUCCIÓN AL </a:t>
+            </a:r>
+            <a:r>
+              <a:rPr lang="es-CO" sz="2400" dirty="0">
+                <a:solidFill>
+                  <a:schemeClr val="tx2"/>
+                </a:solidFill>
+              </a:rPr>
+              <a:t>PROYECTO</a:t>
+            </a:r>
+          </a:p>
+          <a:p>
+            <a:pPr marL="0" indent="0">
+              <a:buNone/>
+            </a:pPr>
+            <a:r>
+              <a:rPr lang="es-CO" sz="2400" dirty="0">
+                <a:solidFill>
+                  <a:schemeClr val="tx2"/>
+                </a:solidFill>
+              </a:rPr>
+              <a:t>2. OBJETIVOS DEL </a:t>
+            </a:r>
+            <a:r>
+              <a:rPr lang="es-CO" sz="2400" dirty="0">
+                <a:solidFill>
+                  <a:schemeClr val="tx2"/>
+                </a:solidFill>
+              </a:rPr>
+              <a:t>PROYECTO</a:t>
+            </a:r>
+          </a:p>
+          <a:p>
+            <a:pPr marL="0" indent="0">
+              <a:buNone/>
+            </a:pPr>
+            <a:r>
+              <a:rPr lang="es-CO" sz="2400" dirty="0">
+                <a:solidFill>
+                  <a:schemeClr val="tx2"/>
+                </a:solidFill>
+              </a:rPr>
+              <a:t>3. GENERALIDADES DEL </a:t>
+            </a:r>
+            <a:r>
+              <a:rPr lang="es-CO" sz="2400" dirty="0">
+                <a:solidFill>
+                  <a:schemeClr val="tx2"/>
+                </a:solidFill>
+              </a:rPr>
+              <a:t>PROYECTO</a:t>
+            </a:r>
+          </a:p>
+          <a:p>
+            <a:pPr marL="0" indent="0">
+              <a:buNone/>
+            </a:pPr>
+            <a:r>
+              <a:rPr lang="es-CO" sz="2400" dirty="0">
+                <a:solidFill>
+                  <a:schemeClr val="tx2"/>
+                </a:solidFill>
+              </a:rPr>
+              <a:t>4. COSTOS DEL </a:t>
+            </a:r>
+            <a:r>
+              <a:rPr lang="es-CO" sz="2400" dirty="0">
+                <a:solidFill>
+                  <a:schemeClr val="tx2"/>
+                </a:solidFill>
+              </a:rPr>
+              <a:t>PROYECTO</a:t>
+            </a:r>
+          </a:p>
+          <a:p>
+            <a:pPr marL="0" indent="0">
+              <a:buNone/>
+            </a:pPr>
+            <a:r>
+              <a:rPr lang="es-CO" sz="2400" dirty="0">
+                <a:solidFill>
+                  <a:schemeClr val="tx2"/>
+                </a:solidFill>
+              </a:rPr>
+              <a:t>5. PLAN DE TRABAJO DEL </a:t>
+            </a:r>
+            <a:r>
+              <a:rPr lang="es-CO" sz="2400" dirty="0">
+                <a:solidFill>
+                  <a:schemeClr val="tx2"/>
+                </a:solidFill>
+              </a:rPr>
+              <a:t>PROYECTO</a:t>
+            </a:r>
+          </a:p>
+          <a:p>
+            <a:pPr marL="0" indent="0">
+              <a:buNone/>
+            </a:pPr>
+            <a:r>
+              <a:rPr lang="es-CO" sz="2400" dirty="0">
+                <a:solidFill>
+                  <a:schemeClr val="tx2"/>
+                </a:solidFill>
+              </a:rPr>
+              <a:t>6. RIESGOS DEL </a:t>
+            </a:r>
+            <a:r>
+              <a:rPr lang="es-CO" sz="2400" dirty="0">
+                <a:solidFill>
+                  <a:schemeClr val="tx2"/>
+                </a:solidFill>
+              </a:rPr>
+              <a:t>PROYECTO</a:t>
+            </a:r>
+          </a:p>
+          <a:p>
+            <a:pPr marL="0" indent="0">
+              <a:buNone/>
+            </a:pPr>
+            <a:r>
+              <a:rPr lang="es-CO" sz="2400" dirty="0">
+                <a:solidFill>
+                  <a:schemeClr val="tx2"/>
+                </a:solidFill>
+              </a:rPr>
+              <a:t>7. ESTRATEGIA DE </a:t>
+            </a:r>
+            <a:r>
+              <a:rPr lang="es-CO" sz="2400" dirty="0">
+                <a:solidFill>
+                  <a:schemeClr val="tx2"/>
+                </a:solidFill>
+              </a:rPr>
+              <a:t>IMPLEMENTACIÓN</a:t>
+            </a:r>
+          </a:p>
+          <a:p>
+            <a:pPr marL="0" indent="0">
+              <a:buNone/>
+            </a:pPr>
+            <a:r>
+              <a:rPr lang="es-CO" sz="2400" dirty="0">
+                <a:solidFill>
+                  <a:schemeClr val="tx2"/>
+                </a:solidFill>
+              </a:rPr>
+              <a:t>8. FASES DE </a:t>
+            </a:r>
+            <a:r>
+              <a:rPr lang="es-CO" sz="2400" dirty="0">
+                <a:solidFill>
+                  <a:schemeClr val="tx2"/>
+                </a:solidFill>
+              </a:rPr>
+              <a:t>IMPLEMENTACIÓN</a:t>
+            </a:r>
+          </a:p>
+          <a:p>
+            <a:pPr marL="0" indent="0">
+              <a:buNone/>
+            </a:pPr>
+            <a:r>
+              <a:rPr lang="es-CO" sz="2400" dirty="0">
+                <a:solidFill>
+                  <a:schemeClr val="tx2"/>
+                </a:solidFill>
+              </a:rPr>
+              <a:t>9. DISEÑO DE LA </a:t>
+            </a:r>
+            <a:r>
+              <a:rPr lang="es-CO" sz="2400" dirty="0">
+                <a:solidFill>
+                  <a:schemeClr val="tx2"/>
+                </a:solidFill>
+              </a:rPr>
+              <a:t>SOLUCIÓN</a:t>
+            </a:r>
+          </a:p>
+          <a:p>
+            <a:pPr marL="0" indent="0">
+              <a:buNone/>
+            </a:pPr>
+            <a:r>
+              <a:rPr lang="es-CO" sz="2400" dirty="0">
+                <a:solidFill>
+                  <a:schemeClr val="tx2"/>
+                </a:solidFill>
+              </a:rPr>
+              <a:t>10. PROTOTIPO DE LA </a:t>
+            </a:r>
+            <a:r>
+              <a:rPr lang="es-CO" sz="2400" dirty="0">
+                <a:solidFill>
+                  <a:schemeClr val="tx2"/>
+                </a:solidFill>
+              </a:rPr>
+              <a:t>SOLUCIÓN</a:t>
+            </a:r>
+          </a:p>
+          <a:p>
+            <a:pPr marL="0" indent="0">
+              <a:buNone/>
+            </a:pPr>
+            <a:r>
+              <a:rPr lang="es-CO" sz="2400" dirty="0">
+                <a:solidFill>
+                  <a:schemeClr val="tx2"/>
+                </a:solidFill>
+              </a:rPr>
+              <a:t>11. DESEMPEÑO Y CALIDAD (MÉTRICAS</a:t>
+            </a:r>
+            <a:r>
+              <a:rPr lang="es-CO" sz="2400" dirty="0">
+                <a:solidFill>
+                  <a:schemeClr val="tx2"/>
+                </a:solidFill>
+              </a:rPr>
+              <a:t>)</a:t>
+            </a:r>
+          </a:p>
+          <a:p>
+            <a:pPr marL="0" indent="0">
+              <a:buNone/>
+            </a:pPr>
+            <a:r>
+              <a:rPr lang="es-CO" sz="2400" dirty="0">
+                <a:solidFill>
+                  <a:schemeClr val="tx2"/>
+                </a:solidFill>
+              </a:rPr>
+              <a:t>12. PLAN DE </a:t>
+            </a:r>
+            <a:r>
+              <a:rPr lang="es-CO" sz="2400" dirty="0">
+                <a:solidFill>
+                  <a:schemeClr val="tx2"/>
+                </a:solidFill>
+              </a:rPr>
+              <a:t>PRUEBAS</a:t>
+            </a:r>
+          </a:p>
+          <a:p>
+            <a:pPr marL="0" indent="0">
+              <a:buNone/>
+            </a:pPr>
+            <a:r>
+              <a:rPr lang="es-CO" sz="2400" dirty="0">
+                <a:solidFill>
+                  <a:schemeClr val="tx2"/>
+                </a:solidFill>
+              </a:rPr>
+              <a:t>13. SERVICIOS POST </a:t>
+            </a:r>
+            <a:r>
+              <a:rPr lang="es-CO" sz="2400" dirty="0">
+                <a:solidFill>
+                  <a:schemeClr val="tx2"/>
+                </a:solidFill>
+              </a:rPr>
+              <a:t>IMPLEMENTACIÓN</a:t>
+            </a:r>
+          </a:p>
+          <a:p>
+            <a:pPr marL="0" indent="0">
+              <a:buNone/>
+            </a:pPr>
+            <a:r>
+              <a:rPr lang="es-CO" sz="2400" dirty="0">
+                <a:solidFill>
+                  <a:schemeClr val="tx2"/>
+                </a:solidFill>
+              </a:rPr>
+              <a:t>14. MARCO DE VIGILANCIA Y </a:t>
+            </a:r>
+            <a:r>
+              <a:rPr lang="es-CO" sz="2400" dirty="0">
+                <a:solidFill>
+                  <a:schemeClr val="tx2"/>
+                </a:solidFill>
+              </a:rPr>
+              <a:t>LEGAL</a:t>
+            </a:r>
+          </a:p>
+          <a:p>
+            <a:pPr marL="0" indent="0">
+              <a:buNone/>
+            </a:pPr>
+            <a:r>
+              <a:rPr lang="es-CO" sz="2400" dirty="0">
+                <a:solidFill>
+                  <a:schemeClr val="tx2"/>
+                </a:solidFill>
+              </a:rPr>
+              <a:t>Preguntas</a:t>
+            </a:r>
+            <a:endParaRPr lang="es-ES" sz="2400" dirty="0">
+              <a:solidFill>
+                <a:schemeClr val="tx2"/>
+              </a:solidFill>
+            </a:endParaRPr>
+          </a:p>
+          <a:p>
+            <a:endParaRPr lang="es-ES" sz="2400" dirty="0">
+              <a:solidFill>
+                <a:schemeClr val="tx2"/>
+              </a:solidFill>
+            </a:endParaRPr>
+          </a:p>
+          <a:p>
+            <a:endParaRPr lang="es-ES" sz="2400" dirty="0">
+              <a:solidFill>
+                <a:schemeClr val="tx2"/>
+              </a:solidFill>
+            </a:endParaRPr>
+          </a:p>
+          <a:p>
+            <a:endParaRPr lang="es-CO" sz="2400" dirty="0" smtClean="0">
+              <a:solidFill>
+                <a:schemeClr val="tx2"/>
+              </a:solidFill>
+            </a:endParaRPr>
+          </a:p>
+          <a:p>
+            <a:endParaRPr lang="es-ES" sz="2400" dirty="0">
+              <a:solidFill>
+                <a:schemeClr val="tx2"/>
+              </a:solidFill>
+            </a:endParaRPr>
+          </a:p>
+          <a:p>
+            <a:endParaRPr lang="es-CO" sz="2800" dirty="0" smtClean="0">
+              <a:solidFill>
+                <a:schemeClr val="tx2"/>
+              </a:solidFill>
+            </a:endParaRPr>
+          </a:p>
+          <a:p>
+            <a:endParaRPr lang="es-ES" sz="2800" dirty="0">
+              <a:solidFill>
+                <a:schemeClr val="tx2"/>
+              </a:solidFill>
+            </a:endParaRPr>
+          </a:p>
+          <a:p>
+            <a:endParaRPr lang="es-ES" dirty="0">
+              <a:solidFill>
+                <a:schemeClr val="tx2"/>
+              </a:solidFill>
+            </a:endParaRPr>
+          </a:p>
+          <a:p>
+            <a:endParaRPr lang="es-CO" dirty="0"/>
+          </a:p>
+        </p:txBody>
+      </p:sp>
+      <p:sp>
+        <p:nvSpPr>
+          <p:cNvPr id="8" name="Title 1"/>
+          <p:cNvSpPr txBox="1">
+            <a:spLocks/>
+          </p:cNvSpPr>
+          <p:nvPr/>
+        </p:nvSpPr>
+        <p:spPr>
+          <a:xfrm>
+            <a:off x="32716" y="476672"/>
+            <a:ext cx="8229600" cy="341437"/>
+          </a:xfrm>
+          <a:prstGeom prst="rect">
+            <a:avLst/>
+          </a:prstGeom>
+        </p:spPr>
+        <p:txBody>
+          <a:bodyPr vert="horz" lIns="91440" tIns="45720" rIns="91440" bIns="45720" rtlCol="0" anchor="ctr">
+            <a:normAutofit fontScale="90000" lnSpcReduction="10000"/>
+          </a:bodyPr>
+          <a:lstStyle>
+            <a:lvl1pPr algn="ctr" defTabSz="914400" rtl="0" eaLnBrk="1" latinLnBrk="0" hangingPunct="1">
+              <a:spcBef>
+                <a:spcPct val="0"/>
+              </a:spcBef>
+              <a:buNone/>
+              <a:defRPr sz="4400" kern="1200">
+                <a:solidFill>
+                  <a:schemeClr val="tx1"/>
+                </a:solidFill>
+                <a:latin typeface="+mj-lt"/>
+                <a:ea typeface="+mj-ea"/>
+                <a:cs typeface="+mj-cs"/>
+              </a:defRPr>
+            </a:lvl1pPr>
+          </a:lstStyle>
+          <a:p>
+            <a:pPr algn="l"/>
+            <a:endParaRPr lang="es-ES" sz="2000" b="1" i="1" dirty="0">
+              <a:solidFill>
+                <a:schemeClr val="tx2"/>
+              </a:solidFill>
+              <a:effectLst>
+                <a:outerShdw blurRad="38100" dist="38100" dir="2700000" algn="tl">
+                  <a:srgbClr val="000000">
+                    <a:alpha val="43137"/>
+                  </a:srgbClr>
+                </a:outerShdw>
+              </a:effectLst>
+            </a:endParaRPr>
+          </a:p>
+        </p:txBody>
+      </p:sp>
+    </p:spTree>
+    <p:extLst>
+      <p:ext uri="{BB962C8B-B14F-4D97-AF65-F5344CB8AC3E}">
+        <p14:creationId xmlns:p14="http://schemas.microsoft.com/office/powerpoint/2010/main" val="773428019"/>
+      </p:ext>
+    </p:extLst>
+  </p:cSld>
+  <p:clrMapOvr>
+    <a:masterClrMapping/>
+  </p:clrMapOvr>
+  <p:timing>
+    <p:tnLst>
+      <p:par>
+        <p:cTn id="1" dur="indefinite" restart="never" nodeType="tmRoot"/>
+      </p:par>
+    </p:tnLst>
+  </p:timing>
+</p:sld>
+</file>
+
+<file path=ppt/slides/slide3.xml><?xml version="1.0" encoding="utf-8"?>
 <p:sld xmlns:a="http://schemas.openxmlformats.org/drawingml/2006/main" xmlns:r="http://schemas.openxmlformats.org/officeDocument/2006/relationships" xmlns:p="http://schemas.openxmlformats.org/presentationml/2006/main">
   <p:cSld>
     <p:spTree>
@@ -30210,7 +27527,7 @@
 </p:sld>
 </file>
 
-<file path=ppt/slides/slide3.xml><?xml version="1.0" encoding="utf-8"?>
+<file path=ppt/slides/slide4.xml><?xml version="1.0" encoding="utf-8"?>
 <p:sld xmlns:a="http://schemas.openxmlformats.org/drawingml/2006/main" xmlns:r="http://schemas.openxmlformats.org/officeDocument/2006/relationships" xmlns:p="http://schemas.openxmlformats.org/presentationml/2006/main">
   <p:cSld>
     <p:spTree>
@@ -30302,7 +27619,7 @@
           <p:nvPr>
             <p:extLst>
               <p:ext uri="{D42A27DB-BD31-4B8C-83A1-F6EECF244321}">
-                <p14:modId xmlns:p14="http://schemas.microsoft.com/office/powerpoint/2010/main" val="1547908357"/>
+                <p14:modId xmlns:p14="http://schemas.microsoft.com/office/powerpoint/2010/main" val="368348162"/>
               </p:ext>
             </p:extLst>
           </p:nvPr>
@@ -30445,245 +27762,6 @@
     <p:extLst>
       <p:ext uri="{BB962C8B-B14F-4D97-AF65-F5344CB8AC3E}">
         <p14:creationId xmlns:p14="http://schemas.microsoft.com/office/powerpoint/2010/main" val="2062671297"/>
-      </p:ext>
-    </p:extLst>
-  </p:cSld>
-  <p:clrMapOvr>
-    <a:masterClrMapping/>
-  </p:clrMapOvr>
-  <p:timing>
-    <p:tnLst>
-      <p:par>
-        <p:cTn id="1" dur="indefinite" restart="never" nodeType="tmRoot"/>
-      </p:par>
-    </p:tnLst>
-  </p:timing>
-</p:sld>
-</file>
-
-<file path=ppt/slides/slide4.xml><?xml version="1.0" encoding="utf-8"?>
-<p:sld xmlns:a="http://schemas.openxmlformats.org/drawingml/2006/main" xmlns:r="http://schemas.openxmlformats.org/officeDocument/2006/relationships" xmlns:p="http://schemas.openxmlformats.org/presentationml/2006/main">
-  <p:cSld>
-    <p:spTree>
-      <p:nvGrpSpPr>
-        <p:cNvPr id="1" name=""/>
-        <p:cNvGrpSpPr/>
-        <p:nvPr/>
-      </p:nvGrpSpPr>
-      <p:grpSpPr>
-        <a:xfrm>
-          <a:off x="0" y="0"/>
-          <a:ext cx="0" cy="0"/>
-          <a:chOff x="0" y="0"/>
-          <a:chExt cx="0" cy="0"/>
-        </a:xfrm>
-      </p:grpSpPr>
-      <p:sp>
-        <p:nvSpPr>
-          <p:cNvPr id="2" name="Title 1"/>
-          <p:cNvSpPr>
-            <a:spLocks noGrp="1"/>
-          </p:cNvSpPr>
-          <p:nvPr>
-            <p:ph type="title"/>
-          </p:nvPr>
-        </p:nvSpPr>
-        <p:spPr>
-          <a:xfrm>
-            <a:off x="32716" y="476672"/>
-            <a:ext cx="8229600" cy="341437"/>
-          </a:xfrm>
-        </p:spPr>
-        <p:txBody>
-          <a:bodyPr>
-            <a:normAutofit fontScale="90000"/>
-          </a:bodyPr>
-          <a:lstStyle/>
-          <a:p>
-            <a:pPr algn="l"/>
-            <a:r>
-              <a:rPr lang="es-CO" sz="2000" b="1" i="1" dirty="0" smtClean="0">
-                <a:solidFill>
-                  <a:schemeClr val="tx2"/>
-                </a:solidFill>
-                <a:effectLst>
-                  <a:outerShdw blurRad="38100" dist="38100" dir="2700000" algn="tl">
-                    <a:srgbClr val="000000">
-                      <a:alpha val="43137"/>
-                    </a:srgbClr>
-                  </a:outerShdw>
-                </a:effectLst>
-              </a:rPr>
-              <a:t>2. </a:t>
-            </a:r>
-            <a:r>
-              <a:rPr lang="es-CO" sz="2200" b="1" i="1" dirty="0" smtClean="0">
-                <a:solidFill>
-                  <a:schemeClr val="tx2"/>
-                </a:solidFill>
-                <a:effectLst>
-                  <a:outerShdw blurRad="38100" dist="38100" dir="2700000" algn="tl">
-                    <a:srgbClr val="000000">
-                      <a:alpha val="43137"/>
-                    </a:srgbClr>
-                  </a:outerShdw>
-                </a:effectLst>
-              </a:rPr>
-              <a:t>OBJETIVOS </a:t>
-            </a:r>
-            <a:r>
-              <a:rPr lang="es-CO" sz="2200" b="1" i="1" dirty="0" smtClean="0">
-                <a:solidFill>
-                  <a:schemeClr val="tx2"/>
-                </a:solidFill>
-                <a:effectLst>
-                  <a:outerShdw blurRad="38100" dist="38100" dir="2700000" algn="tl">
-                    <a:srgbClr val="000000">
-                      <a:alpha val="43137"/>
-                    </a:srgbClr>
-                  </a:outerShdw>
-                </a:effectLst>
-              </a:rPr>
-              <a:t>ESPECÍFICOS DEL </a:t>
-            </a:r>
-            <a:r>
-              <a:rPr lang="es-CO" sz="2200" b="1" i="1" dirty="0" smtClean="0">
-                <a:solidFill>
-                  <a:schemeClr val="tx2"/>
-                </a:solidFill>
-                <a:effectLst>
-                  <a:outerShdw blurRad="38100" dist="38100" dir="2700000" algn="tl">
-                    <a:srgbClr val="000000">
-                      <a:alpha val="43137"/>
-                    </a:srgbClr>
-                  </a:outerShdw>
-                </a:effectLst>
-              </a:rPr>
-              <a:t>PROYECTO</a:t>
-            </a:r>
-            <a:endParaRPr lang="es-ES" sz="2000" b="1" i="1" dirty="0">
-              <a:solidFill>
-                <a:schemeClr val="tx2"/>
-              </a:solidFill>
-              <a:effectLst>
-                <a:outerShdw blurRad="38100" dist="38100" dir="2700000" algn="tl">
-                  <a:srgbClr val="000000">
-                    <a:alpha val="43137"/>
-                  </a:srgbClr>
-                </a:outerShdw>
-              </a:effectLst>
-            </a:endParaRPr>
-          </a:p>
-        </p:txBody>
-      </p:sp>
-      <p:pic>
-        <p:nvPicPr>
-          <p:cNvPr id="6" name="Picture 2" descr="Resultado de imagen de online business school"/>
-          <p:cNvPicPr>
-            <a:picLocks noChangeAspect="1" noChangeArrowheads="1"/>
-          </p:cNvPicPr>
-          <p:nvPr/>
-        </p:nvPicPr>
-        <p:blipFill>
-          <a:blip r:embed="rId2" cstate="print">
-            <a:extLst>
-              <a:ext uri="{28A0092B-C50C-407E-A947-70E740481C1C}">
-                <a14:useLocalDpi xmlns:a14="http://schemas.microsoft.com/office/drawing/2010/main" val="0"/>
-              </a:ext>
-            </a:extLst>
-          </a:blip>
-          <a:srcRect/>
-          <a:stretch>
-            <a:fillRect/>
-          </a:stretch>
-        </p:blipFill>
-        <p:spPr bwMode="auto">
-          <a:xfrm>
-            <a:off x="251520" y="188640"/>
-            <a:ext cx="1340768" cy="243776"/>
-          </a:xfrm>
-          <a:prstGeom prst="rect">
-            <a:avLst/>
-          </a:prstGeom>
-          <a:noFill/>
-          <a:extLst>
-            <a:ext uri="{909E8E84-426E-40DD-AFC4-6F175D3DCCD1}">
-              <a14:hiddenFill xmlns:a14="http://schemas.microsoft.com/office/drawing/2010/main">
-                <a:solidFill>
-                  <a:srgbClr val="FFFFFF"/>
-                </a:solidFill>
-              </a14:hiddenFill>
-            </a:ext>
-          </a:extLst>
-        </p:spPr>
-      </p:pic>
-      <p:pic>
-        <p:nvPicPr>
-          <p:cNvPr id="7" name="Picture 4" descr="Resultado de imagen de universitat barcelona"/>
-          <p:cNvPicPr>
-            <a:picLocks noChangeAspect="1" noChangeArrowheads="1"/>
-          </p:cNvPicPr>
-          <p:nvPr/>
-        </p:nvPicPr>
-        <p:blipFill>
-          <a:blip r:embed="rId3" cstate="print">
-            <a:extLst>
-              <a:ext uri="{28A0092B-C50C-407E-A947-70E740481C1C}">
-                <a14:useLocalDpi xmlns:a14="http://schemas.microsoft.com/office/drawing/2010/main" val="0"/>
-              </a:ext>
-            </a:extLst>
-          </a:blip>
-          <a:srcRect/>
-          <a:stretch>
-            <a:fillRect/>
-          </a:stretch>
-        </p:blipFill>
-        <p:spPr bwMode="auto">
-          <a:xfrm>
-            <a:off x="7596336" y="135234"/>
-            <a:ext cx="1196871" cy="350587"/>
-          </a:xfrm>
-          <a:prstGeom prst="rect">
-            <a:avLst/>
-          </a:prstGeom>
-          <a:noFill/>
-          <a:extLst>
-            <a:ext uri="{909E8E84-426E-40DD-AFC4-6F175D3DCCD1}">
-              <a14:hiddenFill xmlns:a14="http://schemas.microsoft.com/office/drawing/2010/main">
-                <a:solidFill>
-                  <a:srgbClr val="FFFFFF"/>
-                </a:solidFill>
-              </a14:hiddenFill>
-            </a:ext>
-          </a:extLst>
-        </p:spPr>
-      </p:pic>
-      <p:graphicFrame>
-        <p:nvGraphicFramePr>
-          <p:cNvPr id="9" name="Diagram 3"/>
-          <p:cNvGraphicFramePr/>
-          <p:nvPr>
-            <p:extLst>
-              <p:ext uri="{D42A27DB-BD31-4B8C-83A1-F6EECF244321}">
-                <p14:modId xmlns:p14="http://schemas.microsoft.com/office/powerpoint/2010/main" val="308077222"/>
-              </p:ext>
-            </p:extLst>
-          </p:nvPr>
-        </p:nvGraphicFramePr>
-        <p:xfrm>
-          <a:off x="1828800" y="1828800"/>
-          <a:ext cx="5486400" cy="3200400"/>
-        </p:xfrm>
-        <a:graphic>
-          <a:graphicData uri="http://schemas.openxmlformats.org/drawingml/2006/diagram">
-            <dgm:relIds xmlns:dgm="http://schemas.openxmlformats.org/drawingml/2006/diagram" xmlns:r="http://schemas.openxmlformats.org/officeDocument/2006/relationships" r:dm="rId4" r:lo="rId5" r:qs="rId6" r:cs="rId7"/>
-          </a:graphicData>
-        </a:graphic>
-      </p:graphicFrame>
-    </p:spTree>
-    <p:extLst>
-      <p:ext uri="{BB962C8B-B14F-4D97-AF65-F5344CB8AC3E}">
-        <p14:creationId xmlns:p14="http://schemas.microsoft.com/office/powerpoint/2010/main" val="585139114"/>
       </p:ext>
     </p:extLst>
   </p:cSld>
@@ -30943,33 +28021,6 @@
       </p:grpSpPr>
       <p:sp>
         <p:nvSpPr>
-          <p:cNvPr id="2" name="Title 1"/>
-          <p:cNvSpPr>
-            <a:spLocks noGrp="1"/>
-          </p:cNvSpPr>
-          <p:nvPr>
-            <p:ph type="title"/>
-          </p:nvPr>
-        </p:nvSpPr>
-        <p:spPr/>
-        <p:txBody>
-          <a:bodyPr/>
-          <a:lstStyle/>
-          <a:p>
-            <a:r>
-              <a:rPr lang="es-CO" b="1" i="1" dirty="0" smtClean="0">
-                <a:solidFill>
-                  <a:srgbClr val="FF0000"/>
-                </a:solidFill>
-              </a:rPr>
-              <a:t>CORREGIR</a:t>
-            </a:r>
-            <a:endParaRPr lang="en-US" dirty="0"/>
-          </a:p>
-        </p:txBody>
-      </p:sp>
-      <p:sp>
-        <p:nvSpPr>
           <p:cNvPr id="3" name="Content Placeholder 2"/>
           <p:cNvSpPr>
             <a:spLocks noGrp="1"/>
@@ -30986,37 +28037,34 @@
         </p:spPr>
         <p:txBody>
           <a:bodyPr>
-            <a:normAutofit lnSpcReduction="10000"/>
+            <a:normAutofit fontScale="85000" lnSpcReduction="10000"/>
           </a:bodyPr>
           <a:lstStyle/>
           <a:p>
             <a:r>
               <a:rPr lang="es-ES_tradnl" dirty="0"/>
-              <a:t>El costo total del proyecto es de </a:t>
+              <a:t>El costo total del proyecto es de USD 330,967</a:t>
             </a:r>
-            <a:r>
-              <a:rPr lang="es-ES_tradnl" dirty="0">
-                <a:solidFill>
-                  <a:srgbClr val="FF0000"/>
-                </a:solidFill>
-              </a:rPr>
-              <a:t>USD 394.402 </a:t>
-            </a:r>
+          </a:p>
+          <a:p>
+            <a:pPr marL="0" indent="0">
+              <a:buNone/>
+            </a:pPr>
+            <a:endParaRPr lang="es-ES_tradnl" dirty="0"/>
+          </a:p>
+          <a:p>
             <a:r>
               <a:rPr lang="es-ES_tradnl" dirty="0"/>
-              <a:t>con una proyección para su implementación de 12 meses contados a partir del momento de la firma del contrato por los servicios de consultoría completos. Dicho costo abarcara la implementación del sistema de gestión de </a:t>
+              <a:t>Con una proyección para su implementación de 12 meses contados a partir del momento de la firma del contrato por los servicios de consultoría completos. </a:t>
             </a:r>
-            <a:r>
-              <a:rPr lang="es-ES_tradnl" dirty="0" err="1" smtClean="0"/>
-              <a:t>informacion</a:t>
-            </a:r>
-            <a:r>
-              <a:rPr lang="es-ES_tradnl" dirty="0" smtClean="0"/>
-              <a:t> propiedad </a:t>
-            </a:r>
+          </a:p>
+          <a:p>
+            <a:endParaRPr lang="es-ES_tradnl" dirty="0"/>
+          </a:p>
+          <a:p>
             <a:r>
               <a:rPr lang="es-ES_tradnl" dirty="0"/>
-              <a:t>de </a:t>
+              <a:t>Dicho costo abarcara la implementación del sistema de gestión de información propiedad de </a:t>
             </a:r>
             <a:r>
               <a:rPr lang="es-ES_tradnl" dirty="0" err="1"/>
@@ -31024,7 +28072,7 @@
             </a:r>
             <a:r>
               <a:rPr lang="es-ES_tradnl" dirty="0"/>
-              <a:t>, el estudio y mejoramiento de los procesos actuales y demás actividades necesarias para la ejecución del proyecto</a:t>
+              <a:t>, el estudio y mejoramiento de los procesos actuales y demás actividades necesarias para la ejecución del proyecto.</a:t>
             </a:r>
             <a:endParaRPr lang="en-US" dirty="0"/>
           </a:p>
@@ -31194,9 +28242,24 @@
                   </a:outerShdw>
                 </a:effectLst>
               </a:rPr>
-              <a:t>COSTOS DEL PROYECTO</a:t>
+              <a:t>COSTOS DEL </a:t>
             </a:r>
-            <a:endParaRPr lang="es-ES" sz="2000" b="1" i="1" dirty="0">
+            <a:r>
+              <a:rPr lang="es-CO" sz="2200" b="1" i="1" dirty="0">
+                <a:solidFill>
+                  <a:schemeClr val="tx2"/>
+                </a:solidFill>
+                <a:effectLst>
+                  <a:outerShdw blurRad="38100" dist="38100" dir="2700000" algn="tl">
+                    <a:srgbClr val="000000">
+                      <a:alpha val="43137"/>
+                    </a:srgbClr>
+                  </a:outerShdw>
+                </a:effectLst>
+              </a:rPr>
+              <a:t>PROYECTO</a:t>
+            </a:r>
+            <a:endParaRPr lang="es-ES" sz="2200" b="1" i="1" dirty="0">
               <a:solidFill>
                 <a:schemeClr val="tx2"/>
               </a:solidFill>
@@ -31232,6 +28295,1266 @@
 </file>
 
 <file path=ppt/slides/slide7.xml><?xml version="1.0" encoding="utf-8"?>
+<p:sld xmlns:a="http://schemas.openxmlformats.org/drawingml/2006/main" xmlns:r="http://schemas.openxmlformats.org/officeDocument/2006/relationships" xmlns:p="http://schemas.openxmlformats.org/presentationml/2006/main">
+  <p:cSld>
+    <p:spTree>
+      <p:nvGrpSpPr>
+        <p:cNvPr id="1" name=""/>
+        <p:cNvGrpSpPr/>
+        <p:nvPr/>
+      </p:nvGrpSpPr>
+      <p:grpSpPr>
+        <a:xfrm>
+          <a:off x="0" y="0"/>
+          <a:ext cx="0" cy="0"/>
+          <a:chOff x="0" y="0"/>
+          <a:chExt cx="0" cy="0"/>
+        </a:xfrm>
+      </p:grpSpPr>
+      <p:pic>
+        <p:nvPicPr>
+          <p:cNvPr id="4" name="Picture 2" descr="Resultado de imagen de online business school"/>
+          <p:cNvPicPr>
+            <a:picLocks noChangeAspect="1" noChangeArrowheads="1"/>
+          </p:cNvPicPr>
+          <p:nvPr/>
+        </p:nvPicPr>
+        <p:blipFill>
+          <a:blip r:embed="rId2" cstate="print">
+            <a:extLst>
+              <a:ext uri="{28A0092B-C50C-407E-A947-70E740481C1C}">
+                <a14:useLocalDpi xmlns:a14="http://schemas.microsoft.com/office/drawing/2010/main" val="0"/>
+              </a:ext>
+            </a:extLst>
+          </a:blip>
+          <a:srcRect/>
+          <a:stretch>
+            <a:fillRect/>
+          </a:stretch>
+        </p:blipFill>
+        <p:spPr bwMode="auto">
+          <a:xfrm>
+            <a:off x="251520" y="188640"/>
+            <a:ext cx="1340768" cy="243776"/>
+          </a:xfrm>
+          <a:prstGeom prst="rect">
+            <a:avLst/>
+          </a:prstGeom>
+          <a:noFill/>
+          <a:extLst>
+            <a:ext uri="{909E8E84-426E-40DD-AFC4-6F175D3DCCD1}">
+              <a14:hiddenFill xmlns:a14="http://schemas.microsoft.com/office/drawing/2010/main">
+                <a:solidFill>
+                  <a:srgbClr val="FFFFFF"/>
+                </a:solidFill>
+              </a14:hiddenFill>
+            </a:ext>
+          </a:extLst>
+        </p:spPr>
+      </p:pic>
+      <p:pic>
+        <p:nvPicPr>
+          <p:cNvPr id="5" name="Picture 4" descr="Resultado de imagen de universitat barcelona"/>
+          <p:cNvPicPr>
+            <a:picLocks noChangeAspect="1" noChangeArrowheads="1"/>
+          </p:cNvPicPr>
+          <p:nvPr/>
+        </p:nvPicPr>
+        <p:blipFill>
+          <a:blip r:embed="rId3" cstate="print">
+            <a:extLst>
+              <a:ext uri="{28A0092B-C50C-407E-A947-70E740481C1C}">
+                <a14:useLocalDpi xmlns:a14="http://schemas.microsoft.com/office/drawing/2010/main" val="0"/>
+              </a:ext>
+            </a:extLst>
+          </a:blip>
+          <a:srcRect/>
+          <a:stretch>
+            <a:fillRect/>
+          </a:stretch>
+        </p:blipFill>
+        <p:spPr bwMode="auto">
+          <a:xfrm>
+            <a:off x="7596336" y="135234"/>
+            <a:ext cx="1196871" cy="350587"/>
+          </a:xfrm>
+          <a:prstGeom prst="rect">
+            <a:avLst/>
+          </a:prstGeom>
+          <a:noFill/>
+          <a:extLst>
+            <a:ext uri="{909E8E84-426E-40DD-AFC4-6F175D3DCCD1}">
+              <a14:hiddenFill xmlns:a14="http://schemas.microsoft.com/office/drawing/2010/main">
+                <a:solidFill>
+                  <a:srgbClr val="FFFFFF"/>
+                </a:solidFill>
+              </a14:hiddenFill>
+            </a:ext>
+          </a:extLst>
+        </p:spPr>
+      </p:pic>
+      <p:graphicFrame>
+        <p:nvGraphicFramePr>
+          <p:cNvPr id="6" name="Table 8"/>
+          <p:cNvGraphicFramePr>
+            <a:graphicFrameLocks noGrp="1"/>
+          </p:cNvGraphicFramePr>
+          <p:nvPr>
+            <p:extLst>
+              <p:ext uri="{D42A27DB-BD31-4B8C-83A1-F6EECF244321}">
+                <p14:modId xmlns:p14="http://schemas.microsoft.com/office/powerpoint/2010/main" val="4023208075"/>
+              </p:ext>
+            </p:extLst>
+          </p:nvPr>
+        </p:nvGraphicFramePr>
+        <p:xfrm>
+          <a:off x="918653" y="1359853"/>
+          <a:ext cx="7727227" cy="4979988"/>
+        </p:xfrm>
+        <a:graphic>
+          <a:graphicData uri="http://schemas.openxmlformats.org/drawingml/2006/table">
+            <a:tbl>
+              <a:tblPr firstRow="1" firstCol="1" bandRow="1">
+                <a:tableStyleId>{5C22544A-7EE6-4342-B048-85BDC9FD1C3A}</a:tableStyleId>
+              </a:tblPr>
+              <a:tblGrid>
+                <a:gridCol w="583091"/>
+                <a:gridCol w="4555444"/>
+                <a:gridCol w="2588692"/>
+              </a:tblGrid>
+              <a:tr h="200025">
+                <a:tc>
+                  <a:txBody>
+                    <a:bodyPr/>
+                    <a:lstStyle/>
+                    <a:p>
+                      <a:pPr algn="just">
+                        <a:lnSpc>
+                          <a:spcPct val="150000"/>
+                        </a:lnSpc>
+                        <a:spcAft>
+                          <a:spcPts val="0"/>
+                        </a:spcAft>
+                      </a:pPr>
+                      <a:r>
+                        <a:rPr lang="es-ES_tradnl" sz="2000" dirty="0">
+                          <a:effectLst/>
+                        </a:rPr>
+                        <a:t>#</a:t>
+                      </a:r>
+                      <a:endParaRPr lang="en-US" sz="2400" dirty="0">
+                        <a:effectLst/>
+                        <a:latin typeface="Abadi MT Condensed Light"/>
+                        <a:ea typeface="Calibri"/>
+                        <a:cs typeface="Times New Roman"/>
+                      </a:endParaRPr>
+                    </a:p>
+                  </a:txBody>
+                  <a:tcPr marL="44450" marR="44450" marT="0" marB="0" anchor="b"/>
+                </a:tc>
+                <a:tc>
+                  <a:txBody>
+                    <a:bodyPr/>
+                    <a:lstStyle/>
+                    <a:p>
+                      <a:pPr algn="just">
+                        <a:lnSpc>
+                          <a:spcPct val="150000"/>
+                        </a:lnSpc>
+                        <a:spcAft>
+                          <a:spcPts val="0"/>
+                        </a:spcAft>
+                      </a:pPr>
+                      <a:r>
+                        <a:rPr lang="es-ES_tradnl" sz="2000" dirty="0">
+                          <a:effectLst/>
+                        </a:rPr>
+                        <a:t>Concepto</a:t>
+                      </a:r>
+                      <a:endParaRPr lang="en-US" sz="2400" dirty="0">
+                        <a:effectLst/>
+                        <a:latin typeface="Abadi MT Condensed Light"/>
+                        <a:ea typeface="Calibri"/>
+                        <a:cs typeface="Times New Roman"/>
+                      </a:endParaRPr>
+                    </a:p>
+                  </a:txBody>
+                  <a:tcPr marL="44450" marR="44450" marT="0" marB="0" anchor="b"/>
+                </a:tc>
+                <a:tc>
+                  <a:txBody>
+                    <a:bodyPr/>
+                    <a:lstStyle/>
+                    <a:p>
+                      <a:pPr algn="just">
+                        <a:lnSpc>
+                          <a:spcPct val="150000"/>
+                        </a:lnSpc>
+                        <a:spcAft>
+                          <a:spcPts val="0"/>
+                        </a:spcAft>
+                      </a:pPr>
+                      <a:r>
+                        <a:rPr lang="es-ES_tradnl" sz="2000" dirty="0">
+                          <a:effectLst/>
+                        </a:rPr>
+                        <a:t>Monto</a:t>
+                      </a:r>
+                      <a:endParaRPr lang="en-US" sz="2400" dirty="0">
+                        <a:effectLst/>
+                        <a:latin typeface="Abadi MT Condensed Light"/>
+                        <a:ea typeface="Calibri"/>
+                        <a:cs typeface="Times New Roman"/>
+                      </a:endParaRPr>
+                    </a:p>
+                  </a:txBody>
+                  <a:tcPr marL="44450" marR="44450" marT="0" marB="0" anchor="b"/>
+                </a:tc>
+              </a:tr>
+              <a:tr h="200025">
+                <a:tc>
+                  <a:txBody>
+                    <a:bodyPr/>
+                    <a:lstStyle/>
+                    <a:p>
+                      <a:pPr algn="just">
+                        <a:lnSpc>
+                          <a:spcPct val="150000"/>
+                        </a:lnSpc>
+                        <a:spcAft>
+                          <a:spcPts val="0"/>
+                        </a:spcAft>
+                      </a:pPr>
+                      <a:r>
+                        <a:rPr lang="es-ES_tradnl" sz="2000">
+                          <a:effectLst/>
+                        </a:rPr>
+                        <a:t>1</a:t>
+                      </a:r>
+                      <a:endParaRPr lang="en-US" sz="2400">
+                        <a:effectLst/>
+                        <a:latin typeface="Abadi MT Condensed Light"/>
+                        <a:ea typeface="Calibri"/>
+                        <a:cs typeface="Times New Roman"/>
+                      </a:endParaRPr>
+                    </a:p>
+                  </a:txBody>
+                  <a:tcPr marL="44450" marR="44450" marT="0" marB="0" anchor="b"/>
+                </a:tc>
+                <a:tc>
+                  <a:txBody>
+                    <a:bodyPr/>
+                    <a:lstStyle/>
+                    <a:p>
+                      <a:pPr algn="just">
+                        <a:lnSpc>
+                          <a:spcPct val="150000"/>
+                        </a:lnSpc>
+                        <a:spcAft>
+                          <a:spcPts val="0"/>
+                        </a:spcAft>
+                      </a:pPr>
+                      <a:r>
+                        <a:rPr lang="es-ES_tradnl" sz="2000">
+                          <a:effectLst/>
+                        </a:rPr>
+                        <a:t>Salarios y Prestaciones</a:t>
+                      </a:r>
+                      <a:endParaRPr lang="en-US" sz="2400">
+                        <a:effectLst/>
+                        <a:latin typeface="Abadi MT Condensed Light"/>
+                        <a:ea typeface="Calibri"/>
+                        <a:cs typeface="Times New Roman"/>
+                      </a:endParaRPr>
+                    </a:p>
+                  </a:txBody>
+                  <a:tcPr marL="44450" marR="44450" marT="0" marB="0" anchor="b"/>
+                </a:tc>
+                <a:tc>
+                  <a:txBody>
+                    <a:bodyPr/>
+                    <a:lstStyle/>
+                    <a:p>
+                      <a:pPr algn="just">
+                        <a:lnSpc>
+                          <a:spcPct val="150000"/>
+                        </a:lnSpc>
+                        <a:spcAft>
+                          <a:spcPts val="0"/>
+                        </a:spcAft>
+                      </a:pPr>
+                      <a:r>
+                        <a:rPr lang="es-ES_tradnl" sz="2000">
+                          <a:effectLst/>
+                        </a:rPr>
+                        <a:t>USD 120,474</a:t>
+                      </a:r>
+                      <a:endParaRPr lang="en-US" sz="2400">
+                        <a:effectLst/>
+                        <a:latin typeface="Abadi MT Condensed Light"/>
+                        <a:ea typeface="Calibri"/>
+                        <a:cs typeface="Times New Roman"/>
+                      </a:endParaRPr>
+                    </a:p>
+                  </a:txBody>
+                  <a:tcPr marL="44450" marR="44450" marT="0" marB="0" anchor="b"/>
+                </a:tc>
+              </a:tr>
+              <a:tr h="200025">
+                <a:tc>
+                  <a:txBody>
+                    <a:bodyPr/>
+                    <a:lstStyle/>
+                    <a:p>
+                      <a:pPr algn="just">
+                        <a:lnSpc>
+                          <a:spcPct val="150000"/>
+                        </a:lnSpc>
+                        <a:spcAft>
+                          <a:spcPts val="0"/>
+                        </a:spcAft>
+                      </a:pPr>
+                      <a:r>
+                        <a:rPr lang="es-ES_tradnl" sz="2000">
+                          <a:effectLst/>
+                        </a:rPr>
+                        <a:t>2</a:t>
+                      </a:r>
+                      <a:endParaRPr lang="en-US" sz="2400">
+                        <a:effectLst/>
+                        <a:latin typeface="Abadi MT Condensed Light"/>
+                        <a:ea typeface="Calibri"/>
+                        <a:cs typeface="Times New Roman"/>
+                      </a:endParaRPr>
+                    </a:p>
+                  </a:txBody>
+                  <a:tcPr marL="44450" marR="44450" marT="0" marB="0" anchor="b"/>
+                </a:tc>
+                <a:tc>
+                  <a:txBody>
+                    <a:bodyPr/>
+                    <a:lstStyle/>
+                    <a:p>
+                      <a:pPr algn="just">
+                        <a:lnSpc>
+                          <a:spcPct val="150000"/>
+                        </a:lnSpc>
+                        <a:spcAft>
+                          <a:spcPts val="0"/>
+                        </a:spcAft>
+                      </a:pPr>
+                      <a:r>
+                        <a:rPr lang="es-ES_tradnl" sz="2000" dirty="0">
+                          <a:effectLst/>
+                        </a:rPr>
+                        <a:t>Hardware (Equipos cómputo)</a:t>
+                      </a:r>
+                      <a:endParaRPr lang="en-US" sz="2400" dirty="0">
+                        <a:effectLst/>
+                        <a:latin typeface="Abadi MT Condensed Light"/>
+                        <a:ea typeface="Calibri"/>
+                        <a:cs typeface="Times New Roman"/>
+                      </a:endParaRPr>
+                    </a:p>
+                  </a:txBody>
+                  <a:tcPr marL="44450" marR="44450" marT="0" marB="0" anchor="b"/>
+                </a:tc>
+                <a:tc>
+                  <a:txBody>
+                    <a:bodyPr/>
+                    <a:lstStyle/>
+                    <a:p>
+                      <a:pPr algn="just">
+                        <a:lnSpc>
+                          <a:spcPct val="150000"/>
+                        </a:lnSpc>
+                        <a:spcAft>
+                          <a:spcPts val="0"/>
+                        </a:spcAft>
+                      </a:pPr>
+                      <a:r>
+                        <a:rPr lang="es-ES_tradnl" sz="2000">
+                          <a:effectLst/>
+                        </a:rPr>
+                        <a:t>USD 6,875</a:t>
+                      </a:r>
+                      <a:endParaRPr lang="en-US" sz="2400">
+                        <a:effectLst/>
+                        <a:latin typeface="Abadi MT Condensed Light"/>
+                        <a:ea typeface="Calibri"/>
+                        <a:cs typeface="Times New Roman"/>
+                      </a:endParaRPr>
+                    </a:p>
+                  </a:txBody>
+                  <a:tcPr marL="44450" marR="44450" marT="0" marB="0" anchor="b"/>
+                </a:tc>
+              </a:tr>
+              <a:tr h="200025">
+                <a:tc>
+                  <a:txBody>
+                    <a:bodyPr/>
+                    <a:lstStyle/>
+                    <a:p>
+                      <a:pPr algn="just">
+                        <a:lnSpc>
+                          <a:spcPct val="150000"/>
+                        </a:lnSpc>
+                        <a:spcAft>
+                          <a:spcPts val="0"/>
+                        </a:spcAft>
+                      </a:pPr>
+                      <a:r>
+                        <a:rPr lang="es-ES_tradnl" sz="2000">
+                          <a:effectLst/>
+                        </a:rPr>
+                        <a:t>3</a:t>
+                      </a:r>
+                      <a:endParaRPr lang="en-US" sz="2400">
+                        <a:effectLst/>
+                        <a:latin typeface="Abadi MT Condensed Light"/>
+                        <a:ea typeface="Calibri"/>
+                        <a:cs typeface="Times New Roman"/>
+                      </a:endParaRPr>
+                    </a:p>
+                  </a:txBody>
+                  <a:tcPr marL="44450" marR="44450" marT="0" marB="0" anchor="b"/>
+                </a:tc>
+                <a:tc>
+                  <a:txBody>
+                    <a:bodyPr/>
+                    <a:lstStyle/>
+                    <a:p>
+                      <a:pPr algn="just">
+                        <a:lnSpc>
+                          <a:spcPct val="150000"/>
+                        </a:lnSpc>
+                        <a:spcAft>
+                          <a:spcPts val="0"/>
+                        </a:spcAft>
+                      </a:pPr>
+                      <a:r>
+                        <a:rPr lang="es-ES_tradnl" sz="2000">
+                          <a:effectLst/>
+                        </a:rPr>
+                        <a:t>Hardware (Servidor Ludus)</a:t>
+                      </a:r>
+                      <a:endParaRPr lang="en-US" sz="2400">
+                        <a:effectLst/>
+                        <a:latin typeface="Abadi MT Condensed Light"/>
+                        <a:ea typeface="Calibri"/>
+                        <a:cs typeface="Times New Roman"/>
+                      </a:endParaRPr>
+                    </a:p>
+                  </a:txBody>
+                  <a:tcPr marL="44450" marR="44450" marT="0" marB="0" anchor="b"/>
+                </a:tc>
+                <a:tc>
+                  <a:txBody>
+                    <a:bodyPr/>
+                    <a:lstStyle/>
+                    <a:p>
+                      <a:pPr algn="just">
+                        <a:lnSpc>
+                          <a:spcPct val="150000"/>
+                        </a:lnSpc>
+                        <a:spcAft>
+                          <a:spcPts val="0"/>
+                        </a:spcAft>
+                      </a:pPr>
+                      <a:r>
+                        <a:rPr lang="es-ES_tradnl" sz="2000" dirty="0">
+                          <a:effectLst/>
+                        </a:rPr>
+                        <a:t>USD 5,471</a:t>
+                      </a:r>
+                      <a:endParaRPr lang="en-US" sz="2400" dirty="0">
+                        <a:effectLst/>
+                        <a:latin typeface="Abadi MT Condensed Light"/>
+                        <a:ea typeface="Calibri"/>
+                        <a:cs typeface="Times New Roman"/>
+                      </a:endParaRPr>
+                    </a:p>
+                  </a:txBody>
+                  <a:tcPr marL="44450" marR="44450" marT="0" marB="0" anchor="b"/>
+                </a:tc>
+              </a:tr>
+              <a:tr h="200025">
+                <a:tc>
+                  <a:txBody>
+                    <a:bodyPr/>
+                    <a:lstStyle/>
+                    <a:p>
+                      <a:pPr algn="just">
+                        <a:lnSpc>
+                          <a:spcPct val="150000"/>
+                        </a:lnSpc>
+                        <a:spcAft>
+                          <a:spcPts val="0"/>
+                        </a:spcAft>
+                      </a:pPr>
+                      <a:r>
+                        <a:rPr lang="es-ES_tradnl" sz="2000">
+                          <a:effectLst/>
+                        </a:rPr>
+                        <a:t>4</a:t>
+                      </a:r>
+                      <a:endParaRPr lang="en-US" sz="2400">
+                        <a:effectLst/>
+                        <a:latin typeface="Abadi MT Condensed Light"/>
+                        <a:ea typeface="Calibri"/>
+                        <a:cs typeface="Times New Roman"/>
+                      </a:endParaRPr>
+                    </a:p>
+                  </a:txBody>
+                  <a:tcPr marL="44450" marR="44450" marT="0" marB="0" anchor="b"/>
+                </a:tc>
+                <a:tc>
+                  <a:txBody>
+                    <a:bodyPr/>
+                    <a:lstStyle/>
+                    <a:p>
+                      <a:pPr algn="just">
+                        <a:lnSpc>
+                          <a:spcPct val="150000"/>
+                        </a:lnSpc>
+                        <a:spcAft>
+                          <a:spcPts val="0"/>
+                        </a:spcAft>
+                      </a:pPr>
+                      <a:r>
+                        <a:rPr lang="es-ES_tradnl" sz="2000">
+                          <a:effectLst/>
+                        </a:rPr>
+                        <a:t>Software Licenciado (office equipos)</a:t>
+                      </a:r>
+                      <a:endParaRPr lang="en-US" sz="2400">
+                        <a:effectLst/>
+                        <a:latin typeface="Abadi MT Condensed Light"/>
+                        <a:ea typeface="Calibri"/>
+                        <a:cs typeface="Times New Roman"/>
+                      </a:endParaRPr>
+                    </a:p>
+                  </a:txBody>
+                  <a:tcPr marL="44450" marR="44450" marT="0" marB="0" anchor="b"/>
+                </a:tc>
+                <a:tc>
+                  <a:txBody>
+                    <a:bodyPr/>
+                    <a:lstStyle/>
+                    <a:p>
+                      <a:pPr algn="just">
+                        <a:lnSpc>
+                          <a:spcPct val="150000"/>
+                        </a:lnSpc>
+                        <a:spcAft>
+                          <a:spcPts val="0"/>
+                        </a:spcAft>
+                      </a:pPr>
+                      <a:r>
+                        <a:rPr lang="es-ES_tradnl" sz="2000" dirty="0">
+                          <a:effectLst/>
+                        </a:rPr>
+                        <a:t>USD 165,311</a:t>
+                      </a:r>
+                      <a:endParaRPr lang="en-US" sz="2400" dirty="0">
+                        <a:effectLst/>
+                        <a:latin typeface="Abadi MT Condensed Light"/>
+                        <a:ea typeface="Calibri"/>
+                        <a:cs typeface="Times New Roman"/>
+                      </a:endParaRPr>
+                    </a:p>
+                  </a:txBody>
+                  <a:tcPr marL="44450" marR="44450" marT="0" marB="0" anchor="b"/>
+                </a:tc>
+              </a:tr>
+              <a:tr h="200025">
+                <a:tc>
+                  <a:txBody>
+                    <a:bodyPr/>
+                    <a:lstStyle/>
+                    <a:p>
+                      <a:pPr algn="just">
+                        <a:lnSpc>
+                          <a:spcPct val="150000"/>
+                        </a:lnSpc>
+                        <a:spcAft>
+                          <a:spcPts val="0"/>
+                        </a:spcAft>
+                      </a:pPr>
+                      <a:r>
+                        <a:rPr lang="es-ES_tradnl" sz="2000">
+                          <a:effectLst/>
+                        </a:rPr>
+                        <a:t>5</a:t>
+                      </a:r>
+                      <a:endParaRPr lang="en-US" sz="2400">
+                        <a:effectLst/>
+                        <a:latin typeface="Abadi MT Condensed Light"/>
+                        <a:ea typeface="Calibri"/>
+                        <a:cs typeface="Times New Roman"/>
+                      </a:endParaRPr>
+                    </a:p>
+                  </a:txBody>
+                  <a:tcPr marL="44450" marR="44450" marT="0" marB="0" anchor="b"/>
+                </a:tc>
+                <a:tc>
+                  <a:txBody>
+                    <a:bodyPr/>
+                    <a:lstStyle/>
+                    <a:p>
+                      <a:pPr algn="just">
+                        <a:lnSpc>
+                          <a:spcPct val="150000"/>
+                        </a:lnSpc>
+                        <a:spcAft>
+                          <a:spcPts val="0"/>
+                        </a:spcAft>
+                      </a:pPr>
+                      <a:r>
+                        <a:rPr lang="es-ES_tradnl" sz="2000">
+                          <a:effectLst/>
+                        </a:rPr>
+                        <a:t>Costos Indirectos</a:t>
+                      </a:r>
+                      <a:endParaRPr lang="en-US" sz="2400">
+                        <a:effectLst/>
+                        <a:latin typeface="Abadi MT Condensed Light"/>
+                        <a:ea typeface="Calibri"/>
+                        <a:cs typeface="Times New Roman"/>
+                      </a:endParaRPr>
+                    </a:p>
+                  </a:txBody>
+                  <a:tcPr marL="44450" marR="44450" marT="0" marB="0" anchor="b"/>
+                </a:tc>
+                <a:tc>
+                  <a:txBody>
+                    <a:bodyPr/>
+                    <a:lstStyle/>
+                    <a:p>
+                      <a:pPr algn="just">
+                        <a:lnSpc>
+                          <a:spcPct val="150000"/>
+                        </a:lnSpc>
+                        <a:spcAft>
+                          <a:spcPts val="0"/>
+                        </a:spcAft>
+                      </a:pPr>
+                      <a:r>
+                        <a:rPr lang="es-ES_tradnl" sz="2000" dirty="0">
+                          <a:effectLst/>
+                        </a:rPr>
+                        <a:t>USD 9,840</a:t>
+                      </a:r>
+                      <a:endParaRPr lang="en-US" sz="2400" dirty="0">
+                        <a:effectLst/>
+                        <a:latin typeface="Abadi MT Condensed Light"/>
+                        <a:ea typeface="Calibri"/>
+                        <a:cs typeface="Times New Roman"/>
+                      </a:endParaRPr>
+                    </a:p>
+                  </a:txBody>
+                  <a:tcPr marL="44450" marR="44450" marT="0" marB="0" anchor="b"/>
+                </a:tc>
+              </a:tr>
+              <a:tr h="200025">
+                <a:tc>
+                  <a:txBody>
+                    <a:bodyPr/>
+                    <a:lstStyle/>
+                    <a:p>
+                      <a:pPr algn="just">
+                        <a:lnSpc>
+                          <a:spcPct val="150000"/>
+                        </a:lnSpc>
+                        <a:spcAft>
+                          <a:spcPts val="0"/>
+                        </a:spcAft>
+                      </a:pPr>
+                      <a:r>
+                        <a:rPr lang="es-ES_tradnl" sz="2000">
+                          <a:effectLst/>
+                        </a:rPr>
+                        <a:t>6</a:t>
+                      </a:r>
+                      <a:endParaRPr lang="en-US" sz="2400">
+                        <a:effectLst/>
+                        <a:latin typeface="Abadi MT Condensed Light"/>
+                        <a:ea typeface="Calibri"/>
+                        <a:cs typeface="Times New Roman"/>
+                      </a:endParaRPr>
+                    </a:p>
+                  </a:txBody>
+                  <a:tcPr marL="44450" marR="44450" marT="0" marB="0" anchor="b"/>
+                </a:tc>
+                <a:tc>
+                  <a:txBody>
+                    <a:bodyPr/>
+                    <a:lstStyle/>
+                    <a:p>
+                      <a:pPr algn="just">
+                        <a:lnSpc>
+                          <a:spcPct val="150000"/>
+                        </a:lnSpc>
+                        <a:spcAft>
+                          <a:spcPts val="0"/>
+                        </a:spcAft>
+                      </a:pPr>
+                      <a:r>
+                        <a:rPr lang="es-ES_tradnl" sz="2000">
+                          <a:effectLst/>
+                        </a:rPr>
+                        <a:t>Vehículos (Alquiler Mensual)</a:t>
+                      </a:r>
+                      <a:endParaRPr lang="en-US" sz="2400">
+                        <a:effectLst/>
+                        <a:latin typeface="Abadi MT Condensed Light"/>
+                        <a:ea typeface="Calibri"/>
+                        <a:cs typeface="Times New Roman"/>
+                      </a:endParaRPr>
+                    </a:p>
+                  </a:txBody>
+                  <a:tcPr marL="44450" marR="44450" marT="0" marB="0" anchor="b"/>
+                </a:tc>
+                <a:tc>
+                  <a:txBody>
+                    <a:bodyPr/>
+                    <a:lstStyle/>
+                    <a:p>
+                      <a:pPr algn="just">
+                        <a:lnSpc>
+                          <a:spcPct val="150000"/>
+                        </a:lnSpc>
+                        <a:spcAft>
+                          <a:spcPts val="0"/>
+                        </a:spcAft>
+                      </a:pPr>
+                      <a:r>
+                        <a:rPr lang="es-ES_tradnl" sz="2000">
+                          <a:effectLst/>
+                        </a:rPr>
+                        <a:t>USD 18,480</a:t>
+                      </a:r>
+                      <a:endParaRPr lang="en-US" sz="2400">
+                        <a:effectLst/>
+                        <a:latin typeface="Abadi MT Condensed Light"/>
+                        <a:ea typeface="Calibri"/>
+                        <a:cs typeface="Times New Roman"/>
+                      </a:endParaRPr>
+                    </a:p>
+                  </a:txBody>
+                  <a:tcPr marL="44450" marR="44450" marT="0" marB="0" anchor="b"/>
+                </a:tc>
+              </a:tr>
+              <a:tr h="200025">
+                <a:tc>
+                  <a:txBody>
+                    <a:bodyPr/>
+                    <a:lstStyle/>
+                    <a:p>
+                      <a:pPr algn="just">
+                        <a:lnSpc>
+                          <a:spcPct val="150000"/>
+                        </a:lnSpc>
+                        <a:spcAft>
+                          <a:spcPts val="0"/>
+                        </a:spcAft>
+                      </a:pPr>
+                      <a:r>
+                        <a:rPr lang="es-ES_tradnl" sz="2000">
+                          <a:effectLst/>
+                        </a:rPr>
+                        <a:t>7</a:t>
+                      </a:r>
+                      <a:endParaRPr lang="en-US" sz="2400">
+                        <a:effectLst/>
+                        <a:latin typeface="Abadi MT Condensed Light"/>
+                        <a:ea typeface="Calibri"/>
+                        <a:cs typeface="Times New Roman"/>
+                      </a:endParaRPr>
+                    </a:p>
+                  </a:txBody>
+                  <a:tcPr marL="44450" marR="44450" marT="0" marB="0" anchor="b"/>
+                </a:tc>
+                <a:tc>
+                  <a:txBody>
+                    <a:bodyPr/>
+                    <a:lstStyle/>
+                    <a:p>
+                      <a:pPr algn="just">
+                        <a:lnSpc>
+                          <a:spcPct val="150000"/>
+                        </a:lnSpc>
+                        <a:spcAft>
+                          <a:spcPts val="0"/>
+                        </a:spcAft>
+                      </a:pPr>
+                      <a:r>
+                        <a:rPr lang="es-ES_tradnl" sz="2000">
+                          <a:effectLst/>
+                        </a:rPr>
+                        <a:t>Papelería y Utilitarios</a:t>
+                      </a:r>
+                      <a:endParaRPr lang="en-US" sz="2400">
+                        <a:effectLst/>
+                        <a:latin typeface="Abadi MT Condensed Light"/>
+                        <a:ea typeface="Calibri"/>
+                        <a:cs typeface="Times New Roman"/>
+                      </a:endParaRPr>
+                    </a:p>
+                  </a:txBody>
+                  <a:tcPr marL="44450" marR="44450" marT="0" marB="0" anchor="b"/>
+                </a:tc>
+                <a:tc>
+                  <a:txBody>
+                    <a:bodyPr/>
+                    <a:lstStyle/>
+                    <a:p>
+                      <a:pPr algn="just">
+                        <a:lnSpc>
+                          <a:spcPct val="150000"/>
+                        </a:lnSpc>
+                        <a:spcAft>
+                          <a:spcPts val="0"/>
+                        </a:spcAft>
+                      </a:pPr>
+                      <a:r>
+                        <a:rPr lang="es-ES_tradnl" sz="2000" dirty="0">
+                          <a:effectLst/>
+                        </a:rPr>
+                        <a:t>USD 1,673</a:t>
+                      </a:r>
+                      <a:endParaRPr lang="en-US" sz="2400" dirty="0">
+                        <a:effectLst/>
+                        <a:latin typeface="Abadi MT Condensed Light"/>
+                        <a:ea typeface="Calibri"/>
+                        <a:cs typeface="Times New Roman"/>
+                      </a:endParaRPr>
+                    </a:p>
+                  </a:txBody>
+                  <a:tcPr marL="44450" marR="44450" marT="0" marB="0" anchor="b"/>
+                </a:tc>
+              </a:tr>
+              <a:tr h="200025">
+                <a:tc>
+                  <a:txBody>
+                    <a:bodyPr/>
+                    <a:lstStyle/>
+                    <a:p>
+                      <a:pPr algn="just">
+                        <a:lnSpc>
+                          <a:spcPct val="150000"/>
+                        </a:lnSpc>
+                        <a:spcAft>
+                          <a:spcPts val="0"/>
+                        </a:spcAft>
+                      </a:pPr>
+                      <a:r>
+                        <a:rPr lang="es-ES_tradnl" sz="2000">
+                          <a:effectLst/>
+                        </a:rPr>
+                        <a:t>8</a:t>
+                      </a:r>
+                      <a:endParaRPr lang="en-US" sz="2400">
+                        <a:effectLst/>
+                        <a:latin typeface="Abadi MT Condensed Light"/>
+                        <a:ea typeface="Calibri"/>
+                        <a:cs typeface="Times New Roman"/>
+                      </a:endParaRPr>
+                    </a:p>
+                  </a:txBody>
+                  <a:tcPr marL="44450" marR="44450" marT="0" marB="0" anchor="b"/>
+                </a:tc>
+                <a:tc>
+                  <a:txBody>
+                    <a:bodyPr/>
+                    <a:lstStyle/>
+                    <a:p>
+                      <a:pPr algn="just">
+                        <a:lnSpc>
+                          <a:spcPct val="150000"/>
+                        </a:lnSpc>
+                        <a:spcAft>
+                          <a:spcPts val="0"/>
+                        </a:spcAft>
+                      </a:pPr>
+                      <a:r>
+                        <a:rPr lang="es-ES_tradnl" sz="2000">
+                          <a:effectLst/>
+                        </a:rPr>
+                        <a:t>Conexiones de Datos</a:t>
+                      </a:r>
+                      <a:endParaRPr lang="en-US" sz="2400">
+                        <a:effectLst/>
+                        <a:latin typeface="Abadi MT Condensed Light"/>
+                        <a:ea typeface="Calibri"/>
+                        <a:cs typeface="Times New Roman"/>
+                      </a:endParaRPr>
+                    </a:p>
+                  </a:txBody>
+                  <a:tcPr marL="44450" marR="44450" marT="0" marB="0" anchor="b"/>
+                </a:tc>
+                <a:tc>
+                  <a:txBody>
+                    <a:bodyPr/>
+                    <a:lstStyle/>
+                    <a:p>
+                      <a:pPr algn="just">
+                        <a:lnSpc>
+                          <a:spcPct val="150000"/>
+                        </a:lnSpc>
+                        <a:spcAft>
+                          <a:spcPts val="0"/>
+                        </a:spcAft>
+                      </a:pPr>
+                      <a:r>
+                        <a:rPr lang="es-ES_tradnl" sz="2000">
+                          <a:effectLst/>
+                        </a:rPr>
+                        <a:t>USD 1,668</a:t>
+                      </a:r>
+                      <a:endParaRPr lang="en-US" sz="2400">
+                        <a:effectLst/>
+                        <a:latin typeface="Abadi MT Condensed Light"/>
+                        <a:ea typeface="Calibri"/>
+                        <a:cs typeface="Times New Roman"/>
+                      </a:endParaRPr>
+                    </a:p>
+                  </a:txBody>
+                  <a:tcPr marL="44450" marR="44450" marT="0" marB="0" anchor="b"/>
+                </a:tc>
+              </a:tr>
+              <a:tr h="200025">
+                <a:tc>
+                  <a:txBody>
+                    <a:bodyPr/>
+                    <a:lstStyle/>
+                    <a:p>
+                      <a:pPr algn="just">
+                        <a:lnSpc>
+                          <a:spcPct val="150000"/>
+                        </a:lnSpc>
+                        <a:spcAft>
+                          <a:spcPts val="0"/>
+                        </a:spcAft>
+                      </a:pPr>
+                      <a:r>
+                        <a:rPr lang="es-ES_tradnl" sz="2000">
+                          <a:effectLst/>
+                        </a:rPr>
+                        <a:t>9</a:t>
+                      </a:r>
+                      <a:endParaRPr lang="en-US" sz="2400">
+                        <a:effectLst/>
+                        <a:latin typeface="Abadi MT Condensed Light"/>
+                        <a:ea typeface="Calibri"/>
+                        <a:cs typeface="Times New Roman"/>
+                      </a:endParaRPr>
+                    </a:p>
+                  </a:txBody>
+                  <a:tcPr marL="44450" marR="44450" marT="0" marB="0" anchor="b"/>
+                </a:tc>
+                <a:tc>
+                  <a:txBody>
+                    <a:bodyPr/>
+                    <a:lstStyle/>
+                    <a:p>
+                      <a:pPr algn="just">
+                        <a:lnSpc>
+                          <a:spcPct val="150000"/>
+                        </a:lnSpc>
+                        <a:spcAft>
+                          <a:spcPts val="0"/>
+                        </a:spcAft>
+                      </a:pPr>
+                      <a:r>
+                        <a:rPr lang="es-ES_tradnl" sz="2000">
+                          <a:effectLst/>
+                        </a:rPr>
+                        <a:t>Herramientas y equipo</a:t>
+                      </a:r>
+                      <a:endParaRPr lang="en-US" sz="2400">
+                        <a:effectLst/>
+                        <a:latin typeface="Abadi MT Condensed Light"/>
+                        <a:ea typeface="Calibri"/>
+                        <a:cs typeface="Times New Roman"/>
+                      </a:endParaRPr>
+                    </a:p>
+                  </a:txBody>
+                  <a:tcPr marL="44450" marR="44450" marT="0" marB="0" anchor="b"/>
+                </a:tc>
+                <a:tc>
+                  <a:txBody>
+                    <a:bodyPr/>
+                    <a:lstStyle/>
+                    <a:p>
+                      <a:pPr algn="just">
+                        <a:lnSpc>
+                          <a:spcPct val="150000"/>
+                        </a:lnSpc>
+                        <a:spcAft>
+                          <a:spcPts val="0"/>
+                        </a:spcAft>
+                      </a:pPr>
+                      <a:r>
+                        <a:rPr lang="es-ES_tradnl" sz="2000">
+                          <a:effectLst/>
+                        </a:rPr>
+                        <a:t>USD 1,175</a:t>
+                      </a:r>
+                      <a:endParaRPr lang="en-US" sz="2400">
+                        <a:effectLst/>
+                        <a:latin typeface="Abadi MT Condensed Light"/>
+                        <a:ea typeface="Calibri"/>
+                        <a:cs typeface="Times New Roman"/>
+                      </a:endParaRPr>
+                    </a:p>
+                  </a:txBody>
+                  <a:tcPr marL="44450" marR="44450" marT="0" marB="0" anchor="b"/>
+                </a:tc>
+              </a:tr>
+              <a:tr h="200025">
+                <a:tc>
+                  <a:txBody>
+                    <a:bodyPr/>
+                    <a:lstStyle/>
+                    <a:p>
+                      <a:pPr>
+                        <a:lnSpc>
+                          <a:spcPct val="115000"/>
+                        </a:lnSpc>
+                      </a:pPr>
+                      <a:endParaRPr lang="en-US" sz="2000">
+                        <a:effectLst/>
+                        <a:latin typeface="Calibri"/>
+                      </a:endParaRPr>
+                    </a:p>
+                  </a:txBody>
+                  <a:tcPr marL="44450" marR="44450" marT="0" marB="0" anchor="b"/>
+                </a:tc>
+                <a:tc>
+                  <a:txBody>
+                    <a:bodyPr/>
+                    <a:lstStyle/>
+                    <a:p>
+                      <a:pPr algn="just">
+                        <a:lnSpc>
+                          <a:spcPct val="150000"/>
+                        </a:lnSpc>
+                        <a:spcAft>
+                          <a:spcPts val="0"/>
+                        </a:spcAft>
+                      </a:pPr>
+                      <a:r>
+                        <a:rPr lang="es-ES_tradnl" sz="2000" b="1">
+                          <a:effectLst/>
+                        </a:rPr>
+                        <a:t>TOTAL</a:t>
+                      </a:r>
+                      <a:endParaRPr lang="en-US" sz="2400" b="1">
+                        <a:effectLst/>
+                        <a:latin typeface="Abadi MT Condensed Light"/>
+                        <a:ea typeface="Calibri"/>
+                        <a:cs typeface="Times New Roman"/>
+                      </a:endParaRPr>
+                    </a:p>
+                  </a:txBody>
+                  <a:tcPr marL="44450" marR="44450" marT="0" marB="0" anchor="b"/>
+                </a:tc>
+                <a:tc>
+                  <a:txBody>
+                    <a:bodyPr/>
+                    <a:lstStyle/>
+                    <a:p>
+                      <a:pPr algn="just">
+                        <a:lnSpc>
+                          <a:spcPct val="150000"/>
+                        </a:lnSpc>
+                        <a:spcAft>
+                          <a:spcPts val="0"/>
+                        </a:spcAft>
+                      </a:pPr>
+                      <a:r>
+                        <a:rPr lang="es-ES_tradnl" sz="2000" b="1" dirty="0">
+                          <a:effectLst/>
+                        </a:rPr>
+                        <a:t>USD 330,967</a:t>
+                      </a:r>
+                      <a:endParaRPr lang="en-US" sz="2400" b="1" dirty="0">
+                        <a:effectLst/>
+                        <a:latin typeface="Abadi MT Condensed Light"/>
+                        <a:ea typeface="Calibri"/>
+                        <a:cs typeface="Times New Roman"/>
+                      </a:endParaRPr>
+                    </a:p>
+                  </a:txBody>
+                  <a:tcPr marL="44450" marR="44450" marT="0" marB="0" anchor="b"/>
+                </a:tc>
+              </a:tr>
+            </a:tbl>
+          </a:graphicData>
+        </a:graphic>
+      </p:graphicFrame>
+      <p:sp>
+        <p:nvSpPr>
+          <p:cNvPr id="7" name="Rectangle 3"/>
+          <p:cNvSpPr>
+            <a:spLocks noChangeArrowheads="1"/>
+          </p:cNvSpPr>
+          <p:nvPr/>
+        </p:nvSpPr>
+        <p:spPr bwMode="auto">
+          <a:xfrm>
+            <a:off x="-633437" y="692696"/>
+            <a:ext cx="4451450" cy="707838"/>
+          </a:xfrm>
+          <a:prstGeom prst="rect">
+            <a:avLst/>
+          </a:prstGeom>
+          <a:noFill/>
+          <a:ln>
+            <a:noFill/>
+          </a:ln>
+          <a:effectLst/>
+          <a:extLst>
+            <a:ext uri="{909E8E84-426E-40DD-AFC4-6F175D3DCCD1}">
+              <a14:hiddenFill xmlns:a14="http://schemas.microsoft.com/office/drawing/2010/main">
+                <a:solidFill>
+                  <a:schemeClr val="accent1"/>
+                </a:solidFill>
+              </a14:hiddenFill>
+            </a:ext>
+            <a:ext uri="{91240B29-F687-4F45-9708-019B960494DF}">
+              <a14:hiddenLine xmlns:a14="http://schemas.microsoft.com/office/drawing/2010/main" w="9525">
+                <a:solidFill>
+                  <a:schemeClr val="tx1"/>
+                </a:solidFill>
+                <a:miter lim="800000"/>
+                <a:headEnd/>
+                <a:tailEnd/>
+              </a14:hiddenLine>
+            </a:ext>
+            <a:ext uri="{AF507438-7753-43E0-B8FC-AC1667EBCBE1}">
+              <a14:hiddenEffects xmlns:a14="http://schemas.microsoft.com/office/drawing/2010/main">
+                <a:effectLst>
+                  <a:outerShdw dist="35921" dir="2700000" algn="ctr" rotWithShape="0">
+                    <a:schemeClr val="bg2"/>
+                  </a:outerShdw>
+                </a:effectLst>
+              </a14:hiddenEffects>
+            </a:ext>
+          </a:extLst>
+        </p:spPr>
+        <p:txBody>
+          <a:bodyPr vert="horz" wrap="none" lIns="685584" tIns="152352" rIns="91440" bIns="0" numCol="1" anchor="ctr" anchorCtr="0" compatLnSpc="1">
+            <a:prstTxWarp prst="textNoShape">
+              <a:avLst/>
+            </a:prstTxWarp>
+            <a:spAutoFit/>
+          </a:bodyPr>
+          <a:lstStyle/>
+          <a:p>
+            <a:pPr marL="914400" marR="0" lvl="2" indent="0" defTabSz="914400" rtl="0" eaLnBrk="1" fontAlgn="base" latinLnBrk="0" hangingPunct="1">
+              <a:lnSpc>
+                <a:spcPct val="100000"/>
+              </a:lnSpc>
+              <a:spcBef>
+                <a:spcPct val="0"/>
+              </a:spcBef>
+              <a:spcAft>
+                <a:spcPct val="0"/>
+              </a:spcAft>
+              <a:buClrTx/>
+              <a:buSzTx/>
+              <a:tabLst/>
+            </a:pPr>
+            <a:r>
+              <a:rPr kumimoji="0" lang="es-ES_tradnl" altLang="en-US" sz="1600" b="1" i="0" u="none" strike="noStrike" cap="none" normalizeH="0" baseline="0" dirty="0" smtClean="0">
+                <a:ln>
+                  <a:noFill/>
+                </a:ln>
+                <a:solidFill>
+                  <a:srgbClr val="365F91"/>
+                </a:solidFill>
+                <a:effectLst/>
+                <a:latin typeface="Abadi MT Condensed Light" charset="0"/>
+                <a:ea typeface="Times New Roman" pitchFamily="18" charset="0"/>
+                <a:cs typeface="Arial" pitchFamily="34" charset="0"/>
+              </a:rPr>
+              <a:t>T</a:t>
+            </a:r>
+            <a:r>
+              <a:rPr kumimoji="0" lang="es-ES_tradnl" altLang="en-US" sz="1600" b="1" i="0" u="none" strike="noStrike" cap="none" normalizeH="0" baseline="0" dirty="0" smtClean="0" bmk="">
+                <a:ln>
+                  <a:noFill/>
+                </a:ln>
+                <a:solidFill>
+                  <a:srgbClr val="365F91"/>
+                </a:solidFill>
+                <a:effectLst/>
+                <a:latin typeface="Abadi MT Condensed Light" charset="0"/>
+                <a:ea typeface="Times New Roman" pitchFamily="18" charset="0"/>
+                <a:cs typeface="Arial" pitchFamily="34" charset="0"/>
+              </a:rPr>
+              <a:t>abla de resumen de costos</a:t>
+            </a:r>
+            <a:endParaRPr kumimoji="0" lang="es-ES_tradnl" altLang="en-US" b="1" i="0" u="none" strike="noStrike" cap="none" normalizeH="0" baseline="0" dirty="0" smtClean="0">
+              <a:ln>
+                <a:noFill/>
+              </a:ln>
+              <a:solidFill>
+                <a:srgbClr val="365F91"/>
+              </a:solidFill>
+              <a:effectLst/>
+              <a:latin typeface="Abadi MT Condensed Light" charset="0"/>
+              <a:ea typeface="Times New Roman" pitchFamily="18" charset="0"/>
+              <a:cs typeface="Times New Roman" pitchFamily="18" charset="0"/>
+            </a:endParaRPr>
+          </a:p>
+          <a:p>
+            <a:pPr marL="914400" marR="0" lvl="2" indent="0" defTabSz="914400" rtl="0" eaLnBrk="0" fontAlgn="base" latinLnBrk="0" hangingPunct="0">
+              <a:lnSpc>
+                <a:spcPct val="100000"/>
+              </a:lnSpc>
+              <a:spcBef>
+                <a:spcPct val="0"/>
+              </a:spcBef>
+              <a:spcAft>
+                <a:spcPct val="0"/>
+              </a:spcAft>
+              <a:buClrTx/>
+              <a:buSzTx/>
+              <a:buFontTx/>
+              <a:buAutoNum type="arabicPeriod"/>
+              <a:tabLst/>
+            </a:pPr>
+            <a:endParaRPr kumimoji="0" lang="es-ES_tradnl" altLang="en-US" sz="2000" b="0" i="0" u="none" strike="noStrike" cap="none" normalizeH="0" baseline="0" dirty="0" smtClean="0">
+              <a:ln>
+                <a:noFill/>
+              </a:ln>
+              <a:solidFill>
+                <a:schemeClr val="tx1"/>
+              </a:solidFill>
+              <a:effectLst/>
+              <a:latin typeface="Arial" pitchFamily="34" charset="0"/>
+              <a:cs typeface="Arial" pitchFamily="34" charset="0"/>
+            </a:endParaRPr>
+          </a:p>
+        </p:txBody>
+      </p:sp>
+    </p:spTree>
+    <p:extLst>
+      <p:ext uri="{BB962C8B-B14F-4D97-AF65-F5344CB8AC3E}">
+        <p14:creationId xmlns:p14="http://schemas.microsoft.com/office/powerpoint/2010/main" val="3807866598"/>
+      </p:ext>
+    </p:extLst>
+  </p:cSld>
+  <p:clrMapOvr>
+    <a:masterClrMapping/>
+  </p:clrMapOvr>
+</p:sld>
+</file>
+
+<file path=ppt/slides/slide8.xml><?xml version="1.0" encoding="utf-8"?>
 <p:sld xmlns:a="http://schemas.openxmlformats.org/drawingml/2006/main" xmlns:r="http://schemas.openxmlformats.org/officeDocument/2006/relationships" xmlns:p="http://schemas.openxmlformats.org/presentationml/2006/main">
   <p:cSld>
     <p:spTree>
@@ -31486,7 +29809,7 @@
 </p:sld>
 </file>
 
-<file path=ppt/slides/slide8.xml><?xml version="1.0" encoding="utf-8"?>
+<file path=ppt/slides/slide9.xml><?xml version="1.0" encoding="utf-8"?>
 <p:sld xmlns:a="http://schemas.openxmlformats.org/drawingml/2006/main" xmlns:r="http://schemas.openxmlformats.org/officeDocument/2006/relationships" xmlns:p="http://schemas.openxmlformats.org/presentationml/2006/main">
   <p:cSld>
     <p:spTree>
@@ -33764,7 +32087,7 @@
         </p:spPr>
         <p:txBody>
           <a:bodyPr>
-            <a:normAutofit fontScale="90000"/>
+            <a:noAutofit/>
           </a:bodyPr>
           <a:lstStyle/>
           <a:p>
@@ -33785,7 +32108,7 @@
               <a:t>6</a:t>
             </a:r>
             <a:r>
-              <a:rPr lang="es-CO" sz="2000" b="1" i="1" dirty="0" smtClean="0">
+              <a:rPr lang="es-CO" sz="2000" b="1" i="1" dirty="0">
                 <a:solidFill>
                   <a:schemeClr val="tx2"/>
                 </a:solidFill>
@@ -33797,10 +32120,10 @@
                   </a:outerShdw>
                 </a:effectLst>
               </a:rPr>
-              <a:t>. </a:t>
+              <a:t>. RIESGOS DEL </a:t>
             </a:r>
             <a:r>
-              <a:rPr lang="es-CO" sz="2200" b="1" i="1" dirty="0" smtClean="0">
+              <a:rPr lang="es-CO" sz="2000" b="1" i="1" dirty="0">
                 <a:solidFill>
                   <a:schemeClr val="tx2"/>
                 </a:solidFill>
@@ -33812,7 +32135,7 @@
                   </a:outerShdw>
                 </a:effectLst>
               </a:rPr>
-              <a:t>RIESGOS DEL PROYECTO</a:t>
+              <a:t>PROYECTO</a:t>
             </a:r>
             <a:endParaRPr lang="es-ES" sz="2000" b="1" i="1" dirty="0">
               <a:solidFill>
@@ -33833,215 +32156,6 @@
     <p:extLst>
       <p:ext uri="{BB962C8B-B14F-4D97-AF65-F5344CB8AC3E}">
         <p14:creationId xmlns:p14="http://schemas.microsoft.com/office/powerpoint/2010/main" val="53278291"/>
-      </p:ext>
-    </p:extLst>
-  </p:cSld>
-  <p:clrMapOvr>
-    <a:masterClrMapping/>
-  </p:clrMapOvr>
-  <p:timing>
-    <p:tnLst>
-      <p:par>
-        <p:cTn id="1" dur="indefinite" restart="never" nodeType="tmRoot"/>
-      </p:par>
-    </p:tnLst>
-  </p:timing>
-</p:sld>
-</file>
-
-<file path=ppt/slides/slide9.xml><?xml version="1.0" encoding="utf-8"?>
-<p:sld xmlns:a="http://schemas.openxmlformats.org/drawingml/2006/main" xmlns:r="http://schemas.openxmlformats.org/officeDocument/2006/relationships" xmlns:p="http://schemas.openxmlformats.org/presentationml/2006/main">
-  <p:cSld>
-    <p:spTree>
-      <p:nvGrpSpPr>
-        <p:cNvPr id="1" name=""/>
-        <p:cNvGrpSpPr/>
-        <p:nvPr/>
-      </p:nvGrpSpPr>
-      <p:grpSpPr>
-        <a:xfrm>
-          <a:off x="0" y="0"/>
-          <a:ext cx="0" cy="0"/>
-          <a:chOff x="0" y="0"/>
-          <a:chExt cx="0" cy="0"/>
-        </a:xfrm>
-      </p:grpSpPr>
-      <p:graphicFrame>
-        <p:nvGraphicFramePr>
-          <p:cNvPr id="7" name="Diagram 6"/>
-          <p:cNvGraphicFramePr/>
-          <p:nvPr>
-            <p:extLst>
-              <p:ext uri="{D42A27DB-BD31-4B8C-83A1-F6EECF244321}">
-                <p14:modId xmlns:p14="http://schemas.microsoft.com/office/powerpoint/2010/main" val="2829674859"/>
-              </p:ext>
-            </p:extLst>
-          </p:nvPr>
-        </p:nvGraphicFramePr>
-        <p:xfrm>
-          <a:off x="899592" y="1268760"/>
-          <a:ext cx="7488832" cy="4896544"/>
-        </p:xfrm>
-        <a:graphic>
-          <a:graphicData uri="http://schemas.openxmlformats.org/drawingml/2006/diagram">
-            <dgm:relIds xmlns:dgm="http://schemas.openxmlformats.org/drawingml/2006/diagram" xmlns:r="http://schemas.openxmlformats.org/officeDocument/2006/relationships" r:dm="rId2" r:lo="rId3" r:qs="rId4" r:cs="rId5"/>
-          </a:graphicData>
-        </a:graphic>
-      </p:graphicFrame>
-      <p:pic>
-        <p:nvPicPr>
-          <p:cNvPr id="8" name="Picture 2" descr="Resultado de imagen de online business school"/>
-          <p:cNvPicPr>
-            <a:picLocks noChangeAspect="1" noChangeArrowheads="1"/>
-          </p:cNvPicPr>
-          <p:nvPr/>
-        </p:nvPicPr>
-        <p:blipFill>
-          <a:blip r:embed="rId7" cstate="print">
-            <a:extLst>
-              <a:ext uri="{28A0092B-C50C-407E-A947-70E740481C1C}">
-                <a14:useLocalDpi xmlns:a14="http://schemas.microsoft.com/office/drawing/2010/main" val="0"/>
-              </a:ext>
-            </a:extLst>
-          </a:blip>
-          <a:srcRect/>
-          <a:stretch>
-            <a:fillRect/>
-          </a:stretch>
-        </p:blipFill>
-        <p:spPr bwMode="auto">
-          <a:xfrm>
-            <a:off x="251520" y="188640"/>
-            <a:ext cx="1340768" cy="243776"/>
-          </a:xfrm>
-          <a:prstGeom prst="rect">
-            <a:avLst/>
-          </a:prstGeom>
-          <a:noFill/>
-          <a:extLst>
-            <a:ext uri="{909E8E84-426E-40DD-AFC4-6F175D3DCCD1}">
-              <a14:hiddenFill xmlns:a14="http://schemas.microsoft.com/office/drawing/2010/main">
-                <a:solidFill>
-                  <a:srgbClr val="FFFFFF"/>
-                </a:solidFill>
-              </a14:hiddenFill>
-            </a:ext>
-          </a:extLst>
-        </p:spPr>
-      </p:pic>
-      <p:pic>
-        <p:nvPicPr>
-          <p:cNvPr id="9" name="Picture 4" descr="Resultado de imagen de universitat barcelona"/>
-          <p:cNvPicPr>
-            <a:picLocks noChangeAspect="1" noChangeArrowheads="1"/>
-          </p:cNvPicPr>
-          <p:nvPr/>
-        </p:nvPicPr>
-        <p:blipFill>
-          <a:blip r:embed="rId8" cstate="print">
-            <a:extLst>
-              <a:ext uri="{28A0092B-C50C-407E-A947-70E740481C1C}">
-                <a14:useLocalDpi xmlns:a14="http://schemas.microsoft.com/office/drawing/2010/main" val="0"/>
-              </a:ext>
-            </a:extLst>
-          </a:blip>
-          <a:srcRect/>
-          <a:stretch>
-            <a:fillRect/>
-          </a:stretch>
-        </p:blipFill>
-        <p:spPr bwMode="auto">
-          <a:xfrm>
-            <a:off x="7596336" y="135234"/>
-            <a:ext cx="1196871" cy="350587"/>
-          </a:xfrm>
-          <a:prstGeom prst="rect">
-            <a:avLst/>
-          </a:prstGeom>
-          <a:noFill/>
-          <a:extLst>
-            <a:ext uri="{909E8E84-426E-40DD-AFC4-6F175D3DCCD1}">
-              <a14:hiddenFill xmlns:a14="http://schemas.microsoft.com/office/drawing/2010/main">
-                <a:solidFill>
-                  <a:srgbClr val="FFFFFF"/>
-                </a:solidFill>
-              </a14:hiddenFill>
-            </a:ext>
-          </a:extLst>
-        </p:spPr>
-      </p:pic>
-      <p:sp>
-        <p:nvSpPr>
-          <p:cNvPr id="10" name="Title 1"/>
-          <p:cNvSpPr>
-            <a:spLocks noGrp="1"/>
-          </p:cNvSpPr>
-          <p:nvPr>
-            <p:ph type="title"/>
-          </p:nvPr>
-        </p:nvSpPr>
-        <p:spPr>
-          <a:xfrm>
-            <a:off x="32716" y="476672"/>
-            <a:ext cx="8229600" cy="341437"/>
-          </a:xfrm>
-        </p:spPr>
-        <p:txBody>
-          <a:bodyPr>
-            <a:normAutofit fontScale="90000"/>
-          </a:bodyPr>
-          <a:lstStyle/>
-          <a:p>
-            <a:pPr algn="l"/>
-            <a:r>
-              <a:rPr lang="es-CO" sz="2000" b="1" i="1" dirty="0" smtClean="0">
-                <a:solidFill>
-                  <a:schemeClr val="tx2"/>
-                </a:solidFill>
-                <a:effectLst>
-                  <a:outerShdw blurRad="38100" dist="38100" dir="2700000" algn="tl">
-                    <a:srgbClr val="000000">
-                      <a:alpha val="43137"/>
-                    </a:srgbClr>
-                  </a:outerShdw>
-                </a:effectLst>
-              </a:rPr>
-              <a:t>7. </a:t>
-            </a:r>
-            <a:r>
-              <a:rPr lang="es-CO" sz="2200" b="1" i="1" dirty="0" smtClean="0">
-                <a:solidFill>
-                  <a:schemeClr val="tx2"/>
-                </a:solidFill>
-                <a:effectLst>
-                  <a:outerShdw blurRad="38100" dist="38100" dir="2700000" algn="tl">
-                    <a:srgbClr val="000000">
-                      <a:alpha val="43137"/>
-                    </a:srgbClr>
-                  </a:outerShdw>
-                </a:effectLst>
-              </a:rPr>
-              <a:t>ESTRATEGIA DE IMPLEMENTACIÓN</a:t>
-            </a:r>
-            <a:endParaRPr lang="es-ES" sz="2000" b="1" i="1" dirty="0">
-              <a:solidFill>
-                <a:schemeClr val="tx2"/>
-              </a:solidFill>
-              <a:effectLst>
-                <a:outerShdw blurRad="38100" dist="38100" dir="2700000" algn="tl">
-                  <a:srgbClr val="000000">
-                    <a:alpha val="43137"/>
-                  </a:srgbClr>
-                </a:outerShdw>
-              </a:effectLst>
-            </a:endParaRPr>
-          </a:p>
-        </p:txBody>
-      </p:sp>
-    </p:spTree>
-    <p:extLst>
-      <p:ext uri="{BB962C8B-B14F-4D97-AF65-F5344CB8AC3E}">
-        <p14:creationId xmlns:p14="http://schemas.microsoft.com/office/powerpoint/2010/main" val="3834244802"/>
       </p:ext>
     </p:extLst>
   </p:cSld>

--- a/PresentacionTFM.pptx
+++ b/PresentacionTFM.pptx
@@ -159,7 +159,6 @@
   </mc:AlternateContent>
   <c:chart>
     <c:title>
-      <c:layout/>
       <c:overlay val="0"/>
     </c:title>
     <c:autoTitleDeleted val="0"/>
@@ -393,11 +392,11 @@
           <c:showBubbleSize val="0"/>
         </c:dLbls>
         <c:gapWidth val="150"/>
-        <c:axId val="388201216"/>
-        <c:axId val="388204352"/>
+        <c:axId val="282406720"/>
+        <c:axId val="282408680"/>
       </c:barChart>
       <c:catAx>
-        <c:axId val="388201216"/>
+        <c:axId val="282406720"/>
         <c:scaling>
           <c:orientation val="minMax"/>
         </c:scaling>
@@ -407,7 +406,7 @@
         <c:majorTickMark val="none"/>
         <c:minorTickMark val="none"/>
         <c:tickLblPos val="nextTo"/>
-        <c:crossAx val="388204352"/>
+        <c:crossAx val="282408680"/>
         <c:crosses val="autoZero"/>
         <c:auto val="1"/>
         <c:lblAlgn val="ctr"/>
@@ -415,7 +414,7 @@
         <c:noMultiLvlLbl val="0"/>
       </c:catAx>
       <c:valAx>
-        <c:axId val="388204352"/>
+        <c:axId val="282408680"/>
         <c:scaling>
           <c:orientation val="minMax"/>
         </c:scaling>
@@ -423,14 +422,13 @@
         <c:axPos val="b"/>
         <c:majorGridlines/>
         <c:title>
-          <c:layout/>
           <c:overlay val="0"/>
         </c:title>
         <c:numFmt formatCode="0%" sourceLinked="1"/>
         <c:majorTickMark val="none"/>
         <c:minorTickMark val="none"/>
         <c:tickLblPos val="nextTo"/>
-        <c:crossAx val="388201216"/>
+        <c:crossAx val="282406720"/>
         <c:crosses val="autoZero"/>
         <c:crossBetween val="between"/>
       </c:valAx>
@@ -3735,11 +3733,7 @@
           </a:r>
           <a:r>
             <a:rPr lang="es-ES" sz="1400" b="1" dirty="0" smtClean="0"/>
-            <a:t> </a:t>
-          </a:r>
-          <a:r>
-            <a:rPr lang="es-ES" sz="1400" b="1" dirty="0" smtClean="0"/>
-            <a:t>que analice todos los datos de consumo</a:t>
+            <a:t> que analice todos los datos de consumo</a:t>
           </a:r>
           <a:endParaRPr lang="es-ES" sz="1400" b="1" dirty="0"/>
         </a:p>
@@ -7058,11 +7052,7 @@
           </a:r>
           <a:r>
             <a:rPr lang="es-ES" sz="1400" b="1" kern="1200" dirty="0" smtClean="0"/>
-            <a:t> </a:t>
-          </a:r>
-          <a:r>
-            <a:rPr lang="es-ES" sz="1400" b="1" kern="1200" dirty="0" smtClean="0"/>
-            <a:t>que analice todos los datos de consumo</a:t>
+            <a:t> que analice todos los datos de consumo</a:t>
           </a:r>
           <a:endParaRPr lang="es-ES" sz="1400" b="1" kern="1200" dirty="0"/>
         </a:p>
@@ -7958,1405 +7948,6 @@
       <dsp:cNvGrpSpPr/>
     </dsp:nvGrpSpPr>
     <dsp:grpSpPr/>
-    <dsp:sp modelId="{7B9C61D3-E734-4A24-A944-215CF7A1B5A3}">
-      <dsp:nvSpPr>
-        <dsp:cNvPr id="0" name=""/>
-        <dsp:cNvSpPr/>
-      </dsp:nvSpPr>
-      <dsp:spPr>
-        <a:xfrm rot="5400000">
-          <a:off x="-90375" y="91032"/>
-          <a:ext cx="602504" cy="421753"/>
-        </a:xfrm>
-        <a:prstGeom prst="chevron">
-          <a:avLst/>
-        </a:prstGeom>
-        <a:solidFill>
-          <a:schemeClr val="accent3">
-            <a:hueOff val="0"/>
-            <a:satOff val="0"/>
-            <a:lumOff val="0"/>
-            <a:alphaOff val="0"/>
-          </a:schemeClr>
-        </a:solidFill>
-        <a:ln w="25400" cap="flat" cmpd="sng" algn="ctr">
-          <a:solidFill>
-            <a:schemeClr val="accent3">
-              <a:hueOff val="0"/>
-              <a:satOff val="0"/>
-              <a:lumOff val="0"/>
-              <a:alphaOff val="0"/>
-            </a:schemeClr>
-          </a:solidFill>
-          <a:prstDash val="solid"/>
-        </a:ln>
-        <a:effectLst/>
-      </dsp:spPr>
-      <dsp:style>
-        <a:lnRef idx="2">
-          <a:scrgbClr r="0" g="0" b="0"/>
-        </a:lnRef>
-        <a:fillRef idx="1">
-          <a:scrgbClr r="0" g="0" b="0"/>
-        </a:fillRef>
-        <a:effectRef idx="0">
-          <a:scrgbClr r="0" g="0" b="0"/>
-        </a:effectRef>
-        <a:fontRef idx="minor">
-          <a:schemeClr val="lt1"/>
-        </a:fontRef>
-      </dsp:style>
-      <dsp:txBody>
-        <a:bodyPr spcFirstLastPara="0" vert="horz" wrap="square" lIns="6985" tIns="6985" rIns="6985" bIns="6985" numCol="1" spcCol="1270" anchor="ctr" anchorCtr="0">
-          <a:noAutofit/>
-        </a:bodyPr>
-        <a:lstStyle/>
-        <a:p>
-          <a:pPr lvl="0" algn="ctr" defTabSz="466725">
-            <a:lnSpc>
-              <a:spcPct val="90000"/>
-            </a:lnSpc>
-            <a:spcBef>
-              <a:spcPct val="0"/>
-            </a:spcBef>
-            <a:spcAft>
-              <a:spcPct val="35000"/>
-            </a:spcAft>
-          </a:pPr>
-          <a:endParaRPr lang="en-US" sz="1050" kern="1200"/>
-        </a:p>
-      </dsp:txBody>
-      <dsp:txXfrm rot="-5400000">
-        <a:off x="1" y="211534"/>
-        <a:ext cx="421753" cy="180751"/>
-      </dsp:txXfrm>
-    </dsp:sp>
-    <dsp:sp modelId="{7D924C14-A286-407C-A494-2605EF842E87}">
-      <dsp:nvSpPr>
-        <dsp:cNvPr id="0" name=""/>
-        <dsp:cNvSpPr/>
-      </dsp:nvSpPr>
-      <dsp:spPr>
-        <a:xfrm rot="5400000">
-          <a:off x="3759478" y="-3337068"/>
-          <a:ext cx="391627" cy="7067078"/>
-        </a:xfrm>
-        <a:prstGeom prst="round2SameRect">
-          <a:avLst/>
-        </a:prstGeom>
-        <a:solidFill>
-          <a:schemeClr val="lt1">
-            <a:alpha val="90000"/>
-            <a:hueOff val="0"/>
-            <a:satOff val="0"/>
-            <a:lumOff val="0"/>
-            <a:alphaOff val="0"/>
-          </a:schemeClr>
-        </a:solidFill>
-        <a:ln w="25400" cap="flat" cmpd="sng" algn="ctr">
-          <a:solidFill>
-            <a:schemeClr val="accent3">
-              <a:hueOff val="0"/>
-              <a:satOff val="0"/>
-              <a:lumOff val="0"/>
-              <a:alphaOff val="0"/>
-            </a:schemeClr>
-          </a:solidFill>
-          <a:prstDash val="solid"/>
-        </a:ln>
-        <a:effectLst/>
-      </dsp:spPr>
-      <dsp:style>
-        <a:lnRef idx="2">
-          <a:scrgbClr r="0" g="0" b="0"/>
-        </a:lnRef>
-        <a:fillRef idx="1">
-          <a:scrgbClr r="0" g="0" b="0"/>
-        </a:fillRef>
-        <a:effectRef idx="0">
-          <a:scrgbClr r="0" g="0" b="0"/>
-        </a:effectRef>
-        <a:fontRef idx="minor"/>
-      </dsp:style>
-      <dsp:txBody>
-        <a:bodyPr spcFirstLastPara="0" vert="horz" wrap="square" lIns="142240" tIns="12700" rIns="12700" bIns="12700" numCol="1" spcCol="1270" anchor="ctr" anchorCtr="0">
-          <a:noAutofit/>
-        </a:bodyPr>
-        <a:lstStyle/>
-        <a:p>
-          <a:pPr marL="228600" lvl="1" indent="-228600" algn="l" defTabSz="889000">
-            <a:lnSpc>
-              <a:spcPct val="90000"/>
-            </a:lnSpc>
-            <a:spcBef>
-              <a:spcPct val="0"/>
-            </a:spcBef>
-            <a:spcAft>
-              <a:spcPct val="15000"/>
-            </a:spcAft>
-            <a:buChar char="••"/>
-          </a:pPr>
-          <a:r>
-            <a:rPr lang="en-US" sz="2000" kern="1200" dirty="0" err="1"/>
-            <a:t>Pruebas</a:t>
-          </a:r>
-          <a:r>
-            <a:rPr lang="en-US" sz="2000" kern="1200" dirty="0"/>
-            <a:t> de </a:t>
-          </a:r>
-          <a:r>
-            <a:rPr lang="en-US" sz="2000" kern="1200" dirty="0" err="1"/>
-            <a:t>calidad</a:t>
-          </a:r>
-          <a:r>
-            <a:rPr lang="en-US" sz="2000" kern="1200" dirty="0"/>
-            <a:t> de </a:t>
-          </a:r>
-          <a:r>
-            <a:rPr lang="en-US" sz="2000" kern="1200" dirty="0" err="1"/>
-            <a:t>datos</a:t>
-          </a:r>
-          <a:r>
-            <a:rPr lang="en-US" sz="2000" kern="1200" dirty="0"/>
-            <a:t> del </a:t>
-          </a:r>
-          <a:r>
-            <a:rPr lang="es-CO" sz="2000" kern="1200" dirty="0"/>
-            <a:t>Data </a:t>
-          </a:r>
-          <a:r>
-            <a:rPr lang="es-CO" sz="2000" kern="1200" dirty="0" err="1"/>
-            <a:t>Warehouse</a:t>
-          </a:r>
-          <a:r>
-            <a:rPr lang="es-CO" sz="2000" kern="1200" dirty="0"/>
-            <a:t> del cliente </a:t>
-          </a:r>
-          <a:endParaRPr lang="en-US" sz="2000" kern="1200" dirty="0"/>
-        </a:p>
-      </dsp:txBody>
-      <dsp:txXfrm rot="-5400000">
-        <a:off x="421753" y="19775"/>
-        <a:ext cx="7047960" cy="353391"/>
-      </dsp:txXfrm>
-    </dsp:sp>
-    <dsp:sp modelId="{46DE062B-D172-4BF5-88A3-6686B42B8829}">
-      <dsp:nvSpPr>
-        <dsp:cNvPr id="0" name=""/>
-        <dsp:cNvSpPr/>
-      </dsp:nvSpPr>
-      <dsp:spPr>
-        <a:xfrm rot="5400000">
-          <a:off x="-90375" y="627623"/>
-          <a:ext cx="602504" cy="421753"/>
-        </a:xfrm>
-        <a:prstGeom prst="chevron">
-          <a:avLst/>
-        </a:prstGeom>
-        <a:solidFill>
-          <a:schemeClr val="accent3">
-            <a:hueOff val="1406283"/>
-            <a:satOff val="-2110"/>
-            <a:lumOff val="-343"/>
-            <a:alphaOff val="0"/>
-          </a:schemeClr>
-        </a:solidFill>
-        <a:ln w="25400" cap="flat" cmpd="sng" algn="ctr">
-          <a:solidFill>
-            <a:schemeClr val="accent3">
-              <a:hueOff val="1406283"/>
-              <a:satOff val="-2110"/>
-              <a:lumOff val="-343"/>
-              <a:alphaOff val="0"/>
-            </a:schemeClr>
-          </a:solidFill>
-          <a:prstDash val="solid"/>
-        </a:ln>
-        <a:effectLst/>
-      </dsp:spPr>
-      <dsp:style>
-        <a:lnRef idx="2">
-          <a:scrgbClr r="0" g="0" b="0"/>
-        </a:lnRef>
-        <a:fillRef idx="1">
-          <a:scrgbClr r="0" g="0" b="0"/>
-        </a:fillRef>
-        <a:effectRef idx="0">
-          <a:scrgbClr r="0" g="0" b="0"/>
-        </a:effectRef>
-        <a:fontRef idx="minor">
-          <a:schemeClr val="lt1"/>
-        </a:fontRef>
-      </dsp:style>
-      <dsp:txBody>
-        <a:bodyPr spcFirstLastPara="0" vert="horz" wrap="square" lIns="6985" tIns="6985" rIns="6985" bIns="6985" numCol="1" spcCol="1270" anchor="ctr" anchorCtr="0">
-          <a:noAutofit/>
-        </a:bodyPr>
-        <a:lstStyle/>
-        <a:p>
-          <a:pPr lvl="0" algn="ctr" defTabSz="466725">
-            <a:lnSpc>
-              <a:spcPct val="90000"/>
-            </a:lnSpc>
-            <a:spcBef>
-              <a:spcPct val="0"/>
-            </a:spcBef>
-            <a:spcAft>
-              <a:spcPct val="35000"/>
-            </a:spcAft>
-          </a:pPr>
-          <a:endParaRPr lang="en-US" sz="1050" kern="1200"/>
-        </a:p>
-      </dsp:txBody>
-      <dsp:txXfrm rot="-5400000">
-        <a:off x="1" y="748125"/>
-        <a:ext cx="421753" cy="180751"/>
-      </dsp:txXfrm>
-    </dsp:sp>
-    <dsp:sp modelId="{DD550D31-3E2A-4526-8E6B-FBCB4DC60A3D}">
-      <dsp:nvSpPr>
-        <dsp:cNvPr id="0" name=""/>
-        <dsp:cNvSpPr/>
-      </dsp:nvSpPr>
-      <dsp:spPr>
-        <a:xfrm rot="5400000">
-          <a:off x="3759478" y="-2800477"/>
-          <a:ext cx="391627" cy="7067078"/>
-        </a:xfrm>
-        <a:prstGeom prst="round2SameRect">
-          <a:avLst/>
-        </a:prstGeom>
-        <a:solidFill>
-          <a:schemeClr val="lt1">
-            <a:alpha val="90000"/>
-            <a:hueOff val="0"/>
-            <a:satOff val="0"/>
-            <a:lumOff val="0"/>
-            <a:alphaOff val="0"/>
-          </a:schemeClr>
-        </a:solidFill>
-        <a:ln w="25400" cap="flat" cmpd="sng" algn="ctr">
-          <a:solidFill>
-            <a:schemeClr val="accent3">
-              <a:hueOff val="1406283"/>
-              <a:satOff val="-2110"/>
-              <a:lumOff val="-343"/>
-              <a:alphaOff val="0"/>
-            </a:schemeClr>
-          </a:solidFill>
-          <a:prstDash val="solid"/>
-        </a:ln>
-        <a:effectLst/>
-      </dsp:spPr>
-      <dsp:style>
-        <a:lnRef idx="2">
-          <a:scrgbClr r="0" g="0" b="0"/>
-        </a:lnRef>
-        <a:fillRef idx="1">
-          <a:scrgbClr r="0" g="0" b="0"/>
-        </a:fillRef>
-        <a:effectRef idx="0">
-          <a:scrgbClr r="0" g="0" b="0"/>
-        </a:effectRef>
-        <a:fontRef idx="minor"/>
-      </dsp:style>
-      <dsp:txBody>
-        <a:bodyPr spcFirstLastPara="0" vert="horz" wrap="square" lIns="142240" tIns="12700" rIns="12700" bIns="12700" numCol="1" spcCol="1270" anchor="ctr" anchorCtr="0">
-          <a:noAutofit/>
-        </a:bodyPr>
-        <a:lstStyle/>
-        <a:p>
-          <a:pPr marL="228600" lvl="1" indent="-228600" algn="l" defTabSz="889000">
-            <a:lnSpc>
-              <a:spcPct val="90000"/>
-            </a:lnSpc>
-            <a:spcBef>
-              <a:spcPct val="0"/>
-            </a:spcBef>
-            <a:spcAft>
-              <a:spcPct val="15000"/>
-            </a:spcAft>
-            <a:buChar char="••"/>
-          </a:pPr>
-          <a:r>
-            <a:rPr lang="en-US" sz="2000" kern="1200" dirty="0" err="1"/>
-            <a:t>Instalacion</a:t>
-          </a:r>
-          <a:r>
-            <a:rPr lang="en-US" sz="2000" kern="1200" dirty="0"/>
-            <a:t> del </a:t>
-          </a:r>
-          <a:r>
-            <a:rPr lang="en-US" sz="2000" kern="1200" dirty="0" err="1"/>
-            <a:t>servidor</a:t>
-          </a:r>
-          <a:r>
-            <a:rPr lang="en-US" sz="2000" kern="1200" dirty="0"/>
-            <a:t> </a:t>
-          </a:r>
-          <a:r>
-            <a:rPr lang="en-US" sz="2000" kern="1200" dirty="0" err="1"/>
-            <a:t>Ludus</a:t>
-          </a:r>
-          <a:endParaRPr lang="en-US" sz="2000" kern="1200" dirty="0"/>
-        </a:p>
-      </dsp:txBody>
-      <dsp:txXfrm rot="-5400000">
-        <a:off x="421753" y="556366"/>
-        <a:ext cx="7047960" cy="353391"/>
-      </dsp:txXfrm>
-    </dsp:sp>
-    <dsp:sp modelId="{06937BDD-E20F-46E1-A338-115FDE4E0538}">
-      <dsp:nvSpPr>
-        <dsp:cNvPr id="0" name=""/>
-        <dsp:cNvSpPr/>
-      </dsp:nvSpPr>
-      <dsp:spPr>
-        <a:xfrm rot="5400000">
-          <a:off x="-90375" y="1164214"/>
-          <a:ext cx="602504" cy="421753"/>
-        </a:xfrm>
-        <a:prstGeom prst="chevron">
-          <a:avLst/>
-        </a:prstGeom>
-        <a:solidFill>
-          <a:schemeClr val="accent3">
-            <a:hueOff val="2812566"/>
-            <a:satOff val="-4220"/>
-            <a:lumOff val="-686"/>
-            <a:alphaOff val="0"/>
-          </a:schemeClr>
-        </a:solidFill>
-        <a:ln w="25400" cap="flat" cmpd="sng" algn="ctr">
-          <a:solidFill>
-            <a:schemeClr val="accent3">
-              <a:hueOff val="2812566"/>
-              <a:satOff val="-4220"/>
-              <a:lumOff val="-686"/>
-              <a:alphaOff val="0"/>
-            </a:schemeClr>
-          </a:solidFill>
-          <a:prstDash val="solid"/>
-        </a:ln>
-        <a:effectLst/>
-      </dsp:spPr>
-      <dsp:style>
-        <a:lnRef idx="2">
-          <a:scrgbClr r="0" g="0" b="0"/>
-        </a:lnRef>
-        <a:fillRef idx="1">
-          <a:scrgbClr r="0" g="0" b="0"/>
-        </a:fillRef>
-        <a:effectRef idx="0">
-          <a:scrgbClr r="0" g="0" b="0"/>
-        </a:effectRef>
-        <a:fontRef idx="minor">
-          <a:schemeClr val="lt1"/>
-        </a:fontRef>
-      </dsp:style>
-      <dsp:txBody>
-        <a:bodyPr spcFirstLastPara="0" vert="horz" wrap="square" lIns="6985" tIns="6985" rIns="6985" bIns="6985" numCol="1" spcCol="1270" anchor="ctr" anchorCtr="0">
-          <a:noAutofit/>
-        </a:bodyPr>
-        <a:lstStyle/>
-        <a:p>
-          <a:pPr lvl="0" algn="ctr" defTabSz="466725">
-            <a:lnSpc>
-              <a:spcPct val="90000"/>
-            </a:lnSpc>
-            <a:spcBef>
-              <a:spcPct val="0"/>
-            </a:spcBef>
-            <a:spcAft>
-              <a:spcPct val="35000"/>
-            </a:spcAft>
-          </a:pPr>
-          <a:endParaRPr lang="en-US" sz="1050" kern="1200"/>
-        </a:p>
-      </dsp:txBody>
-      <dsp:txXfrm rot="-5400000">
-        <a:off x="1" y="1284716"/>
-        <a:ext cx="421753" cy="180751"/>
-      </dsp:txXfrm>
-    </dsp:sp>
-    <dsp:sp modelId="{B3D561DC-B92F-4A16-9FF7-B07A6C428DAA}">
-      <dsp:nvSpPr>
-        <dsp:cNvPr id="0" name=""/>
-        <dsp:cNvSpPr/>
-      </dsp:nvSpPr>
-      <dsp:spPr>
-        <a:xfrm rot="5400000">
-          <a:off x="3759478" y="-2263887"/>
-          <a:ext cx="391627" cy="7067078"/>
-        </a:xfrm>
-        <a:prstGeom prst="round2SameRect">
-          <a:avLst/>
-        </a:prstGeom>
-        <a:solidFill>
-          <a:schemeClr val="lt1">
-            <a:alpha val="90000"/>
-            <a:hueOff val="0"/>
-            <a:satOff val="0"/>
-            <a:lumOff val="0"/>
-            <a:alphaOff val="0"/>
-          </a:schemeClr>
-        </a:solidFill>
-        <a:ln w="25400" cap="flat" cmpd="sng" algn="ctr">
-          <a:solidFill>
-            <a:schemeClr val="accent3">
-              <a:hueOff val="2812566"/>
-              <a:satOff val="-4220"/>
-              <a:lumOff val="-686"/>
-              <a:alphaOff val="0"/>
-            </a:schemeClr>
-          </a:solidFill>
-          <a:prstDash val="solid"/>
-        </a:ln>
-        <a:effectLst/>
-      </dsp:spPr>
-      <dsp:style>
-        <a:lnRef idx="2">
-          <a:scrgbClr r="0" g="0" b="0"/>
-        </a:lnRef>
-        <a:fillRef idx="1">
-          <a:scrgbClr r="0" g="0" b="0"/>
-        </a:fillRef>
-        <a:effectRef idx="0">
-          <a:scrgbClr r="0" g="0" b="0"/>
-        </a:effectRef>
-        <a:fontRef idx="minor"/>
-      </dsp:style>
-      <dsp:txBody>
-        <a:bodyPr spcFirstLastPara="0" vert="horz" wrap="square" lIns="142240" tIns="12700" rIns="12700" bIns="12700" numCol="1" spcCol="1270" anchor="ctr" anchorCtr="0">
-          <a:noAutofit/>
-        </a:bodyPr>
-        <a:lstStyle/>
-        <a:p>
-          <a:pPr marL="228600" lvl="1" indent="-228600" algn="l" defTabSz="889000">
-            <a:lnSpc>
-              <a:spcPct val="90000"/>
-            </a:lnSpc>
-            <a:spcBef>
-              <a:spcPct val="0"/>
-            </a:spcBef>
-            <a:spcAft>
-              <a:spcPct val="15000"/>
-            </a:spcAft>
-            <a:buChar char="••"/>
-          </a:pPr>
-          <a:r>
-            <a:rPr lang="en-US" sz="2000" kern="1200"/>
-            <a:t>Pruebas de conectividad entre el warehouse - servidor (</a:t>
-          </a:r>
-          <a:r>
-            <a:rPr lang="es-CO" sz="2000" kern="1200"/>
-            <a:t>Ludus</a:t>
-          </a:r>
-          <a:r>
-            <a:rPr lang="en-US" sz="2000" kern="1200"/>
-            <a:t>)</a:t>
-          </a:r>
-        </a:p>
-      </dsp:txBody>
-      <dsp:txXfrm rot="-5400000">
-        <a:off x="421753" y="1092956"/>
-        <a:ext cx="7047960" cy="353391"/>
-      </dsp:txXfrm>
-    </dsp:sp>
-    <dsp:sp modelId="{55DE034D-D8F4-4EE6-BC85-FD58D04C7D7C}">
-      <dsp:nvSpPr>
-        <dsp:cNvPr id="0" name=""/>
-        <dsp:cNvSpPr/>
-      </dsp:nvSpPr>
-      <dsp:spPr>
-        <a:xfrm rot="5400000">
-          <a:off x="-90375" y="1700804"/>
-          <a:ext cx="602504" cy="421753"/>
-        </a:xfrm>
-        <a:prstGeom prst="chevron">
-          <a:avLst/>
-        </a:prstGeom>
-        <a:solidFill>
-          <a:schemeClr val="accent3">
-            <a:hueOff val="4218849"/>
-            <a:satOff val="-6330"/>
-            <a:lumOff val="-1029"/>
-            <a:alphaOff val="0"/>
-          </a:schemeClr>
-        </a:solidFill>
-        <a:ln w="25400" cap="flat" cmpd="sng" algn="ctr">
-          <a:solidFill>
-            <a:schemeClr val="accent3">
-              <a:hueOff val="4218849"/>
-              <a:satOff val="-6330"/>
-              <a:lumOff val="-1029"/>
-              <a:alphaOff val="0"/>
-            </a:schemeClr>
-          </a:solidFill>
-          <a:prstDash val="solid"/>
-        </a:ln>
-        <a:effectLst/>
-      </dsp:spPr>
-      <dsp:style>
-        <a:lnRef idx="2">
-          <a:scrgbClr r="0" g="0" b="0"/>
-        </a:lnRef>
-        <a:fillRef idx="1">
-          <a:scrgbClr r="0" g="0" b="0"/>
-        </a:fillRef>
-        <a:effectRef idx="0">
-          <a:scrgbClr r="0" g="0" b="0"/>
-        </a:effectRef>
-        <a:fontRef idx="minor">
-          <a:schemeClr val="lt1"/>
-        </a:fontRef>
-      </dsp:style>
-      <dsp:txBody>
-        <a:bodyPr spcFirstLastPara="0" vert="horz" wrap="square" lIns="6985" tIns="6985" rIns="6985" bIns="6985" numCol="1" spcCol="1270" anchor="ctr" anchorCtr="0">
-          <a:noAutofit/>
-        </a:bodyPr>
-        <a:lstStyle/>
-        <a:p>
-          <a:pPr lvl="0" algn="ctr" defTabSz="466725">
-            <a:lnSpc>
-              <a:spcPct val="90000"/>
-            </a:lnSpc>
-            <a:spcBef>
-              <a:spcPct val="0"/>
-            </a:spcBef>
-            <a:spcAft>
-              <a:spcPct val="35000"/>
-            </a:spcAft>
-          </a:pPr>
-          <a:endParaRPr lang="en-US" sz="1050" kern="1200"/>
-        </a:p>
-      </dsp:txBody>
-      <dsp:txXfrm rot="-5400000">
-        <a:off x="1" y="1821306"/>
-        <a:ext cx="421753" cy="180751"/>
-      </dsp:txXfrm>
-    </dsp:sp>
-    <dsp:sp modelId="{2D9B2A39-300B-4D1B-8EA0-BC4E32FB2A60}">
-      <dsp:nvSpPr>
-        <dsp:cNvPr id="0" name=""/>
-        <dsp:cNvSpPr/>
-      </dsp:nvSpPr>
-      <dsp:spPr>
-        <a:xfrm rot="5400000">
-          <a:off x="3759478" y="-1727296"/>
-          <a:ext cx="391627" cy="7067078"/>
-        </a:xfrm>
-        <a:prstGeom prst="round2SameRect">
-          <a:avLst/>
-        </a:prstGeom>
-        <a:solidFill>
-          <a:schemeClr val="lt1">
-            <a:alpha val="90000"/>
-            <a:hueOff val="0"/>
-            <a:satOff val="0"/>
-            <a:lumOff val="0"/>
-            <a:alphaOff val="0"/>
-          </a:schemeClr>
-        </a:solidFill>
-        <a:ln w="25400" cap="flat" cmpd="sng" algn="ctr">
-          <a:solidFill>
-            <a:schemeClr val="accent3">
-              <a:hueOff val="4218849"/>
-              <a:satOff val="-6330"/>
-              <a:lumOff val="-1029"/>
-              <a:alphaOff val="0"/>
-            </a:schemeClr>
-          </a:solidFill>
-          <a:prstDash val="solid"/>
-        </a:ln>
-        <a:effectLst/>
-      </dsp:spPr>
-      <dsp:style>
-        <a:lnRef idx="2">
-          <a:scrgbClr r="0" g="0" b="0"/>
-        </a:lnRef>
-        <a:fillRef idx="1">
-          <a:scrgbClr r="0" g="0" b="0"/>
-        </a:fillRef>
-        <a:effectRef idx="0">
-          <a:scrgbClr r="0" g="0" b="0"/>
-        </a:effectRef>
-        <a:fontRef idx="minor"/>
-      </dsp:style>
-      <dsp:txBody>
-        <a:bodyPr spcFirstLastPara="0" vert="horz" wrap="square" lIns="142240" tIns="12700" rIns="12700" bIns="12700" numCol="1" spcCol="1270" anchor="ctr" anchorCtr="0">
-          <a:noAutofit/>
-        </a:bodyPr>
-        <a:lstStyle/>
-        <a:p>
-          <a:pPr marL="228600" lvl="1" indent="-228600" algn="l" defTabSz="889000">
-            <a:lnSpc>
-              <a:spcPct val="90000"/>
-            </a:lnSpc>
-            <a:spcBef>
-              <a:spcPct val="0"/>
-            </a:spcBef>
-            <a:spcAft>
-              <a:spcPct val="15000"/>
-            </a:spcAft>
-            <a:buChar char="••"/>
-          </a:pPr>
-          <a:r>
-            <a:rPr lang="en-US" sz="2000" kern="1200"/>
-            <a:t>Pruebas de acceso a datos</a:t>
-          </a:r>
-        </a:p>
-      </dsp:txBody>
-      <dsp:txXfrm rot="-5400000">
-        <a:off x="421753" y="1629547"/>
-        <a:ext cx="7047960" cy="353391"/>
-      </dsp:txXfrm>
-    </dsp:sp>
-    <dsp:sp modelId="{74CD68D7-6486-45EC-94E0-B1980F2F8544}">
-      <dsp:nvSpPr>
-        <dsp:cNvPr id="0" name=""/>
-        <dsp:cNvSpPr/>
-      </dsp:nvSpPr>
-      <dsp:spPr>
-        <a:xfrm rot="5400000">
-          <a:off x="-90375" y="2237395"/>
-          <a:ext cx="602504" cy="421753"/>
-        </a:xfrm>
-        <a:prstGeom prst="chevron">
-          <a:avLst/>
-        </a:prstGeom>
-        <a:solidFill>
-          <a:schemeClr val="accent3">
-            <a:hueOff val="5625132"/>
-            <a:satOff val="-8440"/>
-            <a:lumOff val="-1373"/>
-            <a:alphaOff val="0"/>
-          </a:schemeClr>
-        </a:solidFill>
-        <a:ln w="25400" cap="flat" cmpd="sng" algn="ctr">
-          <a:solidFill>
-            <a:schemeClr val="accent3">
-              <a:hueOff val="5625132"/>
-              <a:satOff val="-8440"/>
-              <a:lumOff val="-1373"/>
-              <a:alphaOff val="0"/>
-            </a:schemeClr>
-          </a:solidFill>
-          <a:prstDash val="solid"/>
-        </a:ln>
-        <a:effectLst/>
-      </dsp:spPr>
-      <dsp:style>
-        <a:lnRef idx="2">
-          <a:scrgbClr r="0" g="0" b="0"/>
-        </a:lnRef>
-        <a:fillRef idx="1">
-          <a:scrgbClr r="0" g="0" b="0"/>
-        </a:fillRef>
-        <a:effectRef idx="0">
-          <a:scrgbClr r="0" g="0" b="0"/>
-        </a:effectRef>
-        <a:fontRef idx="minor">
-          <a:schemeClr val="lt1"/>
-        </a:fontRef>
-      </dsp:style>
-      <dsp:txBody>
-        <a:bodyPr spcFirstLastPara="0" vert="horz" wrap="square" lIns="6985" tIns="6985" rIns="6985" bIns="6985" numCol="1" spcCol="1270" anchor="ctr" anchorCtr="0">
-          <a:noAutofit/>
-        </a:bodyPr>
-        <a:lstStyle/>
-        <a:p>
-          <a:pPr lvl="0" algn="ctr" defTabSz="466725">
-            <a:lnSpc>
-              <a:spcPct val="90000"/>
-            </a:lnSpc>
-            <a:spcBef>
-              <a:spcPct val="0"/>
-            </a:spcBef>
-            <a:spcAft>
-              <a:spcPct val="35000"/>
-            </a:spcAft>
-          </a:pPr>
-          <a:endParaRPr lang="en-US" sz="1050" kern="1200"/>
-        </a:p>
-      </dsp:txBody>
-      <dsp:txXfrm rot="-5400000">
-        <a:off x="1" y="2357897"/>
-        <a:ext cx="421753" cy="180751"/>
-      </dsp:txXfrm>
-    </dsp:sp>
-    <dsp:sp modelId="{5555DAA1-BFD7-47D4-A657-49CC0D39556F}">
-      <dsp:nvSpPr>
-        <dsp:cNvPr id="0" name=""/>
-        <dsp:cNvSpPr/>
-      </dsp:nvSpPr>
-      <dsp:spPr>
-        <a:xfrm rot="5400000">
-          <a:off x="3759478" y="-1190705"/>
-          <a:ext cx="391627" cy="7067078"/>
-        </a:xfrm>
-        <a:prstGeom prst="round2SameRect">
-          <a:avLst/>
-        </a:prstGeom>
-        <a:solidFill>
-          <a:schemeClr val="lt1">
-            <a:alpha val="90000"/>
-            <a:hueOff val="0"/>
-            <a:satOff val="0"/>
-            <a:lumOff val="0"/>
-            <a:alphaOff val="0"/>
-          </a:schemeClr>
-        </a:solidFill>
-        <a:ln w="25400" cap="flat" cmpd="sng" algn="ctr">
-          <a:solidFill>
-            <a:schemeClr val="accent3">
-              <a:hueOff val="5625132"/>
-              <a:satOff val="-8440"/>
-              <a:lumOff val="-1373"/>
-              <a:alphaOff val="0"/>
-            </a:schemeClr>
-          </a:solidFill>
-          <a:prstDash val="solid"/>
-        </a:ln>
-        <a:effectLst/>
-      </dsp:spPr>
-      <dsp:style>
-        <a:lnRef idx="2">
-          <a:scrgbClr r="0" g="0" b="0"/>
-        </a:lnRef>
-        <a:fillRef idx="1">
-          <a:scrgbClr r="0" g="0" b="0"/>
-        </a:fillRef>
-        <a:effectRef idx="0">
-          <a:scrgbClr r="0" g="0" b="0"/>
-        </a:effectRef>
-        <a:fontRef idx="minor"/>
-      </dsp:style>
-      <dsp:txBody>
-        <a:bodyPr spcFirstLastPara="0" vert="horz" wrap="square" lIns="142240" tIns="12700" rIns="12700" bIns="12700" numCol="1" spcCol="1270" anchor="ctr" anchorCtr="0">
-          <a:noAutofit/>
-        </a:bodyPr>
-        <a:lstStyle/>
-        <a:p>
-          <a:pPr marL="228600" lvl="1" indent="-228600" algn="l" defTabSz="889000">
-            <a:lnSpc>
-              <a:spcPct val="90000"/>
-            </a:lnSpc>
-            <a:spcBef>
-              <a:spcPct val="0"/>
-            </a:spcBef>
-            <a:spcAft>
-              <a:spcPct val="15000"/>
-            </a:spcAft>
-            <a:buChar char="••"/>
-          </a:pPr>
-          <a:r>
-            <a:rPr lang="en-US" sz="2000" kern="1200"/>
-            <a:t>Instalacion de la solucion BA</a:t>
-          </a:r>
-        </a:p>
-      </dsp:txBody>
-      <dsp:txXfrm rot="-5400000">
-        <a:off x="421753" y="2166138"/>
-        <a:ext cx="7047960" cy="353391"/>
-      </dsp:txXfrm>
-    </dsp:sp>
-    <dsp:sp modelId="{8BA6A785-927D-4DE7-BA50-6A042BD6179A}">
-      <dsp:nvSpPr>
-        <dsp:cNvPr id="0" name=""/>
-        <dsp:cNvSpPr/>
-      </dsp:nvSpPr>
-      <dsp:spPr>
-        <a:xfrm rot="5400000">
-          <a:off x="-90375" y="2773986"/>
-          <a:ext cx="602504" cy="421753"/>
-        </a:xfrm>
-        <a:prstGeom prst="chevron">
-          <a:avLst/>
-        </a:prstGeom>
-        <a:solidFill>
-          <a:schemeClr val="accent3">
-            <a:hueOff val="7031415"/>
-            <a:satOff val="-10550"/>
-            <a:lumOff val="-1716"/>
-            <a:alphaOff val="0"/>
-          </a:schemeClr>
-        </a:solidFill>
-        <a:ln w="25400" cap="flat" cmpd="sng" algn="ctr">
-          <a:solidFill>
-            <a:schemeClr val="accent3">
-              <a:hueOff val="7031415"/>
-              <a:satOff val="-10550"/>
-              <a:lumOff val="-1716"/>
-              <a:alphaOff val="0"/>
-            </a:schemeClr>
-          </a:solidFill>
-          <a:prstDash val="solid"/>
-        </a:ln>
-        <a:effectLst/>
-      </dsp:spPr>
-      <dsp:style>
-        <a:lnRef idx="2">
-          <a:scrgbClr r="0" g="0" b="0"/>
-        </a:lnRef>
-        <a:fillRef idx="1">
-          <a:scrgbClr r="0" g="0" b="0"/>
-        </a:fillRef>
-        <a:effectRef idx="0">
-          <a:scrgbClr r="0" g="0" b="0"/>
-        </a:effectRef>
-        <a:fontRef idx="minor">
-          <a:schemeClr val="lt1"/>
-        </a:fontRef>
-      </dsp:style>
-      <dsp:txBody>
-        <a:bodyPr spcFirstLastPara="0" vert="horz" wrap="square" lIns="6985" tIns="6985" rIns="6985" bIns="6985" numCol="1" spcCol="1270" anchor="ctr" anchorCtr="0">
-          <a:noAutofit/>
-        </a:bodyPr>
-        <a:lstStyle/>
-        <a:p>
-          <a:pPr lvl="0" algn="ctr" defTabSz="466725">
-            <a:lnSpc>
-              <a:spcPct val="90000"/>
-            </a:lnSpc>
-            <a:spcBef>
-              <a:spcPct val="0"/>
-            </a:spcBef>
-            <a:spcAft>
-              <a:spcPct val="35000"/>
-            </a:spcAft>
-          </a:pPr>
-          <a:endParaRPr lang="en-US" sz="1050" kern="1200"/>
-        </a:p>
-      </dsp:txBody>
-      <dsp:txXfrm rot="-5400000">
-        <a:off x="1" y="2894488"/>
-        <a:ext cx="421753" cy="180751"/>
-      </dsp:txXfrm>
-    </dsp:sp>
-    <dsp:sp modelId="{9CF3735A-CCD7-4F50-9021-657BDACFD415}">
-      <dsp:nvSpPr>
-        <dsp:cNvPr id="0" name=""/>
-        <dsp:cNvSpPr/>
-      </dsp:nvSpPr>
-      <dsp:spPr>
-        <a:xfrm rot="5400000">
-          <a:off x="3759478" y="-654115"/>
-          <a:ext cx="391627" cy="7067078"/>
-        </a:xfrm>
-        <a:prstGeom prst="round2SameRect">
-          <a:avLst/>
-        </a:prstGeom>
-        <a:solidFill>
-          <a:schemeClr val="lt1">
-            <a:alpha val="90000"/>
-            <a:hueOff val="0"/>
-            <a:satOff val="0"/>
-            <a:lumOff val="0"/>
-            <a:alphaOff val="0"/>
-          </a:schemeClr>
-        </a:solidFill>
-        <a:ln w="25400" cap="flat" cmpd="sng" algn="ctr">
-          <a:solidFill>
-            <a:schemeClr val="accent3">
-              <a:hueOff val="7031415"/>
-              <a:satOff val="-10550"/>
-              <a:lumOff val="-1716"/>
-              <a:alphaOff val="0"/>
-            </a:schemeClr>
-          </a:solidFill>
-          <a:prstDash val="solid"/>
-        </a:ln>
-        <a:effectLst/>
-      </dsp:spPr>
-      <dsp:style>
-        <a:lnRef idx="2">
-          <a:scrgbClr r="0" g="0" b="0"/>
-        </a:lnRef>
-        <a:fillRef idx="1">
-          <a:scrgbClr r="0" g="0" b="0"/>
-        </a:fillRef>
-        <a:effectRef idx="0">
-          <a:scrgbClr r="0" g="0" b="0"/>
-        </a:effectRef>
-        <a:fontRef idx="minor"/>
-      </dsp:style>
-      <dsp:txBody>
-        <a:bodyPr spcFirstLastPara="0" vert="horz" wrap="square" lIns="142240" tIns="12700" rIns="12700" bIns="12700" numCol="1" spcCol="1270" anchor="ctr" anchorCtr="0">
-          <a:noAutofit/>
-        </a:bodyPr>
-        <a:lstStyle/>
-        <a:p>
-          <a:pPr marL="228600" lvl="1" indent="-228600" algn="l" defTabSz="889000">
-            <a:lnSpc>
-              <a:spcPct val="90000"/>
-            </a:lnSpc>
-            <a:spcBef>
-              <a:spcPct val="0"/>
-            </a:spcBef>
-            <a:spcAft>
-              <a:spcPct val="15000"/>
-            </a:spcAft>
-            <a:buChar char="••"/>
-          </a:pPr>
-          <a:r>
-            <a:rPr lang="en-US" sz="2000" kern="1200"/>
-            <a:t>Pruebas de analisis de datos</a:t>
-          </a:r>
-        </a:p>
-      </dsp:txBody>
-      <dsp:txXfrm rot="-5400000">
-        <a:off x="421753" y="2702728"/>
-        <a:ext cx="7047960" cy="353391"/>
-      </dsp:txXfrm>
-    </dsp:sp>
-    <dsp:sp modelId="{CBE227D2-8DD8-40B8-868A-F1F854EF4D92}">
-      <dsp:nvSpPr>
-        <dsp:cNvPr id="0" name=""/>
-        <dsp:cNvSpPr/>
-      </dsp:nvSpPr>
-      <dsp:spPr>
-        <a:xfrm rot="5400000">
-          <a:off x="-90375" y="3310576"/>
-          <a:ext cx="602504" cy="421753"/>
-        </a:xfrm>
-        <a:prstGeom prst="chevron">
-          <a:avLst/>
-        </a:prstGeom>
-        <a:solidFill>
-          <a:schemeClr val="accent3">
-            <a:hueOff val="8437698"/>
-            <a:satOff val="-12660"/>
-            <a:lumOff val="-2059"/>
-            <a:alphaOff val="0"/>
-          </a:schemeClr>
-        </a:solidFill>
-        <a:ln w="25400" cap="flat" cmpd="sng" algn="ctr">
-          <a:solidFill>
-            <a:schemeClr val="accent3">
-              <a:hueOff val="8437698"/>
-              <a:satOff val="-12660"/>
-              <a:lumOff val="-2059"/>
-              <a:alphaOff val="0"/>
-            </a:schemeClr>
-          </a:solidFill>
-          <a:prstDash val="solid"/>
-        </a:ln>
-        <a:effectLst/>
-      </dsp:spPr>
-      <dsp:style>
-        <a:lnRef idx="2">
-          <a:scrgbClr r="0" g="0" b="0"/>
-        </a:lnRef>
-        <a:fillRef idx="1">
-          <a:scrgbClr r="0" g="0" b="0"/>
-        </a:fillRef>
-        <a:effectRef idx="0">
-          <a:scrgbClr r="0" g="0" b="0"/>
-        </a:effectRef>
-        <a:fontRef idx="minor">
-          <a:schemeClr val="lt1"/>
-        </a:fontRef>
-      </dsp:style>
-      <dsp:txBody>
-        <a:bodyPr spcFirstLastPara="0" vert="horz" wrap="square" lIns="6985" tIns="6985" rIns="6985" bIns="6985" numCol="1" spcCol="1270" anchor="ctr" anchorCtr="0">
-          <a:noAutofit/>
-        </a:bodyPr>
-        <a:lstStyle/>
-        <a:p>
-          <a:pPr lvl="0" algn="ctr" defTabSz="466725">
-            <a:lnSpc>
-              <a:spcPct val="90000"/>
-            </a:lnSpc>
-            <a:spcBef>
-              <a:spcPct val="0"/>
-            </a:spcBef>
-            <a:spcAft>
-              <a:spcPct val="35000"/>
-            </a:spcAft>
-          </a:pPr>
-          <a:endParaRPr lang="en-US" sz="1050" kern="1200"/>
-        </a:p>
-      </dsp:txBody>
-      <dsp:txXfrm rot="-5400000">
-        <a:off x="1" y="3431078"/>
-        <a:ext cx="421753" cy="180751"/>
-      </dsp:txXfrm>
-    </dsp:sp>
-    <dsp:sp modelId="{1D11BA6A-8B5A-492E-9D05-2C356020F385}">
-      <dsp:nvSpPr>
-        <dsp:cNvPr id="0" name=""/>
-        <dsp:cNvSpPr/>
-      </dsp:nvSpPr>
-      <dsp:spPr>
-        <a:xfrm rot="5400000">
-          <a:off x="3759478" y="-117524"/>
-          <a:ext cx="391627" cy="7067078"/>
-        </a:xfrm>
-        <a:prstGeom prst="round2SameRect">
-          <a:avLst/>
-        </a:prstGeom>
-        <a:solidFill>
-          <a:schemeClr val="lt1">
-            <a:alpha val="90000"/>
-            <a:hueOff val="0"/>
-            <a:satOff val="0"/>
-            <a:lumOff val="0"/>
-            <a:alphaOff val="0"/>
-          </a:schemeClr>
-        </a:solidFill>
-        <a:ln w="25400" cap="flat" cmpd="sng" algn="ctr">
-          <a:solidFill>
-            <a:schemeClr val="accent3">
-              <a:hueOff val="8437698"/>
-              <a:satOff val="-12660"/>
-              <a:lumOff val="-2059"/>
-              <a:alphaOff val="0"/>
-            </a:schemeClr>
-          </a:solidFill>
-          <a:prstDash val="solid"/>
-        </a:ln>
-        <a:effectLst/>
-      </dsp:spPr>
-      <dsp:style>
-        <a:lnRef idx="2">
-          <a:scrgbClr r="0" g="0" b="0"/>
-        </a:lnRef>
-        <a:fillRef idx="1">
-          <a:scrgbClr r="0" g="0" b="0"/>
-        </a:fillRef>
-        <a:effectRef idx="0">
-          <a:scrgbClr r="0" g="0" b="0"/>
-        </a:effectRef>
-        <a:fontRef idx="minor"/>
-      </dsp:style>
-      <dsp:txBody>
-        <a:bodyPr spcFirstLastPara="0" vert="horz" wrap="square" lIns="142240" tIns="12700" rIns="12700" bIns="12700" numCol="1" spcCol="1270" anchor="ctr" anchorCtr="0">
-          <a:noAutofit/>
-        </a:bodyPr>
-        <a:lstStyle/>
-        <a:p>
-          <a:pPr marL="228600" lvl="1" indent="-228600" algn="l" defTabSz="889000">
-            <a:lnSpc>
-              <a:spcPct val="90000"/>
-            </a:lnSpc>
-            <a:spcBef>
-              <a:spcPct val="0"/>
-            </a:spcBef>
-            <a:spcAft>
-              <a:spcPct val="15000"/>
-            </a:spcAft>
-            <a:buChar char="••"/>
-          </a:pPr>
-          <a:r>
-            <a:rPr lang="en-US" sz="2000" kern="1200"/>
-            <a:t>Creacion de reportes</a:t>
-          </a:r>
-        </a:p>
-      </dsp:txBody>
-      <dsp:txXfrm rot="-5400000">
-        <a:off x="421753" y="3239319"/>
-        <a:ext cx="7047960" cy="353391"/>
-      </dsp:txXfrm>
-    </dsp:sp>
-    <dsp:sp modelId="{934E52F8-1F31-421D-98B1-AF190D4E2E54}">
-      <dsp:nvSpPr>
-        <dsp:cNvPr id="0" name=""/>
-        <dsp:cNvSpPr/>
-      </dsp:nvSpPr>
-      <dsp:spPr>
-        <a:xfrm rot="5400000">
-          <a:off x="-90375" y="3847167"/>
-          <a:ext cx="602504" cy="421753"/>
-        </a:xfrm>
-        <a:prstGeom prst="chevron">
-          <a:avLst/>
-        </a:prstGeom>
-        <a:solidFill>
-          <a:schemeClr val="accent3">
-            <a:hueOff val="9843981"/>
-            <a:satOff val="-14770"/>
-            <a:lumOff val="-2402"/>
-            <a:alphaOff val="0"/>
-          </a:schemeClr>
-        </a:solidFill>
-        <a:ln w="25400" cap="flat" cmpd="sng" algn="ctr">
-          <a:solidFill>
-            <a:schemeClr val="accent3">
-              <a:hueOff val="9843981"/>
-              <a:satOff val="-14770"/>
-              <a:lumOff val="-2402"/>
-              <a:alphaOff val="0"/>
-            </a:schemeClr>
-          </a:solidFill>
-          <a:prstDash val="solid"/>
-        </a:ln>
-        <a:effectLst/>
-      </dsp:spPr>
-      <dsp:style>
-        <a:lnRef idx="2">
-          <a:scrgbClr r="0" g="0" b="0"/>
-        </a:lnRef>
-        <a:fillRef idx="1">
-          <a:scrgbClr r="0" g="0" b="0"/>
-        </a:fillRef>
-        <a:effectRef idx="0">
-          <a:scrgbClr r="0" g="0" b="0"/>
-        </a:effectRef>
-        <a:fontRef idx="minor">
-          <a:schemeClr val="lt1"/>
-        </a:fontRef>
-      </dsp:style>
-      <dsp:txBody>
-        <a:bodyPr spcFirstLastPara="0" vert="horz" wrap="square" lIns="6985" tIns="6985" rIns="6985" bIns="6985" numCol="1" spcCol="1270" anchor="ctr" anchorCtr="0">
-          <a:noAutofit/>
-        </a:bodyPr>
-        <a:lstStyle/>
-        <a:p>
-          <a:pPr lvl="0" algn="ctr" defTabSz="466725">
-            <a:lnSpc>
-              <a:spcPct val="90000"/>
-            </a:lnSpc>
-            <a:spcBef>
-              <a:spcPct val="0"/>
-            </a:spcBef>
-            <a:spcAft>
-              <a:spcPct val="35000"/>
-            </a:spcAft>
-          </a:pPr>
-          <a:endParaRPr lang="en-US" sz="1050" kern="1200"/>
-        </a:p>
-      </dsp:txBody>
-      <dsp:txXfrm rot="-5400000">
-        <a:off x="1" y="3967669"/>
-        <a:ext cx="421753" cy="180751"/>
-      </dsp:txXfrm>
-    </dsp:sp>
-    <dsp:sp modelId="{3A70B292-ED2A-479B-9C73-0AF5B65FCDA0}">
-      <dsp:nvSpPr>
-        <dsp:cNvPr id="0" name=""/>
-        <dsp:cNvSpPr/>
-      </dsp:nvSpPr>
-      <dsp:spPr>
-        <a:xfrm rot="5400000">
-          <a:off x="3759478" y="419066"/>
-          <a:ext cx="391627" cy="7067078"/>
-        </a:xfrm>
-        <a:prstGeom prst="round2SameRect">
-          <a:avLst/>
-        </a:prstGeom>
-        <a:solidFill>
-          <a:schemeClr val="lt1">
-            <a:alpha val="90000"/>
-            <a:hueOff val="0"/>
-            <a:satOff val="0"/>
-            <a:lumOff val="0"/>
-            <a:alphaOff val="0"/>
-          </a:schemeClr>
-        </a:solidFill>
-        <a:ln w="25400" cap="flat" cmpd="sng" algn="ctr">
-          <a:solidFill>
-            <a:schemeClr val="accent3">
-              <a:hueOff val="9843981"/>
-              <a:satOff val="-14770"/>
-              <a:lumOff val="-2402"/>
-              <a:alphaOff val="0"/>
-            </a:schemeClr>
-          </a:solidFill>
-          <a:prstDash val="solid"/>
-        </a:ln>
-        <a:effectLst/>
-      </dsp:spPr>
-      <dsp:style>
-        <a:lnRef idx="2">
-          <a:scrgbClr r="0" g="0" b="0"/>
-        </a:lnRef>
-        <a:fillRef idx="1">
-          <a:scrgbClr r="0" g="0" b="0"/>
-        </a:fillRef>
-        <a:effectRef idx="0">
-          <a:scrgbClr r="0" g="0" b="0"/>
-        </a:effectRef>
-        <a:fontRef idx="minor"/>
-      </dsp:style>
-      <dsp:txBody>
-        <a:bodyPr spcFirstLastPara="0" vert="horz" wrap="square" lIns="142240" tIns="12700" rIns="12700" bIns="12700" numCol="1" spcCol="1270" anchor="ctr" anchorCtr="0">
-          <a:noAutofit/>
-        </a:bodyPr>
-        <a:lstStyle/>
-        <a:p>
-          <a:pPr marL="228600" lvl="1" indent="-228600" algn="l" defTabSz="889000">
-            <a:lnSpc>
-              <a:spcPct val="90000"/>
-            </a:lnSpc>
-            <a:spcBef>
-              <a:spcPct val="0"/>
-            </a:spcBef>
-            <a:spcAft>
-              <a:spcPct val="15000"/>
-            </a:spcAft>
-            <a:buChar char="••"/>
-          </a:pPr>
-          <a:r>
-            <a:rPr lang="en-US" sz="2000" kern="1200"/>
-            <a:t>Creacion de diagramas y mapas</a:t>
-          </a:r>
-        </a:p>
-      </dsp:txBody>
-      <dsp:txXfrm rot="-5400000">
-        <a:off x="421753" y="3775909"/>
-        <a:ext cx="7047960" cy="353391"/>
-      </dsp:txXfrm>
-    </dsp:sp>
-    <dsp:sp modelId="{BEE86D47-DEB0-47FE-BA07-F46E88E4EA5B}">
-      <dsp:nvSpPr>
-        <dsp:cNvPr id="0" name=""/>
-        <dsp:cNvSpPr/>
-      </dsp:nvSpPr>
-      <dsp:spPr>
-        <a:xfrm rot="5400000">
-          <a:off x="-90375" y="4383758"/>
-          <a:ext cx="602504" cy="421753"/>
-        </a:xfrm>
-        <a:prstGeom prst="chevron">
-          <a:avLst/>
-        </a:prstGeom>
-        <a:solidFill>
-          <a:schemeClr val="accent3">
-            <a:hueOff val="11250264"/>
-            <a:satOff val="-16880"/>
-            <a:lumOff val="-2745"/>
-            <a:alphaOff val="0"/>
-          </a:schemeClr>
-        </a:solidFill>
-        <a:ln w="25400" cap="flat" cmpd="sng" algn="ctr">
-          <a:solidFill>
-            <a:schemeClr val="accent3">
-              <a:hueOff val="11250264"/>
-              <a:satOff val="-16880"/>
-              <a:lumOff val="-2745"/>
-              <a:alphaOff val="0"/>
-            </a:schemeClr>
-          </a:solidFill>
-          <a:prstDash val="solid"/>
-        </a:ln>
-        <a:effectLst/>
-      </dsp:spPr>
-      <dsp:style>
-        <a:lnRef idx="2">
-          <a:scrgbClr r="0" g="0" b="0"/>
-        </a:lnRef>
-        <a:fillRef idx="1">
-          <a:scrgbClr r="0" g="0" b="0"/>
-        </a:fillRef>
-        <a:effectRef idx="0">
-          <a:scrgbClr r="0" g="0" b="0"/>
-        </a:effectRef>
-        <a:fontRef idx="minor">
-          <a:schemeClr val="lt1"/>
-        </a:fontRef>
-      </dsp:style>
-      <dsp:txBody>
-        <a:bodyPr spcFirstLastPara="0" vert="horz" wrap="square" lIns="6985" tIns="6985" rIns="6985" bIns="6985" numCol="1" spcCol="1270" anchor="ctr" anchorCtr="0">
-          <a:noAutofit/>
-        </a:bodyPr>
-        <a:lstStyle/>
-        <a:p>
-          <a:pPr lvl="0" algn="ctr" defTabSz="466725">
-            <a:lnSpc>
-              <a:spcPct val="90000"/>
-            </a:lnSpc>
-            <a:spcBef>
-              <a:spcPct val="0"/>
-            </a:spcBef>
-            <a:spcAft>
-              <a:spcPct val="35000"/>
-            </a:spcAft>
-          </a:pPr>
-          <a:endParaRPr lang="en-US" sz="1050" kern="1200"/>
-        </a:p>
-      </dsp:txBody>
-      <dsp:txXfrm rot="-5400000">
-        <a:off x="1" y="4504260"/>
-        <a:ext cx="421753" cy="180751"/>
-      </dsp:txXfrm>
-    </dsp:sp>
-    <dsp:sp modelId="{B23AAA86-8260-4C63-858F-545D418AA6FE}">
-      <dsp:nvSpPr>
-        <dsp:cNvPr id="0" name=""/>
-        <dsp:cNvSpPr/>
-      </dsp:nvSpPr>
-      <dsp:spPr>
-        <a:xfrm rot="5400000">
-          <a:off x="3759478" y="955657"/>
-          <a:ext cx="391627" cy="7067078"/>
-        </a:xfrm>
-        <a:prstGeom prst="round2SameRect">
-          <a:avLst/>
-        </a:prstGeom>
-        <a:solidFill>
-          <a:schemeClr val="lt1">
-            <a:alpha val="90000"/>
-            <a:hueOff val="0"/>
-            <a:satOff val="0"/>
-            <a:lumOff val="0"/>
-            <a:alphaOff val="0"/>
-          </a:schemeClr>
-        </a:solidFill>
-        <a:ln w="25400" cap="flat" cmpd="sng" algn="ctr">
-          <a:solidFill>
-            <a:schemeClr val="accent3">
-              <a:hueOff val="11250264"/>
-              <a:satOff val="-16880"/>
-              <a:lumOff val="-2745"/>
-              <a:alphaOff val="0"/>
-            </a:schemeClr>
-          </a:solidFill>
-          <a:prstDash val="solid"/>
-        </a:ln>
-        <a:effectLst/>
-      </dsp:spPr>
-      <dsp:style>
-        <a:lnRef idx="2">
-          <a:scrgbClr r="0" g="0" b="0"/>
-        </a:lnRef>
-        <a:fillRef idx="1">
-          <a:scrgbClr r="0" g="0" b="0"/>
-        </a:fillRef>
-        <a:effectRef idx="0">
-          <a:scrgbClr r="0" g="0" b="0"/>
-        </a:effectRef>
-        <a:fontRef idx="minor"/>
-      </dsp:style>
-      <dsp:txBody>
-        <a:bodyPr spcFirstLastPara="0" vert="horz" wrap="square" lIns="142240" tIns="12700" rIns="12700" bIns="12700" numCol="1" spcCol="1270" anchor="ctr" anchorCtr="0">
-          <a:noAutofit/>
-        </a:bodyPr>
-        <a:lstStyle/>
-        <a:p>
-          <a:pPr marL="228600" lvl="1" indent="-228600" algn="l" defTabSz="889000">
-            <a:lnSpc>
-              <a:spcPct val="90000"/>
-            </a:lnSpc>
-            <a:spcBef>
-              <a:spcPct val="0"/>
-            </a:spcBef>
-            <a:spcAft>
-              <a:spcPct val="15000"/>
-            </a:spcAft>
-            <a:buChar char="••"/>
-          </a:pPr>
-          <a:r>
-            <a:rPr lang="en-US" sz="2000" kern="1200"/>
-            <a:t>Presentacion del Dashboard </a:t>
-          </a:r>
-        </a:p>
-      </dsp:txBody>
-      <dsp:txXfrm rot="-5400000">
-        <a:off x="421753" y="4312500"/>
-        <a:ext cx="7047960" cy="353391"/>
-      </dsp:txXfrm>
-    </dsp:sp>
   </dsp:spTree>
 </dsp:drawing>
 </file>
@@ -9369,631 +7960,6 @@
       <dsp:cNvGrpSpPr/>
     </dsp:nvGrpSpPr>
     <dsp:grpSpPr/>
-    <dsp:sp modelId="{793C8ADD-3FD1-4639-AF77-6A208996CD53}">
-      <dsp:nvSpPr>
-        <dsp:cNvPr id="0" name=""/>
-        <dsp:cNvSpPr/>
-      </dsp:nvSpPr>
-      <dsp:spPr>
-        <a:xfrm>
-          <a:off x="0" y="369411"/>
-          <a:ext cx="7583211" cy="529200"/>
-        </a:xfrm>
-        <a:prstGeom prst="rect">
-          <a:avLst/>
-        </a:prstGeom>
-        <a:solidFill>
-          <a:schemeClr val="lt1">
-            <a:alpha val="90000"/>
-            <a:hueOff val="0"/>
-            <a:satOff val="0"/>
-            <a:lumOff val="0"/>
-            <a:alphaOff val="0"/>
-          </a:schemeClr>
-        </a:solidFill>
-        <a:ln w="25400" cap="flat" cmpd="sng" algn="ctr">
-          <a:solidFill>
-            <a:schemeClr val="accent4">
-              <a:hueOff val="0"/>
-              <a:satOff val="0"/>
-              <a:lumOff val="0"/>
-              <a:alphaOff val="0"/>
-            </a:schemeClr>
-          </a:solidFill>
-          <a:prstDash val="solid"/>
-        </a:ln>
-        <a:effectLst/>
-      </dsp:spPr>
-      <dsp:style>
-        <a:lnRef idx="2">
-          <a:scrgbClr r="0" g="0" b="0"/>
-        </a:lnRef>
-        <a:fillRef idx="1">
-          <a:scrgbClr r="0" g="0" b="0"/>
-        </a:fillRef>
-        <a:effectRef idx="0">
-          <a:scrgbClr r="0" g="0" b="0"/>
-        </a:effectRef>
-        <a:fontRef idx="minor"/>
-      </dsp:style>
-    </dsp:sp>
-    <dsp:sp modelId="{92742DCE-3D34-455E-BF95-EE9F0707F0A0}">
-      <dsp:nvSpPr>
-        <dsp:cNvPr id="0" name=""/>
-        <dsp:cNvSpPr/>
-      </dsp:nvSpPr>
-      <dsp:spPr>
-        <a:xfrm>
-          <a:off x="379160" y="59451"/>
-          <a:ext cx="5308247" cy="619920"/>
-        </a:xfrm>
-        <a:prstGeom prst="roundRect">
-          <a:avLst/>
-        </a:prstGeom>
-        <a:solidFill>
-          <a:schemeClr val="accent4">
-            <a:hueOff val="0"/>
-            <a:satOff val="0"/>
-            <a:lumOff val="0"/>
-            <a:alphaOff val="0"/>
-          </a:schemeClr>
-        </a:solidFill>
-        <a:ln w="25400" cap="flat" cmpd="sng" algn="ctr">
-          <a:solidFill>
-            <a:schemeClr val="lt1">
-              <a:hueOff val="0"/>
-              <a:satOff val="0"/>
-              <a:lumOff val="0"/>
-              <a:alphaOff val="0"/>
-            </a:schemeClr>
-          </a:solidFill>
-          <a:prstDash val="solid"/>
-        </a:ln>
-        <a:effectLst/>
-      </dsp:spPr>
-      <dsp:style>
-        <a:lnRef idx="2">
-          <a:scrgbClr r="0" g="0" b="0"/>
-        </a:lnRef>
-        <a:fillRef idx="1">
-          <a:scrgbClr r="0" g="0" b="0"/>
-        </a:fillRef>
-        <a:effectRef idx="0">
-          <a:scrgbClr r="0" g="0" b="0"/>
-        </a:effectRef>
-        <a:fontRef idx="minor">
-          <a:schemeClr val="lt1"/>
-        </a:fontRef>
-      </dsp:style>
-      <dsp:txBody>
-        <a:bodyPr spcFirstLastPara="0" vert="horz" wrap="square" lIns="200639" tIns="0" rIns="200639" bIns="0" numCol="1" spcCol="1270" anchor="ctr" anchorCtr="0">
-          <a:noAutofit/>
-        </a:bodyPr>
-        <a:lstStyle/>
-        <a:p>
-          <a:pPr lvl="0" algn="l" defTabSz="1066800">
-            <a:lnSpc>
-              <a:spcPct val="90000"/>
-            </a:lnSpc>
-            <a:spcBef>
-              <a:spcPct val="0"/>
-            </a:spcBef>
-            <a:spcAft>
-              <a:spcPct val="35000"/>
-            </a:spcAft>
-          </a:pPr>
-          <a:r>
-            <a:rPr lang="es-CO" sz="2400" b="1" kern="1200" dirty="0" smtClean="0"/>
-            <a:t>Capacitación Especializada</a:t>
-          </a:r>
-          <a:endParaRPr lang="en-US" sz="2400" kern="1200" dirty="0"/>
-        </a:p>
-      </dsp:txBody>
-      <dsp:txXfrm>
-        <a:off x="409422" y="89713"/>
-        <a:ext cx="5247723" cy="559396"/>
-      </dsp:txXfrm>
-    </dsp:sp>
-    <dsp:sp modelId="{6E9FEB2B-9A88-44E5-83F0-39ECFC6BA07C}">
-      <dsp:nvSpPr>
-        <dsp:cNvPr id="0" name=""/>
-        <dsp:cNvSpPr/>
-      </dsp:nvSpPr>
-      <dsp:spPr>
-        <a:xfrm>
-          <a:off x="0" y="1321971"/>
-          <a:ext cx="7583211" cy="529200"/>
-        </a:xfrm>
-        <a:prstGeom prst="rect">
-          <a:avLst/>
-        </a:prstGeom>
-        <a:solidFill>
-          <a:schemeClr val="lt1">
-            <a:alpha val="90000"/>
-            <a:hueOff val="0"/>
-            <a:satOff val="0"/>
-            <a:lumOff val="0"/>
-            <a:alphaOff val="0"/>
-          </a:schemeClr>
-        </a:solidFill>
-        <a:ln w="25400" cap="flat" cmpd="sng" algn="ctr">
-          <a:solidFill>
-            <a:schemeClr val="accent4">
-              <a:hueOff val="-1116192"/>
-              <a:satOff val="6725"/>
-              <a:lumOff val="539"/>
-              <a:alphaOff val="0"/>
-            </a:schemeClr>
-          </a:solidFill>
-          <a:prstDash val="solid"/>
-        </a:ln>
-        <a:effectLst/>
-      </dsp:spPr>
-      <dsp:style>
-        <a:lnRef idx="2">
-          <a:scrgbClr r="0" g="0" b="0"/>
-        </a:lnRef>
-        <a:fillRef idx="1">
-          <a:scrgbClr r="0" g="0" b="0"/>
-        </a:fillRef>
-        <a:effectRef idx="0">
-          <a:scrgbClr r="0" g="0" b="0"/>
-        </a:effectRef>
-        <a:fontRef idx="minor"/>
-      </dsp:style>
-    </dsp:sp>
-    <dsp:sp modelId="{1A3C3166-884D-4BCD-A480-75B8848B1F5E}">
-      <dsp:nvSpPr>
-        <dsp:cNvPr id="0" name=""/>
-        <dsp:cNvSpPr/>
-      </dsp:nvSpPr>
-      <dsp:spPr>
-        <a:xfrm>
-          <a:off x="379160" y="1012011"/>
-          <a:ext cx="5308247" cy="619920"/>
-        </a:xfrm>
-        <a:prstGeom prst="roundRect">
-          <a:avLst/>
-        </a:prstGeom>
-        <a:solidFill>
-          <a:schemeClr val="accent4">
-            <a:hueOff val="-1116192"/>
-            <a:satOff val="6725"/>
-            <a:lumOff val="539"/>
-            <a:alphaOff val="0"/>
-          </a:schemeClr>
-        </a:solidFill>
-        <a:ln w="25400" cap="flat" cmpd="sng" algn="ctr">
-          <a:solidFill>
-            <a:schemeClr val="lt1">
-              <a:hueOff val="0"/>
-              <a:satOff val="0"/>
-              <a:lumOff val="0"/>
-              <a:alphaOff val="0"/>
-            </a:schemeClr>
-          </a:solidFill>
-          <a:prstDash val="solid"/>
-        </a:ln>
-        <a:effectLst/>
-      </dsp:spPr>
-      <dsp:style>
-        <a:lnRef idx="2">
-          <a:scrgbClr r="0" g="0" b="0"/>
-        </a:lnRef>
-        <a:fillRef idx="1">
-          <a:scrgbClr r="0" g="0" b="0"/>
-        </a:fillRef>
-        <a:effectRef idx="0">
-          <a:scrgbClr r="0" g="0" b="0"/>
-        </a:effectRef>
-        <a:fontRef idx="minor">
-          <a:schemeClr val="lt1"/>
-        </a:fontRef>
-      </dsp:style>
-      <dsp:txBody>
-        <a:bodyPr spcFirstLastPara="0" vert="horz" wrap="square" lIns="200639" tIns="0" rIns="200639" bIns="0" numCol="1" spcCol="1270" anchor="ctr" anchorCtr="0">
-          <a:noAutofit/>
-        </a:bodyPr>
-        <a:lstStyle/>
-        <a:p>
-          <a:pPr lvl="0" algn="l" defTabSz="1066800">
-            <a:lnSpc>
-              <a:spcPct val="90000"/>
-            </a:lnSpc>
-            <a:spcBef>
-              <a:spcPct val="0"/>
-            </a:spcBef>
-            <a:spcAft>
-              <a:spcPct val="35000"/>
-            </a:spcAft>
-          </a:pPr>
-          <a:r>
-            <a:rPr lang="es-CO" sz="2400" b="1" kern="1200" dirty="0" smtClean="0"/>
-            <a:t>Soporte Técnico</a:t>
-          </a:r>
-          <a:endParaRPr lang="en-US" sz="2400" kern="1200" dirty="0"/>
-        </a:p>
-      </dsp:txBody>
-      <dsp:txXfrm>
-        <a:off x="409422" y="1042273"/>
-        <a:ext cx="5247723" cy="559396"/>
-      </dsp:txXfrm>
-    </dsp:sp>
-    <dsp:sp modelId="{56F8E793-C0E9-4431-9BFD-9E7CEF0C5902}">
-      <dsp:nvSpPr>
-        <dsp:cNvPr id="0" name=""/>
-        <dsp:cNvSpPr/>
-      </dsp:nvSpPr>
-      <dsp:spPr>
-        <a:xfrm>
-          <a:off x="0" y="2274531"/>
-          <a:ext cx="7583211" cy="529200"/>
-        </a:xfrm>
-        <a:prstGeom prst="rect">
-          <a:avLst/>
-        </a:prstGeom>
-        <a:solidFill>
-          <a:schemeClr val="lt1">
-            <a:alpha val="90000"/>
-            <a:hueOff val="0"/>
-            <a:satOff val="0"/>
-            <a:lumOff val="0"/>
-            <a:alphaOff val="0"/>
-          </a:schemeClr>
-        </a:solidFill>
-        <a:ln w="25400" cap="flat" cmpd="sng" algn="ctr">
-          <a:solidFill>
-            <a:schemeClr val="accent4">
-              <a:hueOff val="-2232385"/>
-              <a:satOff val="13449"/>
-              <a:lumOff val="1078"/>
-              <a:alphaOff val="0"/>
-            </a:schemeClr>
-          </a:solidFill>
-          <a:prstDash val="solid"/>
-        </a:ln>
-        <a:effectLst/>
-      </dsp:spPr>
-      <dsp:style>
-        <a:lnRef idx="2">
-          <a:scrgbClr r="0" g="0" b="0"/>
-        </a:lnRef>
-        <a:fillRef idx="1">
-          <a:scrgbClr r="0" g="0" b="0"/>
-        </a:fillRef>
-        <a:effectRef idx="0">
-          <a:scrgbClr r="0" g="0" b="0"/>
-        </a:effectRef>
-        <a:fontRef idx="minor"/>
-      </dsp:style>
-    </dsp:sp>
-    <dsp:sp modelId="{25B1983F-25BA-4293-AA96-88EA2B55D481}">
-      <dsp:nvSpPr>
-        <dsp:cNvPr id="0" name=""/>
-        <dsp:cNvSpPr/>
-      </dsp:nvSpPr>
-      <dsp:spPr>
-        <a:xfrm>
-          <a:off x="379160" y="1964571"/>
-          <a:ext cx="5308247" cy="619920"/>
-        </a:xfrm>
-        <a:prstGeom prst="roundRect">
-          <a:avLst/>
-        </a:prstGeom>
-        <a:solidFill>
-          <a:schemeClr val="accent4">
-            <a:hueOff val="-2232385"/>
-            <a:satOff val="13449"/>
-            <a:lumOff val="1078"/>
-            <a:alphaOff val="0"/>
-          </a:schemeClr>
-        </a:solidFill>
-        <a:ln w="25400" cap="flat" cmpd="sng" algn="ctr">
-          <a:solidFill>
-            <a:schemeClr val="lt1">
-              <a:hueOff val="0"/>
-              <a:satOff val="0"/>
-              <a:lumOff val="0"/>
-              <a:alphaOff val="0"/>
-            </a:schemeClr>
-          </a:solidFill>
-          <a:prstDash val="solid"/>
-        </a:ln>
-        <a:effectLst/>
-      </dsp:spPr>
-      <dsp:style>
-        <a:lnRef idx="2">
-          <a:scrgbClr r="0" g="0" b="0"/>
-        </a:lnRef>
-        <a:fillRef idx="1">
-          <a:scrgbClr r="0" g="0" b="0"/>
-        </a:fillRef>
-        <a:effectRef idx="0">
-          <a:scrgbClr r="0" g="0" b="0"/>
-        </a:effectRef>
-        <a:fontRef idx="minor">
-          <a:schemeClr val="lt1"/>
-        </a:fontRef>
-      </dsp:style>
-      <dsp:txBody>
-        <a:bodyPr spcFirstLastPara="0" vert="horz" wrap="square" lIns="200639" tIns="0" rIns="200639" bIns="0" numCol="1" spcCol="1270" anchor="ctr" anchorCtr="0">
-          <a:noAutofit/>
-        </a:bodyPr>
-        <a:lstStyle/>
-        <a:p>
-          <a:pPr lvl="0" algn="l" defTabSz="1066800">
-            <a:lnSpc>
-              <a:spcPct val="90000"/>
-            </a:lnSpc>
-            <a:spcBef>
-              <a:spcPct val="0"/>
-            </a:spcBef>
-            <a:spcAft>
-              <a:spcPct val="35000"/>
-            </a:spcAft>
-          </a:pPr>
-          <a:r>
-            <a:rPr lang="es-CO" sz="2400" b="1" kern="1200" dirty="0" smtClean="0"/>
-            <a:t>Pólizas de Soporte</a:t>
-          </a:r>
-          <a:endParaRPr lang="en-US" sz="2400" kern="1200" dirty="0"/>
-        </a:p>
-      </dsp:txBody>
-      <dsp:txXfrm>
-        <a:off x="409422" y="1994833"/>
-        <a:ext cx="5247723" cy="559396"/>
-      </dsp:txXfrm>
-    </dsp:sp>
-    <dsp:sp modelId="{942072AA-ECDF-4706-B9F4-C0B56FAF26BB}">
-      <dsp:nvSpPr>
-        <dsp:cNvPr id="0" name=""/>
-        <dsp:cNvSpPr/>
-      </dsp:nvSpPr>
-      <dsp:spPr>
-        <a:xfrm>
-          <a:off x="0" y="3227092"/>
-          <a:ext cx="7583211" cy="529200"/>
-        </a:xfrm>
-        <a:prstGeom prst="rect">
-          <a:avLst/>
-        </a:prstGeom>
-        <a:solidFill>
-          <a:schemeClr val="lt1">
-            <a:alpha val="90000"/>
-            <a:hueOff val="0"/>
-            <a:satOff val="0"/>
-            <a:lumOff val="0"/>
-            <a:alphaOff val="0"/>
-          </a:schemeClr>
-        </a:solidFill>
-        <a:ln w="25400" cap="flat" cmpd="sng" algn="ctr">
-          <a:solidFill>
-            <a:schemeClr val="accent4">
-              <a:hueOff val="-3348577"/>
-              <a:satOff val="20174"/>
-              <a:lumOff val="1617"/>
-              <a:alphaOff val="0"/>
-            </a:schemeClr>
-          </a:solidFill>
-          <a:prstDash val="solid"/>
-        </a:ln>
-        <a:effectLst/>
-      </dsp:spPr>
-      <dsp:style>
-        <a:lnRef idx="2">
-          <a:scrgbClr r="0" g="0" b="0"/>
-        </a:lnRef>
-        <a:fillRef idx="1">
-          <a:scrgbClr r="0" g="0" b="0"/>
-        </a:fillRef>
-        <a:effectRef idx="0">
-          <a:scrgbClr r="0" g="0" b="0"/>
-        </a:effectRef>
-        <a:fontRef idx="minor"/>
-      </dsp:style>
-    </dsp:sp>
-    <dsp:sp modelId="{1A98280E-76C5-4230-AC9C-E91A99CB258E}">
-      <dsp:nvSpPr>
-        <dsp:cNvPr id="0" name=""/>
-        <dsp:cNvSpPr/>
-      </dsp:nvSpPr>
-      <dsp:spPr>
-        <a:xfrm>
-          <a:off x="379160" y="2917132"/>
-          <a:ext cx="5308247" cy="619920"/>
-        </a:xfrm>
-        <a:prstGeom prst="roundRect">
-          <a:avLst/>
-        </a:prstGeom>
-        <a:solidFill>
-          <a:schemeClr val="accent4">
-            <a:hueOff val="-3348577"/>
-            <a:satOff val="20174"/>
-            <a:lumOff val="1617"/>
-            <a:alphaOff val="0"/>
-          </a:schemeClr>
-        </a:solidFill>
-        <a:ln w="25400" cap="flat" cmpd="sng" algn="ctr">
-          <a:solidFill>
-            <a:schemeClr val="lt1">
-              <a:hueOff val="0"/>
-              <a:satOff val="0"/>
-              <a:lumOff val="0"/>
-              <a:alphaOff val="0"/>
-            </a:schemeClr>
-          </a:solidFill>
-          <a:prstDash val="solid"/>
-        </a:ln>
-        <a:effectLst/>
-      </dsp:spPr>
-      <dsp:style>
-        <a:lnRef idx="2">
-          <a:scrgbClr r="0" g="0" b="0"/>
-        </a:lnRef>
-        <a:fillRef idx="1">
-          <a:scrgbClr r="0" g="0" b="0"/>
-        </a:fillRef>
-        <a:effectRef idx="0">
-          <a:scrgbClr r="0" g="0" b="0"/>
-        </a:effectRef>
-        <a:fontRef idx="minor">
-          <a:schemeClr val="lt1"/>
-        </a:fontRef>
-      </dsp:style>
-      <dsp:txBody>
-        <a:bodyPr spcFirstLastPara="0" vert="horz" wrap="square" lIns="200639" tIns="0" rIns="200639" bIns="0" numCol="1" spcCol="1270" anchor="ctr" anchorCtr="0">
-          <a:noAutofit/>
-        </a:bodyPr>
-        <a:lstStyle/>
-        <a:p>
-          <a:pPr lvl="0" algn="l" defTabSz="1066800">
-            <a:lnSpc>
-              <a:spcPct val="90000"/>
-            </a:lnSpc>
-            <a:spcBef>
-              <a:spcPct val="0"/>
-            </a:spcBef>
-            <a:spcAft>
-              <a:spcPct val="35000"/>
-            </a:spcAft>
-          </a:pPr>
-          <a:r>
-            <a:rPr lang="es-CO" sz="2400" b="1" kern="1200" smtClean="0"/>
-            <a:t>Programas de Mantenimiento Preventivo de Software</a:t>
-          </a:r>
-          <a:endParaRPr lang="en-US" sz="2400" kern="1200"/>
-        </a:p>
-      </dsp:txBody>
-      <dsp:txXfrm>
-        <a:off x="409422" y="2947394"/>
-        <a:ext cx="5247723" cy="559396"/>
-      </dsp:txXfrm>
-    </dsp:sp>
-    <dsp:sp modelId="{C97C8D2A-EFBD-459E-9F74-5F00F316A48F}">
-      <dsp:nvSpPr>
-        <dsp:cNvPr id="0" name=""/>
-        <dsp:cNvSpPr/>
-      </dsp:nvSpPr>
-      <dsp:spPr>
-        <a:xfrm>
-          <a:off x="0" y="4179652"/>
-          <a:ext cx="7583211" cy="529200"/>
-        </a:xfrm>
-        <a:prstGeom prst="rect">
-          <a:avLst/>
-        </a:prstGeom>
-        <a:solidFill>
-          <a:schemeClr val="lt1">
-            <a:alpha val="90000"/>
-            <a:hueOff val="0"/>
-            <a:satOff val="0"/>
-            <a:lumOff val="0"/>
-            <a:alphaOff val="0"/>
-          </a:schemeClr>
-        </a:solidFill>
-        <a:ln w="25400" cap="flat" cmpd="sng" algn="ctr">
-          <a:solidFill>
-            <a:schemeClr val="accent4">
-              <a:hueOff val="-4464770"/>
-              <a:satOff val="26899"/>
-              <a:lumOff val="2156"/>
-              <a:alphaOff val="0"/>
-            </a:schemeClr>
-          </a:solidFill>
-          <a:prstDash val="solid"/>
-        </a:ln>
-        <a:effectLst/>
-      </dsp:spPr>
-      <dsp:style>
-        <a:lnRef idx="2">
-          <a:scrgbClr r="0" g="0" b="0"/>
-        </a:lnRef>
-        <a:fillRef idx="1">
-          <a:scrgbClr r="0" g="0" b="0"/>
-        </a:fillRef>
-        <a:effectRef idx="0">
-          <a:scrgbClr r="0" g="0" b="0"/>
-        </a:effectRef>
-        <a:fontRef idx="minor"/>
-      </dsp:style>
-    </dsp:sp>
-    <dsp:sp modelId="{18718973-D6EB-48FC-B3DB-4836AE3209FC}">
-      <dsp:nvSpPr>
-        <dsp:cNvPr id="0" name=""/>
-        <dsp:cNvSpPr/>
-      </dsp:nvSpPr>
-      <dsp:spPr>
-        <a:xfrm>
-          <a:off x="379160" y="3869692"/>
-          <a:ext cx="5308247" cy="619920"/>
-        </a:xfrm>
-        <a:prstGeom prst="roundRect">
-          <a:avLst/>
-        </a:prstGeom>
-        <a:solidFill>
-          <a:schemeClr val="accent4">
-            <a:hueOff val="-4464770"/>
-            <a:satOff val="26899"/>
-            <a:lumOff val="2156"/>
-            <a:alphaOff val="0"/>
-          </a:schemeClr>
-        </a:solidFill>
-        <a:ln w="25400" cap="flat" cmpd="sng" algn="ctr">
-          <a:solidFill>
-            <a:schemeClr val="lt1">
-              <a:hueOff val="0"/>
-              <a:satOff val="0"/>
-              <a:lumOff val="0"/>
-              <a:alphaOff val="0"/>
-            </a:schemeClr>
-          </a:solidFill>
-          <a:prstDash val="solid"/>
-        </a:ln>
-        <a:effectLst/>
-      </dsp:spPr>
-      <dsp:style>
-        <a:lnRef idx="2">
-          <a:scrgbClr r="0" g="0" b="0"/>
-        </a:lnRef>
-        <a:fillRef idx="1">
-          <a:scrgbClr r="0" g="0" b="0"/>
-        </a:fillRef>
-        <a:effectRef idx="0">
-          <a:scrgbClr r="0" g="0" b="0"/>
-        </a:effectRef>
-        <a:fontRef idx="minor">
-          <a:schemeClr val="lt1"/>
-        </a:fontRef>
-      </dsp:style>
-      <dsp:txBody>
-        <a:bodyPr spcFirstLastPara="0" vert="horz" wrap="square" lIns="200639" tIns="0" rIns="200639" bIns="0" numCol="1" spcCol="1270" anchor="ctr" anchorCtr="0">
-          <a:noAutofit/>
-        </a:bodyPr>
-        <a:lstStyle/>
-        <a:p>
-          <a:pPr lvl="0" algn="l" defTabSz="1066800">
-            <a:lnSpc>
-              <a:spcPct val="90000"/>
-            </a:lnSpc>
-            <a:spcBef>
-              <a:spcPct val="0"/>
-            </a:spcBef>
-            <a:spcAft>
-              <a:spcPct val="35000"/>
-            </a:spcAft>
-          </a:pPr>
-          <a:r>
-            <a:rPr lang="es-CO" sz="2400" b="1" kern="1200" smtClean="0"/>
-            <a:t>Escritorio de Ayuda (Help Desk)</a:t>
-          </a:r>
-          <a:endParaRPr lang="en-US" sz="2400" kern="1200"/>
-        </a:p>
-      </dsp:txBody>
-      <dsp:txXfrm>
-        <a:off x="409422" y="3899954"/>
-        <a:ext cx="5247723" cy="559396"/>
-      </dsp:txXfrm>
-    </dsp:sp>
   </dsp:spTree>
 </dsp:drawing>
 </file>
@@ -26469,8 +24435,8 @@
           </a:extLst>
         </p:spPr>
       </p:pic>
-      <mc:AlternateContent xmlns:mc="http://schemas.openxmlformats.org/markup-compatibility/2006">
-        <mc:Choice xmlns:a14="http://schemas.microsoft.com/office/drawing/2010/main" Requires="a14">
+      <mc:AlternateContent xmlns:mc="http://schemas.openxmlformats.org/markup-compatibility/2006" xmlns:a14="http://schemas.microsoft.com/office/drawing/2010/main">
+        <mc:Choice Requires="a14">
           <p:sp>
             <p:nvSpPr>
               <p:cNvPr id="2" name="Rectángulo 1"/>
@@ -26500,7 +24466,7 @@
                           <a:schemeClr val="tx2"/>
                         </a:solidFill>
                         <a:effectLst/>
-                        <a:latin typeface="+mj-lt"/>
+                        <a:latin typeface="Cambria Math" panose="02040503050406030204" pitchFamily="18" charset="0"/>
                         <a:ea typeface="+mj-ea"/>
                         <a:cs typeface="+mj-cs"/>
                       </a:rPr>
@@ -26515,7 +24481,7 @@
                           <a:schemeClr val="tx2"/>
                         </a:solidFill>
                         <a:effectLst/>
-                        <a:latin typeface="+mj-lt"/>
+                        <a:latin typeface="Cambria Math" panose="02040503050406030204" pitchFamily="18" charset="0"/>
                         <a:ea typeface="+mj-ea"/>
                         <a:cs typeface="+mj-cs"/>
                       </a:rPr>
@@ -26539,7 +24505,7 @@
             </p:txBody>
           </p:sp>
         </mc:Choice>
-        <mc:Fallback>
+        <mc:Fallback xmlns="">
           <p:sp>
             <p:nvSpPr>
               <p:cNvPr id="2" name="Rectángulo 1"/>
@@ -26752,15 +24718,7 @@
                   <a:schemeClr val="tx2"/>
                 </a:solidFill>
               </a:rPr>
-              <a:t>1. INTRODUCCIÓN AL </a:t>
-            </a:r>
-            <a:r>
-              <a:rPr lang="es-CO" sz="2400" dirty="0">
-                <a:solidFill>
-                  <a:schemeClr val="tx2"/>
-                </a:solidFill>
-              </a:rPr>
-              <a:t>PROYECTO</a:t>
+              <a:t>1. INTRODUCCIÓN AL PROYECTO</a:t>
             </a:r>
           </a:p>
           <a:p>
@@ -26773,15 +24731,7 @@
                   <a:schemeClr val="tx2"/>
                 </a:solidFill>
               </a:rPr>
-              <a:t>2. OBJETIVOS DEL </a:t>
-            </a:r>
-            <a:r>
-              <a:rPr lang="es-CO" sz="2400" dirty="0">
-                <a:solidFill>
-                  <a:schemeClr val="tx2"/>
-                </a:solidFill>
-              </a:rPr>
-              <a:t>PROYECTO</a:t>
+              <a:t>2. OBJETIVOS DEL PROYECTO</a:t>
             </a:r>
           </a:p>
           <a:p>
@@ -26794,15 +24744,7 @@
                   <a:schemeClr val="tx2"/>
                 </a:solidFill>
               </a:rPr>
-              <a:t>3. GENERALIDADES DEL </a:t>
-            </a:r>
-            <a:r>
-              <a:rPr lang="es-CO" sz="2400" dirty="0">
-                <a:solidFill>
-                  <a:schemeClr val="tx2"/>
-                </a:solidFill>
-              </a:rPr>
-              <a:t>PROYECTO</a:t>
+              <a:t>3. GENERALIDADES DEL PROYECTO</a:t>
             </a:r>
           </a:p>
           <a:p>
@@ -26815,15 +24757,7 @@
                   <a:schemeClr val="tx2"/>
                 </a:solidFill>
               </a:rPr>
-              <a:t>4. COSTOS DEL </a:t>
-            </a:r>
-            <a:r>
-              <a:rPr lang="es-CO" sz="2400" dirty="0">
-                <a:solidFill>
-                  <a:schemeClr val="tx2"/>
-                </a:solidFill>
-              </a:rPr>
-              <a:t>PROYECTO</a:t>
+              <a:t>4. COSTOS DEL PROYECTO</a:t>
             </a:r>
           </a:p>
           <a:p>
@@ -26836,15 +24770,7 @@
                   <a:schemeClr val="tx2"/>
                 </a:solidFill>
               </a:rPr>
-              <a:t>5. PLAN DE TRABAJO DEL </a:t>
-            </a:r>
-            <a:r>
-              <a:rPr lang="es-CO" sz="2400" dirty="0">
-                <a:solidFill>
-                  <a:schemeClr val="tx2"/>
-                </a:solidFill>
-              </a:rPr>
-              <a:t>PROYECTO</a:t>
+              <a:t>5. PLAN DE TRABAJO DEL PROYECTO</a:t>
             </a:r>
           </a:p>
           <a:p>
@@ -26857,15 +24783,7 @@
                   <a:schemeClr val="tx2"/>
                 </a:solidFill>
               </a:rPr>
-              <a:t>6. RIESGOS DEL </a:t>
-            </a:r>
-            <a:r>
-              <a:rPr lang="es-CO" sz="2400" dirty="0">
-                <a:solidFill>
-                  <a:schemeClr val="tx2"/>
-                </a:solidFill>
-              </a:rPr>
-              <a:t>PROYECTO</a:t>
+              <a:t>6. RIESGOS DEL PROYECTO</a:t>
             </a:r>
           </a:p>
           <a:p>
@@ -26878,15 +24796,7 @@
                   <a:schemeClr val="tx2"/>
                 </a:solidFill>
               </a:rPr>
-              <a:t>7. ESTRATEGIA DE </a:t>
-            </a:r>
-            <a:r>
-              <a:rPr lang="es-CO" sz="2400" dirty="0">
-                <a:solidFill>
-                  <a:schemeClr val="tx2"/>
-                </a:solidFill>
-              </a:rPr>
-              <a:t>IMPLEMENTACIÓN</a:t>
+              <a:t>7. ESTRATEGIA DE IMPLEMENTACIÓN</a:t>
             </a:r>
           </a:p>
           <a:p>
@@ -26899,15 +24809,7 @@
                   <a:schemeClr val="tx2"/>
                 </a:solidFill>
               </a:rPr>
-              <a:t>8. FASES DE </a:t>
-            </a:r>
-            <a:r>
-              <a:rPr lang="es-CO" sz="2400" dirty="0">
-                <a:solidFill>
-                  <a:schemeClr val="tx2"/>
-                </a:solidFill>
-              </a:rPr>
-              <a:t>IMPLEMENTACIÓN</a:t>
+              <a:t>8. FASES DE IMPLEMENTACIÓN</a:t>
             </a:r>
           </a:p>
           <a:p>
@@ -26920,15 +24822,7 @@
                   <a:schemeClr val="tx2"/>
                 </a:solidFill>
               </a:rPr>
-              <a:t>9. DISEÑO DE LA </a:t>
-            </a:r>
-            <a:r>
-              <a:rPr lang="es-CO" sz="2400" dirty="0">
-                <a:solidFill>
-                  <a:schemeClr val="tx2"/>
-                </a:solidFill>
-              </a:rPr>
-              <a:t>SOLUCIÓN</a:t>
+              <a:t>9. DISEÑO DE LA SOLUCIÓN</a:t>
             </a:r>
           </a:p>
           <a:p>
@@ -26941,15 +24835,7 @@
                   <a:schemeClr val="tx2"/>
                 </a:solidFill>
               </a:rPr>
-              <a:t>10. PROTOTIPO DE LA </a:t>
-            </a:r>
-            <a:r>
-              <a:rPr lang="es-CO" sz="2400" dirty="0">
-                <a:solidFill>
-                  <a:schemeClr val="tx2"/>
-                </a:solidFill>
-              </a:rPr>
-              <a:t>SOLUCIÓN</a:t>
+              <a:t>10. PROTOTIPO DE LA SOLUCIÓN</a:t>
             </a:r>
           </a:p>
           <a:p>
@@ -26962,15 +24848,7 @@
                   <a:schemeClr val="tx2"/>
                 </a:solidFill>
               </a:rPr>
-              <a:t>11. DESEMPEÑO Y CALIDAD (MÉTRICAS</a:t>
-            </a:r>
-            <a:r>
-              <a:rPr lang="es-CO" sz="2400" dirty="0">
-                <a:solidFill>
-                  <a:schemeClr val="tx2"/>
-                </a:solidFill>
-              </a:rPr>
-              <a:t>)</a:t>
+              <a:t>11. DESEMPEÑO Y CALIDAD (MÉTRICAS)</a:t>
             </a:r>
           </a:p>
           <a:p>
@@ -26983,15 +24861,7 @@
                   <a:schemeClr val="tx2"/>
                 </a:solidFill>
               </a:rPr>
-              <a:t>12. PLAN DE </a:t>
-            </a:r>
-            <a:r>
-              <a:rPr lang="es-CO" sz="2400" dirty="0">
-                <a:solidFill>
-                  <a:schemeClr val="tx2"/>
-                </a:solidFill>
-              </a:rPr>
-              <a:t>PRUEBAS</a:t>
+              <a:t>12. PLAN DE PRUEBAS</a:t>
             </a:r>
           </a:p>
           <a:p>
@@ -27004,15 +24874,7 @@
                   <a:schemeClr val="tx2"/>
                 </a:solidFill>
               </a:rPr>
-              <a:t>13. SERVICIOS POST </a:t>
-            </a:r>
-            <a:r>
-              <a:rPr lang="es-CO" sz="2400" dirty="0">
-                <a:solidFill>
-                  <a:schemeClr val="tx2"/>
-                </a:solidFill>
-              </a:rPr>
-              <a:t>IMPLEMENTACIÓN</a:t>
+              <a:t>13. SERVICIOS POST IMPLEMENTACIÓN</a:t>
             </a:r>
           </a:p>
           <a:p>
@@ -27025,15 +24887,7 @@
                   <a:schemeClr val="tx2"/>
                 </a:solidFill>
               </a:rPr>
-              <a:t>14. MARCO DE VIGILANCIA Y </a:t>
-            </a:r>
-            <a:r>
-              <a:rPr lang="es-CO" sz="2400" dirty="0">
-                <a:solidFill>
-                  <a:schemeClr val="tx2"/>
-                </a:solidFill>
-              </a:rPr>
-              <a:t>LEGAL</a:t>
+              <a:t>14. MARCO DE VIGILANCIA Y LEGAL</a:t>
             </a:r>
           </a:p>
           <a:p>
@@ -28402,14 +26256,14 @@
           <p:nvPr>
             <p:extLst>
               <p:ext uri="{D42A27DB-BD31-4B8C-83A1-F6EECF244321}">
-                <p14:modId xmlns:p14="http://schemas.microsoft.com/office/powerpoint/2010/main" val="4023208075"/>
+                <p14:modId xmlns:p14="http://schemas.microsoft.com/office/powerpoint/2010/main" val="174728618"/>
               </p:ext>
             </p:extLst>
           </p:nvPr>
         </p:nvGraphicFramePr>
         <p:xfrm>
           <a:off x="918653" y="1359853"/>
-          <a:ext cx="7727227" cy="4979988"/>
+          <a:ext cx="7727227" cy="5029200"/>
         </p:xfrm>
         <a:graphic>
           <a:graphicData uri="http://schemas.openxmlformats.org/drawingml/2006/table">
@@ -29000,12 +26854,18 @@
                         </a:spcAft>
                       </a:pPr>
                       <a:r>
-                        <a:rPr lang="es-ES_tradnl" sz="2000">
-                          <a:effectLst/>
-                        </a:rPr>
-                        <a:t>Vehículos (Alquiler Mensual)</a:t>
-                      </a:r>
-                      <a:endParaRPr lang="en-US" sz="2400">
+                        <a:rPr lang="es-ES_tradnl" sz="2000" dirty="0">
+                          <a:effectLst/>
+                        </a:rPr>
+                        <a:t>Vehículos (Alquiler </a:t>
+                      </a:r>
+                      <a:r>
+                        <a:rPr lang="es-ES_tradnl" sz="2000" dirty="0" smtClean="0">
+                          <a:effectLst/>
+                        </a:rPr>
+                        <a:t>)</a:t>
+                      </a:r>
+                      <a:endParaRPr lang="en-US" sz="2400" dirty="0">
                         <a:effectLst/>
                         <a:latin typeface="Abadi MT Condensed Light"/>
                         <a:ea typeface="Calibri"/>
@@ -32105,37 +29965,7 @@
                   </a:outerShdw>
                 </a:effectLst>
               </a:rPr>
-              <a:t>6</a:t>
-            </a:r>
-            <a:r>
-              <a:rPr lang="es-CO" sz="2000" b="1" i="1" dirty="0">
-                <a:solidFill>
-                  <a:schemeClr val="tx2"/>
-                </a:solidFill>
-                <a:effectLst>
-                  <a:outerShdw blurRad="38100" dist="38100" dir="2700000" algn="tl">
-                    <a:srgbClr val="000000">
-                      <a:alpha val="43137"/>
-                    </a:srgbClr>
-                  </a:outerShdw>
-                </a:effectLst>
-              </a:rPr>
-              <a:t>. RIESGOS DEL </a:t>
-            </a:r>
-            <a:r>
-              <a:rPr lang="es-CO" sz="2000" b="1" i="1" dirty="0">
-                <a:solidFill>
-                  <a:schemeClr val="tx2"/>
-                </a:solidFill>
-                <a:effectLst>
-                  <a:outerShdw blurRad="38100" dist="38100" dir="2700000" algn="tl">
-                    <a:srgbClr val="000000">
-                      <a:alpha val="43137"/>
-                    </a:srgbClr>
-                  </a:outerShdw>
-                </a:effectLst>
-              </a:rPr>
-              <a:t>PROYECTO</a:t>
+              <a:t>6. RIESGOS DEL PROYECTO</a:t>
             </a:r>
             <a:endParaRPr lang="es-ES" sz="2000" b="1" i="1" dirty="0">
               <a:solidFill>

--- a/PresentacionTFM.pptx
+++ b/PresentacionTFM.pptx
@@ -392,11 +392,11 @@
           <c:showBubbleSize val="0"/>
         </c:dLbls>
         <c:gapWidth val="150"/>
-        <c:axId val="282406720"/>
-        <c:axId val="282408680"/>
+        <c:axId val="201858928"/>
+        <c:axId val="201860888"/>
       </c:barChart>
       <c:catAx>
-        <c:axId val="282406720"/>
+        <c:axId val="201858928"/>
         <c:scaling>
           <c:orientation val="minMax"/>
         </c:scaling>
@@ -406,7 +406,7 @@
         <c:majorTickMark val="none"/>
         <c:minorTickMark val="none"/>
         <c:tickLblPos val="nextTo"/>
-        <c:crossAx val="282408680"/>
+        <c:crossAx val="201860888"/>
         <c:crosses val="autoZero"/>
         <c:auto val="1"/>
         <c:lblAlgn val="ctr"/>
@@ -414,7 +414,7 @@
         <c:noMultiLvlLbl val="0"/>
       </c:catAx>
       <c:valAx>
-        <c:axId val="282408680"/>
+        <c:axId val="201860888"/>
         <c:scaling>
           <c:orientation val="minMax"/>
         </c:scaling>
@@ -428,7 +428,7 @@
         <c:majorTickMark val="none"/>
         <c:minorTickMark val="none"/>
         <c:tickLblPos val="nextTo"/>
-        <c:crossAx val="282406720"/>
+        <c:crossAx val="201858928"/>
         <c:crosses val="autoZero"/>
         <c:crossBetween val="between"/>
       </c:valAx>
@@ -4104,7 +4104,23 @@
         <a:p>
           <a:r>
             <a:rPr lang="es-ES_tradnl" sz="1400" dirty="0" smtClean="0"/>
-            <a:t>Contratar una empresa de tecnología para diseñar, construir e implementar sistemas de información a la medida para el control comercial y técnico a nivel de análisis de datos de medida. Comprar maquinaria mejorada para realizar mediciones a nivel de transformadores de medición y distribución</a:t>
+            <a:t>Contratar una empresa de tecnología para diseñar, construir e implementar sistemas de información a la medida para el control comercial y técnico a nivel de análisis de datos </a:t>
+          </a:r>
+          <a:r>
+            <a:rPr lang="es-ES_tradnl" sz="1400" smtClean="0"/>
+            <a:t>de </a:t>
+          </a:r>
+          <a:r>
+            <a:rPr lang="es-ES_tradnl" sz="1400" smtClean="0"/>
+            <a:t>medida y </a:t>
+          </a:r>
+          <a:r>
+            <a:rPr lang="es-ES_tradnl" sz="1400" dirty="0" smtClean="0"/>
+            <a:t>comprar </a:t>
+          </a:r>
+          <a:r>
+            <a:rPr lang="es-ES_tradnl" sz="1400" dirty="0" smtClean="0"/>
+            <a:t>maquinaria mejorada para realizar mediciones a nivel de transformadores de medición y distribución</a:t>
           </a:r>
           <a:endParaRPr lang="en-US" sz="1400" dirty="0"/>
         </a:p>
@@ -7460,7 +7476,23 @@
           </a:pPr>
           <a:r>
             <a:rPr lang="es-ES_tradnl" sz="1400" kern="1200" dirty="0" smtClean="0"/>
-            <a:t>Contratar una empresa de tecnología para diseñar, construir e implementar sistemas de información a la medida para el control comercial y técnico a nivel de análisis de datos de medida. Comprar maquinaria mejorada para realizar mediciones a nivel de transformadores de medición y distribución</a:t>
+            <a:t>Contratar una empresa de tecnología para diseñar, construir e implementar sistemas de información a la medida para el control comercial y técnico a nivel de análisis de datos </a:t>
+          </a:r>
+          <a:r>
+            <a:rPr lang="es-ES_tradnl" sz="1400" kern="1200" smtClean="0"/>
+            <a:t>de </a:t>
+          </a:r>
+          <a:r>
+            <a:rPr lang="es-ES_tradnl" sz="1400" kern="1200" smtClean="0"/>
+            <a:t>medida y </a:t>
+          </a:r>
+          <a:r>
+            <a:rPr lang="es-ES_tradnl" sz="1400" kern="1200" dirty="0" smtClean="0"/>
+            <a:t>comprar </a:t>
+          </a:r>
+          <a:r>
+            <a:rPr lang="es-ES_tradnl" sz="1400" kern="1200" dirty="0" smtClean="0"/>
+            <a:t>maquinaria mejorada para realizar mediciones a nivel de transformadores de medición y distribución</a:t>
           </a:r>
           <a:endParaRPr lang="en-US" sz="1400" kern="1200" dirty="0"/>
         </a:p>
@@ -25656,7 +25688,7 @@
           <p:nvPr>
             <p:extLst>
               <p:ext uri="{D42A27DB-BD31-4B8C-83A1-F6EECF244321}">
-                <p14:modId xmlns:p14="http://schemas.microsoft.com/office/powerpoint/2010/main" val="139229739"/>
+                <p14:modId xmlns:p14="http://schemas.microsoft.com/office/powerpoint/2010/main" val="3342421383"/>
               </p:ext>
             </p:extLst>
           </p:nvPr>

--- a/PresentacionTFM.pptx
+++ b/PresentacionTFM.pptx
@@ -392,11 +392,11 @@
           <c:showBubbleSize val="0"/>
         </c:dLbls>
         <c:gapWidth val="150"/>
-        <c:axId val="201858928"/>
-        <c:axId val="201860888"/>
+        <c:axId val="287134848"/>
+        <c:axId val="287135240"/>
       </c:barChart>
       <c:catAx>
-        <c:axId val="201858928"/>
+        <c:axId val="287134848"/>
         <c:scaling>
           <c:orientation val="minMax"/>
         </c:scaling>
@@ -406,7 +406,7 @@
         <c:majorTickMark val="none"/>
         <c:minorTickMark val="none"/>
         <c:tickLblPos val="nextTo"/>
-        <c:crossAx val="201860888"/>
+        <c:crossAx val="287135240"/>
         <c:crosses val="autoZero"/>
         <c:auto val="1"/>
         <c:lblAlgn val="ctr"/>
@@ -414,7 +414,7 @@
         <c:noMultiLvlLbl val="0"/>
       </c:catAx>
       <c:valAx>
-        <c:axId val="201860888"/>
+        <c:axId val="287135240"/>
         <c:scaling>
           <c:orientation val="minMax"/>
         </c:scaling>
@@ -428,7 +428,7 @@
         <c:majorTickMark val="none"/>
         <c:minorTickMark val="none"/>
         <c:tickLblPos val="nextTo"/>
-        <c:crossAx val="201858928"/>
+        <c:crossAx val="287134848"/>
         <c:crosses val="autoZero"/>
         <c:crossBetween val="between"/>
       </c:valAx>
@@ -4108,19 +4108,11 @@
           </a:r>
           <a:r>
             <a:rPr lang="es-ES_tradnl" sz="1400" smtClean="0"/>
-            <a:t>de </a:t>
-          </a:r>
-          <a:r>
-            <a:rPr lang="es-ES_tradnl" sz="1400" smtClean="0"/>
-            <a:t>medida y </a:t>
+            <a:t>de medida y </a:t>
           </a:r>
           <a:r>
             <a:rPr lang="es-ES_tradnl" sz="1400" dirty="0" smtClean="0"/>
-            <a:t>comprar </a:t>
-          </a:r>
-          <a:r>
-            <a:rPr lang="es-ES_tradnl" sz="1400" dirty="0" smtClean="0"/>
-            <a:t>maquinaria mejorada para realizar mediciones a nivel de transformadores de medición y distribución</a:t>
+            <a:t>comprar maquinaria mejorada para realizar mediciones a nivel de transformadores de medición y distribución</a:t>
           </a:r>
           <a:endParaRPr lang="en-US" sz="1400" dirty="0"/>
         </a:p>
@@ -6629,503 +6621,6 @@
       <dsp:cNvGrpSpPr/>
     </dsp:nvGrpSpPr>
     <dsp:grpSpPr/>
-    <dsp:sp modelId="{58606CD1-2FAF-4221-8B46-E52A39B1C659}">
-      <dsp:nvSpPr>
-        <dsp:cNvPr id="0" name=""/>
-        <dsp:cNvSpPr/>
-      </dsp:nvSpPr>
-      <dsp:spPr>
-        <a:xfrm>
-          <a:off x="2357447" y="214316"/>
-          <a:ext cx="4072698" cy="1906811"/>
-        </a:xfrm>
-        <a:prstGeom prst="ellipse">
-          <a:avLst/>
-        </a:prstGeom>
-        <a:solidFill>
-          <a:schemeClr val="dk2">
-            <a:tint val="50000"/>
-            <a:alpha val="40000"/>
-            <a:hueOff val="0"/>
-            <a:satOff val="0"/>
-            <a:lumOff val="0"/>
-            <a:alphaOff val="0"/>
-          </a:schemeClr>
-        </a:solidFill>
-        <a:ln>
-          <a:noFill/>
-        </a:ln>
-        <a:effectLst/>
-      </dsp:spPr>
-      <dsp:style>
-        <a:lnRef idx="0">
-          <a:scrgbClr r="0" g="0" b="0"/>
-        </a:lnRef>
-        <a:fillRef idx="1">
-          <a:scrgbClr r="0" g="0" b="0"/>
-        </a:fillRef>
-        <a:effectRef idx="0">
-          <a:scrgbClr r="0" g="0" b="0"/>
-        </a:effectRef>
-        <a:fontRef idx="minor"/>
-      </dsp:style>
-    </dsp:sp>
-    <dsp:sp modelId="{193AA5AF-3265-4384-963E-341EA8CC2434}">
-      <dsp:nvSpPr>
-        <dsp:cNvPr id="0" name=""/>
-        <dsp:cNvSpPr/>
-      </dsp:nvSpPr>
-      <dsp:spPr>
-        <a:xfrm>
-          <a:off x="3782224" y="2858091"/>
-          <a:ext cx="1117701" cy="1450025"/>
-        </a:xfrm>
-        <a:prstGeom prst="downArrow">
-          <a:avLst/>
-        </a:prstGeom>
-        <a:solidFill>
-          <a:schemeClr val="dk2">
-            <a:tint val="60000"/>
-            <a:hueOff val="0"/>
-            <a:satOff val="0"/>
-            <a:lumOff val="0"/>
-            <a:alphaOff val="0"/>
-          </a:schemeClr>
-        </a:solidFill>
-        <a:ln w="25400" cap="flat" cmpd="sng" algn="ctr">
-          <a:solidFill>
-            <a:schemeClr val="lt2">
-              <a:hueOff val="0"/>
-              <a:satOff val="0"/>
-              <a:lumOff val="0"/>
-              <a:alphaOff val="0"/>
-            </a:schemeClr>
-          </a:solidFill>
-          <a:prstDash val="solid"/>
-        </a:ln>
-        <a:effectLst/>
-      </dsp:spPr>
-      <dsp:style>
-        <a:lnRef idx="2">
-          <a:scrgbClr r="0" g="0" b="0"/>
-        </a:lnRef>
-        <a:fillRef idx="1">
-          <a:scrgbClr r="0" g="0" b="0"/>
-        </a:fillRef>
-        <a:effectRef idx="0">
-          <a:scrgbClr r="0" g="0" b="0"/>
-        </a:effectRef>
-        <a:fontRef idx="minor"/>
-      </dsp:style>
-    </dsp:sp>
-    <dsp:sp modelId="{FDFD540A-D152-4509-99EE-8288730A10B3}">
-      <dsp:nvSpPr>
-        <dsp:cNvPr id="0" name=""/>
-        <dsp:cNvSpPr/>
-      </dsp:nvSpPr>
-      <dsp:spPr>
-        <a:xfrm>
-          <a:off x="1837998" y="3820542"/>
-          <a:ext cx="5182283" cy="2092411"/>
-        </a:xfrm>
-        <a:prstGeom prst="rect">
-          <a:avLst/>
-        </a:prstGeom>
-        <a:noFill/>
-        <a:ln>
-          <a:noFill/>
-        </a:ln>
-        <a:effectLst/>
-      </dsp:spPr>
-      <dsp:style>
-        <a:lnRef idx="0">
-          <a:scrgbClr r="0" g="0" b="0"/>
-        </a:lnRef>
-        <a:fillRef idx="0">
-          <a:scrgbClr r="0" g="0" b="0"/>
-        </a:fillRef>
-        <a:effectRef idx="0">
-          <a:scrgbClr r="0" g="0" b="0"/>
-        </a:effectRef>
-        <a:fontRef idx="minor"/>
-      </dsp:style>
-      <dsp:txBody>
-        <a:bodyPr spcFirstLastPara="0" vert="horz" wrap="square" lIns="170688" tIns="170688" rIns="170688" bIns="170688" numCol="1" spcCol="1270" anchor="ctr" anchorCtr="0">
-          <a:noAutofit/>
-        </a:bodyPr>
-        <a:lstStyle/>
-        <a:p>
-          <a:pPr lvl="0" algn="ctr" defTabSz="1066800">
-            <a:lnSpc>
-              <a:spcPct val="90000"/>
-            </a:lnSpc>
-            <a:spcBef>
-              <a:spcPct val="0"/>
-            </a:spcBef>
-            <a:spcAft>
-              <a:spcPct val="35000"/>
-            </a:spcAft>
-          </a:pPr>
-          <a:r>
-            <a:rPr lang="en-US" sz="2400" kern="1200" dirty="0" smtClean="0"/>
-            <a:t>SISTEMA DE INFORMACIÓN PARA </a:t>
-          </a:r>
-          <a:r>
-            <a:rPr lang="es-ES" sz="2400" kern="1200" dirty="0" smtClean="0"/>
-            <a:t>DETECTAR FRAUDE EN REDES ELÉCTRICAS</a:t>
-          </a:r>
-          <a:endParaRPr lang="es-ES" sz="2400" kern="1200" dirty="0"/>
-        </a:p>
-      </dsp:txBody>
-      <dsp:txXfrm>
-        <a:off x="1837998" y="3820542"/>
-        <a:ext cx="5182283" cy="2092411"/>
-      </dsp:txXfrm>
-    </dsp:sp>
-    <dsp:sp modelId="{C15CDCEA-7379-45FA-8B57-94F5A3DD8BCD}">
-      <dsp:nvSpPr>
-        <dsp:cNvPr id="0" name=""/>
-        <dsp:cNvSpPr/>
-      </dsp:nvSpPr>
-      <dsp:spPr>
-        <a:xfrm>
-          <a:off x="4464492" y="5"/>
-          <a:ext cx="1732246" cy="1637460"/>
-        </a:xfrm>
-        <a:prstGeom prst="ellipse">
-          <a:avLst/>
-        </a:prstGeom>
-        <a:gradFill rotWithShape="1">
-          <a:gsLst>
-            <a:gs pos="0">
-              <a:schemeClr val="accent6">
-                <a:tint val="50000"/>
-                <a:satMod val="300000"/>
-              </a:schemeClr>
-            </a:gs>
-            <a:gs pos="35000">
-              <a:schemeClr val="accent6">
-                <a:tint val="37000"/>
-                <a:satMod val="300000"/>
-              </a:schemeClr>
-            </a:gs>
-            <a:gs pos="100000">
-              <a:schemeClr val="accent6">
-                <a:tint val="15000"/>
-                <a:satMod val="350000"/>
-              </a:schemeClr>
-            </a:gs>
-          </a:gsLst>
-          <a:lin ang="16200000" scaled="1"/>
-        </a:gradFill>
-        <a:ln w="9525" cap="flat" cmpd="sng" algn="ctr">
-          <a:solidFill>
-            <a:schemeClr val="accent6">
-              <a:shade val="95000"/>
-              <a:satMod val="105000"/>
-            </a:schemeClr>
-          </a:solidFill>
-          <a:prstDash val="solid"/>
-        </a:ln>
-        <a:effectLst>
-          <a:outerShdw blurRad="40000" dist="20000" dir="5400000" rotWithShape="0">
-            <a:srgbClr val="000000">
-              <a:alpha val="38000"/>
-            </a:srgbClr>
-          </a:outerShdw>
-        </a:effectLst>
-      </dsp:spPr>
-      <dsp:style>
-        <a:lnRef idx="1">
-          <a:schemeClr val="accent6"/>
-        </a:lnRef>
-        <a:fillRef idx="2">
-          <a:schemeClr val="accent6"/>
-        </a:fillRef>
-        <a:effectRef idx="1">
-          <a:schemeClr val="accent6"/>
-        </a:effectRef>
-        <a:fontRef idx="minor">
-          <a:schemeClr val="dk1"/>
-        </a:fontRef>
-      </dsp:style>
-      <dsp:txBody>
-        <a:bodyPr spcFirstLastPara="0" vert="horz" wrap="square" lIns="13970" tIns="13970" rIns="13970" bIns="13970" numCol="1" spcCol="1270" anchor="ctr" anchorCtr="0">
-          <a:noAutofit/>
-        </a:bodyPr>
-        <a:lstStyle/>
-        <a:p>
-          <a:pPr lvl="0" algn="ctr" defTabSz="488950">
-            <a:lnSpc>
-              <a:spcPct val="90000"/>
-            </a:lnSpc>
-            <a:spcBef>
-              <a:spcPct val="0"/>
-            </a:spcBef>
-            <a:spcAft>
-              <a:spcPct val="35000"/>
-            </a:spcAft>
-          </a:pPr>
-          <a:r>
-            <a:rPr lang="es-ES" sz="1100" b="1" kern="1200" dirty="0" smtClean="0"/>
-            <a:t>Detectar los puntos de perdida de energía para reducir los índices de perdidas.</a:t>
-          </a:r>
-          <a:endParaRPr lang="es-ES" sz="1100" b="1" kern="1200" dirty="0"/>
-        </a:p>
-      </dsp:txBody>
-      <dsp:txXfrm>
-        <a:off x="4718174" y="239805"/>
-        <a:ext cx="1224882" cy="1157860"/>
-      </dsp:txXfrm>
-    </dsp:sp>
-    <dsp:sp modelId="{00820C10-2A8A-4A4F-B811-28F0DDBB82C7}">
-      <dsp:nvSpPr>
-        <dsp:cNvPr id="0" name=""/>
-        <dsp:cNvSpPr/>
-      </dsp:nvSpPr>
-      <dsp:spPr>
-        <a:xfrm>
-          <a:off x="2448266" y="360041"/>
-          <a:ext cx="1676503" cy="1545825"/>
-        </a:xfrm>
-        <a:prstGeom prst="ellipse">
-          <a:avLst/>
-        </a:prstGeom>
-        <a:gradFill rotWithShape="1">
-          <a:gsLst>
-            <a:gs pos="0">
-              <a:schemeClr val="dk1">
-                <a:tint val="50000"/>
-                <a:satMod val="300000"/>
-              </a:schemeClr>
-            </a:gs>
-            <a:gs pos="35000">
-              <a:schemeClr val="dk1">
-                <a:tint val="37000"/>
-                <a:satMod val="300000"/>
-              </a:schemeClr>
-            </a:gs>
-            <a:gs pos="100000">
-              <a:schemeClr val="dk1">
-                <a:tint val="15000"/>
-                <a:satMod val="350000"/>
-              </a:schemeClr>
-            </a:gs>
-          </a:gsLst>
-          <a:lin ang="16200000" scaled="1"/>
-        </a:gradFill>
-        <a:ln w="9525" cap="flat" cmpd="sng" algn="ctr">
-          <a:solidFill>
-            <a:schemeClr val="dk1">
-              <a:shade val="95000"/>
-              <a:satMod val="105000"/>
-            </a:schemeClr>
-          </a:solidFill>
-          <a:prstDash val="solid"/>
-        </a:ln>
-        <a:effectLst>
-          <a:outerShdw blurRad="40000" dist="20000" dir="5400000" rotWithShape="0">
-            <a:srgbClr val="000000">
-              <a:alpha val="38000"/>
-            </a:srgbClr>
-          </a:outerShdw>
-        </a:effectLst>
-      </dsp:spPr>
-      <dsp:style>
-        <a:lnRef idx="1">
-          <a:schemeClr val="dk1"/>
-        </a:lnRef>
-        <a:fillRef idx="2">
-          <a:schemeClr val="dk1"/>
-        </a:fillRef>
-        <a:effectRef idx="1">
-          <a:schemeClr val="dk1"/>
-        </a:effectRef>
-        <a:fontRef idx="minor">
-          <a:schemeClr val="dk1"/>
-        </a:fontRef>
-      </dsp:style>
-      <dsp:txBody>
-        <a:bodyPr spcFirstLastPara="0" vert="horz" wrap="square" lIns="15240" tIns="15240" rIns="15240" bIns="15240" numCol="1" spcCol="1270" anchor="ctr" anchorCtr="0">
-          <a:noAutofit/>
-        </a:bodyPr>
-        <a:lstStyle/>
-        <a:p>
-          <a:pPr lvl="0" algn="ctr" defTabSz="533400">
-            <a:lnSpc>
-              <a:spcPct val="90000"/>
-            </a:lnSpc>
-            <a:spcBef>
-              <a:spcPct val="0"/>
-            </a:spcBef>
-            <a:spcAft>
-              <a:spcPct val="35000"/>
-            </a:spcAft>
-          </a:pPr>
-          <a:r>
-            <a:rPr lang="es-CO" sz="1200" b="1" kern="1200" dirty="0" smtClean="0"/>
-            <a:t>Utilizar la infraestructura actual y la proyecta para mejorar la medición </a:t>
-          </a:r>
-          <a:endParaRPr lang="es-ES" sz="1200" b="1" kern="1200" dirty="0"/>
-        </a:p>
-      </dsp:txBody>
-      <dsp:txXfrm>
-        <a:off x="2693784" y="586422"/>
-        <a:ext cx="1185467" cy="1093063"/>
-      </dsp:txXfrm>
-    </dsp:sp>
-    <dsp:sp modelId="{4830C1AE-3A07-4776-80B0-46C7307DB5B0}">
-      <dsp:nvSpPr>
-        <dsp:cNvPr id="0" name=""/>
-        <dsp:cNvSpPr/>
-      </dsp:nvSpPr>
-      <dsp:spPr>
-        <a:xfrm>
-          <a:off x="3643338" y="1143011"/>
-          <a:ext cx="1669045" cy="1543559"/>
-        </a:xfrm>
-        <a:prstGeom prst="ellipse">
-          <a:avLst/>
-        </a:prstGeom>
-        <a:gradFill rotWithShape="1">
-          <a:gsLst>
-            <a:gs pos="0">
-              <a:schemeClr val="accent3">
-                <a:shade val="51000"/>
-                <a:satMod val="130000"/>
-              </a:schemeClr>
-            </a:gs>
-            <a:gs pos="80000">
-              <a:schemeClr val="accent3">
-                <a:shade val="93000"/>
-                <a:satMod val="130000"/>
-              </a:schemeClr>
-            </a:gs>
-            <a:gs pos="100000">
-              <a:schemeClr val="accent3">
-                <a:shade val="94000"/>
-                <a:satMod val="135000"/>
-              </a:schemeClr>
-            </a:gs>
-          </a:gsLst>
-          <a:lin ang="16200000" scaled="0"/>
-        </a:gradFill>
-        <a:ln w="9525" cap="flat" cmpd="sng" algn="ctr">
-          <a:solidFill>
-            <a:schemeClr val="accent3">
-              <a:shade val="95000"/>
-              <a:satMod val="105000"/>
-            </a:schemeClr>
-          </a:solidFill>
-          <a:prstDash val="solid"/>
-        </a:ln>
-        <a:effectLst>
-          <a:outerShdw blurRad="40000" dist="23000" dir="5400000" rotWithShape="0">
-            <a:srgbClr val="000000">
-              <a:alpha val="35000"/>
-            </a:srgbClr>
-          </a:outerShdw>
-        </a:effectLst>
-      </dsp:spPr>
-      <dsp:style>
-        <a:lnRef idx="1">
-          <a:schemeClr val="accent3"/>
-        </a:lnRef>
-        <a:fillRef idx="3">
-          <a:schemeClr val="accent3"/>
-        </a:fillRef>
-        <a:effectRef idx="2">
-          <a:schemeClr val="accent3"/>
-        </a:effectRef>
-        <a:fontRef idx="minor">
-          <a:schemeClr val="lt1"/>
-        </a:fontRef>
-      </dsp:style>
-      <dsp:txBody>
-        <a:bodyPr spcFirstLastPara="0" vert="horz" wrap="square" lIns="17780" tIns="17780" rIns="17780" bIns="17780" numCol="1" spcCol="1270" anchor="ctr" anchorCtr="0">
-          <a:noAutofit/>
-        </a:bodyPr>
-        <a:lstStyle/>
-        <a:p>
-          <a:pPr lvl="0" algn="ctr" defTabSz="622300">
-            <a:lnSpc>
-              <a:spcPct val="90000"/>
-            </a:lnSpc>
-            <a:spcBef>
-              <a:spcPct val="0"/>
-            </a:spcBef>
-            <a:spcAft>
-              <a:spcPct val="35000"/>
-            </a:spcAft>
-          </a:pPr>
-          <a:r>
-            <a:rPr lang="es-ES" sz="1400" b="1" kern="1200" dirty="0" smtClean="0"/>
-            <a:t>Diseñar una herramienta </a:t>
-          </a:r>
-          <a:r>
-            <a:rPr lang="es-ES" sz="1400" b="1" kern="1200" dirty="0" err="1" smtClean="0"/>
-            <a:t>tecnologíca</a:t>
-          </a:r>
-          <a:r>
-            <a:rPr lang="es-ES" sz="1400" b="1" kern="1200" dirty="0" smtClean="0"/>
-            <a:t> que analice todos los datos de consumo</a:t>
-          </a:r>
-          <a:endParaRPr lang="es-ES" sz="1400" b="1" kern="1200" dirty="0"/>
-        </a:p>
-      </dsp:txBody>
-      <dsp:txXfrm>
-        <a:off x="3887764" y="1369060"/>
-        <a:ext cx="1180193" cy="1091461"/>
-      </dsp:txXfrm>
-    </dsp:sp>
-    <dsp:sp modelId="{AE805AB0-CDD8-4ABC-8775-6545029849DF}">
-      <dsp:nvSpPr>
-        <dsp:cNvPr id="0" name=""/>
-        <dsp:cNvSpPr/>
-      </dsp:nvSpPr>
-      <dsp:spPr>
-        <a:xfrm>
-          <a:off x="2232225" y="864077"/>
-          <a:ext cx="4209105" cy="2648029"/>
-        </a:xfrm>
-        <a:prstGeom prst="funnel">
-          <a:avLst/>
-        </a:prstGeom>
-        <a:solidFill>
-          <a:schemeClr val="lt2">
-            <a:alpha val="40000"/>
-            <a:hueOff val="0"/>
-            <a:satOff val="0"/>
-            <a:lumOff val="0"/>
-            <a:alphaOff val="0"/>
-          </a:schemeClr>
-        </a:solidFill>
-        <a:ln w="9525" cap="flat" cmpd="sng" algn="ctr">
-          <a:solidFill>
-            <a:schemeClr val="dk2">
-              <a:hueOff val="0"/>
-              <a:satOff val="0"/>
-              <a:lumOff val="0"/>
-              <a:alphaOff val="0"/>
-            </a:schemeClr>
-          </a:solidFill>
-          <a:prstDash val="solid"/>
-        </a:ln>
-        <a:effectLst/>
-      </dsp:spPr>
-      <dsp:style>
-        <a:lnRef idx="1">
-          <a:scrgbClr r="0" g="0" b="0"/>
-        </a:lnRef>
-        <a:fillRef idx="1">
-          <a:scrgbClr r="0" g="0" b="0"/>
-        </a:fillRef>
-        <a:effectRef idx="0">
-          <a:scrgbClr r="0" g="0" b="0"/>
-        </a:effectRef>
-        <a:fontRef idx="minor"/>
-      </dsp:style>
-    </dsp:sp>
   </dsp:spTree>
 </dsp:drawing>
 </file>
@@ -7138,836 +6633,6 @@
       <dsp:cNvGrpSpPr/>
     </dsp:nvGrpSpPr>
     <dsp:grpSpPr/>
-    <dsp:sp modelId="{498A4E70-9441-4BAA-A25C-9ECD09B7A6AA}">
-      <dsp:nvSpPr>
-        <dsp:cNvPr id="0" name=""/>
-        <dsp:cNvSpPr/>
-      </dsp:nvSpPr>
-      <dsp:spPr>
-        <a:xfrm>
-          <a:off x="3755" y="93076"/>
-          <a:ext cx="1713803" cy="608411"/>
-        </a:xfrm>
-        <a:prstGeom prst="rect">
-          <a:avLst/>
-        </a:prstGeom>
-        <a:solidFill>
-          <a:schemeClr val="accent2">
-            <a:hueOff val="0"/>
-            <a:satOff val="0"/>
-            <a:lumOff val="0"/>
-            <a:alphaOff val="0"/>
-          </a:schemeClr>
-        </a:solidFill>
-        <a:ln w="25400" cap="flat" cmpd="sng" algn="ctr">
-          <a:solidFill>
-            <a:schemeClr val="accent2">
-              <a:hueOff val="0"/>
-              <a:satOff val="0"/>
-              <a:lumOff val="0"/>
-              <a:alphaOff val="0"/>
-            </a:schemeClr>
-          </a:solidFill>
-          <a:prstDash val="solid"/>
-        </a:ln>
-        <a:effectLst/>
-      </dsp:spPr>
-      <dsp:style>
-        <a:lnRef idx="2">
-          <a:scrgbClr r="0" g="0" b="0"/>
-        </a:lnRef>
-        <a:fillRef idx="1">
-          <a:scrgbClr r="0" g="0" b="0"/>
-        </a:fillRef>
-        <a:effectRef idx="0">
-          <a:scrgbClr r="0" g="0" b="0"/>
-        </a:effectRef>
-        <a:fontRef idx="minor">
-          <a:schemeClr val="lt1"/>
-        </a:fontRef>
-      </dsp:style>
-      <dsp:txBody>
-        <a:bodyPr spcFirstLastPara="0" vert="horz" wrap="square" lIns="99568" tIns="56896" rIns="99568" bIns="56896" numCol="1" spcCol="1270" anchor="ctr" anchorCtr="0">
-          <a:noAutofit/>
-        </a:bodyPr>
-        <a:lstStyle/>
-        <a:p>
-          <a:pPr lvl="0" algn="ctr" defTabSz="622300">
-            <a:lnSpc>
-              <a:spcPct val="90000"/>
-            </a:lnSpc>
-            <a:spcBef>
-              <a:spcPct val="0"/>
-            </a:spcBef>
-            <a:spcAft>
-              <a:spcPct val="35000"/>
-            </a:spcAft>
-          </a:pPr>
-          <a:r>
-            <a:rPr lang="es-CO" sz="1400" b="1" kern="1200" dirty="0" smtClean="0"/>
-            <a:t>Ubicación</a:t>
-          </a:r>
-          <a:endParaRPr lang="en-US" sz="1400" b="1" kern="1200" dirty="0"/>
-        </a:p>
-      </dsp:txBody>
-      <dsp:txXfrm>
-        <a:off x="3755" y="93076"/>
-        <a:ext cx="1713803" cy="608411"/>
-      </dsp:txXfrm>
-    </dsp:sp>
-    <dsp:sp modelId="{F98E0026-7677-418C-B219-B2163DF01B96}">
-      <dsp:nvSpPr>
-        <dsp:cNvPr id="0" name=""/>
-        <dsp:cNvSpPr/>
-      </dsp:nvSpPr>
-      <dsp:spPr>
-        <a:xfrm>
-          <a:off x="3755" y="701487"/>
-          <a:ext cx="1713803" cy="2949852"/>
-        </a:xfrm>
-        <a:prstGeom prst="rect">
-          <a:avLst/>
-        </a:prstGeom>
-        <a:solidFill>
-          <a:schemeClr val="accent2">
-            <a:tint val="40000"/>
-            <a:alpha val="90000"/>
-            <a:hueOff val="0"/>
-            <a:satOff val="0"/>
-            <a:lumOff val="0"/>
-            <a:alphaOff val="0"/>
-          </a:schemeClr>
-        </a:solidFill>
-        <a:ln w="25400" cap="flat" cmpd="sng" algn="ctr">
-          <a:solidFill>
-            <a:schemeClr val="accent2">
-              <a:tint val="40000"/>
-              <a:alpha val="90000"/>
-              <a:hueOff val="0"/>
-              <a:satOff val="0"/>
-              <a:lumOff val="0"/>
-              <a:alphaOff val="0"/>
-            </a:schemeClr>
-          </a:solidFill>
-          <a:prstDash val="solid"/>
-        </a:ln>
-        <a:effectLst/>
-      </dsp:spPr>
-      <dsp:style>
-        <a:lnRef idx="2">
-          <a:scrgbClr r="0" g="0" b="0"/>
-        </a:lnRef>
-        <a:fillRef idx="1">
-          <a:scrgbClr r="0" g="0" b="0"/>
-        </a:fillRef>
-        <a:effectRef idx="0">
-          <a:scrgbClr r="0" g="0" b="0"/>
-        </a:effectRef>
-        <a:fontRef idx="minor"/>
-      </dsp:style>
-      <dsp:txBody>
-        <a:bodyPr spcFirstLastPara="0" vert="horz" wrap="square" lIns="74676" tIns="74676" rIns="99568" bIns="112014" numCol="1" spcCol="1270" anchor="t" anchorCtr="0">
-          <a:noAutofit/>
-        </a:bodyPr>
-        <a:lstStyle/>
-        <a:p>
-          <a:pPr marL="114300" lvl="1" indent="-114300" algn="l" defTabSz="622300">
-            <a:lnSpc>
-              <a:spcPct val="90000"/>
-            </a:lnSpc>
-            <a:spcBef>
-              <a:spcPct val="0"/>
-            </a:spcBef>
-            <a:spcAft>
-              <a:spcPct val="15000"/>
-            </a:spcAft>
-            <a:buChar char="••"/>
-          </a:pPr>
-          <a:r>
-            <a:rPr lang="es-CO" sz="1400" kern="1200" dirty="0" smtClean="0"/>
-            <a:t>País: Colombia</a:t>
-          </a:r>
-          <a:endParaRPr lang="en-US" sz="1400" kern="1200" dirty="0"/>
-        </a:p>
-        <a:p>
-          <a:pPr marL="114300" lvl="1" indent="-114300" algn="l" defTabSz="622300">
-            <a:lnSpc>
-              <a:spcPct val="90000"/>
-            </a:lnSpc>
-            <a:spcBef>
-              <a:spcPct val="0"/>
-            </a:spcBef>
-            <a:spcAft>
-              <a:spcPct val="15000"/>
-            </a:spcAft>
-            <a:buChar char="••"/>
-          </a:pPr>
-          <a:r>
-            <a:rPr lang="es-CO" sz="1400" kern="1200" dirty="0" smtClean="0"/>
-            <a:t>Zona: Costa Atlántica</a:t>
-          </a:r>
-          <a:endParaRPr lang="en-US" sz="1400" kern="1200" dirty="0"/>
-        </a:p>
-        <a:p>
-          <a:pPr marL="114300" lvl="1" indent="-114300" algn="l" defTabSz="622300">
-            <a:lnSpc>
-              <a:spcPct val="90000"/>
-            </a:lnSpc>
-            <a:spcBef>
-              <a:spcPct val="0"/>
-            </a:spcBef>
-            <a:spcAft>
-              <a:spcPct val="15000"/>
-            </a:spcAft>
-            <a:buChar char="••"/>
-          </a:pPr>
-          <a:endParaRPr lang="en-US" sz="1400" kern="1200" dirty="0"/>
-        </a:p>
-      </dsp:txBody>
-      <dsp:txXfrm>
-        <a:off x="3755" y="701487"/>
-        <a:ext cx="1713803" cy="2949852"/>
-      </dsp:txXfrm>
-    </dsp:sp>
-    <dsp:sp modelId="{BE868AFE-25EF-4497-8FDB-BF6C4F99E2C9}">
-      <dsp:nvSpPr>
-        <dsp:cNvPr id="0" name=""/>
-        <dsp:cNvSpPr/>
-      </dsp:nvSpPr>
-      <dsp:spPr>
-        <a:xfrm>
-          <a:off x="1930503" y="90247"/>
-          <a:ext cx="2137060" cy="608411"/>
-        </a:xfrm>
-        <a:prstGeom prst="rect">
-          <a:avLst/>
-        </a:prstGeom>
-        <a:solidFill>
-          <a:schemeClr val="accent3">
-            <a:hueOff val="0"/>
-            <a:satOff val="0"/>
-            <a:lumOff val="0"/>
-            <a:alphaOff val="0"/>
-          </a:schemeClr>
-        </a:solidFill>
-        <a:ln w="25400" cap="flat" cmpd="sng" algn="ctr">
-          <a:solidFill>
-            <a:schemeClr val="accent3">
-              <a:hueOff val="0"/>
-              <a:satOff val="0"/>
-              <a:lumOff val="0"/>
-              <a:alphaOff val="0"/>
-            </a:schemeClr>
-          </a:solidFill>
-          <a:prstDash val="solid"/>
-        </a:ln>
-        <a:effectLst/>
-      </dsp:spPr>
-      <dsp:style>
-        <a:lnRef idx="2">
-          <a:scrgbClr r="0" g="0" b="0"/>
-        </a:lnRef>
-        <a:fillRef idx="1">
-          <a:scrgbClr r="0" g="0" b="0"/>
-        </a:fillRef>
-        <a:effectRef idx="0">
-          <a:scrgbClr r="0" g="0" b="0"/>
-        </a:effectRef>
-        <a:fontRef idx="minor">
-          <a:schemeClr val="lt1"/>
-        </a:fontRef>
-      </dsp:style>
-      <dsp:txBody>
-        <a:bodyPr spcFirstLastPara="0" vert="horz" wrap="square" lIns="99568" tIns="56896" rIns="99568" bIns="56896" numCol="1" spcCol="1270" anchor="ctr" anchorCtr="0">
-          <a:noAutofit/>
-        </a:bodyPr>
-        <a:lstStyle/>
-        <a:p>
-          <a:pPr lvl="0" algn="ctr" defTabSz="622300">
-            <a:lnSpc>
-              <a:spcPct val="90000"/>
-            </a:lnSpc>
-            <a:spcBef>
-              <a:spcPct val="0"/>
-            </a:spcBef>
-            <a:spcAft>
-              <a:spcPct val="35000"/>
-            </a:spcAft>
-          </a:pPr>
-          <a:r>
-            <a:rPr lang="es-CO" sz="1400" b="1" kern="1200" dirty="0" smtClean="0"/>
-            <a:t>Alternativa</a:t>
-          </a:r>
-          <a:endParaRPr lang="en-US" sz="1400" b="1" kern="1200" dirty="0"/>
-        </a:p>
-      </dsp:txBody>
-      <dsp:txXfrm>
-        <a:off x="1930503" y="90247"/>
-        <a:ext cx="2137060" cy="608411"/>
-      </dsp:txXfrm>
-    </dsp:sp>
-    <dsp:sp modelId="{11790E1A-CE4C-4357-B48F-48AC30A2F3AB}">
-      <dsp:nvSpPr>
-        <dsp:cNvPr id="0" name=""/>
-        <dsp:cNvSpPr/>
-      </dsp:nvSpPr>
-      <dsp:spPr>
-        <a:xfrm>
-          <a:off x="1934830" y="698658"/>
-          <a:ext cx="2128405" cy="2955509"/>
-        </a:xfrm>
-        <a:prstGeom prst="rect">
-          <a:avLst/>
-        </a:prstGeom>
-        <a:solidFill>
-          <a:schemeClr val="accent3">
-            <a:tint val="40000"/>
-            <a:alpha val="90000"/>
-            <a:hueOff val="0"/>
-            <a:satOff val="0"/>
-            <a:lumOff val="0"/>
-            <a:alphaOff val="0"/>
-          </a:schemeClr>
-        </a:solidFill>
-        <a:ln w="25400" cap="flat" cmpd="sng" algn="ctr">
-          <a:solidFill>
-            <a:schemeClr val="accent3">
-              <a:tint val="40000"/>
-              <a:alpha val="90000"/>
-              <a:hueOff val="0"/>
-              <a:satOff val="0"/>
-              <a:lumOff val="0"/>
-              <a:alphaOff val="0"/>
-            </a:schemeClr>
-          </a:solidFill>
-          <a:prstDash val="solid"/>
-        </a:ln>
-        <a:effectLst/>
-      </dsp:spPr>
-      <dsp:style>
-        <a:lnRef idx="2">
-          <a:scrgbClr r="0" g="0" b="0"/>
-        </a:lnRef>
-        <a:fillRef idx="1">
-          <a:scrgbClr r="0" g="0" b="0"/>
-        </a:fillRef>
-        <a:effectRef idx="0">
-          <a:scrgbClr r="0" g="0" b="0"/>
-        </a:effectRef>
-        <a:fontRef idx="minor"/>
-      </dsp:style>
-      <dsp:txBody>
-        <a:bodyPr spcFirstLastPara="0" vert="horz" wrap="square" lIns="74676" tIns="74676" rIns="99568" bIns="112014" numCol="1" spcCol="1270" anchor="t" anchorCtr="0">
-          <a:noAutofit/>
-        </a:bodyPr>
-        <a:lstStyle/>
-        <a:p>
-          <a:pPr marL="114300" lvl="1" indent="-114300" algn="l" defTabSz="622300">
-            <a:lnSpc>
-              <a:spcPct val="90000"/>
-            </a:lnSpc>
-            <a:spcBef>
-              <a:spcPct val="0"/>
-            </a:spcBef>
-            <a:spcAft>
-              <a:spcPct val="15000"/>
-            </a:spcAft>
-            <a:buChar char="••"/>
-          </a:pPr>
-          <a:r>
-            <a:rPr lang="es-ES_tradnl" sz="1400" kern="1200" dirty="0" smtClean="0"/>
-            <a:t>Contratar una empresa de tecnología para diseñar, construir e implementar sistemas de información a la medida para el control comercial y técnico a nivel de análisis de datos </a:t>
-          </a:r>
-          <a:r>
-            <a:rPr lang="es-ES_tradnl" sz="1400" kern="1200" smtClean="0"/>
-            <a:t>de </a:t>
-          </a:r>
-          <a:r>
-            <a:rPr lang="es-ES_tradnl" sz="1400" kern="1200" smtClean="0"/>
-            <a:t>medida y </a:t>
-          </a:r>
-          <a:r>
-            <a:rPr lang="es-ES_tradnl" sz="1400" kern="1200" dirty="0" smtClean="0"/>
-            <a:t>comprar </a:t>
-          </a:r>
-          <a:r>
-            <a:rPr lang="es-ES_tradnl" sz="1400" kern="1200" dirty="0" smtClean="0"/>
-            <a:t>maquinaria mejorada para realizar mediciones a nivel de transformadores de medición y distribución</a:t>
-          </a:r>
-          <a:endParaRPr lang="en-US" sz="1400" kern="1200" dirty="0"/>
-        </a:p>
-      </dsp:txBody>
-      <dsp:txXfrm>
-        <a:off x="1934830" y="698658"/>
-        <a:ext cx="2128405" cy="2955509"/>
-      </dsp:txXfrm>
-    </dsp:sp>
-    <dsp:sp modelId="{B86AE41E-58AD-4CAE-9003-9669551B25B4}">
-      <dsp:nvSpPr>
-        <dsp:cNvPr id="0" name=""/>
-        <dsp:cNvSpPr/>
-      </dsp:nvSpPr>
-      <dsp:spPr>
-        <a:xfrm>
-          <a:off x="4286697" y="87507"/>
-          <a:ext cx="2130732" cy="608411"/>
-        </a:xfrm>
-        <a:prstGeom prst="rect">
-          <a:avLst/>
-        </a:prstGeom>
-        <a:solidFill>
-          <a:schemeClr val="accent4">
-            <a:hueOff val="0"/>
-            <a:satOff val="0"/>
-            <a:lumOff val="0"/>
-            <a:alphaOff val="0"/>
-          </a:schemeClr>
-        </a:solidFill>
-        <a:ln w="25400" cap="flat" cmpd="sng" algn="ctr">
-          <a:solidFill>
-            <a:schemeClr val="accent4">
-              <a:hueOff val="0"/>
-              <a:satOff val="0"/>
-              <a:lumOff val="0"/>
-              <a:alphaOff val="0"/>
-            </a:schemeClr>
-          </a:solidFill>
-          <a:prstDash val="solid"/>
-        </a:ln>
-        <a:effectLst/>
-      </dsp:spPr>
-      <dsp:style>
-        <a:lnRef idx="2">
-          <a:scrgbClr r="0" g="0" b="0"/>
-        </a:lnRef>
-        <a:fillRef idx="1">
-          <a:scrgbClr r="0" g="0" b="0"/>
-        </a:fillRef>
-        <a:effectRef idx="0">
-          <a:scrgbClr r="0" g="0" b="0"/>
-        </a:effectRef>
-        <a:fontRef idx="minor">
-          <a:schemeClr val="lt1"/>
-        </a:fontRef>
-      </dsp:style>
-      <dsp:txBody>
-        <a:bodyPr spcFirstLastPara="0" vert="horz" wrap="square" lIns="99568" tIns="56896" rIns="99568" bIns="56896" numCol="1" spcCol="1270" anchor="ctr" anchorCtr="0">
-          <a:noAutofit/>
-        </a:bodyPr>
-        <a:lstStyle/>
-        <a:p>
-          <a:pPr lvl="0" algn="ctr" defTabSz="622300">
-            <a:lnSpc>
-              <a:spcPct val="90000"/>
-            </a:lnSpc>
-            <a:spcBef>
-              <a:spcPct val="0"/>
-            </a:spcBef>
-            <a:spcAft>
-              <a:spcPct val="35000"/>
-            </a:spcAft>
-          </a:pPr>
-          <a:r>
-            <a:rPr lang="es-CO" sz="1400" b="1" kern="1200" dirty="0" smtClean="0"/>
-            <a:t>Involucrados</a:t>
-          </a:r>
-          <a:endParaRPr lang="en-US" sz="1400" b="1" kern="1200" dirty="0"/>
-        </a:p>
-      </dsp:txBody>
-      <dsp:txXfrm>
-        <a:off x="4286697" y="87507"/>
-        <a:ext cx="2130732" cy="608411"/>
-      </dsp:txXfrm>
-    </dsp:sp>
-    <dsp:sp modelId="{2612D1CA-8455-4B2E-B566-31F386062C39}">
-      <dsp:nvSpPr>
-        <dsp:cNvPr id="0" name=""/>
-        <dsp:cNvSpPr/>
-      </dsp:nvSpPr>
-      <dsp:spPr>
-        <a:xfrm>
-          <a:off x="4280507" y="695918"/>
-          <a:ext cx="2143113" cy="2960990"/>
-        </a:xfrm>
-        <a:prstGeom prst="rect">
-          <a:avLst/>
-        </a:prstGeom>
-        <a:solidFill>
-          <a:schemeClr val="accent4">
-            <a:tint val="40000"/>
-            <a:alpha val="90000"/>
-            <a:hueOff val="0"/>
-            <a:satOff val="0"/>
-            <a:lumOff val="0"/>
-            <a:alphaOff val="0"/>
-          </a:schemeClr>
-        </a:solidFill>
-        <a:ln w="25400" cap="flat" cmpd="sng" algn="ctr">
-          <a:solidFill>
-            <a:schemeClr val="accent4">
-              <a:tint val="40000"/>
-              <a:alpha val="90000"/>
-              <a:hueOff val="0"/>
-              <a:satOff val="0"/>
-              <a:lumOff val="0"/>
-              <a:alphaOff val="0"/>
-            </a:schemeClr>
-          </a:solidFill>
-          <a:prstDash val="solid"/>
-        </a:ln>
-        <a:effectLst/>
-      </dsp:spPr>
-      <dsp:style>
-        <a:lnRef idx="2">
-          <a:scrgbClr r="0" g="0" b="0"/>
-        </a:lnRef>
-        <a:fillRef idx="1">
-          <a:scrgbClr r="0" g="0" b="0"/>
-        </a:fillRef>
-        <a:effectRef idx="0">
-          <a:scrgbClr r="0" g="0" b="0"/>
-        </a:effectRef>
-        <a:fontRef idx="minor"/>
-      </dsp:style>
-      <dsp:txBody>
-        <a:bodyPr spcFirstLastPara="0" vert="horz" wrap="square" lIns="74676" tIns="74676" rIns="99568" bIns="112014" numCol="1" spcCol="1270" anchor="t" anchorCtr="0">
-          <a:noAutofit/>
-        </a:bodyPr>
-        <a:lstStyle/>
-        <a:p>
-          <a:pPr marL="114300" lvl="1" indent="-114300" algn="l" defTabSz="622300">
-            <a:lnSpc>
-              <a:spcPct val="90000"/>
-            </a:lnSpc>
-            <a:spcBef>
-              <a:spcPct val="0"/>
-            </a:spcBef>
-            <a:spcAft>
-              <a:spcPct val="15000"/>
-            </a:spcAft>
-            <a:buChar char="••"/>
-          </a:pPr>
-          <a:r>
-            <a:rPr lang="es-ES_tradnl" sz="1400" b="0" kern="1200" dirty="0" smtClean="0"/>
-            <a:t>Empresas de Energía Colombianas</a:t>
-          </a:r>
-          <a:endParaRPr lang="en-US" sz="1400" b="0" kern="1200" dirty="0"/>
-        </a:p>
-        <a:p>
-          <a:pPr marL="114300" lvl="1" indent="-114300" algn="l" defTabSz="622300">
-            <a:lnSpc>
-              <a:spcPct val="90000"/>
-            </a:lnSpc>
-            <a:spcBef>
-              <a:spcPct val="0"/>
-            </a:spcBef>
-            <a:spcAft>
-              <a:spcPct val="15000"/>
-            </a:spcAft>
-            <a:buChar char="••"/>
-          </a:pPr>
-          <a:r>
-            <a:rPr lang="es-ES_tradnl" sz="1400" b="0" kern="1200" dirty="0" smtClean="0"/>
-            <a:t>Empresa de consultoría Ludus SAS (Patrocinador)</a:t>
-          </a:r>
-          <a:endParaRPr lang="en-US" sz="1400" b="0" kern="1200" dirty="0"/>
-        </a:p>
-        <a:p>
-          <a:pPr marL="114300" lvl="1" indent="-114300" algn="l" defTabSz="622300">
-            <a:lnSpc>
-              <a:spcPct val="90000"/>
-            </a:lnSpc>
-            <a:spcBef>
-              <a:spcPct val="0"/>
-            </a:spcBef>
-            <a:spcAft>
-              <a:spcPct val="15000"/>
-            </a:spcAft>
-            <a:buChar char="••"/>
-          </a:pPr>
-          <a:r>
-            <a:rPr lang="es-ES_tradnl" sz="1400" b="0" kern="1200" dirty="0" smtClean="0"/>
-            <a:t>CREG “Comisión de regulación de energía y gas”</a:t>
-          </a:r>
-          <a:endParaRPr lang="en-US" sz="1400" b="0" kern="1200" dirty="0"/>
-        </a:p>
-        <a:p>
-          <a:pPr marL="114300" lvl="1" indent="-114300" algn="l" defTabSz="622300">
-            <a:lnSpc>
-              <a:spcPct val="90000"/>
-            </a:lnSpc>
-            <a:spcBef>
-              <a:spcPct val="0"/>
-            </a:spcBef>
-            <a:spcAft>
-              <a:spcPct val="15000"/>
-            </a:spcAft>
-            <a:buChar char="••"/>
-          </a:pPr>
-          <a:r>
-            <a:rPr lang="es-ES_tradnl" sz="1400" b="0" kern="1200" dirty="0" smtClean="0"/>
-            <a:t>Sociedad</a:t>
-          </a:r>
-          <a:endParaRPr lang="en-US" sz="1400" b="0" kern="1200" dirty="0"/>
-        </a:p>
-        <a:p>
-          <a:pPr marL="114300" lvl="1" indent="-114300" algn="l" defTabSz="622300">
-            <a:lnSpc>
-              <a:spcPct val="90000"/>
-            </a:lnSpc>
-            <a:spcBef>
-              <a:spcPct val="0"/>
-            </a:spcBef>
-            <a:spcAft>
-              <a:spcPct val="15000"/>
-            </a:spcAft>
-            <a:buChar char="••"/>
-          </a:pPr>
-          <a:r>
-            <a:rPr lang="es-ES_tradnl" sz="1400" b="0" kern="1200" dirty="0" smtClean="0"/>
-            <a:t>Proveedores eléctricos</a:t>
-          </a:r>
-          <a:endParaRPr lang="en-US" sz="1400" b="0" kern="1200" dirty="0"/>
-        </a:p>
-        <a:p>
-          <a:pPr marL="114300" lvl="1" indent="-114300" algn="l" defTabSz="622300">
-            <a:lnSpc>
-              <a:spcPct val="90000"/>
-            </a:lnSpc>
-            <a:spcBef>
-              <a:spcPct val="0"/>
-            </a:spcBef>
-            <a:spcAft>
-              <a:spcPct val="15000"/>
-            </a:spcAft>
-            <a:buChar char="••"/>
-          </a:pPr>
-          <a:r>
-            <a:rPr lang="es-ES_tradnl" sz="1400" b="0" kern="1200" dirty="0" smtClean="0"/>
-            <a:t>ONG</a:t>
-          </a:r>
-          <a:endParaRPr lang="en-US" sz="1400" b="0" kern="1200" dirty="0"/>
-        </a:p>
-      </dsp:txBody>
-      <dsp:txXfrm>
-        <a:off x="4280507" y="695918"/>
-        <a:ext cx="2143113" cy="2960990"/>
-      </dsp:txXfrm>
-    </dsp:sp>
-    <dsp:sp modelId="{DFCCC5D2-772A-4CC7-B7A5-BE236F80F4D4}">
-      <dsp:nvSpPr>
-        <dsp:cNvPr id="0" name=""/>
-        <dsp:cNvSpPr/>
-      </dsp:nvSpPr>
-      <dsp:spPr>
-        <a:xfrm>
-          <a:off x="6642839" y="87507"/>
-          <a:ext cx="1988090" cy="608411"/>
-        </a:xfrm>
-        <a:prstGeom prst="rect">
-          <a:avLst/>
-        </a:prstGeom>
-        <a:solidFill>
-          <a:schemeClr val="accent5">
-            <a:hueOff val="0"/>
-            <a:satOff val="0"/>
-            <a:lumOff val="0"/>
-            <a:alphaOff val="0"/>
-          </a:schemeClr>
-        </a:solidFill>
-        <a:ln w="25400" cap="flat" cmpd="sng" algn="ctr">
-          <a:solidFill>
-            <a:schemeClr val="accent5">
-              <a:hueOff val="0"/>
-              <a:satOff val="0"/>
-              <a:lumOff val="0"/>
-              <a:alphaOff val="0"/>
-            </a:schemeClr>
-          </a:solidFill>
-          <a:prstDash val="solid"/>
-        </a:ln>
-        <a:effectLst/>
-      </dsp:spPr>
-      <dsp:style>
-        <a:lnRef idx="2">
-          <a:scrgbClr r="0" g="0" b="0"/>
-        </a:lnRef>
-        <a:fillRef idx="1">
-          <a:scrgbClr r="0" g="0" b="0"/>
-        </a:fillRef>
-        <a:effectRef idx="0">
-          <a:scrgbClr r="0" g="0" b="0"/>
-        </a:effectRef>
-        <a:fontRef idx="minor">
-          <a:schemeClr val="lt1"/>
-        </a:fontRef>
-      </dsp:style>
-      <dsp:txBody>
-        <a:bodyPr spcFirstLastPara="0" vert="horz" wrap="square" lIns="99568" tIns="56896" rIns="99568" bIns="56896" numCol="1" spcCol="1270" anchor="ctr" anchorCtr="0">
-          <a:noAutofit/>
-        </a:bodyPr>
-        <a:lstStyle/>
-        <a:p>
-          <a:pPr lvl="0" algn="ctr" defTabSz="622300">
-            <a:lnSpc>
-              <a:spcPct val="90000"/>
-            </a:lnSpc>
-            <a:spcBef>
-              <a:spcPct val="0"/>
-            </a:spcBef>
-            <a:spcAft>
-              <a:spcPct val="35000"/>
-            </a:spcAft>
-          </a:pPr>
-          <a:r>
-            <a:rPr lang="es-CO" sz="1400" b="1" kern="1200" dirty="0" smtClean="0"/>
-            <a:t>Estudios Aplicados</a:t>
-          </a:r>
-          <a:endParaRPr lang="en-US" sz="1400" b="1" kern="1200" dirty="0"/>
-        </a:p>
-      </dsp:txBody>
-      <dsp:txXfrm>
-        <a:off x="6642839" y="87507"/>
-        <a:ext cx="1988090" cy="608411"/>
-      </dsp:txXfrm>
-    </dsp:sp>
-    <dsp:sp modelId="{4EB6F09F-196C-40CF-8745-F01952ACC4D5}">
-      <dsp:nvSpPr>
-        <dsp:cNvPr id="0" name=""/>
-        <dsp:cNvSpPr/>
-      </dsp:nvSpPr>
-      <dsp:spPr>
-        <a:xfrm>
-          <a:off x="6636565" y="695918"/>
-          <a:ext cx="2000639" cy="2960990"/>
-        </a:xfrm>
-        <a:prstGeom prst="rect">
-          <a:avLst/>
-        </a:prstGeom>
-        <a:solidFill>
-          <a:schemeClr val="accent5">
-            <a:tint val="40000"/>
-            <a:alpha val="90000"/>
-            <a:hueOff val="0"/>
-            <a:satOff val="0"/>
-            <a:lumOff val="0"/>
-            <a:alphaOff val="0"/>
-          </a:schemeClr>
-        </a:solidFill>
-        <a:ln w="25400" cap="flat" cmpd="sng" algn="ctr">
-          <a:solidFill>
-            <a:schemeClr val="accent5">
-              <a:tint val="40000"/>
-              <a:alpha val="90000"/>
-              <a:hueOff val="0"/>
-              <a:satOff val="0"/>
-              <a:lumOff val="0"/>
-              <a:alphaOff val="0"/>
-            </a:schemeClr>
-          </a:solidFill>
-          <a:prstDash val="solid"/>
-        </a:ln>
-        <a:effectLst/>
-      </dsp:spPr>
-      <dsp:style>
-        <a:lnRef idx="2">
-          <a:scrgbClr r="0" g="0" b="0"/>
-        </a:lnRef>
-        <a:fillRef idx="1">
-          <a:scrgbClr r="0" g="0" b="0"/>
-        </a:fillRef>
-        <a:effectRef idx="0">
-          <a:scrgbClr r="0" g="0" b="0"/>
-        </a:effectRef>
-        <a:fontRef idx="minor"/>
-      </dsp:style>
-      <dsp:txBody>
-        <a:bodyPr spcFirstLastPara="0" vert="horz" wrap="square" lIns="74676" tIns="74676" rIns="99568" bIns="112014" numCol="1" spcCol="1270" anchor="t" anchorCtr="0">
-          <a:noAutofit/>
-        </a:bodyPr>
-        <a:lstStyle/>
-        <a:p>
-          <a:pPr marL="114300" lvl="1" indent="-114300" algn="l" defTabSz="622300">
-            <a:lnSpc>
-              <a:spcPct val="90000"/>
-            </a:lnSpc>
-            <a:spcBef>
-              <a:spcPct val="0"/>
-            </a:spcBef>
-            <a:spcAft>
-              <a:spcPct val="15000"/>
-            </a:spcAft>
-            <a:buChar char="••"/>
-          </a:pPr>
-          <a:r>
-            <a:rPr lang="es-ES_tradnl" sz="1400" b="0" kern="1200" dirty="0" smtClean="0"/>
-            <a:t>Estudio Legal</a:t>
-          </a:r>
-          <a:endParaRPr lang="en-US" sz="1400" b="0" kern="1200" dirty="0"/>
-        </a:p>
-        <a:p>
-          <a:pPr marL="114300" lvl="1" indent="-114300" algn="l" defTabSz="622300">
-            <a:lnSpc>
-              <a:spcPct val="90000"/>
-            </a:lnSpc>
-            <a:spcBef>
-              <a:spcPct val="0"/>
-            </a:spcBef>
-            <a:spcAft>
-              <a:spcPct val="15000"/>
-            </a:spcAft>
-            <a:buChar char="••"/>
-          </a:pPr>
-          <a:r>
-            <a:rPr lang="es-ES_tradnl" sz="1400" b="0" kern="1200" dirty="0" smtClean="0"/>
-            <a:t>Estudio de Mercado</a:t>
-          </a:r>
-          <a:endParaRPr lang="en-US" sz="1400" b="0" kern="1200" dirty="0"/>
-        </a:p>
-        <a:p>
-          <a:pPr marL="114300" lvl="1" indent="-114300" algn="l" defTabSz="622300">
-            <a:lnSpc>
-              <a:spcPct val="90000"/>
-            </a:lnSpc>
-            <a:spcBef>
-              <a:spcPct val="0"/>
-            </a:spcBef>
-            <a:spcAft>
-              <a:spcPct val="15000"/>
-            </a:spcAft>
-            <a:buChar char="••"/>
-          </a:pPr>
-          <a:r>
-            <a:rPr lang="es-ES_tradnl" sz="1400" b="0" kern="1200" dirty="0" smtClean="0"/>
-            <a:t>Estudio Financiero</a:t>
-          </a:r>
-          <a:endParaRPr lang="en-US" sz="1400" b="0" kern="1200" dirty="0"/>
-        </a:p>
-        <a:p>
-          <a:pPr marL="114300" lvl="1" indent="-114300" algn="l" defTabSz="622300">
-            <a:lnSpc>
-              <a:spcPct val="90000"/>
-            </a:lnSpc>
-            <a:spcBef>
-              <a:spcPct val="0"/>
-            </a:spcBef>
-            <a:spcAft>
-              <a:spcPct val="15000"/>
-            </a:spcAft>
-            <a:buChar char="••"/>
-          </a:pPr>
-          <a:r>
-            <a:rPr lang="es-ES_tradnl" sz="1400" b="0" kern="1200" dirty="0" smtClean="0"/>
-            <a:t>Estudio Ambiental</a:t>
-          </a:r>
-          <a:endParaRPr lang="en-US" sz="1400" b="0" kern="1200" dirty="0"/>
-        </a:p>
-      </dsp:txBody>
-      <dsp:txXfrm>
-        <a:off x="6636565" y="695918"/>
-        <a:ext cx="2000639" cy="2960990"/>
-      </dsp:txXfrm>
-    </dsp:sp>
   </dsp:spTree>
 </dsp:drawing>
 </file>
@@ -16546,7 +15211,7 @@
                 <a:latin typeface="Tahoma" pitchFamily="34" charset="0"/>
                 <a:cs typeface="Tahoma" pitchFamily="34" charset="0"/>
               </a:rPr>
-              <a:t>ELABORADO POR:</a:t>
+              <a:t>ELABORADO POR:  </a:t>
             </a:r>
           </a:p>
           <a:p>
@@ -24333,8 +22998,8 @@
         </p:blipFill>
         <p:spPr bwMode="auto">
           <a:xfrm>
-            <a:off x="1765935" y="2201545"/>
-            <a:ext cx="5612130" cy="2454910"/>
+            <a:off x="755576" y="1700808"/>
+            <a:ext cx="7722764" cy="4248471"/>
           </a:xfrm>
           <a:prstGeom prst="rect">
             <a:avLst/>
@@ -24630,15 +23295,17 @@
           </a:xfrm>
         </p:spPr>
         <p:txBody>
-          <a:bodyPr/>
+          <a:bodyPr>
+            <a:normAutofit/>
+          </a:bodyPr>
           <a:lstStyle/>
           <a:p>
             <a:pPr algn="l"/>
             <a:r>
-              <a:rPr lang="es-CO" dirty="0" smtClean="0"/>
+              <a:rPr lang="es-CO" sz="3600" dirty="0" smtClean="0"/>
               <a:t>Agenda</a:t>
             </a:r>
-            <a:endParaRPr lang="en-US" dirty="0"/>
+            <a:endParaRPr lang="en-US" sz="3600" dirty="0"/>
           </a:p>
         </p:txBody>
       </p:sp>
@@ -24734,7 +23401,12 @@
             <p:ph idx="1"/>
           </p:nvPr>
         </p:nvSpPr>
-        <p:spPr/>
+        <p:spPr>
+          <a:xfrm>
+            <a:off x="1187624" y="1619672"/>
+            <a:ext cx="8229600" cy="4525963"/>
+          </a:xfrm>
+        </p:spPr>
         <p:txBody>
           <a:bodyPr>
             <a:normAutofit fontScale="77500" lnSpcReduction="20000"/>
@@ -24745,11 +23417,7 @@
               <a:buNone/>
             </a:pPr>
             <a:r>
-              <a:rPr lang="es-CO" sz="2400" dirty="0">
-                <a:solidFill>
-                  <a:schemeClr val="tx2"/>
-                </a:solidFill>
-              </a:rPr>
+              <a:rPr lang="es-CO" sz="2400" dirty="0"/>
               <a:t>1. INTRODUCCIÓN AL PROYECTO</a:t>
             </a:r>
           </a:p>
@@ -24758,11 +23426,7 @@
               <a:buNone/>
             </a:pPr>
             <a:r>
-              <a:rPr lang="es-CO" sz="2400" dirty="0">
-                <a:solidFill>
-                  <a:schemeClr val="tx2"/>
-                </a:solidFill>
-              </a:rPr>
+              <a:rPr lang="es-CO" sz="2400" dirty="0"/>
               <a:t>2. OBJETIVOS DEL PROYECTO</a:t>
             </a:r>
           </a:p>
@@ -24771,11 +23435,7 @@
               <a:buNone/>
             </a:pPr>
             <a:r>
-              <a:rPr lang="es-CO" sz="2400" dirty="0">
-                <a:solidFill>
-                  <a:schemeClr val="tx2"/>
-                </a:solidFill>
-              </a:rPr>
+              <a:rPr lang="es-CO" sz="2400" dirty="0"/>
               <a:t>3. GENERALIDADES DEL PROYECTO</a:t>
             </a:r>
           </a:p>
@@ -24784,11 +23444,7 @@
               <a:buNone/>
             </a:pPr>
             <a:r>
-              <a:rPr lang="es-CO" sz="2400" dirty="0">
-                <a:solidFill>
-                  <a:schemeClr val="tx2"/>
-                </a:solidFill>
-              </a:rPr>
+              <a:rPr lang="es-CO" sz="2400" dirty="0"/>
               <a:t>4. COSTOS DEL PROYECTO</a:t>
             </a:r>
           </a:p>
@@ -24797,11 +23453,7 @@
               <a:buNone/>
             </a:pPr>
             <a:r>
-              <a:rPr lang="es-CO" sz="2400" dirty="0">
-                <a:solidFill>
-                  <a:schemeClr val="tx2"/>
-                </a:solidFill>
-              </a:rPr>
+              <a:rPr lang="es-CO" sz="2400" dirty="0"/>
               <a:t>5. PLAN DE TRABAJO DEL PROYECTO</a:t>
             </a:r>
           </a:p>
@@ -24810,11 +23462,7 @@
               <a:buNone/>
             </a:pPr>
             <a:r>
-              <a:rPr lang="es-CO" sz="2400" dirty="0">
-                <a:solidFill>
-                  <a:schemeClr val="tx2"/>
-                </a:solidFill>
-              </a:rPr>
+              <a:rPr lang="es-CO" sz="2400" dirty="0"/>
               <a:t>6. RIESGOS DEL PROYECTO</a:t>
             </a:r>
           </a:p>
@@ -24823,11 +23471,7 @@
               <a:buNone/>
             </a:pPr>
             <a:r>
-              <a:rPr lang="es-CO" sz="2400" dirty="0">
-                <a:solidFill>
-                  <a:schemeClr val="tx2"/>
-                </a:solidFill>
-              </a:rPr>
+              <a:rPr lang="es-CO" sz="2400" dirty="0"/>
               <a:t>7. ESTRATEGIA DE IMPLEMENTACIÓN</a:t>
             </a:r>
           </a:p>
@@ -24836,11 +23480,7 @@
               <a:buNone/>
             </a:pPr>
             <a:r>
-              <a:rPr lang="es-CO" sz="2400" dirty="0">
-                <a:solidFill>
-                  <a:schemeClr val="tx2"/>
-                </a:solidFill>
-              </a:rPr>
+              <a:rPr lang="es-CO" sz="2400" dirty="0"/>
               <a:t>8. FASES DE IMPLEMENTACIÓN</a:t>
             </a:r>
           </a:p>
@@ -24849,11 +23489,7 @@
               <a:buNone/>
             </a:pPr>
             <a:r>
-              <a:rPr lang="es-CO" sz="2400" dirty="0">
-                <a:solidFill>
-                  <a:schemeClr val="tx2"/>
-                </a:solidFill>
-              </a:rPr>
+              <a:rPr lang="es-CO" sz="2400" dirty="0"/>
               <a:t>9. DISEÑO DE LA SOLUCIÓN</a:t>
             </a:r>
           </a:p>
@@ -24862,11 +23498,7 @@
               <a:buNone/>
             </a:pPr>
             <a:r>
-              <a:rPr lang="es-CO" sz="2400" dirty="0">
-                <a:solidFill>
-                  <a:schemeClr val="tx2"/>
-                </a:solidFill>
-              </a:rPr>
+              <a:rPr lang="es-CO" sz="2400" dirty="0"/>
               <a:t>10. PROTOTIPO DE LA SOLUCIÓN</a:t>
             </a:r>
           </a:p>
@@ -24875,11 +23507,7 @@
               <a:buNone/>
             </a:pPr>
             <a:r>
-              <a:rPr lang="es-CO" sz="2400" dirty="0">
-                <a:solidFill>
-                  <a:schemeClr val="tx2"/>
-                </a:solidFill>
-              </a:rPr>
+              <a:rPr lang="es-CO" sz="2400" dirty="0"/>
               <a:t>11. DESEMPEÑO Y CALIDAD (MÉTRICAS)</a:t>
             </a:r>
           </a:p>
@@ -24888,11 +23516,7 @@
               <a:buNone/>
             </a:pPr>
             <a:r>
-              <a:rPr lang="es-CO" sz="2400" dirty="0">
-                <a:solidFill>
-                  <a:schemeClr val="tx2"/>
-                </a:solidFill>
-              </a:rPr>
+              <a:rPr lang="es-CO" sz="2400" dirty="0"/>
               <a:t>12. PLAN DE PRUEBAS</a:t>
             </a:r>
           </a:p>
@@ -24901,11 +23525,7 @@
               <a:buNone/>
             </a:pPr>
             <a:r>
-              <a:rPr lang="es-CO" sz="2400" dirty="0">
-                <a:solidFill>
-                  <a:schemeClr val="tx2"/>
-                </a:solidFill>
-              </a:rPr>
+              <a:rPr lang="es-CO" sz="2400" dirty="0"/>
               <a:t>13. SERVICIOS POST IMPLEMENTACIÓN</a:t>
             </a:r>
           </a:p>
@@ -24914,11 +23534,7 @@
               <a:buNone/>
             </a:pPr>
             <a:r>
-              <a:rPr lang="es-CO" sz="2400" dirty="0">
-                <a:solidFill>
-                  <a:schemeClr val="tx2"/>
-                </a:solidFill>
-              </a:rPr>
+              <a:rPr lang="es-CO" sz="2400" dirty="0"/>
               <a:t>14. MARCO DE VIGILANCIA Y LEGAL</a:t>
             </a:r>
           </a:p>
@@ -24927,67 +23543,36 @@
               <a:buNone/>
             </a:pPr>
             <a:r>
-              <a:rPr lang="es-CO" sz="2400" dirty="0">
-                <a:solidFill>
-                  <a:schemeClr val="tx2"/>
-                </a:solidFill>
-              </a:rPr>
-              <a:t>Preguntas</a:t>
+              <a:rPr lang="es-CO" sz="2400" smtClean="0"/>
+              <a:t>Preguntas </a:t>
             </a:r>
-            <a:endParaRPr lang="es-ES" sz="2400" dirty="0">
-              <a:solidFill>
-                <a:schemeClr val="tx2"/>
-              </a:solidFill>
-            </a:endParaRPr>
           </a:p>
           <a:p>
-            <a:endParaRPr lang="es-ES" sz="2400" dirty="0">
-              <a:solidFill>
-                <a:schemeClr val="tx2"/>
-              </a:solidFill>
-            </a:endParaRPr>
+            <a:pPr marL="0" indent="0">
+              <a:buNone/>
+            </a:pPr>
+            <a:endParaRPr lang="es-ES" sz="2400" dirty="0"/>
           </a:p>
           <a:p>
-            <a:endParaRPr lang="es-ES" sz="2400" dirty="0">
-              <a:solidFill>
-                <a:schemeClr val="tx2"/>
-              </a:solidFill>
-            </a:endParaRPr>
+            <a:endParaRPr lang="es-ES" sz="2400" dirty="0"/>
           </a:p>
           <a:p>
-            <a:endParaRPr lang="es-CO" sz="2400" dirty="0" smtClean="0">
-              <a:solidFill>
-                <a:schemeClr val="tx2"/>
-              </a:solidFill>
-            </a:endParaRPr>
+            <a:endParaRPr lang="es-ES" sz="2400" dirty="0"/>
           </a:p>
           <a:p>
-            <a:endParaRPr lang="es-ES" sz="2400" dirty="0">
-              <a:solidFill>
-                <a:schemeClr val="tx2"/>
-              </a:solidFill>
-            </a:endParaRPr>
+            <a:endParaRPr lang="es-CO" sz="2400" dirty="0" smtClean="0"/>
           </a:p>
           <a:p>
-            <a:endParaRPr lang="es-CO" sz="2800" dirty="0" smtClean="0">
-              <a:solidFill>
-                <a:schemeClr val="tx2"/>
-              </a:solidFill>
-            </a:endParaRPr>
+            <a:endParaRPr lang="es-ES" sz="2400" dirty="0"/>
           </a:p>
           <a:p>
-            <a:endParaRPr lang="es-ES" sz="2800" dirty="0">
-              <a:solidFill>
-                <a:schemeClr val="tx2"/>
-              </a:solidFill>
-            </a:endParaRPr>
+            <a:endParaRPr lang="es-CO" sz="2800" dirty="0" smtClean="0"/>
           </a:p>
           <a:p>
-            <a:endParaRPr lang="es-ES" dirty="0">
-              <a:solidFill>
-                <a:schemeClr val="tx2"/>
-              </a:solidFill>
-            </a:endParaRPr>
+            <a:endParaRPr lang="es-ES" sz="2800" dirty="0"/>
+          </a:p>
+          <a:p>
+            <a:endParaRPr lang="es-ES" dirty="0"/>
           </a:p>
           <a:p>
             <a:endParaRPr lang="es-CO" dirty="0"/>
@@ -27465,43 +26050,6 @@
       </p:grpSpPr>
       <p:pic>
         <p:nvPicPr>
-          <p:cNvPr id="5" name="Imagen 34"/>
-          <p:cNvPicPr>
-            <a:picLocks noGrp="1"/>
-          </p:cNvPicPr>
-          <p:nvPr>
-            <p:ph idx="1"/>
-          </p:nvPr>
-        </p:nvPicPr>
-        <p:blipFill>
-          <a:blip r:embed="rId2" cstate="print">
-            <a:extLst>
-              <a:ext uri="{28A0092B-C50C-407E-A947-70E740481C1C}">
-                <a14:useLocalDpi xmlns:a14="http://schemas.microsoft.com/office/drawing/2010/main" val="0"/>
-              </a:ext>
-            </a:extLst>
-          </a:blip>
-          <a:srcRect/>
-          <a:stretch>
-            <a:fillRect/>
-          </a:stretch>
-        </p:blipFill>
-        <p:spPr bwMode="auto">
-          <a:xfrm>
-            <a:off x="1043829" y="1600200"/>
-            <a:ext cx="7056342" cy="4525963"/>
-          </a:xfrm>
-          <a:prstGeom prst="rect">
-            <a:avLst/>
-          </a:prstGeom>
-          <a:noFill/>
-          <a:ln>
-            <a:noFill/>
-          </a:ln>
-        </p:spPr>
-      </p:pic>
-      <p:pic>
-        <p:nvPicPr>
           <p:cNvPr id="6" name="Picture 2" descr="Resultado de imagen de online business school"/>
           <p:cNvPicPr>
             <a:picLocks noChangeAspect="1" noChangeArrowheads="1"/>
@@ -27509,7 +26057,7 @@
           <p:nvPr/>
         </p:nvPicPr>
         <p:blipFill>
-          <a:blip r:embed="rId3" cstate="print">
+          <a:blip r:embed="rId2" cstate="print">
             <a:extLst>
               <a:ext uri="{28A0092B-C50C-407E-A947-70E740481C1C}">
                 <a14:useLocalDpi xmlns:a14="http://schemas.microsoft.com/office/drawing/2010/main" val="0"/>
@@ -27550,7 +26098,7 @@
           <p:nvPr/>
         </p:nvPicPr>
         <p:blipFill>
-          <a:blip r:embed="rId4" cstate="print">
+          <a:blip r:embed="rId3" cstate="print">
             <a:extLst>
               <a:ext uri="{28A0092B-C50C-407E-A947-70E740481C1C}">
                 <a14:useLocalDpi xmlns:a14="http://schemas.microsoft.com/office/drawing/2010/main" val="0"/>
@@ -27681,6 +26229,60 @@
           </a:p>
         </p:txBody>
       </p:sp>
+      <p:pic>
+        <p:nvPicPr>
+          <p:cNvPr id="3" name="Imagen 2"/>
+          <p:cNvPicPr>
+            <a:picLocks noChangeAspect="1"/>
+          </p:cNvPicPr>
+          <p:nvPr/>
+        </p:nvPicPr>
+        <p:blipFill>
+          <a:blip r:embed="rId4"/>
+          <a:stretch>
+            <a:fillRect/>
+          </a:stretch>
+        </p:blipFill>
+        <p:spPr>
+          <a:xfrm>
+            <a:off x="241696" y="1159547"/>
+            <a:ext cx="8618953" cy="5005757"/>
+          </a:xfrm>
+          <a:prstGeom prst="rect">
+            <a:avLst/>
+          </a:prstGeom>
+        </p:spPr>
+      </p:pic>
+      <p:sp>
+        <p:nvSpPr>
+          <p:cNvPr id="4" name="CuadroTexto 3"/>
+          <p:cNvSpPr txBox="1"/>
+          <p:nvPr/>
+        </p:nvSpPr>
+        <p:spPr>
+          <a:xfrm>
+            <a:off x="263096" y="6261093"/>
+            <a:ext cx="2818785" cy="276999"/>
+          </a:xfrm>
+          <a:prstGeom prst="rect">
+            <a:avLst/>
+          </a:prstGeom>
+          <a:noFill/>
+        </p:spPr>
+        <p:txBody>
+          <a:bodyPr wrap="none" rtlCol="0">
+            <a:spAutoFit/>
+          </a:bodyPr>
+          <a:lstStyle/>
+          <a:p>
+            <a:r>
+              <a:rPr lang="es-CO" sz="1200" dirty="0" smtClean="0"/>
+              <a:t>Ver: EDT a detalle y cronograma a detalle  </a:t>
+            </a:r>
+            <a:endParaRPr lang="es-CO" sz="1200" dirty="0"/>
+          </a:p>
+        </p:txBody>
+      </p:sp>
     </p:spTree>
     <p:extLst>
       <p:ext uri="{BB962C8B-B14F-4D97-AF65-F5344CB8AC3E}">
@@ -29730,7 +28332,7 @@
           <p:nvPr>
             <p:extLst>
               <p:ext uri="{D42A27DB-BD31-4B8C-83A1-F6EECF244321}">
-                <p14:modId xmlns:p14="http://schemas.microsoft.com/office/powerpoint/2010/main" val="1601975437"/>
+                <p14:modId xmlns:p14="http://schemas.microsoft.com/office/powerpoint/2010/main" val="1816238248"/>
               </p:ext>
             </p:extLst>
           </p:nvPr>
@@ -29821,8 +28423,8 @@
                     <a:p>
                       <a:pPr algn="ctr"/>
                       <a:r>
-                        <a:rPr lang="es-CO" u="sng" dirty="0" smtClean="0"/>
-                        <a:t>6</a:t>
+                        <a:rPr lang="es-CO" u="sng" smtClean="0"/>
+                        <a:t>6 </a:t>
                       </a:r>
                       <a:endParaRPr lang="en-US" u="sng" dirty="0"/>
                     </a:p>

--- a/PresentacionTFM.pptx
+++ b/PresentacionTFM.pptx
@@ -159,6 +159,7 @@
   </mc:AlternateContent>
   <c:chart>
     <c:title>
+      <c:layout/>
       <c:overlay val="0"/>
     </c:title>
     <c:autoTitleDeleted val="0"/>
@@ -392,11 +393,11 @@
           <c:showBubbleSize val="0"/>
         </c:dLbls>
         <c:gapWidth val="150"/>
-        <c:axId val="287134848"/>
-        <c:axId val="287135240"/>
+        <c:axId val="278559640"/>
+        <c:axId val="278560424"/>
       </c:barChart>
       <c:catAx>
-        <c:axId val="287134848"/>
+        <c:axId val="278559640"/>
         <c:scaling>
           <c:orientation val="minMax"/>
         </c:scaling>
@@ -406,7 +407,7 @@
         <c:majorTickMark val="none"/>
         <c:minorTickMark val="none"/>
         <c:tickLblPos val="nextTo"/>
-        <c:crossAx val="287135240"/>
+        <c:crossAx val="278560424"/>
         <c:crosses val="autoZero"/>
         <c:auto val="1"/>
         <c:lblAlgn val="ctr"/>
@@ -414,7 +415,7 @@
         <c:noMultiLvlLbl val="0"/>
       </c:catAx>
       <c:valAx>
-        <c:axId val="287135240"/>
+        <c:axId val="278560424"/>
         <c:scaling>
           <c:orientation val="minMax"/>
         </c:scaling>
@@ -422,13 +423,14 @@
         <c:axPos val="b"/>
         <c:majorGridlines/>
         <c:title>
+          <c:layout/>
           <c:overlay val="0"/>
         </c:title>
         <c:numFmt formatCode="0%" sourceLinked="1"/>
         <c:majorTickMark val="none"/>
         <c:minorTickMark val="none"/>
         <c:tickLblPos val="nextTo"/>
-        <c:crossAx val="287134848"/>
+        <c:crossAx val="278559640"/>
         <c:crosses val="autoZero"/>
         <c:crossBetween val="between"/>
       </c:valAx>
@@ -3728,12 +3730,12 @@
             <a:t>Diseñar una herramienta </a:t>
           </a:r>
           <a:r>
-            <a:rPr lang="es-ES" sz="1400" b="1" dirty="0" err="1" smtClean="0"/>
-            <a:t>tecnologíca</a:t>
+            <a:rPr lang="es-ES" sz="1400" b="1" dirty="0" smtClean="0"/>
+            <a:t>tecnológica </a:t>
           </a:r>
           <a:r>
             <a:rPr lang="es-ES" sz="1400" b="1" dirty="0" smtClean="0"/>
-            <a:t> que analice todos los datos de consumo</a:t>
+            <a:t>que analice todos los datos de consumo</a:t>
           </a:r>
           <a:endParaRPr lang="es-ES" sz="1400" b="1" dirty="0"/>
         </a:p>
@@ -3785,7 +3787,15 @@
         <a:p>
           <a:r>
             <a:rPr lang="es-CO" sz="1200" b="1" dirty="0" smtClean="0"/>
-            <a:t>Utilizar la infraestructura actual y la proyecta para mejorar la medición </a:t>
+            <a:t>Utilizar la infraestructura actual y la </a:t>
+          </a:r>
+          <a:r>
+            <a:rPr lang="es-CO" sz="1200" b="1" dirty="0" smtClean="0"/>
+            <a:t>proyectada </a:t>
+          </a:r>
+          <a:r>
+            <a:rPr lang="es-CO" sz="1200" b="1" dirty="0" smtClean="0"/>
+            <a:t>para mejorar la medición </a:t>
           </a:r>
           <a:endParaRPr lang="es-ES" sz="1200" b="1" dirty="0"/>
         </a:p>
@@ -6621,6 +6631,511 @@
       <dsp:cNvGrpSpPr/>
     </dsp:nvGrpSpPr>
     <dsp:grpSpPr/>
+    <dsp:sp modelId="{58606CD1-2FAF-4221-8B46-E52A39B1C659}">
+      <dsp:nvSpPr>
+        <dsp:cNvPr id="0" name=""/>
+        <dsp:cNvSpPr/>
+      </dsp:nvSpPr>
+      <dsp:spPr>
+        <a:xfrm>
+          <a:off x="2357447" y="214316"/>
+          <a:ext cx="4072698" cy="1906811"/>
+        </a:xfrm>
+        <a:prstGeom prst="ellipse">
+          <a:avLst/>
+        </a:prstGeom>
+        <a:solidFill>
+          <a:schemeClr val="dk2">
+            <a:tint val="50000"/>
+            <a:alpha val="40000"/>
+            <a:hueOff val="0"/>
+            <a:satOff val="0"/>
+            <a:lumOff val="0"/>
+            <a:alphaOff val="0"/>
+          </a:schemeClr>
+        </a:solidFill>
+        <a:ln>
+          <a:noFill/>
+        </a:ln>
+        <a:effectLst/>
+      </dsp:spPr>
+      <dsp:style>
+        <a:lnRef idx="0">
+          <a:scrgbClr r="0" g="0" b="0"/>
+        </a:lnRef>
+        <a:fillRef idx="1">
+          <a:scrgbClr r="0" g="0" b="0"/>
+        </a:fillRef>
+        <a:effectRef idx="0">
+          <a:scrgbClr r="0" g="0" b="0"/>
+        </a:effectRef>
+        <a:fontRef idx="minor"/>
+      </dsp:style>
+    </dsp:sp>
+    <dsp:sp modelId="{193AA5AF-3265-4384-963E-341EA8CC2434}">
+      <dsp:nvSpPr>
+        <dsp:cNvPr id="0" name=""/>
+        <dsp:cNvSpPr/>
+      </dsp:nvSpPr>
+      <dsp:spPr>
+        <a:xfrm>
+          <a:off x="3782224" y="2858091"/>
+          <a:ext cx="1117701" cy="1450025"/>
+        </a:xfrm>
+        <a:prstGeom prst="downArrow">
+          <a:avLst/>
+        </a:prstGeom>
+        <a:solidFill>
+          <a:schemeClr val="dk2">
+            <a:tint val="60000"/>
+            <a:hueOff val="0"/>
+            <a:satOff val="0"/>
+            <a:lumOff val="0"/>
+            <a:alphaOff val="0"/>
+          </a:schemeClr>
+        </a:solidFill>
+        <a:ln w="25400" cap="flat" cmpd="sng" algn="ctr">
+          <a:solidFill>
+            <a:schemeClr val="lt2">
+              <a:hueOff val="0"/>
+              <a:satOff val="0"/>
+              <a:lumOff val="0"/>
+              <a:alphaOff val="0"/>
+            </a:schemeClr>
+          </a:solidFill>
+          <a:prstDash val="solid"/>
+        </a:ln>
+        <a:effectLst/>
+      </dsp:spPr>
+      <dsp:style>
+        <a:lnRef idx="2">
+          <a:scrgbClr r="0" g="0" b="0"/>
+        </a:lnRef>
+        <a:fillRef idx="1">
+          <a:scrgbClr r="0" g="0" b="0"/>
+        </a:fillRef>
+        <a:effectRef idx="0">
+          <a:scrgbClr r="0" g="0" b="0"/>
+        </a:effectRef>
+        <a:fontRef idx="minor"/>
+      </dsp:style>
+    </dsp:sp>
+    <dsp:sp modelId="{FDFD540A-D152-4509-99EE-8288730A10B3}">
+      <dsp:nvSpPr>
+        <dsp:cNvPr id="0" name=""/>
+        <dsp:cNvSpPr/>
+      </dsp:nvSpPr>
+      <dsp:spPr>
+        <a:xfrm>
+          <a:off x="1837998" y="3820542"/>
+          <a:ext cx="5182283" cy="2092411"/>
+        </a:xfrm>
+        <a:prstGeom prst="rect">
+          <a:avLst/>
+        </a:prstGeom>
+        <a:noFill/>
+        <a:ln>
+          <a:noFill/>
+        </a:ln>
+        <a:effectLst/>
+      </dsp:spPr>
+      <dsp:style>
+        <a:lnRef idx="0">
+          <a:scrgbClr r="0" g="0" b="0"/>
+        </a:lnRef>
+        <a:fillRef idx="0">
+          <a:scrgbClr r="0" g="0" b="0"/>
+        </a:fillRef>
+        <a:effectRef idx="0">
+          <a:scrgbClr r="0" g="0" b="0"/>
+        </a:effectRef>
+        <a:fontRef idx="minor"/>
+      </dsp:style>
+      <dsp:txBody>
+        <a:bodyPr spcFirstLastPara="0" vert="horz" wrap="square" lIns="170688" tIns="170688" rIns="170688" bIns="170688" numCol="1" spcCol="1270" anchor="ctr" anchorCtr="0">
+          <a:noAutofit/>
+        </a:bodyPr>
+        <a:lstStyle/>
+        <a:p>
+          <a:pPr lvl="0" algn="ctr" defTabSz="1066800">
+            <a:lnSpc>
+              <a:spcPct val="90000"/>
+            </a:lnSpc>
+            <a:spcBef>
+              <a:spcPct val="0"/>
+            </a:spcBef>
+            <a:spcAft>
+              <a:spcPct val="35000"/>
+            </a:spcAft>
+          </a:pPr>
+          <a:r>
+            <a:rPr lang="en-US" sz="2400" kern="1200" dirty="0" smtClean="0"/>
+            <a:t>SISTEMA DE INFORMACIÓN PARA </a:t>
+          </a:r>
+          <a:r>
+            <a:rPr lang="es-ES" sz="2400" kern="1200" dirty="0" smtClean="0"/>
+            <a:t>DETECTAR FRAUDE EN REDES ELÉCTRICAS</a:t>
+          </a:r>
+          <a:endParaRPr lang="es-ES" sz="2400" kern="1200" dirty="0"/>
+        </a:p>
+      </dsp:txBody>
+      <dsp:txXfrm>
+        <a:off x="1837998" y="3820542"/>
+        <a:ext cx="5182283" cy="2092411"/>
+      </dsp:txXfrm>
+    </dsp:sp>
+    <dsp:sp modelId="{C15CDCEA-7379-45FA-8B57-94F5A3DD8BCD}">
+      <dsp:nvSpPr>
+        <dsp:cNvPr id="0" name=""/>
+        <dsp:cNvSpPr/>
+      </dsp:nvSpPr>
+      <dsp:spPr>
+        <a:xfrm>
+          <a:off x="4464492" y="5"/>
+          <a:ext cx="1732246" cy="1637460"/>
+        </a:xfrm>
+        <a:prstGeom prst="ellipse">
+          <a:avLst/>
+        </a:prstGeom>
+        <a:gradFill rotWithShape="1">
+          <a:gsLst>
+            <a:gs pos="0">
+              <a:schemeClr val="accent6">
+                <a:tint val="50000"/>
+                <a:satMod val="300000"/>
+              </a:schemeClr>
+            </a:gs>
+            <a:gs pos="35000">
+              <a:schemeClr val="accent6">
+                <a:tint val="37000"/>
+                <a:satMod val="300000"/>
+              </a:schemeClr>
+            </a:gs>
+            <a:gs pos="100000">
+              <a:schemeClr val="accent6">
+                <a:tint val="15000"/>
+                <a:satMod val="350000"/>
+              </a:schemeClr>
+            </a:gs>
+          </a:gsLst>
+          <a:lin ang="16200000" scaled="1"/>
+        </a:gradFill>
+        <a:ln w="9525" cap="flat" cmpd="sng" algn="ctr">
+          <a:solidFill>
+            <a:schemeClr val="accent6">
+              <a:shade val="95000"/>
+              <a:satMod val="105000"/>
+            </a:schemeClr>
+          </a:solidFill>
+          <a:prstDash val="solid"/>
+        </a:ln>
+        <a:effectLst>
+          <a:outerShdw blurRad="40000" dist="20000" dir="5400000" rotWithShape="0">
+            <a:srgbClr val="000000">
+              <a:alpha val="38000"/>
+            </a:srgbClr>
+          </a:outerShdw>
+        </a:effectLst>
+      </dsp:spPr>
+      <dsp:style>
+        <a:lnRef idx="1">
+          <a:schemeClr val="accent6"/>
+        </a:lnRef>
+        <a:fillRef idx="2">
+          <a:schemeClr val="accent6"/>
+        </a:fillRef>
+        <a:effectRef idx="1">
+          <a:schemeClr val="accent6"/>
+        </a:effectRef>
+        <a:fontRef idx="minor">
+          <a:schemeClr val="dk1"/>
+        </a:fontRef>
+      </dsp:style>
+      <dsp:txBody>
+        <a:bodyPr spcFirstLastPara="0" vert="horz" wrap="square" lIns="13970" tIns="13970" rIns="13970" bIns="13970" numCol="1" spcCol="1270" anchor="ctr" anchorCtr="0">
+          <a:noAutofit/>
+        </a:bodyPr>
+        <a:lstStyle/>
+        <a:p>
+          <a:pPr lvl="0" algn="ctr" defTabSz="488950">
+            <a:lnSpc>
+              <a:spcPct val="90000"/>
+            </a:lnSpc>
+            <a:spcBef>
+              <a:spcPct val="0"/>
+            </a:spcBef>
+            <a:spcAft>
+              <a:spcPct val="35000"/>
+            </a:spcAft>
+          </a:pPr>
+          <a:r>
+            <a:rPr lang="es-ES" sz="1100" b="1" kern="1200" dirty="0" smtClean="0"/>
+            <a:t>Detectar los puntos de perdida de energía para reducir los índices de perdidas.</a:t>
+          </a:r>
+          <a:endParaRPr lang="es-ES" sz="1100" b="1" kern="1200" dirty="0"/>
+        </a:p>
+      </dsp:txBody>
+      <dsp:txXfrm>
+        <a:off x="4718174" y="239805"/>
+        <a:ext cx="1224882" cy="1157860"/>
+      </dsp:txXfrm>
+    </dsp:sp>
+    <dsp:sp modelId="{00820C10-2A8A-4A4F-B811-28F0DDBB82C7}">
+      <dsp:nvSpPr>
+        <dsp:cNvPr id="0" name=""/>
+        <dsp:cNvSpPr/>
+      </dsp:nvSpPr>
+      <dsp:spPr>
+        <a:xfrm>
+          <a:off x="2448266" y="360041"/>
+          <a:ext cx="1676503" cy="1545825"/>
+        </a:xfrm>
+        <a:prstGeom prst="ellipse">
+          <a:avLst/>
+        </a:prstGeom>
+        <a:gradFill rotWithShape="1">
+          <a:gsLst>
+            <a:gs pos="0">
+              <a:schemeClr val="dk1">
+                <a:tint val="50000"/>
+                <a:satMod val="300000"/>
+              </a:schemeClr>
+            </a:gs>
+            <a:gs pos="35000">
+              <a:schemeClr val="dk1">
+                <a:tint val="37000"/>
+                <a:satMod val="300000"/>
+              </a:schemeClr>
+            </a:gs>
+            <a:gs pos="100000">
+              <a:schemeClr val="dk1">
+                <a:tint val="15000"/>
+                <a:satMod val="350000"/>
+              </a:schemeClr>
+            </a:gs>
+          </a:gsLst>
+          <a:lin ang="16200000" scaled="1"/>
+        </a:gradFill>
+        <a:ln w="9525" cap="flat" cmpd="sng" algn="ctr">
+          <a:solidFill>
+            <a:schemeClr val="dk1">
+              <a:shade val="95000"/>
+              <a:satMod val="105000"/>
+            </a:schemeClr>
+          </a:solidFill>
+          <a:prstDash val="solid"/>
+        </a:ln>
+        <a:effectLst>
+          <a:outerShdw blurRad="40000" dist="20000" dir="5400000" rotWithShape="0">
+            <a:srgbClr val="000000">
+              <a:alpha val="38000"/>
+            </a:srgbClr>
+          </a:outerShdw>
+        </a:effectLst>
+      </dsp:spPr>
+      <dsp:style>
+        <a:lnRef idx="1">
+          <a:schemeClr val="dk1"/>
+        </a:lnRef>
+        <a:fillRef idx="2">
+          <a:schemeClr val="dk1"/>
+        </a:fillRef>
+        <a:effectRef idx="1">
+          <a:schemeClr val="dk1"/>
+        </a:effectRef>
+        <a:fontRef idx="minor">
+          <a:schemeClr val="dk1"/>
+        </a:fontRef>
+      </dsp:style>
+      <dsp:txBody>
+        <a:bodyPr spcFirstLastPara="0" vert="horz" wrap="square" lIns="15240" tIns="15240" rIns="15240" bIns="15240" numCol="1" spcCol="1270" anchor="ctr" anchorCtr="0">
+          <a:noAutofit/>
+        </a:bodyPr>
+        <a:lstStyle/>
+        <a:p>
+          <a:pPr lvl="0" algn="ctr" defTabSz="533400">
+            <a:lnSpc>
+              <a:spcPct val="90000"/>
+            </a:lnSpc>
+            <a:spcBef>
+              <a:spcPct val="0"/>
+            </a:spcBef>
+            <a:spcAft>
+              <a:spcPct val="35000"/>
+            </a:spcAft>
+          </a:pPr>
+          <a:r>
+            <a:rPr lang="es-CO" sz="1200" b="1" kern="1200" dirty="0" smtClean="0"/>
+            <a:t>Utilizar la infraestructura actual y la </a:t>
+          </a:r>
+          <a:r>
+            <a:rPr lang="es-CO" sz="1200" b="1" kern="1200" dirty="0" smtClean="0"/>
+            <a:t>proyectada </a:t>
+          </a:r>
+          <a:r>
+            <a:rPr lang="es-CO" sz="1200" b="1" kern="1200" dirty="0" smtClean="0"/>
+            <a:t>para mejorar la medición </a:t>
+          </a:r>
+          <a:endParaRPr lang="es-ES" sz="1200" b="1" kern="1200" dirty="0"/>
+        </a:p>
+      </dsp:txBody>
+      <dsp:txXfrm>
+        <a:off x="2693784" y="586422"/>
+        <a:ext cx="1185467" cy="1093063"/>
+      </dsp:txXfrm>
+    </dsp:sp>
+    <dsp:sp modelId="{4830C1AE-3A07-4776-80B0-46C7307DB5B0}">
+      <dsp:nvSpPr>
+        <dsp:cNvPr id="0" name=""/>
+        <dsp:cNvSpPr/>
+      </dsp:nvSpPr>
+      <dsp:spPr>
+        <a:xfrm>
+          <a:off x="3643338" y="1143011"/>
+          <a:ext cx="1669045" cy="1543559"/>
+        </a:xfrm>
+        <a:prstGeom prst="ellipse">
+          <a:avLst/>
+        </a:prstGeom>
+        <a:gradFill rotWithShape="1">
+          <a:gsLst>
+            <a:gs pos="0">
+              <a:schemeClr val="accent3">
+                <a:shade val="51000"/>
+                <a:satMod val="130000"/>
+              </a:schemeClr>
+            </a:gs>
+            <a:gs pos="80000">
+              <a:schemeClr val="accent3">
+                <a:shade val="93000"/>
+                <a:satMod val="130000"/>
+              </a:schemeClr>
+            </a:gs>
+            <a:gs pos="100000">
+              <a:schemeClr val="accent3">
+                <a:shade val="94000"/>
+                <a:satMod val="135000"/>
+              </a:schemeClr>
+            </a:gs>
+          </a:gsLst>
+          <a:lin ang="16200000" scaled="0"/>
+        </a:gradFill>
+        <a:ln w="9525" cap="flat" cmpd="sng" algn="ctr">
+          <a:solidFill>
+            <a:schemeClr val="accent3">
+              <a:shade val="95000"/>
+              <a:satMod val="105000"/>
+            </a:schemeClr>
+          </a:solidFill>
+          <a:prstDash val="solid"/>
+        </a:ln>
+        <a:effectLst>
+          <a:outerShdw blurRad="40000" dist="23000" dir="5400000" rotWithShape="0">
+            <a:srgbClr val="000000">
+              <a:alpha val="35000"/>
+            </a:srgbClr>
+          </a:outerShdw>
+        </a:effectLst>
+      </dsp:spPr>
+      <dsp:style>
+        <a:lnRef idx="1">
+          <a:schemeClr val="accent3"/>
+        </a:lnRef>
+        <a:fillRef idx="3">
+          <a:schemeClr val="accent3"/>
+        </a:fillRef>
+        <a:effectRef idx="2">
+          <a:schemeClr val="accent3"/>
+        </a:effectRef>
+        <a:fontRef idx="minor">
+          <a:schemeClr val="lt1"/>
+        </a:fontRef>
+      </dsp:style>
+      <dsp:txBody>
+        <a:bodyPr spcFirstLastPara="0" vert="horz" wrap="square" lIns="17780" tIns="17780" rIns="17780" bIns="17780" numCol="1" spcCol="1270" anchor="ctr" anchorCtr="0">
+          <a:noAutofit/>
+        </a:bodyPr>
+        <a:lstStyle/>
+        <a:p>
+          <a:pPr lvl="0" algn="ctr" defTabSz="622300">
+            <a:lnSpc>
+              <a:spcPct val="90000"/>
+            </a:lnSpc>
+            <a:spcBef>
+              <a:spcPct val="0"/>
+            </a:spcBef>
+            <a:spcAft>
+              <a:spcPct val="35000"/>
+            </a:spcAft>
+          </a:pPr>
+          <a:r>
+            <a:rPr lang="es-ES" sz="1400" b="1" kern="1200" dirty="0" smtClean="0"/>
+            <a:t>Diseñar una herramienta </a:t>
+          </a:r>
+          <a:r>
+            <a:rPr lang="es-ES" sz="1400" b="1" kern="1200" dirty="0" smtClean="0"/>
+            <a:t>tecnológica </a:t>
+          </a:r>
+          <a:r>
+            <a:rPr lang="es-ES" sz="1400" b="1" kern="1200" dirty="0" smtClean="0"/>
+            <a:t>que analice todos los datos de consumo</a:t>
+          </a:r>
+          <a:endParaRPr lang="es-ES" sz="1400" b="1" kern="1200" dirty="0"/>
+        </a:p>
+      </dsp:txBody>
+      <dsp:txXfrm>
+        <a:off x="3887764" y="1369060"/>
+        <a:ext cx="1180193" cy="1091461"/>
+      </dsp:txXfrm>
+    </dsp:sp>
+    <dsp:sp modelId="{AE805AB0-CDD8-4ABC-8775-6545029849DF}">
+      <dsp:nvSpPr>
+        <dsp:cNvPr id="0" name=""/>
+        <dsp:cNvSpPr/>
+      </dsp:nvSpPr>
+      <dsp:spPr>
+        <a:xfrm>
+          <a:off x="2232225" y="864077"/>
+          <a:ext cx="4209105" cy="2648029"/>
+        </a:xfrm>
+        <a:prstGeom prst="funnel">
+          <a:avLst/>
+        </a:prstGeom>
+        <a:solidFill>
+          <a:schemeClr val="lt2">
+            <a:alpha val="40000"/>
+            <a:hueOff val="0"/>
+            <a:satOff val="0"/>
+            <a:lumOff val="0"/>
+            <a:alphaOff val="0"/>
+          </a:schemeClr>
+        </a:solidFill>
+        <a:ln w="9525" cap="flat" cmpd="sng" algn="ctr">
+          <a:solidFill>
+            <a:schemeClr val="dk2">
+              <a:hueOff val="0"/>
+              <a:satOff val="0"/>
+              <a:lumOff val="0"/>
+              <a:alphaOff val="0"/>
+            </a:schemeClr>
+          </a:solidFill>
+          <a:prstDash val="solid"/>
+        </a:ln>
+        <a:effectLst/>
+      </dsp:spPr>
+      <dsp:style>
+        <a:lnRef idx="1">
+          <a:scrgbClr r="0" g="0" b="0"/>
+        </a:lnRef>
+        <a:fillRef idx="1">
+          <a:scrgbClr r="0" g="0" b="0"/>
+        </a:fillRef>
+        <a:effectRef idx="0">
+          <a:scrgbClr r="0" g="0" b="0"/>
+        </a:effectRef>
+        <a:fontRef idx="minor"/>
+      </dsp:style>
+    </dsp:sp>
   </dsp:spTree>
 </dsp:drawing>
 </file>
@@ -6633,6 +7148,828 @@
       <dsp:cNvGrpSpPr/>
     </dsp:nvGrpSpPr>
     <dsp:grpSpPr/>
+    <dsp:sp modelId="{498A4E70-9441-4BAA-A25C-9ECD09B7A6AA}">
+      <dsp:nvSpPr>
+        <dsp:cNvPr id="0" name=""/>
+        <dsp:cNvSpPr/>
+      </dsp:nvSpPr>
+      <dsp:spPr>
+        <a:xfrm>
+          <a:off x="3755" y="93076"/>
+          <a:ext cx="1713803" cy="608411"/>
+        </a:xfrm>
+        <a:prstGeom prst="rect">
+          <a:avLst/>
+        </a:prstGeom>
+        <a:solidFill>
+          <a:schemeClr val="accent2">
+            <a:hueOff val="0"/>
+            <a:satOff val="0"/>
+            <a:lumOff val="0"/>
+            <a:alphaOff val="0"/>
+          </a:schemeClr>
+        </a:solidFill>
+        <a:ln w="25400" cap="flat" cmpd="sng" algn="ctr">
+          <a:solidFill>
+            <a:schemeClr val="accent2">
+              <a:hueOff val="0"/>
+              <a:satOff val="0"/>
+              <a:lumOff val="0"/>
+              <a:alphaOff val="0"/>
+            </a:schemeClr>
+          </a:solidFill>
+          <a:prstDash val="solid"/>
+        </a:ln>
+        <a:effectLst/>
+      </dsp:spPr>
+      <dsp:style>
+        <a:lnRef idx="2">
+          <a:scrgbClr r="0" g="0" b="0"/>
+        </a:lnRef>
+        <a:fillRef idx="1">
+          <a:scrgbClr r="0" g="0" b="0"/>
+        </a:fillRef>
+        <a:effectRef idx="0">
+          <a:scrgbClr r="0" g="0" b="0"/>
+        </a:effectRef>
+        <a:fontRef idx="minor">
+          <a:schemeClr val="lt1"/>
+        </a:fontRef>
+      </dsp:style>
+      <dsp:txBody>
+        <a:bodyPr spcFirstLastPara="0" vert="horz" wrap="square" lIns="99568" tIns="56896" rIns="99568" bIns="56896" numCol="1" spcCol="1270" anchor="ctr" anchorCtr="0">
+          <a:noAutofit/>
+        </a:bodyPr>
+        <a:lstStyle/>
+        <a:p>
+          <a:pPr lvl="0" algn="ctr" defTabSz="622300">
+            <a:lnSpc>
+              <a:spcPct val="90000"/>
+            </a:lnSpc>
+            <a:spcBef>
+              <a:spcPct val="0"/>
+            </a:spcBef>
+            <a:spcAft>
+              <a:spcPct val="35000"/>
+            </a:spcAft>
+          </a:pPr>
+          <a:r>
+            <a:rPr lang="es-CO" sz="1400" b="1" kern="1200" dirty="0" smtClean="0"/>
+            <a:t>Ubicación</a:t>
+          </a:r>
+          <a:endParaRPr lang="en-US" sz="1400" b="1" kern="1200" dirty="0"/>
+        </a:p>
+      </dsp:txBody>
+      <dsp:txXfrm>
+        <a:off x="3755" y="93076"/>
+        <a:ext cx="1713803" cy="608411"/>
+      </dsp:txXfrm>
+    </dsp:sp>
+    <dsp:sp modelId="{F98E0026-7677-418C-B219-B2163DF01B96}">
+      <dsp:nvSpPr>
+        <dsp:cNvPr id="0" name=""/>
+        <dsp:cNvSpPr/>
+      </dsp:nvSpPr>
+      <dsp:spPr>
+        <a:xfrm>
+          <a:off x="3755" y="701487"/>
+          <a:ext cx="1713803" cy="2949852"/>
+        </a:xfrm>
+        <a:prstGeom prst="rect">
+          <a:avLst/>
+        </a:prstGeom>
+        <a:solidFill>
+          <a:schemeClr val="accent2">
+            <a:tint val="40000"/>
+            <a:alpha val="90000"/>
+            <a:hueOff val="0"/>
+            <a:satOff val="0"/>
+            <a:lumOff val="0"/>
+            <a:alphaOff val="0"/>
+          </a:schemeClr>
+        </a:solidFill>
+        <a:ln w="25400" cap="flat" cmpd="sng" algn="ctr">
+          <a:solidFill>
+            <a:schemeClr val="accent2">
+              <a:tint val="40000"/>
+              <a:alpha val="90000"/>
+              <a:hueOff val="0"/>
+              <a:satOff val="0"/>
+              <a:lumOff val="0"/>
+              <a:alphaOff val="0"/>
+            </a:schemeClr>
+          </a:solidFill>
+          <a:prstDash val="solid"/>
+        </a:ln>
+        <a:effectLst/>
+      </dsp:spPr>
+      <dsp:style>
+        <a:lnRef idx="2">
+          <a:scrgbClr r="0" g="0" b="0"/>
+        </a:lnRef>
+        <a:fillRef idx="1">
+          <a:scrgbClr r="0" g="0" b="0"/>
+        </a:fillRef>
+        <a:effectRef idx="0">
+          <a:scrgbClr r="0" g="0" b="0"/>
+        </a:effectRef>
+        <a:fontRef idx="minor"/>
+      </dsp:style>
+      <dsp:txBody>
+        <a:bodyPr spcFirstLastPara="0" vert="horz" wrap="square" lIns="74676" tIns="74676" rIns="99568" bIns="112014" numCol="1" spcCol="1270" anchor="t" anchorCtr="0">
+          <a:noAutofit/>
+        </a:bodyPr>
+        <a:lstStyle/>
+        <a:p>
+          <a:pPr marL="114300" lvl="1" indent="-114300" algn="l" defTabSz="622300">
+            <a:lnSpc>
+              <a:spcPct val="90000"/>
+            </a:lnSpc>
+            <a:spcBef>
+              <a:spcPct val="0"/>
+            </a:spcBef>
+            <a:spcAft>
+              <a:spcPct val="15000"/>
+            </a:spcAft>
+            <a:buChar char="••"/>
+          </a:pPr>
+          <a:r>
+            <a:rPr lang="es-CO" sz="1400" kern="1200" dirty="0" smtClean="0"/>
+            <a:t>País: Colombia</a:t>
+          </a:r>
+          <a:endParaRPr lang="en-US" sz="1400" kern="1200" dirty="0"/>
+        </a:p>
+        <a:p>
+          <a:pPr marL="114300" lvl="1" indent="-114300" algn="l" defTabSz="622300">
+            <a:lnSpc>
+              <a:spcPct val="90000"/>
+            </a:lnSpc>
+            <a:spcBef>
+              <a:spcPct val="0"/>
+            </a:spcBef>
+            <a:spcAft>
+              <a:spcPct val="15000"/>
+            </a:spcAft>
+            <a:buChar char="••"/>
+          </a:pPr>
+          <a:r>
+            <a:rPr lang="es-CO" sz="1400" kern="1200" dirty="0" smtClean="0"/>
+            <a:t>Zona: Costa Atlántica</a:t>
+          </a:r>
+          <a:endParaRPr lang="en-US" sz="1400" kern="1200" dirty="0"/>
+        </a:p>
+        <a:p>
+          <a:pPr marL="114300" lvl="1" indent="-114300" algn="l" defTabSz="622300">
+            <a:lnSpc>
+              <a:spcPct val="90000"/>
+            </a:lnSpc>
+            <a:spcBef>
+              <a:spcPct val="0"/>
+            </a:spcBef>
+            <a:spcAft>
+              <a:spcPct val="15000"/>
+            </a:spcAft>
+            <a:buChar char="••"/>
+          </a:pPr>
+          <a:endParaRPr lang="en-US" sz="1400" kern="1200" dirty="0"/>
+        </a:p>
+      </dsp:txBody>
+      <dsp:txXfrm>
+        <a:off x="3755" y="701487"/>
+        <a:ext cx="1713803" cy="2949852"/>
+      </dsp:txXfrm>
+    </dsp:sp>
+    <dsp:sp modelId="{BE868AFE-25EF-4497-8FDB-BF6C4F99E2C9}">
+      <dsp:nvSpPr>
+        <dsp:cNvPr id="0" name=""/>
+        <dsp:cNvSpPr/>
+      </dsp:nvSpPr>
+      <dsp:spPr>
+        <a:xfrm>
+          <a:off x="1930503" y="90247"/>
+          <a:ext cx="2137060" cy="608411"/>
+        </a:xfrm>
+        <a:prstGeom prst="rect">
+          <a:avLst/>
+        </a:prstGeom>
+        <a:solidFill>
+          <a:schemeClr val="accent3">
+            <a:hueOff val="0"/>
+            <a:satOff val="0"/>
+            <a:lumOff val="0"/>
+            <a:alphaOff val="0"/>
+          </a:schemeClr>
+        </a:solidFill>
+        <a:ln w="25400" cap="flat" cmpd="sng" algn="ctr">
+          <a:solidFill>
+            <a:schemeClr val="accent3">
+              <a:hueOff val="0"/>
+              <a:satOff val="0"/>
+              <a:lumOff val="0"/>
+              <a:alphaOff val="0"/>
+            </a:schemeClr>
+          </a:solidFill>
+          <a:prstDash val="solid"/>
+        </a:ln>
+        <a:effectLst/>
+      </dsp:spPr>
+      <dsp:style>
+        <a:lnRef idx="2">
+          <a:scrgbClr r="0" g="0" b="0"/>
+        </a:lnRef>
+        <a:fillRef idx="1">
+          <a:scrgbClr r="0" g="0" b="0"/>
+        </a:fillRef>
+        <a:effectRef idx="0">
+          <a:scrgbClr r="0" g="0" b="0"/>
+        </a:effectRef>
+        <a:fontRef idx="minor">
+          <a:schemeClr val="lt1"/>
+        </a:fontRef>
+      </dsp:style>
+      <dsp:txBody>
+        <a:bodyPr spcFirstLastPara="0" vert="horz" wrap="square" lIns="99568" tIns="56896" rIns="99568" bIns="56896" numCol="1" spcCol="1270" anchor="ctr" anchorCtr="0">
+          <a:noAutofit/>
+        </a:bodyPr>
+        <a:lstStyle/>
+        <a:p>
+          <a:pPr lvl="0" algn="ctr" defTabSz="622300">
+            <a:lnSpc>
+              <a:spcPct val="90000"/>
+            </a:lnSpc>
+            <a:spcBef>
+              <a:spcPct val="0"/>
+            </a:spcBef>
+            <a:spcAft>
+              <a:spcPct val="35000"/>
+            </a:spcAft>
+          </a:pPr>
+          <a:r>
+            <a:rPr lang="es-CO" sz="1400" b="1" kern="1200" dirty="0" smtClean="0"/>
+            <a:t>Alternativa</a:t>
+          </a:r>
+          <a:endParaRPr lang="en-US" sz="1400" b="1" kern="1200" dirty="0"/>
+        </a:p>
+      </dsp:txBody>
+      <dsp:txXfrm>
+        <a:off x="1930503" y="90247"/>
+        <a:ext cx="2137060" cy="608411"/>
+      </dsp:txXfrm>
+    </dsp:sp>
+    <dsp:sp modelId="{11790E1A-CE4C-4357-B48F-48AC30A2F3AB}">
+      <dsp:nvSpPr>
+        <dsp:cNvPr id="0" name=""/>
+        <dsp:cNvSpPr/>
+      </dsp:nvSpPr>
+      <dsp:spPr>
+        <a:xfrm>
+          <a:off x="1934830" y="698658"/>
+          <a:ext cx="2128405" cy="2955509"/>
+        </a:xfrm>
+        <a:prstGeom prst="rect">
+          <a:avLst/>
+        </a:prstGeom>
+        <a:solidFill>
+          <a:schemeClr val="accent3">
+            <a:tint val="40000"/>
+            <a:alpha val="90000"/>
+            <a:hueOff val="0"/>
+            <a:satOff val="0"/>
+            <a:lumOff val="0"/>
+            <a:alphaOff val="0"/>
+          </a:schemeClr>
+        </a:solidFill>
+        <a:ln w="25400" cap="flat" cmpd="sng" algn="ctr">
+          <a:solidFill>
+            <a:schemeClr val="accent3">
+              <a:tint val="40000"/>
+              <a:alpha val="90000"/>
+              <a:hueOff val="0"/>
+              <a:satOff val="0"/>
+              <a:lumOff val="0"/>
+              <a:alphaOff val="0"/>
+            </a:schemeClr>
+          </a:solidFill>
+          <a:prstDash val="solid"/>
+        </a:ln>
+        <a:effectLst/>
+      </dsp:spPr>
+      <dsp:style>
+        <a:lnRef idx="2">
+          <a:scrgbClr r="0" g="0" b="0"/>
+        </a:lnRef>
+        <a:fillRef idx="1">
+          <a:scrgbClr r="0" g="0" b="0"/>
+        </a:fillRef>
+        <a:effectRef idx="0">
+          <a:scrgbClr r="0" g="0" b="0"/>
+        </a:effectRef>
+        <a:fontRef idx="minor"/>
+      </dsp:style>
+      <dsp:txBody>
+        <a:bodyPr spcFirstLastPara="0" vert="horz" wrap="square" lIns="74676" tIns="74676" rIns="99568" bIns="112014" numCol="1" spcCol="1270" anchor="t" anchorCtr="0">
+          <a:noAutofit/>
+        </a:bodyPr>
+        <a:lstStyle/>
+        <a:p>
+          <a:pPr marL="114300" lvl="1" indent="-114300" algn="l" defTabSz="622300">
+            <a:lnSpc>
+              <a:spcPct val="90000"/>
+            </a:lnSpc>
+            <a:spcBef>
+              <a:spcPct val="0"/>
+            </a:spcBef>
+            <a:spcAft>
+              <a:spcPct val="15000"/>
+            </a:spcAft>
+            <a:buChar char="••"/>
+          </a:pPr>
+          <a:r>
+            <a:rPr lang="es-ES_tradnl" sz="1400" kern="1200" dirty="0" smtClean="0"/>
+            <a:t>Contratar una empresa de tecnología para diseñar, construir e implementar sistemas de información a la medida para el control comercial y técnico a nivel de análisis de datos </a:t>
+          </a:r>
+          <a:r>
+            <a:rPr lang="es-ES_tradnl" sz="1400" kern="1200" smtClean="0"/>
+            <a:t>de medida y </a:t>
+          </a:r>
+          <a:r>
+            <a:rPr lang="es-ES_tradnl" sz="1400" kern="1200" dirty="0" smtClean="0"/>
+            <a:t>comprar maquinaria mejorada para realizar mediciones a nivel de transformadores de medición y distribución</a:t>
+          </a:r>
+          <a:endParaRPr lang="en-US" sz="1400" kern="1200" dirty="0"/>
+        </a:p>
+      </dsp:txBody>
+      <dsp:txXfrm>
+        <a:off x="1934830" y="698658"/>
+        <a:ext cx="2128405" cy="2955509"/>
+      </dsp:txXfrm>
+    </dsp:sp>
+    <dsp:sp modelId="{B86AE41E-58AD-4CAE-9003-9669551B25B4}">
+      <dsp:nvSpPr>
+        <dsp:cNvPr id="0" name=""/>
+        <dsp:cNvSpPr/>
+      </dsp:nvSpPr>
+      <dsp:spPr>
+        <a:xfrm>
+          <a:off x="4286697" y="87507"/>
+          <a:ext cx="2130732" cy="608411"/>
+        </a:xfrm>
+        <a:prstGeom prst="rect">
+          <a:avLst/>
+        </a:prstGeom>
+        <a:solidFill>
+          <a:schemeClr val="accent4">
+            <a:hueOff val="0"/>
+            <a:satOff val="0"/>
+            <a:lumOff val="0"/>
+            <a:alphaOff val="0"/>
+          </a:schemeClr>
+        </a:solidFill>
+        <a:ln w="25400" cap="flat" cmpd="sng" algn="ctr">
+          <a:solidFill>
+            <a:schemeClr val="accent4">
+              <a:hueOff val="0"/>
+              <a:satOff val="0"/>
+              <a:lumOff val="0"/>
+              <a:alphaOff val="0"/>
+            </a:schemeClr>
+          </a:solidFill>
+          <a:prstDash val="solid"/>
+        </a:ln>
+        <a:effectLst/>
+      </dsp:spPr>
+      <dsp:style>
+        <a:lnRef idx="2">
+          <a:scrgbClr r="0" g="0" b="0"/>
+        </a:lnRef>
+        <a:fillRef idx="1">
+          <a:scrgbClr r="0" g="0" b="0"/>
+        </a:fillRef>
+        <a:effectRef idx="0">
+          <a:scrgbClr r="0" g="0" b="0"/>
+        </a:effectRef>
+        <a:fontRef idx="minor">
+          <a:schemeClr val="lt1"/>
+        </a:fontRef>
+      </dsp:style>
+      <dsp:txBody>
+        <a:bodyPr spcFirstLastPara="0" vert="horz" wrap="square" lIns="99568" tIns="56896" rIns="99568" bIns="56896" numCol="1" spcCol="1270" anchor="ctr" anchorCtr="0">
+          <a:noAutofit/>
+        </a:bodyPr>
+        <a:lstStyle/>
+        <a:p>
+          <a:pPr lvl="0" algn="ctr" defTabSz="622300">
+            <a:lnSpc>
+              <a:spcPct val="90000"/>
+            </a:lnSpc>
+            <a:spcBef>
+              <a:spcPct val="0"/>
+            </a:spcBef>
+            <a:spcAft>
+              <a:spcPct val="35000"/>
+            </a:spcAft>
+          </a:pPr>
+          <a:r>
+            <a:rPr lang="es-CO" sz="1400" b="1" kern="1200" dirty="0" smtClean="0"/>
+            <a:t>Involucrados</a:t>
+          </a:r>
+          <a:endParaRPr lang="en-US" sz="1400" b="1" kern="1200" dirty="0"/>
+        </a:p>
+      </dsp:txBody>
+      <dsp:txXfrm>
+        <a:off x="4286697" y="87507"/>
+        <a:ext cx="2130732" cy="608411"/>
+      </dsp:txXfrm>
+    </dsp:sp>
+    <dsp:sp modelId="{2612D1CA-8455-4B2E-B566-31F386062C39}">
+      <dsp:nvSpPr>
+        <dsp:cNvPr id="0" name=""/>
+        <dsp:cNvSpPr/>
+      </dsp:nvSpPr>
+      <dsp:spPr>
+        <a:xfrm>
+          <a:off x="4280507" y="695918"/>
+          <a:ext cx="2143113" cy="2960990"/>
+        </a:xfrm>
+        <a:prstGeom prst="rect">
+          <a:avLst/>
+        </a:prstGeom>
+        <a:solidFill>
+          <a:schemeClr val="accent4">
+            <a:tint val="40000"/>
+            <a:alpha val="90000"/>
+            <a:hueOff val="0"/>
+            <a:satOff val="0"/>
+            <a:lumOff val="0"/>
+            <a:alphaOff val="0"/>
+          </a:schemeClr>
+        </a:solidFill>
+        <a:ln w="25400" cap="flat" cmpd="sng" algn="ctr">
+          <a:solidFill>
+            <a:schemeClr val="accent4">
+              <a:tint val="40000"/>
+              <a:alpha val="90000"/>
+              <a:hueOff val="0"/>
+              <a:satOff val="0"/>
+              <a:lumOff val="0"/>
+              <a:alphaOff val="0"/>
+            </a:schemeClr>
+          </a:solidFill>
+          <a:prstDash val="solid"/>
+        </a:ln>
+        <a:effectLst/>
+      </dsp:spPr>
+      <dsp:style>
+        <a:lnRef idx="2">
+          <a:scrgbClr r="0" g="0" b="0"/>
+        </a:lnRef>
+        <a:fillRef idx="1">
+          <a:scrgbClr r="0" g="0" b="0"/>
+        </a:fillRef>
+        <a:effectRef idx="0">
+          <a:scrgbClr r="0" g="0" b="0"/>
+        </a:effectRef>
+        <a:fontRef idx="minor"/>
+      </dsp:style>
+      <dsp:txBody>
+        <a:bodyPr spcFirstLastPara="0" vert="horz" wrap="square" lIns="74676" tIns="74676" rIns="99568" bIns="112014" numCol="1" spcCol="1270" anchor="t" anchorCtr="0">
+          <a:noAutofit/>
+        </a:bodyPr>
+        <a:lstStyle/>
+        <a:p>
+          <a:pPr marL="114300" lvl="1" indent="-114300" algn="l" defTabSz="622300">
+            <a:lnSpc>
+              <a:spcPct val="90000"/>
+            </a:lnSpc>
+            <a:spcBef>
+              <a:spcPct val="0"/>
+            </a:spcBef>
+            <a:spcAft>
+              <a:spcPct val="15000"/>
+            </a:spcAft>
+            <a:buChar char="••"/>
+          </a:pPr>
+          <a:r>
+            <a:rPr lang="es-ES_tradnl" sz="1400" b="0" kern="1200" dirty="0" smtClean="0"/>
+            <a:t>Empresas de Energía Colombianas</a:t>
+          </a:r>
+          <a:endParaRPr lang="en-US" sz="1400" b="0" kern="1200" dirty="0"/>
+        </a:p>
+        <a:p>
+          <a:pPr marL="114300" lvl="1" indent="-114300" algn="l" defTabSz="622300">
+            <a:lnSpc>
+              <a:spcPct val="90000"/>
+            </a:lnSpc>
+            <a:spcBef>
+              <a:spcPct val="0"/>
+            </a:spcBef>
+            <a:spcAft>
+              <a:spcPct val="15000"/>
+            </a:spcAft>
+            <a:buChar char="••"/>
+          </a:pPr>
+          <a:r>
+            <a:rPr lang="es-ES_tradnl" sz="1400" b="0" kern="1200" dirty="0" smtClean="0"/>
+            <a:t>Empresa de consultoría Ludus SAS (Patrocinador)</a:t>
+          </a:r>
+          <a:endParaRPr lang="en-US" sz="1400" b="0" kern="1200" dirty="0"/>
+        </a:p>
+        <a:p>
+          <a:pPr marL="114300" lvl="1" indent="-114300" algn="l" defTabSz="622300">
+            <a:lnSpc>
+              <a:spcPct val="90000"/>
+            </a:lnSpc>
+            <a:spcBef>
+              <a:spcPct val="0"/>
+            </a:spcBef>
+            <a:spcAft>
+              <a:spcPct val="15000"/>
+            </a:spcAft>
+            <a:buChar char="••"/>
+          </a:pPr>
+          <a:r>
+            <a:rPr lang="es-ES_tradnl" sz="1400" b="0" kern="1200" dirty="0" smtClean="0"/>
+            <a:t>CREG “Comisión de regulación de energía y gas”</a:t>
+          </a:r>
+          <a:endParaRPr lang="en-US" sz="1400" b="0" kern="1200" dirty="0"/>
+        </a:p>
+        <a:p>
+          <a:pPr marL="114300" lvl="1" indent="-114300" algn="l" defTabSz="622300">
+            <a:lnSpc>
+              <a:spcPct val="90000"/>
+            </a:lnSpc>
+            <a:spcBef>
+              <a:spcPct val="0"/>
+            </a:spcBef>
+            <a:spcAft>
+              <a:spcPct val="15000"/>
+            </a:spcAft>
+            <a:buChar char="••"/>
+          </a:pPr>
+          <a:r>
+            <a:rPr lang="es-ES_tradnl" sz="1400" b="0" kern="1200" dirty="0" smtClean="0"/>
+            <a:t>Sociedad</a:t>
+          </a:r>
+          <a:endParaRPr lang="en-US" sz="1400" b="0" kern="1200" dirty="0"/>
+        </a:p>
+        <a:p>
+          <a:pPr marL="114300" lvl="1" indent="-114300" algn="l" defTabSz="622300">
+            <a:lnSpc>
+              <a:spcPct val="90000"/>
+            </a:lnSpc>
+            <a:spcBef>
+              <a:spcPct val="0"/>
+            </a:spcBef>
+            <a:spcAft>
+              <a:spcPct val="15000"/>
+            </a:spcAft>
+            <a:buChar char="••"/>
+          </a:pPr>
+          <a:r>
+            <a:rPr lang="es-ES_tradnl" sz="1400" b="0" kern="1200" dirty="0" smtClean="0"/>
+            <a:t>Proveedores eléctricos</a:t>
+          </a:r>
+          <a:endParaRPr lang="en-US" sz="1400" b="0" kern="1200" dirty="0"/>
+        </a:p>
+        <a:p>
+          <a:pPr marL="114300" lvl="1" indent="-114300" algn="l" defTabSz="622300">
+            <a:lnSpc>
+              <a:spcPct val="90000"/>
+            </a:lnSpc>
+            <a:spcBef>
+              <a:spcPct val="0"/>
+            </a:spcBef>
+            <a:spcAft>
+              <a:spcPct val="15000"/>
+            </a:spcAft>
+            <a:buChar char="••"/>
+          </a:pPr>
+          <a:r>
+            <a:rPr lang="es-ES_tradnl" sz="1400" b="0" kern="1200" dirty="0" smtClean="0"/>
+            <a:t>ONG</a:t>
+          </a:r>
+          <a:endParaRPr lang="en-US" sz="1400" b="0" kern="1200" dirty="0"/>
+        </a:p>
+      </dsp:txBody>
+      <dsp:txXfrm>
+        <a:off x="4280507" y="695918"/>
+        <a:ext cx="2143113" cy="2960990"/>
+      </dsp:txXfrm>
+    </dsp:sp>
+    <dsp:sp modelId="{DFCCC5D2-772A-4CC7-B7A5-BE236F80F4D4}">
+      <dsp:nvSpPr>
+        <dsp:cNvPr id="0" name=""/>
+        <dsp:cNvSpPr/>
+      </dsp:nvSpPr>
+      <dsp:spPr>
+        <a:xfrm>
+          <a:off x="6642839" y="87507"/>
+          <a:ext cx="1988090" cy="608411"/>
+        </a:xfrm>
+        <a:prstGeom prst="rect">
+          <a:avLst/>
+        </a:prstGeom>
+        <a:solidFill>
+          <a:schemeClr val="accent5">
+            <a:hueOff val="0"/>
+            <a:satOff val="0"/>
+            <a:lumOff val="0"/>
+            <a:alphaOff val="0"/>
+          </a:schemeClr>
+        </a:solidFill>
+        <a:ln w="25400" cap="flat" cmpd="sng" algn="ctr">
+          <a:solidFill>
+            <a:schemeClr val="accent5">
+              <a:hueOff val="0"/>
+              <a:satOff val="0"/>
+              <a:lumOff val="0"/>
+              <a:alphaOff val="0"/>
+            </a:schemeClr>
+          </a:solidFill>
+          <a:prstDash val="solid"/>
+        </a:ln>
+        <a:effectLst/>
+      </dsp:spPr>
+      <dsp:style>
+        <a:lnRef idx="2">
+          <a:scrgbClr r="0" g="0" b="0"/>
+        </a:lnRef>
+        <a:fillRef idx="1">
+          <a:scrgbClr r="0" g="0" b="0"/>
+        </a:fillRef>
+        <a:effectRef idx="0">
+          <a:scrgbClr r="0" g="0" b="0"/>
+        </a:effectRef>
+        <a:fontRef idx="minor">
+          <a:schemeClr val="lt1"/>
+        </a:fontRef>
+      </dsp:style>
+      <dsp:txBody>
+        <a:bodyPr spcFirstLastPara="0" vert="horz" wrap="square" lIns="99568" tIns="56896" rIns="99568" bIns="56896" numCol="1" spcCol="1270" anchor="ctr" anchorCtr="0">
+          <a:noAutofit/>
+        </a:bodyPr>
+        <a:lstStyle/>
+        <a:p>
+          <a:pPr lvl="0" algn="ctr" defTabSz="622300">
+            <a:lnSpc>
+              <a:spcPct val="90000"/>
+            </a:lnSpc>
+            <a:spcBef>
+              <a:spcPct val="0"/>
+            </a:spcBef>
+            <a:spcAft>
+              <a:spcPct val="35000"/>
+            </a:spcAft>
+          </a:pPr>
+          <a:r>
+            <a:rPr lang="es-CO" sz="1400" b="1" kern="1200" dirty="0" smtClean="0"/>
+            <a:t>Estudios Aplicados</a:t>
+          </a:r>
+          <a:endParaRPr lang="en-US" sz="1400" b="1" kern="1200" dirty="0"/>
+        </a:p>
+      </dsp:txBody>
+      <dsp:txXfrm>
+        <a:off x="6642839" y="87507"/>
+        <a:ext cx="1988090" cy="608411"/>
+      </dsp:txXfrm>
+    </dsp:sp>
+    <dsp:sp modelId="{4EB6F09F-196C-40CF-8745-F01952ACC4D5}">
+      <dsp:nvSpPr>
+        <dsp:cNvPr id="0" name=""/>
+        <dsp:cNvSpPr/>
+      </dsp:nvSpPr>
+      <dsp:spPr>
+        <a:xfrm>
+          <a:off x="6636565" y="695918"/>
+          <a:ext cx="2000639" cy="2960990"/>
+        </a:xfrm>
+        <a:prstGeom prst="rect">
+          <a:avLst/>
+        </a:prstGeom>
+        <a:solidFill>
+          <a:schemeClr val="accent5">
+            <a:tint val="40000"/>
+            <a:alpha val="90000"/>
+            <a:hueOff val="0"/>
+            <a:satOff val="0"/>
+            <a:lumOff val="0"/>
+            <a:alphaOff val="0"/>
+          </a:schemeClr>
+        </a:solidFill>
+        <a:ln w="25400" cap="flat" cmpd="sng" algn="ctr">
+          <a:solidFill>
+            <a:schemeClr val="accent5">
+              <a:tint val="40000"/>
+              <a:alpha val="90000"/>
+              <a:hueOff val="0"/>
+              <a:satOff val="0"/>
+              <a:lumOff val="0"/>
+              <a:alphaOff val="0"/>
+            </a:schemeClr>
+          </a:solidFill>
+          <a:prstDash val="solid"/>
+        </a:ln>
+        <a:effectLst/>
+      </dsp:spPr>
+      <dsp:style>
+        <a:lnRef idx="2">
+          <a:scrgbClr r="0" g="0" b="0"/>
+        </a:lnRef>
+        <a:fillRef idx="1">
+          <a:scrgbClr r="0" g="0" b="0"/>
+        </a:fillRef>
+        <a:effectRef idx="0">
+          <a:scrgbClr r="0" g="0" b="0"/>
+        </a:effectRef>
+        <a:fontRef idx="minor"/>
+      </dsp:style>
+      <dsp:txBody>
+        <a:bodyPr spcFirstLastPara="0" vert="horz" wrap="square" lIns="74676" tIns="74676" rIns="99568" bIns="112014" numCol="1" spcCol="1270" anchor="t" anchorCtr="0">
+          <a:noAutofit/>
+        </a:bodyPr>
+        <a:lstStyle/>
+        <a:p>
+          <a:pPr marL="114300" lvl="1" indent="-114300" algn="l" defTabSz="622300">
+            <a:lnSpc>
+              <a:spcPct val="90000"/>
+            </a:lnSpc>
+            <a:spcBef>
+              <a:spcPct val="0"/>
+            </a:spcBef>
+            <a:spcAft>
+              <a:spcPct val="15000"/>
+            </a:spcAft>
+            <a:buChar char="••"/>
+          </a:pPr>
+          <a:r>
+            <a:rPr lang="es-ES_tradnl" sz="1400" b="0" kern="1200" dirty="0" smtClean="0"/>
+            <a:t>Estudio Legal</a:t>
+          </a:r>
+          <a:endParaRPr lang="en-US" sz="1400" b="0" kern="1200" dirty="0"/>
+        </a:p>
+        <a:p>
+          <a:pPr marL="114300" lvl="1" indent="-114300" algn="l" defTabSz="622300">
+            <a:lnSpc>
+              <a:spcPct val="90000"/>
+            </a:lnSpc>
+            <a:spcBef>
+              <a:spcPct val="0"/>
+            </a:spcBef>
+            <a:spcAft>
+              <a:spcPct val="15000"/>
+            </a:spcAft>
+            <a:buChar char="••"/>
+          </a:pPr>
+          <a:r>
+            <a:rPr lang="es-ES_tradnl" sz="1400" b="0" kern="1200" dirty="0" smtClean="0"/>
+            <a:t>Estudio de Mercado</a:t>
+          </a:r>
+          <a:endParaRPr lang="en-US" sz="1400" b="0" kern="1200" dirty="0"/>
+        </a:p>
+        <a:p>
+          <a:pPr marL="114300" lvl="1" indent="-114300" algn="l" defTabSz="622300">
+            <a:lnSpc>
+              <a:spcPct val="90000"/>
+            </a:lnSpc>
+            <a:spcBef>
+              <a:spcPct val="0"/>
+            </a:spcBef>
+            <a:spcAft>
+              <a:spcPct val="15000"/>
+            </a:spcAft>
+            <a:buChar char="••"/>
+          </a:pPr>
+          <a:r>
+            <a:rPr lang="es-ES_tradnl" sz="1400" b="0" kern="1200" dirty="0" smtClean="0"/>
+            <a:t>Estudio Financiero</a:t>
+          </a:r>
+          <a:endParaRPr lang="en-US" sz="1400" b="0" kern="1200" dirty="0"/>
+        </a:p>
+        <a:p>
+          <a:pPr marL="114300" lvl="1" indent="-114300" algn="l" defTabSz="622300">
+            <a:lnSpc>
+              <a:spcPct val="90000"/>
+            </a:lnSpc>
+            <a:spcBef>
+              <a:spcPct val="0"/>
+            </a:spcBef>
+            <a:spcAft>
+              <a:spcPct val="15000"/>
+            </a:spcAft>
+            <a:buChar char="••"/>
+          </a:pPr>
+          <a:r>
+            <a:rPr lang="es-ES_tradnl" sz="1400" b="0" kern="1200" dirty="0" smtClean="0"/>
+            <a:t>Estudio Ambiental</a:t>
+          </a:r>
+          <a:endParaRPr lang="en-US" sz="1400" b="0" kern="1200" dirty="0"/>
+        </a:p>
+      </dsp:txBody>
+      <dsp:txXfrm>
+        <a:off x="6636565" y="695918"/>
+        <a:ext cx="2000639" cy="2960990"/>
+      </dsp:txXfrm>
+    </dsp:sp>
   </dsp:spTree>
 </dsp:drawing>
 </file>
@@ -6645,6 +7982,1405 @@
       <dsp:cNvGrpSpPr/>
     </dsp:nvGrpSpPr>
     <dsp:grpSpPr/>
+    <dsp:sp modelId="{7B9C61D3-E734-4A24-A944-215CF7A1B5A3}">
+      <dsp:nvSpPr>
+        <dsp:cNvPr id="0" name=""/>
+        <dsp:cNvSpPr/>
+      </dsp:nvSpPr>
+      <dsp:spPr>
+        <a:xfrm rot="5400000">
+          <a:off x="-90375" y="91032"/>
+          <a:ext cx="602504" cy="421753"/>
+        </a:xfrm>
+        <a:prstGeom prst="chevron">
+          <a:avLst/>
+        </a:prstGeom>
+        <a:solidFill>
+          <a:schemeClr val="accent3">
+            <a:hueOff val="0"/>
+            <a:satOff val="0"/>
+            <a:lumOff val="0"/>
+            <a:alphaOff val="0"/>
+          </a:schemeClr>
+        </a:solidFill>
+        <a:ln w="25400" cap="flat" cmpd="sng" algn="ctr">
+          <a:solidFill>
+            <a:schemeClr val="accent3">
+              <a:hueOff val="0"/>
+              <a:satOff val="0"/>
+              <a:lumOff val="0"/>
+              <a:alphaOff val="0"/>
+            </a:schemeClr>
+          </a:solidFill>
+          <a:prstDash val="solid"/>
+        </a:ln>
+        <a:effectLst/>
+      </dsp:spPr>
+      <dsp:style>
+        <a:lnRef idx="2">
+          <a:scrgbClr r="0" g="0" b="0"/>
+        </a:lnRef>
+        <a:fillRef idx="1">
+          <a:scrgbClr r="0" g="0" b="0"/>
+        </a:fillRef>
+        <a:effectRef idx="0">
+          <a:scrgbClr r="0" g="0" b="0"/>
+        </a:effectRef>
+        <a:fontRef idx="minor">
+          <a:schemeClr val="lt1"/>
+        </a:fontRef>
+      </dsp:style>
+      <dsp:txBody>
+        <a:bodyPr spcFirstLastPara="0" vert="horz" wrap="square" lIns="6985" tIns="6985" rIns="6985" bIns="6985" numCol="1" spcCol="1270" anchor="ctr" anchorCtr="0">
+          <a:noAutofit/>
+        </a:bodyPr>
+        <a:lstStyle/>
+        <a:p>
+          <a:pPr lvl="0" algn="ctr" defTabSz="466725">
+            <a:lnSpc>
+              <a:spcPct val="90000"/>
+            </a:lnSpc>
+            <a:spcBef>
+              <a:spcPct val="0"/>
+            </a:spcBef>
+            <a:spcAft>
+              <a:spcPct val="35000"/>
+            </a:spcAft>
+          </a:pPr>
+          <a:endParaRPr lang="en-US" sz="1050" kern="1200"/>
+        </a:p>
+      </dsp:txBody>
+      <dsp:txXfrm rot="-5400000">
+        <a:off x="1" y="211534"/>
+        <a:ext cx="421753" cy="180751"/>
+      </dsp:txXfrm>
+    </dsp:sp>
+    <dsp:sp modelId="{7D924C14-A286-407C-A494-2605EF842E87}">
+      <dsp:nvSpPr>
+        <dsp:cNvPr id="0" name=""/>
+        <dsp:cNvSpPr/>
+      </dsp:nvSpPr>
+      <dsp:spPr>
+        <a:xfrm rot="5400000">
+          <a:off x="3759478" y="-3337068"/>
+          <a:ext cx="391627" cy="7067078"/>
+        </a:xfrm>
+        <a:prstGeom prst="round2SameRect">
+          <a:avLst/>
+        </a:prstGeom>
+        <a:solidFill>
+          <a:schemeClr val="lt1">
+            <a:alpha val="90000"/>
+            <a:hueOff val="0"/>
+            <a:satOff val="0"/>
+            <a:lumOff val="0"/>
+            <a:alphaOff val="0"/>
+          </a:schemeClr>
+        </a:solidFill>
+        <a:ln w="25400" cap="flat" cmpd="sng" algn="ctr">
+          <a:solidFill>
+            <a:schemeClr val="accent3">
+              <a:hueOff val="0"/>
+              <a:satOff val="0"/>
+              <a:lumOff val="0"/>
+              <a:alphaOff val="0"/>
+            </a:schemeClr>
+          </a:solidFill>
+          <a:prstDash val="solid"/>
+        </a:ln>
+        <a:effectLst/>
+      </dsp:spPr>
+      <dsp:style>
+        <a:lnRef idx="2">
+          <a:scrgbClr r="0" g="0" b="0"/>
+        </a:lnRef>
+        <a:fillRef idx="1">
+          <a:scrgbClr r="0" g="0" b="0"/>
+        </a:fillRef>
+        <a:effectRef idx="0">
+          <a:scrgbClr r="0" g="0" b="0"/>
+        </a:effectRef>
+        <a:fontRef idx="minor"/>
+      </dsp:style>
+      <dsp:txBody>
+        <a:bodyPr spcFirstLastPara="0" vert="horz" wrap="square" lIns="142240" tIns="12700" rIns="12700" bIns="12700" numCol="1" spcCol="1270" anchor="ctr" anchorCtr="0">
+          <a:noAutofit/>
+        </a:bodyPr>
+        <a:lstStyle/>
+        <a:p>
+          <a:pPr marL="228600" lvl="1" indent="-228600" algn="l" defTabSz="889000">
+            <a:lnSpc>
+              <a:spcPct val="90000"/>
+            </a:lnSpc>
+            <a:spcBef>
+              <a:spcPct val="0"/>
+            </a:spcBef>
+            <a:spcAft>
+              <a:spcPct val="15000"/>
+            </a:spcAft>
+            <a:buChar char="••"/>
+          </a:pPr>
+          <a:r>
+            <a:rPr lang="en-US" sz="2000" kern="1200" dirty="0" err="1"/>
+            <a:t>Pruebas</a:t>
+          </a:r>
+          <a:r>
+            <a:rPr lang="en-US" sz="2000" kern="1200" dirty="0"/>
+            <a:t> de </a:t>
+          </a:r>
+          <a:r>
+            <a:rPr lang="en-US" sz="2000" kern="1200" dirty="0" err="1"/>
+            <a:t>calidad</a:t>
+          </a:r>
+          <a:r>
+            <a:rPr lang="en-US" sz="2000" kern="1200" dirty="0"/>
+            <a:t> de </a:t>
+          </a:r>
+          <a:r>
+            <a:rPr lang="en-US" sz="2000" kern="1200" dirty="0" err="1"/>
+            <a:t>datos</a:t>
+          </a:r>
+          <a:r>
+            <a:rPr lang="en-US" sz="2000" kern="1200" dirty="0"/>
+            <a:t> del </a:t>
+          </a:r>
+          <a:r>
+            <a:rPr lang="es-CO" sz="2000" kern="1200" dirty="0"/>
+            <a:t>Data </a:t>
+          </a:r>
+          <a:r>
+            <a:rPr lang="es-CO" sz="2000" kern="1200" dirty="0" err="1"/>
+            <a:t>Warehouse</a:t>
+          </a:r>
+          <a:r>
+            <a:rPr lang="es-CO" sz="2000" kern="1200" dirty="0"/>
+            <a:t> del cliente </a:t>
+          </a:r>
+          <a:endParaRPr lang="en-US" sz="2000" kern="1200" dirty="0"/>
+        </a:p>
+      </dsp:txBody>
+      <dsp:txXfrm rot="-5400000">
+        <a:off x="421753" y="19775"/>
+        <a:ext cx="7047960" cy="353391"/>
+      </dsp:txXfrm>
+    </dsp:sp>
+    <dsp:sp modelId="{46DE062B-D172-4BF5-88A3-6686B42B8829}">
+      <dsp:nvSpPr>
+        <dsp:cNvPr id="0" name=""/>
+        <dsp:cNvSpPr/>
+      </dsp:nvSpPr>
+      <dsp:spPr>
+        <a:xfrm rot="5400000">
+          <a:off x="-90375" y="627623"/>
+          <a:ext cx="602504" cy="421753"/>
+        </a:xfrm>
+        <a:prstGeom prst="chevron">
+          <a:avLst/>
+        </a:prstGeom>
+        <a:solidFill>
+          <a:schemeClr val="accent3">
+            <a:hueOff val="1406283"/>
+            <a:satOff val="-2110"/>
+            <a:lumOff val="-343"/>
+            <a:alphaOff val="0"/>
+          </a:schemeClr>
+        </a:solidFill>
+        <a:ln w="25400" cap="flat" cmpd="sng" algn="ctr">
+          <a:solidFill>
+            <a:schemeClr val="accent3">
+              <a:hueOff val="1406283"/>
+              <a:satOff val="-2110"/>
+              <a:lumOff val="-343"/>
+              <a:alphaOff val="0"/>
+            </a:schemeClr>
+          </a:solidFill>
+          <a:prstDash val="solid"/>
+        </a:ln>
+        <a:effectLst/>
+      </dsp:spPr>
+      <dsp:style>
+        <a:lnRef idx="2">
+          <a:scrgbClr r="0" g="0" b="0"/>
+        </a:lnRef>
+        <a:fillRef idx="1">
+          <a:scrgbClr r="0" g="0" b="0"/>
+        </a:fillRef>
+        <a:effectRef idx="0">
+          <a:scrgbClr r="0" g="0" b="0"/>
+        </a:effectRef>
+        <a:fontRef idx="minor">
+          <a:schemeClr val="lt1"/>
+        </a:fontRef>
+      </dsp:style>
+      <dsp:txBody>
+        <a:bodyPr spcFirstLastPara="0" vert="horz" wrap="square" lIns="6985" tIns="6985" rIns="6985" bIns="6985" numCol="1" spcCol="1270" anchor="ctr" anchorCtr="0">
+          <a:noAutofit/>
+        </a:bodyPr>
+        <a:lstStyle/>
+        <a:p>
+          <a:pPr lvl="0" algn="ctr" defTabSz="466725">
+            <a:lnSpc>
+              <a:spcPct val="90000"/>
+            </a:lnSpc>
+            <a:spcBef>
+              <a:spcPct val="0"/>
+            </a:spcBef>
+            <a:spcAft>
+              <a:spcPct val="35000"/>
+            </a:spcAft>
+          </a:pPr>
+          <a:endParaRPr lang="en-US" sz="1050" kern="1200"/>
+        </a:p>
+      </dsp:txBody>
+      <dsp:txXfrm rot="-5400000">
+        <a:off x="1" y="748125"/>
+        <a:ext cx="421753" cy="180751"/>
+      </dsp:txXfrm>
+    </dsp:sp>
+    <dsp:sp modelId="{DD550D31-3E2A-4526-8E6B-FBCB4DC60A3D}">
+      <dsp:nvSpPr>
+        <dsp:cNvPr id="0" name=""/>
+        <dsp:cNvSpPr/>
+      </dsp:nvSpPr>
+      <dsp:spPr>
+        <a:xfrm rot="5400000">
+          <a:off x="3759478" y="-2800477"/>
+          <a:ext cx="391627" cy="7067078"/>
+        </a:xfrm>
+        <a:prstGeom prst="round2SameRect">
+          <a:avLst/>
+        </a:prstGeom>
+        <a:solidFill>
+          <a:schemeClr val="lt1">
+            <a:alpha val="90000"/>
+            <a:hueOff val="0"/>
+            <a:satOff val="0"/>
+            <a:lumOff val="0"/>
+            <a:alphaOff val="0"/>
+          </a:schemeClr>
+        </a:solidFill>
+        <a:ln w="25400" cap="flat" cmpd="sng" algn="ctr">
+          <a:solidFill>
+            <a:schemeClr val="accent3">
+              <a:hueOff val="1406283"/>
+              <a:satOff val="-2110"/>
+              <a:lumOff val="-343"/>
+              <a:alphaOff val="0"/>
+            </a:schemeClr>
+          </a:solidFill>
+          <a:prstDash val="solid"/>
+        </a:ln>
+        <a:effectLst/>
+      </dsp:spPr>
+      <dsp:style>
+        <a:lnRef idx="2">
+          <a:scrgbClr r="0" g="0" b="0"/>
+        </a:lnRef>
+        <a:fillRef idx="1">
+          <a:scrgbClr r="0" g="0" b="0"/>
+        </a:fillRef>
+        <a:effectRef idx="0">
+          <a:scrgbClr r="0" g="0" b="0"/>
+        </a:effectRef>
+        <a:fontRef idx="minor"/>
+      </dsp:style>
+      <dsp:txBody>
+        <a:bodyPr spcFirstLastPara="0" vert="horz" wrap="square" lIns="142240" tIns="12700" rIns="12700" bIns="12700" numCol="1" spcCol="1270" anchor="ctr" anchorCtr="0">
+          <a:noAutofit/>
+        </a:bodyPr>
+        <a:lstStyle/>
+        <a:p>
+          <a:pPr marL="228600" lvl="1" indent="-228600" algn="l" defTabSz="889000">
+            <a:lnSpc>
+              <a:spcPct val="90000"/>
+            </a:lnSpc>
+            <a:spcBef>
+              <a:spcPct val="0"/>
+            </a:spcBef>
+            <a:spcAft>
+              <a:spcPct val="15000"/>
+            </a:spcAft>
+            <a:buChar char="••"/>
+          </a:pPr>
+          <a:r>
+            <a:rPr lang="en-US" sz="2000" kern="1200" dirty="0" err="1"/>
+            <a:t>Instalacion</a:t>
+          </a:r>
+          <a:r>
+            <a:rPr lang="en-US" sz="2000" kern="1200" dirty="0"/>
+            <a:t> del </a:t>
+          </a:r>
+          <a:r>
+            <a:rPr lang="en-US" sz="2000" kern="1200" dirty="0" err="1"/>
+            <a:t>servidor</a:t>
+          </a:r>
+          <a:r>
+            <a:rPr lang="en-US" sz="2000" kern="1200" dirty="0"/>
+            <a:t> </a:t>
+          </a:r>
+          <a:r>
+            <a:rPr lang="en-US" sz="2000" kern="1200" dirty="0" err="1"/>
+            <a:t>Ludus</a:t>
+          </a:r>
+          <a:endParaRPr lang="en-US" sz="2000" kern="1200" dirty="0"/>
+        </a:p>
+      </dsp:txBody>
+      <dsp:txXfrm rot="-5400000">
+        <a:off x="421753" y="556366"/>
+        <a:ext cx="7047960" cy="353391"/>
+      </dsp:txXfrm>
+    </dsp:sp>
+    <dsp:sp modelId="{06937BDD-E20F-46E1-A338-115FDE4E0538}">
+      <dsp:nvSpPr>
+        <dsp:cNvPr id="0" name=""/>
+        <dsp:cNvSpPr/>
+      </dsp:nvSpPr>
+      <dsp:spPr>
+        <a:xfrm rot="5400000">
+          <a:off x="-90375" y="1164214"/>
+          <a:ext cx="602504" cy="421753"/>
+        </a:xfrm>
+        <a:prstGeom prst="chevron">
+          <a:avLst/>
+        </a:prstGeom>
+        <a:solidFill>
+          <a:schemeClr val="accent3">
+            <a:hueOff val="2812566"/>
+            <a:satOff val="-4220"/>
+            <a:lumOff val="-686"/>
+            <a:alphaOff val="0"/>
+          </a:schemeClr>
+        </a:solidFill>
+        <a:ln w="25400" cap="flat" cmpd="sng" algn="ctr">
+          <a:solidFill>
+            <a:schemeClr val="accent3">
+              <a:hueOff val="2812566"/>
+              <a:satOff val="-4220"/>
+              <a:lumOff val="-686"/>
+              <a:alphaOff val="0"/>
+            </a:schemeClr>
+          </a:solidFill>
+          <a:prstDash val="solid"/>
+        </a:ln>
+        <a:effectLst/>
+      </dsp:spPr>
+      <dsp:style>
+        <a:lnRef idx="2">
+          <a:scrgbClr r="0" g="0" b="0"/>
+        </a:lnRef>
+        <a:fillRef idx="1">
+          <a:scrgbClr r="0" g="0" b="0"/>
+        </a:fillRef>
+        <a:effectRef idx="0">
+          <a:scrgbClr r="0" g="0" b="0"/>
+        </a:effectRef>
+        <a:fontRef idx="minor">
+          <a:schemeClr val="lt1"/>
+        </a:fontRef>
+      </dsp:style>
+      <dsp:txBody>
+        <a:bodyPr spcFirstLastPara="0" vert="horz" wrap="square" lIns="6985" tIns="6985" rIns="6985" bIns="6985" numCol="1" spcCol="1270" anchor="ctr" anchorCtr="0">
+          <a:noAutofit/>
+        </a:bodyPr>
+        <a:lstStyle/>
+        <a:p>
+          <a:pPr lvl="0" algn="ctr" defTabSz="466725">
+            <a:lnSpc>
+              <a:spcPct val="90000"/>
+            </a:lnSpc>
+            <a:spcBef>
+              <a:spcPct val="0"/>
+            </a:spcBef>
+            <a:spcAft>
+              <a:spcPct val="35000"/>
+            </a:spcAft>
+          </a:pPr>
+          <a:endParaRPr lang="en-US" sz="1050" kern="1200"/>
+        </a:p>
+      </dsp:txBody>
+      <dsp:txXfrm rot="-5400000">
+        <a:off x="1" y="1284716"/>
+        <a:ext cx="421753" cy="180751"/>
+      </dsp:txXfrm>
+    </dsp:sp>
+    <dsp:sp modelId="{B3D561DC-B92F-4A16-9FF7-B07A6C428DAA}">
+      <dsp:nvSpPr>
+        <dsp:cNvPr id="0" name=""/>
+        <dsp:cNvSpPr/>
+      </dsp:nvSpPr>
+      <dsp:spPr>
+        <a:xfrm rot="5400000">
+          <a:off x="3759478" y="-2263887"/>
+          <a:ext cx="391627" cy="7067078"/>
+        </a:xfrm>
+        <a:prstGeom prst="round2SameRect">
+          <a:avLst/>
+        </a:prstGeom>
+        <a:solidFill>
+          <a:schemeClr val="lt1">
+            <a:alpha val="90000"/>
+            <a:hueOff val="0"/>
+            <a:satOff val="0"/>
+            <a:lumOff val="0"/>
+            <a:alphaOff val="0"/>
+          </a:schemeClr>
+        </a:solidFill>
+        <a:ln w="25400" cap="flat" cmpd="sng" algn="ctr">
+          <a:solidFill>
+            <a:schemeClr val="accent3">
+              <a:hueOff val="2812566"/>
+              <a:satOff val="-4220"/>
+              <a:lumOff val="-686"/>
+              <a:alphaOff val="0"/>
+            </a:schemeClr>
+          </a:solidFill>
+          <a:prstDash val="solid"/>
+        </a:ln>
+        <a:effectLst/>
+      </dsp:spPr>
+      <dsp:style>
+        <a:lnRef idx="2">
+          <a:scrgbClr r="0" g="0" b="0"/>
+        </a:lnRef>
+        <a:fillRef idx="1">
+          <a:scrgbClr r="0" g="0" b="0"/>
+        </a:fillRef>
+        <a:effectRef idx="0">
+          <a:scrgbClr r="0" g="0" b="0"/>
+        </a:effectRef>
+        <a:fontRef idx="minor"/>
+      </dsp:style>
+      <dsp:txBody>
+        <a:bodyPr spcFirstLastPara="0" vert="horz" wrap="square" lIns="142240" tIns="12700" rIns="12700" bIns="12700" numCol="1" spcCol="1270" anchor="ctr" anchorCtr="0">
+          <a:noAutofit/>
+        </a:bodyPr>
+        <a:lstStyle/>
+        <a:p>
+          <a:pPr marL="228600" lvl="1" indent="-228600" algn="l" defTabSz="889000">
+            <a:lnSpc>
+              <a:spcPct val="90000"/>
+            </a:lnSpc>
+            <a:spcBef>
+              <a:spcPct val="0"/>
+            </a:spcBef>
+            <a:spcAft>
+              <a:spcPct val="15000"/>
+            </a:spcAft>
+            <a:buChar char="••"/>
+          </a:pPr>
+          <a:r>
+            <a:rPr lang="en-US" sz="2000" kern="1200"/>
+            <a:t>Pruebas de conectividad entre el warehouse - servidor (</a:t>
+          </a:r>
+          <a:r>
+            <a:rPr lang="es-CO" sz="2000" kern="1200"/>
+            <a:t>Ludus</a:t>
+          </a:r>
+          <a:r>
+            <a:rPr lang="en-US" sz="2000" kern="1200"/>
+            <a:t>)</a:t>
+          </a:r>
+        </a:p>
+      </dsp:txBody>
+      <dsp:txXfrm rot="-5400000">
+        <a:off x="421753" y="1092956"/>
+        <a:ext cx="7047960" cy="353391"/>
+      </dsp:txXfrm>
+    </dsp:sp>
+    <dsp:sp modelId="{55DE034D-D8F4-4EE6-BC85-FD58D04C7D7C}">
+      <dsp:nvSpPr>
+        <dsp:cNvPr id="0" name=""/>
+        <dsp:cNvSpPr/>
+      </dsp:nvSpPr>
+      <dsp:spPr>
+        <a:xfrm rot="5400000">
+          <a:off x="-90375" y="1700804"/>
+          <a:ext cx="602504" cy="421753"/>
+        </a:xfrm>
+        <a:prstGeom prst="chevron">
+          <a:avLst/>
+        </a:prstGeom>
+        <a:solidFill>
+          <a:schemeClr val="accent3">
+            <a:hueOff val="4218849"/>
+            <a:satOff val="-6330"/>
+            <a:lumOff val="-1029"/>
+            <a:alphaOff val="0"/>
+          </a:schemeClr>
+        </a:solidFill>
+        <a:ln w="25400" cap="flat" cmpd="sng" algn="ctr">
+          <a:solidFill>
+            <a:schemeClr val="accent3">
+              <a:hueOff val="4218849"/>
+              <a:satOff val="-6330"/>
+              <a:lumOff val="-1029"/>
+              <a:alphaOff val="0"/>
+            </a:schemeClr>
+          </a:solidFill>
+          <a:prstDash val="solid"/>
+        </a:ln>
+        <a:effectLst/>
+      </dsp:spPr>
+      <dsp:style>
+        <a:lnRef idx="2">
+          <a:scrgbClr r="0" g="0" b="0"/>
+        </a:lnRef>
+        <a:fillRef idx="1">
+          <a:scrgbClr r="0" g="0" b="0"/>
+        </a:fillRef>
+        <a:effectRef idx="0">
+          <a:scrgbClr r="0" g="0" b="0"/>
+        </a:effectRef>
+        <a:fontRef idx="minor">
+          <a:schemeClr val="lt1"/>
+        </a:fontRef>
+      </dsp:style>
+      <dsp:txBody>
+        <a:bodyPr spcFirstLastPara="0" vert="horz" wrap="square" lIns="6985" tIns="6985" rIns="6985" bIns="6985" numCol="1" spcCol="1270" anchor="ctr" anchorCtr="0">
+          <a:noAutofit/>
+        </a:bodyPr>
+        <a:lstStyle/>
+        <a:p>
+          <a:pPr lvl="0" algn="ctr" defTabSz="466725">
+            <a:lnSpc>
+              <a:spcPct val="90000"/>
+            </a:lnSpc>
+            <a:spcBef>
+              <a:spcPct val="0"/>
+            </a:spcBef>
+            <a:spcAft>
+              <a:spcPct val="35000"/>
+            </a:spcAft>
+          </a:pPr>
+          <a:endParaRPr lang="en-US" sz="1050" kern="1200"/>
+        </a:p>
+      </dsp:txBody>
+      <dsp:txXfrm rot="-5400000">
+        <a:off x="1" y="1821306"/>
+        <a:ext cx="421753" cy="180751"/>
+      </dsp:txXfrm>
+    </dsp:sp>
+    <dsp:sp modelId="{2D9B2A39-300B-4D1B-8EA0-BC4E32FB2A60}">
+      <dsp:nvSpPr>
+        <dsp:cNvPr id="0" name=""/>
+        <dsp:cNvSpPr/>
+      </dsp:nvSpPr>
+      <dsp:spPr>
+        <a:xfrm rot="5400000">
+          <a:off x="3759478" y="-1727296"/>
+          <a:ext cx="391627" cy="7067078"/>
+        </a:xfrm>
+        <a:prstGeom prst="round2SameRect">
+          <a:avLst/>
+        </a:prstGeom>
+        <a:solidFill>
+          <a:schemeClr val="lt1">
+            <a:alpha val="90000"/>
+            <a:hueOff val="0"/>
+            <a:satOff val="0"/>
+            <a:lumOff val="0"/>
+            <a:alphaOff val="0"/>
+          </a:schemeClr>
+        </a:solidFill>
+        <a:ln w="25400" cap="flat" cmpd="sng" algn="ctr">
+          <a:solidFill>
+            <a:schemeClr val="accent3">
+              <a:hueOff val="4218849"/>
+              <a:satOff val="-6330"/>
+              <a:lumOff val="-1029"/>
+              <a:alphaOff val="0"/>
+            </a:schemeClr>
+          </a:solidFill>
+          <a:prstDash val="solid"/>
+        </a:ln>
+        <a:effectLst/>
+      </dsp:spPr>
+      <dsp:style>
+        <a:lnRef idx="2">
+          <a:scrgbClr r="0" g="0" b="0"/>
+        </a:lnRef>
+        <a:fillRef idx="1">
+          <a:scrgbClr r="0" g="0" b="0"/>
+        </a:fillRef>
+        <a:effectRef idx="0">
+          <a:scrgbClr r="0" g="0" b="0"/>
+        </a:effectRef>
+        <a:fontRef idx="minor"/>
+      </dsp:style>
+      <dsp:txBody>
+        <a:bodyPr spcFirstLastPara="0" vert="horz" wrap="square" lIns="142240" tIns="12700" rIns="12700" bIns="12700" numCol="1" spcCol="1270" anchor="ctr" anchorCtr="0">
+          <a:noAutofit/>
+        </a:bodyPr>
+        <a:lstStyle/>
+        <a:p>
+          <a:pPr marL="228600" lvl="1" indent="-228600" algn="l" defTabSz="889000">
+            <a:lnSpc>
+              <a:spcPct val="90000"/>
+            </a:lnSpc>
+            <a:spcBef>
+              <a:spcPct val="0"/>
+            </a:spcBef>
+            <a:spcAft>
+              <a:spcPct val="15000"/>
+            </a:spcAft>
+            <a:buChar char="••"/>
+          </a:pPr>
+          <a:r>
+            <a:rPr lang="en-US" sz="2000" kern="1200"/>
+            <a:t>Pruebas de acceso a datos</a:t>
+          </a:r>
+        </a:p>
+      </dsp:txBody>
+      <dsp:txXfrm rot="-5400000">
+        <a:off x="421753" y="1629547"/>
+        <a:ext cx="7047960" cy="353391"/>
+      </dsp:txXfrm>
+    </dsp:sp>
+    <dsp:sp modelId="{74CD68D7-6486-45EC-94E0-B1980F2F8544}">
+      <dsp:nvSpPr>
+        <dsp:cNvPr id="0" name=""/>
+        <dsp:cNvSpPr/>
+      </dsp:nvSpPr>
+      <dsp:spPr>
+        <a:xfrm rot="5400000">
+          <a:off x="-90375" y="2237395"/>
+          <a:ext cx="602504" cy="421753"/>
+        </a:xfrm>
+        <a:prstGeom prst="chevron">
+          <a:avLst/>
+        </a:prstGeom>
+        <a:solidFill>
+          <a:schemeClr val="accent3">
+            <a:hueOff val="5625132"/>
+            <a:satOff val="-8440"/>
+            <a:lumOff val="-1373"/>
+            <a:alphaOff val="0"/>
+          </a:schemeClr>
+        </a:solidFill>
+        <a:ln w="25400" cap="flat" cmpd="sng" algn="ctr">
+          <a:solidFill>
+            <a:schemeClr val="accent3">
+              <a:hueOff val="5625132"/>
+              <a:satOff val="-8440"/>
+              <a:lumOff val="-1373"/>
+              <a:alphaOff val="0"/>
+            </a:schemeClr>
+          </a:solidFill>
+          <a:prstDash val="solid"/>
+        </a:ln>
+        <a:effectLst/>
+      </dsp:spPr>
+      <dsp:style>
+        <a:lnRef idx="2">
+          <a:scrgbClr r="0" g="0" b="0"/>
+        </a:lnRef>
+        <a:fillRef idx="1">
+          <a:scrgbClr r="0" g="0" b="0"/>
+        </a:fillRef>
+        <a:effectRef idx="0">
+          <a:scrgbClr r="0" g="0" b="0"/>
+        </a:effectRef>
+        <a:fontRef idx="minor">
+          <a:schemeClr val="lt1"/>
+        </a:fontRef>
+      </dsp:style>
+      <dsp:txBody>
+        <a:bodyPr spcFirstLastPara="0" vert="horz" wrap="square" lIns="6985" tIns="6985" rIns="6985" bIns="6985" numCol="1" spcCol="1270" anchor="ctr" anchorCtr="0">
+          <a:noAutofit/>
+        </a:bodyPr>
+        <a:lstStyle/>
+        <a:p>
+          <a:pPr lvl="0" algn="ctr" defTabSz="466725">
+            <a:lnSpc>
+              <a:spcPct val="90000"/>
+            </a:lnSpc>
+            <a:spcBef>
+              <a:spcPct val="0"/>
+            </a:spcBef>
+            <a:spcAft>
+              <a:spcPct val="35000"/>
+            </a:spcAft>
+          </a:pPr>
+          <a:endParaRPr lang="en-US" sz="1050" kern="1200"/>
+        </a:p>
+      </dsp:txBody>
+      <dsp:txXfrm rot="-5400000">
+        <a:off x="1" y="2357897"/>
+        <a:ext cx="421753" cy="180751"/>
+      </dsp:txXfrm>
+    </dsp:sp>
+    <dsp:sp modelId="{5555DAA1-BFD7-47D4-A657-49CC0D39556F}">
+      <dsp:nvSpPr>
+        <dsp:cNvPr id="0" name=""/>
+        <dsp:cNvSpPr/>
+      </dsp:nvSpPr>
+      <dsp:spPr>
+        <a:xfrm rot="5400000">
+          <a:off x="3759478" y="-1190705"/>
+          <a:ext cx="391627" cy="7067078"/>
+        </a:xfrm>
+        <a:prstGeom prst="round2SameRect">
+          <a:avLst/>
+        </a:prstGeom>
+        <a:solidFill>
+          <a:schemeClr val="lt1">
+            <a:alpha val="90000"/>
+            <a:hueOff val="0"/>
+            <a:satOff val="0"/>
+            <a:lumOff val="0"/>
+            <a:alphaOff val="0"/>
+          </a:schemeClr>
+        </a:solidFill>
+        <a:ln w="25400" cap="flat" cmpd="sng" algn="ctr">
+          <a:solidFill>
+            <a:schemeClr val="accent3">
+              <a:hueOff val="5625132"/>
+              <a:satOff val="-8440"/>
+              <a:lumOff val="-1373"/>
+              <a:alphaOff val="0"/>
+            </a:schemeClr>
+          </a:solidFill>
+          <a:prstDash val="solid"/>
+        </a:ln>
+        <a:effectLst/>
+      </dsp:spPr>
+      <dsp:style>
+        <a:lnRef idx="2">
+          <a:scrgbClr r="0" g="0" b="0"/>
+        </a:lnRef>
+        <a:fillRef idx="1">
+          <a:scrgbClr r="0" g="0" b="0"/>
+        </a:fillRef>
+        <a:effectRef idx="0">
+          <a:scrgbClr r="0" g="0" b="0"/>
+        </a:effectRef>
+        <a:fontRef idx="minor"/>
+      </dsp:style>
+      <dsp:txBody>
+        <a:bodyPr spcFirstLastPara="0" vert="horz" wrap="square" lIns="142240" tIns="12700" rIns="12700" bIns="12700" numCol="1" spcCol="1270" anchor="ctr" anchorCtr="0">
+          <a:noAutofit/>
+        </a:bodyPr>
+        <a:lstStyle/>
+        <a:p>
+          <a:pPr marL="228600" lvl="1" indent="-228600" algn="l" defTabSz="889000">
+            <a:lnSpc>
+              <a:spcPct val="90000"/>
+            </a:lnSpc>
+            <a:spcBef>
+              <a:spcPct val="0"/>
+            </a:spcBef>
+            <a:spcAft>
+              <a:spcPct val="15000"/>
+            </a:spcAft>
+            <a:buChar char="••"/>
+          </a:pPr>
+          <a:r>
+            <a:rPr lang="en-US" sz="2000" kern="1200"/>
+            <a:t>Instalacion de la solucion BA</a:t>
+          </a:r>
+        </a:p>
+      </dsp:txBody>
+      <dsp:txXfrm rot="-5400000">
+        <a:off x="421753" y="2166138"/>
+        <a:ext cx="7047960" cy="353391"/>
+      </dsp:txXfrm>
+    </dsp:sp>
+    <dsp:sp modelId="{8BA6A785-927D-4DE7-BA50-6A042BD6179A}">
+      <dsp:nvSpPr>
+        <dsp:cNvPr id="0" name=""/>
+        <dsp:cNvSpPr/>
+      </dsp:nvSpPr>
+      <dsp:spPr>
+        <a:xfrm rot="5400000">
+          <a:off x="-90375" y="2773986"/>
+          <a:ext cx="602504" cy="421753"/>
+        </a:xfrm>
+        <a:prstGeom prst="chevron">
+          <a:avLst/>
+        </a:prstGeom>
+        <a:solidFill>
+          <a:schemeClr val="accent3">
+            <a:hueOff val="7031415"/>
+            <a:satOff val="-10550"/>
+            <a:lumOff val="-1716"/>
+            <a:alphaOff val="0"/>
+          </a:schemeClr>
+        </a:solidFill>
+        <a:ln w="25400" cap="flat" cmpd="sng" algn="ctr">
+          <a:solidFill>
+            <a:schemeClr val="accent3">
+              <a:hueOff val="7031415"/>
+              <a:satOff val="-10550"/>
+              <a:lumOff val="-1716"/>
+              <a:alphaOff val="0"/>
+            </a:schemeClr>
+          </a:solidFill>
+          <a:prstDash val="solid"/>
+        </a:ln>
+        <a:effectLst/>
+      </dsp:spPr>
+      <dsp:style>
+        <a:lnRef idx="2">
+          <a:scrgbClr r="0" g="0" b="0"/>
+        </a:lnRef>
+        <a:fillRef idx="1">
+          <a:scrgbClr r="0" g="0" b="0"/>
+        </a:fillRef>
+        <a:effectRef idx="0">
+          <a:scrgbClr r="0" g="0" b="0"/>
+        </a:effectRef>
+        <a:fontRef idx="minor">
+          <a:schemeClr val="lt1"/>
+        </a:fontRef>
+      </dsp:style>
+      <dsp:txBody>
+        <a:bodyPr spcFirstLastPara="0" vert="horz" wrap="square" lIns="6985" tIns="6985" rIns="6985" bIns="6985" numCol="1" spcCol="1270" anchor="ctr" anchorCtr="0">
+          <a:noAutofit/>
+        </a:bodyPr>
+        <a:lstStyle/>
+        <a:p>
+          <a:pPr lvl="0" algn="ctr" defTabSz="466725">
+            <a:lnSpc>
+              <a:spcPct val="90000"/>
+            </a:lnSpc>
+            <a:spcBef>
+              <a:spcPct val="0"/>
+            </a:spcBef>
+            <a:spcAft>
+              <a:spcPct val="35000"/>
+            </a:spcAft>
+          </a:pPr>
+          <a:endParaRPr lang="en-US" sz="1050" kern="1200"/>
+        </a:p>
+      </dsp:txBody>
+      <dsp:txXfrm rot="-5400000">
+        <a:off x="1" y="2894488"/>
+        <a:ext cx="421753" cy="180751"/>
+      </dsp:txXfrm>
+    </dsp:sp>
+    <dsp:sp modelId="{9CF3735A-CCD7-4F50-9021-657BDACFD415}">
+      <dsp:nvSpPr>
+        <dsp:cNvPr id="0" name=""/>
+        <dsp:cNvSpPr/>
+      </dsp:nvSpPr>
+      <dsp:spPr>
+        <a:xfrm rot="5400000">
+          <a:off x="3759478" y="-654115"/>
+          <a:ext cx="391627" cy="7067078"/>
+        </a:xfrm>
+        <a:prstGeom prst="round2SameRect">
+          <a:avLst/>
+        </a:prstGeom>
+        <a:solidFill>
+          <a:schemeClr val="lt1">
+            <a:alpha val="90000"/>
+            <a:hueOff val="0"/>
+            <a:satOff val="0"/>
+            <a:lumOff val="0"/>
+            <a:alphaOff val="0"/>
+          </a:schemeClr>
+        </a:solidFill>
+        <a:ln w="25400" cap="flat" cmpd="sng" algn="ctr">
+          <a:solidFill>
+            <a:schemeClr val="accent3">
+              <a:hueOff val="7031415"/>
+              <a:satOff val="-10550"/>
+              <a:lumOff val="-1716"/>
+              <a:alphaOff val="0"/>
+            </a:schemeClr>
+          </a:solidFill>
+          <a:prstDash val="solid"/>
+        </a:ln>
+        <a:effectLst/>
+      </dsp:spPr>
+      <dsp:style>
+        <a:lnRef idx="2">
+          <a:scrgbClr r="0" g="0" b="0"/>
+        </a:lnRef>
+        <a:fillRef idx="1">
+          <a:scrgbClr r="0" g="0" b="0"/>
+        </a:fillRef>
+        <a:effectRef idx="0">
+          <a:scrgbClr r="0" g="0" b="0"/>
+        </a:effectRef>
+        <a:fontRef idx="minor"/>
+      </dsp:style>
+      <dsp:txBody>
+        <a:bodyPr spcFirstLastPara="0" vert="horz" wrap="square" lIns="142240" tIns="12700" rIns="12700" bIns="12700" numCol="1" spcCol="1270" anchor="ctr" anchorCtr="0">
+          <a:noAutofit/>
+        </a:bodyPr>
+        <a:lstStyle/>
+        <a:p>
+          <a:pPr marL="228600" lvl="1" indent="-228600" algn="l" defTabSz="889000">
+            <a:lnSpc>
+              <a:spcPct val="90000"/>
+            </a:lnSpc>
+            <a:spcBef>
+              <a:spcPct val="0"/>
+            </a:spcBef>
+            <a:spcAft>
+              <a:spcPct val="15000"/>
+            </a:spcAft>
+            <a:buChar char="••"/>
+          </a:pPr>
+          <a:r>
+            <a:rPr lang="en-US" sz="2000" kern="1200"/>
+            <a:t>Pruebas de analisis de datos</a:t>
+          </a:r>
+        </a:p>
+      </dsp:txBody>
+      <dsp:txXfrm rot="-5400000">
+        <a:off x="421753" y="2702728"/>
+        <a:ext cx="7047960" cy="353391"/>
+      </dsp:txXfrm>
+    </dsp:sp>
+    <dsp:sp modelId="{CBE227D2-8DD8-40B8-868A-F1F854EF4D92}">
+      <dsp:nvSpPr>
+        <dsp:cNvPr id="0" name=""/>
+        <dsp:cNvSpPr/>
+      </dsp:nvSpPr>
+      <dsp:spPr>
+        <a:xfrm rot="5400000">
+          <a:off x="-90375" y="3310576"/>
+          <a:ext cx="602504" cy="421753"/>
+        </a:xfrm>
+        <a:prstGeom prst="chevron">
+          <a:avLst/>
+        </a:prstGeom>
+        <a:solidFill>
+          <a:schemeClr val="accent3">
+            <a:hueOff val="8437698"/>
+            <a:satOff val="-12660"/>
+            <a:lumOff val="-2059"/>
+            <a:alphaOff val="0"/>
+          </a:schemeClr>
+        </a:solidFill>
+        <a:ln w="25400" cap="flat" cmpd="sng" algn="ctr">
+          <a:solidFill>
+            <a:schemeClr val="accent3">
+              <a:hueOff val="8437698"/>
+              <a:satOff val="-12660"/>
+              <a:lumOff val="-2059"/>
+              <a:alphaOff val="0"/>
+            </a:schemeClr>
+          </a:solidFill>
+          <a:prstDash val="solid"/>
+        </a:ln>
+        <a:effectLst/>
+      </dsp:spPr>
+      <dsp:style>
+        <a:lnRef idx="2">
+          <a:scrgbClr r="0" g="0" b="0"/>
+        </a:lnRef>
+        <a:fillRef idx="1">
+          <a:scrgbClr r="0" g="0" b="0"/>
+        </a:fillRef>
+        <a:effectRef idx="0">
+          <a:scrgbClr r="0" g="0" b="0"/>
+        </a:effectRef>
+        <a:fontRef idx="minor">
+          <a:schemeClr val="lt1"/>
+        </a:fontRef>
+      </dsp:style>
+      <dsp:txBody>
+        <a:bodyPr spcFirstLastPara="0" vert="horz" wrap="square" lIns="6985" tIns="6985" rIns="6985" bIns="6985" numCol="1" spcCol="1270" anchor="ctr" anchorCtr="0">
+          <a:noAutofit/>
+        </a:bodyPr>
+        <a:lstStyle/>
+        <a:p>
+          <a:pPr lvl="0" algn="ctr" defTabSz="466725">
+            <a:lnSpc>
+              <a:spcPct val="90000"/>
+            </a:lnSpc>
+            <a:spcBef>
+              <a:spcPct val="0"/>
+            </a:spcBef>
+            <a:spcAft>
+              <a:spcPct val="35000"/>
+            </a:spcAft>
+          </a:pPr>
+          <a:endParaRPr lang="en-US" sz="1050" kern="1200"/>
+        </a:p>
+      </dsp:txBody>
+      <dsp:txXfrm rot="-5400000">
+        <a:off x="1" y="3431078"/>
+        <a:ext cx="421753" cy="180751"/>
+      </dsp:txXfrm>
+    </dsp:sp>
+    <dsp:sp modelId="{1D11BA6A-8B5A-492E-9D05-2C356020F385}">
+      <dsp:nvSpPr>
+        <dsp:cNvPr id="0" name=""/>
+        <dsp:cNvSpPr/>
+      </dsp:nvSpPr>
+      <dsp:spPr>
+        <a:xfrm rot="5400000">
+          <a:off x="3759478" y="-117524"/>
+          <a:ext cx="391627" cy="7067078"/>
+        </a:xfrm>
+        <a:prstGeom prst="round2SameRect">
+          <a:avLst/>
+        </a:prstGeom>
+        <a:solidFill>
+          <a:schemeClr val="lt1">
+            <a:alpha val="90000"/>
+            <a:hueOff val="0"/>
+            <a:satOff val="0"/>
+            <a:lumOff val="0"/>
+            <a:alphaOff val="0"/>
+          </a:schemeClr>
+        </a:solidFill>
+        <a:ln w="25400" cap="flat" cmpd="sng" algn="ctr">
+          <a:solidFill>
+            <a:schemeClr val="accent3">
+              <a:hueOff val="8437698"/>
+              <a:satOff val="-12660"/>
+              <a:lumOff val="-2059"/>
+              <a:alphaOff val="0"/>
+            </a:schemeClr>
+          </a:solidFill>
+          <a:prstDash val="solid"/>
+        </a:ln>
+        <a:effectLst/>
+      </dsp:spPr>
+      <dsp:style>
+        <a:lnRef idx="2">
+          <a:scrgbClr r="0" g="0" b="0"/>
+        </a:lnRef>
+        <a:fillRef idx="1">
+          <a:scrgbClr r="0" g="0" b="0"/>
+        </a:fillRef>
+        <a:effectRef idx="0">
+          <a:scrgbClr r="0" g="0" b="0"/>
+        </a:effectRef>
+        <a:fontRef idx="minor"/>
+      </dsp:style>
+      <dsp:txBody>
+        <a:bodyPr spcFirstLastPara="0" vert="horz" wrap="square" lIns="142240" tIns="12700" rIns="12700" bIns="12700" numCol="1" spcCol="1270" anchor="ctr" anchorCtr="0">
+          <a:noAutofit/>
+        </a:bodyPr>
+        <a:lstStyle/>
+        <a:p>
+          <a:pPr marL="228600" lvl="1" indent="-228600" algn="l" defTabSz="889000">
+            <a:lnSpc>
+              <a:spcPct val="90000"/>
+            </a:lnSpc>
+            <a:spcBef>
+              <a:spcPct val="0"/>
+            </a:spcBef>
+            <a:spcAft>
+              <a:spcPct val="15000"/>
+            </a:spcAft>
+            <a:buChar char="••"/>
+          </a:pPr>
+          <a:r>
+            <a:rPr lang="en-US" sz="2000" kern="1200"/>
+            <a:t>Creacion de reportes</a:t>
+          </a:r>
+        </a:p>
+      </dsp:txBody>
+      <dsp:txXfrm rot="-5400000">
+        <a:off x="421753" y="3239319"/>
+        <a:ext cx="7047960" cy="353391"/>
+      </dsp:txXfrm>
+    </dsp:sp>
+    <dsp:sp modelId="{934E52F8-1F31-421D-98B1-AF190D4E2E54}">
+      <dsp:nvSpPr>
+        <dsp:cNvPr id="0" name=""/>
+        <dsp:cNvSpPr/>
+      </dsp:nvSpPr>
+      <dsp:spPr>
+        <a:xfrm rot="5400000">
+          <a:off x="-90375" y="3847167"/>
+          <a:ext cx="602504" cy="421753"/>
+        </a:xfrm>
+        <a:prstGeom prst="chevron">
+          <a:avLst/>
+        </a:prstGeom>
+        <a:solidFill>
+          <a:schemeClr val="accent3">
+            <a:hueOff val="9843981"/>
+            <a:satOff val="-14770"/>
+            <a:lumOff val="-2402"/>
+            <a:alphaOff val="0"/>
+          </a:schemeClr>
+        </a:solidFill>
+        <a:ln w="25400" cap="flat" cmpd="sng" algn="ctr">
+          <a:solidFill>
+            <a:schemeClr val="accent3">
+              <a:hueOff val="9843981"/>
+              <a:satOff val="-14770"/>
+              <a:lumOff val="-2402"/>
+              <a:alphaOff val="0"/>
+            </a:schemeClr>
+          </a:solidFill>
+          <a:prstDash val="solid"/>
+        </a:ln>
+        <a:effectLst/>
+      </dsp:spPr>
+      <dsp:style>
+        <a:lnRef idx="2">
+          <a:scrgbClr r="0" g="0" b="0"/>
+        </a:lnRef>
+        <a:fillRef idx="1">
+          <a:scrgbClr r="0" g="0" b="0"/>
+        </a:fillRef>
+        <a:effectRef idx="0">
+          <a:scrgbClr r="0" g="0" b="0"/>
+        </a:effectRef>
+        <a:fontRef idx="minor">
+          <a:schemeClr val="lt1"/>
+        </a:fontRef>
+      </dsp:style>
+      <dsp:txBody>
+        <a:bodyPr spcFirstLastPara="0" vert="horz" wrap="square" lIns="6985" tIns="6985" rIns="6985" bIns="6985" numCol="1" spcCol="1270" anchor="ctr" anchorCtr="0">
+          <a:noAutofit/>
+        </a:bodyPr>
+        <a:lstStyle/>
+        <a:p>
+          <a:pPr lvl="0" algn="ctr" defTabSz="466725">
+            <a:lnSpc>
+              <a:spcPct val="90000"/>
+            </a:lnSpc>
+            <a:spcBef>
+              <a:spcPct val="0"/>
+            </a:spcBef>
+            <a:spcAft>
+              <a:spcPct val="35000"/>
+            </a:spcAft>
+          </a:pPr>
+          <a:endParaRPr lang="en-US" sz="1050" kern="1200"/>
+        </a:p>
+      </dsp:txBody>
+      <dsp:txXfrm rot="-5400000">
+        <a:off x="1" y="3967669"/>
+        <a:ext cx="421753" cy="180751"/>
+      </dsp:txXfrm>
+    </dsp:sp>
+    <dsp:sp modelId="{3A70B292-ED2A-479B-9C73-0AF5B65FCDA0}">
+      <dsp:nvSpPr>
+        <dsp:cNvPr id="0" name=""/>
+        <dsp:cNvSpPr/>
+      </dsp:nvSpPr>
+      <dsp:spPr>
+        <a:xfrm rot="5400000">
+          <a:off x="3759478" y="419066"/>
+          <a:ext cx="391627" cy="7067078"/>
+        </a:xfrm>
+        <a:prstGeom prst="round2SameRect">
+          <a:avLst/>
+        </a:prstGeom>
+        <a:solidFill>
+          <a:schemeClr val="lt1">
+            <a:alpha val="90000"/>
+            <a:hueOff val="0"/>
+            <a:satOff val="0"/>
+            <a:lumOff val="0"/>
+            <a:alphaOff val="0"/>
+          </a:schemeClr>
+        </a:solidFill>
+        <a:ln w="25400" cap="flat" cmpd="sng" algn="ctr">
+          <a:solidFill>
+            <a:schemeClr val="accent3">
+              <a:hueOff val="9843981"/>
+              <a:satOff val="-14770"/>
+              <a:lumOff val="-2402"/>
+              <a:alphaOff val="0"/>
+            </a:schemeClr>
+          </a:solidFill>
+          <a:prstDash val="solid"/>
+        </a:ln>
+        <a:effectLst/>
+      </dsp:spPr>
+      <dsp:style>
+        <a:lnRef idx="2">
+          <a:scrgbClr r="0" g="0" b="0"/>
+        </a:lnRef>
+        <a:fillRef idx="1">
+          <a:scrgbClr r="0" g="0" b="0"/>
+        </a:fillRef>
+        <a:effectRef idx="0">
+          <a:scrgbClr r="0" g="0" b="0"/>
+        </a:effectRef>
+        <a:fontRef idx="minor"/>
+      </dsp:style>
+      <dsp:txBody>
+        <a:bodyPr spcFirstLastPara="0" vert="horz" wrap="square" lIns="142240" tIns="12700" rIns="12700" bIns="12700" numCol="1" spcCol="1270" anchor="ctr" anchorCtr="0">
+          <a:noAutofit/>
+        </a:bodyPr>
+        <a:lstStyle/>
+        <a:p>
+          <a:pPr marL="228600" lvl="1" indent="-228600" algn="l" defTabSz="889000">
+            <a:lnSpc>
+              <a:spcPct val="90000"/>
+            </a:lnSpc>
+            <a:spcBef>
+              <a:spcPct val="0"/>
+            </a:spcBef>
+            <a:spcAft>
+              <a:spcPct val="15000"/>
+            </a:spcAft>
+            <a:buChar char="••"/>
+          </a:pPr>
+          <a:r>
+            <a:rPr lang="en-US" sz="2000" kern="1200"/>
+            <a:t>Creacion de diagramas y mapas</a:t>
+          </a:r>
+        </a:p>
+      </dsp:txBody>
+      <dsp:txXfrm rot="-5400000">
+        <a:off x="421753" y="3775909"/>
+        <a:ext cx="7047960" cy="353391"/>
+      </dsp:txXfrm>
+    </dsp:sp>
+    <dsp:sp modelId="{BEE86D47-DEB0-47FE-BA07-F46E88E4EA5B}">
+      <dsp:nvSpPr>
+        <dsp:cNvPr id="0" name=""/>
+        <dsp:cNvSpPr/>
+      </dsp:nvSpPr>
+      <dsp:spPr>
+        <a:xfrm rot="5400000">
+          <a:off x="-90375" y="4383758"/>
+          <a:ext cx="602504" cy="421753"/>
+        </a:xfrm>
+        <a:prstGeom prst="chevron">
+          <a:avLst/>
+        </a:prstGeom>
+        <a:solidFill>
+          <a:schemeClr val="accent3">
+            <a:hueOff val="11250264"/>
+            <a:satOff val="-16880"/>
+            <a:lumOff val="-2745"/>
+            <a:alphaOff val="0"/>
+          </a:schemeClr>
+        </a:solidFill>
+        <a:ln w="25400" cap="flat" cmpd="sng" algn="ctr">
+          <a:solidFill>
+            <a:schemeClr val="accent3">
+              <a:hueOff val="11250264"/>
+              <a:satOff val="-16880"/>
+              <a:lumOff val="-2745"/>
+              <a:alphaOff val="0"/>
+            </a:schemeClr>
+          </a:solidFill>
+          <a:prstDash val="solid"/>
+        </a:ln>
+        <a:effectLst/>
+      </dsp:spPr>
+      <dsp:style>
+        <a:lnRef idx="2">
+          <a:scrgbClr r="0" g="0" b="0"/>
+        </a:lnRef>
+        <a:fillRef idx="1">
+          <a:scrgbClr r="0" g="0" b="0"/>
+        </a:fillRef>
+        <a:effectRef idx="0">
+          <a:scrgbClr r="0" g="0" b="0"/>
+        </a:effectRef>
+        <a:fontRef idx="minor">
+          <a:schemeClr val="lt1"/>
+        </a:fontRef>
+      </dsp:style>
+      <dsp:txBody>
+        <a:bodyPr spcFirstLastPara="0" vert="horz" wrap="square" lIns="6985" tIns="6985" rIns="6985" bIns="6985" numCol="1" spcCol="1270" anchor="ctr" anchorCtr="0">
+          <a:noAutofit/>
+        </a:bodyPr>
+        <a:lstStyle/>
+        <a:p>
+          <a:pPr lvl="0" algn="ctr" defTabSz="466725">
+            <a:lnSpc>
+              <a:spcPct val="90000"/>
+            </a:lnSpc>
+            <a:spcBef>
+              <a:spcPct val="0"/>
+            </a:spcBef>
+            <a:spcAft>
+              <a:spcPct val="35000"/>
+            </a:spcAft>
+          </a:pPr>
+          <a:endParaRPr lang="en-US" sz="1050" kern="1200"/>
+        </a:p>
+      </dsp:txBody>
+      <dsp:txXfrm rot="-5400000">
+        <a:off x="1" y="4504260"/>
+        <a:ext cx="421753" cy="180751"/>
+      </dsp:txXfrm>
+    </dsp:sp>
+    <dsp:sp modelId="{B23AAA86-8260-4C63-858F-545D418AA6FE}">
+      <dsp:nvSpPr>
+        <dsp:cNvPr id="0" name=""/>
+        <dsp:cNvSpPr/>
+      </dsp:nvSpPr>
+      <dsp:spPr>
+        <a:xfrm rot="5400000">
+          <a:off x="3759478" y="955657"/>
+          <a:ext cx="391627" cy="7067078"/>
+        </a:xfrm>
+        <a:prstGeom prst="round2SameRect">
+          <a:avLst/>
+        </a:prstGeom>
+        <a:solidFill>
+          <a:schemeClr val="lt1">
+            <a:alpha val="90000"/>
+            <a:hueOff val="0"/>
+            <a:satOff val="0"/>
+            <a:lumOff val="0"/>
+            <a:alphaOff val="0"/>
+          </a:schemeClr>
+        </a:solidFill>
+        <a:ln w="25400" cap="flat" cmpd="sng" algn="ctr">
+          <a:solidFill>
+            <a:schemeClr val="accent3">
+              <a:hueOff val="11250264"/>
+              <a:satOff val="-16880"/>
+              <a:lumOff val="-2745"/>
+              <a:alphaOff val="0"/>
+            </a:schemeClr>
+          </a:solidFill>
+          <a:prstDash val="solid"/>
+        </a:ln>
+        <a:effectLst/>
+      </dsp:spPr>
+      <dsp:style>
+        <a:lnRef idx="2">
+          <a:scrgbClr r="0" g="0" b="0"/>
+        </a:lnRef>
+        <a:fillRef idx="1">
+          <a:scrgbClr r="0" g="0" b="0"/>
+        </a:fillRef>
+        <a:effectRef idx="0">
+          <a:scrgbClr r="0" g="0" b="0"/>
+        </a:effectRef>
+        <a:fontRef idx="minor"/>
+      </dsp:style>
+      <dsp:txBody>
+        <a:bodyPr spcFirstLastPara="0" vert="horz" wrap="square" lIns="142240" tIns="12700" rIns="12700" bIns="12700" numCol="1" spcCol="1270" anchor="ctr" anchorCtr="0">
+          <a:noAutofit/>
+        </a:bodyPr>
+        <a:lstStyle/>
+        <a:p>
+          <a:pPr marL="228600" lvl="1" indent="-228600" algn="l" defTabSz="889000">
+            <a:lnSpc>
+              <a:spcPct val="90000"/>
+            </a:lnSpc>
+            <a:spcBef>
+              <a:spcPct val="0"/>
+            </a:spcBef>
+            <a:spcAft>
+              <a:spcPct val="15000"/>
+            </a:spcAft>
+            <a:buChar char="••"/>
+          </a:pPr>
+          <a:r>
+            <a:rPr lang="en-US" sz="2000" kern="1200"/>
+            <a:t>Presentacion del Dashboard </a:t>
+          </a:r>
+        </a:p>
+      </dsp:txBody>
+      <dsp:txXfrm rot="-5400000">
+        <a:off x="421753" y="4312500"/>
+        <a:ext cx="7047960" cy="353391"/>
+      </dsp:txXfrm>
+    </dsp:sp>
   </dsp:spTree>
 </dsp:drawing>
 </file>
@@ -6657,6 +9393,631 @@
       <dsp:cNvGrpSpPr/>
     </dsp:nvGrpSpPr>
     <dsp:grpSpPr/>
+    <dsp:sp modelId="{793C8ADD-3FD1-4639-AF77-6A208996CD53}">
+      <dsp:nvSpPr>
+        <dsp:cNvPr id="0" name=""/>
+        <dsp:cNvSpPr/>
+      </dsp:nvSpPr>
+      <dsp:spPr>
+        <a:xfrm>
+          <a:off x="0" y="369411"/>
+          <a:ext cx="7583211" cy="529200"/>
+        </a:xfrm>
+        <a:prstGeom prst="rect">
+          <a:avLst/>
+        </a:prstGeom>
+        <a:solidFill>
+          <a:schemeClr val="lt1">
+            <a:alpha val="90000"/>
+            <a:hueOff val="0"/>
+            <a:satOff val="0"/>
+            <a:lumOff val="0"/>
+            <a:alphaOff val="0"/>
+          </a:schemeClr>
+        </a:solidFill>
+        <a:ln w="25400" cap="flat" cmpd="sng" algn="ctr">
+          <a:solidFill>
+            <a:schemeClr val="accent4">
+              <a:hueOff val="0"/>
+              <a:satOff val="0"/>
+              <a:lumOff val="0"/>
+              <a:alphaOff val="0"/>
+            </a:schemeClr>
+          </a:solidFill>
+          <a:prstDash val="solid"/>
+        </a:ln>
+        <a:effectLst/>
+      </dsp:spPr>
+      <dsp:style>
+        <a:lnRef idx="2">
+          <a:scrgbClr r="0" g="0" b="0"/>
+        </a:lnRef>
+        <a:fillRef idx="1">
+          <a:scrgbClr r="0" g="0" b="0"/>
+        </a:fillRef>
+        <a:effectRef idx="0">
+          <a:scrgbClr r="0" g="0" b="0"/>
+        </a:effectRef>
+        <a:fontRef idx="minor"/>
+      </dsp:style>
+    </dsp:sp>
+    <dsp:sp modelId="{92742DCE-3D34-455E-BF95-EE9F0707F0A0}">
+      <dsp:nvSpPr>
+        <dsp:cNvPr id="0" name=""/>
+        <dsp:cNvSpPr/>
+      </dsp:nvSpPr>
+      <dsp:spPr>
+        <a:xfrm>
+          <a:off x="379160" y="59451"/>
+          <a:ext cx="5308247" cy="619920"/>
+        </a:xfrm>
+        <a:prstGeom prst="roundRect">
+          <a:avLst/>
+        </a:prstGeom>
+        <a:solidFill>
+          <a:schemeClr val="accent4">
+            <a:hueOff val="0"/>
+            <a:satOff val="0"/>
+            <a:lumOff val="0"/>
+            <a:alphaOff val="0"/>
+          </a:schemeClr>
+        </a:solidFill>
+        <a:ln w="25400" cap="flat" cmpd="sng" algn="ctr">
+          <a:solidFill>
+            <a:schemeClr val="lt1">
+              <a:hueOff val="0"/>
+              <a:satOff val="0"/>
+              <a:lumOff val="0"/>
+              <a:alphaOff val="0"/>
+            </a:schemeClr>
+          </a:solidFill>
+          <a:prstDash val="solid"/>
+        </a:ln>
+        <a:effectLst/>
+      </dsp:spPr>
+      <dsp:style>
+        <a:lnRef idx="2">
+          <a:scrgbClr r="0" g="0" b="0"/>
+        </a:lnRef>
+        <a:fillRef idx="1">
+          <a:scrgbClr r="0" g="0" b="0"/>
+        </a:fillRef>
+        <a:effectRef idx="0">
+          <a:scrgbClr r="0" g="0" b="0"/>
+        </a:effectRef>
+        <a:fontRef idx="minor">
+          <a:schemeClr val="lt1"/>
+        </a:fontRef>
+      </dsp:style>
+      <dsp:txBody>
+        <a:bodyPr spcFirstLastPara="0" vert="horz" wrap="square" lIns="200639" tIns="0" rIns="200639" bIns="0" numCol="1" spcCol="1270" anchor="ctr" anchorCtr="0">
+          <a:noAutofit/>
+        </a:bodyPr>
+        <a:lstStyle/>
+        <a:p>
+          <a:pPr lvl="0" algn="l" defTabSz="1066800">
+            <a:lnSpc>
+              <a:spcPct val="90000"/>
+            </a:lnSpc>
+            <a:spcBef>
+              <a:spcPct val="0"/>
+            </a:spcBef>
+            <a:spcAft>
+              <a:spcPct val="35000"/>
+            </a:spcAft>
+          </a:pPr>
+          <a:r>
+            <a:rPr lang="es-CO" sz="2400" b="1" kern="1200" dirty="0" smtClean="0"/>
+            <a:t>Capacitación Especializada</a:t>
+          </a:r>
+          <a:endParaRPr lang="en-US" sz="2400" kern="1200" dirty="0"/>
+        </a:p>
+      </dsp:txBody>
+      <dsp:txXfrm>
+        <a:off x="409422" y="89713"/>
+        <a:ext cx="5247723" cy="559396"/>
+      </dsp:txXfrm>
+    </dsp:sp>
+    <dsp:sp modelId="{6E9FEB2B-9A88-44E5-83F0-39ECFC6BA07C}">
+      <dsp:nvSpPr>
+        <dsp:cNvPr id="0" name=""/>
+        <dsp:cNvSpPr/>
+      </dsp:nvSpPr>
+      <dsp:spPr>
+        <a:xfrm>
+          <a:off x="0" y="1321971"/>
+          <a:ext cx="7583211" cy="529200"/>
+        </a:xfrm>
+        <a:prstGeom prst="rect">
+          <a:avLst/>
+        </a:prstGeom>
+        <a:solidFill>
+          <a:schemeClr val="lt1">
+            <a:alpha val="90000"/>
+            <a:hueOff val="0"/>
+            <a:satOff val="0"/>
+            <a:lumOff val="0"/>
+            <a:alphaOff val="0"/>
+          </a:schemeClr>
+        </a:solidFill>
+        <a:ln w="25400" cap="flat" cmpd="sng" algn="ctr">
+          <a:solidFill>
+            <a:schemeClr val="accent4">
+              <a:hueOff val="-1116192"/>
+              <a:satOff val="6725"/>
+              <a:lumOff val="539"/>
+              <a:alphaOff val="0"/>
+            </a:schemeClr>
+          </a:solidFill>
+          <a:prstDash val="solid"/>
+        </a:ln>
+        <a:effectLst/>
+      </dsp:spPr>
+      <dsp:style>
+        <a:lnRef idx="2">
+          <a:scrgbClr r="0" g="0" b="0"/>
+        </a:lnRef>
+        <a:fillRef idx="1">
+          <a:scrgbClr r="0" g="0" b="0"/>
+        </a:fillRef>
+        <a:effectRef idx="0">
+          <a:scrgbClr r="0" g="0" b="0"/>
+        </a:effectRef>
+        <a:fontRef idx="minor"/>
+      </dsp:style>
+    </dsp:sp>
+    <dsp:sp modelId="{1A3C3166-884D-4BCD-A480-75B8848B1F5E}">
+      <dsp:nvSpPr>
+        <dsp:cNvPr id="0" name=""/>
+        <dsp:cNvSpPr/>
+      </dsp:nvSpPr>
+      <dsp:spPr>
+        <a:xfrm>
+          <a:off x="379160" y="1012011"/>
+          <a:ext cx="5308247" cy="619920"/>
+        </a:xfrm>
+        <a:prstGeom prst="roundRect">
+          <a:avLst/>
+        </a:prstGeom>
+        <a:solidFill>
+          <a:schemeClr val="accent4">
+            <a:hueOff val="-1116192"/>
+            <a:satOff val="6725"/>
+            <a:lumOff val="539"/>
+            <a:alphaOff val="0"/>
+          </a:schemeClr>
+        </a:solidFill>
+        <a:ln w="25400" cap="flat" cmpd="sng" algn="ctr">
+          <a:solidFill>
+            <a:schemeClr val="lt1">
+              <a:hueOff val="0"/>
+              <a:satOff val="0"/>
+              <a:lumOff val="0"/>
+              <a:alphaOff val="0"/>
+            </a:schemeClr>
+          </a:solidFill>
+          <a:prstDash val="solid"/>
+        </a:ln>
+        <a:effectLst/>
+      </dsp:spPr>
+      <dsp:style>
+        <a:lnRef idx="2">
+          <a:scrgbClr r="0" g="0" b="0"/>
+        </a:lnRef>
+        <a:fillRef idx="1">
+          <a:scrgbClr r="0" g="0" b="0"/>
+        </a:fillRef>
+        <a:effectRef idx="0">
+          <a:scrgbClr r="0" g="0" b="0"/>
+        </a:effectRef>
+        <a:fontRef idx="minor">
+          <a:schemeClr val="lt1"/>
+        </a:fontRef>
+      </dsp:style>
+      <dsp:txBody>
+        <a:bodyPr spcFirstLastPara="0" vert="horz" wrap="square" lIns="200639" tIns="0" rIns="200639" bIns="0" numCol="1" spcCol="1270" anchor="ctr" anchorCtr="0">
+          <a:noAutofit/>
+        </a:bodyPr>
+        <a:lstStyle/>
+        <a:p>
+          <a:pPr lvl="0" algn="l" defTabSz="1066800">
+            <a:lnSpc>
+              <a:spcPct val="90000"/>
+            </a:lnSpc>
+            <a:spcBef>
+              <a:spcPct val="0"/>
+            </a:spcBef>
+            <a:spcAft>
+              <a:spcPct val="35000"/>
+            </a:spcAft>
+          </a:pPr>
+          <a:r>
+            <a:rPr lang="es-CO" sz="2400" b="1" kern="1200" dirty="0" smtClean="0"/>
+            <a:t>Soporte Técnico</a:t>
+          </a:r>
+          <a:endParaRPr lang="en-US" sz="2400" kern="1200" dirty="0"/>
+        </a:p>
+      </dsp:txBody>
+      <dsp:txXfrm>
+        <a:off x="409422" y="1042273"/>
+        <a:ext cx="5247723" cy="559396"/>
+      </dsp:txXfrm>
+    </dsp:sp>
+    <dsp:sp modelId="{56F8E793-C0E9-4431-9BFD-9E7CEF0C5902}">
+      <dsp:nvSpPr>
+        <dsp:cNvPr id="0" name=""/>
+        <dsp:cNvSpPr/>
+      </dsp:nvSpPr>
+      <dsp:spPr>
+        <a:xfrm>
+          <a:off x="0" y="2274531"/>
+          <a:ext cx="7583211" cy="529200"/>
+        </a:xfrm>
+        <a:prstGeom prst="rect">
+          <a:avLst/>
+        </a:prstGeom>
+        <a:solidFill>
+          <a:schemeClr val="lt1">
+            <a:alpha val="90000"/>
+            <a:hueOff val="0"/>
+            <a:satOff val="0"/>
+            <a:lumOff val="0"/>
+            <a:alphaOff val="0"/>
+          </a:schemeClr>
+        </a:solidFill>
+        <a:ln w="25400" cap="flat" cmpd="sng" algn="ctr">
+          <a:solidFill>
+            <a:schemeClr val="accent4">
+              <a:hueOff val="-2232385"/>
+              <a:satOff val="13449"/>
+              <a:lumOff val="1078"/>
+              <a:alphaOff val="0"/>
+            </a:schemeClr>
+          </a:solidFill>
+          <a:prstDash val="solid"/>
+        </a:ln>
+        <a:effectLst/>
+      </dsp:spPr>
+      <dsp:style>
+        <a:lnRef idx="2">
+          <a:scrgbClr r="0" g="0" b="0"/>
+        </a:lnRef>
+        <a:fillRef idx="1">
+          <a:scrgbClr r="0" g="0" b="0"/>
+        </a:fillRef>
+        <a:effectRef idx="0">
+          <a:scrgbClr r="0" g="0" b="0"/>
+        </a:effectRef>
+        <a:fontRef idx="minor"/>
+      </dsp:style>
+    </dsp:sp>
+    <dsp:sp modelId="{25B1983F-25BA-4293-AA96-88EA2B55D481}">
+      <dsp:nvSpPr>
+        <dsp:cNvPr id="0" name=""/>
+        <dsp:cNvSpPr/>
+      </dsp:nvSpPr>
+      <dsp:spPr>
+        <a:xfrm>
+          <a:off x="379160" y="1964571"/>
+          <a:ext cx="5308247" cy="619920"/>
+        </a:xfrm>
+        <a:prstGeom prst="roundRect">
+          <a:avLst/>
+        </a:prstGeom>
+        <a:solidFill>
+          <a:schemeClr val="accent4">
+            <a:hueOff val="-2232385"/>
+            <a:satOff val="13449"/>
+            <a:lumOff val="1078"/>
+            <a:alphaOff val="0"/>
+          </a:schemeClr>
+        </a:solidFill>
+        <a:ln w="25400" cap="flat" cmpd="sng" algn="ctr">
+          <a:solidFill>
+            <a:schemeClr val="lt1">
+              <a:hueOff val="0"/>
+              <a:satOff val="0"/>
+              <a:lumOff val="0"/>
+              <a:alphaOff val="0"/>
+            </a:schemeClr>
+          </a:solidFill>
+          <a:prstDash val="solid"/>
+        </a:ln>
+        <a:effectLst/>
+      </dsp:spPr>
+      <dsp:style>
+        <a:lnRef idx="2">
+          <a:scrgbClr r="0" g="0" b="0"/>
+        </a:lnRef>
+        <a:fillRef idx="1">
+          <a:scrgbClr r="0" g="0" b="0"/>
+        </a:fillRef>
+        <a:effectRef idx="0">
+          <a:scrgbClr r="0" g="0" b="0"/>
+        </a:effectRef>
+        <a:fontRef idx="minor">
+          <a:schemeClr val="lt1"/>
+        </a:fontRef>
+      </dsp:style>
+      <dsp:txBody>
+        <a:bodyPr spcFirstLastPara="0" vert="horz" wrap="square" lIns="200639" tIns="0" rIns="200639" bIns="0" numCol="1" spcCol="1270" anchor="ctr" anchorCtr="0">
+          <a:noAutofit/>
+        </a:bodyPr>
+        <a:lstStyle/>
+        <a:p>
+          <a:pPr lvl="0" algn="l" defTabSz="1066800">
+            <a:lnSpc>
+              <a:spcPct val="90000"/>
+            </a:lnSpc>
+            <a:spcBef>
+              <a:spcPct val="0"/>
+            </a:spcBef>
+            <a:spcAft>
+              <a:spcPct val="35000"/>
+            </a:spcAft>
+          </a:pPr>
+          <a:r>
+            <a:rPr lang="es-CO" sz="2400" b="1" kern="1200" dirty="0" smtClean="0"/>
+            <a:t>Pólizas de Soporte</a:t>
+          </a:r>
+          <a:endParaRPr lang="en-US" sz="2400" kern="1200" dirty="0"/>
+        </a:p>
+      </dsp:txBody>
+      <dsp:txXfrm>
+        <a:off x="409422" y="1994833"/>
+        <a:ext cx="5247723" cy="559396"/>
+      </dsp:txXfrm>
+    </dsp:sp>
+    <dsp:sp modelId="{942072AA-ECDF-4706-B9F4-C0B56FAF26BB}">
+      <dsp:nvSpPr>
+        <dsp:cNvPr id="0" name=""/>
+        <dsp:cNvSpPr/>
+      </dsp:nvSpPr>
+      <dsp:spPr>
+        <a:xfrm>
+          <a:off x="0" y="3227092"/>
+          <a:ext cx="7583211" cy="529200"/>
+        </a:xfrm>
+        <a:prstGeom prst="rect">
+          <a:avLst/>
+        </a:prstGeom>
+        <a:solidFill>
+          <a:schemeClr val="lt1">
+            <a:alpha val="90000"/>
+            <a:hueOff val="0"/>
+            <a:satOff val="0"/>
+            <a:lumOff val="0"/>
+            <a:alphaOff val="0"/>
+          </a:schemeClr>
+        </a:solidFill>
+        <a:ln w="25400" cap="flat" cmpd="sng" algn="ctr">
+          <a:solidFill>
+            <a:schemeClr val="accent4">
+              <a:hueOff val="-3348577"/>
+              <a:satOff val="20174"/>
+              <a:lumOff val="1617"/>
+              <a:alphaOff val="0"/>
+            </a:schemeClr>
+          </a:solidFill>
+          <a:prstDash val="solid"/>
+        </a:ln>
+        <a:effectLst/>
+      </dsp:spPr>
+      <dsp:style>
+        <a:lnRef idx="2">
+          <a:scrgbClr r="0" g="0" b="0"/>
+        </a:lnRef>
+        <a:fillRef idx="1">
+          <a:scrgbClr r="0" g="0" b="0"/>
+        </a:fillRef>
+        <a:effectRef idx="0">
+          <a:scrgbClr r="0" g="0" b="0"/>
+        </a:effectRef>
+        <a:fontRef idx="minor"/>
+      </dsp:style>
+    </dsp:sp>
+    <dsp:sp modelId="{1A98280E-76C5-4230-AC9C-E91A99CB258E}">
+      <dsp:nvSpPr>
+        <dsp:cNvPr id="0" name=""/>
+        <dsp:cNvSpPr/>
+      </dsp:nvSpPr>
+      <dsp:spPr>
+        <a:xfrm>
+          <a:off x="379160" y="2917132"/>
+          <a:ext cx="5308247" cy="619920"/>
+        </a:xfrm>
+        <a:prstGeom prst="roundRect">
+          <a:avLst/>
+        </a:prstGeom>
+        <a:solidFill>
+          <a:schemeClr val="accent4">
+            <a:hueOff val="-3348577"/>
+            <a:satOff val="20174"/>
+            <a:lumOff val="1617"/>
+            <a:alphaOff val="0"/>
+          </a:schemeClr>
+        </a:solidFill>
+        <a:ln w="25400" cap="flat" cmpd="sng" algn="ctr">
+          <a:solidFill>
+            <a:schemeClr val="lt1">
+              <a:hueOff val="0"/>
+              <a:satOff val="0"/>
+              <a:lumOff val="0"/>
+              <a:alphaOff val="0"/>
+            </a:schemeClr>
+          </a:solidFill>
+          <a:prstDash val="solid"/>
+        </a:ln>
+        <a:effectLst/>
+      </dsp:spPr>
+      <dsp:style>
+        <a:lnRef idx="2">
+          <a:scrgbClr r="0" g="0" b="0"/>
+        </a:lnRef>
+        <a:fillRef idx="1">
+          <a:scrgbClr r="0" g="0" b="0"/>
+        </a:fillRef>
+        <a:effectRef idx="0">
+          <a:scrgbClr r="0" g="0" b="0"/>
+        </a:effectRef>
+        <a:fontRef idx="minor">
+          <a:schemeClr val="lt1"/>
+        </a:fontRef>
+      </dsp:style>
+      <dsp:txBody>
+        <a:bodyPr spcFirstLastPara="0" vert="horz" wrap="square" lIns="200639" tIns="0" rIns="200639" bIns="0" numCol="1" spcCol="1270" anchor="ctr" anchorCtr="0">
+          <a:noAutofit/>
+        </a:bodyPr>
+        <a:lstStyle/>
+        <a:p>
+          <a:pPr lvl="0" algn="l" defTabSz="1066800">
+            <a:lnSpc>
+              <a:spcPct val="90000"/>
+            </a:lnSpc>
+            <a:spcBef>
+              <a:spcPct val="0"/>
+            </a:spcBef>
+            <a:spcAft>
+              <a:spcPct val="35000"/>
+            </a:spcAft>
+          </a:pPr>
+          <a:r>
+            <a:rPr lang="es-CO" sz="2400" b="1" kern="1200" smtClean="0"/>
+            <a:t>Programas de Mantenimiento Preventivo de Software</a:t>
+          </a:r>
+          <a:endParaRPr lang="en-US" sz="2400" kern="1200"/>
+        </a:p>
+      </dsp:txBody>
+      <dsp:txXfrm>
+        <a:off x="409422" y="2947394"/>
+        <a:ext cx="5247723" cy="559396"/>
+      </dsp:txXfrm>
+    </dsp:sp>
+    <dsp:sp modelId="{C97C8D2A-EFBD-459E-9F74-5F00F316A48F}">
+      <dsp:nvSpPr>
+        <dsp:cNvPr id="0" name=""/>
+        <dsp:cNvSpPr/>
+      </dsp:nvSpPr>
+      <dsp:spPr>
+        <a:xfrm>
+          <a:off x="0" y="4179652"/>
+          <a:ext cx="7583211" cy="529200"/>
+        </a:xfrm>
+        <a:prstGeom prst="rect">
+          <a:avLst/>
+        </a:prstGeom>
+        <a:solidFill>
+          <a:schemeClr val="lt1">
+            <a:alpha val="90000"/>
+            <a:hueOff val="0"/>
+            <a:satOff val="0"/>
+            <a:lumOff val="0"/>
+            <a:alphaOff val="0"/>
+          </a:schemeClr>
+        </a:solidFill>
+        <a:ln w="25400" cap="flat" cmpd="sng" algn="ctr">
+          <a:solidFill>
+            <a:schemeClr val="accent4">
+              <a:hueOff val="-4464770"/>
+              <a:satOff val="26899"/>
+              <a:lumOff val="2156"/>
+              <a:alphaOff val="0"/>
+            </a:schemeClr>
+          </a:solidFill>
+          <a:prstDash val="solid"/>
+        </a:ln>
+        <a:effectLst/>
+      </dsp:spPr>
+      <dsp:style>
+        <a:lnRef idx="2">
+          <a:scrgbClr r="0" g="0" b="0"/>
+        </a:lnRef>
+        <a:fillRef idx="1">
+          <a:scrgbClr r="0" g="0" b="0"/>
+        </a:fillRef>
+        <a:effectRef idx="0">
+          <a:scrgbClr r="0" g="0" b="0"/>
+        </a:effectRef>
+        <a:fontRef idx="minor"/>
+      </dsp:style>
+    </dsp:sp>
+    <dsp:sp modelId="{18718973-D6EB-48FC-B3DB-4836AE3209FC}">
+      <dsp:nvSpPr>
+        <dsp:cNvPr id="0" name=""/>
+        <dsp:cNvSpPr/>
+      </dsp:nvSpPr>
+      <dsp:spPr>
+        <a:xfrm>
+          <a:off x="379160" y="3869692"/>
+          <a:ext cx="5308247" cy="619920"/>
+        </a:xfrm>
+        <a:prstGeom prst="roundRect">
+          <a:avLst/>
+        </a:prstGeom>
+        <a:solidFill>
+          <a:schemeClr val="accent4">
+            <a:hueOff val="-4464770"/>
+            <a:satOff val="26899"/>
+            <a:lumOff val="2156"/>
+            <a:alphaOff val="0"/>
+          </a:schemeClr>
+        </a:solidFill>
+        <a:ln w="25400" cap="flat" cmpd="sng" algn="ctr">
+          <a:solidFill>
+            <a:schemeClr val="lt1">
+              <a:hueOff val="0"/>
+              <a:satOff val="0"/>
+              <a:lumOff val="0"/>
+              <a:alphaOff val="0"/>
+            </a:schemeClr>
+          </a:solidFill>
+          <a:prstDash val="solid"/>
+        </a:ln>
+        <a:effectLst/>
+      </dsp:spPr>
+      <dsp:style>
+        <a:lnRef idx="2">
+          <a:scrgbClr r="0" g="0" b="0"/>
+        </a:lnRef>
+        <a:fillRef idx="1">
+          <a:scrgbClr r="0" g="0" b="0"/>
+        </a:fillRef>
+        <a:effectRef idx="0">
+          <a:scrgbClr r="0" g="0" b="0"/>
+        </a:effectRef>
+        <a:fontRef idx="minor">
+          <a:schemeClr val="lt1"/>
+        </a:fontRef>
+      </dsp:style>
+      <dsp:txBody>
+        <a:bodyPr spcFirstLastPara="0" vert="horz" wrap="square" lIns="200639" tIns="0" rIns="200639" bIns="0" numCol="1" spcCol="1270" anchor="ctr" anchorCtr="0">
+          <a:noAutofit/>
+        </a:bodyPr>
+        <a:lstStyle/>
+        <a:p>
+          <a:pPr lvl="0" algn="l" defTabSz="1066800">
+            <a:lnSpc>
+              <a:spcPct val="90000"/>
+            </a:lnSpc>
+            <a:spcBef>
+              <a:spcPct val="0"/>
+            </a:spcBef>
+            <a:spcAft>
+              <a:spcPct val="35000"/>
+            </a:spcAft>
+          </a:pPr>
+          <a:r>
+            <a:rPr lang="es-CO" sz="2400" b="1" kern="1200" smtClean="0"/>
+            <a:t>Escritorio de Ayuda (Help Desk)</a:t>
+          </a:r>
+          <a:endParaRPr lang="en-US" sz="2400" kern="1200"/>
+        </a:p>
+      </dsp:txBody>
+      <dsp:txXfrm>
+        <a:off x="409422" y="3899954"/>
+        <a:ext cx="5247723" cy="559396"/>
+      </dsp:txXfrm>
+    </dsp:sp>
   </dsp:spTree>
 </dsp:drawing>
 </file>
@@ -17937,12 +21298,12 @@
                         </a:spcAft>
                       </a:pPr>
                       <a:r>
-                        <a:rPr lang="es-ES_tradnl" sz="1000">
+                        <a:rPr lang="es-ES_tradnl" sz="1000" dirty="0">
                           <a:effectLst/>
                         </a:rPr>
                         <a:t>SIN-01-03-2016-521348572</a:t>
                       </a:r>
-                      <a:endParaRPr lang="en-US" sz="1000">
+                      <a:endParaRPr lang="en-US" sz="1000" dirty="0">
                         <a:effectLst/>
                         <a:latin typeface="Abadi MT Condensed Light"/>
                         <a:ea typeface="Calibri"/>
@@ -24090,13 +27451,13 @@
           <p:nvPr>
             <p:extLst>
               <p:ext uri="{D42A27DB-BD31-4B8C-83A1-F6EECF244321}">
-                <p14:modId xmlns:p14="http://schemas.microsoft.com/office/powerpoint/2010/main" val="368348162"/>
+                <p14:modId xmlns:p14="http://schemas.microsoft.com/office/powerpoint/2010/main" val="260767834"/>
               </p:ext>
             </p:extLst>
           </p:nvPr>
         </p:nvGraphicFramePr>
         <p:xfrm>
-          <a:off x="179512" y="980728"/>
+          <a:off x="179512" y="1026328"/>
           <a:ext cx="8858280" cy="5715040"/>
         </p:xfrm>
         <a:graphic>
@@ -26028,6 +29389,13 @@
   <p:clrMapOvr>
     <a:masterClrMapping/>
   </p:clrMapOvr>
+  <p:timing>
+    <p:tnLst>
+      <p:par>
+        <p:cTn id="1" dur="indefinite" restart="never" nodeType="tmRoot"/>
+      </p:par>
+    </p:tnLst>
+  </p:timing>
 </p:sld>
 </file>
 
@@ -26262,7 +29630,7 @@
         <p:spPr>
           <a:xfrm>
             <a:off x="263096" y="6261093"/>
-            <a:ext cx="2818785" cy="276999"/>
+            <a:ext cx="2247603" cy="276999"/>
           </a:xfrm>
           <a:prstGeom prst="rect">
             <a:avLst/>
@@ -26277,7 +29645,15 @@
           <a:p>
             <a:r>
               <a:rPr lang="es-CO" sz="1200" dirty="0" smtClean="0"/>
-              <a:t>Ver: EDT a detalle y cronograma a detalle  </a:t>
+              <a:t>Ver: </a:t>
+            </a:r>
+            <a:r>
+              <a:rPr lang="es-CO" sz="1200" dirty="0" smtClean="0"/>
+              <a:t>EDT </a:t>
+            </a:r>
+            <a:r>
+              <a:rPr lang="es-CO" sz="1200" dirty="0" smtClean="0"/>
+              <a:t>y cronograma a detalle  </a:t>
             </a:r>
             <a:endParaRPr lang="es-CO" sz="1200" dirty="0"/>
           </a:p>

--- a/PresentacionTFM.pptx
+++ b/PresentacionTFM.pptx
@@ -146,7 +146,7 @@
 </file>
 
 <file path=ppt/charts/chart1.xml><?xml version="1.0" encoding="utf-8"?>
-<c:chartSpace xmlns:c="http://schemas.openxmlformats.org/drawingml/2006/chart" xmlns:a="http://schemas.openxmlformats.org/drawingml/2006/main" xmlns:r="http://schemas.openxmlformats.org/officeDocument/2006/relationships">
+<c:chartSpace xmlns:c="http://schemas.openxmlformats.org/drawingml/2006/chart" xmlns:a="http://schemas.openxmlformats.org/drawingml/2006/main" xmlns:r="http://schemas.openxmlformats.org/officeDocument/2006/relationships" xmlns:c16r2="http://schemas.microsoft.com/office/drawing/2015/06/chart">
   <c:date1904 val="0"/>
   <c:lang val="es-ES"/>
   <c:roundedCorners val="0"/>
@@ -160,7 +160,6 @@
   </mc:AlternateContent>
   <c:chart>
     <c:title>
-      <c:layout/>
       <c:overlay val="0"/>
     </c:title>
     <c:autoTitleDeleted val="0"/>
@@ -196,7 +195,7 @@
                 </a:schemeClr>
               </a:solidFill>
             </c:spPr>
-            <c:extLst xmlns:c16r2="http://schemas.microsoft.com/office/drawing/2015/06/chart">
+            <c:extLst>
               <c:ext xmlns:c16="http://schemas.microsoft.com/office/drawing/2014/chart" uri="{C3380CC4-5D6E-409C-BE32-E72D297353CC}">
                 <c16:uniqueId val="{00000001-7FAE-4DE2-9E53-2745BD19EAFA}"/>
               </c:ext>
@@ -211,7 +210,7 @@
                 <a:srgbClr val="FF0000"/>
               </a:solidFill>
             </c:spPr>
-            <c:extLst xmlns:c16r2="http://schemas.microsoft.com/office/drawing/2015/06/chart">
+            <c:extLst>
               <c:ext xmlns:c16="http://schemas.microsoft.com/office/drawing/2014/chart" uri="{C3380CC4-5D6E-409C-BE32-E72D297353CC}">
                 <c16:uniqueId val="{00000003-7FAE-4DE2-9E53-2745BD19EAFA}"/>
               </c:ext>
@@ -226,7 +225,7 @@
                 <a:srgbClr val="FF0000"/>
               </a:solidFill>
             </c:spPr>
-            <c:extLst xmlns:c16r2="http://schemas.microsoft.com/office/drawing/2015/06/chart">
+            <c:extLst>
               <c:ext xmlns:c16="http://schemas.microsoft.com/office/drawing/2014/chart" uri="{C3380CC4-5D6E-409C-BE32-E72D297353CC}">
                 <c16:uniqueId val="{00000005-7FAE-4DE2-9E53-2745BD19EAFA}"/>
               </c:ext>
@@ -243,7 +242,7 @@
                 </a:schemeClr>
               </a:solidFill>
             </c:spPr>
-            <c:extLst xmlns:c16r2="http://schemas.microsoft.com/office/drawing/2015/06/chart">
+            <c:extLst>
               <c:ext xmlns:c16="http://schemas.microsoft.com/office/drawing/2014/chart" uri="{C3380CC4-5D6E-409C-BE32-E72D297353CC}">
                 <c16:uniqueId val="{00000007-7FAE-4DE2-9E53-2745BD19EAFA}"/>
               </c:ext>
@@ -258,7 +257,7 @@
                 <a:srgbClr val="FFFF00"/>
               </a:solidFill>
             </c:spPr>
-            <c:extLst xmlns:c16r2="http://schemas.microsoft.com/office/drawing/2015/06/chart">
+            <c:extLst>
               <c:ext xmlns:c16="http://schemas.microsoft.com/office/drawing/2014/chart" uri="{C3380CC4-5D6E-409C-BE32-E72D297353CC}">
                 <c16:uniqueId val="{00000009-7FAE-4DE2-9E53-2745BD19EAFA}"/>
               </c:ext>
@@ -273,7 +272,7 @@
                 <a:srgbClr val="FF0000"/>
               </a:solidFill>
             </c:spPr>
-            <c:extLst xmlns:c16r2="http://schemas.microsoft.com/office/drawing/2015/06/chart">
+            <c:extLst>
               <c:ext xmlns:c16="http://schemas.microsoft.com/office/drawing/2014/chart" uri="{C3380CC4-5D6E-409C-BE32-E72D297353CC}">
                 <c16:uniqueId val="{0000000B-7FAE-4DE2-9E53-2745BD19EAFA}"/>
               </c:ext>
@@ -288,7 +287,7 @@
                 <a:srgbClr val="FFFF00"/>
               </a:solidFill>
             </c:spPr>
-            <c:extLst xmlns:c16r2="http://schemas.microsoft.com/office/drawing/2015/06/chart">
+            <c:extLst>
               <c:ext xmlns:c16="http://schemas.microsoft.com/office/drawing/2014/chart" uri="{C3380CC4-5D6E-409C-BE32-E72D297353CC}">
                 <c16:uniqueId val="{0000000D-7FAE-4DE2-9E53-2745BD19EAFA}"/>
               </c:ext>
@@ -308,7 +307,7 @@
                 </a:solidFill>
               </a:ln>
             </c:spPr>
-            <c:extLst xmlns:c16r2="http://schemas.microsoft.com/office/drawing/2015/06/chart">
+            <c:extLst>
               <c:ext xmlns:c16="http://schemas.microsoft.com/office/drawing/2014/chart" uri="{C3380CC4-5D6E-409C-BE32-E72D297353CC}">
                 <c16:uniqueId val="{0000000F-7FAE-4DE2-9E53-2745BD19EAFA}"/>
               </c:ext>
@@ -379,7 +378,7 @@
               </c:numCache>
             </c:numRef>
           </c:val>
-          <c:extLst xmlns:c16r2="http://schemas.microsoft.com/office/drawing/2015/06/chart">
+          <c:extLst>
             <c:ext xmlns:c16="http://schemas.microsoft.com/office/drawing/2014/chart" uri="{C3380CC4-5D6E-409C-BE32-E72D297353CC}">
               <c16:uniqueId val="{00000010-7FAE-4DE2-9E53-2745BD19EAFA}"/>
             </c:ext>
@@ -424,7 +423,6 @@
         <c:axPos val="b"/>
         <c:majorGridlines/>
         <c:title>
-          <c:layout/>
           <c:overlay val="0"/>
         </c:title>
         <c:numFmt formatCode="0%" sourceLinked="1"/>
@@ -3727,10 +3725,9 @@
         <a:lstStyle/>
         <a:p>
           <a:r>
-            <a:rPr lang="es-ES" sz="1400" b="1" dirty="0" smtClean="0"/>
+            <a:rPr lang="es-ES" sz="1400" b="1" dirty="0"/>
             <a:t>Diseñar una herramienta tecnológica que analice todos los datos de consumo</a:t>
           </a:r>
-          <a:endParaRPr lang="es-ES" sz="1400" b="1" dirty="0"/>
         </a:p>
       </dgm:t>
     </dgm:pt>
@@ -3779,7 +3776,7 @@
         <a:lstStyle/>
         <a:p>
           <a:r>
-            <a:rPr lang="es-CO" sz="1200" b="1" dirty="0" smtClean="0"/>
+            <a:rPr lang="es-CO" sz="1200" b="1" dirty="0"/>
             <a:t>Utilizar la infraestructura actual y la proyectada para mejorar la medición </a:t>
           </a:r>
           <a:endParaRPr lang="es-ES" sz="1200" b="1" dirty="0"/>
@@ -3831,10 +3828,9 @@
         <a:lstStyle/>
         <a:p>
           <a:r>
-            <a:rPr lang="es-ES" sz="1100" b="1" dirty="0" smtClean="0"/>
+            <a:rPr lang="es-ES" sz="1100" b="1" dirty="0"/>
             <a:t>Detectar los puntos de perdida de energía para reducir los índices de perdidas.</a:t>
           </a:r>
-          <a:endParaRPr lang="es-ES" sz="1100" b="1" dirty="0"/>
         </a:p>
       </dgm:t>
     </dgm:pt>
@@ -3868,14 +3864,13 @@
         <a:lstStyle/>
         <a:p>
           <a:r>
-            <a:rPr lang="en-US" sz="2400" dirty="0" smtClean="0"/>
+            <a:rPr lang="en-US" sz="2400" dirty="0"/>
             <a:t>SISTEMA DE INFORMACIÓN PARA </a:t>
           </a:r>
           <a:r>
-            <a:rPr lang="es-ES" sz="2400" dirty="0" smtClean="0"/>
+            <a:rPr lang="es-ES" sz="2400" dirty="0"/>
             <a:t>DETECTAR FRAUDE EN REDES ELÉCTRICAS</a:t>
           </a:r>
-          <a:endParaRPr lang="es-ES" sz="2400" dirty="0"/>
         </a:p>
       </dgm:t>
     </dgm:pt>
@@ -3909,35 +3904,14 @@
         </dgm:presLayoutVars>
       </dgm:prSet>
       <dgm:spPr/>
-      <dgm:t>
-        <a:bodyPr/>
-        <a:lstStyle/>
-        <a:p>
-          <a:endParaRPr lang="es-ES"/>
-        </a:p>
-      </dgm:t>
     </dgm:pt>
     <dgm:pt modelId="{58606CD1-2FAF-4221-8B46-E52A39B1C659}" type="pres">
       <dgm:prSet presAssocID="{52BC17FC-EF29-44D4-BAEA-C96A9A3769FB}" presName="ellipse" presStyleLbl="trBgShp" presStyleIdx="0" presStyleCnt="1" custScaleX="88388" custScaleY="119160" custLinFactNeighborX="-612" custLinFactNeighborY="25761"/>
       <dgm:spPr/>
-      <dgm:t>
-        <a:bodyPr/>
-        <a:lstStyle/>
-        <a:p>
-          <a:endParaRPr lang="es-ES"/>
-        </a:p>
-      </dgm:t>
     </dgm:pt>
     <dgm:pt modelId="{193AA5AF-3265-4384-963E-341EA8CC2434}" type="pres">
       <dgm:prSet presAssocID="{52BC17FC-EF29-44D4-BAEA-C96A9A3769FB}" presName="arrow1" presStyleLbl="fgShp" presStyleIdx="0" presStyleCnt="1" custScaleX="125166" custScaleY="253721" custLinFactY="-858" custLinFactNeighborX="-9862" custLinFactNeighborY="-100000"/>
       <dgm:spPr/>
-      <dgm:t>
-        <a:bodyPr/>
-        <a:lstStyle/>
-        <a:p>
-          <a:endParaRPr lang="es-ES"/>
-        </a:p>
-      </dgm:t>
     </dgm:pt>
     <dgm:pt modelId="{FDFD540A-D152-4509-99EE-8288730A10B3}" type="pres">
       <dgm:prSet presAssocID="{52BC17FC-EF29-44D4-BAEA-C96A9A3769FB}" presName="rectangle" presStyleLbl="revTx" presStyleIdx="0" presStyleCnt="1" custAng="0" custScaleX="120904" custScaleY="195266" custLinFactNeighborX="0" custLinFactNeighborY="21453">
@@ -3946,13 +3920,6 @@
         </dgm:presLayoutVars>
       </dgm:prSet>
       <dgm:spPr/>
-      <dgm:t>
-        <a:bodyPr/>
-        <a:lstStyle/>
-        <a:p>
-          <a:endParaRPr lang="es-ES"/>
-        </a:p>
-      </dgm:t>
     </dgm:pt>
     <dgm:pt modelId="{C15CDCEA-7379-45FA-8B57-94F5A3DD8BCD}" type="pres">
       <dgm:prSet presAssocID="{64A2091D-EBCD-4FEB-9D95-AB111ED91539}" presName="item1" presStyleLbl="node1" presStyleIdx="0" presStyleCnt="3" custScaleX="107770" custScaleY="101873" custLinFactY="-3532" custLinFactNeighborX="45640" custLinFactNeighborY="-100000">
@@ -3961,13 +3928,6 @@
         </dgm:presLayoutVars>
       </dgm:prSet>
       <dgm:spPr/>
-      <dgm:t>
-        <a:bodyPr/>
-        <a:lstStyle/>
-        <a:p>
-          <a:endParaRPr lang="es-ES"/>
-        </a:p>
-      </dgm:t>
     </dgm:pt>
     <dgm:pt modelId="{00820C10-2A8A-4A4F-B811-28F0DDBB82C7}" type="pres">
       <dgm:prSet presAssocID="{041A02D8-616B-410D-9417-E54BC71AE37C}" presName="item2" presStyleLbl="node1" presStyleIdx="1" presStyleCnt="3" custScaleX="104302" custScaleY="96172" custLinFactNeighborX="-9976" custLinFactNeighborY="-8961">
@@ -3976,13 +3936,6 @@
         </dgm:presLayoutVars>
       </dgm:prSet>
       <dgm:spPr/>
-      <dgm:t>
-        <a:bodyPr/>
-        <a:lstStyle/>
-        <a:p>
-          <a:endParaRPr lang="es-ES"/>
-        </a:p>
-      </dgm:t>
     </dgm:pt>
     <dgm:pt modelId="{4830C1AE-3A07-4776-80B0-46C7307DB5B0}" type="pres">
       <dgm:prSet presAssocID="{6301FD9B-9A24-46C0-8BEA-851651FA5286}" presName="item3" presStyleLbl="node1" presStyleIdx="2" presStyleCnt="3" custScaleX="103838" custScaleY="96031" custLinFactNeighborX="-38080" custLinFactNeighborY="63858">
@@ -3991,36 +3944,22 @@
         </dgm:presLayoutVars>
       </dgm:prSet>
       <dgm:spPr/>
-      <dgm:t>
-        <a:bodyPr/>
-        <a:lstStyle/>
-        <a:p>
-          <a:endParaRPr lang="es-ES"/>
-        </a:p>
-      </dgm:t>
     </dgm:pt>
     <dgm:pt modelId="{AE805AB0-CDD8-4ABC-8775-6545029849DF}" type="pres">
       <dgm:prSet presAssocID="{52BC17FC-EF29-44D4-BAEA-C96A9A3769FB}" presName="funnel" presStyleLbl="trAlignAcc1" presStyleIdx="0" presStyleCnt="1" custScaleX="84171" custScaleY="66192" custLinFactNeighborX="-1847" custLinFactNeighborY="10721"/>
       <dgm:spPr/>
-      <dgm:t>
-        <a:bodyPr/>
-        <a:lstStyle/>
-        <a:p>
-          <a:endParaRPr lang="es-ES"/>
-        </a:p>
-      </dgm:t>
     </dgm:pt>
   </dgm:ptLst>
   <dgm:cxnLst>
-    <dgm:cxn modelId="{B7886B75-7380-47CC-AA34-1F0B2A71BFC1}" type="presOf" srcId="{041A02D8-616B-410D-9417-E54BC71AE37C}" destId="{C15CDCEA-7379-45FA-8B57-94F5A3DD8BCD}" srcOrd="0" destOrd="0" presId="urn:microsoft.com/office/officeart/2005/8/layout/funnel1"/>
-    <dgm:cxn modelId="{262DE293-9260-4981-8C8B-567429DF7C9A}" srcId="{52BC17FC-EF29-44D4-BAEA-C96A9A3769FB}" destId="{041A02D8-616B-410D-9417-E54BC71AE37C}" srcOrd="2" destOrd="0" parTransId="{589D7A36-E495-49B9-A8D1-EA2B78D9ABAA}" sibTransId="{4B98A00A-17B3-4E83-B8BB-E0F4554CC275}"/>
-    <dgm:cxn modelId="{F35136E8-BEF7-4D95-B31B-89B6954FEDC5}" srcId="{52BC17FC-EF29-44D4-BAEA-C96A9A3769FB}" destId="{64A2091D-EBCD-4FEB-9D95-AB111ED91539}" srcOrd="1" destOrd="0" parTransId="{7EE4DFC3-0ADC-4BAA-887C-EAC5DCE5B9C6}" sibTransId="{A5D19B60-0231-44CD-9BA3-2D39B20738F2}"/>
+    <dgm:cxn modelId="{6389310B-1984-4582-B9EF-BE2C2D0B4FAE}" type="presOf" srcId="{64A2091D-EBCD-4FEB-9D95-AB111ED91539}" destId="{00820C10-2A8A-4A4F-B811-28F0DDBB82C7}" srcOrd="0" destOrd="0" presId="urn:microsoft.com/office/officeart/2005/8/layout/funnel1"/>
     <dgm:cxn modelId="{9583062C-3B17-4493-A3A1-E439B0903827}" type="presOf" srcId="{52BC17FC-EF29-44D4-BAEA-C96A9A3769FB}" destId="{955F84C1-1E4D-4167-9FA7-FC2C6300B7EC}" srcOrd="0" destOrd="0" presId="urn:microsoft.com/office/officeart/2005/8/layout/funnel1"/>
-    <dgm:cxn modelId="{6389310B-1984-4582-B9EF-BE2C2D0B4FAE}" type="presOf" srcId="{64A2091D-EBCD-4FEB-9D95-AB111ED91539}" destId="{00820C10-2A8A-4A4F-B811-28F0DDBB82C7}" srcOrd="0" destOrd="0" presId="urn:microsoft.com/office/officeart/2005/8/layout/funnel1"/>
-    <dgm:cxn modelId="{3B8F52A3-B880-4E5D-BEBE-DF9F3254AD2B}" srcId="{52BC17FC-EF29-44D4-BAEA-C96A9A3769FB}" destId="{B1F9E166-7850-4900-BCB4-73541B0A5152}" srcOrd="0" destOrd="0" parTransId="{853061F2-0689-4054-A477-0CBFE1586CE8}" sibTransId="{84BD7C4C-7851-46FD-B288-63B0265E14DB}"/>
     <dgm:cxn modelId="{DE90302C-B571-4D2A-BE2F-1066B3C0B83E}" type="presOf" srcId="{B1F9E166-7850-4900-BCB4-73541B0A5152}" destId="{4830C1AE-3A07-4776-80B0-46C7307DB5B0}" srcOrd="0" destOrd="0" presId="urn:microsoft.com/office/officeart/2005/8/layout/funnel1"/>
     <dgm:cxn modelId="{D613D85C-7645-46DB-8002-BA6B63F72880}" type="presOf" srcId="{6301FD9B-9A24-46C0-8BEA-851651FA5286}" destId="{FDFD540A-D152-4509-99EE-8288730A10B3}" srcOrd="0" destOrd="0" presId="urn:microsoft.com/office/officeart/2005/8/layout/funnel1"/>
     <dgm:cxn modelId="{D4F4055E-BD23-4943-8456-D9708A39E803}" srcId="{52BC17FC-EF29-44D4-BAEA-C96A9A3769FB}" destId="{6301FD9B-9A24-46C0-8BEA-851651FA5286}" srcOrd="3" destOrd="0" parTransId="{95965DD7-2BFC-4B96-AB1E-A895F4629543}" sibTransId="{EB0EA03F-D954-4386-BEFE-042D6689F037}"/>
+    <dgm:cxn modelId="{B7886B75-7380-47CC-AA34-1F0B2A71BFC1}" type="presOf" srcId="{041A02D8-616B-410D-9417-E54BC71AE37C}" destId="{C15CDCEA-7379-45FA-8B57-94F5A3DD8BCD}" srcOrd="0" destOrd="0" presId="urn:microsoft.com/office/officeart/2005/8/layout/funnel1"/>
+    <dgm:cxn modelId="{262DE293-9260-4981-8C8B-567429DF7C9A}" srcId="{52BC17FC-EF29-44D4-BAEA-C96A9A3769FB}" destId="{041A02D8-616B-410D-9417-E54BC71AE37C}" srcOrd="2" destOrd="0" parTransId="{589D7A36-E495-49B9-A8D1-EA2B78D9ABAA}" sibTransId="{4B98A00A-17B3-4E83-B8BB-E0F4554CC275}"/>
+    <dgm:cxn modelId="{3B8F52A3-B880-4E5D-BEBE-DF9F3254AD2B}" srcId="{52BC17FC-EF29-44D4-BAEA-C96A9A3769FB}" destId="{B1F9E166-7850-4900-BCB4-73541B0A5152}" srcOrd="0" destOrd="0" parTransId="{853061F2-0689-4054-A477-0CBFE1586CE8}" sibTransId="{84BD7C4C-7851-46FD-B288-63B0265E14DB}"/>
+    <dgm:cxn modelId="{F35136E8-BEF7-4D95-B31B-89B6954FEDC5}" srcId="{52BC17FC-EF29-44D4-BAEA-C96A9A3769FB}" destId="{64A2091D-EBCD-4FEB-9D95-AB111ED91539}" srcOrd="1" destOrd="0" parTransId="{7EE4DFC3-0ADC-4BAA-887C-EAC5DCE5B9C6}" sibTransId="{A5D19B60-0231-44CD-9BA3-2D39B20738F2}"/>
     <dgm:cxn modelId="{A1FE67E7-644E-483B-A627-56F5EA3D316E}" type="presParOf" srcId="{955F84C1-1E4D-4167-9FA7-FC2C6300B7EC}" destId="{58606CD1-2FAF-4221-8B46-E52A39B1C659}" srcOrd="0" destOrd="0" presId="urn:microsoft.com/office/officeart/2005/8/layout/funnel1"/>
     <dgm:cxn modelId="{82628488-60E5-4C89-A11A-5249F227632D}" type="presParOf" srcId="{955F84C1-1E4D-4167-9FA7-FC2C6300B7EC}" destId="{193AA5AF-3265-4384-963E-341EA8CC2434}" srcOrd="1" destOrd="0" presId="urn:microsoft.com/office/officeart/2005/8/layout/funnel1"/>
     <dgm:cxn modelId="{AA1DF283-F169-4292-8EDA-23B6E7AD180C}" type="presParOf" srcId="{955F84C1-1E4D-4167-9FA7-FC2C6300B7EC}" destId="{FDFD540A-D152-4509-99EE-8288730A10B3}" srcOrd="2" destOrd="0" presId="urn:microsoft.com/office/officeart/2005/8/layout/funnel1"/>
@@ -4061,7 +4000,7 @@
         <a:lstStyle/>
         <a:p>
           <a:r>
-            <a:rPr lang="es-CO" sz="1400" b="1" dirty="0" smtClean="0"/>
+            <a:rPr lang="es-CO" sz="1400" b="1" dirty="0"/>
             <a:t>Alternativa</a:t>
           </a:r>
           <a:endParaRPr lang="en-US" sz="1400" b="1" dirty="0"/>
@@ -4098,15 +4037,15 @@
         <a:lstStyle/>
         <a:p>
           <a:r>
-            <a:rPr lang="es-ES_tradnl" sz="1400" dirty="0" smtClean="0"/>
+            <a:rPr lang="es-ES_tradnl" sz="1400" dirty="0"/>
             <a:t>Contratar una empresa de tecnología para diseñar, construir e implementar sistemas de información a la medida para el control comercial y técnico a nivel de análisis de datos </a:t>
           </a:r>
           <a:r>
-            <a:rPr lang="es-ES_tradnl" sz="1400" smtClean="0"/>
+            <a:rPr lang="es-ES_tradnl" sz="1400"/>
             <a:t>de medida y </a:t>
           </a:r>
           <a:r>
-            <a:rPr lang="es-ES_tradnl" sz="1400" dirty="0" smtClean="0"/>
+            <a:rPr lang="es-ES_tradnl" sz="1400" dirty="0"/>
             <a:t>comprar maquinaria mejorada para realizar mediciones a nivel de transformadores de medición y distribución</a:t>
           </a:r>
           <a:endParaRPr lang="en-US" sz="1400" dirty="0"/>
@@ -4143,7 +4082,7 @@
         <a:lstStyle/>
         <a:p>
           <a:r>
-            <a:rPr lang="es-CO" sz="1400" b="1" dirty="0" smtClean="0"/>
+            <a:rPr lang="es-CO" sz="1400" b="1" dirty="0"/>
             <a:t>Involucrados</a:t>
           </a:r>
           <a:endParaRPr lang="en-US" sz="1400" b="1" dirty="0"/>
@@ -4180,7 +4119,7 @@
         <a:lstStyle/>
         <a:p>
           <a:r>
-            <a:rPr lang="es-ES_tradnl" sz="1400" b="0" dirty="0" smtClean="0"/>
+            <a:rPr lang="es-ES_tradnl" sz="1400" b="0" dirty="0"/>
             <a:t>Empresas de Energía Colombianas</a:t>
           </a:r>
           <a:endParaRPr lang="en-US" sz="1400" b="0" dirty="0"/>
@@ -4217,7 +4156,7 @@
         <a:lstStyle/>
         <a:p>
           <a:r>
-            <a:rPr lang="es-ES_tradnl" sz="1400" b="0" dirty="0" smtClean="0"/>
+            <a:rPr lang="es-ES_tradnl" sz="1400" b="0" dirty="0"/>
             <a:t>Empresa de consultoría Ludus SAS (Patrocinador)</a:t>
           </a:r>
           <a:endParaRPr lang="en-US" sz="1400" b="0" dirty="0"/>
@@ -4254,7 +4193,7 @@
         <a:lstStyle/>
         <a:p>
           <a:r>
-            <a:rPr lang="es-CO" sz="1400" b="1" dirty="0" smtClean="0"/>
+            <a:rPr lang="es-CO" sz="1400" b="1" dirty="0"/>
             <a:t>Estudios Aplicados</a:t>
           </a:r>
           <a:endParaRPr lang="en-US" sz="1400" b="1" dirty="0"/>
@@ -4291,7 +4230,7 @@
         <a:lstStyle/>
         <a:p>
           <a:r>
-            <a:rPr lang="es-ES_tradnl" sz="1400" b="0" dirty="0" smtClean="0"/>
+            <a:rPr lang="es-ES_tradnl" sz="1400" b="0" dirty="0"/>
             <a:t>Estudio Legal</a:t>
           </a:r>
           <a:endParaRPr lang="en-US" sz="1400" b="0" dirty="0"/>
@@ -4328,7 +4267,7 @@
         <a:lstStyle/>
         <a:p>
           <a:r>
-            <a:rPr lang="es-ES_tradnl" sz="1400" b="0" dirty="0" smtClean="0"/>
+            <a:rPr lang="es-ES_tradnl" sz="1400" b="0" dirty="0"/>
             <a:t>Estudio Financiero</a:t>
           </a:r>
           <a:endParaRPr lang="en-US" sz="1400" b="0" dirty="0"/>
@@ -4365,7 +4304,7 @@
         <a:lstStyle/>
         <a:p>
           <a:r>
-            <a:rPr lang="es-ES_tradnl" sz="1400" b="0" dirty="0" smtClean="0"/>
+            <a:rPr lang="es-ES_tradnl" sz="1400" b="0" dirty="0"/>
             <a:t>CREG “Comisión de regulación de energía y gas”</a:t>
           </a:r>
           <a:endParaRPr lang="en-US" sz="1400" b="0" dirty="0"/>
@@ -4402,7 +4341,7 @@
         <a:lstStyle/>
         <a:p>
           <a:r>
-            <a:rPr lang="es-ES_tradnl" sz="1400" b="0" dirty="0" smtClean="0"/>
+            <a:rPr lang="es-ES_tradnl" sz="1400" b="0" dirty="0"/>
             <a:t>Sociedad</a:t>
           </a:r>
           <a:endParaRPr lang="en-US" sz="1400" b="0" dirty="0"/>
@@ -4439,7 +4378,7 @@
         <a:lstStyle/>
         <a:p>
           <a:r>
-            <a:rPr lang="es-ES_tradnl" sz="1400" b="0" dirty="0" smtClean="0"/>
+            <a:rPr lang="es-ES_tradnl" sz="1400" b="0" dirty="0"/>
             <a:t>Proveedores eléctricos</a:t>
           </a:r>
           <a:endParaRPr lang="en-US" sz="1400" b="0" dirty="0"/>
@@ -4476,7 +4415,7 @@
         <a:lstStyle/>
         <a:p>
           <a:r>
-            <a:rPr lang="es-ES_tradnl" sz="1400" b="0" dirty="0" smtClean="0"/>
+            <a:rPr lang="es-ES_tradnl" sz="1400" b="0" dirty="0"/>
             <a:t>ONG</a:t>
           </a:r>
           <a:endParaRPr lang="en-US" sz="1400" b="0" dirty="0"/>
@@ -4513,7 +4452,7 @@
         <a:lstStyle/>
         <a:p>
           <a:r>
-            <a:rPr lang="es-ES_tradnl" sz="1400" b="0" dirty="0" smtClean="0"/>
+            <a:rPr lang="es-ES_tradnl" sz="1400" b="0" dirty="0"/>
             <a:t>Estudio de Mercado</a:t>
           </a:r>
           <a:endParaRPr lang="en-US" sz="1400" b="0" dirty="0"/>
@@ -4550,7 +4489,7 @@
         <a:lstStyle/>
         <a:p>
           <a:r>
-            <a:rPr lang="es-ES_tradnl" sz="1400" b="0" dirty="0" smtClean="0"/>
+            <a:rPr lang="es-ES_tradnl" sz="1400" b="0" dirty="0"/>
             <a:t>Estudio Ambiental</a:t>
           </a:r>
           <a:endParaRPr lang="en-US" sz="1400" b="0" dirty="0"/>
@@ -4587,7 +4526,7 @@
         <a:lstStyle/>
         <a:p>
           <a:r>
-            <a:rPr lang="es-CO" sz="1400" b="1" dirty="0" smtClean="0"/>
+            <a:rPr lang="es-CO" sz="1400" b="1" dirty="0"/>
             <a:t>Ubicación</a:t>
           </a:r>
           <a:endParaRPr lang="en-US" sz="1400" b="1" dirty="0"/>
@@ -4624,7 +4563,7 @@
         <a:lstStyle/>
         <a:p>
           <a:r>
-            <a:rPr lang="es-CO" sz="1400" dirty="0" smtClean="0"/>
+            <a:rPr lang="es-CO" sz="1400" dirty="0"/>
             <a:t>País: Colombia</a:t>
           </a:r>
           <a:endParaRPr lang="en-US" sz="1400" dirty="0"/>
@@ -4694,7 +4633,7 @@
         <a:lstStyle/>
         <a:p>
           <a:r>
-            <a:rPr lang="es-CO" sz="1400" dirty="0" smtClean="0"/>
+            <a:rPr lang="es-CO" sz="1400" dirty="0"/>
             <a:t>Zona: Costa Atlántica</a:t>
           </a:r>
           <a:endParaRPr lang="en-US" sz="1400" dirty="0"/>
@@ -4732,13 +4671,6 @@
         </dgm:presLayoutVars>
       </dgm:prSet>
       <dgm:spPr/>
-      <dgm:t>
-        <a:bodyPr/>
-        <a:lstStyle/>
-        <a:p>
-          <a:endParaRPr lang="es-ES_tradnl"/>
-        </a:p>
-      </dgm:t>
     </dgm:pt>
     <dgm:pt modelId="{2D874F94-9483-43FD-906B-1F024BA30AF2}" type="pres">
       <dgm:prSet presAssocID="{BD3175FF-97A7-4263-87B8-A610EF500816}" presName="composite" presStyleCnt="0"/>
@@ -4753,13 +4685,6 @@
         </dgm:presLayoutVars>
       </dgm:prSet>
       <dgm:spPr/>
-      <dgm:t>
-        <a:bodyPr/>
-        <a:lstStyle/>
-        <a:p>
-          <a:endParaRPr lang="en-US"/>
-        </a:p>
-      </dgm:t>
     </dgm:pt>
     <dgm:pt modelId="{F98E0026-7677-418C-B219-B2163DF01B96}" type="pres">
       <dgm:prSet presAssocID="{BD3175FF-97A7-4263-87B8-A610EF500816}" presName="desTx" presStyleLbl="alignAccFollowNode1" presStyleIdx="0" presStyleCnt="4" custScaleX="112674">
@@ -4768,13 +4693,6 @@
         </dgm:presLayoutVars>
       </dgm:prSet>
       <dgm:spPr/>
-      <dgm:t>
-        <a:bodyPr/>
-        <a:lstStyle/>
-        <a:p>
-          <a:endParaRPr lang="en-US"/>
-        </a:p>
-      </dgm:t>
     </dgm:pt>
     <dgm:pt modelId="{41F10F81-A141-4D32-9E50-5497CB23D9C1}" type="pres">
       <dgm:prSet presAssocID="{A3B55AAA-9B29-425F-BBE5-23153A61B649}" presName="space" presStyleCnt="0"/>
@@ -4793,13 +4711,6 @@
         </dgm:presLayoutVars>
       </dgm:prSet>
       <dgm:spPr/>
-      <dgm:t>
-        <a:bodyPr/>
-        <a:lstStyle/>
-        <a:p>
-          <a:endParaRPr lang="en-US"/>
-        </a:p>
-      </dgm:t>
     </dgm:pt>
     <dgm:pt modelId="{11790E1A-CE4C-4357-B48F-48AC30A2F3AB}" type="pres">
       <dgm:prSet presAssocID="{2E7A96C8-E44E-468B-992B-C4BB27C181CC}" presName="desTx" presStyleLbl="alignAccFollowNode1" presStyleIdx="1" presStyleCnt="4" custScaleX="139932">
@@ -4808,13 +4719,6 @@
         </dgm:presLayoutVars>
       </dgm:prSet>
       <dgm:spPr/>
-      <dgm:t>
-        <a:bodyPr/>
-        <a:lstStyle/>
-        <a:p>
-          <a:endParaRPr lang="en-US"/>
-        </a:p>
-      </dgm:t>
     </dgm:pt>
     <dgm:pt modelId="{CE761B67-00BF-404A-9599-1E0277D01966}" type="pres">
       <dgm:prSet presAssocID="{D0366ED5-DA80-42A4-83E6-12688DF1C509}" presName="space" presStyleCnt="0"/>
@@ -4833,13 +4737,6 @@
         </dgm:presLayoutVars>
       </dgm:prSet>
       <dgm:spPr/>
-      <dgm:t>
-        <a:bodyPr/>
-        <a:lstStyle/>
-        <a:p>
-          <a:endParaRPr lang="es-ES_tradnl"/>
-        </a:p>
-      </dgm:t>
     </dgm:pt>
     <dgm:pt modelId="{2612D1CA-8455-4B2E-B566-31F386062C39}" type="pres">
       <dgm:prSet presAssocID="{1F0840E8-0C88-4877-BCF0-5DFF0F9D545E}" presName="desTx" presStyleLbl="alignAccFollowNode1" presStyleIdx="2" presStyleCnt="4" custScaleX="140899">
@@ -4848,13 +4745,6 @@
         </dgm:presLayoutVars>
       </dgm:prSet>
       <dgm:spPr/>
-      <dgm:t>
-        <a:bodyPr/>
-        <a:lstStyle/>
-        <a:p>
-          <a:endParaRPr lang="en-US"/>
-        </a:p>
-      </dgm:t>
     </dgm:pt>
     <dgm:pt modelId="{052980DF-3263-4D4D-8CAA-08205D1CF783}" type="pres">
       <dgm:prSet presAssocID="{9023FFFB-14B1-4D77-8028-F820FF24CEF2}" presName="space" presStyleCnt="0"/>
@@ -4873,13 +4763,6 @@
         </dgm:presLayoutVars>
       </dgm:prSet>
       <dgm:spPr/>
-      <dgm:t>
-        <a:bodyPr/>
-        <a:lstStyle/>
-        <a:p>
-          <a:endParaRPr lang="es-ES_tradnl"/>
-        </a:p>
-      </dgm:t>
     </dgm:pt>
     <dgm:pt modelId="{4EB6F09F-196C-40CF-8745-F01952ACC4D5}" type="pres">
       <dgm:prSet presAssocID="{DCF7A47E-0334-424D-A456-040A5F03F288}" presName="desTx" presStyleLbl="alignAccFollowNode1" presStyleIdx="3" presStyleCnt="4" custScaleX="131532">
@@ -4888,53 +4771,46 @@
         </dgm:presLayoutVars>
       </dgm:prSet>
       <dgm:spPr/>
-      <dgm:t>
-        <a:bodyPr/>
-        <a:lstStyle/>
-        <a:p>
-          <a:endParaRPr lang="en-US"/>
-        </a:p>
-      </dgm:t>
     </dgm:pt>
   </dgm:ptLst>
   <dgm:cxnLst>
+    <dgm:cxn modelId="{B890AF04-0C91-40D8-BDFF-D7CF3FFFBF91}" srcId="{DCF7A47E-0334-424D-A456-040A5F03F288}" destId="{058FA1D9-01E9-4DB5-BC33-5F947C23C992}" srcOrd="0" destOrd="0" parTransId="{254C99DB-592E-48AA-93EF-B674141C70A3}" sibTransId="{0766CBA8-167F-4D97-A324-A2BD558F3417}"/>
+    <dgm:cxn modelId="{8E940406-CDB5-4775-AAA0-D4CD80D3AC56}" type="presOf" srcId="{1FC89CA1-B38A-4A4F-925A-9F921DEF9641}" destId="{2612D1CA-8455-4B2E-B566-31F386062C39}" srcOrd="0" destOrd="0" presId="urn:microsoft.com/office/officeart/2005/8/layout/hList1"/>
+    <dgm:cxn modelId="{B0D54411-E4F3-4207-8292-3A8571A1C5CF}" type="presOf" srcId="{B400874E-419B-484E-B087-E713C36F2CDD}" destId="{2612D1CA-8455-4B2E-B566-31F386062C39}" srcOrd="0" destOrd="5" presId="urn:microsoft.com/office/officeart/2005/8/layout/hList1"/>
+    <dgm:cxn modelId="{CFDFE115-238E-48EB-A4D7-FD6DB7131CC9}" srcId="{1F0840E8-0C88-4877-BCF0-5DFF0F9D545E}" destId="{7FA4B2B1-CC2B-4CF7-80D2-D387C533889C}" srcOrd="4" destOrd="0" parTransId="{4ECF0CAF-07AB-4920-B1DB-C5B4AECA8DC3}" sibTransId="{7B333103-0D20-459A-AA6D-D47A9B18DA93}"/>
+    <dgm:cxn modelId="{51B0472F-B890-40A8-834D-3FE4598017E5}" type="presOf" srcId="{78522213-7740-447A-85C0-87A50D4A1988}" destId="{2612D1CA-8455-4B2E-B566-31F386062C39}" srcOrd="0" destOrd="3" presId="urn:microsoft.com/office/officeart/2005/8/layout/hList1"/>
+    <dgm:cxn modelId="{5A821346-2457-47E2-8C7F-3E0A136E833C}" srcId="{8345C607-79DE-4DC5-A15D-D65AF58B8156}" destId="{DCF7A47E-0334-424D-A456-040A5F03F288}" srcOrd="3" destOrd="0" parTransId="{BF1F4474-0F52-4296-B651-936BB123D1EE}" sibTransId="{5A8AD339-59D3-455A-8EC4-78EC1FBC2ACA}"/>
+    <dgm:cxn modelId="{1F1DDC48-BE73-4852-8A62-D2BD77202D02}" type="presOf" srcId="{058FA1D9-01E9-4DB5-BC33-5F947C23C992}" destId="{4EB6F09F-196C-40CF-8745-F01952ACC4D5}" srcOrd="0" destOrd="0" presId="urn:microsoft.com/office/officeart/2005/8/layout/hList1"/>
+    <dgm:cxn modelId="{B7DBAB6C-BB8F-45DC-82EC-72909F3CC773}" type="presOf" srcId="{1F0840E8-0C88-4877-BCF0-5DFF0F9D545E}" destId="{B86AE41E-58AD-4CAE-9003-9669551B25B4}" srcOrd="0" destOrd="0" presId="urn:microsoft.com/office/officeart/2005/8/layout/hList1"/>
+    <dgm:cxn modelId="{3FEE0E6E-CFF6-48FE-B306-6E0C18D66478}" srcId="{BD3175FF-97A7-4263-87B8-A610EF500816}" destId="{AC06A414-3AC6-4CBD-AE96-A0F8785F140A}" srcOrd="2" destOrd="0" parTransId="{A7364662-1A61-4FFA-8244-C9E92F495EEE}" sibTransId="{A499D9D8-F337-4163-B7FD-3CCA51C5550D}"/>
+    <dgm:cxn modelId="{9A635974-2ACA-40C1-A8B4-75A64836A773}" type="presOf" srcId="{C6EF0AC2-E05F-4E8D-8AF1-09FFE47B4020}" destId="{4EB6F09F-196C-40CF-8745-F01952ACC4D5}" srcOrd="0" destOrd="3" presId="urn:microsoft.com/office/officeart/2005/8/layout/hList1"/>
+    <dgm:cxn modelId="{CB188554-D4C5-4507-8E37-0CFA1DD51D7E}" srcId="{BD3175FF-97A7-4263-87B8-A610EF500816}" destId="{ABC9510F-959C-43BA-B565-702AD32B0A44}" srcOrd="0" destOrd="0" parTransId="{B9BCB000-D6BF-4A67-ACFE-596CE0268C39}" sibTransId="{64ADC0C9-DD69-47D6-800D-E1F59E7D383E}"/>
+    <dgm:cxn modelId="{110C6A75-33A4-49DA-B36A-A4FB417DEF50}" srcId="{1F0840E8-0C88-4877-BCF0-5DFF0F9D545E}" destId="{28E360EC-C0A2-4232-9997-9F45E9B9D913}" srcOrd="2" destOrd="0" parTransId="{E3989647-1021-4229-B67F-3B1E2B438ECE}" sibTransId="{684EDD92-B5F5-45A4-845D-7843B3C7A5EF}"/>
+    <dgm:cxn modelId="{2068987C-ADAD-457F-A613-BB50C1F64182}" srcId="{DCF7A47E-0334-424D-A456-040A5F03F288}" destId="{55F732A7-D3F9-42F9-9E23-27A0601C5A98}" srcOrd="2" destOrd="0" parTransId="{CB321D22-53AD-4EF0-903E-72C3EE34F4EC}" sibTransId="{0DD8CF6C-1531-4A53-A6C4-3537411F4469}"/>
     <dgm:cxn modelId="{8CBE9181-51C4-4676-959B-8B05CE6858B4}" srcId="{1F0840E8-0C88-4877-BCF0-5DFF0F9D545E}" destId="{1FC89CA1-B38A-4A4F-925A-9F921DEF9641}" srcOrd="0" destOrd="0" parTransId="{DA8665B0-E6ED-4E45-A70F-C9D595BF9439}" sibTransId="{BDC59DA1-0390-4E95-9648-E73433562156}"/>
+    <dgm:cxn modelId="{DB0EDC90-9C80-4F52-A703-329AABD4F60C}" type="presOf" srcId="{8345C607-79DE-4DC5-A15D-D65AF58B8156}" destId="{1585997E-F801-47C5-BD95-AEF687A1FB74}" srcOrd="0" destOrd="0" presId="urn:microsoft.com/office/officeart/2005/8/layout/hList1"/>
+    <dgm:cxn modelId="{37574398-2ACD-43CB-B666-6B613BEE7B9B}" type="presOf" srcId="{BD3175FF-97A7-4263-87B8-A610EF500816}" destId="{498A4E70-9441-4BAA-A25C-9ECD09B7A6AA}" srcOrd="0" destOrd="0" presId="urn:microsoft.com/office/officeart/2005/8/layout/hList1"/>
+    <dgm:cxn modelId="{2E418198-8ADF-4C01-BC3D-D06204FA6BE9}" srcId="{8345C607-79DE-4DC5-A15D-D65AF58B8156}" destId="{BD3175FF-97A7-4263-87B8-A610EF500816}" srcOrd="0" destOrd="0" parTransId="{698AA71A-7FB1-4B80-8B9A-548924AB49CD}" sibTransId="{A3B55AAA-9B29-425F-BBE5-23153A61B649}"/>
+    <dgm:cxn modelId="{345C8E98-84B5-4E82-858D-B463511E7BC7}" srcId="{8345C607-79DE-4DC5-A15D-D65AF58B8156}" destId="{1F0840E8-0C88-4877-BCF0-5DFF0F9D545E}" srcOrd="2" destOrd="0" parTransId="{EFF6E2BA-8C2E-4690-8EB7-61687321F83E}" sibTransId="{9023FFFB-14B1-4D77-8028-F820FF24CEF2}"/>
+    <dgm:cxn modelId="{5973079B-B313-491C-A706-E56A5E15F01A}" type="presOf" srcId="{ABC9510F-959C-43BA-B565-702AD32B0A44}" destId="{F98E0026-7677-418C-B219-B2163DF01B96}" srcOrd="0" destOrd="0" presId="urn:microsoft.com/office/officeart/2005/8/layout/hList1"/>
+    <dgm:cxn modelId="{ECF4B09C-58E4-4307-92E1-CE91FFF46A47}" srcId="{BD3175FF-97A7-4263-87B8-A610EF500816}" destId="{7D8914B3-BAF4-4E23-9807-38B06357A35D}" srcOrd="1" destOrd="0" parTransId="{F1BD0C92-2B5B-4EBA-8986-2D21126585D3}" sibTransId="{19E4F87E-0394-47CE-A71F-9899F82BBA44}"/>
+    <dgm:cxn modelId="{45FB95A3-2F67-4A12-B414-B2B767213D01}" type="presOf" srcId="{55F732A7-D3F9-42F9-9E23-27A0601C5A98}" destId="{4EB6F09F-196C-40CF-8745-F01952ACC4D5}" srcOrd="0" destOrd="2" presId="urn:microsoft.com/office/officeart/2005/8/layout/hList1"/>
+    <dgm:cxn modelId="{D7203CA6-E2DA-4377-99F6-0964181A5018}" type="presOf" srcId="{51B34DAD-EF60-4A1C-9C85-EC27D123E3B0}" destId="{11790E1A-CE4C-4357-B48F-48AC30A2F3AB}" srcOrd="0" destOrd="0" presId="urn:microsoft.com/office/officeart/2005/8/layout/hList1"/>
+    <dgm:cxn modelId="{AA858FA6-0486-4C78-A69F-675880537040}" type="presOf" srcId="{2E7A96C8-E44E-468B-992B-C4BB27C181CC}" destId="{BE868AFE-25EF-4497-8FDB-BF6C4F99E2C9}" srcOrd="0" destOrd="0" presId="urn:microsoft.com/office/officeart/2005/8/layout/hList1"/>
     <dgm:cxn modelId="{534023A8-1620-4890-8E0D-BE4CCDFD38D9}" srcId="{8345C607-79DE-4DC5-A15D-D65AF58B8156}" destId="{2E7A96C8-E44E-468B-992B-C4BB27C181CC}" srcOrd="1" destOrd="0" parTransId="{1491274C-C0A3-4A09-A19E-B5D403353611}" sibTransId="{D0366ED5-DA80-42A4-83E6-12688DF1C509}"/>
-    <dgm:cxn modelId="{CFDFE115-238E-48EB-A4D7-FD6DB7131CC9}" srcId="{1F0840E8-0C88-4877-BCF0-5DFF0F9D545E}" destId="{7FA4B2B1-CC2B-4CF7-80D2-D387C533889C}" srcOrd="4" destOrd="0" parTransId="{4ECF0CAF-07AB-4920-B1DB-C5B4AECA8DC3}" sibTransId="{7B333103-0D20-459A-AA6D-D47A9B18DA93}"/>
-    <dgm:cxn modelId="{96FEA8DD-EAEA-411F-8DB1-B13939173821}" srcId="{DCF7A47E-0334-424D-A456-040A5F03F288}" destId="{BA3144F2-A924-48D2-AE73-21F724ADD2EB}" srcOrd="1" destOrd="0" parTransId="{3F4C080E-4094-4EB2-9720-1730A4BD38CE}" sibTransId="{AD07A573-2BC0-49AE-AF02-32CD5435E652}"/>
-    <dgm:cxn modelId="{FCB93FEB-27DD-4F68-B656-91E5F03F917A}" type="presOf" srcId="{BA3144F2-A924-48D2-AE73-21F724ADD2EB}" destId="{4EB6F09F-196C-40CF-8745-F01952ACC4D5}" srcOrd="0" destOrd="1" presId="urn:microsoft.com/office/officeart/2005/8/layout/hList1"/>
-    <dgm:cxn modelId="{6C0FE4E3-9A26-4C7F-8B61-B68ABD5D8154}" type="presOf" srcId="{7D8914B3-BAF4-4E23-9807-38B06357A35D}" destId="{F98E0026-7677-418C-B219-B2163DF01B96}" srcOrd="0" destOrd="1" presId="urn:microsoft.com/office/officeart/2005/8/layout/hList1"/>
-    <dgm:cxn modelId="{B0D54411-E4F3-4207-8292-3A8571A1C5CF}" type="presOf" srcId="{B400874E-419B-484E-B087-E713C36F2CDD}" destId="{2612D1CA-8455-4B2E-B566-31F386062C39}" srcOrd="0" destOrd="5" presId="urn:microsoft.com/office/officeart/2005/8/layout/hList1"/>
-    <dgm:cxn modelId="{110C6A75-33A4-49DA-B36A-A4FB417DEF50}" srcId="{1F0840E8-0C88-4877-BCF0-5DFF0F9D545E}" destId="{28E360EC-C0A2-4232-9997-9F45E9B9D913}" srcOrd="2" destOrd="0" parTransId="{E3989647-1021-4229-B67F-3B1E2B438ECE}" sibTransId="{684EDD92-B5F5-45A4-845D-7843B3C7A5EF}"/>
-    <dgm:cxn modelId="{51B0472F-B890-40A8-834D-3FE4598017E5}" type="presOf" srcId="{78522213-7740-447A-85C0-87A50D4A1988}" destId="{2612D1CA-8455-4B2E-B566-31F386062C39}" srcOrd="0" destOrd="3" presId="urn:microsoft.com/office/officeart/2005/8/layout/hList1"/>
-    <dgm:cxn modelId="{37574398-2ACD-43CB-B666-6B613BEE7B9B}" type="presOf" srcId="{BD3175FF-97A7-4263-87B8-A610EF500816}" destId="{498A4E70-9441-4BAA-A25C-9ECD09B7A6AA}" srcOrd="0" destOrd="0" presId="urn:microsoft.com/office/officeart/2005/8/layout/hList1"/>
-    <dgm:cxn modelId="{2068987C-ADAD-457F-A613-BB50C1F64182}" srcId="{DCF7A47E-0334-424D-A456-040A5F03F288}" destId="{55F732A7-D3F9-42F9-9E23-27A0601C5A98}" srcOrd="2" destOrd="0" parTransId="{CB321D22-53AD-4EF0-903E-72C3EE34F4EC}" sibTransId="{0DD8CF6C-1531-4A53-A6C4-3537411F4469}"/>
-    <dgm:cxn modelId="{83BBDCE4-56E3-4246-837C-68BEA3882EA3}" type="presOf" srcId="{28E360EC-C0A2-4232-9997-9F45E9B9D913}" destId="{2612D1CA-8455-4B2E-B566-31F386062C39}" srcOrd="0" destOrd="2" presId="urn:microsoft.com/office/officeart/2005/8/layout/hList1"/>
-    <dgm:cxn modelId="{B890AF04-0C91-40D8-BDFF-D7CF3FFFBF91}" srcId="{DCF7A47E-0334-424D-A456-040A5F03F288}" destId="{058FA1D9-01E9-4DB5-BC33-5F947C23C992}" srcOrd="0" destOrd="0" parTransId="{254C99DB-592E-48AA-93EF-B674141C70A3}" sibTransId="{0766CBA8-167F-4D97-A324-A2BD558F3417}"/>
-    <dgm:cxn modelId="{AA858FA6-0486-4C78-A69F-675880537040}" type="presOf" srcId="{2E7A96C8-E44E-468B-992B-C4BB27C181CC}" destId="{BE868AFE-25EF-4497-8FDB-BF6C4F99E2C9}" srcOrd="0" destOrd="0" presId="urn:microsoft.com/office/officeart/2005/8/layout/hList1"/>
     <dgm:cxn modelId="{F73659B3-6088-4B44-ACB8-13EA8266F2A4}" type="presOf" srcId="{7FA4B2B1-CC2B-4CF7-80D2-D387C533889C}" destId="{2612D1CA-8455-4B2E-B566-31F386062C39}" srcOrd="0" destOrd="4" presId="urn:microsoft.com/office/officeart/2005/8/layout/hList1"/>
     <dgm:cxn modelId="{A0442DBC-96AC-43EE-A911-DC834ECDA5A7}" srcId="{1F0840E8-0C88-4877-BCF0-5DFF0F9D545E}" destId="{B400874E-419B-484E-B087-E713C36F2CDD}" srcOrd="5" destOrd="0" parTransId="{6B45DCFA-0363-4C9C-A738-A9F22A7C025E}" sibTransId="{9C19B4F5-39DB-46E1-B855-5CB35BC48C43}"/>
-    <dgm:cxn modelId="{5A821346-2457-47E2-8C7F-3E0A136E833C}" srcId="{8345C607-79DE-4DC5-A15D-D65AF58B8156}" destId="{DCF7A47E-0334-424D-A456-040A5F03F288}" srcOrd="3" destOrd="0" parTransId="{BF1F4474-0F52-4296-B651-936BB123D1EE}" sibTransId="{5A8AD339-59D3-455A-8EC4-78EC1FBC2ACA}"/>
+    <dgm:cxn modelId="{16BB32C5-34A4-465F-ADBD-7B5F13EB73D5}" type="presOf" srcId="{9F597DAD-A613-45CD-83B0-370D05C947A3}" destId="{2612D1CA-8455-4B2E-B566-31F386062C39}" srcOrd="0" destOrd="1" presId="urn:microsoft.com/office/officeart/2005/8/layout/hList1"/>
+    <dgm:cxn modelId="{C60560CD-07AC-41AD-AE49-0DF2FFE35C2A}" srcId="{1F0840E8-0C88-4877-BCF0-5DFF0F9D545E}" destId="{9F597DAD-A613-45CD-83B0-370D05C947A3}" srcOrd="1" destOrd="0" parTransId="{231CCD58-E386-42C1-94E4-02EFB2FCD778}" sibTransId="{4E9A1216-4289-46D4-B981-A8FECE4609A8}"/>
+    <dgm:cxn modelId="{80FE94D0-A885-4523-BA56-AC1FABCFC23F}" srcId="{1F0840E8-0C88-4877-BCF0-5DFF0F9D545E}" destId="{78522213-7740-447A-85C0-87A50D4A1988}" srcOrd="3" destOrd="0" parTransId="{483D216A-3942-43B9-82F2-DD9CE74567D8}" sibTransId="{2C30E1CF-10EB-4197-AA77-CD0E77861A22}"/>
+    <dgm:cxn modelId="{1DA363D5-41A2-4893-9D6E-27CB0F330BB8}" type="presOf" srcId="{DCF7A47E-0334-424D-A456-040A5F03F288}" destId="{DFCCC5D2-772A-4CC7-B7A5-BE236F80F4D4}" srcOrd="0" destOrd="0" presId="urn:microsoft.com/office/officeart/2005/8/layout/hList1"/>
+    <dgm:cxn modelId="{96FEA8DD-EAEA-411F-8DB1-B13939173821}" srcId="{DCF7A47E-0334-424D-A456-040A5F03F288}" destId="{BA3144F2-A924-48D2-AE73-21F724ADD2EB}" srcOrd="1" destOrd="0" parTransId="{3F4C080E-4094-4EB2-9720-1730A4BD38CE}" sibTransId="{AD07A573-2BC0-49AE-AF02-32CD5435E652}"/>
+    <dgm:cxn modelId="{6C0FE4E3-9A26-4C7F-8B61-B68ABD5D8154}" type="presOf" srcId="{7D8914B3-BAF4-4E23-9807-38B06357A35D}" destId="{F98E0026-7677-418C-B219-B2163DF01B96}" srcOrd="0" destOrd="1" presId="urn:microsoft.com/office/officeart/2005/8/layout/hList1"/>
+    <dgm:cxn modelId="{83BBDCE4-56E3-4246-837C-68BEA3882EA3}" type="presOf" srcId="{28E360EC-C0A2-4232-9997-9F45E9B9D913}" destId="{2612D1CA-8455-4B2E-B566-31F386062C39}" srcOrd="0" destOrd="2" presId="urn:microsoft.com/office/officeart/2005/8/layout/hList1"/>
+    <dgm:cxn modelId="{FCB93FEB-27DD-4F68-B656-91E5F03F917A}" type="presOf" srcId="{BA3144F2-A924-48D2-AE73-21F724ADD2EB}" destId="{4EB6F09F-196C-40CF-8745-F01952ACC4D5}" srcOrd="0" destOrd="1" presId="urn:microsoft.com/office/officeart/2005/8/layout/hList1"/>
+    <dgm:cxn modelId="{55335CF0-B824-4136-B6C1-ED1804AAF8CE}" type="presOf" srcId="{AC06A414-3AC6-4CBD-AE96-A0F8785F140A}" destId="{F98E0026-7677-418C-B219-B2163DF01B96}" srcOrd="0" destOrd="2" presId="urn:microsoft.com/office/officeart/2005/8/layout/hList1"/>
     <dgm:cxn modelId="{BC10F4F7-A926-4770-90D1-90704CC3C2CE}" srcId="{2E7A96C8-E44E-468B-992B-C4BB27C181CC}" destId="{51B34DAD-EF60-4A1C-9C85-EC27D123E3B0}" srcOrd="0" destOrd="0" parTransId="{017F075A-6319-4CCF-BC3B-5DF81D5F9057}" sibTransId="{173DF61B-20AC-42BD-887A-E3BF8F6AF9BC}"/>
-    <dgm:cxn modelId="{345C8E98-84B5-4E82-858D-B463511E7BC7}" srcId="{8345C607-79DE-4DC5-A15D-D65AF58B8156}" destId="{1F0840E8-0C88-4877-BCF0-5DFF0F9D545E}" srcOrd="2" destOrd="0" parTransId="{EFF6E2BA-8C2E-4690-8EB7-61687321F83E}" sibTransId="{9023FFFB-14B1-4D77-8028-F820FF24CEF2}"/>
-    <dgm:cxn modelId="{45FB95A3-2F67-4A12-B414-B2B767213D01}" type="presOf" srcId="{55F732A7-D3F9-42F9-9E23-27A0601C5A98}" destId="{4EB6F09F-196C-40CF-8745-F01952ACC4D5}" srcOrd="0" destOrd="2" presId="urn:microsoft.com/office/officeart/2005/8/layout/hList1"/>
-    <dgm:cxn modelId="{9A635974-2ACA-40C1-A8B4-75A64836A773}" type="presOf" srcId="{C6EF0AC2-E05F-4E8D-8AF1-09FFE47B4020}" destId="{4EB6F09F-196C-40CF-8745-F01952ACC4D5}" srcOrd="0" destOrd="3" presId="urn:microsoft.com/office/officeart/2005/8/layout/hList1"/>
-    <dgm:cxn modelId="{1DA363D5-41A2-4893-9D6E-27CB0F330BB8}" type="presOf" srcId="{DCF7A47E-0334-424D-A456-040A5F03F288}" destId="{DFCCC5D2-772A-4CC7-B7A5-BE236F80F4D4}" srcOrd="0" destOrd="0" presId="urn:microsoft.com/office/officeart/2005/8/layout/hList1"/>
-    <dgm:cxn modelId="{3FEE0E6E-CFF6-48FE-B306-6E0C18D66478}" srcId="{BD3175FF-97A7-4263-87B8-A610EF500816}" destId="{AC06A414-3AC6-4CBD-AE96-A0F8785F140A}" srcOrd="2" destOrd="0" parTransId="{A7364662-1A61-4FFA-8244-C9E92F495EEE}" sibTransId="{A499D9D8-F337-4163-B7FD-3CCA51C5550D}"/>
-    <dgm:cxn modelId="{CB188554-D4C5-4507-8E37-0CFA1DD51D7E}" srcId="{BD3175FF-97A7-4263-87B8-A610EF500816}" destId="{ABC9510F-959C-43BA-B565-702AD32B0A44}" srcOrd="0" destOrd="0" parTransId="{B9BCB000-D6BF-4A67-ACFE-596CE0268C39}" sibTransId="{64ADC0C9-DD69-47D6-800D-E1F59E7D383E}"/>
-    <dgm:cxn modelId="{2E418198-8ADF-4C01-BC3D-D06204FA6BE9}" srcId="{8345C607-79DE-4DC5-A15D-D65AF58B8156}" destId="{BD3175FF-97A7-4263-87B8-A610EF500816}" srcOrd="0" destOrd="0" parTransId="{698AA71A-7FB1-4B80-8B9A-548924AB49CD}" sibTransId="{A3B55AAA-9B29-425F-BBE5-23153A61B649}"/>
-    <dgm:cxn modelId="{D7203CA6-E2DA-4377-99F6-0964181A5018}" type="presOf" srcId="{51B34DAD-EF60-4A1C-9C85-EC27D123E3B0}" destId="{11790E1A-CE4C-4357-B48F-48AC30A2F3AB}" srcOrd="0" destOrd="0" presId="urn:microsoft.com/office/officeart/2005/8/layout/hList1"/>
-    <dgm:cxn modelId="{55335CF0-B824-4136-B6C1-ED1804AAF8CE}" type="presOf" srcId="{AC06A414-3AC6-4CBD-AE96-A0F8785F140A}" destId="{F98E0026-7677-418C-B219-B2163DF01B96}" srcOrd="0" destOrd="2" presId="urn:microsoft.com/office/officeart/2005/8/layout/hList1"/>
-    <dgm:cxn modelId="{8E940406-CDB5-4775-AAA0-D4CD80D3AC56}" type="presOf" srcId="{1FC89CA1-B38A-4A4F-925A-9F921DEF9641}" destId="{2612D1CA-8455-4B2E-B566-31F386062C39}" srcOrd="0" destOrd="0" presId="urn:microsoft.com/office/officeart/2005/8/layout/hList1"/>
-    <dgm:cxn modelId="{DB0EDC90-9C80-4F52-A703-329AABD4F60C}" type="presOf" srcId="{8345C607-79DE-4DC5-A15D-D65AF58B8156}" destId="{1585997E-F801-47C5-BD95-AEF687A1FB74}" srcOrd="0" destOrd="0" presId="urn:microsoft.com/office/officeart/2005/8/layout/hList1"/>
     <dgm:cxn modelId="{62BD86FE-B7B4-45CF-86E7-606FB8FC08B9}" srcId="{DCF7A47E-0334-424D-A456-040A5F03F288}" destId="{C6EF0AC2-E05F-4E8D-8AF1-09FFE47B4020}" srcOrd="3" destOrd="0" parTransId="{4D1370CC-8A7A-476B-89FD-81F01EB86011}" sibTransId="{F552660C-63CE-4EBB-B416-BFE9484B04D5}"/>
-    <dgm:cxn modelId="{1F1DDC48-BE73-4852-8A62-D2BD77202D02}" type="presOf" srcId="{058FA1D9-01E9-4DB5-BC33-5F947C23C992}" destId="{4EB6F09F-196C-40CF-8745-F01952ACC4D5}" srcOrd="0" destOrd="0" presId="urn:microsoft.com/office/officeart/2005/8/layout/hList1"/>
-    <dgm:cxn modelId="{B7DBAB6C-BB8F-45DC-82EC-72909F3CC773}" type="presOf" srcId="{1F0840E8-0C88-4877-BCF0-5DFF0F9D545E}" destId="{B86AE41E-58AD-4CAE-9003-9669551B25B4}" srcOrd="0" destOrd="0" presId="urn:microsoft.com/office/officeart/2005/8/layout/hList1"/>
-    <dgm:cxn modelId="{80FE94D0-A885-4523-BA56-AC1FABCFC23F}" srcId="{1F0840E8-0C88-4877-BCF0-5DFF0F9D545E}" destId="{78522213-7740-447A-85C0-87A50D4A1988}" srcOrd="3" destOrd="0" parTransId="{483D216A-3942-43B9-82F2-DD9CE74567D8}" sibTransId="{2C30E1CF-10EB-4197-AA77-CD0E77861A22}"/>
-    <dgm:cxn modelId="{ECF4B09C-58E4-4307-92E1-CE91FFF46A47}" srcId="{BD3175FF-97A7-4263-87B8-A610EF500816}" destId="{7D8914B3-BAF4-4E23-9807-38B06357A35D}" srcOrd="1" destOrd="0" parTransId="{F1BD0C92-2B5B-4EBA-8986-2D21126585D3}" sibTransId="{19E4F87E-0394-47CE-A71F-9899F82BBA44}"/>
-    <dgm:cxn modelId="{16BB32C5-34A4-465F-ADBD-7B5F13EB73D5}" type="presOf" srcId="{9F597DAD-A613-45CD-83B0-370D05C947A3}" destId="{2612D1CA-8455-4B2E-B566-31F386062C39}" srcOrd="0" destOrd="1" presId="urn:microsoft.com/office/officeart/2005/8/layout/hList1"/>
-    <dgm:cxn modelId="{5973079B-B313-491C-A706-E56A5E15F01A}" type="presOf" srcId="{ABC9510F-959C-43BA-B565-702AD32B0A44}" destId="{F98E0026-7677-418C-B219-B2163DF01B96}" srcOrd="0" destOrd="0" presId="urn:microsoft.com/office/officeart/2005/8/layout/hList1"/>
-    <dgm:cxn modelId="{C60560CD-07AC-41AD-AE49-0DF2FFE35C2A}" srcId="{1F0840E8-0C88-4877-BCF0-5DFF0F9D545E}" destId="{9F597DAD-A613-45CD-83B0-370D05C947A3}" srcOrd="1" destOrd="0" parTransId="{231CCD58-E386-42C1-94E4-02EFB2FCD778}" sibTransId="{4E9A1216-4289-46D4-B981-A8FECE4609A8}"/>
     <dgm:cxn modelId="{02EDA7FE-3E90-45B8-8AAE-6C161A06CC0B}" type="presParOf" srcId="{1585997E-F801-47C5-BD95-AEF687A1FB74}" destId="{2D874F94-9483-43FD-906B-1F024BA30AF2}" srcOrd="0" destOrd="0" presId="urn:microsoft.com/office/officeart/2005/8/layout/hList1"/>
     <dgm:cxn modelId="{B1EC9C1B-94E9-4923-BC2F-2F683C910397}" type="presParOf" srcId="{2D874F94-9483-43FD-906B-1F024BA30AF2}" destId="{498A4E70-9441-4BAA-A25C-9ECD09B7A6AA}" srcOrd="0" destOrd="0" presId="urn:microsoft.com/office/officeart/2005/8/layout/hList1"/>
     <dgm:cxn modelId="{E7B8DADA-7EFD-434F-A380-3EE47F0051CD}" type="presParOf" srcId="{2D874F94-9483-43FD-906B-1F024BA30AF2}" destId="{F98E0026-7677-418C-B219-B2163DF01B96}" srcOrd="1" destOrd="0" presId="urn:microsoft.com/office/officeart/2005/8/layout/hList1"/>
@@ -5091,15 +4967,7 @@
         <a:p>
           <a:r>
             <a:rPr lang="en-US" sz="2000" dirty="0"/>
-            <a:t>Pruebas de conectividad entre el </a:t>
-          </a:r>
-          <a:r>
-            <a:rPr lang="en-US" sz="2000" dirty="0" smtClean="0"/>
-            <a:t>Data Warehouse - servidor </a:t>
-          </a:r>
-          <a:r>
-            <a:rPr lang="en-US" sz="2000" dirty="0"/>
-            <a:t>(</a:t>
+            <a:t>Pruebas de conectividad entre el Data Warehouse - servidor (</a:t>
           </a:r>
           <a:r>
             <a:rPr lang="es-CO" sz="2000" dirty="0"/>
@@ -5244,20 +5112,8 @@
         <a:lstStyle/>
         <a:p>
           <a:r>
-            <a:rPr lang="en-US" sz="2000" dirty="0" smtClean="0"/>
-            <a:t>Instalación </a:t>
-          </a:r>
-          <a:r>
             <a:rPr lang="en-US" sz="2000" dirty="0"/>
-            <a:t>de la </a:t>
-          </a:r>
-          <a:r>
-            <a:rPr lang="en-US" sz="2000" dirty="0" smtClean="0"/>
-            <a:t>solución </a:t>
-          </a:r>
-          <a:r>
-            <a:rPr lang="en-US" sz="2000" dirty="0"/>
-            <a:t>BA</a:t>
+            <a:t>Instalación de la solución BA</a:t>
           </a:r>
         </a:p>
       </dgm:t>
@@ -5425,15 +5281,7 @@
         <a:p>
           <a:r>
             <a:rPr lang="en-US" sz="2000" dirty="0"/>
-            <a:t>Pruebas de </a:t>
-          </a:r>
-          <a:r>
-            <a:rPr lang="en-US" sz="2000" dirty="0" smtClean="0"/>
-            <a:t>análisis </a:t>
-          </a:r>
-          <a:r>
-            <a:rPr lang="en-US" sz="2000" dirty="0"/>
-            <a:t>de datos</a:t>
+            <a:t>Pruebas de análisis de datos</a:t>
           </a:r>
         </a:p>
       </dgm:t>
@@ -5468,12 +5316,8 @@
         <a:lstStyle/>
         <a:p>
           <a:r>
-            <a:rPr lang="en-US" sz="2000" dirty="0" smtClean="0"/>
-            <a:t>Creación </a:t>
-          </a:r>
-          <a:r>
             <a:rPr lang="en-US" sz="2000" dirty="0"/>
-            <a:t>de reportes</a:t>
+            <a:t>Creación de reportes</a:t>
           </a:r>
         </a:p>
       </dgm:t>
@@ -5508,12 +5352,8 @@
         <a:lstStyle/>
         <a:p>
           <a:r>
-            <a:rPr lang="en-US" sz="2000" dirty="0" smtClean="0"/>
-            <a:t>Creación </a:t>
-          </a:r>
-          <a:r>
             <a:rPr lang="en-US" sz="2000" dirty="0"/>
-            <a:t>de diagramas y mapas</a:t>
+            <a:t>Creación de diagramas y mapas</a:t>
           </a:r>
         </a:p>
       </dgm:t>
@@ -5548,12 +5388,8 @@
         <a:lstStyle/>
         <a:p>
           <a:r>
-            <a:rPr lang="en-US" sz="2000" dirty="0" smtClean="0"/>
-            <a:t>Presentación </a:t>
-          </a:r>
-          <a:r>
             <a:rPr lang="en-US" sz="2000" dirty="0"/>
-            <a:t>del Dashboard </a:t>
+            <a:t>Presentación del Dashboard </a:t>
           </a:r>
         </a:p>
       </dgm:t>
@@ -5621,16 +5457,12 @@
         <a:lstStyle/>
         <a:p>
           <a:r>
-            <a:rPr lang="es-CO" sz="2000" noProof="0" dirty="0" smtClean="0"/>
+            <a:rPr lang="es-CO" sz="2000" noProof="0" dirty="0"/>
             <a:t>Instalación</a:t>
           </a:r>
           <a:r>
-            <a:rPr lang="en-US" sz="2000" dirty="0" smtClean="0"/>
-            <a:t> </a:t>
-          </a:r>
-          <a:r>
             <a:rPr lang="en-US" sz="2000" dirty="0"/>
-            <a:t>del servidor Ludus</a:t>
+            <a:t> del servidor Ludus</a:t>
           </a:r>
         </a:p>
       </dgm:t>
@@ -5666,13 +5498,6 @@
         </dgm:presLayoutVars>
       </dgm:prSet>
       <dgm:spPr/>
-      <dgm:t>
-        <a:bodyPr/>
-        <a:lstStyle/>
-        <a:p>
-          <a:endParaRPr lang="es-CO"/>
-        </a:p>
-      </dgm:t>
     </dgm:pt>
     <dgm:pt modelId="{3999A5B1-8852-4ED6-85FA-81154FB873CC}" type="pres">
       <dgm:prSet presAssocID="{2AB47238-3801-40FA-8976-C4E343ADE7EF}" presName="composite" presStyleCnt="0"/>
@@ -5686,13 +5511,6 @@
         </dgm:presLayoutVars>
       </dgm:prSet>
       <dgm:spPr/>
-      <dgm:t>
-        <a:bodyPr/>
-        <a:lstStyle/>
-        <a:p>
-          <a:endParaRPr lang="es-CO"/>
-        </a:p>
-      </dgm:t>
     </dgm:pt>
     <dgm:pt modelId="{7D924C14-A286-407C-A494-2605EF842E87}" type="pres">
       <dgm:prSet presAssocID="{2AB47238-3801-40FA-8976-C4E343ADE7EF}" presName="descendantText" presStyleLbl="alignAcc1" presStyleIdx="0" presStyleCnt="9" custLinFactNeighborY="-259">
@@ -5701,13 +5519,6 @@
         </dgm:presLayoutVars>
       </dgm:prSet>
       <dgm:spPr/>
-      <dgm:t>
-        <a:bodyPr/>
-        <a:lstStyle/>
-        <a:p>
-          <a:endParaRPr lang="es-CO"/>
-        </a:p>
-      </dgm:t>
     </dgm:pt>
     <dgm:pt modelId="{CDE4BC90-27AC-4802-A115-52842E9CA2C0}" type="pres">
       <dgm:prSet presAssocID="{444EF23E-8F95-442A-8E5A-3ACB6AE84EDC}" presName="sp" presStyleCnt="0"/>
@@ -5725,13 +5536,6 @@
         </dgm:presLayoutVars>
       </dgm:prSet>
       <dgm:spPr/>
-      <dgm:t>
-        <a:bodyPr/>
-        <a:lstStyle/>
-        <a:p>
-          <a:endParaRPr lang="es-CO"/>
-        </a:p>
-      </dgm:t>
     </dgm:pt>
     <dgm:pt modelId="{DD550D31-3E2A-4526-8E6B-FBCB4DC60A3D}" type="pres">
       <dgm:prSet presAssocID="{BE52352C-80A7-475E-91A0-4B0CEE0CDF23}" presName="descendantText" presStyleLbl="alignAcc1" presStyleIdx="1" presStyleCnt="9">
@@ -5740,13 +5544,6 @@
         </dgm:presLayoutVars>
       </dgm:prSet>
       <dgm:spPr/>
-      <dgm:t>
-        <a:bodyPr/>
-        <a:lstStyle/>
-        <a:p>
-          <a:endParaRPr lang="es-CO"/>
-        </a:p>
-      </dgm:t>
     </dgm:pt>
     <dgm:pt modelId="{E5027BDB-A1D3-4FF7-B5D8-8FD2BBB796BC}" type="pres">
       <dgm:prSet presAssocID="{55BF2543-A05A-41D6-A03B-4C1DED0CB237}" presName="sp" presStyleCnt="0"/>
@@ -5764,13 +5561,6 @@
         </dgm:presLayoutVars>
       </dgm:prSet>
       <dgm:spPr/>
-      <dgm:t>
-        <a:bodyPr/>
-        <a:lstStyle/>
-        <a:p>
-          <a:endParaRPr lang="es-CO"/>
-        </a:p>
-      </dgm:t>
     </dgm:pt>
     <dgm:pt modelId="{B3D561DC-B92F-4A16-9FF7-B07A6C428DAA}" type="pres">
       <dgm:prSet presAssocID="{ECDFAC5A-D544-48DA-BF62-DC3353AC7261}" presName="descendantText" presStyleLbl="alignAcc1" presStyleIdx="2" presStyleCnt="9">
@@ -5779,13 +5569,6 @@
         </dgm:presLayoutVars>
       </dgm:prSet>
       <dgm:spPr/>
-      <dgm:t>
-        <a:bodyPr/>
-        <a:lstStyle/>
-        <a:p>
-          <a:endParaRPr lang="es-CO"/>
-        </a:p>
-      </dgm:t>
     </dgm:pt>
     <dgm:pt modelId="{241AFA93-E57F-4354-A16B-3BC0803929D7}" type="pres">
       <dgm:prSet presAssocID="{BB9D707F-2FD6-4763-8325-803F031CE4BE}" presName="sp" presStyleCnt="0"/>
@@ -5803,13 +5586,6 @@
         </dgm:presLayoutVars>
       </dgm:prSet>
       <dgm:spPr/>
-      <dgm:t>
-        <a:bodyPr/>
-        <a:lstStyle/>
-        <a:p>
-          <a:endParaRPr lang="es-CO"/>
-        </a:p>
-      </dgm:t>
     </dgm:pt>
     <dgm:pt modelId="{2D9B2A39-300B-4D1B-8EA0-BC4E32FB2A60}" type="pres">
       <dgm:prSet presAssocID="{114D2900-FC50-4787-8C61-DECB2CE00816}" presName="descendantText" presStyleLbl="alignAcc1" presStyleIdx="3" presStyleCnt="9" custLinFactNeighborY="1349">
@@ -5818,13 +5594,6 @@
         </dgm:presLayoutVars>
       </dgm:prSet>
       <dgm:spPr/>
-      <dgm:t>
-        <a:bodyPr/>
-        <a:lstStyle/>
-        <a:p>
-          <a:endParaRPr lang="es-CO"/>
-        </a:p>
-      </dgm:t>
     </dgm:pt>
     <dgm:pt modelId="{07F7AA37-C2B0-46C7-8886-CA20577DD0DB}" type="pres">
       <dgm:prSet presAssocID="{019F6359-4067-4CF9-BEE4-307C2F73DA33}" presName="sp" presStyleCnt="0"/>
@@ -5842,13 +5611,6 @@
         </dgm:presLayoutVars>
       </dgm:prSet>
       <dgm:spPr/>
-      <dgm:t>
-        <a:bodyPr/>
-        <a:lstStyle/>
-        <a:p>
-          <a:endParaRPr lang="es-CO"/>
-        </a:p>
-      </dgm:t>
     </dgm:pt>
     <dgm:pt modelId="{5555DAA1-BFD7-47D4-A657-49CC0D39556F}" type="pres">
       <dgm:prSet presAssocID="{51A29980-B70B-4667-8CB8-DF518D8C070E}" presName="descendantText" presStyleLbl="alignAcc1" presStyleIdx="4" presStyleCnt="9">
@@ -5857,13 +5619,6 @@
         </dgm:presLayoutVars>
       </dgm:prSet>
       <dgm:spPr/>
-      <dgm:t>
-        <a:bodyPr/>
-        <a:lstStyle/>
-        <a:p>
-          <a:endParaRPr lang="es-CO"/>
-        </a:p>
-      </dgm:t>
     </dgm:pt>
     <dgm:pt modelId="{F9494032-577E-4A59-A59F-F476D8E6952A}" type="pres">
       <dgm:prSet presAssocID="{DCA19B06-2974-4000-A516-9BCBD2E07C6F}" presName="sp" presStyleCnt="0"/>
@@ -5881,13 +5636,6 @@
         </dgm:presLayoutVars>
       </dgm:prSet>
       <dgm:spPr/>
-      <dgm:t>
-        <a:bodyPr/>
-        <a:lstStyle/>
-        <a:p>
-          <a:endParaRPr lang="es-CO"/>
-        </a:p>
-      </dgm:t>
     </dgm:pt>
     <dgm:pt modelId="{9CF3735A-CCD7-4F50-9021-657BDACFD415}" type="pres">
       <dgm:prSet presAssocID="{C7EA4583-CA5B-4BE2-92D6-09EF84FBFF76}" presName="descendantText" presStyleLbl="alignAcc1" presStyleIdx="5" presStyleCnt="9">
@@ -5896,13 +5644,6 @@
         </dgm:presLayoutVars>
       </dgm:prSet>
       <dgm:spPr/>
-      <dgm:t>
-        <a:bodyPr/>
-        <a:lstStyle/>
-        <a:p>
-          <a:endParaRPr lang="es-CO"/>
-        </a:p>
-      </dgm:t>
     </dgm:pt>
     <dgm:pt modelId="{BC156B28-73A6-48C1-919F-B71C8AD38DFE}" type="pres">
       <dgm:prSet presAssocID="{5BA0C863-B235-4345-9E16-4914C5FCA5EB}" presName="sp" presStyleCnt="0"/>
@@ -5920,13 +5661,6 @@
         </dgm:presLayoutVars>
       </dgm:prSet>
       <dgm:spPr/>
-      <dgm:t>
-        <a:bodyPr/>
-        <a:lstStyle/>
-        <a:p>
-          <a:endParaRPr lang="es-CO"/>
-        </a:p>
-      </dgm:t>
     </dgm:pt>
     <dgm:pt modelId="{1D11BA6A-8B5A-492E-9D05-2C356020F385}" type="pres">
       <dgm:prSet presAssocID="{F5E93582-D4CF-493F-8AEA-CB61291F53F2}" presName="descendantText" presStyleLbl="alignAcc1" presStyleIdx="6" presStyleCnt="9">
@@ -5935,13 +5669,6 @@
         </dgm:presLayoutVars>
       </dgm:prSet>
       <dgm:spPr/>
-      <dgm:t>
-        <a:bodyPr/>
-        <a:lstStyle/>
-        <a:p>
-          <a:endParaRPr lang="es-CO"/>
-        </a:p>
-      </dgm:t>
     </dgm:pt>
     <dgm:pt modelId="{5396857A-D2FA-478E-93B1-BFB7F032C185}" type="pres">
       <dgm:prSet presAssocID="{BF8B4164-3BEA-47A0-9C72-60655A9CA336}" presName="sp" presStyleCnt="0"/>
@@ -5959,13 +5686,6 @@
         </dgm:presLayoutVars>
       </dgm:prSet>
       <dgm:spPr/>
-      <dgm:t>
-        <a:bodyPr/>
-        <a:lstStyle/>
-        <a:p>
-          <a:endParaRPr lang="es-CO"/>
-        </a:p>
-      </dgm:t>
     </dgm:pt>
     <dgm:pt modelId="{3A70B292-ED2A-479B-9C73-0AF5B65FCDA0}" type="pres">
       <dgm:prSet presAssocID="{3783210F-2D22-48A3-9DEF-634F34D23F5E}" presName="descendantText" presStyleLbl="alignAcc1" presStyleIdx="7" presStyleCnt="9">
@@ -5974,13 +5694,6 @@
         </dgm:presLayoutVars>
       </dgm:prSet>
       <dgm:spPr/>
-      <dgm:t>
-        <a:bodyPr/>
-        <a:lstStyle/>
-        <a:p>
-          <a:endParaRPr lang="es-CO"/>
-        </a:p>
-      </dgm:t>
     </dgm:pt>
     <dgm:pt modelId="{C18729EF-0C3E-499F-9218-1A35D246066C}" type="pres">
       <dgm:prSet presAssocID="{75A3CEF8-48B0-46DB-BEEA-AE635FE6EE92}" presName="sp" presStyleCnt="0"/>
@@ -5998,13 +5711,6 @@
         </dgm:presLayoutVars>
       </dgm:prSet>
       <dgm:spPr/>
-      <dgm:t>
-        <a:bodyPr/>
-        <a:lstStyle/>
-        <a:p>
-          <a:endParaRPr lang="es-CO"/>
-        </a:p>
-      </dgm:t>
     </dgm:pt>
     <dgm:pt modelId="{B23AAA86-8260-4C63-858F-545D418AA6FE}" type="pres">
       <dgm:prSet presAssocID="{2D743B1B-8FC7-4F4E-B56D-A09F4510C750}" presName="descendantText" presStyleLbl="alignAcc1" presStyleIdx="8" presStyleCnt="9">
@@ -6013,53 +5719,46 @@
         </dgm:presLayoutVars>
       </dgm:prSet>
       <dgm:spPr/>
-      <dgm:t>
-        <a:bodyPr/>
-        <a:lstStyle/>
-        <a:p>
-          <a:endParaRPr lang="es-CO"/>
-        </a:p>
-      </dgm:t>
     </dgm:pt>
   </dgm:ptLst>
   <dgm:cxnLst>
+    <dgm:cxn modelId="{8BE42A01-6B74-4666-8D3B-5BD93BDCB4BE}" type="presOf" srcId="{51A29980-B70B-4667-8CB8-DF518D8C070E}" destId="{74CD68D7-6486-45EC-94E0-B1980F2F8544}" srcOrd="0" destOrd="0" presId="urn:microsoft.com/office/officeart/2005/8/layout/chevron2"/>
+    <dgm:cxn modelId="{BC807411-9CF8-4D8C-8347-37517088CFAB}" srcId="{5AED743B-61E9-43F0-B4E6-CD66C7CACB11}" destId="{51A29980-B70B-4667-8CB8-DF518D8C070E}" srcOrd="4" destOrd="0" parTransId="{D3BC21F3-1A90-462C-8C6E-83E8A3DE3BB7}" sibTransId="{DCA19B06-2974-4000-A516-9BCBD2E07C6F}"/>
+    <dgm:cxn modelId="{46E12C17-7EA2-4F90-B116-D0381152200D}" type="presOf" srcId="{F5E93582-D4CF-493F-8AEA-CB61291F53F2}" destId="{CBE227D2-8DD8-40B8-868A-F1F854EF4D92}" srcOrd="0" destOrd="0" presId="urn:microsoft.com/office/officeart/2005/8/layout/chevron2"/>
+    <dgm:cxn modelId="{FF0C6219-673B-4FD9-BAC1-DA59AE3C83FC}" srcId="{5AED743B-61E9-43F0-B4E6-CD66C7CACB11}" destId="{2D743B1B-8FC7-4F4E-B56D-A09F4510C750}" srcOrd="8" destOrd="0" parTransId="{DB48DFF8-E679-44DF-BB64-D34A9BE256B5}" sibTransId="{BEF66982-0195-4613-9D6B-6A96CADF5678}"/>
+    <dgm:cxn modelId="{6EDBDA24-93C6-46C5-B010-74FF3E20D067}" srcId="{C7EA4583-CA5B-4BE2-92D6-09EF84FBFF76}" destId="{A6FC42F1-8649-433D-9B13-8FC48773CD49}" srcOrd="0" destOrd="0" parTransId="{CF404E4D-17C7-4E8B-AE93-E687F4C24E16}" sibTransId="{3A7DE174-0F19-4201-ABB3-5CCA0BFF92FB}"/>
+    <dgm:cxn modelId="{FB5C612D-0AA3-43C7-9502-6352BAE9517F}" type="presOf" srcId="{38DE0993-9D0E-44EB-BA92-7987A09ED9B9}" destId="{2D9B2A39-300B-4D1B-8EA0-BC4E32FB2A60}" srcOrd="0" destOrd="0" presId="urn:microsoft.com/office/officeart/2005/8/layout/chevron2"/>
+    <dgm:cxn modelId="{D917D42F-BDE5-433E-8388-A91A2F15AC77}" srcId="{114D2900-FC50-4787-8C61-DECB2CE00816}" destId="{38DE0993-9D0E-44EB-BA92-7987A09ED9B9}" srcOrd="0" destOrd="0" parTransId="{BA146428-54E3-4517-A563-2F6F179BD4F0}" sibTransId="{4C7BDF9E-47CF-4A15-A8BF-AF8350C1BD46}"/>
     <dgm:cxn modelId="{2321B037-0FB5-4D15-A2EA-EC0A39D6892D}" type="presOf" srcId="{B1FF64AE-C09C-4226-95B7-E1D9337A0C5F}" destId="{B3D561DC-B92F-4A16-9FF7-B07A6C428DAA}" srcOrd="0" destOrd="0" presId="urn:microsoft.com/office/officeart/2005/8/layout/chevron2"/>
-    <dgm:cxn modelId="{E3C260BA-06DD-424A-B1D4-9A828E5190F9}" type="presOf" srcId="{2D743B1B-8FC7-4F4E-B56D-A09F4510C750}" destId="{BEE86D47-DEB0-47FE-BA07-F46E88E4EA5B}" srcOrd="0" destOrd="0" presId="urn:microsoft.com/office/officeart/2005/8/layout/chevron2"/>
+    <dgm:cxn modelId="{3CB9AF67-4974-4F0F-8CA2-2691AA73A03C}" type="presOf" srcId="{D6BCDEFA-529B-4012-B5F4-E404B38846BB}" destId="{5555DAA1-BFD7-47D4-A657-49CC0D39556F}" srcOrd="0" destOrd="0" presId="urn:microsoft.com/office/officeart/2005/8/layout/chevron2"/>
     <dgm:cxn modelId="{B7DB396A-EE44-4B02-BC81-362A830CAF2E}" srcId="{51A29980-B70B-4667-8CB8-DF518D8C070E}" destId="{D6BCDEFA-529B-4012-B5F4-E404B38846BB}" srcOrd="0" destOrd="0" parTransId="{85947926-462B-4DCA-85E1-76BDF7F38DBA}" sibTransId="{4E1B3A19-D53A-47AB-A5D6-FAA73467DC17}"/>
-    <dgm:cxn modelId="{95FE7EC9-8291-470D-A463-511A543256DE}" type="presOf" srcId="{C7EA4583-CA5B-4BE2-92D6-09EF84FBFF76}" destId="{8BA6A785-927D-4DE7-BA50-6A042BD6179A}" srcOrd="0" destOrd="0" presId="urn:microsoft.com/office/officeart/2005/8/layout/chevron2"/>
-    <dgm:cxn modelId="{A61E55C6-A6ED-487F-AB2B-354A4F8F9E21}" type="presOf" srcId="{114D2900-FC50-4787-8C61-DECB2CE00816}" destId="{55DE034D-D8F4-4EE6-BC85-FD58D04C7D7C}" srcOrd="0" destOrd="0" presId="urn:microsoft.com/office/officeart/2005/8/layout/chevron2"/>
-    <dgm:cxn modelId="{D917D42F-BDE5-433E-8388-A91A2F15AC77}" srcId="{114D2900-FC50-4787-8C61-DECB2CE00816}" destId="{38DE0993-9D0E-44EB-BA92-7987A09ED9B9}" srcOrd="0" destOrd="0" parTransId="{BA146428-54E3-4517-A563-2F6F179BD4F0}" sibTransId="{4C7BDF9E-47CF-4A15-A8BF-AF8350C1BD46}"/>
-    <dgm:cxn modelId="{EADEFE87-1F7D-4208-BEE3-3994957AE94D}" type="presOf" srcId="{3783210F-2D22-48A3-9DEF-634F34D23F5E}" destId="{934E52F8-1F31-421D-98B1-AF190D4E2E54}" srcOrd="0" destOrd="0" presId="urn:microsoft.com/office/officeart/2005/8/layout/chevron2"/>
-    <dgm:cxn modelId="{0DC6AEF0-300B-4139-BAFF-38D147864376}" type="presOf" srcId="{F41E29C7-3EE4-4764-AF21-CA42D9301D2B}" destId="{3A70B292-ED2A-479B-9C73-0AF5B65FCDA0}" srcOrd="0" destOrd="0" presId="urn:microsoft.com/office/officeart/2005/8/layout/chevron2"/>
-    <dgm:cxn modelId="{77C0C392-1936-404E-B5AC-3EA9706E0CDF}" type="presOf" srcId="{9FC8ECDD-A586-4FF1-8C8D-8EA1C24966AA}" destId="{1D11BA6A-8B5A-492E-9D05-2C356020F385}" srcOrd="0" destOrd="0" presId="urn:microsoft.com/office/officeart/2005/8/layout/chevron2"/>
-    <dgm:cxn modelId="{D4AB0DC2-A09C-478A-9C4F-F1094E47C750}" srcId="{F5E93582-D4CF-493F-8AEA-CB61291F53F2}" destId="{9FC8ECDD-A586-4FF1-8C8D-8EA1C24966AA}" srcOrd="0" destOrd="0" parTransId="{8FC03BF6-5927-484E-99C7-6CCDD92F171D}" sibTransId="{FAEF433B-B297-4507-A5C9-630552C61BE6}"/>
-    <dgm:cxn modelId="{BC807411-9CF8-4D8C-8347-37517088CFAB}" srcId="{5AED743B-61E9-43F0-B4E6-CD66C7CACB11}" destId="{51A29980-B70B-4667-8CB8-DF518D8C070E}" srcOrd="4" destOrd="0" parTransId="{D3BC21F3-1A90-462C-8C6E-83E8A3DE3BB7}" sibTransId="{DCA19B06-2974-4000-A516-9BCBD2E07C6F}"/>
-    <dgm:cxn modelId="{878E2F86-B426-464A-9074-EB04F40BD0EC}" srcId="{BE52352C-80A7-475E-91A0-4B0CEE0CDF23}" destId="{D84E9FCD-AF1C-4F83-8C79-A17DD99A9BCE}" srcOrd="0" destOrd="0" parTransId="{4B135258-BA52-4204-A936-B9104120981B}" sibTransId="{BEFA0B19-F36F-4981-91B3-37D8E354A598}"/>
-    <dgm:cxn modelId="{3CB9AF67-4974-4F0F-8CA2-2691AA73A03C}" type="presOf" srcId="{D6BCDEFA-529B-4012-B5F4-E404B38846BB}" destId="{5555DAA1-BFD7-47D4-A657-49CC0D39556F}" srcOrd="0" destOrd="0" presId="urn:microsoft.com/office/officeart/2005/8/layout/chevron2"/>
-    <dgm:cxn modelId="{D2FEFD7A-EABD-4D32-B2E2-1AA5710AE3D0}" type="presOf" srcId="{BE52352C-80A7-475E-91A0-4B0CEE0CDF23}" destId="{46DE062B-D172-4BF5-88A3-6686B42B8829}" srcOrd="0" destOrd="0" presId="urn:microsoft.com/office/officeart/2005/8/layout/chevron2"/>
+    <dgm:cxn modelId="{2E02816A-F96C-4E95-A6CB-4B2F7405B118}" srcId="{5AED743B-61E9-43F0-B4E6-CD66C7CACB11}" destId="{ECDFAC5A-D544-48DA-BF62-DC3353AC7261}" srcOrd="2" destOrd="0" parTransId="{4711F111-FA7E-4043-9394-27597F37E6F0}" sibTransId="{BB9D707F-2FD6-4763-8325-803F031CE4BE}"/>
+    <dgm:cxn modelId="{D430984B-0736-4BF1-89ED-AE33CF27901C}" srcId="{5AED743B-61E9-43F0-B4E6-CD66C7CACB11}" destId="{F5E93582-D4CF-493F-8AEA-CB61291F53F2}" srcOrd="6" destOrd="0" parTransId="{23B3E744-C34A-4B39-97BC-1C846C5F207A}" sibTransId="{BF8B4164-3BEA-47A0-9C72-60655A9CA336}"/>
+    <dgm:cxn modelId="{BA20B84C-8C58-40CD-ACCC-C82C99BD665B}" srcId="{ECDFAC5A-D544-48DA-BF62-DC3353AC7261}" destId="{B1FF64AE-C09C-4226-95B7-E1D9337A0C5F}" srcOrd="0" destOrd="0" parTransId="{997D330E-DAEB-4C5D-AB1E-E57359A15080}" sibTransId="{B61DA039-E95C-4144-9ADF-68313B45E866}"/>
+    <dgm:cxn modelId="{6675784E-C62F-4ADF-B64A-876D52A40E55}" srcId="{5AED743B-61E9-43F0-B4E6-CD66C7CACB11}" destId="{3783210F-2D22-48A3-9DEF-634F34D23F5E}" srcOrd="7" destOrd="0" parTransId="{BD8176A8-30CB-4707-BD0A-6C4B21C6B83D}" sibTransId="{75A3CEF8-48B0-46DB-BEEA-AE635FE6EE92}"/>
+    <dgm:cxn modelId="{0C884370-3F78-4C35-882D-EFC4C83B85F1}" srcId="{2D743B1B-8FC7-4F4E-B56D-A09F4510C750}" destId="{099A66E6-222C-4B30-87F7-4490B4108453}" srcOrd="0" destOrd="0" parTransId="{46922462-D20D-47FB-A086-F615AD7BBAAC}" sibTransId="{FC66B7E3-67A1-43C1-B40D-564C00544688}"/>
+    <dgm:cxn modelId="{85DA4653-79A7-43AD-890B-F90CB8F6CD39}" type="presOf" srcId="{5AED743B-61E9-43F0-B4E6-CD66C7CACB11}" destId="{B04888FD-580F-4C89-9024-417C4037B260}" srcOrd="0" destOrd="0" presId="urn:microsoft.com/office/officeart/2005/8/layout/chevron2"/>
     <dgm:cxn modelId="{035F3A77-F1B8-4C22-9C1E-D31F3A935442}" srcId="{5AED743B-61E9-43F0-B4E6-CD66C7CACB11}" destId="{C7EA4583-CA5B-4BE2-92D6-09EF84FBFF76}" srcOrd="5" destOrd="0" parTransId="{E59DB4E4-9C8C-4550-86C6-49469E772FFE}" sibTransId="{5BA0C863-B235-4345-9E16-4914C5FCA5EB}"/>
-    <dgm:cxn modelId="{4C23E0E4-FE20-4E06-A4AE-9A7A0A14BB5A}" type="presOf" srcId="{2AB47238-3801-40FA-8976-C4E343ADE7EF}" destId="{7B9C61D3-E734-4A24-A944-215CF7A1B5A3}" srcOrd="0" destOrd="0" presId="urn:microsoft.com/office/officeart/2005/8/layout/chevron2"/>
-    <dgm:cxn modelId="{22C77E80-3500-4FC2-AB0B-C8F5A2819BF2}" type="presOf" srcId="{099A66E6-222C-4B30-87F7-4490B4108453}" destId="{B23AAA86-8260-4C63-858F-545D418AA6FE}" srcOrd="0" destOrd="0" presId="urn:microsoft.com/office/officeart/2005/8/layout/chevron2"/>
-    <dgm:cxn modelId="{0C884370-3F78-4C35-882D-EFC4C83B85F1}" srcId="{2D743B1B-8FC7-4F4E-B56D-A09F4510C750}" destId="{099A66E6-222C-4B30-87F7-4490B4108453}" srcOrd="0" destOrd="0" parTransId="{46922462-D20D-47FB-A086-F615AD7BBAAC}" sibTransId="{FC66B7E3-67A1-43C1-B40D-564C00544688}"/>
-    <dgm:cxn modelId="{FF0C6219-673B-4FD9-BAC1-DA59AE3C83FC}" srcId="{5AED743B-61E9-43F0-B4E6-CD66C7CACB11}" destId="{2D743B1B-8FC7-4F4E-B56D-A09F4510C750}" srcOrd="8" destOrd="0" parTransId="{DB48DFF8-E679-44DF-BB64-D34A9BE256B5}" sibTransId="{BEF66982-0195-4613-9D6B-6A96CADF5678}"/>
-    <dgm:cxn modelId="{FB5C612D-0AA3-43C7-9502-6352BAE9517F}" type="presOf" srcId="{38DE0993-9D0E-44EB-BA92-7987A09ED9B9}" destId="{2D9B2A39-300B-4D1B-8EA0-BC4E32FB2A60}" srcOrd="0" destOrd="0" presId="urn:microsoft.com/office/officeart/2005/8/layout/chevron2"/>
-    <dgm:cxn modelId="{8BE42A01-6B74-4666-8D3B-5BD93BDCB4BE}" type="presOf" srcId="{51A29980-B70B-4667-8CB8-DF518D8C070E}" destId="{74CD68D7-6486-45EC-94E0-B1980F2F8544}" srcOrd="0" destOrd="0" presId="urn:microsoft.com/office/officeart/2005/8/layout/chevron2"/>
-    <dgm:cxn modelId="{ED2C28D2-1D21-4ACC-9615-05B7C315FB71}" srcId="{5AED743B-61E9-43F0-B4E6-CD66C7CACB11}" destId="{BE52352C-80A7-475E-91A0-4B0CEE0CDF23}" srcOrd="1" destOrd="0" parTransId="{0602027C-38FA-4ADB-A052-417ED3C3D478}" sibTransId="{55BF2543-A05A-41D6-A03B-4C1DED0CB237}"/>
-    <dgm:cxn modelId="{2E02816A-F96C-4E95-A6CB-4B2F7405B118}" srcId="{5AED743B-61E9-43F0-B4E6-CD66C7CACB11}" destId="{ECDFAC5A-D544-48DA-BF62-DC3353AC7261}" srcOrd="2" destOrd="0" parTransId="{4711F111-FA7E-4043-9394-27597F37E6F0}" sibTransId="{BB9D707F-2FD6-4763-8325-803F031CE4BE}"/>
-    <dgm:cxn modelId="{3DBC46AB-29CD-4053-987E-221DB9D4EE32}" srcId="{5AED743B-61E9-43F0-B4E6-CD66C7CACB11}" destId="{114D2900-FC50-4787-8C61-DECB2CE00816}" srcOrd="3" destOrd="0" parTransId="{8860A4AD-82B8-48FF-A791-0C4CD1091151}" sibTransId="{019F6359-4067-4CF9-BEE4-307C2F73DA33}"/>
-    <dgm:cxn modelId="{29DBE6D3-474A-4F55-8BB0-E479E6642DA9}" type="presOf" srcId="{A6FC42F1-8649-433D-9B13-8FC48773CD49}" destId="{9CF3735A-CCD7-4F50-9021-657BDACFD415}" srcOrd="0" destOrd="0" presId="urn:microsoft.com/office/officeart/2005/8/layout/chevron2"/>
-    <dgm:cxn modelId="{6EDBDA24-93C6-46C5-B010-74FF3E20D067}" srcId="{C7EA4583-CA5B-4BE2-92D6-09EF84FBFF76}" destId="{A6FC42F1-8649-433D-9B13-8FC48773CD49}" srcOrd="0" destOrd="0" parTransId="{CF404E4D-17C7-4E8B-AE93-E687F4C24E16}" sibTransId="{3A7DE174-0F19-4201-ABB3-5CCA0BFF92FB}"/>
-    <dgm:cxn modelId="{46E12C17-7EA2-4F90-B116-D0381152200D}" type="presOf" srcId="{F5E93582-D4CF-493F-8AEA-CB61291F53F2}" destId="{CBE227D2-8DD8-40B8-868A-F1F854EF4D92}" srcOrd="0" destOrd="0" presId="urn:microsoft.com/office/officeart/2005/8/layout/chevron2"/>
-    <dgm:cxn modelId="{6675784E-C62F-4ADF-B64A-876D52A40E55}" srcId="{5AED743B-61E9-43F0-B4E6-CD66C7CACB11}" destId="{3783210F-2D22-48A3-9DEF-634F34D23F5E}" srcOrd="7" destOrd="0" parTransId="{BD8176A8-30CB-4707-BD0A-6C4B21C6B83D}" sibTransId="{75A3CEF8-48B0-46DB-BEEA-AE635FE6EE92}"/>
+    <dgm:cxn modelId="{ED3B1678-A19C-4A3F-B426-8EC5978ECF3D}" srcId="{2AB47238-3801-40FA-8976-C4E343ADE7EF}" destId="{098F6204-0E83-4C3B-BFDF-1D2E29E4C9D9}" srcOrd="0" destOrd="0" parTransId="{5D0C1F5F-4EE8-4238-923E-57049343506B}" sibTransId="{9A1CE265-430D-40BC-88C9-F35702551E59}"/>
     <dgm:cxn modelId="{1B4CDA78-2C34-43E2-AA55-190DA0273741}" srcId="{5AED743B-61E9-43F0-B4E6-CD66C7CACB11}" destId="{2AB47238-3801-40FA-8976-C4E343ADE7EF}" srcOrd="0" destOrd="0" parTransId="{C05944CC-497C-4FDE-B623-B47932F95FF1}" sibTransId="{444EF23E-8F95-442A-8E5A-3ACB6AE84EDC}"/>
     <dgm:cxn modelId="{6C49AA7A-88C5-4F57-800A-31869560C7E7}" type="presOf" srcId="{098F6204-0E83-4C3B-BFDF-1D2E29E4C9D9}" destId="{7D924C14-A286-407C-A494-2605EF842E87}" srcOrd="0" destOrd="0" presId="urn:microsoft.com/office/officeart/2005/8/layout/chevron2"/>
-    <dgm:cxn modelId="{D430984B-0736-4BF1-89ED-AE33CF27901C}" srcId="{5AED743B-61E9-43F0-B4E6-CD66C7CACB11}" destId="{F5E93582-D4CF-493F-8AEA-CB61291F53F2}" srcOrd="6" destOrd="0" parTransId="{23B3E744-C34A-4B39-97BC-1C846C5F207A}" sibTransId="{BF8B4164-3BEA-47A0-9C72-60655A9CA336}"/>
-    <dgm:cxn modelId="{ED3B1678-A19C-4A3F-B426-8EC5978ECF3D}" srcId="{2AB47238-3801-40FA-8976-C4E343ADE7EF}" destId="{098F6204-0E83-4C3B-BFDF-1D2E29E4C9D9}" srcOrd="0" destOrd="0" parTransId="{5D0C1F5F-4EE8-4238-923E-57049343506B}" sibTransId="{9A1CE265-430D-40BC-88C9-F35702551E59}"/>
-    <dgm:cxn modelId="{85DA4653-79A7-43AD-890B-F90CB8F6CD39}" type="presOf" srcId="{5AED743B-61E9-43F0-B4E6-CD66C7CACB11}" destId="{B04888FD-580F-4C89-9024-417C4037B260}" srcOrd="0" destOrd="0" presId="urn:microsoft.com/office/officeart/2005/8/layout/chevron2"/>
+    <dgm:cxn modelId="{D2FEFD7A-EABD-4D32-B2E2-1AA5710AE3D0}" type="presOf" srcId="{BE52352C-80A7-475E-91A0-4B0CEE0CDF23}" destId="{46DE062B-D172-4BF5-88A3-6686B42B8829}" srcOrd="0" destOrd="0" presId="urn:microsoft.com/office/officeart/2005/8/layout/chevron2"/>
+    <dgm:cxn modelId="{22C77E80-3500-4FC2-AB0B-C8F5A2819BF2}" type="presOf" srcId="{099A66E6-222C-4B30-87F7-4490B4108453}" destId="{B23AAA86-8260-4C63-858F-545D418AA6FE}" srcOrd="0" destOrd="0" presId="urn:microsoft.com/office/officeart/2005/8/layout/chevron2"/>
+    <dgm:cxn modelId="{878E2F86-B426-464A-9074-EB04F40BD0EC}" srcId="{BE52352C-80A7-475E-91A0-4B0CEE0CDF23}" destId="{D84E9FCD-AF1C-4F83-8C79-A17DD99A9BCE}" srcOrd="0" destOrd="0" parTransId="{4B135258-BA52-4204-A936-B9104120981B}" sibTransId="{BEFA0B19-F36F-4981-91B3-37D8E354A598}"/>
+    <dgm:cxn modelId="{EADEFE87-1F7D-4208-BEE3-3994957AE94D}" type="presOf" srcId="{3783210F-2D22-48A3-9DEF-634F34D23F5E}" destId="{934E52F8-1F31-421D-98B1-AF190D4E2E54}" srcOrd="0" destOrd="0" presId="urn:microsoft.com/office/officeart/2005/8/layout/chevron2"/>
+    <dgm:cxn modelId="{77C0C392-1936-404E-B5AC-3EA9706E0CDF}" type="presOf" srcId="{9FC8ECDD-A586-4FF1-8C8D-8EA1C24966AA}" destId="{1D11BA6A-8B5A-492E-9D05-2C356020F385}" srcOrd="0" destOrd="0" presId="urn:microsoft.com/office/officeart/2005/8/layout/chevron2"/>
+    <dgm:cxn modelId="{8D793F9D-713C-4383-8518-6CC354686E8B}" type="presOf" srcId="{D84E9FCD-AF1C-4F83-8C79-A17DD99A9BCE}" destId="{DD550D31-3E2A-4526-8E6B-FBCB4DC60A3D}" srcOrd="0" destOrd="0" presId="urn:microsoft.com/office/officeart/2005/8/layout/chevron2"/>
+    <dgm:cxn modelId="{3DBC46AB-29CD-4053-987E-221DB9D4EE32}" srcId="{5AED743B-61E9-43F0-B4E6-CD66C7CACB11}" destId="{114D2900-FC50-4787-8C61-DECB2CE00816}" srcOrd="3" destOrd="0" parTransId="{8860A4AD-82B8-48FF-A791-0C4CD1091151}" sibTransId="{019F6359-4067-4CF9-BEE4-307C2F73DA33}"/>
+    <dgm:cxn modelId="{9B1950B3-E964-42A0-9C90-AE07F17C84FF}" type="presOf" srcId="{ECDFAC5A-D544-48DA-BF62-DC3353AC7261}" destId="{06937BDD-E20F-46E1-A338-115FDE4E0538}" srcOrd="0" destOrd="0" presId="urn:microsoft.com/office/officeart/2005/8/layout/chevron2"/>
+    <dgm:cxn modelId="{E3C260BA-06DD-424A-B1D4-9A828E5190F9}" type="presOf" srcId="{2D743B1B-8FC7-4F4E-B56D-A09F4510C750}" destId="{BEE86D47-DEB0-47FE-BA07-F46E88E4EA5B}" srcOrd="0" destOrd="0" presId="urn:microsoft.com/office/officeart/2005/8/layout/chevron2"/>
     <dgm:cxn modelId="{F77E71BB-07A7-41DB-AC56-6E16D4959DF6}" srcId="{3783210F-2D22-48A3-9DEF-634F34D23F5E}" destId="{F41E29C7-3EE4-4764-AF21-CA42D9301D2B}" srcOrd="0" destOrd="0" parTransId="{06EB117A-2BCC-425A-A573-D3D332BBC7F8}" sibTransId="{59292C46-0AB7-49C3-B8E9-98E03658110D}"/>
-    <dgm:cxn modelId="{9B1950B3-E964-42A0-9C90-AE07F17C84FF}" type="presOf" srcId="{ECDFAC5A-D544-48DA-BF62-DC3353AC7261}" destId="{06937BDD-E20F-46E1-A338-115FDE4E0538}" srcOrd="0" destOrd="0" presId="urn:microsoft.com/office/officeart/2005/8/layout/chevron2"/>
-    <dgm:cxn modelId="{BA20B84C-8C58-40CD-ACCC-C82C99BD665B}" srcId="{ECDFAC5A-D544-48DA-BF62-DC3353AC7261}" destId="{B1FF64AE-C09C-4226-95B7-E1D9337A0C5F}" srcOrd="0" destOrd="0" parTransId="{997D330E-DAEB-4C5D-AB1E-E57359A15080}" sibTransId="{B61DA039-E95C-4144-9ADF-68313B45E866}"/>
-    <dgm:cxn modelId="{8D793F9D-713C-4383-8518-6CC354686E8B}" type="presOf" srcId="{D84E9FCD-AF1C-4F83-8C79-A17DD99A9BCE}" destId="{DD550D31-3E2A-4526-8E6B-FBCB4DC60A3D}" srcOrd="0" destOrd="0" presId="urn:microsoft.com/office/officeart/2005/8/layout/chevron2"/>
+    <dgm:cxn modelId="{D4AB0DC2-A09C-478A-9C4F-F1094E47C750}" srcId="{F5E93582-D4CF-493F-8AEA-CB61291F53F2}" destId="{9FC8ECDD-A586-4FF1-8C8D-8EA1C24966AA}" srcOrd="0" destOrd="0" parTransId="{8FC03BF6-5927-484E-99C7-6CCDD92F171D}" sibTransId="{FAEF433B-B297-4507-A5C9-630552C61BE6}"/>
+    <dgm:cxn modelId="{A61E55C6-A6ED-487F-AB2B-354A4F8F9E21}" type="presOf" srcId="{114D2900-FC50-4787-8C61-DECB2CE00816}" destId="{55DE034D-D8F4-4EE6-BC85-FD58D04C7D7C}" srcOrd="0" destOrd="0" presId="urn:microsoft.com/office/officeart/2005/8/layout/chevron2"/>
+    <dgm:cxn modelId="{95FE7EC9-8291-470D-A463-511A543256DE}" type="presOf" srcId="{C7EA4583-CA5B-4BE2-92D6-09EF84FBFF76}" destId="{8BA6A785-927D-4DE7-BA50-6A042BD6179A}" srcOrd="0" destOrd="0" presId="urn:microsoft.com/office/officeart/2005/8/layout/chevron2"/>
+    <dgm:cxn modelId="{ED2C28D2-1D21-4ACC-9615-05B7C315FB71}" srcId="{5AED743B-61E9-43F0-B4E6-CD66C7CACB11}" destId="{BE52352C-80A7-475E-91A0-4B0CEE0CDF23}" srcOrd="1" destOrd="0" parTransId="{0602027C-38FA-4ADB-A052-417ED3C3D478}" sibTransId="{55BF2543-A05A-41D6-A03B-4C1DED0CB237}"/>
+    <dgm:cxn modelId="{29DBE6D3-474A-4F55-8BB0-E479E6642DA9}" type="presOf" srcId="{A6FC42F1-8649-433D-9B13-8FC48773CD49}" destId="{9CF3735A-CCD7-4F50-9021-657BDACFD415}" srcOrd="0" destOrd="0" presId="urn:microsoft.com/office/officeart/2005/8/layout/chevron2"/>
+    <dgm:cxn modelId="{4C23E0E4-FE20-4E06-A4AE-9A7A0A14BB5A}" type="presOf" srcId="{2AB47238-3801-40FA-8976-C4E343ADE7EF}" destId="{7B9C61D3-E734-4A24-A944-215CF7A1B5A3}" srcOrd="0" destOrd="0" presId="urn:microsoft.com/office/officeart/2005/8/layout/chevron2"/>
+    <dgm:cxn modelId="{0DC6AEF0-300B-4139-BAFF-38D147864376}" type="presOf" srcId="{F41E29C7-3EE4-4764-AF21-CA42D9301D2B}" destId="{3A70B292-ED2A-479B-9C73-0AF5B65FCDA0}" srcOrd="0" destOrd="0" presId="urn:microsoft.com/office/officeart/2005/8/layout/chevron2"/>
     <dgm:cxn modelId="{FDD7D7E5-41BF-4DA9-960A-0D4C6C8C34DB}" type="presParOf" srcId="{B04888FD-580F-4C89-9024-417C4037B260}" destId="{3999A5B1-8852-4ED6-85FA-81154FB873CC}" srcOrd="0" destOrd="0" presId="urn:microsoft.com/office/officeart/2005/8/layout/chevron2"/>
     <dgm:cxn modelId="{F49ED93B-6E8C-4251-98F3-97B5557711A0}" type="presParOf" srcId="{3999A5B1-8852-4ED6-85FA-81154FB873CC}" destId="{7B9C61D3-E734-4A24-A944-215CF7A1B5A3}" srcOrd="0" destOrd="0" presId="urn:microsoft.com/office/officeart/2005/8/layout/chevron2"/>
     <dgm:cxn modelId="{0F02A7E5-3DBF-40D5-8F3D-5497443678A5}" type="presParOf" srcId="{3999A5B1-8852-4ED6-85FA-81154FB873CC}" destId="{7D924C14-A286-407C-A494-2605EF842E87}" srcOrd="1" destOrd="0" presId="urn:microsoft.com/office/officeart/2005/8/layout/chevron2"/>
@@ -6128,7 +5827,7 @@
         <a:lstStyle/>
         <a:p>
           <a:r>
-            <a:rPr lang="es-CO" sz="2400" b="1" dirty="0" smtClean="0"/>
+            <a:rPr lang="es-CO" sz="2400" b="1" dirty="0"/>
             <a:t>Capacitación Especializada</a:t>
           </a:r>
           <a:endParaRPr lang="en-US" sz="2400" dirty="0"/>
@@ -6165,7 +5864,7 @@
         <a:lstStyle/>
         <a:p>
           <a:r>
-            <a:rPr lang="es-CO" sz="2400" b="1" dirty="0" smtClean="0"/>
+            <a:rPr lang="es-CO" sz="2400" b="1" dirty="0"/>
             <a:t>Soporte Técnico</a:t>
           </a:r>
           <a:endParaRPr lang="en-US" sz="2400" dirty="0"/>
@@ -6202,7 +5901,7 @@
         <a:lstStyle/>
         <a:p>
           <a:r>
-            <a:rPr lang="es-CO" sz="2400" b="1" dirty="0" smtClean="0"/>
+            <a:rPr lang="es-CO" sz="2400" b="1" dirty="0"/>
             <a:t>Pólizas de Soporte</a:t>
           </a:r>
           <a:endParaRPr lang="en-US" sz="2400" dirty="0"/>
@@ -6239,7 +5938,7 @@
         <a:lstStyle/>
         <a:p>
           <a:r>
-            <a:rPr lang="es-CO" sz="2400" b="1" smtClean="0"/>
+            <a:rPr lang="es-CO" sz="2400" b="1"/>
             <a:t>Escritorio de Ayuda (Help Desk)</a:t>
           </a:r>
           <a:endParaRPr lang="en-US" sz="2400"/>
@@ -6276,7 +5975,7 @@
         <a:lstStyle/>
         <a:p>
           <a:r>
-            <a:rPr lang="es-CO" sz="2400" b="1" smtClean="0"/>
+            <a:rPr lang="es-CO" sz="2400" b="1"/>
             <a:t>Programas de Mantenimiento Preventivo de Software</a:t>
           </a:r>
           <a:endParaRPr lang="en-US" sz="2400"/>
@@ -6314,13 +6013,6 @@
         </dgm:presLayoutVars>
       </dgm:prSet>
       <dgm:spPr/>
-      <dgm:t>
-        <a:bodyPr/>
-        <a:lstStyle/>
-        <a:p>
-          <a:endParaRPr lang="es-ES_tradnl"/>
-        </a:p>
-      </dgm:t>
     </dgm:pt>
     <dgm:pt modelId="{B3797BF3-0919-4D5B-909C-BAA809A2D75F}" type="pres">
       <dgm:prSet presAssocID="{380781B0-254C-4D82-A2C0-F1E4B3631325}" presName="parentLin" presStyleCnt="0"/>
@@ -6329,13 +6021,6 @@
     <dgm:pt modelId="{DF6135BC-0412-48BE-8589-3C7B45004DFB}" type="pres">
       <dgm:prSet presAssocID="{380781B0-254C-4D82-A2C0-F1E4B3631325}" presName="parentLeftMargin" presStyleLbl="node1" presStyleIdx="0" presStyleCnt="5"/>
       <dgm:spPr/>
-      <dgm:t>
-        <a:bodyPr/>
-        <a:lstStyle/>
-        <a:p>
-          <a:endParaRPr lang="es-ES_tradnl"/>
-        </a:p>
-      </dgm:t>
     </dgm:pt>
     <dgm:pt modelId="{92742DCE-3D34-455E-BF95-EE9F0707F0A0}" type="pres">
       <dgm:prSet presAssocID="{380781B0-254C-4D82-A2C0-F1E4B3631325}" presName="parentText" presStyleLbl="node1" presStyleIdx="0" presStyleCnt="5">
@@ -6345,13 +6030,6 @@
         </dgm:presLayoutVars>
       </dgm:prSet>
       <dgm:spPr/>
-      <dgm:t>
-        <a:bodyPr/>
-        <a:lstStyle/>
-        <a:p>
-          <a:endParaRPr lang="en-US"/>
-        </a:p>
-      </dgm:t>
     </dgm:pt>
     <dgm:pt modelId="{22BB5DFD-43E3-4E15-B8B8-C3F5E03CDB29}" type="pres">
       <dgm:prSet presAssocID="{380781B0-254C-4D82-A2C0-F1E4B3631325}" presName="negativeSpace" presStyleCnt="0"/>
@@ -6376,13 +6054,6 @@
     <dgm:pt modelId="{7B09164E-FB59-47A3-8DE5-186D6520670E}" type="pres">
       <dgm:prSet presAssocID="{57DC3712-0EBD-4B0C-9989-509636E162B7}" presName="parentLeftMargin" presStyleLbl="node1" presStyleIdx="0" presStyleCnt="5"/>
       <dgm:spPr/>
-      <dgm:t>
-        <a:bodyPr/>
-        <a:lstStyle/>
-        <a:p>
-          <a:endParaRPr lang="es-ES_tradnl"/>
-        </a:p>
-      </dgm:t>
     </dgm:pt>
     <dgm:pt modelId="{1A3C3166-884D-4BCD-A480-75B8848B1F5E}" type="pres">
       <dgm:prSet presAssocID="{57DC3712-0EBD-4B0C-9989-509636E162B7}" presName="parentText" presStyleLbl="node1" presStyleIdx="1" presStyleCnt="5">
@@ -6392,13 +6063,6 @@
         </dgm:presLayoutVars>
       </dgm:prSet>
       <dgm:spPr/>
-      <dgm:t>
-        <a:bodyPr/>
-        <a:lstStyle/>
-        <a:p>
-          <a:endParaRPr lang="en-US"/>
-        </a:p>
-      </dgm:t>
     </dgm:pt>
     <dgm:pt modelId="{F8FD2140-8862-4760-9EB1-701FFE6CEB13}" type="pres">
       <dgm:prSet presAssocID="{57DC3712-0EBD-4B0C-9989-509636E162B7}" presName="negativeSpace" presStyleCnt="0"/>
@@ -6423,13 +6087,6 @@
     <dgm:pt modelId="{0C85B651-CF0C-48DA-8678-1B70E1920DFD}" type="pres">
       <dgm:prSet presAssocID="{3B0E049F-3F5E-42A6-89CD-C0E5C11B93AA}" presName="parentLeftMargin" presStyleLbl="node1" presStyleIdx="1" presStyleCnt="5"/>
       <dgm:spPr/>
-      <dgm:t>
-        <a:bodyPr/>
-        <a:lstStyle/>
-        <a:p>
-          <a:endParaRPr lang="es-ES_tradnl"/>
-        </a:p>
-      </dgm:t>
     </dgm:pt>
     <dgm:pt modelId="{25B1983F-25BA-4293-AA96-88EA2B55D481}" type="pres">
       <dgm:prSet presAssocID="{3B0E049F-3F5E-42A6-89CD-C0E5C11B93AA}" presName="parentText" presStyleLbl="node1" presStyleIdx="2" presStyleCnt="5">
@@ -6439,13 +6096,6 @@
         </dgm:presLayoutVars>
       </dgm:prSet>
       <dgm:spPr/>
-      <dgm:t>
-        <a:bodyPr/>
-        <a:lstStyle/>
-        <a:p>
-          <a:endParaRPr lang="en-US"/>
-        </a:p>
-      </dgm:t>
     </dgm:pt>
     <dgm:pt modelId="{D0E7949C-90E5-4255-9304-4FD6B275E02C}" type="pres">
       <dgm:prSet presAssocID="{3B0E049F-3F5E-42A6-89CD-C0E5C11B93AA}" presName="negativeSpace" presStyleCnt="0"/>
@@ -6470,13 +6120,6 @@
     <dgm:pt modelId="{6676AD6C-7269-49B4-9E38-91212FC1D701}" type="pres">
       <dgm:prSet presAssocID="{1BC2EDF8-7992-4384-8A45-349611E21345}" presName="parentLeftMargin" presStyleLbl="node1" presStyleIdx="2" presStyleCnt="5"/>
       <dgm:spPr/>
-      <dgm:t>
-        <a:bodyPr/>
-        <a:lstStyle/>
-        <a:p>
-          <a:endParaRPr lang="es-ES_tradnl"/>
-        </a:p>
-      </dgm:t>
     </dgm:pt>
     <dgm:pt modelId="{1A98280E-76C5-4230-AC9C-E91A99CB258E}" type="pres">
       <dgm:prSet presAssocID="{1BC2EDF8-7992-4384-8A45-349611E21345}" presName="parentText" presStyleLbl="node1" presStyleIdx="3" presStyleCnt="5">
@@ -6486,13 +6129,6 @@
         </dgm:presLayoutVars>
       </dgm:prSet>
       <dgm:spPr/>
-      <dgm:t>
-        <a:bodyPr/>
-        <a:lstStyle/>
-        <a:p>
-          <a:endParaRPr lang="es-ES_tradnl"/>
-        </a:p>
-      </dgm:t>
     </dgm:pt>
     <dgm:pt modelId="{45FAC23B-BA2B-48D7-8701-7708646098BC}" type="pres">
       <dgm:prSet presAssocID="{1BC2EDF8-7992-4384-8A45-349611E21345}" presName="negativeSpace" presStyleCnt="0"/>
@@ -6517,13 +6153,6 @@
     <dgm:pt modelId="{0E14C1F2-F8ED-41FC-9D32-1C1F37F6160D}" type="pres">
       <dgm:prSet presAssocID="{B999A4FA-A196-461C-AD4F-B51E09BE2BD3}" presName="parentLeftMargin" presStyleLbl="node1" presStyleIdx="3" presStyleCnt="5"/>
       <dgm:spPr/>
-      <dgm:t>
-        <a:bodyPr/>
-        <a:lstStyle/>
-        <a:p>
-          <a:endParaRPr lang="es-ES_tradnl"/>
-        </a:p>
-      </dgm:t>
     </dgm:pt>
     <dgm:pt modelId="{18718973-D6EB-48FC-B3DB-4836AE3209FC}" type="pres">
       <dgm:prSet presAssocID="{B999A4FA-A196-461C-AD4F-B51E09BE2BD3}" presName="parentText" presStyleLbl="node1" presStyleIdx="4" presStyleCnt="5">
@@ -6533,13 +6162,6 @@
         </dgm:presLayoutVars>
       </dgm:prSet>
       <dgm:spPr/>
-      <dgm:t>
-        <a:bodyPr/>
-        <a:lstStyle/>
-        <a:p>
-          <a:endParaRPr lang="es-ES_tradnl"/>
-        </a:p>
-      </dgm:t>
     </dgm:pt>
     <dgm:pt modelId="{DBD864DB-0F8D-470B-953E-958E60AB12BF}" type="pres">
       <dgm:prSet presAssocID="{B999A4FA-A196-461C-AD4F-B51E09BE2BD3}" presName="negativeSpace" presStyleCnt="0"/>
@@ -6555,22 +6177,22 @@
     </dgm:pt>
   </dgm:ptLst>
   <dgm:cxnLst>
+    <dgm:cxn modelId="{D8CFAE09-1510-4F52-9BEC-7B60797E5003}" srcId="{5744469D-28A9-4C46-B106-1ECC8349545E}" destId="{1BC2EDF8-7992-4384-8A45-349611E21345}" srcOrd="3" destOrd="0" parTransId="{E343D1FB-4723-4607-83D5-BC7FDB41747C}" sibTransId="{121C58B6-88E8-46BD-B92C-8CE422A2D138}"/>
+    <dgm:cxn modelId="{3CDF7E2F-F762-41AE-BE14-D742D0C04A8B}" srcId="{5744469D-28A9-4C46-B106-1ECC8349545E}" destId="{380781B0-254C-4D82-A2C0-F1E4B3631325}" srcOrd="0" destOrd="0" parTransId="{19FD1E5B-0AF1-475D-8BD6-52F74EA9AB14}" sibTransId="{71802A01-9C95-4D7A-96E6-881217D0F3D0}"/>
+    <dgm:cxn modelId="{AA4D9B35-AA83-4BA4-B94E-5144F177E6F6}" type="presOf" srcId="{3B0E049F-3F5E-42A6-89CD-C0E5C11B93AA}" destId="{25B1983F-25BA-4293-AA96-88EA2B55D481}" srcOrd="1" destOrd="0" presId="urn:microsoft.com/office/officeart/2005/8/layout/list1"/>
+    <dgm:cxn modelId="{8431D53F-C83A-4925-B14B-24D20B2A8F0C}" type="presOf" srcId="{5744469D-28A9-4C46-B106-1ECC8349545E}" destId="{E93B2D5A-EB05-43E5-94DE-8DC26AE52202}" srcOrd="0" destOrd="0" presId="urn:microsoft.com/office/officeart/2005/8/layout/list1"/>
+    <dgm:cxn modelId="{7D4EFA40-E491-4687-B1FA-8914DBBA0DCF}" type="presOf" srcId="{57DC3712-0EBD-4B0C-9989-509636E162B7}" destId="{1A3C3166-884D-4BCD-A480-75B8848B1F5E}" srcOrd="1" destOrd="0" presId="urn:microsoft.com/office/officeart/2005/8/layout/list1"/>
+    <dgm:cxn modelId="{546B8554-B51D-45B0-8F9E-0ED0648297A3}" srcId="{5744469D-28A9-4C46-B106-1ECC8349545E}" destId="{B999A4FA-A196-461C-AD4F-B51E09BE2BD3}" srcOrd="4" destOrd="0" parTransId="{695DC59E-9962-4E59-94ED-77219C771FA0}" sibTransId="{9777A7B0-D6A6-4940-982C-592F85E40EBD}"/>
+    <dgm:cxn modelId="{C70AF978-E926-47A3-AFC0-1823EB889305}" type="presOf" srcId="{3B0E049F-3F5E-42A6-89CD-C0E5C11B93AA}" destId="{0C85B651-CF0C-48DA-8678-1B70E1920DFD}" srcOrd="0" destOrd="0" presId="urn:microsoft.com/office/officeart/2005/8/layout/list1"/>
+    <dgm:cxn modelId="{FC0DE47B-96E8-4BB6-8E8B-61B547FD45F3}" type="presOf" srcId="{B999A4FA-A196-461C-AD4F-B51E09BE2BD3}" destId="{0E14C1F2-F8ED-41FC-9D32-1C1F37F6160D}" srcOrd="0" destOrd="0" presId="urn:microsoft.com/office/officeart/2005/8/layout/list1"/>
     <dgm:cxn modelId="{B596BE7E-0BEA-44D1-9BE7-F6015080F99A}" srcId="{5744469D-28A9-4C46-B106-1ECC8349545E}" destId="{3B0E049F-3F5E-42A6-89CD-C0E5C11B93AA}" srcOrd="2" destOrd="0" parTransId="{02FF73D6-9915-4568-880C-2E466D33FC21}" sibTransId="{0CE022CA-34E2-4777-9C0C-625F377D18AB}"/>
     <dgm:cxn modelId="{85CD5E8B-9A4F-4381-9732-E7B35D225382}" type="presOf" srcId="{1BC2EDF8-7992-4384-8A45-349611E21345}" destId="{6676AD6C-7269-49B4-9E38-91212FC1D701}" srcOrd="0" destOrd="0" presId="urn:microsoft.com/office/officeart/2005/8/layout/list1"/>
-    <dgm:cxn modelId="{435A2AE6-F059-4F77-83EC-085F764186D5}" type="presOf" srcId="{1BC2EDF8-7992-4384-8A45-349611E21345}" destId="{1A98280E-76C5-4230-AC9C-E91A99CB258E}" srcOrd="1" destOrd="0" presId="urn:microsoft.com/office/officeart/2005/8/layout/list1"/>
-    <dgm:cxn modelId="{FC0DE47B-96E8-4BB6-8E8B-61B547FD45F3}" type="presOf" srcId="{B999A4FA-A196-461C-AD4F-B51E09BE2BD3}" destId="{0E14C1F2-F8ED-41FC-9D32-1C1F37F6160D}" srcOrd="0" destOrd="0" presId="urn:microsoft.com/office/officeart/2005/8/layout/list1"/>
-    <dgm:cxn modelId="{3CDF7E2F-F762-41AE-BE14-D742D0C04A8B}" srcId="{5744469D-28A9-4C46-B106-1ECC8349545E}" destId="{380781B0-254C-4D82-A2C0-F1E4B3631325}" srcOrd="0" destOrd="0" parTransId="{19FD1E5B-0AF1-475D-8BD6-52F74EA9AB14}" sibTransId="{71802A01-9C95-4D7A-96E6-881217D0F3D0}"/>
-    <dgm:cxn modelId="{C70AF978-E926-47A3-AFC0-1823EB889305}" type="presOf" srcId="{3B0E049F-3F5E-42A6-89CD-C0E5C11B93AA}" destId="{0C85B651-CF0C-48DA-8678-1B70E1920DFD}" srcOrd="0" destOrd="0" presId="urn:microsoft.com/office/officeart/2005/8/layout/list1"/>
+    <dgm:cxn modelId="{FB81628C-46C6-48D5-8315-FB966A3CBAA1}" type="presOf" srcId="{57DC3712-0EBD-4B0C-9989-509636E162B7}" destId="{7B09164E-FB59-47A3-8DE5-186D6520670E}" srcOrd="0" destOrd="0" presId="urn:microsoft.com/office/officeart/2005/8/layout/list1"/>
+    <dgm:cxn modelId="{C1E73FA8-10BE-42AF-AD9A-A27FB9201880}" type="presOf" srcId="{380781B0-254C-4D82-A2C0-F1E4B3631325}" destId="{92742DCE-3D34-455E-BF95-EE9F0707F0A0}" srcOrd="1" destOrd="0" presId="urn:microsoft.com/office/officeart/2005/8/layout/list1"/>
     <dgm:cxn modelId="{37C077B0-340C-4D0E-8643-1333A3F03448}" type="presOf" srcId="{B999A4FA-A196-461C-AD4F-B51E09BE2BD3}" destId="{18718973-D6EB-48FC-B3DB-4836AE3209FC}" srcOrd="1" destOrd="0" presId="urn:microsoft.com/office/officeart/2005/8/layout/list1"/>
     <dgm:cxn modelId="{6A87E0BE-3F8D-4EB1-B258-F3B55C575931}" type="presOf" srcId="{380781B0-254C-4D82-A2C0-F1E4B3631325}" destId="{DF6135BC-0412-48BE-8589-3C7B45004DFB}" srcOrd="0" destOrd="0" presId="urn:microsoft.com/office/officeart/2005/8/layout/list1"/>
+    <dgm:cxn modelId="{435A2AE6-F059-4F77-83EC-085F764186D5}" type="presOf" srcId="{1BC2EDF8-7992-4384-8A45-349611E21345}" destId="{1A98280E-76C5-4230-AC9C-E91A99CB258E}" srcOrd="1" destOrd="0" presId="urn:microsoft.com/office/officeart/2005/8/layout/list1"/>
     <dgm:cxn modelId="{797862EF-6FE7-4F75-B9E6-778A5E587C33}" srcId="{5744469D-28A9-4C46-B106-1ECC8349545E}" destId="{57DC3712-0EBD-4B0C-9989-509636E162B7}" srcOrd="1" destOrd="0" parTransId="{FF0854A3-6FBE-4BCF-A12E-24A4DB0889EA}" sibTransId="{4FF13113-A6CB-44B4-9AE1-9AA4F76A503A}"/>
-    <dgm:cxn modelId="{D8CFAE09-1510-4F52-9BEC-7B60797E5003}" srcId="{5744469D-28A9-4C46-B106-1ECC8349545E}" destId="{1BC2EDF8-7992-4384-8A45-349611E21345}" srcOrd="3" destOrd="0" parTransId="{E343D1FB-4723-4607-83D5-BC7FDB41747C}" sibTransId="{121C58B6-88E8-46BD-B92C-8CE422A2D138}"/>
-    <dgm:cxn modelId="{7D4EFA40-E491-4687-B1FA-8914DBBA0DCF}" type="presOf" srcId="{57DC3712-0EBD-4B0C-9989-509636E162B7}" destId="{1A3C3166-884D-4BCD-A480-75B8848B1F5E}" srcOrd="1" destOrd="0" presId="urn:microsoft.com/office/officeart/2005/8/layout/list1"/>
-    <dgm:cxn modelId="{AA4D9B35-AA83-4BA4-B94E-5144F177E6F6}" type="presOf" srcId="{3B0E049F-3F5E-42A6-89CD-C0E5C11B93AA}" destId="{25B1983F-25BA-4293-AA96-88EA2B55D481}" srcOrd="1" destOrd="0" presId="urn:microsoft.com/office/officeart/2005/8/layout/list1"/>
-    <dgm:cxn modelId="{8431D53F-C83A-4925-B14B-24D20B2A8F0C}" type="presOf" srcId="{5744469D-28A9-4C46-B106-1ECC8349545E}" destId="{E93B2D5A-EB05-43E5-94DE-8DC26AE52202}" srcOrd="0" destOrd="0" presId="urn:microsoft.com/office/officeart/2005/8/layout/list1"/>
-    <dgm:cxn modelId="{FB81628C-46C6-48D5-8315-FB966A3CBAA1}" type="presOf" srcId="{57DC3712-0EBD-4B0C-9989-509636E162B7}" destId="{7B09164E-FB59-47A3-8DE5-186D6520670E}" srcOrd="0" destOrd="0" presId="urn:microsoft.com/office/officeart/2005/8/layout/list1"/>
-    <dgm:cxn modelId="{546B8554-B51D-45B0-8F9E-0ED0648297A3}" srcId="{5744469D-28A9-4C46-B106-1ECC8349545E}" destId="{B999A4FA-A196-461C-AD4F-B51E09BE2BD3}" srcOrd="4" destOrd="0" parTransId="{695DC59E-9962-4E59-94ED-77219C771FA0}" sibTransId="{9777A7B0-D6A6-4940-982C-592F85E40EBD}"/>
-    <dgm:cxn modelId="{C1E73FA8-10BE-42AF-AD9A-A27FB9201880}" type="presOf" srcId="{380781B0-254C-4D82-A2C0-F1E4B3631325}" destId="{92742DCE-3D34-455E-BF95-EE9F0707F0A0}" srcOrd="1" destOrd="0" presId="urn:microsoft.com/office/officeart/2005/8/layout/list1"/>
     <dgm:cxn modelId="{C67ECAC3-6EAF-4F05-891D-D7A4DE0CA13A}" type="presParOf" srcId="{E93B2D5A-EB05-43E5-94DE-8DC26AE52202}" destId="{B3797BF3-0919-4D5B-909C-BAA809A2D75F}" srcOrd="0" destOrd="0" presId="urn:microsoft.com/office/officeart/2005/8/layout/list1"/>
     <dgm:cxn modelId="{DA319598-46A7-431B-951C-0D4536D2B34E}" type="presParOf" srcId="{B3797BF3-0919-4D5B-909C-BAA809A2D75F}" destId="{DF6135BC-0412-48BE-8589-3C7B45004DFB}" srcOrd="0" destOrd="0" presId="urn:microsoft.com/office/officeart/2005/8/layout/list1"/>
     <dgm:cxn modelId="{22C76D0B-C7B2-452E-A91A-644BD90693E3}" type="presParOf" srcId="{B3797BF3-0919-4D5B-909C-BAA809A2D75F}" destId="{92742DCE-3D34-455E-BF95-EE9F0707F0A0}" srcOrd="1" destOrd="0" presId="urn:microsoft.com/office/officeart/2005/8/layout/list1"/>
@@ -6745,7 +6367,7 @@
         </a:bodyPr>
         <a:lstStyle/>
         <a:p>
-          <a:pPr lvl="0" algn="ctr" defTabSz="1066800">
+          <a:pPr marL="0" lvl="0" indent="0" algn="ctr" defTabSz="1066800">
             <a:lnSpc>
               <a:spcPct val="90000"/>
             </a:lnSpc>
@@ -6755,16 +6377,16 @@
             <a:spcAft>
               <a:spcPct val="35000"/>
             </a:spcAft>
+            <a:buNone/>
           </a:pPr>
           <a:r>
-            <a:rPr lang="en-US" sz="2400" kern="1200" dirty="0" smtClean="0"/>
+            <a:rPr lang="en-US" sz="2400" kern="1200" dirty="0"/>
             <a:t>SISTEMA DE INFORMACIÓN PARA </a:t>
           </a:r>
           <a:r>
-            <a:rPr lang="es-ES" sz="2400" kern="1200" dirty="0" smtClean="0"/>
+            <a:rPr lang="es-ES" sz="2400" kern="1200" dirty="0"/>
             <a:t>DETECTAR FRAUDE EN REDES ELÉCTRICAS</a:t>
           </a:r>
-          <a:endParaRPr lang="es-ES" sz="2400" kern="1200" dirty="0"/>
         </a:p>
       </dsp:txBody>
       <dsp:txXfrm>
@@ -6845,7 +6467,7 @@
         </a:bodyPr>
         <a:lstStyle/>
         <a:p>
-          <a:pPr lvl="0" algn="ctr" defTabSz="488950">
+          <a:pPr marL="0" lvl="0" indent="0" algn="ctr" defTabSz="488950">
             <a:lnSpc>
               <a:spcPct val="90000"/>
             </a:lnSpc>
@@ -6855,12 +6477,12 @@
             <a:spcAft>
               <a:spcPct val="35000"/>
             </a:spcAft>
+            <a:buNone/>
           </a:pPr>
           <a:r>
-            <a:rPr lang="es-ES" sz="1100" b="1" kern="1200" dirty="0" smtClean="0"/>
+            <a:rPr lang="es-ES" sz="1100" b="1" kern="1200" dirty="0"/>
             <a:t>Detectar los puntos de perdida de energía para reducir los índices de perdidas.</a:t>
           </a:r>
-          <a:endParaRPr lang="es-ES" sz="1100" b="1" kern="1200" dirty="0"/>
         </a:p>
       </dsp:txBody>
       <dsp:txXfrm>
@@ -6941,7 +6563,7 @@
         </a:bodyPr>
         <a:lstStyle/>
         <a:p>
-          <a:pPr lvl="0" algn="ctr" defTabSz="533400">
+          <a:pPr marL="0" lvl="0" indent="0" algn="ctr" defTabSz="533400">
             <a:lnSpc>
               <a:spcPct val="90000"/>
             </a:lnSpc>
@@ -6951,9 +6573,10 @@
             <a:spcAft>
               <a:spcPct val="35000"/>
             </a:spcAft>
+            <a:buNone/>
           </a:pPr>
           <a:r>
-            <a:rPr lang="es-CO" sz="1200" b="1" kern="1200" dirty="0" smtClean="0"/>
+            <a:rPr lang="es-CO" sz="1200" b="1" kern="1200" dirty="0"/>
             <a:t>Utilizar la infraestructura actual y la proyectada para mejorar la medición </a:t>
           </a:r>
           <a:endParaRPr lang="es-ES" sz="1200" b="1" kern="1200" dirty="0"/>
@@ -7037,7 +6660,7 @@
         </a:bodyPr>
         <a:lstStyle/>
         <a:p>
-          <a:pPr lvl="0" algn="ctr" defTabSz="622300">
+          <a:pPr marL="0" lvl="0" indent="0" algn="ctr" defTabSz="622300">
             <a:lnSpc>
               <a:spcPct val="90000"/>
             </a:lnSpc>
@@ -7047,12 +6670,12 @@
             <a:spcAft>
               <a:spcPct val="35000"/>
             </a:spcAft>
+            <a:buNone/>
           </a:pPr>
           <a:r>
-            <a:rPr lang="es-ES" sz="1400" b="1" kern="1200" dirty="0" smtClean="0"/>
+            <a:rPr lang="es-ES" sz="1400" b="1" kern="1200" dirty="0"/>
             <a:t>Diseñar una herramienta tecnológica que analice todos los datos de consumo</a:t>
           </a:r>
-          <a:endParaRPr lang="es-ES" sz="1400" b="1" kern="1200" dirty="0"/>
         </a:p>
       </dsp:txBody>
       <dsp:txXfrm>
@@ -7174,7 +6797,7 @@
         </a:bodyPr>
         <a:lstStyle/>
         <a:p>
-          <a:pPr lvl="0" algn="ctr" defTabSz="622300">
+          <a:pPr marL="0" lvl="0" indent="0" algn="ctr" defTabSz="622300">
             <a:lnSpc>
               <a:spcPct val="90000"/>
             </a:lnSpc>
@@ -7184,9 +6807,10 @@
             <a:spcAft>
               <a:spcPct val="35000"/>
             </a:spcAft>
+            <a:buNone/>
           </a:pPr>
           <a:r>
-            <a:rPr lang="es-CO" sz="1400" b="1" kern="1200" dirty="0" smtClean="0"/>
+            <a:rPr lang="es-CO" sz="1400" b="1" kern="1200" dirty="0"/>
             <a:t>Ubicación</a:t>
           </a:r>
           <a:endParaRPr lang="en-US" sz="1400" b="1" kern="1200" dirty="0"/>
@@ -7263,10 +6887,10 @@
             <a:spcAft>
               <a:spcPct val="15000"/>
             </a:spcAft>
-            <a:buChar char="••"/>
+            <a:buChar char="•"/>
           </a:pPr>
           <a:r>
-            <a:rPr lang="es-CO" sz="1400" kern="1200" dirty="0" smtClean="0"/>
+            <a:rPr lang="es-CO" sz="1400" kern="1200" dirty="0"/>
             <a:t>País: Colombia</a:t>
           </a:r>
           <a:endParaRPr lang="en-US" sz="1400" kern="1200" dirty="0"/>
@@ -7282,10 +6906,10 @@
             <a:spcAft>
               <a:spcPct val="15000"/>
             </a:spcAft>
-            <a:buChar char="••"/>
+            <a:buChar char="•"/>
           </a:pPr>
           <a:r>
-            <a:rPr lang="es-CO" sz="1400" kern="1200" dirty="0" smtClean="0"/>
+            <a:rPr lang="es-CO" sz="1400" kern="1200" dirty="0"/>
             <a:t>Zona: Costa Atlántica</a:t>
           </a:r>
           <a:endParaRPr lang="en-US" sz="1400" kern="1200" dirty="0"/>
@@ -7301,7 +6925,7 @@
             <a:spcAft>
               <a:spcPct val="15000"/>
             </a:spcAft>
-            <a:buChar char="••"/>
+            <a:buChar char="•"/>
           </a:pPr>
           <a:endParaRPr lang="en-US" sz="1400" kern="1200" dirty="0"/>
         </a:p>
@@ -7365,7 +6989,7 @@
         </a:bodyPr>
         <a:lstStyle/>
         <a:p>
-          <a:pPr lvl="0" algn="ctr" defTabSz="622300">
+          <a:pPr marL="0" lvl="0" indent="0" algn="ctr" defTabSz="622300">
             <a:lnSpc>
               <a:spcPct val="90000"/>
             </a:lnSpc>
@@ -7375,9 +6999,10 @@
             <a:spcAft>
               <a:spcPct val="35000"/>
             </a:spcAft>
+            <a:buNone/>
           </a:pPr>
           <a:r>
-            <a:rPr lang="es-CO" sz="1400" b="1" kern="1200" dirty="0" smtClean="0"/>
+            <a:rPr lang="es-CO" sz="1400" b="1" kern="1200" dirty="0"/>
             <a:t>Alternativa</a:t>
           </a:r>
           <a:endParaRPr lang="en-US" sz="1400" b="1" kern="1200" dirty="0"/>
@@ -7454,18 +7079,18 @@
             <a:spcAft>
               <a:spcPct val="15000"/>
             </a:spcAft>
-            <a:buChar char="••"/>
+            <a:buChar char="•"/>
           </a:pPr>
           <a:r>
-            <a:rPr lang="es-ES_tradnl" sz="1400" kern="1200" dirty="0" smtClean="0"/>
+            <a:rPr lang="es-ES_tradnl" sz="1400" kern="1200" dirty="0"/>
             <a:t>Contratar una empresa de tecnología para diseñar, construir e implementar sistemas de información a la medida para el control comercial y técnico a nivel de análisis de datos </a:t>
           </a:r>
           <a:r>
-            <a:rPr lang="es-ES_tradnl" sz="1400" kern="1200" smtClean="0"/>
+            <a:rPr lang="es-ES_tradnl" sz="1400" kern="1200"/>
             <a:t>de medida y </a:t>
           </a:r>
           <a:r>
-            <a:rPr lang="es-ES_tradnl" sz="1400" kern="1200" dirty="0" smtClean="0"/>
+            <a:rPr lang="es-ES_tradnl" sz="1400" kern="1200" dirty="0"/>
             <a:t>comprar maquinaria mejorada para realizar mediciones a nivel de transformadores de medición y distribución</a:t>
           </a:r>
           <a:endParaRPr lang="en-US" sz="1400" kern="1200" dirty="0"/>
@@ -7530,7 +7155,7 @@
         </a:bodyPr>
         <a:lstStyle/>
         <a:p>
-          <a:pPr lvl="0" algn="ctr" defTabSz="622300">
+          <a:pPr marL="0" lvl="0" indent="0" algn="ctr" defTabSz="622300">
             <a:lnSpc>
               <a:spcPct val="90000"/>
             </a:lnSpc>
@@ -7540,9 +7165,10 @@
             <a:spcAft>
               <a:spcPct val="35000"/>
             </a:spcAft>
+            <a:buNone/>
           </a:pPr>
           <a:r>
-            <a:rPr lang="es-CO" sz="1400" b="1" kern="1200" dirty="0" smtClean="0"/>
+            <a:rPr lang="es-CO" sz="1400" b="1" kern="1200" dirty="0"/>
             <a:t>Involucrados</a:t>
           </a:r>
           <a:endParaRPr lang="en-US" sz="1400" b="1" kern="1200" dirty="0"/>
@@ -7619,10 +7245,10 @@
             <a:spcAft>
               <a:spcPct val="15000"/>
             </a:spcAft>
-            <a:buChar char="••"/>
+            <a:buChar char="•"/>
           </a:pPr>
           <a:r>
-            <a:rPr lang="es-ES_tradnl" sz="1400" b="0" kern="1200" dirty="0" smtClean="0"/>
+            <a:rPr lang="es-ES_tradnl" sz="1400" b="0" kern="1200" dirty="0"/>
             <a:t>Empresas de Energía Colombianas</a:t>
           </a:r>
           <a:endParaRPr lang="en-US" sz="1400" b="0" kern="1200" dirty="0"/>
@@ -7638,10 +7264,10 @@
             <a:spcAft>
               <a:spcPct val="15000"/>
             </a:spcAft>
-            <a:buChar char="••"/>
+            <a:buChar char="•"/>
           </a:pPr>
           <a:r>
-            <a:rPr lang="es-ES_tradnl" sz="1400" b="0" kern="1200" dirty="0" smtClean="0"/>
+            <a:rPr lang="es-ES_tradnl" sz="1400" b="0" kern="1200" dirty="0"/>
             <a:t>Empresa de consultoría Ludus SAS (Patrocinador)</a:t>
           </a:r>
           <a:endParaRPr lang="en-US" sz="1400" b="0" kern="1200" dirty="0"/>
@@ -7657,10 +7283,10 @@
             <a:spcAft>
               <a:spcPct val="15000"/>
             </a:spcAft>
-            <a:buChar char="••"/>
+            <a:buChar char="•"/>
           </a:pPr>
           <a:r>
-            <a:rPr lang="es-ES_tradnl" sz="1400" b="0" kern="1200" dirty="0" smtClean="0"/>
+            <a:rPr lang="es-ES_tradnl" sz="1400" b="0" kern="1200" dirty="0"/>
             <a:t>CREG “Comisión de regulación de energía y gas”</a:t>
           </a:r>
           <a:endParaRPr lang="en-US" sz="1400" b="0" kern="1200" dirty="0"/>
@@ -7676,10 +7302,10 @@
             <a:spcAft>
               <a:spcPct val="15000"/>
             </a:spcAft>
-            <a:buChar char="••"/>
+            <a:buChar char="•"/>
           </a:pPr>
           <a:r>
-            <a:rPr lang="es-ES_tradnl" sz="1400" b="0" kern="1200" dirty="0" smtClean="0"/>
+            <a:rPr lang="es-ES_tradnl" sz="1400" b="0" kern="1200" dirty="0"/>
             <a:t>Sociedad</a:t>
           </a:r>
           <a:endParaRPr lang="en-US" sz="1400" b="0" kern="1200" dirty="0"/>
@@ -7695,10 +7321,10 @@
             <a:spcAft>
               <a:spcPct val="15000"/>
             </a:spcAft>
-            <a:buChar char="••"/>
+            <a:buChar char="•"/>
           </a:pPr>
           <a:r>
-            <a:rPr lang="es-ES_tradnl" sz="1400" b="0" kern="1200" dirty="0" smtClean="0"/>
+            <a:rPr lang="es-ES_tradnl" sz="1400" b="0" kern="1200" dirty="0"/>
             <a:t>Proveedores eléctricos</a:t>
           </a:r>
           <a:endParaRPr lang="en-US" sz="1400" b="0" kern="1200" dirty="0"/>
@@ -7714,10 +7340,10 @@
             <a:spcAft>
               <a:spcPct val="15000"/>
             </a:spcAft>
-            <a:buChar char="••"/>
+            <a:buChar char="•"/>
           </a:pPr>
           <a:r>
-            <a:rPr lang="es-ES_tradnl" sz="1400" b="0" kern="1200" dirty="0" smtClean="0"/>
+            <a:rPr lang="es-ES_tradnl" sz="1400" b="0" kern="1200" dirty="0"/>
             <a:t>ONG</a:t>
           </a:r>
           <a:endParaRPr lang="en-US" sz="1400" b="0" kern="1200" dirty="0"/>
@@ -7782,7 +7408,7 @@
         </a:bodyPr>
         <a:lstStyle/>
         <a:p>
-          <a:pPr lvl="0" algn="ctr" defTabSz="622300">
+          <a:pPr marL="0" lvl="0" indent="0" algn="ctr" defTabSz="622300">
             <a:lnSpc>
               <a:spcPct val="90000"/>
             </a:lnSpc>
@@ -7792,9 +7418,10 @@
             <a:spcAft>
               <a:spcPct val="35000"/>
             </a:spcAft>
+            <a:buNone/>
           </a:pPr>
           <a:r>
-            <a:rPr lang="es-CO" sz="1400" b="1" kern="1200" dirty="0" smtClean="0"/>
+            <a:rPr lang="es-CO" sz="1400" b="1" kern="1200" dirty="0"/>
             <a:t>Estudios Aplicados</a:t>
           </a:r>
           <a:endParaRPr lang="en-US" sz="1400" b="1" kern="1200" dirty="0"/>
@@ -7871,10 +7498,10 @@
             <a:spcAft>
               <a:spcPct val="15000"/>
             </a:spcAft>
-            <a:buChar char="••"/>
+            <a:buChar char="•"/>
           </a:pPr>
           <a:r>
-            <a:rPr lang="es-ES_tradnl" sz="1400" b="0" kern="1200" dirty="0" smtClean="0"/>
+            <a:rPr lang="es-ES_tradnl" sz="1400" b="0" kern="1200" dirty="0"/>
             <a:t>Estudio Legal</a:t>
           </a:r>
           <a:endParaRPr lang="en-US" sz="1400" b="0" kern="1200" dirty="0"/>
@@ -7890,10 +7517,10 @@
             <a:spcAft>
               <a:spcPct val="15000"/>
             </a:spcAft>
-            <a:buChar char="••"/>
+            <a:buChar char="•"/>
           </a:pPr>
           <a:r>
-            <a:rPr lang="es-ES_tradnl" sz="1400" b="0" kern="1200" dirty="0" smtClean="0"/>
+            <a:rPr lang="es-ES_tradnl" sz="1400" b="0" kern="1200" dirty="0"/>
             <a:t>Estudio de Mercado</a:t>
           </a:r>
           <a:endParaRPr lang="en-US" sz="1400" b="0" kern="1200" dirty="0"/>
@@ -7909,10 +7536,10 @@
             <a:spcAft>
               <a:spcPct val="15000"/>
             </a:spcAft>
-            <a:buChar char="••"/>
+            <a:buChar char="•"/>
           </a:pPr>
           <a:r>
-            <a:rPr lang="es-ES_tradnl" sz="1400" b="0" kern="1200" dirty="0" smtClean="0"/>
+            <a:rPr lang="es-ES_tradnl" sz="1400" b="0" kern="1200" dirty="0"/>
             <a:t>Estudio Financiero</a:t>
           </a:r>
           <a:endParaRPr lang="en-US" sz="1400" b="0" kern="1200" dirty="0"/>
@@ -7928,10 +7555,10 @@
             <a:spcAft>
               <a:spcPct val="15000"/>
             </a:spcAft>
-            <a:buChar char="••"/>
+            <a:buChar char="•"/>
           </a:pPr>
           <a:r>
-            <a:rPr lang="es-ES_tradnl" sz="1400" b="0" kern="1200" dirty="0" smtClean="0"/>
+            <a:rPr lang="es-ES_tradnl" sz="1400" b="0" kern="1200" dirty="0"/>
             <a:t>Estudio Ambiental</a:t>
           </a:r>
           <a:endParaRPr lang="en-US" sz="1400" b="0" kern="1200" dirty="0"/>
@@ -8008,7 +7635,7 @@
         </a:bodyPr>
         <a:lstStyle/>
         <a:p>
-          <a:pPr lvl="0" algn="ctr" defTabSz="466725">
+          <a:pPr marL="0" lvl="0" indent="0" algn="ctr" defTabSz="466725">
             <a:lnSpc>
               <a:spcPct val="90000"/>
             </a:lnSpc>
@@ -8018,6 +7645,7 @@
             <a:spcAft>
               <a:spcPct val="35000"/>
             </a:spcAft>
+            <a:buNone/>
           </a:pPr>
           <a:endParaRPr lang="en-US" sz="1050" kern="1200"/>
         </a:p>
@@ -8090,7 +7718,7 @@
             <a:spcAft>
               <a:spcPct val="15000"/>
             </a:spcAft>
-            <a:buChar char="••"/>
+            <a:buChar char="•"/>
           </a:pPr>
           <a:r>
             <a:rPr lang="en-US" sz="2000" kern="1200" dirty="0"/>
@@ -8162,7 +7790,7 @@
         </a:bodyPr>
         <a:lstStyle/>
         <a:p>
-          <a:pPr lvl="0" algn="ctr" defTabSz="466725">
+          <a:pPr marL="0" lvl="0" indent="0" algn="ctr" defTabSz="466725">
             <a:lnSpc>
               <a:spcPct val="90000"/>
             </a:lnSpc>
@@ -8172,6 +7800,7 @@
             <a:spcAft>
               <a:spcPct val="35000"/>
             </a:spcAft>
+            <a:buNone/>
           </a:pPr>
           <a:endParaRPr lang="en-US" sz="1050" kern="1200"/>
         </a:p>
@@ -8244,19 +7873,15 @@
             <a:spcAft>
               <a:spcPct val="15000"/>
             </a:spcAft>
-            <a:buChar char="••"/>
+            <a:buChar char="•"/>
           </a:pPr>
           <a:r>
-            <a:rPr lang="es-CO" sz="2000" kern="1200" noProof="0" dirty="0" smtClean="0"/>
+            <a:rPr lang="es-CO" sz="2000" kern="1200" noProof="0" dirty="0"/>
             <a:t>Instalación</a:t>
           </a:r>
           <a:r>
-            <a:rPr lang="en-US" sz="2000" kern="1200" dirty="0" smtClean="0"/>
-            <a:t> </a:t>
-          </a:r>
-          <a:r>
             <a:rPr lang="en-US" sz="2000" kern="1200" dirty="0"/>
-            <a:t>del servidor Ludus</a:t>
+            <a:t> del servidor Ludus</a:t>
           </a:r>
         </a:p>
       </dsp:txBody>
@@ -8319,7 +7944,7 @@
         </a:bodyPr>
         <a:lstStyle/>
         <a:p>
-          <a:pPr lvl="0" algn="ctr" defTabSz="466725">
+          <a:pPr marL="0" lvl="0" indent="0" algn="ctr" defTabSz="466725">
             <a:lnSpc>
               <a:spcPct val="90000"/>
             </a:lnSpc>
@@ -8329,6 +7954,7 @@
             <a:spcAft>
               <a:spcPct val="35000"/>
             </a:spcAft>
+            <a:buNone/>
           </a:pPr>
           <a:endParaRPr lang="en-US" sz="1050" kern="1200"/>
         </a:p>
@@ -8401,19 +8027,11 @@
             <a:spcAft>
               <a:spcPct val="15000"/>
             </a:spcAft>
-            <a:buChar char="••"/>
+            <a:buChar char="•"/>
           </a:pPr>
           <a:r>
             <a:rPr lang="en-US" sz="2000" kern="1200" dirty="0"/>
-            <a:t>Pruebas de conectividad entre el </a:t>
-          </a:r>
-          <a:r>
-            <a:rPr lang="en-US" sz="2000" kern="1200" dirty="0" smtClean="0"/>
-            <a:t>Data Warehouse - servidor </a:t>
-          </a:r>
-          <a:r>
-            <a:rPr lang="en-US" sz="2000" kern="1200" dirty="0"/>
-            <a:t>(</a:t>
+            <a:t>Pruebas de conectividad entre el Data Warehouse - servidor (</a:t>
           </a:r>
           <a:r>
             <a:rPr lang="es-CO" sz="2000" kern="1200" dirty="0"/>
@@ -8484,7 +8102,7 @@
         </a:bodyPr>
         <a:lstStyle/>
         <a:p>
-          <a:pPr lvl="0" algn="ctr" defTabSz="466725">
+          <a:pPr marL="0" lvl="0" indent="0" algn="ctr" defTabSz="466725">
             <a:lnSpc>
               <a:spcPct val="90000"/>
             </a:lnSpc>
@@ -8494,6 +8112,7 @@
             <a:spcAft>
               <a:spcPct val="35000"/>
             </a:spcAft>
+            <a:buNone/>
           </a:pPr>
           <a:endParaRPr lang="en-US" sz="1050" kern="1200"/>
         </a:p>
@@ -8566,7 +8185,7 @@
             <a:spcAft>
               <a:spcPct val="15000"/>
             </a:spcAft>
-            <a:buChar char="••"/>
+            <a:buChar char="•"/>
           </a:pPr>
           <a:r>
             <a:rPr lang="en-US" sz="2000" kern="1200" dirty="0"/>
@@ -8633,7 +8252,7 @@
         </a:bodyPr>
         <a:lstStyle/>
         <a:p>
-          <a:pPr lvl="0" algn="ctr" defTabSz="466725">
+          <a:pPr marL="0" lvl="0" indent="0" algn="ctr" defTabSz="466725">
             <a:lnSpc>
               <a:spcPct val="90000"/>
             </a:lnSpc>
@@ -8643,6 +8262,7 @@
             <a:spcAft>
               <a:spcPct val="35000"/>
             </a:spcAft>
+            <a:buNone/>
           </a:pPr>
           <a:endParaRPr lang="en-US" sz="1050" kern="1200"/>
         </a:p>
@@ -8715,23 +8335,11 @@
             <a:spcAft>
               <a:spcPct val="15000"/>
             </a:spcAft>
-            <a:buChar char="••"/>
+            <a:buChar char="•"/>
           </a:pPr>
           <a:r>
-            <a:rPr lang="en-US" sz="2000" kern="1200" dirty="0" smtClean="0"/>
-            <a:t>Instalación </a:t>
-          </a:r>
-          <a:r>
             <a:rPr lang="en-US" sz="2000" kern="1200" dirty="0"/>
-            <a:t>de la </a:t>
-          </a:r>
-          <a:r>
-            <a:rPr lang="en-US" sz="2000" kern="1200" dirty="0" smtClean="0"/>
-            <a:t>solución </a:t>
-          </a:r>
-          <a:r>
-            <a:rPr lang="en-US" sz="2000" kern="1200" dirty="0"/>
-            <a:t>BA</a:t>
+            <a:t>Instalación de la solución BA</a:t>
           </a:r>
         </a:p>
       </dsp:txBody>
@@ -8794,7 +8402,7 @@
         </a:bodyPr>
         <a:lstStyle/>
         <a:p>
-          <a:pPr lvl="0" algn="ctr" defTabSz="466725">
+          <a:pPr marL="0" lvl="0" indent="0" algn="ctr" defTabSz="466725">
             <a:lnSpc>
               <a:spcPct val="90000"/>
             </a:lnSpc>
@@ -8804,6 +8412,7 @@
             <a:spcAft>
               <a:spcPct val="35000"/>
             </a:spcAft>
+            <a:buNone/>
           </a:pPr>
           <a:endParaRPr lang="en-US" sz="1050" kern="1200"/>
         </a:p>
@@ -8876,19 +8485,11 @@
             <a:spcAft>
               <a:spcPct val="15000"/>
             </a:spcAft>
-            <a:buChar char="••"/>
+            <a:buChar char="•"/>
           </a:pPr>
           <a:r>
             <a:rPr lang="en-US" sz="2000" kern="1200" dirty="0"/>
-            <a:t>Pruebas de </a:t>
-          </a:r>
-          <a:r>
-            <a:rPr lang="en-US" sz="2000" kern="1200" dirty="0" smtClean="0"/>
-            <a:t>análisis </a:t>
-          </a:r>
-          <a:r>
-            <a:rPr lang="en-US" sz="2000" kern="1200" dirty="0"/>
-            <a:t>de datos</a:t>
+            <a:t>Pruebas de análisis de datos</a:t>
           </a:r>
         </a:p>
       </dsp:txBody>
@@ -8951,7 +8552,7 @@
         </a:bodyPr>
         <a:lstStyle/>
         <a:p>
-          <a:pPr lvl="0" algn="ctr" defTabSz="466725">
+          <a:pPr marL="0" lvl="0" indent="0" algn="ctr" defTabSz="466725">
             <a:lnSpc>
               <a:spcPct val="90000"/>
             </a:lnSpc>
@@ -8961,6 +8562,7 @@
             <a:spcAft>
               <a:spcPct val="35000"/>
             </a:spcAft>
+            <a:buNone/>
           </a:pPr>
           <a:endParaRPr lang="en-US" sz="1050" kern="1200"/>
         </a:p>
@@ -9033,15 +8635,11 @@
             <a:spcAft>
               <a:spcPct val="15000"/>
             </a:spcAft>
-            <a:buChar char="••"/>
+            <a:buChar char="•"/>
           </a:pPr>
           <a:r>
-            <a:rPr lang="en-US" sz="2000" kern="1200" dirty="0" smtClean="0"/>
-            <a:t>Creación </a:t>
-          </a:r>
-          <a:r>
             <a:rPr lang="en-US" sz="2000" kern="1200" dirty="0"/>
-            <a:t>de reportes</a:t>
+            <a:t>Creación de reportes</a:t>
           </a:r>
         </a:p>
       </dsp:txBody>
@@ -9104,7 +8702,7 @@
         </a:bodyPr>
         <a:lstStyle/>
         <a:p>
-          <a:pPr lvl="0" algn="ctr" defTabSz="466725">
+          <a:pPr marL="0" lvl="0" indent="0" algn="ctr" defTabSz="466725">
             <a:lnSpc>
               <a:spcPct val="90000"/>
             </a:lnSpc>
@@ -9114,6 +8712,7 @@
             <a:spcAft>
               <a:spcPct val="35000"/>
             </a:spcAft>
+            <a:buNone/>
           </a:pPr>
           <a:endParaRPr lang="en-US" sz="1050" kern="1200"/>
         </a:p>
@@ -9186,15 +8785,11 @@
             <a:spcAft>
               <a:spcPct val="15000"/>
             </a:spcAft>
-            <a:buChar char="••"/>
+            <a:buChar char="•"/>
           </a:pPr>
           <a:r>
-            <a:rPr lang="en-US" sz="2000" kern="1200" dirty="0" smtClean="0"/>
-            <a:t>Creación </a:t>
-          </a:r>
-          <a:r>
             <a:rPr lang="en-US" sz="2000" kern="1200" dirty="0"/>
-            <a:t>de diagramas y mapas</a:t>
+            <a:t>Creación de diagramas y mapas</a:t>
           </a:r>
         </a:p>
       </dsp:txBody>
@@ -9257,7 +8852,7 @@
         </a:bodyPr>
         <a:lstStyle/>
         <a:p>
-          <a:pPr lvl="0" algn="ctr" defTabSz="466725">
+          <a:pPr marL="0" lvl="0" indent="0" algn="ctr" defTabSz="466725">
             <a:lnSpc>
               <a:spcPct val="90000"/>
             </a:lnSpc>
@@ -9267,6 +8862,7 @@
             <a:spcAft>
               <a:spcPct val="35000"/>
             </a:spcAft>
+            <a:buNone/>
           </a:pPr>
           <a:endParaRPr lang="en-US" sz="1050" kern="1200"/>
         </a:p>
@@ -9339,15 +8935,11 @@
             <a:spcAft>
               <a:spcPct val="15000"/>
             </a:spcAft>
-            <a:buChar char="••"/>
+            <a:buChar char="•"/>
           </a:pPr>
           <a:r>
-            <a:rPr lang="en-US" sz="2000" kern="1200" dirty="0" smtClean="0"/>
-            <a:t>Presentación </a:t>
-          </a:r>
-          <a:r>
             <a:rPr lang="en-US" sz="2000" kern="1200" dirty="0"/>
-            <a:t>del Dashboard </a:t>
+            <a:t>Presentación del Dashboard </a:t>
           </a:r>
         </a:p>
       </dsp:txBody>
@@ -9470,7 +9062,7 @@
         </a:bodyPr>
         <a:lstStyle/>
         <a:p>
-          <a:pPr lvl="0" algn="l" defTabSz="1066800">
+          <a:pPr marL="0" lvl="0" indent="0" algn="l" defTabSz="1066800">
             <a:lnSpc>
               <a:spcPct val="90000"/>
             </a:lnSpc>
@@ -9480,9 +9072,10 @@
             <a:spcAft>
               <a:spcPct val="35000"/>
             </a:spcAft>
+            <a:buNone/>
           </a:pPr>
           <a:r>
-            <a:rPr lang="es-CO" sz="2400" b="1" kern="1200" dirty="0" smtClean="0"/>
+            <a:rPr lang="es-CO" sz="2400" b="1" kern="1200" dirty="0"/>
             <a:t>Capacitación Especializada</a:t>
           </a:r>
           <a:endParaRPr lang="en-US" sz="2400" kern="1200" dirty="0"/>
@@ -9595,7 +9188,7 @@
         </a:bodyPr>
         <a:lstStyle/>
         <a:p>
-          <a:pPr lvl="0" algn="l" defTabSz="1066800">
+          <a:pPr marL="0" lvl="0" indent="0" algn="l" defTabSz="1066800">
             <a:lnSpc>
               <a:spcPct val="90000"/>
             </a:lnSpc>
@@ -9605,9 +9198,10 @@
             <a:spcAft>
               <a:spcPct val="35000"/>
             </a:spcAft>
+            <a:buNone/>
           </a:pPr>
           <a:r>
-            <a:rPr lang="es-CO" sz="2400" b="1" kern="1200" dirty="0" smtClean="0"/>
+            <a:rPr lang="es-CO" sz="2400" b="1" kern="1200" dirty="0"/>
             <a:t>Soporte Técnico</a:t>
           </a:r>
           <a:endParaRPr lang="en-US" sz="2400" kern="1200" dirty="0"/>
@@ -9720,7 +9314,7 @@
         </a:bodyPr>
         <a:lstStyle/>
         <a:p>
-          <a:pPr lvl="0" algn="l" defTabSz="1066800">
+          <a:pPr marL="0" lvl="0" indent="0" algn="l" defTabSz="1066800">
             <a:lnSpc>
               <a:spcPct val="90000"/>
             </a:lnSpc>
@@ -9730,9 +9324,10 @@
             <a:spcAft>
               <a:spcPct val="35000"/>
             </a:spcAft>
+            <a:buNone/>
           </a:pPr>
           <a:r>
-            <a:rPr lang="es-CO" sz="2400" b="1" kern="1200" dirty="0" smtClean="0"/>
+            <a:rPr lang="es-CO" sz="2400" b="1" kern="1200" dirty="0"/>
             <a:t>Pólizas de Soporte</a:t>
           </a:r>
           <a:endParaRPr lang="en-US" sz="2400" kern="1200" dirty="0"/>
@@ -9845,7 +9440,7 @@
         </a:bodyPr>
         <a:lstStyle/>
         <a:p>
-          <a:pPr lvl="0" algn="l" defTabSz="1066800">
+          <a:pPr marL="0" lvl="0" indent="0" algn="l" defTabSz="1066800">
             <a:lnSpc>
               <a:spcPct val="90000"/>
             </a:lnSpc>
@@ -9855,9 +9450,10 @@
             <a:spcAft>
               <a:spcPct val="35000"/>
             </a:spcAft>
+            <a:buNone/>
           </a:pPr>
           <a:r>
-            <a:rPr lang="es-CO" sz="2400" b="1" kern="1200" smtClean="0"/>
+            <a:rPr lang="es-CO" sz="2400" b="1" kern="1200"/>
             <a:t>Programas de Mantenimiento Preventivo de Software</a:t>
           </a:r>
           <a:endParaRPr lang="en-US" sz="2400" kern="1200"/>
@@ -9970,7 +9566,7 @@
         </a:bodyPr>
         <a:lstStyle/>
         <a:p>
-          <a:pPr lvl="0" algn="l" defTabSz="1066800">
+          <a:pPr marL="0" lvl="0" indent="0" algn="l" defTabSz="1066800">
             <a:lnSpc>
               <a:spcPct val="90000"/>
             </a:lnSpc>
@@ -9980,9 +9576,10 @@
             <a:spcAft>
               <a:spcPct val="35000"/>
             </a:spcAft>
+            <a:buNone/>
           </a:pPr>
           <a:r>
-            <a:rPr lang="es-CO" sz="2400" b="1" kern="1200" smtClean="0"/>
+            <a:rPr lang="es-CO" sz="2400" b="1" kern="1200"/>
             <a:t>Escritorio de Ayuda (Help Desk)</a:t>
           </a:r>
           <a:endParaRPr lang="en-US" sz="2400" kern="1200"/>
@@ -15231,7 +14828,7 @@
           <a:p>
             <a:fld id="{366CF7EB-1E53-6E49-820E-FB2085D3B8B2}" type="datetimeFigureOut">
               <a:rPr lang="es-ES_tradnl" smtClean="0"/>
-              <a:t>17/04/2017</a:t>
+              <a:t>22/04/2017</a:t>
             </a:fld>
             <a:endParaRPr lang="es-ES_tradnl"/>
           </a:p>
@@ -15295,38 +14892,37 @@
           <a:p>
             <a:pPr lvl="0"/>
             <a:r>
-              <a:rPr lang="es-ES_tradnl" smtClean="0"/>
+              <a:rPr lang="es-ES_tradnl"/>
               <a:t>Haga clic para modificar el estilo de texto del patrón</a:t>
             </a:r>
           </a:p>
           <a:p>
             <a:pPr lvl="1"/>
             <a:r>
-              <a:rPr lang="es-ES_tradnl" smtClean="0"/>
+              <a:rPr lang="es-ES_tradnl"/>
               <a:t>Segundo nivel</a:t>
             </a:r>
           </a:p>
           <a:p>
             <a:pPr lvl="2"/>
             <a:r>
-              <a:rPr lang="es-ES_tradnl" smtClean="0"/>
+              <a:rPr lang="es-ES_tradnl"/>
               <a:t>Tercer nivel</a:t>
             </a:r>
           </a:p>
           <a:p>
             <a:pPr lvl="3"/>
             <a:r>
-              <a:rPr lang="es-ES_tradnl" smtClean="0"/>
+              <a:rPr lang="es-ES_tradnl"/>
               <a:t>Cuarto nivel</a:t>
             </a:r>
           </a:p>
           <a:p>
             <a:pPr lvl="4"/>
             <a:r>
-              <a:rPr lang="es-ES_tradnl" smtClean="0"/>
+              <a:rPr lang="es-ES_tradnl"/>
               <a:t>Quinto nivel</a:t>
             </a:r>
-            <a:endParaRPr lang="es-ES_tradnl"/>
           </a:p>
         </p:txBody>
       </p:sp>
@@ -15537,10 +15133,9 @@
           <a:lstStyle/>
           <a:p>
             <a:r>
-              <a:rPr lang="en-US" smtClean="0"/>
+              <a:rPr lang="en-US"/>
               <a:t>Click to edit Master title style</a:t>
             </a:r>
-            <a:endParaRPr lang="en-US"/>
           </a:p>
         </p:txBody>
       </p:sp>
@@ -15656,10 +15251,9 @@
           </a:lstStyle>
           <a:p>
             <a:r>
-              <a:rPr lang="en-US" smtClean="0"/>
+              <a:rPr lang="en-US"/>
               <a:t>Click to edit Master subtitle style</a:t>
             </a:r>
-            <a:endParaRPr lang="en-US"/>
           </a:p>
         </p:txBody>
       </p:sp>
@@ -15680,7 +15274,7 @@
           <a:p>
             <a:fld id="{2675365B-A26E-4577-B15C-2CF88CE88180}" type="datetimeFigureOut">
               <a:rPr lang="en-US" smtClean="0"/>
-              <a:t>4/17/2017</a:t>
+              <a:t>4/22/2017</a:t>
             </a:fld>
             <a:endParaRPr lang="en-US"/>
           </a:p>
@@ -15774,10 +15368,9 @@
           <a:lstStyle/>
           <a:p>
             <a:r>
-              <a:rPr lang="en-US" smtClean="0"/>
+              <a:rPr lang="en-US"/>
               <a:t>Click to edit Master title style</a:t>
             </a:r>
-            <a:endParaRPr lang="en-US"/>
           </a:p>
         </p:txBody>
       </p:sp>
@@ -15798,38 +15391,37 @@
           <a:p>
             <a:pPr lvl="0"/>
             <a:r>
-              <a:rPr lang="en-US" smtClean="0"/>
+              <a:rPr lang="en-US"/>
               <a:t>Click to edit Master text styles</a:t>
             </a:r>
           </a:p>
           <a:p>
             <a:pPr lvl="1"/>
             <a:r>
-              <a:rPr lang="en-US" smtClean="0"/>
+              <a:rPr lang="en-US"/>
               <a:t>Second level</a:t>
             </a:r>
           </a:p>
           <a:p>
             <a:pPr lvl="2"/>
             <a:r>
-              <a:rPr lang="en-US" smtClean="0"/>
+              <a:rPr lang="en-US"/>
               <a:t>Third level</a:t>
             </a:r>
           </a:p>
           <a:p>
             <a:pPr lvl="3"/>
             <a:r>
-              <a:rPr lang="en-US" smtClean="0"/>
+              <a:rPr lang="en-US"/>
               <a:t>Fourth level</a:t>
             </a:r>
           </a:p>
           <a:p>
             <a:pPr lvl="4"/>
             <a:r>
-              <a:rPr lang="en-US" smtClean="0"/>
+              <a:rPr lang="en-US"/>
               <a:t>Fifth level</a:t>
             </a:r>
-            <a:endParaRPr lang="en-US"/>
           </a:p>
         </p:txBody>
       </p:sp>
@@ -15850,7 +15442,7 @@
           <a:p>
             <a:fld id="{2675365B-A26E-4577-B15C-2CF88CE88180}" type="datetimeFigureOut">
               <a:rPr lang="en-US" smtClean="0"/>
-              <a:t>4/17/2017</a:t>
+              <a:t>4/22/2017</a:t>
             </a:fld>
             <a:endParaRPr lang="en-US"/>
           </a:p>
@@ -15949,10 +15541,9 @@
           <a:lstStyle/>
           <a:p>
             <a:r>
-              <a:rPr lang="en-US" smtClean="0"/>
+              <a:rPr lang="en-US"/>
               <a:t>Click to edit Master title style</a:t>
             </a:r>
-            <a:endParaRPr lang="en-US"/>
           </a:p>
         </p:txBody>
       </p:sp>
@@ -15978,38 +15569,37 @@
           <a:p>
             <a:pPr lvl="0"/>
             <a:r>
-              <a:rPr lang="en-US" smtClean="0"/>
+              <a:rPr lang="en-US"/>
               <a:t>Click to edit Master text styles</a:t>
             </a:r>
           </a:p>
           <a:p>
             <a:pPr lvl="1"/>
             <a:r>
-              <a:rPr lang="en-US" smtClean="0"/>
+              <a:rPr lang="en-US"/>
               <a:t>Second level</a:t>
             </a:r>
           </a:p>
           <a:p>
             <a:pPr lvl="2"/>
             <a:r>
-              <a:rPr lang="en-US" smtClean="0"/>
+              <a:rPr lang="en-US"/>
               <a:t>Third level</a:t>
             </a:r>
           </a:p>
           <a:p>
             <a:pPr lvl="3"/>
             <a:r>
-              <a:rPr lang="en-US" smtClean="0"/>
+              <a:rPr lang="en-US"/>
               <a:t>Fourth level</a:t>
             </a:r>
           </a:p>
           <a:p>
             <a:pPr lvl="4"/>
             <a:r>
-              <a:rPr lang="en-US" smtClean="0"/>
+              <a:rPr lang="en-US"/>
               <a:t>Fifth level</a:t>
             </a:r>
-            <a:endParaRPr lang="en-US"/>
           </a:p>
         </p:txBody>
       </p:sp>
@@ -16030,7 +15620,7 @@
           <a:p>
             <a:fld id="{2675365B-A26E-4577-B15C-2CF88CE88180}" type="datetimeFigureOut">
               <a:rPr lang="en-US" smtClean="0"/>
-              <a:t>4/17/2017</a:t>
+              <a:t>4/22/2017</a:t>
             </a:fld>
             <a:endParaRPr lang="en-US"/>
           </a:p>
@@ -16124,10 +15714,9 @@
           <a:lstStyle/>
           <a:p>
             <a:r>
-              <a:rPr lang="en-US" smtClean="0"/>
+              <a:rPr lang="en-US"/>
               <a:t>Click to edit Master title style</a:t>
             </a:r>
-            <a:endParaRPr lang="en-US"/>
           </a:p>
         </p:txBody>
       </p:sp>
@@ -16148,38 +15737,37 @@
           <a:p>
             <a:pPr lvl="0"/>
             <a:r>
-              <a:rPr lang="en-US" smtClean="0"/>
+              <a:rPr lang="en-US"/>
               <a:t>Click to edit Master text styles</a:t>
             </a:r>
           </a:p>
           <a:p>
             <a:pPr lvl="1"/>
             <a:r>
-              <a:rPr lang="en-US" smtClean="0"/>
+              <a:rPr lang="en-US"/>
               <a:t>Second level</a:t>
             </a:r>
           </a:p>
           <a:p>
             <a:pPr lvl="2"/>
             <a:r>
-              <a:rPr lang="en-US" smtClean="0"/>
+              <a:rPr lang="en-US"/>
               <a:t>Third level</a:t>
             </a:r>
           </a:p>
           <a:p>
             <a:pPr lvl="3"/>
             <a:r>
-              <a:rPr lang="en-US" smtClean="0"/>
+              <a:rPr lang="en-US"/>
               <a:t>Fourth level</a:t>
             </a:r>
           </a:p>
           <a:p>
             <a:pPr lvl="4"/>
             <a:r>
-              <a:rPr lang="en-US" smtClean="0"/>
+              <a:rPr lang="en-US"/>
               <a:t>Fifth level</a:t>
             </a:r>
-            <a:endParaRPr lang="en-US"/>
           </a:p>
         </p:txBody>
       </p:sp>
@@ -16200,7 +15788,7 @@
           <a:p>
             <a:fld id="{2675365B-A26E-4577-B15C-2CF88CE88180}" type="datetimeFigureOut">
               <a:rPr lang="en-US" smtClean="0"/>
-              <a:t>4/17/2017</a:t>
+              <a:t>4/22/2017</a:t>
             </a:fld>
             <a:endParaRPr lang="en-US"/>
           </a:p>
@@ -16303,10 +15891,9 @@
           </a:lstStyle>
           <a:p>
             <a:r>
-              <a:rPr lang="en-US" smtClean="0"/>
+              <a:rPr lang="en-US"/>
               <a:t>Click to edit Master title style</a:t>
             </a:r>
-            <a:endParaRPr lang="en-US"/>
           </a:p>
         </p:txBody>
       </p:sp>
@@ -16423,7 +16010,7 @@
           <a:p>
             <a:pPr lvl="0"/>
             <a:r>
-              <a:rPr lang="en-US" smtClean="0"/>
+              <a:rPr lang="en-US"/>
               <a:t>Click to edit Master text styles</a:t>
             </a:r>
           </a:p>
@@ -16446,7 +16033,7 @@
           <a:p>
             <a:fld id="{2675365B-A26E-4577-B15C-2CF88CE88180}" type="datetimeFigureOut">
               <a:rPr lang="en-US" smtClean="0"/>
-              <a:t>4/17/2017</a:t>
+              <a:t>4/22/2017</a:t>
             </a:fld>
             <a:endParaRPr lang="en-US"/>
           </a:p>
@@ -16540,10 +16127,9 @@
           <a:lstStyle/>
           <a:p>
             <a:r>
-              <a:rPr lang="en-US" smtClean="0"/>
+              <a:rPr lang="en-US"/>
               <a:t>Click to edit Master title style</a:t>
             </a:r>
-            <a:endParaRPr lang="en-US"/>
           </a:p>
         </p:txBody>
       </p:sp>
@@ -16597,38 +16183,37 @@
           <a:p>
             <a:pPr lvl="0"/>
             <a:r>
-              <a:rPr lang="en-US" smtClean="0"/>
+              <a:rPr lang="en-US"/>
               <a:t>Click to edit Master text styles</a:t>
             </a:r>
           </a:p>
           <a:p>
             <a:pPr lvl="1"/>
             <a:r>
-              <a:rPr lang="en-US" smtClean="0"/>
+              <a:rPr lang="en-US"/>
               <a:t>Second level</a:t>
             </a:r>
           </a:p>
           <a:p>
             <a:pPr lvl="2"/>
             <a:r>
-              <a:rPr lang="en-US" smtClean="0"/>
+              <a:rPr lang="en-US"/>
               <a:t>Third level</a:t>
             </a:r>
           </a:p>
           <a:p>
             <a:pPr lvl="3"/>
             <a:r>
-              <a:rPr lang="en-US" smtClean="0"/>
+              <a:rPr lang="en-US"/>
               <a:t>Fourth level</a:t>
             </a:r>
           </a:p>
           <a:p>
             <a:pPr lvl="4"/>
             <a:r>
-              <a:rPr lang="en-US" smtClean="0"/>
+              <a:rPr lang="en-US"/>
               <a:t>Fifth level</a:t>
             </a:r>
-            <a:endParaRPr lang="en-US"/>
           </a:p>
         </p:txBody>
       </p:sp>
@@ -16682,38 +16267,37 @@
           <a:p>
             <a:pPr lvl="0"/>
             <a:r>
-              <a:rPr lang="en-US" smtClean="0"/>
+              <a:rPr lang="en-US"/>
               <a:t>Click to edit Master text styles</a:t>
             </a:r>
           </a:p>
           <a:p>
             <a:pPr lvl="1"/>
             <a:r>
-              <a:rPr lang="en-US" smtClean="0"/>
+              <a:rPr lang="en-US"/>
               <a:t>Second level</a:t>
             </a:r>
           </a:p>
           <a:p>
             <a:pPr lvl="2"/>
             <a:r>
-              <a:rPr lang="en-US" smtClean="0"/>
+              <a:rPr lang="en-US"/>
               <a:t>Third level</a:t>
             </a:r>
           </a:p>
           <a:p>
             <a:pPr lvl="3"/>
             <a:r>
-              <a:rPr lang="en-US" smtClean="0"/>
+              <a:rPr lang="en-US"/>
               <a:t>Fourth level</a:t>
             </a:r>
           </a:p>
           <a:p>
             <a:pPr lvl="4"/>
             <a:r>
-              <a:rPr lang="en-US" smtClean="0"/>
+              <a:rPr lang="en-US"/>
               <a:t>Fifth level</a:t>
             </a:r>
-            <a:endParaRPr lang="en-US"/>
           </a:p>
         </p:txBody>
       </p:sp>
@@ -16734,7 +16318,7 @@
           <a:p>
             <a:fld id="{2675365B-A26E-4577-B15C-2CF88CE88180}" type="datetimeFigureOut">
               <a:rPr lang="en-US" smtClean="0"/>
-              <a:t>4/17/2017</a:t>
+              <a:t>4/22/2017</a:t>
             </a:fld>
             <a:endParaRPr lang="en-US"/>
           </a:p>
@@ -16832,10 +16416,9 @@
           </a:lstStyle>
           <a:p>
             <a:r>
-              <a:rPr lang="en-US" smtClean="0"/>
+              <a:rPr lang="en-US"/>
               <a:t>Click to edit Master title style</a:t>
             </a:r>
-            <a:endParaRPr lang="en-US"/>
           </a:p>
         </p:txBody>
       </p:sp>
@@ -16898,7 +16481,7 @@
           <a:p>
             <a:pPr lvl="0"/>
             <a:r>
-              <a:rPr lang="en-US" smtClean="0"/>
+              <a:rPr lang="en-US"/>
               <a:t>Click to edit Master text styles</a:t>
             </a:r>
           </a:p>
@@ -16954,38 +16537,37 @@
           <a:p>
             <a:pPr lvl="0"/>
             <a:r>
-              <a:rPr lang="en-US" smtClean="0"/>
+              <a:rPr lang="en-US"/>
               <a:t>Click to edit Master text styles</a:t>
             </a:r>
           </a:p>
           <a:p>
             <a:pPr lvl="1"/>
             <a:r>
-              <a:rPr lang="en-US" smtClean="0"/>
+              <a:rPr lang="en-US"/>
               <a:t>Second level</a:t>
             </a:r>
           </a:p>
           <a:p>
             <a:pPr lvl="2"/>
             <a:r>
-              <a:rPr lang="en-US" smtClean="0"/>
+              <a:rPr lang="en-US"/>
               <a:t>Third level</a:t>
             </a:r>
           </a:p>
           <a:p>
             <a:pPr lvl="3"/>
             <a:r>
-              <a:rPr lang="en-US" smtClean="0"/>
+              <a:rPr lang="en-US"/>
               <a:t>Fourth level</a:t>
             </a:r>
           </a:p>
           <a:p>
             <a:pPr lvl="4"/>
             <a:r>
-              <a:rPr lang="en-US" smtClean="0"/>
+              <a:rPr lang="en-US"/>
               <a:t>Fifth level</a:t>
             </a:r>
-            <a:endParaRPr lang="en-US"/>
           </a:p>
         </p:txBody>
       </p:sp>
@@ -17048,7 +16630,7 @@
           <a:p>
             <a:pPr lvl="0"/>
             <a:r>
-              <a:rPr lang="en-US" smtClean="0"/>
+              <a:rPr lang="en-US"/>
               <a:t>Click to edit Master text styles</a:t>
             </a:r>
           </a:p>
@@ -17104,38 +16686,37 @@
           <a:p>
             <a:pPr lvl="0"/>
             <a:r>
-              <a:rPr lang="en-US" smtClean="0"/>
+              <a:rPr lang="en-US"/>
               <a:t>Click to edit Master text styles</a:t>
             </a:r>
           </a:p>
           <a:p>
             <a:pPr lvl="1"/>
             <a:r>
-              <a:rPr lang="en-US" smtClean="0"/>
+              <a:rPr lang="en-US"/>
               <a:t>Second level</a:t>
             </a:r>
           </a:p>
           <a:p>
             <a:pPr lvl="2"/>
             <a:r>
-              <a:rPr lang="en-US" smtClean="0"/>
+              <a:rPr lang="en-US"/>
               <a:t>Third level</a:t>
             </a:r>
           </a:p>
           <a:p>
             <a:pPr lvl="3"/>
             <a:r>
-              <a:rPr lang="en-US" smtClean="0"/>
+              <a:rPr lang="en-US"/>
               <a:t>Fourth level</a:t>
             </a:r>
           </a:p>
           <a:p>
             <a:pPr lvl="4"/>
             <a:r>
-              <a:rPr lang="en-US" smtClean="0"/>
+              <a:rPr lang="en-US"/>
               <a:t>Fifth level</a:t>
             </a:r>
-            <a:endParaRPr lang="en-US"/>
           </a:p>
         </p:txBody>
       </p:sp>
@@ -17156,7 +16737,7 @@
           <a:p>
             <a:fld id="{2675365B-A26E-4577-B15C-2CF88CE88180}" type="datetimeFigureOut">
               <a:rPr lang="en-US" smtClean="0"/>
-              <a:t>4/17/2017</a:t>
+              <a:t>4/22/2017</a:t>
             </a:fld>
             <a:endParaRPr lang="en-US"/>
           </a:p>
@@ -17250,10 +16831,9 @@
           <a:lstStyle/>
           <a:p>
             <a:r>
-              <a:rPr lang="en-US" smtClean="0"/>
+              <a:rPr lang="en-US"/>
               <a:t>Click to edit Master title style</a:t>
             </a:r>
-            <a:endParaRPr lang="en-US"/>
           </a:p>
         </p:txBody>
       </p:sp>
@@ -17274,7 +16854,7 @@
           <a:p>
             <a:fld id="{2675365B-A26E-4577-B15C-2CF88CE88180}" type="datetimeFigureOut">
               <a:rPr lang="en-US" smtClean="0"/>
-              <a:t>4/17/2017</a:t>
+              <a:t>4/22/2017</a:t>
             </a:fld>
             <a:endParaRPr lang="en-US"/>
           </a:p>
@@ -17369,7 +16949,7 @@
           <a:p>
             <a:fld id="{2675365B-A26E-4577-B15C-2CF88CE88180}" type="datetimeFigureOut">
               <a:rPr lang="en-US" smtClean="0"/>
-              <a:t>4/17/2017</a:t>
+              <a:t>4/22/2017</a:t>
             </a:fld>
             <a:endParaRPr lang="en-US"/>
           </a:p>
@@ -17472,10 +17052,9 @@
           </a:lstStyle>
           <a:p>
             <a:r>
-              <a:rPr lang="en-US" smtClean="0"/>
+              <a:rPr lang="en-US"/>
               <a:t>Click to edit Master title style</a:t>
             </a:r>
-            <a:endParaRPr lang="en-US"/>
           </a:p>
         </p:txBody>
       </p:sp>
@@ -17529,38 +17108,37 @@
           <a:p>
             <a:pPr lvl="0"/>
             <a:r>
-              <a:rPr lang="en-US" smtClean="0"/>
+              <a:rPr lang="en-US"/>
               <a:t>Click to edit Master text styles</a:t>
             </a:r>
           </a:p>
           <a:p>
             <a:pPr lvl="1"/>
             <a:r>
-              <a:rPr lang="en-US" smtClean="0"/>
+              <a:rPr lang="en-US"/>
               <a:t>Second level</a:t>
             </a:r>
           </a:p>
           <a:p>
             <a:pPr lvl="2"/>
             <a:r>
-              <a:rPr lang="en-US" smtClean="0"/>
+              <a:rPr lang="en-US"/>
               <a:t>Third level</a:t>
             </a:r>
           </a:p>
           <a:p>
             <a:pPr lvl="3"/>
             <a:r>
-              <a:rPr lang="en-US" smtClean="0"/>
+              <a:rPr lang="en-US"/>
               <a:t>Fourth level</a:t>
             </a:r>
           </a:p>
           <a:p>
             <a:pPr lvl="4"/>
             <a:r>
-              <a:rPr lang="en-US" smtClean="0"/>
+              <a:rPr lang="en-US"/>
               <a:t>Fifth level</a:t>
             </a:r>
-            <a:endParaRPr lang="en-US"/>
           </a:p>
         </p:txBody>
       </p:sp>
@@ -17623,7 +17201,7 @@
           <a:p>
             <a:pPr lvl="0"/>
             <a:r>
-              <a:rPr lang="en-US" smtClean="0"/>
+              <a:rPr lang="en-US"/>
               <a:t>Click to edit Master text styles</a:t>
             </a:r>
           </a:p>
@@ -17646,7 +17224,7 @@
           <a:p>
             <a:fld id="{2675365B-A26E-4577-B15C-2CF88CE88180}" type="datetimeFigureOut">
               <a:rPr lang="en-US" smtClean="0"/>
-              <a:t>4/17/2017</a:t>
+              <a:t>4/22/2017</a:t>
             </a:fld>
             <a:endParaRPr lang="en-US"/>
           </a:p>
@@ -17749,10 +17327,9 @@
           </a:lstStyle>
           <a:p>
             <a:r>
-              <a:rPr lang="en-US" smtClean="0"/>
+              <a:rPr lang="en-US"/>
               <a:t>Click to edit Master title style</a:t>
             </a:r>
-            <a:endParaRPr lang="en-US"/>
           </a:p>
         </p:txBody>
       </p:sp>
@@ -17876,7 +17453,7 @@
           <a:p>
             <a:pPr lvl="0"/>
             <a:r>
-              <a:rPr lang="en-US" smtClean="0"/>
+              <a:rPr lang="en-US"/>
               <a:t>Click to edit Master text styles</a:t>
             </a:r>
           </a:p>
@@ -17899,7 +17476,7 @@
           <a:p>
             <a:fld id="{2675365B-A26E-4577-B15C-2CF88CE88180}" type="datetimeFigureOut">
               <a:rPr lang="en-US" smtClean="0"/>
-              <a:t>4/17/2017</a:t>
+              <a:t>4/22/2017</a:t>
             </a:fld>
             <a:endParaRPr lang="en-US"/>
           </a:p>
@@ -18008,10 +17585,9 @@
           <a:lstStyle/>
           <a:p>
             <a:r>
-              <a:rPr lang="en-US" smtClean="0"/>
+              <a:rPr lang="en-US"/>
               <a:t>Click to edit Master title style</a:t>
             </a:r>
-            <a:endParaRPr lang="en-US"/>
           </a:p>
         </p:txBody>
       </p:sp>
@@ -18042,38 +17618,37 @@
           <a:p>
             <a:pPr lvl="0"/>
             <a:r>
-              <a:rPr lang="en-US" smtClean="0"/>
+              <a:rPr lang="en-US"/>
               <a:t>Click to edit Master text styles</a:t>
             </a:r>
           </a:p>
           <a:p>
             <a:pPr lvl="1"/>
             <a:r>
-              <a:rPr lang="en-US" smtClean="0"/>
+              <a:rPr lang="en-US"/>
               <a:t>Second level</a:t>
             </a:r>
           </a:p>
           <a:p>
             <a:pPr lvl="2"/>
             <a:r>
-              <a:rPr lang="en-US" smtClean="0"/>
+              <a:rPr lang="en-US"/>
               <a:t>Third level</a:t>
             </a:r>
           </a:p>
           <a:p>
             <a:pPr lvl="3"/>
             <a:r>
-              <a:rPr lang="en-US" smtClean="0"/>
+              <a:rPr lang="en-US"/>
               <a:t>Fourth level</a:t>
             </a:r>
           </a:p>
           <a:p>
             <a:pPr lvl="4"/>
             <a:r>
-              <a:rPr lang="en-US" smtClean="0"/>
+              <a:rPr lang="en-US"/>
               <a:t>Fifth level</a:t>
             </a:r>
-            <a:endParaRPr lang="en-US"/>
           </a:p>
         </p:txBody>
       </p:sp>
@@ -18112,7 +17687,7 @@
           <a:p>
             <a:fld id="{2675365B-A26E-4577-B15C-2CF88CE88180}" type="datetimeFigureOut">
               <a:rPr lang="en-US" smtClean="0"/>
-              <a:t>4/17/2017</a:t>
+              <a:t>4/22/2017</a:t>
             </a:fld>
             <a:endParaRPr lang="en-US"/>
           </a:p>
@@ -18540,7 +18115,7 @@
           <a:lstStyle/>
           <a:p>
             <a:r>
-              <a:rPr lang="es-CO" sz="1200" dirty="0" smtClean="0">
+              <a:rPr lang="es-CO" sz="1200" dirty="0">
                 <a:solidFill>
                   <a:schemeClr val="tx1"/>
                 </a:solidFill>
@@ -18551,7 +18126,7 @@
             </a:r>
           </a:p>
           <a:p>
-            <a:endParaRPr lang="es-CO" sz="1200" dirty="0" smtClean="0">
+            <a:endParaRPr lang="es-CO" sz="1200" dirty="0">
               <a:solidFill>
                 <a:schemeClr val="tx1"/>
               </a:solidFill>
@@ -18561,20 +18136,12 @@
           </a:p>
           <a:p>
             <a:r>
-              <a:rPr lang="en-US" sz="1200" dirty="0" smtClean="0">
-                <a:solidFill>
-                  <a:schemeClr val="tx1"/>
-                </a:solidFill>
-              </a:rPr>
-              <a:t>Ángela </a:t>
-            </a:r>
-            <a:r>
               <a:rPr lang="en-US" sz="1200" dirty="0">
                 <a:solidFill>
                   <a:schemeClr val="tx1"/>
                 </a:solidFill>
               </a:rPr>
-              <a:t>Patricia Arenas Amado</a:t>
+              <a:t>Ángela Patricia Arenas Amado</a:t>
             </a:r>
           </a:p>
           <a:p>
@@ -18614,19 +18181,11 @@
                   <a:schemeClr val="tx1"/>
                 </a:solidFill>
               </a:rPr>
-              <a:t>Miguel Arturo Palacios </a:t>
-            </a:r>
-            <a:r>
-              <a:rPr lang="en-US" sz="1200" dirty="0" smtClean="0">
-                <a:solidFill>
-                  <a:schemeClr val="tx1"/>
-                </a:solidFill>
-              </a:rPr>
-              <a:t>Guerra</a:t>
+              <a:t>Miguel Arturo Palacios Guerra</a:t>
             </a:r>
           </a:p>
           <a:p>
-            <a:endParaRPr lang="en-US" sz="1200" dirty="0" smtClean="0">
+            <a:endParaRPr lang="en-US" sz="1200" dirty="0">
               <a:solidFill>
                 <a:schemeClr val="tx1"/>
               </a:solidFill>
@@ -18634,7 +18193,7 @@
           </a:p>
           <a:p>
             <a:r>
-              <a:rPr lang="en-US" sz="1200" dirty="0" smtClean="0">
+              <a:rPr lang="en-US" sz="1200" dirty="0">
                 <a:solidFill>
                   <a:schemeClr val="tx1"/>
                 </a:solidFill>
@@ -18644,7 +18203,7 @@
           </a:p>
           <a:p>
             <a:r>
-              <a:rPr lang="en-US" sz="1600" dirty="0" smtClean="0">
+              <a:rPr lang="en-US" sz="1600" dirty="0">
                 <a:solidFill>
                   <a:schemeClr val="tx1"/>
                 </a:solidFill>
@@ -18654,7 +18213,7 @@
           </a:p>
           <a:p>
             <a:r>
-              <a:rPr lang="es-CO" sz="1600" dirty="0" smtClean="0">
+              <a:rPr lang="es-CO" sz="1600" dirty="0">
                 <a:solidFill>
                   <a:schemeClr val="tx1"/>
                 </a:solidFill>
@@ -18761,13 +18320,6 @@
   <p:clrMapOvr>
     <a:masterClrMapping/>
   </p:clrMapOvr>
-  <p:timing>
-    <p:tnLst>
-      <p:par>
-        <p:cTn id="1" dur="indefinite" restart="never" nodeType="tmRoot"/>
-      </p:par>
-    </p:tnLst>
-  </p:timing>
 </p:sld>
 </file>
 
@@ -18894,7 +18446,7 @@
           <a:p>
             <a:pPr algn="l"/>
             <a:r>
-              <a:rPr lang="es-CO" sz="2000" b="1" i="1" dirty="0" smtClean="0">
+              <a:rPr lang="es-CO" sz="2000" b="1" i="1" dirty="0">
                 <a:solidFill>
                   <a:schemeClr val="tx2"/>
                 </a:solidFill>
@@ -18909,7 +18461,7 @@
               <a:t>7. </a:t>
             </a:r>
             <a:r>
-              <a:rPr lang="es-CO" sz="2200" b="1" i="1" dirty="0" smtClean="0">
+              <a:rPr lang="es-CO" sz="2200" b="1" i="1" dirty="0">
                 <a:solidFill>
                   <a:schemeClr val="tx2"/>
                 </a:solidFill>
@@ -18960,34 +18512,21 @@
           </a:bodyPr>
           <a:lstStyle/>
           <a:p>
+            <a:pPr algn="just"/>
             <a:r>
               <a:rPr lang="es-CO" sz="2400" dirty="0"/>
               <a:t>El proyecto se regirá por los procesos de administración establecidos por el cliente, y la administración y gerencia del mismo se ejecutará mediante las mejores prácticas del PMI y la Metodología PMP,  junto con los estándares y modelos para dicho proceso establecidos por Ludus. </a:t>
             </a:r>
           </a:p>
           <a:p>
+            <a:pPr algn="just"/>
             <a:endParaRPr lang="es-CO" sz="2400" dirty="0"/>
           </a:p>
           <a:p>
+            <a:pPr algn="just"/>
             <a:r>
               <a:rPr lang="es-CO" sz="2400" dirty="0"/>
-              <a:t>El proyecto contará con 4 fases generales en las cuales se </a:t>
-            </a:r>
-            <a:r>
-              <a:rPr lang="es-CO" sz="2400" dirty="0" smtClean="0"/>
-              <a:t>desarrollará </a:t>
-            </a:r>
-            <a:r>
-              <a:rPr lang="es-CO" sz="2400" dirty="0"/>
-              <a:t>la </a:t>
-            </a:r>
-            <a:r>
-              <a:rPr lang="es-CO" sz="2400" dirty="0" smtClean="0"/>
-              <a:t>solución para </a:t>
-            </a:r>
-            <a:r>
-              <a:rPr lang="es-CO" sz="2400" dirty="0"/>
-              <a:t>nuestro cliente:</a:t>
+              <a:t>El proyecto contará con 4 fases generales en las cuales se desarrollará la solución para nuestro cliente:</a:t>
             </a:r>
           </a:p>
           <a:p>
@@ -19045,13 +18584,6 @@
   <p:clrMapOvr>
     <a:masterClrMapping/>
   </p:clrMapOvr>
-  <p:timing>
-    <p:tnLst>
-      <p:par>
-        <p:cTn id="1" dur="indefinite" restart="never" nodeType="tmRoot"/>
-      </p:par>
-    </p:tnLst>
-  </p:timing>
 </p:sld>
 </file>
 
@@ -19200,7 +18732,7 @@
           <a:p>
             <a:pPr algn="l"/>
             <a:r>
-              <a:rPr lang="es-CO" sz="2000" b="1" i="1" dirty="0" smtClean="0">
+              <a:rPr lang="es-CO" sz="2000" b="1" i="1" dirty="0">
                 <a:solidFill>
                   <a:schemeClr val="tx2"/>
                 </a:solidFill>
@@ -19215,7 +18747,7 @@
               <a:t>   </a:t>
             </a:r>
             <a:r>
-              <a:rPr lang="es-CO" sz="2200" b="1" i="1" dirty="0" smtClean="0">
+              <a:rPr lang="es-CO" sz="2200" b="1" i="1" dirty="0">
                 <a:solidFill>
                   <a:schemeClr val="tx2"/>
                 </a:solidFill>
@@ -19254,13 +18786,6 @@
   <p:clrMapOvr>
     <a:masterClrMapping/>
   </p:clrMapOvr>
-  <p:timing>
-    <p:tnLst>
-      <p:par>
-        <p:cTn id="1" dur="indefinite" restart="never" nodeType="tmRoot"/>
-      </p:par>
-    </p:tnLst>
-  </p:timing>
 </p:sld>
 </file>
 
@@ -19439,7 +18964,7 @@
           <a:p>
             <a:pPr algn="l"/>
             <a:r>
-              <a:rPr lang="es-CO" sz="2000" b="1" i="1" dirty="0" smtClean="0">
+              <a:rPr lang="es-CO" sz="2000" b="1" i="1" dirty="0">
                 <a:solidFill>
                   <a:schemeClr val="tx2"/>
                 </a:solidFill>
@@ -19454,7 +18979,7 @@
               <a:t>8. </a:t>
             </a:r>
             <a:r>
-              <a:rPr lang="es-CO" sz="2200" b="1" i="1" dirty="0" smtClean="0">
+              <a:rPr lang="es-CO" sz="2200" b="1" i="1" dirty="0">
                 <a:solidFill>
                   <a:schemeClr val="tx2"/>
                 </a:solidFill>
@@ -19493,13 +19018,6 @@
   <p:clrMapOvr>
     <a:masterClrMapping/>
   </p:clrMapOvr>
-  <p:timing>
-    <p:tnLst>
-      <p:par>
-        <p:cTn id="1" dur="indefinite" restart="never" nodeType="tmRoot"/>
-      </p:par>
-    </p:tnLst>
-  </p:timing>
 </p:sld>
 </file>
 
@@ -19687,25 +19205,10 @@
                   </a:outerShdw>
                 </a:effectLst>
               </a:rPr>
-              <a:t>9</a:t>
+              <a:t>9. </a:t>
             </a:r>
             <a:r>
-              <a:rPr lang="es-CO" sz="2000" b="1" i="1" dirty="0" smtClean="0">
-                <a:solidFill>
-                  <a:schemeClr val="tx2"/>
-                </a:solidFill>
-                <a:effectLst>
-                  <a:outerShdw blurRad="38100" dist="38100" dir="2700000" algn="tl">
-                    <a:srgbClr val="000000">
-                      <a:alpha val="43137"/>
-                    </a:srgbClr>
-                  </a:outerShdw>
-                </a:effectLst>
-              </a:rPr>
-              <a:t>. </a:t>
-            </a:r>
-            <a:r>
-              <a:rPr lang="es-CO" sz="2200" b="1" i="1" dirty="0" smtClean="0">
+              <a:rPr lang="es-CO" sz="2200" b="1" i="1" dirty="0">
                 <a:solidFill>
                   <a:schemeClr val="tx2"/>
                 </a:solidFill>
@@ -19744,13 +19247,6 @@
   <p:clrMapOvr>
     <a:masterClrMapping/>
   </p:clrMapOvr>
-  <p:timing>
-    <p:tnLst>
-      <p:par>
-        <p:cTn id="1" dur="indefinite" restart="never" nodeType="tmRoot"/>
-      </p:par>
-    </p:tnLst>
-  </p:timing>
 </p:sld>
 </file>
 
@@ -19802,10 +19298,34 @@
                 <a:tableStyleId>{5C22544A-7EE6-4342-B048-85BDC9FD1C3A}</a:tableStyleId>
               </a:tblPr>
               <a:tblGrid>
-                <a:gridCol w="1469706"/>
-                <a:gridCol w="879380"/>
-                <a:gridCol w="894889"/>
-                <a:gridCol w="932490"/>
+                <a:gridCol w="1469706">
+                  <a:extLst>
+                    <a:ext uri="{9D8B030D-6E8A-4147-A177-3AD203B41FA5}">
+                      <a16:colId xmlns:a16="http://schemas.microsoft.com/office/drawing/2014/main" val="20000"/>
+                    </a:ext>
+                  </a:extLst>
+                </a:gridCol>
+                <a:gridCol w="879380">
+                  <a:extLst>
+                    <a:ext uri="{9D8B030D-6E8A-4147-A177-3AD203B41FA5}">
+                      <a16:colId xmlns:a16="http://schemas.microsoft.com/office/drawing/2014/main" val="20001"/>
+                    </a:ext>
+                  </a:extLst>
+                </a:gridCol>
+                <a:gridCol w="894889">
+                  <a:extLst>
+                    <a:ext uri="{9D8B030D-6E8A-4147-A177-3AD203B41FA5}">
+                      <a16:colId xmlns:a16="http://schemas.microsoft.com/office/drawing/2014/main" val="20002"/>
+                    </a:ext>
+                  </a:extLst>
+                </a:gridCol>
+                <a:gridCol w="932490">
+                  <a:extLst>
+                    <a:ext uri="{9D8B030D-6E8A-4147-A177-3AD203B41FA5}">
+                      <a16:colId xmlns:a16="http://schemas.microsoft.com/office/drawing/2014/main" val="20003"/>
+                    </a:ext>
+                  </a:extLst>
+                </a:gridCol>
               </a:tblGrid>
               <a:tr h="312068">
                 <a:tc>
@@ -19936,6 +19456,11 @@
                   </a:txBody>
                   <a:tcPr marL="68580" marR="68580" marT="0" marB="0" anchor="ctr"/>
                 </a:tc>
+                <a:extLst>
+                  <a:ext uri="{0D108BD9-81ED-4DB2-BD59-A6C34878D82A}">
+                    <a16:rowId xmlns:a16="http://schemas.microsoft.com/office/drawing/2014/main" val="10000"/>
+                  </a:ext>
+                </a:extLst>
               </a:tr>
               <a:tr h="156034">
                 <a:tc>
@@ -20042,6 +19567,11 @@
                   </a:txBody>
                   <a:tcPr marL="68580" marR="68580" marT="0" marB="0"/>
                 </a:tc>
+                <a:extLst>
+                  <a:ext uri="{0D108BD9-81ED-4DB2-BD59-A6C34878D82A}">
+                    <a16:rowId xmlns:a16="http://schemas.microsoft.com/office/drawing/2014/main" val="10001"/>
+                  </a:ext>
+                </a:extLst>
               </a:tr>
               <a:tr h="156034">
                 <a:tc>
@@ -20148,6 +19678,11 @@
                   </a:txBody>
                   <a:tcPr marL="68580" marR="68580" marT="0" marB="0"/>
                 </a:tc>
+                <a:extLst>
+                  <a:ext uri="{0D108BD9-81ED-4DB2-BD59-A6C34878D82A}">
+                    <a16:rowId xmlns:a16="http://schemas.microsoft.com/office/drawing/2014/main" val="10002"/>
+                  </a:ext>
+                </a:extLst>
               </a:tr>
               <a:tr h="156034">
                 <a:tc>
@@ -20254,6 +19789,11 @@
                   </a:txBody>
                   <a:tcPr marL="68580" marR="68580" marT="0" marB="0"/>
                 </a:tc>
+                <a:extLst>
+                  <a:ext uri="{0D108BD9-81ED-4DB2-BD59-A6C34878D82A}">
+                    <a16:rowId xmlns:a16="http://schemas.microsoft.com/office/drawing/2014/main" val="10003"/>
+                  </a:ext>
+                </a:extLst>
               </a:tr>
               <a:tr h="156034">
                 <a:tc>
@@ -20360,6 +19900,11 @@
                   </a:txBody>
                   <a:tcPr marL="68580" marR="68580" marT="0" marB="0"/>
                 </a:tc>
+                <a:extLst>
+                  <a:ext uri="{0D108BD9-81ED-4DB2-BD59-A6C34878D82A}">
+                    <a16:rowId xmlns:a16="http://schemas.microsoft.com/office/drawing/2014/main" val="10004"/>
+                  </a:ext>
+                </a:extLst>
               </a:tr>
               <a:tr h="156034">
                 <a:tc>
@@ -20466,6 +20011,11 @@
                   </a:txBody>
                   <a:tcPr marL="68580" marR="68580" marT="0" marB="0"/>
                 </a:tc>
+                <a:extLst>
+                  <a:ext uri="{0D108BD9-81ED-4DB2-BD59-A6C34878D82A}">
+                    <a16:rowId xmlns:a16="http://schemas.microsoft.com/office/drawing/2014/main" val="10005"/>
+                  </a:ext>
+                </a:extLst>
               </a:tr>
               <a:tr h="156034">
                 <a:tc>
@@ -20572,6 +20122,11 @@
                   </a:txBody>
                   <a:tcPr marL="68580" marR="68580" marT="0" marB="0"/>
                 </a:tc>
+                <a:extLst>
+                  <a:ext uri="{0D108BD9-81ED-4DB2-BD59-A6C34878D82A}">
+                    <a16:rowId xmlns:a16="http://schemas.microsoft.com/office/drawing/2014/main" val="10006"/>
+                  </a:ext>
+                </a:extLst>
               </a:tr>
               <a:tr h="156034">
                 <a:tc>
@@ -20678,6 +20233,11 @@
                   </a:txBody>
                   <a:tcPr marL="68580" marR="68580" marT="0" marB="0"/>
                 </a:tc>
+                <a:extLst>
+                  <a:ext uri="{0D108BD9-81ED-4DB2-BD59-A6C34878D82A}">
+                    <a16:rowId xmlns:a16="http://schemas.microsoft.com/office/drawing/2014/main" val="10007"/>
+                  </a:ext>
+                </a:extLst>
               </a:tr>
               <a:tr h="156034">
                 <a:tc>
@@ -20784,6 +20344,11 @@
                   </a:txBody>
                   <a:tcPr marL="68580" marR="68580" marT="0" marB="0"/>
                 </a:tc>
+                <a:extLst>
+                  <a:ext uri="{0D108BD9-81ED-4DB2-BD59-A6C34878D82A}">
+                    <a16:rowId xmlns:a16="http://schemas.microsoft.com/office/drawing/2014/main" val="10008"/>
+                  </a:ext>
+                </a:extLst>
               </a:tr>
             </a:tbl>
           </a:graphicData>
@@ -20879,11 +20444,41 @@
                 <a:tableStyleId>{5C22544A-7EE6-4342-B048-85BDC9FD1C3A}</a:tableStyleId>
               </a:tblPr>
               <a:tblGrid>
-                <a:gridCol w="1992620"/>
-                <a:gridCol w="1098511"/>
-                <a:gridCol w="916820"/>
-                <a:gridCol w="960602"/>
-                <a:gridCol w="1008112"/>
+                <a:gridCol w="1992620">
+                  <a:extLst>
+                    <a:ext uri="{9D8B030D-6E8A-4147-A177-3AD203B41FA5}">
+                      <a16:colId xmlns:a16="http://schemas.microsoft.com/office/drawing/2014/main" val="20000"/>
+                    </a:ext>
+                  </a:extLst>
+                </a:gridCol>
+                <a:gridCol w="1098511">
+                  <a:extLst>
+                    <a:ext uri="{9D8B030D-6E8A-4147-A177-3AD203B41FA5}">
+                      <a16:colId xmlns:a16="http://schemas.microsoft.com/office/drawing/2014/main" val="20001"/>
+                    </a:ext>
+                  </a:extLst>
+                </a:gridCol>
+                <a:gridCol w="916820">
+                  <a:extLst>
+                    <a:ext uri="{9D8B030D-6E8A-4147-A177-3AD203B41FA5}">
+                      <a16:colId xmlns:a16="http://schemas.microsoft.com/office/drawing/2014/main" val="20002"/>
+                    </a:ext>
+                  </a:extLst>
+                </a:gridCol>
+                <a:gridCol w="960602">
+                  <a:extLst>
+                    <a:ext uri="{9D8B030D-6E8A-4147-A177-3AD203B41FA5}">
+                      <a16:colId xmlns:a16="http://schemas.microsoft.com/office/drawing/2014/main" val="20003"/>
+                    </a:ext>
+                  </a:extLst>
+                </a:gridCol>
+                <a:gridCol w="1008112">
+                  <a:extLst>
+                    <a:ext uri="{9D8B030D-6E8A-4147-A177-3AD203B41FA5}">
+                      <a16:colId xmlns:a16="http://schemas.microsoft.com/office/drawing/2014/main" val="20004"/>
+                    </a:ext>
+                  </a:extLst>
+                </a:gridCol>
               </a:tblGrid>
               <a:tr h="381000">
                 <a:tc>
@@ -21016,6 +20611,11 @@
                   </a:txBody>
                   <a:tcPr marL="68580" marR="68580" marT="0" marB="0" anchor="ctr"/>
                 </a:tc>
+                <a:extLst>
+                  <a:ext uri="{0D108BD9-81ED-4DB2-BD59-A6C34878D82A}">
+                    <a16:rowId xmlns:a16="http://schemas.microsoft.com/office/drawing/2014/main" val="10000"/>
+                  </a:ext>
+                </a:extLst>
               </a:tr>
               <a:tr h="190500">
                 <a:tc>
@@ -21148,6 +20748,11 @@
                   </a:txBody>
                   <a:tcPr marL="68580" marR="68580" marT="0" marB="0"/>
                 </a:tc>
+                <a:extLst>
+                  <a:ext uri="{0D108BD9-81ED-4DB2-BD59-A6C34878D82A}">
+                    <a16:rowId xmlns:a16="http://schemas.microsoft.com/office/drawing/2014/main" val="10001"/>
+                  </a:ext>
+                </a:extLst>
               </a:tr>
               <a:tr h="190500">
                 <a:tc>
@@ -21280,6 +20885,11 @@
                   </a:txBody>
                   <a:tcPr marL="68580" marR="68580" marT="0" marB="0"/>
                 </a:tc>
+                <a:extLst>
+                  <a:ext uri="{0D108BD9-81ED-4DB2-BD59-A6C34878D82A}">
+                    <a16:rowId xmlns:a16="http://schemas.microsoft.com/office/drawing/2014/main" val="10002"/>
+                  </a:ext>
+                </a:extLst>
               </a:tr>
               <a:tr h="190500">
                 <a:tc>
@@ -21412,6 +21022,11 @@
                   </a:txBody>
                   <a:tcPr marL="68580" marR="68580" marT="0" marB="0"/>
                 </a:tc>
+                <a:extLst>
+                  <a:ext uri="{0D108BD9-81ED-4DB2-BD59-A6C34878D82A}">
+                    <a16:rowId xmlns:a16="http://schemas.microsoft.com/office/drawing/2014/main" val="10003"/>
+                  </a:ext>
+                </a:extLst>
               </a:tr>
               <a:tr h="190500">
                 <a:tc>
@@ -21544,6 +21159,11 @@
                   </a:txBody>
                   <a:tcPr marL="68580" marR="68580" marT="0" marB="0"/>
                 </a:tc>
+                <a:extLst>
+                  <a:ext uri="{0D108BD9-81ED-4DB2-BD59-A6C34878D82A}">
+                    <a16:rowId xmlns:a16="http://schemas.microsoft.com/office/drawing/2014/main" val="10004"/>
+                  </a:ext>
+                </a:extLst>
               </a:tr>
               <a:tr h="190500">
                 <a:tc>
@@ -21676,6 +21296,11 @@
                   </a:txBody>
                   <a:tcPr marL="68580" marR="68580" marT="0" marB="0"/>
                 </a:tc>
+                <a:extLst>
+                  <a:ext uri="{0D108BD9-81ED-4DB2-BD59-A6C34878D82A}">
+                    <a16:rowId xmlns:a16="http://schemas.microsoft.com/office/drawing/2014/main" val="10005"/>
+                  </a:ext>
+                </a:extLst>
               </a:tr>
               <a:tr h="190500">
                 <a:tc>
@@ -21808,6 +21433,11 @@
                   </a:txBody>
                   <a:tcPr marL="68580" marR="68580" marT="0" marB="0"/>
                 </a:tc>
+                <a:extLst>
+                  <a:ext uri="{0D108BD9-81ED-4DB2-BD59-A6C34878D82A}">
+                    <a16:rowId xmlns:a16="http://schemas.microsoft.com/office/drawing/2014/main" val="10006"/>
+                  </a:ext>
+                </a:extLst>
               </a:tr>
             </a:tbl>
           </a:graphicData>
@@ -21919,7 +21549,7 @@
           <a:p>
             <a:pPr algn="l"/>
             <a:r>
-              <a:rPr lang="es-CO" sz="2000" b="1" i="1" dirty="0" smtClean="0">
+              <a:rPr lang="es-CO" sz="2000" b="1" i="1" dirty="0">
                 <a:solidFill>
                   <a:schemeClr val="tx2"/>
                 </a:solidFill>
@@ -21934,7 +21564,7 @@
               <a:t>10. </a:t>
             </a:r>
             <a:r>
-              <a:rPr lang="es-CO" sz="2200" b="1" i="1" dirty="0" smtClean="0">
+              <a:rPr lang="es-CO" sz="2200" b="1" i="1" dirty="0">
                 <a:solidFill>
                   <a:schemeClr val="tx2"/>
                 </a:solidFill>
@@ -21973,13 +21603,6 @@
   <p:clrMapOvr>
     <a:overrideClrMapping bg1="lt1" tx1="dk1" bg2="lt2" tx2="dk2" accent1="accent1" accent2="accent2" accent3="accent3" accent4="accent4" accent5="accent5" accent6="accent6" hlink="hlink" folHlink="folHlink"/>
   </p:clrMapOvr>
-  <p:timing>
-    <p:tnLst>
-      <p:par>
-        <p:cTn id="1" dur="indefinite" restart="never" nodeType="tmRoot"/>
-      </p:par>
-    </p:tnLst>
-  </p:timing>
 </p:sld>
 </file>
 
@@ -22148,7 +21771,7 @@
           <a:p>
             <a:pPr algn="l"/>
             <a:r>
-              <a:rPr lang="es-CO" sz="2000" b="1" i="1" dirty="0" smtClean="0">
+              <a:rPr lang="es-CO" sz="2000" b="1" i="1" dirty="0">
                 <a:solidFill>
                   <a:schemeClr val="tx2"/>
                 </a:solidFill>
@@ -22163,7 +21786,7 @@
               <a:t>10. </a:t>
             </a:r>
             <a:r>
-              <a:rPr lang="es-CO" sz="2200" b="1" i="1" dirty="0" smtClean="0">
+              <a:rPr lang="es-CO" sz="2200" b="1" i="1" dirty="0">
                 <a:solidFill>
                   <a:schemeClr val="tx2"/>
                 </a:solidFill>
@@ -22202,13 +21825,6 @@
   <p:clrMapOvr>
     <a:masterClrMapping/>
   </p:clrMapOvr>
-  <p:timing>
-    <p:tnLst>
-      <p:par>
-        <p:cTn id="1" dur="indefinite" restart="never" nodeType="tmRoot"/>
-      </p:par>
-    </p:tnLst>
-  </p:timing>
 </p:sld>
 </file>
 
@@ -22255,10 +21871,34 @@
                 <a:tableStyleId>{5C22544A-7EE6-4342-B048-85BDC9FD1C3A}</a:tableStyleId>
               </a:tblPr>
               <a:tblGrid>
-                <a:gridCol w="1080120"/>
-                <a:gridCol w="2016224"/>
-                <a:gridCol w="3024336"/>
-                <a:gridCol w="2016223"/>
+                <a:gridCol w="1080120">
+                  <a:extLst>
+                    <a:ext uri="{9D8B030D-6E8A-4147-A177-3AD203B41FA5}">
+                      <a16:colId xmlns:a16="http://schemas.microsoft.com/office/drawing/2014/main" val="20000"/>
+                    </a:ext>
+                  </a:extLst>
+                </a:gridCol>
+                <a:gridCol w="2016224">
+                  <a:extLst>
+                    <a:ext uri="{9D8B030D-6E8A-4147-A177-3AD203B41FA5}">
+                      <a16:colId xmlns:a16="http://schemas.microsoft.com/office/drawing/2014/main" val="20001"/>
+                    </a:ext>
+                  </a:extLst>
+                </a:gridCol>
+                <a:gridCol w="3024336">
+                  <a:extLst>
+                    <a:ext uri="{9D8B030D-6E8A-4147-A177-3AD203B41FA5}">
+                      <a16:colId xmlns:a16="http://schemas.microsoft.com/office/drawing/2014/main" val="20002"/>
+                    </a:ext>
+                  </a:extLst>
+                </a:gridCol>
+                <a:gridCol w="2016223">
+                  <a:extLst>
+                    <a:ext uri="{9D8B030D-6E8A-4147-A177-3AD203B41FA5}">
+                      <a16:colId xmlns:a16="http://schemas.microsoft.com/office/drawing/2014/main" val="20003"/>
+                    </a:ext>
+                  </a:extLst>
+                </a:gridCol>
               </a:tblGrid>
               <a:tr h="150665">
                 <a:tc>
@@ -22365,6 +22005,11 @@
                   </a:txBody>
                   <a:tcPr marL="54239" marR="54239" marT="0" marB="0"/>
                 </a:tc>
+                <a:extLst>
+                  <a:ext uri="{0D108BD9-81ED-4DB2-BD59-A6C34878D82A}">
+                    <a16:rowId xmlns:a16="http://schemas.microsoft.com/office/drawing/2014/main" val="10000"/>
+                  </a:ext>
+                </a:extLst>
               </a:tr>
               <a:tr h="650871">
                 <a:tc>
@@ -22471,6 +22116,11 @@
                   </a:txBody>
                   <a:tcPr marL="54239" marR="54239" marT="0" marB="0"/>
                 </a:tc>
+                <a:extLst>
+                  <a:ext uri="{0D108BD9-81ED-4DB2-BD59-A6C34878D82A}">
+                    <a16:rowId xmlns:a16="http://schemas.microsoft.com/office/drawing/2014/main" val="10001"/>
+                  </a:ext>
+                </a:extLst>
               </a:tr>
               <a:tr h="957808">
                 <a:tc>
@@ -22577,6 +22227,11 @@
                   </a:txBody>
                   <a:tcPr marL="54239" marR="54239" marT="0" marB="0"/>
                 </a:tc>
+                <a:extLst>
+                  <a:ext uri="{0D108BD9-81ED-4DB2-BD59-A6C34878D82A}">
+                    <a16:rowId xmlns:a16="http://schemas.microsoft.com/office/drawing/2014/main" val="10002"/>
+                  </a:ext>
+                </a:extLst>
               </a:tr>
               <a:tr h="451994">
                 <a:tc>
@@ -22683,6 +22338,11 @@
                   </a:txBody>
                   <a:tcPr marL="54239" marR="54239" marT="0" marB="0"/>
                 </a:tc>
+                <a:extLst>
+                  <a:ext uri="{0D108BD9-81ED-4DB2-BD59-A6C34878D82A}">
+                    <a16:rowId xmlns:a16="http://schemas.microsoft.com/office/drawing/2014/main" val="10003"/>
+                  </a:ext>
+                </a:extLst>
               </a:tr>
               <a:tr h="451994">
                 <a:tc>
@@ -22789,6 +22449,11 @@
                   </a:txBody>
                   <a:tcPr marL="54239" marR="54239" marT="0" marB="0"/>
                 </a:tc>
+                <a:extLst>
+                  <a:ext uri="{0D108BD9-81ED-4DB2-BD59-A6C34878D82A}">
+                    <a16:rowId xmlns:a16="http://schemas.microsoft.com/office/drawing/2014/main" val="10004"/>
+                  </a:ext>
+                </a:extLst>
               </a:tr>
               <a:tr h="542392">
                 <a:tc>
@@ -22895,6 +22560,11 @@
                   </a:txBody>
                   <a:tcPr marL="54239" marR="54239" marT="0" marB="0"/>
                 </a:tc>
+                <a:extLst>
+                  <a:ext uri="{0D108BD9-81ED-4DB2-BD59-A6C34878D82A}">
+                    <a16:rowId xmlns:a16="http://schemas.microsoft.com/office/drawing/2014/main" val="10005"/>
+                  </a:ext>
+                </a:extLst>
               </a:tr>
               <a:tr h="542392">
                 <a:tc>
@@ -23001,6 +22671,11 @@
                   </a:txBody>
                   <a:tcPr marL="54239" marR="54239" marT="0" marB="0"/>
                 </a:tc>
+                <a:extLst>
+                  <a:ext uri="{0D108BD9-81ED-4DB2-BD59-A6C34878D82A}">
+                    <a16:rowId xmlns:a16="http://schemas.microsoft.com/office/drawing/2014/main" val="10006"/>
+                  </a:ext>
+                </a:extLst>
               </a:tr>
               <a:tr h="433914">
                 <a:tc>
@@ -23107,6 +22782,11 @@
                   </a:txBody>
                   <a:tcPr marL="54239" marR="54239" marT="0" marB="0"/>
                 </a:tc>
+                <a:extLst>
+                  <a:ext uri="{0D108BD9-81ED-4DB2-BD59-A6C34878D82A}">
+                    <a16:rowId xmlns:a16="http://schemas.microsoft.com/office/drawing/2014/main" val="10007"/>
+                  </a:ext>
+                </a:extLst>
               </a:tr>
             </a:tbl>
           </a:graphicData>
@@ -23218,7 +22898,7 @@
           <a:p>
             <a:pPr algn="l"/>
             <a:r>
-              <a:rPr lang="es-CO" sz="2000" b="1" i="1" dirty="0" smtClean="0">
+              <a:rPr lang="es-CO" sz="2000" b="1" i="1" dirty="0">
                 <a:solidFill>
                   <a:schemeClr val="tx2"/>
                 </a:solidFill>
@@ -23233,7 +22913,7 @@
               <a:t>11. </a:t>
             </a:r>
             <a:r>
-              <a:rPr lang="es-CO" sz="2200" b="1" i="1" dirty="0" smtClean="0">
+              <a:rPr lang="es-CO" sz="2200" b="1" i="1" dirty="0">
                 <a:solidFill>
                   <a:schemeClr val="tx2"/>
                 </a:solidFill>
@@ -23272,13 +22952,6 @@
   <p:clrMapOvr>
     <a:masterClrMapping/>
   </p:clrMapOvr>
-  <p:timing>
-    <p:tnLst>
-      <p:par>
-        <p:cTn id="1" dur="indefinite" restart="never" nodeType="tmRoot"/>
-      </p:par>
-    </p:tnLst>
-  </p:timing>
 </p:sld>
 </file>
 
@@ -23325,18 +22998,90 @@
                 <a:tableStyleId>{5C22544A-7EE6-4342-B048-85BDC9FD1C3A}</a:tableStyleId>
               </a:tblPr>
               <a:tblGrid>
-                <a:gridCol w="1073057"/>
-                <a:gridCol w="223085"/>
-                <a:gridCol w="1598159"/>
-                <a:gridCol w="643178"/>
-                <a:gridCol w="562781"/>
-                <a:gridCol w="1045165"/>
-                <a:gridCol w="562781"/>
-                <a:gridCol w="401986"/>
-                <a:gridCol w="643178"/>
-                <a:gridCol w="401986"/>
-                <a:gridCol w="562781"/>
-                <a:gridCol w="562781"/>
+                <a:gridCol w="1073057">
+                  <a:extLst>
+                    <a:ext uri="{9D8B030D-6E8A-4147-A177-3AD203B41FA5}">
+                      <a16:colId xmlns:a16="http://schemas.microsoft.com/office/drawing/2014/main" val="20000"/>
+                    </a:ext>
+                  </a:extLst>
+                </a:gridCol>
+                <a:gridCol w="223085">
+                  <a:extLst>
+                    <a:ext uri="{9D8B030D-6E8A-4147-A177-3AD203B41FA5}">
+                      <a16:colId xmlns:a16="http://schemas.microsoft.com/office/drawing/2014/main" val="20001"/>
+                    </a:ext>
+                  </a:extLst>
+                </a:gridCol>
+                <a:gridCol w="1598159">
+                  <a:extLst>
+                    <a:ext uri="{9D8B030D-6E8A-4147-A177-3AD203B41FA5}">
+                      <a16:colId xmlns:a16="http://schemas.microsoft.com/office/drawing/2014/main" val="20002"/>
+                    </a:ext>
+                  </a:extLst>
+                </a:gridCol>
+                <a:gridCol w="643178">
+                  <a:extLst>
+                    <a:ext uri="{9D8B030D-6E8A-4147-A177-3AD203B41FA5}">
+                      <a16:colId xmlns:a16="http://schemas.microsoft.com/office/drawing/2014/main" val="20003"/>
+                    </a:ext>
+                  </a:extLst>
+                </a:gridCol>
+                <a:gridCol w="562781">
+                  <a:extLst>
+                    <a:ext uri="{9D8B030D-6E8A-4147-A177-3AD203B41FA5}">
+                      <a16:colId xmlns:a16="http://schemas.microsoft.com/office/drawing/2014/main" val="20004"/>
+                    </a:ext>
+                  </a:extLst>
+                </a:gridCol>
+                <a:gridCol w="1045165">
+                  <a:extLst>
+                    <a:ext uri="{9D8B030D-6E8A-4147-A177-3AD203B41FA5}">
+                      <a16:colId xmlns:a16="http://schemas.microsoft.com/office/drawing/2014/main" val="20005"/>
+                    </a:ext>
+                  </a:extLst>
+                </a:gridCol>
+                <a:gridCol w="562781">
+                  <a:extLst>
+                    <a:ext uri="{9D8B030D-6E8A-4147-A177-3AD203B41FA5}">
+                      <a16:colId xmlns:a16="http://schemas.microsoft.com/office/drawing/2014/main" val="20006"/>
+                    </a:ext>
+                  </a:extLst>
+                </a:gridCol>
+                <a:gridCol w="401986">
+                  <a:extLst>
+                    <a:ext uri="{9D8B030D-6E8A-4147-A177-3AD203B41FA5}">
+                      <a16:colId xmlns:a16="http://schemas.microsoft.com/office/drawing/2014/main" val="20007"/>
+                    </a:ext>
+                  </a:extLst>
+                </a:gridCol>
+                <a:gridCol w="643178">
+                  <a:extLst>
+                    <a:ext uri="{9D8B030D-6E8A-4147-A177-3AD203B41FA5}">
+                      <a16:colId xmlns:a16="http://schemas.microsoft.com/office/drawing/2014/main" val="20008"/>
+                    </a:ext>
+                  </a:extLst>
+                </a:gridCol>
+                <a:gridCol w="401986">
+                  <a:extLst>
+                    <a:ext uri="{9D8B030D-6E8A-4147-A177-3AD203B41FA5}">
+                      <a16:colId xmlns:a16="http://schemas.microsoft.com/office/drawing/2014/main" val="20009"/>
+                    </a:ext>
+                  </a:extLst>
+                </a:gridCol>
+                <a:gridCol w="562781">
+                  <a:extLst>
+                    <a:ext uri="{9D8B030D-6E8A-4147-A177-3AD203B41FA5}">
+                      <a16:colId xmlns:a16="http://schemas.microsoft.com/office/drawing/2014/main" val="20010"/>
+                    </a:ext>
+                  </a:extLst>
+                </a:gridCol>
+                <a:gridCol w="562781">
+                  <a:extLst>
+                    <a:ext uri="{9D8B030D-6E8A-4147-A177-3AD203B41FA5}">
+                      <a16:colId xmlns:a16="http://schemas.microsoft.com/office/drawing/2014/main" val="20011"/>
+                    </a:ext>
+                  </a:extLst>
+                </a:gridCol>
               </a:tblGrid>
               <a:tr h="307975">
                 <a:tc>
@@ -23638,6 +23383,11 @@
                   </a:txBody>
                   <a:tcPr marL="68580" marR="68580" marT="0" marB="0" vert="vert270"/>
                 </a:tc>
+                <a:extLst>
+                  <a:ext uri="{0D108BD9-81ED-4DB2-BD59-A6C34878D82A}">
+                    <a16:rowId xmlns:a16="http://schemas.microsoft.com/office/drawing/2014/main" val="10000"/>
+                  </a:ext>
+                </a:extLst>
               </a:tr>
               <a:tr h="736456">
                 <a:tc gridSpan="3">
@@ -23776,6 +23526,11 @@
                   </a:txBody>
                   <a:tcPr/>
                 </a:tc>
+                <a:extLst>
+                  <a:ext uri="{0D108BD9-81ED-4DB2-BD59-A6C34878D82A}">
+                    <a16:rowId xmlns:a16="http://schemas.microsoft.com/office/drawing/2014/main" val="10001"/>
+                  </a:ext>
+                </a:extLst>
               </a:tr>
               <a:tr h="120650">
                 <a:tc rowSpan="4" gridSpan="2">
@@ -24071,6 +23826,11 @@
                   </a:txBody>
                   <a:tcPr marL="68580" marR="68580" marT="0" marB="0"/>
                 </a:tc>
+                <a:extLst>
+                  <a:ext uri="{0D108BD9-81ED-4DB2-BD59-A6C34878D82A}">
+                    <a16:rowId xmlns:a16="http://schemas.microsoft.com/office/drawing/2014/main" val="10002"/>
+                  </a:ext>
+                </a:extLst>
               </a:tr>
               <a:tr h="120650">
                 <a:tc gridSpan="2" vMerge="1">
@@ -24350,6 +24110,11 @@
                   </a:txBody>
                   <a:tcPr marL="68580" marR="68580" marT="0" marB="0"/>
                 </a:tc>
+                <a:extLst>
+                  <a:ext uri="{0D108BD9-81ED-4DB2-BD59-A6C34878D82A}">
+                    <a16:rowId xmlns:a16="http://schemas.microsoft.com/office/drawing/2014/main" val="10003"/>
+                  </a:ext>
+                </a:extLst>
               </a:tr>
               <a:tr h="120650">
                 <a:tc gridSpan="2" vMerge="1">
@@ -24629,6 +24394,11 @@
                   </a:txBody>
                   <a:tcPr marL="68580" marR="68580" marT="0" marB="0"/>
                 </a:tc>
+                <a:extLst>
+                  <a:ext uri="{0D108BD9-81ED-4DB2-BD59-A6C34878D82A}">
+                    <a16:rowId xmlns:a16="http://schemas.microsoft.com/office/drawing/2014/main" val="10004"/>
+                  </a:ext>
+                </a:extLst>
               </a:tr>
               <a:tr h="210820">
                 <a:tc gridSpan="2" vMerge="1">
@@ -24908,6 +24678,11 @@
                   </a:txBody>
                   <a:tcPr marL="68580" marR="68580" marT="0" marB="0"/>
                 </a:tc>
+                <a:extLst>
+                  <a:ext uri="{0D108BD9-81ED-4DB2-BD59-A6C34878D82A}">
+                    <a16:rowId xmlns:a16="http://schemas.microsoft.com/office/drawing/2014/main" val="10005"/>
+                  </a:ext>
+                </a:extLst>
               </a:tr>
               <a:tr h="120650">
                 <a:tc rowSpan="2" gridSpan="2">
@@ -25216,6 +24991,11 @@
                   </a:txBody>
                   <a:tcPr marL="68580" marR="68580" marT="0" marB="0"/>
                 </a:tc>
+                <a:extLst>
+                  <a:ext uri="{0D108BD9-81ED-4DB2-BD59-A6C34878D82A}">
+                    <a16:rowId xmlns:a16="http://schemas.microsoft.com/office/drawing/2014/main" val="10006"/>
+                  </a:ext>
+                </a:extLst>
               </a:tr>
               <a:tr h="120650">
                 <a:tc gridSpan="2" vMerge="1">
@@ -25430,6 +25210,11 @@
                   </a:txBody>
                   <a:tcPr marL="68580" marR="68580" marT="0" marB="0"/>
                 </a:tc>
+                <a:extLst>
+                  <a:ext uri="{0D108BD9-81ED-4DB2-BD59-A6C34878D82A}">
+                    <a16:rowId xmlns:a16="http://schemas.microsoft.com/office/drawing/2014/main" val="10007"/>
+                  </a:ext>
+                </a:extLst>
               </a:tr>
               <a:tr h="120650">
                 <a:tc gridSpan="2">
@@ -25738,6 +25523,11 @@
                   </a:txBody>
                   <a:tcPr marL="68580" marR="68580" marT="0" marB="0"/>
                 </a:tc>
+                <a:extLst>
+                  <a:ext uri="{0D108BD9-81ED-4DB2-BD59-A6C34878D82A}">
+                    <a16:rowId xmlns:a16="http://schemas.microsoft.com/office/drawing/2014/main" val="10008"/>
+                  </a:ext>
+                </a:extLst>
               </a:tr>
               <a:tr h="120650">
                 <a:tc gridSpan="2">
@@ -26020,6 +25810,11 @@
                   </a:txBody>
                   <a:tcPr marL="68580" marR="68580" marT="0" marB="0"/>
                 </a:tc>
+                <a:extLst>
+                  <a:ext uri="{0D108BD9-81ED-4DB2-BD59-A6C34878D82A}">
+                    <a16:rowId xmlns:a16="http://schemas.microsoft.com/office/drawing/2014/main" val="10009"/>
+                  </a:ext>
+                </a:extLst>
               </a:tr>
             </a:tbl>
           </a:graphicData>
@@ -26131,7 +25926,7 @@
           <a:p>
             <a:pPr algn="l"/>
             <a:r>
-              <a:rPr lang="es-CO" sz="2000" b="1" i="1" dirty="0" smtClean="0">
+              <a:rPr lang="es-CO" sz="2000" b="1" i="1" dirty="0">
                 <a:solidFill>
                   <a:schemeClr val="tx2"/>
                 </a:solidFill>
@@ -26146,7 +25941,7 @@
               <a:t>12. </a:t>
             </a:r>
             <a:r>
-              <a:rPr lang="es-CO" sz="2200" b="1" i="1" dirty="0" smtClean="0">
+              <a:rPr lang="es-CO" sz="2200" b="1" i="1" dirty="0">
                 <a:solidFill>
                   <a:schemeClr val="tx2"/>
                 </a:solidFill>
@@ -26185,13 +25980,6 @@
   <p:clrMapOvr>
     <a:masterClrMapping/>
   </p:clrMapOvr>
-  <p:timing>
-    <p:tnLst>
-      <p:par>
-        <p:cTn id="1" dur="indefinite" restart="never" nodeType="tmRoot"/>
-      </p:par>
-    </p:tnLst>
-  </p:timing>
 </p:sld>
 </file>
 
@@ -26356,7 +26144,7 @@
           <a:p>
             <a:pPr algn="l"/>
             <a:r>
-              <a:rPr lang="es-CO" sz="2000" b="1" i="1" dirty="0" smtClean="0">
+              <a:rPr lang="es-CO" sz="2000" b="1" i="1" dirty="0">
                 <a:solidFill>
                   <a:schemeClr val="tx2"/>
                 </a:solidFill>
@@ -26371,7 +26159,7 @@
               <a:t>13. </a:t>
             </a:r>
             <a:r>
-              <a:rPr lang="es-CO" sz="2200" b="1" i="1" dirty="0" smtClean="0">
+              <a:rPr lang="es-CO" sz="2200" b="1" i="1" dirty="0">
                 <a:solidFill>
                   <a:schemeClr val="tx2"/>
                 </a:solidFill>
@@ -26410,13 +26198,6 @@
   <p:clrMapOvr>
     <a:masterClrMapping/>
   </p:clrMapOvr>
-  <p:timing>
-    <p:tnLst>
-      <p:par>
-        <p:cTn id="1" dur="indefinite" restart="never" nodeType="tmRoot"/>
-      </p:par>
-    </p:tnLst>
-  </p:timing>
 </p:sld>
 </file>
 
@@ -26559,7 +26340,7 @@
           <a:p>
             <a:pPr algn="l"/>
             <a:r>
-              <a:rPr lang="es-CO" sz="2000" b="1" i="1" dirty="0" smtClean="0">
+              <a:rPr lang="es-CO" sz="2000" b="1" i="1" dirty="0">
                 <a:solidFill>
                   <a:schemeClr val="tx2"/>
                 </a:solidFill>
@@ -26574,7 +26355,7 @@
               <a:t>14. </a:t>
             </a:r>
             <a:r>
-              <a:rPr lang="es-CO" sz="2200" b="1" i="1" dirty="0" smtClean="0">
+              <a:rPr lang="es-CO" sz="2200" b="1" i="1" dirty="0">
                 <a:solidFill>
                   <a:schemeClr val="tx2"/>
                 </a:solidFill>
@@ -26643,13 +26424,6 @@
   <p:clrMapOvr>
     <a:masterClrMapping/>
   </p:clrMapOvr>
-  <p:timing>
-    <p:tnLst>
-      <p:par>
-        <p:cTn id="1" dur="indefinite" restart="never" nodeType="tmRoot"/>
-      </p:par>
-    </p:tnLst>
-  </p:timing>
 </p:sld>
 </file>
 
@@ -26694,7 +26468,7 @@
           <a:p>
             <a:pPr algn="l"/>
             <a:r>
-              <a:rPr lang="es-CO" sz="3600" dirty="0" smtClean="0"/>
+              <a:rPr lang="es-CO" sz="3600" dirty="0"/>
               <a:t>Agenda</a:t>
             </a:r>
             <a:endParaRPr lang="en-US" sz="3600" dirty="0"/>
@@ -26935,7 +26709,7 @@
               <a:buNone/>
             </a:pPr>
             <a:r>
-              <a:rPr lang="es-CO" sz="2400" smtClean="0"/>
+              <a:rPr lang="es-CO" sz="2400"/>
               <a:t>Preguntas </a:t>
             </a:r>
           </a:p>
@@ -26952,13 +26726,13 @@
             <a:endParaRPr lang="es-ES" sz="2400" dirty="0"/>
           </a:p>
           <a:p>
-            <a:endParaRPr lang="es-CO" sz="2400" dirty="0" smtClean="0"/>
+            <a:endParaRPr lang="es-CO" sz="2400" dirty="0"/>
           </a:p>
           <a:p>
             <a:endParaRPr lang="es-ES" sz="2400" dirty="0"/>
           </a:p>
           <a:p>
-            <a:endParaRPr lang="es-CO" sz="2800" dirty="0" smtClean="0"/>
+            <a:endParaRPr lang="es-CO" sz="2800" dirty="0"/>
           </a:p>
           <a:p>
             <a:endParaRPr lang="es-ES" sz="2800" dirty="0"/>
@@ -27035,13 +26809,6 @@
   <p:clrMapOvr>
     <a:masterClrMapping/>
   </p:clrMapOvr>
-  <p:timing>
-    <p:tnLst>
-      <p:par>
-        <p:cTn id="1" dur="indefinite" restart="never" nodeType="tmRoot"/>
-      </p:par>
-    </p:tnLst>
-  </p:timing>
 </p:sld>
 </file>
 
@@ -27263,13 +27030,6 @@
   <p:clrMapOvr>
     <a:masterClrMapping/>
   </p:clrMapOvr>
-  <p:timing>
-    <p:tnLst>
-      <p:par>
-        <p:cTn id="1" dur="indefinite" restart="never" nodeType="tmRoot"/>
-      </p:par>
-    </p:tnLst>
-  </p:timing>
 </p:sld>
 </file>
 
@@ -27551,25 +27311,10 @@
                   </a:outerShdw>
                 </a:effectLst>
               </a:rPr>
-              <a:t>1</a:t>
+              <a:t>1. </a:t>
             </a:r>
             <a:r>
-              <a:rPr lang="es-CO" sz="2000" b="1" i="1" dirty="0" smtClean="0">
-                <a:solidFill>
-                  <a:schemeClr val="tx2"/>
-                </a:solidFill>
-                <a:effectLst>
-                  <a:outerShdw blurRad="38100" dist="38100" dir="2700000" algn="tl">
-                    <a:srgbClr val="000000">
-                      <a:alpha val="43137"/>
-                    </a:srgbClr>
-                  </a:outerShdw>
-                </a:effectLst>
-              </a:rPr>
-              <a:t>. </a:t>
-            </a:r>
-            <a:r>
-              <a:rPr lang="es-CO" sz="2200" b="1" i="1" dirty="0" smtClean="0">
+              <a:rPr lang="es-CO" sz="2200" b="1" i="1" dirty="0">
                 <a:solidFill>
                   <a:schemeClr val="tx2"/>
                 </a:solidFill>
@@ -27608,13 +27353,6 @@
   <p:clrMapOvr>
     <a:masterClrMapping/>
   </p:clrMapOvr>
-  <p:timing>
-    <p:tnLst>
-      <p:par>
-        <p:cTn id="1" dur="indefinite" restart="never" nodeType="tmRoot"/>
-      </p:par>
-    </p:tnLst>
-  </p:timing>
 </p:sld>
 </file>
 
@@ -27659,7 +27397,7 @@
           <a:p>
             <a:pPr algn="l"/>
             <a:r>
-              <a:rPr lang="es-CO" sz="2000" b="1" i="1" dirty="0" smtClean="0">
+              <a:rPr lang="es-CO" sz="2000" b="1" i="1" dirty="0">
                 <a:solidFill>
                   <a:schemeClr val="tx2"/>
                 </a:solidFill>
@@ -27674,7 +27412,7 @@
               <a:t>2. </a:t>
             </a:r>
             <a:r>
-              <a:rPr lang="es-CO" sz="2200" b="1" i="1" dirty="0" smtClean="0">
+              <a:rPr lang="es-CO" sz="2200" b="1" i="1" dirty="0">
                 <a:solidFill>
                   <a:schemeClr val="tx2"/>
                 </a:solidFill>
@@ -27859,13 +27597,6 @@
   <p:clrMapOvr>
     <a:masterClrMapping/>
   </p:clrMapOvr>
-  <p:timing>
-    <p:tnLst>
-      <p:par>
-        <p:cTn id="1" dur="indefinite" restart="never" nodeType="tmRoot"/>
-      </p:par>
-    </p:tnLst>
-  </p:timing>
 </p:sld>
 </file>
 
@@ -28026,25 +27757,10 @@
                   </a:outerShdw>
                 </a:effectLst>
               </a:rPr>
-              <a:t>3</a:t>
+              <a:t>3. </a:t>
             </a:r>
             <a:r>
-              <a:rPr lang="es-CO" sz="2000" b="1" i="1" dirty="0" smtClean="0">
-                <a:solidFill>
-                  <a:schemeClr val="tx2"/>
-                </a:solidFill>
-                <a:effectLst>
-                  <a:outerShdw blurRad="38100" dist="38100" dir="2700000" algn="tl">
-                    <a:srgbClr val="000000">
-                      <a:alpha val="43137"/>
-                    </a:srgbClr>
-                  </a:outerShdw>
-                </a:effectLst>
-              </a:rPr>
-              <a:t>. </a:t>
-            </a:r>
-            <a:r>
-              <a:rPr lang="es-CO" sz="2200" b="1" i="1" dirty="0" smtClean="0">
+              <a:rPr lang="es-CO" sz="2200" b="1" i="1" dirty="0">
                 <a:solidFill>
                   <a:schemeClr val="tx2"/>
                 </a:solidFill>
@@ -28083,13 +27799,6 @@
   <p:clrMapOvr>
     <a:masterClrMapping/>
   </p:clrMapOvr>
-  <p:timing>
-    <p:tnLst>
-      <p:par>
-        <p:cTn id="1" dur="indefinite" restart="never" nodeType="tmRoot"/>
-      </p:par>
-    </p:tnLst>
-  </p:timing>
 </p:sld>
 </file>
 
@@ -28132,27 +27841,31 @@
           </a:bodyPr>
           <a:lstStyle/>
           <a:p>
+            <a:pPr algn="just"/>
             <a:r>
               <a:rPr lang="es-ES_tradnl" dirty="0"/>
               <a:t>El costo total del proyecto es de USD 330,967</a:t>
             </a:r>
           </a:p>
           <a:p>
-            <a:pPr marL="0" indent="0">
+            <a:pPr marL="0" indent="0" algn="just">
               <a:buNone/>
             </a:pPr>
             <a:endParaRPr lang="es-ES_tradnl" dirty="0"/>
           </a:p>
           <a:p>
+            <a:pPr algn="just"/>
             <a:r>
               <a:rPr lang="es-ES_tradnl" dirty="0"/>
               <a:t>Con una proyección para su implementación de 12 meses contados a partir del momento de la firma del contrato por los servicios de consultoría completos. </a:t>
             </a:r>
           </a:p>
           <a:p>
+            <a:pPr algn="just"/>
             <a:endParaRPr lang="es-ES_tradnl" dirty="0"/>
           </a:p>
           <a:p>
+            <a:pPr algn="just"/>
             <a:r>
               <a:rPr lang="es-ES_tradnl" dirty="0"/>
               <a:t>Dicho costo abarcara la implementación del sistema de gestión de información propiedad de </a:t>
@@ -28303,37 +28016,7 @@
                   </a:outerShdw>
                 </a:effectLst>
               </a:rPr>
-              <a:t>4</a:t>
-            </a:r>
-            <a:r>
-              <a:rPr lang="es-CO" sz="2000" b="1" i="1" dirty="0" smtClean="0">
-                <a:solidFill>
-                  <a:schemeClr val="tx2"/>
-                </a:solidFill>
-                <a:effectLst>
-                  <a:outerShdw blurRad="38100" dist="38100" dir="2700000" algn="tl">
-                    <a:srgbClr val="000000">
-                      <a:alpha val="43137"/>
-                    </a:srgbClr>
-                  </a:outerShdw>
-                </a:effectLst>
-              </a:rPr>
-              <a:t>. </a:t>
-            </a:r>
-            <a:r>
-              <a:rPr lang="es-CO" sz="2200" b="1" i="1" dirty="0" smtClean="0">
-                <a:solidFill>
-                  <a:schemeClr val="tx2"/>
-                </a:solidFill>
-                <a:effectLst>
-                  <a:outerShdw blurRad="38100" dist="38100" dir="2700000" algn="tl">
-                    <a:srgbClr val="000000">
-                      <a:alpha val="43137"/>
-                    </a:srgbClr>
-                  </a:outerShdw>
-                </a:effectLst>
-              </a:rPr>
-              <a:t>COSTOS DEL </a:t>
+              <a:t>4. </a:t>
             </a:r>
             <a:r>
               <a:rPr lang="es-CO" sz="2200" b="1" i="1" dirty="0">
@@ -28348,7 +28031,7 @@
                   </a:outerShdw>
                 </a:effectLst>
               </a:rPr>
-              <a:t>PROYECTO</a:t>
+              <a:t>COSTOS DEL PROYECTO</a:t>
             </a:r>
             <a:endParaRPr lang="es-ES" sz="2200" b="1" i="1" dirty="0">
               <a:solidFill>
@@ -28375,13 +28058,6 @@
   <p:clrMapOvr>
     <a:masterClrMapping/>
   </p:clrMapOvr>
-  <p:timing>
-    <p:tnLst>
-      <p:par>
-        <p:cTn id="1" dur="indefinite" restart="never" nodeType="tmRoot"/>
-      </p:par>
-    </p:tnLst>
-  </p:timing>
 </p:sld>
 </file>
 
@@ -28509,9 +28185,27 @@
                 <a:tableStyleId>{5C22544A-7EE6-4342-B048-85BDC9FD1C3A}</a:tableStyleId>
               </a:tblPr>
               <a:tblGrid>
-                <a:gridCol w="583091"/>
-                <a:gridCol w="4555444"/>
-                <a:gridCol w="2588692"/>
+                <a:gridCol w="583091">
+                  <a:extLst>
+                    <a:ext uri="{9D8B030D-6E8A-4147-A177-3AD203B41FA5}">
+                      <a16:colId xmlns:a16="http://schemas.microsoft.com/office/drawing/2014/main" val="20000"/>
+                    </a:ext>
+                  </a:extLst>
+                </a:gridCol>
+                <a:gridCol w="4555444">
+                  <a:extLst>
+                    <a:ext uri="{9D8B030D-6E8A-4147-A177-3AD203B41FA5}">
+                      <a16:colId xmlns:a16="http://schemas.microsoft.com/office/drawing/2014/main" val="20001"/>
+                    </a:ext>
+                  </a:extLst>
+                </a:gridCol>
+                <a:gridCol w="2588692">
+                  <a:extLst>
+                    <a:ext uri="{9D8B030D-6E8A-4147-A177-3AD203B41FA5}">
+                      <a16:colId xmlns:a16="http://schemas.microsoft.com/office/drawing/2014/main" val="20002"/>
+                    </a:ext>
+                  </a:extLst>
+                </a:gridCol>
               </a:tblGrid>
               <a:tr h="200025">
                 <a:tc>
@@ -28601,6 +28295,11 @@
                   </a:txBody>
                   <a:tcPr marL="44450" marR="44450" marT="0" marB="0" anchor="b"/>
                 </a:tc>
+                <a:extLst>
+                  <a:ext uri="{0D108BD9-81ED-4DB2-BD59-A6C34878D82A}">
+                    <a16:rowId xmlns:a16="http://schemas.microsoft.com/office/drawing/2014/main" val="10000"/>
+                  </a:ext>
+                </a:extLst>
               </a:tr>
               <a:tr h="200025">
                 <a:tc>
@@ -28690,6 +28389,11 @@
                   </a:txBody>
                   <a:tcPr marL="44450" marR="44450" marT="0" marB="0" anchor="b"/>
                 </a:tc>
+                <a:extLst>
+                  <a:ext uri="{0D108BD9-81ED-4DB2-BD59-A6C34878D82A}">
+                    <a16:rowId xmlns:a16="http://schemas.microsoft.com/office/drawing/2014/main" val="10001"/>
+                  </a:ext>
+                </a:extLst>
               </a:tr>
               <a:tr h="200025">
                 <a:tc>
@@ -28779,6 +28483,11 @@
                   </a:txBody>
                   <a:tcPr marL="44450" marR="44450" marT="0" marB="0" anchor="b"/>
                 </a:tc>
+                <a:extLst>
+                  <a:ext uri="{0D108BD9-81ED-4DB2-BD59-A6C34878D82A}">
+                    <a16:rowId xmlns:a16="http://schemas.microsoft.com/office/drawing/2014/main" val="10002"/>
+                  </a:ext>
+                </a:extLst>
               </a:tr>
               <a:tr h="200025">
                 <a:tc>
@@ -28868,6 +28577,11 @@
                   </a:txBody>
                   <a:tcPr marL="44450" marR="44450" marT="0" marB="0" anchor="b"/>
                 </a:tc>
+                <a:extLst>
+                  <a:ext uri="{0D108BD9-81ED-4DB2-BD59-A6C34878D82A}">
+                    <a16:rowId xmlns:a16="http://schemas.microsoft.com/office/drawing/2014/main" val="10003"/>
+                  </a:ext>
+                </a:extLst>
               </a:tr>
               <a:tr h="200025">
                 <a:tc>
@@ -28957,6 +28671,11 @@
                   </a:txBody>
                   <a:tcPr marL="44450" marR="44450" marT="0" marB="0" anchor="b"/>
                 </a:tc>
+                <a:extLst>
+                  <a:ext uri="{0D108BD9-81ED-4DB2-BD59-A6C34878D82A}">
+                    <a16:rowId xmlns:a16="http://schemas.microsoft.com/office/drawing/2014/main" val="10004"/>
+                  </a:ext>
+                </a:extLst>
               </a:tr>
               <a:tr h="200025">
                 <a:tc>
@@ -29046,6 +28765,11 @@
                   </a:txBody>
                   <a:tcPr marL="44450" marR="44450" marT="0" marB="0" anchor="b"/>
                 </a:tc>
+                <a:extLst>
+                  <a:ext uri="{0D108BD9-81ED-4DB2-BD59-A6C34878D82A}">
+                    <a16:rowId xmlns:a16="http://schemas.microsoft.com/office/drawing/2014/main" val="10005"/>
+                  </a:ext>
+                </a:extLst>
               </a:tr>
               <a:tr h="200025">
                 <a:tc>
@@ -29094,13 +28818,7 @@
                         <a:rPr lang="es-ES_tradnl" sz="2000" dirty="0">
                           <a:effectLst/>
                         </a:rPr>
-                        <a:t>Vehículos (Alquiler </a:t>
-                      </a:r>
-                      <a:r>
-                        <a:rPr lang="es-ES_tradnl" sz="2000" dirty="0" smtClean="0">
-                          <a:effectLst/>
-                        </a:rPr>
-                        <a:t>)</a:t>
+                        <a:t>Vehículos (Alquiler )</a:t>
                       </a:r>
                       <a:endParaRPr lang="en-US" sz="2400" dirty="0">
                         <a:effectLst/>
@@ -29141,6 +28859,11 @@
                   </a:txBody>
                   <a:tcPr marL="44450" marR="44450" marT="0" marB="0" anchor="b"/>
                 </a:tc>
+                <a:extLst>
+                  <a:ext uri="{0D108BD9-81ED-4DB2-BD59-A6C34878D82A}">
+                    <a16:rowId xmlns:a16="http://schemas.microsoft.com/office/drawing/2014/main" val="10006"/>
+                  </a:ext>
+                </a:extLst>
               </a:tr>
               <a:tr h="200025">
                 <a:tc>
@@ -29230,6 +28953,11 @@
                   </a:txBody>
                   <a:tcPr marL="44450" marR="44450" marT="0" marB="0" anchor="b"/>
                 </a:tc>
+                <a:extLst>
+                  <a:ext uri="{0D108BD9-81ED-4DB2-BD59-A6C34878D82A}">
+                    <a16:rowId xmlns:a16="http://schemas.microsoft.com/office/drawing/2014/main" val="10007"/>
+                  </a:ext>
+                </a:extLst>
               </a:tr>
               <a:tr h="200025">
                 <a:tc>
@@ -29319,6 +29047,11 @@
                   </a:txBody>
                   <a:tcPr marL="44450" marR="44450" marT="0" marB="0" anchor="b"/>
                 </a:tc>
+                <a:extLst>
+                  <a:ext uri="{0D108BD9-81ED-4DB2-BD59-A6C34878D82A}">
+                    <a16:rowId xmlns:a16="http://schemas.microsoft.com/office/drawing/2014/main" val="10008"/>
+                  </a:ext>
+                </a:extLst>
               </a:tr>
               <a:tr h="200025">
                 <a:tc>
@@ -29408,6 +29141,11 @@
                   </a:txBody>
                   <a:tcPr marL="44450" marR="44450" marT="0" marB="0" anchor="b"/>
                 </a:tc>
+                <a:extLst>
+                  <a:ext uri="{0D108BD9-81ED-4DB2-BD59-A6C34878D82A}">
+                    <a16:rowId xmlns:a16="http://schemas.microsoft.com/office/drawing/2014/main" val="10009"/>
+                  </a:ext>
+                </a:extLst>
               </a:tr>
               <a:tr h="200025">
                 <a:tc>
@@ -29486,6 +29224,11 @@
                   </a:txBody>
                   <a:tcPr marL="44450" marR="44450" marT="0" marB="0" anchor="b"/>
                 </a:tc>
+                <a:extLst>
+                  <a:ext uri="{0D108BD9-81ED-4DB2-BD59-A6C34878D82A}">
+                    <a16:rowId xmlns:a16="http://schemas.microsoft.com/office/drawing/2014/main" val="10010"/>
+                  </a:ext>
+                </a:extLst>
               </a:tr>
             </a:tbl>
           </a:graphicData>
@@ -29565,7 +29308,7 @@
               <a:tabLst/>
             </a:pPr>
             <a:r>
-              <a:rPr kumimoji="0" lang="es-ES_tradnl" altLang="en-US" sz="1600" b="1" i="0" u="none" strike="noStrike" cap="none" normalizeH="0" baseline="0" dirty="0" smtClean="0">
+              <a:rPr kumimoji="0" lang="es-ES_tradnl" altLang="en-US" sz="1600" b="1" i="0" u="none" strike="noStrike" cap="none" normalizeH="0" baseline="0" dirty="0">
                 <a:ln>
                   <a:noFill/>
                 </a:ln>
@@ -29580,7 +29323,7 @@
               <a:t>T</a:t>
             </a:r>
             <a:r>
-              <a:rPr kumimoji="0" lang="es-ES_tradnl" altLang="en-US" sz="1600" b="1" i="0" u="none" strike="noStrike" cap="none" normalizeH="0" baseline="0" dirty="0" smtClean="0" bmk="">
+              <a:rPr kumimoji="0" lang="es-ES_tradnl" altLang="en-US" sz="1600" b="1" i="0" u="none" strike="noStrike" cap="none" normalizeH="0" baseline="0" dirty="0" bmk="">
                 <a:ln>
                   <a:noFill/>
                 </a:ln>
@@ -29594,7 +29337,7 @@
               </a:rPr>
               <a:t>abla de resumen de costos</a:t>
             </a:r>
-            <a:endParaRPr kumimoji="0" lang="es-ES_tradnl" altLang="en-US" b="1" i="0" u="none" strike="noStrike" cap="none" normalizeH="0" baseline="0" dirty="0" smtClean="0">
+            <a:endParaRPr kumimoji="0" lang="es-ES_tradnl" altLang="en-US" b="1" i="0" u="none" strike="noStrike" cap="none" normalizeH="0" baseline="0" dirty="0">
               <a:ln>
                 <a:noFill/>
               </a:ln>
@@ -29624,7 +29367,7 @@
               <a:buAutoNum type="arabicPeriod"/>
               <a:tabLst/>
             </a:pPr>
-            <a:endParaRPr kumimoji="0" lang="es-ES_tradnl" altLang="en-US" sz="2000" b="0" i="0" u="none" strike="noStrike" cap="none" normalizeH="0" baseline="0" dirty="0" smtClean="0">
+            <a:endParaRPr kumimoji="0" lang="es-ES_tradnl" altLang="en-US" sz="2000" b="0" i="0" u="none" strike="noStrike" cap="none" normalizeH="0" baseline="0" dirty="0">
               <a:ln>
                 <a:noFill/>
               </a:ln>
@@ -29648,13 +29391,6 @@
   <p:clrMapOvr>
     <a:masterClrMapping/>
   </p:clrMapOvr>
-  <p:timing>
-    <p:tnLst>
-      <p:par>
-        <p:cTn id="1" dur="indefinite" restart="never" nodeType="tmRoot"/>
-      </p:par>
-    </p:tnLst>
-  </p:timing>
 </p:sld>
 </file>
 
@@ -29809,25 +29545,10 @@
                   </a:outerShdw>
                 </a:effectLst>
               </a:rPr>
-              <a:t>5</a:t>
+              <a:t>5. </a:t>
             </a:r>
             <a:r>
-              <a:rPr lang="es-CO" sz="2000" b="1" i="1" dirty="0" smtClean="0">
-                <a:solidFill>
-                  <a:schemeClr val="tx2"/>
-                </a:solidFill>
-                <a:effectLst>
-                  <a:outerShdw blurRad="38100" dist="38100" dir="2700000" algn="tl">
-                    <a:srgbClr val="000000">
-                      <a:alpha val="43137"/>
-                    </a:srgbClr>
-                  </a:outerShdw>
-                </a:effectLst>
-              </a:rPr>
-              <a:t>. </a:t>
-            </a:r>
-            <a:r>
-              <a:rPr lang="es-CO" sz="2200" b="1" i="1" dirty="0" smtClean="0">
+              <a:rPr lang="es-CO" sz="2200" b="1" i="1" dirty="0">
                 <a:solidFill>
                   <a:schemeClr val="tx2"/>
                 </a:solidFill>
@@ -29879,10 +29600,9 @@
           <a:lstStyle/>
           <a:p>
             <a:r>
-              <a:rPr lang="es-CO" sz="1200" dirty="0" smtClean="0"/>
+              <a:rPr lang="es-CO" sz="1200" dirty="0"/>
               <a:t>Ver: EDT a detalle  </a:t>
             </a:r>
-            <a:endParaRPr lang="es-CO" sz="1200" dirty="0"/>
           </a:p>
         </p:txBody>
       </p:sp>
@@ -29926,13 +29646,6 @@
   <p:clrMapOvr>
     <a:masterClrMapping/>
   </p:clrMapOvr>
-  <p:timing>
-    <p:tnLst>
-      <p:par>
-        <p:cTn id="1" dur="indefinite" restart="never" nodeType="tmRoot"/>
-      </p:par>
-    </p:tnLst>
-  </p:timing>
 </p:sld>
 </file>
 
@@ -29978,16 +29691,76 @@
                 <a:tableStyleId>{5C22544A-7EE6-4342-B048-85BDC9FD1C3A}</a:tableStyleId>
               </a:tblPr>
               <a:tblGrid>
-                <a:gridCol w="504056"/>
-                <a:gridCol w="936104"/>
-                <a:gridCol w="1594520"/>
-                <a:gridCol w="576064"/>
-                <a:gridCol w="648072"/>
-                <a:gridCol w="720080"/>
-                <a:gridCol w="360040"/>
-                <a:gridCol w="432048"/>
-                <a:gridCol w="648072"/>
-                <a:gridCol w="1810544"/>
+                <a:gridCol w="504056">
+                  <a:extLst>
+                    <a:ext uri="{9D8B030D-6E8A-4147-A177-3AD203B41FA5}">
+                      <a16:colId xmlns:a16="http://schemas.microsoft.com/office/drawing/2014/main" val="20000"/>
+                    </a:ext>
+                  </a:extLst>
+                </a:gridCol>
+                <a:gridCol w="936104">
+                  <a:extLst>
+                    <a:ext uri="{9D8B030D-6E8A-4147-A177-3AD203B41FA5}">
+                      <a16:colId xmlns:a16="http://schemas.microsoft.com/office/drawing/2014/main" val="20001"/>
+                    </a:ext>
+                  </a:extLst>
+                </a:gridCol>
+                <a:gridCol w="1594520">
+                  <a:extLst>
+                    <a:ext uri="{9D8B030D-6E8A-4147-A177-3AD203B41FA5}">
+                      <a16:colId xmlns:a16="http://schemas.microsoft.com/office/drawing/2014/main" val="20002"/>
+                    </a:ext>
+                  </a:extLst>
+                </a:gridCol>
+                <a:gridCol w="576064">
+                  <a:extLst>
+                    <a:ext uri="{9D8B030D-6E8A-4147-A177-3AD203B41FA5}">
+                      <a16:colId xmlns:a16="http://schemas.microsoft.com/office/drawing/2014/main" val="20003"/>
+                    </a:ext>
+                  </a:extLst>
+                </a:gridCol>
+                <a:gridCol w="648072">
+                  <a:extLst>
+                    <a:ext uri="{9D8B030D-6E8A-4147-A177-3AD203B41FA5}">
+                      <a16:colId xmlns:a16="http://schemas.microsoft.com/office/drawing/2014/main" val="20004"/>
+                    </a:ext>
+                  </a:extLst>
+                </a:gridCol>
+                <a:gridCol w="720080">
+                  <a:extLst>
+                    <a:ext uri="{9D8B030D-6E8A-4147-A177-3AD203B41FA5}">
+                      <a16:colId xmlns:a16="http://schemas.microsoft.com/office/drawing/2014/main" val="20005"/>
+                    </a:ext>
+                  </a:extLst>
+                </a:gridCol>
+                <a:gridCol w="360040">
+                  <a:extLst>
+                    <a:ext uri="{9D8B030D-6E8A-4147-A177-3AD203B41FA5}">
+                      <a16:colId xmlns:a16="http://schemas.microsoft.com/office/drawing/2014/main" val="20006"/>
+                    </a:ext>
+                  </a:extLst>
+                </a:gridCol>
+                <a:gridCol w="432048">
+                  <a:extLst>
+                    <a:ext uri="{9D8B030D-6E8A-4147-A177-3AD203B41FA5}">
+                      <a16:colId xmlns:a16="http://schemas.microsoft.com/office/drawing/2014/main" val="20007"/>
+                    </a:ext>
+                  </a:extLst>
+                </a:gridCol>
+                <a:gridCol w="648072">
+                  <a:extLst>
+                    <a:ext uri="{9D8B030D-6E8A-4147-A177-3AD203B41FA5}">
+                      <a16:colId xmlns:a16="http://schemas.microsoft.com/office/drawing/2014/main" val="20008"/>
+                    </a:ext>
+                  </a:extLst>
+                </a:gridCol>
+                <a:gridCol w="1810544">
+                  <a:extLst>
+                    <a:ext uri="{9D8B030D-6E8A-4147-A177-3AD203B41FA5}">
+                      <a16:colId xmlns:a16="http://schemas.microsoft.com/office/drawing/2014/main" val="20009"/>
+                    </a:ext>
+                  </a:extLst>
+                </a:gridCol>
               </a:tblGrid>
               <a:tr h="147613">
                 <a:tc rowSpan="3">
@@ -30142,6 +29915,11 @@
                   </a:txBody>
                   <a:tcPr marL="5923" marR="5923" marT="5923" marB="0" anchor="ctr"/>
                 </a:tc>
+                <a:extLst>
+                  <a:ext uri="{0D108BD9-81ED-4DB2-BD59-A6C34878D82A}">
+                    <a16:rowId xmlns:a16="http://schemas.microsoft.com/office/drawing/2014/main" val="10000"/>
+                  </a:ext>
+                </a:extLst>
               </a:tr>
               <a:tr h="433879">
                 <a:tc vMerge="1">
@@ -30346,6 +30124,11 @@
                   </a:txBody>
                   <a:tcPr marL="5923" marR="5923" marT="5923" marB="0" anchor="ctr"/>
                 </a:tc>
+                <a:extLst>
+                  <a:ext uri="{0D108BD9-81ED-4DB2-BD59-A6C34878D82A}">
+                    <a16:rowId xmlns:a16="http://schemas.microsoft.com/office/drawing/2014/main" val="10001"/>
+                  </a:ext>
+                </a:extLst>
               </a:tr>
               <a:tr h="66579">
                 <a:tc vMerge="1">
@@ -30500,6 +30283,11 @@
                   </a:txBody>
                   <a:tcPr/>
                 </a:tc>
+                <a:extLst>
+                  <a:ext uri="{0D108BD9-81ED-4DB2-BD59-A6C34878D82A}">
+                    <a16:rowId xmlns:a16="http://schemas.microsoft.com/office/drawing/2014/main" val="10002"/>
+                  </a:ext>
+                </a:extLst>
               </a:tr>
               <a:tr h="713625">
                 <a:tc>
@@ -30732,6 +30520,11 @@
                   </a:txBody>
                   <a:tcPr marL="5923" marR="5923" marT="5923" marB="0" anchor="ctr"/>
                 </a:tc>
+                <a:extLst>
+                  <a:ext uri="{0D108BD9-81ED-4DB2-BD59-A6C34878D82A}">
+                    <a16:rowId xmlns:a16="http://schemas.microsoft.com/office/drawing/2014/main" val="10003"/>
+                  </a:ext>
+                </a:extLst>
               </a:tr>
               <a:tr h="513321">
                 <a:tc>
@@ -30976,6 +30769,11 @@
                   </a:txBody>
                   <a:tcPr marL="5923" marR="5923" marT="5923" marB="0" anchor="ctr"/>
                 </a:tc>
+                <a:extLst>
+                  <a:ext uri="{0D108BD9-81ED-4DB2-BD59-A6C34878D82A}">
+                    <a16:rowId xmlns:a16="http://schemas.microsoft.com/office/drawing/2014/main" val="10004"/>
+                  </a:ext>
+                </a:extLst>
               </a:tr>
               <a:tr h="580543">
                 <a:tc>
@@ -31220,6 +31018,11 @@
                   </a:txBody>
                   <a:tcPr marL="5923" marR="5923" marT="5923" marB="0" anchor="ctr"/>
                 </a:tc>
+                <a:extLst>
+                  <a:ext uri="{0D108BD9-81ED-4DB2-BD59-A6C34878D82A}">
+                    <a16:rowId xmlns:a16="http://schemas.microsoft.com/office/drawing/2014/main" val="10005"/>
+                  </a:ext>
+                </a:extLst>
               </a:tr>
               <a:tr h="430619">
                 <a:tc rowSpan="2">
@@ -31482,6 +31285,11 @@
                   </a:txBody>
                   <a:tcPr marL="5923" marR="5923" marT="5923" marB="0" anchor="ctr"/>
                 </a:tc>
+                <a:extLst>
+                  <a:ext uri="{0D108BD9-81ED-4DB2-BD59-A6C34878D82A}">
+                    <a16:rowId xmlns:a16="http://schemas.microsoft.com/office/drawing/2014/main" val="10006"/>
+                  </a:ext>
+                </a:extLst>
               </a:tr>
               <a:tr h="713625">
                 <a:tc vMerge="1">
@@ -31719,6 +31527,11 @@
                   </a:txBody>
                   <a:tcPr marL="5923" marR="5923" marT="5923" marB="0" anchor="ctr"/>
                 </a:tc>
+                <a:extLst>
+                  <a:ext uri="{0D108BD9-81ED-4DB2-BD59-A6C34878D82A}">
+                    <a16:rowId xmlns:a16="http://schemas.microsoft.com/office/drawing/2014/main" val="10007"/>
+                  </a:ext>
+                </a:extLst>
               </a:tr>
               <a:tr h="996631">
                 <a:tc>
@@ -31951,6 +31764,11 @@
                   </a:txBody>
                   <a:tcPr marL="5923" marR="5923" marT="5923" marB="0" anchor="ctr"/>
                 </a:tc>
+                <a:extLst>
+                  <a:ext uri="{0D108BD9-81ED-4DB2-BD59-A6C34878D82A}">
+                    <a16:rowId xmlns:a16="http://schemas.microsoft.com/office/drawing/2014/main" val="10008"/>
+                  </a:ext>
+                </a:extLst>
               </a:tr>
             </a:tbl>
           </a:graphicData>
@@ -31981,10 +31799,34 @@
                 <a:tableStyleId>{5C22544A-7EE6-4342-B048-85BDC9FD1C3A}</a:tableStyleId>
               </a:tblPr>
               <a:tblGrid>
-                <a:gridCol w="1016000"/>
-                <a:gridCol w="1016000"/>
-                <a:gridCol w="920328"/>
-                <a:gridCol w="1111672"/>
+                <a:gridCol w="1016000">
+                  <a:extLst>
+                    <a:ext uri="{9D8B030D-6E8A-4147-A177-3AD203B41FA5}">
+                      <a16:colId xmlns:a16="http://schemas.microsoft.com/office/drawing/2014/main" val="20000"/>
+                    </a:ext>
+                  </a:extLst>
+                </a:gridCol>
+                <a:gridCol w="1016000">
+                  <a:extLst>
+                    <a:ext uri="{9D8B030D-6E8A-4147-A177-3AD203B41FA5}">
+                      <a16:colId xmlns:a16="http://schemas.microsoft.com/office/drawing/2014/main" val="20001"/>
+                    </a:ext>
+                  </a:extLst>
+                </a:gridCol>
+                <a:gridCol w="920328">
+                  <a:extLst>
+                    <a:ext uri="{9D8B030D-6E8A-4147-A177-3AD203B41FA5}">
+                      <a16:colId xmlns:a16="http://schemas.microsoft.com/office/drawing/2014/main" val="20002"/>
+                    </a:ext>
+                  </a:extLst>
+                </a:gridCol>
+                <a:gridCol w="1111672">
+                  <a:extLst>
+                    <a:ext uri="{9D8B030D-6E8A-4147-A177-3AD203B41FA5}">
+                      <a16:colId xmlns:a16="http://schemas.microsoft.com/office/drawing/2014/main" val="20003"/>
+                    </a:ext>
+                  </a:extLst>
+                </a:gridCol>
               </a:tblGrid>
               <a:tr h="370840">
                 <a:tc>
@@ -31994,7 +31836,7 @@
                     <a:p>
                       <a:pPr algn="ctr"/>
                       <a:r>
-                        <a:rPr lang="es-CO" u="sng" dirty="0" smtClean="0"/>
+                        <a:rPr lang="es-CO" u="sng" dirty="0"/>
                         <a:t>Altos</a:t>
                       </a:r>
                       <a:endParaRPr lang="en-US" u="sng" dirty="0"/>
@@ -32009,7 +31851,7 @@
                     <a:p>
                       <a:pPr algn="ctr"/>
                       <a:r>
-                        <a:rPr lang="es-CO" dirty="0" smtClean="0"/>
+                        <a:rPr lang="es-CO" dirty="0"/>
                         <a:t>Medios</a:t>
                       </a:r>
                       <a:endParaRPr lang="en-US" dirty="0"/>
@@ -32024,7 +31866,7 @@
                     <a:p>
                       <a:pPr algn="ctr"/>
                       <a:r>
-                        <a:rPr lang="es-CO" dirty="0" smtClean="0"/>
+                        <a:rPr lang="es-CO" dirty="0"/>
                         <a:t>Bajos</a:t>
                       </a:r>
                       <a:endParaRPr lang="en-US" dirty="0"/>
@@ -32039,7 +31881,7 @@
                     <a:p>
                       <a:pPr algn="ctr"/>
                       <a:r>
-                        <a:rPr lang="es-CO" b="1" dirty="0" smtClean="0"/>
+                        <a:rPr lang="es-CO" b="1" dirty="0"/>
                         <a:t>TOTAL</a:t>
                       </a:r>
                       <a:endParaRPr lang="en-US" b="1" dirty="0"/>
@@ -32047,6 +31889,11 @@
                   </a:txBody>
                   <a:tcPr/>
                 </a:tc>
+                <a:extLst>
+                  <a:ext uri="{0D108BD9-81ED-4DB2-BD59-A6C34878D82A}">
+                    <a16:rowId xmlns:a16="http://schemas.microsoft.com/office/drawing/2014/main" val="10000"/>
+                  </a:ext>
+                </a:extLst>
               </a:tr>
               <a:tr h="370840">
                 <a:tc>
@@ -32056,7 +31903,7 @@
                     <a:p>
                       <a:pPr algn="ctr"/>
                       <a:r>
-                        <a:rPr lang="es-CO" u="sng" smtClean="0"/>
+                        <a:rPr lang="es-CO" u="sng"/>
                         <a:t>6 </a:t>
                       </a:r>
                       <a:endParaRPr lang="en-US" u="sng" dirty="0"/>
@@ -32071,7 +31918,7 @@
                     <a:p>
                       <a:pPr algn="ctr"/>
                       <a:r>
-                        <a:rPr lang="es-CO" dirty="0" smtClean="0"/>
+                        <a:rPr lang="es-CO" dirty="0"/>
                         <a:t>16</a:t>
                       </a:r>
                       <a:endParaRPr lang="en-US" dirty="0"/>
@@ -32086,7 +31933,7 @@
                     <a:p>
                       <a:pPr algn="ctr"/>
                       <a:r>
-                        <a:rPr lang="es-CO" dirty="0" smtClean="0"/>
+                        <a:rPr lang="es-CO" dirty="0"/>
                         <a:t>6</a:t>
                       </a:r>
                       <a:endParaRPr lang="en-US" dirty="0"/>
@@ -32101,7 +31948,7 @@
                     <a:p>
                       <a:pPr algn="ctr"/>
                       <a:r>
-                        <a:rPr lang="es-CO" b="1" dirty="0" smtClean="0"/>
+                        <a:rPr lang="es-CO" b="1" dirty="0"/>
                         <a:t>28</a:t>
                       </a:r>
                       <a:endParaRPr lang="en-US" b="1" dirty="0"/>
@@ -32109,6 +31956,11 @@
                   </a:txBody>
                   <a:tcPr/>
                 </a:tc>
+                <a:extLst>
+                  <a:ext uri="{0D108BD9-81ED-4DB2-BD59-A6C34878D82A}">
+                    <a16:rowId xmlns:a16="http://schemas.microsoft.com/office/drawing/2014/main" val="10001"/>
+                  </a:ext>
+                </a:extLst>
               </a:tr>
             </a:tbl>
           </a:graphicData>
@@ -32259,13 +32111,6 @@
   <p:clrMapOvr>
     <a:masterClrMapping/>
   </p:clrMapOvr>
-  <p:timing>
-    <p:tnLst>
-      <p:par>
-        <p:cTn id="1" dur="indefinite" restart="never" nodeType="tmRoot"/>
-      </p:par>
-    </p:tnLst>
-  </p:timing>
 </p:sld>
 </file>
 

--- a/PresentacionTFM.pptx
+++ b/PresentacionTFM.pptx
@@ -5,7 +5,7 @@
     <p:sldMasterId id="2147483648" r:id="rId1"/>
   </p:sldMasterIdLst>
   <p:notesMasterIdLst>
-    <p:notesMasterId r:id="rId22"/>
+    <p:notesMasterId r:id="rId23"/>
   </p:notesMasterIdLst>
   <p:sldIdLst>
     <p:sldId id="256" r:id="rId2"/>
@@ -21,13 +21,14 @@
     <p:sldId id="282" r:id="rId12"/>
     <p:sldId id="268" r:id="rId13"/>
     <p:sldId id="261" r:id="rId14"/>
-    <p:sldId id="263" r:id="rId15"/>
-    <p:sldId id="264" r:id="rId16"/>
-    <p:sldId id="273" r:id="rId17"/>
-    <p:sldId id="274" r:id="rId18"/>
-    <p:sldId id="275" r:id="rId19"/>
-    <p:sldId id="279" r:id="rId20"/>
-    <p:sldId id="276" r:id="rId21"/>
+    <p:sldId id="284" r:id="rId15"/>
+    <p:sldId id="263" r:id="rId16"/>
+    <p:sldId id="264" r:id="rId17"/>
+    <p:sldId id="273" r:id="rId18"/>
+    <p:sldId id="274" r:id="rId19"/>
+    <p:sldId id="275" r:id="rId20"/>
+    <p:sldId id="279" r:id="rId21"/>
+    <p:sldId id="276" r:id="rId22"/>
   </p:sldIdLst>
   <p:sldSz cx="9144000" cy="6858000" type="screen4x3"/>
   <p:notesSz cx="6858000" cy="9144000"/>
@@ -146,7 +147,7 @@
 </file>
 
 <file path=ppt/charts/chart1.xml><?xml version="1.0" encoding="utf-8"?>
-<c:chartSpace xmlns:c="http://schemas.openxmlformats.org/drawingml/2006/chart" xmlns:a="http://schemas.openxmlformats.org/drawingml/2006/main" xmlns:r="http://schemas.openxmlformats.org/officeDocument/2006/relationships" xmlns:c16r2="http://schemas.microsoft.com/office/drawing/2015/06/chart">
+<c:chartSpace xmlns:c="http://schemas.openxmlformats.org/drawingml/2006/chart" xmlns:a="http://schemas.openxmlformats.org/drawingml/2006/main" xmlns:r="http://schemas.openxmlformats.org/officeDocument/2006/relationships">
   <c:date1904 val="0"/>
   <c:lang val="es-ES"/>
   <c:roundedCorners val="0"/>
@@ -160,6 +161,7 @@
   </mc:AlternateContent>
   <c:chart>
     <c:title>
+      <c:layout/>
       <c:overlay val="0"/>
     </c:title>
     <c:autoTitleDeleted val="0"/>
@@ -195,7 +197,7 @@
                 </a:schemeClr>
               </a:solidFill>
             </c:spPr>
-            <c:extLst>
+            <c:extLst xmlns:c16r2="http://schemas.microsoft.com/office/drawing/2015/06/chart">
               <c:ext xmlns:c16="http://schemas.microsoft.com/office/drawing/2014/chart" uri="{C3380CC4-5D6E-409C-BE32-E72D297353CC}">
                 <c16:uniqueId val="{00000001-7FAE-4DE2-9E53-2745BD19EAFA}"/>
               </c:ext>
@@ -210,7 +212,7 @@
                 <a:srgbClr val="FF0000"/>
               </a:solidFill>
             </c:spPr>
-            <c:extLst>
+            <c:extLst xmlns:c16r2="http://schemas.microsoft.com/office/drawing/2015/06/chart">
               <c:ext xmlns:c16="http://schemas.microsoft.com/office/drawing/2014/chart" uri="{C3380CC4-5D6E-409C-BE32-E72D297353CC}">
                 <c16:uniqueId val="{00000003-7FAE-4DE2-9E53-2745BD19EAFA}"/>
               </c:ext>
@@ -225,7 +227,7 @@
                 <a:srgbClr val="FF0000"/>
               </a:solidFill>
             </c:spPr>
-            <c:extLst>
+            <c:extLst xmlns:c16r2="http://schemas.microsoft.com/office/drawing/2015/06/chart">
               <c:ext xmlns:c16="http://schemas.microsoft.com/office/drawing/2014/chart" uri="{C3380CC4-5D6E-409C-BE32-E72D297353CC}">
                 <c16:uniqueId val="{00000005-7FAE-4DE2-9E53-2745BD19EAFA}"/>
               </c:ext>
@@ -242,7 +244,7 @@
                 </a:schemeClr>
               </a:solidFill>
             </c:spPr>
-            <c:extLst>
+            <c:extLst xmlns:c16r2="http://schemas.microsoft.com/office/drawing/2015/06/chart">
               <c:ext xmlns:c16="http://schemas.microsoft.com/office/drawing/2014/chart" uri="{C3380CC4-5D6E-409C-BE32-E72D297353CC}">
                 <c16:uniqueId val="{00000007-7FAE-4DE2-9E53-2745BD19EAFA}"/>
               </c:ext>
@@ -257,7 +259,7 @@
                 <a:srgbClr val="FFFF00"/>
               </a:solidFill>
             </c:spPr>
-            <c:extLst>
+            <c:extLst xmlns:c16r2="http://schemas.microsoft.com/office/drawing/2015/06/chart">
               <c:ext xmlns:c16="http://schemas.microsoft.com/office/drawing/2014/chart" uri="{C3380CC4-5D6E-409C-BE32-E72D297353CC}">
                 <c16:uniqueId val="{00000009-7FAE-4DE2-9E53-2745BD19EAFA}"/>
               </c:ext>
@@ -272,7 +274,7 @@
                 <a:srgbClr val="FF0000"/>
               </a:solidFill>
             </c:spPr>
-            <c:extLst>
+            <c:extLst xmlns:c16r2="http://schemas.microsoft.com/office/drawing/2015/06/chart">
               <c:ext xmlns:c16="http://schemas.microsoft.com/office/drawing/2014/chart" uri="{C3380CC4-5D6E-409C-BE32-E72D297353CC}">
                 <c16:uniqueId val="{0000000B-7FAE-4DE2-9E53-2745BD19EAFA}"/>
               </c:ext>
@@ -287,7 +289,7 @@
                 <a:srgbClr val="FFFF00"/>
               </a:solidFill>
             </c:spPr>
-            <c:extLst>
+            <c:extLst xmlns:c16r2="http://schemas.microsoft.com/office/drawing/2015/06/chart">
               <c:ext xmlns:c16="http://schemas.microsoft.com/office/drawing/2014/chart" uri="{C3380CC4-5D6E-409C-BE32-E72D297353CC}">
                 <c16:uniqueId val="{0000000D-7FAE-4DE2-9E53-2745BD19EAFA}"/>
               </c:ext>
@@ -307,7 +309,7 @@
                 </a:solidFill>
               </a:ln>
             </c:spPr>
-            <c:extLst>
+            <c:extLst xmlns:c16r2="http://schemas.microsoft.com/office/drawing/2015/06/chart">
               <c:ext xmlns:c16="http://schemas.microsoft.com/office/drawing/2014/chart" uri="{C3380CC4-5D6E-409C-BE32-E72D297353CC}">
                 <c16:uniqueId val="{0000000F-7FAE-4DE2-9E53-2745BD19EAFA}"/>
               </c:ext>
@@ -378,7 +380,7 @@
               </c:numCache>
             </c:numRef>
           </c:val>
-          <c:extLst>
+          <c:extLst xmlns:c16r2="http://schemas.microsoft.com/office/drawing/2015/06/chart">
             <c:ext xmlns:c16="http://schemas.microsoft.com/office/drawing/2014/chart" uri="{C3380CC4-5D6E-409C-BE32-E72D297353CC}">
               <c16:uniqueId val="{00000010-7FAE-4DE2-9E53-2745BD19EAFA}"/>
             </c:ext>
@@ -393,11 +395,11 @@
           <c:showBubbleSize val="0"/>
         </c:dLbls>
         <c:gapWidth val="150"/>
-        <c:axId val="144410248"/>
-        <c:axId val="144412208"/>
+        <c:axId val="274915784"/>
+        <c:axId val="274916176"/>
       </c:barChart>
       <c:catAx>
-        <c:axId val="144410248"/>
+        <c:axId val="274915784"/>
         <c:scaling>
           <c:orientation val="minMax"/>
         </c:scaling>
@@ -407,7 +409,7 @@
         <c:majorTickMark val="none"/>
         <c:minorTickMark val="none"/>
         <c:tickLblPos val="nextTo"/>
-        <c:crossAx val="144412208"/>
+        <c:crossAx val="274916176"/>
         <c:crosses val="autoZero"/>
         <c:auto val="1"/>
         <c:lblAlgn val="ctr"/>
@@ -415,7 +417,7 @@
         <c:noMultiLvlLbl val="0"/>
       </c:catAx>
       <c:valAx>
-        <c:axId val="144412208"/>
+        <c:axId val="274916176"/>
         <c:scaling>
           <c:orientation val="minMax"/>
         </c:scaling>
@@ -423,13 +425,14 @@
         <c:axPos val="b"/>
         <c:majorGridlines/>
         <c:title>
+          <c:layout/>
           <c:overlay val="0"/>
         </c:title>
         <c:numFmt formatCode="0%" sourceLinked="1"/>
         <c:majorTickMark val="none"/>
         <c:minorTickMark val="none"/>
         <c:tickLblPos val="nextTo"/>
-        <c:crossAx val="144410248"/>
+        <c:crossAx val="274915784"/>
         <c:crosses val="autoZero"/>
         <c:crossBetween val="between"/>
       </c:valAx>
@@ -2907,6 +2910,788 @@
 </file>
 
 <file path=ppt/diagrams/colors4.xml><?xml version="1.0" encoding="utf-8"?>
+<dgm:colorsDef xmlns:dgm="http://schemas.openxmlformats.org/drawingml/2006/diagram" xmlns:a="http://schemas.openxmlformats.org/drawingml/2006/main" uniqueId="urn:microsoft.com/office/officeart/2005/8/colors/colorful5">
+  <dgm:title val=""/>
+  <dgm:desc val=""/>
+  <dgm:catLst>
+    <dgm:cat type="colorful" pri="10500"/>
+  </dgm:catLst>
+  <dgm:styleLbl name="node0">
+    <dgm:fillClrLst meth="repeat">
+      <a:schemeClr val="accent4"/>
+    </dgm:fillClrLst>
+    <dgm:linClrLst meth="repeat">
+      <a:schemeClr val="lt1"/>
+    </dgm:linClrLst>
+    <dgm:effectClrLst/>
+    <dgm:txLinClrLst/>
+    <dgm:txFillClrLst/>
+    <dgm:txEffectClrLst/>
+  </dgm:styleLbl>
+  <dgm:styleLbl name="node1">
+    <dgm:fillClrLst>
+      <a:schemeClr val="accent5"/>
+      <a:schemeClr val="accent6"/>
+    </dgm:fillClrLst>
+    <dgm:linClrLst meth="repeat">
+      <a:schemeClr val="lt1"/>
+    </dgm:linClrLst>
+    <dgm:effectClrLst/>
+    <dgm:txLinClrLst/>
+    <dgm:txFillClrLst/>
+    <dgm:txEffectClrLst/>
+  </dgm:styleLbl>
+  <dgm:styleLbl name="alignNode1">
+    <dgm:fillClrLst>
+      <a:schemeClr val="accent5"/>
+      <a:schemeClr val="accent6"/>
+    </dgm:fillClrLst>
+    <dgm:linClrLst>
+      <a:schemeClr val="accent5"/>
+      <a:schemeClr val="accent6"/>
+    </dgm:linClrLst>
+    <dgm:effectClrLst/>
+    <dgm:txLinClrLst/>
+    <dgm:txFillClrLst/>
+    <dgm:txEffectClrLst/>
+  </dgm:styleLbl>
+  <dgm:styleLbl name="lnNode1">
+    <dgm:fillClrLst>
+      <a:schemeClr val="accent5"/>
+      <a:schemeClr val="accent6"/>
+    </dgm:fillClrLst>
+    <dgm:linClrLst meth="repeat">
+      <a:schemeClr val="lt1"/>
+    </dgm:linClrLst>
+    <dgm:effectClrLst/>
+    <dgm:txLinClrLst/>
+    <dgm:txFillClrLst/>
+    <dgm:txEffectClrLst/>
+  </dgm:styleLbl>
+  <dgm:styleLbl name="vennNode1">
+    <dgm:fillClrLst>
+      <a:schemeClr val="accent5">
+        <a:alpha val="50000"/>
+      </a:schemeClr>
+      <a:schemeClr val="accent6">
+        <a:alpha val="50000"/>
+      </a:schemeClr>
+    </dgm:fillClrLst>
+    <dgm:linClrLst meth="repeat">
+      <a:schemeClr val="lt1"/>
+    </dgm:linClrLst>
+    <dgm:effectClrLst/>
+    <dgm:txLinClrLst/>
+    <dgm:txFillClrLst/>
+    <dgm:txEffectClrLst/>
+  </dgm:styleLbl>
+  <dgm:styleLbl name="node2">
+    <dgm:fillClrLst>
+      <a:schemeClr val="accent6"/>
+    </dgm:fillClrLst>
+    <dgm:linClrLst meth="repeat">
+      <a:schemeClr val="lt1"/>
+    </dgm:linClrLst>
+    <dgm:effectClrLst/>
+    <dgm:txLinClrLst/>
+    <dgm:txFillClrLst/>
+    <dgm:txEffectClrLst/>
+  </dgm:styleLbl>
+  <dgm:styleLbl name="node3">
+    <dgm:fillClrLst>
+      <a:schemeClr val="accent1"/>
+    </dgm:fillClrLst>
+    <dgm:linClrLst meth="repeat">
+      <a:schemeClr val="lt1"/>
+    </dgm:linClrLst>
+    <dgm:effectClrLst/>
+    <dgm:txLinClrLst/>
+    <dgm:txFillClrLst/>
+    <dgm:txEffectClrLst/>
+  </dgm:styleLbl>
+  <dgm:styleLbl name="node4">
+    <dgm:fillClrLst>
+      <a:schemeClr val="accent2"/>
+    </dgm:fillClrLst>
+    <dgm:linClrLst meth="repeat">
+      <a:schemeClr val="lt1"/>
+    </dgm:linClrLst>
+    <dgm:effectClrLst/>
+    <dgm:txLinClrLst/>
+    <dgm:txFillClrLst/>
+    <dgm:txEffectClrLst/>
+  </dgm:styleLbl>
+  <dgm:styleLbl name="fgImgPlace1">
+    <dgm:fillClrLst>
+      <a:schemeClr val="accent5">
+        <a:tint val="50000"/>
+      </a:schemeClr>
+      <a:schemeClr val="accent6">
+        <a:tint val="50000"/>
+      </a:schemeClr>
+    </dgm:fillClrLst>
+    <dgm:linClrLst meth="repeat">
+      <a:schemeClr val="lt1"/>
+    </dgm:linClrLst>
+    <dgm:effectClrLst/>
+    <dgm:txLinClrLst/>
+    <dgm:txFillClrLst meth="repeat">
+      <a:schemeClr val="lt1"/>
+    </dgm:txFillClrLst>
+    <dgm:txEffectClrLst/>
+  </dgm:styleLbl>
+  <dgm:styleLbl name="alignImgPlace1">
+    <dgm:fillClrLst>
+      <a:schemeClr val="accent5">
+        <a:tint val="50000"/>
+      </a:schemeClr>
+      <a:schemeClr val="accent6">
+        <a:tint val="20000"/>
+      </a:schemeClr>
+    </dgm:fillClrLst>
+    <dgm:linClrLst meth="repeat">
+      <a:schemeClr val="lt1"/>
+    </dgm:linClrLst>
+    <dgm:effectClrLst/>
+    <dgm:txLinClrLst/>
+    <dgm:txFillClrLst meth="repeat">
+      <a:schemeClr val="lt1"/>
+    </dgm:txFillClrLst>
+    <dgm:txEffectClrLst/>
+  </dgm:styleLbl>
+  <dgm:styleLbl name="bgImgPlace1">
+    <dgm:fillClrLst>
+      <a:schemeClr val="accent5">
+        <a:tint val="50000"/>
+      </a:schemeClr>
+      <a:schemeClr val="accent6">
+        <a:tint val="20000"/>
+      </a:schemeClr>
+    </dgm:fillClrLst>
+    <dgm:linClrLst meth="repeat">
+      <a:schemeClr val="lt1"/>
+    </dgm:linClrLst>
+    <dgm:effectClrLst/>
+    <dgm:txLinClrLst/>
+    <dgm:txFillClrLst meth="repeat">
+      <a:schemeClr val="lt1"/>
+    </dgm:txFillClrLst>
+    <dgm:txEffectClrLst/>
+  </dgm:styleLbl>
+  <dgm:styleLbl name="sibTrans2D1">
+    <dgm:fillClrLst>
+      <a:schemeClr val="accent5"/>
+      <a:schemeClr val="accent6"/>
+    </dgm:fillClrLst>
+    <dgm:linClrLst meth="repeat">
+      <a:schemeClr val="lt1"/>
+    </dgm:linClrLst>
+    <dgm:effectClrLst/>
+    <dgm:txLinClrLst/>
+    <dgm:txFillClrLst/>
+    <dgm:txEffectClrLst/>
+  </dgm:styleLbl>
+  <dgm:styleLbl name="fgSibTrans2D1">
+    <dgm:fillClrLst>
+      <a:schemeClr val="accent5"/>
+      <a:schemeClr val="accent6"/>
+    </dgm:fillClrLst>
+    <dgm:linClrLst meth="repeat">
+      <a:schemeClr val="lt1"/>
+    </dgm:linClrLst>
+    <dgm:effectClrLst/>
+    <dgm:txLinClrLst/>
+    <dgm:txFillClrLst meth="repeat">
+      <a:schemeClr val="lt1"/>
+    </dgm:txFillClrLst>
+    <dgm:txEffectClrLst/>
+  </dgm:styleLbl>
+  <dgm:styleLbl name="bgSibTrans2D1">
+    <dgm:fillClrLst>
+      <a:schemeClr val="accent5"/>
+      <a:schemeClr val="accent6"/>
+    </dgm:fillClrLst>
+    <dgm:linClrLst meth="repeat">
+      <a:schemeClr val="lt1"/>
+    </dgm:linClrLst>
+    <dgm:effectClrLst/>
+    <dgm:txLinClrLst/>
+    <dgm:txFillClrLst meth="repeat">
+      <a:schemeClr val="lt1"/>
+    </dgm:txFillClrLst>
+    <dgm:txEffectClrLst/>
+  </dgm:styleLbl>
+  <dgm:styleLbl name="sibTrans1D1">
+    <dgm:fillClrLst/>
+    <dgm:linClrLst>
+      <a:schemeClr val="accent5"/>
+      <a:schemeClr val="accent6"/>
+    </dgm:linClrLst>
+    <dgm:effectClrLst/>
+    <dgm:txLinClrLst/>
+    <dgm:txFillClrLst meth="repeat">
+      <a:schemeClr val="tx1"/>
+    </dgm:txFillClrLst>
+    <dgm:txEffectClrLst/>
+  </dgm:styleLbl>
+  <dgm:styleLbl name="callout">
+    <dgm:fillClrLst meth="repeat">
+      <a:schemeClr val="accent5"/>
+    </dgm:fillClrLst>
+    <dgm:linClrLst meth="repeat">
+      <a:schemeClr val="accent5">
+        <a:tint val="50000"/>
+      </a:schemeClr>
+    </dgm:linClrLst>
+    <dgm:effectClrLst/>
+    <dgm:txLinClrLst/>
+    <dgm:txFillClrLst meth="repeat">
+      <a:schemeClr val="tx1"/>
+    </dgm:txFillClrLst>
+    <dgm:txEffectClrLst/>
+  </dgm:styleLbl>
+  <dgm:styleLbl name="asst0">
+    <dgm:fillClrLst meth="repeat">
+      <a:schemeClr val="accent5"/>
+    </dgm:fillClrLst>
+    <dgm:linClrLst meth="repeat">
+      <a:schemeClr val="lt1">
+        <a:shade val="80000"/>
+      </a:schemeClr>
+    </dgm:linClrLst>
+    <dgm:effectClrLst/>
+    <dgm:txLinClrLst/>
+    <dgm:txFillClrLst/>
+    <dgm:txEffectClrLst/>
+  </dgm:styleLbl>
+  <dgm:styleLbl name="asst1">
+    <dgm:fillClrLst meth="repeat">
+      <a:schemeClr val="accent6"/>
+    </dgm:fillClrLst>
+    <dgm:linClrLst meth="repeat">
+      <a:schemeClr val="lt1">
+        <a:shade val="80000"/>
+      </a:schemeClr>
+    </dgm:linClrLst>
+    <dgm:effectClrLst/>
+    <dgm:txLinClrLst/>
+    <dgm:txFillClrLst/>
+    <dgm:txEffectClrLst/>
+  </dgm:styleLbl>
+  <dgm:styleLbl name="asst2">
+    <dgm:fillClrLst>
+      <a:schemeClr val="accent1"/>
+    </dgm:fillClrLst>
+    <dgm:linClrLst meth="repeat">
+      <a:schemeClr val="lt1"/>
+    </dgm:linClrLst>
+    <dgm:effectClrLst/>
+    <dgm:txLinClrLst/>
+    <dgm:txFillClrLst/>
+    <dgm:txEffectClrLst/>
+  </dgm:styleLbl>
+  <dgm:styleLbl name="asst3">
+    <dgm:fillClrLst>
+      <a:schemeClr val="accent2"/>
+    </dgm:fillClrLst>
+    <dgm:linClrLst meth="repeat">
+      <a:schemeClr val="lt1"/>
+    </dgm:linClrLst>
+    <dgm:effectClrLst/>
+    <dgm:txLinClrLst/>
+    <dgm:txFillClrLst/>
+    <dgm:txEffectClrLst/>
+  </dgm:styleLbl>
+  <dgm:styleLbl name="asst4">
+    <dgm:fillClrLst>
+      <a:schemeClr val="accent3"/>
+    </dgm:fillClrLst>
+    <dgm:linClrLst meth="repeat">
+      <a:schemeClr val="lt1"/>
+    </dgm:linClrLst>
+    <dgm:effectClrLst/>
+    <dgm:txLinClrLst/>
+    <dgm:txFillClrLst/>
+    <dgm:txEffectClrLst/>
+  </dgm:styleLbl>
+  <dgm:styleLbl name="parChTrans2D1">
+    <dgm:fillClrLst meth="repeat">
+      <a:schemeClr val="accent5"/>
+    </dgm:fillClrLst>
+    <dgm:linClrLst meth="repeat">
+      <a:schemeClr val="lt1"/>
+    </dgm:linClrLst>
+    <dgm:effectClrLst/>
+    <dgm:txLinClrLst/>
+    <dgm:txFillClrLst meth="repeat">
+      <a:schemeClr val="lt1"/>
+    </dgm:txFillClrLst>
+    <dgm:txEffectClrLst/>
+  </dgm:styleLbl>
+  <dgm:styleLbl name="parChTrans2D2">
+    <dgm:fillClrLst meth="repeat">
+      <a:schemeClr val="accent6"/>
+    </dgm:fillClrLst>
+    <dgm:linClrLst meth="repeat">
+      <a:schemeClr val="lt1"/>
+    </dgm:linClrLst>
+    <dgm:effectClrLst/>
+    <dgm:txLinClrLst/>
+    <dgm:txFillClrLst/>
+    <dgm:txEffectClrLst/>
+  </dgm:styleLbl>
+  <dgm:styleLbl name="parChTrans2D3">
+    <dgm:fillClrLst meth="repeat">
+      <a:schemeClr val="accent6"/>
+    </dgm:fillClrLst>
+    <dgm:linClrLst meth="repeat">
+      <a:schemeClr val="lt1"/>
+    </dgm:linClrLst>
+    <dgm:effectClrLst/>
+    <dgm:txLinClrLst/>
+    <dgm:txFillClrLst/>
+    <dgm:txEffectClrLst/>
+  </dgm:styleLbl>
+  <dgm:styleLbl name="parChTrans2D4">
+    <dgm:fillClrLst meth="repeat">
+      <a:schemeClr val="accent1"/>
+    </dgm:fillClrLst>
+    <dgm:linClrLst meth="repeat">
+      <a:schemeClr val="lt1"/>
+    </dgm:linClrLst>
+    <dgm:effectClrLst/>
+    <dgm:txLinClrLst/>
+    <dgm:txFillClrLst meth="repeat">
+      <a:schemeClr val="lt1"/>
+    </dgm:txFillClrLst>
+    <dgm:txEffectClrLst/>
+  </dgm:styleLbl>
+  <dgm:styleLbl name="parChTrans1D1">
+    <dgm:fillClrLst meth="repeat">
+      <a:schemeClr val="accent5"/>
+    </dgm:fillClrLst>
+    <dgm:linClrLst meth="repeat">
+      <a:schemeClr val="accent5"/>
+    </dgm:linClrLst>
+    <dgm:effectClrLst/>
+    <dgm:txLinClrLst/>
+    <dgm:txFillClrLst meth="repeat">
+      <a:schemeClr val="tx1"/>
+    </dgm:txFillClrLst>
+    <dgm:txEffectClrLst/>
+  </dgm:styleLbl>
+  <dgm:styleLbl name="parChTrans1D2">
+    <dgm:fillClrLst meth="repeat">
+      <a:schemeClr val="accent6">
+        <a:tint val="90000"/>
+      </a:schemeClr>
+    </dgm:fillClrLst>
+    <dgm:linClrLst meth="repeat">
+      <a:schemeClr val="accent6"/>
+    </dgm:linClrLst>
+    <dgm:effectClrLst/>
+    <dgm:txLinClrLst/>
+    <dgm:txFillClrLst meth="repeat">
+      <a:schemeClr val="tx1"/>
+    </dgm:txFillClrLst>
+    <dgm:txEffectClrLst/>
+  </dgm:styleLbl>
+  <dgm:styleLbl name="parChTrans1D3">
+    <dgm:fillClrLst meth="repeat">
+      <a:schemeClr val="accent6">
+        <a:tint val="70000"/>
+      </a:schemeClr>
+    </dgm:fillClrLst>
+    <dgm:linClrLst meth="repeat">
+      <a:schemeClr val="accent1"/>
+    </dgm:linClrLst>
+    <dgm:effectClrLst/>
+    <dgm:txLinClrLst/>
+    <dgm:txFillClrLst meth="repeat">
+      <a:schemeClr val="tx1"/>
+    </dgm:txFillClrLst>
+    <dgm:txEffectClrLst/>
+  </dgm:styleLbl>
+  <dgm:styleLbl name="parChTrans1D4">
+    <dgm:fillClrLst meth="repeat">
+      <a:schemeClr val="accent6">
+        <a:tint val="50000"/>
+      </a:schemeClr>
+    </dgm:fillClrLst>
+    <dgm:linClrLst meth="repeat">
+      <a:schemeClr val="accent2"/>
+    </dgm:linClrLst>
+    <dgm:effectClrLst/>
+    <dgm:txLinClrLst/>
+    <dgm:txFillClrLst meth="repeat">
+      <a:schemeClr val="tx1"/>
+    </dgm:txFillClrLst>
+    <dgm:txEffectClrLst/>
+  </dgm:styleLbl>
+  <dgm:styleLbl name="fgAcc1">
+    <dgm:fillClrLst meth="repeat">
+      <a:schemeClr val="lt1">
+        <a:alpha val="90000"/>
+      </a:schemeClr>
+    </dgm:fillClrLst>
+    <dgm:linClrLst>
+      <a:schemeClr val="accent5"/>
+      <a:schemeClr val="accent6"/>
+    </dgm:linClrLst>
+    <dgm:effectClrLst/>
+    <dgm:txLinClrLst/>
+    <dgm:txFillClrLst meth="repeat">
+      <a:schemeClr val="dk1"/>
+    </dgm:txFillClrLst>
+    <dgm:txEffectClrLst/>
+  </dgm:styleLbl>
+  <dgm:styleLbl name="conFgAcc1">
+    <dgm:fillClrLst meth="repeat">
+      <a:schemeClr val="lt1">
+        <a:alpha val="90000"/>
+      </a:schemeClr>
+    </dgm:fillClrLst>
+    <dgm:linClrLst>
+      <a:schemeClr val="accent5"/>
+      <a:schemeClr val="accent6"/>
+    </dgm:linClrLst>
+    <dgm:effectClrLst/>
+    <dgm:txLinClrLst/>
+    <dgm:txFillClrLst meth="repeat">
+      <a:schemeClr val="dk1"/>
+    </dgm:txFillClrLst>
+    <dgm:txEffectClrLst/>
+  </dgm:styleLbl>
+  <dgm:styleLbl name="alignAcc1">
+    <dgm:fillClrLst meth="repeat">
+      <a:schemeClr val="lt1">
+        <a:alpha val="90000"/>
+      </a:schemeClr>
+    </dgm:fillClrLst>
+    <dgm:linClrLst>
+      <a:schemeClr val="accent5"/>
+      <a:schemeClr val="accent6"/>
+    </dgm:linClrLst>
+    <dgm:effectClrLst/>
+    <dgm:txLinClrLst/>
+    <dgm:txFillClrLst meth="repeat">
+      <a:schemeClr val="dk1"/>
+    </dgm:txFillClrLst>
+    <dgm:txEffectClrLst/>
+  </dgm:styleLbl>
+  <dgm:styleLbl name="trAlignAcc1">
+    <dgm:fillClrLst meth="repeat">
+      <a:schemeClr val="lt1">
+        <a:alpha val="40000"/>
+      </a:schemeClr>
+    </dgm:fillClrLst>
+    <dgm:linClrLst meth="repeat">
+      <a:schemeClr val="accent5"/>
+    </dgm:linClrLst>
+    <dgm:effectClrLst/>
+    <dgm:txLinClrLst/>
+    <dgm:txFillClrLst meth="repeat">
+      <a:schemeClr val="dk1"/>
+    </dgm:txFillClrLst>
+    <dgm:txEffectClrLst/>
+  </dgm:styleLbl>
+  <dgm:styleLbl name="bgAcc1">
+    <dgm:fillClrLst meth="repeat">
+      <a:schemeClr val="lt1">
+        <a:alpha val="90000"/>
+      </a:schemeClr>
+    </dgm:fillClrLst>
+    <dgm:linClrLst>
+      <a:schemeClr val="accent5"/>
+      <a:schemeClr val="accent6"/>
+    </dgm:linClrLst>
+    <dgm:effectClrLst/>
+    <dgm:txLinClrLst/>
+    <dgm:txFillClrLst meth="repeat">
+      <a:schemeClr val="dk1"/>
+    </dgm:txFillClrLst>
+    <dgm:txEffectClrLst/>
+  </dgm:styleLbl>
+  <dgm:styleLbl name="solidFgAcc1">
+    <dgm:fillClrLst meth="repeat">
+      <a:schemeClr val="lt1"/>
+    </dgm:fillClrLst>
+    <dgm:linClrLst>
+      <a:schemeClr val="accent5"/>
+      <a:schemeClr val="accent6"/>
+    </dgm:linClrLst>
+    <dgm:effectClrLst/>
+    <dgm:txLinClrLst/>
+    <dgm:txFillClrLst meth="repeat">
+      <a:schemeClr val="dk1"/>
+    </dgm:txFillClrLst>
+    <dgm:txEffectClrLst/>
+  </dgm:styleLbl>
+  <dgm:styleLbl name="solidAlignAcc1">
+    <dgm:fillClrLst meth="repeat">
+      <a:schemeClr val="lt1"/>
+    </dgm:fillClrLst>
+    <dgm:linClrLst>
+      <a:schemeClr val="accent5"/>
+      <a:schemeClr val="accent6"/>
+    </dgm:linClrLst>
+    <dgm:effectClrLst/>
+    <dgm:txLinClrLst/>
+    <dgm:txFillClrLst meth="repeat">
+      <a:schemeClr val="dk1"/>
+    </dgm:txFillClrLst>
+    <dgm:txEffectClrLst/>
+  </dgm:styleLbl>
+  <dgm:styleLbl name="solidBgAcc1">
+    <dgm:fillClrLst meth="repeat">
+      <a:schemeClr val="lt1"/>
+    </dgm:fillClrLst>
+    <dgm:linClrLst>
+      <a:schemeClr val="accent5"/>
+      <a:schemeClr val="accent6"/>
+    </dgm:linClrLst>
+    <dgm:effectClrLst/>
+    <dgm:txLinClrLst/>
+    <dgm:txFillClrLst meth="repeat">
+      <a:schemeClr val="dk1"/>
+    </dgm:txFillClrLst>
+    <dgm:txEffectClrLst/>
+  </dgm:styleLbl>
+  <dgm:styleLbl name="fgAccFollowNode1">
+    <dgm:fillClrLst>
+      <a:schemeClr val="accent5">
+        <a:tint val="40000"/>
+        <a:alpha val="90000"/>
+      </a:schemeClr>
+      <a:schemeClr val="accent6">
+        <a:tint val="40000"/>
+        <a:alpha val="90000"/>
+      </a:schemeClr>
+    </dgm:fillClrLst>
+    <dgm:linClrLst>
+      <a:schemeClr val="accent5">
+        <a:tint val="40000"/>
+        <a:alpha val="90000"/>
+      </a:schemeClr>
+      <a:schemeClr val="accent5">
+        <a:tint val="40000"/>
+        <a:alpha val="90000"/>
+      </a:schemeClr>
+    </dgm:linClrLst>
+    <dgm:effectClrLst/>
+    <dgm:txLinClrLst/>
+    <dgm:txFillClrLst meth="repeat">
+      <a:schemeClr val="dk1"/>
+    </dgm:txFillClrLst>
+    <dgm:txEffectClrLst/>
+  </dgm:styleLbl>
+  <dgm:styleLbl name="alignAccFollowNode1">
+    <dgm:fillClrLst>
+      <a:schemeClr val="accent5">
+        <a:tint val="40000"/>
+        <a:alpha val="90000"/>
+      </a:schemeClr>
+      <a:schemeClr val="accent6">
+        <a:tint val="40000"/>
+        <a:alpha val="90000"/>
+      </a:schemeClr>
+    </dgm:fillClrLst>
+    <dgm:linClrLst>
+      <a:schemeClr val="accent5">
+        <a:tint val="40000"/>
+        <a:alpha val="90000"/>
+      </a:schemeClr>
+      <a:schemeClr val="accent6">
+        <a:tint val="40000"/>
+        <a:alpha val="90000"/>
+      </a:schemeClr>
+    </dgm:linClrLst>
+    <dgm:effectClrLst/>
+    <dgm:txLinClrLst/>
+    <dgm:txFillClrLst meth="repeat">
+      <a:schemeClr val="dk1"/>
+    </dgm:txFillClrLst>
+    <dgm:txEffectClrLst/>
+  </dgm:styleLbl>
+  <dgm:styleLbl name="bgAccFollowNode1">
+    <dgm:fillClrLst>
+      <a:schemeClr val="accent5">
+        <a:tint val="40000"/>
+        <a:alpha val="90000"/>
+      </a:schemeClr>
+      <a:schemeClr val="accent6">
+        <a:tint val="40000"/>
+        <a:alpha val="90000"/>
+      </a:schemeClr>
+    </dgm:fillClrLst>
+    <dgm:linClrLst>
+      <a:schemeClr val="accent5">
+        <a:tint val="40000"/>
+        <a:alpha val="90000"/>
+      </a:schemeClr>
+      <a:schemeClr val="accent6">
+        <a:tint val="40000"/>
+        <a:alpha val="90000"/>
+      </a:schemeClr>
+    </dgm:linClrLst>
+    <dgm:effectClrLst/>
+    <dgm:txLinClrLst/>
+    <dgm:txFillClrLst meth="repeat">
+      <a:schemeClr val="dk1"/>
+    </dgm:txFillClrLst>
+    <dgm:txEffectClrLst/>
+  </dgm:styleLbl>
+  <dgm:styleLbl name="fgAcc0">
+    <dgm:fillClrLst meth="repeat">
+      <a:schemeClr val="lt1">
+        <a:alpha val="90000"/>
+      </a:schemeClr>
+    </dgm:fillClrLst>
+    <dgm:linClrLst>
+      <a:schemeClr val="accent4"/>
+    </dgm:linClrLst>
+    <dgm:effectClrLst/>
+    <dgm:txLinClrLst/>
+    <dgm:txFillClrLst meth="repeat">
+      <a:schemeClr val="dk1"/>
+    </dgm:txFillClrLst>
+    <dgm:txEffectClrLst/>
+  </dgm:styleLbl>
+  <dgm:styleLbl name="fgAcc2">
+    <dgm:fillClrLst meth="repeat">
+      <a:schemeClr val="lt1">
+        <a:alpha val="90000"/>
+      </a:schemeClr>
+    </dgm:fillClrLst>
+    <dgm:linClrLst>
+      <a:schemeClr val="accent6"/>
+    </dgm:linClrLst>
+    <dgm:effectClrLst/>
+    <dgm:txLinClrLst/>
+    <dgm:txFillClrLst meth="repeat">
+      <a:schemeClr val="dk1"/>
+    </dgm:txFillClrLst>
+    <dgm:txEffectClrLst/>
+  </dgm:styleLbl>
+  <dgm:styleLbl name="fgAcc3">
+    <dgm:fillClrLst meth="repeat">
+      <a:schemeClr val="lt1">
+        <a:alpha val="90000"/>
+      </a:schemeClr>
+    </dgm:fillClrLst>
+    <dgm:linClrLst>
+      <a:schemeClr val="accent1"/>
+    </dgm:linClrLst>
+    <dgm:effectClrLst/>
+    <dgm:txLinClrLst/>
+    <dgm:txFillClrLst meth="repeat">
+      <a:schemeClr val="dk1"/>
+    </dgm:txFillClrLst>
+    <dgm:txEffectClrLst/>
+  </dgm:styleLbl>
+  <dgm:styleLbl name="fgAcc4">
+    <dgm:fillClrLst meth="repeat">
+      <a:schemeClr val="lt1">
+        <a:alpha val="90000"/>
+      </a:schemeClr>
+    </dgm:fillClrLst>
+    <dgm:linClrLst>
+      <a:schemeClr val="accent2"/>
+    </dgm:linClrLst>
+    <dgm:effectClrLst/>
+    <dgm:txLinClrLst/>
+    <dgm:txFillClrLst meth="repeat">
+      <a:schemeClr val="dk1"/>
+    </dgm:txFillClrLst>
+    <dgm:txEffectClrLst/>
+  </dgm:styleLbl>
+  <dgm:styleLbl name="bgShp">
+    <dgm:fillClrLst meth="repeat">
+      <a:schemeClr val="accent5">
+        <a:tint val="40000"/>
+      </a:schemeClr>
+    </dgm:fillClrLst>
+    <dgm:linClrLst meth="repeat">
+      <a:schemeClr val="dk1"/>
+    </dgm:linClrLst>
+    <dgm:effectClrLst/>
+    <dgm:txLinClrLst/>
+    <dgm:txFillClrLst meth="repeat">
+      <a:schemeClr val="dk1"/>
+    </dgm:txFillClrLst>
+    <dgm:txEffectClrLst/>
+  </dgm:styleLbl>
+  <dgm:styleLbl name="dkBgShp">
+    <dgm:fillClrLst meth="repeat">
+      <a:schemeClr val="accent5">
+        <a:shade val="90000"/>
+      </a:schemeClr>
+    </dgm:fillClrLst>
+    <dgm:linClrLst meth="repeat">
+      <a:schemeClr val="dk1"/>
+    </dgm:linClrLst>
+    <dgm:effectClrLst/>
+    <dgm:txLinClrLst/>
+    <dgm:txFillClrLst meth="repeat">
+      <a:schemeClr val="lt1"/>
+    </dgm:txFillClrLst>
+    <dgm:txEffectClrLst/>
+  </dgm:styleLbl>
+  <dgm:styleLbl name="trBgShp">
+    <dgm:fillClrLst meth="repeat">
+      <a:schemeClr val="accent5">
+        <a:tint val="50000"/>
+        <a:alpha val="40000"/>
+      </a:schemeClr>
+    </dgm:fillClrLst>
+    <dgm:linClrLst meth="repeat">
+      <a:schemeClr val="accent5"/>
+    </dgm:linClrLst>
+    <dgm:effectClrLst/>
+    <dgm:txLinClrLst/>
+    <dgm:txFillClrLst meth="repeat">
+      <a:schemeClr val="lt1"/>
+    </dgm:txFillClrLst>
+    <dgm:txEffectClrLst/>
+  </dgm:styleLbl>
+  <dgm:styleLbl name="fgShp">
+    <dgm:fillClrLst meth="repeat">
+      <a:schemeClr val="accent5">
+        <a:tint val="40000"/>
+      </a:schemeClr>
+    </dgm:fillClrLst>
+    <dgm:linClrLst meth="repeat">
+      <a:schemeClr val="lt1"/>
+    </dgm:linClrLst>
+    <dgm:effectClrLst/>
+    <dgm:txLinClrLst/>
+    <dgm:txFillClrLst meth="repeat">
+      <a:schemeClr val="dk1"/>
+    </dgm:txFillClrLst>
+    <dgm:txEffectClrLst/>
+  </dgm:styleLbl>
+  <dgm:styleLbl name="revTx">
+    <dgm:fillClrLst meth="repeat">
+      <a:schemeClr val="lt1">
+        <a:alpha val="0"/>
+      </a:schemeClr>
+    </dgm:fillClrLst>
+    <dgm:linClrLst meth="repeat">
+      <a:schemeClr val="dk1">
+        <a:alpha val="0"/>
+      </a:schemeClr>
+    </dgm:linClrLst>
+    <dgm:effectClrLst/>
+    <dgm:txLinClrLst/>
+    <dgm:txFillClrLst meth="repeat">
+      <a:schemeClr val="tx1"/>
+    </dgm:txFillClrLst>
+    <dgm:txEffectClrLst/>
+  </dgm:styleLbl>
+</dgm:colorsDef>
+</file>
+
+<file path=ppt/diagrams/colors5.xml><?xml version="1.0" encoding="utf-8"?>
 <dgm:colorsDef xmlns:dgm="http://schemas.openxmlformats.org/drawingml/2006/diagram" xmlns:a="http://schemas.openxmlformats.org/drawingml/2006/main" uniqueId="urn:microsoft.com/office/officeart/2005/8/colors/colorful4">
   <dgm:title val=""/>
   <dgm:desc val=""/>
@@ -3904,6 +4689,13 @@
         </dgm:presLayoutVars>
       </dgm:prSet>
       <dgm:spPr/>
+      <dgm:t>
+        <a:bodyPr/>
+        <a:lstStyle/>
+        <a:p>
+          <a:endParaRPr lang="es-CO"/>
+        </a:p>
+      </dgm:t>
     </dgm:pt>
     <dgm:pt modelId="{58606CD1-2FAF-4221-8B46-E52A39B1C659}" type="pres">
       <dgm:prSet presAssocID="{52BC17FC-EF29-44D4-BAEA-C96A9A3769FB}" presName="ellipse" presStyleLbl="trBgShp" presStyleIdx="0" presStyleCnt="1" custScaleX="88388" custScaleY="119160" custLinFactNeighborX="-612" custLinFactNeighborY="25761"/>
@@ -3920,6 +4712,13 @@
         </dgm:presLayoutVars>
       </dgm:prSet>
       <dgm:spPr/>
+      <dgm:t>
+        <a:bodyPr/>
+        <a:lstStyle/>
+        <a:p>
+          <a:endParaRPr lang="es-CO"/>
+        </a:p>
+      </dgm:t>
     </dgm:pt>
     <dgm:pt modelId="{C15CDCEA-7379-45FA-8B57-94F5A3DD8BCD}" type="pres">
       <dgm:prSet presAssocID="{64A2091D-EBCD-4FEB-9D95-AB111ED91539}" presName="item1" presStyleLbl="node1" presStyleIdx="0" presStyleCnt="3" custScaleX="107770" custScaleY="101873" custLinFactY="-3532" custLinFactNeighborX="45640" custLinFactNeighborY="-100000">
@@ -3928,6 +4727,13 @@
         </dgm:presLayoutVars>
       </dgm:prSet>
       <dgm:spPr/>
+      <dgm:t>
+        <a:bodyPr/>
+        <a:lstStyle/>
+        <a:p>
+          <a:endParaRPr lang="es-CO"/>
+        </a:p>
+      </dgm:t>
     </dgm:pt>
     <dgm:pt modelId="{00820C10-2A8A-4A4F-B811-28F0DDBB82C7}" type="pres">
       <dgm:prSet presAssocID="{041A02D8-616B-410D-9417-E54BC71AE37C}" presName="item2" presStyleLbl="node1" presStyleIdx="1" presStyleCnt="3" custScaleX="104302" custScaleY="96172" custLinFactNeighborX="-9976" custLinFactNeighborY="-8961">
@@ -3936,6 +4742,13 @@
         </dgm:presLayoutVars>
       </dgm:prSet>
       <dgm:spPr/>
+      <dgm:t>
+        <a:bodyPr/>
+        <a:lstStyle/>
+        <a:p>
+          <a:endParaRPr lang="es-CO"/>
+        </a:p>
+      </dgm:t>
     </dgm:pt>
     <dgm:pt modelId="{4830C1AE-3A07-4776-80B0-46C7307DB5B0}" type="pres">
       <dgm:prSet presAssocID="{6301FD9B-9A24-46C0-8BEA-851651FA5286}" presName="item3" presStyleLbl="node1" presStyleIdx="2" presStyleCnt="3" custScaleX="103838" custScaleY="96031" custLinFactNeighborX="-38080" custLinFactNeighborY="63858">
@@ -3944,6 +4757,13 @@
         </dgm:presLayoutVars>
       </dgm:prSet>
       <dgm:spPr/>
+      <dgm:t>
+        <a:bodyPr/>
+        <a:lstStyle/>
+        <a:p>
+          <a:endParaRPr lang="es-CO"/>
+        </a:p>
+      </dgm:t>
     </dgm:pt>
     <dgm:pt modelId="{AE805AB0-CDD8-4ABC-8775-6545029849DF}" type="pres">
       <dgm:prSet presAssocID="{52BC17FC-EF29-44D4-BAEA-C96A9A3769FB}" presName="funnel" presStyleLbl="trAlignAcc1" presStyleIdx="0" presStyleCnt="1" custScaleX="84171" custScaleY="66192" custLinFactNeighborX="-1847" custLinFactNeighborY="10721"/>
@@ -3951,15 +4771,15 @@
     </dgm:pt>
   </dgm:ptLst>
   <dgm:cxnLst>
+    <dgm:cxn modelId="{B7886B75-7380-47CC-AA34-1F0B2A71BFC1}" type="presOf" srcId="{041A02D8-616B-410D-9417-E54BC71AE37C}" destId="{C15CDCEA-7379-45FA-8B57-94F5A3DD8BCD}" srcOrd="0" destOrd="0" presId="urn:microsoft.com/office/officeart/2005/8/layout/funnel1"/>
+    <dgm:cxn modelId="{262DE293-9260-4981-8C8B-567429DF7C9A}" srcId="{52BC17FC-EF29-44D4-BAEA-C96A9A3769FB}" destId="{041A02D8-616B-410D-9417-E54BC71AE37C}" srcOrd="2" destOrd="0" parTransId="{589D7A36-E495-49B9-A8D1-EA2B78D9ABAA}" sibTransId="{4B98A00A-17B3-4E83-B8BB-E0F4554CC275}"/>
+    <dgm:cxn modelId="{F35136E8-BEF7-4D95-B31B-89B6954FEDC5}" srcId="{52BC17FC-EF29-44D4-BAEA-C96A9A3769FB}" destId="{64A2091D-EBCD-4FEB-9D95-AB111ED91539}" srcOrd="1" destOrd="0" parTransId="{7EE4DFC3-0ADC-4BAA-887C-EAC5DCE5B9C6}" sibTransId="{A5D19B60-0231-44CD-9BA3-2D39B20738F2}"/>
+    <dgm:cxn modelId="{9583062C-3B17-4493-A3A1-E439B0903827}" type="presOf" srcId="{52BC17FC-EF29-44D4-BAEA-C96A9A3769FB}" destId="{955F84C1-1E4D-4167-9FA7-FC2C6300B7EC}" srcOrd="0" destOrd="0" presId="urn:microsoft.com/office/officeart/2005/8/layout/funnel1"/>
     <dgm:cxn modelId="{6389310B-1984-4582-B9EF-BE2C2D0B4FAE}" type="presOf" srcId="{64A2091D-EBCD-4FEB-9D95-AB111ED91539}" destId="{00820C10-2A8A-4A4F-B811-28F0DDBB82C7}" srcOrd="0" destOrd="0" presId="urn:microsoft.com/office/officeart/2005/8/layout/funnel1"/>
-    <dgm:cxn modelId="{9583062C-3B17-4493-A3A1-E439B0903827}" type="presOf" srcId="{52BC17FC-EF29-44D4-BAEA-C96A9A3769FB}" destId="{955F84C1-1E4D-4167-9FA7-FC2C6300B7EC}" srcOrd="0" destOrd="0" presId="urn:microsoft.com/office/officeart/2005/8/layout/funnel1"/>
+    <dgm:cxn modelId="{3B8F52A3-B880-4E5D-BEBE-DF9F3254AD2B}" srcId="{52BC17FC-EF29-44D4-BAEA-C96A9A3769FB}" destId="{B1F9E166-7850-4900-BCB4-73541B0A5152}" srcOrd="0" destOrd="0" parTransId="{853061F2-0689-4054-A477-0CBFE1586CE8}" sibTransId="{84BD7C4C-7851-46FD-B288-63B0265E14DB}"/>
     <dgm:cxn modelId="{DE90302C-B571-4D2A-BE2F-1066B3C0B83E}" type="presOf" srcId="{B1F9E166-7850-4900-BCB4-73541B0A5152}" destId="{4830C1AE-3A07-4776-80B0-46C7307DB5B0}" srcOrd="0" destOrd="0" presId="urn:microsoft.com/office/officeart/2005/8/layout/funnel1"/>
     <dgm:cxn modelId="{D613D85C-7645-46DB-8002-BA6B63F72880}" type="presOf" srcId="{6301FD9B-9A24-46C0-8BEA-851651FA5286}" destId="{FDFD540A-D152-4509-99EE-8288730A10B3}" srcOrd="0" destOrd="0" presId="urn:microsoft.com/office/officeart/2005/8/layout/funnel1"/>
     <dgm:cxn modelId="{D4F4055E-BD23-4943-8456-D9708A39E803}" srcId="{52BC17FC-EF29-44D4-BAEA-C96A9A3769FB}" destId="{6301FD9B-9A24-46C0-8BEA-851651FA5286}" srcOrd="3" destOrd="0" parTransId="{95965DD7-2BFC-4B96-AB1E-A895F4629543}" sibTransId="{EB0EA03F-D954-4386-BEFE-042D6689F037}"/>
-    <dgm:cxn modelId="{B7886B75-7380-47CC-AA34-1F0B2A71BFC1}" type="presOf" srcId="{041A02D8-616B-410D-9417-E54BC71AE37C}" destId="{C15CDCEA-7379-45FA-8B57-94F5A3DD8BCD}" srcOrd="0" destOrd="0" presId="urn:microsoft.com/office/officeart/2005/8/layout/funnel1"/>
-    <dgm:cxn modelId="{262DE293-9260-4981-8C8B-567429DF7C9A}" srcId="{52BC17FC-EF29-44D4-BAEA-C96A9A3769FB}" destId="{041A02D8-616B-410D-9417-E54BC71AE37C}" srcOrd="2" destOrd="0" parTransId="{589D7A36-E495-49B9-A8D1-EA2B78D9ABAA}" sibTransId="{4B98A00A-17B3-4E83-B8BB-E0F4554CC275}"/>
-    <dgm:cxn modelId="{3B8F52A3-B880-4E5D-BEBE-DF9F3254AD2B}" srcId="{52BC17FC-EF29-44D4-BAEA-C96A9A3769FB}" destId="{B1F9E166-7850-4900-BCB4-73541B0A5152}" srcOrd="0" destOrd="0" parTransId="{853061F2-0689-4054-A477-0CBFE1586CE8}" sibTransId="{84BD7C4C-7851-46FD-B288-63B0265E14DB}"/>
-    <dgm:cxn modelId="{F35136E8-BEF7-4D95-B31B-89B6954FEDC5}" srcId="{52BC17FC-EF29-44D4-BAEA-C96A9A3769FB}" destId="{64A2091D-EBCD-4FEB-9D95-AB111ED91539}" srcOrd="1" destOrd="0" parTransId="{7EE4DFC3-0ADC-4BAA-887C-EAC5DCE5B9C6}" sibTransId="{A5D19B60-0231-44CD-9BA3-2D39B20738F2}"/>
     <dgm:cxn modelId="{A1FE67E7-644E-483B-A627-56F5EA3D316E}" type="presParOf" srcId="{955F84C1-1E4D-4167-9FA7-FC2C6300B7EC}" destId="{58606CD1-2FAF-4221-8B46-E52A39B1C659}" srcOrd="0" destOrd="0" presId="urn:microsoft.com/office/officeart/2005/8/layout/funnel1"/>
     <dgm:cxn modelId="{82628488-60E5-4C89-A11A-5249F227632D}" type="presParOf" srcId="{955F84C1-1E4D-4167-9FA7-FC2C6300B7EC}" destId="{193AA5AF-3265-4384-963E-341EA8CC2434}" srcOrd="1" destOrd="0" presId="urn:microsoft.com/office/officeart/2005/8/layout/funnel1"/>
     <dgm:cxn modelId="{AA1DF283-F169-4292-8EDA-23B6E7AD180C}" type="presParOf" srcId="{955F84C1-1E4D-4167-9FA7-FC2C6300B7EC}" destId="{FDFD540A-D152-4509-99EE-8288730A10B3}" srcOrd="2" destOrd="0" presId="urn:microsoft.com/office/officeart/2005/8/layout/funnel1"/>
@@ -4671,6 +5491,13 @@
         </dgm:presLayoutVars>
       </dgm:prSet>
       <dgm:spPr/>
+      <dgm:t>
+        <a:bodyPr/>
+        <a:lstStyle/>
+        <a:p>
+          <a:endParaRPr lang="es-CO"/>
+        </a:p>
+      </dgm:t>
     </dgm:pt>
     <dgm:pt modelId="{2D874F94-9483-43FD-906B-1F024BA30AF2}" type="pres">
       <dgm:prSet presAssocID="{BD3175FF-97A7-4263-87B8-A610EF500816}" presName="composite" presStyleCnt="0"/>
@@ -4685,6 +5512,13 @@
         </dgm:presLayoutVars>
       </dgm:prSet>
       <dgm:spPr/>
+      <dgm:t>
+        <a:bodyPr/>
+        <a:lstStyle/>
+        <a:p>
+          <a:endParaRPr lang="es-CO"/>
+        </a:p>
+      </dgm:t>
     </dgm:pt>
     <dgm:pt modelId="{F98E0026-7677-418C-B219-B2163DF01B96}" type="pres">
       <dgm:prSet presAssocID="{BD3175FF-97A7-4263-87B8-A610EF500816}" presName="desTx" presStyleLbl="alignAccFollowNode1" presStyleIdx="0" presStyleCnt="4" custScaleX="112674">
@@ -4693,6 +5527,13 @@
         </dgm:presLayoutVars>
       </dgm:prSet>
       <dgm:spPr/>
+      <dgm:t>
+        <a:bodyPr/>
+        <a:lstStyle/>
+        <a:p>
+          <a:endParaRPr lang="es-CO"/>
+        </a:p>
+      </dgm:t>
     </dgm:pt>
     <dgm:pt modelId="{41F10F81-A141-4D32-9E50-5497CB23D9C1}" type="pres">
       <dgm:prSet presAssocID="{A3B55AAA-9B29-425F-BBE5-23153A61B649}" presName="space" presStyleCnt="0"/>
@@ -4711,6 +5552,13 @@
         </dgm:presLayoutVars>
       </dgm:prSet>
       <dgm:spPr/>
+      <dgm:t>
+        <a:bodyPr/>
+        <a:lstStyle/>
+        <a:p>
+          <a:endParaRPr lang="es-CO"/>
+        </a:p>
+      </dgm:t>
     </dgm:pt>
     <dgm:pt modelId="{11790E1A-CE4C-4357-B48F-48AC30A2F3AB}" type="pres">
       <dgm:prSet presAssocID="{2E7A96C8-E44E-468B-992B-C4BB27C181CC}" presName="desTx" presStyleLbl="alignAccFollowNode1" presStyleIdx="1" presStyleCnt="4" custScaleX="139932">
@@ -4719,6 +5567,13 @@
         </dgm:presLayoutVars>
       </dgm:prSet>
       <dgm:spPr/>
+      <dgm:t>
+        <a:bodyPr/>
+        <a:lstStyle/>
+        <a:p>
+          <a:endParaRPr lang="es-CO"/>
+        </a:p>
+      </dgm:t>
     </dgm:pt>
     <dgm:pt modelId="{CE761B67-00BF-404A-9599-1E0277D01966}" type="pres">
       <dgm:prSet presAssocID="{D0366ED5-DA80-42A4-83E6-12688DF1C509}" presName="space" presStyleCnt="0"/>
@@ -4737,6 +5592,13 @@
         </dgm:presLayoutVars>
       </dgm:prSet>
       <dgm:spPr/>
+      <dgm:t>
+        <a:bodyPr/>
+        <a:lstStyle/>
+        <a:p>
+          <a:endParaRPr lang="es-CO"/>
+        </a:p>
+      </dgm:t>
     </dgm:pt>
     <dgm:pt modelId="{2612D1CA-8455-4B2E-B566-31F386062C39}" type="pres">
       <dgm:prSet presAssocID="{1F0840E8-0C88-4877-BCF0-5DFF0F9D545E}" presName="desTx" presStyleLbl="alignAccFollowNode1" presStyleIdx="2" presStyleCnt="4" custScaleX="140899">
@@ -4745,6 +5607,13 @@
         </dgm:presLayoutVars>
       </dgm:prSet>
       <dgm:spPr/>
+      <dgm:t>
+        <a:bodyPr/>
+        <a:lstStyle/>
+        <a:p>
+          <a:endParaRPr lang="es-CO"/>
+        </a:p>
+      </dgm:t>
     </dgm:pt>
     <dgm:pt modelId="{052980DF-3263-4D4D-8CAA-08205D1CF783}" type="pres">
       <dgm:prSet presAssocID="{9023FFFB-14B1-4D77-8028-F820FF24CEF2}" presName="space" presStyleCnt="0"/>
@@ -4763,6 +5632,13 @@
         </dgm:presLayoutVars>
       </dgm:prSet>
       <dgm:spPr/>
+      <dgm:t>
+        <a:bodyPr/>
+        <a:lstStyle/>
+        <a:p>
+          <a:endParaRPr lang="es-CO"/>
+        </a:p>
+      </dgm:t>
     </dgm:pt>
     <dgm:pt modelId="{4EB6F09F-196C-40CF-8745-F01952ACC4D5}" type="pres">
       <dgm:prSet presAssocID="{DCF7A47E-0334-424D-A456-040A5F03F288}" presName="desTx" presStyleLbl="alignAccFollowNode1" presStyleIdx="3" presStyleCnt="4" custScaleX="131532">
@@ -4771,46 +5647,53 @@
         </dgm:presLayoutVars>
       </dgm:prSet>
       <dgm:spPr/>
+      <dgm:t>
+        <a:bodyPr/>
+        <a:lstStyle/>
+        <a:p>
+          <a:endParaRPr lang="es-CO"/>
+        </a:p>
+      </dgm:t>
     </dgm:pt>
   </dgm:ptLst>
   <dgm:cxnLst>
+    <dgm:cxn modelId="{8CBE9181-51C4-4676-959B-8B05CE6858B4}" srcId="{1F0840E8-0C88-4877-BCF0-5DFF0F9D545E}" destId="{1FC89CA1-B38A-4A4F-925A-9F921DEF9641}" srcOrd="0" destOrd="0" parTransId="{DA8665B0-E6ED-4E45-A70F-C9D595BF9439}" sibTransId="{BDC59DA1-0390-4E95-9648-E73433562156}"/>
+    <dgm:cxn modelId="{534023A8-1620-4890-8E0D-BE4CCDFD38D9}" srcId="{8345C607-79DE-4DC5-A15D-D65AF58B8156}" destId="{2E7A96C8-E44E-468B-992B-C4BB27C181CC}" srcOrd="1" destOrd="0" parTransId="{1491274C-C0A3-4A09-A19E-B5D403353611}" sibTransId="{D0366ED5-DA80-42A4-83E6-12688DF1C509}"/>
+    <dgm:cxn modelId="{CFDFE115-238E-48EB-A4D7-FD6DB7131CC9}" srcId="{1F0840E8-0C88-4877-BCF0-5DFF0F9D545E}" destId="{7FA4B2B1-CC2B-4CF7-80D2-D387C533889C}" srcOrd="4" destOrd="0" parTransId="{4ECF0CAF-07AB-4920-B1DB-C5B4AECA8DC3}" sibTransId="{7B333103-0D20-459A-AA6D-D47A9B18DA93}"/>
+    <dgm:cxn modelId="{96FEA8DD-EAEA-411F-8DB1-B13939173821}" srcId="{DCF7A47E-0334-424D-A456-040A5F03F288}" destId="{BA3144F2-A924-48D2-AE73-21F724ADD2EB}" srcOrd="1" destOrd="0" parTransId="{3F4C080E-4094-4EB2-9720-1730A4BD38CE}" sibTransId="{AD07A573-2BC0-49AE-AF02-32CD5435E652}"/>
+    <dgm:cxn modelId="{FCB93FEB-27DD-4F68-B656-91E5F03F917A}" type="presOf" srcId="{BA3144F2-A924-48D2-AE73-21F724ADD2EB}" destId="{4EB6F09F-196C-40CF-8745-F01952ACC4D5}" srcOrd="0" destOrd="1" presId="urn:microsoft.com/office/officeart/2005/8/layout/hList1"/>
+    <dgm:cxn modelId="{6C0FE4E3-9A26-4C7F-8B61-B68ABD5D8154}" type="presOf" srcId="{7D8914B3-BAF4-4E23-9807-38B06357A35D}" destId="{F98E0026-7677-418C-B219-B2163DF01B96}" srcOrd="0" destOrd="1" presId="urn:microsoft.com/office/officeart/2005/8/layout/hList1"/>
+    <dgm:cxn modelId="{B0D54411-E4F3-4207-8292-3A8571A1C5CF}" type="presOf" srcId="{B400874E-419B-484E-B087-E713C36F2CDD}" destId="{2612D1CA-8455-4B2E-B566-31F386062C39}" srcOrd="0" destOrd="5" presId="urn:microsoft.com/office/officeart/2005/8/layout/hList1"/>
+    <dgm:cxn modelId="{110C6A75-33A4-49DA-B36A-A4FB417DEF50}" srcId="{1F0840E8-0C88-4877-BCF0-5DFF0F9D545E}" destId="{28E360EC-C0A2-4232-9997-9F45E9B9D913}" srcOrd="2" destOrd="0" parTransId="{E3989647-1021-4229-B67F-3B1E2B438ECE}" sibTransId="{684EDD92-B5F5-45A4-845D-7843B3C7A5EF}"/>
+    <dgm:cxn modelId="{51B0472F-B890-40A8-834D-3FE4598017E5}" type="presOf" srcId="{78522213-7740-447A-85C0-87A50D4A1988}" destId="{2612D1CA-8455-4B2E-B566-31F386062C39}" srcOrd="0" destOrd="3" presId="urn:microsoft.com/office/officeart/2005/8/layout/hList1"/>
+    <dgm:cxn modelId="{37574398-2ACD-43CB-B666-6B613BEE7B9B}" type="presOf" srcId="{BD3175FF-97A7-4263-87B8-A610EF500816}" destId="{498A4E70-9441-4BAA-A25C-9ECD09B7A6AA}" srcOrd="0" destOrd="0" presId="urn:microsoft.com/office/officeart/2005/8/layout/hList1"/>
+    <dgm:cxn modelId="{2068987C-ADAD-457F-A613-BB50C1F64182}" srcId="{DCF7A47E-0334-424D-A456-040A5F03F288}" destId="{55F732A7-D3F9-42F9-9E23-27A0601C5A98}" srcOrd="2" destOrd="0" parTransId="{CB321D22-53AD-4EF0-903E-72C3EE34F4EC}" sibTransId="{0DD8CF6C-1531-4A53-A6C4-3537411F4469}"/>
+    <dgm:cxn modelId="{83BBDCE4-56E3-4246-837C-68BEA3882EA3}" type="presOf" srcId="{28E360EC-C0A2-4232-9997-9F45E9B9D913}" destId="{2612D1CA-8455-4B2E-B566-31F386062C39}" srcOrd="0" destOrd="2" presId="urn:microsoft.com/office/officeart/2005/8/layout/hList1"/>
     <dgm:cxn modelId="{B890AF04-0C91-40D8-BDFF-D7CF3FFFBF91}" srcId="{DCF7A47E-0334-424D-A456-040A5F03F288}" destId="{058FA1D9-01E9-4DB5-BC33-5F947C23C992}" srcOrd="0" destOrd="0" parTransId="{254C99DB-592E-48AA-93EF-B674141C70A3}" sibTransId="{0766CBA8-167F-4D97-A324-A2BD558F3417}"/>
+    <dgm:cxn modelId="{AA858FA6-0486-4C78-A69F-675880537040}" type="presOf" srcId="{2E7A96C8-E44E-468B-992B-C4BB27C181CC}" destId="{BE868AFE-25EF-4497-8FDB-BF6C4F99E2C9}" srcOrd="0" destOrd="0" presId="urn:microsoft.com/office/officeart/2005/8/layout/hList1"/>
+    <dgm:cxn modelId="{F73659B3-6088-4B44-ACB8-13EA8266F2A4}" type="presOf" srcId="{7FA4B2B1-CC2B-4CF7-80D2-D387C533889C}" destId="{2612D1CA-8455-4B2E-B566-31F386062C39}" srcOrd="0" destOrd="4" presId="urn:microsoft.com/office/officeart/2005/8/layout/hList1"/>
+    <dgm:cxn modelId="{A0442DBC-96AC-43EE-A911-DC834ECDA5A7}" srcId="{1F0840E8-0C88-4877-BCF0-5DFF0F9D545E}" destId="{B400874E-419B-484E-B087-E713C36F2CDD}" srcOrd="5" destOrd="0" parTransId="{6B45DCFA-0363-4C9C-A738-A9F22A7C025E}" sibTransId="{9C19B4F5-39DB-46E1-B855-5CB35BC48C43}"/>
+    <dgm:cxn modelId="{5A821346-2457-47E2-8C7F-3E0A136E833C}" srcId="{8345C607-79DE-4DC5-A15D-D65AF58B8156}" destId="{DCF7A47E-0334-424D-A456-040A5F03F288}" srcOrd="3" destOrd="0" parTransId="{BF1F4474-0F52-4296-B651-936BB123D1EE}" sibTransId="{5A8AD339-59D3-455A-8EC4-78EC1FBC2ACA}"/>
+    <dgm:cxn modelId="{BC10F4F7-A926-4770-90D1-90704CC3C2CE}" srcId="{2E7A96C8-E44E-468B-992B-C4BB27C181CC}" destId="{51B34DAD-EF60-4A1C-9C85-EC27D123E3B0}" srcOrd="0" destOrd="0" parTransId="{017F075A-6319-4CCF-BC3B-5DF81D5F9057}" sibTransId="{173DF61B-20AC-42BD-887A-E3BF8F6AF9BC}"/>
+    <dgm:cxn modelId="{345C8E98-84B5-4E82-858D-B463511E7BC7}" srcId="{8345C607-79DE-4DC5-A15D-D65AF58B8156}" destId="{1F0840E8-0C88-4877-BCF0-5DFF0F9D545E}" srcOrd="2" destOrd="0" parTransId="{EFF6E2BA-8C2E-4690-8EB7-61687321F83E}" sibTransId="{9023FFFB-14B1-4D77-8028-F820FF24CEF2}"/>
+    <dgm:cxn modelId="{45FB95A3-2F67-4A12-B414-B2B767213D01}" type="presOf" srcId="{55F732A7-D3F9-42F9-9E23-27A0601C5A98}" destId="{4EB6F09F-196C-40CF-8745-F01952ACC4D5}" srcOrd="0" destOrd="2" presId="urn:microsoft.com/office/officeart/2005/8/layout/hList1"/>
+    <dgm:cxn modelId="{9A635974-2ACA-40C1-A8B4-75A64836A773}" type="presOf" srcId="{C6EF0AC2-E05F-4E8D-8AF1-09FFE47B4020}" destId="{4EB6F09F-196C-40CF-8745-F01952ACC4D5}" srcOrd="0" destOrd="3" presId="urn:microsoft.com/office/officeart/2005/8/layout/hList1"/>
+    <dgm:cxn modelId="{1DA363D5-41A2-4893-9D6E-27CB0F330BB8}" type="presOf" srcId="{DCF7A47E-0334-424D-A456-040A5F03F288}" destId="{DFCCC5D2-772A-4CC7-B7A5-BE236F80F4D4}" srcOrd="0" destOrd="0" presId="urn:microsoft.com/office/officeart/2005/8/layout/hList1"/>
+    <dgm:cxn modelId="{3FEE0E6E-CFF6-48FE-B306-6E0C18D66478}" srcId="{BD3175FF-97A7-4263-87B8-A610EF500816}" destId="{AC06A414-3AC6-4CBD-AE96-A0F8785F140A}" srcOrd="2" destOrd="0" parTransId="{A7364662-1A61-4FFA-8244-C9E92F495EEE}" sibTransId="{A499D9D8-F337-4163-B7FD-3CCA51C5550D}"/>
+    <dgm:cxn modelId="{CB188554-D4C5-4507-8E37-0CFA1DD51D7E}" srcId="{BD3175FF-97A7-4263-87B8-A610EF500816}" destId="{ABC9510F-959C-43BA-B565-702AD32B0A44}" srcOrd="0" destOrd="0" parTransId="{B9BCB000-D6BF-4A67-ACFE-596CE0268C39}" sibTransId="{64ADC0C9-DD69-47D6-800D-E1F59E7D383E}"/>
+    <dgm:cxn modelId="{2E418198-8ADF-4C01-BC3D-D06204FA6BE9}" srcId="{8345C607-79DE-4DC5-A15D-D65AF58B8156}" destId="{BD3175FF-97A7-4263-87B8-A610EF500816}" srcOrd="0" destOrd="0" parTransId="{698AA71A-7FB1-4B80-8B9A-548924AB49CD}" sibTransId="{A3B55AAA-9B29-425F-BBE5-23153A61B649}"/>
+    <dgm:cxn modelId="{D7203CA6-E2DA-4377-99F6-0964181A5018}" type="presOf" srcId="{51B34DAD-EF60-4A1C-9C85-EC27D123E3B0}" destId="{11790E1A-CE4C-4357-B48F-48AC30A2F3AB}" srcOrd="0" destOrd="0" presId="urn:microsoft.com/office/officeart/2005/8/layout/hList1"/>
+    <dgm:cxn modelId="{55335CF0-B824-4136-B6C1-ED1804AAF8CE}" type="presOf" srcId="{AC06A414-3AC6-4CBD-AE96-A0F8785F140A}" destId="{F98E0026-7677-418C-B219-B2163DF01B96}" srcOrd="0" destOrd="2" presId="urn:microsoft.com/office/officeart/2005/8/layout/hList1"/>
     <dgm:cxn modelId="{8E940406-CDB5-4775-AAA0-D4CD80D3AC56}" type="presOf" srcId="{1FC89CA1-B38A-4A4F-925A-9F921DEF9641}" destId="{2612D1CA-8455-4B2E-B566-31F386062C39}" srcOrd="0" destOrd="0" presId="urn:microsoft.com/office/officeart/2005/8/layout/hList1"/>
-    <dgm:cxn modelId="{B0D54411-E4F3-4207-8292-3A8571A1C5CF}" type="presOf" srcId="{B400874E-419B-484E-B087-E713C36F2CDD}" destId="{2612D1CA-8455-4B2E-B566-31F386062C39}" srcOrd="0" destOrd="5" presId="urn:microsoft.com/office/officeart/2005/8/layout/hList1"/>
-    <dgm:cxn modelId="{CFDFE115-238E-48EB-A4D7-FD6DB7131CC9}" srcId="{1F0840E8-0C88-4877-BCF0-5DFF0F9D545E}" destId="{7FA4B2B1-CC2B-4CF7-80D2-D387C533889C}" srcOrd="4" destOrd="0" parTransId="{4ECF0CAF-07AB-4920-B1DB-C5B4AECA8DC3}" sibTransId="{7B333103-0D20-459A-AA6D-D47A9B18DA93}"/>
-    <dgm:cxn modelId="{51B0472F-B890-40A8-834D-3FE4598017E5}" type="presOf" srcId="{78522213-7740-447A-85C0-87A50D4A1988}" destId="{2612D1CA-8455-4B2E-B566-31F386062C39}" srcOrd="0" destOrd="3" presId="urn:microsoft.com/office/officeart/2005/8/layout/hList1"/>
-    <dgm:cxn modelId="{5A821346-2457-47E2-8C7F-3E0A136E833C}" srcId="{8345C607-79DE-4DC5-A15D-D65AF58B8156}" destId="{DCF7A47E-0334-424D-A456-040A5F03F288}" srcOrd="3" destOrd="0" parTransId="{BF1F4474-0F52-4296-B651-936BB123D1EE}" sibTransId="{5A8AD339-59D3-455A-8EC4-78EC1FBC2ACA}"/>
+    <dgm:cxn modelId="{DB0EDC90-9C80-4F52-A703-329AABD4F60C}" type="presOf" srcId="{8345C607-79DE-4DC5-A15D-D65AF58B8156}" destId="{1585997E-F801-47C5-BD95-AEF687A1FB74}" srcOrd="0" destOrd="0" presId="urn:microsoft.com/office/officeart/2005/8/layout/hList1"/>
+    <dgm:cxn modelId="{62BD86FE-B7B4-45CF-86E7-606FB8FC08B9}" srcId="{DCF7A47E-0334-424D-A456-040A5F03F288}" destId="{C6EF0AC2-E05F-4E8D-8AF1-09FFE47B4020}" srcOrd="3" destOrd="0" parTransId="{4D1370CC-8A7A-476B-89FD-81F01EB86011}" sibTransId="{F552660C-63CE-4EBB-B416-BFE9484B04D5}"/>
     <dgm:cxn modelId="{1F1DDC48-BE73-4852-8A62-D2BD77202D02}" type="presOf" srcId="{058FA1D9-01E9-4DB5-BC33-5F947C23C992}" destId="{4EB6F09F-196C-40CF-8745-F01952ACC4D5}" srcOrd="0" destOrd="0" presId="urn:microsoft.com/office/officeart/2005/8/layout/hList1"/>
     <dgm:cxn modelId="{B7DBAB6C-BB8F-45DC-82EC-72909F3CC773}" type="presOf" srcId="{1F0840E8-0C88-4877-BCF0-5DFF0F9D545E}" destId="{B86AE41E-58AD-4CAE-9003-9669551B25B4}" srcOrd="0" destOrd="0" presId="urn:microsoft.com/office/officeart/2005/8/layout/hList1"/>
-    <dgm:cxn modelId="{3FEE0E6E-CFF6-48FE-B306-6E0C18D66478}" srcId="{BD3175FF-97A7-4263-87B8-A610EF500816}" destId="{AC06A414-3AC6-4CBD-AE96-A0F8785F140A}" srcOrd="2" destOrd="0" parTransId="{A7364662-1A61-4FFA-8244-C9E92F495EEE}" sibTransId="{A499D9D8-F337-4163-B7FD-3CCA51C5550D}"/>
-    <dgm:cxn modelId="{9A635974-2ACA-40C1-A8B4-75A64836A773}" type="presOf" srcId="{C6EF0AC2-E05F-4E8D-8AF1-09FFE47B4020}" destId="{4EB6F09F-196C-40CF-8745-F01952ACC4D5}" srcOrd="0" destOrd="3" presId="urn:microsoft.com/office/officeart/2005/8/layout/hList1"/>
-    <dgm:cxn modelId="{CB188554-D4C5-4507-8E37-0CFA1DD51D7E}" srcId="{BD3175FF-97A7-4263-87B8-A610EF500816}" destId="{ABC9510F-959C-43BA-B565-702AD32B0A44}" srcOrd="0" destOrd="0" parTransId="{B9BCB000-D6BF-4A67-ACFE-596CE0268C39}" sibTransId="{64ADC0C9-DD69-47D6-800D-E1F59E7D383E}"/>
-    <dgm:cxn modelId="{110C6A75-33A4-49DA-B36A-A4FB417DEF50}" srcId="{1F0840E8-0C88-4877-BCF0-5DFF0F9D545E}" destId="{28E360EC-C0A2-4232-9997-9F45E9B9D913}" srcOrd="2" destOrd="0" parTransId="{E3989647-1021-4229-B67F-3B1E2B438ECE}" sibTransId="{684EDD92-B5F5-45A4-845D-7843B3C7A5EF}"/>
-    <dgm:cxn modelId="{2068987C-ADAD-457F-A613-BB50C1F64182}" srcId="{DCF7A47E-0334-424D-A456-040A5F03F288}" destId="{55F732A7-D3F9-42F9-9E23-27A0601C5A98}" srcOrd="2" destOrd="0" parTransId="{CB321D22-53AD-4EF0-903E-72C3EE34F4EC}" sibTransId="{0DD8CF6C-1531-4A53-A6C4-3537411F4469}"/>
-    <dgm:cxn modelId="{8CBE9181-51C4-4676-959B-8B05CE6858B4}" srcId="{1F0840E8-0C88-4877-BCF0-5DFF0F9D545E}" destId="{1FC89CA1-B38A-4A4F-925A-9F921DEF9641}" srcOrd="0" destOrd="0" parTransId="{DA8665B0-E6ED-4E45-A70F-C9D595BF9439}" sibTransId="{BDC59DA1-0390-4E95-9648-E73433562156}"/>
-    <dgm:cxn modelId="{DB0EDC90-9C80-4F52-A703-329AABD4F60C}" type="presOf" srcId="{8345C607-79DE-4DC5-A15D-D65AF58B8156}" destId="{1585997E-F801-47C5-BD95-AEF687A1FB74}" srcOrd="0" destOrd="0" presId="urn:microsoft.com/office/officeart/2005/8/layout/hList1"/>
-    <dgm:cxn modelId="{37574398-2ACD-43CB-B666-6B613BEE7B9B}" type="presOf" srcId="{BD3175FF-97A7-4263-87B8-A610EF500816}" destId="{498A4E70-9441-4BAA-A25C-9ECD09B7A6AA}" srcOrd="0" destOrd="0" presId="urn:microsoft.com/office/officeart/2005/8/layout/hList1"/>
-    <dgm:cxn modelId="{2E418198-8ADF-4C01-BC3D-D06204FA6BE9}" srcId="{8345C607-79DE-4DC5-A15D-D65AF58B8156}" destId="{BD3175FF-97A7-4263-87B8-A610EF500816}" srcOrd="0" destOrd="0" parTransId="{698AA71A-7FB1-4B80-8B9A-548924AB49CD}" sibTransId="{A3B55AAA-9B29-425F-BBE5-23153A61B649}"/>
-    <dgm:cxn modelId="{345C8E98-84B5-4E82-858D-B463511E7BC7}" srcId="{8345C607-79DE-4DC5-A15D-D65AF58B8156}" destId="{1F0840E8-0C88-4877-BCF0-5DFF0F9D545E}" srcOrd="2" destOrd="0" parTransId="{EFF6E2BA-8C2E-4690-8EB7-61687321F83E}" sibTransId="{9023FFFB-14B1-4D77-8028-F820FF24CEF2}"/>
+    <dgm:cxn modelId="{80FE94D0-A885-4523-BA56-AC1FABCFC23F}" srcId="{1F0840E8-0C88-4877-BCF0-5DFF0F9D545E}" destId="{78522213-7740-447A-85C0-87A50D4A1988}" srcOrd="3" destOrd="0" parTransId="{483D216A-3942-43B9-82F2-DD9CE74567D8}" sibTransId="{2C30E1CF-10EB-4197-AA77-CD0E77861A22}"/>
+    <dgm:cxn modelId="{ECF4B09C-58E4-4307-92E1-CE91FFF46A47}" srcId="{BD3175FF-97A7-4263-87B8-A610EF500816}" destId="{7D8914B3-BAF4-4E23-9807-38B06357A35D}" srcOrd="1" destOrd="0" parTransId="{F1BD0C92-2B5B-4EBA-8986-2D21126585D3}" sibTransId="{19E4F87E-0394-47CE-A71F-9899F82BBA44}"/>
+    <dgm:cxn modelId="{16BB32C5-34A4-465F-ADBD-7B5F13EB73D5}" type="presOf" srcId="{9F597DAD-A613-45CD-83B0-370D05C947A3}" destId="{2612D1CA-8455-4B2E-B566-31F386062C39}" srcOrd="0" destOrd="1" presId="urn:microsoft.com/office/officeart/2005/8/layout/hList1"/>
     <dgm:cxn modelId="{5973079B-B313-491C-A706-E56A5E15F01A}" type="presOf" srcId="{ABC9510F-959C-43BA-B565-702AD32B0A44}" destId="{F98E0026-7677-418C-B219-B2163DF01B96}" srcOrd="0" destOrd="0" presId="urn:microsoft.com/office/officeart/2005/8/layout/hList1"/>
-    <dgm:cxn modelId="{ECF4B09C-58E4-4307-92E1-CE91FFF46A47}" srcId="{BD3175FF-97A7-4263-87B8-A610EF500816}" destId="{7D8914B3-BAF4-4E23-9807-38B06357A35D}" srcOrd="1" destOrd="0" parTransId="{F1BD0C92-2B5B-4EBA-8986-2D21126585D3}" sibTransId="{19E4F87E-0394-47CE-A71F-9899F82BBA44}"/>
-    <dgm:cxn modelId="{45FB95A3-2F67-4A12-B414-B2B767213D01}" type="presOf" srcId="{55F732A7-D3F9-42F9-9E23-27A0601C5A98}" destId="{4EB6F09F-196C-40CF-8745-F01952ACC4D5}" srcOrd="0" destOrd="2" presId="urn:microsoft.com/office/officeart/2005/8/layout/hList1"/>
-    <dgm:cxn modelId="{D7203CA6-E2DA-4377-99F6-0964181A5018}" type="presOf" srcId="{51B34DAD-EF60-4A1C-9C85-EC27D123E3B0}" destId="{11790E1A-CE4C-4357-B48F-48AC30A2F3AB}" srcOrd="0" destOrd="0" presId="urn:microsoft.com/office/officeart/2005/8/layout/hList1"/>
-    <dgm:cxn modelId="{AA858FA6-0486-4C78-A69F-675880537040}" type="presOf" srcId="{2E7A96C8-E44E-468B-992B-C4BB27C181CC}" destId="{BE868AFE-25EF-4497-8FDB-BF6C4F99E2C9}" srcOrd="0" destOrd="0" presId="urn:microsoft.com/office/officeart/2005/8/layout/hList1"/>
-    <dgm:cxn modelId="{534023A8-1620-4890-8E0D-BE4CCDFD38D9}" srcId="{8345C607-79DE-4DC5-A15D-D65AF58B8156}" destId="{2E7A96C8-E44E-468B-992B-C4BB27C181CC}" srcOrd="1" destOrd="0" parTransId="{1491274C-C0A3-4A09-A19E-B5D403353611}" sibTransId="{D0366ED5-DA80-42A4-83E6-12688DF1C509}"/>
-    <dgm:cxn modelId="{F73659B3-6088-4B44-ACB8-13EA8266F2A4}" type="presOf" srcId="{7FA4B2B1-CC2B-4CF7-80D2-D387C533889C}" destId="{2612D1CA-8455-4B2E-B566-31F386062C39}" srcOrd="0" destOrd="4" presId="urn:microsoft.com/office/officeart/2005/8/layout/hList1"/>
-    <dgm:cxn modelId="{A0442DBC-96AC-43EE-A911-DC834ECDA5A7}" srcId="{1F0840E8-0C88-4877-BCF0-5DFF0F9D545E}" destId="{B400874E-419B-484E-B087-E713C36F2CDD}" srcOrd="5" destOrd="0" parTransId="{6B45DCFA-0363-4C9C-A738-A9F22A7C025E}" sibTransId="{9C19B4F5-39DB-46E1-B855-5CB35BC48C43}"/>
-    <dgm:cxn modelId="{16BB32C5-34A4-465F-ADBD-7B5F13EB73D5}" type="presOf" srcId="{9F597DAD-A613-45CD-83B0-370D05C947A3}" destId="{2612D1CA-8455-4B2E-B566-31F386062C39}" srcOrd="0" destOrd="1" presId="urn:microsoft.com/office/officeart/2005/8/layout/hList1"/>
     <dgm:cxn modelId="{C60560CD-07AC-41AD-AE49-0DF2FFE35C2A}" srcId="{1F0840E8-0C88-4877-BCF0-5DFF0F9D545E}" destId="{9F597DAD-A613-45CD-83B0-370D05C947A3}" srcOrd="1" destOrd="0" parTransId="{231CCD58-E386-42C1-94E4-02EFB2FCD778}" sibTransId="{4E9A1216-4289-46D4-B981-A8FECE4609A8}"/>
-    <dgm:cxn modelId="{80FE94D0-A885-4523-BA56-AC1FABCFC23F}" srcId="{1F0840E8-0C88-4877-BCF0-5DFF0F9D545E}" destId="{78522213-7740-447A-85C0-87A50D4A1988}" srcOrd="3" destOrd="0" parTransId="{483D216A-3942-43B9-82F2-DD9CE74567D8}" sibTransId="{2C30E1CF-10EB-4197-AA77-CD0E77861A22}"/>
-    <dgm:cxn modelId="{1DA363D5-41A2-4893-9D6E-27CB0F330BB8}" type="presOf" srcId="{DCF7A47E-0334-424D-A456-040A5F03F288}" destId="{DFCCC5D2-772A-4CC7-B7A5-BE236F80F4D4}" srcOrd="0" destOrd="0" presId="urn:microsoft.com/office/officeart/2005/8/layout/hList1"/>
-    <dgm:cxn modelId="{96FEA8DD-EAEA-411F-8DB1-B13939173821}" srcId="{DCF7A47E-0334-424D-A456-040A5F03F288}" destId="{BA3144F2-A924-48D2-AE73-21F724ADD2EB}" srcOrd="1" destOrd="0" parTransId="{3F4C080E-4094-4EB2-9720-1730A4BD38CE}" sibTransId="{AD07A573-2BC0-49AE-AF02-32CD5435E652}"/>
-    <dgm:cxn modelId="{6C0FE4E3-9A26-4C7F-8B61-B68ABD5D8154}" type="presOf" srcId="{7D8914B3-BAF4-4E23-9807-38B06357A35D}" destId="{F98E0026-7677-418C-B219-B2163DF01B96}" srcOrd="0" destOrd="1" presId="urn:microsoft.com/office/officeart/2005/8/layout/hList1"/>
-    <dgm:cxn modelId="{83BBDCE4-56E3-4246-837C-68BEA3882EA3}" type="presOf" srcId="{28E360EC-C0A2-4232-9997-9F45E9B9D913}" destId="{2612D1CA-8455-4B2E-B566-31F386062C39}" srcOrd="0" destOrd="2" presId="urn:microsoft.com/office/officeart/2005/8/layout/hList1"/>
-    <dgm:cxn modelId="{FCB93FEB-27DD-4F68-B656-91E5F03F917A}" type="presOf" srcId="{BA3144F2-A924-48D2-AE73-21F724ADD2EB}" destId="{4EB6F09F-196C-40CF-8745-F01952ACC4D5}" srcOrd="0" destOrd="1" presId="urn:microsoft.com/office/officeart/2005/8/layout/hList1"/>
-    <dgm:cxn modelId="{55335CF0-B824-4136-B6C1-ED1804AAF8CE}" type="presOf" srcId="{AC06A414-3AC6-4CBD-AE96-A0F8785F140A}" destId="{F98E0026-7677-418C-B219-B2163DF01B96}" srcOrd="0" destOrd="2" presId="urn:microsoft.com/office/officeart/2005/8/layout/hList1"/>
-    <dgm:cxn modelId="{BC10F4F7-A926-4770-90D1-90704CC3C2CE}" srcId="{2E7A96C8-E44E-468B-992B-C4BB27C181CC}" destId="{51B34DAD-EF60-4A1C-9C85-EC27D123E3B0}" srcOrd="0" destOrd="0" parTransId="{017F075A-6319-4CCF-BC3B-5DF81D5F9057}" sibTransId="{173DF61B-20AC-42BD-887A-E3BF8F6AF9BC}"/>
-    <dgm:cxn modelId="{62BD86FE-B7B4-45CF-86E7-606FB8FC08B9}" srcId="{DCF7A47E-0334-424D-A456-040A5F03F288}" destId="{C6EF0AC2-E05F-4E8D-8AF1-09FFE47B4020}" srcOrd="3" destOrd="0" parTransId="{4D1370CC-8A7A-476B-89FD-81F01EB86011}" sibTransId="{F552660C-63CE-4EBB-B416-BFE9484B04D5}"/>
     <dgm:cxn modelId="{02EDA7FE-3E90-45B8-8AAE-6C161A06CC0B}" type="presParOf" srcId="{1585997E-F801-47C5-BD95-AEF687A1FB74}" destId="{2D874F94-9483-43FD-906B-1F024BA30AF2}" srcOrd="0" destOrd="0" presId="urn:microsoft.com/office/officeart/2005/8/layout/hList1"/>
     <dgm:cxn modelId="{B1EC9C1B-94E9-4923-BC2F-2F683C910397}" type="presParOf" srcId="{2D874F94-9483-43FD-906B-1F024BA30AF2}" destId="{498A4E70-9441-4BAA-A25C-9ECD09B7A6AA}" srcOrd="0" destOrd="0" presId="urn:microsoft.com/office/officeart/2005/8/layout/hList1"/>
     <dgm:cxn modelId="{E7B8DADA-7EFD-434F-A380-3EE47F0051CD}" type="presParOf" srcId="{2D874F94-9483-43FD-906B-1F024BA30AF2}" destId="{F98E0026-7677-418C-B219-B2163DF01B96}" srcOrd="1" destOrd="0" presId="urn:microsoft.com/office/officeart/2005/8/layout/hList1"/>
@@ -5498,6 +6381,13 @@
         </dgm:presLayoutVars>
       </dgm:prSet>
       <dgm:spPr/>
+      <dgm:t>
+        <a:bodyPr/>
+        <a:lstStyle/>
+        <a:p>
+          <a:endParaRPr lang="es-CO"/>
+        </a:p>
+      </dgm:t>
     </dgm:pt>
     <dgm:pt modelId="{3999A5B1-8852-4ED6-85FA-81154FB873CC}" type="pres">
       <dgm:prSet presAssocID="{2AB47238-3801-40FA-8976-C4E343ADE7EF}" presName="composite" presStyleCnt="0"/>
@@ -5511,6 +6401,13 @@
         </dgm:presLayoutVars>
       </dgm:prSet>
       <dgm:spPr/>
+      <dgm:t>
+        <a:bodyPr/>
+        <a:lstStyle/>
+        <a:p>
+          <a:endParaRPr lang="es-CO"/>
+        </a:p>
+      </dgm:t>
     </dgm:pt>
     <dgm:pt modelId="{7D924C14-A286-407C-A494-2605EF842E87}" type="pres">
       <dgm:prSet presAssocID="{2AB47238-3801-40FA-8976-C4E343ADE7EF}" presName="descendantText" presStyleLbl="alignAcc1" presStyleIdx="0" presStyleCnt="9" custLinFactNeighborY="-259">
@@ -5519,6 +6416,13 @@
         </dgm:presLayoutVars>
       </dgm:prSet>
       <dgm:spPr/>
+      <dgm:t>
+        <a:bodyPr/>
+        <a:lstStyle/>
+        <a:p>
+          <a:endParaRPr lang="es-CO"/>
+        </a:p>
+      </dgm:t>
     </dgm:pt>
     <dgm:pt modelId="{CDE4BC90-27AC-4802-A115-52842E9CA2C0}" type="pres">
       <dgm:prSet presAssocID="{444EF23E-8F95-442A-8E5A-3ACB6AE84EDC}" presName="sp" presStyleCnt="0"/>
@@ -5536,6 +6440,13 @@
         </dgm:presLayoutVars>
       </dgm:prSet>
       <dgm:spPr/>
+      <dgm:t>
+        <a:bodyPr/>
+        <a:lstStyle/>
+        <a:p>
+          <a:endParaRPr lang="es-CO"/>
+        </a:p>
+      </dgm:t>
     </dgm:pt>
     <dgm:pt modelId="{DD550D31-3E2A-4526-8E6B-FBCB4DC60A3D}" type="pres">
       <dgm:prSet presAssocID="{BE52352C-80A7-475E-91A0-4B0CEE0CDF23}" presName="descendantText" presStyleLbl="alignAcc1" presStyleIdx="1" presStyleCnt="9">
@@ -5544,6 +6455,13 @@
         </dgm:presLayoutVars>
       </dgm:prSet>
       <dgm:spPr/>
+      <dgm:t>
+        <a:bodyPr/>
+        <a:lstStyle/>
+        <a:p>
+          <a:endParaRPr lang="es-CO"/>
+        </a:p>
+      </dgm:t>
     </dgm:pt>
     <dgm:pt modelId="{E5027BDB-A1D3-4FF7-B5D8-8FD2BBB796BC}" type="pres">
       <dgm:prSet presAssocID="{55BF2543-A05A-41D6-A03B-4C1DED0CB237}" presName="sp" presStyleCnt="0"/>
@@ -5561,6 +6479,13 @@
         </dgm:presLayoutVars>
       </dgm:prSet>
       <dgm:spPr/>
+      <dgm:t>
+        <a:bodyPr/>
+        <a:lstStyle/>
+        <a:p>
+          <a:endParaRPr lang="es-CO"/>
+        </a:p>
+      </dgm:t>
     </dgm:pt>
     <dgm:pt modelId="{B3D561DC-B92F-4A16-9FF7-B07A6C428DAA}" type="pres">
       <dgm:prSet presAssocID="{ECDFAC5A-D544-48DA-BF62-DC3353AC7261}" presName="descendantText" presStyleLbl="alignAcc1" presStyleIdx="2" presStyleCnt="9">
@@ -5569,6 +6494,13 @@
         </dgm:presLayoutVars>
       </dgm:prSet>
       <dgm:spPr/>
+      <dgm:t>
+        <a:bodyPr/>
+        <a:lstStyle/>
+        <a:p>
+          <a:endParaRPr lang="es-CO"/>
+        </a:p>
+      </dgm:t>
     </dgm:pt>
     <dgm:pt modelId="{241AFA93-E57F-4354-A16B-3BC0803929D7}" type="pres">
       <dgm:prSet presAssocID="{BB9D707F-2FD6-4763-8325-803F031CE4BE}" presName="sp" presStyleCnt="0"/>
@@ -5586,6 +6518,13 @@
         </dgm:presLayoutVars>
       </dgm:prSet>
       <dgm:spPr/>
+      <dgm:t>
+        <a:bodyPr/>
+        <a:lstStyle/>
+        <a:p>
+          <a:endParaRPr lang="es-CO"/>
+        </a:p>
+      </dgm:t>
     </dgm:pt>
     <dgm:pt modelId="{2D9B2A39-300B-4D1B-8EA0-BC4E32FB2A60}" type="pres">
       <dgm:prSet presAssocID="{114D2900-FC50-4787-8C61-DECB2CE00816}" presName="descendantText" presStyleLbl="alignAcc1" presStyleIdx="3" presStyleCnt="9" custLinFactNeighborY="1349">
@@ -5594,6 +6533,13 @@
         </dgm:presLayoutVars>
       </dgm:prSet>
       <dgm:spPr/>
+      <dgm:t>
+        <a:bodyPr/>
+        <a:lstStyle/>
+        <a:p>
+          <a:endParaRPr lang="es-CO"/>
+        </a:p>
+      </dgm:t>
     </dgm:pt>
     <dgm:pt modelId="{07F7AA37-C2B0-46C7-8886-CA20577DD0DB}" type="pres">
       <dgm:prSet presAssocID="{019F6359-4067-4CF9-BEE4-307C2F73DA33}" presName="sp" presStyleCnt="0"/>
@@ -5611,6 +6557,13 @@
         </dgm:presLayoutVars>
       </dgm:prSet>
       <dgm:spPr/>
+      <dgm:t>
+        <a:bodyPr/>
+        <a:lstStyle/>
+        <a:p>
+          <a:endParaRPr lang="es-CO"/>
+        </a:p>
+      </dgm:t>
     </dgm:pt>
     <dgm:pt modelId="{5555DAA1-BFD7-47D4-A657-49CC0D39556F}" type="pres">
       <dgm:prSet presAssocID="{51A29980-B70B-4667-8CB8-DF518D8C070E}" presName="descendantText" presStyleLbl="alignAcc1" presStyleIdx="4" presStyleCnt="9">
@@ -5619,6 +6572,13 @@
         </dgm:presLayoutVars>
       </dgm:prSet>
       <dgm:spPr/>
+      <dgm:t>
+        <a:bodyPr/>
+        <a:lstStyle/>
+        <a:p>
+          <a:endParaRPr lang="es-CO"/>
+        </a:p>
+      </dgm:t>
     </dgm:pt>
     <dgm:pt modelId="{F9494032-577E-4A59-A59F-F476D8E6952A}" type="pres">
       <dgm:prSet presAssocID="{DCA19B06-2974-4000-A516-9BCBD2E07C6F}" presName="sp" presStyleCnt="0"/>
@@ -5636,6 +6596,13 @@
         </dgm:presLayoutVars>
       </dgm:prSet>
       <dgm:spPr/>
+      <dgm:t>
+        <a:bodyPr/>
+        <a:lstStyle/>
+        <a:p>
+          <a:endParaRPr lang="es-CO"/>
+        </a:p>
+      </dgm:t>
     </dgm:pt>
     <dgm:pt modelId="{9CF3735A-CCD7-4F50-9021-657BDACFD415}" type="pres">
       <dgm:prSet presAssocID="{C7EA4583-CA5B-4BE2-92D6-09EF84FBFF76}" presName="descendantText" presStyleLbl="alignAcc1" presStyleIdx="5" presStyleCnt="9">
@@ -5644,6 +6611,13 @@
         </dgm:presLayoutVars>
       </dgm:prSet>
       <dgm:spPr/>
+      <dgm:t>
+        <a:bodyPr/>
+        <a:lstStyle/>
+        <a:p>
+          <a:endParaRPr lang="es-CO"/>
+        </a:p>
+      </dgm:t>
     </dgm:pt>
     <dgm:pt modelId="{BC156B28-73A6-48C1-919F-B71C8AD38DFE}" type="pres">
       <dgm:prSet presAssocID="{5BA0C863-B235-4345-9E16-4914C5FCA5EB}" presName="sp" presStyleCnt="0"/>
@@ -5661,6 +6635,13 @@
         </dgm:presLayoutVars>
       </dgm:prSet>
       <dgm:spPr/>
+      <dgm:t>
+        <a:bodyPr/>
+        <a:lstStyle/>
+        <a:p>
+          <a:endParaRPr lang="es-CO"/>
+        </a:p>
+      </dgm:t>
     </dgm:pt>
     <dgm:pt modelId="{1D11BA6A-8B5A-492E-9D05-2C356020F385}" type="pres">
       <dgm:prSet presAssocID="{F5E93582-D4CF-493F-8AEA-CB61291F53F2}" presName="descendantText" presStyleLbl="alignAcc1" presStyleIdx="6" presStyleCnt="9">
@@ -5669,6 +6650,13 @@
         </dgm:presLayoutVars>
       </dgm:prSet>
       <dgm:spPr/>
+      <dgm:t>
+        <a:bodyPr/>
+        <a:lstStyle/>
+        <a:p>
+          <a:endParaRPr lang="es-CO"/>
+        </a:p>
+      </dgm:t>
     </dgm:pt>
     <dgm:pt modelId="{5396857A-D2FA-478E-93B1-BFB7F032C185}" type="pres">
       <dgm:prSet presAssocID="{BF8B4164-3BEA-47A0-9C72-60655A9CA336}" presName="sp" presStyleCnt="0"/>
@@ -5686,6 +6674,13 @@
         </dgm:presLayoutVars>
       </dgm:prSet>
       <dgm:spPr/>
+      <dgm:t>
+        <a:bodyPr/>
+        <a:lstStyle/>
+        <a:p>
+          <a:endParaRPr lang="es-CO"/>
+        </a:p>
+      </dgm:t>
     </dgm:pt>
     <dgm:pt modelId="{3A70B292-ED2A-479B-9C73-0AF5B65FCDA0}" type="pres">
       <dgm:prSet presAssocID="{3783210F-2D22-48A3-9DEF-634F34D23F5E}" presName="descendantText" presStyleLbl="alignAcc1" presStyleIdx="7" presStyleCnt="9">
@@ -5694,6 +6689,13 @@
         </dgm:presLayoutVars>
       </dgm:prSet>
       <dgm:spPr/>
+      <dgm:t>
+        <a:bodyPr/>
+        <a:lstStyle/>
+        <a:p>
+          <a:endParaRPr lang="es-CO"/>
+        </a:p>
+      </dgm:t>
     </dgm:pt>
     <dgm:pt modelId="{C18729EF-0C3E-499F-9218-1A35D246066C}" type="pres">
       <dgm:prSet presAssocID="{75A3CEF8-48B0-46DB-BEEA-AE635FE6EE92}" presName="sp" presStyleCnt="0"/>
@@ -5711,6 +6713,13 @@
         </dgm:presLayoutVars>
       </dgm:prSet>
       <dgm:spPr/>
+      <dgm:t>
+        <a:bodyPr/>
+        <a:lstStyle/>
+        <a:p>
+          <a:endParaRPr lang="es-CO"/>
+        </a:p>
+      </dgm:t>
     </dgm:pt>
     <dgm:pt modelId="{B23AAA86-8260-4C63-858F-545D418AA6FE}" type="pres">
       <dgm:prSet presAssocID="{2D743B1B-8FC7-4F4E-B56D-A09F4510C750}" presName="descendantText" presStyleLbl="alignAcc1" presStyleIdx="8" presStyleCnt="9">
@@ -5719,46 +6728,53 @@
         </dgm:presLayoutVars>
       </dgm:prSet>
       <dgm:spPr/>
+      <dgm:t>
+        <a:bodyPr/>
+        <a:lstStyle/>
+        <a:p>
+          <a:endParaRPr lang="es-CO"/>
+        </a:p>
+      </dgm:t>
     </dgm:pt>
   </dgm:ptLst>
   <dgm:cxnLst>
+    <dgm:cxn modelId="{2321B037-0FB5-4D15-A2EA-EC0A39D6892D}" type="presOf" srcId="{B1FF64AE-C09C-4226-95B7-E1D9337A0C5F}" destId="{B3D561DC-B92F-4A16-9FF7-B07A6C428DAA}" srcOrd="0" destOrd="0" presId="urn:microsoft.com/office/officeart/2005/8/layout/chevron2"/>
+    <dgm:cxn modelId="{E3C260BA-06DD-424A-B1D4-9A828E5190F9}" type="presOf" srcId="{2D743B1B-8FC7-4F4E-B56D-A09F4510C750}" destId="{BEE86D47-DEB0-47FE-BA07-F46E88E4EA5B}" srcOrd="0" destOrd="0" presId="urn:microsoft.com/office/officeart/2005/8/layout/chevron2"/>
+    <dgm:cxn modelId="{B7DB396A-EE44-4B02-BC81-362A830CAF2E}" srcId="{51A29980-B70B-4667-8CB8-DF518D8C070E}" destId="{D6BCDEFA-529B-4012-B5F4-E404B38846BB}" srcOrd="0" destOrd="0" parTransId="{85947926-462B-4DCA-85E1-76BDF7F38DBA}" sibTransId="{4E1B3A19-D53A-47AB-A5D6-FAA73467DC17}"/>
+    <dgm:cxn modelId="{95FE7EC9-8291-470D-A463-511A543256DE}" type="presOf" srcId="{C7EA4583-CA5B-4BE2-92D6-09EF84FBFF76}" destId="{8BA6A785-927D-4DE7-BA50-6A042BD6179A}" srcOrd="0" destOrd="0" presId="urn:microsoft.com/office/officeart/2005/8/layout/chevron2"/>
+    <dgm:cxn modelId="{A61E55C6-A6ED-487F-AB2B-354A4F8F9E21}" type="presOf" srcId="{114D2900-FC50-4787-8C61-DECB2CE00816}" destId="{55DE034D-D8F4-4EE6-BC85-FD58D04C7D7C}" srcOrd="0" destOrd="0" presId="urn:microsoft.com/office/officeart/2005/8/layout/chevron2"/>
+    <dgm:cxn modelId="{D917D42F-BDE5-433E-8388-A91A2F15AC77}" srcId="{114D2900-FC50-4787-8C61-DECB2CE00816}" destId="{38DE0993-9D0E-44EB-BA92-7987A09ED9B9}" srcOrd="0" destOrd="0" parTransId="{BA146428-54E3-4517-A563-2F6F179BD4F0}" sibTransId="{4C7BDF9E-47CF-4A15-A8BF-AF8350C1BD46}"/>
+    <dgm:cxn modelId="{EADEFE87-1F7D-4208-BEE3-3994957AE94D}" type="presOf" srcId="{3783210F-2D22-48A3-9DEF-634F34D23F5E}" destId="{934E52F8-1F31-421D-98B1-AF190D4E2E54}" srcOrd="0" destOrd="0" presId="urn:microsoft.com/office/officeart/2005/8/layout/chevron2"/>
+    <dgm:cxn modelId="{0DC6AEF0-300B-4139-BAFF-38D147864376}" type="presOf" srcId="{F41E29C7-3EE4-4764-AF21-CA42D9301D2B}" destId="{3A70B292-ED2A-479B-9C73-0AF5B65FCDA0}" srcOrd="0" destOrd="0" presId="urn:microsoft.com/office/officeart/2005/8/layout/chevron2"/>
+    <dgm:cxn modelId="{77C0C392-1936-404E-B5AC-3EA9706E0CDF}" type="presOf" srcId="{9FC8ECDD-A586-4FF1-8C8D-8EA1C24966AA}" destId="{1D11BA6A-8B5A-492E-9D05-2C356020F385}" srcOrd="0" destOrd="0" presId="urn:microsoft.com/office/officeart/2005/8/layout/chevron2"/>
+    <dgm:cxn modelId="{D4AB0DC2-A09C-478A-9C4F-F1094E47C750}" srcId="{F5E93582-D4CF-493F-8AEA-CB61291F53F2}" destId="{9FC8ECDD-A586-4FF1-8C8D-8EA1C24966AA}" srcOrd="0" destOrd="0" parTransId="{8FC03BF6-5927-484E-99C7-6CCDD92F171D}" sibTransId="{FAEF433B-B297-4507-A5C9-630552C61BE6}"/>
+    <dgm:cxn modelId="{BC807411-9CF8-4D8C-8347-37517088CFAB}" srcId="{5AED743B-61E9-43F0-B4E6-CD66C7CACB11}" destId="{51A29980-B70B-4667-8CB8-DF518D8C070E}" srcOrd="4" destOrd="0" parTransId="{D3BC21F3-1A90-462C-8C6E-83E8A3DE3BB7}" sibTransId="{DCA19B06-2974-4000-A516-9BCBD2E07C6F}"/>
+    <dgm:cxn modelId="{878E2F86-B426-464A-9074-EB04F40BD0EC}" srcId="{BE52352C-80A7-475E-91A0-4B0CEE0CDF23}" destId="{D84E9FCD-AF1C-4F83-8C79-A17DD99A9BCE}" srcOrd="0" destOrd="0" parTransId="{4B135258-BA52-4204-A936-B9104120981B}" sibTransId="{BEFA0B19-F36F-4981-91B3-37D8E354A598}"/>
+    <dgm:cxn modelId="{3CB9AF67-4974-4F0F-8CA2-2691AA73A03C}" type="presOf" srcId="{D6BCDEFA-529B-4012-B5F4-E404B38846BB}" destId="{5555DAA1-BFD7-47D4-A657-49CC0D39556F}" srcOrd="0" destOrd="0" presId="urn:microsoft.com/office/officeart/2005/8/layout/chevron2"/>
+    <dgm:cxn modelId="{D2FEFD7A-EABD-4D32-B2E2-1AA5710AE3D0}" type="presOf" srcId="{BE52352C-80A7-475E-91A0-4B0CEE0CDF23}" destId="{46DE062B-D172-4BF5-88A3-6686B42B8829}" srcOrd="0" destOrd="0" presId="urn:microsoft.com/office/officeart/2005/8/layout/chevron2"/>
+    <dgm:cxn modelId="{035F3A77-F1B8-4C22-9C1E-D31F3A935442}" srcId="{5AED743B-61E9-43F0-B4E6-CD66C7CACB11}" destId="{C7EA4583-CA5B-4BE2-92D6-09EF84FBFF76}" srcOrd="5" destOrd="0" parTransId="{E59DB4E4-9C8C-4550-86C6-49469E772FFE}" sibTransId="{5BA0C863-B235-4345-9E16-4914C5FCA5EB}"/>
+    <dgm:cxn modelId="{4C23E0E4-FE20-4E06-A4AE-9A7A0A14BB5A}" type="presOf" srcId="{2AB47238-3801-40FA-8976-C4E343ADE7EF}" destId="{7B9C61D3-E734-4A24-A944-215CF7A1B5A3}" srcOrd="0" destOrd="0" presId="urn:microsoft.com/office/officeart/2005/8/layout/chevron2"/>
+    <dgm:cxn modelId="{22C77E80-3500-4FC2-AB0B-C8F5A2819BF2}" type="presOf" srcId="{099A66E6-222C-4B30-87F7-4490B4108453}" destId="{B23AAA86-8260-4C63-858F-545D418AA6FE}" srcOrd="0" destOrd="0" presId="urn:microsoft.com/office/officeart/2005/8/layout/chevron2"/>
+    <dgm:cxn modelId="{0C884370-3F78-4C35-882D-EFC4C83B85F1}" srcId="{2D743B1B-8FC7-4F4E-B56D-A09F4510C750}" destId="{099A66E6-222C-4B30-87F7-4490B4108453}" srcOrd="0" destOrd="0" parTransId="{46922462-D20D-47FB-A086-F615AD7BBAAC}" sibTransId="{FC66B7E3-67A1-43C1-B40D-564C00544688}"/>
+    <dgm:cxn modelId="{FF0C6219-673B-4FD9-BAC1-DA59AE3C83FC}" srcId="{5AED743B-61E9-43F0-B4E6-CD66C7CACB11}" destId="{2D743B1B-8FC7-4F4E-B56D-A09F4510C750}" srcOrd="8" destOrd="0" parTransId="{DB48DFF8-E679-44DF-BB64-D34A9BE256B5}" sibTransId="{BEF66982-0195-4613-9D6B-6A96CADF5678}"/>
+    <dgm:cxn modelId="{FB5C612D-0AA3-43C7-9502-6352BAE9517F}" type="presOf" srcId="{38DE0993-9D0E-44EB-BA92-7987A09ED9B9}" destId="{2D9B2A39-300B-4D1B-8EA0-BC4E32FB2A60}" srcOrd="0" destOrd="0" presId="urn:microsoft.com/office/officeart/2005/8/layout/chevron2"/>
     <dgm:cxn modelId="{8BE42A01-6B74-4666-8D3B-5BD93BDCB4BE}" type="presOf" srcId="{51A29980-B70B-4667-8CB8-DF518D8C070E}" destId="{74CD68D7-6486-45EC-94E0-B1980F2F8544}" srcOrd="0" destOrd="0" presId="urn:microsoft.com/office/officeart/2005/8/layout/chevron2"/>
-    <dgm:cxn modelId="{BC807411-9CF8-4D8C-8347-37517088CFAB}" srcId="{5AED743B-61E9-43F0-B4E6-CD66C7CACB11}" destId="{51A29980-B70B-4667-8CB8-DF518D8C070E}" srcOrd="4" destOrd="0" parTransId="{D3BC21F3-1A90-462C-8C6E-83E8A3DE3BB7}" sibTransId="{DCA19B06-2974-4000-A516-9BCBD2E07C6F}"/>
+    <dgm:cxn modelId="{ED2C28D2-1D21-4ACC-9615-05B7C315FB71}" srcId="{5AED743B-61E9-43F0-B4E6-CD66C7CACB11}" destId="{BE52352C-80A7-475E-91A0-4B0CEE0CDF23}" srcOrd="1" destOrd="0" parTransId="{0602027C-38FA-4ADB-A052-417ED3C3D478}" sibTransId="{55BF2543-A05A-41D6-A03B-4C1DED0CB237}"/>
+    <dgm:cxn modelId="{2E02816A-F96C-4E95-A6CB-4B2F7405B118}" srcId="{5AED743B-61E9-43F0-B4E6-CD66C7CACB11}" destId="{ECDFAC5A-D544-48DA-BF62-DC3353AC7261}" srcOrd="2" destOrd="0" parTransId="{4711F111-FA7E-4043-9394-27597F37E6F0}" sibTransId="{BB9D707F-2FD6-4763-8325-803F031CE4BE}"/>
+    <dgm:cxn modelId="{3DBC46AB-29CD-4053-987E-221DB9D4EE32}" srcId="{5AED743B-61E9-43F0-B4E6-CD66C7CACB11}" destId="{114D2900-FC50-4787-8C61-DECB2CE00816}" srcOrd="3" destOrd="0" parTransId="{8860A4AD-82B8-48FF-A791-0C4CD1091151}" sibTransId="{019F6359-4067-4CF9-BEE4-307C2F73DA33}"/>
+    <dgm:cxn modelId="{29DBE6D3-474A-4F55-8BB0-E479E6642DA9}" type="presOf" srcId="{A6FC42F1-8649-433D-9B13-8FC48773CD49}" destId="{9CF3735A-CCD7-4F50-9021-657BDACFD415}" srcOrd="0" destOrd="0" presId="urn:microsoft.com/office/officeart/2005/8/layout/chevron2"/>
+    <dgm:cxn modelId="{6EDBDA24-93C6-46C5-B010-74FF3E20D067}" srcId="{C7EA4583-CA5B-4BE2-92D6-09EF84FBFF76}" destId="{A6FC42F1-8649-433D-9B13-8FC48773CD49}" srcOrd="0" destOrd="0" parTransId="{CF404E4D-17C7-4E8B-AE93-E687F4C24E16}" sibTransId="{3A7DE174-0F19-4201-ABB3-5CCA0BFF92FB}"/>
     <dgm:cxn modelId="{46E12C17-7EA2-4F90-B116-D0381152200D}" type="presOf" srcId="{F5E93582-D4CF-493F-8AEA-CB61291F53F2}" destId="{CBE227D2-8DD8-40B8-868A-F1F854EF4D92}" srcOrd="0" destOrd="0" presId="urn:microsoft.com/office/officeart/2005/8/layout/chevron2"/>
-    <dgm:cxn modelId="{FF0C6219-673B-4FD9-BAC1-DA59AE3C83FC}" srcId="{5AED743B-61E9-43F0-B4E6-CD66C7CACB11}" destId="{2D743B1B-8FC7-4F4E-B56D-A09F4510C750}" srcOrd="8" destOrd="0" parTransId="{DB48DFF8-E679-44DF-BB64-D34A9BE256B5}" sibTransId="{BEF66982-0195-4613-9D6B-6A96CADF5678}"/>
-    <dgm:cxn modelId="{6EDBDA24-93C6-46C5-B010-74FF3E20D067}" srcId="{C7EA4583-CA5B-4BE2-92D6-09EF84FBFF76}" destId="{A6FC42F1-8649-433D-9B13-8FC48773CD49}" srcOrd="0" destOrd="0" parTransId="{CF404E4D-17C7-4E8B-AE93-E687F4C24E16}" sibTransId="{3A7DE174-0F19-4201-ABB3-5CCA0BFF92FB}"/>
-    <dgm:cxn modelId="{FB5C612D-0AA3-43C7-9502-6352BAE9517F}" type="presOf" srcId="{38DE0993-9D0E-44EB-BA92-7987A09ED9B9}" destId="{2D9B2A39-300B-4D1B-8EA0-BC4E32FB2A60}" srcOrd="0" destOrd="0" presId="urn:microsoft.com/office/officeart/2005/8/layout/chevron2"/>
-    <dgm:cxn modelId="{D917D42F-BDE5-433E-8388-A91A2F15AC77}" srcId="{114D2900-FC50-4787-8C61-DECB2CE00816}" destId="{38DE0993-9D0E-44EB-BA92-7987A09ED9B9}" srcOrd="0" destOrd="0" parTransId="{BA146428-54E3-4517-A563-2F6F179BD4F0}" sibTransId="{4C7BDF9E-47CF-4A15-A8BF-AF8350C1BD46}"/>
-    <dgm:cxn modelId="{2321B037-0FB5-4D15-A2EA-EC0A39D6892D}" type="presOf" srcId="{B1FF64AE-C09C-4226-95B7-E1D9337A0C5F}" destId="{B3D561DC-B92F-4A16-9FF7-B07A6C428DAA}" srcOrd="0" destOrd="0" presId="urn:microsoft.com/office/officeart/2005/8/layout/chevron2"/>
-    <dgm:cxn modelId="{3CB9AF67-4974-4F0F-8CA2-2691AA73A03C}" type="presOf" srcId="{D6BCDEFA-529B-4012-B5F4-E404B38846BB}" destId="{5555DAA1-BFD7-47D4-A657-49CC0D39556F}" srcOrd="0" destOrd="0" presId="urn:microsoft.com/office/officeart/2005/8/layout/chevron2"/>
-    <dgm:cxn modelId="{B7DB396A-EE44-4B02-BC81-362A830CAF2E}" srcId="{51A29980-B70B-4667-8CB8-DF518D8C070E}" destId="{D6BCDEFA-529B-4012-B5F4-E404B38846BB}" srcOrd="0" destOrd="0" parTransId="{85947926-462B-4DCA-85E1-76BDF7F38DBA}" sibTransId="{4E1B3A19-D53A-47AB-A5D6-FAA73467DC17}"/>
-    <dgm:cxn modelId="{2E02816A-F96C-4E95-A6CB-4B2F7405B118}" srcId="{5AED743B-61E9-43F0-B4E6-CD66C7CACB11}" destId="{ECDFAC5A-D544-48DA-BF62-DC3353AC7261}" srcOrd="2" destOrd="0" parTransId="{4711F111-FA7E-4043-9394-27597F37E6F0}" sibTransId="{BB9D707F-2FD6-4763-8325-803F031CE4BE}"/>
-    <dgm:cxn modelId="{D430984B-0736-4BF1-89ED-AE33CF27901C}" srcId="{5AED743B-61E9-43F0-B4E6-CD66C7CACB11}" destId="{F5E93582-D4CF-493F-8AEA-CB61291F53F2}" srcOrd="6" destOrd="0" parTransId="{23B3E744-C34A-4B39-97BC-1C846C5F207A}" sibTransId="{BF8B4164-3BEA-47A0-9C72-60655A9CA336}"/>
-    <dgm:cxn modelId="{BA20B84C-8C58-40CD-ACCC-C82C99BD665B}" srcId="{ECDFAC5A-D544-48DA-BF62-DC3353AC7261}" destId="{B1FF64AE-C09C-4226-95B7-E1D9337A0C5F}" srcOrd="0" destOrd="0" parTransId="{997D330E-DAEB-4C5D-AB1E-E57359A15080}" sibTransId="{B61DA039-E95C-4144-9ADF-68313B45E866}"/>
     <dgm:cxn modelId="{6675784E-C62F-4ADF-B64A-876D52A40E55}" srcId="{5AED743B-61E9-43F0-B4E6-CD66C7CACB11}" destId="{3783210F-2D22-48A3-9DEF-634F34D23F5E}" srcOrd="7" destOrd="0" parTransId="{BD8176A8-30CB-4707-BD0A-6C4B21C6B83D}" sibTransId="{75A3CEF8-48B0-46DB-BEEA-AE635FE6EE92}"/>
-    <dgm:cxn modelId="{0C884370-3F78-4C35-882D-EFC4C83B85F1}" srcId="{2D743B1B-8FC7-4F4E-B56D-A09F4510C750}" destId="{099A66E6-222C-4B30-87F7-4490B4108453}" srcOrd="0" destOrd="0" parTransId="{46922462-D20D-47FB-A086-F615AD7BBAAC}" sibTransId="{FC66B7E3-67A1-43C1-B40D-564C00544688}"/>
-    <dgm:cxn modelId="{85DA4653-79A7-43AD-890B-F90CB8F6CD39}" type="presOf" srcId="{5AED743B-61E9-43F0-B4E6-CD66C7CACB11}" destId="{B04888FD-580F-4C89-9024-417C4037B260}" srcOrd="0" destOrd="0" presId="urn:microsoft.com/office/officeart/2005/8/layout/chevron2"/>
-    <dgm:cxn modelId="{035F3A77-F1B8-4C22-9C1E-D31F3A935442}" srcId="{5AED743B-61E9-43F0-B4E6-CD66C7CACB11}" destId="{C7EA4583-CA5B-4BE2-92D6-09EF84FBFF76}" srcOrd="5" destOrd="0" parTransId="{E59DB4E4-9C8C-4550-86C6-49469E772FFE}" sibTransId="{5BA0C863-B235-4345-9E16-4914C5FCA5EB}"/>
-    <dgm:cxn modelId="{ED3B1678-A19C-4A3F-B426-8EC5978ECF3D}" srcId="{2AB47238-3801-40FA-8976-C4E343ADE7EF}" destId="{098F6204-0E83-4C3B-BFDF-1D2E29E4C9D9}" srcOrd="0" destOrd="0" parTransId="{5D0C1F5F-4EE8-4238-923E-57049343506B}" sibTransId="{9A1CE265-430D-40BC-88C9-F35702551E59}"/>
     <dgm:cxn modelId="{1B4CDA78-2C34-43E2-AA55-190DA0273741}" srcId="{5AED743B-61E9-43F0-B4E6-CD66C7CACB11}" destId="{2AB47238-3801-40FA-8976-C4E343ADE7EF}" srcOrd="0" destOrd="0" parTransId="{C05944CC-497C-4FDE-B623-B47932F95FF1}" sibTransId="{444EF23E-8F95-442A-8E5A-3ACB6AE84EDC}"/>
     <dgm:cxn modelId="{6C49AA7A-88C5-4F57-800A-31869560C7E7}" type="presOf" srcId="{098F6204-0E83-4C3B-BFDF-1D2E29E4C9D9}" destId="{7D924C14-A286-407C-A494-2605EF842E87}" srcOrd="0" destOrd="0" presId="urn:microsoft.com/office/officeart/2005/8/layout/chevron2"/>
-    <dgm:cxn modelId="{D2FEFD7A-EABD-4D32-B2E2-1AA5710AE3D0}" type="presOf" srcId="{BE52352C-80A7-475E-91A0-4B0CEE0CDF23}" destId="{46DE062B-D172-4BF5-88A3-6686B42B8829}" srcOrd="0" destOrd="0" presId="urn:microsoft.com/office/officeart/2005/8/layout/chevron2"/>
-    <dgm:cxn modelId="{22C77E80-3500-4FC2-AB0B-C8F5A2819BF2}" type="presOf" srcId="{099A66E6-222C-4B30-87F7-4490B4108453}" destId="{B23AAA86-8260-4C63-858F-545D418AA6FE}" srcOrd="0" destOrd="0" presId="urn:microsoft.com/office/officeart/2005/8/layout/chevron2"/>
-    <dgm:cxn modelId="{878E2F86-B426-464A-9074-EB04F40BD0EC}" srcId="{BE52352C-80A7-475E-91A0-4B0CEE0CDF23}" destId="{D84E9FCD-AF1C-4F83-8C79-A17DD99A9BCE}" srcOrd="0" destOrd="0" parTransId="{4B135258-BA52-4204-A936-B9104120981B}" sibTransId="{BEFA0B19-F36F-4981-91B3-37D8E354A598}"/>
-    <dgm:cxn modelId="{EADEFE87-1F7D-4208-BEE3-3994957AE94D}" type="presOf" srcId="{3783210F-2D22-48A3-9DEF-634F34D23F5E}" destId="{934E52F8-1F31-421D-98B1-AF190D4E2E54}" srcOrd="0" destOrd="0" presId="urn:microsoft.com/office/officeart/2005/8/layout/chevron2"/>
-    <dgm:cxn modelId="{77C0C392-1936-404E-B5AC-3EA9706E0CDF}" type="presOf" srcId="{9FC8ECDD-A586-4FF1-8C8D-8EA1C24966AA}" destId="{1D11BA6A-8B5A-492E-9D05-2C356020F385}" srcOrd="0" destOrd="0" presId="urn:microsoft.com/office/officeart/2005/8/layout/chevron2"/>
+    <dgm:cxn modelId="{D430984B-0736-4BF1-89ED-AE33CF27901C}" srcId="{5AED743B-61E9-43F0-B4E6-CD66C7CACB11}" destId="{F5E93582-D4CF-493F-8AEA-CB61291F53F2}" srcOrd="6" destOrd="0" parTransId="{23B3E744-C34A-4B39-97BC-1C846C5F207A}" sibTransId="{BF8B4164-3BEA-47A0-9C72-60655A9CA336}"/>
+    <dgm:cxn modelId="{ED3B1678-A19C-4A3F-B426-8EC5978ECF3D}" srcId="{2AB47238-3801-40FA-8976-C4E343ADE7EF}" destId="{098F6204-0E83-4C3B-BFDF-1D2E29E4C9D9}" srcOrd="0" destOrd="0" parTransId="{5D0C1F5F-4EE8-4238-923E-57049343506B}" sibTransId="{9A1CE265-430D-40BC-88C9-F35702551E59}"/>
+    <dgm:cxn modelId="{85DA4653-79A7-43AD-890B-F90CB8F6CD39}" type="presOf" srcId="{5AED743B-61E9-43F0-B4E6-CD66C7CACB11}" destId="{B04888FD-580F-4C89-9024-417C4037B260}" srcOrd="0" destOrd="0" presId="urn:microsoft.com/office/officeart/2005/8/layout/chevron2"/>
+    <dgm:cxn modelId="{F77E71BB-07A7-41DB-AC56-6E16D4959DF6}" srcId="{3783210F-2D22-48A3-9DEF-634F34D23F5E}" destId="{F41E29C7-3EE4-4764-AF21-CA42D9301D2B}" srcOrd="0" destOrd="0" parTransId="{06EB117A-2BCC-425A-A573-D3D332BBC7F8}" sibTransId="{59292C46-0AB7-49C3-B8E9-98E03658110D}"/>
+    <dgm:cxn modelId="{9B1950B3-E964-42A0-9C90-AE07F17C84FF}" type="presOf" srcId="{ECDFAC5A-D544-48DA-BF62-DC3353AC7261}" destId="{06937BDD-E20F-46E1-A338-115FDE4E0538}" srcOrd="0" destOrd="0" presId="urn:microsoft.com/office/officeart/2005/8/layout/chevron2"/>
+    <dgm:cxn modelId="{BA20B84C-8C58-40CD-ACCC-C82C99BD665B}" srcId="{ECDFAC5A-D544-48DA-BF62-DC3353AC7261}" destId="{B1FF64AE-C09C-4226-95B7-E1D9337A0C5F}" srcOrd="0" destOrd="0" parTransId="{997D330E-DAEB-4C5D-AB1E-E57359A15080}" sibTransId="{B61DA039-E95C-4144-9ADF-68313B45E866}"/>
     <dgm:cxn modelId="{8D793F9D-713C-4383-8518-6CC354686E8B}" type="presOf" srcId="{D84E9FCD-AF1C-4F83-8C79-A17DD99A9BCE}" destId="{DD550D31-3E2A-4526-8E6B-FBCB4DC60A3D}" srcOrd="0" destOrd="0" presId="urn:microsoft.com/office/officeart/2005/8/layout/chevron2"/>
-    <dgm:cxn modelId="{3DBC46AB-29CD-4053-987E-221DB9D4EE32}" srcId="{5AED743B-61E9-43F0-B4E6-CD66C7CACB11}" destId="{114D2900-FC50-4787-8C61-DECB2CE00816}" srcOrd="3" destOrd="0" parTransId="{8860A4AD-82B8-48FF-A791-0C4CD1091151}" sibTransId="{019F6359-4067-4CF9-BEE4-307C2F73DA33}"/>
-    <dgm:cxn modelId="{9B1950B3-E964-42A0-9C90-AE07F17C84FF}" type="presOf" srcId="{ECDFAC5A-D544-48DA-BF62-DC3353AC7261}" destId="{06937BDD-E20F-46E1-A338-115FDE4E0538}" srcOrd="0" destOrd="0" presId="urn:microsoft.com/office/officeart/2005/8/layout/chevron2"/>
-    <dgm:cxn modelId="{E3C260BA-06DD-424A-B1D4-9A828E5190F9}" type="presOf" srcId="{2D743B1B-8FC7-4F4E-B56D-A09F4510C750}" destId="{BEE86D47-DEB0-47FE-BA07-F46E88E4EA5B}" srcOrd="0" destOrd="0" presId="urn:microsoft.com/office/officeart/2005/8/layout/chevron2"/>
-    <dgm:cxn modelId="{F77E71BB-07A7-41DB-AC56-6E16D4959DF6}" srcId="{3783210F-2D22-48A3-9DEF-634F34D23F5E}" destId="{F41E29C7-3EE4-4764-AF21-CA42D9301D2B}" srcOrd="0" destOrd="0" parTransId="{06EB117A-2BCC-425A-A573-D3D332BBC7F8}" sibTransId="{59292C46-0AB7-49C3-B8E9-98E03658110D}"/>
-    <dgm:cxn modelId="{D4AB0DC2-A09C-478A-9C4F-F1094E47C750}" srcId="{F5E93582-D4CF-493F-8AEA-CB61291F53F2}" destId="{9FC8ECDD-A586-4FF1-8C8D-8EA1C24966AA}" srcOrd="0" destOrd="0" parTransId="{8FC03BF6-5927-484E-99C7-6CCDD92F171D}" sibTransId="{FAEF433B-B297-4507-A5C9-630552C61BE6}"/>
-    <dgm:cxn modelId="{A61E55C6-A6ED-487F-AB2B-354A4F8F9E21}" type="presOf" srcId="{114D2900-FC50-4787-8C61-DECB2CE00816}" destId="{55DE034D-D8F4-4EE6-BC85-FD58D04C7D7C}" srcOrd="0" destOrd="0" presId="urn:microsoft.com/office/officeart/2005/8/layout/chevron2"/>
-    <dgm:cxn modelId="{95FE7EC9-8291-470D-A463-511A543256DE}" type="presOf" srcId="{C7EA4583-CA5B-4BE2-92D6-09EF84FBFF76}" destId="{8BA6A785-927D-4DE7-BA50-6A042BD6179A}" srcOrd="0" destOrd="0" presId="urn:microsoft.com/office/officeart/2005/8/layout/chevron2"/>
-    <dgm:cxn modelId="{ED2C28D2-1D21-4ACC-9615-05B7C315FB71}" srcId="{5AED743B-61E9-43F0-B4E6-CD66C7CACB11}" destId="{BE52352C-80A7-475E-91A0-4B0CEE0CDF23}" srcOrd="1" destOrd="0" parTransId="{0602027C-38FA-4ADB-A052-417ED3C3D478}" sibTransId="{55BF2543-A05A-41D6-A03B-4C1DED0CB237}"/>
-    <dgm:cxn modelId="{29DBE6D3-474A-4F55-8BB0-E479E6642DA9}" type="presOf" srcId="{A6FC42F1-8649-433D-9B13-8FC48773CD49}" destId="{9CF3735A-CCD7-4F50-9021-657BDACFD415}" srcOrd="0" destOrd="0" presId="urn:microsoft.com/office/officeart/2005/8/layout/chevron2"/>
-    <dgm:cxn modelId="{4C23E0E4-FE20-4E06-A4AE-9A7A0A14BB5A}" type="presOf" srcId="{2AB47238-3801-40FA-8976-C4E343ADE7EF}" destId="{7B9C61D3-E734-4A24-A944-215CF7A1B5A3}" srcOrd="0" destOrd="0" presId="urn:microsoft.com/office/officeart/2005/8/layout/chevron2"/>
-    <dgm:cxn modelId="{0DC6AEF0-300B-4139-BAFF-38D147864376}" type="presOf" srcId="{F41E29C7-3EE4-4764-AF21-CA42D9301D2B}" destId="{3A70B292-ED2A-479B-9C73-0AF5B65FCDA0}" srcOrd="0" destOrd="0" presId="urn:microsoft.com/office/officeart/2005/8/layout/chevron2"/>
     <dgm:cxn modelId="{FDD7D7E5-41BF-4DA9-960A-0D4C6C8C34DB}" type="presParOf" srcId="{B04888FD-580F-4C89-9024-417C4037B260}" destId="{3999A5B1-8852-4ED6-85FA-81154FB873CC}" srcOrd="0" destOrd="0" presId="urn:microsoft.com/office/officeart/2005/8/layout/chevron2"/>
     <dgm:cxn modelId="{F49ED93B-6E8C-4251-98F3-97B5557711A0}" type="presParOf" srcId="{3999A5B1-8852-4ED6-85FA-81154FB873CC}" destId="{7B9C61D3-E734-4A24-A944-215CF7A1B5A3}" srcOrd="0" destOrd="0" presId="urn:microsoft.com/office/officeart/2005/8/layout/chevron2"/>
     <dgm:cxn modelId="{0F02A7E5-3DBF-40D5-8F3D-5497443678A5}" type="presParOf" srcId="{3999A5B1-8852-4ED6-85FA-81154FB873CC}" destId="{7D924C14-A286-407C-A494-2605EF842E87}" srcOrd="1" destOrd="0" presId="urn:microsoft.com/office/officeart/2005/8/layout/chevron2"/>
@@ -5806,6 +6822,446 @@
 </file>
 
 <file path=ppt/diagrams/data4.xml><?xml version="1.0" encoding="utf-8"?>
+<dgm:dataModel xmlns:dgm="http://schemas.openxmlformats.org/drawingml/2006/diagram" xmlns:a="http://schemas.openxmlformats.org/drawingml/2006/main">
+  <dgm:ptLst>
+    <dgm:pt modelId="{C0477F08-252F-48FA-90C1-0D9958D38386}" type="doc">
+      <dgm:prSet loTypeId="urn:microsoft.com/office/officeart/2005/8/layout/hList7" loCatId="picture" qsTypeId="urn:microsoft.com/office/officeart/2005/8/quickstyle/simple1" qsCatId="simple" csTypeId="urn:microsoft.com/office/officeart/2005/8/colors/colorful5" csCatId="colorful" phldr="1"/>
+      <dgm:spPr/>
+      <dgm:t>
+        <a:bodyPr/>
+        <a:lstStyle/>
+        <a:p>
+          <a:endParaRPr lang="es-CO"/>
+        </a:p>
+      </dgm:t>
+    </dgm:pt>
+    <dgm:pt modelId="{FB4969E7-F69D-49D2-B304-AD964E169D53}">
+      <dgm:prSet phldrT="[Texto]"/>
+      <dgm:spPr/>
+      <dgm:t>
+        <a:bodyPr/>
+        <a:lstStyle/>
+        <a:p>
+          <a:r>
+            <a:rPr lang="es-CO" b="1" dirty="0" smtClean="0"/>
+            <a:t>Temperatura &amp; Humedad</a:t>
+          </a:r>
+        </a:p>
+        <a:p>
+          <a:r>
+            <a:rPr lang="es-CO" dirty="0" smtClean="0"/>
+            <a:t>T=24°C                + </a:t>
+          </a:r>
+          <a:r>
+            <a:rPr lang="es-CO" dirty="0" err="1" smtClean="0"/>
+            <a:t>ó</a:t>
+          </a:r>
+          <a:r>
+            <a:rPr lang="es-CO" dirty="0" smtClean="0"/>
+            <a:t> – 3°C</a:t>
+          </a:r>
+        </a:p>
+        <a:p>
+          <a:r>
+            <a:rPr lang="es-CO" dirty="0" smtClean="0"/>
+            <a:t>H=55%                 </a:t>
+          </a:r>
+          <a:r>
+            <a:rPr lang="es-CO" dirty="0" smtClean="0"/>
+            <a:t>+ </a:t>
+          </a:r>
+          <a:r>
+            <a:rPr lang="es-CO" dirty="0" err="1" smtClean="0"/>
+            <a:t>ó</a:t>
+          </a:r>
+          <a:r>
+            <a:rPr lang="es-CO" dirty="0" smtClean="0"/>
+            <a:t> – 3°C</a:t>
+          </a:r>
+          <a:endParaRPr lang="es-CO" dirty="0"/>
+        </a:p>
+      </dgm:t>
+    </dgm:pt>
+    <dgm:pt modelId="{A1ADD424-D96A-4AF8-8C98-F4DAA85FB55D}" type="parTrans" cxnId="{439FAB4C-0C52-4911-B561-06A9148146B8}">
+      <dgm:prSet/>
+      <dgm:spPr/>
+      <dgm:t>
+        <a:bodyPr/>
+        <a:lstStyle/>
+        <a:p>
+          <a:endParaRPr lang="es-CO"/>
+        </a:p>
+      </dgm:t>
+    </dgm:pt>
+    <dgm:pt modelId="{A2C26820-9511-420C-8A1E-2901051B045A}" type="sibTrans" cxnId="{439FAB4C-0C52-4911-B561-06A9148146B8}">
+      <dgm:prSet/>
+      <dgm:spPr/>
+      <dgm:t>
+        <a:bodyPr/>
+        <a:lstStyle/>
+        <a:p>
+          <a:endParaRPr lang="es-CO"/>
+        </a:p>
+      </dgm:t>
+    </dgm:pt>
+    <dgm:pt modelId="{66F26E48-DC63-4348-A05A-7AF31E35DC16}">
+      <dgm:prSet phldrT="[Texto]"/>
+      <dgm:spPr/>
+      <dgm:t>
+        <a:bodyPr/>
+        <a:lstStyle/>
+        <a:p>
+          <a:r>
+            <a:rPr lang="es-CO" b="1" dirty="0" smtClean="0"/>
+            <a:t>Ubicación</a:t>
+          </a:r>
+        </a:p>
+        <a:p>
+          <a:r>
+            <a:rPr lang="es-CO" dirty="0" err="1" smtClean="0"/>
+            <a:t>Cabinet</a:t>
+          </a:r>
+          <a:r>
+            <a:rPr lang="es-CO" dirty="0" smtClean="0"/>
+            <a:t> Cerrado</a:t>
+          </a:r>
+        </a:p>
+        <a:p>
+          <a:r>
+            <a:rPr lang="es-CO" dirty="0" smtClean="0"/>
+            <a:t>2RU</a:t>
+          </a:r>
+        </a:p>
+      </dgm:t>
+    </dgm:pt>
+    <dgm:pt modelId="{A4E93473-D75B-43F2-BFFC-3A04A45FB78D}" type="parTrans" cxnId="{DEFFC99E-6106-4C72-8A34-FBFCA0A6AB51}">
+      <dgm:prSet/>
+      <dgm:spPr/>
+      <dgm:t>
+        <a:bodyPr/>
+        <a:lstStyle/>
+        <a:p>
+          <a:endParaRPr lang="es-CO"/>
+        </a:p>
+      </dgm:t>
+    </dgm:pt>
+    <dgm:pt modelId="{76830E23-D189-48DB-8D65-29456FF18B53}" type="sibTrans" cxnId="{DEFFC99E-6106-4C72-8A34-FBFCA0A6AB51}">
+      <dgm:prSet/>
+      <dgm:spPr/>
+      <dgm:t>
+        <a:bodyPr/>
+        <a:lstStyle/>
+        <a:p>
+          <a:endParaRPr lang="es-CO"/>
+        </a:p>
+      </dgm:t>
+    </dgm:pt>
+    <dgm:pt modelId="{9D3855CE-FE62-4BA3-AB45-89533DB1A131}">
+      <dgm:prSet phldrT="[Texto]"/>
+      <dgm:spPr/>
+      <dgm:t>
+        <a:bodyPr/>
+        <a:lstStyle/>
+        <a:p>
+          <a:r>
+            <a:rPr lang="es-CO" b="1" dirty="0" smtClean="0"/>
+            <a:t>Alimentación</a:t>
+          </a:r>
+        </a:p>
+        <a:p>
+          <a:r>
+            <a:rPr lang="es-CO" dirty="0" smtClean="0"/>
+            <a:t>2 circuitos DC </a:t>
+          </a:r>
+        </a:p>
+        <a:p>
+          <a:r>
+            <a:rPr lang="es-CO" dirty="0" smtClean="0"/>
+            <a:t>Redundantes </a:t>
+          </a:r>
+          <a:endParaRPr lang="es-CO" dirty="0"/>
+        </a:p>
+      </dgm:t>
+    </dgm:pt>
+    <dgm:pt modelId="{024E423A-EB7F-4E83-81B8-A0A88060A96E}" type="parTrans" cxnId="{2EB72075-9621-4909-9EF8-9ABA906419DA}">
+      <dgm:prSet/>
+      <dgm:spPr/>
+      <dgm:t>
+        <a:bodyPr/>
+        <a:lstStyle/>
+        <a:p>
+          <a:endParaRPr lang="es-CO"/>
+        </a:p>
+      </dgm:t>
+    </dgm:pt>
+    <dgm:pt modelId="{EDDC7B47-F5E7-46F3-A67B-CE21DC8BD628}" type="sibTrans" cxnId="{2EB72075-9621-4909-9EF8-9ABA906419DA}">
+      <dgm:prSet/>
+      <dgm:spPr/>
+      <dgm:t>
+        <a:bodyPr/>
+        <a:lstStyle/>
+        <a:p>
+          <a:endParaRPr lang="es-CO"/>
+        </a:p>
+      </dgm:t>
+    </dgm:pt>
+    <dgm:pt modelId="{1BDCE898-4271-4AB5-B67E-AD5216BA76EF}">
+      <dgm:prSet/>
+      <dgm:spPr/>
+      <dgm:t>
+        <a:bodyPr/>
+        <a:lstStyle/>
+        <a:p>
+          <a:r>
+            <a:rPr lang="es-CO" b="1" dirty="0" smtClean="0"/>
+            <a:t>Conectividad</a:t>
+          </a:r>
+        </a:p>
+        <a:p>
+          <a:r>
+            <a:rPr lang="es-CO" dirty="0" smtClean="0"/>
+            <a:t>Fibra Óptica </a:t>
+          </a:r>
+        </a:p>
+        <a:p>
+          <a:r>
+            <a:rPr lang="es-CO" dirty="0" smtClean="0"/>
+            <a:t>Mono Modo</a:t>
+          </a:r>
+          <a:endParaRPr lang="es-CO" dirty="0"/>
+        </a:p>
+      </dgm:t>
+    </dgm:pt>
+    <dgm:pt modelId="{EDF277C1-3717-46D5-A7EA-8112CEE7331E}" type="parTrans" cxnId="{CBB7B6D0-DA52-4AFC-BF82-A6441B564FD4}">
+      <dgm:prSet/>
+      <dgm:spPr/>
+      <dgm:t>
+        <a:bodyPr/>
+        <a:lstStyle/>
+        <a:p>
+          <a:endParaRPr lang="es-CO"/>
+        </a:p>
+      </dgm:t>
+    </dgm:pt>
+    <dgm:pt modelId="{BAD9574C-3E97-4985-8114-BC1F467683E0}" type="sibTrans" cxnId="{CBB7B6D0-DA52-4AFC-BF82-A6441B564FD4}">
+      <dgm:prSet/>
+      <dgm:spPr/>
+      <dgm:t>
+        <a:bodyPr/>
+        <a:lstStyle/>
+        <a:p>
+          <a:endParaRPr lang="es-CO"/>
+        </a:p>
+      </dgm:t>
+    </dgm:pt>
+    <dgm:pt modelId="{031CA3E5-AB0F-49B9-9E2D-6A9055CE8277}" type="pres">
+      <dgm:prSet presAssocID="{C0477F08-252F-48FA-90C1-0D9958D38386}" presName="Name0" presStyleCnt="0">
+        <dgm:presLayoutVars>
+          <dgm:dir/>
+          <dgm:resizeHandles val="exact"/>
+        </dgm:presLayoutVars>
+      </dgm:prSet>
+      <dgm:spPr/>
+    </dgm:pt>
+    <dgm:pt modelId="{88D45545-B10E-4BD9-A9A4-57ACF6D01B37}" type="pres">
+      <dgm:prSet presAssocID="{C0477F08-252F-48FA-90C1-0D9958D38386}" presName="fgShape" presStyleLbl="fgShp" presStyleIdx="0" presStyleCnt="1"/>
+      <dgm:spPr/>
+    </dgm:pt>
+    <dgm:pt modelId="{29D6B3DF-0726-432A-AFF2-C608522CF667}" type="pres">
+      <dgm:prSet presAssocID="{C0477F08-252F-48FA-90C1-0D9958D38386}" presName="linComp" presStyleCnt="0"/>
+      <dgm:spPr/>
+    </dgm:pt>
+    <dgm:pt modelId="{E7767D86-C43F-4A1B-B84D-986DF1F33B0B}" type="pres">
+      <dgm:prSet presAssocID="{FB4969E7-F69D-49D2-B304-AD964E169D53}" presName="compNode" presStyleCnt="0"/>
+      <dgm:spPr/>
+    </dgm:pt>
+    <dgm:pt modelId="{DBB5D54D-58D2-4A0B-8FD4-2293C679B9A8}" type="pres">
+      <dgm:prSet presAssocID="{FB4969E7-F69D-49D2-B304-AD964E169D53}" presName="bkgdShape" presStyleLbl="node1" presStyleIdx="0" presStyleCnt="4"/>
+      <dgm:spPr/>
+      <dgm:t>
+        <a:bodyPr/>
+        <a:lstStyle/>
+        <a:p>
+          <a:endParaRPr lang="es-CO"/>
+        </a:p>
+      </dgm:t>
+    </dgm:pt>
+    <dgm:pt modelId="{7D83C336-9B68-48F8-9E78-969A1C260515}" type="pres">
+      <dgm:prSet presAssocID="{FB4969E7-F69D-49D2-B304-AD964E169D53}" presName="nodeTx" presStyleLbl="node1" presStyleIdx="0" presStyleCnt="4">
+        <dgm:presLayoutVars>
+          <dgm:bulletEnabled val="1"/>
+        </dgm:presLayoutVars>
+      </dgm:prSet>
+      <dgm:spPr/>
+      <dgm:t>
+        <a:bodyPr/>
+        <a:lstStyle/>
+        <a:p>
+          <a:endParaRPr lang="es-CO"/>
+        </a:p>
+      </dgm:t>
+    </dgm:pt>
+    <dgm:pt modelId="{72C72DAC-93FD-4577-BF6E-00954E81D7F7}" type="pres">
+      <dgm:prSet presAssocID="{FB4969E7-F69D-49D2-B304-AD964E169D53}" presName="invisiNode" presStyleLbl="node1" presStyleIdx="0" presStyleCnt="4"/>
+      <dgm:spPr/>
+    </dgm:pt>
+    <dgm:pt modelId="{14BE5342-0FA7-4B5A-A5FF-ED916D1C9B4E}" type="pres">
+      <dgm:prSet presAssocID="{FB4969E7-F69D-49D2-B304-AD964E169D53}" presName="imagNode" presStyleLbl="fgImgPlace1" presStyleIdx="0" presStyleCnt="4"/>
+      <dgm:spPr/>
+    </dgm:pt>
+    <dgm:pt modelId="{332BB501-8295-4010-AFB5-0520C5FDF48C}" type="pres">
+      <dgm:prSet presAssocID="{A2C26820-9511-420C-8A1E-2901051B045A}" presName="sibTrans" presStyleLbl="sibTrans2D1" presStyleIdx="0" presStyleCnt="0"/>
+      <dgm:spPr/>
+    </dgm:pt>
+    <dgm:pt modelId="{4732F894-4E1E-47D3-9F69-14DBE4E43F33}" type="pres">
+      <dgm:prSet presAssocID="{66F26E48-DC63-4348-A05A-7AF31E35DC16}" presName="compNode" presStyleCnt="0"/>
+      <dgm:spPr/>
+    </dgm:pt>
+    <dgm:pt modelId="{9B0A5111-96FC-4B26-B50B-7D5A0A424683}" type="pres">
+      <dgm:prSet presAssocID="{66F26E48-DC63-4348-A05A-7AF31E35DC16}" presName="bkgdShape" presStyleLbl="node1" presStyleIdx="1" presStyleCnt="4"/>
+      <dgm:spPr/>
+      <dgm:t>
+        <a:bodyPr/>
+        <a:lstStyle/>
+        <a:p>
+          <a:endParaRPr lang="es-CO"/>
+        </a:p>
+      </dgm:t>
+    </dgm:pt>
+    <dgm:pt modelId="{DC550B86-7060-4632-BF6E-20458DC96F1E}" type="pres">
+      <dgm:prSet presAssocID="{66F26E48-DC63-4348-A05A-7AF31E35DC16}" presName="nodeTx" presStyleLbl="node1" presStyleIdx="1" presStyleCnt="4">
+        <dgm:presLayoutVars>
+          <dgm:bulletEnabled val="1"/>
+        </dgm:presLayoutVars>
+      </dgm:prSet>
+      <dgm:spPr/>
+      <dgm:t>
+        <a:bodyPr/>
+        <a:lstStyle/>
+        <a:p>
+          <a:endParaRPr lang="es-CO"/>
+        </a:p>
+      </dgm:t>
+    </dgm:pt>
+    <dgm:pt modelId="{37862DCA-3594-42F9-8451-8B0AE635B2EF}" type="pres">
+      <dgm:prSet presAssocID="{66F26E48-DC63-4348-A05A-7AF31E35DC16}" presName="invisiNode" presStyleLbl="node1" presStyleIdx="1" presStyleCnt="4"/>
+      <dgm:spPr/>
+    </dgm:pt>
+    <dgm:pt modelId="{1A92865D-E14C-48DA-BF86-D40248818F3C}" type="pres">
+      <dgm:prSet presAssocID="{66F26E48-DC63-4348-A05A-7AF31E35DC16}" presName="imagNode" presStyleLbl="fgImgPlace1" presStyleIdx="1" presStyleCnt="4"/>
+      <dgm:spPr/>
+    </dgm:pt>
+    <dgm:pt modelId="{6CED2BBA-0DE3-41CA-BF9B-1B7E6564C178}" type="pres">
+      <dgm:prSet presAssocID="{76830E23-D189-48DB-8D65-29456FF18B53}" presName="sibTrans" presStyleLbl="sibTrans2D1" presStyleIdx="0" presStyleCnt="0"/>
+      <dgm:spPr/>
+    </dgm:pt>
+    <dgm:pt modelId="{C24E626A-D0C2-46D8-A47B-C329368B9883}" type="pres">
+      <dgm:prSet presAssocID="{9D3855CE-FE62-4BA3-AB45-89533DB1A131}" presName="compNode" presStyleCnt="0"/>
+      <dgm:spPr/>
+    </dgm:pt>
+    <dgm:pt modelId="{014D5C6C-26E0-4039-B584-756A1BA7E8FC}" type="pres">
+      <dgm:prSet presAssocID="{9D3855CE-FE62-4BA3-AB45-89533DB1A131}" presName="bkgdShape" presStyleLbl="node1" presStyleIdx="2" presStyleCnt="4"/>
+      <dgm:spPr/>
+    </dgm:pt>
+    <dgm:pt modelId="{E9150D3E-8706-4EB0-8AD2-F4AC953C9069}" type="pres">
+      <dgm:prSet presAssocID="{9D3855CE-FE62-4BA3-AB45-89533DB1A131}" presName="nodeTx" presStyleLbl="node1" presStyleIdx="2" presStyleCnt="4">
+        <dgm:presLayoutVars>
+          <dgm:bulletEnabled val="1"/>
+        </dgm:presLayoutVars>
+      </dgm:prSet>
+      <dgm:spPr/>
+    </dgm:pt>
+    <dgm:pt modelId="{2D55441D-F35C-446D-BFAC-8E1A2DEC5FB8}" type="pres">
+      <dgm:prSet presAssocID="{9D3855CE-FE62-4BA3-AB45-89533DB1A131}" presName="invisiNode" presStyleLbl="node1" presStyleIdx="2" presStyleCnt="4"/>
+      <dgm:spPr/>
+    </dgm:pt>
+    <dgm:pt modelId="{40FCFD72-7315-4A89-8E6C-1AEE656B241B}" type="pres">
+      <dgm:prSet presAssocID="{9D3855CE-FE62-4BA3-AB45-89533DB1A131}" presName="imagNode" presStyleLbl="fgImgPlace1" presStyleIdx="2" presStyleCnt="4"/>
+      <dgm:spPr/>
+    </dgm:pt>
+    <dgm:pt modelId="{78CB04AB-2047-455B-BA01-28925AE665E4}" type="pres">
+      <dgm:prSet presAssocID="{EDDC7B47-F5E7-46F3-A67B-CE21DC8BD628}" presName="sibTrans" presStyleLbl="sibTrans2D1" presStyleIdx="0" presStyleCnt="0"/>
+      <dgm:spPr/>
+    </dgm:pt>
+    <dgm:pt modelId="{841B8C20-8D09-4064-9CD7-10C0E2D2BA03}" type="pres">
+      <dgm:prSet presAssocID="{1BDCE898-4271-4AB5-B67E-AD5216BA76EF}" presName="compNode" presStyleCnt="0"/>
+      <dgm:spPr/>
+    </dgm:pt>
+    <dgm:pt modelId="{0572AFC7-E944-4304-A633-B447F9FA34EE}" type="pres">
+      <dgm:prSet presAssocID="{1BDCE898-4271-4AB5-B67E-AD5216BA76EF}" presName="bkgdShape" presStyleLbl="node1" presStyleIdx="3" presStyleCnt="4"/>
+      <dgm:spPr/>
+    </dgm:pt>
+    <dgm:pt modelId="{DEA958D0-5E8C-4AD4-AC32-54D5131DB0EF}" type="pres">
+      <dgm:prSet presAssocID="{1BDCE898-4271-4AB5-B67E-AD5216BA76EF}" presName="nodeTx" presStyleLbl="node1" presStyleIdx="3" presStyleCnt="4">
+        <dgm:presLayoutVars>
+          <dgm:bulletEnabled val="1"/>
+        </dgm:presLayoutVars>
+      </dgm:prSet>
+      <dgm:spPr/>
+    </dgm:pt>
+    <dgm:pt modelId="{5DC1E503-35C5-4AA8-9E52-C4994B53D032}" type="pres">
+      <dgm:prSet presAssocID="{1BDCE898-4271-4AB5-B67E-AD5216BA76EF}" presName="invisiNode" presStyleLbl="node1" presStyleIdx="3" presStyleCnt="4"/>
+      <dgm:spPr/>
+    </dgm:pt>
+    <dgm:pt modelId="{FC7663A5-B025-4B94-BC76-3DCAAC1578E7}" type="pres">
+      <dgm:prSet presAssocID="{1BDCE898-4271-4AB5-B67E-AD5216BA76EF}" presName="imagNode" presStyleLbl="fgImgPlace1" presStyleIdx="3" presStyleCnt="4"/>
+      <dgm:spPr/>
+    </dgm:pt>
+  </dgm:ptLst>
+  <dgm:cxnLst>
+    <dgm:cxn modelId="{338DCE3B-0ECE-4B3F-A7C7-346CD0F05464}" type="presOf" srcId="{1BDCE898-4271-4AB5-B67E-AD5216BA76EF}" destId="{0572AFC7-E944-4304-A633-B447F9FA34EE}" srcOrd="0" destOrd="0" presId="urn:microsoft.com/office/officeart/2005/8/layout/hList7"/>
+    <dgm:cxn modelId="{60DEBC62-7CFA-409C-B188-3C6E493D66FB}" type="presOf" srcId="{66F26E48-DC63-4348-A05A-7AF31E35DC16}" destId="{9B0A5111-96FC-4B26-B50B-7D5A0A424683}" srcOrd="0" destOrd="0" presId="urn:microsoft.com/office/officeart/2005/8/layout/hList7"/>
+    <dgm:cxn modelId="{439FAB4C-0C52-4911-B561-06A9148146B8}" srcId="{C0477F08-252F-48FA-90C1-0D9958D38386}" destId="{FB4969E7-F69D-49D2-B304-AD964E169D53}" srcOrd="0" destOrd="0" parTransId="{A1ADD424-D96A-4AF8-8C98-F4DAA85FB55D}" sibTransId="{A2C26820-9511-420C-8A1E-2901051B045A}"/>
+    <dgm:cxn modelId="{BED816E0-9993-4314-A384-1168ECC21010}" type="presOf" srcId="{1BDCE898-4271-4AB5-B67E-AD5216BA76EF}" destId="{DEA958D0-5E8C-4AD4-AC32-54D5131DB0EF}" srcOrd="1" destOrd="0" presId="urn:microsoft.com/office/officeart/2005/8/layout/hList7"/>
+    <dgm:cxn modelId="{DA2928FA-BE1D-46F4-91CF-B2E6AD15CAA1}" type="presOf" srcId="{A2C26820-9511-420C-8A1E-2901051B045A}" destId="{332BB501-8295-4010-AFB5-0520C5FDF48C}" srcOrd="0" destOrd="0" presId="urn:microsoft.com/office/officeart/2005/8/layout/hList7"/>
+    <dgm:cxn modelId="{2EB72075-9621-4909-9EF8-9ABA906419DA}" srcId="{C0477F08-252F-48FA-90C1-0D9958D38386}" destId="{9D3855CE-FE62-4BA3-AB45-89533DB1A131}" srcOrd="2" destOrd="0" parTransId="{024E423A-EB7F-4E83-81B8-A0A88060A96E}" sibTransId="{EDDC7B47-F5E7-46F3-A67B-CE21DC8BD628}"/>
+    <dgm:cxn modelId="{4EB40532-2F34-4EBF-81BF-B946CBE9CF35}" type="presOf" srcId="{66F26E48-DC63-4348-A05A-7AF31E35DC16}" destId="{DC550B86-7060-4632-BF6E-20458DC96F1E}" srcOrd="1" destOrd="0" presId="urn:microsoft.com/office/officeart/2005/8/layout/hList7"/>
+    <dgm:cxn modelId="{7A3E2222-BE5D-4232-8519-F28B338F9B66}" type="presOf" srcId="{FB4969E7-F69D-49D2-B304-AD964E169D53}" destId="{7D83C336-9B68-48F8-9E78-969A1C260515}" srcOrd="1" destOrd="0" presId="urn:microsoft.com/office/officeart/2005/8/layout/hList7"/>
+    <dgm:cxn modelId="{7DBAF702-B840-4178-9680-CCEF9AF37425}" type="presOf" srcId="{9D3855CE-FE62-4BA3-AB45-89533DB1A131}" destId="{014D5C6C-26E0-4039-B584-756A1BA7E8FC}" srcOrd="0" destOrd="0" presId="urn:microsoft.com/office/officeart/2005/8/layout/hList7"/>
+    <dgm:cxn modelId="{CBB7B6D0-DA52-4AFC-BF82-A6441B564FD4}" srcId="{C0477F08-252F-48FA-90C1-0D9958D38386}" destId="{1BDCE898-4271-4AB5-B67E-AD5216BA76EF}" srcOrd="3" destOrd="0" parTransId="{EDF277C1-3717-46D5-A7EA-8112CEE7331E}" sibTransId="{BAD9574C-3E97-4985-8114-BC1F467683E0}"/>
+    <dgm:cxn modelId="{5AF0E304-5D06-49A1-BD95-FF65D21B4CF3}" type="presOf" srcId="{76830E23-D189-48DB-8D65-29456FF18B53}" destId="{6CED2BBA-0DE3-41CA-BF9B-1B7E6564C178}" srcOrd="0" destOrd="0" presId="urn:microsoft.com/office/officeart/2005/8/layout/hList7"/>
+    <dgm:cxn modelId="{89782F52-9A55-49FD-9F24-A922823C3AE1}" type="presOf" srcId="{EDDC7B47-F5E7-46F3-A67B-CE21DC8BD628}" destId="{78CB04AB-2047-455B-BA01-28925AE665E4}" srcOrd="0" destOrd="0" presId="urn:microsoft.com/office/officeart/2005/8/layout/hList7"/>
+    <dgm:cxn modelId="{DEFFC99E-6106-4C72-8A34-FBFCA0A6AB51}" srcId="{C0477F08-252F-48FA-90C1-0D9958D38386}" destId="{66F26E48-DC63-4348-A05A-7AF31E35DC16}" srcOrd="1" destOrd="0" parTransId="{A4E93473-D75B-43F2-BFFC-3A04A45FB78D}" sibTransId="{76830E23-D189-48DB-8D65-29456FF18B53}"/>
+    <dgm:cxn modelId="{ECD5C0B2-EDEA-40C5-87C4-3338129B5E0A}" type="presOf" srcId="{C0477F08-252F-48FA-90C1-0D9958D38386}" destId="{031CA3E5-AB0F-49B9-9E2D-6A9055CE8277}" srcOrd="0" destOrd="0" presId="urn:microsoft.com/office/officeart/2005/8/layout/hList7"/>
+    <dgm:cxn modelId="{30AAA610-8DEB-497C-AD53-354D1AFF42B4}" type="presOf" srcId="{9D3855CE-FE62-4BA3-AB45-89533DB1A131}" destId="{E9150D3E-8706-4EB0-8AD2-F4AC953C9069}" srcOrd="1" destOrd="0" presId="urn:microsoft.com/office/officeart/2005/8/layout/hList7"/>
+    <dgm:cxn modelId="{FBD033A0-40ED-45F3-920E-760B764777EC}" type="presOf" srcId="{FB4969E7-F69D-49D2-B304-AD964E169D53}" destId="{DBB5D54D-58D2-4A0B-8FD4-2293C679B9A8}" srcOrd="0" destOrd="0" presId="urn:microsoft.com/office/officeart/2005/8/layout/hList7"/>
+    <dgm:cxn modelId="{DB7E07A8-4E8D-4A75-B159-FE4C7ED18F21}" type="presParOf" srcId="{031CA3E5-AB0F-49B9-9E2D-6A9055CE8277}" destId="{88D45545-B10E-4BD9-A9A4-57ACF6D01B37}" srcOrd="0" destOrd="0" presId="urn:microsoft.com/office/officeart/2005/8/layout/hList7"/>
+    <dgm:cxn modelId="{0A79BF27-8271-4956-9CD9-9A9FB0E32C0E}" type="presParOf" srcId="{031CA3E5-AB0F-49B9-9E2D-6A9055CE8277}" destId="{29D6B3DF-0726-432A-AFF2-C608522CF667}" srcOrd="1" destOrd="0" presId="urn:microsoft.com/office/officeart/2005/8/layout/hList7"/>
+    <dgm:cxn modelId="{B0517F8B-E03E-4E03-A859-5F0BDF6AC42D}" type="presParOf" srcId="{29D6B3DF-0726-432A-AFF2-C608522CF667}" destId="{E7767D86-C43F-4A1B-B84D-986DF1F33B0B}" srcOrd="0" destOrd="0" presId="urn:microsoft.com/office/officeart/2005/8/layout/hList7"/>
+    <dgm:cxn modelId="{8602629B-828E-4A30-B65D-EF221212A830}" type="presParOf" srcId="{E7767D86-C43F-4A1B-B84D-986DF1F33B0B}" destId="{DBB5D54D-58D2-4A0B-8FD4-2293C679B9A8}" srcOrd="0" destOrd="0" presId="urn:microsoft.com/office/officeart/2005/8/layout/hList7"/>
+    <dgm:cxn modelId="{32C288B9-DCE9-4B2C-ACB7-277165F26184}" type="presParOf" srcId="{E7767D86-C43F-4A1B-B84D-986DF1F33B0B}" destId="{7D83C336-9B68-48F8-9E78-969A1C260515}" srcOrd="1" destOrd="0" presId="urn:microsoft.com/office/officeart/2005/8/layout/hList7"/>
+    <dgm:cxn modelId="{F913CCC8-54A4-4840-9C37-38AE3813F416}" type="presParOf" srcId="{E7767D86-C43F-4A1B-B84D-986DF1F33B0B}" destId="{72C72DAC-93FD-4577-BF6E-00954E81D7F7}" srcOrd="2" destOrd="0" presId="urn:microsoft.com/office/officeart/2005/8/layout/hList7"/>
+    <dgm:cxn modelId="{3A337DBF-A074-4B92-B094-C0212AD47973}" type="presParOf" srcId="{E7767D86-C43F-4A1B-B84D-986DF1F33B0B}" destId="{14BE5342-0FA7-4B5A-A5FF-ED916D1C9B4E}" srcOrd="3" destOrd="0" presId="urn:microsoft.com/office/officeart/2005/8/layout/hList7"/>
+    <dgm:cxn modelId="{C48D04E3-08B4-447D-A259-71763EC3A425}" type="presParOf" srcId="{29D6B3DF-0726-432A-AFF2-C608522CF667}" destId="{332BB501-8295-4010-AFB5-0520C5FDF48C}" srcOrd="1" destOrd="0" presId="urn:microsoft.com/office/officeart/2005/8/layout/hList7"/>
+    <dgm:cxn modelId="{52C56E1F-DA9D-4F60-B759-B672D028AB6E}" type="presParOf" srcId="{29D6B3DF-0726-432A-AFF2-C608522CF667}" destId="{4732F894-4E1E-47D3-9F69-14DBE4E43F33}" srcOrd="2" destOrd="0" presId="urn:microsoft.com/office/officeart/2005/8/layout/hList7"/>
+    <dgm:cxn modelId="{9E807D4E-7635-4A08-ADCB-79965BCB814A}" type="presParOf" srcId="{4732F894-4E1E-47D3-9F69-14DBE4E43F33}" destId="{9B0A5111-96FC-4B26-B50B-7D5A0A424683}" srcOrd="0" destOrd="0" presId="urn:microsoft.com/office/officeart/2005/8/layout/hList7"/>
+    <dgm:cxn modelId="{6E09324A-6C0B-4246-AB19-E0F10886F77E}" type="presParOf" srcId="{4732F894-4E1E-47D3-9F69-14DBE4E43F33}" destId="{DC550B86-7060-4632-BF6E-20458DC96F1E}" srcOrd="1" destOrd="0" presId="urn:microsoft.com/office/officeart/2005/8/layout/hList7"/>
+    <dgm:cxn modelId="{4A9FEED1-8C8E-43E1-B659-45881D2B8EFC}" type="presParOf" srcId="{4732F894-4E1E-47D3-9F69-14DBE4E43F33}" destId="{37862DCA-3594-42F9-8451-8B0AE635B2EF}" srcOrd="2" destOrd="0" presId="urn:microsoft.com/office/officeart/2005/8/layout/hList7"/>
+    <dgm:cxn modelId="{1CA5A686-F2B2-4F72-8A68-55BB8D2535CC}" type="presParOf" srcId="{4732F894-4E1E-47D3-9F69-14DBE4E43F33}" destId="{1A92865D-E14C-48DA-BF86-D40248818F3C}" srcOrd="3" destOrd="0" presId="urn:microsoft.com/office/officeart/2005/8/layout/hList7"/>
+    <dgm:cxn modelId="{14B3E180-A4E6-4B68-B5EE-3C8940B184A1}" type="presParOf" srcId="{29D6B3DF-0726-432A-AFF2-C608522CF667}" destId="{6CED2BBA-0DE3-41CA-BF9B-1B7E6564C178}" srcOrd="3" destOrd="0" presId="urn:microsoft.com/office/officeart/2005/8/layout/hList7"/>
+    <dgm:cxn modelId="{A9965FF2-205C-48E5-A0F6-6012956FEFCB}" type="presParOf" srcId="{29D6B3DF-0726-432A-AFF2-C608522CF667}" destId="{C24E626A-D0C2-46D8-A47B-C329368B9883}" srcOrd="4" destOrd="0" presId="urn:microsoft.com/office/officeart/2005/8/layout/hList7"/>
+    <dgm:cxn modelId="{42ABC850-6465-4709-A1D0-6E4BF8A7A455}" type="presParOf" srcId="{C24E626A-D0C2-46D8-A47B-C329368B9883}" destId="{014D5C6C-26E0-4039-B584-756A1BA7E8FC}" srcOrd="0" destOrd="0" presId="urn:microsoft.com/office/officeart/2005/8/layout/hList7"/>
+    <dgm:cxn modelId="{66B19767-2E0E-44CB-B535-461E8954C36B}" type="presParOf" srcId="{C24E626A-D0C2-46D8-A47B-C329368B9883}" destId="{E9150D3E-8706-4EB0-8AD2-F4AC953C9069}" srcOrd="1" destOrd="0" presId="urn:microsoft.com/office/officeart/2005/8/layout/hList7"/>
+    <dgm:cxn modelId="{78DABF6E-3A09-4053-AF2B-DCD42047F8CA}" type="presParOf" srcId="{C24E626A-D0C2-46D8-A47B-C329368B9883}" destId="{2D55441D-F35C-446D-BFAC-8E1A2DEC5FB8}" srcOrd="2" destOrd="0" presId="urn:microsoft.com/office/officeart/2005/8/layout/hList7"/>
+    <dgm:cxn modelId="{34BE1212-390A-417A-9BD0-41C56B622806}" type="presParOf" srcId="{C24E626A-D0C2-46D8-A47B-C329368B9883}" destId="{40FCFD72-7315-4A89-8E6C-1AEE656B241B}" srcOrd="3" destOrd="0" presId="urn:microsoft.com/office/officeart/2005/8/layout/hList7"/>
+    <dgm:cxn modelId="{EC720DAD-1797-42DD-8681-B0A8A69F6CEC}" type="presParOf" srcId="{29D6B3DF-0726-432A-AFF2-C608522CF667}" destId="{78CB04AB-2047-455B-BA01-28925AE665E4}" srcOrd="5" destOrd="0" presId="urn:microsoft.com/office/officeart/2005/8/layout/hList7"/>
+    <dgm:cxn modelId="{659EE9AF-3A1E-4EAD-A592-A7F3DF8B782B}" type="presParOf" srcId="{29D6B3DF-0726-432A-AFF2-C608522CF667}" destId="{841B8C20-8D09-4064-9CD7-10C0E2D2BA03}" srcOrd="6" destOrd="0" presId="urn:microsoft.com/office/officeart/2005/8/layout/hList7"/>
+    <dgm:cxn modelId="{8973C9D6-4FDB-4DA4-9D23-77E358CC2F1B}" type="presParOf" srcId="{841B8C20-8D09-4064-9CD7-10C0E2D2BA03}" destId="{0572AFC7-E944-4304-A633-B447F9FA34EE}" srcOrd="0" destOrd="0" presId="urn:microsoft.com/office/officeart/2005/8/layout/hList7"/>
+    <dgm:cxn modelId="{3A33E779-CF99-4698-84A0-FC33E40585D8}" type="presParOf" srcId="{841B8C20-8D09-4064-9CD7-10C0E2D2BA03}" destId="{DEA958D0-5E8C-4AD4-AC32-54D5131DB0EF}" srcOrd="1" destOrd="0" presId="urn:microsoft.com/office/officeart/2005/8/layout/hList7"/>
+    <dgm:cxn modelId="{7124514C-D6C8-4977-B672-1154514ACBEB}" type="presParOf" srcId="{841B8C20-8D09-4064-9CD7-10C0E2D2BA03}" destId="{5DC1E503-35C5-4AA8-9E52-C4994B53D032}" srcOrd="2" destOrd="0" presId="urn:microsoft.com/office/officeart/2005/8/layout/hList7"/>
+    <dgm:cxn modelId="{9BED5A96-62D9-497F-86B6-9EEE3FFAA071}" type="presParOf" srcId="{841B8C20-8D09-4064-9CD7-10C0E2D2BA03}" destId="{FC7663A5-B025-4B94-BC76-3DCAAC1578E7}" srcOrd="3" destOrd="0" presId="urn:microsoft.com/office/officeart/2005/8/layout/hList7"/>
+  </dgm:cxnLst>
+  <dgm:bg/>
+  <dgm:whole/>
+  <dgm:extLst>
+    <a:ext uri="http://schemas.microsoft.com/office/drawing/2008/diagram">
+      <dsp:dataModelExt xmlns:dsp="http://schemas.microsoft.com/office/drawing/2008/diagram" relId="rId6" minVer="http://schemas.openxmlformats.org/drawingml/2006/diagram"/>
+    </a:ext>
+  </dgm:extLst>
+</dgm:dataModel>
+</file>
+
+<file path=ppt/diagrams/data5.xml><?xml version="1.0" encoding="utf-8"?>
 <dgm:dataModel xmlns:dgm="http://schemas.openxmlformats.org/drawingml/2006/diagram" xmlns:a="http://schemas.openxmlformats.org/drawingml/2006/main">
   <dgm:ptLst>
     <dgm:pt modelId="{5744469D-28A9-4C46-B106-1ECC8349545E}" type="doc">
@@ -6013,6 +7469,13 @@
         </dgm:presLayoutVars>
       </dgm:prSet>
       <dgm:spPr/>
+      <dgm:t>
+        <a:bodyPr/>
+        <a:lstStyle/>
+        <a:p>
+          <a:endParaRPr lang="es-CO"/>
+        </a:p>
+      </dgm:t>
     </dgm:pt>
     <dgm:pt modelId="{B3797BF3-0919-4D5B-909C-BAA809A2D75F}" type="pres">
       <dgm:prSet presAssocID="{380781B0-254C-4D82-A2C0-F1E4B3631325}" presName="parentLin" presStyleCnt="0"/>
@@ -6021,6 +7484,13 @@
     <dgm:pt modelId="{DF6135BC-0412-48BE-8589-3C7B45004DFB}" type="pres">
       <dgm:prSet presAssocID="{380781B0-254C-4D82-A2C0-F1E4B3631325}" presName="parentLeftMargin" presStyleLbl="node1" presStyleIdx="0" presStyleCnt="5"/>
       <dgm:spPr/>
+      <dgm:t>
+        <a:bodyPr/>
+        <a:lstStyle/>
+        <a:p>
+          <a:endParaRPr lang="es-CO"/>
+        </a:p>
+      </dgm:t>
     </dgm:pt>
     <dgm:pt modelId="{92742DCE-3D34-455E-BF95-EE9F0707F0A0}" type="pres">
       <dgm:prSet presAssocID="{380781B0-254C-4D82-A2C0-F1E4B3631325}" presName="parentText" presStyleLbl="node1" presStyleIdx="0" presStyleCnt="5">
@@ -6030,6 +7500,13 @@
         </dgm:presLayoutVars>
       </dgm:prSet>
       <dgm:spPr/>
+      <dgm:t>
+        <a:bodyPr/>
+        <a:lstStyle/>
+        <a:p>
+          <a:endParaRPr lang="es-CO"/>
+        </a:p>
+      </dgm:t>
     </dgm:pt>
     <dgm:pt modelId="{22BB5DFD-43E3-4E15-B8B8-C3F5E03CDB29}" type="pres">
       <dgm:prSet presAssocID="{380781B0-254C-4D82-A2C0-F1E4B3631325}" presName="negativeSpace" presStyleCnt="0"/>
@@ -6054,6 +7531,13 @@
     <dgm:pt modelId="{7B09164E-FB59-47A3-8DE5-186D6520670E}" type="pres">
       <dgm:prSet presAssocID="{57DC3712-0EBD-4B0C-9989-509636E162B7}" presName="parentLeftMargin" presStyleLbl="node1" presStyleIdx="0" presStyleCnt="5"/>
       <dgm:spPr/>
+      <dgm:t>
+        <a:bodyPr/>
+        <a:lstStyle/>
+        <a:p>
+          <a:endParaRPr lang="es-CO"/>
+        </a:p>
+      </dgm:t>
     </dgm:pt>
     <dgm:pt modelId="{1A3C3166-884D-4BCD-A480-75B8848B1F5E}" type="pres">
       <dgm:prSet presAssocID="{57DC3712-0EBD-4B0C-9989-509636E162B7}" presName="parentText" presStyleLbl="node1" presStyleIdx="1" presStyleCnt="5">
@@ -6063,6 +7547,13 @@
         </dgm:presLayoutVars>
       </dgm:prSet>
       <dgm:spPr/>
+      <dgm:t>
+        <a:bodyPr/>
+        <a:lstStyle/>
+        <a:p>
+          <a:endParaRPr lang="es-CO"/>
+        </a:p>
+      </dgm:t>
     </dgm:pt>
     <dgm:pt modelId="{F8FD2140-8862-4760-9EB1-701FFE6CEB13}" type="pres">
       <dgm:prSet presAssocID="{57DC3712-0EBD-4B0C-9989-509636E162B7}" presName="negativeSpace" presStyleCnt="0"/>
@@ -6087,6 +7578,13 @@
     <dgm:pt modelId="{0C85B651-CF0C-48DA-8678-1B70E1920DFD}" type="pres">
       <dgm:prSet presAssocID="{3B0E049F-3F5E-42A6-89CD-C0E5C11B93AA}" presName="parentLeftMargin" presStyleLbl="node1" presStyleIdx="1" presStyleCnt="5"/>
       <dgm:spPr/>
+      <dgm:t>
+        <a:bodyPr/>
+        <a:lstStyle/>
+        <a:p>
+          <a:endParaRPr lang="es-CO"/>
+        </a:p>
+      </dgm:t>
     </dgm:pt>
     <dgm:pt modelId="{25B1983F-25BA-4293-AA96-88EA2B55D481}" type="pres">
       <dgm:prSet presAssocID="{3B0E049F-3F5E-42A6-89CD-C0E5C11B93AA}" presName="parentText" presStyleLbl="node1" presStyleIdx="2" presStyleCnt="5">
@@ -6096,6 +7594,13 @@
         </dgm:presLayoutVars>
       </dgm:prSet>
       <dgm:spPr/>
+      <dgm:t>
+        <a:bodyPr/>
+        <a:lstStyle/>
+        <a:p>
+          <a:endParaRPr lang="es-CO"/>
+        </a:p>
+      </dgm:t>
     </dgm:pt>
     <dgm:pt modelId="{D0E7949C-90E5-4255-9304-4FD6B275E02C}" type="pres">
       <dgm:prSet presAssocID="{3B0E049F-3F5E-42A6-89CD-C0E5C11B93AA}" presName="negativeSpace" presStyleCnt="0"/>
@@ -6120,6 +7625,13 @@
     <dgm:pt modelId="{6676AD6C-7269-49B4-9E38-91212FC1D701}" type="pres">
       <dgm:prSet presAssocID="{1BC2EDF8-7992-4384-8A45-349611E21345}" presName="parentLeftMargin" presStyleLbl="node1" presStyleIdx="2" presStyleCnt="5"/>
       <dgm:spPr/>
+      <dgm:t>
+        <a:bodyPr/>
+        <a:lstStyle/>
+        <a:p>
+          <a:endParaRPr lang="es-CO"/>
+        </a:p>
+      </dgm:t>
     </dgm:pt>
     <dgm:pt modelId="{1A98280E-76C5-4230-AC9C-E91A99CB258E}" type="pres">
       <dgm:prSet presAssocID="{1BC2EDF8-7992-4384-8A45-349611E21345}" presName="parentText" presStyleLbl="node1" presStyleIdx="3" presStyleCnt="5">
@@ -6129,6 +7641,13 @@
         </dgm:presLayoutVars>
       </dgm:prSet>
       <dgm:spPr/>
+      <dgm:t>
+        <a:bodyPr/>
+        <a:lstStyle/>
+        <a:p>
+          <a:endParaRPr lang="es-CO"/>
+        </a:p>
+      </dgm:t>
     </dgm:pt>
     <dgm:pt modelId="{45FAC23B-BA2B-48D7-8701-7708646098BC}" type="pres">
       <dgm:prSet presAssocID="{1BC2EDF8-7992-4384-8A45-349611E21345}" presName="negativeSpace" presStyleCnt="0"/>
@@ -6153,6 +7672,13 @@
     <dgm:pt modelId="{0E14C1F2-F8ED-41FC-9D32-1C1F37F6160D}" type="pres">
       <dgm:prSet presAssocID="{B999A4FA-A196-461C-AD4F-B51E09BE2BD3}" presName="parentLeftMargin" presStyleLbl="node1" presStyleIdx="3" presStyleCnt="5"/>
       <dgm:spPr/>
+      <dgm:t>
+        <a:bodyPr/>
+        <a:lstStyle/>
+        <a:p>
+          <a:endParaRPr lang="es-CO"/>
+        </a:p>
+      </dgm:t>
     </dgm:pt>
     <dgm:pt modelId="{18718973-D6EB-48FC-B3DB-4836AE3209FC}" type="pres">
       <dgm:prSet presAssocID="{B999A4FA-A196-461C-AD4F-B51E09BE2BD3}" presName="parentText" presStyleLbl="node1" presStyleIdx="4" presStyleCnt="5">
@@ -6162,6 +7688,13 @@
         </dgm:presLayoutVars>
       </dgm:prSet>
       <dgm:spPr/>
+      <dgm:t>
+        <a:bodyPr/>
+        <a:lstStyle/>
+        <a:p>
+          <a:endParaRPr lang="es-CO"/>
+        </a:p>
+      </dgm:t>
     </dgm:pt>
     <dgm:pt modelId="{DBD864DB-0F8D-470B-953E-958E60AB12BF}" type="pres">
       <dgm:prSet presAssocID="{B999A4FA-A196-461C-AD4F-B51E09BE2BD3}" presName="negativeSpace" presStyleCnt="0"/>
@@ -6177,22 +7710,22 @@
     </dgm:pt>
   </dgm:ptLst>
   <dgm:cxnLst>
-    <dgm:cxn modelId="{D8CFAE09-1510-4F52-9BEC-7B60797E5003}" srcId="{5744469D-28A9-4C46-B106-1ECC8349545E}" destId="{1BC2EDF8-7992-4384-8A45-349611E21345}" srcOrd="3" destOrd="0" parTransId="{E343D1FB-4723-4607-83D5-BC7FDB41747C}" sibTransId="{121C58B6-88E8-46BD-B92C-8CE422A2D138}"/>
+    <dgm:cxn modelId="{546B8554-B51D-45B0-8F9E-0ED0648297A3}" srcId="{5744469D-28A9-4C46-B106-1ECC8349545E}" destId="{B999A4FA-A196-461C-AD4F-B51E09BE2BD3}" srcOrd="4" destOrd="0" parTransId="{695DC59E-9962-4E59-94ED-77219C771FA0}" sibTransId="{9777A7B0-D6A6-4940-982C-592F85E40EBD}"/>
+    <dgm:cxn modelId="{FC0DE47B-96E8-4BB6-8E8B-61B547FD45F3}" type="presOf" srcId="{B999A4FA-A196-461C-AD4F-B51E09BE2BD3}" destId="{0E14C1F2-F8ED-41FC-9D32-1C1F37F6160D}" srcOrd="0" destOrd="0" presId="urn:microsoft.com/office/officeart/2005/8/layout/list1"/>
+    <dgm:cxn modelId="{7D4EFA40-E491-4687-B1FA-8914DBBA0DCF}" type="presOf" srcId="{57DC3712-0EBD-4B0C-9989-509636E162B7}" destId="{1A3C3166-884D-4BCD-A480-75B8848B1F5E}" srcOrd="1" destOrd="0" presId="urn:microsoft.com/office/officeart/2005/8/layout/list1"/>
     <dgm:cxn modelId="{3CDF7E2F-F762-41AE-BE14-D742D0C04A8B}" srcId="{5744469D-28A9-4C46-B106-1ECC8349545E}" destId="{380781B0-254C-4D82-A2C0-F1E4B3631325}" srcOrd="0" destOrd="0" parTransId="{19FD1E5B-0AF1-475D-8BD6-52F74EA9AB14}" sibTransId="{71802A01-9C95-4D7A-96E6-881217D0F3D0}"/>
-    <dgm:cxn modelId="{AA4D9B35-AA83-4BA4-B94E-5144F177E6F6}" type="presOf" srcId="{3B0E049F-3F5E-42A6-89CD-C0E5C11B93AA}" destId="{25B1983F-25BA-4293-AA96-88EA2B55D481}" srcOrd="1" destOrd="0" presId="urn:microsoft.com/office/officeart/2005/8/layout/list1"/>
-    <dgm:cxn modelId="{8431D53F-C83A-4925-B14B-24D20B2A8F0C}" type="presOf" srcId="{5744469D-28A9-4C46-B106-1ECC8349545E}" destId="{E93B2D5A-EB05-43E5-94DE-8DC26AE52202}" srcOrd="0" destOrd="0" presId="urn:microsoft.com/office/officeart/2005/8/layout/list1"/>
-    <dgm:cxn modelId="{7D4EFA40-E491-4687-B1FA-8914DBBA0DCF}" type="presOf" srcId="{57DC3712-0EBD-4B0C-9989-509636E162B7}" destId="{1A3C3166-884D-4BCD-A480-75B8848B1F5E}" srcOrd="1" destOrd="0" presId="urn:microsoft.com/office/officeart/2005/8/layout/list1"/>
-    <dgm:cxn modelId="{546B8554-B51D-45B0-8F9E-0ED0648297A3}" srcId="{5744469D-28A9-4C46-B106-1ECC8349545E}" destId="{B999A4FA-A196-461C-AD4F-B51E09BE2BD3}" srcOrd="4" destOrd="0" parTransId="{695DC59E-9962-4E59-94ED-77219C771FA0}" sibTransId="{9777A7B0-D6A6-4940-982C-592F85E40EBD}"/>
-    <dgm:cxn modelId="{C70AF978-E926-47A3-AFC0-1823EB889305}" type="presOf" srcId="{3B0E049F-3F5E-42A6-89CD-C0E5C11B93AA}" destId="{0C85B651-CF0C-48DA-8678-1B70E1920DFD}" srcOrd="0" destOrd="0" presId="urn:microsoft.com/office/officeart/2005/8/layout/list1"/>
-    <dgm:cxn modelId="{FC0DE47B-96E8-4BB6-8E8B-61B547FD45F3}" type="presOf" srcId="{B999A4FA-A196-461C-AD4F-B51E09BE2BD3}" destId="{0E14C1F2-F8ED-41FC-9D32-1C1F37F6160D}" srcOrd="0" destOrd="0" presId="urn:microsoft.com/office/officeart/2005/8/layout/list1"/>
-    <dgm:cxn modelId="{B596BE7E-0BEA-44D1-9BE7-F6015080F99A}" srcId="{5744469D-28A9-4C46-B106-1ECC8349545E}" destId="{3B0E049F-3F5E-42A6-89CD-C0E5C11B93AA}" srcOrd="2" destOrd="0" parTransId="{02FF73D6-9915-4568-880C-2E466D33FC21}" sibTransId="{0CE022CA-34E2-4777-9C0C-625F377D18AB}"/>
-    <dgm:cxn modelId="{85CD5E8B-9A4F-4381-9732-E7B35D225382}" type="presOf" srcId="{1BC2EDF8-7992-4384-8A45-349611E21345}" destId="{6676AD6C-7269-49B4-9E38-91212FC1D701}" srcOrd="0" destOrd="0" presId="urn:microsoft.com/office/officeart/2005/8/layout/list1"/>
     <dgm:cxn modelId="{FB81628C-46C6-48D5-8315-FB966A3CBAA1}" type="presOf" srcId="{57DC3712-0EBD-4B0C-9989-509636E162B7}" destId="{7B09164E-FB59-47A3-8DE5-186D6520670E}" srcOrd="0" destOrd="0" presId="urn:microsoft.com/office/officeart/2005/8/layout/list1"/>
-    <dgm:cxn modelId="{C1E73FA8-10BE-42AF-AD9A-A27FB9201880}" type="presOf" srcId="{380781B0-254C-4D82-A2C0-F1E4B3631325}" destId="{92742DCE-3D34-455E-BF95-EE9F0707F0A0}" srcOrd="1" destOrd="0" presId="urn:microsoft.com/office/officeart/2005/8/layout/list1"/>
-    <dgm:cxn modelId="{37C077B0-340C-4D0E-8643-1333A3F03448}" type="presOf" srcId="{B999A4FA-A196-461C-AD4F-B51E09BE2BD3}" destId="{18718973-D6EB-48FC-B3DB-4836AE3209FC}" srcOrd="1" destOrd="0" presId="urn:microsoft.com/office/officeart/2005/8/layout/list1"/>
     <dgm:cxn modelId="{6A87E0BE-3F8D-4EB1-B258-F3B55C575931}" type="presOf" srcId="{380781B0-254C-4D82-A2C0-F1E4B3631325}" destId="{DF6135BC-0412-48BE-8589-3C7B45004DFB}" srcOrd="0" destOrd="0" presId="urn:microsoft.com/office/officeart/2005/8/layout/list1"/>
     <dgm:cxn modelId="{435A2AE6-F059-4F77-83EC-085F764186D5}" type="presOf" srcId="{1BC2EDF8-7992-4384-8A45-349611E21345}" destId="{1A98280E-76C5-4230-AC9C-E91A99CB258E}" srcOrd="1" destOrd="0" presId="urn:microsoft.com/office/officeart/2005/8/layout/list1"/>
+    <dgm:cxn modelId="{37C077B0-340C-4D0E-8643-1333A3F03448}" type="presOf" srcId="{B999A4FA-A196-461C-AD4F-B51E09BE2BD3}" destId="{18718973-D6EB-48FC-B3DB-4836AE3209FC}" srcOrd="1" destOrd="0" presId="urn:microsoft.com/office/officeart/2005/8/layout/list1"/>
     <dgm:cxn modelId="{797862EF-6FE7-4F75-B9E6-778A5E587C33}" srcId="{5744469D-28A9-4C46-B106-1ECC8349545E}" destId="{57DC3712-0EBD-4B0C-9989-509636E162B7}" srcOrd="1" destOrd="0" parTransId="{FF0854A3-6FBE-4BCF-A12E-24A4DB0889EA}" sibTransId="{4FF13113-A6CB-44B4-9AE1-9AA4F76A503A}"/>
+    <dgm:cxn modelId="{8431D53F-C83A-4925-B14B-24D20B2A8F0C}" type="presOf" srcId="{5744469D-28A9-4C46-B106-1ECC8349545E}" destId="{E93B2D5A-EB05-43E5-94DE-8DC26AE52202}" srcOrd="0" destOrd="0" presId="urn:microsoft.com/office/officeart/2005/8/layout/list1"/>
+    <dgm:cxn modelId="{85CD5E8B-9A4F-4381-9732-E7B35D225382}" type="presOf" srcId="{1BC2EDF8-7992-4384-8A45-349611E21345}" destId="{6676AD6C-7269-49B4-9E38-91212FC1D701}" srcOrd="0" destOrd="0" presId="urn:microsoft.com/office/officeart/2005/8/layout/list1"/>
+    <dgm:cxn modelId="{D8CFAE09-1510-4F52-9BEC-7B60797E5003}" srcId="{5744469D-28A9-4C46-B106-1ECC8349545E}" destId="{1BC2EDF8-7992-4384-8A45-349611E21345}" srcOrd="3" destOrd="0" parTransId="{E343D1FB-4723-4607-83D5-BC7FDB41747C}" sibTransId="{121C58B6-88E8-46BD-B92C-8CE422A2D138}"/>
+    <dgm:cxn modelId="{B596BE7E-0BEA-44D1-9BE7-F6015080F99A}" srcId="{5744469D-28A9-4C46-B106-1ECC8349545E}" destId="{3B0E049F-3F5E-42A6-89CD-C0E5C11B93AA}" srcOrd="2" destOrd="0" parTransId="{02FF73D6-9915-4568-880C-2E466D33FC21}" sibTransId="{0CE022CA-34E2-4777-9C0C-625F377D18AB}"/>
+    <dgm:cxn modelId="{C1E73FA8-10BE-42AF-AD9A-A27FB9201880}" type="presOf" srcId="{380781B0-254C-4D82-A2C0-F1E4B3631325}" destId="{92742DCE-3D34-455E-BF95-EE9F0707F0A0}" srcOrd="1" destOrd="0" presId="urn:microsoft.com/office/officeart/2005/8/layout/list1"/>
+    <dgm:cxn modelId="{AA4D9B35-AA83-4BA4-B94E-5144F177E6F6}" type="presOf" srcId="{3B0E049F-3F5E-42A6-89CD-C0E5C11B93AA}" destId="{25B1983F-25BA-4293-AA96-88EA2B55D481}" srcOrd="1" destOrd="0" presId="urn:microsoft.com/office/officeart/2005/8/layout/list1"/>
+    <dgm:cxn modelId="{C70AF978-E926-47A3-AFC0-1823EB889305}" type="presOf" srcId="{3B0E049F-3F5E-42A6-89CD-C0E5C11B93AA}" destId="{0C85B651-CF0C-48DA-8678-1B70E1920DFD}" srcOrd="0" destOrd="0" presId="urn:microsoft.com/office/officeart/2005/8/layout/list1"/>
     <dgm:cxn modelId="{C67ECAC3-6EAF-4F05-891D-D7A4DE0CA13A}" type="presParOf" srcId="{E93B2D5A-EB05-43E5-94DE-8DC26AE52202}" destId="{B3797BF3-0919-4D5B-909C-BAA809A2D75F}" srcOrd="0" destOrd="0" presId="urn:microsoft.com/office/officeart/2005/8/layout/list1"/>
     <dgm:cxn modelId="{DA319598-46A7-431B-951C-0D4536D2B34E}" type="presParOf" srcId="{B3797BF3-0919-4D5B-909C-BAA809A2D75F}" destId="{DF6135BC-0412-48BE-8589-3C7B45004DFB}" srcOrd="0" destOrd="0" presId="urn:microsoft.com/office/officeart/2005/8/layout/list1"/>
     <dgm:cxn modelId="{22C76D0B-C7B2-452E-A91A-644BD90693E3}" type="presParOf" srcId="{B3797BF3-0919-4D5B-909C-BAA809A2D75F}" destId="{92742DCE-3D34-455E-BF95-EE9F0707F0A0}" srcOrd="1" destOrd="0" presId="urn:microsoft.com/office/officeart/2005/8/layout/list1"/>
@@ -6241,496 +7774,6 @@
       <dsp:cNvGrpSpPr/>
     </dsp:nvGrpSpPr>
     <dsp:grpSpPr/>
-    <dsp:sp modelId="{58606CD1-2FAF-4221-8B46-E52A39B1C659}">
-      <dsp:nvSpPr>
-        <dsp:cNvPr id="0" name=""/>
-        <dsp:cNvSpPr/>
-      </dsp:nvSpPr>
-      <dsp:spPr>
-        <a:xfrm>
-          <a:off x="2357447" y="214316"/>
-          <a:ext cx="4072698" cy="1906811"/>
-        </a:xfrm>
-        <a:prstGeom prst="ellipse">
-          <a:avLst/>
-        </a:prstGeom>
-        <a:solidFill>
-          <a:schemeClr val="dk2">
-            <a:tint val="50000"/>
-            <a:alpha val="40000"/>
-            <a:hueOff val="0"/>
-            <a:satOff val="0"/>
-            <a:lumOff val="0"/>
-            <a:alphaOff val="0"/>
-          </a:schemeClr>
-        </a:solidFill>
-        <a:ln>
-          <a:noFill/>
-        </a:ln>
-        <a:effectLst/>
-      </dsp:spPr>
-      <dsp:style>
-        <a:lnRef idx="0">
-          <a:scrgbClr r="0" g="0" b="0"/>
-        </a:lnRef>
-        <a:fillRef idx="1">
-          <a:scrgbClr r="0" g="0" b="0"/>
-        </a:fillRef>
-        <a:effectRef idx="0">
-          <a:scrgbClr r="0" g="0" b="0"/>
-        </a:effectRef>
-        <a:fontRef idx="minor"/>
-      </dsp:style>
-    </dsp:sp>
-    <dsp:sp modelId="{193AA5AF-3265-4384-963E-341EA8CC2434}">
-      <dsp:nvSpPr>
-        <dsp:cNvPr id="0" name=""/>
-        <dsp:cNvSpPr/>
-      </dsp:nvSpPr>
-      <dsp:spPr>
-        <a:xfrm>
-          <a:off x="3782224" y="2858091"/>
-          <a:ext cx="1117701" cy="1450025"/>
-        </a:xfrm>
-        <a:prstGeom prst="downArrow">
-          <a:avLst/>
-        </a:prstGeom>
-        <a:solidFill>
-          <a:schemeClr val="dk2">
-            <a:tint val="60000"/>
-            <a:hueOff val="0"/>
-            <a:satOff val="0"/>
-            <a:lumOff val="0"/>
-            <a:alphaOff val="0"/>
-          </a:schemeClr>
-        </a:solidFill>
-        <a:ln w="25400" cap="flat" cmpd="sng" algn="ctr">
-          <a:solidFill>
-            <a:schemeClr val="lt2">
-              <a:hueOff val="0"/>
-              <a:satOff val="0"/>
-              <a:lumOff val="0"/>
-              <a:alphaOff val="0"/>
-            </a:schemeClr>
-          </a:solidFill>
-          <a:prstDash val="solid"/>
-        </a:ln>
-        <a:effectLst/>
-      </dsp:spPr>
-      <dsp:style>
-        <a:lnRef idx="2">
-          <a:scrgbClr r="0" g="0" b="0"/>
-        </a:lnRef>
-        <a:fillRef idx="1">
-          <a:scrgbClr r="0" g="0" b="0"/>
-        </a:fillRef>
-        <a:effectRef idx="0">
-          <a:scrgbClr r="0" g="0" b="0"/>
-        </a:effectRef>
-        <a:fontRef idx="minor"/>
-      </dsp:style>
-    </dsp:sp>
-    <dsp:sp modelId="{FDFD540A-D152-4509-99EE-8288730A10B3}">
-      <dsp:nvSpPr>
-        <dsp:cNvPr id="0" name=""/>
-        <dsp:cNvSpPr/>
-      </dsp:nvSpPr>
-      <dsp:spPr>
-        <a:xfrm>
-          <a:off x="1837998" y="3820542"/>
-          <a:ext cx="5182283" cy="2092411"/>
-        </a:xfrm>
-        <a:prstGeom prst="rect">
-          <a:avLst/>
-        </a:prstGeom>
-        <a:noFill/>
-        <a:ln>
-          <a:noFill/>
-        </a:ln>
-        <a:effectLst/>
-      </dsp:spPr>
-      <dsp:style>
-        <a:lnRef idx="0">
-          <a:scrgbClr r="0" g="0" b="0"/>
-        </a:lnRef>
-        <a:fillRef idx="0">
-          <a:scrgbClr r="0" g="0" b="0"/>
-        </a:fillRef>
-        <a:effectRef idx="0">
-          <a:scrgbClr r="0" g="0" b="0"/>
-        </a:effectRef>
-        <a:fontRef idx="minor"/>
-      </dsp:style>
-      <dsp:txBody>
-        <a:bodyPr spcFirstLastPara="0" vert="horz" wrap="square" lIns="170688" tIns="170688" rIns="170688" bIns="170688" numCol="1" spcCol="1270" anchor="ctr" anchorCtr="0">
-          <a:noAutofit/>
-        </a:bodyPr>
-        <a:lstStyle/>
-        <a:p>
-          <a:pPr marL="0" lvl="0" indent="0" algn="ctr" defTabSz="1066800">
-            <a:lnSpc>
-              <a:spcPct val="90000"/>
-            </a:lnSpc>
-            <a:spcBef>
-              <a:spcPct val="0"/>
-            </a:spcBef>
-            <a:spcAft>
-              <a:spcPct val="35000"/>
-            </a:spcAft>
-            <a:buNone/>
-          </a:pPr>
-          <a:r>
-            <a:rPr lang="en-US" sz="2400" kern="1200" dirty="0"/>
-            <a:t>SISTEMA DE INFORMACIÓN PARA </a:t>
-          </a:r>
-          <a:r>
-            <a:rPr lang="es-ES" sz="2400" kern="1200" dirty="0"/>
-            <a:t>DETECTAR FRAUDE EN REDES ELÉCTRICAS</a:t>
-          </a:r>
-        </a:p>
-      </dsp:txBody>
-      <dsp:txXfrm>
-        <a:off x="1837998" y="3820542"/>
-        <a:ext cx="5182283" cy="2092411"/>
-      </dsp:txXfrm>
-    </dsp:sp>
-    <dsp:sp modelId="{C15CDCEA-7379-45FA-8B57-94F5A3DD8BCD}">
-      <dsp:nvSpPr>
-        <dsp:cNvPr id="0" name=""/>
-        <dsp:cNvSpPr/>
-      </dsp:nvSpPr>
-      <dsp:spPr>
-        <a:xfrm>
-          <a:off x="4464492" y="5"/>
-          <a:ext cx="1732246" cy="1637460"/>
-        </a:xfrm>
-        <a:prstGeom prst="ellipse">
-          <a:avLst/>
-        </a:prstGeom>
-        <a:gradFill rotWithShape="1">
-          <a:gsLst>
-            <a:gs pos="0">
-              <a:schemeClr val="accent6">
-                <a:tint val="50000"/>
-                <a:satMod val="300000"/>
-              </a:schemeClr>
-            </a:gs>
-            <a:gs pos="35000">
-              <a:schemeClr val="accent6">
-                <a:tint val="37000"/>
-                <a:satMod val="300000"/>
-              </a:schemeClr>
-            </a:gs>
-            <a:gs pos="100000">
-              <a:schemeClr val="accent6">
-                <a:tint val="15000"/>
-                <a:satMod val="350000"/>
-              </a:schemeClr>
-            </a:gs>
-          </a:gsLst>
-          <a:lin ang="16200000" scaled="1"/>
-        </a:gradFill>
-        <a:ln w="9525" cap="flat" cmpd="sng" algn="ctr">
-          <a:solidFill>
-            <a:schemeClr val="accent6">
-              <a:shade val="95000"/>
-              <a:satMod val="105000"/>
-            </a:schemeClr>
-          </a:solidFill>
-          <a:prstDash val="solid"/>
-        </a:ln>
-        <a:effectLst>
-          <a:outerShdw blurRad="40000" dist="20000" dir="5400000" rotWithShape="0">
-            <a:srgbClr val="000000">
-              <a:alpha val="38000"/>
-            </a:srgbClr>
-          </a:outerShdw>
-        </a:effectLst>
-      </dsp:spPr>
-      <dsp:style>
-        <a:lnRef idx="1">
-          <a:schemeClr val="accent6"/>
-        </a:lnRef>
-        <a:fillRef idx="2">
-          <a:schemeClr val="accent6"/>
-        </a:fillRef>
-        <a:effectRef idx="1">
-          <a:schemeClr val="accent6"/>
-        </a:effectRef>
-        <a:fontRef idx="minor">
-          <a:schemeClr val="dk1"/>
-        </a:fontRef>
-      </dsp:style>
-      <dsp:txBody>
-        <a:bodyPr spcFirstLastPara="0" vert="horz" wrap="square" lIns="13970" tIns="13970" rIns="13970" bIns="13970" numCol="1" spcCol="1270" anchor="ctr" anchorCtr="0">
-          <a:noAutofit/>
-        </a:bodyPr>
-        <a:lstStyle/>
-        <a:p>
-          <a:pPr marL="0" lvl="0" indent="0" algn="ctr" defTabSz="488950">
-            <a:lnSpc>
-              <a:spcPct val="90000"/>
-            </a:lnSpc>
-            <a:spcBef>
-              <a:spcPct val="0"/>
-            </a:spcBef>
-            <a:spcAft>
-              <a:spcPct val="35000"/>
-            </a:spcAft>
-            <a:buNone/>
-          </a:pPr>
-          <a:r>
-            <a:rPr lang="es-ES" sz="1100" b="1" kern="1200" dirty="0"/>
-            <a:t>Detectar los puntos de perdida de energía para reducir los índices de perdidas.</a:t>
-          </a:r>
-        </a:p>
-      </dsp:txBody>
-      <dsp:txXfrm>
-        <a:off x="4718174" y="239805"/>
-        <a:ext cx="1224882" cy="1157860"/>
-      </dsp:txXfrm>
-    </dsp:sp>
-    <dsp:sp modelId="{00820C10-2A8A-4A4F-B811-28F0DDBB82C7}">
-      <dsp:nvSpPr>
-        <dsp:cNvPr id="0" name=""/>
-        <dsp:cNvSpPr/>
-      </dsp:nvSpPr>
-      <dsp:spPr>
-        <a:xfrm>
-          <a:off x="2448266" y="360041"/>
-          <a:ext cx="1676503" cy="1545825"/>
-        </a:xfrm>
-        <a:prstGeom prst="ellipse">
-          <a:avLst/>
-        </a:prstGeom>
-        <a:gradFill rotWithShape="1">
-          <a:gsLst>
-            <a:gs pos="0">
-              <a:schemeClr val="dk1">
-                <a:tint val="50000"/>
-                <a:satMod val="300000"/>
-              </a:schemeClr>
-            </a:gs>
-            <a:gs pos="35000">
-              <a:schemeClr val="dk1">
-                <a:tint val="37000"/>
-                <a:satMod val="300000"/>
-              </a:schemeClr>
-            </a:gs>
-            <a:gs pos="100000">
-              <a:schemeClr val="dk1">
-                <a:tint val="15000"/>
-                <a:satMod val="350000"/>
-              </a:schemeClr>
-            </a:gs>
-          </a:gsLst>
-          <a:lin ang="16200000" scaled="1"/>
-        </a:gradFill>
-        <a:ln w="9525" cap="flat" cmpd="sng" algn="ctr">
-          <a:solidFill>
-            <a:schemeClr val="dk1">
-              <a:shade val="95000"/>
-              <a:satMod val="105000"/>
-            </a:schemeClr>
-          </a:solidFill>
-          <a:prstDash val="solid"/>
-        </a:ln>
-        <a:effectLst>
-          <a:outerShdw blurRad="40000" dist="20000" dir="5400000" rotWithShape="0">
-            <a:srgbClr val="000000">
-              <a:alpha val="38000"/>
-            </a:srgbClr>
-          </a:outerShdw>
-        </a:effectLst>
-      </dsp:spPr>
-      <dsp:style>
-        <a:lnRef idx="1">
-          <a:schemeClr val="dk1"/>
-        </a:lnRef>
-        <a:fillRef idx="2">
-          <a:schemeClr val="dk1"/>
-        </a:fillRef>
-        <a:effectRef idx="1">
-          <a:schemeClr val="dk1"/>
-        </a:effectRef>
-        <a:fontRef idx="minor">
-          <a:schemeClr val="dk1"/>
-        </a:fontRef>
-      </dsp:style>
-      <dsp:txBody>
-        <a:bodyPr spcFirstLastPara="0" vert="horz" wrap="square" lIns="15240" tIns="15240" rIns="15240" bIns="15240" numCol="1" spcCol="1270" anchor="ctr" anchorCtr="0">
-          <a:noAutofit/>
-        </a:bodyPr>
-        <a:lstStyle/>
-        <a:p>
-          <a:pPr marL="0" lvl="0" indent="0" algn="ctr" defTabSz="533400">
-            <a:lnSpc>
-              <a:spcPct val="90000"/>
-            </a:lnSpc>
-            <a:spcBef>
-              <a:spcPct val="0"/>
-            </a:spcBef>
-            <a:spcAft>
-              <a:spcPct val="35000"/>
-            </a:spcAft>
-            <a:buNone/>
-          </a:pPr>
-          <a:r>
-            <a:rPr lang="es-CO" sz="1200" b="1" kern="1200" dirty="0"/>
-            <a:t>Utilizar la infraestructura actual y la proyectada para mejorar la medición </a:t>
-          </a:r>
-          <a:endParaRPr lang="es-ES" sz="1200" b="1" kern="1200" dirty="0"/>
-        </a:p>
-      </dsp:txBody>
-      <dsp:txXfrm>
-        <a:off x="2693784" y="586422"/>
-        <a:ext cx="1185467" cy="1093063"/>
-      </dsp:txXfrm>
-    </dsp:sp>
-    <dsp:sp modelId="{4830C1AE-3A07-4776-80B0-46C7307DB5B0}">
-      <dsp:nvSpPr>
-        <dsp:cNvPr id="0" name=""/>
-        <dsp:cNvSpPr/>
-      </dsp:nvSpPr>
-      <dsp:spPr>
-        <a:xfrm>
-          <a:off x="3643338" y="1143011"/>
-          <a:ext cx="1669045" cy="1543559"/>
-        </a:xfrm>
-        <a:prstGeom prst="ellipse">
-          <a:avLst/>
-        </a:prstGeom>
-        <a:gradFill rotWithShape="1">
-          <a:gsLst>
-            <a:gs pos="0">
-              <a:schemeClr val="accent3">
-                <a:shade val="51000"/>
-                <a:satMod val="130000"/>
-              </a:schemeClr>
-            </a:gs>
-            <a:gs pos="80000">
-              <a:schemeClr val="accent3">
-                <a:shade val="93000"/>
-                <a:satMod val="130000"/>
-              </a:schemeClr>
-            </a:gs>
-            <a:gs pos="100000">
-              <a:schemeClr val="accent3">
-                <a:shade val="94000"/>
-                <a:satMod val="135000"/>
-              </a:schemeClr>
-            </a:gs>
-          </a:gsLst>
-          <a:lin ang="16200000" scaled="0"/>
-        </a:gradFill>
-        <a:ln w="9525" cap="flat" cmpd="sng" algn="ctr">
-          <a:solidFill>
-            <a:schemeClr val="accent3">
-              <a:shade val="95000"/>
-              <a:satMod val="105000"/>
-            </a:schemeClr>
-          </a:solidFill>
-          <a:prstDash val="solid"/>
-        </a:ln>
-        <a:effectLst>
-          <a:outerShdw blurRad="40000" dist="23000" dir="5400000" rotWithShape="0">
-            <a:srgbClr val="000000">
-              <a:alpha val="35000"/>
-            </a:srgbClr>
-          </a:outerShdw>
-        </a:effectLst>
-      </dsp:spPr>
-      <dsp:style>
-        <a:lnRef idx="1">
-          <a:schemeClr val="accent3"/>
-        </a:lnRef>
-        <a:fillRef idx="3">
-          <a:schemeClr val="accent3"/>
-        </a:fillRef>
-        <a:effectRef idx="2">
-          <a:schemeClr val="accent3"/>
-        </a:effectRef>
-        <a:fontRef idx="minor">
-          <a:schemeClr val="lt1"/>
-        </a:fontRef>
-      </dsp:style>
-      <dsp:txBody>
-        <a:bodyPr spcFirstLastPara="0" vert="horz" wrap="square" lIns="17780" tIns="17780" rIns="17780" bIns="17780" numCol="1" spcCol="1270" anchor="ctr" anchorCtr="0">
-          <a:noAutofit/>
-        </a:bodyPr>
-        <a:lstStyle/>
-        <a:p>
-          <a:pPr marL="0" lvl="0" indent="0" algn="ctr" defTabSz="622300">
-            <a:lnSpc>
-              <a:spcPct val="90000"/>
-            </a:lnSpc>
-            <a:spcBef>
-              <a:spcPct val="0"/>
-            </a:spcBef>
-            <a:spcAft>
-              <a:spcPct val="35000"/>
-            </a:spcAft>
-            <a:buNone/>
-          </a:pPr>
-          <a:r>
-            <a:rPr lang="es-ES" sz="1400" b="1" kern="1200" dirty="0"/>
-            <a:t>Diseñar una herramienta tecnológica que analice todos los datos de consumo</a:t>
-          </a:r>
-        </a:p>
-      </dsp:txBody>
-      <dsp:txXfrm>
-        <a:off x="3887764" y="1369060"/>
-        <a:ext cx="1180193" cy="1091461"/>
-      </dsp:txXfrm>
-    </dsp:sp>
-    <dsp:sp modelId="{AE805AB0-CDD8-4ABC-8775-6545029849DF}">
-      <dsp:nvSpPr>
-        <dsp:cNvPr id="0" name=""/>
-        <dsp:cNvSpPr/>
-      </dsp:nvSpPr>
-      <dsp:spPr>
-        <a:xfrm>
-          <a:off x="2232225" y="864077"/>
-          <a:ext cx="4209105" cy="2648029"/>
-        </a:xfrm>
-        <a:prstGeom prst="funnel">
-          <a:avLst/>
-        </a:prstGeom>
-        <a:solidFill>
-          <a:schemeClr val="lt2">
-            <a:alpha val="40000"/>
-            <a:hueOff val="0"/>
-            <a:satOff val="0"/>
-            <a:lumOff val="0"/>
-            <a:alphaOff val="0"/>
-          </a:schemeClr>
-        </a:solidFill>
-        <a:ln w="9525" cap="flat" cmpd="sng" algn="ctr">
-          <a:solidFill>
-            <a:schemeClr val="dk2">
-              <a:hueOff val="0"/>
-              <a:satOff val="0"/>
-              <a:lumOff val="0"/>
-              <a:alphaOff val="0"/>
-            </a:schemeClr>
-          </a:solidFill>
-          <a:prstDash val="solid"/>
-        </a:ln>
-        <a:effectLst/>
-      </dsp:spPr>
-      <dsp:style>
-        <a:lnRef idx="1">
-          <a:scrgbClr r="0" g="0" b="0"/>
-        </a:lnRef>
-        <a:fillRef idx="1">
-          <a:scrgbClr r="0" g="0" b="0"/>
-        </a:fillRef>
-        <a:effectRef idx="0">
-          <a:scrgbClr r="0" g="0" b="0"/>
-        </a:effectRef>
-        <a:fontRef idx="minor"/>
-      </dsp:style>
-    </dsp:sp>
   </dsp:spTree>
 </dsp:drawing>
 </file>
@@ -6743,832 +7786,6 @@
       <dsp:cNvGrpSpPr/>
     </dsp:nvGrpSpPr>
     <dsp:grpSpPr/>
-    <dsp:sp modelId="{498A4E70-9441-4BAA-A25C-9ECD09B7A6AA}">
-      <dsp:nvSpPr>
-        <dsp:cNvPr id="0" name=""/>
-        <dsp:cNvSpPr/>
-      </dsp:nvSpPr>
-      <dsp:spPr>
-        <a:xfrm>
-          <a:off x="3755" y="93076"/>
-          <a:ext cx="1713803" cy="608411"/>
-        </a:xfrm>
-        <a:prstGeom prst="rect">
-          <a:avLst/>
-        </a:prstGeom>
-        <a:solidFill>
-          <a:schemeClr val="accent2">
-            <a:hueOff val="0"/>
-            <a:satOff val="0"/>
-            <a:lumOff val="0"/>
-            <a:alphaOff val="0"/>
-          </a:schemeClr>
-        </a:solidFill>
-        <a:ln w="25400" cap="flat" cmpd="sng" algn="ctr">
-          <a:solidFill>
-            <a:schemeClr val="accent2">
-              <a:hueOff val="0"/>
-              <a:satOff val="0"/>
-              <a:lumOff val="0"/>
-              <a:alphaOff val="0"/>
-            </a:schemeClr>
-          </a:solidFill>
-          <a:prstDash val="solid"/>
-        </a:ln>
-        <a:effectLst/>
-      </dsp:spPr>
-      <dsp:style>
-        <a:lnRef idx="2">
-          <a:scrgbClr r="0" g="0" b="0"/>
-        </a:lnRef>
-        <a:fillRef idx="1">
-          <a:scrgbClr r="0" g="0" b="0"/>
-        </a:fillRef>
-        <a:effectRef idx="0">
-          <a:scrgbClr r="0" g="0" b="0"/>
-        </a:effectRef>
-        <a:fontRef idx="minor">
-          <a:schemeClr val="lt1"/>
-        </a:fontRef>
-      </dsp:style>
-      <dsp:txBody>
-        <a:bodyPr spcFirstLastPara="0" vert="horz" wrap="square" lIns="99568" tIns="56896" rIns="99568" bIns="56896" numCol="1" spcCol="1270" anchor="ctr" anchorCtr="0">
-          <a:noAutofit/>
-        </a:bodyPr>
-        <a:lstStyle/>
-        <a:p>
-          <a:pPr marL="0" lvl="0" indent="0" algn="ctr" defTabSz="622300">
-            <a:lnSpc>
-              <a:spcPct val="90000"/>
-            </a:lnSpc>
-            <a:spcBef>
-              <a:spcPct val="0"/>
-            </a:spcBef>
-            <a:spcAft>
-              <a:spcPct val="35000"/>
-            </a:spcAft>
-            <a:buNone/>
-          </a:pPr>
-          <a:r>
-            <a:rPr lang="es-CO" sz="1400" b="1" kern="1200" dirty="0"/>
-            <a:t>Ubicación</a:t>
-          </a:r>
-          <a:endParaRPr lang="en-US" sz="1400" b="1" kern="1200" dirty="0"/>
-        </a:p>
-      </dsp:txBody>
-      <dsp:txXfrm>
-        <a:off x="3755" y="93076"/>
-        <a:ext cx="1713803" cy="608411"/>
-      </dsp:txXfrm>
-    </dsp:sp>
-    <dsp:sp modelId="{F98E0026-7677-418C-B219-B2163DF01B96}">
-      <dsp:nvSpPr>
-        <dsp:cNvPr id="0" name=""/>
-        <dsp:cNvSpPr/>
-      </dsp:nvSpPr>
-      <dsp:spPr>
-        <a:xfrm>
-          <a:off x="3755" y="701487"/>
-          <a:ext cx="1713803" cy="2949852"/>
-        </a:xfrm>
-        <a:prstGeom prst="rect">
-          <a:avLst/>
-        </a:prstGeom>
-        <a:solidFill>
-          <a:schemeClr val="accent2">
-            <a:tint val="40000"/>
-            <a:alpha val="90000"/>
-            <a:hueOff val="0"/>
-            <a:satOff val="0"/>
-            <a:lumOff val="0"/>
-            <a:alphaOff val="0"/>
-          </a:schemeClr>
-        </a:solidFill>
-        <a:ln w="25400" cap="flat" cmpd="sng" algn="ctr">
-          <a:solidFill>
-            <a:schemeClr val="accent2">
-              <a:tint val="40000"/>
-              <a:alpha val="90000"/>
-              <a:hueOff val="0"/>
-              <a:satOff val="0"/>
-              <a:lumOff val="0"/>
-              <a:alphaOff val="0"/>
-            </a:schemeClr>
-          </a:solidFill>
-          <a:prstDash val="solid"/>
-        </a:ln>
-        <a:effectLst/>
-      </dsp:spPr>
-      <dsp:style>
-        <a:lnRef idx="2">
-          <a:scrgbClr r="0" g="0" b="0"/>
-        </a:lnRef>
-        <a:fillRef idx="1">
-          <a:scrgbClr r="0" g="0" b="0"/>
-        </a:fillRef>
-        <a:effectRef idx="0">
-          <a:scrgbClr r="0" g="0" b="0"/>
-        </a:effectRef>
-        <a:fontRef idx="minor"/>
-      </dsp:style>
-      <dsp:txBody>
-        <a:bodyPr spcFirstLastPara="0" vert="horz" wrap="square" lIns="74676" tIns="74676" rIns="99568" bIns="112014" numCol="1" spcCol="1270" anchor="t" anchorCtr="0">
-          <a:noAutofit/>
-        </a:bodyPr>
-        <a:lstStyle/>
-        <a:p>
-          <a:pPr marL="114300" lvl="1" indent="-114300" algn="l" defTabSz="622300">
-            <a:lnSpc>
-              <a:spcPct val="90000"/>
-            </a:lnSpc>
-            <a:spcBef>
-              <a:spcPct val="0"/>
-            </a:spcBef>
-            <a:spcAft>
-              <a:spcPct val="15000"/>
-            </a:spcAft>
-            <a:buChar char="•"/>
-          </a:pPr>
-          <a:r>
-            <a:rPr lang="es-CO" sz="1400" kern="1200" dirty="0"/>
-            <a:t>País: Colombia</a:t>
-          </a:r>
-          <a:endParaRPr lang="en-US" sz="1400" kern="1200" dirty="0"/>
-        </a:p>
-        <a:p>
-          <a:pPr marL="114300" lvl="1" indent="-114300" algn="l" defTabSz="622300">
-            <a:lnSpc>
-              <a:spcPct val="90000"/>
-            </a:lnSpc>
-            <a:spcBef>
-              <a:spcPct val="0"/>
-            </a:spcBef>
-            <a:spcAft>
-              <a:spcPct val="15000"/>
-            </a:spcAft>
-            <a:buChar char="•"/>
-          </a:pPr>
-          <a:r>
-            <a:rPr lang="es-CO" sz="1400" kern="1200" dirty="0"/>
-            <a:t>Zona: Costa Atlántica</a:t>
-          </a:r>
-          <a:endParaRPr lang="en-US" sz="1400" kern="1200" dirty="0"/>
-        </a:p>
-        <a:p>
-          <a:pPr marL="114300" lvl="1" indent="-114300" algn="l" defTabSz="622300">
-            <a:lnSpc>
-              <a:spcPct val="90000"/>
-            </a:lnSpc>
-            <a:spcBef>
-              <a:spcPct val="0"/>
-            </a:spcBef>
-            <a:spcAft>
-              <a:spcPct val="15000"/>
-            </a:spcAft>
-            <a:buChar char="•"/>
-          </a:pPr>
-          <a:endParaRPr lang="en-US" sz="1400" kern="1200" dirty="0"/>
-        </a:p>
-      </dsp:txBody>
-      <dsp:txXfrm>
-        <a:off x="3755" y="701487"/>
-        <a:ext cx="1713803" cy="2949852"/>
-      </dsp:txXfrm>
-    </dsp:sp>
-    <dsp:sp modelId="{BE868AFE-25EF-4497-8FDB-BF6C4F99E2C9}">
-      <dsp:nvSpPr>
-        <dsp:cNvPr id="0" name=""/>
-        <dsp:cNvSpPr/>
-      </dsp:nvSpPr>
-      <dsp:spPr>
-        <a:xfrm>
-          <a:off x="1930503" y="90247"/>
-          <a:ext cx="2137060" cy="608411"/>
-        </a:xfrm>
-        <a:prstGeom prst="rect">
-          <a:avLst/>
-        </a:prstGeom>
-        <a:solidFill>
-          <a:schemeClr val="accent3">
-            <a:hueOff val="0"/>
-            <a:satOff val="0"/>
-            <a:lumOff val="0"/>
-            <a:alphaOff val="0"/>
-          </a:schemeClr>
-        </a:solidFill>
-        <a:ln w="25400" cap="flat" cmpd="sng" algn="ctr">
-          <a:solidFill>
-            <a:schemeClr val="accent3">
-              <a:hueOff val="0"/>
-              <a:satOff val="0"/>
-              <a:lumOff val="0"/>
-              <a:alphaOff val="0"/>
-            </a:schemeClr>
-          </a:solidFill>
-          <a:prstDash val="solid"/>
-        </a:ln>
-        <a:effectLst/>
-      </dsp:spPr>
-      <dsp:style>
-        <a:lnRef idx="2">
-          <a:scrgbClr r="0" g="0" b="0"/>
-        </a:lnRef>
-        <a:fillRef idx="1">
-          <a:scrgbClr r="0" g="0" b="0"/>
-        </a:fillRef>
-        <a:effectRef idx="0">
-          <a:scrgbClr r="0" g="0" b="0"/>
-        </a:effectRef>
-        <a:fontRef idx="minor">
-          <a:schemeClr val="lt1"/>
-        </a:fontRef>
-      </dsp:style>
-      <dsp:txBody>
-        <a:bodyPr spcFirstLastPara="0" vert="horz" wrap="square" lIns="99568" tIns="56896" rIns="99568" bIns="56896" numCol="1" spcCol="1270" anchor="ctr" anchorCtr="0">
-          <a:noAutofit/>
-        </a:bodyPr>
-        <a:lstStyle/>
-        <a:p>
-          <a:pPr marL="0" lvl="0" indent="0" algn="ctr" defTabSz="622300">
-            <a:lnSpc>
-              <a:spcPct val="90000"/>
-            </a:lnSpc>
-            <a:spcBef>
-              <a:spcPct val="0"/>
-            </a:spcBef>
-            <a:spcAft>
-              <a:spcPct val="35000"/>
-            </a:spcAft>
-            <a:buNone/>
-          </a:pPr>
-          <a:r>
-            <a:rPr lang="es-CO" sz="1400" b="1" kern="1200" dirty="0"/>
-            <a:t>Alternativa</a:t>
-          </a:r>
-          <a:endParaRPr lang="en-US" sz="1400" b="1" kern="1200" dirty="0"/>
-        </a:p>
-      </dsp:txBody>
-      <dsp:txXfrm>
-        <a:off x="1930503" y="90247"/>
-        <a:ext cx="2137060" cy="608411"/>
-      </dsp:txXfrm>
-    </dsp:sp>
-    <dsp:sp modelId="{11790E1A-CE4C-4357-B48F-48AC30A2F3AB}">
-      <dsp:nvSpPr>
-        <dsp:cNvPr id="0" name=""/>
-        <dsp:cNvSpPr/>
-      </dsp:nvSpPr>
-      <dsp:spPr>
-        <a:xfrm>
-          <a:off x="1934830" y="698658"/>
-          <a:ext cx="2128405" cy="2955509"/>
-        </a:xfrm>
-        <a:prstGeom prst="rect">
-          <a:avLst/>
-        </a:prstGeom>
-        <a:solidFill>
-          <a:schemeClr val="accent3">
-            <a:tint val="40000"/>
-            <a:alpha val="90000"/>
-            <a:hueOff val="0"/>
-            <a:satOff val="0"/>
-            <a:lumOff val="0"/>
-            <a:alphaOff val="0"/>
-          </a:schemeClr>
-        </a:solidFill>
-        <a:ln w="25400" cap="flat" cmpd="sng" algn="ctr">
-          <a:solidFill>
-            <a:schemeClr val="accent3">
-              <a:tint val="40000"/>
-              <a:alpha val="90000"/>
-              <a:hueOff val="0"/>
-              <a:satOff val="0"/>
-              <a:lumOff val="0"/>
-              <a:alphaOff val="0"/>
-            </a:schemeClr>
-          </a:solidFill>
-          <a:prstDash val="solid"/>
-        </a:ln>
-        <a:effectLst/>
-      </dsp:spPr>
-      <dsp:style>
-        <a:lnRef idx="2">
-          <a:scrgbClr r="0" g="0" b="0"/>
-        </a:lnRef>
-        <a:fillRef idx="1">
-          <a:scrgbClr r="0" g="0" b="0"/>
-        </a:fillRef>
-        <a:effectRef idx="0">
-          <a:scrgbClr r="0" g="0" b="0"/>
-        </a:effectRef>
-        <a:fontRef idx="minor"/>
-      </dsp:style>
-      <dsp:txBody>
-        <a:bodyPr spcFirstLastPara="0" vert="horz" wrap="square" lIns="74676" tIns="74676" rIns="99568" bIns="112014" numCol="1" spcCol="1270" anchor="t" anchorCtr="0">
-          <a:noAutofit/>
-        </a:bodyPr>
-        <a:lstStyle/>
-        <a:p>
-          <a:pPr marL="114300" lvl="1" indent="-114300" algn="l" defTabSz="622300">
-            <a:lnSpc>
-              <a:spcPct val="90000"/>
-            </a:lnSpc>
-            <a:spcBef>
-              <a:spcPct val="0"/>
-            </a:spcBef>
-            <a:spcAft>
-              <a:spcPct val="15000"/>
-            </a:spcAft>
-            <a:buChar char="•"/>
-          </a:pPr>
-          <a:r>
-            <a:rPr lang="es-ES_tradnl" sz="1400" kern="1200" dirty="0"/>
-            <a:t>Contratar una empresa de tecnología para diseñar, construir e implementar sistemas de información a la medida para el control comercial y técnico a nivel de análisis de datos </a:t>
-          </a:r>
-          <a:r>
-            <a:rPr lang="es-ES_tradnl" sz="1400" kern="1200"/>
-            <a:t>de medida y </a:t>
-          </a:r>
-          <a:r>
-            <a:rPr lang="es-ES_tradnl" sz="1400" kern="1200" dirty="0"/>
-            <a:t>comprar maquinaria mejorada para realizar mediciones a nivel de transformadores de medición y distribución</a:t>
-          </a:r>
-          <a:endParaRPr lang="en-US" sz="1400" kern="1200" dirty="0"/>
-        </a:p>
-      </dsp:txBody>
-      <dsp:txXfrm>
-        <a:off x="1934830" y="698658"/>
-        <a:ext cx="2128405" cy="2955509"/>
-      </dsp:txXfrm>
-    </dsp:sp>
-    <dsp:sp modelId="{B86AE41E-58AD-4CAE-9003-9669551B25B4}">
-      <dsp:nvSpPr>
-        <dsp:cNvPr id="0" name=""/>
-        <dsp:cNvSpPr/>
-      </dsp:nvSpPr>
-      <dsp:spPr>
-        <a:xfrm>
-          <a:off x="4286697" y="87507"/>
-          <a:ext cx="2130732" cy="608411"/>
-        </a:xfrm>
-        <a:prstGeom prst="rect">
-          <a:avLst/>
-        </a:prstGeom>
-        <a:solidFill>
-          <a:schemeClr val="accent4">
-            <a:hueOff val="0"/>
-            <a:satOff val="0"/>
-            <a:lumOff val="0"/>
-            <a:alphaOff val="0"/>
-          </a:schemeClr>
-        </a:solidFill>
-        <a:ln w="25400" cap="flat" cmpd="sng" algn="ctr">
-          <a:solidFill>
-            <a:schemeClr val="accent4">
-              <a:hueOff val="0"/>
-              <a:satOff val="0"/>
-              <a:lumOff val="0"/>
-              <a:alphaOff val="0"/>
-            </a:schemeClr>
-          </a:solidFill>
-          <a:prstDash val="solid"/>
-        </a:ln>
-        <a:effectLst/>
-      </dsp:spPr>
-      <dsp:style>
-        <a:lnRef idx="2">
-          <a:scrgbClr r="0" g="0" b="0"/>
-        </a:lnRef>
-        <a:fillRef idx="1">
-          <a:scrgbClr r="0" g="0" b="0"/>
-        </a:fillRef>
-        <a:effectRef idx="0">
-          <a:scrgbClr r="0" g="0" b="0"/>
-        </a:effectRef>
-        <a:fontRef idx="minor">
-          <a:schemeClr val="lt1"/>
-        </a:fontRef>
-      </dsp:style>
-      <dsp:txBody>
-        <a:bodyPr spcFirstLastPara="0" vert="horz" wrap="square" lIns="99568" tIns="56896" rIns="99568" bIns="56896" numCol="1" spcCol="1270" anchor="ctr" anchorCtr="0">
-          <a:noAutofit/>
-        </a:bodyPr>
-        <a:lstStyle/>
-        <a:p>
-          <a:pPr marL="0" lvl="0" indent="0" algn="ctr" defTabSz="622300">
-            <a:lnSpc>
-              <a:spcPct val="90000"/>
-            </a:lnSpc>
-            <a:spcBef>
-              <a:spcPct val="0"/>
-            </a:spcBef>
-            <a:spcAft>
-              <a:spcPct val="35000"/>
-            </a:spcAft>
-            <a:buNone/>
-          </a:pPr>
-          <a:r>
-            <a:rPr lang="es-CO" sz="1400" b="1" kern="1200" dirty="0"/>
-            <a:t>Involucrados</a:t>
-          </a:r>
-          <a:endParaRPr lang="en-US" sz="1400" b="1" kern="1200" dirty="0"/>
-        </a:p>
-      </dsp:txBody>
-      <dsp:txXfrm>
-        <a:off x="4286697" y="87507"/>
-        <a:ext cx="2130732" cy="608411"/>
-      </dsp:txXfrm>
-    </dsp:sp>
-    <dsp:sp modelId="{2612D1CA-8455-4B2E-B566-31F386062C39}">
-      <dsp:nvSpPr>
-        <dsp:cNvPr id="0" name=""/>
-        <dsp:cNvSpPr/>
-      </dsp:nvSpPr>
-      <dsp:spPr>
-        <a:xfrm>
-          <a:off x="4280507" y="695918"/>
-          <a:ext cx="2143113" cy="2960990"/>
-        </a:xfrm>
-        <a:prstGeom prst="rect">
-          <a:avLst/>
-        </a:prstGeom>
-        <a:solidFill>
-          <a:schemeClr val="accent4">
-            <a:tint val="40000"/>
-            <a:alpha val="90000"/>
-            <a:hueOff val="0"/>
-            <a:satOff val="0"/>
-            <a:lumOff val="0"/>
-            <a:alphaOff val="0"/>
-          </a:schemeClr>
-        </a:solidFill>
-        <a:ln w="25400" cap="flat" cmpd="sng" algn="ctr">
-          <a:solidFill>
-            <a:schemeClr val="accent4">
-              <a:tint val="40000"/>
-              <a:alpha val="90000"/>
-              <a:hueOff val="0"/>
-              <a:satOff val="0"/>
-              <a:lumOff val="0"/>
-              <a:alphaOff val="0"/>
-            </a:schemeClr>
-          </a:solidFill>
-          <a:prstDash val="solid"/>
-        </a:ln>
-        <a:effectLst/>
-      </dsp:spPr>
-      <dsp:style>
-        <a:lnRef idx="2">
-          <a:scrgbClr r="0" g="0" b="0"/>
-        </a:lnRef>
-        <a:fillRef idx="1">
-          <a:scrgbClr r="0" g="0" b="0"/>
-        </a:fillRef>
-        <a:effectRef idx="0">
-          <a:scrgbClr r="0" g="0" b="0"/>
-        </a:effectRef>
-        <a:fontRef idx="minor"/>
-      </dsp:style>
-      <dsp:txBody>
-        <a:bodyPr spcFirstLastPara="0" vert="horz" wrap="square" lIns="74676" tIns="74676" rIns="99568" bIns="112014" numCol="1" spcCol="1270" anchor="t" anchorCtr="0">
-          <a:noAutofit/>
-        </a:bodyPr>
-        <a:lstStyle/>
-        <a:p>
-          <a:pPr marL="114300" lvl="1" indent="-114300" algn="l" defTabSz="622300">
-            <a:lnSpc>
-              <a:spcPct val="90000"/>
-            </a:lnSpc>
-            <a:spcBef>
-              <a:spcPct val="0"/>
-            </a:spcBef>
-            <a:spcAft>
-              <a:spcPct val="15000"/>
-            </a:spcAft>
-            <a:buChar char="•"/>
-          </a:pPr>
-          <a:r>
-            <a:rPr lang="es-ES_tradnl" sz="1400" b="0" kern="1200" dirty="0"/>
-            <a:t>Empresas de Energía Colombianas</a:t>
-          </a:r>
-          <a:endParaRPr lang="en-US" sz="1400" b="0" kern="1200" dirty="0"/>
-        </a:p>
-        <a:p>
-          <a:pPr marL="114300" lvl="1" indent="-114300" algn="l" defTabSz="622300">
-            <a:lnSpc>
-              <a:spcPct val="90000"/>
-            </a:lnSpc>
-            <a:spcBef>
-              <a:spcPct val="0"/>
-            </a:spcBef>
-            <a:spcAft>
-              <a:spcPct val="15000"/>
-            </a:spcAft>
-            <a:buChar char="•"/>
-          </a:pPr>
-          <a:r>
-            <a:rPr lang="es-ES_tradnl" sz="1400" b="0" kern="1200" dirty="0"/>
-            <a:t>Empresa de consultoría Ludus SAS (Patrocinador)</a:t>
-          </a:r>
-          <a:endParaRPr lang="en-US" sz="1400" b="0" kern="1200" dirty="0"/>
-        </a:p>
-        <a:p>
-          <a:pPr marL="114300" lvl="1" indent="-114300" algn="l" defTabSz="622300">
-            <a:lnSpc>
-              <a:spcPct val="90000"/>
-            </a:lnSpc>
-            <a:spcBef>
-              <a:spcPct val="0"/>
-            </a:spcBef>
-            <a:spcAft>
-              <a:spcPct val="15000"/>
-            </a:spcAft>
-            <a:buChar char="•"/>
-          </a:pPr>
-          <a:r>
-            <a:rPr lang="es-ES_tradnl" sz="1400" b="0" kern="1200" dirty="0"/>
-            <a:t>CREG “Comisión de regulación de energía y gas”</a:t>
-          </a:r>
-          <a:endParaRPr lang="en-US" sz="1400" b="0" kern="1200" dirty="0"/>
-        </a:p>
-        <a:p>
-          <a:pPr marL="114300" lvl="1" indent="-114300" algn="l" defTabSz="622300">
-            <a:lnSpc>
-              <a:spcPct val="90000"/>
-            </a:lnSpc>
-            <a:spcBef>
-              <a:spcPct val="0"/>
-            </a:spcBef>
-            <a:spcAft>
-              <a:spcPct val="15000"/>
-            </a:spcAft>
-            <a:buChar char="•"/>
-          </a:pPr>
-          <a:r>
-            <a:rPr lang="es-ES_tradnl" sz="1400" b="0" kern="1200" dirty="0"/>
-            <a:t>Sociedad</a:t>
-          </a:r>
-          <a:endParaRPr lang="en-US" sz="1400" b="0" kern="1200" dirty="0"/>
-        </a:p>
-        <a:p>
-          <a:pPr marL="114300" lvl="1" indent="-114300" algn="l" defTabSz="622300">
-            <a:lnSpc>
-              <a:spcPct val="90000"/>
-            </a:lnSpc>
-            <a:spcBef>
-              <a:spcPct val="0"/>
-            </a:spcBef>
-            <a:spcAft>
-              <a:spcPct val="15000"/>
-            </a:spcAft>
-            <a:buChar char="•"/>
-          </a:pPr>
-          <a:r>
-            <a:rPr lang="es-ES_tradnl" sz="1400" b="0" kern="1200" dirty="0"/>
-            <a:t>Proveedores eléctricos</a:t>
-          </a:r>
-          <a:endParaRPr lang="en-US" sz="1400" b="0" kern="1200" dirty="0"/>
-        </a:p>
-        <a:p>
-          <a:pPr marL="114300" lvl="1" indent="-114300" algn="l" defTabSz="622300">
-            <a:lnSpc>
-              <a:spcPct val="90000"/>
-            </a:lnSpc>
-            <a:spcBef>
-              <a:spcPct val="0"/>
-            </a:spcBef>
-            <a:spcAft>
-              <a:spcPct val="15000"/>
-            </a:spcAft>
-            <a:buChar char="•"/>
-          </a:pPr>
-          <a:r>
-            <a:rPr lang="es-ES_tradnl" sz="1400" b="0" kern="1200" dirty="0"/>
-            <a:t>ONG</a:t>
-          </a:r>
-          <a:endParaRPr lang="en-US" sz="1400" b="0" kern="1200" dirty="0"/>
-        </a:p>
-      </dsp:txBody>
-      <dsp:txXfrm>
-        <a:off x="4280507" y="695918"/>
-        <a:ext cx="2143113" cy="2960990"/>
-      </dsp:txXfrm>
-    </dsp:sp>
-    <dsp:sp modelId="{DFCCC5D2-772A-4CC7-B7A5-BE236F80F4D4}">
-      <dsp:nvSpPr>
-        <dsp:cNvPr id="0" name=""/>
-        <dsp:cNvSpPr/>
-      </dsp:nvSpPr>
-      <dsp:spPr>
-        <a:xfrm>
-          <a:off x="6642839" y="87507"/>
-          <a:ext cx="1988090" cy="608411"/>
-        </a:xfrm>
-        <a:prstGeom prst="rect">
-          <a:avLst/>
-        </a:prstGeom>
-        <a:solidFill>
-          <a:schemeClr val="accent5">
-            <a:hueOff val="0"/>
-            <a:satOff val="0"/>
-            <a:lumOff val="0"/>
-            <a:alphaOff val="0"/>
-          </a:schemeClr>
-        </a:solidFill>
-        <a:ln w="25400" cap="flat" cmpd="sng" algn="ctr">
-          <a:solidFill>
-            <a:schemeClr val="accent5">
-              <a:hueOff val="0"/>
-              <a:satOff val="0"/>
-              <a:lumOff val="0"/>
-              <a:alphaOff val="0"/>
-            </a:schemeClr>
-          </a:solidFill>
-          <a:prstDash val="solid"/>
-        </a:ln>
-        <a:effectLst/>
-      </dsp:spPr>
-      <dsp:style>
-        <a:lnRef idx="2">
-          <a:scrgbClr r="0" g="0" b="0"/>
-        </a:lnRef>
-        <a:fillRef idx="1">
-          <a:scrgbClr r="0" g="0" b="0"/>
-        </a:fillRef>
-        <a:effectRef idx="0">
-          <a:scrgbClr r="0" g="0" b="0"/>
-        </a:effectRef>
-        <a:fontRef idx="minor">
-          <a:schemeClr val="lt1"/>
-        </a:fontRef>
-      </dsp:style>
-      <dsp:txBody>
-        <a:bodyPr spcFirstLastPara="0" vert="horz" wrap="square" lIns="99568" tIns="56896" rIns="99568" bIns="56896" numCol="1" spcCol="1270" anchor="ctr" anchorCtr="0">
-          <a:noAutofit/>
-        </a:bodyPr>
-        <a:lstStyle/>
-        <a:p>
-          <a:pPr marL="0" lvl="0" indent="0" algn="ctr" defTabSz="622300">
-            <a:lnSpc>
-              <a:spcPct val="90000"/>
-            </a:lnSpc>
-            <a:spcBef>
-              <a:spcPct val="0"/>
-            </a:spcBef>
-            <a:spcAft>
-              <a:spcPct val="35000"/>
-            </a:spcAft>
-            <a:buNone/>
-          </a:pPr>
-          <a:r>
-            <a:rPr lang="es-CO" sz="1400" b="1" kern="1200" dirty="0"/>
-            <a:t>Estudios Aplicados</a:t>
-          </a:r>
-          <a:endParaRPr lang="en-US" sz="1400" b="1" kern="1200" dirty="0"/>
-        </a:p>
-      </dsp:txBody>
-      <dsp:txXfrm>
-        <a:off x="6642839" y="87507"/>
-        <a:ext cx="1988090" cy="608411"/>
-      </dsp:txXfrm>
-    </dsp:sp>
-    <dsp:sp modelId="{4EB6F09F-196C-40CF-8745-F01952ACC4D5}">
-      <dsp:nvSpPr>
-        <dsp:cNvPr id="0" name=""/>
-        <dsp:cNvSpPr/>
-      </dsp:nvSpPr>
-      <dsp:spPr>
-        <a:xfrm>
-          <a:off x="6636565" y="695918"/>
-          <a:ext cx="2000639" cy="2960990"/>
-        </a:xfrm>
-        <a:prstGeom prst="rect">
-          <a:avLst/>
-        </a:prstGeom>
-        <a:solidFill>
-          <a:schemeClr val="accent5">
-            <a:tint val="40000"/>
-            <a:alpha val="90000"/>
-            <a:hueOff val="0"/>
-            <a:satOff val="0"/>
-            <a:lumOff val="0"/>
-            <a:alphaOff val="0"/>
-          </a:schemeClr>
-        </a:solidFill>
-        <a:ln w="25400" cap="flat" cmpd="sng" algn="ctr">
-          <a:solidFill>
-            <a:schemeClr val="accent5">
-              <a:tint val="40000"/>
-              <a:alpha val="90000"/>
-              <a:hueOff val="0"/>
-              <a:satOff val="0"/>
-              <a:lumOff val="0"/>
-              <a:alphaOff val="0"/>
-            </a:schemeClr>
-          </a:solidFill>
-          <a:prstDash val="solid"/>
-        </a:ln>
-        <a:effectLst/>
-      </dsp:spPr>
-      <dsp:style>
-        <a:lnRef idx="2">
-          <a:scrgbClr r="0" g="0" b="0"/>
-        </a:lnRef>
-        <a:fillRef idx="1">
-          <a:scrgbClr r="0" g="0" b="0"/>
-        </a:fillRef>
-        <a:effectRef idx="0">
-          <a:scrgbClr r="0" g="0" b="0"/>
-        </a:effectRef>
-        <a:fontRef idx="minor"/>
-      </dsp:style>
-      <dsp:txBody>
-        <a:bodyPr spcFirstLastPara="0" vert="horz" wrap="square" lIns="74676" tIns="74676" rIns="99568" bIns="112014" numCol="1" spcCol="1270" anchor="t" anchorCtr="0">
-          <a:noAutofit/>
-        </a:bodyPr>
-        <a:lstStyle/>
-        <a:p>
-          <a:pPr marL="114300" lvl="1" indent="-114300" algn="l" defTabSz="622300">
-            <a:lnSpc>
-              <a:spcPct val="90000"/>
-            </a:lnSpc>
-            <a:spcBef>
-              <a:spcPct val="0"/>
-            </a:spcBef>
-            <a:spcAft>
-              <a:spcPct val="15000"/>
-            </a:spcAft>
-            <a:buChar char="•"/>
-          </a:pPr>
-          <a:r>
-            <a:rPr lang="es-ES_tradnl" sz="1400" b="0" kern="1200" dirty="0"/>
-            <a:t>Estudio Legal</a:t>
-          </a:r>
-          <a:endParaRPr lang="en-US" sz="1400" b="0" kern="1200" dirty="0"/>
-        </a:p>
-        <a:p>
-          <a:pPr marL="114300" lvl="1" indent="-114300" algn="l" defTabSz="622300">
-            <a:lnSpc>
-              <a:spcPct val="90000"/>
-            </a:lnSpc>
-            <a:spcBef>
-              <a:spcPct val="0"/>
-            </a:spcBef>
-            <a:spcAft>
-              <a:spcPct val="15000"/>
-            </a:spcAft>
-            <a:buChar char="•"/>
-          </a:pPr>
-          <a:r>
-            <a:rPr lang="es-ES_tradnl" sz="1400" b="0" kern="1200" dirty="0"/>
-            <a:t>Estudio de Mercado</a:t>
-          </a:r>
-          <a:endParaRPr lang="en-US" sz="1400" b="0" kern="1200" dirty="0"/>
-        </a:p>
-        <a:p>
-          <a:pPr marL="114300" lvl="1" indent="-114300" algn="l" defTabSz="622300">
-            <a:lnSpc>
-              <a:spcPct val="90000"/>
-            </a:lnSpc>
-            <a:spcBef>
-              <a:spcPct val="0"/>
-            </a:spcBef>
-            <a:spcAft>
-              <a:spcPct val="15000"/>
-            </a:spcAft>
-            <a:buChar char="•"/>
-          </a:pPr>
-          <a:r>
-            <a:rPr lang="es-ES_tradnl" sz="1400" b="0" kern="1200" dirty="0"/>
-            <a:t>Estudio Financiero</a:t>
-          </a:r>
-          <a:endParaRPr lang="en-US" sz="1400" b="0" kern="1200" dirty="0"/>
-        </a:p>
-        <a:p>
-          <a:pPr marL="114300" lvl="1" indent="-114300" algn="l" defTabSz="622300">
-            <a:lnSpc>
-              <a:spcPct val="90000"/>
-            </a:lnSpc>
-            <a:spcBef>
-              <a:spcPct val="0"/>
-            </a:spcBef>
-            <a:spcAft>
-              <a:spcPct val="15000"/>
-            </a:spcAft>
-            <a:buChar char="•"/>
-          </a:pPr>
-          <a:r>
-            <a:rPr lang="es-ES_tradnl" sz="1400" b="0" kern="1200" dirty="0"/>
-            <a:t>Estudio Ambiental</a:t>
-          </a:r>
-          <a:endParaRPr lang="en-US" sz="1400" b="0" kern="1200" dirty="0"/>
-        </a:p>
-      </dsp:txBody>
-      <dsp:txXfrm>
-        <a:off x="6636565" y="695918"/>
-        <a:ext cx="2000639" cy="2960990"/>
-      </dsp:txXfrm>
-    </dsp:sp>
   </dsp:spTree>
 </dsp:drawing>
 </file>
@@ -7635,7 +7852,7 @@
         </a:bodyPr>
         <a:lstStyle/>
         <a:p>
-          <a:pPr marL="0" lvl="0" indent="0" algn="ctr" defTabSz="466725">
+          <a:pPr lvl="0" algn="ctr" defTabSz="466725">
             <a:lnSpc>
               <a:spcPct val="90000"/>
             </a:lnSpc>
@@ -7645,7 +7862,6 @@
             <a:spcAft>
               <a:spcPct val="35000"/>
             </a:spcAft>
-            <a:buNone/>
           </a:pPr>
           <a:endParaRPr lang="en-US" sz="1050" kern="1200"/>
         </a:p>
@@ -7718,7 +7934,7 @@
             <a:spcAft>
               <a:spcPct val="15000"/>
             </a:spcAft>
-            <a:buChar char="•"/>
+            <a:buChar char="••"/>
           </a:pPr>
           <a:r>
             <a:rPr lang="en-US" sz="2000" kern="1200" dirty="0"/>
@@ -7790,7 +8006,7 @@
         </a:bodyPr>
         <a:lstStyle/>
         <a:p>
-          <a:pPr marL="0" lvl="0" indent="0" algn="ctr" defTabSz="466725">
+          <a:pPr lvl="0" algn="ctr" defTabSz="466725">
             <a:lnSpc>
               <a:spcPct val="90000"/>
             </a:lnSpc>
@@ -7800,7 +8016,6 @@
             <a:spcAft>
               <a:spcPct val="35000"/>
             </a:spcAft>
-            <a:buNone/>
           </a:pPr>
           <a:endParaRPr lang="en-US" sz="1050" kern="1200"/>
         </a:p>
@@ -7873,7 +8088,7 @@
             <a:spcAft>
               <a:spcPct val="15000"/>
             </a:spcAft>
-            <a:buChar char="•"/>
+            <a:buChar char="••"/>
           </a:pPr>
           <a:r>
             <a:rPr lang="es-CO" sz="2000" kern="1200" noProof="0" dirty="0"/>
@@ -7944,7 +8159,7 @@
         </a:bodyPr>
         <a:lstStyle/>
         <a:p>
-          <a:pPr marL="0" lvl="0" indent="0" algn="ctr" defTabSz="466725">
+          <a:pPr lvl="0" algn="ctr" defTabSz="466725">
             <a:lnSpc>
               <a:spcPct val="90000"/>
             </a:lnSpc>
@@ -7954,7 +8169,6 @@
             <a:spcAft>
               <a:spcPct val="35000"/>
             </a:spcAft>
-            <a:buNone/>
           </a:pPr>
           <a:endParaRPr lang="en-US" sz="1050" kern="1200"/>
         </a:p>
@@ -8027,7 +8241,7 @@
             <a:spcAft>
               <a:spcPct val="15000"/>
             </a:spcAft>
-            <a:buChar char="•"/>
+            <a:buChar char="••"/>
           </a:pPr>
           <a:r>
             <a:rPr lang="en-US" sz="2000" kern="1200" dirty="0"/>
@@ -8102,7 +8316,7 @@
         </a:bodyPr>
         <a:lstStyle/>
         <a:p>
-          <a:pPr marL="0" lvl="0" indent="0" algn="ctr" defTabSz="466725">
+          <a:pPr lvl="0" algn="ctr" defTabSz="466725">
             <a:lnSpc>
               <a:spcPct val="90000"/>
             </a:lnSpc>
@@ -8112,7 +8326,6 @@
             <a:spcAft>
               <a:spcPct val="35000"/>
             </a:spcAft>
-            <a:buNone/>
           </a:pPr>
           <a:endParaRPr lang="en-US" sz="1050" kern="1200"/>
         </a:p>
@@ -8185,7 +8398,7 @@
             <a:spcAft>
               <a:spcPct val="15000"/>
             </a:spcAft>
-            <a:buChar char="•"/>
+            <a:buChar char="••"/>
           </a:pPr>
           <a:r>
             <a:rPr lang="en-US" sz="2000" kern="1200" dirty="0"/>
@@ -8252,7 +8465,7 @@
         </a:bodyPr>
         <a:lstStyle/>
         <a:p>
-          <a:pPr marL="0" lvl="0" indent="0" algn="ctr" defTabSz="466725">
+          <a:pPr lvl="0" algn="ctr" defTabSz="466725">
             <a:lnSpc>
               <a:spcPct val="90000"/>
             </a:lnSpc>
@@ -8262,7 +8475,6 @@
             <a:spcAft>
               <a:spcPct val="35000"/>
             </a:spcAft>
-            <a:buNone/>
           </a:pPr>
           <a:endParaRPr lang="en-US" sz="1050" kern="1200"/>
         </a:p>
@@ -8335,7 +8547,7 @@
             <a:spcAft>
               <a:spcPct val="15000"/>
             </a:spcAft>
-            <a:buChar char="•"/>
+            <a:buChar char="••"/>
           </a:pPr>
           <a:r>
             <a:rPr lang="en-US" sz="2000" kern="1200" dirty="0"/>
@@ -8402,7 +8614,7 @@
         </a:bodyPr>
         <a:lstStyle/>
         <a:p>
-          <a:pPr marL="0" lvl="0" indent="0" algn="ctr" defTabSz="466725">
+          <a:pPr lvl="0" algn="ctr" defTabSz="466725">
             <a:lnSpc>
               <a:spcPct val="90000"/>
             </a:lnSpc>
@@ -8412,7 +8624,6 @@
             <a:spcAft>
               <a:spcPct val="35000"/>
             </a:spcAft>
-            <a:buNone/>
           </a:pPr>
           <a:endParaRPr lang="en-US" sz="1050" kern="1200"/>
         </a:p>
@@ -8485,7 +8696,7 @@
             <a:spcAft>
               <a:spcPct val="15000"/>
             </a:spcAft>
-            <a:buChar char="•"/>
+            <a:buChar char="••"/>
           </a:pPr>
           <a:r>
             <a:rPr lang="en-US" sz="2000" kern="1200" dirty="0"/>
@@ -8552,7 +8763,7 @@
         </a:bodyPr>
         <a:lstStyle/>
         <a:p>
-          <a:pPr marL="0" lvl="0" indent="0" algn="ctr" defTabSz="466725">
+          <a:pPr lvl="0" algn="ctr" defTabSz="466725">
             <a:lnSpc>
               <a:spcPct val="90000"/>
             </a:lnSpc>
@@ -8562,7 +8773,6 @@
             <a:spcAft>
               <a:spcPct val="35000"/>
             </a:spcAft>
-            <a:buNone/>
           </a:pPr>
           <a:endParaRPr lang="en-US" sz="1050" kern="1200"/>
         </a:p>
@@ -8635,7 +8845,7 @@
             <a:spcAft>
               <a:spcPct val="15000"/>
             </a:spcAft>
-            <a:buChar char="•"/>
+            <a:buChar char="••"/>
           </a:pPr>
           <a:r>
             <a:rPr lang="en-US" sz="2000" kern="1200" dirty="0"/>
@@ -8702,7 +8912,7 @@
         </a:bodyPr>
         <a:lstStyle/>
         <a:p>
-          <a:pPr marL="0" lvl="0" indent="0" algn="ctr" defTabSz="466725">
+          <a:pPr lvl="0" algn="ctr" defTabSz="466725">
             <a:lnSpc>
               <a:spcPct val="90000"/>
             </a:lnSpc>
@@ -8712,7 +8922,6 @@
             <a:spcAft>
               <a:spcPct val="35000"/>
             </a:spcAft>
-            <a:buNone/>
           </a:pPr>
           <a:endParaRPr lang="en-US" sz="1050" kern="1200"/>
         </a:p>
@@ -8785,7 +8994,7 @@
             <a:spcAft>
               <a:spcPct val="15000"/>
             </a:spcAft>
-            <a:buChar char="•"/>
+            <a:buChar char="••"/>
           </a:pPr>
           <a:r>
             <a:rPr lang="en-US" sz="2000" kern="1200" dirty="0"/>
@@ -8852,7 +9061,7 @@
         </a:bodyPr>
         <a:lstStyle/>
         <a:p>
-          <a:pPr marL="0" lvl="0" indent="0" algn="ctr" defTabSz="466725">
+          <a:pPr lvl="0" algn="ctr" defTabSz="466725">
             <a:lnSpc>
               <a:spcPct val="90000"/>
             </a:lnSpc>
@@ -8862,7 +9071,6 @@
             <a:spcAft>
               <a:spcPct val="35000"/>
             </a:spcAft>
-            <a:buNone/>
           </a:pPr>
           <a:endParaRPr lang="en-US" sz="1050" kern="1200"/>
         </a:p>
@@ -8935,7 +9143,7 @@
             <a:spcAft>
               <a:spcPct val="15000"/>
             </a:spcAft>
-            <a:buChar char="•"/>
+            <a:buChar char="••"/>
           </a:pPr>
           <a:r>
             <a:rPr lang="en-US" sz="2000" kern="1200" dirty="0"/>
@@ -8960,69 +9168,23 @@
       <dsp:cNvGrpSpPr/>
     </dsp:nvGrpSpPr>
     <dsp:grpSpPr/>
-    <dsp:sp modelId="{793C8ADD-3FD1-4639-AF77-6A208996CD53}">
+    <dsp:sp modelId="{DBB5D54D-58D2-4A0B-8FD4-2293C679B9A8}">
       <dsp:nvSpPr>
         <dsp:cNvPr id="0" name=""/>
         <dsp:cNvSpPr/>
       </dsp:nvSpPr>
       <dsp:spPr>
         <a:xfrm>
-          <a:off x="0" y="369411"/>
-          <a:ext cx="7583211" cy="529200"/>
+          <a:off x="1755" y="0"/>
+          <a:ext cx="1840206" cy="5414786"/>
         </a:xfrm>
-        <a:prstGeom prst="rect">
-          <a:avLst/>
+        <a:prstGeom prst="roundRect">
+          <a:avLst>
+            <a:gd name="adj" fmla="val 10000"/>
+          </a:avLst>
         </a:prstGeom>
         <a:solidFill>
-          <a:schemeClr val="lt1">
-            <a:alpha val="90000"/>
-            <a:hueOff val="0"/>
-            <a:satOff val="0"/>
-            <a:lumOff val="0"/>
-            <a:alphaOff val="0"/>
-          </a:schemeClr>
-        </a:solidFill>
-        <a:ln w="25400" cap="flat" cmpd="sng" algn="ctr">
-          <a:solidFill>
-            <a:schemeClr val="accent4">
-              <a:hueOff val="0"/>
-              <a:satOff val="0"/>
-              <a:lumOff val="0"/>
-              <a:alphaOff val="0"/>
-            </a:schemeClr>
-          </a:solidFill>
-          <a:prstDash val="solid"/>
-        </a:ln>
-        <a:effectLst/>
-      </dsp:spPr>
-      <dsp:style>
-        <a:lnRef idx="2">
-          <a:scrgbClr r="0" g="0" b="0"/>
-        </a:lnRef>
-        <a:fillRef idx="1">
-          <a:scrgbClr r="0" g="0" b="0"/>
-        </a:fillRef>
-        <a:effectRef idx="0">
-          <a:scrgbClr r="0" g="0" b="0"/>
-        </a:effectRef>
-        <a:fontRef idx="minor"/>
-      </dsp:style>
-    </dsp:sp>
-    <dsp:sp modelId="{92742DCE-3D34-455E-BF95-EE9F0707F0A0}">
-      <dsp:nvSpPr>
-        <dsp:cNvPr id="0" name=""/>
-        <dsp:cNvSpPr/>
-      </dsp:nvSpPr>
-      <dsp:spPr>
-        <a:xfrm>
-          <a:off x="379160" y="59451"/>
-          <a:ext cx="5308247" cy="619920"/>
-        </a:xfrm>
-        <a:prstGeom prst="roundRect">
-          <a:avLst/>
-        </a:prstGeom>
-        <a:solidFill>
-          <a:schemeClr val="accent4">
+          <a:schemeClr val="accent5">
             <a:hueOff val="0"/>
             <a:satOff val="0"/>
             <a:lumOff val="0"/>
@@ -9057,12 +9219,12 @@
         </a:fontRef>
       </dsp:style>
       <dsp:txBody>
-        <a:bodyPr spcFirstLastPara="0" vert="horz" wrap="square" lIns="200639" tIns="0" rIns="200639" bIns="0" numCol="1" spcCol="1270" anchor="ctr" anchorCtr="0">
+        <a:bodyPr spcFirstLastPara="0" vert="horz" wrap="square" lIns="135128" tIns="135128" rIns="135128" bIns="135128" numCol="1" spcCol="1270" anchor="ctr" anchorCtr="0">
           <a:noAutofit/>
         </a:bodyPr>
         <a:lstStyle/>
         <a:p>
-          <a:pPr marL="0" lvl="0" indent="0" algn="l" defTabSz="1066800">
+          <a:pPr lvl="0" algn="ctr" defTabSz="844550">
             <a:lnSpc>
               <a:spcPct val="90000"/>
             </a:lnSpc>
@@ -9072,36 +9234,89 @@
             <a:spcAft>
               <a:spcPct val="35000"/>
             </a:spcAft>
-            <a:buNone/>
           </a:pPr>
           <a:r>
-            <a:rPr lang="es-CO" sz="2400" b="1" kern="1200" dirty="0"/>
-            <a:t>Capacitación Especializada</a:t>
+            <a:rPr lang="es-CO" sz="1900" b="1" kern="1200" dirty="0" smtClean="0"/>
+            <a:t>Temperatura &amp; Humedad</a:t>
           </a:r>
-          <a:endParaRPr lang="en-US" sz="2400" kern="1200" dirty="0"/>
+        </a:p>
+        <a:p>
+          <a:pPr lvl="0" algn="ctr" defTabSz="844550">
+            <a:lnSpc>
+              <a:spcPct val="90000"/>
+            </a:lnSpc>
+            <a:spcBef>
+              <a:spcPct val="0"/>
+            </a:spcBef>
+            <a:spcAft>
+              <a:spcPct val="35000"/>
+            </a:spcAft>
+          </a:pPr>
+          <a:r>
+            <a:rPr lang="es-CO" sz="1900" kern="1200" dirty="0" smtClean="0"/>
+            <a:t>T=24°C                + </a:t>
+          </a:r>
+          <a:r>
+            <a:rPr lang="es-CO" sz="1900" kern="1200" dirty="0" err="1" smtClean="0"/>
+            <a:t>ó</a:t>
+          </a:r>
+          <a:r>
+            <a:rPr lang="es-CO" sz="1900" kern="1200" dirty="0" smtClean="0"/>
+            <a:t> – 3°C</a:t>
+          </a:r>
+        </a:p>
+        <a:p>
+          <a:pPr lvl="0" algn="ctr" defTabSz="844550">
+            <a:lnSpc>
+              <a:spcPct val="90000"/>
+            </a:lnSpc>
+            <a:spcBef>
+              <a:spcPct val="0"/>
+            </a:spcBef>
+            <a:spcAft>
+              <a:spcPct val="35000"/>
+            </a:spcAft>
+          </a:pPr>
+          <a:r>
+            <a:rPr lang="es-CO" sz="1900" kern="1200" dirty="0" smtClean="0"/>
+            <a:t>H=55%                 </a:t>
+          </a:r>
+          <a:r>
+            <a:rPr lang="es-CO" sz="1900" kern="1200" dirty="0" smtClean="0"/>
+            <a:t>+ </a:t>
+          </a:r>
+          <a:r>
+            <a:rPr lang="es-CO" sz="1900" kern="1200" dirty="0" err="1" smtClean="0"/>
+            <a:t>ó</a:t>
+          </a:r>
+          <a:r>
+            <a:rPr lang="es-CO" sz="1900" kern="1200" dirty="0" smtClean="0"/>
+            <a:t> – 3°C</a:t>
+          </a:r>
+          <a:endParaRPr lang="es-CO" sz="1900" kern="1200" dirty="0"/>
         </a:p>
       </dsp:txBody>
       <dsp:txXfrm>
-        <a:off x="409422" y="89713"/>
-        <a:ext cx="5247723" cy="559396"/>
+        <a:off x="1755" y="2165914"/>
+        <a:ext cx="1840206" cy="2165914"/>
       </dsp:txXfrm>
     </dsp:sp>
-    <dsp:sp modelId="{6E9FEB2B-9A88-44E5-83F0-39ECFC6BA07C}">
+    <dsp:sp modelId="{14BE5342-0FA7-4B5A-A5FF-ED916D1C9B4E}">
       <dsp:nvSpPr>
         <dsp:cNvPr id="0" name=""/>
         <dsp:cNvSpPr/>
       </dsp:nvSpPr>
       <dsp:spPr>
         <a:xfrm>
-          <a:off x="0" y="1321971"/>
-          <a:ext cx="7583211" cy="529200"/>
+          <a:off x="56961" y="324887"/>
+          <a:ext cx="1729793" cy="1803123"/>
         </a:xfrm>
-        <a:prstGeom prst="rect">
+        <a:prstGeom prst="ellipse">
           <a:avLst/>
         </a:prstGeom>
         <a:solidFill>
-          <a:schemeClr val="lt1">
-            <a:alpha val="90000"/>
+          <a:schemeClr val="accent5">
+            <a:tint val="50000"/>
             <a:hueOff val="0"/>
             <a:satOff val="0"/>
             <a:lumOff val="0"/>
@@ -9110,10 +9325,10 @@
         </a:solidFill>
         <a:ln w="25400" cap="flat" cmpd="sng" algn="ctr">
           <a:solidFill>
-            <a:schemeClr val="accent4">
-              <a:hueOff val="-1116192"/>
-              <a:satOff val="6725"/>
-              <a:lumOff val="539"/>
+            <a:schemeClr val="lt1">
+              <a:hueOff val="0"/>
+              <a:satOff val="0"/>
+              <a:lumOff val="0"/>
               <a:alphaOff val="0"/>
             </a:schemeClr>
           </a:solidFill>
@@ -9134,24 +9349,26 @@
         <a:fontRef idx="minor"/>
       </dsp:style>
     </dsp:sp>
-    <dsp:sp modelId="{1A3C3166-884D-4BCD-A480-75B8848B1F5E}">
+    <dsp:sp modelId="{9B0A5111-96FC-4B26-B50B-7D5A0A424683}">
       <dsp:nvSpPr>
         <dsp:cNvPr id="0" name=""/>
         <dsp:cNvSpPr/>
       </dsp:nvSpPr>
       <dsp:spPr>
         <a:xfrm>
-          <a:off x="379160" y="1012011"/>
-          <a:ext cx="5308247" cy="619920"/>
+          <a:off x="1897168" y="0"/>
+          <a:ext cx="1840206" cy="5414786"/>
         </a:xfrm>
         <a:prstGeom prst="roundRect">
-          <a:avLst/>
+          <a:avLst>
+            <a:gd name="adj" fmla="val 10000"/>
+          </a:avLst>
         </a:prstGeom>
         <a:solidFill>
-          <a:schemeClr val="accent4">
-            <a:hueOff val="-1116192"/>
-            <a:satOff val="6725"/>
-            <a:lumOff val="539"/>
+          <a:schemeClr val="accent5">
+            <a:hueOff val="-3311292"/>
+            <a:satOff val="13270"/>
+            <a:lumOff val="2876"/>
             <a:alphaOff val="0"/>
           </a:schemeClr>
         </a:solidFill>
@@ -9183,12 +9400,12 @@
         </a:fontRef>
       </dsp:style>
       <dsp:txBody>
-        <a:bodyPr spcFirstLastPara="0" vert="horz" wrap="square" lIns="200639" tIns="0" rIns="200639" bIns="0" numCol="1" spcCol="1270" anchor="ctr" anchorCtr="0">
+        <a:bodyPr spcFirstLastPara="0" vert="horz" wrap="square" lIns="135128" tIns="135128" rIns="135128" bIns="135128" numCol="1" spcCol="1270" anchor="ctr" anchorCtr="0">
           <a:noAutofit/>
         </a:bodyPr>
         <a:lstStyle/>
         <a:p>
-          <a:pPr marL="0" lvl="0" indent="0" algn="l" defTabSz="1066800">
+          <a:pPr lvl="0" algn="ctr" defTabSz="844550">
             <a:lnSpc>
               <a:spcPct val="90000"/>
             </a:lnSpc>
@@ -9198,48 +9415,84 @@
             <a:spcAft>
               <a:spcPct val="35000"/>
             </a:spcAft>
-            <a:buNone/>
           </a:pPr>
           <a:r>
-            <a:rPr lang="es-CO" sz="2400" b="1" kern="1200" dirty="0"/>
-            <a:t>Soporte Técnico</a:t>
+            <a:rPr lang="es-CO" sz="1900" b="1" kern="1200" dirty="0" smtClean="0"/>
+            <a:t>Ubicación</a:t>
           </a:r>
-          <a:endParaRPr lang="en-US" sz="2400" kern="1200" dirty="0"/>
+        </a:p>
+        <a:p>
+          <a:pPr lvl="0" algn="ctr" defTabSz="844550">
+            <a:lnSpc>
+              <a:spcPct val="90000"/>
+            </a:lnSpc>
+            <a:spcBef>
+              <a:spcPct val="0"/>
+            </a:spcBef>
+            <a:spcAft>
+              <a:spcPct val="35000"/>
+            </a:spcAft>
+          </a:pPr>
+          <a:r>
+            <a:rPr lang="es-CO" sz="1900" kern="1200" dirty="0" err="1" smtClean="0"/>
+            <a:t>Cabinet</a:t>
+          </a:r>
+          <a:r>
+            <a:rPr lang="es-CO" sz="1900" kern="1200" dirty="0" smtClean="0"/>
+            <a:t> Cerrado</a:t>
+          </a:r>
+        </a:p>
+        <a:p>
+          <a:pPr lvl="0" algn="ctr" defTabSz="844550">
+            <a:lnSpc>
+              <a:spcPct val="90000"/>
+            </a:lnSpc>
+            <a:spcBef>
+              <a:spcPct val="0"/>
+            </a:spcBef>
+            <a:spcAft>
+              <a:spcPct val="35000"/>
+            </a:spcAft>
+          </a:pPr>
+          <a:r>
+            <a:rPr lang="es-CO" sz="1900" kern="1200" dirty="0" smtClean="0"/>
+            <a:t>2RU</a:t>
+          </a:r>
         </a:p>
       </dsp:txBody>
       <dsp:txXfrm>
-        <a:off x="409422" y="1042273"/>
-        <a:ext cx="5247723" cy="559396"/>
+        <a:off x="1897168" y="2165914"/>
+        <a:ext cx="1840206" cy="2165914"/>
       </dsp:txXfrm>
     </dsp:sp>
-    <dsp:sp modelId="{56F8E793-C0E9-4431-9BFD-9E7CEF0C5902}">
+    <dsp:sp modelId="{1A92865D-E14C-48DA-BF86-D40248818F3C}">
       <dsp:nvSpPr>
         <dsp:cNvPr id="0" name=""/>
         <dsp:cNvSpPr/>
       </dsp:nvSpPr>
       <dsp:spPr>
         <a:xfrm>
-          <a:off x="0" y="2274531"/>
-          <a:ext cx="7583211" cy="529200"/>
+          <a:off x="1952374" y="324887"/>
+          <a:ext cx="1729793" cy="1803123"/>
         </a:xfrm>
-        <a:prstGeom prst="rect">
+        <a:prstGeom prst="ellipse">
           <a:avLst/>
         </a:prstGeom>
         <a:solidFill>
-          <a:schemeClr val="lt1">
-            <a:alpha val="90000"/>
-            <a:hueOff val="0"/>
-            <a:satOff val="0"/>
-            <a:lumOff val="0"/>
+          <a:schemeClr val="accent5">
+            <a:tint val="50000"/>
+            <a:hueOff val="-3560789"/>
+            <a:satOff val="15872"/>
+            <a:lumOff val="1402"/>
             <a:alphaOff val="0"/>
           </a:schemeClr>
         </a:solidFill>
         <a:ln w="25400" cap="flat" cmpd="sng" algn="ctr">
           <a:solidFill>
-            <a:schemeClr val="accent4">
-              <a:hueOff val="-2232385"/>
-              <a:satOff val="13449"/>
-              <a:lumOff val="1078"/>
+            <a:schemeClr val="lt1">
+              <a:hueOff val="0"/>
+              <a:satOff val="0"/>
+              <a:lumOff val="0"/>
               <a:alphaOff val="0"/>
             </a:schemeClr>
           </a:solidFill>
@@ -9260,24 +9513,26 @@
         <a:fontRef idx="minor"/>
       </dsp:style>
     </dsp:sp>
-    <dsp:sp modelId="{25B1983F-25BA-4293-AA96-88EA2B55D481}">
+    <dsp:sp modelId="{014D5C6C-26E0-4039-B584-756A1BA7E8FC}">
       <dsp:nvSpPr>
         <dsp:cNvPr id="0" name=""/>
         <dsp:cNvSpPr/>
       </dsp:nvSpPr>
       <dsp:spPr>
         <a:xfrm>
-          <a:off x="379160" y="1964571"/>
-          <a:ext cx="5308247" cy="619920"/>
+          <a:off x="3792580" y="0"/>
+          <a:ext cx="1840206" cy="5414786"/>
         </a:xfrm>
         <a:prstGeom prst="roundRect">
-          <a:avLst/>
+          <a:avLst>
+            <a:gd name="adj" fmla="val 10000"/>
+          </a:avLst>
         </a:prstGeom>
         <a:solidFill>
-          <a:schemeClr val="accent4">
-            <a:hueOff val="-2232385"/>
-            <a:satOff val="13449"/>
-            <a:lumOff val="1078"/>
+          <a:schemeClr val="accent5">
+            <a:hueOff val="-6622584"/>
+            <a:satOff val="26541"/>
+            <a:lumOff val="5752"/>
             <a:alphaOff val="0"/>
           </a:schemeClr>
         </a:solidFill>
@@ -9309,12 +9564,12 @@
         </a:fontRef>
       </dsp:style>
       <dsp:txBody>
-        <a:bodyPr spcFirstLastPara="0" vert="horz" wrap="square" lIns="200639" tIns="0" rIns="200639" bIns="0" numCol="1" spcCol="1270" anchor="ctr" anchorCtr="0">
+        <a:bodyPr spcFirstLastPara="0" vert="horz" wrap="square" lIns="135128" tIns="135128" rIns="135128" bIns="135128" numCol="1" spcCol="1270" anchor="ctr" anchorCtr="0">
           <a:noAutofit/>
         </a:bodyPr>
         <a:lstStyle/>
         <a:p>
-          <a:pPr marL="0" lvl="0" indent="0" algn="l" defTabSz="1066800">
+          <a:pPr lvl="0" algn="ctr" defTabSz="844550">
             <a:lnSpc>
               <a:spcPct val="90000"/>
             </a:lnSpc>
@@ -9324,48 +9579,81 @@
             <a:spcAft>
               <a:spcPct val="35000"/>
             </a:spcAft>
-            <a:buNone/>
           </a:pPr>
           <a:r>
-            <a:rPr lang="es-CO" sz="2400" b="1" kern="1200" dirty="0"/>
-            <a:t>Pólizas de Soporte</a:t>
+            <a:rPr lang="es-CO" sz="1900" b="1" kern="1200" dirty="0" smtClean="0"/>
+            <a:t>Alimentación</a:t>
           </a:r>
-          <a:endParaRPr lang="en-US" sz="2400" kern="1200" dirty="0"/>
+        </a:p>
+        <a:p>
+          <a:pPr lvl="0" algn="ctr" defTabSz="844550">
+            <a:lnSpc>
+              <a:spcPct val="90000"/>
+            </a:lnSpc>
+            <a:spcBef>
+              <a:spcPct val="0"/>
+            </a:spcBef>
+            <a:spcAft>
+              <a:spcPct val="35000"/>
+            </a:spcAft>
+          </a:pPr>
+          <a:r>
+            <a:rPr lang="es-CO" sz="1900" kern="1200" dirty="0" smtClean="0"/>
+            <a:t>2 circuitos DC </a:t>
+          </a:r>
+        </a:p>
+        <a:p>
+          <a:pPr lvl="0" algn="ctr" defTabSz="844550">
+            <a:lnSpc>
+              <a:spcPct val="90000"/>
+            </a:lnSpc>
+            <a:spcBef>
+              <a:spcPct val="0"/>
+            </a:spcBef>
+            <a:spcAft>
+              <a:spcPct val="35000"/>
+            </a:spcAft>
+          </a:pPr>
+          <a:r>
+            <a:rPr lang="es-CO" sz="1900" kern="1200" dirty="0" smtClean="0"/>
+            <a:t>Redundantes </a:t>
+          </a:r>
+          <a:endParaRPr lang="es-CO" sz="1900" kern="1200" dirty="0"/>
         </a:p>
       </dsp:txBody>
       <dsp:txXfrm>
-        <a:off x="409422" y="1994833"/>
-        <a:ext cx="5247723" cy="559396"/>
+        <a:off x="3792580" y="2165914"/>
+        <a:ext cx="1840206" cy="2165914"/>
       </dsp:txXfrm>
     </dsp:sp>
-    <dsp:sp modelId="{942072AA-ECDF-4706-B9F4-C0B56FAF26BB}">
+    <dsp:sp modelId="{40FCFD72-7315-4A89-8E6C-1AEE656B241B}">
       <dsp:nvSpPr>
         <dsp:cNvPr id="0" name=""/>
         <dsp:cNvSpPr/>
       </dsp:nvSpPr>
       <dsp:spPr>
         <a:xfrm>
-          <a:off x="0" y="3227092"/>
-          <a:ext cx="7583211" cy="529200"/>
+          <a:off x="3847786" y="324887"/>
+          <a:ext cx="1729793" cy="1803123"/>
         </a:xfrm>
-        <a:prstGeom prst="rect">
+        <a:prstGeom prst="ellipse">
           <a:avLst/>
         </a:prstGeom>
         <a:solidFill>
-          <a:schemeClr val="lt1">
-            <a:alpha val="90000"/>
-            <a:hueOff val="0"/>
-            <a:satOff val="0"/>
-            <a:lumOff val="0"/>
+          <a:schemeClr val="accent5">
+            <a:tint val="50000"/>
+            <a:hueOff val="-7121577"/>
+            <a:satOff val="31745"/>
+            <a:lumOff val="2805"/>
             <a:alphaOff val="0"/>
           </a:schemeClr>
         </a:solidFill>
         <a:ln w="25400" cap="flat" cmpd="sng" algn="ctr">
           <a:solidFill>
-            <a:schemeClr val="accent4">
-              <a:hueOff val="-3348577"/>
-              <a:satOff val="20174"/>
-              <a:lumOff val="1617"/>
+            <a:schemeClr val="lt1">
+              <a:hueOff val="0"/>
+              <a:satOff val="0"/>
+              <a:lumOff val="0"/>
               <a:alphaOff val="0"/>
             </a:schemeClr>
           </a:solidFill>
@@ -9386,24 +9674,26 @@
         <a:fontRef idx="minor"/>
       </dsp:style>
     </dsp:sp>
-    <dsp:sp modelId="{1A98280E-76C5-4230-AC9C-E91A99CB258E}">
+    <dsp:sp modelId="{0572AFC7-E944-4304-A633-B447F9FA34EE}">
       <dsp:nvSpPr>
         <dsp:cNvPr id="0" name=""/>
         <dsp:cNvSpPr/>
       </dsp:nvSpPr>
       <dsp:spPr>
         <a:xfrm>
-          <a:off x="379160" y="2917132"/>
-          <a:ext cx="5308247" cy="619920"/>
+          <a:off x="5687993" y="0"/>
+          <a:ext cx="1840206" cy="5414786"/>
         </a:xfrm>
         <a:prstGeom prst="roundRect">
-          <a:avLst/>
+          <a:avLst>
+            <a:gd name="adj" fmla="val 10000"/>
+          </a:avLst>
         </a:prstGeom>
         <a:solidFill>
-          <a:schemeClr val="accent4">
-            <a:hueOff val="-3348577"/>
-            <a:satOff val="20174"/>
-            <a:lumOff val="1617"/>
+          <a:schemeClr val="accent5">
+            <a:hueOff val="-9933876"/>
+            <a:satOff val="39811"/>
+            <a:lumOff val="8628"/>
             <a:alphaOff val="0"/>
           </a:schemeClr>
         </a:solidFill>
@@ -9435,12 +9725,12 @@
         </a:fontRef>
       </dsp:style>
       <dsp:txBody>
-        <a:bodyPr spcFirstLastPara="0" vert="horz" wrap="square" lIns="200639" tIns="0" rIns="200639" bIns="0" numCol="1" spcCol="1270" anchor="ctr" anchorCtr="0">
+        <a:bodyPr spcFirstLastPara="0" vert="horz" wrap="square" lIns="135128" tIns="135128" rIns="135128" bIns="135128" numCol="1" spcCol="1270" anchor="ctr" anchorCtr="0">
           <a:noAutofit/>
         </a:bodyPr>
         <a:lstStyle/>
         <a:p>
-          <a:pPr marL="0" lvl="0" indent="0" algn="l" defTabSz="1066800">
+          <a:pPr lvl="0" algn="ctr" defTabSz="844550">
             <a:lnSpc>
               <a:spcPct val="90000"/>
             </a:lnSpc>
@@ -9450,86 +9740,72 @@
             <a:spcAft>
               <a:spcPct val="35000"/>
             </a:spcAft>
-            <a:buNone/>
           </a:pPr>
           <a:r>
-            <a:rPr lang="es-CO" sz="2400" b="1" kern="1200"/>
-            <a:t>Programas de Mantenimiento Preventivo de Software</a:t>
+            <a:rPr lang="es-CO" sz="1900" b="1" kern="1200" dirty="0" smtClean="0"/>
+            <a:t>Conectividad</a:t>
           </a:r>
-          <a:endParaRPr lang="en-US" sz="2400" kern="1200"/>
+        </a:p>
+        <a:p>
+          <a:pPr lvl="0" algn="ctr" defTabSz="844550">
+            <a:lnSpc>
+              <a:spcPct val="90000"/>
+            </a:lnSpc>
+            <a:spcBef>
+              <a:spcPct val="0"/>
+            </a:spcBef>
+            <a:spcAft>
+              <a:spcPct val="35000"/>
+            </a:spcAft>
+          </a:pPr>
+          <a:r>
+            <a:rPr lang="es-CO" sz="1900" kern="1200" dirty="0" smtClean="0"/>
+            <a:t>Fibra Óptica </a:t>
+          </a:r>
+        </a:p>
+        <a:p>
+          <a:pPr lvl="0" algn="ctr" defTabSz="844550">
+            <a:lnSpc>
+              <a:spcPct val="90000"/>
+            </a:lnSpc>
+            <a:spcBef>
+              <a:spcPct val="0"/>
+            </a:spcBef>
+            <a:spcAft>
+              <a:spcPct val="35000"/>
+            </a:spcAft>
+          </a:pPr>
+          <a:r>
+            <a:rPr lang="es-CO" sz="1900" kern="1200" dirty="0" smtClean="0"/>
+            <a:t>Mono Modo</a:t>
+          </a:r>
+          <a:endParaRPr lang="es-CO" sz="1900" kern="1200" dirty="0"/>
         </a:p>
       </dsp:txBody>
       <dsp:txXfrm>
-        <a:off x="409422" y="2947394"/>
-        <a:ext cx="5247723" cy="559396"/>
+        <a:off x="5687993" y="2165914"/>
+        <a:ext cx="1840206" cy="2165914"/>
       </dsp:txXfrm>
     </dsp:sp>
-    <dsp:sp modelId="{C97C8D2A-EFBD-459E-9F74-5F00F316A48F}">
+    <dsp:sp modelId="{FC7663A5-B025-4B94-BC76-3DCAAC1578E7}">
       <dsp:nvSpPr>
         <dsp:cNvPr id="0" name=""/>
         <dsp:cNvSpPr/>
       </dsp:nvSpPr>
       <dsp:spPr>
         <a:xfrm>
-          <a:off x="0" y="4179652"/>
-          <a:ext cx="7583211" cy="529200"/>
+          <a:off x="5743199" y="324887"/>
+          <a:ext cx="1729793" cy="1803123"/>
         </a:xfrm>
-        <a:prstGeom prst="rect">
+        <a:prstGeom prst="ellipse">
           <a:avLst/>
         </a:prstGeom>
         <a:solidFill>
-          <a:schemeClr val="lt1">
-            <a:alpha val="90000"/>
-            <a:hueOff val="0"/>
-            <a:satOff val="0"/>
-            <a:lumOff val="0"/>
-            <a:alphaOff val="0"/>
-          </a:schemeClr>
-        </a:solidFill>
-        <a:ln w="25400" cap="flat" cmpd="sng" algn="ctr">
-          <a:solidFill>
-            <a:schemeClr val="accent4">
-              <a:hueOff val="-4464770"/>
-              <a:satOff val="26899"/>
-              <a:lumOff val="2156"/>
-              <a:alphaOff val="0"/>
-            </a:schemeClr>
-          </a:solidFill>
-          <a:prstDash val="solid"/>
-        </a:ln>
-        <a:effectLst/>
-      </dsp:spPr>
-      <dsp:style>
-        <a:lnRef idx="2">
-          <a:scrgbClr r="0" g="0" b="0"/>
-        </a:lnRef>
-        <a:fillRef idx="1">
-          <a:scrgbClr r="0" g="0" b="0"/>
-        </a:fillRef>
-        <a:effectRef idx="0">
-          <a:scrgbClr r="0" g="0" b="0"/>
-        </a:effectRef>
-        <a:fontRef idx="minor"/>
-      </dsp:style>
-    </dsp:sp>
-    <dsp:sp modelId="{18718973-D6EB-48FC-B3DB-4836AE3209FC}">
-      <dsp:nvSpPr>
-        <dsp:cNvPr id="0" name=""/>
-        <dsp:cNvSpPr/>
-      </dsp:nvSpPr>
-      <dsp:spPr>
-        <a:xfrm>
-          <a:off x="379160" y="3869692"/>
-          <a:ext cx="5308247" cy="619920"/>
-        </a:xfrm>
-        <a:prstGeom prst="roundRect">
-          <a:avLst/>
-        </a:prstGeom>
-        <a:solidFill>
-          <a:schemeClr val="accent4">
-            <a:hueOff val="-4464770"/>
-            <a:satOff val="26899"/>
-            <a:lumOff val="2156"/>
+          <a:schemeClr val="accent5">
+            <a:tint val="50000"/>
+            <a:hueOff val="-10682366"/>
+            <a:satOff val="47617"/>
+            <a:lumOff val="4207"/>
             <a:alphaOff val="0"/>
           </a:schemeClr>
         </a:solidFill>
@@ -9556,40 +9832,69 @@
         <a:effectRef idx="0">
           <a:scrgbClr r="0" g="0" b="0"/>
         </a:effectRef>
-        <a:fontRef idx="minor">
-          <a:schemeClr val="lt1"/>
-        </a:fontRef>
+        <a:fontRef idx="minor"/>
       </dsp:style>
-      <dsp:txBody>
-        <a:bodyPr spcFirstLastPara="0" vert="horz" wrap="square" lIns="200639" tIns="0" rIns="200639" bIns="0" numCol="1" spcCol="1270" anchor="ctr" anchorCtr="0">
-          <a:noAutofit/>
-        </a:bodyPr>
-        <a:lstStyle/>
-        <a:p>
-          <a:pPr marL="0" lvl="0" indent="0" algn="l" defTabSz="1066800">
-            <a:lnSpc>
-              <a:spcPct val="90000"/>
-            </a:lnSpc>
-            <a:spcBef>
-              <a:spcPct val="0"/>
-            </a:spcBef>
-            <a:spcAft>
-              <a:spcPct val="35000"/>
-            </a:spcAft>
-            <a:buNone/>
-          </a:pPr>
-          <a:r>
-            <a:rPr lang="es-CO" sz="2400" b="1" kern="1200"/>
-            <a:t>Escritorio de Ayuda (Help Desk)</a:t>
-          </a:r>
-          <a:endParaRPr lang="en-US" sz="2400" kern="1200"/>
-        </a:p>
-      </dsp:txBody>
-      <dsp:txXfrm>
-        <a:off x="409422" y="3899954"/>
-        <a:ext cx="5247723" cy="559396"/>
-      </dsp:txXfrm>
     </dsp:sp>
+    <dsp:sp modelId="{88D45545-B10E-4BD9-A9A4-57ACF6D01B37}">
+      <dsp:nvSpPr>
+        <dsp:cNvPr id="0" name=""/>
+        <dsp:cNvSpPr/>
+      </dsp:nvSpPr>
+      <dsp:spPr>
+        <a:xfrm>
+          <a:off x="301198" y="4331828"/>
+          <a:ext cx="6927558" cy="812217"/>
+        </a:xfrm>
+        <a:prstGeom prst="leftRightArrow">
+          <a:avLst/>
+        </a:prstGeom>
+        <a:solidFill>
+          <a:schemeClr val="accent5">
+            <a:tint val="40000"/>
+            <a:hueOff val="0"/>
+            <a:satOff val="0"/>
+            <a:lumOff val="0"/>
+            <a:alphaOff val="0"/>
+          </a:schemeClr>
+        </a:solidFill>
+        <a:ln w="25400" cap="flat" cmpd="sng" algn="ctr">
+          <a:solidFill>
+            <a:schemeClr val="lt1">
+              <a:hueOff val="0"/>
+              <a:satOff val="0"/>
+              <a:lumOff val="0"/>
+              <a:alphaOff val="0"/>
+            </a:schemeClr>
+          </a:solidFill>
+          <a:prstDash val="solid"/>
+        </a:ln>
+        <a:effectLst/>
+      </dsp:spPr>
+      <dsp:style>
+        <a:lnRef idx="2">
+          <a:scrgbClr r="0" g="0" b="0"/>
+        </a:lnRef>
+        <a:fillRef idx="1">
+          <a:scrgbClr r="0" g="0" b="0"/>
+        </a:fillRef>
+        <a:effectRef idx="0">
+          <a:scrgbClr r="0" g="0" b="0"/>
+        </a:effectRef>
+        <a:fontRef idx="minor"/>
+      </dsp:style>
+    </dsp:sp>
+  </dsp:spTree>
+</dsp:drawing>
+</file>
+
+<file path=ppt/diagrams/drawing5.xml><?xml version="1.0" encoding="utf-8"?>
+<dsp:drawing xmlns:dgm="http://schemas.openxmlformats.org/drawingml/2006/diagram" xmlns:dsp="http://schemas.microsoft.com/office/drawing/2008/diagram" xmlns:a="http://schemas.openxmlformats.org/drawingml/2006/main">
+  <dsp:spTree>
+    <dsp:nvGrpSpPr>
+      <dsp:cNvPr id="0" name=""/>
+      <dsp:cNvGrpSpPr/>
+    </dsp:nvGrpSpPr>
+    <dsp:grpSpPr/>
   </dsp:spTree>
 </dsp:drawing>
 </file>
@@ -10386,6 +10691,201 @@
 </file>
 
 <file path=ppt/diagrams/layout4.xml><?xml version="1.0" encoding="utf-8"?>
+<dgm:layoutDef xmlns:dgm="http://schemas.openxmlformats.org/drawingml/2006/diagram" xmlns:a="http://schemas.openxmlformats.org/drawingml/2006/main" uniqueId="urn:microsoft.com/office/officeart/2005/8/layout/hList7">
+  <dgm:title val=""/>
+  <dgm:desc val=""/>
+  <dgm:catLst>
+    <dgm:cat type="list" pri="12000"/>
+    <dgm:cat type="process" pri="20000"/>
+    <dgm:cat type="relationship" pri="14000"/>
+    <dgm:cat type="convert" pri="8000"/>
+    <dgm:cat type="picture" pri="25000"/>
+    <dgm:cat type="pictureconvert" pri="25000"/>
+  </dgm:catLst>
+  <dgm:sampData useDef="1">
+    <dgm:dataModel>
+      <dgm:ptLst/>
+      <dgm:bg/>
+      <dgm:whole/>
+    </dgm:dataModel>
+  </dgm:sampData>
+  <dgm:styleData>
+    <dgm:dataModel>
+      <dgm:ptLst>
+        <dgm:pt modelId="0" type="doc"/>
+        <dgm:pt modelId="1"/>
+        <dgm:pt modelId="2"/>
+      </dgm:ptLst>
+      <dgm:cxnLst>
+        <dgm:cxn modelId="3" srcId="0" destId="1" srcOrd="0" destOrd="0"/>
+        <dgm:cxn modelId="4" srcId="0" destId="2" srcOrd="1" destOrd="0"/>
+      </dgm:cxnLst>
+      <dgm:bg/>
+      <dgm:whole/>
+    </dgm:dataModel>
+  </dgm:styleData>
+  <dgm:clrData>
+    <dgm:dataModel>
+      <dgm:ptLst>
+        <dgm:pt modelId="0" type="doc"/>
+        <dgm:pt modelId="1"/>
+        <dgm:pt modelId="2"/>
+        <dgm:pt modelId="3"/>
+        <dgm:pt modelId="4"/>
+      </dgm:ptLst>
+      <dgm:cxnLst>
+        <dgm:cxn modelId="5" srcId="0" destId="1" srcOrd="0" destOrd="0"/>
+        <dgm:cxn modelId="6" srcId="0" destId="2" srcOrd="1" destOrd="0"/>
+        <dgm:cxn modelId="7" srcId="0" destId="3" srcOrd="2" destOrd="0"/>
+        <dgm:cxn modelId="8" srcId="0" destId="4" srcOrd="3" destOrd="0"/>
+      </dgm:cxnLst>
+      <dgm:bg/>
+      <dgm:whole/>
+    </dgm:dataModel>
+  </dgm:clrData>
+  <dgm:layoutNode name="Name0">
+    <dgm:varLst>
+      <dgm:dir/>
+      <dgm:resizeHandles val="exact"/>
+    </dgm:varLst>
+    <dgm:alg type="composite"/>
+    <dgm:shape xmlns:r="http://schemas.openxmlformats.org/officeDocument/2006/relationships" r:blip="">
+      <dgm:adjLst/>
+    </dgm:shape>
+    <dgm:presOf/>
+    <dgm:constrLst>
+      <dgm:constr type="w" for="ch" forName="fgShape" refType="w" fact="0.92"/>
+      <dgm:constr type="h" for="ch" forName="fgShape" refType="h" fact="0.15"/>
+      <dgm:constr type="b" for="ch" forName="fgShape" refType="h" fact="0.95"/>
+      <dgm:constr type="ctrX" for="ch" forName="fgShape" refType="w" fact="0.5"/>
+      <dgm:constr type="w" for="ch" forName="linComp" refType="w"/>
+      <dgm:constr type="h" for="ch" forName="linComp" refType="h"/>
+      <dgm:constr type="ctrX" for="ch" forName="linComp" refType="w" fact="0.5"/>
+    </dgm:constrLst>
+    <dgm:ruleLst/>
+    <dgm:layoutNode name="fgShape" styleLbl="fgShp">
+      <dgm:alg type="sp"/>
+      <dgm:shape xmlns:r="http://schemas.openxmlformats.org/officeDocument/2006/relationships" type="leftRightArrow" r:blip="" zOrderOff="99999">
+        <dgm:adjLst/>
+      </dgm:shape>
+      <dgm:presOf/>
+      <dgm:constrLst/>
+      <dgm:ruleLst/>
+    </dgm:layoutNode>
+    <dgm:layoutNode name="linComp">
+      <dgm:choose name="Name1">
+        <dgm:if name="Name2" func="var" arg="dir" op="equ" val="norm">
+          <dgm:alg type="lin"/>
+        </dgm:if>
+        <dgm:else name="Name3">
+          <dgm:alg type="lin">
+            <dgm:param type="linDir" val="fromR"/>
+          </dgm:alg>
+        </dgm:else>
+      </dgm:choose>
+      <dgm:shape xmlns:r="http://schemas.openxmlformats.org/officeDocument/2006/relationships" r:blip="">
+        <dgm:adjLst/>
+      </dgm:shape>
+      <dgm:presOf/>
+      <dgm:constrLst>
+        <dgm:constr type="w" for="ch" forName="compNode" refType="w"/>
+        <dgm:constr type="h" for="ch" forName="compNode" refType="h"/>
+        <dgm:constr type="w" for="ch" ptType="sibTrans" refType="w" refFor="ch" refForName="compNode" fact="0.03"/>
+        <dgm:constr type="primFontSz" for="des" ptType="node" op="equ" val="65"/>
+      </dgm:constrLst>
+      <dgm:ruleLst/>
+      <dgm:forEach name="nodesForEach" axis="ch" ptType="node">
+        <dgm:layoutNode name="compNode">
+          <dgm:alg type="composite"/>
+          <dgm:shape xmlns:r="http://schemas.openxmlformats.org/officeDocument/2006/relationships" r:blip="">
+            <dgm:adjLst/>
+          </dgm:shape>
+          <dgm:presOf/>
+          <dgm:constrLst>
+            <dgm:constr type="w" for="ch" forName="bkgdShape" refType="w"/>
+            <dgm:constr type="h" for="ch" forName="bkgdShape" refType="h"/>
+            <dgm:constr type="w" for="ch" forName="nodeTx" refType="w"/>
+            <dgm:constr type="h" for="ch" forName="nodeTx" refType="h" fact="0.4"/>
+            <dgm:constr type="b" for="ch" forName="nodeTx" refType="h" fact="0.8"/>
+            <dgm:constr type="w" for="ch" forName="invisiNode" refType="w" fact="0.01"/>
+            <dgm:constr type="h" for="ch" forName="invisiNode" refType="h" fact="0.06"/>
+            <dgm:constr type="t" for="ch" forName="invisiNode"/>
+            <dgm:constr type="ctrX" for="ch" forName="invisiNode" refType="w" fact="0.5"/>
+            <dgm:constr type="h" for="ch" forName="imagNode" refType="h" fact="0.333"/>
+            <dgm:constr type="w" for="ch" forName="imagNode" refType="h" refFor="ch" refForName="imagNode"/>
+            <dgm:constr type="ctrX" for="ch" forName="imagNode" refType="w" fact="0.5"/>
+            <dgm:constr type="t" for="ch" forName="imagNode" refType="h" fact="0.06"/>
+            <dgm:constr type="w" for="ch" forName="imagNode" refType="w" op="lte" fact="0.94"/>
+          </dgm:constrLst>
+          <dgm:ruleLst/>
+          <dgm:layoutNode name="bkgdShape">
+            <dgm:alg type="sp"/>
+            <dgm:shape xmlns:r="http://schemas.openxmlformats.org/officeDocument/2006/relationships" type="roundRect" r:blip="">
+              <dgm:adjLst>
+                <dgm:adj idx="1" val="0.1"/>
+              </dgm:adjLst>
+            </dgm:shape>
+            <dgm:presOf axis="desOrSelf" ptType="node"/>
+            <dgm:constrLst/>
+            <dgm:ruleLst/>
+          </dgm:layoutNode>
+          <dgm:layoutNode name="nodeTx">
+            <dgm:varLst>
+              <dgm:bulletEnabled val="1"/>
+            </dgm:varLst>
+            <dgm:alg type="tx">
+              <dgm:param type="txAnchorVert" val="mid"/>
+              <dgm:param type="txAnchorHorzCh" val="ctr"/>
+              <dgm:param type="stBulletLvl" val="2"/>
+            </dgm:alg>
+            <dgm:shape xmlns:r="http://schemas.openxmlformats.org/officeDocument/2006/relationships" type="rect" r:blip="" hideGeom="1">
+              <dgm:adjLst/>
+            </dgm:shape>
+            <dgm:presOf axis="desOrSelf" ptType="node"/>
+            <dgm:constrLst/>
+            <dgm:ruleLst>
+              <dgm:rule type="primFontSz" val="5" fact="NaN" max="NaN"/>
+            </dgm:ruleLst>
+          </dgm:layoutNode>
+          <dgm:layoutNode name="invisiNode">
+            <dgm:alg type="sp"/>
+            <dgm:shape xmlns:r="http://schemas.openxmlformats.org/officeDocument/2006/relationships" type="roundRect" r:blip="" hideGeom="1">
+              <dgm:adjLst>
+                <dgm:adj idx="1" val="0.1"/>
+              </dgm:adjLst>
+            </dgm:shape>
+            <dgm:presOf/>
+            <dgm:constrLst/>
+            <dgm:ruleLst/>
+          </dgm:layoutNode>
+          <dgm:layoutNode name="imagNode" styleLbl="fgImgPlace1">
+            <dgm:alg type="sp"/>
+            <dgm:shape xmlns:r="http://schemas.openxmlformats.org/officeDocument/2006/relationships" type="ellipse" r:blip="" blipPhldr="1">
+              <dgm:adjLst/>
+            </dgm:shape>
+            <dgm:presOf/>
+            <dgm:constrLst/>
+            <dgm:ruleLst/>
+          </dgm:layoutNode>
+        </dgm:layoutNode>
+        <dgm:forEach name="sibTransForEach" axis="followSib" ptType="sibTrans" cnt="1">
+          <dgm:layoutNode name="sibTrans">
+            <dgm:alg type="sp"/>
+            <dgm:shape xmlns:r="http://schemas.openxmlformats.org/officeDocument/2006/relationships" type="rect" r:blip="" hideGeom="1">
+              <dgm:adjLst/>
+            </dgm:shape>
+            <dgm:presOf axis="self"/>
+            <dgm:constrLst/>
+            <dgm:ruleLst/>
+          </dgm:layoutNode>
+        </dgm:forEach>
+      </dgm:forEach>
+    </dgm:layoutNode>
+  </dgm:layoutNode>
+</dgm:layoutDef>
+</file>
+
+<file path=ppt/diagrams/layout5.xml><?xml version="1.0" encoding="utf-8"?>
 <dgm:layoutDef xmlns:dgm="http://schemas.openxmlformats.org/drawingml/2006/diagram" xmlns:a="http://schemas.openxmlformats.org/drawingml/2006/main" uniqueId="urn:microsoft.com/office/officeart/2005/8/layout/list1">
   <dgm:title val=""/>
   <dgm:desc val=""/>
@@ -14746,6 +15246,1040 @@
 </dgm:styleDef>
 </file>
 
+<file path=ppt/diagrams/quickStyle5.xml><?xml version="1.0" encoding="utf-8"?>
+<dgm:styleDef xmlns:dgm="http://schemas.openxmlformats.org/drawingml/2006/diagram" xmlns:a="http://schemas.openxmlformats.org/drawingml/2006/main" uniqueId="urn:microsoft.com/office/officeart/2005/8/quickstyle/simple1">
+  <dgm:title val=""/>
+  <dgm:desc val=""/>
+  <dgm:catLst>
+    <dgm:cat type="simple" pri="10100"/>
+  </dgm:catLst>
+  <dgm:scene3d>
+    <a:camera prst="orthographicFront"/>
+    <a:lightRig rig="threePt" dir="t"/>
+  </dgm:scene3d>
+  <dgm:styleLbl name="node0">
+    <dgm:scene3d>
+      <a:camera prst="orthographicFront"/>
+      <a:lightRig rig="threePt" dir="t"/>
+    </dgm:scene3d>
+    <dgm:sp3d/>
+    <dgm:txPr/>
+    <dgm:style>
+      <a:lnRef idx="2">
+        <a:scrgbClr r="0" g="0" b="0"/>
+      </a:lnRef>
+      <a:fillRef idx="1">
+        <a:scrgbClr r="0" g="0" b="0"/>
+      </a:fillRef>
+      <a:effectRef idx="0">
+        <a:scrgbClr r="0" g="0" b="0"/>
+      </a:effectRef>
+      <a:fontRef idx="minor">
+        <a:schemeClr val="lt1"/>
+      </a:fontRef>
+    </dgm:style>
+  </dgm:styleLbl>
+  <dgm:styleLbl name="lnNode1">
+    <dgm:scene3d>
+      <a:camera prst="orthographicFront"/>
+      <a:lightRig rig="threePt" dir="t"/>
+    </dgm:scene3d>
+    <dgm:sp3d/>
+    <dgm:txPr/>
+    <dgm:style>
+      <a:lnRef idx="2">
+        <a:scrgbClr r="0" g="0" b="0"/>
+      </a:lnRef>
+      <a:fillRef idx="1">
+        <a:scrgbClr r="0" g="0" b="0"/>
+      </a:fillRef>
+      <a:effectRef idx="0">
+        <a:scrgbClr r="0" g="0" b="0"/>
+      </a:effectRef>
+      <a:fontRef idx="minor">
+        <a:schemeClr val="lt1"/>
+      </a:fontRef>
+    </dgm:style>
+  </dgm:styleLbl>
+  <dgm:styleLbl name="vennNode1">
+    <dgm:scene3d>
+      <a:camera prst="orthographicFront"/>
+      <a:lightRig rig="threePt" dir="t"/>
+    </dgm:scene3d>
+    <dgm:sp3d/>
+    <dgm:txPr/>
+    <dgm:style>
+      <a:lnRef idx="2">
+        <a:scrgbClr r="0" g="0" b="0"/>
+      </a:lnRef>
+      <a:fillRef idx="1">
+        <a:scrgbClr r="0" g="0" b="0"/>
+      </a:fillRef>
+      <a:effectRef idx="0">
+        <a:scrgbClr r="0" g="0" b="0"/>
+      </a:effectRef>
+      <a:fontRef idx="minor">
+        <a:schemeClr val="tx1"/>
+      </a:fontRef>
+    </dgm:style>
+  </dgm:styleLbl>
+  <dgm:styleLbl name="alignNode1">
+    <dgm:scene3d>
+      <a:camera prst="orthographicFront"/>
+      <a:lightRig rig="threePt" dir="t"/>
+    </dgm:scene3d>
+    <dgm:sp3d/>
+    <dgm:txPr/>
+    <dgm:style>
+      <a:lnRef idx="2">
+        <a:scrgbClr r="0" g="0" b="0"/>
+      </a:lnRef>
+      <a:fillRef idx="1">
+        <a:scrgbClr r="0" g="0" b="0"/>
+      </a:fillRef>
+      <a:effectRef idx="0">
+        <a:scrgbClr r="0" g="0" b="0"/>
+      </a:effectRef>
+      <a:fontRef idx="minor">
+        <a:schemeClr val="lt1"/>
+      </a:fontRef>
+    </dgm:style>
+  </dgm:styleLbl>
+  <dgm:styleLbl name="node1">
+    <dgm:scene3d>
+      <a:camera prst="orthographicFront"/>
+      <a:lightRig rig="threePt" dir="t"/>
+    </dgm:scene3d>
+    <dgm:sp3d/>
+    <dgm:txPr/>
+    <dgm:style>
+      <a:lnRef idx="2">
+        <a:scrgbClr r="0" g="0" b="0"/>
+      </a:lnRef>
+      <a:fillRef idx="1">
+        <a:scrgbClr r="0" g="0" b="0"/>
+      </a:fillRef>
+      <a:effectRef idx="0">
+        <a:scrgbClr r="0" g="0" b="0"/>
+      </a:effectRef>
+      <a:fontRef idx="minor">
+        <a:schemeClr val="lt1"/>
+      </a:fontRef>
+    </dgm:style>
+  </dgm:styleLbl>
+  <dgm:styleLbl name="node2">
+    <dgm:scene3d>
+      <a:camera prst="orthographicFront"/>
+      <a:lightRig rig="threePt" dir="t"/>
+    </dgm:scene3d>
+    <dgm:sp3d/>
+    <dgm:txPr/>
+    <dgm:style>
+      <a:lnRef idx="2">
+        <a:scrgbClr r="0" g="0" b="0"/>
+      </a:lnRef>
+      <a:fillRef idx="1">
+        <a:scrgbClr r="0" g="0" b="0"/>
+      </a:fillRef>
+      <a:effectRef idx="0">
+        <a:scrgbClr r="0" g="0" b="0"/>
+      </a:effectRef>
+      <a:fontRef idx="minor">
+        <a:schemeClr val="lt1"/>
+      </a:fontRef>
+    </dgm:style>
+  </dgm:styleLbl>
+  <dgm:styleLbl name="node3">
+    <dgm:scene3d>
+      <a:camera prst="orthographicFront"/>
+      <a:lightRig rig="threePt" dir="t"/>
+    </dgm:scene3d>
+    <dgm:sp3d/>
+    <dgm:txPr/>
+    <dgm:style>
+      <a:lnRef idx="2">
+        <a:scrgbClr r="0" g="0" b="0"/>
+      </a:lnRef>
+      <a:fillRef idx="1">
+        <a:scrgbClr r="0" g="0" b="0"/>
+      </a:fillRef>
+      <a:effectRef idx="0">
+        <a:scrgbClr r="0" g="0" b="0"/>
+      </a:effectRef>
+      <a:fontRef idx="minor">
+        <a:schemeClr val="lt1"/>
+      </a:fontRef>
+    </dgm:style>
+  </dgm:styleLbl>
+  <dgm:styleLbl name="node4">
+    <dgm:scene3d>
+      <a:camera prst="orthographicFront"/>
+      <a:lightRig rig="threePt" dir="t"/>
+    </dgm:scene3d>
+    <dgm:sp3d/>
+    <dgm:txPr/>
+    <dgm:style>
+      <a:lnRef idx="2">
+        <a:scrgbClr r="0" g="0" b="0"/>
+      </a:lnRef>
+      <a:fillRef idx="1">
+        <a:scrgbClr r="0" g="0" b="0"/>
+      </a:fillRef>
+      <a:effectRef idx="0">
+        <a:scrgbClr r="0" g="0" b="0"/>
+      </a:effectRef>
+      <a:fontRef idx="minor">
+        <a:schemeClr val="lt1"/>
+      </a:fontRef>
+    </dgm:style>
+  </dgm:styleLbl>
+  <dgm:styleLbl name="fgImgPlace1">
+    <dgm:scene3d>
+      <a:camera prst="orthographicFront"/>
+      <a:lightRig rig="threePt" dir="t"/>
+    </dgm:scene3d>
+    <dgm:sp3d/>
+    <dgm:txPr/>
+    <dgm:style>
+      <a:lnRef idx="2">
+        <a:scrgbClr r="0" g="0" b="0"/>
+      </a:lnRef>
+      <a:fillRef idx="1">
+        <a:scrgbClr r="0" g="0" b="0"/>
+      </a:fillRef>
+      <a:effectRef idx="0">
+        <a:scrgbClr r="0" g="0" b="0"/>
+      </a:effectRef>
+      <a:fontRef idx="minor"/>
+    </dgm:style>
+  </dgm:styleLbl>
+  <dgm:styleLbl name="alignImgPlace1">
+    <dgm:scene3d>
+      <a:camera prst="orthographicFront"/>
+      <a:lightRig rig="threePt" dir="t"/>
+    </dgm:scene3d>
+    <dgm:sp3d/>
+    <dgm:txPr/>
+    <dgm:style>
+      <a:lnRef idx="2">
+        <a:scrgbClr r="0" g="0" b="0"/>
+      </a:lnRef>
+      <a:fillRef idx="1">
+        <a:scrgbClr r="0" g="0" b="0"/>
+      </a:fillRef>
+      <a:effectRef idx="0">
+        <a:scrgbClr r="0" g="0" b="0"/>
+      </a:effectRef>
+      <a:fontRef idx="minor"/>
+    </dgm:style>
+  </dgm:styleLbl>
+  <dgm:styleLbl name="bgImgPlace1">
+    <dgm:scene3d>
+      <a:camera prst="orthographicFront"/>
+      <a:lightRig rig="threePt" dir="t"/>
+    </dgm:scene3d>
+    <dgm:sp3d/>
+    <dgm:txPr/>
+    <dgm:style>
+      <a:lnRef idx="2">
+        <a:scrgbClr r="0" g="0" b="0"/>
+      </a:lnRef>
+      <a:fillRef idx="1">
+        <a:scrgbClr r="0" g="0" b="0"/>
+      </a:fillRef>
+      <a:effectRef idx="0">
+        <a:scrgbClr r="0" g="0" b="0"/>
+      </a:effectRef>
+      <a:fontRef idx="minor"/>
+    </dgm:style>
+  </dgm:styleLbl>
+  <dgm:styleLbl name="sibTrans2D1">
+    <dgm:scene3d>
+      <a:camera prst="orthographicFront"/>
+      <a:lightRig rig="threePt" dir="t"/>
+    </dgm:scene3d>
+    <dgm:sp3d/>
+    <dgm:txPr/>
+    <dgm:style>
+      <a:lnRef idx="0">
+        <a:scrgbClr r="0" g="0" b="0"/>
+      </a:lnRef>
+      <a:fillRef idx="1">
+        <a:scrgbClr r="0" g="0" b="0"/>
+      </a:fillRef>
+      <a:effectRef idx="0">
+        <a:scrgbClr r="0" g="0" b="0"/>
+      </a:effectRef>
+      <a:fontRef idx="minor">
+        <a:schemeClr val="lt1"/>
+      </a:fontRef>
+    </dgm:style>
+  </dgm:styleLbl>
+  <dgm:styleLbl name="fgSibTrans2D1">
+    <dgm:scene3d>
+      <a:camera prst="orthographicFront"/>
+      <a:lightRig rig="threePt" dir="t"/>
+    </dgm:scene3d>
+    <dgm:sp3d/>
+    <dgm:txPr/>
+    <dgm:style>
+      <a:lnRef idx="0">
+        <a:scrgbClr r="0" g="0" b="0"/>
+      </a:lnRef>
+      <a:fillRef idx="1">
+        <a:scrgbClr r="0" g="0" b="0"/>
+      </a:fillRef>
+      <a:effectRef idx="0">
+        <a:scrgbClr r="0" g="0" b="0"/>
+      </a:effectRef>
+      <a:fontRef idx="minor">
+        <a:schemeClr val="lt1"/>
+      </a:fontRef>
+    </dgm:style>
+  </dgm:styleLbl>
+  <dgm:styleLbl name="bgSibTrans2D1">
+    <dgm:scene3d>
+      <a:camera prst="orthographicFront"/>
+      <a:lightRig rig="threePt" dir="t"/>
+    </dgm:scene3d>
+    <dgm:sp3d/>
+    <dgm:txPr/>
+    <dgm:style>
+      <a:lnRef idx="0">
+        <a:scrgbClr r="0" g="0" b="0"/>
+      </a:lnRef>
+      <a:fillRef idx="1">
+        <a:scrgbClr r="0" g="0" b="0"/>
+      </a:fillRef>
+      <a:effectRef idx="0">
+        <a:scrgbClr r="0" g="0" b="0"/>
+      </a:effectRef>
+      <a:fontRef idx="minor">
+        <a:schemeClr val="lt1"/>
+      </a:fontRef>
+    </dgm:style>
+  </dgm:styleLbl>
+  <dgm:styleLbl name="sibTrans1D1">
+    <dgm:scene3d>
+      <a:camera prst="orthographicFront"/>
+      <a:lightRig rig="threePt" dir="t"/>
+    </dgm:scene3d>
+    <dgm:sp3d/>
+    <dgm:txPr/>
+    <dgm:style>
+      <a:lnRef idx="1">
+        <a:scrgbClr r="0" g="0" b="0"/>
+      </a:lnRef>
+      <a:fillRef idx="0">
+        <a:scrgbClr r="0" g="0" b="0"/>
+      </a:fillRef>
+      <a:effectRef idx="0">
+        <a:scrgbClr r="0" g="0" b="0"/>
+      </a:effectRef>
+      <a:fontRef idx="minor"/>
+    </dgm:style>
+  </dgm:styleLbl>
+  <dgm:styleLbl name="callout">
+    <dgm:scene3d>
+      <a:camera prst="orthographicFront"/>
+      <a:lightRig rig="threePt" dir="t"/>
+    </dgm:scene3d>
+    <dgm:sp3d/>
+    <dgm:txPr/>
+    <dgm:style>
+      <a:lnRef idx="2">
+        <a:scrgbClr r="0" g="0" b="0"/>
+      </a:lnRef>
+      <a:fillRef idx="1">
+        <a:scrgbClr r="0" g="0" b="0"/>
+      </a:fillRef>
+      <a:effectRef idx="0">
+        <a:scrgbClr r="0" g="0" b="0"/>
+      </a:effectRef>
+      <a:fontRef idx="minor"/>
+    </dgm:style>
+  </dgm:styleLbl>
+  <dgm:styleLbl name="asst0">
+    <dgm:scene3d>
+      <a:camera prst="orthographicFront"/>
+      <a:lightRig rig="threePt" dir="t"/>
+    </dgm:scene3d>
+    <dgm:sp3d/>
+    <dgm:txPr/>
+    <dgm:style>
+      <a:lnRef idx="2">
+        <a:scrgbClr r="0" g="0" b="0"/>
+      </a:lnRef>
+      <a:fillRef idx="1">
+        <a:scrgbClr r="0" g="0" b="0"/>
+      </a:fillRef>
+      <a:effectRef idx="0">
+        <a:scrgbClr r="0" g="0" b="0"/>
+      </a:effectRef>
+      <a:fontRef idx="minor">
+        <a:schemeClr val="lt1"/>
+      </a:fontRef>
+    </dgm:style>
+  </dgm:styleLbl>
+  <dgm:styleLbl name="asst1">
+    <dgm:scene3d>
+      <a:camera prst="orthographicFront"/>
+      <a:lightRig rig="threePt" dir="t"/>
+    </dgm:scene3d>
+    <dgm:sp3d/>
+    <dgm:txPr/>
+    <dgm:style>
+      <a:lnRef idx="2">
+        <a:scrgbClr r="0" g="0" b="0"/>
+      </a:lnRef>
+      <a:fillRef idx="1">
+        <a:scrgbClr r="0" g="0" b="0"/>
+      </a:fillRef>
+      <a:effectRef idx="0">
+        <a:scrgbClr r="0" g="0" b="0"/>
+      </a:effectRef>
+      <a:fontRef idx="minor">
+        <a:schemeClr val="lt1"/>
+      </a:fontRef>
+    </dgm:style>
+  </dgm:styleLbl>
+  <dgm:styleLbl name="asst2">
+    <dgm:scene3d>
+      <a:camera prst="orthographicFront"/>
+      <a:lightRig rig="threePt" dir="t"/>
+    </dgm:scene3d>
+    <dgm:sp3d/>
+    <dgm:txPr/>
+    <dgm:style>
+      <a:lnRef idx="2">
+        <a:scrgbClr r="0" g="0" b="0"/>
+      </a:lnRef>
+      <a:fillRef idx="1">
+        <a:scrgbClr r="0" g="0" b="0"/>
+      </a:fillRef>
+      <a:effectRef idx="0">
+        <a:scrgbClr r="0" g="0" b="0"/>
+      </a:effectRef>
+      <a:fontRef idx="minor">
+        <a:schemeClr val="lt1"/>
+      </a:fontRef>
+    </dgm:style>
+  </dgm:styleLbl>
+  <dgm:styleLbl name="asst3">
+    <dgm:scene3d>
+      <a:camera prst="orthographicFront"/>
+      <a:lightRig rig="threePt" dir="t"/>
+    </dgm:scene3d>
+    <dgm:sp3d/>
+    <dgm:txPr/>
+    <dgm:style>
+      <a:lnRef idx="2">
+        <a:scrgbClr r="0" g="0" b="0"/>
+      </a:lnRef>
+      <a:fillRef idx="1">
+        <a:scrgbClr r="0" g="0" b="0"/>
+      </a:fillRef>
+      <a:effectRef idx="0">
+        <a:scrgbClr r="0" g="0" b="0"/>
+      </a:effectRef>
+      <a:fontRef idx="minor">
+        <a:schemeClr val="lt1"/>
+      </a:fontRef>
+    </dgm:style>
+  </dgm:styleLbl>
+  <dgm:styleLbl name="asst4">
+    <dgm:scene3d>
+      <a:camera prst="orthographicFront"/>
+      <a:lightRig rig="threePt" dir="t"/>
+    </dgm:scene3d>
+    <dgm:sp3d/>
+    <dgm:txPr/>
+    <dgm:style>
+      <a:lnRef idx="2">
+        <a:scrgbClr r="0" g="0" b="0"/>
+      </a:lnRef>
+      <a:fillRef idx="1">
+        <a:scrgbClr r="0" g="0" b="0"/>
+      </a:fillRef>
+      <a:effectRef idx="0">
+        <a:scrgbClr r="0" g="0" b="0"/>
+      </a:effectRef>
+      <a:fontRef idx="minor">
+        <a:schemeClr val="lt1"/>
+      </a:fontRef>
+    </dgm:style>
+  </dgm:styleLbl>
+  <dgm:styleLbl name="parChTrans2D1">
+    <dgm:scene3d>
+      <a:camera prst="orthographicFront"/>
+      <a:lightRig rig="threePt" dir="t"/>
+    </dgm:scene3d>
+    <dgm:sp3d/>
+    <dgm:txPr/>
+    <dgm:style>
+      <a:lnRef idx="2">
+        <a:scrgbClr r="0" g="0" b="0"/>
+      </a:lnRef>
+      <a:fillRef idx="1">
+        <a:scrgbClr r="0" g="0" b="0"/>
+      </a:fillRef>
+      <a:effectRef idx="0">
+        <a:scrgbClr r="0" g="0" b="0"/>
+      </a:effectRef>
+      <a:fontRef idx="minor">
+        <a:schemeClr val="lt1"/>
+      </a:fontRef>
+    </dgm:style>
+  </dgm:styleLbl>
+  <dgm:styleLbl name="parChTrans2D2">
+    <dgm:scene3d>
+      <a:camera prst="orthographicFront"/>
+      <a:lightRig rig="threePt" dir="t"/>
+    </dgm:scene3d>
+    <dgm:sp3d/>
+    <dgm:txPr/>
+    <dgm:style>
+      <a:lnRef idx="2">
+        <a:scrgbClr r="0" g="0" b="0"/>
+      </a:lnRef>
+      <a:fillRef idx="1">
+        <a:scrgbClr r="0" g="0" b="0"/>
+      </a:fillRef>
+      <a:effectRef idx="0">
+        <a:scrgbClr r="0" g="0" b="0"/>
+      </a:effectRef>
+      <a:fontRef idx="minor">
+        <a:schemeClr val="lt1"/>
+      </a:fontRef>
+    </dgm:style>
+  </dgm:styleLbl>
+  <dgm:styleLbl name="parChTrans2D3">
+    <dgm:scene3d>
+      <a:camera prst="orthographicFront"/>
+      <a:lightRig rig="threePt" dir="t"/>
+    </dgm:scene3d>
+    <dgm:sp3d/>
+    <dgm:txPr/>
+    <dgm:style>
+      <a:lnRef idx="2">
+        <a:scrgbClr r="0" g="0" b="0"/>
+      </a:lnRef>
+      <a:fillRef idx="1">
+        <a:scrgbClr r="0" g="0" b="0"/>
+      </a:fillRef>
+      <a:effectRef idx="0">
+        <a:scrgbClr r="0" g="0" b="0"/>
+      </a:effectRef>
+      <a:fontRef idx="minor">
+        <a:schemeClr val="lt1"/>
+      </a:fontRef>
+    </dgm:style>
+  </dgm:styleLbl>
+  <dgm:styleLbl name="parChTrans2D4">
+    <dgm:scene3d>
+      <a:camera prst="orthographicFront"/>
+      <a:lightRig rig="threePt" dir="t"/>
+    </dgm:scene3d>
+    <dgm:sp3d/>
+    <dgm:txPr/>
+    <dgm:style>
+      <a:lnRef idx="2">
+        <a:scrgbClr r="0" g="0" b="0"/>
+      </a:lnRef>
+      <a:fillRef idx="1">
+        <a:scrgbClr r="0" g="0" b="0"/>
+      </a:fillRef>
+      <a:effectRef idx="0">
+        <a:scrgbClr r="0" g="0" b="0"/>
+      </a:effectRef>
+      <a:fontRef idx="minor">
+        <a:schemeClr val="lt1"/>
+      </a:fontRef>
+    </dgm:style>
+  </dgm:styleLbl>
+  <dgm:styleLbl name="parChTrans1D1">
+    <dgm:scene3d>
+      <a:camera prst="orthographicFront"/>
+      <a:lightRig rig="threePt" dir="t"/>
+    </dgm:scene3d>
+    <dgm:sp3d/>
+    <dgm:txPr/>
+    <dgm:style>
+      <a:lnRef idx="2">
+        <a:scrgbClr r="0" g="0" b="0"/>
+      </a:lnRef>
+      <a:fillRef idx="0">
+        <a:scrgbClr r="0" g="0" b="0"/>
+      </a:fillRef>
+      <a:effectRef idx="0">
+        <a:scrgbClr r="0" g="0" b="0"/>
+      </a:effectRef>
+      <a:fontRef idx="minor"/>
+    </dgm:style>
+  </dgm:styleLbl>
+  <dgm:styleLbl name="parChTrans1D2">
+    <dgm:scene3d>
+      <a:camera prst="orthographicFront"/>
+      <a:lightRig rig="threePt" dir="t"/>
+    </dgm:scene3d>
+    <dgm:sp3d/>
+    <dgm:txPr/>
+    <dgm:style>
+      <a:lnRef idx="2">
+        <a:scrgbClr r="0" g="0" b="0"/>
+      </a:lnRef>
+      <a:fillRef idx="0">
+        <a:scrgbClr r="0" g="0" b="0"/>
+      </a:fillRef>
+      <a:effectRef idx="0">
+        <a:scrgbClr r="0" g="0" b="0"/>
+      </a:effectRef>
+      <a:fontRef idx="minor"/>
+    </dgm:style>
+  </dgm:styleLbl>
+  <dgm:styleLbl name="parChTrans1D3">
+    <dgm:scene3d>
+      <a:camera prst="orthographicFront"/>
+      <a:lightRig rig="threePt" dir="t"/>
+    </dgm:scene3d>
+    <dgm:sp3d/>
+    <dgm:txPr/>
+    <dgm:style>
+      <a:lnRef idx="2">
+        <a:scrgbClr r="0" g="0" b="0"/>
+      </a:lnRef>
+      <a:fillRef idx="0">
+        <a:scrgbClr r="0" g="0" b="0"/>
+      </a:fillRef>
+      <a:effectRef idx="0">
+        <a:scrgbClr r="0" g="0" b="0"/>
+      </a:effectRef>
+      <a:fontRef idx="minor"/>
+    </dgm:style>
+  </dgm:styleLbl>
+  <dgm:styleLbl name="parChTrans1D4">
+    <dgm:scene3d>
+      <a:camera prst="orthographicFront"/>
+      <a:lightRig rig="threePt" dir="t"/>
+    </dgm:scene3d>
+    <dgm:sp3d/>
+    <dgm:txPr/>
+    <dgm:style>
+      <a:lnRef idx="2">
+        <a:scrgbClr r="0" g="0" b="0"/>
+      </a:lnRef>
+      <a:fillRef idx="0">
+        <a:scrgbClr r="0" g="0" b="0"/>
+      </a:fillRef>
+      <a:effectRef idx="0">
+        <a:scrgbClr r="0" g="0" b="0"/>
+      </a:effectRef>
+      <a:fontRef idx="minor"/>
+    </dgm:style>
+  </dgm:styleLbl>
+  <dgm:styleLbl name="fgAcc1">
+    <dgm:scene3d>
+      <a:camera prst="orthographicFront"/>
+      <a:lightRig rig="threePt" dir="t"/>
+    </dgm:scene3d>
+    <dgm:sp3d/>
+    <dgm:txPr/>
+    <dgm:style>
+      <a:lnRef idx="2">
+        <a:scrgbClr r="0" g="0" b="0"/>
+      </a:lnRef>
+      <a:fillRef idx="1">
+        <a:scrgbClr r="0" g="0" b="0"/>
+      </a:fillRef>
+      <a:effectRef idx="0">
+        <a:scrgbClr r="0" g="0" b="0"/>
+      </a:effectRef>
+      <a:fontRef idx="minor"/>
+    </dgm:style>
+  </dgm:styleLbl>
+  <dgm:styleLbl name="conFgAcc1">
+    <dgm:scene3d>
+      <a:camera prst="orthographicFront"/>
+      <a:lightRig rig="threePt" dir="t"/>
+    </dgm:scene3d>
+    <dgm:sp3d/>
+    <dgm:txPr/>
+    <dgm:style>
+      <a:lnRef idx="2">
+        <a:scrgbClr r="0" g="0" b="0"/>
+      </a:lnRef>
+      <a:fillRef idx="1">
+        <a:scrgbClr r="0" g="0" b="0"/>
+      </a:fillRef>
+      <a:effectRef idx="0">
+        <a:scrgbClr r="0" g="0" b="0"/>
+      </a:effectRef>
+      <a:fontRef idx="minor"/>
+    </dgm:style>
+  </dgm:styleLbl>
+  <dgm:styleLbl name="alignAcc1">
+    <dgm:scene3d>
+      <a:camera prst="orthographicFront"/>
+      <a:lightRig rig="threePt" dir="t"/>
+    </dgm:scene3d>
+    <dgm:sp3d/>
+    <dgm:txPr/>
+    <dgm:style>
+      <a:lnRef idx="2">
+        <a:scrgbClr r="0" g="0" b="0"/>
+      </a:lnRef>
+      <a:fillRef idx="1">
+        <a:scrgbClr r="0" g="0" b="0"/>
+      </a:fillRef>
+      <a:effectRef idx="0">
+        <a:scrgbClr r="0" g="0" b="0"/>
+      </a:effectRef>
+      <a:fontRef idx="minor"/>
+    </dgm:style>
+  </dgm:styleLbl>
+  <dgm:styleLbl name="trAlignAcc1">
+    <dgm:scene3d>
+      <a:camera prst="orthographicFront"/>
+      <a:lightRig rig="threePt" dir="t"/>
+    </dgm:scene3d>
+    <dgm:sp3d/>
+    <dgm:txPr/>
+    <dgm:style>
+      <a:lnRef idx="1">
+        <a:scrgbClr r="0" g="0" b="0"/>
+      </a:lnRef>
+      <a:fillRef idx="1">
+        <a:scrgbClr r="0" g="0" b="0"/>
+      </a:fillRef>
+      <a:effectRef idx="0">
+        <a:scrgbClr r="0" g="0" b="0"/>
+      </a:effectRef>
+      <a:fontRef idx="minor"/>
+    </dgm:style>
+  </dgm:styleLbl>
+  <dgm:styleLbl name="bgAcc1">
+    <dgm:scene3d>
+      <a:camera prst="orthographicFront"/>
+      <a:lightRig rig="threePt" dir="t"/>
+    </dgm:scene3d>
+    <dgm:sp3d/>
+    <dgm:txPr/>
+    <dgm:style>
+      <a:lnRef idx="2">
+        <a:scrgbClr r="0" g="0" b="0"/>
+      </a:lnRef>
+      <a:fillRef idx="1">
+        <a:scrgbClr r="0" g="0" b="0"/>
+      </a:fillRef>
+      <a:effectRef idx="0">
+        <a:scrgbClr r="0" g="0" b="0"/>
+      </a:effectRef>
+      <a:fontRef idx="minor"/>
+    </dgm:style>
+  </dgm:styleLbl>
+  <dgm:styleLbl name="solidFgAcc1">
+    <dgm:scene3d>
+      <a:camera prst="orthographicFront"/>
+      <a:lightRig rig="threePt" dir="t"/>
+    </dgm:scene3d>
+    <dgm:sp3d/>
+    <dgm:txPr/>
+    <dgm:style>
+      <a:lnRef idx="2">
+        <a:scrgbClr r="0" g="0" b="0"/>
+      </a:lnRef>
+      <a:fillRef idx="1">
+        <a:scrgbClr r="0" g="0" b="0"/>
+      </a:fillRef>
+      <a:effectRef idx="0">
+        <a:scrgbClr r="0" g="0" b="0"/>
+      </a:effectRef>
+      <a:fontRef idx="minor"/>
+    </dgm:style>
+  </dgm:styleLbl>
+  <dgm:styleLbl name="solidAlignAcc1">
+    <dgm:scene3d>
+      <a:camera prst="orthographicFront"/>
+      <a:lightRig rig="threePt" dir="t"/>
+    </dgm:scene3d>
+    <dgm:sp3d/>
+    <dgm:txPr/>
+    <dgm:style>
+      <a:lnRef idx="2">
+        <a:scrgbClr r="0" g="0" b="0"/>
+      </a:lnRef>
+      <a:fillRef idx="1">
+        <a:scrgbClr r="0" g="0" b="0"/>
+      </a:fillRef>
+      <a:effectRef idx="0">
+        <a:scrgbClr r="0" g="0" b="0"/>
+      </a:effectRef>
+      <a:fontRef idx="minor"/>
+    </dgm:style>
+  </dgm:styleLbl>
+  <dgm:styleLbl name="solidBgAcc1">
+    <dgm:scene3d>
+      <a:camera prst="orthographicFront"/>
+      <a:lightRig rig="threePt" dir="t"/>
+    </dgm:scene3d>
+    <dgm:sp3d/>
+    <dgm:txPr/>
+    <dgm:style>
+      <a:lnRef idx="2">
+        <a:scrgbClr r="0" g="0" b="0"/>
+      </a:lnRef>
+      <a:fillRef idx="1">
+        <a:scrgbClr r="0" g="0" b="0"/>
+      </a:fillRef>
+      <a:effectRef idx="0">
+        <a:scrgbClr r="0" g="0" b="0"/>
+      </a:effectRef>
+      <a:fontRef idx="minor"/>
+    </dgm:style>
+  </dgm:styleLbl>
+  <dgm:styleLbl name="fgAccFollowNode1">
+    <dgm:scene3d>
+      <a:camera prst="orthographicFront"/>
+      <a:lightRig rig="threePt" dir="t"/>
+    </dgm:scene3d>
+    <dgm:sp3d/>
+    <dgm:txPr/>
+    <dgm:style>
+      <a:lnRef idx="2">
+        <a:scrgbClr r="0" g="0" b="0"/>
+      </a:lnRef>
+      <a:fillRef idx="1">
+        <a:scrgbClr r="0" g="0" b="0"/>
+      </a:fillRef>
+      <a:effectRef idx="0">
+        <a:scrgbClr r="0" g="0" b="0"/>
+      </a:effectRef>
+      <a:fontRef idx="minor"/>
+    </dgm:style>
+  </dgm:styleLbl>
+  <dgm:styleLbl name="alignAccFollowNode1">
+    <dgm:scene3d>
+      <a:camera prst="orthographicFront"/>
+      <a:lightRig rig="threePt" dir="t"/>
+    </dgm:scene3d>
+    <dgm:sp3d/>
+    <dgm:txPr/>
+    <dgm:style>
+      <a:lnRef idx="2">
+        <a:scrgbClr r="0" g="0" b="0"/>
+      </a:lnRef>
+      <a:fillRef idx="1">
+        <a:scrgbClr r="0" g="0" b="0"/>
+      </a:fillRef>
+      <a:effectRef idx="0">
+        <a:scrgbClr r="0" g="0" b="0"/>
+      </a:effectRef>
+      <a:fontRef idx="minor"/>
+    </dgm:style>
+  </dgm:styleLbl>
+  <dgm:styleLbl name="bgAccFollowNode1">
+    <dgm:scene3d>
+      <a:camera prst="orthographicFront"/>
+      <a:lightRig rig="threePt" dir="t"/>
+    </dgm:scene3d>
+    <dgm:sp3d/>
+    <dgm:txPr/>
+    <dgm:style>
+      <a:lnRef idx="2">
+        <a:scrgbClr r="0" g="0" b="0"/>
+      </a:lnRef>
+      <a:fillRef idx="1">
+        <a:scrgbClr r="0" g="0" b="0"/>
+      </a:fillRef>
+      <a:effectRef idx="0">
+        <a:scrgbClr r="0" g="0" b="0"/>
+      </a:effectRef>
+      <a:fontRef idx="minor"/>
+    </dgm:style>
+  </dgm:styleLbl>
+  <dgm:styleLbl name="fgAcc0">
+    <dgm:scene3d>
+      <a:camera prst="orthographicFront"/>
+      <a:lightRig rig="threePt" dir="t"/>
+    </dgm:scene3d>
+    <dgm:sp3d/>
+    <dgm:txPr/>
+    <dgm:style>
+      <a:lnRef idx="2">
+        <a:scrgbClr r="0" g="0" b="0"/>
+      </a:lnRef>
+      <a:fillRef idx="1">
+        <a:scrgbClr r="0" g="0" b="0"/>
+      </a:fillRef>
+      <a:effectRef idx="0">
+        <a:scrgbClr r="0" g="0" b="0"/>
+      </a:effectRef>
+      <a:fontRef idx="minor"/>
+    </dgm:style>
+  </dgm:styleLbl>
+  <dgm:styleLbl name="fgAcc2">
+    <dgm:scene3d>
+      <a:camera prst="orthographicFront"/>
+      <a:lightRig rig="threePt" dir="t"/>
+    </dgm:scene3d>
+    <dgm:sp3d/>
+    <dgm:txPr/>
+    <dgm:style>
+      <a:lnRef idx="2">
+        <a:scrgbClr r="0" g="0" b="0"/>
+      </a:lnRef>
+      <a:fillRef idx="1">
+        <a:scrgbClr r="0" g="0" b="0"/>
+      </a:fillRef>
+      <a:effectRef idx="0">
+        <a:scrgbClr r="0" g="0" b="0"/>
+      </a:effectRef>
+      <a:fontRef idx="minor"/>
+    </dgm:style>
+  </dgm:styleLbl>
+  <dgm:styleLbl name="fgAcc3">
+    <dgm:scene3d>
+      <a:camera prst="orthographicFront"/>
+      <a:lightRig rig="threePt" dir="t"/>
+    </dgm:scene3d>
+    <dgm:sp3d/>
+    <dgm:txPr/>
+    <dgm:style>
+      <a:lnRef idx="2">
+        <a:scrgbClr r="0" g="0" b="0"/>
+      </a:lnRef>
+      <a:fillRef idx="1">
+        <a:scrgbClr r="0" g="0" b="0"/>
+      </a:fillRef>
+      <a:effectRef idx="0">
+        <a:scrgbClr r="0" g="0" b="0"/>
+      </a:effectRef>
+      <a:fontRef idx="minor"/>
+    </dgm:style>
+  </dgm:styleLbl>
+  <dgm:styleLbl name="fgAcc4">
+    <dgm:scene3d>
+      <a:camera prst="orthographicFront"/>
+      <a:lightRig rig="threePt" dir="t"/>
+    </dgm:scene3d>
+    <dgm:sp3d/>
+    <dgm:txPr/>
+    <dgm:style>
+      <a:lnRef idx="2">
+        <a:scrgbClr r="0" g="0" b="0"/>
+      </a:lnRef>
+      <a:fillRef idx="1">
+        <a:scrgbClr r="0" g="0" b="0"/>
+      </a:fillRef>
+      <a:effectRef idx="0">
+        <a:scrgbClr r="0" g="0" b="0"/>
+      </a:effectRef>
+      <a:fontRef idx="minor"/>
+    </dgm:style>
+  </dgm:styleLbl>
+  <dgm:styleLbl name="bgShp">
+    <dgm:scene3d>
+      <a:camera prst="orthographicFront"/>
+      <a:lightRig rig="threePt" dir="t"/>
+    </dgm:scene3d>
+    <dgm:sp3d/>
+    <dgm:txPr/>
+    <dgm:style>
+      <a:lnRef idx="0">
+        <a:scrgbClr r="0" g="0" b="0"/>
+      </a:lnRef>
+      <a:fillRef idx="1">
+        <a:scrgbClr r="0" g="0" b="0"/>
+      </a:fillRef>
+      <a:effectRef idx="0">
+        <a:scrgbClr r="0" g="0" b="0"/>
+      </a:effectRef>
+      <a:fontRef idx="minor"/>
+    </dgm:style>
+  </dgm:styleLbl>
+  <dgm:styleLbl name="dkBgShp">
+    <dgm:scene3d>
+      <a:camera prst="orthographicFront"/>
+      <a:lightRig rig="threePt" dir="t"/>
+    </dgm:scene3d>
+    <dgm:sp3d/>
+    <dgm:txPr/>
+    <dgm:style>
+      <a:lnRef idx="0">
+        <a:scrgbClr r="0" g="0" b="0"/>
+      </a:lnRef>
+      <a:fillRef idx="1">
+        <a:scrgbClr r="0" g="0" b="0"/>
+      </a:fillRef>
+      <a:effectRef idx="0">
+        <a:scrgbClr r="0" g="0" b="0"/>
+      </a:effectRef>
+      <a:fontRef idx="minor"/>
+    </dgm:style>
+  </dgm:styleLbl>
+  <dgm:styleLbl name="trBgShp">
+    <dgm:scene3d>
+      <a:camera prst="orthographicFront"/>
+      <a:lightRig rig="threePt" dir="t"/>
+    </dgm:scene3d>
+    <dgm:sp3d/>
+    <dgm:txPr/>
+    <dgm:style>
+      <a:lnRef idx="0">
+        <a:scrgbClr r="0" g="0" b="0"/>
+      </a:lnRef>
+      <a:fillRef idx="1">
+        <a:scrgbClr r="0" g="0" b="0"/>
+      </a:fillRef>
+      <a:effectRef idx="0">
+        <a:scrgbClr r="0" g="0" b="0"/>
+      </a:effectRef>
+      <a:fontRef idx="minor"/>
+    </dgm:style>
+  </dgm:styleLbl>
+  <dgm:styleLbl name="fgShp">
+    <dgm:scene3d>
+      <a:camera prst="orthographicFront"/>
+      <a:lightRig rig="threePt" dir="t"/>
+    </dgm:scene3d>
+    <dgm:sp3d/>
+    <dgm:txPr/>
+    <dgm:style>
+      <a:lnRef idx="2">
+        <a:scrgbClr r="0" g="0" b="0"/>
+      </a:lnRef>
+      <a:fillRef idx="1">
+        <a:scrgbClr r="0" g="0" b="0"/>
+      </a:fillRef>
+      <a:effectRef idx="0">
+        <a:scrgbClr r="0" g="0" b="0"/>
+      </a:effectRef>
+      <a:fontRef idx="minor"/>
+    </dgm:style>
+  </dgm:styleLbl>
+  <dgm:styleLbl name="revTx">
+    <dgm:scene3d>
+      <a:camera prst="orthographicFront"/>
+      <a:lightRig rig="threePt" dir="t"/>
+    </dgm:scene3d>
+    <dgm:sp3d/>
+    <dgm:txPr/>
+    <dgm:style>
+      <a:lnRef idx="0">
+        <a:scrgbClr r="0" g="0" b="0"/>
+      </a:lnRef>
+      <a:fillRef idx="0">
+        <a:scrgbClr r="0" g="0" b="0"/>
+      </a:fillRef>
+      <a:effectRef idx="0">
+        <a:scrgbClr r="0" g="0" b="0"/>
+      </a:effectRef>
+      <a:fontRef idx="minor"/>
+    </dgm:style>
+  </dgm:styleLbl>
+</dgm:styleDef>
+</file>
+
 <file path=ppt/notesMasters/notesMaster1.xml><?xml version="1.0" encoding="utf-8"?>
 <p:notesMaster xmlns:a="http://schemas.openxmlformats.org/drawingml/2006/main" xmlns:r="http://schemas.openxmlformats.org/officeDocument/2006/relationships" xmlns:p="http://schemas.openxmlformats.org/presentationml/2006/main">
   <p:cSld>
@@ -14828,7 +16362,7 @@
           <a:p>
             <a:fld id="{366CF7EB-1E53-6E49-820E-FB2085D3B8B2}" type="datetimeFigureOut">
               <a:rPr lang="es-ES_tradnl" smtClean="0"/>
-              <a:t>22/04/2017</a:t>
+              <a:t>24/04/2017</a:t>
             </a:fld>
             <a:endParaRPr lang="es-ES_tradnl"/>
           </a:p>
@@ -15274,7 +16808,7 @@
           <a:p>
             <a:fld id="{2675365B-A26E-4577-B15C-2CF88CE88180}" type="datetimeFigureOut">
               <a:rPr lang="en-US" smtClean="0"/>
-              <a:t>4/22/2017</a:t>
+              <a:t>4/24/2017</a:t>
             </a:fld>
             <a:endParaRPr lang="en-US"/>
           </a:p>
@@ -15442,7 +16976,7 @@
           <a:p>
             <a:fld id="{2675365B-A26E-4577-B15C-2CF88CE88180}" type="datetimeFigureOut">
               <a:rPr lang="en-US" smtClean="0"/>
-              <a:t>4/22/2017</a:t>
+              <a:t>4/24/2017</a:t>
             </a:fld>
             <a:endParaRPr lang="en-US"/>
           </a:p>
@@ -15620,7 +17154,7 @@
           <a:p>
             <a:fld id="{2675365B-A26E-4577-B15C-2CF88CE88180}" type="datetimeFigureOut">
               <a:rPr lang="en-US" smtClean="0"/>
-              <a:t>4/22/2017</a:t>
+              <a:t>4/24/2017</a:t>
             </a:fld>
             <a:endParaRPr lang="en-US"/>
           </a:p>
@@ -15788,7 +17322,7 @@
           <a:p>
             <a:fld id="{2675365B-A26E-4577-B15C-2CF88CE88180}" type="datetimeFigureOut">
               <a:rPr lang="en-US" smtClean="0"/>
-              <a:t>4/22/2017</a:t>
+              <a:t>4/24/2017</a:t>
             </a:fld>
             <a:endParaRPr lang="en-US"/>
           </a:p>
@@ -16033,7 +17567,7 @@
           <a:p>
             <a:fld id="{2675365B-A26E-4577-B15C-2CF88CE88180}" type="datetimeFigureOut">
               <a:rPr lang="en-US" smtClean="0"/>
-              <a:t>4/22/2017</a:t>
+              <a:t>4/24/2017</a:t>
             </a:fld>
             <a:endParaRPr lang="en-US"/>
           </a:p>
@@ -16318,7 +17852,7 @@
           <a:p>
             <a:fld id="{2675365B-A26E-4577-B15C-2CF88CE88180}" type="datetimeFigureOut">
               <a:rPr lang="en-US" smtClean="0"/>
-              <a:t>4/22/2017</a:t>
+              <a:t>4/24/2017</a:t>
             </a:fld>
             <a:endParaRPr lang="en-US"/>
           </a:p>
@@ -16737,7 +18271,7 @@
           <a:p>
             <a:fld id="{2675365B-A26E-4577-B15C-2CF88CE88180}" type="datetimeFigureOut">
               <a:rPr lang="en-US" smtClean="0"/>
-              <a:t>4/22/2017</a:t>
+              <a:t>4/24/2017</a:t>
             </a:fld>
             <a:endParaRPr lang="en-US"/>
           </a:p>
@@ -16854,7 +18388,7 @@
           <a:p>
             <a:fld id="{2675365B-A26E-4577-B15C-2CF88CE88180}" type="datetimeFigureOut">
               <a:rPr lang="en-US" smtClean="0"/>
-              <a:t>4/22/2017</a:t>
+              <a:t>4/24/2017</a:t>
             </a:fld>
             <a:endParaRPr lang="en-US"/>
           </a:p>
@@ -16949,7 +18483,7 @@
           <a:p>
             <a:fld id="{2675365B-A26E-4577-B15C-2CF88CE88180}" type="datetimeFigureOut">
               <a:rPr lang="en-US" smtClean="0"/>
-              <a:t>4/22/2017</a:t>
+              <a:t>4/24/2017</a:t>
             </a:fld>
             <a:endParaRPr lang="en-US"/>
           </a:p>
@@ -17224,7 +18758,7 @@
           <a:p>
             <a:fld id="{2675365B-A26E-4577-B15C-2CF88CE88180}" type="datetimeFigureOut">
               <a:rPr lang="en-US" smtClean="0"/>
-              <a:t>4/22/2017</a:t>
+              <a:t>4/24/2017</a:t>
             </a:fld>
             <a:endParaRPr lang="en-US"/>
           </a:p>
@@ -17476,7 +19010,7 @@
           <a:p>
             <a:fld id="{2675365B-A26E-4577-B15C-2CF88CE88180}" type="datetimeFigureOut">
               <a:rPr lang="en-US" smtClean="0"/>
-              <a:t>4/22/2017</a:t>
+              <a:t>4/24/2017</a:t>
             </a:fld>
             <a:endParaRPr lang="en-US"/>
           </a:p>
@@ -17687,7 +19221,7 @@
           <a:p>
             <a:fld id="{2675365B-A26E-4577-B15C-2CF88CE88180}" type="datetimeFigureOut">
               <a:rPr lang="en-US" smtClean="0"/>
-              <a:t>4/22/2017</a:t>
+              <a:t>4/24/2017</a:t>
             </a:fld>
             <a:endParaRPr lang="en-US"/>
           </a:p>
@@ -19018,6 +20552,13 @@
   <p:clrMapOvr>
     <a:masterClrMapping/>
   </p:clrMapOvr>
+  <p:timing>
+    <p:tnLst>
+      <p:par>
+        <p:cTn id="1" dur="indefinite" restart="never" nodeType="tmRoot"/>
+      </p:par>
+    </p:tnLst>
+  </p:timing>
 </p:sld>
 </file>
 
@@ -19247,10 +20788,360 @@
   <p:clrMapOvr>
     <a:masterClrMapping/>
   </p:clrMapOvr>
+  <p:timing>
+    <p:tnLst>
+      <p:par>
+        <p:cTn id="1" dur="indefinite" restart="never" nodeType="tmRoot"/>
+      </p:par>
+    </p:tnLst>
+  </p:timing>
 </p:sld>
 </file>
 
 <file path=ppt/slides/slide14.xml><?xml version="1.0" encoding="utf-8"?>
+<p:sld xmlns:a="http://schemas.openxmlformats.org/drawingml/2006/main" xmlns:r="http://schemas.openxmlformats.org/officeDocument/2006/relationships" xmlns:p="http://schemas.openxmlformats.org/presentationml/2006/main">
+  <p:cSld>
+    <p:spTree>
+      <p:nvGrpSpPr>
+        <p:cNvPr id="1" name=""/>
+        <p:cNvGrpSpPr/>
+        <p:nvPr/>
+      </p:nvGrpSpPr>
+      <p:grpSpPr>
+        <a:xfrm>
+          <a:off x="0" y="0"/>
+          <a:ext cx="0" cy="0"/>
+          <a:chOff x="0" y="0"/>
+          <a:chExt cx="0" cy="0"/>
+        </a:xfrm>
+      </p:grpSpPr>
+      <p:graphicFrame>
+        <p:nvGraphicFramePr>
+          <p:cNvPr id="17" name="Diagrama 16"/>
+          <p:cNvGraphicFramePr/>
+          <p:nvPr>
+            <p:extLst>
+              <p:ext uri="{D42A27DB-BD31-4B8C-83A1-F6EECF244321}">
+                <p14:modId xmlns:p14="http://schemas.microsoft.com/office/powerpoint/2010/main" val="2030822198"/>
+              </p:ext>
+            </p:extLst>
+          </p:nvPr>
+        </p:nvGraphicFramePr>
+        <p:xfrm>
+          <a:off x="1115615" y="1110558"/>
+          <a:ext cx="7529955" cy="5414786"/>
+        </p:xfrm>
+        <a:graphic>
+          <a:graphicData uri="http://schemas.openxmlformats.org/drawingml/2006/diagram">
+            <dgm:relIds xmlns:dgm="http://schemas.openxmlformats.org/drawingml/2006/diagram" xmlns:r="http://schemas.openxmlformats.org/officeDocument/2006/relationships" r:dm="rId2" r:lo="rId3" r:qs="rId4" r:cs="rId5"/>
+          </a:graphicData>
+        </a:graphic>
+      </p:graphicFrame>
+      <p:pic>
+        <p:nvPicPr>
+          <p:cNvPr id="4" name="Picture 4" descr="Resultado de imagen de universitat barcelona"/>
+          <p:cNvPicPr>
+            <a:picLocks noChangeAspect="1" noChangeArrowheads="1"/>
+          </p:cNvPicPr>
+          <p:nvPr/>
+        </p:nvPicPr>
+        <p:blipFill>
+          <a:blip r:embed="rId7" cstate="print">
+            <a:extLst>
+              <a:ext uri="{28A0092B-C50C-407E-A947-70E740481C1C}">
+                <a14:useLocalDpi xmlns:a14="http://schemas.microsoft.com/office/drawing/2010/main" val="0"/>
+              </a:ext>
+            </a:extLst>
+          </a:blip>
+          <a:srcRect/>
+          <a:stretch>
+            <a:fillRect/>
+          </a:stretch>
+        </p:blipFill>
+        <p:spPr bwMode="auto">
+          <a:xfrm>
+            <a:off x="7596336" y="135234"/>
+            <a:ext cx="1196871" cy="350587"/>
+          </a:xfrm>
+          <a:prstGeom prst="rect">
+            <a:avLst/>
+          </a:prstGeom>
+          <a:noFill/>
+          <a:extLst>
+            <a:ext uri="{909E8E84-426E-40DD-AFC4-6F175D3DCCD1}">
+              <a14:hiddenFill xmlns:a14="http://schemas.microsoft.com/office/drawing/2010/main">
+                <a:solidFill>
+                  <a:srgbClr val="FFFFFF"/>
+                </a:solidFill>
+              </a14:hiddenFill>
+            </a:ext>
+          </a:extLst>
+        </p:spPr>
+      </p:pic>
+      <p:sp>
+        <p:nvSpPr>
+          <p:cNvPr id="5" name="Title 1"/>
+          <p:cNvSpPr txBox="1">
+            <a:spLocks/>
+          </p:cNvSpPr>
+          <p:nvPr/>
+        </p:nvSpPr>
+        <p:spPr>
+          <a:xfrm>
+            <a:off x="4287" y="539867"/>
+            <a:ext cx="8229600" cy="341437"/>
+          </a:xfrm>
+          <a:prstGeom prst="rect">
+            <a:avLst/>
+          </a:prstGeom>
+        </p:spPr>
+        <p:txBody>
+          <a:bodyPr vert="horz" lIns="91440" tIns="45720" rIns="91440" bIns="45720" rtlCol="0" anchor="ctr">
+            <a:normAutofit fontScale="90000" lnSpcReduction="20000"/>
+          </a:bodyPr>
+          <a:lstStyle>
+            <a:lvl1pPr algn="ctr" defTabSz="914400" rtl="0" eaLnBrk="1" latinLnBrk="0" hangingPunct="1">
+              <a:spcBef>
+                <a:spcPct val="0"/>
+              </a:spcBef>
+              <a:buNone/>
+              <a:defRPr sz="4400" kern="1200">
+                <a:solidFill>
+                  <a:schemeClr val="tx1"/>
+                </a:solidFill>
+                <a:latin typeface="+mj-lt"/>
+                <a:ea typeface="+mj-ea"/>
+                <a:cs typeface="+mj-cs"/>
+              </a:defRPr>
+            </a:lvl1pPr>
+          </a:lstStyle>
+          <a:p>
+            <a:pPr algn="l"/>
+            <a:r>
+              <a:rPr lang="es-CO" sz="2000" b="1" i="1" dirty="0">
+                <a:solidFill>
+                  <a:schemeClr val="tx2"/>
+                </a:solidFill>
+                <a:effectLst>
+                  <a:outerShdw blurRad="38100" dist="38100" dir="2700000" algn="tl">
+                    <a:srgbClr val="000000">
+                      <a:alpha val="43137"/>
+                    </a:srgbClr>
+                  </a:outerShdw>
+                </a:effectLst>
+              </a:rPr>
+              <a:t>9. </a:t>
+            </a:r>
+            <a:r>
+              <a:rPr lang="es-CO" sz="2200" b="1" i="1" dirty="0">
+                <a:solidFill>
+                  <a:schemeClr val="tx2"/>
+                </a:solidFill>
+                <a:effectLst>
+                  <a:outerShdw blurRad="38100" dist="38100" dir="2700000" algn="tl">
+                    <a:srgbClr val="000000">
+                      <a:alpha val="43137"/>
+                    </a:srgbClr>
+                  </a:outerShdw>
+                </a:effectLst>
+              </a:rPr>
+              <a:t>DISEÑO DE LA SOLUCIÓN</a:t>
+            </a:r>
+            <a:endParaRPr lang="es-ES" sz="2000" b="1" i="1" dirty="0">
+              <a:solidFill>
+                <a:schemeClr val="tx2"/>
+              </a:solidFill>
+              <a:effectLst>
+                <a:outerShdw blurRad="38100" dist="38100" dir="2700000" algn="tl">
+                  <a:srgbClr val="000000">
+                    <a:alpha val="43137"/>
+                  </a:srgbClr>
+                </a:outerShdw>
+              </a:effectLst>
+            </a:endParaRPr>
+          </a:p>
+        </p:txBody>
+      </p:sp>
+      <p:sp>
+        <p:nvSpPr>
+          <p:cNvPr id="9" name="Rectangle 5"/>
+          <p:cNvSpPr>
+            <a:spLocks noChangeArrowheads="1"/>
+          </p:cNvSpPr>
+          <p:nvPr/>
+        </p:nvSpPr>
+        <p:spPr bwMode="auto">
+          <a:xfrm>
+            <a:off x="1115616" y="1639478"/>
+            <a:ext cx="5436096" cy="201538"/>
+          </a:xfrm>
+          <a:prstGeom prst="rect">
+            <a:avLst/>
+          </a:prstGeom>
+          <a:noFill/>
+          <a:ln>
+            <a:noFill/>
+          </a:ln>
+          <a:effectLst/>
+          <a:extLst>
+            <a:ext uri="{909E8E84-426E-40DD-AFC4-6F175D3DCCD1}">
+              <a14:hiddenFill xmlns:a14="http://schemas.microsoft.com/office/drawing/2010/main">
+                <a:solidFill>
+                  <a:schemeClr val="accent1"/>
+                </a:solidFill>
+              </a14:hiddenFill>
+            </a:ext>
+            <a:ext uri="{91240B29-F687-4F45-9708-019B960494DF}">
+              <a14:hiddenLine xmlns:a14="http://schemas.microsoft.com/office/drawing/2010/main" w="9525">
+                <a:solidFill>
+                  <a:schemeClr val="tx1"/>
+                </a:solidFill>
+                <a:miter lim="800000"/>
+                <a:headEnd/>
+                <a:tailEnd/>
+              </a14:hiddenLine>
+            </a:ext>
+            <a:ext uri="{AF507438-7753-43E0-B8FC-AC1667EBCBE1}">
+              <a14:hiddenEffects xmlns:a14="http://schemas.microsoft.com/office/drawing/2010/main">
+                <a:effectLst>
+                  <a:outerShdw dist="35921" dir="2700000" algn="ctr" rotWithShape="0">
+                    <a:schemeClr val="bg2"/>
+                  </a:outerShdw>
+                </a:effectLst>
+              </a14:hiddenEffects>
+            </a:ext>
+          </a:extLst>
+        </p:spPr>
+        <p:txBody>
+          <a:bodyPr vert="horz" wrap="square" lIns="91440" tIns="45720" rIns="91440" bIns="45720" numCol="1" anchor="ctr" anchorCtr="0" compatLnSpc="1">
+            <a:prstTxWarp prst="textNoShape">
+              <a:avLst/>
+            </a:prstTxWarp>
+            <a:spAutoFit/>
+          </a:bodyPr>
+          <a:lstStyle/>
+          <a:p>
+            <a:endParaRPr lang="es-CO"/>
+          </a:p>
+        </p:txBody>
+      </p:sp>
+      <p:pic>
+        <p:nvPicPr>
+          <p:cNvPr id="13" name="Imagen 12"/>
+          <p:cNvPicPr>
+            <a:picLocks noChangeAspect="1"/>
+          </p:cNvPicPr>
+          <p:nvPr/>
+        </p:nvPicPr>
+        <p:blipFill>
+          <a:blip r:embed="rId8"/>
+          <a:stretch>
+            <a:fillRect/>
+          </a:stretch>
+        </p:blipFill>
+        <p:spPr>
+          <a:xfrm>
+            <a:off x="3385175" y="1740619"/>
+            <a:ext cx="1114276" cy="1114276"/>
+          </a:xfrm>
+          <a:prstGeom prst="rect">
+            <a:avLst/>
+          </a:prstGeom>
+        </p:spPr>
+      </p:pic>
+      <p:pic>
+        <p:nvPicPr>
+          <p:cNvPr id="15" name="Imagen 14"/>
+          <p:cNvPicPr>
+            <a:picLocks noChangeAspect="1"/>
+          </p:cNvPicPr>
+          <p:nvPr/>
+        </p:nvPicPr>
+        <p:blipFill>
+          <a:blip r:embed="rId9"/>
+          <a:stretch>
+            <a:fillRect/>
+          </a:stretch>
+        </p:blipFill>
+        <p:spPr>
+          <a:xfrm>
+            <a:off x="1429590" y="1740619"/>
+            <a:ext cx="1190206" cy="1114275"/>
+          </a:xfrm>
+          <a:prstGeom prst="rect">
+            <a:avLst/>
+          </a:prstGeom>
+        </p:spPr>
+      </p:pic>
+      <p:pic>
+        <p:nvPicPr>
+          <p:cNvPr id="12" name="Imagen 11"/>
+          <p:cNvPicPr>
+            <a:picLocks noChangeAspect="1"/>
+          </p:cNvPicPr>
+          <p:nvPr/>
+        </p:nvPicPr>
+        <p:blipFill>
+          <a:blip r:embed="rId10"/>
+          <a:stretch>
+            <a:fillRect/>
+          </a:stretch>
+        </p:blipFill>
+        <p:spPr>
+          <a:xfrm>
+            <a:off x="7213351" y="1841016"/>
+            <a:ext cx="1106713" cy="1013878"/>
+          </a:xfrm>
+          <a:prstGeom prst="rect">
+            <a:avLst/>
+          </a:prstGeom>
+        </p:spPr>
+      </p:pic>
+      <p:pic>
+        <p:nvPicPr>
+          <p:cNvPr id="16" name="Imagen 15"/>
+          <p:cNvPicPr>
+            <a:picLocks noChangeAspect="1"/>
+          </p:cNvPicPr>
+          <p:nvPr/>
+        </p:nvPicPr>
+        <p:blipFill>
+          <a:blip r:embed="rId11"/>
+          <a:stretch>
+            <a:fillRect/>
+          </a:stretch>
+        </p:blipFill>
+        <p:spPr>
+          <a:xfrm>
+            <a:off x="5161090" y="1841016"/>
+            <a:ext cx="1264980" cy="1013878"/>
+          </a:xfrm>
+          <a:prstGeom prst="rect">
+            <a:avLst/>
+          </a:prstGeom>
+        </p:spPr>
+      </p:pic>
+    </p:spTree>
+    <p:extLst>
+      <p:ext uri="{BB962C8B-B14F-4D97-AF65-F5344CB8AC3E}">
+        <p14:creationId xmlns:p14="http://schemas.microsoft.com/office/powerpoint/2010/main" val="44443553"/>
+      </p:ext>
+    </p:extLst>
+  </p:cSld>
+  <p:clrMapOvr>
+    <a:masterClrMapping/>
+  </p:clrMapOvr>
+  <p:timing>
+    <p:tnLst>
+      <p:par>
+        <p:cTn id="1" dur="indefinite" restart="never" nodeType="tmRoot"/>
+      </p:par>
+    </p:tnLst>
+  </p:timing>
+</p:sld>
+</file>
+
+<file path=ppt/slides/slide15.xml><?xml version="1.0" encoding="utf-8"?>
 <p:sld xmlns:a="http://schemas.openxmlformats.org/drawingml/2006/main" xmlns:r="http://schemas.openxmlformats.org/officeDocument/2006/relationships" xmlns:p="http://schemas.openxmlformats.org/presentationml/2006/main">
   <p:cSld>
     <p:bg>
@@ -19301,28 +21192,28 @@
                 <a:gridCol w="1469706">
                   <a:extLst>
                     <a:ext uri="{9D8B030D-6E8A-4147-A177-3AD203B41FA5}">
-                      <a16:colId xmlns:a16="http://schemas.microsoft.com/office/drawing/2014/main" val="20000"/>
+                      <a16:colId xmlns:a16="http://schemas.microsoft.com/office/drawing/2014/main" xmlns="" val="20000"/>
                     </a:ext>
                   </a:extLst>
                 </a:gridCol>
                 <a:gridCol w="879380">
                   <a:extLst>
                     <a:ext uri="{9D8B030D-6E8A-4147-A177-3AD203B41FA5}">
-                      <a16:colId xmlns:a16="http://schemas.microsoft.com/office/drawing/2014/main" val="20001"/>
+                      <a16:colId xmlns:a16="http://schemas.microsoft.com/office/drawing/2014/main" xmlns="" val="20001"/>
                     </a:ext>
                   </a:extLst>
                 </a:gridCol>
                 <a:gridCol w="894889">
                   <a:extLst>
                     <a:ext uri="{9D8B030D-6E8A-4147-A177-3AD203B41FA5}">
-                      <a16:colId xmlns:a16="http://schemas.microsoft.com/office/drawing/2014/main" val="20002"/>
+                      <a16:colId xmlns:a16="http://schemas.microsoft.com/office/drawing/2014/main" xmlns="" val="20002"/>
                     </a:ext>
                   </a:extLst>
                 </a:gridCol>
                 <a:gridCol w="932490">
                   <a:extLst>
                     <a:ext uri="{9D8B030D-6E8A-4147-A177-3AD203B41FA5}">
-                      <a16:colId xmlns:a16="http://schemas.microsoft.com/office/drawing/2014/main" val="20003"/>
+                      <a16:colId xmlns:a16="http://schemas.microsoft.com/office/drawing/2014/main" xmlns="" val="20003"/>
                     </a:ext>
                   </a:extLst>
                 </a:gridCol>
@@ -19458,7 +21349,7 @@
                 </a:tc>
                 <a:extLst>
                   <a:ext uri="{0D108BD9-81ED-4DB2-BD59-A6C34878D82A}">
-                    <a16:rowId xmlns:a16="http://schemas.microsoft.com/office/drawing/2014/main" val="10000"/>
+                    <a16:rowId xmlns:a16="http://schemas.microsoft.com/office/drawing/2014/main" xmlns="" val="10000"/>
                   </a:ext>
                 </a:extLst>
               </a:tr>
@@ -19569,7 +21460,7 @@
                 </a:tc>
                 <a:extLst>
                   <a:ext uri="{0D108BD9-81ED-4DB2-BD59-A6C34878D82A}">
-                    <a16:rowId xmlns:a16="http://schemas.microsoft.com/office/drawing/2014/main" val="10001"/>
+                    <a16:rowId xmlns:a16="http://schemas.microsoft.com/office/drawing/2014/main" xmlns="" val="10001"/>
                   </a:ext>
                 </a:extLst>
               </a:tr>
@@ -19680,7 +21571,7 @@
                 </a:tc>
                 <a:extLst>
                   <a:ext uri="{0D108BD9-81ED-4DB2-BD59-A6C34878D82A}">
-                    <a16:rowId xmlns:a16="http://schemas.microsoft.com/office/drawing/2014/main" val="10002"/>
+                    <a16:rowId xmlns:a16="http://schemas.microsoft.com/office/drawing/2014/main" xmlns="" val="10002"/>
                   </a:ext>
                 </a:extLst>
               </a:tr>
@@ -19791,7 +21682,7 @@
                 </a:tc>
                 <a:extLst>
                   <a:ext uri="{0D108BD9-81ED-4DB2-BD59-A6C34878D82A}">
-                    <a16:rowId xmlns:a16="http://schemas.microsoft.com/office/drawing/2014/main" val="10003"/>
+                    <a16:rowId xmlns:a16="http://schemas.microsoft.com/office/drawing/2014/main" xmlns="" val="10003"/>
                   </a:ext>
                 </a:extLst>
               </a:tr>
@@ -19902,7 +21793,7 @@
                 </a:tc>
                 <a:extLst>
                   <a:ext uri="{0D108BD9-81ED-4DB2-BD59-A6C34878D82A}">
-                    <a16:rowId xmlns:a16="http://schemas.microsoft.com/office/drawing/2014/main" val="10004"/>
+                    <a16:rowId xmlns:a16="http://schemas.microsoft.com/office/drawing/2014/main" xmlns="" val="10004"/>
                   </a:ext>
                 </a:extLst>
               </a:tr>
@@ -20013,7 +21904,7 @@
                 </a:tc>
                 <a:extLst>
                   <a:ext uri="{0D108BD9-81ED-4DB2-BD59-A6C34878D82A}">
-                    <a16:rowId xmlns:a16="http://schemas.microsoft.com/office/drawing/2014/main" val="10005"/>
+                    <a16:rowId xmlns:a16="http://schemas.microsoft.com/office/drawing/2014/main" xmlns="" val="10005"/>
                   </a:ext>
                 </a:extLst>
               </a:tr>
@@ -20124,7 +22015,7 @@
                 </a:tc>
                 <a:extLst>
                   <a:ext uri="{0D108BD9-81ED-4DB2-BD59-A6C34878D82A}">
-                    <a16:rowId xmlns:a16="http://schemas.microsoft.com/office/drawing/2014/main" val="10006"/>
+                    <a16:rowId xmlns:a16="http://schemas.microsoft.com/office/drawing/2014/main" xmlns="" val="10006"/>
                   </a:ext>
                 </a:extLst>
               </a:tr>
@@ -20235,7 +22126,7 @@
                 </a:tc>
                 <a:extLst>
                   <a:ext uri="{0D108BD9-81ED-4DB2-BD59-A6C34878D82A}">
-                    <a16:rowId xmlns:a16="http://schemas.microsoft.com/office/drawing/2014/main" val="10007"/>
+                    <a16:rowId xmlns:a16="http://schemas.microsoft.com/office/drawing/2014/main" xmlns="" val="10007"/>
                   </a:ext>
                 </a:extLst>
               </a:tr>
@@ -20346,7 +22237,7 @@
                 </a:tc>
                 <a:extLst>
                   <a:ext uri="{0D108BD9-81ED-4DB2-BD59-A6C34878D82A}">
-                    <a16:rowId xmlns:a16="http://schemas.microsoft.com/office/drawing/2014/main" val="10008"/>
+                    <a16:rowId xmlns:a16="http://schemas.microsoft.com/office/drawing/2014/main" xmlns="" val="10008"/>
                   </a:ext>
                 </a:extLst>
               </a:tr>
@@ -20447,35 +22338,35 @@
                 <a:gridCol w="1992620">
                   <a:extLst>
                     <a:ext uri="{9D8B030D-6E8A-4147-A177-3AD203B41FA5}">
-                      <a16:colId xmlns:a16="http://schemas.microsoft.com/office/drawing/2014/main" val="20000"/>
+                      <a16:colId xmlns:a16="http://schemas.microsoft.com/office/drawing/2014/main" xmlns="" val="20000"/>
                     </a:ext>
                   </a:extLst>
                 </a:gridCol>
                 <a:gridCol w="1098511">
                   <a:extLst>
                     <a:ext uri="{9D8B030D-6E8A-4147-A177-3AD203B41FA5}">
-                      <a16:colId xmlns:a16="http://schemas.microsoft.com/office/drawing/2014/main" val="20001"/>
+                      <a16:colId xmlns:a16="http://schemas.microsoft.com/office/drawing/2014/main" xmlns="" val="20001"/>
                     </a:ext>
                   </a:extLst>
                 </a:gridCol>
                 <a:gridCol w="916820">
                   <a:extLst>
                     <a:ext uri="{9D8B030D-6E8A-4147-A177-3AD203B41FA5}">
-                      <a16:colId xmlns:a16="http://schemas.microsoft.com/office/drawing/2014/main" val="20002"/>
+                      <a16:colId xmlns:a16="http://schemas.microsoft.com/office/drawing/2014/main" xmlns="" val="20002"/>
                     </a:ext>
                   </a:extLst>
                 </a:gridCol>
                 <a:gridCol w="960602">
                   <a:extLst>
                     <a:ext uri="{9D8B030D-6E8A-4147-A177-3AD203B41FA5}">
-                      <a16:colId xmlns:a16="http://schemas.microsoft.com/office/drawing/2014/main" val="20003"/>
+                      <a16:colId xmlns:a16="http://schemas.microsoft.com/office/drawing/2014/main" xmlns="" val="20003"/>
                     </a:ext>
                   </a:extLst>
                 </a:gridCol>
                 <a:gridCol w="1008112">
                   <a:extLst>
                     <a:ext uri="{9D8B030D-6E8A-4147-A177-3AD203B41FA5}">
-                      <a16:colId xmlns:a16="http://schemas.microsoft.com/office/drawing/2014/main" val="20004"/>
+                      <a16:colId xmlns:a16="http://schemas.microsoft.com/office/drawing/2014/main" xmlns="" val="20004"/>
                     </a:ext>
                   </a:extLst>
                 </a:gridCol>
@@ -20613,7 +22504,7 @@
                 </a:tc>
                 <a:extLst>
                   <a:ext uri="{0D108BD9-81ED-4DB2-BD59-A6C34878D82A}">
-                    <a16:rowId xmlns:a16="http://schemas.microsoft.com/office/drawing/2014/main" val="10000"/>
+                    <a16:rowId xmlns:a16="http://schemas.microsoft.com/office/drawing/2014/main" xmlns="" val="10000"/>
                   </a:ext>
                 </a:extLst>
               </a:tr>
@@ -20750,7 +22641,7 @@
                 </a:tc>
                 <a:extLst>
                   <a:ext uri="{0D108BD9-81ED-4DB2-BD59-A6C34878D82A}">
-                    <a16:rowId xmlns:a16="http://schemas.microsoft.com/office/drawing/2014/main" val="10001"/>
+                    <a16:rowId xmlns:a16="http://schemas.microsoft.com/office/drawing/2014/main" xmlns="" val="10001"/>
                   </a:ext>
                 </a:extLst>
               </a:tr>
@@ -20887,7 +22778,7 @@
                 </a:tc>
                 <a:extLst>
                   <a:ext uri="{0D108BD9-81ED-4DB2-BD59-A6C34878D82A}">
-                    <a16:rowId xmlns:a16="http://schemas.microsoft.com/office/drawing/2014/main" val="10002"/>
+                    <a16:rowId xmlns:a16="http://schemas.microsoft.com/office/drawing/2014/main" xmlns="" val="10002"/>
                   </a:ext>
                 </a:extLst>
               </a:tr>
@@ -21024,7 +22915,7 @@
                 </a:tc>
                 <a:extLst>
                   <a:ext uri="{0D108BD9-81ED-4DB2-BD59-A6C34878D82A}">
-                    <a16:rowId xmlns:a16="http://schemas.microsoft.com/office/drawing/2014/main" val="10003"/>
+                    <a16:rowId xmlns:a16="http://schemas.microsoft.com/office/drawing/2014/main" xmlns="" val="10003"/>
                   </a:ext>
                 </a:extLst>
               </a:tr>
@@ -21161,7 +23052,7 @@
                 </a:tc>
                 <a:extLst>
                   <a:ext uri="{0D108BD9-81ED-4DB2-BD59-A6C34878D82A}">
-                    <a16:rowId xmlns:a16="http://schemas.microsoft.com/office/drawing/2014/main" val="10004"/>
+                    <a16:rowId xmlns:a16="http://schemas.microsoft.com/office/drawing/2014/main" xmlns="" val="10004"/>
                   </a:ext>
                 </a:extLst>
               </a:tr>
@@ -21298,7 +23189,7 @@
                 </a:tc>
                 <a:extLst>
                   <a:ext uri="{0D108BD9-81ED-4DB2-BD59-A6C34878D82A}">
-                    <a16:rowId xmlns:a16="http://schemas.microsoft.com/office/drawing/2014/main" val="10005"/>
+                    <a16:rowId xmlns:a16="http://schemas.microsoft.com/office/drawing/2014/main" xmlns="" val="10005"/>
                   </a:ext>
                 </a:extLst>
               </a:tr>
@@ -21435,7 +23326,7 @@
                 </a:tc>
                 <a:extLst>
                   <a:ext uri="{0D108BD9-81ED-4DB2-BD59-A6C34878D82A}">
-                    <a16:rowId xmlns:a16="http://schemas.microsoft.com/office/drawing/2014/main" val="10006"/>
+                    <a16:rowId xmlns:a16="http://schemas.microsoft.com/office/drawing/2014/main" xmlns="" val="10006"/>
                   </a:ext>
                 </a:extLst>
               </a:tr>
@@ -21603,10 +23494,17 @@
   <p:clrMapOvr>
     <a:overrideClrMapping bg1="lt1" tx1="dk1" bg2="lt2" tx2="dk2" accent1="accent1" accent2="accent2" accent3="accent3" accent4="accent4" accent5="accent5" accent6="accent6" hlink="hlink" folHlink="folHlink"/>
   </p:clrMapOvr>
+  <p:timing>
+    <p:tnLst>
+      <p:par>
+        <p:cTn id="1" dur="indefinite" restart="never" nodeType="tmRoot"/>
+      </p:par>
+    </p:tnLst>
+  </p:timing>
 </p:sld>
 </file>
 
-<file path=ppt/slides/slide15.xml><?xml version="1.0" encoding="utf-8"?>
+<file path=ppt/slides/slide16.xml><?xml version="1.0" encoding="utf-8"?>
 <p:sld xmlns:a="http://schemas.openxmlformats.org/drawingml/2006/main" xmlns:r="http://schemas.openxmlformats.org/officeDocument/2006/relationships" xmlns:p="http://schemas.openxmlformats.org/presentationml/2006/main">
   <p:cSld>
     <p:spTree>
@@ -21825,10 +23723,17 @@
   <p:clrMapOvr>
     <a:masterClrMapping/>
   </p:clrMapOvr>
+  <p:timing>
+    <p:tnLst>
+      <p:par>
+        <p:cTn id="1" dur="indefinite" restart="never" nodeType="tmRoot"/>
+      </p:par>
+    </p:tnLst>
+  </p:timing>
 </p:sld>
 </file>
 
-<file path=ppt/slides/slide16.xml><?xml version="1.0" encoding="utf-8"?>
+<file path=ppt/slides/slide17.xml><?xml version="1.0" encoding="utf-8"?>
 <p:sld xmlns:a="http://schemas.openxmlformats.org/drawingml/2006/main" xmlns:r="http://schemas.openxmlformats.org/officeDocument/2006/relationships" xmlns:p="http://schemas.openxmlformats.org/presentationml/2006/main">
   <p:cSld>
     <p:spTree>
@@ -21874,28 +23779,28 @@
                 <a:gridCol w="1080120">
                   <a:extLst>
                     <a:ext uri="{9D8B030D-6E8A-4147-A177-3AD203B41FA5}">
-                      <a16:colId xmlns:a16="http://schemas.microsoft.com/office/drawing/2014/main" val="20000"/>
+                      <a16:colId xmlns:a16="http://schemas.microsoft.com/office/drawing/2014/main" xmlns="" val="20000"/>
                     </a:ext>
                   </a:extLst>
                 </a:gridCol>
                 <a:gridCol w="2016224">
                   <a:extLst>
                     <a:ext uri="{9D8B030D-6E8A-4147-A177-3AD203B41FA5}">
-                      <a16:colId xmlns:a16="http://schemas.microsoft.com/office/drawing/2014/main" val="20001"/>
+                      <a16:colId xmlns:a16="http://schemas.microsoft.com/office/drawing/2014/main" xmlns="" val="20001"/>
                     </a:ext>
                   </a:extLst>
                 </a:gridCol>
                 <a:gridCol w="3024336">
                   <a:extLst>
                     <a:ext uri="{9D8B030D-6E8A-4147-A177-3AD203B41FA5}">
-                      <a16:colId xmlns:a16="http://schemas.microsoft.com/office/drawing/2014/main" val="20002"/>
+                      <a16:colId xmlns:a16="http://schemas.microsoft.com/office/drawing/2014/main" xmlns="" val="20002"/>
                     </a:ext>
                   </a:extLst>
                 </a:gridCol>
                 <a:gridCol w="2016223">
                   <a:extLst>
                     <a:ext uri="{9D8B030D-6E8A-4147-A177-3AD203B41FA5}">
-                      <a16:colId xmlns:a16="http://schemas.microsoft.com/office/drawing/2014/main" val="20003"/>
+                      <a16:colId xmlns:a16="http://schemas.microsoft.com/office/drawing/2014/main" xmlns="" val="20003"/>
                     </a:ext>
                   </a:extLst>
                 </a:gridCol>
@@ -22007,7 +23912,7 @@
                 </a:tc>
                 <a:extLst>
                   <a:ext uri="{0D108BD9-81ED-4DB2-BD59-A6C34878D82A}">
-                    <a16:rowId xmlns:a16="http://schemas.microsoft.com/office/drawing/2014/main" val="10000"/>
+                    <a16:rowId xmlns:a16="http://schemas.microsoft.com/office/drawing/2014/main" xmlns="" val="10000"/>
                   </a:ext>
                 </a:extLst>
               </a:tr>
@@ -22118,7 +24023,7 @@
                 </a:tc>
                 <a:extLst>
                   <a:ext uri="{0D108BD9-81ED-4DB2-BD59-A6C34878D82A}">
-                    <a16:rowId xmlns:a16="http://schemas.microsoft.com/office/drawing/2014/main" val="10001"/>
+                    <a16:rowId xmlns:a16="http://schemas.microsoft.com/office/drawing/2014/main" xmlns="" val="10001"/>
                   </a:ext>
                 </a:extLst>
               </a:tr>
@@ -22229,7 +24134,7 @@
                 </a:tc>
                 <a:extLst>
                   <a:ext uri="{0D108BD9-81ED-4DB2-BD59-A6C34878D82A}">
-                    <a16:rowId xmlns:a16="http://schemas.microsoft.com/office/drawing/2014/main" val="10002"/>
+                    <a16:rowId xmlns:a16="http://schemas.microsoft.com/office/drawing/2014/main" xmlns="" val="10002"/>
                   </a:ext>
                 </a:extLst>
               </a:tr>
@@ -22340,7 +24245,7 @@
                 </a:tc>
                 <a:extLst>
                   <a:ext uri="{0D108BD9-81ED-4DB2-BD59-A6C34878D82A}">
-                    <a16:rowId xmlns:a16="http://schemas.microsoft.com/office/drawing/2014/main" val="10003"/>
+                    <a16:rowId xmlns:a16="http://schemas.microsoft.com/office/drawing/2014/main" xmlns="" val="10003"/>
                   </a:ext>
                 </a:extLst>
               </a:tr>
@@ -22451,7 +24356,7 @@
                 </a:tc>
                 <a:extLst>
                   <a:ext uri="{0D108BD9-81ED-4DB2-BD59-A6C34878D82A}">
-                    <a16:rowId xmlns:a16="http://schemas.microsoft.com/office/drawing/2014/main" val="10004"/>
+                    <a16:rowId xmlns:a16="http://schemas.microsoft.com/office/drawing/2014/main" xmlns="" val="10004"/>
                   </a:ext>
                 </a:extLst>
               </a:tr>
@@ -22562,7 +24467,7 @@
                 </a:tc>
                 <a:extLst>
                   <a:ext uri="{0D108BD9-81ED-4DB2-BD59-A6C34878D82A}">
-                    <a16:rowId xmlns:a16="http://schemas.microsoft.com/office/drawing/2014/main" val="10005"/>
+                    <a16:rowId xmlns:a16="http://schemas.microsoft.com/office/drawing/2014/main" xmlns="" val="10005"/>
                   </a:ext>
                 </a:extLst>
               </a:tr>
@@ -22673,7 +24578,7 @@
                 </a:tc>
                 <a:extLst>
                   <a:ext uri="{0D108BD9-81ED-4DB2-BD59-A6C34878D82A}">
-                    <a16:rowId xmlns:a16="http://schemas.microsoft.com/office/drawing/2014/main" val="10006"/>
+                    <a16:rowId xmlns:a16="http://schemas.microsoft.com/office/drawing/2014/main" xmlns="" val="10006"/>
                   </a:ext>
                 </a:extLst>
               </a:tr>
@@ -22784,7 +24689,7 @@
                 </a:tc>
                 <a:extLst>
                   <a:ext uri="{0D108BD9-81ED-4DB2-BD59-A6C34878D82A}">
-                    <a16:rowId xmlns:a16="http://schemas.microsoft.com/office/drawing/2014/main" val="10007"/>
+                    <a16:rowId xmlns:a16="http://schemas.microsoft.com/office/drawing/2014/main" xmlns="" val="10007"/>
                   </a:ext>
                 </a:extLst>
               </a:tr>
@@ -22952,10 +24857,17 @@
   <p:clrMapOvr>
     <a:masterClrMapping/>
   </p:clrMapOvr>
+  <p:timing>
+    <p:tnLst>
+      <p:par>
+        <p:cTn id="1" dur="indefinite" restart="never" nodeType="tmRoot"/>
+      </p:par>
+    </p:tnLst>
+  </p:timing>
 </p:sld>
 </file>
 
-<file path=ppt/slides/slide17.xml><?xml version="1.0" encoding="utf-8"?>
+<file path=ppt/slides/slide18.xml><?xml version="1.0" encoding="utf-8"?>
 <p:sld xmlns:a="http://schemas.openxmlformats.org/drawingml/2006/main" xmlns:r="http://schemas.openxmlformats.org/officeDocument/2006/relationships" xmlns:p="http://schemas.openxmlformats.org/presentationml/2006/main">
   <p:cSld>
     <p:spTree>
@@ -23001,84 +24913,84 @@
                 <a:gridCol w="1073057">
                   <a:extLst>
                     <a:ext uri="{9D8B030D-6E8A-4147-A177-3AD203B41FA5}">
-                      <a16:colId xmlns:a16="http://schemas.microsoft.com/office/drawing/2014/main" val="20000"/>
+                      <a16:colId xmlns:a16="http://schemas.microsoft.com/office/drawing/2014/main" xmlns="" val="20000"/>
                     </a:ext>
                   </a:extLst>
                 </a:gridCol>
                 <a:gridCol w="223085">
                   <a:extLst>
                     <a:ext uri="{9D8B030D-6E8A-4147-A177-3AD203B41FA5}">
-                      <a16:colId xmlns:a16="http://schemas.microsoft.com/office/drawing/2014/main" val="20001"/>
+                      <a16:colId xmlns:a16="http://schemas.microsoft.com/office/drawing/2014/main" xmlns="" val="20001"/>
                     </a:ext>
                   </a:extLst>
                 </a:gridCol>
                 <a:gridCol w="1598159">
                   <a:extLst>
                     <a:ext uri="{9D8B030D-6E8A-4147-A177-3AD203B41FA5}">
-                      <a16:colId xmlns:a16="http://schemas.microsoft.com/office/drawing/2014/main" val="20002"/>
+                      <a16:colId xmlns:a16="http://schemas.microsoft.com/office/drawing/2014/main" xmlns="" val="20002"/>
                     </a:ext>
                   </a:extLst>
                 </a:gridCol>
                 <a:gridCol w="643178">
                   <a:extLst>
                     <a:ext uri="{9D8B030D-6E8A-4147-A177-3AD203B41FA5}">
-                      <a16:colId xmlns:a16="http://schemas.microsoft.com/office/drawing/2014/main" val="20003"/>
+                      <a16:colId xmlns:a16="http://schemas.microsoft.com/office/drawing/2014/main" xmlns="" val="20003"/>
                     </a:ext>
                   </a:extLst>
                 </a:gridCol>
                 <a:gridCol w="562781">
                   <a:extLst>
                     <a:ext uri="{9D8B030D-6E8A-4147-A177-3AD203B41FA5}">
-                      <a16:colId xmlns:a16="http://schemas.microsoft.com/office/drawing/2014/main" val="20004"/>
+                      <a16:colId xmlns:a16="http://schemas.microsoft.com/office/drawing/2014/main" xmlns="" val="20004"/>
                     </a:ext>
                   </a:extLst>
                 </a:gridCol>
                 <a:gridCol w="1045165">
                   <a:extLst>
                     <a:ext uri="{9D8B030D-6E8A-4147-A177-3AD203B41FA5}">
-                      <a16:colId xmlns:a16="http://schemas.microsoft.com/office/drawing/2014/main" val="20005"/>
+                      <a16:colId xmlns:a16="http://schemas.microsoft.com/office/drawing/2014/main" xmlns="" val="20005"/>
                     </a:ext>
                   </a:extLst>
                 </a:gridCol>
                 <a:gridCol w="562781">
                   <a:extLst>
                     <a:ext uri="{9D8B030D-6E8A-4147-A177-3AD203B41FA5}">
-                      <a16:colId xmlns:a16="http://schemas.microsoft.com/office/drawing/2014/main" val="20006"/>
+                      <a16:colId xmlns:a16="http://schemas.microsoft.com/office/drawing/2014/main" xmlns="" val="20006"/>
                     </a:ext>
                   </a:extLst>
                 </a:gridCol>
                 <a:gridCol w="401986">
                   <a:extLst>
                     <a:ext uri="{9D8B030D-6E8A-4147-A177-3AD203B41FA5}">
-                      <a16:colId xmlns:a16="http://schemas.microsoft.com/office/drawing/2014/main" val="20007"/>
+                      <a16:colId xmlns:a16="http://schemas.microsoft.com/office/drawing/2014/main" xmlns="" val="20007"/>
                     </a:ext>
                   </a:extLst>
                 </a:gridCol>
                 <a:gridCol w="643178">
                   <a:extLst>
                     <a:ext uri="{9D8B030D-6E8A-4147-A177-3AD203B41FA5}">
-                      <a16:colId xmlns:a16="http://schemas.microsoft.com/office/drawing/2014/main" val="20008"/>
+                      <a16:colId xmlns:a16="http://schemas.microsoft.com/office/drawing/2014/main" xmlns="" val="20008"/>
                     </a:ext>
                   </a:extLst>
                 </a:gridCol>
                 <a:gridCol w="401986">
                   <a:extLst>
                     <a:ext uri="{9D8B030D-6E8A-4147-A177-3AD203B41FA5}">
-                      <a16:colId xmlns:a16="http://schemas.microsoft.com/office/drawing/2014/main" val="20009"/>
+                      <a16:colId xmlns:a16="http://schemas.microsoft.com/office/drawing/2014/main" xmlns="" val="20009"/>
                     </a:ext>
                   </a:extLst>
                 </a:gridCol>
                 <a:gridCol w="562781">
                   <a:extLst>
                     <a:ext uri="{9D8B030D-6E8A-4147-A177-3AD203B41FA5}">
-                      <a16:colId xmlns:a16="http://schemas.microsoft.com/office/drawing/2014/main" val="20010"/>
+                      <a16:colId xmlns:a16="http://schemas.microsoft.com/office/drawing/2014/main" xmlns="" val="20010"/>
                     </a:ext>
                   </a:extLst>
                 </a:gridCol>
                 <a:gridCol w="562781">
                   <a:extLst>
                     <a:ext uri="{9D8B030D-6E8A-4147-A177-3AD203B41FA5}">
-                      <a16:colId xmlns:a16="http://schemas.microsoft.com/office/drawing/2014/main" val="20011"/>
+                      <a16:colId xmlns:a16="http://schemas.microsoft.com/office/drawing/2014/main" xmlns="" val="20011"/>
                     </a:ext>
                   </a:extLst>
                 </a:gridCol>
@@ -23385,7 +25297,7 @@
                 </a:tc>
                 <a:extLst>
                   <a:ext uri="{0D108BD9-81ED-4DB2-BD59-A6C34878D82A}">
-                    <a16:rowId xmlns:a16="http://schemas.microsoft.com/office/drawing/2014/main" val="10000"/>
+                    <a16:rowId xmlns:a16="http://schemas.microsoft.com/office/drawing/2014/main" xmlns="" val="10000"/>
                   </a:ext>
                 </a:extLst>
               </a:tr>
@@ -23528,7 +25440,7 @@
                 </a:tc>
                 <a:extLst>
                   <a:ext uri="{0D108BD9-81ED-4DB2-BD59-A6C34878D82A}">
-                    <a16:rowId xmlns:a16="http://schemas.microsoft.com/office/drawing/2014/main" val="10001"/>
+                    <a16:rowId xmlns:a16="http://schemas.microsoft.com/office/drawing/2014/main" xmlns="" val="10001"/>
                   </a:ext>
                 </a:extLst>
               </a:tr>
@@ -23828,7 +25740,7 @@
                 </a:tc>
                 <a:extLst>
                   <a:ext uri="{0D108BD9-81ED-4DB2-BD59-A6C34878D82A}">
-                    <a16:rowId xmlns:a16="http://schemas.microsoft.com/office/drawing/2014/main" val="10002"/>
+                    <a16:rowId xmlns:a16="http://schemas.microsoft.com/office/drawing/2014/main" xmlns="" val="10002"/>
                   </a:ext>
                 </a:extLst>
               </a:tr>
@@ -24112,7 +26024,7 @@
                 </a:tc>
                 <a:extLst>
                   <a:ext uri="{0D108BD9-81ED-4DB2-BD59-A6C34878D82A}">
-                    <a16:rowId xmlns:a16="http://schemas.microsoft.com/office/drawing/2014/main" val="10003"/>
+                    <a16:rowId xmlns:a16="http://schemas.microsoft.com/office/drawing/2014/main" xmlns="" val="10003"/>
                   </a:ext>
                 </a:extLst>
               </a:tr>
@@ -24396,7 +26308,7 @@
                 </a:tc>
                 <a:extLst>
                   <a:ext uri="{0D108BD9-81ED-4DB2-BD59-A6C34878D82A}">
-                    <a16:rowId xmlns:a16="http://schemas.microsoft.com/office/drawing/2014/main" val="10004"/>
+                    <a16:rowId xmlns:a16="http://schemas.microsoft.com/office/drawing/2014/main" xmlns="" val="10004"/>
                   </a:ext>
                 </a:extLst>
               </a:tr>
@@ -24680,7 +26592,7 @@
                 </a:tc>
                 <a:extLst>
                   <a:ext uri="{0D108BD9-81ED-4DB2-BD59-A6C34878D82A}">
-                    <a16:rowId xmlns:a16="http://schemas.microsoft.com/office/drawing/2014/main" val="10005"/>
+                    <a16:rowId xmlns:a16="http://schemas.microsoft.com/office/drawing/2014/main" xmlns="" val="10005"/>
                   </a:ext>
                 </a:extLst>
               </a:tr>
@@ -24993,7 +26905,7 @@
                 </a:tc>
                 <a:extLst>
                   <a:ext uri="{0D108BD9-81ED-4DB2-BD59-A6C34878D82A}">
-                    <a16:rowId xmlns:a16="http://schemas.microsoft.com/office/drawing/2014/main" val="10006"/>
+                    <a16:rowId xmlns:a16="http://schemas.microsoft.com/office/drawing/2014/main" xmlns="" val="10006"/>
                   </a:ext>
                 </a:extLst>
               </a:tr>
@@ -25212,7 +27124,7 @@
                 </a:tc>
                 <a:extLst>
                   <a:ext uri="{0D108BD9-81ED-4DB2-BD59-A6C34878D82A}">
-                    <a16:rowId xmlns:a16="http://schemas.microsoft.com/office/drawing/2014/main" val="10007"/>
+                    <a16:rowId xmlns:a16="http://schemas.microsoft.com/office/drawing/2014/main" xmlns="" val="10007"/>
                   </a:ext>
                 </a:extLst>
               </a:tr>
@@ -25525,7 +27437,7 @@
                 </a:tc>
                 <a:extLst>
                   <a:ext uri="{0D108BD9-81ED-4DB2-BD59-A6C34878D82A}">
-                    <a16:rowId xmlns:a16="http://schemas.microsoft.com/office/drawing/2014/main" val="10008"/>
+                    <a16:rowId xmlns:a16="http://schemas.microsoft.com/office/drawing/2014/main" xmlns="" val="10008"/>
                   </a:ext>
                 </a:extLst>
               </a:tr>
@@ -25812,7 +27724,7 @@
                 </a:tc>
                 <a:extLst>
                   <a:ext uri="{0D108BD9-81ED-4DB2-BD59-A6C34878D82A}">
-                    <a16:rowId xmlns:a16="http://schemas.microsoft.com/office/drawing/2014/main" val="10009"/>
+                    <a16:rowId xmlns:a16="http://schemas.microsoft.com/office/drawing/2014/main" xmlns="" val="10009"/>
                   </a:ext>
                 </a:extLst>
               </a:tr>
@@ -25980,10 +27892,17 @@
   <p:clrMapOvr>
     <a:masterClrMapping/>
   </p:clrMapOvr>
+  <p:timing>
+    <p:tnLst>
+      <p:par>
+        <p:cTn id="1" dur="indefinite" restart="never" nodeType="tmRoot"/>
+      </p:par>
+    </p:tnLst>
+  </p:timing>
 </p:sld>
 </file>
 
-<file path=ppt/slides/slide18.xml><?xml version="1.0" encoding="utf-8"?>
+<file path=ppt/slides/slide19.xml><?xml version="1.0" encoding="utf-8"?>
 <p:sld xmlns:a="http://schemas.openxmlformats.org/drawingml/2006/main" xmlns:r="http://schemas.openxmlformats.org/officeDocument/2006/relationships" xmlns:p="http://schemas.openxmlformats.org/presentationml/2006/main">
   <p:cSld>
     <p:spTree>
@@ -26192,232 +28111,6 @@
     <p:extLst>
       <p:ext uri="{BB962C8B-B14F-4D97-AF65-F5344CB8AC3E}">
         <p14:creationId xmlns:p14="http://schemas.microsoft.com/office/powerpoint/2010/main" val="2802849161"/>
-      </p:ext>
-    </p:extLst>
-  </p:cSld>
-  <p:clrMapOvr>
-    <a:masterClrMapping/>
-  </p:clrMapOvr>
-</p:sld>
-</file>
-
-<file path=ppt/slides/slide19.xml><?xml version="1.0" encoding="utf-8"?>
-<p:sld xmlns:a="http://schemas.openxmlformats.org/drawingml/2006/main" xmlns:r="http://schemas.openxmlformats.org/officeDocument/2006/relationships" xmlns:p="http://schemas.openxmlformats.org/presentationml/2006/main">
-  <p:cSld>
-    <p:spTree>
-      <p:nvGrpSpPr>
-        <p:cNvPr id="1" name=""/>
-        <p:cNvGrpSpPr/>
-        <p:nvPr/>
-      </p:nvGrpSpPr>
-      <p:grpSpPr>
-        <a:xfrm>
-          <a:off x="0" y="0"/>
-          <a:ext cx="0" cy="0"/>
-          <a:chOff x="0" y="0"/>
-          <a:chExt cx="0" cy="0"/>
-        </a:xfrm>
-      </p:grpSpPr>
-      <p:pic>
-        <p:nvPicPr>
-          <p:cNvPr id="5" name="Picture 2" descr="Resultado de imagen de online business school"/>
-          <p:cNvPicPr>
-            <a:picLocks noChangeAspect="1" noChangeArrowheads="1"/>
-          </p:cNvPicPr>
-          <p:nvPr/>
-        </p:nvPicPr>
-        <p:blipFill>
-          <a:blip r:embed="rId2" cstate="print">
-            <a:extLst>
-              <a:ext uri="{28A0092B-C50C-407E-A947-70E740481C1C}">
-                <a14:useLocalDpi xmlns:a14="http://schemas.microsoft.com/office/drawing/2010/main" val="0"/>
-              </a:ext>
-            </a:extLst>
-          </a:blip>
-          <a:srcRect/>
-          <a:stretch>
-            <a:fillRect/>
-          </a:stretch>
-        </p:blipFill>
-        <p:spPr bwMode="auto">
-          <a:xfrm>
-            <a:off x="251520" y="188640"/>
-            <a:ext cx="1340768" cy="243776"/>
-          </a:xfrm>
-          <a:prstGeom prst="rect">
-            <a:avLst/>
-          </a:prstGeom>
-          <a:noFill/>
-          <a:extLst>
-            <a:ext uri="{909E8E84-426E-40DD-AFC4-6F175D3DCCD1}">
-              <a14:hiddenFill xmlns:a14="http://schemas.microsoft.com/office/drawing/2010/main">
-                <a:solidFill>
-                  <a:srgbClr val="FFFFFF"/>
-                </a:solidFill>
-              </a14:hiddenFill>
-            </a:ext>
-          </a:extLst>
-        </p:spPr>
-      </p:pic>
-      <p:pic>
-        <p:nvPicPr>
-          <p:cNvPr id="6" name="Picture 4" descr="Resultado de imagen de universitat barcelona"/>
-          <p:cNvPicPr>
-            <a:picLocks noChangeAspect="1" noChangeArrowheads="1"/>
-          </p:cNvPicPr>
-          <p:nvPr/>
-        </p:nvPicPr>
-        <p:blipFill>
-          <a:blip r:embed="rId3" cstate="print">
-            <a:extLst>
-              <a:ext uri="{28A0092B-C50C-407E-A947-70E740481C1C}">
-                <a14:useLocalDpi xmlns:a14="http://schemas.microsoft.com/office/drawing/2010/main" val="0"/>
-              </a:ext>
-            </a:extLst>
-          </a:blip>
-          <a:srcRect/>
-          <a:stretch>
-            <a:fillRect/>
-          </a:stretch>
-        </p:blipFill>
-        <p:spPr bwMode="auto">
-          <a:xfrm>
-            <a:off x="7596336" y="135234"/>
-            <a:ext cx="1196871" cy="350587"/>
-          </a:xfrm>
-          <a:prstGeom prst="rect">
-            <a:avLst/>
-          </a:prstGeom>
-          <a:noFill/>
-          <a:extLst>
-            <a:ext uri="{909E8E84-426E-40DD-AFC4-6F175D3DCCD1}">
-              <a14:hiddenFill xmlns:a14="http://schemas.microsoft.com/office/drawing/2010/main">
-                <a:solidFill>
-                  <a:srgbClr val="FFFFFF"/>
-                </a:solidFill>
-              </a14:hiddenFill>
-            </a:ext>
-          </a:extLst>
-        </p:spPr>
-      </p:pic>
-      <p:sp>
-        <p:nvSpPr>
-          <p:cNvPr id="7" name="Title 1"/>
-          <p:cNvSpPr txBox="1">
-            <a:spLocks/>
-          </p:cNvSpPr>
-          <p:nvPr/>
-        </p:nvSpPr>
-        <p:spPr>
-          <a:xfrm>
-            <a:off x="32716" y="476672"/>
-            <a:ext cx="8229600" cy="341437"/>
-          </a:xfrm>
-          <a:prstGeom prst="rect">
-            <a:avLst/>
-          </a:prstGeom>
-        </p:spPr>
-        <p:txBody>
-          <a:bodyPr vert="horz" lIns="91440" tIns="45720" rIns="91440" bIns="45720" rtlCol="0" anchor="ctr">
-            <a:normAutofit fontScale="90000" lnSpcReduction="20000"/>
-          </a:bodyPr>
-          <a:lstStyle>
-            <a:lvl1pPr algn="ctr" defTabSz="914400" rtl="0" eaLnBrk="1" latinLnBrk="0" hangingPunct="1">
-              <a:spcBef>
-                <a:spcPct val="0"/>
-              </a:spcBef>
-              <a:buNone/>
-              <a:defRPr sz="4400" kern="1200">
-                <a:solidFill>
-                  <a:schemeClr val="tx1"/>
-                </a:solidFill>
-                <a:latin typeface="+mj-lt"/>
-                <a:ea typeface="+mj-ea"/>
-                <a:cs typeface="+mj-cs"/>
-              </a:defRPr>
-            </a:lvl1pPr>
-          </a:lstStyle>
-          <a:p>
-            <a:pPr algn="l"/>
-            <a:r>
-              <a:rPr lang="es-CO" sz="2000" b="1" i="1" dirty="0">
-                <a:solidFill>
-                  <a:schemeClr val="tx2"/>
-                </a:solidFill>
-                <a:effectLst>
-                  <a:outerShdw blurRad="38100" dist="38100" dir="2700000" algn="tl">
-                    <a:srgbClr val="000000">
-                      <a:alpha val="43137"/>
-                    </a:srgbClr>
-                  </a:outerShdw>
-                </a:effectLst>
-              </a:rPr>
-              <a:t>14. </a:t>
-            </a:r>
-            <a:r>
-              <a:rPr lang="es-CO" sz="2200" b="1" i="1" dirty="0">
-                <a:solidFill>
-                  <a:schemeClr val="tx2"/>
-                </a:solidFill>
-                <a:effectLst>
-                  <a:outerShdw blurRad="38100" dist="38100" dir="2700000" algn="tl">
-                    <a:srgbClr val="000000">
-                      <a:alpha val="43137"/>
-                    </a:srgbClr>
-                  </a:outerShdw>
-                </a:effectLst>
-              </a:rPr>
-              <a:t>MARCO DE VIGILANCIA Y LEGAL</a:t>
-            </a:r>
-            <a:endParaRPr lang="es-ES" sz="2000" b="1" i="1" dirty="0">
-              <a:solidFill>
-                <a:schemeClr val="tx2"/>
-              </a:solidFill>
-              <a:effectLst>
-                <a:outerShdw blurRad="38100" dist="38100" dir="2700000" algn="tl">
-                  <a:srgbClr val="000000">
-                    <a:alpha val="43137"/>
-                  </a:srgbClr>
-                </a:outerShdw>
-              </a:effectLst>
-            </a:endParaRPr>
-          </a:p>
-        </p:txBody>
-      </p:sp>
-      <p:pic>
-        <p:nvPicPr>
-          <p:cNvPr id="8" name="Imagen 7"/>
-          <p:cNvPicPr/>
-          <p:nvPr/>
-        </p:nvPicPr>
-        <p:blipFill>
-          <a:blip r:embed="rId4" cstate="print"/>
-          <a:srcRect/>
-          <a:stretch>
-            <a:fillRect/>
-          </a:stretch>
-        </p:blipFill>
-        <p:spPr bwMode="auto">
-          <a:xfrm>
-            <a:off x="755576" y="1700808"/>
-            <a:ext cx="7722764" cy="4248471"/>
-          </a:xfrm>
-          <a:prstGeom prst="rect">
-            <a:avLst/>
-          </a:prstGeom>
-          <a:noFill/>
-          <a:ln w="9525">
-            <a:noFill/>
-            <a:miter lim="800000"/>
-            <a:headEnd/>
-            <a:tailEnd/>
-          </a:ln>
-        </p:spPr>
-      </p:pic>
-    </p:spTree>
-    <p:extLst>
-      <p:ext uri="{BB962C8B-B14F-4D97-AF65-F5344CB8AC3E}">
-        <p14:creationId xmlns:p14="http://schemas.microsoft.com/office/powerpoint/2010/main" val="1101465350"/>
       </p:ext>
     </p:extLst>
   </p:cSld>
@@ -26813,6 +28506,232 @@
 </file>
 
 <file path=ppt/slides/slide20.xml><?xml version="1.0" encoding="utf-8"?>
+<p:sld xmlns:a="http://schemas.openxmlformats.org/drawingml/2006/main" xmlns:r="http://schemas.openxmlformats.org/officeDocument/2006/relationships" xmlns:p="http://schemas.openxmlformats.org/presentationml/2006/main">
+  <p:cSld>
+    <p:spTree>
+      <p:nvGrpSpPr>
+        <p:cNvPr id="1" name=""/>
+        <p:cNvGrpSpPr/>
+        <p:nvPr/>
+      </p:nvGrpSpPr>
+      <p:grpSpPr>
+        <a:xfrm>
+          <a:off x="0" y="0"/>
+          <a:ext cx="0" cy="0"/>
+          <a:chOff x="0" y="0"/>
+          <a:chExt cx="0" cy="0"/>
+        </a:xfrm>
+      </p:grpSpPr>
+      <p:pic>
+        <p:nvPicPr>
+          <p:cNvPr id="5" name="Picture 2" descr="Resultado de imagen de online business school"/>
+          <p:cNvPicPr>
+            <a:picLocks noChangeAspect="1" noChangeArrowheads="1"/>
+          </p:cNvPicPr>
+          <p:nvPr/>
+        </p:nvPicPr>
+        <p:blipFill>
+          <a:blip r:embed="rId2" cstate="print">
+            <a:extLst>
+              <a:ext uri="{28A0092B-C50C-407E-A947-70E740481C1C}">
+                <a14:useLocalDpi xmlns:a14="http://schemas.microsoft.com/office/drawing/2010/main" val="0"/>
+              </a:ext>
+            </a:extLst>
+          </a:blip>
+          <a:srcRect/>
+          <a:stretch>
+            <a:fillRect/>
+          </a:stretch>
+        </p:blipFill>
+        <p:spPr bwMode="auto">
+          <a:xfrm>
+            <a:off x="251520" y="188640"/>
+            <a:ext cx="1340768" cy="243776"/>
+          </a:xfrm>
+          <a:prstGeom prst="rect">
+            <a:avLst/>
+          </a:prstGeom>
+          <a:noFill/>
+          <a:extLst>
+            <a:ext uri="{909E8E84-426E-40DD-AFC4-6F175D3DCCD1}">
+              <a14:hiddenFill xmlns:a14="http://schemas.microsoft.com/office/drawing/2010/main">
+                <a:solidFill>
+                  <a:srgbClr val="FFFFFF"/>
+                </a:solidFill>
+              </a14:hiddenFill>
+            </a:ext>
+          </a:extLst>
+        </p:spPr>
+      </p:pic>
+      <p:pic>
+        <p:nvPicPr>
+          <p:cNvPr id="6" name="Picture 4" descr="Resultado de imagen de universitat barcelona"/>
+          <p:cNvPicPr>
+            <a:picLocks noChangeAspect="1" noChangeArrowheads="1"/>
+          </p:cNvPicPr>
+          <p:nvPr/>
+        </p:nvPicPr>
+        <p:blipFill>
+          <a:blip r:embed="rId3" cstate="print">
+            <a:extLst>
+              <a:ext uri="{28A0092B-C50C-407E-A947-70E740481C1C}">
+                <a14:useLocalDpi xmlns:a14="http://schemas.microsoft.com/office/drawing/2010/main" val="0"/>
+              </a:ext>
+            </a:extLst>
+          </a:blip>
+          <a:srcRect/>
+          <a:stretch>
+            <a:fillRect/>
+          </a:stretch>
+        </p:blipFill>
+        <p:spPr bwMode="auto">
+          <a:xfrm>
+            <a:off x="7596336" y="135234"/>
+            <a:ext cx="1196871" cy="350587"/>
+          </a:xfrm>
+          <a:prstGeom prst="rect">
+            <a:avLst/>
+          </a:prstGeom>
+          <a:noFill/>
+          <a:extLst>
+            <a:ext uri="{909E8E84-426E-40DD-AFC4-6F175D3DCCD1}">
+              <a14:hiddenFill xmlns:a14="http://schemas.microsoft.com/office/drawing/2010/main">
+                <a:solidFill>
+                  <a:srgbClr val="FFFFFF"/>
+                </a:solidFill>
+              </a14:hiddenFill>
+            </a:ext>
+          </a:extLst>
+        </p:spPr>
+      </p:pic>
+      <p:sp>
+        <p:nvSpPr>
+          <p:cNvPr id="7" name="Title 1"/>
+          <p:cNvSpPr txBox="1">
+            <a:spLocks/>
+          </p:cNvSpPr>
+          <p:nvPr/>
+        </p:nvSpPr>
+        <p:spPr>
+          <a:xfrm>
+            <a:off x="32716" y="476672"/>
+            <a:ext cx="8229600" cy="341437"/>
+          </a:xfrm>
+          <a:prstGeom prst="rect">
+            <a:avLst/>
+          </a:prstGeom>
+        </p:spPr>
+        <p:txBody>
+          <a:bodyPr vert="horz" lIns="91440" tIns="45720" rIns="91440" bIns="45720" rtlCol="0" anchor="ctr">
+            <a:normAutofit fontScale="90000" lnSpcReduction="20000"/>
+          </a:bodyPr>
+          <a:lstStyle>
+            <a:lvl1pPr algn="ctr" defTabSz="914400" rtl="0" eaLnBrk="1" latinLnBrk="0" hangingPunct="1">
+              <a:spcBef>
+                <a:spcPct val="0"/>
+              </a:spcBef>
+              <a:buNone/>
+              <a:defRPr sz="4400" kern="1200">
+                <a:solidFill>
+                  <a:schemeClr val="tx1"/>
+                </a:solidFill>
+                <a:latin typeface="+mj-lt"/>
+                <a:ea typeface="+mj-ea"/>
+                <a:cs typeface="+mj-cs"/>
+              </a:defRPr>
+            </a:lvl1pPr>
+          </a:lstStyle>
+          <a:p>
+            <a:pPr algn="l"/>
+            <a:r>
+              <a:rPr lang="es-CO" sz="2000" b="1" i="1" dirty="0">
+                <a:solidFill>
+                  <a:schemeClr val="tx2"/>
+                </a:solidFill>
+                <a:effectLst>
+                  <a:outerShdw blurRad="38100" dist="38100" dir="2700000" algn="tl">
+                    <a:srgbClr val="000000">
+                      <a:alpha val="43137"/>
+                    </a:srgbClr>
+                  </a:outerShdw>
+                </a:effectLst>
+              </a:rPr>
+              <a:t>14. </a:t>
+            </a:r>
+            <a:r>
+              <a:rPr lang="es-CO" sz="2200" b="1" i="1" dirty="0">
+                <a:solidFill>
+                  <a:schemeClr val="tx2"/>
+                </a:solidFill>
+                <a:effectLst>
+                  <a:outerShdw blurRad="38100" dist="38100" dir="2700000" algn="tl">
+                    <a:srgbClr val="000000">
+                      <a:alpha val="43137"/>
+                    </a:srgbClr>
+                  </a:outerShdw>
+                </a:effectLst>
+              </a:rPr>
+              <a:t>MARCO DE VIGILANCIA Y LEGAL</a:t>
+            </a:r>
+            <a:endParaRPr lang="es-ES" sz="2000" b="1" i="1" dirty="0">
+              <a:solidFill>
+                <a:schemeClr val="tx2"/>
+              </a:solidFill>
+              <a:effectLst>
+                <a:outerShdw blurRad="38100" dist="38100" dir="2700000" algn="tl">
+                  <a:srgbClr val="000000">
+                    <a:alpha val="43137"/>
+                  </a:srgbClr>
+                </a:outerShdw>
+              </a:effectLst>
+            </a:endParaRPr>
+          </a:p>
+        </p:txBody>
+      </p:sp>
+      <p:pic>
+        <p:nvPicPr>
+          <p:cNvPr id="8" name="Imagen 7"/>
+          <p:cNvPicPr/>
+          <p:nvPr/>
+        </p:nvPicPr>
+        <p:blipFill>
+          <a:blip r:embed="rId4" cstate="print"/>
+          <a:srcRect/>
+          <a:stretch>
+            <a:fillRect/>
+          </a:stretch>
+        </p:blipFill>
+        <p:spPr bwMode="auto">
+          <a:xfrm>
+            <a:off x="755576" y="1700808"/>
+            <a:ext cx="7722764" cy="4248471"/>
+          </a:xfrm>
+          <a:prstGeom prst="rect">
+            <a:avLst/>
+          </a:prstGeom>
+          <a:noFill/>
+          <a:ln w="9525">
+            <a:noFill/>
+            <a:miter lim="800000"/>
+            <a:headEnd/>
+            <a:tailEnd/>
+          </a:ln>
+        </p:spPr>
+      </p:pic>
+    </p:spTree>
+    <p:extLst>
+      <p:ext uri="{BB962C8B-B14F-4D97-AF65-F5344CB8AC3E}">
+        <p14:creationId xmlns:p14="http://schemas.microsoft.com/office/powerpoint/2010/main" val="1101465350"/>
+      </p:ext>
+    </p:extLst>
+  </p:cSld>
+  <p:clrMapOvr>
+    <a:masterClrMapping/>
+  </p:clrMapOvr>
+</p:sld>
+</file>
+
+<file path=ppt/slides/slide21.xml><?xml version="1.0" encoding="utf-8"?>
 <p:sld xmlns:a="http://schemas.openxmlformats.org/drawingml/2006/main" xmlns:r="http://schemas.openxmlformats.org/officeDocument/2006/relationships" xmlns:p="http://schemas.openxmlformats.org/presentationml/2006/main">
   <p:cSld>
     <p:spTree>
@@ -28188,21 +30107,21 @@
                 <a:gridCol w="583091">
                   <a:extLst>
                     <a:ext uri="{9D8B030D-6E8A-4147-A177-3AD203B41FA5}">
-                      <a16:colId xmlns:a16="http://schemas.microsoft.com/office/drawing/2014/main" val="20000"/>
+                      <a16:colId xmlns:a16="http://schemas.microsoft.com/office/drawing/2014/main" xmlns="" val="20000"/>
                     </a:ext>
                   </a:extLst>
                 </a:gridCol>
                 <a:gridCol w="4555444">
                   <a:extLst>
                     <a:ext uri="{9D8B030D-6E8A-4147-A177-3AD203B41FA5}">
-                      <a16:colId xmlns:a16="http://schemas.microsoft.com/office/drawing/2014/main" val="20001"/>
+                      <a16:colId xmlns:a16="http://schemas.microsoft.com/office/drawing/2014/main" xmlns="" val="20001"/>
                     </a:ext>
                   </a:extLst>
                 </a:gridCol>
                 <a:gridCol w="2588692">
                   <a:extLst>
                     <a:ext uri="{9D8B030D-6E8A-4147-A177-3AD203B41FA5}">
-                      <a16:colId xmlns:a16="http://schemas.microsoft.com/office/drawing/2014/main" val="20002"/>
+                      <a16:colId xmlns:a16="http://schemas.microsoft.com/office/drawing/2014/main" xmlns="" val="20002"/>
                     </a:ext>
                   </a:extLst>
                 </a:gridCol>
@@ -28297,7 +30216,7 @@
                 </a:tc>
                 <a:extLst>
                   <a:ext uri="{0D108BD9-81ED-4DB2-BD59-A6C34878D82A}">
-                    <a16:rowId xmlns:a16="http://schemas.microsoft.com/office/drawing/2014/main" val="10000"/>
+                    <a16:rowId xmlns:a16="http://schemas.microsoft.com/office/drawing/2014/main" xmlns="" val="10000"/>
                   </a:ext>
                 </a:extLst>
               </a:tr>
@@ -28391,7 +30310,7 @@
                 </a:tc>
                 <a:extLst>
                   <a:ext uri="{0D108BD9-81ED-4DB2-BD59-A6C34878D82A}">
-                    <a16:rowId xmlns:a16="http://schemas.microsoft.com/office/drawing/2014/main" val="10001"/>
+                    <a16:rowId xmlns:a16="http://schemas.microsoft.com/office/drawing/2014/main" xmlns="" val="10001"/>
                   </a:ext>
                 </a:extLst>
               </a:tr>
@@ -28485,7 +30404,7 @@
                 </a:tc>
                 <a:extLst>
                   <a:ext uri="{0D108BD9-81ED-4DB2-BD59-A6C34878D82A}">
-                    <a16:rowId xmlns:a16="http://schemas.microsoft.com/office/drawing/2014/main" val="10002"/>
+                    <a16:rowId xmlns:a16="http://schemas.microsoft.com/office/drawing/2014/main" xmlns="" val="10002"/>
                   </a:ext>
                 </a:extLst>
               </a:tr>
@@ -28579,7 +30498,7 @@
                 </a:tc>
                 <a:extLst>
                   <a:ext uri="{0D108BD9-81ED-4DB2-BD59-A6C34878D82A}">
-                    <a16:rowId xmlns:a16="http://schemas.microsoft.com/office/drawing/2014/main" val="10003"/>
+                    <a16:rowId xmlns:a16="http://schemas.microsoft.com/office/drawing/2014/main" xmlns="" val="10003"/>
                   </a:ext>
                 </a:extLst>
               </a:tr>
@@ -28673,7 +30592,7 @@
                 </a:tc>
                 <a:extLst>
                   <a:ext uri="{0D108BD9-81ED-4DB2-BD59-A6C34878D82A}">
-                    <a16:rowId xmlns:a16="http://schemas.microsoft.com/office/drawing/2014/main" val="10004"/>
+                    <a16:rowId xmlns:a16="http://schemas.microsoft.com/office/drawing/2014/main" xmlns="" val="10004"/>
                   </a:ext>
                 </a:extLst>
               </a:tr>
@@ -28767,7 +30686,7 @@
                 </a:tc>
                 <a:extLst>
                   <a:ext uri="{0D108BD9-81ED-4DB2-BD59-A6C34878D82A}">
-                    <a16:rowId xmlns:a16="http://schemas.microsoft.com/office/drawing/2014/main" val="10005"/>
+                    <a16:rowId xmlns:a16="http://schemas.microsoft.com/office/drawing/2014/main" xmlns="" val="10005"/>
                   </a:ext>
                 </a:extLst>
               </a:tr>
@@ -28861,7 +30780,7 @@
                 </a:tc>
                 <a:extLst>
                   <a:ext uri="{0D108BD9-81ED-4DB2-BD59-A6C34878D82A}">
-                    <a16:rowId xmlns:a16="http://schemas.microsoft.com/office/drawing/2014/main" val="10006"/>
+                    <a16:rowId xmlns:a16="http://schemas.microsoft.com/office/drawing/2014/main" xmlns="" val="10006"/>
                   </a:ext>
                 </a:extLst>
               </a:tr>
@@ -28955,7 +30874,7 @@
                 </a:tc>
                 <a:extLst>
                   <a:ext uri="{0D108BD9-81ED-4DB2-BD59-A6C34878D82A}">
-                    <a16:rowId xmlns:a16="http://schemas.microsoft.com/office/drawing/2014/main" val="10007"/>
+                    <a16:rowId xmlns:a16="http://schemas.microsoft.com/office/drawing/2014/main" xmlns="" val="10007"/>
                   </a:ext>
                 </a:extLst>
               </a:tr>
@@ -29049,7 +30968,7 @@
                 </a:tc>
                 <a:extLst>
                   <a:ext uri="{0D108BD9-81ED-4DB2-BD59-A6C34878D82A}">
-                    <a16:rowId xmlns:a16="http://schemas.microsoft.com/office/drawing/2014/main" val="10008"/>
+                    <a16:rowId xmlns:a16="http://schemas.microsoft.com/office/drawing/2014/main" xmlns="" val="10008"/>
                   </a:ext>
                 </a:extLst>
               </a:tr>
@@ -29143,7 +31062,7 @@
                 </a:tc>
                 <a:extLst>
                   <a:ext uri="{0D108BD9-81ED-4DB2-BD59-A6C34878D82A}">
-                    <a16:rowId xmlns:a16="http://schemas.microsoft.com/office/drawing/2014/main" val="10009"/>
+                    <a16:rowId xmlns:a16="http://schemas.microsoft.com/office/drawing/2014/main" xmlns="" val="10009"/>
                   </a:ext>
                 </a:extLst>
               </a:tr>
@@ -29226,7 +31145,7 @@
                 </a:tc>
                 <a:extLst>
                   <a:ext uri="{0D108BD9-81ED-4DB2-BD59-A6C34878D82A}">
-                    <a16:rowId xmlns:a16="http://schemas.microsoft.com/office/drawing/2014/main" val="10010"/>
+                    <a16:rowId xmlns:a16="http://schemas.microsoft.com/office/drawing/2014/main" xmlns="" val="10010"/>
                   </a:ext>
                 </a:extLst>
               </a:tr>
@@ -29694,70 +31613,70 @@
                 <a:gridCol w="504056">
                   <a:extLst>
                     <a:ext uri="{9D8B030D-6E8A-4147-A177-3AD203B41FA5}">
-                      <a16:colId xmlns:a16="http://schemas.microsoft.com/office/drawing/2014/main" val="20000"/>
+                      <a16:colId xmlns:a16="http://schemas.microsoft.com/office/drawing/2014/main" xmlns="" val="20000"/>
                     </a:ext>
                   </a:extLst>
                 </a:gridCol>
                 <a:gridCol w="936104">
                   <a:extLst>
                     <a:ext uri="{9D8B030D-6E8A-4147-A177-3AD203B41FA5}">
-                      <a16:colId xmlns:a16="http://schemas.microsoft.com/office/drawing/2014/main" val="20001"/>
+                      <a16:colId xmlns:a16="http://schemas.microsoft.com/office/drawing/2014/main" xmlns="" val="20001"/>
                     </a:ext>
                   </a:extLst>
                 </a:gridCol>
                 <a:gridCol w="1594520">
                   <a:extLst>
                     <a:ext uri="{9D8B030D-6E8A-4147-A177-3AD203B41FA5}">
-                      <a16:colId xmlns:a16="http://schemas.microsoft.com/office/drawing/2014/main" val="20002"/>
+                      <a16:colId xmlns:a16="http://schemas.microsoft.com/office/drawing/2014/main" xmlns="" val="20002"/>
                     </a:ext>
                   </a:extLst>
                 </a:gridCol>
                 <a:gridCol w="576064">
                   <a:extLst>
                     <a:ext uri="{9D8B030D-6E8A-4147-A177-3AD203B41FA5}">
-                      <a16:colId xmlns:a16="http://schemas.microsoft.com/office/drawing/2014/main" val="20003"/>
+                      <a16:colId xmlns:a16="http://schemas.microsoft.com/office/drawing/2014/main" xmlns="" val="20003"/>
                     </a:ext>
                   </a:extLst>
                 </a:gridCol>
                 <a:gridCol w="648072">
                   <a:extLst>
                     <a:ext uri="{9D8B030D-6E8A-4147-A177-3AD203B41FA5}">
-                      <a16:colId xmlns:a16="http://schemas.microsoft.com/office/drawing/2014/main" val="20004"/>
+                      <a16:colId xmlns:a16="http://schemas.microsoft.com/office/drawing/2014/main" xmlns="" val="20004"/>
                     </a:ext>
                   </a:extLst>
                 </a:gridCol>
                 <a:gridCol w="720080">
                   <a:extLst>
                     <a:ext uri="{9D8B030D-6E8A-4147-A177-3AD203B41FA5}">
-                      <a16:colId xmlns:a16="http://schemas.microsoft.com/office/drawing/2014/main" val="20005"/>
+                      <a16:colId xmlns:a16="http://schemas.microsoft.com/office/drawing/2014/main" xmlns="" val="20005"/>
                     </a:ext>
                   </a:extLst>
                 </a:gridCol>
                 <a:gridCol w="360040">
                   <a:extLst>
                     <a:ext uri="{9D8B030D-6E8A-4147-A177-3AD203B41FA5}">
-                      <a16:colId xmlns:a16="http://schemas.microsoft.com/office/drawing/2014/main" val="20006"/>
+                      <a16:colId xmlns:a16="http://schemas.microsoft.com/office/drawing/2014/main" xmlns="" val="20006"/>
                     </a:ext>
                   </a:extLst>
                 </a:gridCol>
                 <a:gridCol w="432048">
                   <a:extLst>
                     <a:ext uri="{9D8B030D-6E8A-4147-A177-3AD203B41FA5}">
-                      <a16:colId xmlns:a16="http://schemas.microsoft.com/office/drawing/2014/main" val="20007"/>
+                      <a16:colId xmlns:a16="http://schemas.microsoft.com/office/drawing/2014/main" xmlns="" val="20007"/>
                     </a:ext>
                   </a:extLst>
                 </a:gridCol>
                 <a:gridCol w="648072">
                   <a:extLst>
                     <a:ext uri="{9D8B030D-6E8A-4147-A177-3AD203B41FA5}">
-                      <a16:colId xmlns:a16="http://schemas.microsoft.com/office/drawing/2014/main" val="20008"/>
+                      <a16:colId xmlns:a16="http://schemas.microsoft.com/office/drawing/2014/main" xmlns="" val="20008"/>
                     </a:ext>
                   </a:extLst>
                 </a:gridCol>
                 <a:gridCol w="1810544">
                   <a:extLst>
                     <a:ext uri="{9D8B030D-6E8A-4147-A177-3AD203B41FA5}">
-                      <a16:colId xmlns:a16="http://schemas.microsoft.com/office/drawing/2014/main" val="20009"/>
+                      <a16:colId xmlns:a16="http://schemas.microsoft.com/office/drawing/2014/main" xmlns="" val="20009"/>
                     </a:ext>
                   </a:extLst>
                 </a:gridCol>
@@ -29917,7 +31836,7 @@
                 </a:tc>
                 <a:extLst>
                   <a:ext uri="{0D108BD9-81ED-4DB2-BD59-A6C34878D82A}">
-                    <a16:rowId xmlns:a16="http://schemas.microsoft.com/office/drawing/2014/main" val="10000"/>
+                    <a16:rowId xmlns:a16="http://schemas.microsoft.com/office/drawing/2014/main" xmlns="" val="10000"/>
                   </a:ext>
                 </a:extLst>
               </a:tr>
@@ -30126,7 +32045,7 @@
                 </a:tc>
                 <a:extLst>
                   <a:ext uri="{0D108BD9-81ED-4DB2-BD59-A6C34878D82A}">
-                    <a16:rowId xmlns:a16="http://schemas.microsoft.com/office/drawing/2014/main" val="10001"/>
+                    <a16:rowId xmlns:a16="http://schemas.microsoft.com/office/drawing/2014/main" xmlns="" val="10001"/>
                   </a:ext>
                 </a:extLst>
               </a:tr>
@@ -30285,7 +32204,7 @@
                 </a:tc>
                 <a:extLst>
                   <a:ext uri="{0D108BD9-81ED-4DB2-BD59-A6C34878D82A}">
-                    <a16:rowId xmlns:a16="http://schemas.microsoft.com/office/drawing/2014/main" val="10002"/>
+                    <a16:rowId xmlns:a16="http://schemas.microsoft.com/office/drawing/2014/main" xmlns="" val="10002"/>
                   </a:ext>
                 </a:extLst>
               </a:tr>
@@ -30522,7 +32441,7 @@
                 </a:tc>
                 <a:extLst>
                   <a:ext uri="{0D108BD9-81ED-4DB2-BD59-A6C34878D82A}">
-                    <a16:rowId xmlns:a16="http://schemas.microsoft.com/office/drawing/2014/main" val="10003"/>
+                    <a16:rowId xmlns:a16="http://schemas.microsoft.com/office/drawing/2014/main" xmlns="" val="10003"/>
                   </a:ext>
                 </a:extLst>
               </a:tr>
@@ -30771,7 +32690,7 @@
                 </a:tc>
                 <a:extLst>
                   <a:ext uri="{0D108BD9-81ED-4DB2-BD59-A6C34878D82A}">
-                    <a16:rowId xmlns:a16="http://schemas.microsoft.com/office/drawing/2014/main" val="10004"/>
+                    <a16:rowId xmlns:a16="http://schemas.microsoft.com/office/drawing/2014/main" xmlns="" val="10004"/>
                   </a:ext>
                 </a:extLst>
               </a:tr>
@@ -31020,7 +32939,7 @@
                 </a:tc>
                 <a:extLst>
                   <a:ext uri="{0D108BD9-81ED-4DB2-BD59-A6C34878D82A}">
-                    <a16:rowId xmlns:a16="http://schemas.microsoft.com/office/drawing/2014/main" val="10005"/>
+                    <a16:rowId xmlns:a16="http://schemas.microsoft.com/office/drawing/2014/main" xmlns="" val="10005"/>
                   </a:ext>
                 </a:extLst>
               </a:tr>
@@ -31287,7 +33206,7 @@
                 </a:tc>
                 <a:extLst>
                   <a:ext uri="{0D108BD9-81ED-4DB2-BD59-A6C34878D82A}">
-                    <a16:rowId xmlns:a16="http://schemas.microsoft.com/office/drawing/2014/main" val="10006"/>
+                    <a16:rowId xmlns:a16="http://schemas.microsoft.com/office/drawing/2014/main" xmlns="" val="10006"/>
                   </a:ext>
                 </a:extLst>
               </a:tr>
@@ -31529,7 +33448,7 @@
                 </a:tc>
                 <a:extLst>
                   <a:ext uri="{0D108BD9-81ED-4DB2-BD59-A6C34878D82A}">
-                    <a16:rowId xmlns:a16="http://schemas.microsoft.com/office/drawing/2014/main" val="10007"/>
+                    <a16:rowId xmlns:a16="http://schemas.microsoft.com/office/drawing/2014/main" xmlns="" val="10007"/>
                   </a:ext>
                 </a:extLst>
               </a:tr>
@@ -31766,7 +33685,7 @@
                 </a:tc>
                 <a:extLst>
                   <a:ext uri="{0D108BD9-81ED-4DB2-BD59-A6C34878D82A}">
-                    <a16:rowId xmlns:a16="http://schemas.microsoft.com/office/drawing/2014/main" val="10008"/>
+                    <a16:rowId xmlns:a16="http://schemas.microsoft.com/office/drawing/2014/main" xmlns="" val="10008"/>
                   </a:ext>
                 </a:extLst>
               </a:tr>
@@ -31802,28 +33721,28 @@
                 <a:gridCol w="1016000">
                   <a:extLst>
                     <a:ext uri="{9D8B030D-6E8A-4147-A177-3AD203B41FA5}">
-                      <a16:colId xmlns:a16="http://schemas.microsoft.com/office/drawing/2014/main" val="20000"/>
+                      <a16:colId xmlns:a16="http://schemas.microsoft.com/office/drawing/2014/main" xmlns="" val="20000"/>
                     </a:ext>
                   </a:extLst>
                 </a:gridCol>
                 <a:gridCol w="1016000">
                   <a:extLst>
                     <a:ext uri="{9D8B030D-6E8A-4147-A177-3AD203B41FA5}">
-                      <a16:colId xmlns:a16="http://schemas.microsoft.com/office/drawing/2014/main" val="20001"/>
+                      <a16:colId xmlns:a16="http://schemas.microsoft.com/office/drawing/2014/main" xmlns="" val="20001"/>
                     </a:ext>
                   </a:extLst>
                 </a:gridCol>
                 <a:gridCol w="920328">
                   <a:extLst>
                     <a:ext uri="{9D8B030D-6E8A-4147-A177-3AD203B41FA5}">
-                      <a16:colId xmlns:a16="http://schemas.microsoft.com/office/drawing/2014/main" val="20002"/>
+                      <a16:colId xmlns:a16="http://schemas.microsoft.com/office/drawing/2014/main" xmlns="" val="20002"/>
                     </a:ext>
                   </a:extLst>
                 </a:gridCol>
                 <a:gridCol w="1111672">
                   <a:extLst>
                     <a:ext uri="{9D8B030D-6E8A-4147-A177-3AD203B41FA5}">
-                      <a16:colId xmlns:a16="http://schemas.microsoft.com/office/drawing/2014/main" val="20003"/>
+                      <a16:colId xmlns:a16="http://schemas.microsoft.com/office/drawing/2014/main" xmlns="" val="20003"/>
                     </a:ext>
                   </a:extLst>
                 </a:gridCol>
@@ -31891,7 +33810,7 @@
                 </a:tc>
                 <a:extLst>
                   <a:ext uri="{0D108BD9-81ED-4DB2-BD59-A6C34878D82A}">
-                    <a16:rowId xmlns:a16="http://schemas.microsoft.com/office/drawing/2014/main" val="10000"/>
+                    <a16:rowId xmlns:a16="http://schemas.microsoft.com/office/drawing/2014/main" xmlns="" val="10000"/>
                   </a:ext>
                 </a:extLst>
               </a:tr>
@@ -31958,7 +33877,7 @@
                 </a:tc>
                 <a:extLst>
                   <a:ext uri="{0D108BD9-81ED-4DB2-BD59-A6C34878D82A}">
-                    <a16:rowId xmlns:a16="http://schemas.microsoft.com/office/drawing/2014/main" val="10001"/>
+                    <a16:rowId xmlns:a16="http://schemas.microsoft.com/office/drawing/2014/main" xmlns="" val="10001"/>
                   </a:ext>
                 </a:extLst>
               </a:tr>
